--- a/ZASTOSOWANIE_INFORMATYKI/1A-gr_2/Zastosowanie informatyki - 1A gr. 2-plik2.pptx
+++ b/ZASTOSOWANIE_INFORMATYKI/1A-gr_2/Zastosowanie informatyki - 1A gr. 2-plik2.pptx
@@ -19,28 +19,38 @@
     <p:sldId id="264" r:id="rId14"/>
     <p:sldId id="265" r:id="rId15"/>
     <p:sldId id="266" r:id="rId16"/>
+    <p:sldId id="267" r:id="rId17"/>
+    <p:sldId id="268" r:id="rId18"/>
+    <p:sldId id="269" r:id="rId19"/>
+    <p:sldId id="270" r:id="rId20"/>
+    <p:sldId id="271" r:id="rId21"/>
+    <p:sldId id="272" r:id="rId22"/>
+    <p:sldId id="273" r:id="rId23"/>
+    <p:sldId id="274" r:id="rId24"/>
+    <p:sldId id="275" r:id="rId25"/>
+    <p:sldId id="276" r:id="rId26"/>
   </p:sldIdLst>
   <p:sldSz cy="5143500" cx="9144000"/>
   <p:notesSz cx="6858000" cy="9144000"/>
   <p:embeddedFontLst>
     <p:embeddedFont>
       <p:font typeface="Raleway"/>
-      <p:regular r:id="rId17"/>
-      <p:bold r:id="rId18"/>
-      <p:italic r:id="rId19"/>
-      <p:boldItalic r:id="rId20"/>
+      <p:regular r:id="rId27"/>
+      <p:bold r:id="rId28"/>
+      <p:italic r:id="rId29"/>
+      <p:boldItalic r:id="rId30"/>
     </p:embeddedFont>
     <p:embeddedFont>
       <p:font typeface="Lato"/>
-      <p:regular r:id="rId21"/>
-      <p:bold r:id="rId22"/>
-      <p:italic r:id="rId23"/>
-      <p:boldItalic r:id="rId24"/>
+      <p:regular r:id="rId31"/>
+      <p:bold r:id="rId32"/>
+      <p:italic r:id="rId33"/>
+      <p:boldItalic r:id="rId34"/>
     </p:embeddedFont>
     <p:embeddedFont>
       <p:font typeface="Tahoma"/>
-      <p:regular r:id="rId25"/>
-      <p:bold r:id="rId26"/>
+      <p:regular r:id="rId35"/>
+      <p:bold r:id="rId36"/>
     </p:embeddedFont>
   </p:embeddedFontLst>
   <p:defaultTextStyle>
@@ -1014,6 +1024,798 @@
 </p:notes>
 </file>
 
+<file path=ppt/notesSlides/notesSlide12.xml><?xml version="1.0" encoding="utf-8"?>
+<p:notes xmlns:a="http://schemas.openxmlformats.org/drawingml/2006/main" xmlns:r="http://schemas.openxmlformats.org/officeDocument/2006/relationships" xmlns:mc="http://schemas.openxmlformats.org/markup-compatibility/2006" xmlns:mv="urn:schemas-microsoft-com:mac:vml" xmlns:p="http://schemas.openxmlformats.org/presentationml/2006/main" xmlns:c="http://schemas.openxmlformats.org/drawingml/2006/chart" xmlns:dgm="http://schemas.openxmlformats.org/drawingml/2006/diagram" xmlns:o="urn:schemas-microsoft-com:office:office" xmlns:v="urn:schemas-microsoft-com:vml" xmlns:pvml="urn:schemas-microsoft-com:office:powerpoint" xmlns:com="http://schemas.openxmlformats.org/drawingml/2006/compatibility" xmlns:p14="http://schemas.microsoft.com/office/powerpoint/2010/main" xmlns:p15="http://schemas.microsoft.com/office/powerpoint/2012/main" xmlns:ahyp="http://schemas.microsoft.com/office/drawing/2018/hyperlinkcolor" showMasterPhAnim="0" showMasterSp="0">
+  <p:cSld>
+    <p:spTree>
+      <p:nvGrpSpPr>
+        <p:cNvPr id="148" name="Shape 148"/>
+        <p:cNvGrpSpPr/>
+        <p:nvPr/>
+      </p:nvGrpSpPr>
+      <p:grpSpPr>
+        <a:xfrm>
+          <a:off x="0" y="0"/>
+          <a:ext cx="0" cy="0"/>
+          <a:chOff x="0" y="0"/>
+          <a:chExt cx="0" cy="0"/>
+        </a:xfrm>
+      </p:grpSpPr>
+      <p:sp>
+        <p:nvSpPr>
+          <p:cNvPr id="149" name="Google Shape;149;g36fbc4a1c57_0_0:notes"/>
+          <p:cNvSpPr/>
+          <p:nvPr>
+            <p:ph idx="2" type="sldImg"/>
+          </p:nvPr>
+        </p:nvSpPr>
+        <p:spPr>
+          <a:xfrm>
+            <a:off x="381300" y="685800"/>
+            <a:ext cx="6096000" cy="3429000"/>
+          </a:xfrm>
+          <a:custGeom>
+            <a:rect b="b" l="l" r="r" t="t"/>
+            <a:pathLst>
+              <a:path extrusionOk="0" h="120000" w="120000">
+                <a:moveTo>
+                  <a:pt x="0" y="0"/>
+                </a:moveTo>
+                <a:lnTo>
+                  <a:pt x="120000" y="0"/>
+                </a:lnTo>
+                <a:lnTo>
+                  <a:pt x="120000" y="120000"/>
+                </a:lnTo>
+                <a:lnTo>
+                  <a:pt x="0" y="120000"/>
+                </a:lnTo>
+                <a:close/>
+              </a:path>
+            </a:pathLst>
+          </a:custGeom>
+        </p:spPr>
+      </p:sp>
+      <p:sp>
+        <p:nvSpPr>
+          <p:cNvPr id="150" name="Google Shape;150;g36fbc4a1c57_0_0:notes"/>
+          <p:cNvSpPr txBox="1"/>
+          <p:nvPr>
+            <p:ph idx="1" type="body"/>
+          </p:nvPr>
+        </p:nvSpPr>
+        <p:spPr>
+          <a:xfrm>
+            <a:off x="685800" y="4343400"/>
+            <a:ext cx="5486400" cy="4114800"/>
+          </a:xfrm>
+          <a:prstGeom prst="rect">
+            <a:avLst/>
+          </a:prstGeom>
+        </p:spPr>
+        <p:txBody>
+          <a:bodyPr anchorCtr="0" anchor="t" bIns="91425" lIns="91425" spcFirstLastPara="1" rIns="91425" wrap="square" tIns="91425">
+            <a:noAutofit/>
+          </a:bodyPr>
+          <a:lstStyle/>
+          <a:p>
+            <a:pPr indent="0" lvl="0" marL="0" rtl="0" algn="l">
+              <a:spcBef>
+                <a:spcPts val="0"/>
+              </a:spcBef>
+              <a:spcAft>
+                <a:spcPts val="0"/>
+              </a:spcAft>
+              <a:buNone/>
+            </a:pPr>
+            <a:r>
+              <a:t/>
+            </a:r>
+            <a:endParaRPr/>
+          </a:p>
+        </p:txBody>
+      </p:sp>
+    </p:spTree>
+  </p:cSld>
+  <p:clrMapOvr>
+    <a:masterClrMapping/>
+  </p:clrMapOvr>
+</p:notes>
+</file>
+
+<file path=ppt/notesSlides/notesSlide13.xml><?xml version="1.0" encoding="utf-8"?>
+<p:notes xmlns:a="http://schemas.openxmlformats.org/drawingml/2006/main" xmlns:r="http://schemas.openxmlformats.org/officeDocument/2006/relationships" xmlns:mc="http://schemas.openxmlformats.org/markup-compatibility/2006" xmlns:mv="urn:schemas-microsoft-com:mac:vml" xmlns:p="http://schemas.openxmlformats.org/presentationml/2006/main" xmlns:c="http://schemas.openxmlformats.org/drawingml/2006/chart" xmlns:dgm="http://schemas.openxmlformats.org/drawingml/2006/diagram" xmlns:o="urn:schemas-microsoft-com:office:office" xmlns:v="urn:schemas-microsoft-com:vml" xmlns:pvml="urn:schemas-microsoft-com:office:powerpoint" xmlns:com="http://schemas.openxmlformats.org/drawingml/2006/compatibility" xmlns:p14="http://schemas.microsoft.com/office/powerpoint/2010/main" xmlns:p15="http://schemas.microsoft.com/office/powerpoint/2012/main" xmlns:ahyp="http://schemas.microsoft.com/office/drawing/2018/hyperlinkcolor" showMasterPhAnim="0" showMasterSp="0">
+  <p:cSld>
+    <p:spTree>
+      <p:nvGrpSpPr>
+        <p:cNvPr id="154" name="Shape 154"/>
+        <p:cNvGrpSpPr/>
+        <p:nvPr/>
+      </p:nvGrpSpPr>
+      <p:grpSpPr>
+        <a:xfrm>
+          <a:off x="0" y="0"/>
+          <a:ext cx="0" cy="0"/>
+          <a:chOff x="0" y="0"/>
+          <a:chExt cx="0" cy="0"/>
+        </a:xfrm>
+      </p:grpSpPr>
+      <p:sp>
+        <p:nvSpPr>
+          <p:cNvPr id="155" name="Google Shape;155;g36fbc4a1c57_0_8:notes"/>
+          <p:cNvSpPr/>
+          <p:nvPr>
+            <p:ph idx="2" type="sldImg"/>
+          </p:nvPr>
+        </p:nvSpPr>
+        <p:spPr>
+          <a:xfrm>
+            <a:off x="381300" y="685800"/>
+            <a:ext cx="6096000" cy="3429000"/>
+          </a:xfrm>
+          <a:custGeom>
+            <a:rect b="b" l="l" r="r" t="t"/>
+            <a:pathLst>
+              <a:path extrusionOk="0" h="120000" w="120000">
+                <a:moveTo>
+                  <a:pt x="0" y="0"/>
+                </a:moveTo>
+                <a:lnTo>
+                  <a:pt x="120000" y="0"/>
+                </a:lnTo>
+                <a:lnTo>
+                  <a:pt x="120000" y="120000"/>
+                </a:lnTo>
+                <a:lnTo>
+                  <a:pt x="0" y="120000"/>
+                </a:lnTo>
+                <a:close/>
+              </a:path>
+            </a:pathLst>
+          </a:custGeom>
+        </p:spPr>
+      </p:sp>
+      <p:sp>
+        <p:nvSpPr>
+          <p:cNvPr id="156" name="Google Shape;156;g36fbc4a1c57_0_8:notes"/>
+          <p:cNvSpPr txBox="1"/>
+          <p:nvPr>
+            <p:ph idx="1" type="body"/>
+          </p:nvPr>
+        </p:nvSpPr>
+        <p:spPr>
+          <a:xfrm>
+            <a:off x="685800" y="4343400"/>
+            <a:ext cx="5486400" cy="4114800"/>
+          </a:xfrm>
+          <a:prstGeom prst="rect">
+            <a:avLst/>
+          </a:prstGeom>
+        </p:spPr>
+        <p:txBody>
+          <a:bodyPr anchorCtr="0" anchor="t" bIns="91425" lIns="91425" spcFirstLastPara="1" rIns="91425" wrap="square" tIns="91425">
+            <a:noAutofit/>
+          </a:bodyPr>
+          <a:lstStyle/>
+          <a:p>
+            <a:pPr indent="0" lvl="0" marL="0" rtl="0" algn="l">
+              <a:spcBef>
+                <a:spcPts val="0"/>
+              </a:spcBef>
+              <a:spcAft>
+                <a:spcPts val="0"/>
+              </a:spcAft>
+              <a:buNone/>
+            </a:pPr>
+            <a:r>
+              <a:t/>
+            </a:r>
+            <a:endParaRPr/>
+          </a:p>
+        </p:txBody>
+      </p:sp>
+    </p:spTree>
+  </p:cSld>
+  <p:clrMapOvr>
+    <a:masterClrMapping/>
+  </p:clrMapOvr>
+</p:notes>
+</file>
+
+<file path=ppt/notesSlides/notesSlide14.xml><?xml version="1.0" encoding="utf-8"?>
+<p:notes xmlns:a="http://schemas.openxmlformats.org/drawingml/2006/main" xmlns:r="http://schemas.openxmlformats.org/officeDocument/2006/relationships" xmlns:mc="http://schemas.openxmlformats.org/markup-compatibility/2006" xmlns:mv="urn:schemas-microsoft-com:mac:vml" xmlns:p="http://schemas.openxmlformats.org/presentationml/2006/main" xmlns:c="http://schemas.openxmlformats.org/drawingml/2006/chart" xmlns:dgm="http://schemas.openxmlformats.org/drawingml/2006/diagram" xmlns:o="urn:schemas-microsoft-com:office:office" xmlns:v="urn:schemas-microsoft-com:vml" xmlns:pvml="urn:schemas-microsoft-com:office:powerpoint" xmlns:com="http://schemas.openxmlformats.org/drawingml/2006/compatibility" xmlns:p14="http://schemas.microsoft.com/office/powerpoint/2010/main" xmlns:p15="http://schemas.microsoft.com/office/powerpoint/2012/main" xmlns:ahyp="http://schemas.microsoft.com/office/drawing/2018/hyperlinkcolor" showMasterPhAnim="0" showMasterSp="0">
+  <p:cSld>
+    <p:spTree>
+      <p:nvGrpSpPr>
+        <p:cNvPr id="160" name="Shape 160"/>
+        <p:cNvGrpSpPr/>
+        <p:nvPr/>
+      </p:nvGrpSpPr>
+      <p:grpSpPr>
+        <a:xfrm>
+          <a:off x="0" y="0"/>
+          <a:ext cx="0" cy="0"/>
+          <a:chOff x="0" y="0"/>
+          <a:chExt cx="0" cy="0"/>
+        </a:xfrm>
+      </p:grpSpPr>
+      <p:sp>
+        <p:nvSpPr>
+          <p:cNvPr id="161" name="Google Shape;161;g36fbc4a1c57_0_14:notes"/>
+          <p:cNvSpPr/>
+          <p:nvPr>
+            <p:ph idx="2" type="sldImg"/>
+          </p:nvPr>
+        </p:nvSpPr>
+        <p:spPr>
+          <a:xfrm>
+            <a:off x="381300" y="685800"/>
+            <a:ext cx="6096000" cy="3429000"/>
+          </a:xfrm>
+          <a:custGeom>
+            <a:rect b="b" l="l" r="r" t="t"/>
+            <a:pathLst>
+              <a:path extrusionOk="0" h="120000" w="120000">
+                <a:moveTo>
+                  <a:pt x="0" y="0"/>
+                </a:moveTo>
+                <a:lnTo>
+                  <a:pt x="120000" y="0"/>
+                </a:lnTo>
+                <a:lnTo>
+                  <a:pt x="120000" y="120000"/>
+                </a:lnTo>
+                <a:lnTo>
+                  <a:pt x="0" y="120000"/>
+                </a:lnTo>
+                <a:close/>
+              </a:path>
+            </a:pathLst>
+          </a:custGeom>
+        </p:spPr>
+      </p:sp>
+      <p:sp>
+        <p:nvSpPr>
+          <p:cNvPr id="162" name="Google Shape;162;g36fbc4a1c57_0_14:notes"/>
+          <p:cNvSpPr txBox="1"/>
+          <p:nvPr>
+            <p:ph idx="1" type="body"/>
+          </p:nvPr>
+        </p:nvSpPr>
+        <p:spPr>
+          <a:xfrm>
+            <a:off x="685800" y="4343400"/>
+            <a:ext cx="5486400" cy="4114800"/>
+          </a:xfrm>
+          <a:prstGeom prst="rect">
+            <a:avLst/>
+          </a:prstGeom>
+        </p:spPr>
+        <p:txBody>
+          <a:bodyPr anchorCtr="0" anchor="t" bIns="91425" lIns="91425" spcFirstLastPara="1" rIns="91425" wrap="square" tIns="91425">
+            <a:noAutofit/>
+          </a:bodyPr>
+          <a:lstStyle/>
+          <a:p>
+            <a:pPr indent="0" lvl="0" marL="0" rtl="0" algn="l">
+              <a:spcBef>
+                <a:spcPts val="0"/>
+              </a:spcBef>
+              <a:spcAft>
+                <a:spcPts val="0"/>
+              </a:spcAft>
+              <a:buNone/>
+            </a:pPr>
+            <a:r>
+              <a:t/>
+            </a:r>
+            <a:endParaRPr/>
+          </a:p>
+        </p:txBody>
+      </p:sp>
+    </p:spTree>
+  </p:cSld>
+  <p:clrMapOvr>
+    <a:masterClrMapping/>
+  </p:clrMapOvr>
+</p:notes>
+</file>
+
+<file path=ppt/notesSlides/notesSlide15.xml><?xml version="1.0" encoding="utf-8"?>
+<p:notes xmlns:a="http://schemas.openxmlformats.org/drawingml/2006/main" xmlns:r="http://schemas.openxmlformats.org/officeDocument/2006/relationships" xmlns:mc="http://schemas.openxmlformats.org/markup-compatibility/2006" xmlns:mv="urn:schemas-microsoft-com:mac:vml" xmlns:p="http://schemas.openxmlformats.org/presentationml/2006/main" xmlns:c="http://schemas.openxmlformats.org/drawingml/2006/chart" xmlns:dgm="http://schemas.openxmlformats.org/drawingml/2006/diagram" xmlns:o="urn:schemas-microsoft-com:office:office" xmlns:v="urn:schemas-microsoft-com:vml" xmlns:pvml="urn:schemas-microsoft-com:office:powerpoint" xmlns:com="http://schemas.openxmlformats.org/drawingml/2006/compatibility" xmlns:p14="http://schemas.microsoft.com/office/powerpoint/2010/main" xmlns:p15="http://schemas.microsoft.com/office/powerpoint/2012/main" xmlns:ahyp="http://schemas.microsoft.com/office/drawing/2018/hyperlinkcolor" showMasterPhAnim="0" showMasterSp="0">
+  <p:cSld>
+    <p:spTree>
+      <p:nvGrpSpPr>
+        <p:cNvPr id="166" name="Shape 166"/>
+        <p:cNvGrpSpPr/>
+        <p:nvPr/>
+      </p:nvGrpSpPr>
+      <p:grpSpPr>
+        <a:xfrm>
+          <a:off x="0" y="0"/>
+          <a:ext cx="0" cy="0"/>
+          <a:chOff x="0" y="0"/>
+          <a:chExt cx="0" cy="0"/>
+        </a:xfrm>
+      </p:grpSpPr>
+      <p:sp>
+        <p:nvSpPr>
+          <p:cNvPr id="167" name="Google Shape;167;g36fbc4a1c57_0_22:notes"/>
+          <p:cNvSpPr/>
+          <p:nvPr>
+            <p:ph idx="2" type="sldImg"/>
+          </p:nvPr>
+        </p:nvSpPr>
+        <p:spPr>
+          <a:xfrm>
+            <a:off x="381300" y="685800"/>
+            <a:ext cx="6096000" cy="3429000"/>
+          </a:xfrm>
+          <a:custGeom>
+            <a:rect b="b" l="l" r="r" t="t"/>
+            <a:pathLst>
+              <a:path extrusionOk="0" h="120000" w="120000">
+                <a:moveTo>
+                  <a:pt x="0" y="0"/>
+                </a:moveTo>
+                <a:lnTo>
+                  <a:pt x="120000" y="0"/>
+                </a:lnTo>
+                <a:lnTo>
+                  <a:pt x="120000" y="120000"/>
+                </a:lnTo>
+                <a:lnTo>
+                  <a:pt x="0" y="120000"/>
+                </a:lnTo>
+                <a:close/>
+              </a:path>
+            </a:pathLst>
+          </a:custGeom>
+        </p:spPr>
+      </p:sp>
+      <p:sp>
+        <p:nvSpPr>
+          <p:cNvPr id="168" name="Google Shape;168;g36fbc4a1c57_0_22:notes"/>
+          <p:cNvSpPr txBox="1"/>
+          <p:nvPr>
+            <p:ph idx="1" type="body"/>
+          </p:nvPr>
+        </p:nvSpPr>
+        <p:spPr>
+          <a:xfrm>
+            <a:off x="685800" y="4343400"/>
+            <a:ext cx="5486400" cy="4114800"/>
+          </a:xfrm>
+          <a:prstGeom prst="rect">
+            <a:avLst/>
+          </a:prstGeom>
+        </p:spPr>
+        <p:txBody>
+          <a:bodyPr anchorCtr="0" anchor="t" bIns="91425" lIns="91425" spcFirstLastPara="1" rIns="91425" wrap="square" tIns="91425">
+            <a:noAutofit/>
+          </a:bodyPr>
+          <a:lstStyle/>
+          <a:p>
+            <a:pPr indent="0" lvl="0" marL="0" rtl="0" algn="l">
+              <a:spcBef>
+                <a:spcPts val="0"/>
+              </a:spcBef>
+              <a:spcAft>
+                <a:spcPts val="0"/>
+              </a:spcAft>
+              <a:buNone/>
+            </a:pPr>
+            <a:r>
+              <a:t/>
+            </a:r>
+            <a:endParaRPr/>
+          </a:p>
+        </p:txBody>
+      </p:sp>
+    </p:spTree>
+  </p:cSld>
+  <p:clrMapOvr>
+    <a:masterClrMapping/>
+  </p:clrMapOvr>
+</p:notes>
+</file>
+
+<file path=ppt/notesSlides/notesSlide16.xml><?xml version="1.0" encoding="utf-8"?>
+<p:notes xmlns:a="http://schemas.openxmlformats.org/drawingml/2006/main" xmlns:r="http://schemas.openxmlformats.org/officeDocument/2006/relationships" xmlns:mc="http://schemas.openxmlformats.org/markup-compatibility/2006" xmlns:mv="urn:schemas-microsoft-com:mac:vml" xmlns:p="http://schemas.openxmlformats.org/presentationml/2006/main" xmlns:c="http://schemas.openxmlformats.org/drawingml/2006/chart" xmlns:dgm="http://schemas.openxmlformats.org/drawingml/2006/diagram" xmlns:o="urn:schemas-microsoft-com:office:office" xmlns:v="urn:schemas-microsoft-com:vml" xmlns:pvml="urn:schemas-microsoft-com:office:powerpoint" xmlns:com="http://schemas.openxmlformats.org/drawingml/2006/compatibility" xmlns:p14="http://schemas.microsoft.com/office/powerpoint/2010/main" xmlns:p15="http://schemas.microsoft.com/office/powerpoint/2012/main" xmlns:ahyp="http://schemas.microsoft.com/office/drawing/2018/hyperlinkcolor" showMasterPhAnim="0" showMasterSp="0">
+  <p:cSld>
+    <p:spTree>
+      <p:nvGrpSpPr>
+        <p:cNvPr id="172" name="Shape 172"/>
+        <p:cNvGrpSpPr/>
+        <p:nvPr/>
+      </p:nvGrpSpPr>
+      <p:grpSpPr>
+        <a:xfrm>
+          <a:off x="0" y="0"/>
+          <a:ext cx="0" cy="0"/>
+          <a:chOff x="0" y="0"/>
+          <a:chExt cx="0" cy="0"/>
+        </a:xfrm>
+      </p:grpSpPr>
+      <p:sp>
+        <p:nvSpPr>
+          <p:cNvPr id="173" name="Google Shape;173;g36fbc4a1c57_0_28:notes"/>
+          <p:cNvSpPr/>
+          <p:nvPr>
+            <p:ph idx="2" type="sldImg"/>
+          </p:nvPr>
+        </p:nvSpPr>
+        <p:spPr>
+          <a:xfrm>
+            <a:off x="381300" y="685800"/>
+            <a:ext cx="6096000" cy="3429000"/>
+          </a:xfrm>
+          <a:custGeom>
+            <a:rect b="b" l="l" r="r" t="t"/>
+            <a:pathLst>
+              <a:path extrusionOk="0" h="120000" w="120000">
+                <a:moveTo>
+                  <a:pt x="0" y="0"/>
+                </a:moveTo>
+                <a:lnTo>
+                  <a:pt x="120000" y="0"/>
+                </a:lnTo>
+                <a:lnTo>
+                  <a:pt x="120000" y="120000"/>
+                </a:lnTo>
+                <a:lnTo>
+                  <a:pt x="0" y="120000"/>
+                </a:lnTo>
+                <a:close/>
+              </a:path>
+            </a:pathLst>
+          </a:custGeom>
+        </p:spPr>
+      </p:sp>
+      <p:sp>
+        <p:nvSpPr>
+          <p:cNvPr id="174" name="Google Shape;174;g36fbc4a1c57_0_28:notes"/>
+          <p:cNvSpPr txBox="1"/>
+          <p:nvPr>
+            <p:ph idx="1" type="body"/>
+          </p:nvPr>
+        </p:nvSpPr>
+        <p:spPr>
+          <a:xfrm>
+            <a:off x="685800" y="4343400"/>
+            <a:ext cx="5486400" cy="4114800"/>
+          </a:xfrm>
+          <a:prstGeom prst="rect">
+            <a:avLst/>
+          </a:prstGeom>
+        </p:spPr>
+        <p:txBody>
+          <a:bodyPr anchorCtr="0" anchor="t" bIns="91425" lIns="91425" spcFirstLastPara="1" rIns="91425" wrap="square" tIns="91425">
+            <a:noAutofit/>
+          </a:bodyPr>
+          <a:lstStyle/>
+          <a:p>
+            <a:pPr indent="0" lvl="0" marL="0" rtl="0" algn="l">
+              <a:spcBef>
+                <a:spcPts val="0"/>
+              </a:spcBef>
+              <a:spcAft>
+                <a:spcPts val="0"/>
+              </a:spcAft>
+              <a:buNone/>
+            </a:pPr>
+            <a:r>
+              <a:t/>
+            </a:r>
+            <a:endParaRPr/>
+          </a:p>
+        </p:txBody>
+      </p:sp>
+    </p:spTree>
+  </p:cSld>
+  <p:clrMapOvr>
+    <a:masterClrMapping/>
+  </p:clrMapOvr>
+</p:notes>
+</file>
+
+<file path=ppt/notesSlides/notesSlide17.xml><?xml version="1.0" encoding="utf-8"?>
+<p:notes xmlns:a="http://schemas.openxmlformats.org/drawingml/2006/main" xmlns:r="http://schemas.openxmlformats.org/officeDocument/2006/relationships" xmlns:mc="http://schemas.openxmlformats.org/markup-compatibility/2006" xmlns:mv="urn:schemas-microsoft-com:mac:vml" xmlns:p="http://schemas.openxmlformats.org/presentationml/2006/main" xmlns:c="http://schemas.openxmlformats.org/drawingml/2006/chart" xmlns:dgm="http://schemas.openxmlformats.org/drawingml/2006/diagram" xmlns:o="urn:schemas-microsoft-com:office:office" xmlns:v="urn:schemas-microsoft-com:vml" xmlns:pvml="urn:schemas-microsoft-com:office:powerpoint" xmlns:com="http://schemas.openxmlformats.org/drawingml/2006/compatibility" xmlns:p14="http://schemas.microsoft.com/office/powerpoint/2010/main" xmlns:p15="http://schemas.microsoft.com/office/powerpoint/2012/main" xmlns:ahyp="http://schemas.microsoft.com/office/drawing/2018/hyperlinkcolor" showMasterPhAnim="0" showMasterSp="0">
+  <p:cSld>
+    <p:spTree>
+      <p:nvGrpSpPr>
+        <p:cNvPr id="178" name="Shape 178"/>
+        <p:cNvGrpSpPr/>
+        <p:nvPr/>
+      </p:nvGrpSpPr>
+      <p:grpSpPr>
+        <a:xfrm>
+          <a:off x="0" y="0"/>
+          <a:ext cx="0" cy="0"/>
+          <a:chOff x="0" y="0"/>
+          <a:chExt cx="0" cy="0"/>
+        </a:xfrm>
+      </p:grpSpPr>
+      <p:sp>
+        <p:nvSpPr>
+          <p:cNvPr id="179" name="Google Shape;179;g36fbc4a1c57_0_54:notes"/>
+          <p:cNvSpPr/>
+          <p:nvPr>
+            <p:ph idx="2" type="sldImg"/>
+          </p:nvPr>
+        </p:nvSpPr>
+        <p:spPr>
+          <a:xfrm>
+            <a:off x="381300" y="685800"/>
+            <a:ext cx="6096000" cy="3429000"/>
+          </a:xfrm>
+          <a:custGeom>
+            <a:rect b="b" l="l" r="r" t="t"/>
+            <a:pathLst>
+              <a:path extrusionOk="0" h="120000" w="120000">
+                <a:moveTo>
+                  <a:pt x="0" y="0"/>
+                </a:moveTo>
+                <a:lnTo>
+                  <a:pt x="120000" y="0"/>
+                </a:lnTo>
+                <a:lnTo>
+                  <a:pt x="120000" y="120000"/>
+                </a:lnTo>
+                <a:lnTo>
+                  <a:pt x="0" y="120000"/>
+                </a:lnTo>
+                <a:close/>
+              </a:path>
+            </a:pathLst>
+          </a:custGeom>
+        </p:spPr>
+      </p:sp>
+      <p:sp>
+        <p:nvSpPr>
+          <p:cNvPr id="180" name="Google Shape;180;g36fbc4a1c57_0_54:notes"/>
+          <p:cNvSpPr txBox="1"/>
+          <p:nvPr>
+            <p:ph idx="1" type="body"/>
+          </p:nvPr>
+        </p:nvSpPr>
+        <p:spPr>
+          <a:xfrm>
+            <a:off x="685800" y="4343400"/>
+            <a:ext cx="5486400" cy="4114800"/>
+          </a:xfrm>
+          <a:prstGeom prst="rect">
+            <a:avLst/>
+          </a:prstGeom>
+        </p:spPr>
+        <p:txBody>
+          <a:bodyPr anchorCtr="0" anchor="t" bIns="91425" lIns="91425" spcFirstLastPara="1" rIns="91425" wrap="square" tIns="91425">
+            <a:noAutofit/>
+          </a:bodyPr>
+          <a:lstStyle/>
+          <a:p>
+            <a:pPr indent="0" lvl="0" marL="0" rtl="0" algn="l">
+              <a:spcBef>
+                <a:spcPts val="0"/>
+              </a:spcBef>
+              <a:spcAft>
+                <a:spcPts val="0"/>
+              </a:spcAft>
+              <a:buNone/>
+            </a:pPr>
+            <a:r>
+              <a:t/>
+            </a:r>
+            <a:endParaRPr/>
+          </a:p>
+        </p:txBody>
+      </p:sp>
+    </p:spTree>
+  </p:cSld>
+  <p:clrMapOvr>
+    <a:masterClrMapping/>
+  </p:clrMapOvr>
+</p:notes>
+</file>
+
+<file path=ppt/notesSlides/notesSlide18.xml><?xml version="1.0" encoding="utf-8"?>
+<p:notes xmlns:a="http://schemas.openxmlformats.org/drawingml/2006/main" xmlns:r="http://schemas.openxmlformats.org/officeDocument/2006/relationships" xmlns:mc="http://schemas.openxmlformats.org/markup-compatibility/2006" xmlns:mv="urn:schemas-microsoft-com:mac:vml" xmlns:p="http://schemas.openxmlformats.org/presentationml/2006/main" xmlns:c="http://schemas.openxmlformats.org/drawingml/2006/chart" xmlns:dgm="http://schemas.openxmlformats.org/drawingml/2006/diagram" xmlns:o="urn:schemas-microsoft-com:office:office" xmlns:v="urn:schemas-microsoft-com:vml" xmlns:pvml="urn:schemas-microsoft-com:office:powerpoint" xmlns:com="http://schemas.openxmlformats.org/drawingml/2006/compatibility" xmlns:p14="http://schemas.microsoft.com/office/powerpoint/2010/main" xmlns:p15="http://schemas.microsoft.com/office/powerpoint/2012/main" xmlns:ahyp="http://schemas.microsoft.com/office/drawing/2018/hyperlinkcolor" showMasterPhAnim="0" showMasterSp="0">
+  <p:cSld>
+    <p:spTree>
+      <p:nvGrpSpPr>
+        <p:cNvPr id="184" name="Shape 184"/>
+        <p:cNvGrpSpPr/>
+        <p:nvPr/>
+      </p:nvGrpSpPr>
+      <p:grpSpPr>
+        <a:xfrm>
+          <a:off x="0" y="0"/>
+          <a:ext cx="0" cy="0"/>
+          <a:chOff x="0" y="0"/>
+          <a:chExt cx="0" cy="0"/>
+        </a:xfrm>
+      </p:grpSpPr>
+      <p:sp>
+        <p:nvSpPr>
+          <p:cNvPr id="185" name="Google Shape;185;g36fbc4a1c57_0_61:notes"/>
+          <p:cNvSpPr/>
+          <p:nvPr>
+            <p:ph idx="2" type="sldImg"/>
+          </p:nvPr>
+        </p:nvSpPr>
+        <p:spPr>
+          <a:xfrm>
+            <a:off x="381300" y="685800"/>
+            <a:ext cx="6096000" cy="3429000"/>
+          </a:xfrm>
+          <a:custGeom>
+            <a:rect b="b" l="l" r="r" t="t"/>
+            <a:pathLst>
+              <a:path extrusionOk="0" h="120000" w="120000">
+                <a:moveTo>
+                  <a:pt x="0" y="0"/>
+                </a:moveTo>
+                <a:lnTo>
+                  <a:pt x="120000" y="0"/>
+                </a:lnTo>
+                <a:lnTo>
+                  <a:pt x="120000" y="120000"/>
+                </a:lnTo>
+                <a:lnTo>
+                  <a:pt x="0" y="120000"/>
+                </a:lnTo>
+                <a:close/>
+              </a:path>
+            </a:pathLst>
+          </a:custGeom>
+        </p:spPr>
+      </p:sp>
+      <p:sp>
+        <p:nvSpPr>
+          <p:cNvPr id="186" name="Google Shape;186;g36fbc4a1c57_0_61:notes"/>
+          <p:cNvSpPr txBox="1"/>
+          <p:nvPr>
+            <p:ph idx="1" type="body"/>
+          </p:nvPr>
+        </p:nvSpPr>
+        <p:spPr>
+          <a:xfrm>
+            <a:off x="685800" y="4343400"/>
+            <a:ext cx="5486400" cy="4114800"/>
+          </a:xfrm>
+          <a:prstGeom prst="rect">
+            <a:avLst/>
+          </a:prstGeom>
+        </p:spPr>
+        <p:txBody>
+          <a:bodyPr anchorCtr="0" anchor="t" bIns="91425" lIns="91425" spcFirstLastPara="1" rIns="91425" wrap="square" tIns="91425">
+            <a:noAutofit/>
+          </a:bodyPr>
+          <a:lstStyle/>
+          <a:p>
+            <a:pPr indent="0" lvl="0" marL="0" rtl="0" algn="l">
+              <a:spcBef>
+                <a:spcPts val="0"/>
+              </a:spcBef>
+              <a:spcAft>
+                <a:spcPts val="0"/>
+              </a:spcAft>
+              <a:buNone/>
+            </a:pPr>
+            <a:r>
+              <a:t/>
+            </a:r>
+            <a:endParaRPr/>
+          </a:p>
+        </p:txBody>
+      </p:sp>
+    </p:spTree>
+  </p:cSld>
+  <p:clrMapOvr>
+    <a:masterClrMapping/>
+  </p:clrMapOvr>
+</p:notes>
+</file>
+
+<file path=ppt/notesSlides/notesSlide19.xml><?xml version="1.0" encoding="utf-8"?>
+<p:notes xmlns:a="http://schemas.openxmlformats.org/drawingml/2006/main" xmlns:r="http://schemas.openxmlformats.org/officeDocument/2006/relationships" xmlns:mc="http://schemas.openxmlformats.org/markup-compatibility/2006" xmlns:mv="urn:schemas-microsoft-com:mac:vml" xmlns:p="http://schemas.openxmlformats.org/presentationml/2006/main" xmlns:c="http://schemas.openxmlformats.org/drawingml/2006/chart" xmlns:dgm="http://schemas.openxmlformats.org/drawingml/2006/diagram" xmlns:o="urn:schemas-microsoft-com:office:office" xmlns:v="urn:schemas-microsoft-com:vml" xmlns:pvml="urn:schemas-microsoft-com:office:powerpoint" xmlns:com="http://schemas.openxmlformats.org/drawingml/2006/compatibility" xmlns:p14="http://schemas.microsoft.com/office/powerpoint/2010/main" xmlns:p15="http://schemas.microsoft.com/office/powerpoint/2012/main" xmlns:ahyp="http://schemas.microsoft.com/office/drawing/2018/hyperlinkcolor" showMasterPhAnim="0" showMasterSp="0">
+  <p:cSld>
+    <p:spTree>
+      <p:nvGrpSpPr>
+        <p:cNvPr id="190" name="Shape 190"/>
+        <p:cNvGrpSpPr/>
+        <p:nvPr/>
+      </p:nvGrpSpPr>
+      <p:grpSpPr>
+        <a:xfrm>
+          <a:off x="0" y="0"/>
+          <a:ext cx="0" cy="0"/>
+          <a:chOff x="0" y="0"/>
+          <a:chExt cx="0" cy="0"/>
+        </a:xfrm>
+      </p:grpSpPr>
+      <p:sp>
+        <p:nvSpPr>
+          <p:cNvPr id="191" name="Google Shape;191;g36fbc4a1c57_0_68:notes"/>
+          <p:cNvSpPr/>
+          <p:nvPr>
+            <p:ph idx="2" type="sldImg"/>
+          </p:nvPr>
+        </p:nvSpPr>
+        <p:spPr>
+          <a:xfrm>
+            <a:off x="381300" y="685800"/>
+            <a:ext cx="6096000" cy="3429000"/>
+          </a:xfrm>
+          <a:custGeom>
+            <a:rect b="b" l="l" r="r" t="t"/>
+            <a:pathLst>
+              <a:path extrusionOk="0" h="120000" w="120000">
+                <a:moveTo>
+                  <a:pt x="0" y="0"/>
+                </a:moveTo>
+                <a:lnTo>
+                  <a:pt x="120000" y="0"/>
+                </a:lnTo>
+                <a:lnTo>
+                  <a:pt x="120000" y="120000"/>
+                </a:lnTo>
+                <a:lnTo>
+                  <a:pt x="0" y="120000"/>
+                </a:lnTo>
+                <a:close/>
+              </a:path>
+            </a:pathLst>
+          </a:custGeom>
+        </p:spPr>
+      </p:sp>
+      <p:sp>
+        <p:nvSpPr>
+          <p:cNvPr id="192" name="Google Shape;192;g36fbc4a1c57_0_68:notes"/>
+          <p:cNvSpPr txBox="1"/>
+          <p:nvPr>
+            <p:ph idx="1" type="body"/>
+          </p:nvPr>
+        </p:nvSpPr>
+        <p:spPr>
+          <a:xfrm>
+            <a:off x="685800" y="4343400"/>
+            <a:ext cx="5486400" cy="4114800"/>
+          </a:xfrm>
+          <a:prstGeom prst="rect">
+            <a:avLst/>
+          </a:prstGeom>
+        </p:spPr>
+        <p:txBody>
+          <a:bodyPr anchorCtr="0" anchor="t" bIns="91425" lIns="91425" spcFirstLastPara="1" rIns="91425" wrap="square" tIns="91425">
+            <a:noAutofit/>
+          </a:bodyPr>
+          <a:lstStyle/>
+          <a:p>
+            <a:pPr indent="0" lvl="0" marL="0" rtl="0" algn="l">
+              <a:spcBef>
+                <a:spcPts val="0"/>
+              </a:spcBef>
+              <a:spcAft>
+                <a:spcPts val="0"/>
+              </a:spcAft>
+              <a:buNone/>
+            </a:pPr>
+            <a:r>
+              <a:t/>
+            </a:r>
+            <a:endParaRPr/>
+          </a:p>
+        </p:txBody>
+      </p:sp>
+    </p:spTree>
+  </p:cSld>
+  <p:clrMapOvr>
+    <a:masterClrMapping/>
+  </p:clrMapOvr>
+</p:notes>
+</file>
+
 <file path=ppt/notesSlides/notesSlide2.xml><?xml version="1.0" encoding="utf-8"?>
 <p:notes xmlns:a="http://schemas.openxmlformats.org/drawingml/2006/main" xmlns:r="http://schemas.openxmlformats.org/officeDocument/2006/relationships" xmlns:mc="http://schemas.openxmlformats.org/markup-compatibility/2006" xmlns:mv="urn:schemas-microsoft-com:mac:vml" xmlns:p="http://schemas.openxmlformats.org/presentationml/2006/main" xmlns:c="http://schemas.openxmlformats.org/drawingml/2006/chart" xmlns:dgm="http://schemas.openxmlformats.org/drawingml/2006/diagram" xmlns:o="urn:schemas-microsoft-com:office:office" xmlns:v="urn:schemas-microsoft-com:vml" xmlns:pvml="urn:schemas-microsoft-com:office:powerpoint" xmlns:com="http://schemas.openxmlformats.org/drawingml/2006/compatibility" xmlns:p14="http://schemas.microsoft.com/office/powerpoint/2010/main" xmlns:p15="http://schemas.microsoft.com/office/powerpoint/2012/main" xmlns:ahyp="http://schemas.microsoft.com/office/drawing/2018/hyperlinkcolor" showMasterPhAnim="0" showMasterSp="0">
   <p:cSld>
@@ -1069,6 +1871,204 @@
       <p:sp>
         <p:nvSpPr>
           <p:cNvPr id="90" name="Google Shape;90;g39edc685857_0_79:notes"/>
+          <p:cNvSpPr txBox="1"/>
+          <p:nvPr>
+            <p:ph idx="1" type="body"/>
+          </p:nvPr>
+        </p:nvSpPr>
+        <p:spPr>
+          <a:xfrm>
+            <a:off x="685800" y="4343400"/>
+            <a:ext cx="5486400" cy="4114800"/>
+          </a:xfrm>
+          <a:prstGeom prst="rect">
+            <a:avLst/>
+          </a:prstGeom>
+        </p:spPr>
+        <p:txBody>
+          <a:bodyPr anchorCtr="0" anchor="t" bIns="91425" lIns="91425" spcFirstLastPara="1" rIns="91425" wrap="square" tIns="91425">
+            <a:noAutofit/>
+          </a:bodyPr>
+          <a:lstStyle/>
+          <a:p>
+            <a:pPr indent="0" lvl="0" marL="0" rtl="0" algn="l">
+              <a:spcBef>
+                <a:spcPts val="0"/>
+              </a:spcBef>
+              <a:spcAft>
+                <a:spcPts val="0"/>
+              </a:spcAft>
+              <a:buNone/>
+            </a:pPr>
+            <a:r>
+              <a:t/>
+            </a:r>
+            <a:endParaRPr/>
+          </a:p>
+        </p:txBody>
+      </p:sp>
+    </p:spTree>
+  </p:cSld>
+  <p:clrMapOvr>
+    <a:masterClrMapping/>
+  </p:clrMapOvr>
+</p:notes>
+</file>
+
+<file path=ppt/notesSlides/notesSlide20.xml><?xml version="1.0" encoding="utf-8"?>
+<p:notes xmlns:a="http://schemas.openxmlformats.org/drawingml/2006/main" xmlns:r="http://schemas.openxmlformats.org/officeDocument/2006/relationships" xmlns:mc="http://schemas.openxmlformats.org/markup-compatibility/2006" xmlns:mv="urn:schemas-microsoft-com:mac:vml" xmlns:p="http://schemas.openxmlformats.org/presentationml/2006/main" xmlns:c="http://schemas.openxmlformats.org/drawingml/2006/chart" xmlns:dgm="http://schemas.openxmlformats.org/drawingml/2006/diagram" xmlns:o="urn:schemas-microsoft-com:office:office" xmlns:v="urn:schemas-microsoft-com:vml" xmlns:pvml="urn:schemas-microsoft-com:office:powerpoint" xmlns:com="http://schemas.openxmlformats.org/drawingml/2006/compatibility" xmlns:p14="http://schemas.microsoft.com/office/powerpoint/2010/main" xmlns:p15="http://schemas.microsoft.com/office/powerpoint/2012/main" xmlns:ahyp="http://schemas.microsoft.com/office/drawing/2018/hyperlinkcolor" showMasterPhAnim="0" showMasterSp="0">
+  <p:cSld>
+    <p:spTree>
+      <p:nvGrpSpPr>
+        <p:cNvPr id="196" name="Shape 196"/>
+        <p:cNvGrpSpPr/>
+        <p:nvPr/>
+      </p:nvGrpSpPr>
+      <p:grpSpPr>
+        <a:xfrm>
+          <a:off x="0" y="0"/>
+          <a:ext cx="0" cy="0"/>
+          <a:chOff x="0" y="0"/>
+          <a:chExt cx="0" cy="0"/>
+        </a:xfrm>
+      </p:grpSpPr>
+      <p:sp>
+        <p:nvSpPr>
+          <p:cNvPr id="197" name="Google Shape;197;g36fbc4a1c57_0_75:notes"/>
+          <p:cNvSpPr/>
+          <p:nvPr>
+            <p:ph idx="2" type="sldImg"/>
+          </p:nvPr>
+        </p:nvSpPr>
+        <p:spPr>
+          <a:xfrm>
+            <a:off x="381300" y="685800"/>
+            <a:ext cx="6096000" cy="3429000"/>
+          </a:xfrm>
+          <a:custGeom>
+            <a:rect b="b" l="l" r="r" t="t"/>
+            <a:pathLst>
+              <a:path extrusionOk="0" h="120000" w="120000">
+                <a:moveTo>
+                  <a:pt x="0" y="0"/>
+                </a:moveTo>
+                <a:lnTo>
+                  <a:pt x="120000" y="0"/>
+                </a:lnTo>
+                <a:lnTo>
+                  <a:pt x="120000" y="120000"/>
+                </a:lnTo>
+                <a:lnTo>
+                  <a:pt x="0" y="120000"/>
+                </a:lnTo>
+                <a:close/>
+              </a:path>
+            </a:pathLst>
+          </a:custGeom>
+        </p:spPr>
+      </p:sp>
+      <p:sp>
+        <p:nvSpPr>
+          <p:cNvPr id="198" name="Google Shape;198;g36fbc4a1c57_0_75:notes"/>
+          <p:cNvSpPr txBox="1"/>
+          <p:nvPr>
+            <p:ph idx="1" type="body"/>
+          </p:nvPr>
+        </p:nvSpPr>
+        <p:spPr>
+          <a:xfrm>
+            <a:off x="685800" y="4343400"/>
+            <a:ext cx="5486400" cy="4114800"/>
+          </a:xfrm>
+          <a:prstGeom prst="rect">
+            <a:avLst/>
+          </a:prstGeom>
+        </p:spPr>
+        <p:txBody>
+          <a:bodyPr anchorCtr="0" anchor="t" bIns="91425" lIns="91425" spcFirstLastPara="1" rIns="91425" wrap="square" tIns="91425">
+            <a:noAutofit/>
+          </a:bodyPr>
+          <a:lstStyle/>
+          <a:p>
+            <a:pPr indent="0" lvl="0" marL="0" rtl="0" algn="l">
+              <a:spcBef>
+                <a:spcPts val="0"/>
+              </a:spcBef>
+              <a:spcAft>
+                <a:spcPts val="0"/>
+              </a:spcAft>
+              <a:buNone/>
+            </a:pPr>
+            <a:r>
+              <a:t/>
+            </a:r>
+            <a:endParaRPr/>
+          </a:p>
+        </p:txBody>
+      </p:sp>
+    </p:spTree>
+  </p:cSld>
+  <p:clrMapOvr>
+    <a:masterClrMapping/>
+  </p:clrMapOvr>
+</p:notes>
+</file>
+
+<file path=ppt/notesSlides/notesSlide21.xml><?xml version="1.0" encoding="utf-8"?>
+<p:notes xmlns:a="http://schemas.openxmlformats.org/drawingml/2006/main" xmlns:r="http://schemas.openxmlformats.org/officeDocument/2006/relationships" xmlns:mc="http://schemas.openxmlformats.org/markup-compatibility/2006" xmlns:mv="urn:schemas-microsoft-com:mac:vml" xmlns:p="http://schemas.openxmlformats.org/presentationml/2006/main" xmlns:c="http://schemas.openxmlformats.org/drawingml/2006/chart" xmlns:dgm="http://schemas.openxmlformats.org/drawingml/2006/diagram" xmlns:o="urn:schemas-microsoft-com:office:office" xmlns:v="urn:schemas-microsoft-com:vml" xmlns:pvml="urn:schemas-microsoft-com:office:powerpoint" xmlns:com="http://schemas.openxmlformats.org/drawingml/2006/compatibility" xmlns:p14="http://schemas.microsoft.com/office/powerpoint/2010/main" xmlns:p15="http://schemas.microsoft.com/office/powerpoint/2012/main" xmlns:ahyp="http://schemas.microsoft.com/office/drawing/2018/hyperlinkcolor" showMasterPhAnim="0" showMasterSp="0">
+  <p:cSld>
+    <p:spTree>
+      <p:nvGrpSpPr>
+        <p:cNvPr id="202" name="Shape 202"/>
+        <p:cNvGrpSpPr/>
+        <p:nvPr/>
+      </p:nvGrpSpPr>
+      <p:grpSpPr>
+        <a:xfrm>
+          <a:off x="0" y="0"/>
+          <a:ext cx="0" cy="0"/>
+          <a:chOff x="0" y="0"/>
+          <a:chExt cx="0" cy="0"/>
+        </a:xfrm>
+      </p:grpSpPr>
+      <p:sp>
+        <p:nvSpPr>
+          <p:cNvPr id="203" name="Google Shape;203;g36fbc4a1c57_0_82:notes"/>
+          <p:cNvSpPr/>
+          <p:nvPr>
+            <p:ph idx="2" type="sldImg"/>
+          </p:nvPr>
+        </p:nvSpPr>
+        <p:spPr>
+          <a:xfrm>
+            <a:off x="381300" y="685800"/>
+            <a:ext cx="6096000" cy="3429000"/>
+          </a:xfrm>
+          <a:custGeom>
+            <a:rect b="b" l="l" r="r" t="t"/>
+            <a:pathLst>
+              <a:path extrusionOk="0" h="120000" w="120000">
+                <a:moveTo>
+                  <a:pt x="0" y="0"/>
+                </a:moveTo>
+                <a:lnTo>
+                  <a:pt x="120000" y="0"/>
+                </a:lnTo>
+                <a:lnTo>
+                  <a:pt x="120000" y="120000"/>
+                </a:lnTo>
+                <a:lnTo>
+                  <a:pt x="0" y="120000"/>
+                </a:lnTo>
+                <a:close/>
+              </a:path>
+            </a:pathLst>
+          </a:custGeom>
+        </p:spPr>
+      </p:sp>
+      <p:sp>
+        <p:nvSpPr>
+          <p:cNvPr id="204" name="Google Shape;204;g36fbc4a1c57_0_82:notes"/>
           <p:cNvSpPr txBox="1"/>
           <p:nvPr>
             <p:ph idx="1" type="body"/>
@@ -9113,6 +10113,4120 @@
 </p:sld>
 </file>
 
+<file path=ppt/slides/slide12.xml><?xml version="1.0" encoding="utf-8"?>
+<p:sld xmlns:a="http://schemas.openxmlformats.org/drawingml/2006/main" xmlns:r="http://schemas.openxmlformats.org/officeDocument/2006/relationships" xmlns:mc="http://schemas.openxmlformats.org/markup-compatibility/2006" xmlns:mv="urn:schemas-microsoft-com:mac:vml" xmlns:p="http://schemas.openxmlformats.org/presentationml/2006/main" xmlns:c="http://schemas.openxmlformats.org/drawingml/2006/chart" xmlns:dgm="http://schemas.openxmlformats.org/drawingml/2006/diagram" xmlns:o="urn:schemas-microsoft-com:office:office" xmlns:v="urn:schemas-microsoft-com:vml" xmlns:pvml="urn:schemas-microsoft-com:office:powerpoint" xmlns:com="http://schemas.openxmlformats.org/drawingml/2006/compatibility" xmlns:p14="http://schemas.microsoft.com/office/powerpoint/2010/main" xmlns:p15="http://schemas.microsoft.com/office/powerpoint/2012/main" xmlns:ahyp="http://schemas.microsoft.com/office/drawing/2018/hyperlinkcolor">
+  <p:cSld>
+    <p:spTree>
+      <p:nvGrpSpPr>
+        <p:cNvPr id="151" name="Shape 151"/>
+        <p:cNvGrpSpPr/>
+        <p:nvPr/>
+      </p:nvGrpSpPr>
+      <p:grpSpPr>
+        <a:xfrm>
+          <a:off x="0" y="0"/>
+          <a:ext cx="0" cy="0"/>
+          <a:chOff x="0" y="0"/>
+          <a:chExt cx="0" cy="0"/>
+        </a:xfrm>
+      </p:grpSpPr>
+      <p:sp>
+        <p:nvSpPr>
+          <p:cNvPr id="152" name="Google Shape;152;p24"/>
+          <p:cNvSpPr txBox="1"/>
+          <p:nvPr>
+            <p:ph type="title"/>
+          </p:nvPr>
+        </p:nvSpPr>
+        <p:spPr>
+          <a:xfrm>
+            <a:off x="729450" y="1318650"/>
+            <a:ext cx="7688700" cy="535200"/>
+          </a:xfrm>
+          <a:prstGeom prst="rect">
+            <a:avLst/>
+          </a:prstGeom>
+        </p:spPr>
+        <p:txBody>
+          <a:bodyPr anchorCtr="0" anchor="t" bIns="91425" lIns="91425" spcFirstLastPara="1" rIns="91425" wrap="square" tIns="91425">
+            <a:noAutofit/>
+          </a:bodyPr>
+          <a:lstStyle/>
+          <a:p>
+            <a:pPr indent="0" lvl="0" marL="0" rtl="0" algn="l">
+              <a:spcBef>
+                <a:spcPts val="0"/>
+              </a:spcBef>
+              <a:spcAft>
+                <a:spcPts val="0"/>
+              </a:spcAft>
+              <a:buSzPts val="990"/>
+              <a:buNone/>
+            </a:pPr>
+            <a:r>
+              <a:rPr lang="pl" sz="2440">
+                <a:latin typeface="Tahoma"/>
+                <a:ea typeface="Tahoma"/>
+                <a:cs typeface="Tahoma"/>
+                <a:sym typeface="Tahoma"/>
+              </a:rPr>
+              <a:t>P</a:t>
+            </a:r>
+            <a:r>
+              <a:rPr lang="pl" sz="2440">
+                <a:latin typeface="Tahoma"/>
+                <a:ea typeface="Tahoma"/>
+                <a:cs typeface="Tahoma"/>
+                <a:sym typeface="Tahoma"/>
+              </a:rPr>
+              <a:t>olityka bezpieczeństwa w sieci</a:t>
+            </a:r>
+            <a:endParaRPr sz="2440">
+              <a:latin typeface="Tahoma"/>
+              <a:ea typeface="Tahoma"/>
+              <a:cs typeface="Tahoma"/>
+              <a:sym typeface="Tahoma"/>
+            </a:endParaRPr>
+          </a:p>
+        </p:txBody>
+      </p:sp>
+      <p:sp>
+        <p:nvSpPr>
+          <p:cNvPr id="153" name="Google Shape;153;p24"/>
+          <p:cNvSpPr txBox="1"/>
+          <p:nvPr>
+            <p:ph idx="1" type="body"/>
+          </p:nvPr>
+        </p:nvSpPr>
+        <p:spPr>
+          <a:xfrm>
+            <a:off x="729450" y="2078875"/>
+            <a:ext cx="7688700" cy="2761500"/>
+          </a:xfrm>
+          <a:prstGeom prst="rect">
+            <a:avLst/>
+          </a:prstGeom>
+        </p:spPr>
+        <p:txBody>
+          <a:bodyPr anchorCtr="0" anchor="t" bIns="91425" lIns="91425" spcFirstLastPara="1" rIns="91425" wrap="square" tIns="91425">
+            <a:normAutofit lnSpcReduction="10000"/>
+          </a:bodyPr>
+          <a:lstStyle/>
+          <a:p>
+            <a:pPr indent="0" lvl="0" marL="0" rtl="0" algn="l">
+              <a:spcBef>
+                <a:spcPts val="0"/>
+              </a:spcBef>
+              <a:spcAft>
+                <a:spcPts val="0"/>
+              </a:spcAft>
+              <a:buNone/>
+            </a:pPr>
+            <a:r>
+              <a:rPr b="1" lang="pl" sz="1400">
+                <a:solidFill>
+                  <a:srgbClr val="274E13"/>
+                </a:solidFill>
+                <a:latin typeface="Tahoma"/>
+                <a:ea typeface="Tahoma"/>
+                <a:cs typeface="Tahoma"/>
+                <a:sym typeface="Tahoma"/>
+              </a:rPr>
+              <a:t>Polityka bezpieczeństwa sieci (Network Security Policy)</a:t>
+            </a:r>
+            <a:r>
+              <a:rPr lang="pl" sz="1400">
+                <a:solidFill>
+                  <a:srgbClr val="274E13"/>
+                </a:solidFill>
+                <a:latin typeface="Tahoma"/>
+                <a:ea typeface="Tahoma"/>
+                <a:cs typeface="Tahoma"/>
+                <a:sym typeface="Tahoma"/>
+              </a:rPr>
+              <a:t> </a:t>
+            </a:r>
+            <a:r>
+              <a:rPr lang="pl" sz="1400">
+                <a:solidFill>
+                  <a:srgbClr val="000000"/>
+                </a:solidFill>
+                <a:latin typeface="Tahoma"/>
+                <a:ea typeface="Tahoma"/>
+                <a:cs typeface="Tahoma"/>
+                <a:sym typeface="Tahoma"/>
+              </a:rPr>
+              <a:t>to </a:t>
+            </a:r>
+            <a:r>
+              <a:rPr b="1" lang="pl" sz="1400">
+                <a:solidFill>
+                  <a:srgbClr val="274E13"/>
+                </a:solidFill>
+                <a:latin typeface="Tahoma"/>
+                <a:ea typeface="Tahoma"/>
+                <a:cs typeface="Tahoma"/>
+                <a:sym typeface="Tahoma"/>
+              </a:rPr>
+              <a:t>zbiór zasad, procedur i wytycznych</a:t>
+            </a:r>
+            <a:r>
+              <a:rPr lang="pl" sz="1400">
+                <a:solidFill>
+                  <a:srgbClr val="000000"/>
+                </a:solidFill>
+                <a:latin typeface="Tahoma"/>
+                <a:ea typeface="Tahoma"/>
+                <a:cs typeface="Tahoma"/>
+                <a:sym typeface="Tahoma"/>
+              </a:rPr>
+              <a:t>, które określają:</a:t>
+            </a:r>
+            <a:endParaRPr sz="1400">
+              <a:solidFill>
+                <a:srgbClr val="000000"/>
+              </a:solidFill>
+              <a:latin typeface="Tahoma"/>
+              <a:ea typeface="Tahoma"/>
+              <a:cs typeface="Tahoma"/>
+              <a:sym typeface="Tahoma"/>
+            </a:endParaRPr>
+          </a:p>
+          <a:p>
+            <a:pPr indent="-317500" lvl="0" marL="457200" rtl="0" algn="l">
+              <a:spcBef>
+                <a:spcPts val="0"/>
+              </a:spcBef>
+              <a:spcAft>
+                <a:spcPts val="0"/>
+              </a:spcAft>
+              <a:buClr>
+                <a:srgbClr val="073763"/>
+              </a:buClr>
+              <a:buSzPts val="1400"/>
+              <a:buFont typeface="Tahoma"/>
+              <a:buChar char="●"/>
+            </a:pPr>
+            <a:r>
+              <a:rPr lang="pl" sz="1400">
+                <a:solidFill>
+                  <a:srgbClr val="073763"/>
+                </a:solidFill>
+                <a:latin typeface="Tahoma"/>
+                <a:ea typeface="Tahoma"/>
+                <a:cs typeface="Tahoma"/>
+                <a:sym typeface="Tahoma"/>
+              </a:rPr>
+              <a:t>jak chronić dane i zasoby sieciowe,</a:t>
+            </a:r>
+            <a:endParaRPr sz="1400">
+              <a:solidFill>
+                <a:srgbClr val="073763"/>
+              </a:solidFill>
+              <a:latin typeface="Tahoma"/>
+              <a:ea typeface="Tahoma"/>
+              <a:cs typeface="Tahoma"/>
+              <a:sym typeface="Tahoma"/>
+            </a:endParaRPr>
+          </a:p>
+          <a:p>
+            <a:pPr indent="-317500" lvl="0" marL="457200" rtl="0" algn="l">
+              <a:spcBef>
+                <a:spcPts val="0"/>
+              </a:spcBef>
+              <a:spcAft>
+                <a:spcPts val="0"/>
+              </a:spcAft>
+              <a:buClr>
+                <a:srgbClr val="073763"/>
+              </a:buClr>
+              <a:buSzPts val="1400"/>
+              <a:buFont typeface="Tahoma"/>
+              <a:buChar char="●"/>
+            </a:pPr>
+            <a:r>
+              <a:rPr lang="pl" sz="1400">
+                <a:solidFill>
+                  <a:srgbClr val="073763"/>
+                </a:solidFill>
+                <a:latin typeface="Tahoma"/>
+                <a:ea typeface="Tahoma"/>
+                <a:cs typeface="Tahoma"/>
+                <a:sym typeface="Tahoma"/>
+              </a:rPr>
+              <a:t>kto i w jaki sposób może korzystać z sieci,</a:t>
+            </a:r>
+            <a:endParaRPr sz="1400">
+              <a:solidFill>
+                <a:srgbClr val="073763"/>
+              </a:solidFill>
+              <a:latin typeface="Tahoma"/>
+              <a:ea typeface="Tahoma"/>
+              <a:cs typeface="Tahoma"/>
+              <a:sym typeface="Tahoma"/>
+            </a:endParaRPr>
+          </a:p>
+          <a:p>
+            <a:pPr indent="-317500" lvl="0" marL="457200" rtl="0" algn="l">
+              <a:spcBef>
+                <a:spcPts val="0"/>
+              </a:spcBef>
+              <a:spcAft>
+                <a:spcPts val="0"/>
+              </a:spcAft>
+              <a:buClr>
+                <a:srgbClr val="073763"/>
+              </a:buClr>
+              <a:buSzPts val="1400"/>
+              <a:buFont typeface="Tahoma"/>
+              <a:buChar char="●"/>
+            </a:pPr>
+            <a:r>
+              <a:rPr lang="pl" sz="1400">
+                <a:solidFill>
+                  <a:srgbClr val="073763"/>
+                </a:solidFill>
+                <a:latin typeface="Tahoma"/>
+                <a:ea typeface="Tahoma"/>
+                <a:cs typeface="Tahoma"/>
+                <a:sym typeface="Tahoma"/>
+              </a:rPr>
+              <a:t>jakie działania są dozwolone, a jakie zabronione,</a:t>
+            </a:r>
+            <a:endParaRPr sz="1400">
+              <a:solidFill>
+                <a:srgbClr val="073763"/>
+              </a:solidFill>
+              <a:latin typeface="Tahoma"/>
+              <a:ea typeface="Tahoma"/>
+              <a:cs typeface="Tahoma"/>
+              <a:sym typeface="Tahoma"/>
+            </a:endParaRPr>
+          </a:p>
+          <a:p>
+            <a:pPr indent="-317500" lvl="0" marL="457200" rtl="0" algn="l">
+              <a:spcBef>
+                <a:spcPts val="0"/>
+              </a:spcBef>
+              <a:spcAft>
+                <a:spcPts val="0"/>
+              </a:spcAft>
+              <a:buClr>
+                <a:srgbClr val="073763"/>
+              </a:buClr>
+              <a:buSzPts val="1400"/>
+              <a:buFont typeface="Tahoma"/>
+              <a:buChar char="●"/>
+            </a:pPr>
+            <a:r>
+              <a:rPr lang="pl" sz="1400">
+                <a:solidFill>
+                  <a:srgbClr val="073763"/>
+                </a:solidFill>
+                <a:latin typeface="Tahoma"/>
+                <a:ea typeface="Tahoma"/>
+                <a:cs typeface="Tahoma"/>
+                <a:sym typeface="Tahoma"/>
+              </a:rPr>
+              <a:t>jak reagować w razie incydentów bezpieczeństwa.</a:t>
+            </a:r>
+            <a:endParaRPr sz="1400">
+              <a:solidFill>
+                <a:srgbClr val="073763"/>
+              </a:solidFill>
+              <a:latin typeface="Tahoma"/>
+              <a:ea typeface="Tahoma"/>
+              <a:cs typeface="Tahoma"/>
+              <a:sym typeface="Tahoma"/>
+            </a:endParaRPr>
+          </a:p>
+          <a:p>
+            <a:pPr indent="0" lvl="0" marL="457200" rtl="0" algn="l">
+              <a:spcBef>
+                <a:spcPts val="0"/>
+              </a:spcBef>
+              <a:spcAft>
+                <a:spcPts val="0"/>
+              </a:spcAft>
+              <a:buNone/>
+            </a:pPr>
+            <a:r>
+              <a:t/>
+            </a:r>
+            <a:endParaRPr sz="1400">
+              <a:solidFill>
+                <a:srgbClr val="000000"/>
+              </a:solidFill>
+              <a:latin typeface="Tahoma"/>
+              <a:ea typeface="Tahoma"/>
+              <a:cs typeface="Tahoma"/>
+              <a:sym typeface="Tahoma"/>
+            </a:endParaRPr>
+          </a:p>
+          <a:p>
+            <a:pPr indent="0" lvl="0" marL="0" rtl="0" algn="l">
+              <a:spcBef>
+                <a:spcPts val="0"/>
+              </a:spcBef>
+              <a:spcAft>
+                <a:spcPts val="0"/>
+              </a:spcAft>
+              <a:buNone/>
+            </a:pPr>
+            <a:r>
+              <a:rPr lang="pl" sz="1400">
+                <a:solidFill>
+                  <a:srgbClr val="000000"/>
+                </a:solidFill>
+                <a:latin typeface="Tahoma"/>
+                <a:ea typeface="Tahoma"/>
+                <a:cs typeface="Tahoma"/>
+                <a:sym typeface="Tahoma"/>
+              </a:rPr>
+              <a:t>Innymi słowy: to </a:t>
+            </a:r>
+            <a:r>
+              <a:rPr b="1" lang="pl" sz="1400">
+                <a:solidFill>
+                  <a:srgbClr val="274E13"/>
+                </a:solidFill>
+                <a:latin typeface="Tahoma"/>
+                <a:ea typeface="Tahoma"/>
+                <a:cs typeface="Tahoma"/>
+                <a:sym typeface="Tahoma"/>
+              </a:rPr>
+              <a:t>plan działania</a:t>
+            </a:r>
+            <a:r>
+              <a:rPr lang="pl" sz="1400">
+                <a:solidFill>
+                  <a:srgbClr val="000000"/>
+                </a:solidFill>
+                <a:latin typeface="Tahoma"/>
+                <a:ea typeface="Tahoma"/>
+                <a:cs typeface="Tahoma"/>
+                <a:sym typeface="Tahoma"/>
+              </a:rPr>
+              <a:t>, który pomaga organizacji </a:t>
+            </a:r>
+            <a:r>
+              <a:rPr b="1" lang="pl" sz="1400">
+                <a:solidFill>
+                  <a:srgbClr val="274E13"/>
+                </a:solidFill>
+                <a:latin typeface="Tahoma"/>
+                <a:ea typeface="Tahoma"/>
+                <a:cs typeface="Tahoma"/>
+                <a:sym typeface="Tahoma"/>
+              </a:rPr>
+              <a:t>utrzymać poufność, integralność i dostępność danych (zasada CIA: Confidentiality, Integrity, Availability)</a:t>
+            </a:r>
+            <a:r>
+              <a:rPr lang="pl" sz="1400">
+                <a:solidFill>
+                  <a:srgbClr val="000000"/>
+                </a:solidFill>
+                <a:latin typeface="Tahoma"/>
+                <a:ea typeface="Tahoma"/>
+                <a:cs typeface="Tahoma"/>
+                <a:sym typeface="Tahoma"/>
+              </a:rPr>
+              <a:t>.</a:t>
+            </a:r>
+            <a:endParaRPr sz="1400">
+              <a:solidFill>
+                <a:srgbClr val="000000"/>
+              </a:solidFill>
+              <a:latin typeface="Tahoma"/>
+              <a:ea typeface="Tahoma"/>
+              <a:cs typeface="Tahoma"/>
+              <a:sym typeface="Tahoma"/>
+            </a:endParaRPr>
+          </a:p>
+          <a:p>
+            <a:pPr indent="0" lvl="0" marL="0" rtl="0" algn="l">
+              <a:spcBef>
+                <a:spcPts val="0"/>
+              </a:spcBef>
+              <a:spcAft>
+                <a:spcPts val="1200"/>
+              </a:spcAft>
+              <a:buNone/>
+            </a:pPr>
+            <a:r>
+              <a:t/>
+            </a:r>
+            <a:endParaRPr/>
+          </a:p>
+        </p:txBody>
+      </p:sp>
+    </p:spTree>
+  </p:cSld>
+  <p:clrMapOvr>
+    <a:masterClrMapping/>
+  </p:clrMapOvr>
+</p:sld>
+</file>
+
+<file path=ppt/slides/slide13.xml><?xml version="1.0" encoding="utf-8"?>
+<p:sld xmlns:a="http://schemas.openxmlformats.org/drawingml/2006/main" xmlns:r="http://schemas.openxmlformats.org/officeDocument/2006/relationships" xmlns:mc="http://schemas.openxmlformats.org/markup-compatibility/2006" xmlns:mv="urn:schemas-microsoft-com:mac:vml" xmlns:p="http://schemas.openxmlformats.org/presentationml/2006/main" xmlns:c="http://schemas.openxmlformats.org/drawingml/2006/chart" xmlns:dgm="http://schemas.openxmlformats.org/drawingml/2006/diagram" xmlns:o="urn:schemas-microsoft-com:office:office" xmlns:v="urn:schemas-microsoft-com:vml" xmlns:pvml="urn:schemas-microsoft-com:office:powerpoint" xmlns:com="http://schemas.openxmlformats.org/drawingml/2006/compatibility" xmlns:p14="http://schemas.microsoft.com/office/powerpoint/2010/main" xmlns:p15="http://schemas.microsoft.com/office/powerpoint/2012/main" xmlns:ahyp="http://schemas.microsoft.com/office/drawing/2018/hyperlinkcolor">
+  <p:cSld>
+    <p:spTree>
+      <p:nvGrpSpPr>
+        <p:cNvPr id="157" name="Shape 157"/>
+        <p:cNvGrpSpPr/>
+        <p:nvPr/>
+      </p:nvGrpSpPr>
+      <p:grpSpPr>
+        <a:xfrm>
+          <a:off x="0" y="0"/>
+          <a:ext cx="0" cy="0"/>
+          <a:chOff x="0" y="0"/>
+          <a:chExt cx="0" cy="0"/>
+        </a:xfrm>
+      </p:grpSpPr>
+      <p:sp>
+        <p:nvSpPr>
+          <p:cNvPr id="158" name="Google Shape;158;p25"/>
+          <p:cNvSpPr txBox="1"/>
+          <p:nvPr>
+            <p:ph type="title"/>
+          </p:nvPr>
+        </p:nvSpPr>
+        <p:spPr>
+          <a:xfrm>
+            <a:off x="729450" y="1318650"/>
+            <a:ext cx="7688700" cy="535200"/>
+          </a:xfrm>
+          <a:prstGeom prst="rect">
+            <a:avLst/>
+          </a:prstGeom>
+        </p:spPr>
+        <p:txBody>
+          <a:bodyPr anchorCtr="0" anchor="t" bIns="91425" lIns="91425" spcFirstLastPara="1" rIns="91425" wrap="square" tIns="91425">
+            <a:noAutofit/>
+          </a:bodyPr>
+          <a:lstStyle/>
+          <a:p>
+            <a:pPr indent="0" lvl="0" marL="0" rtl="0" algn="l">
+              <a:lnSpc>
+                <a:spcPct val="115000"/>
+              </a:lnSpc>
+              <a:spcBef>
+                <a:spcPts val="1800"/>
+              </a:spcBef>
+              <a:spcAft>
+                <a:spcPts val="0"/>
+              </a:spcAft>
+              <a:buSzPts val="990"/>
+              <a:buNone/>
+            </a:pPr>
+            <a:r>
+              <a:rPr lang="pl" sz="2430">
+                <a:solidFill>
+                  <a:srgbClr val="000000"/>
+                </a:solidFill>
+                <a:latin typeface="Tahoma"/>
+                <a:ea typeface="Tahoma"/>
+                <a:cs typeface="Tahoma"/>
+                <a:sym typeface="Tahoma"/>
+              </a:rPr>
+              <a:t>Główne cele polityki bezpieczeństwa</a:t>
+            </a:r>
+            <a:endParaRPr sz="2430">
+              <a:solidFill>
+                <a:srgbClr val="000000"/>
+              </a:solidFill>
+              <a:latin typeface="Tahoma"/>
+              <a:ea typeface="Tahoma"/>
+              <a:cs typeface="Tahoma"/>
+              <a:sym typeface="Tahoma"/>
+            </a:endParaRPr>
+          </a:p>
+          <a:p>
+            <a:pPr indent="0" lvl="0" marL="0" rtl="0" algn="l">
+              <a:spcBef>
+                <a:spcPts val="400"/>
+              </a:spcBef>
+              <a:spcAft>
+                <a:spcPts val="0"/>
+              </a:spcAft>
+              <a:buSzPts val="990"/>
+              <a:buNone/>
+            </a:pPr>
+            <a:r>
+              <a:t/>
+            </a:r>
+            <a:endParaRPr sz="1530">
+              <a:solidFill>
+                <a:srgbClr val="000000"/>
+              </a:solidFill>
+              <a:latin typeface="Arial"/>
+              <a:ea typeface="Arial"/>
+              <a:cs typeface="Arial"/>
+              <a:sym typeface="Arial"/>
+            </a:endParaRPr>
+          </a:p>
+        </p:txBody>
+      </p:sp>
+      <p:sp>
+        <p:nvSpPr>
+          <p:cNvPr id="159" name="Google Shape;159;p25"/>
+          <p:cNvSpPr txBox="1"/>
+          <p:nvPr>
+            <p:ph idx="1" type="body"/>
+          </p:nvPr>
+        </p:nvSpPr>
+        <p:spPr>
+          <a:xfrm>
+            <a:off x="729450" y="2078875"/>
+            <a:ext cx="7688700" cy="2792700"/>
+          </a:xfrm>
+          <a:prstGeom prst="rect">
+            <a:avLst/>
+          </a:prstGeom>
+        </p:spPr>
+        <p:txBody>
+          <a:bodyPr anchorCtr="0" anchor="t" bIns="91425" lIns="91425" spcFirstLastPara="1" rIns="91425" wrap="square" tIns="91425">
+            <a:normAutofit lnSpcReduction="10000"/>
+          </a:bodyPr>
+          <a:lstStyle/>
+          <a:p>
+            <a:pPr indent="-317500" lvl="0" marL="457200" rtl="0" algn="l">
+              <a:spcBef>
+                <a:spcPts val="1200"/>
+              </a:spcBef>
+              <a:spcAft>
+                <a:spcPts val="0"/>
+              </a:spcAft>
+              <a:buClr>
+                <a:srgbClr val="000000"/>
+              </a:buClr>
+              <a:buSzPts val="1400"/>
+              <a:buFont typeface="Arial"/>
+              <a:buAutoNum type="arabicPeriod"/>
+            </a:pPr>
+            <a:r>
+              <a:rPr b="1" lang="pl" sz="1400">
+                <a:solidFill>
+                  <a:srgbClr val="1C4587"/>
+                </a:solidFill>
+                <a:latin typeface="Tahoma"/>
+                <a:ea typeface="Tahoma"/>
+                <a:cs typeface="Tahoma"/>
+                <a:sym typeface="Tahoma"/>
+              </a:rPr>
+              <a:t>Poufność (Confidentiality)</a:t>
+            </a:r>
+            <a:r>
+              <a:rPr lang="pl" sz="1400">
+                <a:solidFill>
+                  <a:srgbClr val="000000"/>
+                </a:solidFill>
+                <a:latin typeface="Tahoma"/>
+                <a:ea typeface="Tahoma"/>
+                <a:cs typeface="Tahoma"/>
+                <a:sym typeface="Tahoma"/>
+              </a:rPr>
+              <a:t> – ochrona danych przed nieautoryzowanym dostępem.</a:t>
+            </a:r>
+            <a:br>
+              <a:rPr lang="pl" sz="1400">
+                <a:solidFill>
+                  <a:srgbClr val="000000"/>
+                </a:solidFill>
+                <a:latin typeface="Tahoma"/>
+                <a:ea typeface="Tahoma"/>
+                <a:cs typeface="Tahoma"/>
+                <a:sym typeface="Tahoma"/>
+              </a:rPr>
+            </a:br>
+            <a:r>
+              <a:rPr lang="pl" sz="1400">
+                <a:solidFill>
+                  <a:srgbClr val="000000"/>
+                </a:solidFill>
+                <a:latin typeface="Tahoma"/>
+                <a:ea typeface="Tahoma"/>
+                <a:cs typeface="Tahoma"/>
+                <a:sym typeface="Tahoma"/>
+              </a:rPr>
+              <a:t> 👉 np. szyfrowanie, uwierzytelnianie użytkowników.</a:t>
+            </a:r>
+            <a:br>
+              <a:rPr lang="pl" sz="1400">
+                <a:solidFill>
+                  <a:srgbClr val="000000"/>
+                </a:solidFill>
+                <a:latin typeface="Tahoma"/>
+                <a:ea typeface="Tahoma"/>
+                <a:cs typeface="Tahoma"/>
+                <a:sym typeface="Tahoma"/>
+              </a:rPr>
+            </a:br>
+            <a:endParaRPr sz="1400">
+              <a:solidFill>
+                <a:srgbClr val="000000"/>
+              </a:solidFill>
+              <a:latin typeface="Tahoma"/>
+              <a:ea typeface="Tahoma"/>
+              <a:cs typeface="Tahoma"/>
+              <a:sym typeface="Tahoma"/>
+            </a:endParaRPr>
+          </a:p>
+          <a:p>
+            <a:pPr indent="-317500" lvl="0" marL="457200" rtl="0" algn="l">
+              <a:spcBef>
+                <a:spcPts val="0"/>
+              </a:spcBef>
+              <a:spcAft>
+                <a:spcPts val="0"/>
+              </a:spcAft>
+              <a:buClr>
+                <a:srgbClr val="000000"/>
+              </a:buClr>
+              <a:buSzPts val="1400"/>
+              <a:buFont typeface="Arial"/>
+              <a:buAutoNum type="arabicPeriod"/>
+            </a:pPr>
+            <a:r>
+              <a:rPr b="1" lang="pl" sz="1400">
+                <a:solidFill>
+                  <a:srgbClr val="1C4587"/>
+                </a:solidFill>
+                <a:latin typeface="Tahoma"/>
+                <a:ea typeface="Tahoma"/>
+                <a:cs typeface="Tahoma"/>
+                <a:sym typeface="Tahoma"/>
+              </a:rPr>
+              <a:t>Integralność (Integrity)</a:t>
+            </a:r>
+            <a:r>
+              <a:rPr lang="pl" sz="1400">
+                <a:solidFill>
+                  <a:srgbClr val="000000"/>
+                </a:solidFill>
+                <a:latin typeface="Tahoma"/>
+                <a:ea typeface="Tahoma"/>
+                <a:cs typeface="Tahoma"/>
+                <a:sym typeface="Tahoma"/>
+              </a:rPr>
+              <a:t> – zapobieganie nieautoryzowanym zmianom danych.</a:t>
+            </a:r>
+            <a:br>
+              <a:rPr lang="pl" sz="1400">
+                <a:solidFill>
+                  <a:srgbClr val="000000"/>
+                </a:solidFill>
+                <a:latin typeface="Tahoma"/>
+                <a:ea typeface="Tahoma"/>
+                <a:cs typeface="Tahoma"/>
+                <a:sym typeface="Tahoma"/>
+              </a:rPr>
+            </a:br>
+            <a:r>
+              <a:rPr lang="pl" sz="1400">
+                <a:solidFill>
+                  <a:srgbClr val="000000"/>
+                </a:solidFill>
+                <a:latin typeface="Tahoma"/>
+                <a:ea typeface="Tahoma"/>
+                <a:cs typeface="Tahoma"/>
+                <a:sym typeface="Tahoma"/>
+              </a:rPr>
+              <a:t> 👉 np. sumy kontrolne, kopie zapasowe.</a:t>
+            </a:r>
+            <a:br>
+              <a:rPr lang="pl" sz="1400">
+                <a:solidFill>
+                  <a:srgbClr val="000000"/>
+                </a:solidFill>
+                <a:latin typeface="Tahoma"/>
+                <a:ea typeface="Tahoma"/>
+                <a:cs typeface="Tahoma"/>
+                <a:sym typeface="Tahoma"/>
+              </a:rPr>
+            </a:br>
+            <a:endParaRPr sz="1400">
+              <a:solidFill>
+                <a:srgbClr val="000000"/>
+              </a:solidFill>
+              <a:latin typeface="Tahoma"/>
+              <a:ea typeface="Tahoma"/>
+              <a:cs typeface="Tahoma"/>
+              <a:sym typeface="Tahoma"/>
+            </a:endParaRPr>
+          </a:p>
+          <a:p>
+            <a:pPr indent="-298450" lvl="0" marL="457200" rtl="0" algn="l">
+              <a:spcBef>
+                <a:spcPts val="0"/>
+              </a:spcBef>
+              <a:spcAft>
+                <a:spcPts val="0"/>
+              </a:spcAft>
+              <a:buClr>
+                <a:srgbClr val="000000"/>
+              </a:buClr>
+              <a:buSzPts val="1100"/>
+              <a:buFont typeface="Arial"/>
+              <a:buAutoNum type="arabicPeriod"/>
+            </a:pPr>
+            <a:r>
+              <a:rPr b="1" lang="pl" sz="1400">
+                <a:solidFill>
+                  <a:srgbClr val="1C4587"/>
+                </a:solidFill>
+                <a:latin typeface="Tahoma"/>
+                <a:ea typeface="Tahoma"/>
+                <a:cs typeface="Tahoma"/>
+                <a:sym typeface="Tahoma"/>
+              </a:rPr>
+              <a:t>Dostępność (Availability)</a:t>
+            </a:r>
+            <a:r>
+              <a:rPr lang="pl" sz="1400">
+                <a:solidFill>
+                  <a:srgbClr val="1C4587"/>
+                </a:solidFill>
+                <a:latin typeface="Tahoma"/>
+                <a:ea typeface="Tahoma"/>
+                <a:cs typeface="Tahoma"/>
+                <a:sym typeface="Tahoma"/>
+              </a:rPr>
+              <a:t> </a:t>
+            </a:r>
+            <a:r>
+              <a:rPr lang="pl" sz="1400">
+                <a:solidFill>
+                  <a:srgbClr val="000000"/>
+                </a:solidFill>
+                <a:latin typeface="Tahoma"/>
+                <a:ea typeface="Tahoma"/>
+                <a:cs typeface="Tahoma"/>
+                <a:sym typeface="Tahoma"/>
+              </a:rPr>
+              <a:t>– zapewnienie, że dane i usługi są dostępne, gdy są potrzebne.</a:t>
+            </a:r>
+            <a:br>
+              <a:rPr lang="pl" sz="1400">
+                <a:solidFill>
+                  <a:srgbClr val="000000"/>
+                </a:solidFill>
+                <a:latin typeface="Tahoma"/>
+                <a:ea typeface="Tahoma"/>
+                <a:cs typeface="Tahoma"/>
+                <a:sym typeface="Tahoma"/>
+              </a:rPr>
+            </a:br>
+            <a:r>
+              <a:rPr lang="pl" sz="1400">
+                <a:solidFill>
+                  <a:srgbClr val="000000"/>
+                </a:solidFill>
+                <a:latin typeface="Tahoma"/>
+                <a:ea typeface="Tahoma"/>
+                <a:cs typeface="Tahoma"/>
+                <a:sym typeface="Tahoma"/>
+              </a:rPr>
+              <a:t> 👉 np. ochrona przed atakami DDoS, redundancja serwerów.</a:t>
+            </a:r>
+            <a:br>
+              <a:rPr lang="pl" sz="1100">
+                <a:solidFill>
+                  <a:srgbClr val="000000"/>
+                </a:solidFill>
+                <a:latin typeface="Arial"/>
+                <a:ea typeface="Arial"/>
+                <a:cs typeface="Arial"/>
+                <a:sym typeface="Arial"/>
+              </a:rPr>
+            </a:br>
+            <a:endParaRPr sz="1100">
+              <a:solidFill>
+                <a:srgbClr val="000000"/>
+              </a:solidFill>
+              <a:latin typeface="Arial"/>
+              <a:ea typeface="Arial"/>
+              <a:cs typeface="Arial"/>
+              <a:sym typeface="Arial"/>
+            </a:endParaRPr>
+          </a:p>
+          <a:p>
+            <a:pPr indent="0" lvl="0" marL="0" rtl="0" algn="l">
+              <a:spcBef>
+                <a:spcPts val="1200"/>
+              </a:spcBef>
+              <a:spcAft>
+                <a:spcPts val="1200"/>
+              </a:spcAft>
+              <a:buNone/>
+            </a:pPr>
+            <a:r>
+              <a:t/>
+            </a:r>
+            <a:endParaRPr/>
+          </a:p>
+        </p:txBody>
+      </p:sp>
+    </p:spTree>
+  </p:cSld>
+  <p:clrMapOvr>
+    <a:masterClrMapping/>
+  </p:clrMapOvr>
+</p:sld>
+</file>
+
+<file path=ppt/slides/slide14.xml><?xml version="1.0" encoding="utf-8"?>
+<p:sld xmlns:a="http://schemas.openxmlformats.org/drawingml/2006/main" xmlns:r="http://schemas.openxmlformats.org/officeDocument/2006/relationships" xmlns:mc="http://schemas.openxmlformats.org/markup-compatibility/2006" xmlns:mv="urn:schemas-microsoft-com:mac:vml" xmlns:p="http://schemas.openxmlformats.org/presentationml/2006/main" xmlns:c="http://schemas.openxmlformats.org/drawingml/2006/chart" xmlns:dgm="http://schemas.openxmlformats.org/drawingml/2006/diagram" xmlns:o="urn:schemas-microsoft-com:office:office" xmlns:v="urn:schemas-microsoft-com:vml" xmlns:pvml="urn:schemas-microsoft-com:office:powerpoint" xmlns:com="http://schemas.openxmlformats.org/drawingml/2006/compatibility" xmlns:p14="http://schemas.microsoft.com/office/powerpoint/2010/main" xmlns:p15="http://schemas.microsoft.com/office/powerpoint/2012/main" xmlns:ahyp="http://schemas.microsoft.com/office/drawing/2018/hyperlinkcolor">
+  <p:cSld>
+    <p:spTree>
+      <p:nvGrpSpPr>
+        <p:cNvPr id="163" name="Shape 163"/>
+        <p:cNvGrpSpPr/>
+        <p:nvPr/>
+      </p:nvGrpSpPr>
+      <p:grpSpPr>
+        <a:xfrm>
+          <a:off x="0" y="0"/>
+          <a:ext cx="0" cy="0"/>
+          <a:chOff x="0" y="0"/>
+          <a:chExt cx="0" cy="0"/>
+        </a:xfrm>
+      </p:grpSpPr>
+      <p:sp>
+        <p:nvSpPr>
+          <p:cNvPr id="164" name="Google Shape;164;p26"/>
+          <p:cNvSpPr txBox="1"/>
+          <p:nvPr>
+            <p:ph type="title"/>
+          </p:nvPr>
+        </p:nvSpPr>
+        <p:spPr>
+          <a:xfrm>
+            <a:off x="729450" y="1318650"/>
+            <a:ext cx="7688700" cy="535200"/>
+          </a:xfrm>
+          <a:prstGeom prst="rect">
+            <a:avLst/>
+          </a:prstGeom>
+        </p:spPr>
+        <p:txBody>
+          <a:bodyPr anchorCtr="0" anchor="t" bIns="91425" lIns="91425" spcFirstLastPara="1" rIns="91425" wrap="square" tIns="91425">
+            <a:noAutofit/>
+          </a:bodyPr>
+          <a:lstStyle/>
+          <a:p>
+            <a:pPr indent="0" lvl="0" marL="0" rtl="0" algn="l">
+              <a:spcBef>
+                <a:spcPts val="0"/>
+              </a:spcBef>
+              <a:spcAft>
+                <a:spcPts val="0"/>
+              </a:spcAft>
+              <a:buSzPts val="990"/>
+              <a:buNone/>
+            </a:pPr>
+            <a:r>
+              <a:rPr lang="pl" sz="2440">
+                <a:latin typeface="Tahoma"/>
+                <a:ea typeface="Tahoma"/>
+                <a:cs typeface="Tahoma"/>
+                <a:sym typeface="Tahoma"/>
+              </a:rPr>
+              <a:t>Rodzaje polityk bezpieczeństwa w sieci</a:t>
+            </a:r>
+            <a:endParaRPr sz="2440">
+              <a:latin typeface="Tahoma"/>
+              <a:ea typeface="Tahoma"/>
+              <a:cs typeface="Tahoma"/>
+              <a:sym typeface="Tahoma"/>
+            </a:endParaRPr>
+          </a:p>
+        </p:txBody>
+      </p:sp>
+      <p:sp>
+        <p:nvSpPr>
+          <p:cNvPr id="165" name="Google Shape;165;p26"/>
+          <p:cNvSpPr txBox="1"/>
+          <p:nvPr>
+            <p:ph idx="1" type="body"/>
+          </p:nvPr>
+        </p:nvSpPr>
+        <p:spPr>
+          <a:xfrm>
+            <a:off x="729450" y="2078875"/>
+            <a:ext cx="7688700" cy="2986800"/>
+          </a:xfrm>
+          <a:prstGeom prst="rect">
+            <a:avLst/>
+          </a:prstGeom>
+        </p:spPr>
+        <p:txBody>
+          <a:bodyPr anchorCtr="0" anchor="t" bIns="91425" lIns="91425" spcFirstLastPara="1" rIns="91425" wrap="square" tIns="91425">
+            <a:normAutofit fontScale="70000" lnSpcReduction="20000"/>
+          </a:bodyPr>
+          <a:lstStyle/>
+          <a:p>
+            <a:pPr indent="-293265" lvl="0" marL="457200" rtl="0" algn="l">
+              <a:lnSpc>
+                <a:spcPct val="120000"/>
+              </a:lnSpc>
+              <a:spcBef>
+                <a:spcPts val="0"/>
+              </a:spcBef>
+              <a:spcAft>
+                <a:spcPts val="0"/>
+              </a:spcAft>
+              <a:buClr>
+                <a:srgbClr val="000000"/>
+              </a:buClr>
+              <a:buSzPct val="100000"/>
+              <a:buFont typeface="Tahoma"/>
+              <a:buAutoNum type="arabicPeriod"/>
+            </a:pPr>
+            <a:r>
+              <a:rPr b="1" lang="pl" sz="1454">
+                <a:solidFill>
+                  <a:srgbClr val="274E13"/>
+                </a:solidFill>
+                <a:latin typeface="Tahoma"/>
+                <a:ea typeface="Tahoma"/>
+                <a:cs typeface="Tahoma"/>
+                <a:sym typeface="Tahoma"/>
+              </a:rPr>
+              <a:t>Polityka dostępu do sieci (Access Control Policy)</a:t>
+            </a:r>
+            <a:br>
+              <a:rPr b="1" lang="pl" sz="1454">
+                <a:solidFill>
+                  <a:srgbClr val="000000"/>
+                </a:solidFill>
+                <a:latin typeface="Tahoma"/>
+                <a:ea typeface="Tahoma"/>
+                <a:cs typeface="Tahoma"/>
+                <a:sym typeface="Tahoma"/>
+              </a:rPr>
+            </a:br>
+            <a:endParaRPr b="1" sz="1454">
+              <a:solidFill>
+                <a:srgbClr val="000000"/>
+              </a:solidFill>
+              <a:latin typeface="Tahoma"/>
+              <a:ea typeface="Tahoma"/>
+              <a:cs typeface="Tahoma"/>
+              <a:sym typeface="Tahoma"/>
+            </a:endParaRPr>
+          </a:p>
+          <a:p>
+            <a:pPr indent="0" lvl="0" marL="914400" rtl="0" algn="l">
+              <a:lnSpc>
+                <a:spcPct val="120000"/>
+              </a:lnSpc>
+              <a:spcBef>
+                <a:spcPts val="0"/>
+              </a:spcBef>
+              <a:spcAft>
+                <a:spcPts val="0"/>
+              </a:spcAft>
+              <a:buNone/>
+            </a:pPr>
+            <a:r>
+              <a:rPr lang="pl" sz="1454">
+                <a:solidFill>
+                  <a:srgbClr val="000000"/>
+                </a:solidFill>
+                <a:latin typeface="Tahoma"/>
+                <a:ea typeface="Tahoma"/>
+                <a:cs typeface="Tahoma"/>
+                <a:sym typeface="Tahoma"/>
+              </a:rPr>
+              <a:t>Określa, kto może korzystać z sieci i w jakim zakresie.</a:t>
+            </a:r>
+            <a:br>
+              <a:rPr lang="pl" sz="1454">
+                <a:solidFill>
+                  <a:srgbClr val="000000"/>
+                </a:solidFill>
+                <a:latin typeface="Tahoma"/>
+                <a:ea typeface="Tahoma"/>
+                <a:cs typeface="Tahoma"/>
+                <a:sym typeface="Tahoma"/>
+              </a:rPr>
+            </a:br>
+            <a:r>
+              <a:rPr lang="pl" sz="1454">
+                <a:solidFill>
+                  <a:srgbClr val="000000"/>
+                </a:solidFill>
+                <a:latin typeface="Tahoma"/>
+                <a:ea typeface="Tahoma"/>
+                <a:cs typeface="Tahoma"/>
+                <a:sym typeface="Tahoma"/>
+              </a:rPr>
+              <a:t> 🔹 </a:t>
+            </a:r>
+            <a:r>
+              <a:rPr i="1" lang="pl" sz="1454">
+                <a:solidFill>
+                  <a:srgbClr val="000000"/>
+                </a:solidFill>
+                <a:latin typeface="Tahoma"/>
+                <a:ea typeface="Tahoma"/>
+                <a:cs typeface="Tahoma"/>
+                <a:sym typeface="Tahoma"/>
+              </a:rPr>
+              <a:t>Przykład:</a:t>
+            </a:r>
+            <a:r>
+              <a:rPr lang="pl" sz="1454">
+                <a:solidFill>
+                  <a:srgbClr val="000000"/>
+                </a:solidFill>
+                <a:latin typeface="Tahoma"/>
+                <a:ea typeface="Tahoma"/>
+                <a:cs typeface="Tahoma"/>
+                <a:sym typeface="Tahoma"/>
+              </a:rPr>
+              <a:t> pracownicy działu finansowego mają dostęp do serwera księgowego, ale nie do serwera HR.</a:t>
+            </a:r>
+            <a:br>
+              <a:rPr lang="pl" sz="1454">
+                <a:solidFill>
+                  <a:srgbClr val="000000"/>
+                </a:solidFill>
+                <a:latin typeface="Tahoma"/>
+                <a:ea typeface="Tahoma"/>
+                <a:cs typeface="Tahoma"/>
+                <a:sym typeface="Tahoma"/>
+              </a:rPr>
+            </a:br>
+            <a:endParaRPr sz="1454">
+              <a:solidFill>
+                <a:srgbClr val="000000"/>
+              </a:solidFill>
+              <a:latin typeface="Tahoma"/>
+              <a:ea typeface="Tahoma"/>
+              <a:cs typeface="Tahoma"/>
+              <a:sym typeface="Tahoma"/>
+            </a:endParaRPr>
+          </a:p>
+          <a:p>
+            <a:pPr indent="-293265" lvl="0" marL="457200" rtl="0" algn="l">
+              <a:lnSpc>
+                <a:spcPct val="120000"/>
+              </a:lnSpc>
+              <a:spcBef>
+                <a:spcPts val="0"/>
+              </a:spcBef>
+              <a:spcAft>
+                <a:spcPts val="0"/>
+              </a:spcAft>
+              <a:buClr>
+                <a:srgbClr val="000000"/>
+              </a:buClr>
+              <a:buSzPct val="100000"/>
+              <a:buFont typeface="Tahoma"/>
+              <a:buAutoNum type="arabicPeriod"/>
+            </a:pPr>
+            <a:r>
+              <a:rPr b="1" lang="pl" sz="1454">
+                <a:solidFill>
+                  <a:srgbClr val="274E13"/>
+                </a:solidFill>
+                <a:latin typeface="Tahoma"/>
+                <a:ea typeface="Tahoma"/>
+                <a:cs typeface="Tahoma"/>
+                <a:sym typeface="Tahoma"/>
+              </a:rPr>
+              <a:t>Polityka haseł (Password Policy)</a:t>
+            </a:r>
+            <a:br>
+              <a:rPr b="1" lang="pl" sz="1454">
+                <a:solidFill>
+                  <a:srgbClr val="000000"/>
+                </a:solidFill>
+                <a:latin typeface="Tahoma"/>
+                <a:ea typeface="Tahoma"/>
+                <a:cs typeface="Tahoma"/>
+                <a:sym typeface="Tahoma"/>
+              </a:rPr>
+            </a:br>
+            <a:endParaRPr b="1" sz="1454">
+              <a:solidFill>
+                <a:srgbClr val="000000"/>
+              </a:solidFill>
+              <a:latin typeface="Tahoma"/>
+              <a:ea typeface="Tahoma"/>
+              <a:cs typeface="Tahoma"/>
+              <a:sym typeface="Tahoma"/>
+            </a:endParaRPr>
+          </a:p>
+          <a:p>
+            <a:pPr indent="0" lvl="0" marL="914400" rtl="0" algn="l">
+              <a:lnSpc>
+                <a:spcPct val="120000"/>
+              </a:lnSpc>
+              <a:spcBef>
+                <a:spcPts val="0"/>
+              </a:spcBef>
+              <a:spcAft>
+                <a:spcPts val="0"/>
+              </a:spcAft>
+              <a:buNone/>
+            </a:pPr>
+            <a:r>
+              <a:rPr lang="pl" sz="1454">
+                <a:solidFill>
+                  <a:srgbClr val="000000"/>
+                </a:solidFill>
+                <a:latin typeface="Tahoma"/>
+                <a:ea typeface="Tahoma"/>
+                <a:cs typeface="Tahoma"/>
+                <a:sym typeface="Tahoma"/>
+              </a:rPr>
+              <a:t>Ustala reguły dotyczące złożoności, długości i zmiany haseł.</a:t>
+            </a:r>
+            <a:br>
+              <a:rPr lang="pl" sz="1454">
+                <a:solidFill>
+                  <a:srgbClr val="000000"/>
+                </a:solidFill>
+                <a:latin typeface="Tahoma"/>
+                <a:ea typeface="Tahoma"/>
+                <a:cs typeface="Tahoma"/>
+                <a:sym typeface="Tahoma"/>
+              </a:rPr>
+            </a:br>
+            <a:r>
+              <a:rPr lang="pl" sz="1454">
+                <a:solidFill>
+                  <a:srgbClr val="000000"/>
+                </a:solidFill>
+                <a:latin typeface="Tahoma"/>
+                <a:ea typeface="Tahoma"/>
+                <a:cs typeface="Tahoma"/>
+                <a:sym typeface="Tahoma"/>
+              </a:rPr>
+              <a:t> 🔹 </a:t>
+            </a:r>
+            <a:r>
+              <a:rPr i="1" lang="pl" sz="1454">
+                <a:solidFill>
+                  <a:srgbClr val="000000"/>
+                </a:solidFill>
+                <a:latin typeface="Tahoma"/>
+                <a:ea typeface="Tahoma"/>
+                <a:cs typeface="Tahoma"/>
+                <a:sym typeface="Tahoma"/>
+              </a:rPr>
+              <a:t>Przykład:</a:t>
+            </a:r>
+            <a:r>
+              <a:rPr lang="pl" sz="1454">
+                <a:solidFill>
+                  <a:srgbClr val="000000"/>
+                </a:solidFill>
+                <a:latin typeface="Tahoma"/>
+                <a:ea typeface="Tahoma"/>
+                <a:cs typeface="Tahoma"/>
+                <a:sym typeface="Tahoma"/>
+              </a:rPr>
+              <a:t> hasło musi mieć min. 10 znaków, zawierać litery, cyfry i znaki specjalne, zmiana co 90 dni.</a:t>
+            </a:r>
+            <a:endParaRPr sz="1454">
+              <a:solidFill>
+                <a:srgbClr val="000000"/>
+              </a:solidFill>
+              <a:latin typeface="Tahoma"/>
+              <a:ea typeface="Tahoma"/>
+              <a:cs typeface="Tahoma"/>
+              <a:sym typeface="Tahoma"/>
+            </a:endParaRPr>
+          </a:p>
+          <a:p>
+            <a:pPr indent="0" lvl="0" marL="914400" rtl="0" algn="l">
+              <a:lnSpc>
+                <a:spcPct val="120000"/>
+              </a:lnSpc>
+              <a:spcBef>
+                <a:spcPts val="0"/>
+              </a:spcBef>
+              <a:spcAft>
+                <a:spcPts val="0"/>
+              </a:spcAft>
+              <a:buNone/>
+            </a:pPr>
+            <a:r>
+              <a:t/>
+            </a:r>
+            <a:endParaRPr sz="1454">
+              <a:solidFill>
+                <a:srgbClr val="000000"/>
+              </a:solidFill>
+              <a:latin typeface="Tahoma"/>
+              <a:ea typeface="Tahoma"/>
+              <a:cs typeface="Tahoma"/>
+              <a:sym typeface="Tahoma"/>
+            </a:endParaRPr>
+          </a:p>
+          <a:p>
+            <a:pPr indent="-293265" lvl="0" marL="457200" rtl="0" algn="l">
+              <a:lnSpc>
+                <a:spcPct val="120000"/>
+              </a:lnSpc>
+              <a:spcBef>
+                <a:spcPts val="0"/>
+              </a:spcBef>
+              <a:spcAft>
+                <a:spcPts val="0"/>
+              </a:spcAft>
+              <a:buClr>
+                <a:srgbClr val="274E13"/>
+              </a:buClr>
+              <a:buSzPct val="100000"/>
+              <a:buFont typeface="Tahoma"/>
+              <a:buAutoNum type="arabicPeriod"/>
+            </a:pPr>
+            <a:r>
+              <a:rPr b="1" lang="pl" sz="1454">
+                <a:solidFill>
+                  <a:srgbClr val="274E13"/>
+                </a:solidFill>
+                <a:latin typeface="Tahoma"/>
+                <a:ea typeface="Tahoma"/>
+                <a:cs typeface="Tahoma"/>
+                <a:sym typeface="Tahoma"/>
+              </a:rPr>
+              <a:t>Polityka korzystania z Internetu (Acceptable Use Policy)</a:t>
+            </a:r>
+            <a:endParaRPr b="1" sz="1454">
+              <a:solidFill>
+                <a:srgbClr val="274E13"/>
+              </a:solidFill>
+              <a:latin typeface="Tahoma"/>
+              <a:ea typeface="Tahoma"/>
+              <a:cs typeface="Tahoma"/>
+              <a:sym typeface="Tahoma"/>
+            </a:endParaRPr>
+          </a:p>
+          <a:p>
+            <a:pPr indent="0" lvl="0" marL="457200" rtl="0" algn="l">
+              <a:lnSpc>
+                <a:spcPct val="120000"/>
+              </a:lnSpc>
+              <a:spcBef>
+                <a:spcPts val="0"/>
+              </a:spcBef>
+              <a:spcAft>
+                <a:spcPts val="0"/>
+              </a:spcAft>
+              <a:buNone/>
+            </a:pPr>
+            <a:r>
+              <a:t/>
+            </a:r>
+            <a:endParaRPr b="1" sz="1454">
+              <a:solidFill>
+                <a:srgbClr val="000000"/>
+              </a:solidFill>
+              <a:latin typeface="Tahoma"/>
+              <a:ea typeface="Tahoma"/>
+              <a:cs typeface="Tahoma"/>
+              <a:sym typeface="Tahoma"/>
+            </a:endParaRPr>
+          </a:p>
+          <a:p>
+            <a:pPr indent="0" lvl="0" marL="914400" rtl="0" algn="l">
+              <a:lnSpc>
+                <a:spcPct val="120000"/>
+              </a:lnSpc>
+              <a:spcBef>
+                <a:spcPts val="0"/>
+              </a:spcBef>
+              <a:spcAft>
+                <a:spcPts val="0"/>
+              </a:spcAft>
+              <a:buNone/>
+            </a:pPr>
+            <a:r>
+              <a:rPr lang="pl" sz="1454">
+                <a:solidFill>
+                  <a:srgbClr val="000000"/>
+                </a:solidFill>
+                <a:latin typeface="Tahoma"/>
+                <a:ea typeface="Tahoma"/>
+                <a:cs typeface="Tahoma"/>
+                <a:sym typeface="Tahoma"/>
+              </a:rPr>
+              <a:t>Określa, w jaki sposób można korzystać z Internetu w pracy.</a:t>
+            </a:r>
+            <a:br>
+              <a:rPr lang="pl" sz="1454">
+                <a:solidFill>
+                  <a:srgbClr val="000000"/>
+                </a:solidFill>
+                <a:latin typeface="Tahoma"/>
+                <a:ea typeface="Tahoma"/>
+                <a:cs typeface="Tahoma"/>
+                <a:sym typeface="Tahoma"/>
+              </a:rPr>
+            </a:br>
+            <a:r>
+              <a:rPr lang="pl" sz="1454">
+                <a:solidFill>
+                  <a:srgbClr val="000000"/>
+                </a:solidFill>
+                <a:latin typeface="Tahoma"/>
+                <a:ea typeface="Tahoma"/>
+                <a:cs typeface="Tahoma"/>
+                <a:sym typeface="Tahoma"/>
+              </a:rPr>
+              <a:t> 🔹 </a:t>
+            </a:r>
+            <a:r>
+              <a:rPr i="1" lang="pl" sz="1454">
+                <a:solidFill>
+                  <a:srgbClr val="000000"/>
+                </a:solidFill>
+                <a:latin typeface="Tahoma"/>
+                <a:ea typeface="Tahoma"/>
+                <a:cs typeface="Tahoma"/>
+                <a:sym typeface="Tahoma"/>
+              </a:rPr>
+              <a:t>Przykład:</a:t>
+            </a:r>
+            <a:r>
+              <a:rPr lang="pl" sz="1454">
+                <a:solidFill>
+                  <a:srgbClr val="000000"/>
+                </a:solidFill>
+                <a:latin typeface="Tahoma"/>
+                <a:ea typeface="Tahoma"/>
+                <a:cs typeface="Tahoma"/>
+                <a:sym typeface="Tahoma"/>
+              </a:rPr>
+              <a:t> zakaz wchodzenia na strony o treści niezgodnej z prawem lub niezwiązanej z pracą.</a:t>
+            </a:r>
+            <a:endParaRPr sz="1454">
+              <a:solidFill>
+                <a:srgbClr val="000000"/>
+              </a:solidFill>
+              <a:latin typeface="Tahoma"/>
+              <a:ea typeface="Tahoma"/>
+              <a:cs typeface="Tahoma"/>
+              <a:sym typeface="Tahoma"/>
+            </a:endParaRPr>
+          </a:p>
+          <a:p>
+            <a:pPr indent="0" lvl="0" marL="0" rtl="0" algn="l">
+              <a:spcBef>
+                <a:spcPts val="1200"/>
+              </a:spcBef>
+              <a:spcAft>
+                <a:spcPts val="0"/>
+              </a:spcAft>
+              <a:buNone/>
+            </a:pPr>
+            <a:r>
+              <a:t/>
+            </a:r>
+            <a:endParaRPr sz="1100">
+              <a:solidFill>
+                <a:srgbClr val="000000"/>
+              </a:solidFill>
+              <a:latin typeface="Arial"/>
+              <a:ea typeface="Arial"/>
+              <a:cs typeface="Arial"/>
+              <a:sym typeface="Arial"/>
+            </a:endParaRPr>
+          </a:p>
+          <a:p>
+            <a:pPr indent="0" lvl="0" marL="0" rtl="0" algn="l">
+              <a:spcBef>
+                <a:spcPts val="1200"/>
+              </a:spcBef>
+              <a:spcAft>
+                <a:spcPts val="1200"/>
+              </a:spcAft>
+              <a:buNone/>
+            </a:pPr>
+            <a:r>
+              <a:t/>
+            </a:r>
+            <a:endParaRPr/>
+          </a:p>
+        </p:txBody>
+      </p:sp>
+    </p:spTree>
+  </p:cSld>
+  <p:clrMapOvr>
+    <a:masterClrMapping/>
+  </p:clrMapOvr>
+</p:sld>
+</file>
+
+<file path=ppt/slides/slide15.xml><?xml version="1.0" encoding="utf-8"?>
+<p:sld xmlns:a="http://schemas.openxmlformats.org/drawingml/2006/main" xmlns:r="http://schemas.openxmlformats.org/officeDocument/2006/relationships" xmlns:mc="http://schemas.openxmlformats.org/markup-compatibility/2006" xmlns:mv="urn:schemas-microsoft-com:mac:vml" xmlns:p="http://schemas.openxmlformats.org/presentationml/2006/main" xmlns:c="http://schemas.openxmlformats.org/drawingml/2006/chart" xmlns:dgm="http://schemas.openxmlformats.org/drawingml/2006/diagram" xmlns:o="urn:schemas-microsoft-com:office:office" xmlns:v="urn:schemas-microsoft-com:vml" xmlns:pvml="urn:schemas-microsoft-com:office:powerpoint" xmlns:com="http://schemas.openxmlformats.org/drawingml/2006/compatibility" xmlns:p14="http://schemas.microsoft.com/office/powerpoint/2010/main" xmlns:p15="http://schemas.microsoft.com/office/powerpoint/2012/main" xmlns:ahyp="http://schemas.microsoft.com/office/drawing/2018/hyperlinkcolor">
+  <p:cSld>
+    <p:spTree>
+      <p:nvGrpSpPr>
+        <p:cNvPr id="169" name="Shape 169"/>
+        <p:cNvGrpSpPr/>
+        <p:nvPr/>
+      </p:nvGrpSpPr>
+      <p:grpSpPr>
+        <a:xfrm>
+          <a:off x="0" y="0"/>
+          <a:ext cx="0" cy="0"/>
+          <a:chOff x="0" y="0"/>
+          <a:chExt cx="0" cy="0"/>
+        </a:xfrm>
+      </p:grpSpPr>
+      <p:sp>
+        <p:nvSpPr>
+          <p:cNvPr id="170" name="Google Shape;170;p27"/>
+          <p:cNvSpPr txBox="1"/>
+          <p:nvPr>
+            <p:ph type="title"/>
+          </p:nvPr>
+        </p:nvSpPr>
+        <p:spPr>
+          <a:xfrm>
+            <a:off x="729450" y="1318650"/>
+            <a:ext cx="7688700" cy="535200"/>
+          </a:xfrm>
+          <a:prstGeom prst="rect">
+            <a:avLst/>
+          </a:prstGeom>
+        </p:spPr>
+        <p:txBody>
+          <a:bodyPr anchorCtr="0" anchor="t" bIns="91425" lIns="91425" spcFirstLastPara="1" rIns="91425" wrap="square" tIns="91425">
+            <a:normAutofit fontScale="90000"/>
+          </a:bodyPr>
+          <a:lstStyle/>
+          <a:p>
+            <a:pPr indent="0" lvl="0" marL="0" rtl="0" algn="l">
+              <a:spcBef>
+                <a:spcPts val="0"/>
+              </a:spcBef>
+              <a:spcAft>
+                <a:spcPts val="0"/>
+              </a:spcAft>
+              <a:buClr>
+                <a:srgbClr val="000000"/>
+              </a:buClr>
+              <a:buSzPct val="40573"/>
+              <a:buFont typeface="Arial"/>
+              <a:buNone/>
+            </a:pPr>
+            <a:r>
+              <a:rPr lang="pl" sz="2440">
+                <a:latin typeface="Tahoma"/>
+                <a:ea typeface="Tahoma"/>
+                <a:cs typeface="Tahoma"/>
+                <a:sym typeface="Tahoma"/>
+              </a:rPr>
+              <a:t>Rodzaje polityk bezpieczeństwa w sieci c.d.</a:t>
+            </a:r>
+            <a:endParaRPr sz="2440">
+              <a:latin typeface="Tahoma"/>
+              <a:ea typeface="Tahoma"/>
+              <a:cs typeface="Tahoma"/>
+              <a:sym typeface="Tahoma"/>
+            </a:endParaRPr>
+          </a:p>
+          <a:p>
+            <a:pPr indent="0" lvl="0" marL="0" rtl="0" algn="l">
+              <a:spcBef>
+                <a:spcPts val="0"/>
+              </a:spcBef>
+              <a:spcAft>
+                <a:spcPts val="0"/>
+              </a:spcAft>
+              <a:buNone/>
+            </a:pPr>
+            <a:r>
+              <a:t/>
+            </a:r>
+            <a:endParaRPr/>
+          </a:p>
+        </p:txBody>
+      </p:sp>
+      <p:sp>
+        <p:nvSpPr>
+          <p:cNvPr id="171" name="Google Shape;171;p27"/>
+          <p:cNvSpPr txBox="1"/>
+          <p:nvPr>
+            <p:ph idx="1" type="body"/>
+          </p:nvPr>
+        </p:nvSpPr>
+        <p:spPr>
+          <a:xfrm>
+            <a:off x="729450" y="2078875"/>
+            <a:ext cx="7688700" cy="2971500"/>
+          </a:xfrm>
+          <a:prstGeom prst="rect">
+            <a:avLst/>
+          </a:prstGeom>
+        </p:spPr>
+        <p:txBody>
+          <a:bodyPr anchorCtr="0" anchor="t" bIns="91425" lIns="91425" spcFirstLastPara="1" rIns="91425" wrap="square" tIns="91425">
+            <a:normAutofit fontScale="62500" lnSpcReduction="20000"/>
+          </a:bodyPr>
+          <a:lstStyle/>
+          <a:p>
+            <a:pPr indent="0" lvl="0" marL="0" rtl="0" algn="l">
+              <a:spcBef>
+                <a:spcPts val="1200"/>
+              </a:spcBef>
+              <a:spcAft>
+                <a:spcPts val="0"/>
+              </a:spcAft>
+              <a:buNone/>
+            </a:pPr>
+            <a:r>
+              <a:rPr b="1" lang="pl" sz="1674">
+                <a:solidFill>
+                  <a:srgbClr val="000000"/>
+                </a:solidFill>
+                <a:latin typeface="Tahoma"/>
+                <a:ea typeface="Tahoma"/>
+                <a:cs typeface="Tahoma"/>
+                <a:sym typeface="Tahoma"/>
+              </a:rPr>
+              <a:t>4. 	</a:t>
+            </a:r>
+            <a:r>
+              <a:rPr b="1" lang="pl" sz="1674">
+                <a:solidFill>
+                  <a:srgbClr val="274E13"/>
+                </a:solidFill>
+                <a:latin typeface="Tahoma"/>
+                <a:ea typeface="Tahoma"/>
+                <a:cs typeface="Tahoma"/>
+                <a:sym typeface="Tahoma"/>
+              </a:rPr>
+              <a:t>Polityka zapory sieciowej (Firewall Policy)</a:t>
+            </a:r>
+            <a:br>
+              <a:rPr b="1" lang="pl" sz="1674">
+                <a:solidFill>
+                  <a:srgbClr val="000000"/>
+                </a:solidFill>
+                <a:latin typeface="Tahoma"/>
+                <a:ea typeface="Tahoma"/>
+                <a:cs typeface="Tahoma"/>
+                <a:sym typeface="Tahoma"/>
+              </a:rPr>
+            </a:br>
+            <a:r>
+              <a:rPr b="1" lang="pl" sz="1674">
+                <a:solidFill>
+                  <a:srgbClr val="000000"/>
+                </a:solidFill>
+                <a:latin typeface="Tahoma"/>
+                <a:ea typeface="Tahoma"/>
+                <a:cs typeface="Tahoma"/>
+                <a:sym typeface="Tahoma"/>
+              </a:rPr>
+              <a:t>		</a:t>
+            </a:r>
+            <a:r>
+              <a:rPr lang="pl" sz="1674">
+                <a:solidFill>
+                  <a:srgbClr val="000000"/>
+                </a:solidFill>
+                <a:latin typeface="Tahoma"/>
+                <a:ea typeface="Tahoma"/>
+                <a:cs typeface="Tahoma"/>
+                <a:sym typeface="Tahoma"/>
+              </a:rPr>
+              <a:t>Definiuje, które połączenia są dozwolone, a które blokowane.</a:t>
+            </a:r>
+            <a:br>
+              <a:rPr lang="pl" sz="1674">
+                <a:solidFill>
+                  <a:srgbClr val="000000"/>
+                </a:solidFill>
+                <a:latin typeface="Tahoma"/>
+                <a:ea typeface="Tahoma"/>
+                <a:cs typeface="Tahoma"/>
+                <a:sym typeface="Tahoma"/>
+              </a:rPr>
+            </a:br>
+            <a:r>
+              <a:rPr lang="pl" sz="1674">
+                <a:solidFill>
+                  <a:srgbClr val="000000"/>
+                </a:solidFill>
+                <a:latin typeface="Tahoma"/>
+                <a:ea typeface="Tahoma"/>
+                <a:cs typeface="Tahoma"/>
+                <a:sym typeface="Tahoma"/>
+              </a:rPr>
+              <a:t> 		🔹 </a:t>
+            </a:r>
+            <a:r>
+              <a:rPr i="1" lang="pl" sz="1674">
+                <a:solidFill>
+                  <a:srgbClr val="000000"/>
+                </a:solidFill>
+                <a:latin typeface="Tahoma"/>
+                <a:ea typeface="Tahoma"/>
+                <a:cs typeface="Tahoma"/>
+                <a:sym typeface="Tahoma"/>
+              </a:rPr>
+              <a:t>Przykład:</a:t>
+            </a:r>
+            <a:r>
+              <a:rPr lang="pl" sz="1674">
+                <a:solidFill>
+                  <a:srgbClr val="000000"/>
+                </a:solidFill>
+                <a:latin typeface="Tahoma"/>
+                <a:ea typeface="Tahoma"/>
+                <a:cs typeface="Tahoma"/>
+                <a:sym typeface="Tahoma"/>
+              </a:rPr>
+              <a:t> ruch przychodzący na port 22 (SSH) dozwolony tylko z sieci firmowej.</a:t>
+            </a:r>
+            <a:br>
+              <a:rPr lang="pl" sz="1674">
+                <a:solidFill>
+                  <a:srgbClr val="000000"/>
+                </a:solidFill>
+                <a:latin typeface="Tahoma"/>
+                <a:ea typeface="Tahoma"/>
+                <a:cs typeface="Tahoma"/>
+                <a:sym typeface="Tahoma"/>
+              </a:rPr>
+            </a:br>
+            <a:endParaRPr sz="1674">
+              <a:solidFill>
+                <a:srgbClr val="000000"/>
+              </a:solidFill>
+              <a:latin typeface="Tahoma"/>
+              <a:ea typeface="Tahoma"/>
+              <a:cs typeface="Tahoma"/>
+              <a:sym typeface="Tahoma"/>
+            </a:endParaRPr>
+          </a:p>
+          <a:p>
+            <a:pPr indent="0" lvl="0" marL="0" rtl="0" algn="l">
+              <a:spcBef>
+                <a:spcPts val="1200"/>
+              </a:spcBef>
+              <a:spcAft>
+                <a:spcPts val="0"/>
+              </a:spcAft>
+              <a:buNone/>
+            </a:pPr>
+            <a:r>
+              <a:rPr b="1" lang="pl" sz="1674">
+                <a:solidFill>
+                  <a:srgbClr val="000000"/>
+                </a:solidFill>
+                <a:latin typeface="Tahoma"/>
+                <a:ea typeface="Tahoma"/>
+                <a:cs typeface="Tahoma"/>
+                <a:sym typeface="Tahoma"/>
+              </a:rPr>
+              <a:t>5. 	</a:t>
+            </a:r>
+            <a:r>
+              <a:rPr b="1" lang="pl" sz="1674">
+                <a:solidFill>
+                  <a:srgbClr val="274E13"/>
+                </a:solidFill>
+                <a:latin typeface="Tahoma"/>
+                <a:ea typeface="Tahoma"/>
+                <a:cs typeface="Tahoma"/>
+                <a:sym typeface="Tahoma"/>
+              </a:rPr>
+              <a:t>Polityka aktualizacji i łatania systemów (Patch Management Policy)</a:t>
+            </a:r>
+            <a:br>
+              <a:rPr b="1" lang="pl" sz="1674">
+                <a:solidFill>
+                  <a:srgbClr val="000000"/>
+                </a:solidFill>
+                <a:latin typeface="Tahoma"/>
+                <a:ea typeface="Tahoma"/>
+                <a:cs typeface="Tahoma"/>
+                <a:sym typeface="Tahoma"/>
+              </a:rPr>
+            </a:br>
+            <a:r>
+              <a:rPr lang="pl" sz="1674">
+                <a:solidFill>
+                  <a:srgbClr val="000000"/>
+                </a:solidFill>
+                <a:latin typeface="Tahoma"/>
+                <a:ea typeface="Tahoma"/>
+                <a:cs typeface="Tahoma"/>
+                <a:sym typeface="Tahoma"/>
+              </a:rPr>
+              <a:t>		Określa zasady instalowania poprawek bezpieczeństwa.</a:t>
+            </a:r>
+            <a:br>
+              <a:rPr lang="pl" sz="1674">
+                <a:solidFill>
+                  <a:srgbClr val="000000"/>
+                </a:solidFill>
+                <a:latin typeface="Tahoma"/>
+                <a:ea typeface="Tahoma"/>
+                <a:cs typeface="Tahoma"/>
+                <a:sym typeface="Tahoma"/>
+              </a:rPr>
+            </a:br>
+            <a:r>
+              <a:rPr lang="pl" sz="1674">
+                <a:solidFill>
+                  <a:srgbClr val="000000"/>
+                </a:solidFill>
+                <a:latin typeface="Tahoma"/>
+                <a:ea typeface="Tahoma"/>
+                <a:cs typeface="Tahoma"/>
+                <a:sym typeface="Tahoma"/>
+              </a:rPr>
+              <a:t> 		🔹 </a:t>
+            </a:r>
+            <a:r>
+              <a:rPr i="1" lang="pl" sz="1674">
+                <a:solidFill>
+                  <a:srgbClr val="000000"/>
+                </a:solidFill>
+                <a:latin typeface="Tahoma"/>
+                <a:ea typeface="Tahoma"/>
+                <a:cs typeface="Tahoma"/>
+                <a:sym typeface="Tahoma"/>
+              </a:rPr>
+              <a:t>Przykład:</a:t>
+            </a:r>
+            <a:r>
+              <a:rPr lang="pl" sz="1674">
+                <a:solidFill>
+                  <a:srgbClr val="000000"/>
+                </a:solidFill>
+                <a:latin typeface="Tahoma"/>
+                <a:ea typeface="Tahoma"/>
+                <a:cs typeface="Tahoma"/>
+                <a:sym typeface="Tahoma"/>
+              </a:rPr>
+              <a:t> wszystkie serwery muszą być aktualizowane co najmniej raz w miesiącu.</a:t>
+            </a:r>
+            <a:br>
+              <a:rPr lang="pl" sz="1674">
+                <a:solidFill>
+                  <a:srgbClr val="000000"/>
+                </a:solidFill>
+                <a:latin typeface="Tahoma"/>
+                <a:ea typeface="Tahoma"/>
+                <a:cs typeface="Tahoma"/>
+                <a:sym typeface="Tahoma"/>
+              </a:rPr>
+            </a:br>
+            <a:endParaRPr sz="1674">
+              <a:solidFill>
+                <a:srgbClr val="000000"/>
+              </a:solidFill>
+              <a:latin typeface="Tahoma"/>
+              <a:ea typeface="Tahoma"/>
+              <a:cs typeface="Tahoma"/>
+              <a:sym typeface="Tahoma"/>
+            </a:endParaRPr>
+          </a:p>
+          <a:p>
+            <a:pPr indent="0" lvl="0" marL="0" rtl="0" algn="l">
+              <a:spcBef>
+                <a:spcPts val="1200"/>
+              </a:spcBef>
+              <a:spcAft>
+                <a:spcPts val="0"/>
+              </a:spcAft>
+              <a:buNone/>
+            </a:pPr>
+            <a:r>
+              <a:rPr b="1" lang="pl" sz="1674">
+                <a:solidFill>
+                  <a:srgbClr val="000000"/>
+                </a:solidFill>
+                <a:latin typeface="Tahoma"/>
+                <a:ea typeface="Tahoma"/>
+                <a:cs typeface="Tahoma"/>
+                <a:sym typeface="Tahoma"/>
+              </a:rPr>
+              <a:t>6.	</a:t>
+            </a:r>
+            <a:r>
+              <a:rPr b="1" lang="pl" sz="1674">
+                <a:solidFill>
+                  <a:srgbClr val="274E13"/>
+                </a:solidFill>
+                <a:latin typeface="Tahoma"/>
+                <a:ea typeface="Tahoma"/>
+                <a:cs typeface="Tahoma"/>
+                <a:sym typeface="Tahoma"/>
+              </a:rPr>
+              <a:t>Polityka tworzenia kopii zapasowych (Backup Policy)</a:t>
+            </a:r>
+            <a:br>
+              <a:rPr b="1" lang="pl" sz="1674">
+                <a:solidFill>
+                  <a:srgbClr val="000000"/>
+                </a:solidFill>
+                <a:latin typeface="Tahoma"/>
+                <a:ea typeface="Tahoma"/>
+                <a:cs typeface="Tahoma"/>
+                <a:sym typeface="Tahoma"/>
+              </a:rPr>
+            </a:br>
+            <a:r>
+              <a:rPr b="1" lang="pl" sz="1674">
+                <a:solidFill>
+                  <a:srgbClr val="000000"/>
+                </a:solidFill>
+                <a:latin typeface="Tahoma"/>
+                <a:ea typeface="Tahoma"/>
+                <a:cs typeface="Tahoma"/>
+                <a:sym typeface="Tahoma"/>
+              </a:rPr>
+              <a:t>		</a:t>
+            </a:r>
+            <a:r>
+              <a:rPr lang="pl" sz="1674">
+                <a:solidFill>
+                  <a:srgbClr val="000000"/>
+                </a:solidFill>
+                <a:latin typeface="Tahoma"/>
+                <a:ea typeface="Tahoma"/>
+                <a:cs typeface="Tahoma"/>
+                <a:sym typeface="Tahoma"/>
+              </a:rPr>
+              <a:t>Wskazuje, jak i kiedy wykonywać backupy danych.</a:t>
+            </a:r>
+            <a:br>
+              <a:rPr lang="pl" sz="1674">
+                <a:solidFill>
+                  <a:srgbClr val="000000"/>
+                </a:solidFill>
+                <a:latin typeface="Tahoma"/>
+                <a:ea typeface="Tahoma"/>
+                <a:cs typeface="Tahoma"/>
+                <a:sym typeface="Tahoma"/>
+              </a:rPr>
+            </a:br>
+            <a:r>
+              <a:rPr lang="pl" sz="1674">
+                <a:solidFill>
+                  <a:srgbClr val="000000"/>
+                </a:solidFill>
+                <a:latin typeface="Tahoma"/>
+                <a:ea typeface="Tahoma"/>
+                <a:cs typeface="Tahoma"/>
+                <a:sym typeface="Tahoma"/>
+              </a:rPr>
+              <a:t> 		🔹 </a:t>
+            </a:r>
+            <a:r>
+              <a:rPr i="1" lang="pl" sz="1674">
+                <a:solidFill>
+                  <a:srgbClr val="000000"/>
+                </a:solidFill>
+                <a:latin typeface="Tahoma"/>
+                <a:ea typeface="Tahoma"/>
+                <a:cs typeface="Tahoma"/>
+                <a:sym typeface="Tahoma"/>
+              </a:rPr>
+              <a:t>Przykład:</a:t>
+            </a:r>
+            <a:r>
+              <a:rPr lang="pl" sz="1674">
+                <a:solidFill>
+                  <a:srgbClr val="000000"/>
+                </a:solidFill>
+                <a:latin typeface="Tahoma"/>
+                <a:ea typeface="Tahoma"/>
+                <a:cs typeface="Tahoma"/>
+                <a:sym typeface="Tahoma"/>
+              </a:rPr>
+              <a:t> codzienna kopia danych na serwer zewnętrzny, przechowywana przez 30 dni.</a:t>
+            </a:r>
+            <a:br>
+              <a:rPr lang="pl" sz="1674">
+                <a:solidFill>
+                  <a:srgbClr val="000000"/>
+                </a:solidFill>
+                <a:latin typeface="Tahoma"/>
+                <a:ea typeface="Tahoma"/>
+                <a:cs typeface="Tahoma"/>
+                <a:sym typeface="Tahoma"/>
+              </a:rPr>
+            </a:br>
+            <a:endParaRPr sz="1674">
+              <a:solidFill>
+                <a:srgbClr val="000000"/>
+              </a:solidFill>
+              <a:latin typeface="Tahoma"/>
+              <a:ea typeface="Tahoma"/>
+              <a:cs typeface="Tahoma"/>
+              <a:sym typeface="Tahoma"/>
+            </a:endParaRPr>
+          </a:p>
+          <a:p>
+            <a:pPr indent="0" lvl="0" marL="0" rtl="0" algn="l">
+              <a:spcBef>
+                <a:spcPts val="1200"/>
+              </a:spcBef>
+              <a:spcAft>
+                <a:spcPts val="1200"/>
+              </a:spcAft>
+              <a:buNone/>
+            </a:pPr>
+            <a:r>
+              <a:rPr b="1" lang="pl" sz="1674">
+                <a:solidFill>
+                  <a:srgbClr val="000000"/>
+                </a:solidFill>
+                <a:latin typeface="Tahoma"/>
+                <a:ea typeface="Tahoma"/>
+                <a:cs typeface="Tahoma"/>
+                <a:sym typeface="Tahoma"/>
+              </a:rPr>
+              <a:t>7.	</a:t>
+            </a:r>
+            <a:r>
+              <a:rPr b="1" lang="pl" sz="1674">
+                <a:solidFill>
+                  <a:srgbClr val="274E13"/>
+                </a:solidFill>
+                <a:latin typeface="Tahoma"/>
+                <a:ea typeface="Tahoma"/>
+                <a:cs typeface="Tahoma"/>
+                <a:sym typeface="Tahoma"/>
+              </a:rPr>
+              <a:t>Polityka reagowania na incydenty (Incident Response Policy)</a:t>
+            </a:r>
+            <a:br>
+              <a:rPr b="1" lang="pl" sz="1674">
+                <a:solidFill>
+                  <a:srgbClr val="000000"/>
+                </a:solidFill>
+                <a:latin typeface="Tahoma"/>
+                <a:ea typeface="Tahoma"/>
+                <a:cs typeface="Tahoma"/>
+                <a:sym typeface="Tahoma"/>
+              </a:rPr>
+            </a:br>
+            <a:r>
+              <a:rPr b="1" lang="pl" sz="1674">
+                <a:solidFill>
+                  <a:srgbClr val="000000"/>
+                </a:solidFill>
+                <a:latin typeface="Tahoma"/>
+                <a:ea typeface="Tahoma"/>
+                <a:cs typeface="Tahoma"/>
+                <a:sym typeface="Tahoma"/>
+              </a:rPr>
+              <a:t>		</a:t>
+            </a:r>
+            <a:r>
+              <a:rPr lang="pl" sz="1674">
+                <a:solidFill>
+                  <a:srgbClr val="000000"/>
+                </a:solidFill>
+                <a:latin typeface="Tahoma"/>
+                <a:ea typeface="Tahoma"/>
+                <a:cs typeface="Tahoma"/>
+                <a:sym typeface="Tahoma"/>
+              </a:rPr>
+              <a:t>Opisuje procedury w razie włamania, ataku lub awarii.</a:t>
+            </a:r>
+            <a:br>
+              <a:rPr lang="pl" sz="1674">
+                <a:solidFill>
+                  <a:srgbClr val="000000"/>
+                </a:solidFill>
+                <a:latin typeface="Tahoma"/>
+                <a:ea typeface="Tahoma"/>
+                <a:cs typeface="Tahoma"/>
+                <a:sym typeface="Tahoma"/>
+              </a:rPr>
+            </a:br>
+            <a:r>
+              <a:rPr lang="pl" sz="1674">
+                <a:solidFill>
+                  <a:srgbClr val="000000"/>
+                </a:solidFill>
+                <a:latin typeface="Tahoma"/>
+                <a:ea typeface="Tahoma"/>
+                <a:cs typeface="Tahoma"/>
+                <a:sym typeface="Tahoma"/>
+              </a:rPr>
+              <a:t>		🔹 </a:t>
+            </a:r>
+            <a:r>
+              <a:rPr i="1" lang="pl" sz="1674">
+                <a:solidFill>
+                  <a:srgbClr val="000000"/>
+                </a:solidFill>
+                <a:latin typeface="Tahoma"/>
+                <a:ea typeface="Tahoma"/>
+                <a:cs typeface="Tahoma"/>
+                <a:sym typeface="Tahoma"/>
+              </a:rPr>
+              <a:t>Przykład:</a:t>
+            </a:r>
+            <a:r>
+              <a:rPr lang="pl" sz="1674">
+                <a:solidFill>
+                  <a:srgbClr val="000000"/>
+                </a:solidFill>
+                <a:latin typeface="Tahoma"/>
+                <a:ea typeface="Tahoma"/>
+                <a:cs typeface="Tahoma"/>
+                <a:sym typeface="Tahoma"/>
+              </a:rPr>
+              <a:t> po wykryciu ataku DDoS administrator odłącza serwer i powiadamia zespół SOC.</a:t>
+            </a:r>
+            <a:endParaRPr/>
+          </a:p>
+        </p:txBody>
+      </p:sp>
+    </p:spTree>
+  </p:cSld>
+  <p:clrMapOvr>
+    <a:masterClrMapping/>
+  </p:clrMapOvr>
+</p:sld>
+</file>
+
+<file path=ppt/slides/slide16.xml><?xml version="1.0" encoding="utf-8"?>
+<p:sld xmlns:a="http://schemas.openxmlformats.org/drawingml/2006/main" xmlns:r="http://schemas.openxmlformats.org/officeDocument/2006/relationships" xmlns:mc="http://schemas.openxmlformats.org/markup-compatibility/2006" xmlns:mv="urn:schemas-microsoft-com:mac:vml" xmlns:p="http://schemas.openxmlformats.org/presentationml/2006/main" xmlns:c="http://schemas.openxmlformats.org/drawingml/2006/chart" xmlns:dgm="http://schemas.openxmlformats.org/drawingml/2006/diagram" xmlns:o="urn:schemas-microsoft-com:office:office" xmlns:v="urn:schemas-microsoft-com:vml" xmlns:pvml="urn:schemas-microsoft-com:office:powerpoint" xmlns:com="http://schemas.openxmlformats.org/drawingml/2006/compatibility" xmlns:p14="http://schemas.microsoft.com/office/powerpoint/2010/main" xmlns:p15="http://schemas.microsoft.com/office/powerpoint/2012/main" xmlns:ahyp="http://schemas.microsoft.com/office/drawing/2018/hyperlinkcolor">
+  <p:cSld>
+    <p:spTree>
+      <p:nvGrpSpPr>
+        <p:cNvPr id="175" name="Shape 175"/>
+        <p:cNvGrpSpPr/>
+        <p:nvPr/>
+      </p:nvGrpSpPr>
+      <p:grpSpPr>
+        <a:xfrm>
+          <a:off x="0" y="0"/>
+          <a:ext cx="0" cy="0"/>
+          <a:chOff x="0" y="0"/>
+          <a:chExt cx="0" cy="0"/>
+        </a:xfrm>
+      </p:grpSpPr>
+      <p:sp>
+        <p:nvSpPr>
+          <p:cNvPr id="176" name="Google Shape;176;p28"/>
+          <p:cNvSpPr txBox="1"/>
+          <p:nvPr>
+            <p:ph type="title"/>
+          </p:nvPr>
+        </p:nvSpPr>
+        <p:spPr>
+          <a:xfrm>
+            <a:off x="729450" y="1318650"/>
+            <a:ext cx="7688700" cy="535200"/>
+          </a:xfrm>
+          <a:prstGeom prst="rect">
+            <a:avLst/>
+          </a:prstGeom>
+        </p:spPr>
+        <p:txBody>
+          <a:bodyPr anchorCtr="0" anchor="t" bIns="91425" lIns="91425" spcFirstLastPara="1" rIns="91425" wrap="square" tIns="91425">
+            <a:noAutofit/>
+          </a:bodyPr>
+          <a:lstStyle/>
+          <a:p>
+            <a:pPr indent="0" lvl="0" marL="0" rtl="0" algn="l">
+              <a:lnSpc>
+                <a:spcPct val="115000"/>
+              </a:lnSpc>
+              <a:spcBef>
+                <a:spcPts val="1800"/>
+              </a:spcBef>
+              <a:spcAft>
+                <a:spcPts val="0"/>
+              </a:spcAft>
+              <a:buSzPts val="990"/>
+              <a:buNone/>
+            </a:pPr>
+            <a:r>
+              <a:rPr lang="pl" sz="2430">
+                <a:solidFill>
+                  <a:srgbClr val="000000"/>
+                </a:solidFill>
+                <a:latin typeface="Tahoma"/>
+                <a:ea typeface="Tahoma"/>
+                <a:cs typeface="Tahoma"/>
+                <a:sym typeface="Tahoma"/>
+              </a:rPr>
+              <a:t>Praktyczne zastosowania</a:t>
+            </a:r>
+            <a:endParaRPr sz="2430">
+              <a:solidFill>
+                <a:srgbClr val="000000"/>
+              </a:solidFill>
+              <a:latin typeface="Tahoma"/>
+              <a:ea typeface="Tahoma"/>
+              <a:cs typeface="Tahoma"/>
+              <a:sym typeface="Tahoma"/>
+            </a:endParaRPr>
+          </a:p>
+          <a:p>
+            <a:pPr indent="0" lvl="0" marL="0" rtl="0" algn="l">
+              <a:spcBef>
+                <a:spcPts val="400"/>
+              </a:spcBef>
+              <a:spcAft>
+                <a:spcPts val="0"/>
+              </a:spcAft>
+              <a:buSzPts val="990"/>
+              <a:buNone/>
+            </a:pPr>
+            <a:r>
+              <a:t/>
+            </a:r>
+            <a:endParaRPr sz="2340"/>
+          </a:p>
+        </p:txBody>
+      </p:sp>
+      <p:sp>
+        <p:nvSpPr>
+          <p:cNvPr id="177" name="Google Shape;177;p28"/>
+          <p:cNvSpPr txBox="1"/>
+          <p:nvPr>
+            <p:ph idx="1" type="body"/>
+          </p:nvPr>
+        </p:nvSpPr>
+        <p:spPr>
+          <a:xfrm>
+            <a:off x="729450" y="2078875"/>
+            <a:ext cx="7688700" cy="3002400"/>
+          </a:xfrm>
+          <a:prstGeom prst="rect">
+            <a:avLst/>
+          </a:prstGeom>
+        </p:spPr>
+        <p:txBody>
+          <a:bodyPr anchorCtr="0" anchor="t" bIns="91425" lIns="91425" spcFirstLastPara="1" rIns="91425" wrap="square" tIns="91425">
+            <a:normAutofit lnSpcReduction="20000"/>
+          </a:bodyPr>
+          <a:lstStyle/>
+          <a:p>
+            <a:pPr indent="0" lvl="0" marL="0" rtl="0" algn="l">
+              <a:lnSpc>
+                <a:spcPct val="110000"/>
+              </a:lnSpc>
+              <a:spcBef>
+                <a:spcPts val="0"/>
+              </a:spcBef>
+              <a:spcAft>
+                <a:spcPts val="0"/>
+              </a:spcAft>
+              <a:buNone/>
+            </a:pPr>
+            <a:r>
+              <a:rPr lang="pl">
+                <a:solidFill>
+                  <a:srgbClr val="274E13"/>
+                </a:solidFill>
+                <a:latin typeface="Tahoma"/>
+                <a:ea typeface="Tahoma"/>
+                <a:cs typeface="Tahoma"/>
+                <a:sym typeface="Tahoma"/>
+              </a:rPr>
+              <a:t>Pracownik loguje się do sieci VPN z domu </a:t>
+            </a:r>
+            <a:endParaRPr>
+              <a:solidFill>
+                <a:srgbClr val="274E13"/>
+              </a:solidFill>
+              <a:latin typeface="Tahoma"/>
+              <a:ea typeface="Tahoma"/>
+              <a:cs typeface="Tahoma"/>
+              <a:sym typeface="Tahoma"/>
+            </a:endParaRPr>
+          </a:p>
+          <a:p>
+            <a:pPr indent="0" lvl="0" marL="0" rtl="0" algn="l">
+              <a:lnSpc>
+                <a:spcPct val="110000"/>
+              </a:lnSpc>
+              <a:spcBef>
+                <a:spcPts val="0"/>
+              </a:spcBef>
+              <a:spcAft>
+                <a:spcPts val="0"/>
+              </a:spcAft>
+              <a:buNone/>
+            </a:pPr>
+            <a:r>
+              <a:rPr lang="pl">
+                <a:solidFill>
+                  <a:schemeClr val="dk2"/>
+                </a:solidFill>
+                <a:latin typeface="Tahoma"/>
+                <a:ea typeface="Tahoma"/>
+                <a:cs typeface="Tahoma"/>
+                <a:sym typeface="Tahoma"/>
+              </a:rPr>
+              <a:t>Zastosowana polityka: Polityka dostępu + polityka haseł (Efekt: Bezpieczny, uwierzytelniony dostęp)</a:t>
+            </a:r>
+            <a:endParaRPr>
+              <a:solidFill>
+                <a:schemeClr val="dk2"/>
+              </a:solidFill>
+              <a:latin typeface="Tahoma"/>
+              <a:ea typeface="Tahoma"/>
+              <a:cs typeface="Tahoma"/>
+              <a:sym typeface="Tahoma"/>
+            </a:endParaRPr>
+          </a:p>
+          <a:p>
+            <a:pPr indent="0" lvl="0" marL="0" rtl="0" algn="l">
+              <a:lnSpc>
+                <a:spcPct val="110000"/>
+              </a:lnSpc>
+              <a:spcBef>
+                <a:spcPts val="0"/>
+              </a:spcBef>
+              <a:spcAft>
+                <a:spcPts val="0"/>
+              </a:spcAft>
+              <a:buNone/>
+            </a:pPr>
+            <a:r>
+              <a:t/>
+            </a:r>
+            <a:endParaRPr>
+              <a:solidFill>
+                <a:schemeClr val="dk2"/>
+              </a:solidFill>
+              <a:latin typeface="Tahoma"/>
+              <a:ea typeface="Tahoma"/>
+              <a:cs typeface="Tahoma"/>
+              <a:sym typeface="Tahoma"/>
+            </a:endParaRPr>
+          </a:p>
+          <a:p>
+            <a:pPr indent="0" lvl="0" marL="0" rtl="0" algn="l">
+              <a:lnSpc>
+                <a:spcPct val="110000"/>
+              </a:lnSpc>
+              <a:spcBef>
+                <a:spcPts val="0"/>
+              </a:spcBef>
+              <a:spcAft>
+                <a:spcPts val="0"/>
+              </a:spcAft>
+              <a:buNone/>
+            </a:pPr>
+            <a:r>
+              <a:rPr lang="pl">
+                <a:solidFill>
+                  <a:srgbClr val="274E13"/>
+                </a:solidFill>
+                <a:latin typeface="Tahoma"/>
+                <a:ea typeface="Tahoma"/>
+                <a:cs typeface="Tahoma"/>
+                <a:sym typeface="Tahoma"/>
+              </a:rPr>
+              <a:t>Firma blokuje porty 21 (FTP) i 23 (Telnet)</a:t>
+            </a:r>
+            <a:endParaRPr>
+              <a:solidFill>
+                <a:srgbClr val="274E13"/>
+              </a:solidFill>
+              <a:latin typeface="Tahoma"/>
+              <a:ea typeface="Tahoma"/>
+              <a:cs typeface="Tahoma"/>
+              <a:sym typeface="Tahoma"/>
+            </a:endParaRPr>
+          </a:p>
+          <a:p>
+            <a:pPr indent="0" lvl="0" marL="0" rtl="0" algn="l">
+              <a:lnSpc>
+                <a:spcPct val="110000"/>
+              </a:lnSpc>
+              <a:spcBef>
+                <a:spcPts val="0"/>
+              </a:spcBef>
+              <a:spcAft>
+                <a:spcPts val="0"/>
+              </a:spcAft>
+              <a:buNone/>
+            </a:pPr>
+            <a:r>
+              <a:rPr lang="pl">
+                <a:solidFill>
+                  <a:schemeClr val="dk2"/>
+                </a:solidFill>
+                <a:latin typeface="Tahoma"/>
+                <a:ea typeface="Tahoma"/>
+                <a:cs typeface="Tahoma"/>
+                <a:sym typeface="Tahoma"/>
+              </a:rPr>
+              <a:t>Zastosowana polityka: Polityka zapory sieciowej (Efekt: Ochrona przed niebezpiecznymi protokołami)</a:t>
+            </a:r>
+            <a:endParaRPr>
+              <a:solidFill>
+                <a:schemeClr val="dk2"/>
+              </a:solidFill>
+              <a:latin typeface="Tahoma"/>
+              <a:ea typeface="Tahoma"/>
+              <a:cs typeface="Tahoma"/>
+              <a:sym typeface="Tahoma"/>
+            </a:endParaRPr>
+          </a:p>
+          <a:p>
+            <a:pPr indent="0" lvl="0" marL="0" rtl="0" algn="l">
+              <a:lnSpc>
+                <a:spcPct val="110000"/>
+              </a:lnSpc>
+              <a:spcBef>
+                <a:spcPts val="0"/>
+              </a:spcBef>
+              <a:spcAft>
+                <a:spcPts val="0"/>
+              </a:spcAft>
+              <a:buNone/>
+            </a:pPr>
+            <a:r>
+              <a:t/>
+            </a:r>
+            <a:endParaRPr>
+              <a:solidFill>
+                <a:schemeClr val="dk2"/>
+              </a:solidFill>
+              <a:latin typeface="Tahoma"/>
+              <a:ea typeface="Tahoma"/>
+              <a:cs typeface="Tahoma"/>
+              <a:sym typeface="Tahoma"/>
+            </a:endParaRPr>
+          </a:p>
+          <a:p>
+            <a:pPr indent="0" lvl="0" marL="0" rtl="0" algn="l">
+              <a:lnSpc>
+                <a:spcPct val="110000"/>
+              </a:lnSpc>
+              <a:spcBef>
+                <a:spcPts val="0"/>
+              </a:spcBef>
+              <a:spcAft>
+                <a:spcPts val="0"/>
+              </a:spcAft>
+              <a:buNone/>
+            </a:pPr>
+            <a:r>
+              <a:rPr lang="pl">
+                <a:solidFill>
+                  <a:srgbClr val="274E13"/>
+                </a:solidFill>
+                <a:latin typeface="Tahoma"/>
+                <a:ea typeface="Tahoma"/>
+                <a:cs typeface="Tahoma"/>
+                <a:sym typeface="Tahoma"/>
+              </a:rPr>
+              <a:t>Użytkownicy mają ograniczony dostęp do pendrive’ów</a:t>
+            </a:r>
+            <a:endParaRPr>
+              <a:solidFill>
+                <a:srgbClr val="274E13"/>
+              </a:solidFill>
+              <a:latin typeface="Tahoma"/>
+              <a:ea typeface="Tahoma"/>
+              <a:cs typeface="Tahoma"/>
+              <a:sym typeface="Tahoma"/>
+            </a:endParaRPr>
+          </a:p>
+          <a:p>
+            <a:pPr indent="0" lvl="0" marL="0" rtl="0" algn="l">
+              <a:lnSpc>
+                <a:spcPct val="110000"/>
+              </a:lnSpc>
+              <a:spcBef>
+                <a:spcPts val="0"/>
+              </a:spcBef>
+              <a:spcAft>
+                <a:spcPts val="0"/>
+              </a:spcAft>
+              <a:buNone/>
+            </a:pPr>
+            <a:r>
+              <a:rPr lang="pl">
+                <a:solidFill>
+                  <a:schemeClr val="dk2"/>
+                </a:solidFill>
+                <a:latin typeface="Tahoma"/>
+                <a:ea typeface="Tahoma"/>
+                <a:cs typeface="Tahoma"/>
+                <a:sym typeface="Tahoma"/>
+              </a:rPr>
+              <a:t>Zastosowana polityka: Polityka dostępu do urządzeń (Efekt: Zapobieganie wyciekom danych)</a:t>
+            </a:r>
+            <a:endParaRPr>
+              <a:solidFill>
+                <a:schemeClr val="dk2"/>
+              </a:solidFill>
+              <a:latin typeface="Tahoma"/>
+              <a:ea typeface="Tahoma"/>
+              <a:cs typeface="Tahoma"/>
+              <a:sym typeface="Tahoma"/>
+            </a:endParaRPr>
+          </a:p>
+          <a:p>
+            <a:pPr indent="0" lvl="0" marL="0" rtl="0" algn="l">
+              <a:lnSpc>
+                <a:spcPct val="110000"/>
+              </a:lnSpc>
+              <a:spcBef>
+                <a:spcPts val="0"/>
+              </a:spcBef>
+              <a:spcAft>
+                <a:spcPts val="0"/>
+              </a:spcAft>
+              <a:buNone/>
+            </a:pPr>
+            <a:r>
+              <a:t/>
+            </a:r>
+            <a:endParaRPr>
+              <a:solidFill>
+                <a:schemeClr val="dk2"/>
+              </a:solidFill>
+              <a:latin typeface="Tahoma"/>
+              <a:ea typeface="Tahoma"/>
+              <a:cs typeface="Tahoma"/>
+              <a:sym typeface="Tahoma"/>
+            </a:endParaRPr>
+          </a:p>
+          <a:p>
+            <a:pPr indent="0" lvl="0" marL="0" rtl="0" algn="l">
+              <a:lnSpc>
+                <a:spcPct val="110000"/>
+              </a:lnSpc>
+              <a:spcBef>
+                <a:spcPts val="0"/>
+              </a:spcBef>
+              <a:spcAft>
+                <a:spcPts val="0"/>
+              </a:spcAft>
+              <a:buNone/>
+            </a:pPr>
+            <a:r>
+              <a:rPr lang="pl">
+                <a:solidFill>
+                  <a:srgbClr val="274E13"/>
+                </a:solidFill>
+                <a:latin typeface="Tahoma"/>
+                <a:ea typeface="Tahoma"/>
+                <a:cs typeface="Tahoma"/>
+                <a:sym typeface="Tahoma"/>
+              </a:rPr>
+              <a:t>Codzienne kopie zapasowe serwerów</a:t>
+            </a:r>
+            <a:endParaRPr>
+              <a:solidFill>
+                <a:srgbClr val="274E13"/>
+              </a:solidFill>
+              <a:latin typeface="Tahoma"/>
+              <a:ea typeface="Tahoma"/>
+              <a:cs typeface="Tahoma"/>
+              <a:sym typeface="Tahoma"/>
+            </a:endParaRPr>
+          </a:p>
+          <a:p>
+            <a:pPr indent="0" lvl="0" marL="0" rtl="0" algn="l">
+              <a:lnSpc>
+                <a:spcPct val="110000"/>
+              </a:lnSpc>
+              <a:spcBef>
+                <a:spcPts val="0"/>
+              </a:spcBef>
+              <a:spcAft>
+                <a:spcPts val="0"/>
+              </a:spcAft>
+              <a:buNone/>
+            </a:pPr>
+            <a:r>
+              <a:rPr lang="pl">
+                <a:solidFill>
+                  <a:schemeClr val="dk2"/>
+                </a:solidFill>
+                <a:latin typeface="Tahoma"/>
+                <a:ea typeface="Tahoma"/>
+                <a:cs typeface="Tahoma"/>
+                <a:sym typeface="Tahoma"/>
+              </a:rPr>
+              <a:t>Zastosowana polityka: Polityka backupu (Efekt: Ochrona przed utratą danych)</a:t>
+            </a:r>
+            <a:endParaRPr>
+              <a:solidFill>
+                <a:schemeClr val="dk2"/>
+              </a:solidFill>
+              <a:latin typeface="Tahoma"/>
+              <a:ea typeface="Tahoma"/>
+              <a:cs typeface="Tahoma"/>
+              <a:sym typeface="Tahoma"/>
+            </a:endParaRPr>
+          </a:p>
+          <a:p>
+            <a:pPr indent="0" lvl="0" marL="0" rtl="0" algn="l">
+              <a:lnSpc>
+                <a:spcPct val="110000"/>
+              </a:lnSpc>
+              <a:spcBef>
+                <a:spcPts val="0"/>
+              </a:spcBef>
+              <a:spcAft>
+                <a:spcPts val="0"/>
+              </a:spcAft>
+              <a:buNone/>
+            </a:pPr>
+            <a:r>
+              <a:t/>
+            </a:r>
+            <a:endParaRPr>
+              <a:solidFill>
+                <a:schemeClr val="dk2"/>
+              </a:solidFill>
+              <a:latin typeface="Tahoma"/>
+              <a:ea typeface="Tahoma"/>
+              <a:cs typeface="Tahoma"/>
+              <a:sym typeface="Tahoma"/>
+            </a:endParaRPr>
+          </a:p>
+          <a:p>
+            <a:pPr indent="0" lvl="0" marL="0" rtl="0" algn="l">
+              <a:lnSpc>
+                <a:spcPct val="110000"/>
+              </a:lnSpc>
+              <a:spcBef>
+                <a:spcPts val="0"/>
+              </a:spcBef>
+              <a:spcAft>
+                <a:spcPts val="0"/>
+              </a:spcAft>
+              <a:buNone/>
+            </a:pPr>
+            <a:r>
+              <a:rPr lang="pl">
+                <a:solidFill>
+                  <a:srgbClr val="274E13"/>
+                </a:solidFill>
+                <a:latin typeface="Tahoma"/>
+                <a:ea typeface="Tahoma"/>
+                <a:cs typeface="Tahoma"/>
+                <a:sym typeface="Tahoma"/>
+              </a:rPr>
+              <a:t>Pracownicy nie mogą instalować oprogramowania</a:t>
+            </a:r>
+            <a:endParaRPr>
+              <a:solidFill>
+                <a:srgbClr val="274E13"/>
+              </a:solidFill>
+              <a:latin typeface="Tahoma"/>
+              <a:ea typeface="Tahoma"/>
+              <a:cs typeface="Tahoma"/>
+              <a:sym typeface="Tahoma"/>
+            </a:endParaRPr>
+          </a:p>
+          <a:p>
+            <a:pPr indent="0" lvl="0" marL="0" rtl="0" algn="l">
+              <a:lnSpc>
+                <a:spcPct val="110000"/>
+              </a:lnSpc>
+              <a:spcBef>
+                <a:spcPts val="0"/>
+              </a:spcBef>
+              <a:spcAft>
+                <a:spcPts val="0"/>
+              </a:spcAft>
+              <a:buNone/>
+            </a:pPr>
+            <a:r>
+              <a:rPr lang="pl">
+                <a:solidFill>
+                  <a:schemeClr val="dk2"/>
+                </a:solidFill>
+                <a:latin typeface="Tahoma"/>
+                <a:ea typeface="Tahoma"/>
+                <a:cs typeface="Tahoma"/>
+                <a:sym typeface="Tahoma"/>
+              </a:rPr>
+              <a:t>Zastosowana polityka: Polityka uprawnień użytkownika (Efekt: Redukcja ryzyka złośliwego oprogramowania)</a:t>
+            </a:r>
+            <a:endParaRPr>
+              <a:solidFill>
+                <a:schemeClr val="dk2"/>
+              </a:solidFill>
+              <a:latin typeface="Tahoma"/>
+              <a:ea typeface="Tahoma"/>
+              <a:cs typeface="Tahoma"/>
+              <a:sym typeface="Tahoma"/>
+            </a:endParaRPr>
+          </a:p>
+        </p:txBody>
+      </p:sp>
+    </p:spTree>
+  </p:cSld>
+  <p:clrMapOvr>
+    <a:masterClrMapping/>
+  </p:clrMapOvr>
+</p:sld>
+</file>
+
+<file path=ppt/slides/slide17.xml><?xml version="1.0" encoding="utf-8"?>
+<p:sld xmlns:a="http://schemas.openxmlformats.org/drawingml/2006/main" xmlns:r="http://schemas.openxmlformats.org/officeDocument/2006/relationships" xmlns:mc="http://schemas.openxmlformats.org/markup-compatibility/2006" xmlns:mv="urn:schemas-microsoft-com:mac:vml" xmlns:p="http://schemas.openxmlformats.org/presentationml/2006/main" xmlns:c="http://schemas.openxmlformats.org/drawingml/2006/chart" xmlns:dgm="http://schemas.openxmlformats.org/drawingml/2006/diagram" xmlns:o="urn:schemas-microsoft-com:office:office" xmlns:v="urn:schemas-microsoft-com:vml" xmlns:pvml="urn:schemas-microsoft-com:office:powerpoint" xmlns:com="http://schemas.openxmlformats.org/drawingml/2006/compatibility" xmlns:p14="http://schemas.microsoft.com/office/powerpoint/2010/main" xmlns:p15="http://schemas.microsoft.com/office/powerpoint/2012/main" xmlns:ahyp="http://schemas.microsoft.com/office/drawing/2018/hyperlinkcolor">
+  <p:cSld>
+    <p:spTree>
+      <p:nvGrpSpPr>
+        <p:cNvPr id="181" name="Shape 181"/>
+        <p:cNvGrpSpPr/>
+        <p:nvPr/>
+      </p:nvGrpSpPr>
+      <p:grpSpPr>
+        <a:xfrm>
+          <a:off x="0" y="0"/>
+          <a:ext cx="0" cy="0"/>
+          <a:chOff x="0" y="0"/>
+          <a:chExt cx="0" cy="0"/>
+        </a:xfrm>
+      </p:grpSpPr>
+      <p:sp>
+        <p:nvSpPr>
+          <p:cNvPr id="182" name="Google Shape;182;p29"/>
+          <p:cNvSpPr txBox="1"/>
+          <p:nvPr>
+            <p:ph type="title"/>
+          </p:nvPr>
+        </p:nvSpPr>
+        <p:spPr>
+          <a:xfrm>
+            <a:off x="729450" y="1318650"/>
+            <a:ext cx="7688700" cy="535200"/>
+          </a:xfrm>
+          <a:prstGeom prst="rect">
+            <a:avLst/>
+          </a:prstGeom>
+        </p:spPr>
+        <p:txBody>
+          <a:bodyPr anchorCtr="0" anchor="t" bIns="91425" lIns="91425" spcFirstLastPara="1" rIns="91425" wrap="square" tIns="91425">
+            <a:normAutofit fontScale="90000"/>
+          </a:bodyPr>
+          <a:lstStyle/>
+          <a:p>
+            <a:pPr indent="0" lvl="0" marL="0" rtl="0" algn="l">
+              <a:spcBef>
+                <a:spcPts val="0"/>
+              </a:spcBef>
+              <a:spcAft>
+                <a:spcPts val="0"/>
+              </a:spcAft>
+              <a:buNone/>
+            </a:pPr>
+            <a:r>
+              <a:rPr lang="pl"/>
+              <a:t>Polityka haseł</a:t>
+            </a:r>
+            <a:endParaRPr/>
+          </a:p>
+        </p:txBody>
+      </p:sp>
+      <p:sp>
+        <p:nvSpPr>
+          <p:cNvPr id="183" name="Google Shape;183;p29"/>
+          <p:cNvSpPr txBox="1"/>
+          <p:nvPr>
+            <p:ph idx="1" type="body"/>
+          </p:nvPr>
+        </p:nvSpPr>
+        <p:spPr>
+          <a:xfrm>
+            <a:off x="729450" y="2078875"/>
+            <a:ext cx="7688700" cy="2769300"/>
+          </a:xfrm>
+          <a:prstGeom prst="rect">
+            <a:avLst/>
+          </a:prstGeom>
+        </p:spPr>
+        <p:txBody>
+          <a:bodyPr anchorCtr="0" anchor="t" bIns="91425" lIns="91425" spcFirstLastPara="1" rIns="91425" wrap="square" tIns="91425">
+            <a:normAutofit lnSpcReduction="10000"/>
+          </a:bodyPr>
+          <a:lstStyle/>
+          <a:p>
+            <a:pPr indent="0" lvl="0" marL="0" rtl="0" algn="l">
+              <a:lnSpc>
+                <a:spcPct val="100000"/>
+              </a:lnSpc>
+              <a:spcBef>
+                <a:spcPts val="0"/>
+              </a:spcBef>
+              <a:spcAft>
+                <a:spcPts val="0"/>
+              </a:spcAft>
+              <a:buNone/>
+            </a:pPr>
+            <a:r>
+              <a:rPr lang="pl" sz="1500">
+                <a:solidFill>
+                  <a:schemeClr val="dk2"/>
+                </a:solidFill>
+                <a:latin typeface="Tahoma"/>
+                <a:ea typeface="Tahoma"/>
+                <a:cs typeface="Tahoma"/>
+                <a:sym typeface="Tahoma"/>
+              </a:rPr>
+              <a:t>Polityka haseł określa, jak </a:t>
+            </a:r>
+            <a:r>
+              <a:rPr b="1" lang="pl" sz="1500">
+                <a:solidFill>
+                  <a:schemeClr val="dk2"/>
+                </a:solidFill>
+                <a:latin typeface="Tahoma"/>
+                <a:ea typeface="Tahoma"/>
+                <a:cs typeface="Tahoma"/>
+                <a:sym typeface="Tahoma"/>
+              </a:rPr>
+              <a:t>trudne powinny być hasła</a:t>
+            </a:r>
+            <a:r>
+              <a:rPr lang="pl" sz="1500">
+                <a:solidFill>
+                  <a:schemeClr val="dk2"/>
+                </a:solidFill>
+                <a:latin typeface="Tahoma"/>
+                <a:ea typeface="Tahoma"/>
+                <a:cs typeface="Tahoma"/>
+                <a:sym typeface="Tahoma"/>
+              </a:rPr>
+              <a:t> i jak często trzeba je </a:t>
+            </a:r>
+            <a:r>
+              <a:rPr b="1" lang="pl" sz="1500">
+                <a:solidFill>
+                  <a:schemeClr val="dk2"/>
+                </a:solidFill>
+                <a:latin typeface="Tahoma"/>
+                <a:ea typeface="Tahoma"/>
+                <a:cs typeface="Tahoma"/>
+                <a:sym typeface="Tahoma"/>
+              </a:rPr>
+              <a:t>zmieniać</a:t>
+            </a:r>
+            <a:r>
+              <a:rPr lang="pl" sz="1500">
+                <a:solidFill>
+                  <a:schemeClr val="dk2"/>
+                </a:solidFill>
+                <a:latin typeface="Tahoma"/>
+                <a:ea typeface="Tahoma"/>
+                <a:cs typeface="Tahoma"/>
+                <a:sym typeface="Tahoma"/>
+              </a:rPr>
+              <a:t>.</a:t>
+            </a:r>
+            <a:endParaRPr sz="1500">
+              <a:solidFill>
+                <a:schemeClr val="dk2"/>
+              </a:solidFill>
+              <a:latin typeface="Tahoma"/>
+              <a:ea typeface="Tahoma"/>
+              <a:cs typeface="Tahoma"/>
+              <a:sym typeface="Tahoma"/>
+            </a:endParaRPr>
+          </a:p>
+          <a:p>
+            <a:pPr indent="0" lvl="0" marL="0" rtl="0" algn="l">
+              <a:lnSpc>
+                <a:spcPct val="100000"/>
+              </a:lnSpc>
+              <a:spcBef>
+                <a:spcPts val="0"/>
+              </a:spcBef>
+              <a:spcAft>
+                <a:spcPts val="0"/>
+              </a:spcAft>
+              <a:buNone/>
+            </a:pPr>
+            <a:br>
+              <a:rPr lang="pl" sz="1500">
+                <a:solidFill>
+                  <a:schemeClr val="dk2"/>
+                </a:solidFill>
+                <a:latin typeface="Tahoma"/>
+                <a:ea typeface="Tahoma"/>
+                <a:cs typeface="Tahoma"/>
+                <a:sym typeface="Tahoma"/>
+              </a:rPr>
+            </a:br>
+            <a:r>
+              <a:rPr b="1" lang="pl" sz="1500">
+                <a:solidFill>
+                  <a:schemeClr val="dk2"/>
+                </a:solidFill>
+                <a:latin typeface="Tahoma"/>
+                <a:ea typeface="Tahoma"/>
+                <a:cs typeface="Tahoma"/>
+                <a:sym typeface="Tahoma"/>
+              </a:rPr>
+              <a:t>Ma to chronić</a:t>
+            </a:r>
+            <a:r>
+              <a:rPr lang="pl" sz="1500">
+                <a:solidFill>
+                  <a:schemeClr val="dk2"/>
+                </a:solidFill>
+                <a:latin typeface="Tahoma"/>
+                <a:ea typeface="Tahoma"/>
+                <a:cs typeface="Tahoma"/>
+                <a:sym typeface="Tahoma"/>
+              </a:rPr>
+              <a:t> konta użytkowników przed włamaniami.</a:t>
+            </a:r>
+            <a:endParaRPr sz="1500">
+              <a:solidFill>
+                <a:schemeClr val="dk2"/>
+              </a:solidFill>
+              <a:latin typeface="Tahoma"/>
+              <a:ea typeface="Tahoma"/>
+              <a:cs typeface="Tahoma"/>
+              <a:sym typeface="Tahoma"/>
+            </a:endParaRPr>
+          </a:p>
+          <a:p>
+            <a:pPr indent="0" lvl="0" marL="0" rtl="0" algn="l">
+              <a:lnSpc>
+                <a:spcPct val="100000"/>
+              </a:lnSpc>
+              <a:spcBef>
+                <a:spcPts val="0"/>
+              </a:spcBef>
+              <a:spcAft>
+                <a:spcPts val="0"/>
+              </a:spcAft>
+              <a:buNone/>
+            </a:pPr>
+            <a:br>
+              <a:rPr lang="pl" sz="1500">
+                <a:solidFill>
+                  <a:schemeClr val="dk2"/>
+                </a:solidFill>
+                <a:latin typeface="Tahoma"/>
+                <a:ea typeface="Tahoma"/>
+                <a:cs typeface="Tahoma"/>
+                <a:sym typeface="Tahoma"/>
+              </a:rPr>
+            </a:br>
+            <a:r>
+              <a:rPr lang="pl" sz="1500">
+                <a:solidFill>
+                  <a:schemeClr val="dk2"/>
+                </a:solidFill>
+                <a:latin typeface="Tahoma"/>
+                <a:ea typeface="Tahoma"/>
+                <a:cs typeface="Tahoma"/>
+                <a:sym typeface="Tahoma"/>
+              </a:rPr>
+              <a:t>Hasło </a:t>
+            </a:r>
+            <a:r>
+              <a:rPr b="1" lang="pl" sz="1500">
+                <a:solidFill>
+                  <a:schemeClr val="dk2"/>
+                </a:solidFill>
+                <a:latin typeface="Tahoma"/>
+                <a:ea typeface="Tahoma"/>
+                <a:cs typeface="Tahoma"/>
+                <a:sym typeface="Tahoma"/>
+              </a:rPr>
+              <a:t>powinno mieć duże i małe litery, cyfry i znaki specjalne</a:t>
+            </a:r>
+            <a:r>
+              <a:rPr lang="pl" sz="1500">
+                <a:solidFill>
+                  <a:schemeClr val="dk2"/>
+                </a:solidFill>
+                <a:latin typeface="Tahoma"/>
+                <a:ea typeface="Tahoma"/>
+                <a:cs typeface="Tahoma"/>
+                <a:sym typeface="Tahoma"/>
+              </a:rPr>
+              <a:t>.</a:t>
+            </a:r>
+            <a:endParaRPr sz="1500">
+              <a:solidFill>
+                <a:schemeClr val="dk2"/>
+              </a:solidFill>
+              <a:latin typeface="Tahoma"/>
+              <a:ea typeface="Tahoma"/>
+              <a:cs typeface="Tahoma"/>
+              <a:sym typeface="Tahoma"/>
+            </a:endParaRPr>
+          </a:p>
+          <a:p>
+            <a:pPr indent="0" lvl="0" marL="0" rtl="0" algn="l">
+              <a:lnSpc>
+                <a:spcPct val="100000"/>
+              </a:lnSpc>
+              <a:spcBef>
+                <a:spcPts val="0"/>
+              </a:spcBef>
+              <a:spcAft>
+                <a:spcPts val="0"/>
+              </a:spcAft>
+              <a:buNone/>
+            </a:pPr>
+            <a:br>
+              <a:rPr lang="pl" sz="1500">
+                <a:solidFill>
+                  <a:schemeClr val="dk2"/>
+                </a:solidFill>
+                <a:latin typeface="Tahoma"/>
+                <a:ea typeface="Tahoma"/>
+                <a:cs typeface="Tahoma"/>
+                <a:sym typeface="Tahoma"/>
+              </a:rPr>
+            </a:br>
+            <a:r>
+              <a:rPr b="1" lang="pl" sz="1500">
+                <a:solidFill>
+                  <a:schemeClr val="dk2"/>
+                </a:solidFill>
+                <a:latin typeface="Tahoma"/>
+                <a:ea typeface="Tahoma"/>
+                <a:cs typeface="Tahoma"/>
+                <a:sym typeface="Tahoma"/>
+              </a:rPr>
+              <a:t>Nie powinno się używać tego samego hasła w kilku miejscach</a:t>
+            </a:r>
+            <a:r>
+              <a:rPr lang="pl" sz="1500">
+                <a:solidFill>
+                  <a:schemeClr val="dk2"/>
+                </a:solidFill>
+                <a:latin typeface="Tahoma"/>
+                <a:ea typeface="Tahoma"/>
+                <a:cs typeface="Tahoma"/>
+                <a:sym typeface="Tahoma"/>
+              </a:rPr>
+              <a:t>.</a:t>
+            </a:r>
+            <a:endParaRPr sz="1500">
+              <a:solidFill>
+                <a:schemeClr val="dk2"/>
+              </a:solidFill>
+              <a:latin typeface="Tahoma"/>
+              <a:ea typeface="Tahoma"/>
+              <a:cs typeface="Tahoma"/>
+              <a:sym typeface="Tahoma"/>
+            </a:endParaRPr>
+          </a:p>
+          <a:p>
+            <a:pPr indent="0" lvl="0" marL="0" rtl="0" algn="l">
+              <a:lnSpc>
+                <a:spcPct val="100000"/>
+              </a:lnSpc>
+              <a:spcBef>
+                <a:spcPts val="0"/>
+              </a:spcBef>
+              <a:spcAft>
+                <a:spcPts val="0"/>
+              </a:spcAft>
+              <a:buNone/>
+            </a:pPr>
+            <a:r>
+              <a:t/>
+            </a:r>
+            <a:endParaRPr sz="1500">
+              <a:solidFill>
+                <a:schemeClr val="dk2"/>
+              </a:solidFill>
+              <a:latin typeface="Tahoma"/>
+              <a:ea typeface="Tahoma"/>
+              <a:cs typeface="Tahoma"/>
+              <a:sym typeface="Tahoma"/>
+            </a:endParaRPr>
+          </a:p>
+          <a:p>
+            <a:pPr indent="0" lvl="0" marL="0" rtl="0" algn="l">
+              <a:lnSpc>
+                <a:spcPct val="100000"/>
+              </a:lnSpc>
+              <a:spcBef>
+                <a:spcPts val="0"/>
+              </a:spcBef>
+              <a:spcAft>
+                <a:spcPts val="0"/>
+              </a:spcAft>
+              <a:buNone/>
+            </a:pPr>
+            <a:r>
+              <a:rPr lang="pl" sz="1500">
+                <a:solidFill>
+                  <a:schemeClr val="dk2"/>
+                </a:solidFill>
+                <a:latin typeface="Tahoma"/>
+                <a:ea typeface="Tahoma"/>
+                <a:cs typeface="Tahoma"/>
+                <a:sym typeface="Tahoma"/>
+              </a:rPr>
+              <a:t>W firmach często </a:t>
+            </a:r>
+            <a:r>
+              <a:rPr b="1" lang="pl" sz="1500">
+                <a:solidFill>
+                  <a:schemeClr val="dk2"/>
+                </a:solidFill>
+                <a:latin typeface="Tahoma"/>
+                <a:ea typeface="Tahoma"/>
+                <a:cs typeface="Tahoma"/>
+                <a:sym typeface="Tahoma"/>
+              </a:rPr>
+              <a:t>wymaga się zmiany hasła co kilka miesięcy</a:t>
+            </a:r>
+            <a:r>
+              <a:rPr lang="pl" sz="1500">
+                <a:solidFill>
+                  <a:schemeClr val="dk2"/>
+                </a:solidFill>
+                <a:latin typeface="Tahoma"/>
+                <a:ea typeface="Tahoma"/>
+                <a:cs typeface="Tahoma"/>
+                <a:sym typeface="Tahoma"/>
+              </a:rPr>
+              <a:t>.</a:t>
+            </a:r>
+            <a:endParaRPr sz="1500">
+              <a:solidFill>
+                <a:schemeClr val="dk2"/>
+              </a:solidFill>
+              <a:latin typeface="Tahoma"/>
+              <a:ea typeface="Tahoma"/>
+              <a:cs typeface="Tahoma"/>
+              <a:sym typeface="Tahoma"/>
+            </a:endParaRPr>
+          </a:p>
+          <a:p>
+            <a:pPr indent="0" lvl="0" marL="0" rtl="0" algn="l">
+              <a:lnSpc>
+                <a:spcPct val="100000"/>
+              </a:lnSpc>
+              <a:spcBef>
+                <a:spcPts val="0"/>
+              </a:spcBef>
+              <a:spcAft>
+                <a:spcPts val="0"/>
+              </a:spcAft>
+              <a:buNone/>
+            </a:pPr>
+            <a:br>
+              <a:rPr lang="pl" sz="1500">
+                <a:solidFill>
+                  <a:schemeClr val="dk2"/>
+                </a:solidFill>
+                <a:latin typeface="Tahoma"/>
+                <a:ea typeface="Tahoma"/>
+                <a:cs typeface="Tahoma"/>
+                <a:sym typeface="Tahoma"/>
+              </a:rPr>
+            </a:br>
+            <a:r>
+              <a:rPr lang="pl" sz="1500">
+                <a:solidFill>
+                  <a:schemeClr val="dk2"/>
+                </a:solidFill>
+                <a:latin typeface="Tahoma"/>
+                <a:ea typeface="Tahoma"/>
+                <a:cs typeface="Tahoma"/>
+                <a:sym typeface="Tahoma"/>
+              </a:rPr>
+              <a:t>To </a:t>
+            </a:r>
+            <a:r>
+              <a:rPr b="1" lang="pl" sz="1500">
+                <a:solidFill>
+                  <a:schemeClr val="dk2"/>
+                </a:solidFill>
+                <a:latin typeface="Tahoma"/>
+                <a:ea typeface="Tahoma"/>
+                <a:cs typeface="Tahoma"/>
+                <a:sym typeface="Tahoma"/>
+              </a:rPr>
+              <a:t>pomaga zwiększyć bezpieczeństwo</a:t>
+            </a:r>
+            <a:r>
+              <a:rPr lang="pl" sz="1500">
+                <a:solidFill>
+                  <a:schemeClr val="dk2"/>
+                </a:solidFill>
+                <a:latin typeface="Tahoma"/>
+                <a:ea typeface="Tahoma"/>
+                <a:cs typeface="Tahoma"/>
+                <a:sym typeface="Tahoma"/>
+              </a:rPr>
+              <a:t> danych i systemów.</a:t>
+            </a:r>
+            <a:endParaRPr sz="1500">
+              <a:solidFill>
+                <a:schemeClr val="dk2"/>
+              </a:solidFill>
+              <a:latin typeface="Tahoma"/>
+              <a:ea typeface="Tahoma"/>
+              <a:cs typeface="Tahoma"/>
+              <a:sym typeface="Tahoma"/>
+            </a:endParaRPr>
+          </a:p>
+          <a:p>
+            <a:pPr indent="0" lvl="0" marL="0" rtl="0" algn="l">
+              <a:spcBef>
+                <a:spcPts val="0"/>
+              </a:spcBef>
+              <a:spcAft>
+                <a:spcPts val="1200"/>
+              </a:spcAft>
+              <a:buNone/>
+            </a:pPr>
+            <a:r>
+              <a:t/>
+            </a:r>
+            <a:endParaRPr/>
+          </a:p>
+        </p:txBody>
+      </p:sp>
+    </p:spTree>
+  </p:cSld>
+  <p:clrMapOvr>
+    <a:masterClrMapping/>
+  </p:clrMapOvr>
+</p:sld>
+</file>
+
+<file path=ppt/slides/slide18.xml><?xml version="1.0" encoding="utf-8"?>
+<p:sld xmlns:a="http://schemas.openxmlformats.org/drawingml/2006/main" xmlns:r="http://schemas.openxmlformats.org/officeDocument/2006/relationships" xmlns:mc="http://schemas.openxmlformats.org/markup-compatibility/2006" xmlns:mv="urn:schemas-microsoft-com:mac:vml" xmlns:p="http://schemas.openxmlformats.org/presentationml/2006/main" xmlns:c="http://schemas.openxmlformats.org/drawingml/2006/chart" xmlns:dgm="http://schemas.openxmlformats.org/drawingml/2006/diagram" xmlns:o="urn:schemas-microsoft-com:office:office" xmlns:v="urn:schemas-microsoft-com:vml" xmlns:pvml="urn:schemas-microsoft-com:office:powerpoint" xmlns:com="http://schemas.openxmlformats.org/drawingml/2006/compatibility" xmlns:p14="http://schemas.microsoft.com/office/powerpoint/2010/main" xmlns:p15="http://schemas.microsoft.com/office/powerpoint/2012/main" xmlns:ahyp="http://schemas.microsoft.com/office/drawing/2018/hyperlinkcolor">
+  <p:cSld>
+    <p:spTree>
+      <p:nvGrpSpPr>
+        <p:cNvPr id="187" name="Shape 187"/>
+        <p:cNvGrpSpPr/>
+        <p:nvPr/>
+      </p:nvGrpSpPr>
+      <p:grpSpPr>
+        <a:xfrm>
+          <a:off x="0" y="0"/>
+          <a:ext cx="0" cy="0"/>
+          <a:chOff x="0" y="0"/>
+          <a:chExt cx="0" cy="0"/>
+        </a:xfrm>
+      </p:grpSpPr>
+      <p:sp>
+        <p:nvSpPr>
+          <p:cNvPr id="188" name="Google Shape;188;p30"/>
+          <p:cNvSpPr txBox="1"/>
+          <p:nvPr>
+            <p:ph type="title"/>
+          </p:nvPr>
+        </p:nvSpPr>
+        <p:spPr>
+          <a:xfrm>
+            <a:off x="729450" y="1318650"/>
+            <a:ext cx="7688700" cy="535200"/>
+          </a:xfrm>
+          <a:prstGeom prst="rect">
+            <a:avLst/>
+          </a:prstGeom>
+        </p:spPr>
+        <p:txBody>
+          <a:bodyPr anchorCtr="0" anchor="t" bIns="91425" lIns="91425" spcFirstLastPara="1" rIns="91425" wrap="square" tIns="91425">
+            <a:normAutofit fontScale="90000"/>
+          </a:bodyPr>
+          <a:lstStyle/>
+          <a:p>
+            <a:pPr indent="0" lvl="0" marL="0" rtl="0" algn="l">
+              <a:spcBef>
+                <a:spcPts val="0"/>
+              </a:spcBef>
+              <a:spcAft>
+                <a:spcPts val="0"/>
+              </a:spcAft>
+              <a:buNone/>
+            </a:pPr>
+            <a:r>
+              <a:rPr lang="pl">
+                <a:latin typeface="Tahoma"/>
+                <a:ea typeface="Tahoma"/>
+                <a:cs typeface="Tahoma"/>
+                <a:sym typeface="Tahoma"/>
+              </a:rPr>
+              <a:t>Polityka korzystania z Internetu</a:t>
+            </a:r>
+            <a:endParaRPr>
+              <a:latin typeface="Tahoma"/>
+              <a:ea typeface="Tahoma"/>
+              <a:cs typeface="Tahoma"/>
+              <a:sym typeface="Tahoma"/>
+            </a:endParaRPr>
+          </a:p>
+        </p:txBody>
+      </p:sp>
+      <p:sp>
+        <p:nvSpPr>
+          <p:cNvPr id="189" name="Google Shape;189;p30"/>
+          <p:cNvSpPr txBox="1"/>
+          <p:nvPr>
+            <p:ph idx="1" type="body"/>
+          </p:nvPr>
+        </p:nvSpPr>
+        <p:spPr>
+          <a:xfrm>
+            <a:off x="729450" y="2078875"/>
+            <a:ext cx="7688700" cy="2261100"/>
+          </a:xfrm>
+          <a:prstGeom prst="rect">
+            <a:avLst/>
+          </a:prstGeom>
+        </p:spPr>
+        <p:txBody>
+          <a:bodyPr anchorCtr="0" anchor="t" bIns="91425" lIns="91425" spcFirstLastPara="1" rIns="91425" wrap="square" tIns="91425">
+            <a:normAutofit/>
+          </a:bodyPr>
+          <a:lstStyle/>
+          <a:p>
+            <a:pPr indent="0" lvl="0" marL="0" rtl="0" algn="l">
+              <a:lnSpc>
+                <a:spcPct val="105000"/>
+              </a:lnSpc>
+              <a:spcBef>
+                <a:spcPts val="0"/>
+              </a:spcBef>
+              <a:spcAft>
+                <a:spcPts val="0"/>
+              </a:spcAft>
+              <a:buNone/>
+            </a:pPr>
+            <a:r>
+              <a:rPr lang="pl">
+                <a:solidFill>
+                  <a:schemeClr val="dk2"/>
+                </a:solidFill>
+                <a:latin typeface="Tahoma"/>
+                <a:ea typeface="Tahoma"/>
+                <a:cs typeface="Tahoma"/>
+                <a:sym typeface="Tahoma"/>
+              </a:rPr>
+              <a:t>Ta polityka mówi, jak </a:t>
+            </a:r>
+            <a:r>
+              <a:rPr b="1" lang="pl">
+                <a:solidFill>
+                  <a:schemeClr val="dk2"/>
+                </a:solidFill>
+                <a:latin typeface="Tahoma"/>
+                <a:ea typeface="Tahoma"/>
+                <a:cs typeface="Tahoma"/>
+                <a:sym typeface="Tahoma"/>
+              </a:rPr>
+              <a:t>pracownicy mogą używać Internetu w pracy.</a:t>
+            </a:r>
+            <a:endParaRPr b="1">
+              <a:solidFill>
+                <a:schemeClr val="dk2"/>
+              </a:solidFill>
+              <a:latin typeface="Tahoma"/>
+              <a:ea typeface="Tahoma"/>
+              <a:cs typeface="Tahoma"/>
+              <a:sym typeface="Tahoma"/>
+            </a:endParaRPr>
+          </a:p>
+          <a:p>
+            <a:pPr indent="0" lvl="0" marL="0" rtl="0" algn="l">
+              <a:lnSpc>
+                <a:spcPct val="105000"/>
+              </a:lnSpc>
+              <a:spcBef>
+                <a:spcPts val="1200"/>
+              </a:spcBef>
+              <a:spcAft>
+                <a:spcPts val="0"/>
+              </a:spcAft>
+              <a:buNone/>
+            </a:pPr>
+            <a:r>
+              <a:rPr lang="pl">
+                <a:solidFill>
+                  <a:schemeClr val="dk2"/>
+                </a:solidFill>
+                <a:latin typeface="Tahoma"/>
+                <a:ea typeface="Tahoma"/>
+                <a:cs typeface="Tahoma"/>
+                <a:sym typeface="Tahoma"/>
+              </a:rPr>
+              <a:t>Na przykład </a:t>
+            </a:r>
+            <a:r>
+              <a:rPr b="1" lang="pl">
+                <a:solidFill>
+                  <a:schemeClr val="dk2"/>
+                </a:solidFill>
+                <a:latin typeface="Tahoma"/>
+                <a:ea typeface="Tahoma"/>
+                <a:cs typeface="Tahoma"/>
+                <a:sym typeface="Tahoma"/>
+              </a:rPr>
+              <a:t>zabrania wchodzenia na strony niezwiązane z obowiązkami służbowymi.</a:t>
+            </a:r>
+            <a:endParaRPr b="1">
+              <a:solidFill>
+                <a:schemeClr val="dk2"/>
+              </a:solidFill>
+              <a:latin typeface="Tahoma"/>
+              <a:ea typeface="Tahoma"/>
+              <a:cs typeface="Tahoma"/>
+              <a:sym typeface="Tahoma"/>
+            </a:endParaRPr>
+          </a:p>
+          <a:p>
+            <a:pPr indent="0" lvl="0" marL="0" rtl="0" algn="l">
+              <a:lnSpc>
+                <a:spcPct val="105000"/>
+              </a:lnSpc>
+              <a:spcBef>
+                <a:spcPts val="1200"/>
+              </a:spcBef>
+              <a:spcAft>
+                <a:spcPts val="0"/>
+              </a:spcAft>
+              <a:buNone/>
+            </a:pPr>
+            <a:r>
+              <a:rPr b="1" lang="pl">
+                <a:solidFill>
+                  <a:schemeClr val="dk2"/>
+                </a:solidFill>
+                <a:latin typeface="Tahoma"/>
+                <a:ea typeface="Tahoma"/>
+                <a:cs typeface="Tahoma"/>
+                <a:sym typeface="Tahoma"/>
+              </a:rPr>
+              <a:t>Chroni to firmę przed wirusami</a:t>
+            </a:r>
+            <a:r>
+              <a:rPr lang="pl">
+                <a:solidFill>
+                  <a:schemeClr val="dk2"/>
+                </a:solidFill>
+                <a:latin typeface="Tahoma"/>
+                <a:ea typeface="Tahoma"/>
+                <a:cs typeface="Tahoma"/>
+                <a:sym typeface="Tahoma"/>
+              </a:rPr>
+              <a:t> i stratą czasu w pracy.</a:t>
+            </a:r>
+            <a:endParaRPr>
+              <a:solidFill>
+                <a:schemeClr val="dk2"/>
+              </a:solidFill>
+              <a:latin typeface="Tahoma"/>
+              <a:ea typeface="Tahoma"/>
+              <a:cs typeface="Tahoma"/>
+              <a:sym typeface="Tahoma"/>
+            </a:endParaRPr>
+          </a:p>
+          <a:p>
+            <a:pPr indent="0" lvl="0" marL="0" rtl="0" algn="l">
+              <a:lnSpc>
+                <a:spcPct val="105000"/>
+              </a:lnSpc>
+              <a:spcBef>
+                <a:spcPts val="1200"/>
+              </a:spcBef>
+              <a:spcAft>
+                <a:spcPts val="0"/>
+              </a:spcAft>
+              <a:buNone/>
+            </a:pPr>
+            <a:r>
+              <a:rPr lang="pl">
+                <a:solidFill>
+                  <a:schemeClr val="dk2"/>
+                </a:solidFill>
+                <a:latin typeface="Tahoma"/>
+                <a:ea typeface="Tahoma"/>
+                <a:cs typeface="Tahoma"/>
+                <a:sym typeface="Tahoma"/>
+              </a:rPr>
+              <a:t>Dzięki niej </a:t>
+            </a:r>
+            <a:r>
+              <a:rPr b="1" lang="pl">
+                <a:solidFill>
+                  <a:schemeClr val="dk2"/>
+                </a:solidFill>
+                <a:latin typeface="Tahoma"/>
+                <a:ea typeface="Tahoma"/>
+                <a:cs typeface="Tahoma"/>
+                <a:sym typeface="Tahoma"/>
+              </a:rPr>
+              <a:t>administratorzy mogą łatwiej monitorować ruch sieciowy.</a:t>
+            </a:r>
+            <a:endParaRPr b="1">
+              <a:solidFill>
+                <a:schemeClr val="dk2"/>
+              </a:solidFill>
+              <a:latin typeface="Tahoma"/>
+              <a:ea typeface="Tahoma"/>
+              <a:cs typeface="Tahoma"/>
+              <a:sym typeface="Tahoma"/>
+            </a:endParaRPr>
+          </a:p>
+          <a:p>
+            <a:pPr indent="0" lvl="0" marL="0" rtl="0" algn="l">
+              <a:lnSpc>
+                <a:spcPct val="105000"/>
+              </a:lnSpc>
+              <a:spcBef>
+                <a:spcPts val="1200"/>
+              </a:spcBef>
+              <a:spcAft>
+                <a:spcPts val="0"/>
+              </a:spcAft>
+              <a:buNone/>
+            </a:pPr>
+            <a:r>
+              <a:rPr lang="pl">
+                <a:solidFill>
+                  <a:schemeClr val="dk2"/>
+                </a:solidFill>
+                <a:latin typeface="Tahoma"/>
+                <a:ea typeface="Tahoma"/>
+                <a:cs typeface="Tahoma"/>
+                <a:sym typeface="Tahoma"/>
+              </a:rPr>
+              <a:t>W szkole taka</a:t>
+            </a:r>
+            <a:r>
+              <a:rPr b="1" lang="pl">
+                <a:solidFill>
+                  <a:schemeClr val="dk2"/>
+                </a:solidFill>
+                <a:latin typeface="Tahoma"/>
+                <a:ea typeface="Tahoma"/>
+                <a:cs typeface="Tahoma"/>
+                <a:sym typeface="Tahoma"/>
+              </a:rPr>
+              <a:t> zasada też może obowiązywać</a:t>
+            </a:r>
+            <a:r>
+              <a:rPr lang="pl">
+                <a:solidFill>
+                  <a:schemeClr val="dk2"/>
+                </a:solidFill>
+                <a:latin typeface="Tahoma"/>
+                <a:ea typeface="Tahoma"/>
+                <a:cs typeface="Tahoma"/>
+                <a:sym typeface="Tahoma"/>
+              </a:rPr>
+              <a:t> – np. nie wolno grać online podczas lekcji.</a:t>
+            </a:r>
+            <a:endParaRPr>
+              <a:solidFill>
+                <a:schemeClr val="dk2"/>
+              </a:solidFill>
+              <a:latin typeface="Tahoma"/>
+              <a:ea typeface="Tahoma"/>
+              <a:cs typeface="Tahoma"/>
+              <a:sym typeface="Tahoma"/>
+            </a:endParaRPr>
+          </a:p>
+          <a:p>
+            <a:pPr indent="0" lvl="0" marL="0" rtl="0" algn="l">
+              <a:lnSpc>
+                <a:spcPct val="105000"/>
+              </a:lnSpc>
+              <a:spcBef>
+                <a:spcPts val="1200"/>
+              </a:spcBef>
+              <a:spcAft>
+                <a:spcPts val="1200"/>
+              </a:spcAft>
+              <a:buNone/>
+            </a:pPr>
+            <a:r>
+              <a:rPr lang="pl">
+                <a:solidFill>
+                  <a:schemeClr val="dk2"/>
+                </a:solidFill>
+                <a:latin typeface="Tahoma"/>
+                <a:ea typeface="Tahoma"/>
+                <a:cs typeface="Tahoma"/>
+                <a:sym typeface="Tahoma"/>
+              </a:rPr>
+              <a:t>To </a:t>
+            </a:r>
+            <a:r>
+              <a:rPr b="1" lang="pl">
+                <a:solidFill>
+                  <a:schemeClr val="dk2"/>
+                </a:solidFill>
+                <a:latin typeface="Tahoma"/>
+                <a:ea typeface="Tahoma"/>
+                <a:cs typeface="Tahoma"/>
+                <a:sym typeface="Tahoma"/>
+              </a:rPr>
+              <a:t>pomaga utrzymać porządek i bezpieczeństwo w sieci.</a:t>
+            </a:r>
+            <a:endParaRPr b="1">
+              <a:solidFill>
+                <a:schemeClr val="dk2"/>
+              </a:solidFill>
+              <a:latin typeface="Tahoma"/>
+              <a:ea typeface="Tahoma"/>
+              <a:cs typeface="Tahoma"/>
+              <a:sym typeface="Tahoma"/>
+            </a:endParaRPr>
+          </a:p>
+        </p:txBody>
+      </p:sp>
+    </p:spTree>
+  </p:cSld>
+  <p:clrMapOvr>
+    <a:masterClrMapping/>
+  </p:clrMapOvr>
+</p:sld>
+</file>
+
+<file path=ppt/slides/slide19.xml><?xml version="1.0" encoding="utf-8"?>
+<p:sld xmlns:a="http://schemas.openxmlformats.org/drawingml/2006/main" xmlns:r="http://schemas.openxmlformats.org/officeDocument/2006/relationships" xmlns:mc="http://schemas.openxmlformats.org/markup-compatibility/2006" xmlns:mv="urn:schemas-microsoft-com:mac:vml" xmlns:p="http://schemas.openxmlformats.org/presentationml/2006/main" xmlns:c="http://schemas.openxmlformats.org/drawingml/2006/chart" xmlns:dgm="http://schemas.openxmlformats.org/drawingml/2006/diagram" xmlns:o="urn:schemas-microsoft-com:office:office" xmlns:v="urn:schemas-microsoft-com:vml" xmlns:pvml="urn:schemas-microsoft-com:office:powerpoint" xmlns:com="http://schemas.openxmlformats.org/drawingml/2006/compatibility" xmlns:p14="http://schemas.microsoft.com/office/powerpoint/2010/main" xmlns:p15="http://schemas.microsoft.com/office/powerpoint/2012/main" xmlns:ahyp="http://schemas.microsoft.com/office/drawing/2018/hyperlinkcolor">
+  <p:cSld>
+    <p:spTree>
+      <p:nvGrpSpPr>
+        <p:cNvPr id="193" name="Shape 193"/>
+        <p:cNvGrpSpPr/>
+        <p:nvPr/>
+      </p:nvGrpSpPr>
+      <p:grpSpPr>
+        <a:xfrm>
+          <a:off x="0" y="0"/>
+          <a:ext cx="0" cy="0"/>
+          <a:chOff x="0" y="0"/>
+          <a:chExt cx="0" cy="0"/>
+        </a:xfrm>
+      </p:grpSpPr>
+      <p:sp>
+        <p:nvSpPr>
+          <p:cNvPr id="194" name="Google Shape;194;p31"/>
+          <p:cNvSpPr txBox="1"/>
+          <p:nvPr>
+            <p:ph type="title"/>
+          </p:nvPr>
+        </p:nvSpPr>
+        <p:spPr>
+          <a:xfrm>
+            <a:off x="729450" y="1318650"/>
+            <a:ext cx="7688700" cy="535200"/>
+          </a:xfrm>
+          <a:prstGeom prst="rect">
+            <a:avLst/>
+          </a:prstGeom>
+        </p:spPr>
+        <p:txBody>
+          <a:bodyPr anchorCtr="0" anchor="t" bIns="91425" lIns="91425" spcFirstLastPara="1" rIns="91425" wrap="square" tIns="91425">
+            <a:normAutofit fontScale="90000"/>
+          </a:bodyPr>
+          <a:lstStyle/>
+          <a:p>
+            <a:pPr indent="0" lvl="0" marL="0" rtl="0" algn="l">
+              <a:spcBef>
+                <a:spcPts val="0"/>
+              </a:spcBef>
+              <a:spcAft>
+                <a:spcPts val="0"/>
+              </a:spcAft>
+              <a:buNone/>
+            </a:pPr>
+            <a:r>
+              <a:rPr lang="pl"/>
+              <a:t>Polityka zapory sieciowej (Firewall)</a:t>
+            </a:r>
+            <a:endParaRPr/>
+          </a:p>
+        </p:txBody>
+      </p:sp>
+      <p:sp>
+        <p:nvSpPr>
+          <p:cNvPr id="195" name="Google Shape;195;p31"/>
+          <p:cNvSpPr txBox="1"/>
+          <p:nvPr>
+            <p:ph idx="1" type="body"/>
+          </p:nvPr>
+        </p:nvSpPr>
+        <p:spPr>
+          <a:xfrm>
+            <a:off x="729450" y="2078875"/>
+            <a:ext cx="8019300" cy="2940300"/>
+          </a:xfrm>
+          <a:prstGeom prst="rect">
+            <a:avLst/>
+          </a:prstGeom>
+        </p:spPr>
+        <p:txBody>
+          <a:bodyPr anchorCtr="0" anchor="t" bIns="91425" lIns="91425" spcFirstLastPara="1" rIns="91425" wrap="square" tIns="91425">
+            <a:normAutofit/>
+          </a:bodyPr>
+          <a:lstStyle/>
+          <a:p>
+            <a:pPr indent="0" lvl="0" marL="0" rtl="0" algn="l">
+              <a:lnSpc>
+                <a:spcPct val="100000"/>
+              </a:lnSpc>
+              <a:spcBef>
+                <a:spcPts val="0"/>
+              </a:spcBef>
+              <a:spcAft>
+                <a:spcPts val="0"/>
+              </a:spcAft>
+              <a:buNone/>
+            </a:pPr>
+            <a:r>
+              <a:rPr lang="pl">
+                <a:solidFill>
+                  <a:schemeClr val="dk2"/>
+                </a:solidFill>
+                <a:latin typeface="Tahoma"/>
+                <a:ea typeface="Tahoma"/>
+                <a:cs typeface="Tahoma"/>
+                <a:sym typeface="Tahoma"/>
+              </a:rPr>
+              <a:t>Zapora sieciowa </a:t>
+            </a:r>
+            <a:r>
+              <a:rPr b="1" lang="pl">
+                <a:solidFill>
+                  <a:schemeClr val="dk2"/>
+                </a:solidFill>
+                <a:latin typeface="Tahoma"/>
+                <a:ea typeface="Tahoma"/>
+                <a:cs typeface="Tahoma"/>
+                <a:sym typeface="Tahoma"/>
+              </a:rPr>
+              <a:t>to program lub urządzenie, które blokuje niebezpieczne połączenia z Internetu.</a:t>
+            </a:r>
+            <a:endParaRPr b="1">
+              <a:solidFill>
+                <a:schemeClr val="dk2"/>
+              </a:solidFill>
+              <a:latin typeface="Tahoma"/>
+              <a:ea typeface="Tahoma"/>
+              <a:cs typeface="Tahoma"/>
+              <a:sym typeface="Tahoma"/>
+            </a:endParaRPr>
+          </a:p>
+          <a:p>
+            <a:pPr indent="0" lvl="0" marL="0" rtl="0" algn="l">
+              <a:lnSpc>
+                <a:spcPct val="100000"/>
+              </a:lnSpc>
+              <a:spcBef>
+                <a:spcPts val="0"/>
+              </a:spcBef>
+              <a:spcAft>
+                <a:spcPts val="0"/>
+              </a:spcAft>
+              <a:buNone/>
+            </a:pPr>
+            <a:r>
+              <a:t/>
+            </a:r>
+            <a:endParaRPr b="1">
+              <a:solidFill>
+                <a:schemeClr val="dk2"/>
+              </a:solidFill>
+              <a:latin typeface="Tahoma"/>
+              <a:ea typeface="Tahoma"/>
+              <a:cs typeface="Tahoma"/>
+              <a:sym typeface="Tahoma"/>
+            </a:endParaRPr>
+          </a:p>
+          <a:p>
+            <a:pPr indent="0" lvl="0" marL="0" rtl="0" algn="l">
+              <a:lnSpc>
+                <a:spcPct val="100000"/>
+              </a:lnSpc>
+              <a:spcBef>
+                <a:spcPts val="0"/>
+              </a:spcBef>
+              <a:spcAft>
+                <a:spcPts val="0"/>
+              </a:spcAft>
+              <a:buNone/>
+            </a:pPr>
+            <a:r>
+              <a:rPr lang="pl">
+                <a:solidFill>
+                  <a:schemeClr val="dk2"/>
+                </a:solidFill>
+                <a:latin typeface="Tahoma"/>
+                <a:ea typeface="Tahoma"/>
+                <a:cs typeface="Tahoma"/>
+                <a:sym typeface="Tahoma"/>
+              </a:rPr>
+              <a:t>Polityka określa, które</a:t>
+            </a:r>
+            <a:r>
+              <a:rPr b="1" lang="pl">
+                <a:solidFill>
+                  <a:schemeClr val="dk2"/>
+                </a:solidFill>
+                <a:latin typeface="Tahoma"/>
+                <a:ea typeface="Tahoma"/>
+                <a:cs typeface="Tahoma"/>
+                <a:sym typeface="Tahoma"/>
+              </a:rPr>
+              <a:t> połączenia są dozwolone, a które zablokowane</a:t>
+            </a:r>
+            <a:r>
+              <a:rPr lang="pl">
+                <a:solidFill>
+                  <a:schemeClr val="dk2"/>
+                </a:solidFill>
+                <a:latin typeface="Tahoma"/>
+                <a:ea typeface="Tahoma"/>
+                <a:cs typeface="Tahoma"/>
+                <a:sym typeface="Tahoma"/>
+              </a:rPr>
+              <a:t>.</a:t>
+            </a:r>
+            <a:endParaRPr>
+              <a:solidFill>
+                <a:schemeClr val="dk2"/>
+              </a:solidFill>
+              <a:latin typeface="Tahoma"/>
+              <a:ea typeface="Tahoma"/>
+              <a:cs typeface="Tahoma"/>
+              <a:sym typeface="Tahoma"/>
+            </a:endParaRPr>
+          </a:p>
+          <a:p>
+            <a:pPr indent="0" lvl="0" marL="0" rtl="0" algn="l">
+              <a:lnSpc>
+                <a:spcPct val="100000"/>
+              </a:lnSpc>
+              <a:spcBef>
+                <a:spcPts val="0"/>
+              </a:spcBef>
+              <a:spcAft>
+                <a:spcPts val="0"/>
+              </a:spcAft>
+              <a:buNone/>
+            </a:pPr>
+            <a:r>
+              <a:t/>
+            </a:r>
+            <a:endParaRPr>
+              <a:solidFill>
+                <a:schemeClr val="dk2"/>
+              </a:solidFill>
+              <a:latin typeface="Tahoma"/>
+              <a:ea typeface="Tahoma"/>
+              <a:cs typeface="Tahoma"/>
+              <a:sym typeface="Tahoma"/>
+            </a:endParaRPr>
+          </a:p>
+          <a:p>
+            <a:pPr indent="0" lvl="0" marL="0" rtl="0" algn="l">
+              <a:lnSpc>
+                <a:spcPct val="100000"/>
+              </a:lnSpc>
+              <a:spcBef>
+                <a:spcPts val="0"/>
+              </a:spcBef>
+              <a:spcAft>
+                <a:spcPts val="0"/>
+              </a:spcAft>
+              <a:buNone/>
+            </a:pPr>
+            <a:r>
+              <a:rPr lang="pl">
+                <a:solidFill>
+                  <a:schemeClr val="dk2"/>
+                </a:solidFill>
+                <a:latin typeface="Tahoma"/>
+                <a:ea typeface="Tahoma"/>
+                <a:cs typeface="Tahoma"/>
+                <a:sym typeface="Tahoma"/>
+              </a:rPr>
+              <a:t>Na przykład może </a:t>
+            </a:r>
+            <a:r>
+              <a:rPr b="1" lang="pl">
+                <a:solidFill>
+                  <a:schemeClr val="dk2"/>
+                </a:solidFill>
+                <a:latin typeface="Tahoma"/>
+                <a:ea typeface="Tahoma"/>
+                <a:cs typeface="Tahoma"/>
+                <a:sym typeface="Tahoma"/>
+              </a:rPr>
+              <a:t>pozwalać tylko na strony firmowe, a blokować porty używane przez hakerów</a:t>
+            </a:r>
+            <a:r>
+              <a:rPr lang="pl">
+                <a:solidFill>
+                  <a:schemeClr val="dk2"/>
+                </a:solidFill>
+                <a:latin typeface="Tahoma"/>
+                <a:ea typeface="Tahoma"/>
+                <a:cs typeface="Tahoma"/>
+                <a:sym typeface="Tahoma"/>
+              </a:rPr>
+              <a:t>.</a:t>
+            </a:r>
+            <a:endParaRPr>
+              <a:solidFill>
+                <a:schemeClr val="dk2"/>
+              </a:solidFill>
+              <a:latin typeface="Tahoma"/>
+              <a:ea typeface="Tahoma"/>
+              <a:cs typeface="Tahoma"/>
+              <a:sym typeface="Tahoma"/>
+            </a:endParaRPr>
+          </a:p>
+          <a:p>
+            <a:pPr indent="0" lvl="0" marL="0" rtl="0" algn="l">
+              <a:lnSpc>
+                <a:spcPct val="100000"/>
+              </a:lnSpc>
+              <a:spcBef>
+                <a:spcPts val="0"/>
+              </a:spcBef>
+              <a:spcAft>
+                <a:spcPts val="0"/>
+              </a:spcAft>
+              <a:buNone/>
+            </a:pPr>
+            <a:r>
+              <a:t/>
+            </a:r>
+            <a:endParaRPr>
+              <a:solidFill>
+                <a:schemeClr val="dk2"/>
+              </a:solidFill>
+              <a:latin typeface="Tahoma"/>
+              <a:ea typeface="Tahoma"/>
+              <a:cs typeface="Tahoma"/>
+              <a:sym typeface="Tahoma"/>
+            </a:endParaRPr>
+          </a:p>
+          <a:p>
+            <a:pPr indent="0" lvl="0" marL="0" rtl="0" algn="l">
+              <a:lnSpc>
+                <a:spcPct val="100000"/>
+              </a:lnSpc>
+              <a:spcBef>
+                <a:spcPts val="0"/>
+              </a:spcBef>
+              <a:spcAft>
+                <a:spcPts val="0"/>
+              </a:spcAft>
+              <a:buNone/>
+            </a:pPr>
+            <a:r>
+              <a:rPr lang="pl">
+                <a:solidFill>
+                  <a:schemeClr val="dk2"/>
+                </a:solidFill>
+                <a:latin typeface="Tahoma"/>
+                <a:ea typeface="Tahoma"/>
+                <a:cs typeface="Tahoma"/>
+                <a:sym typeface="Tahoma"/>
+              </a:rPr>
+              <a:t>Dzięki temu </a:t>
+            </a:r>
+            <a:r>
+              <a:rPr b="1" lang="pl">
+                <a:solidFill>
+                  <a:schemeClr val="dk2"/>
+                </a:solidFill>
+                <a:latin typeface="Tahoma"/>
+                <a:ea typeface="Tahoma"/>
+                <a:cs typeface="Tahoma"/>
+                <a:sym typeface="Tahoma"/>
+              </a:rPr>
+              <a:t>wirusy i nieautoryzowani użytkownicy nie dostają się do sieci.</a:t>
+            </a:r>
+            <a:endParaRPr b="1">
+              <a:solidFill>
+                <a:schemeClr val="dk2"/>
+              </a:solidFill>
+              <a:latin typeface="Tahoma"/>
+              <a:ea typeface="Tahoma"/>
+              <a:cs typeface="Tahoma"/>
+              <a:sym typeface="Tahoma"/>
+            </a:endParaRPr>
+          </a:p>
+          <a:p>
+            <a:pPr indent="0" lvl="0" marL="0" rtl="0" algn="l">
+              <a:lnSpc>
+                <a:spcPct val="100000"/>
+              </a:lnSpc>
+              <a:spcBef>
+                <a:spcPts val="0"/>
+              </a:spcBef>
+              <a:spcAft>
+                <a:spcPts val="0"/>
+              </a:spcAft>
+              <a:buNone/>
+            </a:pPr>
+            <a:r>
+              <a:t/>
+            </a:r>
+            <a:endParaRPr b="1">
+              <a:solidFill>
+                <a:schemeClr val="dk2"/>
+              </a:solidFill>
+              <a:latin typeface="Tahoma"/>
+              <a:ea typeface="Tahoma"/>
+              <a:cs typeface="Tahoma"/>
+              <a:sym typeface="Tahoma"/>
+            </a:endParaRPr>
+          </a:p>
+          <a:p>
+            <a:pPr indent="0" lvl="0" marL="0" rtl="0" algn="l">
+              <a:lnSpc>
+                <a:spcPct val="100000"/>
+              </a:lnSpc>
+              <a:spcBef>
+                <a:spcPts val="0"/>
+              </a:spcBef>
+              <a:spcAft>
+                <a:spcPts val="0"/>
+              </a:spcAft>
+              <a:buNone/>
+            </a:pPr>
+            <a:r>
+              <a:rPr lang="pl">
+                <a:solidFill>
+                  <a:schemeClr val="dk2"/>
+                </a:solidFill>
+                <a:latin typeface="Tahoma"/>
+                <a:ea typeface="Tahoma"/>
+                <a:cs typeface="Tahoma"/>
+                <a:sym typeface="Tahoma"/>
+              </a:rPr>
+              <a:t>Firewall działa jak </a:t>
+            </a:r>
+            <a:r>
+              <a:rPr b="1" lang="pl">
+                <a:solidFill>
+                  <a:schemeClr val="dk2"/>
+                </a:solidFill>
+                <a:latin typeface="Tahoma"/>
+                <a:ea typeface="Tahoma"/>
+                <a:cs typeface="Tahoma"/>
+                <a:sym typeface="Tahoma"/>
+              </a:rPr>
+              <a:t>strażnik </a:t>
+            </a:r>
+            <a:r>
+              <a:rPr lang="pl">
+                <a:solidFill>
+                  <a:schemeClr val="dk2"/>
+                </a:solidFill>
+                <a:latin typeface="Tahoma"/>
+                <a:ea typeface="Tahoma"/>
+                <a:cs typeface="Tahoma"/>
+                <a:sym typeface="Tahoma"/>
+              </a:rPr>
+              <a:t>pilnujący bramy do firmy.</a:t>
+            </a:r>
+            <a:endParaRPr>
+              <a:solidFill>
+                <a:schemeClr val="dk2"/>
+              </a:solidFill>
+              <a:latin typeface="Tahoma"/>
+              <a:ea typeface="Tahoma"/>
+              <a:cs typeface="Tahoma"/>
+              <a:sym typeface="Tahoma"/>
+            </a:endParaRPr>
+          </a:p>
+          <a:p>
+            <a:pPr indent="0" lvl="0" marL="0" rtl="0" algn="l">
+              <a:lnSpc>
+                <a:spcPct val="100000"/>
+              </a:lnSpc>
+              <a:spcBef>
+                <a:spcPts val="0"/>
+              </a:spcBef>
+              <a:spcAft>
+                <a:spcPts val="0"/>
+              </a:spcAft>
+              <a:buNone/>
+            </a:pPr>
+            <a:r>
+              <a:t/>
+            </a:r>
+            <a:endParaRPr>
+              <a:solidFill>
+                <a:schemeClr val="dk2"/>
+              </a:solidFill>
+              <a:latin typeface="Tahoma"/>
+              <a:ea typeface="Tahoma"/>
+              <a:cs typeface="Tahoma"/>
+              <a:sym typeface="Tahoma"/>
+            </a:endParaRPr>
+          </a:p>
+          <a:p>
+            <a:pPr indent="0" lvl="0" marL="0" rtl="0" algn="l">
+              <a:lnSpc>
+                <a:spcPct val="100000"/>
+              </a:lnSpc>
+              <a:spcBef>
+                <a:spcPts val="0"/>
+              </a:spcBef>
+              <a:spcAft>
+                <a:spcPts val="0"/>
+              </a:spcAft>
+              <a:buNone/>
+            </a:pPr>
+            <a:r>
+              <a:rPr lang="pl">
+                <a:solidFill>
+                  <a:schemeClr val="dk2"/>
+                </a:solidFill>
+                <a:latin typeface="Tahoma"/>
+                <a:ea typeface="Tahoma"/>
+                <a:cs typeface="Tahoma"/>
+                <a:sym typeface="Tahoma"/>
+              </a:rPr>
+              <a:t>To jedna z podstawowych metod ochrony sieci komputerowych.</a:t>
+            </a:r>
+            <a:endParaRPr>
+              <a:solidFill>
+                <a:schemeClr val="dk2"/>
+              </a:solidFill>
+              <a:latin typeface="Tahoma"/>
+              <a:ea typeface="Tahoma"/>
+              <a:cs typeface="Tahoma"/>
+              <a:sym typeface="Tahoma"/>
+            </a:endParaRPr>
+          </a:p>
+        </p:txBody>
+      </p:sp>
+    </p:spTree>
+  </p:cSld>
+  <p:clrMapOvr>
+    <a:masterClrMapping/>
+  </p:clrMapOvr>
+</p:sld>
+</file>
+
 <file path=ppt/slides/slide2.xml><?xml version="1.0" encoding="utf-8"?>
 <p:sld xmlns:a="http://schemas.openxmlformats.org/drawingml/2006/main" xmlns:r="http://schemas.openxmlformats.org/officeDocument/2006/relationships" xmlns:mc="http://schemas.openxmlformats.org/markup-compatibility/2006" xmlns:mv="urn:schemas-microsoft-com:mac:vml" xmlns:p="http://schemas.openxmlformats.org/presentationml/2006/main" xmlns:c="http://schemas.openxmlformats.org/drawingml/2006/chart" xmlns:dgm="http://schemas.openxmlformats.org/drawingml/2006/diagram" xmlns:o="urn:schemas-microsoft-com:office:office" xmlns:v="urn:schemas-microsoft-com:vml" xmlns:pvml="urn:schemas-microsoft-com:office:powerpoint" xmlns:com="http://schemas.openxmlformats.org/drawingml/2006/compatibility" xmlns:p14="http://schemas.microsoft.com/office/powerpoint/2010/main" xmlns:p15="http://schemas.microsoft.com/office/powerpoint/2012/main" xmlns:ahyp="http://schemas.microsoft.com/office/drawing/2018/hyperlinkcolor">
   <p:cSld>
@@ -9333,6 +14447,924 @@
             <a:pPr indent="0" lvl="0" marL="0" rtl="0" algn="l">
               <a:spcBef>
                 <a:spcPts val="1500"/>
+              </a:spcBef>
+              <a:spcAft>
+                <a:spcPts val="1200"/>
+              </a:spcAft>
+              <a:buNone/>
+            </a:pPr>
+            <a:r>
+              <a:t/>
+            </a:r>
+            <a:endParaRPr/>
+          </a:p>
+        </p:txBody>
+      </p:sp>
+    </p:spTree>
+  </p:cSld>
+  <p:clrMapOvr>
+    <a:masterClrMapping/>
+  </p:clrMapOvr>
+</p:sld>
+</file>
+
+<file path=ppt/slides/slide20.xml><?xml version="1.0" encoding="utf-8"?>
+<p:sld xmlns:a="http://schemas.openxmlformats.org/drawingml/2006/main" xmlns:r="http://schemas.openxmlformats.org/officeDocument/2006/relationships" xmlns:mc="http://schemas.openxmlformats.org/markup-compatibility/2006" xmlns:mv="urn:schemas-microsoft-com:mac:vml" xmlns:p="http://schemas.openxmlformats.org/presentationml/2006/main" xmlns:c="http://schemas.openxmlformats.org/drawingml/2006/chart" xmlns:dgm="http://schemas.openxmlformats.org/drawingml/2006/diagram" xmlns:o="urn:schemas-microsoft-com:office:office" xmlns:v="urn:schemas-microsoft-com:vml" xmlns:pvml="urn:schemas-microsoft-com:office:powerpoint" xmlns:com="http://schemas.openxmlformats.org/drawingml/2006/compatibility" xmlns:p14="http://schemas.microsoft.com/office/powerpoint/2010/main" xmlns:p15="http://schemas.microsoft.com/office/powerpoint/2012/main" xmlns:ahyp="http://schemas.microsoft.com/office/drawing/2018/hyperlinkcolor">
+  <p:cSld>
+    <p:spTree>
+      <p:nvGrpSpPr>
+        <p:cNvPr id="199" name="Shape 199"/>
+        <p:cNvGrpSpPr/>
+        <p:nvPr/>
+      </p:nvGrpSpPr>
+      <p:grpSpPr>
+        <a:xfrm>
+          <a:off x="0" y="0"/>
+          <a:ext cx="0" cy="0"/>
+          <a:chOff x="0" y="0"/>
+          <a:chExt cx="0" cy="0"/>
+        </a:xfrm>
+      </p:grpSpPr>
+      <p:sp>
+        <p:nvSpPr>
+          <p:cNvPr id="200" name="Google Shape;200;p32"/>
+          <p:cNvSpPr txBox="1"/>
+          <p:nvPr>
+            <p:ph type="title"/>
+          </p:nvPr>
+        </p:nvSpPr>
+        <p:spPr>
+          <a:xfrm>
+            <a:off x="729450" y="1318650"/>
+            <a:ext cx="7688700" cy="535200"/>
+          </a:xfrm>
+          <a:prstGeom prst="rect">
+            <a:avLst/>
+          </a:prstGeom>
+        </p:spPr>
+        <p:txBody>
+          <a:bodyPr anchorCtr="0" anchor="t" bIns="91425" lIns="91425" spcFirstLastPara="1" rIns="91425" wrap="square" tIns="91425">
+            <a:normAutofit fontScale="90000"/>
+          </a:bodyPr>
+          <a:lstStyle/>
+          <a:p>
+            <a:pPr indent="0" lvl="0" marL="0" rtl="0" algn="l">
+              <a:spcBef>
+                <a:spcPts val="0"/>
+              </a:spcBef>
+              <a:spcAft>
+                <a:spcPts val="0"/>
+              </a:spcAft>
+              <a:buNone/>
+            </a:pPr>
+            <a:r>
+              <a:rPr lang="pl"/>
+              <a:t>Polityka tworzenia kopii zapasowych (Backup)</a:t>
+            </a:r>
+            <a:endParaRPr/>
+          </a:p>
+        </p:txBody>
+      </p:sp>
+      <p:sp>
+        <p:nvSpPr>
+          <p:cNvPr id="201" name="Google Shape;201;p32"/>
+          <p:cNvSpPr txBox="1"/>
+          <p:nvPr>
+            <p:ph idx="1" type="body"/>
+          </p:nvPr>
+        </p:nvSpPr>
+        <p:spPr>
+          <a:xfrm>
+            <a:off x="729450" y="2078875"/>
+            <a:ext cx="7688700" cy="2971500"/>
+          </a:xfrm>
+          <a:prstGeom prst="rect">
+            <a:avLst/>
+          </a:prstGeom>
+        </p:spPr>
+        <p:txBody>
+          <a:bodyPr anchorCtr="0" anchor="t" bIns="91425" lIns="91425" spcFirstLastPara="1" rIns="91425" wrap="square" tIns="91425">
+            <a:normAutofit lnSpcReduction="10000"/>
+          </a:bodyPr>
+          <a:lstStyle/>
+          <a:p>
+            <a:pPr indent="0" lvl="0" marL="0" rtl="0" algn="l">
+              <a:spcBef>
+                <a:spcPts val="0"/>
+              </a:spcBef>
+              <a:spcAft>
+                <a:spcPts val="0"/>
+              </a:spcAft>
+              <a:buNone/>
+            </a:pPr>
+            <a:r>
+              <a:rPr lang="pl" sz="1400">
+                <a:solidFill>
+                  <a:schemeClr val="dk2"/>
+                </a:solidFill>
+                <a:latin typeface="Tahoma"/>
+                <a:ea typeface="Tahoma"/>
+                <a:cs typeface="Tahoma"/>
+                <a:sym typeface="Tahoma"/>
+              </a:rPr>
+              <a:t>Ta polityka mówi, </a:t>
+            </a:r>
+            <a:r>
+              <a:rPr b="1" lang="pl" sz="1400">
+                <a:solidFill>
+                  <a:schemeClr val="dk2"/>
+                </a:solidFill>
+                <a:latin typeface="Tahoma"/>
+                <a:ea typeface="Tahoma"/>
+                <a:cs typeface="Tahoma"/>
+                <a:sym typeface="Tahoma"/>
+              </a:rPr>
+              <a:t>jak często trzeba robić kopie danych</a:t>
+            </a:r>
+            <a:r>
+              <a:rPr lang="pl" sz="1400">
+                <a:solidFill>
+                  <a:schemeClr val="dk2"/>
+                </a:solidFill>
+                <a:latin typeface="Tahoma"/>
+                <a:ea typeface="Tahoma"/>
+                <a:cs typeface="Tahoma"/>
+                <a:sym typeface="Tahoma"/>
+              </a:rPr>
+              <a:t>, żeby ich nie stracić.</a:t>
+            </a:r>
+            <a:endParaRPr sz="1400">
+              <a:solidFill>
+                <a:schemeClr val="dk2"/>
+              </a:solidFill>
+              <a:latin typeface="Tahoma"/>
+              <a:ea typeface="Tahoma"/>
+              <a:cs typeface="Tahoma"/>
+              <a:sym typeface="Tahoma"/>
+            </a:endParaRPr>
+          </a:p>
+          <a:p>
+            <a:pPr indent="0" lvl="0" marL="0" rtl="0" algn="l">
+              <a:spcBef>
+                <a:spcPts val="0"/>
+              </a:spcBef>
+              <a:spcAft>
+                <a:spcPts val="0"/>
+              </a:spcAft>
+              <a:buNone/>
+            </a:pPr>
+            <a:br>
+              <a:rPr lang="pl" sz="1400">
+                <a:solidFill>
+                  <a:schemeClr val="dk2"/>
+                </a:solidFill>
+                <a:latin typeface="Tahoma"/>
+                <a:ea typeface="Tahoma"/>
+                <a:cs typeface="Tahoma"/>
+                <a:sym typeface="Tahoma"/>
+              </a:rPr>
+            </a:br>
+            <a:r>
+              <a:rPr lang="pl" sz="1400">
+                <a:solidFill>
+                  <a:schemeClr val="dk2"/>
+                </a:solidFill>
+                <a:latin typeface="Tahoma"/>
+                <a:ea typeface="Tahoma"/>
+                <a:cs typeface="Tahoma"/>
+                <a:sym typeface="Tahoma"/>
+              </a:rPr>
+              <a:t> </a:t>
+            </a:r>
+            <a:r>
+              <a:rPr b="1" lang="pl" sz="1400">
+                <a:solidFill>
+                  <a:schemeClr val="dk2"/>
+                </a:solidFill>
+                <a:latin typeface="Tahoma"/>
+                <a:ea typeface="Tahoma"/>
+                <a:cs typeface="Tahoma"/>
+                <a:sym typeface="Tahoma"/>
+              </a:rPr>
+              <a:t>Backupy </a:t>
+            </a:r>
+            <a:r>
+              <a:rPr lang="pl" sz="1400">
+                <a:solidFill>
+                  <a:schemeClr val="dk2"/>
+                </a:solidFill>
+                <a:latin typeface="Tahoma"/>
+                <a:ea typeface="Tahoma"/>
+                <a:cs typeface="Tahoma"/>
+                <a:sym typeface="Tahoma"/>
+              </a:rPr>
+              <a:t>mogą być zapisywane na dysku zewnętrznym lub w </a:t>
+            </a:r>
+            <a:r>
+              <a:rPr b="1" lang="pl" sz="1400">
+                <a:solidFill>
+                  <a:schemeClr val="dk2"/>
+                </a:solidFill>
+                <a:latin typeface="Tahoma"/>
+                <a:ea typeface="Tahoma"/>
+                <a:cs typeface="Tahoma"/>
+                <a:sym typeface="Tahoma"/>
+              </a:rPr>
+              <a:t>chmurze</a:t>
+            </a:r>
+            <a:r>
+              <a:rPr lang="pl" sz="1400">
+                <a:solidFill>
+                  <a:schemeClr val="dk2"/>
+                </a:solidFill>
+                <a:latin typeface="Tahoma"/>
+                <a:ea typeface="Tahoma"/>
+                <a:cs typeface="Tahoma"/>
+                <a:sym typeface="Tahoma"/>
+              </a:rPr>
+              <a:t>.</a:t>
+            </a:r>
+            <a:endParaRPr sz="1400">
+              <a:solidFill>
+                <a:schemeClr val="dk2"/>
+              </a:solidFill>
+              <a:latin typeface="Tahoma"/>
+              <a:ea typeface="Tahoma"/>
+              <a:cs typeface="Tahoma"/>
+              <a:sym typeface="Tahoma"/>
+            </a:endParaRPr>
+          </a:p>
+          <a:p>
+            <a:pPr indent="0" lvl="0" marL="0" rtl="0" algn="l">
+              <a:spcBef>
+                <a:spcPts val="0"/>
+              </a:spcBef>
+              <a:spcAft>
+                <a:spcPts val="0"/>
+              </a:spcAft>
+              <a:buNone/>
+            </a:pPr>
+            <a:br>
+              <a:rPr lang="pl" sz="1400">
+                <a:solidFill>
+                  <a:schemeClr val="dk2"/>
+                </a:solidFill>
+                <a:latin typeface="Tahoma"/>
+                <a:ea typeface="Tahoma"/>
+                <a:cs typeface="Tahoma"/>
+                <a:sym typeface="Tahoma"/>
+              </a:rPr>
+            </a:br>
+            <a:r>
+              <a:rPr lang="pl" sz="1400">
+                <a:solidFill>
+                  <a:schemeClr val="dk2"/>
+                </a:solidFill>
+                <a:latin typeface="Tahoma"/>
+                <a:ea typeface="Tahoma"/>
+                <a:cs typeface="Tahoma"/>
+                <a:sym typeface="Tahoma"/>
+              </a:rPr>
+              <a:t> W razie awarii, </a:t>
+            </a:r>
+            <a:r>
+              <a:rPr b="1" lang="pl" sz="1400">
+                <a:solidFill>
+                  <a:schemeClr val="dk2"/>
+                </a:solidFill>
+                <a:latin typeface="Tahoma"/>
+                <a:ea typeface="Tahoma"/>
+                <a:cs typeface="Tahoma"/>
+                <a:sym typeface="Tahoma"/>
+              </a:rPr>
+              <a:t>ataku lub błędu można łatwo odzyskać dane</a:t>
+            </a:r>
+            <a:r>
+              <a:rPr lang="pl" sz="1400">
+                <a:solidFill>
+                  <a:schemeClr val="dk2"/>
+                </a:solidFill>
+                <a:latin typeface="Tahoma"/>
+                <a:ea typeface="Tahoma"/>
+                <a:cs typeface="Tahoma"/>
+                <a:sym typeface="Tahoma"/>
+              </a:rPr>
+              <a:t>.</a:t>
+            </a:r>
+            <a:endParaRPr sz="1400">
+              <a:solidFill>
+                <a:schemeClr val="dk2"/>
+              </a:solidFill>
+              <a:latin typeface="Tahoma"/>
+              <a:ea typeface="Tahoma"/>
+              <a:cs typeface="Tahoma"/>
+              <a:sym typeface="Tahoma"/>
+            </a:endParaRPr>
+          </a:p>
+          <a:p>
+            <a:pPr indent="0" lvl="0" marL="0" rtl="0" algn="l">
+              <a:spcBef>
+                <a:spcPts val="0"/>
+              </a:spcBef>
+              <a:spcAft>
+                <a:spcPts val="0"/>
+              </a:spcAft>
+              <a:buNone/>
+            </a:pPr>
+            <a:br>
+              <a:rPr lang="pl" sz="1400">
+                <a:solidFill>
+                  <a:schemeClr val="dk2"/>
+                </a:solidFill>
+                <a:latin typeface="Tahoma"/>
+                <a:ea typeface="Tahoma"/>
+                <a:cs typeface="Tahoma"/>
+                <a:sym typeface="Tahoma"/>
+              </a:rPr>
+            </a:br>
+            <a:r>
+              <a:rPr lang="pl" sz="1400">
+                <a:solidFill>
+                  <a:schemeClr val="dk2"/>
+                </a:solidFill>
+                <a:latin typeface="Tahoma"/>
+                <a:ea typeface="Tahoma"/>
+                <a:cs typeface="Tahoma"/>
+                <a:sym typeface="Tahoma"/>
+              </a:rPr>
+              <a:t> Firmy często robią kopie codziennie lub co tydzień.</a:t>
+            </a:r>
+            <a:endParaRPr sz="1400">
+              <a:solidFill>
+                <a:schemeClr val="dk2"/>
+              </a:solidFill>
+              <a:latin typeface="Tahoma"/>
+              <a:ea typeface="Tahoma"/>
+              <a:cs typeface="Tahoma"/>
+              <a:sym typeface="Tahoma"/>
+            </a:endParaRPr>
+          </a:p>
+          <a:p>
+            <a:pPr indent="0" lvl="0" marL="0" rtl="0" algn="l">
+              <a:spcBef>
+                <a:spcPts val="0"/>
+              </a:spcBef>
+              <a:spcAft>
+                <a:spcPts val="0"/>
+              </a:spcAft>
+              <a:buNone/>
+            </a:pPr>
+            <a:br>
+              <a:rPr lang="pl" sz="1400">
+                <a:solidFill>
+                  <a:schemeClr val="dk2"/>
+                </a:solidFill>
+                <a:latin typeface="Tahoma"/>
+                <a:ea typeface="Tahoma"/>
+                <a:cs typeface="Tahoma"/>
+                <a:sym typeface="Tahoma"/>
+              </a:rPr>
+            </a:br>
+            <a:r>
+              <a:rPr lang="pl" sz="1400">
+                <a:solidFill>
+                  <a:schemeClr val="dk2"/>
+                </a:solidFill>
+                <a:latin typeface="Tahoma"/>
+                <a:ea typeface="Tahoma"/>
+                <a:cs typeface="Tahoma"/>
+                <a:sym typeface="Tahoma"/>
+              </a:rPr>
+              <a:t> W domu też warto robić kopie zdjęć czy </a:t>
+            </a:r>
+            <a:r>
+              <a:rPr b="1" lang="pl" sz="1400">
+                <a:solidFill>
+                  <a:schemeClr val="dk2"/>
+                </a:solidFill>
+                <a:latin typeface="Tahoma"/>
+                <a:ea typeface="Tahoma"/>
+                <a:cs typeface="Tahoma"/>
+                <a:sym typeface="Tahoma"/>
+              </a:rPr>
+              <a:t>dokumentów</a:t>
+            </a:r>
+            <a:r>
+              <a:rPr lang="pl" sz="1400">
+                <a:solidFill>
+                  <a:schemeClr val="dk2"/>
+                </a:solidFill>
+                <a:latin typeface="Tahoma"/>
+                <a:ea typeface="Tahoma"/>
+                <a:cs typeface="Tahoma"/>
+                <a:sym typeface="Tahoma"/>
+              </a:rPr>
+              <a:t>.</a:t>
+            </a:r>
+            <a:endParaRPr sz="1400">
+              <a:solidFill>
+                <a:schemeClr val="dk2"/>
+              </a:solidFill>
+              <a:latin typeface="Tahoma"/>
+              <a:ea typeface="Tahoma"/>
+              <a:cs typeface="Tahoma"/>
+              <a:sym typeface="Tahoma"/>
+            </a:endParaRPr>
+          </a:p>
+          <a:p>
+            <a:pPr indent="0" lvl="0" marL="0" rtl="0" algn="l">
+              <a:spcBef>
+                <a:spcPts val="0"/>
+              </a:spcBef>
+              <a:spcAft>
+                <a:spcPts val="0"/>
+              </a:spcAft>
+              <a:buNone/>
+            </a:pPr>
+            <a:br>
+              <a:rPr lang="pl" sz="1400">
+                <a:solidFill>
+                  <a:schemeClr val="dk2"/>
+                </a:solidFill>
+                <a:latin typeface="Tahoma"/>
+                <a:ea typeface="Tahoma"/>
+                <a:cs typeface="Tahoma"/>
+                <a:sym typeface="Tahoma"/>
+              </a:rPr>
+            </a:br>
+            <a:r>
+              <a:rPr lang="pl" sz="1400">
+                <a:solidFill>
+                  <a:schemeClr val="dk2"/>
+                </a:solidFill>
+                <a:latin typeface="Tahoma"/>
+                <a:ea typeface="Tahoma"/>
+                <a:cs typeface="Tahoma"/>
+                <a:sym typeface="Tahoma"/>
+              </a:rPr>
+              <a:t> Dzięki temu nawet po awarii komputera dane nie przepadają.</a:t>
+            </a:r>
+            <a:endParaRPr sz="1400">
+              <a:solidFill>
+                <a:schemeClr val="dk2"/>
+              </a:solidFill>
+              <a:latin typeface="Tahoma"/>
+              <a:ea typeface="Tahoma"/>
+              <a:cs typeface="Tahoma"/>
+              <a:sym typeface="Tahoma"/>
+            </a:endParaRPr>
+          </a:p>
+          <a:p>
+            <a:pPr indent="0" lvl="0" marL="0" rtl="0" algn="l">
+              <a:spcBef>
+                <a:spcPts val="0"/>
+              </a:spcBef>
+              <a:spcAft>
+                <a:spcPts val="1200"/>
+              </a:spcAft>
+              <a:buNone/>
+            </a:pPr>
+            <a:r>
+              <a:t/>
+            </a:r>
+            <a:endParaRPr/>
+          </a:p>
+        </p:txBody>
+      </p:sp>
+    </p:spTree>
+  </p:cSld>
+  <p:clrMapOvr>
+    <a:masterClrMapping/>
+  </p:clrMapOvr>
+</p:sld>
+</file>
+
+<file path=ppt/slides/slide21.xml><?xml version="1.0" encoding="utf-8"?>
+<p:sld xmlns:a="http://schemas.openxmlformats.org/drawingml/2006/main" xmlns:r="http://schemas.openxmlformats.org/officeDocument/2006/relationships" xmlns:mc="http://schemas.openxmlformats.org/markup-compatibility/2006" xmlns:mv="urn:schemas-microsoft-com:mac:vml" xmlns:p="http://schemas.openxmlformats.org/presentationml/2006/main" xmlns:c="http://schemas.openxmlformats.org/drawingml/2006/chart" xmlns:dgm="http://schemas.openxmlformats.org/drawingml/2006/diagram" xmlns:o="urn:schemas-microsoft-com:office:office" xmlns:v="urn:schemas-microsoft-com:vml" xmlns:pvml="urn:schemas-microsoft-com:office:powerpoint" xmlns:com="http://schemas.openxmlformats.org/drawingml/2006/compatibility" xmlns:p14="http://schemas.microsoft.com/office/powerpoint/2010/main" xmlns:p15="http://schemas.microsoft.com/office/powerpoint/2012/main" xmlns:ahyp="http://schemas.microsoft.com/office/drawing/2018/hyperlinkcolor">
+  <p:cSld>
+    <p:spTree>
+      <p:nvGrpSpPr>
+        <p:cNvPr id="205" name="Shape 205"/>
+        <p:cNvGrpSpPr/>
+        <p:nvPr/>
+      </p:nvGrpSpPr>
+      <p:grpSpPr>
+        <a:xfrm>
+          <a:off x="0" y="0"/>
+          <a:ext cx="0" cy="0"/>
+          <a:chOff x="0" y="0"/>
+          <a:chExt cx="0" cy="0"/>
+        </a:xfrm>
+      </p:grpSpPr>
+      <p:sp>
+        <p:nvSpPr>
+          <p:cNvPr id="206" name="Google Shape;206;p33"/>
+          <p:cNvSpPr txBox="1"/>
+          <p:nvPr>
+            <p:ph type="title"/>
+          </p:nvPr>
+        </p:nvSpPr>
+        <p:spPr>
+          <a:xfrm>
+            <a:off x="729450" y="1318650"/>
+            <a:ext cx="7688700" cy="535200"/>
+          </a:xfrm>
+          <a:prstGeom prst="rect">
+            <a:avLst/>
+          </a:prstGeom>
+        </p:spPr>
+        <p:txBody>
+          <a:bodyPr anchorCtr="0" anchor="t" bIns="91425" lIns="91425" spcFirstLastPara="1" rIns="91425" wrap="square" tIns="91425">
+            <a:normAutofit fontScale="90000"/>
+          </a:bodyPr>
+          <a:lstStyle/>
+          <a:p>
+            <a:pPr indent="0" lvl="0" marL="0" rtl="0" algn="l">
+              <a:spcBef>
+                <a:spcPts val="0"/>
+              </a:spcBef>
+              <a:spcAft>
+                <a:spcPts val="0"/>
+              </a:spcAft>
+              <a:buNone/>
+            </a:pPr>
+            <a:r>
+              <a:rPr lang="pl"/>
+              <a:t>Polityka reagowania na incydenty</a:t>
+            </a:r>
+            <a:endParaRPr/>
+          </a:p>
+        </p:txBody>
+      </p:sp>
+      <p:sp>
+        <p:nvSpPr>
+          <p:cNvPr id="207" name="Google Shape;207;p33"/>
+          <p:cNvSpPr txBox="1"/>
+          <p:nvPr>
+            <p:ph idx="1" type="body"/>
+          </p:nvPr>
+        </p:nvSpPr>
+        <p:spPr>
+          <a:xfrm>
+            <a:off x="729450" y="2078875"/>
+            <a:ext cx="7688700" cy="3025800"/>
+          </a:xfrm>
+          <a:prstGeom prst="rect">
+            <a:avLst/>
+          </a:prstGeom>
+        </p:spPr>
+        <p:txBody>
+          <a:bodyPr anchorCtr="0" anchor="t" bIns="91425" lIns="91425" spcFirstLastPara="1" rIns="91425" wrap="square" tIns="91425">
+            <a:normAutofit/>
+          </a:bodyPr>
+          <a:lstStyle/>
+          <a:p>
+            <a:pPr indent="0" lvl="0" marL="0" rtl="0" algn="l">
+              <a:spcBef>
+                <a:spcPts val="0"/>
+              </a:spcBef>
+              <a:spcAft>
+                <a:spcPts val="0"/>
+              </a:spcAft>
+              <a:buNone/>
+            </a:pPr>
+            <a:r>
+              <a:rPr lang="pl">
+                <a:solidFill>
+                  <a:schemeClr val="dk2"/>
+                </a:solidFill>
+                <a:latin typeface="Tahoma"/>
+                <a:ea typeface="Tahoma"/>
+                <a:cs typeface="Tahoma"/>
+                <a:sym typeface="Tahoma"/>
+              </a:rPr>
+              <a:t>Ta polityka określa, co robić, gdy </a:t>
+            </a:r>
+            <a:r>
+              <a:rPr b="1" lang="pl">
+                <a:solidFill>
+                  <a:schemeClr val="dk2"/>
+                </a:solidFill>
+                <a:latin typeface="Tahoma"/>
+                <a:ea typeface="Tahoma"/>
+                <a:cs typeface="Tahoma"/>
+                <a:sym typeface="Tahoma"/>
+              </a:rPr>
+              <a:t>dojdzie do ataku lub problemu z bezpieczeństwem</a:t>
+            </a:r>
+            <a:r>
+              <a:rPr lang="pl">
+                <a:solidFill>
+                  <a:schemeClr val="dk2"/>
+                </a:solidFill>
+                <a:latin typeface="Tahoma"/>
+                <a:ea typeface="Tahoma"/>
+                <a:cs typeface="Tahoma"/>
+                <a:sym typeface="Tahoma"/>
+              </a:rPr>
+              <a:t>.</a:t>
+            </a:r>
+            <a:endParaRPr>
+              <a:solidFill>
+                <a:schemeClr val="dk2"/>
+              </a:solidFill>
+              <a:latin typeface="Tahoma"/>
+              <a:ea typeface="Tahoma"/>
+              <a:cs typeface="Tahoma"/>
+              <a:sym typeface="Tahoma"/>
+            </a:endParaRPr>
+          </a:p>
+          <a:p>
+            <a:pPr indent="0" lvl="0" marL="0" rtl="0" algn="l">
+              <a:spcBef>
+                <a:spcPts val="0"/>
+              </a:spcBef>
+              <a:spcAft>
+                <a:spcPts val="0"/>
+              </a:spcAft>
+              <a:buNone/>
+            </a:pPr>
+            <a:br>
+              <a:rPr lang="pl">
+                <a:solidFill>
+                  <a:schemeClr val="dk2"/>
+                </a:solidFill>
+                <a:latin typeface="Tahoma"/>
+                <a:ea typeface="Tahoma"/>
+                <a:cs typeface="Tahoma"/>
+                <a:sym typeface="Tahoma"/>
+              </a:rPr>
+            </a:br>
+            <a:r>
+              <a:rPr lang="pl">
+                <a:solidFill>
+                  <a:schemeClr val="dk2"/>
+                </a:solidFill>
+                <a:latin typeface="Tahoma"/>
+                <a:ea typeface="Tahoma"/>
+                <a:cs typeface="Tahoma"/>
+                <a:sym typeface="Tahoma"/>
+              </a:rPr>
+              <a:t> Na przykład: kto ma zostać powiadomiony, jak zabezpieczyć dane i jak naprawić system.</a:t>
+            </a:r>
+            <a:endParaRPr>
+              <a:solidFill>
+                <a:schemeClr val="dk2"/>
+              </a:solidFill>
+              <a:latin typeface="Tahoma"/>
+              <a:ea typeface="Tahoma"/>
+              <a:cs typeface="Tahoma"/>
+              <a:sym typeface="Tahoma"/>
+            </a:endParaRPr>
+          </a:p>
+          <a:p>
+            <a:pPr indent="0" lvl="0" marL="0" rtl="0" algn="l">
+              <a:spcBef>
+                <a:spcPts val="0"/>
+              </a:spcBef>
+              <a:spcAft>
+                <a:spcPts val="0"/>
+              </a:spcAft>
+              <a:buNone/>
+            </a:pPr>
+            <a:br>
+              <a:rPr lang="pl">
+                <a:solidFill>
+                  <a:schemeClr val="dk2"/>
+                </a:solidFill>
+                <a:latin typeface="Tahoma"/>
+                <a:ea typeface="Tahoma"/>
+                <a:cs typeface="Tahoma"/>
+                <a:sym typeface="Tahoma"/>
+              </a:rPr>
+            </a:br>
+            <a:r>
+              <a:rPr lang="pl">
+                <a:solidFill>
+                  <a:schemeClr val="dk2"/>
+                </a:solidFill>
+                <a:latin typeface="Tahoma"/>
+                <a:ea typeface="Tahoma"/>
+                <a:cs typeface="Tahoma"/>
+                <a:sym typeface="Tahoma"/>
+              </a:rPr>
+              <a:t> Pomaga </a:t>
+            </a:r>
+            <a:r>
+              <a:rPr b="1" lang="pl">
+                <a:solidFill>
+                  <a:schemeClr val="dk2"/>
+                </a:solidFill>
+                <a:latin typeface="Tahoma"/>
+                <a:ea typeface="Tahoma"/>
+                <a:cs typeface="Tahoma"/>
+                <a:sym typeface="Tahoma"/>
+              </a:rPr>
+              <a:t>szybko zareagować, zanim szkody będą duże.</a:t>
+            </a:r>
+            <a:endParaRPr b="1">
+              <a:solidFill>
+                <a:schemeClr val="dk2"/>
+              </a:solidFill>
+              <a:latin typeface="Tahoma"/>
+              <a:ea typeface="Tahoma"/>
+              <a:cs typeface="Tahoma"/>
+              <a:sym typeface="Tahoma"/>
+            </a:endParaRPr>
+          </a:p>
+          <a:p>
+            <a:pPr indent="0" lvl="0" marL="0" rtl="0" algn="l">
+              <a:spcBef>
+                <a:spcPts val="0"/>
+              </a:spcBef>
+              <a:spcAft>
+                <a:spcPts val="0"/>
+              </a:spcAft>
+              <a:buNone/>
+            </a:pPr>
+            <a:br>
+              <a:rPr lang="pl">
+                <a:solidFill>
+                  <a:schemeClr val="dk2"/>
+                </a:solidFill>
+                <a:latin typeface="Tahoma"/>
+                <a:ea typeface="Tahoma"/>
+                <a:cs typeface="Tahoma"/>
+                <a:sym typeface="Tahoma"/>
+              </a:rPr>
+            </a:br>
+            <a:r>
+              <a:rPr lang="pl">
+                <a:solidFill>
+                  <a:schemeClr val="dk2"/>
+                </a:solidFill>
+                <a:latin typeface="Tahoma"/>
+                <a:ea typeface="Tahoma"/>
+                <a:cs typeface="Tahoma"/>
+                <a:sym typeface="Tahoma"/>
+              </a:rPr>
+              <a:t> W firmach często</a:t>
+            </a:r>
+            <a:r>
+              <a:rPr b="1" lang="pl">
+                <a:solidFill>
+                  <a:schemeClr val="dk2"/>
+                </a:solidFill>
+                <a:latin typeface="Tahoma"/>
+                <a:ea typeface="Tahoma"/>
+                <a:cs typeface="Tahoma"/>
+                <a:sym typeface="Tahoma"/>
+              </a:rPr>
+              <a:t> tworzy się specjalne zespoły reagowania (tzw. CERT lub SOC)</a:t>
+            </a:r>
+            <a:r>
+              <a:rPr lang="pl">
+                <a:solidFill>
+                  <a:schemeClr val="dk2"/>
+                </a:solidFill>
+                <a:latin typeface="Tahoma"/>
+                <a:ea typeface="Tahoma"/>
+                <a:cs typeface="Tahoma"/>
+                <a:sym typeface="Tahoma"/>
+              </a:rPr>
+              <a:t>.</a:t>
+            </a:r>
+            <a:endParaRPr>
+              <a:solidFill>
+                <a:schemeClr val="dk2"/>
+              </a:solidFill>
+              <a:latin typeface="Tahoma"/>
+              <a:ea typeface="Tahoma"/>
+              <a:cs typeface="Tahoma"/>
+              <a:sym typeface="Tahoma"/>
+            </a:endParaRPr>
+          </a:p>
+          <a:p>
+            <a:pPr indent="0" lvl="0" marL="0" rtl="0" algn="l">
+              <a:spcBef>
+                <a:spcPts val="0"/>
+              </a:spcBef>
+              <a:spcAft>
+                <a:spcPts val="0"/>
+              </a:spcAft>
+              <a:buNone/>
+            </a:pPr>
+            <a:br>
+              <a:rPr lang="pl">
+                <a:solidFill>
+                  <a:schemeClr val="dk2"/>
+                </a:solidFill>
+                <a:latin typeface="Tahoma"/>
+                <a:ea typeface="Tahoma"/>
+                <a:cs typeface="Tahoma"/>
+                <a:sym typeface="Tahoma"/>
+              </a:rPr>
+            </a:br>
+            <a:r>
+              <a:rPr lang="pl">
+                <a:solidFill>
+                  <a:schemeClr val="dk2"/>
+                </a:solidFill>
+                <a:latin typeface="Tahoma"/>
+                <a:ea typeface="Tahoma"/>
+                <a:cs typeface="Tahoma"/>
+                <a:sym typeface="Tahoma"/>
+              </a:rPr>
+              <a:t> Dzięki tej </a:t>
+            </a:r>
+            <a:r>
+              <a:rPr b="1" lang="pl">
+                <a:solidFill>
+                  <a:schemeClr val="dk2"/>
+                </a:solidFill>
+                <a:latin typeface="Tahoma"/>
+                <a:ea typeface="Tahoma"/>
+                <a:cs typeface="Tahoma"/>
+                <a:sym typeface="Tahoma"/>
+              </a:rPr>
+              <a:t>polityce każdy wie, jakie są jego obowiązki.</a:t>
+            </a:r>
+            <a:endParaRPr b="1">
+              <a:solidFill>
+                <a:schemeClr val="dk2"/>
+              </a:solidFill>
+              <a:latin typeface="Tahoma"/>
+              <a:ea typeface="Tahoma"/>
+              <a:cs typeface="Tahoma"/>
+              <a:sym typeface="Tahoma"/>
+            </a:endParaRPr>
+          </a:p>
+          <a:p>
+            <a:pPr indent="0" lvl="0" marL="0" rtl="0" algn="l">
+              <a:spcBef>
+                <a:spcPts val="0"/>
+              </a:spcBef>
+              <a:spcAft>
+                <a:spcPts val="0"/>
+              </a:spcAft>
+              <a:buNone/>
+            </a:pPr>
+            <a:br>
+              <a:rPr lang="pl">
+                <a:solidFill>
+                  <a:schemeClr val="dk2"/>
+                </a:solidFill>
+                <a:latin typeface="Tahoma"/>
+                <a:ea typeface="Tahoma"/>
+                <a:cs typeface="Tahoma"/>
+                <a:sym typeface="Tahoma"/>
+              </a:rPr>
+            </a:br>
+            <a:r>
+              <a:rPr lang="pl">
+                <a:solidFill>
+                  <a:schemeClr val="dk2"/>
+                </a:solidFill>
+                <a:latin typeface="Tahoma"/>
+                <a:ea typeface="Tahoma"/>
+                <a:cs typeface="Tahoma"/>
+                <a:sym typeface="Tahoma"/>
+              </a:rPr>
+              <a:t> To pozwala</a:t>
+            </a:r>
+            <a:r>
+              <a:rPr b="1" lang="pl">
+                <a:solidFill>
+                  <a:schemeClr val="dk2"/>
+                </a:solidFill>
+                <a:latin typeface="Tahoma"/>
+                <a:ea typeface="Tahoma"/>
+                <a:cs typeface="Tahoma"/>
+                <a:sym typeface="Tahoma"/>
+              </a:rPr>
+              <a:t> utrzymać spokój i porządek w sytuacjach kryzysowych</a:t>
+            </a:r>
+            <a:r>
+              <a:rPr lang="pl">
+                <a:solidFill>
+                  <a:schemeClr val="dk2"/>
+                </a:solidFill>
+                <a:latin typeface="Tahoma"/>
+                <a:ea typeface="Tahoma"/>
+                <a:cs typeface="Tahoma"/>
+                <a:sym typeface="Tahoma"/>
+              </a:rPr>
+              <a:t>.</a:t>
+            </a:r>
+            <a:endParaRPr>
+              <a:solidFill>
+                <a:schemeClr val="dk2"/>
+              </a:solidFill>
+              <a:latin typeface="Tahoma"/>
+              <a:ea typeface="Tahoma"/>
+              <a:cs typeface="Tahoma"/>
+              <a:sym typeface="Tahoma"/>
+            </a:endParaRPr>
+          </a:p>
+          <a:p>
+            <a:pPr indent="0" lvl="0" marL="0" rtl="0" algn="l">
+              <a:spcBef>
+                <a:spcPts val="0"/>
               </a:spcBef>
               <a:spcAft>
                 <a:spcPts val="1200"/>
@@ -12170,6 +18202,285 @@
 </file>
 
 <file path=ppt/theme/theme1.xml><?xml version="1.0" encoding="utf-8"?>
+<a:theme xmlns:a="http://schemas.openxmlformats.org/drawingml/2006/main" xmlns:r="http://schemas.openxmlformats.org/officeDocument/2006/relationships" name="Streamline">
+  <a:themeElements>
+    <a:clrScheme name="Streamline">
+      <a:dk1>
+        <a:srgbClr val="1A9988"/>
+      </a:dk1>
+      <a:lt1>
+        <a:srgbClr val="FFFFFF"/>
+      </a:lt1>
+      <a:dk2>
+        <a:srgbClr val="1A1A1A"/>
+      </a:dk2>
+      <a:lt2>
+        <a:srgbClr val="E9EDEE"/>
+      </a:lt2>
+      <a:accent1>
+        <a:srgbClr val="595959"/>
+      </a:accent1>
+      <a:accent2>
+        <a:srgbClr val="6AA4C8"/>
+      </a:accent2>
+      <a:accent3>
+        <a:srgbClr val="EB5600"/>
+      </a:accent3>
+      <a:accent4>
+        <a:srgbClr val="A2FFE8"/>
+      </a:accent4>
+      <a:accent5>
+        <a:srgbClr val="1C3678"/>
+      </a:accent5>
+      <a:accent6>
+        <a:srgbClr val="FFB8A2"/>
+      </a:accent6>
+      <a:hlink>
+        <a:srgbClr val="1C3678"/>
+      </a:hlink>
+      <a:folHlink>
+        <a:srgbClr val="1C3678"/>
+      </a:folHlink>
+    </a:clrScheme>
+    <a:fontScheme name="Office">
+      <a:majorFont>
+        <a:latin typeface="Arial"/>
+        <a:ea typeface=""/>
+        <a:cs typeface=""/>
+        <a:font script="Jpan" typeface="ＭＳ Ｐゴシック"/>
+        <a:font script="Hang" typeface="맑은 고딕"/>
+        <a:font script="Hans" typeface="宋体"/>
+        <a:font script="Hant" typeface="新細明體"/>
+        <a:font script="Arab" typeface="Times New Roman"/>
+        <a:font script="Hebr" typeface="Times New Roman"/>
+        <a:font script="Thai" typeface="Angsana New"/>
+        <a:font script="Ethi" typeface="Nyala"/>
+        <a:font script="Beng" typeface="Vrinda"/>
+        <a:font script="Gujr" typeface="Shruti"/>
+        <a:font script="Khmr" typeface="MoolBoran"/>
+        <a:font script="Knda" typeface="Tunga"/>
+        <a:font script="Guru" typeface="Raavi"/>
+        <a:font script="Cans" typeface="Euphemia"/>
+        <a:font script="Cher" typeface="Plantagenet Cherokee"/>
+        <a:font script="Yiii" typeface="Microsoft Yi Baiti"/>
+        <a:font script="Tibt" typeface="Microsoft Himalaya"/>
+        <a:font script="Thaa" typeface="MV Boli"/>
+        <a:font script="Deva" typeface="Mangal"/>
+        <a:font script="Telu" typeface="Gautami"/>
+        <a:font script="Taml" typeface="Latha"/>
+        <a:font script="Syrc" typeface="Estrangelo Edessa"/>
+        <a:font script="Orya" typeface="Kalinga"/>
+        <a:font script="Mlym" typeface="Kartika"/>
+        <a:font script="Laoo" typeface="DokChampa"/>
+        <a:font script="Sinh" typeface="Iskoola Pota"/>
+        <a:font script="Mong" typeface="Mongolian Baiti"/>
+        <a:font script="Viet" typeface="Times New Roman"/>
+        <a:font script="Uigh" typeface="Microsoft Uighur"/>
+        <a:font script="Geor" typeface="Sylfaen"/>
+      </a:majorFont>
+      <a:minorFont>
+        <a:latin typeface="Arial"/>
+        <a:ea typeface=""/>
+        <a:cs typeface=""/>
+        <a:font script="Jpan" typeface="ＭＳ Ｐゴシック"/>
+        <a:font script="Hang" typeface="맑은 고딕"/>
+        <a:font script="Hans" typeface="宋体"/>
+        <a:font script="Hant" typeface="新細明體"/>
+        <a:font script="Arab" typeface="Arial"/>
+        <a:font script="Hebr" typeface="Arial"/>
+        <a:font script="Thai" typeface="Cordia New"/>
+        <a:font script="Ethi" typeface="Nyala"/>
+        <a:font script="Beng" typeface="Vrinda"/>
+        <a:font script="Gujr" typeface="Shruti"/>
+        <a:font script="Khmr" typeface="DaunPenh"/>
+        <a:font script="Knda" typeface="Tunga"/>
+        <a:font script="Guru" typeface="Raavi"/>
+        <a:font script="Cans" typeface="Euphemia"/>
+        <a:font script="Cher" typeface="Plantagenet Cherokee"/>
+        <a:font script="Yiii" typeface="Microsoft Yi Baiti"/>
+        <a:font script="Tibt" typeface="Microsoft Himalaya"/>
+        <a:font script="Thaa" typeface="MV Boli"/>
+        <a:font script="Deva" typeface="Mangal"/>
+        <a:font script="Telu" typeface="Gautami"/>
+        <a:font script="Taml" typeface="Latha"/>
+        <a:font script="Syrc" typeface="Estrangelo Edessa"/>
+        <a:font script="Orya" typeface="Kalinga"/>
+        <a:font script="Mlym" typeface="Kartika"/>
+        <a:font script="Laoo" typeface="DokChampa"/>
+        <a:font script="Sinh" typeface="Iskoola Pota"/>
+        <a:font script="Mong" typeface="Mongolian Baiti"/>
+        <a:font script="Viet" typeface="Arial"/>
+        <a:font script="Uigh" typeface="Microsoft Uighur"/>
+        <a:font script="Geor" typeface="Sylfaen"/>
+      </a:minorFont>
+    </a:fontScheme>
+    <a:fmtScheme name="Office">
+      <a:fillStyleLst>
+        <a:solidFill>
+          <a:schemeClr val="phClr"/>
+        </a:solidFill>
+        <a:gradFill rotWithShape="1">
+          <a:gsLst>
+            <a:gs pos="0">
+              <a:schemeClr val="phClr">
+                <a:tint val="50000"/>
+                <a:satMod val="300000"/>
+              </a:schemeClr>
+            </a:gs>
+            <a:gs pos="35000">
+              <a:schemeClr val="phClr">
+                <a:tint val="37000"/>
+                <a:satMod val="300000"/>
+              </a:schemeClr>
+            </a:gs>
+            <a:gs pos="100000">
+              <a:schemeClr val="phClr">
+                <a:tint val="15000"/>
+                <a:satMod val="350000"/>
+              </a:schemeClr>
+            </a:gs>
+          </a:gsLst>
+          <a:lin ang="16200000" scaled="1"/>
+        </a:gradFill>
+        <a:gradFill rotWithShape="1">
+          <a:gsLst>
+            <a:gs pos="0">
+              <a:schemeClr val="phClr">
+                <a:tint val="100000"/>
+                <a:shade val="100000"/>
+                <a:satMod val="130000"/>
+              </a:schemeClr>
+            </a:gs>
+            <a:gs pos="100000">
+              <a:schemeClr val="phClr">
+                <a:tint val="50000"/>
+                <a:shade val="100000"/>
+                <a:satMod val="350000"/>
+              </a:schemeClr>
+            </a:gs>
+          </a:gsLst>
+          <a:lin ang="16200000" scaled="0"/>
+        </a:gradFill>
+      </a:fillStyleLst>
+      <a:lnStyleLst>
+        <a:ln w="9525" cap="flat" cmpd="sng" algn="ctr">
+          <a:solidFill>
+            <a:schemeClr val="phClr">
+              <a:shade val="95000"/>
+              <a:satMod val="105000"/>
+            </a:schemeClr>
+          </a:solidFill>
+          <a:prstDash val="solid"/>
+        </a:ln>
+        <a:ln w="25400" cap="flat" cmpd="sng" algn="ctr">
+          <a:solidFill>
+            <a:schemeClr val="phClr"/>
+          </a:solidFill>
+          <a:prstDash val="solid"/>
+        </a:ln>
+        <a:ln w="38100" cap="flat" cmpd="sng" algn="ctr">
+          <a:solidFill>
+            <a:schemeClr val="phClr"/>
+          </a:solidFill>
+          <a:prstDash val="solid"/>
+        </a:ln>
+      </a:lnStyleLst>
+      <a:effectStyleLst>
+        <a:effectStyle>
+          <a:effectLst>
+            <a:outerShdw blurRad="40000" dist="20000" dir="5400000" rotWithShape="0">
+              <a:srgbClr val="000000">
+                <a:alpha val="38000"/>
+              </a:srgbClr>
+            </a:outerShdw>
+          </a:effectLst>
+        </a:effectStyle>
+        <a:effectStyle>
+          <a:effectLst>
+            <a:outerShdw blurRad="40000" dist="23000" dir="5400000" rotWithShape="0">
+              <a:srgbClr val="000000">
+                <a:alpha val="35000"/>
+              </a:srgbClr>
+            </a:outerShdw>
+          </a:effectLst>
+        </a:effectStyle>
+        <a:effectStyle>
+          <a:effectLst>
+            <a:outerShdw blurRad="40000" dist="23000" dir="5400000" rotWithShape="0">
+              <a:srgbClr val="000000">
+                <a:alpha val="35000"/>
+              </a:srgbClr>
+            </a:outerShdw>
+          </a:effectLst>
+          <a:scene3d>
+            <a:camera prst="orthographicFront">
+              <a:rot lat="0" lon="0" rev="0"/>
+            </a:camera>
+            <a:lightRig rig="threePt" dir="t">
+              <a:rot lat="0" lon="0" rev="1200000"/>
+            </a:lightRig>
+          </a:scene3d>
+          <a:sp3d>
+            <a:bevelT w="63500" h="25400"/>
+          </a:sp3d>
+        </a:effectStyle>
+      </a:effectStyleLst>
+      <a:bgFillStyleLst>
+        <a:solidFill>
+          <a:schemeClr val="phClr"/>
+        </a:solidFill>
+        <a:gradFill rotWithShape="1">
+          <a:gsLst>
+            <a:gs pos="0">
+              <a:schemeClr val="phClr">
+                <a:tint val="40000"/>
+                <a:satMod val="350000"/>
+              </a:schemeClr>
+            </a:gs>
+            <a:gs pos="40000">
+              <a:schemeClr val="phClr">
+                <a:tint val="45000"/>
+                <a:shade val="99000"/>
+                <a:satMod val="350000"/>
+              </a:schemeClr>
+            </a:gs>
+            <a:gs pos="100000">
+              <a:schemeClr val="phClr">
+                <a:shade val="20000"/>
+                <a:satMod val="255000"/>
+              </a:schemeClr>
+            </a:gs>
+          </a:gsLst>
+          <a:path path="circle">
+            <a:fillToRect l="50000" t="-80000" r="50000" b="180000"/>
+          </a:path>
+        </a:gradFill>
+        <a:gradFill rotWithShape="1">
+          <a:gsLst>
+            <a:gs pos="0">
+              <a:schemeClr val="phClr">
+                <a:tint val="80000"/>
+                <a:satMod val="300000"/>
+              </a:schemeClr>
+            </a:gs>
+            <a:gs pos="100000">
+              <a:schemeClr val="phClr">
+                <a:shade val="30000"/>
+                <a:satMod val="200000"/>
+              </a:schemeClr>
+            </a:gs>
+          </a:gsLst>
+          <a:path path="circle">
+            <a:fillToRect l="50000" t="50000" r="50000" b="50000"/>
+          </a:path>
+        </a:gradFill>
+      </a:bgFillStyleLst>
+    </a:fmtScheme>
+  </a:themeElements>
+</a:theme>
+</file>
+
+<file path=ppt/theme/theme2.xml><?xml version="1.0" encoding="utf-8"?>
 <a:theme xmlns:a="http://schemas.openxmlformats.org/drawingml/2006/main" xmlns:r="http://schemas.openxmlformats.org/officeDocument/2006/relationships">
   <a:themeElements>
     <a:clrScheme name="Default">
@@ -12446,283 +18757,4 @@
     </a:fmtScheme>
   </a:themeElements>
 </a:theme>
-</file>
-
-<file path=ppt/theme/theme2.xml><?xml version="1.0" encoding="utf-8"?>
-<a:theme xmlns:a="http://schemas.openxmlformats.org/drawingml/2006/main" xmlns:r="http://schemas.openxmlformats.org/officeDocument/2006/relationships" name="Streamline">
-  <a:themeElements>
-    <a:clrScheme name="Streamline">
-      <a:dk1>
-        <a:srgbClr val="1A9988"/>
-      </a:dk1>
-      <a:lt1>
-        <a:srgbClr val="FFFFFF"/>
-      </a:lt1>
-      <a:dk2>
-        <a:srgbClr val="1A1A1A"/>
-      </a:dk2>
-      <a:lt2>
-        <a:srgbClr val="E9EDEE"/>
-      </a:lt2>
-      <a:accent1>
-        <a:srgbClr val="595959"/>
-      </a:accent1>
-      <a:accent2>
-        <a:srgbClr val="6AA4C8"/>
-      </a:accent2>
-      <a:accent3>
-        <a:srgbClr val="EB5600"/>
-      </a:accent3>
-      <a:accent4>
-        <a:srgbClr val="A2FFE8"/>
-      </a:accent4>
-      <a:accent5>
-        <a:srgbClr val="1C3678"/>
-      </a:accent5>
-      <a:accent6>
-        <a:srgbClr val="FFB8A2"/>
-      </a:accent6>
-      <a:hlink>
-        <a:srgbClr val="1C3678"/>
-      </a:hlink>
-      <a:folHlink>
-        <a:srgbClr val="1C3678"/>
-      </a:folHlink>
-    </a:clrScheme>
-    <a:fontScheme name="Office">
-      <a:majorFont>
-        <a:latin typeface="Arial"/>
-        <a:ea typeface=""/>
-        <a:cs typeface=""/>
-        <a:font script="Jpan" typeface="ＭＳ Ｐゴシック"/>
-        <a:font script="Hang" typeface="맑은 고딕"/>
-        <a:font script="Hans" typeface="宋体"/>
-        <a:font script="Hant" typeface="新細明體"/>
-        <a:font script="Arab" typeface="Times New Roman"/>
-        <a:font script="Hebr" typeface="Times New Roman"/>
-        <a:font script="Thai" typeface="Angsana New"/>
-        <a:font script="Ethi" typeface="Nyala"/>
-        <a:font script="Beng" typeface="Vrinda"/>
-        <a:font script="Gujr" typeface="Shruti"/>
-        <a:font script="Khmr" typeface="MoolBoran"/>
-        <a:font script="Knda" typeface="Tunga"/>
-        <a:font script="Guru" typeface="Raavi"/>
-        <a:font script="Cans" typeface="Euphemia"/>
-        <a:font script="Cher" typeface="Plantagenet Cherokee"/>
-        <a:font script="Yiii" typeface="Microsoft Yi Baiti"/>
-        <a:font script="Tibt" typeface="Microsoft Himalaya"/>
-        <a:font script="Thaa" typeface="MV Boli"/>
-        <a:font script="Deva" typeface="Mangal"/>
-        <a:font script="Telu" typeface="Gautami"/>
-        <a:font script="Taml" typeface="Latha"/>
-        <a:font script="Syrc" typeface="Estrangelo Edessa"/>
-        <a:font script="Orya" typeface="Kalinga"/>
-        <a:font script="Mlym" typeface="Kartika"/>
-        <a:font script="Laoo" typeface="DokChampa"/>
-        <a:font script="Sinh" typeface="Iskoola Pota"/>
-        <a:font script="Mong" typeface="Mongolian Baiti"/>
-        <a:font script="Viet" typeface="Times New Roman"/>
-        <a:font script="Uigh" typeface="Microsoft Uighur"/>
-        <a:font script="Geor" typeface="Sylfaen"/>
-      </a:majorFont>
-      <a:minorFont>
-        <a:latin typeface="Arial"/>
-        <a:ea typeface=""/>
-        <a:cs typeface=""/>
-        <a:font script="Jpan" typeface="ＭＳ Ｐゴシック"/>
-        <a:font script="Hang" typeface="맑은 고딕"/>
-        <a:font script="Hans" typeface="宋体"/>
-        <a:font script="Hant" typeface="新細明體"/>
-        <a:font script="Arab" typeface="Arial"/>
-        <a:font script="Hebr" typeface="Arial"/>
-        <a:font script="Thai" typeface="Cordia New"/>
-        <a:font script="Ethi" typeface="Nyala"/>
-        <a:font script="Beng" typeface="Vrinda"/>
-        <a:font script="Gujr" typeface="Shruti"/>
-        <a:font script="Khmr" typeface="DaunPenh"/>
-        <a:font script="Knda" typeface="Tunga"/>
-        <a:font script="Guru" typeface="Raavi"/>
-        <a:font script="Cans" typeface="Euphemia"/>
-        <a:font script="Cher" typeface="Plantagenet Cherokee"/>
-        <a:font script="Yiii" typeface="Microsoft Yi Baiti"/>
-        <a:font script="Tibt" typeface="Microsoft Himalaya"/>
-        <a:font script="Thaa" typeface="MV Boli"/>
-        <a:font script="Deva" typeface="Mangal"/>
-        <a:font script="Telu" typeface="Gautami"/>
-        <a:font script="Taml" typeface="Latha"/>
-        <a:font script="Syrc" typeface="Estrangelo Edessa"/>
-        <a:font script="Orya" typeface="Kalinga"/>
-        <a:font script="Mlym" typeface="Kartika"/>
-        <a:font script="Laoo" typeface="DokChampa"/>
-        <a:font script="Sinh" typeface="Iskoola Pota"/>
-        <a:font script="Mong" typeface="Mongolian Baiti"/>
-        <a:font script="Viet" typeface="Arial"/>
-        <a:font script="Uigh" typeface="Microsoft Uighur"/>
-        <a:font script="Geor" typeface="Sylfaen"/>
-      </a:minorFont>
-    </a:fontScheme>
-    <a:fmtScheme name="Office">
-      <a:fillStyleLst>
-        <a:solidFill>
-          <a:schemeClr val="phClr"/>
-        </a:solidFill>
-        <a:gradFill rotWithShape="1">
-          <a:gsLst>
-            <a:gs pos="0">
-              <a:schemeClr val="phClr">
-                <a:tint val="50000"/>
-                <a:satMod val="300000"/>
-              </a:schemeClr>
-            </a:gs>
-            <a:gs pos="35000">
-              <a:schemeClr val="phClr">
-                <a:tint val="37000"/>
-                <a:satMod val="300000"/>
-              </a:schemeClr>
-            </a:gs>
-            <a:gs pos="100000">
-              <a:schemeClr val="phClr">
-                <a:tint val="15000"/>
-                <a:satMod val="350000"/>
-              </a:schemeClr>
-            </a:gs>
-          </a:gsLst>
-          <a:lin ang="16200000" scaled="1"/>
-        </a:gradFill>
-        <a:gradFill rotWithShape="1">
-          <a:gsLst>
-            <a:gs pos="0">
-              <a:schemeClr val="phClr">
-                <a:tint val="100000"/>
-                <a:shade val="100000"/>
-                <a:satMod val="130000"/>
-              </a:schemeClr>
-            </a:gs>
-            <a:gs pos="100000">
-              <a:schemeClr val="phClr">
-                <a:tint val="50000"/>
-                <a:shade val="100000"/>
-                <a:satMod val="350000"/>
-              </a:schemeClr>
-            </a:gs>
-          </a:gsLst>
-          <a:lin ang="16200000" scaled="0"/>
-        </a:gradFill>
-      </a:fillStyleLst>
-      <a:lnStyleLst>
-        <a:ln w="9525" cap="flat" cmpd="sng" algn="ctr">
-          <a:solidFill>
-            <a:schemeClr val="phClr">
-              <a:shade val="95000"/>
-              <a:satMod val="105000"/>
-            </a:schemeClr>
-          </a:solidFill>
-          <a:prstDash val="solid"/>
-        </a:ln>
-        <a:ln w="25400" cap="flat" cmpd="sng" algn="ctr">
-          <a:solidFill>
-            <a:schemeClr val="phClr"/>
-          </a:solidFill>
-          <a:prstDash val="solid"/>
-        </a:ln>
-        <a:ln w="38100" cap="flat" cmpd="sng" algn="ctr">
-          <a:solidFill>
-            <a:schemeClr val="phClr"/>
-          </a:solidFill>
-          <a:prstDash val="solid"/>
-        </a:ln>
-      </a:lnStyleLst>
-      <a:effectStyleLst>
-        <a:effectStyle>
-          <a:effectLst>
-            <a:outerShdw blurRad="40000" dist="20000" dir="5400000" rotWithShape="0">
-              <a:srgbClr val="000000">
-                <a:alpha val="38000"/>
-              </a:srgbClr>
-            </a:outerShdw>
-          </a:effectLst>
-        </a:effectStyle>
-        <a:effectStyle>
-          <a:effectLst>
-            <a:outerShdw blurRad="40000" dist="23000" dir="5400000" rotWithShape="0">
-              <a:srgbClr val="000000">
-                <a:alpha val="35000"/>
-              </a:srgbClr>
-            </a:outerShdw>
-          </a:effectLst>
-        </a:effectStyle>
-        <a:effectStyle>
-          <a:effectLst>
-            <a:outerShdw blurRad="40000" dist="23000" dir="5400000" rotWithShape="0">
-              <a:srgbClr val="000000">
-                <a:alpha val="35000"/>
-              </a:srgbClr>
-            </a:outerShdw>
-          </a:effectLst>
-          <a:scene3d>
-            <a:camera prst="orthographicFront">
-              <a:rot lat="0" lon="0" rev="0"/>
-            </a:camera>
-            <a:lightRig rig="threePt" dir="t">
-              <a:rot lat="0" lon="0" rev="1200000"/>
-            </a:lightRig>
-          </a:scene3d>
-          <a:sp3d>
-            <a:bevelT w="63500" h="25400"/>
-          </a:sp3d>
-        </a:effectStyle>
-      </a:effectStyleLst>
-      <a:bgFillStyleLst>
-        <a:solidFill>
-          <a:schemeClr val="phClr"/>
-        </a:solidFill>
-        <a:gradFill rotWithShape="1">
-          <a:gsLst>
-            <a:gs pos="0">
-              <a:schemeClr val="phClr">
-                <a:tint val="40000"/>
-                <a:satMod val="350000"/>
-              </a:schemeClr>
-            </a:gs>
-            <a:gs pos="40000">
-              <a:schemeClr val="phClr">
-                <a:tint val="45000"/>
-                <a:shade val="99000"/>
-                <a:satMod val="350000"/>
-              </a:schemeClr>
-            </a:gs>
-            <a:gs pos="100000">
-              <a:schemeClr val="phClr">
-                <a:shade val="20000"/>
-                <a:satMod val="255000"/>
-              </a:schemeClr>
-            </a:gs>
-          </a:gsLst>
-          <a:path path="circle">
-            <a:fillToRect l="50000" t="-80000" r="50000" b="180000"/>
-          </a:path>
-        </a:gradFill>
-        <a:gradFill rotWithShape="1">
-          <a:gsLst>
-            <a:gs pos="0">
-              <a:schemeClr val="phClr">
-                <a:tint val="80000"/>
-                <a:satMod val="300000"/>
-              </a:schemeClr>
-            </a:gs>
-            <a:gs pos="100000">
-              <a:schemeClr val="phClr">
-                <a:shade val="30000"/>
-                <a:satMod val="200000"/>
-              </a:schemeClr>
-            </a:gs>
-          </a:gsLst>
-          <a:path path="circle">
-            <a:fillToRect l="50000" t="50000" r="50000" b="50000"/>
-          </a:path>
-        </a:gradFill>
-      </a:bgFillStyleLst>
-    </a:fmtScheme>
-  </a:themeElements>
-</a:theme>
 </file>
--- a/ZASTOSOWANIE_INFORMATYKI/1A-gr_2/Zastosowanie informatyki - 1A gr. 2-plik2.pptx
+++ b/ZASTOSOWANIE_INFORMATYKI/1A-gr_2/Zastosowanie informatyki - 1A gr. 2-plik2.pptx
@@ -29,28 +29,34 @@
     <p:sldId id="274" r:id="rId24"/>
     <p:sldId id="275" r:id="rId25"/>
     <p:sldId id="276" r:id="rId26"/>
+    <p:sldId id="277" r:id="rId27"/>
+    <p:sldId id="278" r:id="rId28"/>
+    <p:sldId id="279" r:id="rId29"/>
+    <p:sldId id="280" r:id="rId30"/>
+    <p:sldId id="281" r:id="rId31"/>
+    <p:sldId id="282" r:id="rId32"/>
   </p:sldIdLst>
   <p:sldSz cy="5143500" cx="9144000"/>
   <p:notesSz cx="6858000" cy="9144000"/>
   <p:embeddedFontLst>
     <p:embeddedFont>
       <p:font typeface="Raleway"/>
-      <p:regular r:id="rId27"/>
-      <p:bold r:id="rId28"/>
-      <p:italic r:id="rId29"/>
-      <p:boldItalic r:id="rId30"/>
+      <p:regular r:id="rId33"/>
+      <p:bold r:id="rId34"/>
+      <p:italic r:id="rId35"/>
+      <p:boldItalic r:id="rId36"/>
     </p:embeddedFont>
     <p:embeddedFont>
       <p:font typeface="Lato"/>
-      <p:regular r:id="rId31"/>
-      <p:bold r:id="rId32"/>
-      <p:italic r:id="rId33"/>
-      <p:boldItalic r:id="rId34"/>
+      <p:regular r:id="rId37"/>
+      <p:bold r:id="rId38"/>
+      <p:italic r:id="rId39"/>
+      <p:boldItalic r:id="rId40"/>
     </p:embeddedFont>
     <p:embeddedFont>
       <p:font typeface="Tahoma"/>
-      <p:regular r:id="rId35"/>
-      <p:bold r:id="rId36"/>
+      <p:regular r:id="rId41"/>
+      <p:bold r:id="rId42"/>
     </p:embeddedFont>
   </p:embeddedFontLst>
   <p:defaultTextStyle>
@@ -2069,6 +2075,600 @@
       <p:sp>
         <p:nvSpPr>
           <p:cNvPr id="204" name="Google Shape;204;g36fbc4a1c57_0_82:notes"/>
+          <p:cNvSpPr txBox="1"/>
+          <p:nvPr>
+            <p:ph idx="1" type="body"/>
+          </p:nvPr>
+        </p:nvSpPr>
+        <p:spPr>
+          <a:xfrm>
+            <a:off x="685800" y="4343400"/>
+            <a:ext cx="5486400" cy="4114800"/>
+          </a:xfrm>
+          <a:prstGeom prst="rect">
+            <a:avLst/>
+          </a:prstGeom>
+        </p:spPr>
+        <p:txBody>
+          <a:bodyPr anchorCtr="0" anchor="t" bIns="91425" lIns="91425" spcFirstLastPara="1" rIns="91425" wrap="square" tIns="91425">
+            <a:noAutofit/>
+          </a:bodyPr>
+          <a:lstStyle/>
+          <a:p>
+            <a:pPr indent="0" lvl="0" marL="0" rtl="0" algn="l">
+              <a:spcBef>
+                <a:spcPts val="0"/>
+              </a:spcBef>
+              <a:spcAft>
+                <a:spcPts val="0"/>
+              </a:spcAft>
+              <a:buNone/>
+            </a:pPr>
+            <a:r>
+              <a:t/>
+            </a:r>
+            <a:endParaRPr/>
+          </a:p>
+        </p:txBody>
+      </p:sp>
+    </p:spTree>
+  </p:cSld>
+  <p:clrMapOvr>
+    <a:masterClrMapping/>
+  </p:clrMapOvr>
+</p:notes>
+</file>
+
+<file path=ppt/notesSlides/notesSlide22.xml><?xml version="1.0" encoding="utf-8"?>
+<p:notes xmlns:a="http://schemas.openxmlformats.org/drawingml/2006/main" xmlns:r="http://schemas.openxmlformats.org/officeDocument/2006/relationships" xmlns:mc="http://schemas.openxmlformats.org/markup-compatibility/2006" xmlns:mv="urn:schemas-microsoft-com:mac:vml" xmlns:p="http://schemas.openxmlformats.org/presentationml/2006/main" xmlns:c="http://schemas.openxmlformats.org/drawingml/2006/chart" xmlns:dgm="http://schemas.openxmlformats.org/drawingml/2006/diagram" xmlns:o="urn:schemas-microsoft-com:office:office" xmlns:v="urn:schemas-microsoft-com:vml" xmlns:pvml="urn:schemas-microsoft-com:office:powerpoint" xmlns:com="http://schemas.openxmlformats.org/drawingml/2006/compatibility" xmlns:p14="http://schemas.microsoft.com/office/powerpoint/2010/main" xmlns:p15="http://schemas.microsoft.com/office/powerpoint/2012/main" xmlns:ahyp="http://schemas.microsoft.com/office/drawing/2018/hyperlinkcolor" showMasterPhAnim="0" showMasterSp="0">
+  <p:cSld>
+    <p:spTree>
+      <p:nvGrpSpPr>
+        <p:cNvPr id="208" name="Shape 208"/>
+        <p:cNvGrpSpPr/>
+        <p:nvPr/>
+      </p:nvGrpSpPr>
+      <p:grpSpPr>
+        <a:xfrm>
+          <a:off x="0" y="0"/>
+          <a:ext cx="0" cy="0"/>
+          <a:chOff x="0" y="0"/>
+          <a:chExt cx="0" cy="0"/>
+        </a:xfrm>
+      </p:grpSpPr>
+      <p:sp>
+        <p:nvSpPr>
+          <p:cNvPr id="209" name="Google Shape;209;g3a12cefa159_0_0:notes"/>
+          <p:cNvSpPr/>
+          <p:nvPr>
+            <p:ph idx="2" type="sldImg"/>
+          </p:nvPr>
+        </p:nvSpPr>
+        <p:spPr>
+          <a:xfrm>
+            <a:off x="381300" y="685800"/>
+            <a:ext cx="6096000" cy="3429000"/>
+          </a:xfrm>
+          <a:custGeom>
+            <a:rect b="b" l="l" r="r" t="t"/>
+            <a:pathLst>
+              <a:path extrusionOk="0" h="120000" w="120000">
+                <a:moveTo>
+                  <a:pt x="0" y="0"/>
+                </a:moveTo>
+                <a:lnTo>
+                  <a:pt x="120000" y="0"/>
+                </a:lnTo>
+                <a:lnTo>
+                  <a:pt x="120000" y="120000"/>
+                </a:lnTo>
+                <a:lnTo>
+                  <a:pt x="0" y="120000"/>
+                </a:lnTo>
+                <a:close/>
+              </a:path>
+            </a:pathLst>
+          </a:custGeom>
+        </p:spPr>
+      </p:sp>
+      <p:sp>
+        <p:nvSpPr>
+          <p:cNvPr id="210" name="Google Shape;210;g3a12cefa159_0_0:notes"/>
+          <p:cNvSpPr txBox="1"/>
+          <p:nvPr>
+            <p:ph idx="1" type="body"/>
+          </p:nvPr>
+        </p:nvSpPr>
+        <p:spPr>
+          <a:xfrm>
+            <a:off x="685800" y="4343400"/>
+            <a:ext cx="5486400" cy="4114800"/>
+          </a:xfrm>
+          <a:prstGeom prst="rect">
+            <a:avLst/>
+          </a:prstGeom>
+        </p:spPr>
+        <p:txBody>
+          <a:bodyPr anchorCtr="0" anchor="t" bIns="91425" lIns="91425" spcFirstLastPara="1" rIns="91425" wrap="square" tIns="91425">
+            <a:noAutofit/>
+          </a:bodyPr>
+          <a:lstStyle/>
+          <a:p>
+            <a:pPr indent="0" lvl="0" marL="0" rtl="0" algn="l">
+              <a:spcBef>
+                <a:spcPts val="0"/>
+              </a:spcBef>
+              <a:spcAft>
+                <a:spcPts val="0"/>
+              </a:spcAft>
+              <a:buNone/>
+            </a:pPr>
+            <a:r>
+              <a:t/>
+            </a:r>
+            <a:endParaRPr/>
+          </a:p>
+        </p:txBody>
+      </p:sp>
+    </p:spTree>
+  </p:cSld>
+  <p:clrMapOvr>
+    <a:masterClrMapping/>
+  </p:clrMapOvr>
+</p:notes>
+</file>
+
+<file path=ppt/notesSlides/notesSlide23.xml><?xml version="1.0" encoding="utf-8"?>
+<p:notes xmlns:a="http://schemas.openxmlformats.org/drawingml/2006/main" xmlns:r="http://schemas.openxmlformats.org/officeDocument/2006/relationships" xmlns:mc="http://schemas.openxmlformats.org/markup-compatibility/2006" xmlns:mv="urn:schemas-microsoft-com:mac:vml" xmlns:p="http://schemas.openxmlformats.org/presentationml/2006/main" xmlns:c="http://schemas.openxmlformats.org/drawingml/2006/chart" xmlns:dgm="http://schemas.openxmlformats.org/drawingml/2006/diagram" xmlns:o="urn:schemas-microsoft-com:office:office" xmlns:v="urn:schemas-microsoft-com:vml" xmlns:pvml="urn:schemas-microsoft-com:office:powerpoint" xmlns:com="http://schemas.openxmlformats.org/drawingml/2006/compatibility" xmlns:p14="http://schemas.microsoft.com/office/powerpoint/2010/main" xmlns:p15="http://schemas.microsoft.com/office/powerpoint/2012/main" xmlns:ahyp="http://schemas.microsoft.com/office/drawing/2018/hyperlinkcolor" showMasterPhAnim="0" showMasterSp="0">
+  <p:cSld>
+    <p:spTree>
+      <p:nvGrpSpPr>
+        <p:cNvPr id="214" name="Shape 214"/>
+        <p:cNvGrpSpPr/>
+        <p:nvPr/>
+      </p:nvGrpSpPr>
+      <p:grpSpPr>
+        <a:xfrm>
+          <a:off x="0" y="0"/>
+          <a:ext cx="0" cy="0"/>
+          <a:chOff x="0" y="0"/>
+          <a:chExt cx="0" cy="0"/>
+        </a:xfrm>
+      </p:grpSpPr>
+      <p:sp>
+        <p:nvSpPr>
+          <p:cNvPr id="215" name="Google Shape;215;g3a12cefa159_0_7:notes"/>
+          <p:cNvSpPr/>
+          <p:nvPr>
+            <p:ph idx="2" type="sldImg"/>
+          </p:nvPr>
+        </p:nvSpPr>
+        <p:spPr>
+          <a:xfrm>
+            <a:off x="381300" y="685800"/>
+            <a:ext cx="6096000" cy="3429000"/>
+          </a:xfrm>
+          <a:custGeom>
+            <a:rect b="b" l="l" r="r" t="t"/>
+            <a:pathLst>
+              <a:path extrusionOk="0" h="120000" w="120000">
+                <a:moveTo>
+                  <a:pt x="0" y="0"/>
+                </a:moveTo>
+                <a:lnTo>
+                  <a:pt x="120000" y="0"/>
+                </a:lnTo>
+                <a:lnTo>
+                  <a:pt x="120000" y="120000"/>
+                </a:lnTo>
+                <a:lnTo>
+                  <a:pt x="0" y="120000"/>
+                </a:lnTo>
+                <a:close/>
+              </a:path>
+            </a:pathLst>
+          </a:custGeom>
+        </p:spPr>
+      </p:sp>
+      <p:sp>
+        <p:nvSpPr>
+          <p:cNvPr id="216" name="Google Shape;216;g3a12cefa159_0_7:notes"/>
+          <p:cNvSpPr txBox="1"/>
+          <p:nvPr>
+            <p:ph idx="1" type="body"/>
+          </p:nvPr>
+        </p:nvSpPr>
+        <p:spPr>
+          <a:xfrm>
+            <a:off x="685800" y="4343400"/>
+            <a:ext cx="5486400" cy="4114800"/>
+          </a:xfrm>
+          <a:prstGeom prst="rect">
+            <a:avLst/>
+          </a:prstGeom>
+        </p:spPr>
+        <p:txBody>
+          <a:bodyPr anchorCtr="0" anchor="t" bIns="91425" lIns="91425" spcFirstLastPara="1" rIns="91425" wrap="square" tIns="91425">
+            <a:noAutofit/>
+          </a:bodyPr>
+          <a:lstStyle/>
+          <a:p>
+            <a:pPr indent="0" lvl="0" marL="0" rtl="0" algn="l">
+              <a:spcBef>
+                <a:spcPts val="0"/>
+              </a:spcBef>
+              <a:spcAft>
+                <a:spcPts val="0"/>
+              </a:spcAft>
+              <a:buNone/>
+            </a:pPr>
+            <a:r>
+              <a:t/>
+            </a:r>
+            <a:endParaRPr/>
+          </a:p>
+        </p:txBody>
+      </p:sp>
+    </p:spTree>
+  </p:cSld>
+  <p:clrMapOvr>
+    <a:masterClrMapping/>
+  </p:clrMapOvr>
+</p:notes>
+</file>
+
+<file path=ppt/notesSlides/notesSlide24.xml><?xml version="1.0" encoding="utf-8"?>
+<p:notes xmlns:a="http://schemas.openxmlformats.org/drawingml/2006/main" xmlns:r="http://schemas.openxmlformats.org/officeDocument/2006/relationships" xmlns:mc="http://schemas.openxmlformats.org/markup-compatibility/2006" xmlns:mv="urn:schemas-microsoft-com:mac:vml" xmlns:p="http://schemas.openxmlformats.org/presentationml/2006/main" xmlns:c="http://schemas.openxmlformats.org/drawingml/2006/chart" xmlns:dgm="http://schemas.openxmlformats.org/drawingml/2006/diagram" xmlns:o="urn:schemas-microsoft-com:office:office" xmlns:v="urn:schemas-microsoft-com:vml" xmlns:pvml="urn:schemas-microsoft-com:office:powerpoint" xmlns:com="http://schemas.openxmlformats.org/drawingml/2006/compatibility" xmlns:p14="http://schemas.microsoft.com/office/powerpoint/2010/main" xmlns:p15="http://schemas.microsoft.com/office/powerpoint/2012/main" xmlns:ahyp="http://schemas.microsoft.com/office/drawing/2018/hyperlinkcolor" showMasterPhAnim="0" showMasterSp="0">
+  <p:cSld>
+    <p:spTree>
+      <p:nvGrpSpPr>
+        <p:cNvPr id="220" name="Shape 220"/>
+        <p:cNvGrpSpPr/>
+        <p:nvPr/>
+      </p:nvGrpSpPr>
+      <p:grpSpPr>
+        <a:xfrm>
+          <a:off x="0" y="0"/>
+          <a:ext cx="0" cy="0"/>
+          <a:chOff x="0" y="0"/>
+          <a:chExt cx="0" cy="0"/>
+        </a:xfrm>
+      </p:grpSpPr>
+      <p:sp>
+        <p:nvSpPr>
+          <p:cNvPr id="221" name="Google Shape;221;g3a12cefa159_0_38:notes"/>
+          <p:cNvSpPr/>
+          <p:nvPr>
+            <p:ph idx="2" type="sldImg"/>
+          </p:nvPr>
+        </p:nvSpPr>
+        <p:spPr>
+          <a:xfrm>
+            <a:off x="381300" y="685800"/>
+            <a:ext cx="6096000" cy="3429000"/>
+          </a:xfrm>
+          <a:custGeom>
+            <a:rect b="b" l="l" r="r" t="t"/>
+            <a:pathLst>
+              <a:path extrusionOk="0" h="120000" w="120000">
+                <a:moveTo>
+                  <a:pt x="0" y="0"/>
+                </a:moveTo>
+                <a:lnTo>
+                  <a:pt x="120000" y="0"/>
+                </a:lnTo>
+                <a:lnTo>
+                  <a:pt x="120000" y="120000"/>
+                </a:lnTo>
+                <a:lnTo>
+                  <a:pt x="0" y="120000"/>
+                </a:lnTo>
+                <a:close/>
+              </a:path>
+            </a:pathLst>
+          </a:custGeom>
+        </p:spPr>
+      </p:sp>
+      <p:sp>
+        <p:nvSpPr>
+          <p:cNvPr id="222" name="Google Shape;222;g3a12cefa159_0_38:notes"/>
+          <p:cNvSpPr txBox="1"/>
+          <p:nvPr>
+            <p:ph idx="1" type="body"/>
+          </p:nvPr>
+        </p:nvSpPr>
+        <p:spPr>
+          <a:xfrm>
+            <a:off x="685800" y="4343400"/>
+            <a:ext cx="5486400" cy="4114800"/>
+          </a:xfrm>
+          <a:prstGeom prst="rect">
+            <a:avLst/>
+          </a:prstGeom>
+        </p:spPr>
+        <p:txBody>
+          <a:bodyPr anchorCtr="0" anchor="t" bIns="91425" lIns="91425" spcFirstLastPara="1" rIns="91425" wrap="square" tIns="91425">
+            <a:noAutofit/>
+          </a:bodyPr>
+          <a:lstStyle/>
+          <a:p>
+            <a:pPr indent="0" lvl="0" marL="0" rtl="0" algn="l">
+              <a:spcBef>
+                <a:spcPts val="0"/>
+              </a:spcBef>
+              <a:spcAft>
+                <a:spcPts val="0"/>
+              </a:spcAft>
+              <a:buNone/>
+            </a:pPr>
+            <a:r>
+              <a:t/>
+            </a:r>
+            <a:endParaRPr/>
+          </a:p>
+        </p:txBody>
+      </p:sp>
+    </p:spTree>
+  </p:cSld>
+  <p:clrMapOvr>
+    <a:masterClrMapping/>
+  </p:clrMapOvr>
+</p:notes>
+</file>
+
+<file path=ppt/notesSlides/notesSlide25.xml><?xml version="1.0" encoding="utf-8"?>
+<p:notes xmlns:a="http://schemas.openxmlformats.org/drawingml/2006/main" xmlns:r="http://schemas.openxmlformats.org/officeDocument/2006/relationships" xmlns:mc="http://schemas.openxmlformats.org/markup-compatibility/2006" xmlns:mv="urn:schemas-microsoft-com:mac:vml" xmlns:p="http://schemas.openxmlformats.org/presentationml/2006/main" xmlns:c="http://schemas.openxmlformats.org/drawingml/2006/chart" xmlns:dgm="http://schemas.openxmlformats.org/drawingml/2006/diagram" xmlns:o="urn:schemas-microsoft-com:office:office" xmlns:v="urn:schemas-microsoft-com:vml" xmlns:pvml="urn:schemas-microsoft-com:office:powerpoint" xmlns:com="http://schemas.openxmlformats.org/drawingml/2006/compatibility" xmlns:p14="http://schemas.microsoft.com/office/powerpoint/2010/main" xmlns:p15="http://schemas.microsoft.com/office/powerpoint/2012/main" xmlns:ahyp="http://schemas.microsoft.com/office/drawing/2018/hyperlinkcolor" showMasterPhAnim="0" showMasterSp="0">
+  <p:cSld>
+    <p:spTree>
+      <p:nvGrpSpPr>
+        <p:cNvPr id="226" name="Shape 226"/>
+        <p:cNvGrpSpPr/>
+        <p:nvPr/>
+      </p:nvGrpSpPr>
+      <p:grpSpPr>
+        <a:xfrm>
+          <a:off x="0" y="0"/>
+          <a:ext cx="0" cy="0"/>
+          <a:chOff x="0" y="0"/>
+          <a:chExt cx="0" cy="0"/>
+        </a:xfrm>
+      </p:grpSpPr>
+      <p:sp>
+        <p:nvSpPr>
+          <p:cNvPr id="227" name="Google Shape;227;g3a12cefa159_0_46:notes"/>
+          <p:cNvSpPr/>
+          <p:nvPr>
+            <p:ph idx="2" type="sldImg"/>
+          </p:nvPr>
+        </p:nvSpPr>
+        <p:spPr>
+          <a:xfrm>
+            <a:off x="381300" y="685800"/>
+            <a:ext cx="6096000" cy="3429000"/>
+          </a:xfrm>
+          <a:custGeom>
+            <a:rect b="b" l="l" r="r" t="t"/>
+            <a:pathLst>
+              <a:path extrusionOk="0" h="120000" w="120000">
+                <a:moveTo>
+                  <a:pt x="0" y="0"/>
+                </a:moveTo>
+                <a:lnTo>
+                  <a:pt x="120000" y="0"/>
+                </a:lnTo>
+                <a:lnTo>
+                  <a:pt x="120000" y="120000"/>
+                </a:lnTo>
+                <a:lnTo>
+                  <a:pt x="0" y="120000"/>
+                </a:lnTo>
+                <a:close/>
+              </a:path>
+            </a:pathLst>
+          </a:custGeom>
+        </p:spPr>
+      </p:sp>
+      <p:sp>
+        <p:nvSpPr>
+          <p:cNvPr id="228" name="Google Shape;228;g3a12cefa159_0_46:notes"/>
+          <p:cNvSpPr txBox="1"/>
+          <p:nvPr>
+            <p:ph idx="1" type="body"/>
+          </p:nvPr>
+        </p:nvSpPr>
+        <p:spPr>
+          <a:xfrm>
+            <a:off x="685800" y="4343400"/>
+            <a:ext cx="5486400" cy="4114800"/>
+          </a:xfrm>
+          <a:prstGeom prst="rect">
+            <a:avLst/>
+          </a:prstGeom>
+        </p:spPr>
+        <p:txBody>
+          <a:bodyPr anchorCtr="0" anchor="t" bIns="91425" lIns="91425" spcFirstLastPara="1" rIns="91425" wrap="square" tIns="91425">
+            <a:noAutofit/>
+          </a:bodyPr>
+          <a:lstStyle/>
+          <a:p>
+            <a:pPr indent="0" lvl="0" marL="0" rtl="0" algn="l">
+              <a:spcBef>
+                <a:spcPts val="0"/>
+              </a:spcBef>
+              <a:spcAft>
+                <a:spcPts val="0"/>
+              </a:spcAft>
+              <a:buNone/>
+            </a:pPr>
+            <a:r>
+              <a:t/>
+            </a:r>
+            <a:endParaRPr/>
+          </a:p>
+        </p:txBody>
+      </p:sp>
+    </p:spTree>
+  </p:cSld>
+  <p:clrMapOvr>
+    <a:masterClrMapping/>
+  </p:clrMapOvr>
+</p:notes>
+</file>
+
+<file path=ppt/notesSlides/notesSlide26.xml><?xml version="1.0" encoding="utf-8"?>
+<p:notes xmlns:a="http://schemas.openxmlformats.org/drawingml/2006/main" xmlns:r="http://schemas.openxmlformats.org/officeDocument/2006/relationships" xmlns:mc="http://schemas.openxmlformats.org/markup-compatibility/2006" xmlns:mv="urn:schemas-microsoft-com:mac:vml" xmlns:p="http://schemas.openxmlformats.org/presentationml/2006/main" xmlns:c="http://schemas.openxmlformats.org/drawingml/2006/chart" xmlns:dgm="http://schemas.openxmlformats.org/drawingml/2006/diagram" xmlns:o="urn:schemas-microsoft-com:office:office" xmlns:v="urn:schemas-microsoft-com:vml" xmlns:pvml="urn:schemas-microsoft-com:office:powerpoint" xmlns:com="http://schemas.openxmlformats.org/drawingml/2006/compatibility" xmlns:p14="http://schemas.microsoft.com/office/powerpoint/2010/main" xmlns:p15="http://schemas.microsoft.com/office/powerpoint/2012/main" xmlns:ahyp="http://schemas.microsoft.com/office/drawing/2018/hyperlinkcolor" showMasterPhAnim="0" showMasterSp="0">
+  <p:cSld>
+    <p:spTree>
+      <p:nvGrpSpPr>
+        <p:cNvPr id="232" name="Shape 232"/>
+        <p:cNvGrpSpPr/>
+        <p:nvPr/>
+      </p:nvGrpSpPr>
+      <p:grpSpPr>
+        <a:xfrm>
+          <a:off x="0" y="0"/>
+          <a:ext cx="0" cy="0"/>
+          <a:chOff x="0" y="0"/>
+          <a:chExt cx="0" cy="0"/>
+        </a:xfrm>
+      </p:grpSpPr>
+      <p:sp>
+        <p:nvSpPr>
+          <p:cNvPr id="233" name="Google Shape;233;g3a12cefa159_0_67:notes"/>
+          <p:cNvSpPr/>
+          <p:nvPr>
+            <p:ph idx="2" type="sldImg"/>
+          </p:nvPr>
+        </p:nvSpPr>
+        <p:spPr>
+          <a:xfrm>
+            <a:off x="381300" y="685800"/>
+            <a:ext cx="6096000" cy="3429000"/>
+          </a:xfrm>
+          <a:custGeom>
+            <a:rect b="b" l="l" r="r" t="t"/>
+            <a:pathLst>
+              <a:path extrusionOk="0" h="120000" w="120000">
+                <a:moveTo>
+                  <a:pt x="0" y="0"/>
+                </a:moveTo>
+                <a:lnTo>
+                  <a:pt x="120000" y="0"/>
+                </a:lnTo>
+                <a:lnTo>
+                  <a:pt x="120000" y="120000"/>
+                </a:lnTo>
+                <a:lnTo>
+                  <a:pt x="0" y="120000"/>
+                </a:lnTo>
+                <a:close/>
+              </a:path>
+            </a:pathLst>
+          </a:custGeom>
+        </p:spPr>
+      </p:sp>
+      <p:sp>
+        <p:nvSpPr>
+          <p:cNvPr id="234" name="Google Shape;234;g3a12cefa159_0_67:notes"/>
+          <p:cNvSpPr txBox="1"/>
+          <p:nvPr>
+            <p:ph idx="1" type="body"/>
+          </p:nvPr>
+        </p:nvSpPr>
+        <p:spPr>
+          <a:xfrm>
+            <a:off x="685800" y="4343400"/>
+            <a:ext cx="5486400" cy="4114800"/>
+          </a:xfrm>
+          <a:prstGeom prst="rect">
+            <a:avLst/>
+          </a:prstGeom>
+        </p:spPr>
+        <p:txBody>
+          <a:bodyPr anchorCtr="0" anchor="t" bIns="91425" lIns="91425" spcFirstLastPara="1" rIns="91425" wrap="square" tIns="91425">
+            <a:noAutofit/>
+          </a:bodyPr>
+          <a:lstStyle/>
+          <a:p>
+            <a:pPr indent="0" lvl="0" marL="0" rtl="0" algn="l">
+              <a:spcBef>
+                <a:spcPts val="0"/>
+              </a:spcBef>
+              <a:spcAft>
+                <a:spcPts val="0"/>
+              </a:spcAft>
+              <a:buNone/>
+            </a:pPr>
+            <a:r>
+              <a:t/>
+            </a:r>
+            <a:endParaRPr/>
+          </a:p>
+        </p:txBody>
+      </p:sp>
+    </p:spTree>
+  </p:cSld>
+  <p:clrMapOvr>
+    <a:masterClrMapping/>
+  </p:clrMapOvr>
+</p:notes>
+</file>
+
+<file path=ppt/notesSlides/notesSlide27.xml><?xml version="1.0" encoding="utf-8"?>
+<p:notes xmlns:a="http://schemas.openxmlformats.org/drawingml/2006/main" xmlns:r="http://schemas.openxmlformats.org/officeDocument/2006/relationships" xmlns:mc="http://schemas.openxmlformats.org/markup-compatibility/2006" xmlns:mv="urn:schemas-microsoft-com:mac:vml" xmlns:p="http://schemas.openxmlformats.org/presentationml/2006/main" xmlns:c="http://schemas.openxmlformats.org/drawingml/2006/chart" xmlns:dgm="http://schemas.openxmlformats.org/drawingml/2006/diagram" xmlns:o="urn:schemas-microsoft-com:office:office" xmlns:v="urn:schemas-microsoft-com:vml" xmlns:pvml="urn:schemas-microsoft-com:office:powerpoint" xmlns:com="http://schemas.openxmlformats.org/drawingml/2006/compatibility" xmlns:p14="http://schemas.microsoft.com/office/powerpoint/2010/main" xmlns:p15="http://schemas.microsoft.com/office/powerpoint/2012/main" xmlns:ahyp="http://schemas.microsoft.com/office/drawing/2018/hyperlinkcolor" showMasterPhAnim="0" showMasterSp="0">
+  <p:cSld>
+    <p:spTree>
+      <p:nvGrpSpPr>
+        <p:cNvPr id="238" name="Shape 238"/>
+        <p:cNvGrpSpPr/>
+        <p:nvPr/>
+      </p:nvGrpSpPr>
+      <p:grpSpPr>
+        <a:xfrm>
+          <a:off x="0" y="0"/>
+          <a:ext cx="0" cy="0"/>
+          <a:chOff x="0" y="0"/>
+          <a:chExt cx="0" cy="0"/>
+        </a:xfrm>
+      </p:grpSpPr>
+      <p:sp>
+        <p:nvSpPr>
+          <p:cNvPr id="239" name="Google Shape;239;g3a12cefa159_0_86:notes"/>
+          <p:cNvSpPr/>
+          <p:nvPr>
+            <p:ph idx="2" type="sldImg"/>
+          </p:nvPr>
+        </p:nvSpPr>
+        <p:spPr>
+          <a:xfrm>
+            <a:off x="381300" y="685800"/>
+            <a:ext cx="6096000" cy="3429000"/>
+          </a:xfrm>
+          <a:custGeom>
+            <a:rect b="b" l="l" r="r" t="t"/>
+            <a:pathLst>
+              <a:path extrusionOk="0" h="120000" w="120000">
+                <a:moveTo>
+                  <a:pt x="0" y="0"/>
+                </a:moveTo>
+                <a:lnTo>
+                  <a:pt x="120000" y="0"/>
+                </a:lnTo>
+                <a:lnTo>
+                  <a:pt x="120000" y="120000"/>
+                </a:lnTo>
+                <a:lnTo>
+                  <a:pt x="0" y="120000"/>
+                </a:lnTo>
+                <a:close/>
+              </a:path>
+            </a:pathLst>
+          </a:custGeom>
+        </p:spPr>
+      </p:sp>
+      <p:sp>
+        <p:nvSpPr>
+          <p:cNvPr id="240" name="Google Shape;240;g3a12cefa159_0_86:notes"/>
           <p:cNvSpPr txBox="1"/>
           <p:nvPr>
             <p:ph idx="1" type="body"/>
@@ -15386,6 +15986,2065 @@
 </p:sld>
 </file>
 
+<file path=ppt/slides/slide22.xml><?xml version="1.0" encoding="utf-8"?>
+<p:sld xmlns:a="http://schemas.openxmlformats.org/drawingml/2006/main" xmlns:r="http://schemas.openxmlformats.org/officeDocument/2006/relationships" xmlns:mc="http://schemas.openxmlformats.org/markup-compatibility/2006" xmlns:mv="urn:schemas-microsoft-com:mac:vml" xmlns:p="http://schemas.openxmlformats.org/presentationml/2006/main" xmlns:c="http://schemas.openxmlformats.org/drawingml/2006/chart" xmlns:dgm="http://schemas.openxmlformats.org/drawingml/2006/diagram" xmlns:o="urn:schemas-microsoft-com:office:office" xmlns:v="urn:schemas-microsoft-com:vml" xmlns:pvml="urn:schemas-microsoft-com:office:powerpoint" xmlns:com="http://schemas.openxmlformats.org/drawingml/2006/compatibility" xmlns:p14="http://schemas.microsoft.com/office/powerpoint/2010/main" xmlns:p15="http://schemas.microsoft.com/office/powerpoint/2012/main" xmlns:ahyp="http://schemas.microsoft.com/office/drawing/2018/hyperlinkcolor">
+  <p:cSld>
+    <p:spTree>
+      <p:nvGrpSpPr>
+        <p:cNvPr id="211" name="Shape 211"/>
+        <p:cNvGrpSpPr/>
+        <p:nvPr/>
+      </p:nvGrpSpPr>
+      <p:grpSpPr>
+        <a:xfrm>
+          <a:off x="0" y="0"/>
+          <a:ext cx="0" cy="0"/>
+          <a:chOff x="0" y="0"/>
+          <a:chExt cx="0" cy="0"/>
+        </a:xfrm>
+      </p:grpSpPr>
+      <p:sp>
+        <p:nvSpPr>
+          <p:cNvPr id="212" name="Google Shape;212;p34"/>
+          <p:cNvSpPr txBox="1"/>
+          <p:nvPr>
+            <p:ph type="title"/>
+          </p:nvPr>
+        </p:nvSpPr>
+        <p:spPr>
+          <a:xfrm>
+            <a:off x="729450" y="1318650"/>
+            <a:ext cx="7688700" cy="535200"/>
+          </a:xfrm>
+          <a:prstGeom prst="rect">
+            <a:avLst/>
+          </a:prstGeom>
+        </p:spPr>
+        <p:txBody>
+          <a:bodyPr anchorCtr="0" anchor="t" bIns="91425" lIns="91425" spcFirstLastPara="1" rIns="91425" wrap="square" tIns="91425">
+            <a:noAutofit/>
+          </a:bodyPr>
+          <a:lstStyle/>
+          <a:p>
+            <a:pPr indent="0" lvl="0" marL="0" rtl="0" algn="l">
+              <a:spcBef>
+                <a:spcPts val="0"/>
+              </a:spcBef>
+              <a:spcAft>
+                <a:spcPts val="0"/>
+              </a:spcAft>
+              <a:buSzPts val="990"/>
+              <a:buNone/>
+            </a:pPr>
+            <a:r>
+              <a:rPr lang="pl" sz="2440">
+                <a:latin typeface="Tahoma"/>
+                <a:ea typeface="Tahoma"/>
+                <a:cs typeface="Tahoma"/>
+                <a:sym typeface="Tahoma"/>
+              </a:rPr>
+              <a:t>Programowanie rozproszone</a:t>
+            </a:r>
+            <a:endParaRPr sz="2440">
+              <a:latin typeface="Tahoma"/>
+              <a:ea typeface="Tahoma"/>
+              <a:cs typeface="Tahoma"/>
+              <a:sym typeface="Tahoma"/>
+            </a:endParaRPr>
+          </a:p>
+        </p:txBody>
+      </p:sp>
+      <p:sp>
+        <p:nvSpPr>
+          <p:cNvPr id="213" name="Google Shape;213;p34"/>
+          <p:cNvSpPr txBox="1"/>
+          <p:nvPr>
+            <p:ph idx="1" type="body"/>
+          </p:nvPr>
+        </p:nvSpPr>
+        <p:spPr>
+          <a:xfrm>
+            <a:off x="729450" y="2078875"/>
+            <a:ext cx="7688700" cy="2261100"/>
+          </a:xfrm>
+          <a:prstGeom prst="rect">
+            <a:avLst/>
+          </a:prstGeom>
+        </p:spPr>
+        <p:txBody>
+          <a:bodyPr anchorCtr="0" anchor="t" bIns="91425" lIns="91425" spcFirstLastPara="1" rIns="91425" wrap="square" tIns="91425">
+            <a:normAutofit/>
+          </a:bodyPr>
+          <a:lstStyle/>
+          <a:p>
+            <a:pPr indent="0" lvl="0" marL="0" rtl="0" algn="l">
+              <a:spcBef>
+                <a:spcPts val="0"/>
+              </a:spcBef>
+              <a:spcAft>
+                <a:spcPts val="0"/>
+              </a:spcAft>
+              <a:buNone/>
+            </a:pPr>
+            <a:r>
+              <a:rPr lang="pl" sz="1400">
+                <a:solidFill>
+                  <a:srgbClr val="000000"/>
+                </a:solidFill>
+                <a:latin typeface="Tahoma"/>
+                <a:ea typeface="Tahoma"/>
+                <a:cs typeface="Tahoma"/>
+                <a:sym typeface="Tahoma"/>
+              </a:rPr>
+              <a:t>to sposób tworzenia oprogramowania, w którym </a:t>
+            </a:r>
+            <a:r>
+              <a:rPr b="1" lang="pl" sz="1400">
+                <a:solidFill>
+                  <a:srgbClr val="000000"/>
+                </a:solidFill>
+                <a:latin typeface="Tahoma"/>
+                <a:ea typeface="Tahoma"/>
+                <a:cs typeface="Tahoma"/>
+                <a:sym typeface="Tahoma"/>
+              </a:rPr>
+              <a:t>program (system)</a:t>
+            </a:r>
+            <a:r>
+              <a:rPr lang="pl" sz="1400">
+                <a:solidFill>
+                  <a:srgbClr val="000000"/>
+                </a:solidFill>
+                <a:latin typeface="Tahoma"/>
+                <a:ea typeface="Tahoma"/>
+                <a:cs typeface="Tahoma"/>
+                <a:sym typeface="Tahoma"/>
+              </a:rPr>
+              <a:t> nie działa na jednym komputerze, tylko na </a:t>
+            </a:r>
+            <a:r>
+              <a:rPr b="1" lang="pl" sz="1400">
+                <a:solidFill>
+                  <a:srgbClr val="000000"/>
+                </a:solidFill>
+                <a:latin typeface="Tahoma"/>
+                <a:ea typeface="Tahoma"/>
+                <a:cs typeface="Tahoma"/>
+                <a:sym typeface="Tahoma"/>
+              </a:rPr>
+              <a:t>wielu połączonych ze sobą komputerach (w sieci)</a:t>
+            </a:r>
+            <a:r>
+              <a:rPr lang="pl" sz="1400">
+                <a:solidFill>
+                  <a:srgbClr val="000000"/>
+                </a:solidFill>
+                <a:latin typeface="Tahoma"/>
+                <a:ea typeface="Tahoma"/>
+                <a:cs typeface="Tahoma"/>
+                <a:sym typeface="Tahoma"/>
+              </a:rPr>
+              <a:t>.</a:t>
+            </a:r>
+            <a:endParaRPr sz="1400">
+              <a:solidFill>
+                <a:srgbClr val="000000"/>
+              </a:solidFill>
+              <a:latin typeface="Tahoma"/>
+              <a:ea typeface="Tahoma"/>
+              <a:cs typeface="Tahoma"/>
+              <a:sym typeface="Tahoma"/>
+            </a:endParaRPr>
+          </a:p>
+          <a:p>
+            <a:pPr indent="0" lvl="0" marL="0" rtl="0" algn="l">
+              <a:spcBef>
+                <a:spcPts val="1200"/>
+              </a:spcBef>
+              <a:spcAft>
+                <a:spcPts val="1200"/>
+              </a:spcAft>
+              <a:buNone/>
+            </a:pPr>
+            <a:r>
+              <a:rPr lang="pl" sz="1400">
+                <a:solidFill>
+                  <a:srgbClr val="000000"/>
+                </a:solidFill>
+                <a:latin typeface="Tahoma"/>
+                <a:ea typeface="Tahoma"/>
+                <a:cs typeface="Tahoma"/>
+                <a:sym typeface="Tahoma"/>
+              </a:rPr>
+              <a:t>Każda z tych maszyn wykonuje część zadań, a razem tworzą jeden wspólny system.</a:t>
+            </a:r>
+            <a:endParaRPr sz="1600">
+              <a:latin typeface="Tahoma"/>
+              <a:ea typeface="Tahoma"/>
+              <a:cs typeface="Tahoma"/>
+              <a:sym typeface="Tahoma"/>
+            </a:endParaRPr>
+          </a:p>
+        </p:txBody>
+      </p:sp>
+    </p:spTree>
+  </p:cSld>
+  <p:clrMapOvr>
+    <a:masterClrMapping/>
+  </p:clrMapOvr>
+</p:sld>
+</file>
+
+<file path=ppt/slides/slide23.xml><?xml version="1.0" encoding="utf-8"?>
+<p:sld xmlns:a="http://schemas.openxmlformats.org/drawingml/2006/main" xmlns:r="http://schemas.openxmlformats.org/officeDocument/2006/relationships" xmlns:mc="http://schemas.openxmlformats.org/markup-compatibility/2006" xmlns:mv="urn:schemas-microsoft-com:mac:vml" xmlns:p="http://schemas.openxmlformats.org/presentationml/2006/main" xmlns:c="http://schemas.openxmlformats.org/drawingml/2006/chart" xmlns:dgm="http://schemas.openxmlformats.org/drawingml/2006/diagram" xmlns:o="urn:schemas-microsoft-com:office:office" xmlns:v="urn:schemas-microsoft-com:vml" xmlns:pvml="urn:schemas-microsoft-com:office:powerpoint" xmlns:com="http://schemas.openxmlformats.org/drawingml/2006/compatibility" xmlns:p14="http://schemas.microsoft.com/office/powerpoint/2010/main" xmlns:p15="http://schemas.microsoft.com/office/powerpoint/2012/main" xmlns:ahyp="http://schemas.microsoft.com/office/drawing/2018/hyperlinkcolor">
+  <p:cSld>
+    <p:spTree>
+      <p:nvGrpSpPr>
+        <p:cNvPr id="217" name="Shape 217"/>
+        <p:cNvGrpSpPr/>
+        <p:nvPr/>
+      </p:nvGrpSpPr>
+      <p:grpSpPr>
+        <a:xfrm>
+          <a:off x="0" y="0"/>
+          <a:ext cx="0" cy="0"/>
+          <a:chOff x="0" y="0"/>
+          <a:chExt cx="0" cy="0"/>
+        </a:xfrm>
+      </p:grpSpPr>
+      <p:sp>
+        <p:nvSpPr>
+          <p:cNvPr id="218" name="Google Shape;218;p35"/>
+          <p:cNvSpPr txBox="1"/>
+          <p:nvPr>
+            <p:ph type="title"/>
+          </p:nvPr>
+        </p:nvSpPr>
+        <p:spPr>
+          <a:xfrm>
+            <a:off x="729450" y="1318650"/>
+            <a:ext cx="7688700" cy="535200"/>
+          </a:xfrm>
+          <a:prstGeom prst="rect">
+            <a:avLst/>
+          </a:prstGeom>
+        </p:spPr>
+        <p:txBody>
+          <a:bodyPr anchorCtr="0" anchor="t" bIns="91425" lIns="91425" spcFirstLastPara="1" rIns="91425" wrap="square" tIns="91425">
+            <a:noAutofit/>
+          </a:bodyPr>
+          <a:lstStyle/>
+          <a:p>
+            <a:pPr indent="0" lvl="0" marL="0" rtl="0" algn="l">
+              <a:spcBef>
+                <a:spcPts val="0"/>
+              </a:spcBef>
+              <a:spcAft>
+                <a:spcPts val="0"/>
+              </a:spcAft>
+              <a:buSzPts val="990"/>
+              <a:buNone/>
+            </a:pPr>
+            <a:r>
+              <a:rPr lang="pl" sz="2440">
+                <a:latin typeface="Tahoma"/>
+                <a:ea typeface="Tahoma"/>
+                <a:cs typeface="Tahoma"/>
+                <a:sym typeface="Tahoma"/>
+              </a:rPr>
+              <a:t>Rodzaje (modele) progr. rozproszonego c.d.</a:t>
+            </a:r>
+            <a:endParaRPr sz="2440">
+              <a:latin typeface="Tahoma"/>
+              <a:ea typeface="Tahoma"/>
+              <a:cs typeface="Tahoma"/>
+              <a:sym typeface="Tahoma"/>
+            </a:endParaRPr>
+          </a:p>
+        </p:txBody>
+      </p:sp>
+      <p:sp>
+        <p:nvSpPr>
+          <p:cNvPr id="219" name="Google Shape;219;p35"/>
+          <p:cNvSpPr txBox="1"/>
+          <p:nvPr>
+            <p:ph idx="1" type="body"/>
+          </p:nvPr>
+        </p:nvSpPr>
+        <p:spPr>
+          <a:xfrm>
+            <a:off x="729450" y="2042500"/>
+            <a:ext cx="7688700" cy="2923500"/>
+          </a:xfrm>
+          <a:prstGeom prst="rect">
+            <a:avLst/>
+          </a:prstGeom>
+        </p:spPr>
+        <p:txBody>
+          <a:bodyPr anchorCtr="0" anchor="t" bIns="91425" lIns="91425" spcFirstLastPara="1" rIns="91425" wrap="square" tIns="91425">
+            <a:normAutofit lnSpcReduction="10000"/>
+          </a:bodyPr>
+          <a:lstStyle/>
+          <a:p>
+            <a:pPr indent="0" lvl="0" marL="0" rtl="0" algn="l">
+              <a:spcBef>
+                <a:spcPts val="0"/>
+              </a:spcBef>
+              <a:spcAft>
+                <a:spcPts val="0"/>
+              </a:spcAft>
+              <a:buNone/>
+            </a:pPr>
+            <a:r>
+              <a:rPr b="1" lang="pl" sz="1408">
+                <a:solidFill>
+                  <a:schemeClr val="dk2"/>
+                </a:solidFill>
+                <a:latin typeface="Tahoma"/>
+                <a:ea typeface="Tahoma"/>
+                <a:cs typeface="Tahoma"/>
+                <a:sym typeface="Tahoma"/>
+              </a:rPr>
+              <a:t>Rodzaj:</a:t>
+            </a:r>
+            <a:endParaRPr b="1" sz="1408">
+              <a:solidFill>
+                <a:schemeClr val="dk2"/>
+              </a:solidFill>
+              <a:latin typeface="Tahoma"/>
+              <a:ea typeface="Tahoma"/>
+              <a:cs typeface="Tahoma"/>
+              <a:sym typeface="Tahoma"/>
+            </a:endParaRPr>
+          </a:p>
+          <a:p>
+            <a:pPr indent="0" lvl="0" marL="0" rtl="0" algn="l">
+              <a:spcBef>
+                <a:spcPts val="0"/>
+              </a:spcBef>
+              <a:spcAft>
+                <a:spcPts val="0"/>
+              </a:spcAft>
+              <a:buNone/>
+            </a:pPr>
+            <a:r>
+              <a:rPr b="1" lang="pl" sz="1408">
+                <a:solidFill>
+                  <a:schemeClr val="dk1"/>
+                </a:solidFill>
+                <a:latin typeface="Tahoma"/>
+                <a:ea typeface="Tahoma"/>
+                <a:cs typeface="Tahoma"/>
+                <a:sym typeface="Tahoma"/>
+              </a:rPr>
+              <a:t>Klient–serwer (Client–Server) </a:t>
+            </a:r>
+            <a:r>
+              <a:rPr lang="pl" sz="1408">
+                <a:solidFill>
+                  <a:schemeClr val="dk2"/>
+                </a:solidFill>
+                <a:latin typeface="Tahoma"/>
+                <a:ea typeface="Tahoma"/>
+                <a:cs typeface="Tahoma"/>
+                <a:sym typeface="Tahoma"/>
+              </a:rPr>
+              <a:t>- Klient wysyła żądania, serwer odpowiada.</a:t>
+            </a:r>
+            <a:endParaRPr sz="1408">
+              <a:solidFill>
+                <a:schemeClr val="dk2"/>
+              </a:solidFill>
+              <a:latin typeface="Tahoma"/>
+              <a:ea typeface="Tahoma"/>
+              <a:cs typeface="Tahoma"/>
+              <a:sym typeface="Tahoma"/>
+            </a:endParaRPr>
+          </a:p>
+          <a:p>
+            <a:pPr indent="0" lvl="0" marL="0" rtl="0" algn="l">
+              <a:spcBef>
+                <a:spcPts val="0"/>
+              </a:spcBef>
+              <a:spcAft>
+                <a:spcPts val="0"/>
+              </a:spcAft>
+              <a:buNone/>
+            </a:pPr>
+            <a:r>
+              <a:rPr lang="pl" sz="1408">
+                <a:solidFill>
+                  <a:schemeClr val="dk2"/>
+                </a:solidFill>
+                <a:latin typeface="Tahoma"/>
+                <a:ea typeface="Tahoma"/>
+                <a:cs typeface="Tahoma"/>
+                <a:sym typeface="Tahoma"/>
+              </a:rPr>
+              <a:t>Przykład: Strona WWW (przeglądarka ↔ serwer)</a:t>
+            </a:r>
+            <a:endParaRPr sz="1408">
+              <a:solidFill>
+                <a:schemeClr val="dk2"/>
+              </a:solidFill>
+              <a:latin typeface="Tahoma"/>
+              <a:ea typeface="Tahoma"/>
+              <a:cs typeface="Tahoma"/>
+              <a:sym typeface="Tahoma"/>
+            </a:endParaRPr>
+          </a:p>
+          <a:p>
+            <a:pPr indent="0" lvl="0" marL="0" rtl="0" algn="l">
+              <a:spcBef>
+                <a:spcPts val="0"/>
+              </a:spcBef>
+              <a:spcAft>
+                <a:spcPts val="0"/>
+              </a:spcAft>
+              <a:buNone/>
+            </a:pPr>
+            <a:r>
+              <a:t/>
+            </a:r>
+            <a:endParaRPr sz="1408">
+              <a:solidFill>
+                <a:schemeClr val="dk2"/>
+              </a:solidFill>
+              <a:latin typeface="Tahoma"/>
+              <a:ea typeface="Tahoma"/>
+              <a:cs typeface="Tahoma"/>
+              <a:sym typeface="Tahoma"/>
+            </a:endParaRPr>
+          </a:p>
+          <a:p>
+            <a:pPr indent="0" lvl="0" marL="0" rtl="0" algn="l">
+              <a:spcBef>
+                <a:spcPts val="0"/>
+              </a:spcBef>
+              <a:spcAft>
+                <a:spcPts val="0"/>
+              </a:spcAft>
+              <a:buNone/>
+            </a:pPr>
+            <a:r>
+              <a:rPr b="1" lang="pl" sz="1408">
+                <a:solidFill>
+                  <a:schemeClr val="dk1"/>
+                </a:solidFill>
+                <a:latin typeface="Tahoma"/>
+                <a:ea typeface="Tahoma"/>
+                <a:cs typeface="Tahoma"/>
+                <a:sym typeface="Tahoma"/>
+              </a:rPr>
+              <a:t>Wielowarstwowe (n-warstwowe)</a:t>
+            </a:r>
+            <a:r>
+              <a:rPr lang="pl" sz="1408">
+                <a:solidFill>
+                  <a:schemeClr val="dk2"/>
+                </a:solidFill>
+                <a:latin typeface="Tahoma"/>
+                <a:ea typeface="Tahoma"/>
+                <a:cs typeface="Tahoma"/>
+                <a:sym typeface="Tahoma"/>
+              </a:rPr>
+              <a:t> - System podzielony na warstwy: prezentacji, logiki i danych.</a:t>
+            </a:r>
+            <a:endParaRPr sz="1408">
+              <a:solidFill>
+                <a:schemeClr val="dk2"/>
+              </a:solidFill>
+              <a:latin typeface="Tahoma"/>
+              <a:ea typeface="Tahoma"/>
+              <a:cs typeface="Tahoma"/>
+              <a:sym typeface="Tahoma"/>
+            </a:endParaRPr>
+          </a:p>
+          <a:p>
+            <a:pPr indent="0" lvl="0" marL="0" rtl="0" algn="l">
+              <a:spcBef>
+                <a:spcPts val="0"/>
+              </a:spcBef>
+              <a:spcAft>
+                <a:spcPts val="0"/>
+              </a:spcAft>
+              <a:buNone/>
+            </a:pPr>
+            <a:r>
+              <a:rPr lang="pl" sz="1408">
+                <a:solidFill>
+                  <a:schemeClr val="dk2"/>
+                </a:solidFill>
+                <a:latin typeface="Tahoma"/>
+                <a:ea typeface="Tahoma"/>
+                <a:cs typeface="Tahoma"/>
+                <a:sym typeface="Tahoma"/>
+              </a:rPr>
+              <a:t>Przykład: Aplikacja webowa: frontend – backend – baza danych</a:t>
+            </a:r>
+            <a:endParaRPr sz="1408">
+              <a:solidFill>
+                <a:schemeClr val="dk2"/>
+              </a:solidFill>
+              <a:latin typeface="Tahoma"/>
+              <a:ea typeface="Tahoma"/>
+              <a:cs typeface="Tahoma"/>
+              <a:sym typeface="Tahoma"/>
+            </a:endParaRPr>
+          </a:p>
+          <a:p>
+            <a:pPr indent="0" lvl="0" marL="0" rtl="0" algn="l">
+              <a:spcBef>
+                <a:spcPts val="0"/>
+              </a:spcBef>
+              <a:spcAft>
+                <a:spcPts val="0"/>
+              </a:spcAft>
+              <a:buNone/>
+            </a:pPr>
+            <a:r>
+              <a:t/>
+            </a:r>
+            <a:endParaRPr sz="1408">
+              <a:solidFill>
+                <a:schemeClr val="dk2"/>
+              </a:solidFill>
+              <a:latin typeface="Tahoma"/>
+              <a:ea typeface="Tahoma"/>
+              <a:cs typeface="Tahoma"/>
+              <a:sym typeface="Tahoma"/>
+            </a:endParaRPr>
+          </a:p>
+          <a:p>
+            <a:pPr indent="0" lvl="0" marL="0" rtl="0" algn="l">
+              <a:spcBef>
+                <a:spcPts val="0"/>
+              </a:spcBef>
+              <a:spcAft>
+                <a:spcPts val="0"/>
+              </a:spcAft>
+              <a:buNone/>
+            </a:pPr>
+            <a:r>
+              <a:rPr b="1" lang="pl" sz="1408">
+                <a:solidFill>
+                  <a:schemeClr val="dk1"/>
+                </a:solidFill>
+                <a:latin typeface="Tahoma"/>
+                <a:ea typeface="Tahoma"/>
+                <a:cs typeface="Tahoma"/>
+                <a:sym typeface="Tahoma"/>
+              </a:rPr>
+              <a:t>Peer-to-Peer (P2P)</a:t>
+            </a:r>
+            <a:r>
+              <a:rPr lang="pl" sz="1408">
+                <a:solidFill>
+                  <a:schemeClr val="dk2"/>
+                </a:solidFill>
+                <a:latin typeface="Tahoma"/>
+                <a:ea typeface="Tahoma"/>
+                <a:cs typeface="Tahoma"/>
+                <a:sym typeface="Tahoma"/>
+              </a:rPr>
+              <a:t> - Każdy komputer (węzeł) może być klientem i serwerem jednocześnie.</a:t>
+            </a:r>
+            <a:endParaRPr sz="1408">
+              <a:solidFill>
+                <a:schemeClr val="dk2"/>
+              </a:solidFill>
+              <a:latin typeface="Tahoma"/>
+              <a:ea typeface="Tahoma"/>
+              <a:cs typeface="Tahoma"/>
+              <a:sym typeface="Tahoma"/>
+            </a:endParaRPr>
+          </a:p>
+          <a:p>
+            <a:pPr indent="0" lvl="0" marL="0" rtl="0" algn="l">
+              <a:spcBef>
+                <a:spcPts val="0"/>
+              </a:spcBef>
+              <a:spcAft>
+                <a:spcPts val="0"/>
+              </a:spcAft>
+              <a:buNone/>
+            </a:pPr>
+            <a:r>
+              <a:rPr lang="pl" sz="1408">
+                <a:solidFill>
+                  <a:schemeClr val="dk2"/>
+                </a:solidFill>
+                <a:latin typeface="Tahoma"/>
+                <a:ea typeface="Tahoma"/>
+                <a:cs typeface="Tahoma"/>
+                <a:sym typeface="Tahoma"/>
+              </a:rPr>
+              <a:t>Przykład: Torrent, komunikatory (np. Skype, BitTorrent)</a:t>
+            </a:r>
+            <a:endParaRPr sz="1408">
+              <a:solidFill>
+                <a:schemeClr val="dk2"/>
+              </a:solidFill>
+              <a:latin typeface="Tahoma"/>
+              <a:ea typeface="Tahoma"/>
+              <a:cs typeface="Tahoma"/>
+              <a:sym typeface="Tahoma"/>
+            </a:endParaRPr>
+          </a:p>
+          <a:p>
+            <a:pPr indent="0" lvl="0" marL="0" rtl="0" algn="l">
+              <a:spcBef>
+                <a:spcPts val="0"/>
+              </a:spcBef>
+              <a:spcAft>
+                <a:spcPts val="0"/>
+              </a:spcAft>
+              <a:buNone/>
+            </a:pPr>
+            <a:r>
+              <a:t/>
+            </a:r>
+            <a:endParaRPr/>
+          </a:p>
+          <a:p>
+            <a:pPr indent="0" lvl="0" marL="0" rtl="0" algn="l">
+              <a:spcBef>
+                <a:spcPts val="0"/>
+              </a:spcBef>
+              <a:spcAft>
+                <a:spcPts val="0"/>
+              </a:spcAft>
+              <a:buNone/>
+            </a:pPr>
+            <a:r>
+              <a:t/>
+            </a:r>
+            <a:endParaRPr/>
+          </a:p>
+        </p:txBody>
+      </p:sp>
+    </p:spTree>
+  </p:cSld>
+  <p:clrMapOvr>
+    <a:masterClrMapping/>
+  </p:clrMapOvr>
+</p:sld>
+</file>
+
+<file path=ppt/slides/slide24.xml><?xml version="1.0" encoding="utf-8"?>
+<p:sld xmlns:a="http://schemas.openxmlformats.org/drawingml/2006/main" xmlns:r="http://schemas.openxmlformats.org/officeDocument/2006/relationships" xmlns:mc="http://schemas.openxmlformats.org/markup-compatibility/2006" xmlns:mv="urn:schemas-microsoft-com:mac:vml" xmlns:p="http://schemas.openxmlformats.org/presentationml/2006/main" xmlns:c="http://schemas.openxmlformats.org/drawingml/2006/chart" xmlns:dgm="http://schemas.openxmlformats.org/drawingml/2006/diagram" xmlns:o="urn:schemas-microsoft-com:office:office" xmlns:v="urn:schemas-microsoft-com:vml" xmlns:pvml="urn:schemas-microsoft-com:office:powerpoint" xmlns:com="http://schemas.openxmlformats.org/drawingml/2006/compatibility" xmlns:p14="http://schemas.microsoft.com/office/powerpoint/2010/main" xmlns:p15="http://schemas.microsoft.com/office/powerpoint/2012/main" xmlns:ahyp="http://schemas.microsoft.com/office/drawing/2018/hyperlinkcolor">
+  <p:cSld>
+    <p:spTree>
+      <p:nvGrpSpPr>
+        <p:cNvPr id="223" name="Shape 223"/>
+        <p:cNvGrpSpPr/>
+        <p:nvPr/>
+      </p:nvGrpSpPr>
+      <p:grpSpPr>
+        <a:xfrm>
+          <a:off x="0" y="0"/>
+          <a:ext cx="0" cy="0"/>
+          <a:chOff x="0" y="0"/>
+          <a:chExt cx="0" cy="0"/>
+        </a:xfrm>
+      </p:grpSpPr>
+      <p:sp>
+        <p:nvSpPr>
+          <p:cNvPr id="224" name="Google Shape;224;p36"/>
+          <p:cNvSpPr txBox="1"/>
+          <p:nvPr>
+            <p:ph type="title"/>
+          </p:nvPr>
+        </p:nvSpPr>
+        <p:spPr>
+          <a:xfrm>
+            <a:off x="729450" y="1318650"/>
+            <a:ext cx="7688700" cy="535200"/>
+          </a:xfrm>
+          <a:prstGeom prst="rect">
+            <a:avLst/>
+          </a:prstGeom>
+        </p:spPr>
+        <p:txBody>
+          <a:bodyPr anchorCtr="0" anchor="t" bIns="91425" lIns="91425" spcFirstLastPara="1" rIns="91425" wrap="square" tIns="91425">
+            <a:normAutofit fontScale="90000"/>
+          </a:bodyPr>
+          <a:lstStyle/>
+          <a:p>
+            <a:pPr indent="0" lvl="0" marL="0" rtl="0" algn="l">
+              <a:spcBef>
+                <a:spcPts val="0"/>
+              </a:spcBef>
+              <a:spcAft>
+                <a:spcPts val="0"/>
+              </a:spcAft>
+              <a:buClr>
+                <a:srgbClr val="000000"/>
+              </a:buClr>
+              <a:buSzPct val="40573"/>
+              <a:buFont typeface="Arial"/>
+              <a:buNone/>
+            </a:pPr>
+            <a:r>
+              <a:rPr lang="pl" sz="2440">
+                <a:latin typeface="Tahoma"/>
+                <a:ea typeface="Tahoma"/>
+                <a:cs typeface="Tahoma"/>
+                <a:sym typeface="Tahoma"/>
+              </a:rPr>
+              <a:t>Rodzaje (modele) programow. rozproszonego</a:t>
+            </a:r>
+            <a:endParaRPr/>
+          </a:p>
+        </p:txBody>
+      </p:sp>
+      <p:sp>
+        <p:nvSpPr>
+          <p:cNvPr id="225" name="Google Shape;225;p36"/>
+          <p:cNvSpPr txBox="1"/>
+          <p:nvPr>
+            <p:ph idx="1" type="body"/>
+          </p:nvPr>
+        </p:nvSpPr>
+        <p:spPr>
+          <a:xfrm>
+            <a:off x="729450" y="2078875"/>
+            <a:ext cx="7688700" cy="2792700"/>
+          </a:xfrm>
+          <a:prstGeom prst="rect">
+            <a:avLst/>
+          </a:prstGeom>
+        </p:spPr>
+        <p:txBody>
+          <a:bodyPr anchorCtr="0" anchor="t" bIns="91425" lIns="91425" spcFirstLastPara="1" rIns="91425" wrap="square" tIns="91425">
+            <a:normAutofit fontScale="85000" lnSpcReduction="10000"/>
+          </a:bodyPr>
+          <a:lstStyle/>
+          <a:p>
+            <a:pPr indent="0" lvl="0" marL="0" rtl="0" algn="l">
+              <a:spcBef>
+                <a:spcPts val="0"/>
+              </a:spcBef>
+              <a:spcAft>
+                <a:spcPts val="0"/>
+              </a:spcAft>
+              <a:buNone/>
+            </a:pPr>
+            <a:r>
+              <a:rPr b="1" lang="pl" sz="1408">
+                <a:solidFill>
+                  <a:schemeClr val="dk1"/>
+                </a:solidFill>
+                <a:latin typeface="Tahoma"/>
+                <a:ea typeface="Tahoma"/>
+                <a:cs typeface="Tahoma"/>
+                <a:sym typeface="Tahoma"/>
+              </a:rPr>
+              <a:t>Zdalne wywołania procedur (RPC) </a:t>
+            </a:r>
+            <a:r>
+              <a:rPr lang="pl" sz="1408">
+                <a:solidFill>
+                  <a:schemeClr val="dk2"/>
+                </a:solidFill>
+                <a:latin typeface="Tahoma"/>
+                <a:ea typeface="Tahoma"/>
+                <a:cs typeface="Tahoma"/>
+                <a:sym typeface="Tahoma"/>
+              </a:rPr>
+              <a:t>- Program na jednym komputerze wywołuje funkcję na innym.</a:t>
+            </a:r>
+            <a:endParaRPr sz="1408">
+              <a:solidFill>
+                <a:schemeClr val="dk2"/>
+              </a:solidFill>
+              <a:latin typeface="Tahoma"/>
+              <a:ea typeface="Tahoma"/>
+              <a:cs typeface="Tahoma"/>
+              <a:sym typeface="Tahoma"/>
+            </a:endParaRPr>
+          </a:p>
+          <a:p>
+            <a:pPr indent="0" lvl="0" marL="0" rtl="0" algn="l">
+              <a:spcBef>
+                <a:spcPts val="0"/>
+              </a:spcBef>
+              <a:spcAft>
+                <a:spcPts val="0"/>
+              </a:spcAft>
+              <a:buNone/>
+            </a:pPr>
+            <a:r>
+              <a:rPr lang="pl" sz="1408">
+                <a:solidFill>
+                  <a:schemeClr val="dk2"/>
+                </a:solidFill>
+                <a:latin typeface="Tahoma"/>
+                <a:ea typeface="Tahoma"/>
+                <a:cs typeface="Tahoma"/>
+                <a:sym typeface="Tahoma"/>
+              </a:rPr>
+              <a:t>Przykład: Java RMI, gRPC</a:t>
+            </a:r>
+            <a:endParaRPr sz="1408">
+              <a:solidFill>
+                <a:schemeClr val="dk2"/>
+              </a:solidFill>
+              <a:latin typeface="Tahoma"/>
+              <a:ea typeface="Tahoma"/>
+              <a:cs typeface="Tahoma"/>
+              <a:sym typeface="Tahoma"/>
+            </a:endParaRPr>
+          </a:p>
+          <a:p>
+            <a:pPr indent="0" lvl="0" marL="0" rtl="0" algn="l">
+              <a:spcBef>
+                <a:spcPts val="0"/>
+              </a:spcBef>
+              <a:spcAft>
+                <a:spcPts val="0"/>
+              </a:spcAft>
+              <a:buNone/>
+            </a:pPr>
+            <a:r>
+              <a:t/>
+            </a:r>
+            <a:endParaRPr sz="1408">
+              <a:solidFill>
+                <a:schemeClr val="dk2"/>
+              </a:solidFill>
+              <a:latin typeface="Tahoma"/>
+              <a:ea typeface="Tahoma"/>
+              <a:cs typeface="Tahoma"/>
+              <a:sym typeface="Tahoma"/>
+            </a:endParaRPr>
+          </a:p>
+          <a:p>
+            <a:pPr indent="0" lvl="0" marL="0" rtl="0" algn="l">
+              <a:spcBef>
+                <a:spcPts val="0"/>
+              </a:spcBef>
+              <a:spcAft>
+                <a:spcPts val="0"/>
+              </a:spcAft>
+              <a:buNone/>
+            </a:pPr>
+            <a:r>
+              <a:rPr b="1" lang="pl" sz="1408">
+                <a:solidFill>
+                  <a:schemeClr val="dk1"/>
+                </a:solidFill>
+                <a:latin typeface="Tahoma"/>
+                <a:ea typeface="Tahoma"/>
+                <a:cs typeface="Tahoma"/>
+                <a:sym typeface="Tahoma"/>
+              </a:rPr>
+              <a:t>Systemy oparte o komunikaty (Message-Oriented) </a:t>
+            </a:r>
+            <a:r>
+              <a:rPr lang="pl" sz="1408">
+                <a:solidFill>
+                  <a:schemeClr val="dk2"/>
+                </a:solidFill>
+                <a:latin typeface="Tahoma"/>
+                <a:ea typeface="Tahoma"/>
+                <a:cs typeface="Tahoma"/>
+                <a:sym typeface="Tahoma"/>
+              </a:rPr>
+              <a:t>- Komputery komunikują się przez kolejki wiadomości.</a:t>
+            </a:r>
+            <a:endParaRPr sz="1408">
+              <a:solidFill>
+                <a:schemeClr val="dk2"/>
+              </a:solidFill>
+              <a:latin typeface="Tahoma"/>
+              <a:ea typeface="Tahoma"/>
+              <a:cs typeface="Tahoma"/>
+              <a:sym typeface="Tahoma"/>
+            </a:endParaRPr>
+          </a:p>
+          <a:p>
+            <a:pPr indent="0" lvl="0" marL="0" rtl="0" algn="l">
+              <a:spcBef>
+                <a:spcPts val="0"/>
+              </a:spcBef>
+              <a:spcAft>
+                <a:spcPts val="0"/>
+              </a:spcAft>
+              <a:buNone/>
+            </a:pPr>
+            <a:r>
+              <a:rPr lang="pl" sz="1408">
+                <a:solidFill>
+                  <a:schemeClr val="dk2"/>
+                </a:solidFill>
+                <a:latin typeface="Tahoma"/>
+                <a:ea typeface="Tahoma"/>
+                <a:cs typeface="Tahoma"/>
+                <a:sym typeface="Tahoma"/>
+              </a:rPr>
+              <a:t>Przykład: RabbitMQ, Apache Kafka</a:t>
+            </a:r>
+            <a:endParaRPr sz="1408">
+              <a:solidFill>
+                <a:schemeClr val="dk2"/>
+              </a:solidFill>
+              <a:latin typeface="Tahoma"/>
+              <a:ea typeface="Tahoma"/>
+              <a:cs typeface="Tahoma"/>
+              <a:sym typeface="Tahoma"/>
+            </a:endParaRPr>
+          </a:p>
+          <a:p>
+            <a:pPr indent="0" lvl="0" marL="0" rtl="0" algn="l">
+              <a:spcBef>
+                <a:spcPts val="0"/>
+              </a:spcBef>
+              <a:spcAft>
+                <a:spcPts val="0"/>
+              </a:spcAft>
+              <a:buNone/>
+            </a:pPr>
+            <a:r>
+              <a:t/>
+            </a:r>
+            <a:endParaRPr sz="1408">
+              <a:solidFill>
+                <a:schemeClr val="dk2"/>
+              </a:solidFill>
+              <a:latin typeface="Tahoma"/>
+              <a:ea typeface="Tahoma"/>
+              <a:cs typeface="Tahoma"/>
+              <a:sym typeface="Tahoma"/>
+            </a:endParaRPr>
+          </a:p>
+          <a:p>
+            <a:pPr indent="0" lvl="0" marL="0" rtl="0" algn="l">
+              <a:spcBef>
+                <a:spcPts val="0"/>
+              </a:spcBef>
+              <a:spcAft>
+                <a:spcPts val="0"/>
+              </a:spcAft>
+              <a:buNone/>
+            </a:pPr>
+            <a:r>
+              <a:rPr b="1" lang="pl" sz="1408">
+                <a:solidFill>
+                  <a:schemeClr val="dk1"/>
+                </a:solidFill>
+                <a:latin typeface="Tahoma"/>
+                <a:ea typeface="Tahoma"/>
+                <a:cs typeface="Tahoma"/>
+                <a:sym typeface="Tahoma"/>
+              </a:rPr>
+              <a:t>Mikroserwisowe (Microservices)</a:t>
+            </a:r>
+            <a:r>
+              <a:rPr lang="pl" sz="1408">
+                <a:solidFill>
+                  <a:schemeClr val="dk2"/>
+                </a:solidFill>
+                <a:latin typeface="Tahoma"/>
+                <a:ea typeface="Tahoma"/>
+                <a:cs typeface="Tahoma"/>
+                <a:sym typeface="Tahoma"/>
+              </a:rPr>
+              <a:t> - System składa się z wielu małych usług, które komunikują się przez sieć.</a:t>
+            </a:r>
+            <a:endParaRPr sz="1408">
+              <a:solidFill>
+                <a:schemeClr val="dk2"/>
+              </a:solidFill>
+              <a:latin typeface="Tahoma"/>
+              <a:ea typeface="Tahoma"/>
+              <a:cs typeface="Tahoma"/>
+              <a:sym typeface="Tahoma"/>
+            </a:endParaRPr>
+          </a:p>
+          <a:p>
+            <a:pPr indent="0" lvl="0" marL="0" rtl="0" algn="l">
+              <a:spcBef>
+                <a:spcPts val="0"/>
+              </a:spcBef>
+              <a:spcAft>
+                <a:spcPts val="0"/>
+              </a:spcAft>
+              <a:buNone/>
+            </a:pPr>
+            <a:r>
+              <a:rPr lang="pl" sz="1408">
+                <a:solidFill>
+                  <a:schemeClr val="dk2"/>
+                </a:solidFill>
+                <a:latin typeface="Tahoma"/>
+                <a:ea typeface="Tahoma"/>
+                <a:cs typeface="Tahoma"/>
+                <a:sym typeface="Tahoma"/>
+              </a:rPr>
+              <a:t>Przykład: Aplikacje w chmurze (np. Netflix, Amazon)</a:t>
+            </a:r>
+            <a:endParaRPr sz="1408">
+              <a:solidFill>
+                <a:schemeClr val="dk2"/>
+              </a:solidFill>
+              <a:latin typeface="Tahoma"/>
+              <a:ea typeface="Tahoma"/>
+              <a:cs typeface="Tahoma"/>
+              <a:sym typeface="Tahoma"/>
+            </a:endParaRPr>
+          </a:p>
+          <a:p>
+            <a:pPr indent="0" lvl="0" marL="0" rtl="0" algn="l">
+              <a:spcBef>
+                <a:spcPts val="0"/>
+              </a:spcBef>
+              <a:spcAft>
+                <a:spcPts val="0"/>
+              </a:spcAft>
+              <a:buNone/>
+            </a:pPr>
+            <a:r>
+              <a:t/>
+            </a:r>
+            <a:endParaRPr sz="1408">
+              <a:solidFill>
+                <a:schemeClr val="dk2"/>
+              </a:solidFill>
+              <a:latin typeface="Tahoma"/>
+              <a:ea typeface="Tahoma"/>
+              <a:cs typeface="Tahoma"/>
+              <a:sym typeface="Tahoma"/>
+            </a:endParaRPr>
+          </a:p>
+          <a:p>
+            <a:pPr indent="0" lvl="0" marL="0" rtl="0" algn="l">
+              <a:spcBef>
+                <a:spcPts val="0"/>
+              </a:spcBef>
+              <a:spcAft>
+                <a:spcPts val="0"/>
+              </a:spcAft>
+              <a:buNone/>
+            </a:pPr>
+            <a:r>
+              <a:rPr b="1" lang="pl" sz="1408">
+                <a:solidFill>
+                  <a:schemeClr val="dk1"/>
+                </a:solidFill>
+                <a:latin typeface="Tahoma"/>
+                <a:ea typeface="Tahoma"/>
+                <a:cs typeface="Tahoma"/>
+                <a:sym typeface="Tahoma"/>
+              </a:rPr>
+              <a:t>Grid Computing / Cloud Computing </a:t>
+            </a:r>
+            <a:r>
+              <a:rPr lang="pl" sz="1408">
+                <a:solidFill>
+                  <a:schemeClr val="dk2"/>
+                </a:solidFill>
+                <a:latin typeface="Tahoma"/>
+                <a:ea typeface="Tahoma"/>
+                <a:cs typeface="Tahoma"/>
+                <a:sym typeface="Tahoma"/>
+              </a:rPr>
+              <a:t>- Wiele serwerów współdzieli zasoby obliczeniowe lub pamięć.</a:t>
+            </a:r>
+            <a:endParaRPr sz="1408">
+              <a:solidFill>
+                <a:schemeClr val="dk2"/>
+              </a:solidFill>
+              <a:latin typeface="Tahoma"/>
+              <a:ea typeface="Tahoma"/>
+              <a:cs typeface="Tahoma"/>
+              <a:sym typeface="Tahoma"/>
+            </a:endParaRPr>
+          </a:p>
+          <a:p>
+            <a:pPr indent="0" lvl="0" marL="0" rtl="0" algn="l">
+              <a:spcBef>
+                <a:spcPts val="0"/>
+              </a:spcBef>
+              <a:spcAft>
+                <a:spcPts val="0"/>
+              </a:spcAft>
+              <a:buNone/>
+            </a:pPr>
+            <a:r>
+              <a:rPr lang="pl" sz="1408">
+                <a:solidFill>
+                  <a:schemeClr val="dk2"/>
+                </a:solidFill>
+                <a:latin typeface="Tahoma"/>
+                <a:ea typeface="Tahoma"/>
+                <a:cs typeface="Tahoma"/>
+                <a:sym typeface="Tahoma"/>
+              </a:rPr>
+              <a:t>Przykład: AWS, Azure, Google Cloud</a:t>
+            </a:r>
+            <a:endParaRPr sz="1408">
+              <a:solidFill>
+                <a:schemeClr val="dk2"/>
+              </a:solidFill>
+              <a:latin typeface="Tahoma"/>
+              <a:ea typeface="Tahoma"/>
+              <a:cs typeface="Tahoma"/>
+              <a:sym typeface="Tahoma"/>
+            </a:endParaRPr>
+          </a:p>
+          <a:p>
+            <a:pPr indent="0" lvl="0" marL="0" rtl="0" algn="l">
+              <a:spcBef>
+                <a:spcPts val="0"/>
+              </a:spcBef>
+              <a:spcAft>
+                <a:spcPts val="1200"/>
+              </a:spcAft>
+              <a:buNone/>
+            </a:pPr>
+            <a:r>
+              <a:t/>
+            </a:r>
+            <a:endParaRPr/>
+          </a:p>
+        </p:txBody>
+      </p:sp>
+    </p:spTree>
+  </p:cSld>
+  <p:clrMapOvr>
+    <a:masterClrMapping/>
+  </p:clrMapOvr>
+</p:sld>
+</file>
+
+<file path=ppt/slides/slide25.xml><?xml version="1.0" encoding="utf-8"?>
+<p:sld xmlns:a="http://schemas.openxmlformats.org/drawingml/2006/main" xmlns:r="http://schemas.openxmlformats.org/officeDocument/2006/relationships" xmlns:mc="http://schemas.openxmlformats.org/markup-compatibility/2006" xmlns:mv="urn:schemas-microsoft-com:mac:vml" xmlns:p="http://schemas.openxmlformats.org/presentationml/2006/main" xmlns:c="http://schemas.openxmlformats.org/drawingml/2006/chart" xmlns:dgm="http://schemas.openxmlformats.org/drawingml/2006/diagram" xmlns:o="urn:schemas-microsoft-com:office:office" xmlns:v="urn:schemas-microsoft-com:vml" xmlns:pvml="urn:schemas-microsoft-com:office:powerpoint" xmlns:com="http://schemas.openxmlformats.org/drawingml/2006/compatibility" xmlns:p14="http://schemas.microsoft.com/office/powerpoint/2010/main" xmlns:p15="http://schemas.microsoft.com/office/powerpoint/2012/main" xmlns:ahyp="http://schemas.microsoft.com/office/drawing/2018/hyperlinkcolor">
+  <p:cSld>
+    <p:spTree>
+      <p:nvGrpSpPr>
+        <p:cNvPr id="229" name="Shape 229"/>
+        <p:cNvGrpSpPr/>
+        <p:nvPr/>
+      </p:nvGrpSpPr>
+      <p:grpSpPr>
+        <a:xfrm>
+          <a:off x="0" y="0"/>
+          <a:ext cx="0" cy="0"/>
+          <a:chOff x="0" y="0"/>
+          <a:chExt cx="0" cy="0"/>
+        </a:xfrm>
+      </p:grpSpPr>
+      <p:sp>
+        <p:nvSpPr>
+          <p:cNvPr id="230" name="Google Shape;230;p37"/>
+          <p:cNvSpPr txBox="1"/>
+          <p:nvPr>
+            <p:ph type="title"/>
+          </p:nvPr>
+        </p:nvSpPr>
+        <p:spPr>
+          <a:xfrm>
+            <a:off x="729450" y="1318650"/>
+            <a:ext cx="7688700" cy="535200"/>
+          </a:xfrm>
+          <a:prstGeom prst="rect">
+            <a:avLst/>
+          </a:prstGeom>
+        </p:spPr>
+        <p:txBody>
+          <a:bodyPr anchorCtr="0" anchor="t" bIns="91425" lIns="91425" spcFirstLastPara="1" rIns="91425" wrap="square" tIns="91425">
+            <a:normAutofit fontScale="90000"/>
+          </a:bodyPr>
+          <a:lstStyle/>
+          <a:p>
+            <a:pPr indent="0" lvl="0" marL="0" rtl="0" algn="l">
+              <a:spcBef>
+                <a:spcPts val="0"/>
+              </a:spcBef>
+              <a:spcAft>
+                <a:spcPts val="0"/>
+              </a:spcAft>
+              <a:buNone/>
+            </a:pPr>
+            <a:r>
+              <a:rPr lang="pl"/>
+              <a:t>Technologie używane w progr. rozproszonym</a:t>
+            </a:r>
+            <a:endParaRPr/>
+          </a:p>
+        </p:txBody>
+      </p:sp>
+      <p:sp>
+        <p:nvSpPr>
+          <p:cNvPr id="231" name="Google Shape;231;p37"/>
+          <p:cNvSpPr txBox="1"/>
+          <p:nvPr>
+            <p:ph idx="1" type="body"/>
+          </p:nvPr>
+        </p:nvSpPr>
+        <p:spPr>
+          <a:xfrm>
+            <a:off x="729450" y="2078875"/>
+            <a:ext cx="7688700" cy="2261100"/>
+          </a:xfrm>
+          <a:prstGeom prst="rect">
+            <a:avLst/>
+          </a:prstGeom>
+        </p:spPr>
+        <p:txBody>
+          <a:bodyPr anchorCtr="0" anchor="t" bIns="91425" lIns="91425" spcFirstLastPara="1" rIns="91425" wrap="square" tIns="91425">
+            <a:normAutofit/>
+          </a:bodyPr>
+          <a:lstStyle/>
+          <a:p>
+            <a:pPr indent="0" lvl="0" marL="0" rtl="0" algn="l">
+              <a:spcBef>
+                <a:spcPts val="0"/>
+              </a:spcBef>
+              <a:spcAft>
+                <a:spcPts val="0"/>
+              </a:spcAft>
+              <a:buNone/>
+            </a:pPr>
+            <a:r>
+              <a:rPr b="1" lang="pl">
+                <a:solidFill>
+                  <a:srgbClr val="741B47"/>
+                </a:solidFill>
+                <a:latin typeface="Tahoma"/>
+                <a:ea typeface="Tahoma"/>
+                <a:cs typeface="Tahoma"/>
+                <a:sym typeface="Tahoma"/>
+              </a:rPr>
+              <a:t>Obszar:			Przykłady</a:t>
+            </a:r>
+            <a:endParaRPr b="1">
+              <a:solidFill>
+                <a:srgbClr val="741B47"/>
+              </a:solidFill>
+              <a:latin typeface="Tahoma"/>
+              <a:ea typeface="Tahoma"/>
+              <a:cs typeface="Tahoma"/>
+              <a:sym typeface="Tahoma"/>
+            </a:endParaRPr>
+          </a:p>
+          <a:p>
+            <a:pPr indent="0" lvl="0" marL="0" rtl="0" algn="l">
+              <a:spcBef>
+                <a:spcPts val="1200"/>
+              </a:spcBef>
+              <a:spcAft>
+                <a:spcPts val="0"/>
+              </a:spcAft>
+              <a:buNone/>
+            </a:pPr>
+            <a:r>
+              <a:rPr lang="pl" sz="1400">
+                <a:solidFill>
+                  <a:schemeClr val="dk2"/>
+                </a:solidFill>
+                <a:latin typeface="Tahoma"/>
+                <a:ea typeface="Tahoma"/>
+                <a:cs typeface="Tahoma"/>
+                <a:sym typeface="Tahoma"/>
+              </a:rPr>
+              <a:t>Backend 			Java (Spring Cloud), .NET, </a:t>
+            </a:r>
+            <a:r>
+              <a:rPr lang="pl" sz="1400" u="sng">
+                <a:solidFill>
+                  <a:schemeClr val="dk2"/>
+                </a:solidFill>
+                <a:latin typeface="Tahoma"/>
+                <a:ea typeface="Tahoma"/>
+                <a:cs typeface="Tahoma"/>
+                <a:sym typeface="Tahoma"/>
+                <a:hlinkClick r:id="rId3">
+                  <a:extLst>
+                    <a:ext uri="{A12FA001-AC4F-418D-AE19-62706E023703}">
+                      <ahyp:hlinkClr val="tx"/>
+                    </a:ext>
+                  </a:extLst>
+                </a:hlinkClick>
+              </a:rPr>
+              <a:t>Node.js</a:t>
+            </a:r>
+            <a:endParaRPr sz="1400">
+              <a:solidFill>
+                <a:schemeClr val="dk2"/>
+              </a:solidFill>
+              <a:latin typeface="Tahoma"/>
+              <a:ea typeface="Tahoma"/>
+              <a:cs typeface="Tahoma"/>
+              <a:sym typeface="Tahoma"/>
+            </a:endParaRPr>
+          </a:p>
+          <a:p>
+            <a:pPr indent="0" lvl="0" marL="0" rtl="0" algn="l">
+              <a:spcBef>
+                <a:spcPts val="1200"/>
+              </a:spcBef>
+              <a:spcAft>
+                <a:spcPts val="0"/>
+              </a:spcAft>
+              <a:buNone/>
+            </a:pPr>
+            <a:r>
+              <a:rPr lang="pl" sz="1400">
+                <a:solidFill>
+                  <a:schemeClr val="dk2"/>
+                </a:solidFill>
+                <a:latin typeface="Tahoma"/>
+                <a:ea typeface="Tahoma"/>
+                <a:cs typeface="Tahoma"/>
+                <a:sym typeface="Tahoma"/>
+              </a:rPr>
+              <a:t>Komunikacja		REST API, gRPC, WebSocket, message queues (RabbitMQ, Kafka)</a:t>
+            </a:r>
+            <a:endParaRPr sz="1400">
+              <a:solidFill>
+                <a:schemeClr val="dk2"/>
+              </a:solidFill>
+              <a:latin typeface="Tahoma"/>
+              <a:ea typeface="Tahoma"/>
+              <a:cs typeface="Tahoma"/>
+              <a:sym typeface="Tahoma"/>
+            </a:endParaRPr>
+          </a:p>
+          <a:p>
+            <a:pPr indent="0" lvl="0" marL="0" rtl="0" algn="l">
+              <a:spcBef>
+                <a:spcPts val="1200"/>
+              </a:spcBef>
+              <a:spcAft>
+                <a:spcPts val="0"/>
+              </a:spcAft>
+              <a:buNone/>
+            </a:pPr>
+            <a:r>
+              <a:rPr lang="pl" sz="1400">
+                <a:solidFill>
+                  <a:schemeClr val="dk2"/>
+                </a:solidFill>
+                <a:latin typeface="Tahoma"/>
+                <a:ea typeface="Tahoma"/>
+                <a:cs typeface="Tahoma"/>
+                <a:sym typeface="Tahoma"/>
+              </a:rPr>
+              <a:t>Bazy danych		MongoDB, Cassandra, PostgreSQL Cluster</a:t>
+            </a:r>
+            <a:endParaRPr sz="1400">
+              <a:solidFill>
+                <a:schemeClr val="dk2"/>
+              </a:solidFill>
+              <a:latin typeface="Tahoma"/>
+              <a:ea typeface="Tahoma"/>
+              <a:cs typeface="Tahoma"/>
+              <a:sym typeface="Tahoma"/>
+            </a:endParaRPr>
+          </a:p>
+          <a:p>
+            <a:pPr indent="0" lvl="0" marL="0" rtl="0" algn="l">
+              <a:spcBef>
+                <a:spcPts val="1200"/>
+              </a:spcBef>
+              <a:spcAft>
+                <a:spcPts val="1200"/>
+              </a:spcAft>
+              <a:buNone/>
+            </a:pPr>
+            <a:r>
+              <a:rPr lang="pl" sz="1400">
+                <a:solidFill>
+                  <a:schemeClr val="dk2"/>
+                </a:solidFill>
+                <a:latin typeface="Tahoma"/>
+                <a:ea typeface="Tahoma"/>
+                <a:cs typeface="Tahoma"/>
+                <a:sym typeface="Tahoma"/>
+              </a:rPr>
+              <a:t>Architektura		mikroserwisy, chmura (AWS, Azure, GCP)</a:t>
+            </a:r>
+            <a:endParaRPr sz="1400">
+              <a:solidFill>
+                <a:schemeClr val="dk2"/>
+              </a:solidFill>
+              <a:latin typeface="Tahoma"/>
+              <a:ea typeface="Tahoma"/>
+              <a:cs typeface="Tahoma"/>
+              <a:sym typeface="Tahoma"/>
+            </a:endParaRPr>
+          </a:p>
+        </p:txBody>
+      </p:sp>
+    </p:spTree>
+  </p:cSld>
+  <p:clrMapOvr>
+    <a:masterClrMapping/>
+  </p:clrMapOvr>
+</p:sld>
+</file>
+
+<file path=ppt/slides/slide26.xml><?xml version="1.0" encoding="utf-8"?>
+<p:sld xmlns:a="http://schemas.openxmlformats.org/drawingml/2006/main" xmlns:r="http://schemas.openxmlformats.org/officeDocument/2006/relationships" xmlns:mc="http://schemas.openxmlformats.org/markup-compatibility/2006" xmlns:mv="urn:schemas-microsoft-com:mac:vml" xmlns:p="http://schemas.openxmlformats.org/presentationml/2006/main" xmlns:c="http://schemas.openxmlformats.org/drawingml/2006/chart" xmlns:dgm="http://schemas.openxmlformats.org/drawingml/2006/diagram" xmlns:o="urn:schemas-microsoft-com:office:office" xmlns:v="urn:schemas-microsoft-com:vml" xmlns:pvml="urn:schemas-microsoft-com:office:powerpoint" xmlns:com="http://schemas.openxmlformats.org/drawingml/2006/compatibility" xmlns:p14="http://schemas.microsoft.com/office/powerpoint/2010/main" xmlns:p15="http://schemas.microsoft.com/office/powerpoint/2012/main" xmlns:ahyp="http://schemas.microsoft.com/office/drawing/2018/hyperlinkcolor">
+  <p:cSld>
+    <p:spTree>
+      <p:nvGrpSpPr>
+        <p:cNvPr id="235" name="Shape 235"/>
+        <p:cNvGrpSpPr/>
+        <p:nvPr/>
+      </p:nvGrpSpPr>
+      <p:grpSpPr>
+        <a:xfrm>
+          <a:off x="0" y="0"/>
+          <a:ext cx="0" cy="0"/>
+          <a:chOff x="0" y="0"/>
+          <a:chExt cx="0" cy="0"/>
+        </a:xfrm>
+      </p:grpSpPr>
+      <p:sp>
+        <p:nvSpPr>
+          <p:cNvPr id="236" name="Google Shape;236;p38"/>
+          <p:cNvSpPr txBox="1"/>
+          <p:nvPr>
+            <p:ph type="title"/>
+          </p:nvPr>
+        </p:nvSpPr>
+        <p:spPr>
+          <a:xfrm>
+            <a:off x="729450" y="1318650"/>
+            <a:ext cx="7688700" cy="535200"/>
+          </a:xfrm>
+          <a:prstGeom prst="rect">
+            <a:avLst/>
+          </a:prstGeom>
+        </p:spPr>
+        <p:txBody>
+          <a:bodyPr anchorCtr="0" anchor="t" bIns="91425" lIns="91425" spcFirstLastPara="1" rIns="91425" wrap="square" tIns="91425">
+            <a:noAutofit/>
+          </a:bodyPr>
+          <a:lstStyle/>
+          <a:p>
+            <a:pPr indent="0" lvl="0" marL="0" rtl="0" algn="l">
+              <a:spcBef>
+                <a:spcPts val="0"/>
+              </a:spcBef>
+              <a:spcAft>
+                <a:spcPts val="0"/>
+              </a:spcAft>
+              <a:buSzPts val="990"/>
+              <a:buNone/>
+            </a:pPr>
+            <a:r>
+              <a:rPr lang="pl" sz="2440">
+                <a:latin typeface="Tahoma"/>
+                <a:ea typeface="Tahoma"/>
+                <a:cs typeface="Tahoma"/>
+                <a:sym typeface="Tahoma"/>
+              </a:rPr>
+              <a:t>Cechy systemów rozproszonych</a:t>
+            </a:r>
+            <a:endParaRPr sz="2440">
+              <a:latin typeface="Tahoma"/>
+              <a:ea typeface="Tahoma"/>
+              <a:cs typeface="Tahoma"/>
+              <a:sym typeface="Tahoma"/>
+            </a:endParaRPr>
+          </a:p>
+        </p:txBody>
+      </p:sp>
+      <p:sp>
+        <p:nvSpPr>
+          <p:cNvPr id="237" name="Google Shape;237;p38"/>
+          <p:cNvSpPr txBox="1"/>
+          <p:nvPr>
+            <p:ph idx="1" type="body"/>
+          </p:nvPr>
+        </p:nvSpPr>
+        <p:spPr>
+          <a:xfrm>
+            <a:off x="729450" y="2078875"/>
+            <a:ext cx="7688700" cy="2778000"/>
+          </a:xfrm>
+          <a:prstGeom prst="rect">
+            <a:avLst/>
+          </a:prstGeom>
+        </p:spPr>
+        <p:txBody>
+          <a:bodyPr anchorCtr="0" anchor="t" bIns="91425" lIns="91425" spcFirstLastPara="1" rIns="91425" wrap="square" tIns="91425">
+            <a:normAutofit/>
+          </a:bodyPr>
+          <a:lstStyle/>
+          <a:p>
+            <a:pPr indent="0" lvl="0" marL="0" rtl="0" algn="l">
+              <a:spcBef>
+                <a:spcPts val="0"/>
+              </a:spcBef>
+              <a:spcAft>
+                <a:spcPts val="0"/>
+              </a:spcAft>
+              <a:buNone/>
+            </a:pPr>
+            <a:r>
+              <a:rPr b="1" lang="pl" sz="1400">
+                <a:solidFill>
+                  <a:srgbClr val="073763"/>
+                </a:solidFill>
+                <a:latin typeface="Tahoma"/>
+                <a:ea typeface="Tahoma"/>
+                <a:cs typeface="Tahoma"/>
+                <a:sym typeface="Tahoma"/>
+              </a:rPr>
+              <a:t>Cecha				Znaczenie</a:t>
+            </a:r>
+            <a:endParaRPr b="1" sz="1400">
+              <a:solidFill>
+                <a:srgbClr val="073763"/>
+              </a:solidFill>
+              <a:latin typeface="Tahoma"/>
+              <a:ea typeface="Tahoma"/>
+              <a:cs typeface="Tahoma"/>
+              <a:sym typeface="Tahoma"/>
+            </a:endParaRPr>
+          </a:p>
+          <a:p>
+            <a:pPr indent="0" lvl="0" marL="0" rtl="0" algn="l">
+              <a:spcBef>
+                <a:spcPts val="1200"/>
+              </a:spcBef>
+              <a:spcAft>
+                <a:spcPts val="0"/>
+              </a:spcAft>
+              <a:buNone/>
+            </a:pPr>
+            <a:r>
+              <a:rPr lang="pl">
+                <a:solidFill>
+                  <a:srgbClr val="274E13"/>
+                </a:solidFill>
+                <a:latin typeface="Tahoma"/>
+                <a:ea typeface="Tahoma"/>
+                <a:cs typeface="Tahoma"/>
+                <a:sym typeface="Tahoma"/>
+              </a:rPr>
+              <a:t>Współbieżność			wiele komputerów działa jednocześnie</a:t>
+            </a:r>
+            <a:endParaRPr>
+              <a:solidFill>
+                <a:srgbClr val="274E13"/>
+              </a:solidFill>
+              <a:latin typeface="Tahoma"/>
+              <a:ea typeface="Tahoma"/>
+              <a:cs typeface="Tahoma"/>
+              <a:sym typeface="Tahoma"/>
+            </a:endParaRPr>
+          </a:p>
+          <a:p>
+            <a:pPr indent="0" lvl="0" marL="0" rtl="0" algn="l">
+              <a:spcBef>
+                <a:spcPts val="1200"/>
+              </a:spcBef>
+              <a:spcAft>
+                <a:spcPts val="0"/>
+              </a:spcAft>
+              <a:buNone/>
+            </a:pPr>
+            <a:r>
+              <a:rPr lang="pl">
+                <a:solidFill>
+                  <a:srgbClr val="274E13"/>
+                </a:solidFill>
+                <a:latin typeface="Tahoma"/>
+                <a:ea typeface="Tahoma"/>
+                <a:cs typeface="Tahoma"/>
+                <a:sym typeface="Tahoma"/>
+              </a:rPr>
+              <a:t>Komunikacja przez sieć		wymiana danych np. przez HTTP, TCP/IP</a:t>
+            </a:r>
+            <a:endParaRPr>
+              <a:solidFill>
+                <a:srgbClr val="274E13"/>
+              </a:solidFill>
+              <a:latin typeface="Tahoma"/>
+              <a:ea typeface="Tahoma"/>
+              <a:cs typeface="Tahoma"/>
+              <a:sym typeface="Tahoma"/>
+            </a:endParaRPr>
+          </a:p>
+          <a:p>
+            <a:pPr indent="0" lvl="0" marL="0" rtl="0" algn="l">
+              <a:spcBef>
+                <a:spcPts val="1200"/>
+              </a:spcBef>
+              <a:spcAft>
+                <a:spcPts val="0"/>
+              </a:spcAft>
+              <a:buNone/>
+            </a:pPr>
+            <a:r>
+              <a:rPr lang="pl">
+                <a:solidFill>
+                  <a:srgbClr val="274E13"/>
+                </a:solidFill>
+                <a:latin typeface="Tahoma"/>
+                <a:ea typeface="Tahoma"/>
+                <a:cs typeface="Tahoma"/>
+                <a:sym typeface="Tahoma"/>
+              </a:rPr>
+              <a:t>Niezależność sprzętowa		różne komputery i systemy operacyjne mogą współpracować</a:t>
+            </a:r>
+            <a:endParaRPr>
+              <a:solidFill>
+                <a:srgbClr val="274E13"/>
+              </a:solidFill>
+              <a:latin typeface="Tahoma"/>
+              <a:ea typeface="Tahoma"/>
+              <a:cs typeface="Tahoma"/>
+              <a:sym typeface="Tahoma"/>
+            </a:endParaRPr>
+          </a:p>
+          <a:p>
+            <a:pPr indent="0" lvl="0" marL="0" rtl="0" algn="l">
+              <a:spcBef>
+                <a:spcPts val="1200"/>
+              </a:spcBef>
+              <a:spcAft>
+                <a:spcPts val="0"/>
+              </a:spcAft>
+              <a:buNone/>
+            </a:pPr>
+            <a:r>
+              <a:rPr lang="pl">
+                <a:solidFill>
+                  <a:srgbClr val="274E13"/>
+                </a:solidFill>
+                <a:latin typeface="Tahoma"/>
+                <a:ea typeface="Tahoma"/>
+                <a:cs typeface="Tahoma"/>
+                <a:sym typeface="Tahoma"/>
+              </a:rPr>
+              <a:t>Odporność na awarie		gdy jeden element padnie, reszta może działać dalej</a:t>
+            </a:r>
+            <a:endParaRPr>
+              <a:solidFill>
+                <a:srgbClr val="274E13"/>
+              </a:solidFill>
+              <a:latin typeface="Tahoma"/>
+              <a:ea typeface="Tahoma"/>
+              <a:cs typeface="Tahoma"/>
+              <a:sym typeface="Tahoma"/>
+            </a:endParaRPr>
+          </a:p>
+          <a:p>
+            <a:pPr indent="0" lvl="0" marL="0" rtl="0" algn="l">
+              <a:spcBef>
+                <a:spcPts val="1200"/>
+              </a:spcBef>
+              <a:spcAft>
+                <a:spcPts val="1200"/>
+              </a:spcAft>
+              <a:buNone/>
+            </a:pPr>
+            <a:r>
+              <a:rPr lang="pl">
+                <a:solidFill>
+                  <a:srgbClr val="274E13"/>
+                </a:solidFill>
+                <a:latin typeface="Tahoma"/>
+                <a:ea typeface="Tahoma"/>
+                <a:cs typeface="Tahoma"/>
+                <a:sym typeface="Tahoma"/>
+              </a:rPr>
+              <a:t>Skalowalność			łatwo dodać więcej maszyn, żeby system działał szybciej</a:t>
+            </a:r>
+            <a:endParaRPr>
+              <a:solidFill>
+                <a:srgbClr val="274E13"/>
+              </a:solidFill>
+              <a:latin typeface="Tahoma"/>
+              <a:ea typeface="Tahoma"/>
+              <a:cs typeface="Tahoma"/>
+              <a:sym typeface="Tahoma"/>
+            </a:endParaRPr>
+          </a:p>
+        </p:txBody>
+      </p:sp>
+    </p:spTree>
+  </p:cSld>
+  <p:clrMapOvr>
+    <a:masterClrMapping/>
+  </p:clrMapOvr>
+</p:sld>
+</file>
+
+<file path=ppt/slides/slide27.xml><?xml version="1.0" encoding="utf-8"?>
+<p:sld xmlns:a="http://schemas.openxmlformats.org/drawingml/2006/main" xmlns:r="http://schemas.openxmlformats.org/officeDocument/2006/relationships" xmlns:mc="http://schemas.openxmlformats.org/markup-compatibility/2006" xmlns:mv="urn:schemas-microsoft-com:mac:vml" xmlns:p="http://schemas.openxmlformats.org/presentationml/2006/main" xmlns:c="http://schemas.openxmlformats.org/drawingml/2006/chart" xmlns:dgm="http://schemas.openxmlformats.org/drawingml/2006/diagram" xmlns:o="urn:schemas-microsoft-com:office:office" xmlns:v="urn:schemas-microsoft-com:vml" xmlns:pvml="urn:schemas-microsoft-com:office:powerpoint" xmlns:com="http://schemas.openxmlformats.org/drawingml/2006/compatibility" xmlns:p14="http://schemas.microsoft.com/office/powerpoint/2010/main" xmlns:p15="http://schemas.microsoft.com/office/powerpoint/2012/main" xmlns:ahyp="http://schemas.microsoft.com/office/drawing/2018/hyperlinkcolor">
+  <p:cSld>
+    <p:spTree>
+      <p:nvGrpSpPr>
+        <p:cNvPr id="241" name="Shape 241"/>
+        <p:cNvGrpSpPr/>
+        <p:nvPr/>
+      </p:nvGrpSpPr>
+      <p:grpSpPr>
+        <a:xfrm>
+          <a:off x="0" y="0"/>
+          <a:ext cx="0" cy="0"/>
+          <a:chOff x="0" y="0"/>
+          <a:chExt cx="0" cy="0"/>
+        </a:xfrm>
+      </p:grpSpPr>
+      <p:sp>
+        <p:nvSpPr>
+          <p:cNvPr id="242" name="Google Shape;242;p39"/>
+          <p:cNvSpPr txBox="1"/>
+          <p:nvPr>
+            <p:ph type="title"/>
+          </p:nvPr>
+        </p:nvSpPr>
+        <p:spPr>
+          <a:xfrm>
+            <a:off x="729450" y="1318650"/>
+            <a:ext cx="7688700" cy="535200"/>
+          </a:xfrm>
+          <a:prstGeom prst="rect">
+            <a:avLst/>
+          </a:prstGeom>
+        </p:spPr>
+        <p:txBody>
+          <a:bodyPr anchorCtr="0" anchor="t" bIns="91425" lIns="91425" spcFirstLastPara="1" rIns="91425" wrap="square" tIns="91425">
+            <a:noAutofit/>
+          </a:bodyPr>
+          <a:lstStyle/>
+          <a:p>
+            <a:pPr indent="0" lvl="0" marL="0" rtl="0" algn="l">
+              <a:lnSpc>
+                <a:spcPct val="115000"/>
+              </a:lnSpc>
+              <a:spcBef>
+                <a:spcPts val="1800"/>
+              </a:spcBef>
+              <a:spcAft>
+                <a:spcPts val="400"/>
+              </a:spcAft>
+              <a:buNone/>
+            </a:pPr>
+            <a:r>
+              <a:rPr lang="pl" sz="2400">
+                <a:solidFill>
+                  <a:srgbClr val="000000"/>
+                </a:solidFill>
+                <a:latin typeface="Tahoma"/>
+                <a:ea typeface="Tahoma"/>
+                <a:cs typeface="Tahoma"/>
+                <a:sym typeface="Tahoma"/>
+              </a:rPr>
+              <a:t>Przykład z życia</a:t>
+            </a:r>
+            <a:endParaRPr sz="2400">
+              <a:latin typeface="Tahoma"/>
+              <a:ea typeface="Tahoma"/>
+              <a:cs typeface="Tahoma"/>
+              <a:sym typeface="Tahoma"/>
+            </a:endParaRPr>
+          </a:p>
+        </p:txBody>
+      </p:sp>
+      <p:sp>
+        <p:nvSpPr>
+          <p:cNvPr id="243" name="Google Shape;243;p39"/>
+          <p:cNvSpPr txBox="1"/>
+          <p:nvPr>
+            <p:ph idx="1" type="body"/>
+          </p:nvPr>
+        </p:nvSpPr>
+        <p:spPr>
+          <a:xfrm>
+            <a:off x="729450" y="2078875"/>
+            <a:ext cx="7688700" cy="2261100"/>
+          </a:xfrm>
+          <a:prstGeom prst="rect">
+            <a:avLst/>
+          </a:prstGeom>
+        </p:spPr>
+        <p:txBody>
+          <a:bodyPr anchorCtr="0" anchor="t" bIns="91425" lIns="91425" spcFirstLastPara="1" rIns="91425" wrap="square" tIns="91425">
+            <a:normAutofit/>
+          </a:bodyPr>
+          <a:lstStyle/>
+          <a:p>
+            <a:pPr indent="0" lvl="0" marL="0" rtl="0" algn="l">
+              <a:lnSpc>
+                <a:spcPct val="105000"/>
+              </a:lnSpc>
+              <a:spcBef>
+                <a:spcPts val="0"/>
+              </a:spcBef>
+              <a:spcAft>
+                <a:spcPts val="0"/>
+              </a:spcAft>
+              <a:buNone/>
+            </a:pPr>
+            <a:r>
+              <a:rPr b="1" lang="pl" sz="1400">
+                <a:solidFill>
+                  <a:srgbClr val="7F6000"/>
+                </a:solidFill>
+                <a:latin typeface="Tahoma"/>
+                <a:ea typeface="Tahoma"/>
+                <a:cs typeface="Tahoma"/>
+                <a:sym typeface="Tahoma"/>
+              </a:rPr>
+              <a:t>Wyobraź sobie aplikację bankową:</a:t>
+            </a:r>
+            <a:endParaRPr b="1" sz="1400">
+              <a:solidFill>
+                <a:srgbClr val="7F6000"/>
+              </a:solidFill>
+              <a:latin typeface="Tahoma"/>
+              <a:ea typeface="Tahoma"/>
+              <a:cs typeface="Tahoma"/>
+              <a:sym typeface="Tahoma"/>
+            </a:endParaRPr>
+          </a:p>
+          <a:p>
+            <a:pPr indent="-317500" lvl="0" marL="457200" rtl="0" algn="l">
+              <a:lnSpc>
+                <a:spcPct val="105000"/>
+              </a:lnSpc>
+              <a:spcBef>
+                <a:spcPts val="0"/>
+              </a:spcBef>
+              <a:spcAft>
+                <a:spcPts val="0"/>
+              </a:spcAft>
+              <a:buClr>
+                <a:srgbClr val="000000"/>
+              </a:buClr>
+              <a:buSzPts val="1400"/>
+              <a:buFont typeface="Tahoma"/>
+              <a:buChar char="●"/>
+            </a:pPr>
+            <a:r>
+              <a:rPr lang="pl" sz="1400">
+                <a:solidFill>
+                  <a:srgbClr val="000000"/>
+                </a:solidFill>
+                <a:latin typeface="Tahoma"/>
+                <a:ea typeface="Tahoma"/>
+                <a:cs typeface="Tahoma"/>
+                <a:sym typeface="Tahoma"/>
+              </a:rPr>
+              <a:t>Serwer A obsługuje logowanie,</a:t>
+            </a:r>
+            <a:br>
+              <a:rPr lang="pl" sz="1400">
+                <a:solidFill>
+                  <a:srgbClr val="000000"/>
+                </a:solidFill>
+                <a:latin typeface="Tahoma"/>
+                <a:ea typeface="Tahoma"/>
+                <a:cs typeface="Tahoma"/>
+                <a:sym typeface="Tahoma"/>
+              </a:rPr>
+            </a:br>
+            <a:endParaRPr sz="1400">
+              <a:solidFill>
+                <a:srgbClr val="000000"/>
+              </a:solidFill>
+              <a:latin typeface="Tahoma"/>
+              <a:ea typeface="Tahoma"/>
+              <a:cs typeface="Tahoma"/>
+              <a:sym typeface="Tahoma"/>
+            </a:endParaRPr>
+          </a:p>
+          <a:p>
+            <a:pPr indent="-317500" lvl="0" marL="457200" rtl="0" algn="l">
+              <a:lnSpc>
+                <a:spcPct val="105000"/>
+              </a:lnSpc>
+              <a:spcBef>
+                <a:spcPts val="0"/>
+              </a:spcBef>
+              <a:spcAft>
+                <a:spcPts val="0"/>
+              </a:spcAft>
+              <a:buClr>
+                <a:srgbClr val="000000"/>
+              </a:buClr>
+              <a:buSzPts val="1400"/>
+              <a:buFont typeface="Tahoma"/>
+              <a:buChar char="●"/>
+            </a:pPr>
+            <a:r>
+              <a:rPr lang="pl" sz="1400">
+                <a:solidFill>
+                  <a:srgbClr val="000000"/>
+                </a:solidFill>
+                <a:latin typeface="Tahoma"/>
+                <a:ea typeface="Tahoma"/>
+                <a:cs typeface="Tahoma"/>
+                <a:sym typeface="Tahoma"/>
+              </a:rPr>
+              <a:t>Serwer B zapisuje dane klientów w bazie,</a:t>
+            </a:r>
+            <a:br>
+              <a:rPr lang="pl" sz="1400">
+                <a:solidFill>
+                  <a:srgbClr val="000000"/>
+                </a:solidFill>
+                <a:latin typeface="Tahoma"/>
+                <a:ea typeface="Tahoma"/>
+                <a:cs typeface="Tahoma"/>
+                <a:sym typeface="Tahoma"/>
+              </a:rPr>
+            </a:br>
+            <a:endParaRPr sz="1400">
+              <a:solidFill>
+                <a:srgbClr val="000000"/>
+              </a:solidFill>
+              <a:latin typeface="Tahoma"/>
+              <a:ea typeface="Tahoma"/>
+              <a:cs typeface="Tahoma"/>
+              <a:sym typeface="Tahoma"/>
+            </a:endParaRPr>
+          </a:p>
+          <a:p>
+            <a:pPr indent="-317500" lvl="0" marL="457200" rtl="0" algn="l">
+              <a:lnSpc>
+                <a:spcPct val="105000"/>
+              </a:lnSpc>
+              <a:spcBef>
+                <a:spcPts val="0"/>
+              </a:spcBef>
+              <a:spcAft>
+                <a:spcPts val="0"/>
+              </a:spcAft>
+              <a:buClr>
+                <a:srgbClr val="000000"/>
+              </a:buClr>
+              <a:buSzPts val="1400"/>
+              <a:buFont typeface="Tahoma"/>
+              <a:buChar char="●"/>
+            </a:pPr>
+            <a:r>
+              <a:rPr lang="pl" sz="1400">
+                <a:solidFill>
+                  <a:srgbClr val="000000"/>
+                </a:solidFill>
+                <a:latin typeface="Tahoma"/>
+                <a:ea typeface="Tahoma"/>
+                <a:cs typeface="Tahoma"/>
+                <a:sym typeface="Tahoma"/>
+              </a:rPr>
+              <a:t>Serwer C przetwarza płatności.</a:t>
+            </a:r>
+            <a:br>
+              <a:rPr lang="pl" sz="1400">
+                <a:solidFill>
+                  <a:srgbClr val="000000"/>
+                </a:solidFill>
+                <a:latin typeface="Tahoma"/>
+                <a:ea typeface="Tahoma"/>
+                <a:cs typeface="Tahoma"/>
+                <a:sym typeface="Tahoma"/>
+              </a:rPr>
+            </a:br>
+            <a:endParaRPr sz="1400">
+              <a:solidFill>
+                <a:srgbClr val="000000"/>
+              </a:solidFill>
+              <a:latin typeface="Tahoma"/>
+              <a:ea typeface="Tahoma"/>
+              <a:cs typeface="Tahoma"/>
+              <a:sym typeface="Tahoma"/>
+            </a:endParaRPr>
+          </a:p>
+          <a:p>
+            <a:pPr indent="0" lvl="0" marL="0" rtl="0" algn="l">
+              <a:lnSpc>
+                <a:spcPct val="105000"/>
+              </a:lnSpc>
+              <a:spcBef>
+                <a:spcPts val="0"/>
+              </a:spcBef>
+              <a:spcAft>
+                <a:spcPts val="0"/>
+              </a:spcAft>
+              <a:buNone/>
+            </a:pPr>
+            <a:r>
+              <a:rPr lang="pl" sz="1400">
+                <a:solidFill>
+                  <a:srgbClr val="000000"/>
+                </a:solidFill>
+                <a:latin typeface="Tahoma"/>
+                <a:ea typeface="Tahoma"/>
+                <a:cs typeface="Tahoma"/>
+                <a:sym typeface="Tahoma"/>
+              </a:rPr>
+              <a:t>Współpracują razem w sieci — </a:t>
+            </a:r>
+            <a:r>
+              <a:rPr b="1" lang="pl" sz="1400">
+                <a:solidFill>
+                  <a:srgbClr val="000000"/>
+                </a:solidFill>
+                <a:latin typeface="Tahoma"/>
+                <a:ea typeface="Tahoma"/>
+                <a:cs typeface="Tahoma"/>
+                <a:sym typeface="Tahoma"/>
+              </a:rPr>
+              <a:t>to właśnie programowanie rozproszone</a:t>
+            </a:r>
+            <a:r>
+              <a:rPr lang="pl" sz="1400">
+                <a:solidFill>
+                  <a:srgbClr val="000000"/>
+                </a:solidFill>
+                <a:latin typeface="Tahoma"/>
+                <a:ea typeface="Tahoma"/>
+                <a:cs typeface="Tahoma"/>
+                <a:sym typeface="Tahoma"/>
+              </a:rPr>
+              <a:t>.</a:t>
+            </a:r>
+            <a:endParaRPr sz="1400">
+              <a:solidFill>
+                <a:srgbClr val="000000"/>
+              </a:solidFill>
+              <a:latin typeface="Tahoma"/>
+              <a:ea typeface="Tahoma"/>
+              <a:cs typeface="Tahoma"/>
+              <a:sym typeface="Tahoma"/>
+            </a:endParaRPr>
+          </a:p>
+          <a:p>
+            <a:pPr indent="0" lvl="0" marL="0" rtl="0" algn="l">
+              <a:spcBef>
+                <a:spcPts val="0"/>
+              </a:spcBef>
+              <a:spcAft>
+                <a:spcPts val="1200"/>
+              </a:spcAft>
+              <a:buNone/>
+            </a:pPr>
+            <a:r>
+              <a:t/>
+            </a:r>
+            <a:endParaRPr/>
+          </a:p>
+        </p:txBody>
+      </p:sp>
+    </p:spTree>
+  </p:cSld>
+  <p:clrMapOvr>
+    <a:masterClrMapping/>
+  </p:clrMapOvr>
+</p:sld>
+</file>
+
 <file path=ppt/slides/slide3.xml><?xml version="1.0" encoding="utf-8"?>
 <p:sld xmlns:a="http://schemas.openxmlformats.org/drawingml/2006/main" xmlns:r="http://schemas.openxmlformats.org/officeDocument/2006/relationships" xmlns:mc="http://schemas.openxmlformats.org/markup-compatibility/2006" xmlns:mv="urn:schemas-microsoft-com:mac:vml" xmlns:p="http://schemas.openxmlformats.org/presentationml/2006/main" xmlns:c="http://schemas.openxmlformats.org/drawingml/2006/chart" xmlns:dgm="http://schemas.openxmlformats.org/drawingml/2006/diagram" xmlns:o="urn:schemas-microsoft-com:office:office" xmlns:v="urn:schemas-microsoft-com:vml" xmlns:pvml="urn:schemas-microsoft-com:office:powerpoint" xmlns:com="http://schemas.openxmlformats.org/drawingml/2006/compatibility" xmlns:p14="http://schemas.microsoft.com/office/powerpoint/2010/main" xmlns:p15="http://schemas.microsoft.com/office/powerpoint/2012/main" xmlns:ahyp="http://schemas.microsoft.com/office/drawing/2018/hyperlinkcolor">
   <p:cSld>
@@ -18202,6 +20861,285 @@
 </file>
 
 <file path=ppt/theme/theme1.xml><?xml version="1.0" encoding="utf-8"?>
+<a:theme xmlns:a="http://schemas.openxmlformats.org/drawingml/2006/main" xmlns:r="http://schemas.openxmlformats.org/officeDocument/2006/relationships">
+  <a:themeElements>
+    <a:clrScheme name="Default">
+      <a:dk1>
+        <a:srgbClr val="000000"/>
+      </a:dk1>
+      <a:lt1>
+        <a:srgbClr val="FFFFFF"/>
+      </a:lt1>
+      <a:dk2>
+        <a:srgbClr val="158158"/>
+      </a:dk2>
+      <a:lt2>
+        <a:srgbClr val="F3F3F3"/>
+      </a:lt2>
+      <a:accent1>
+        <a:srgbClr val="058DC7"/>
+      </a:accent1>
+      <a:accent2>
+        <a:srgbClr val="50B432"/>
+      </a:accent2>
+      <a:accent3>
+        <a:srgbClr val="ED561B"/>
+      </a:accent3>
+      <a:accent4>
+        <a:srgbClr val="EDEF00"/>
+      </a:accent4>
+      <a:accent5>
+        <a:srgbClr val="24CBE5"/>
+      </a:accent5>
+      <a:accent6>
+        <a:srgbClr val="64E572"/>
+      </a:accent6>
+      <a:hlink>
+        <a:srgbClr val="2200CC"/>
+      </a:hlink>
+      <a:folHlink>
+        <a:srgbClr val="551A8B"/>
+      </a:folHlink>
+    </a:clrScheme>
+    <a:fontScheme name="Office">
+      <a:majorFont>
+        <a:latin typeface="Arial"/>
+        <a:ea typeface=""/>
+        <a:cs typeface=""/>
+        <a:font script="Jpan" typeface="ＭＳ Ｐゴシック"/>
+        <a:font script="Hang" typeface="맑은 고딕"/>
+        <a:font script="Hans" typeface="宋体"/>
+        <a:font script="Hant" typeface="新細明體"/>
+        <a:font script="Arab" typeface="Times New Roman"/>
+        <a:font script="Hebr" typeface="Times New Roman"/>
+        <a:font script="Thai" typeface="Angsana New"/>
+        <a:font script="Ethi" typeface="Nyala"/>
+        <a:font script="Beng" typeface="Vrinda"/>
+        <a:font script="Gujr" typeface="Shruti"/>
+        <a:font script="Khmr" typeface="MoolBoran"/>
+        <a:font script="Knda" typeface="Tunga"/>
+        <a:font script="Guru" typeface="Raavi"/>
+        <a:font script="Cans" typeface="Euphemia"/>
+        <a:font script="Cher" typeface="Plantagenet Cherokee"/>
+        <a:font script="Yiii" typeface="Microsoft Yi Baiti"/>
+        <a:font script="Tibt" typeface="Microsoft Himalaya"/>
+        <a:font script="Thaa" typeface="MV Boli"/>
+        <a:font script="Deva" typeface="Mangal"/>
+        <a:font script="Telu" typeface="Gautami"/>
+        <a:font script="Taml" typeface="Latha"/>
+        <a:font script="Syrc" typeface="Estrangelo Edessa"/>
+        <a:font script="Orya" typeface="Kalinga"/>
+        <a:font script="Mlym" typeface="Kartika"/>
+        <a:font script="Laoo" typeface="DokChampa"/>
+        <a:font script="Sinh" typeface="Iskoola Pota"/>
+        <a:font script="Mong" typeface="Mongolian Baiti"/>
+        <a:font script="Viet" typeface="Times New Roman"/>
+        <a:font script="Uigh" typeface="Microsoft Uighur"/>
+        <a:font script="Geor" typeface="Sylfaen"/>
+      </a:majorFont>
+      <a:minorFont>
+        <a:latin typeface="Arial"/>
+        <a:ea typeface=""/>
+        <a:cs typeface=""/>
+        <a:font script="Jpan" typeface="ＭＳ Ｐゴシック"/>
+        <a:font script="Hang" typeface="맑은 고딕"/>
+        <a:font script="Hans" typeface="宋体"/>
+        <a:font script="Hant" typeface="新細明體"/>
+        <a:font script="Arab" typeface="Arial"/>
+        <a:font script="Hebr" typeface="Arial"/>
+        <a:font script="Thai" typeface="Cordia New"/>
+        <a:font script="Ethi" typeface="Nyala"/>
+        <a:font script="Beng" typeface="Vrinda"/>
+        <a:font script="Gujr" typeface="Shruti"/>
+        <a:font script="Khmr" typeface="DaunPenh"/>
+        <a:font script="Knda" typeface="Tunga"/>
+        <a:font script="Guru" typeface="Raavi"/>
+        <a:font script="Cans" typeface="Euphemia"/>
+        <a:font script="Cher" typeface="Plantagenet Cherokee"/>
+        <a:font script="Yiii" typeface="Microsoft Yi Baiti"/>
+        <a:font script="Tibt" typeface="Microsoft Himalaya"/>
+        <a:font script="Thaa" typeface="MV Boli"/>
+        <a:font script="Deva" typeface="Mangal"/>
+        <a:font script="Telu" typeface="Gautami"/>
+        <a:font script="Taml" typeface="Latha"/>
+        <a:font script="Syrc" typeface="Estrangelo Edessa"/>
+        <a:font script="Orya" typeface="Kalinga"/>
+        <a:font script="Mlym" typeface="Kartika"/>
+        <a:font script="Laoo" typeface="DokChampa"/>
+        <a:font script="Sinh" typeface="Iskoola Pota"/>
+        <a:font script="Mong" typeface="Mongolian Baiti"/>
+        <a:font script="Viet" typeface="Arial"/>
+        <a:font script="Uigh" typeface="Microsoft Uighur"/>
+        <a:font script="Geor" typeface="Sylfaen"/>
+      </a:minorFont>
+    </a:fontScheme>
+    <a:fmtScheme name="Office">
+      <a:fillStyleLst>
+        <a:solidFill>
+          <a:schemeClr val="phClr"/>
+        </a:solidFill>
+        <a:gradFill rotWithShape="1">
+          <a:gsLst>
+            <a:gs pos="0">
+              <a:schemeClr val="phClr">
+                <a:tint val="50000"/>
+                <a:satMod val="300000"/>
+              </a:schemeClr>
+            </a:gs>
+            <a:gs pos="35000">
+              <a:schemeClr val="phClr">
+                <a:tint val="37000"/>
+                <a:satMod val="300000"/>
+              </a:schemeClr>
+            </a:gs>
+            <a:gs pos="100000">
+              <a:schemeClr val="phClr">
+                <a:tint val="15000"/>
+                <a:satMod val="350000"/>
+              </a:schemeClr>
+            </a:gs>
+          </a:gsLst>
+          <a:lin ang="16200000" scaled="1"/>
+        </a:gradFill>
+        <a:gradFill rotWithShape="1">
+          <a:gsLst>
+            <a:gs pos="0">
+              <a:schemeClr val="phClr">
+                <a:tint val="100000"/>
+                <a:shade val="100000"/>
+                <a:satMod val="130000"/>
+              </a:schemeClr>
+            </a:gs>
+            <a:gs pos="100000">
+              <a:schemeClr val="phClr">
+                <a:tint val="50000"/>
+                <a:shade val="100000"/>
+                <a:satMod val="350000"/>
+              </a:schemeClr>
+            </a:gs>
+          </a:gsLst>
+          <a:lin ang="16200000" scaled="0"/>
+        </a:gradFill>
+      </a:fillStyleLst>
+      <a:lnStyleLst>
+        <a:ln w="9525" cap="flat" cmpd="sng" algn="ctr">
+          <a:solidFill>
+            <a:schemeClr val="phClr">
+              <a:shade val="95000"/>
+              <a:satMod val="105000"/>
+            </a:schemeClr>
+          </a:solidFill>
+          <a:prstDash val="solid"/>
+        </a:ln>
+        <a:ln w="25400" cap="flat" cmpd="sng" algn="ctr">
+          <a:solidFill>
+            <a:schemeClr val="phClr"/>
+          </a:solidFill>
+          <a:prstDash val="solid"/>
+        </a:ln>
+        <a:ln w="38100" cap="flat" cmpd="sng" algn="ctr">
+          <a:solidFill>
+            <a:schemeClr val="phClr"/>
+          </a:solidFill>
+          <a:prstDash val="solid"/>
+        </a:ln>
+      </a:lnStyleLst>
+      <a:effectStyleLst>
+        <a:effectStyle>
+          <a:effectLst>
+            <a:outerShdw blurRad="40000" dist="20000" dir="5400000" rotWithShape="0">
+              <a:srgbClr val="000000">
+                <a:alpha val="38000"/>
+              </a:srgbClr>
+            </a:outerShdw>
+          </a:effectLst>
+        </a:effectStyle>
+        <a:effectStyle>
+          <a:effectLst>
+            <a:outerShdw blurRad="40000" dist="23000" dir="5400000" rotWithShape="0">
+              <a:srgbClr val="000000">
+                <a:alpha val="35000"/>
+              </a:srgbClr>
+            </a:outerShdw>
+          </a:effectLst>
+        </a:effectStyle>
+        <a:effectStyle>
+          <a:effectLst>
+            <a:outerShdw blurRad="40000" dist="23000" dir="5400000" rotWithShape="0">
+              <a:srgbClr val="000000">
+                <a:alpha val="35000"/>
+              </a:srgbClr>
+            </a:outerShdw>
+          </a:effectLst>
+          <a:scene3d>
+            <a:camera prst="orthographicFront">
+              <a:rot lat="0" lon="0" rev="0"/>
+            </a:camera>
+            <a:lightRig rig="threePt" dir="t">
+              <a:rot lat="0" lon="0" rev="1200000"/>
+            </a:lightRig>
+          </a:scene3d>
+          <a:sp3d>
+            <a:bevelT w="63500" h="25400"/>
+          </a:sp3d>
+        </a:effectStyle>
+      </a:effectStyleLst>
+      <a:bgFillStyleLst>
+        <a:solidFill>
+          <a:schemeClr val="phClr"/>
+        </a:solidFill>
+        <a:gradFill rotWithShape="1">
+          <a:gsLst>
+            <a:gs pos="0">
+              <a:schemeClr val="phClr">
+                <a:tint val="40000"/>
+                <a:satMod val="350000"/>
+              </a:schemeClr>
+            </a:gs>
+            <a:gs pos="40000">
+              <a:schemeClr val="phClr">
+                <a:tint val="45000"/>
+                <a:shade val="99000"/>
+                <a:satMod val="350000"/>
+              </a:schemeClr>
+            </a:gs>
+            <a:gs pos="100000">
+              <a:schemeClr val="phClr">
+                <a:shade val="20000"/>
+                <a:satMod val="255000"/>
+              </a:schemeClr>
+            </a:gs>
+          </a:gsLst>
+          <a:path path="circle">
+            <a:fillToRect l="50000" t="-80000" r="50000" b="180000"/>
+          </a:path>
+        </a:gradFill>
+        <a:gradFill rotWithShape="1">
+          <a:gsLst>
+            <a:gs pos="0">
+              <a:schemeClr val="phClr">
+                <a:tint val="80000"/>
+                <a:satMod val="300000"/>
+              </a:schemeClr>
+            </a:gs>
+            <a:gs pos="100000">
+              <a:schemeClr val="phClr">
+                <a:shade val="30000"/>
+                <a:satMod val="200000"/>
+              </a:schemeClr>
+            </a:gs>
+          </a:gsLst>
+          <a:path path="circle">
+            <a:fillToRect l="50000" t="50000" r="50000" b="50000"/>
+          </a:path>
+        </a:gradFill>
+      </a:bgFillStyleLst>
+    </a:fmtScheme>
+  </a:themeElements>
+</a:theme>
+</file>
+
+<file path=ppt/theme/theme2.xml><?xml version="1.0" encoding="utf-8"?>
 <a:theme xmlns:a="http://schemas.openxmlformats.org/drawingml/2006/main" xmlns:r="http://schemas.openxmlformats.org/officeDocument/2006/relationships" name="Streamline">
   <a:themeElements>
     <a:clrScheme name="Streamline">
@@ -18478,283 +21416,4 @@
     </a:fmtScheme>
   </a:themeElements>
 </a:theme>
-</file>
-
-<file path=ppt/theme/theme2.xml><?xml version="1.0" encoding="utf-8"?>
-<a:theme xmlns:a="http://schemas.openxmlformats.org/drawingml/2006/main" xmlns:r="http://schemas.openxmlformats.org/officeDocument/2006/relationships">
-  <a:themeElements>
-    <a:clrScheme name="Default">
-      <a:dk1>
-        <a:srgbClr val="000000"/>
-      </a:dk1>
-      <a:lt1>
-        <a:srgbClr val="FFFFFF"/>
-      </a:lt1>
-      <a:dk2>
-        <a:srgbClr val="158158"/>
-      </a:dk2>
-      <a:lt2>
-        <a:srgbClr val="F3F3F3"/>
-      </a:lt2>
-      <a:accent1>
-        <a:srgbClr val="058DC7"/>
-      </a:accent1>
-      <a:accent2>
-        <a:srgbClr val="50B432"/>
-      </a:accent2>
-      <a:accent3>
-        <a:srgbClr val="ED561B"/>
-      </a:accent3>
-      <a:accent4>
-        <a:srgbClr val="EDEF00"/>
-      </a:accent4>
-      <a:accent5>
-        <a:srgbClr val="24CBE5"/>
-      </a:accent5>
-      <a:accent6>
-        <a:srgbClr val="64E572"/>
-      </a:accent6>
-      <a:hlink>
-        <a:srgbClr val="2200CC"/>
-      </a:hlink>
-      <a:folHlink>
-        <a:srgbClr val="551A8B"/>
-      </a:folHlink>
-    </a:clrScheme>
-    <a:fontScheme name="Office">
-      <a:majorFont>
-        <a:latin typeface="Arial"/>
-        <a:ea typeface=""/>
-        <a:cs typeface=""/>
-        <a:font script="Jpan" typeface="ＭＳ Ｐゴシック"/>
-        <a:font script="Hang" typeface="맑은 고딕"/>
-        <a:font script="Hans" typeface="宋体"/>
-        <a:font script="Hant" typeface="新細明體"/>
-        <a:font script="Arab" typeface="Times New Roman"/>
-        <a:font script="Hebr" typeface="Times New Roman"/>
-        <a:font script="Thai" typeface="Angsana New"/>
-        <a:font script="Ethi" typeface="Nyala"/>
-        <a:font script="Beng" typeface="Vrinda"/>
-        <a:font script="Gujr" typeface="Shruti"/>
-        <a:font script="Khmr" typeface="MoolBoran"/>
-        <a:font script="Knda" typeface="Tunga"/>
-        <a:font script="Guru" typeface="Raavi"/>
-        <a:font script="Cans" typeface="Euphemia"/>
-        <a:font script="Cher" typeface="Plantagenet Cherokee"/>
-        <a:font script="Yiii" typeface="Microsoft Yi Baiti"/>
-        <a:font script="Tibt" typeface="Microsoft Himalaya"/>
-        <a:font script="Thaa" typeface="MV Boli"/>
-        <a:font script="Deva" typeface="Mangal"/>
-        <a:font script="Telu" typeface="Gautami"/>
-        <a:font script="Taml" typeface="Latha"/>
-        <a:font script="Syrc" typeface="Estrangelo Edessa"/>
-        <a:font script="Orya" typeface="Kalinga"/>
-        <a:font script="Mlym" typeface="Kartika"/>
-        <a:font script="Laoo" typeface="DokChampa"/>
-        <a:font script="Sinh" typeface="Iskoola Pota"/>
-        <a:font script="Mong" typeface="Mongolian Baiti"/>
-        <a:font script="Viet" typeface="Times New Roman"/>
-        <a:font script="Uigh" typeface="Microsoft Uighur"/>
-        <a:font script="Geor" typeface="Sylfaen"/>
-      </a:majorFont>
-      <a:minorFont>
-        <a:latin typeface="Arial"/>
-        <a:ea typeface=""/>
-        <a:cs typeface=""/>
-        <a:font script="Jpan" typeface="ＭＳ Ｐゴシック"/>
-        <a:font script="Hang" typeface="맑은 고딕"/>
-        <a:font script="Hans" typeface="宋体"/>
-        <a:font script="Hant" typeface="新細明體"/>
-        <a:font script="Arab" typeface="Arial"/>
-        <a:font script="Hebr" typeface="Arial"/>
-        <a:font script="Thai" typeface="Cordia New"/>
-        <a:font script="Ethi" typeface="Nyala"/>
-        <a:font script="Beng" typeface="Vrinda"/>
-        <a:font script="Gujr" typeface="Shruti"/>
-        <a:font script="Khmr" typeface="DaunPenh"/>
-        <a:font script="Knda" typeface="Tunga"/>
-        <a:font script="Guru" typeface="Raavi"/>
-        <a:font script="Cans" typeface="Euphemia"/>
-        <a:font script="Cher" typeface="Plantagenet Cherokee"/>
-        <a:font script="Yiii" typeface="Microsoft Yi Baiti"/>
-        <a:font script="Tibt" typeface="Microsoft Himalaya"/>
-        <a:font script="Thaa" typeface="MV Boli"/>
-        <a:font script="Deva" typeface="Mangal"/>
-        <a:font script="Telu" typeface="Gautami"/>
-        <a:font script="Taml" typeface="Latha"/>
-        <a:font script="Syrc" typeface="Estrangelo Edessa"/>
-        <a:font script="Orya" typeface="Kalinga"/>
-        <a:font script="Mlym" typeface="Kartika"/>
-        <a:font script="Laoo" typeface="DokChampa"/>
-        <a:font script="Sinh" typeface="Iskoola Pota"/>
-        <a:font script="Mong" typeface="Mongolian Baiti"/>
-        <a:font script="Viet" typeface="Arial"/>
-        <a:font script="Uigh" typeface="Microsoft Uighur"/>
-        <a:font script="Geor" typeface="Sylfaen"/>
-      </a:minorFont>
-    </a:fontScheme>
-    <a:fmtScheme name="Office">
-      <a:fillStyleLst>
-        <a:solidFill>
-          <a:schemeClr val="phClr"/>
-        </a:solidFill>
-        <a:gradFill rotWithShape="1">
-          <a:gsLst>
-            <a:gs pos="0">
-              <a:schemeClr val="phClr">
-                <a:tint val="50000"/>
-                <a:satMod val="300000"/>
-              </a:schemeClr>
-            </a:gs>
-            <a:gs pos="35000">
-              <a:schemeClr val="phClr">
-                <a:tint val="37000"/>
-                <a:satMod val="300000"/>
-              </a:schemeClr>
-            </a:gs>
-            <a:gs pos="100000">
-              <a:schemeClr val="phClr">
-                <a:tint val="15000"/>
-                <a:satMod val="350000"/>
-              </a:schemeClr>
-            </a:gs>
-          </a:gsLst>
-          <a:lin ang="16200000" scaled="1"/>
-        </a:gradFill>
-        <a:gradFill rotWithShape="1">
-          <a:gsLst>
-            <a:gs pos="0">
-              <a:schemeClr val="phClr">
-                <a:tint val="100000"/>
-                <a:shade val="100000"/>
-                <a:satMod val="130000"/>
-              </a:schemeClr>
-            </a:gs>
-            <a:gs pos="100000">
-              <a:schemeClr val="phClr">
-                <a:tint val="50000"/>
-                <a:shade val="100000"/>
-                <a:satMod val="350000"/>
-              </a:schemeClr>
-            </a:gs>
-          </a:gsLst>
-          <a:lin ang="16200000" scaled="0"/>
-        </a:gradFill>
-      </a:fillStyleLst>
-      <a:lnStyleLst>
-        <a:ln w="9525" cap="flat" cmpd="sng" algn="ctr">
-          <a:solidFill>
-            <a:schemeClr val="phClr">
-              <a:shade val="95000"/>
-              <a:satMod val="105000"/>
-            </a:schemeClr>
-          </a:solidFill>
-          <a:prstDash val="solid"/>
-        </a:ln>
-        <a:ln w="25400" cap="flat" cmpd="sng" algn="ctr">
-          <a:solidFill>
-            <a:schemeClr val="phClr"/>
-          </a:solidFill>
-          <a:prstDash val="solid"/>
-        </a:ln>
-        <a:ln w="38100" cap="flat" cmpd="sng" algn="ctr">
-          <a:solidFill>
-            <a:schemeClr val="phClr"/>
-          </a:solidFill>
-          <a:prstDash val="solid"/>
-        </a:ln>
-      </a:lnStyleLst>
-      <a:effectStyleLst>
-        <a:effectStyle>
-          <a:effectLst>
-            <a:outerShdw blurRad="40000" dist="20000" dir="5400000" rotWithShape="0">
-              <a:srgbClr val="000000">
-                <a:alpha val="38000"/>
-              </a:srgbClr>
-            </a:outerShdw>
-          </a:effectLst>
-        </a:effectStyle>
-        <a:effectStyle>
-          <a:effectLst>
-            <a:outerShdw blurRad="40000" dist="23000" dir="5400000" rotWithShape="0">
-              <a:srgbClr val="000000">
-                <a:alpha val="35000"/>
-              </a:srgbClr>
-            </a:outerShdw>
-          </a:effectLst>
-        </a:effectStyle>
-        <a:effectStyle>
-          <a:effectLst>
-            <a:outerShdw blurRad="40000" dist="23000" dir="5400000" rotWithShape="0">
-              <a:srgbClr val="000000">
-                <a:alpha val="35000"/>
-              </a:srgbClr>
-            </a:outerShdw>
-          </a:effectLst>
-          <a:scene3d>
-            <a:camera prst="orthographicFront">
-              <a:rot lat="0" lon="0" rev="0"/>
-            </a:camera>
-            <a:lightRig rig="threePt" dir="t">
-              <a:rot lat="0" lon="0" rev="1200000"/>
-            </a:lightRig>
-          </a:scene3d>
-          <a:sp3d>
-            <a:bevelT w="63500" h="25400"/>
-          </a:sp3d>
-        </a:effectStyle>
-      </a:effectStyleLst>
-      <a:bgFillStyleLst>
-        <a:solidFill>
-          <a:schemeClr val="phClr"/>
-        </a:solidFill>
-        <a:gradFill rotWithShape="1">
-          <a:gsLst>
-            <a:gs pos="0">
-              <a:schemeClr val="phClr">
-                <a:tint val="40000"/>
-                <a:satMod val="350000"/>
-              </a:schemeClr>
-            </a:gs>
-            <a:gs pos="40000">
-              <a:schemeClr val="phClr">
-                <a:tint val="45000"/>
-                <a:shade val="99000"/>
-                <a:satMod val="350000"/>
-              </a:schemeClr>
-            </a:gs>
-            <a:gs pos="100000">
-              <a:schemeClr val="phClr">
-                <a:shade val="20000"/>
-                <a:satMod val="255000"/>
-              </a:schemeClr>
-            </a:gs>
-          </a:gsLst>
-          <a:path path="circle">
-            <a:fillToRect l="50000" t="-80000" r="50000" b="180000"/>
-          </a:path>
-        </a:gradFill>
-        <a:gradFill rotWithShape="1">
-          <a:gsLst>
-            <a:gs pos="0">
-              <a:schemeClr val="phClr">
-                <a:tint val="80000"/>
-                <a:satMod val="300000"/>
-              </a:schemeClr>
-            </a:gs>
-            <a:gs pos="100000">
-              <a:schemeClr val="phClr">
-                <a:shade val="30000"/>
-                <a:satMod val="200000"/>
-              </a:schemeClr>
-            </a:gs>
-          </a:gsLst>
-          <a:path path="circle">
-            <a:fillToRect l="50000" t="50000" r="50000" b="50000"/>
-          </a:path>
-        </a:gradFill>
-      </a:bgFillStyleLst>
-    </a:fmtScheme>
-  </a:themeElements>
-</a:theme>
 </file>
--- a/ZASTOSOWANIE_INFORMATYKI/1A-gr_2/Zastosowanie informatyki - 1A gr. 2-plik2.pptx
+++ b/ZASTOSOWANIE_INFORMATYKI/1A-gr_2/Zastosowanie informatyki - 1A gr. 2-plik2.pptx
@@ -2,61 +2,73 @@
 <file path=ppt/presentation.xml><?xml version="1.0" encoding="utf-8"?>
 <p:presentation xmlns:a="http://schemas.openxmlformats.org/drawingml/2006/main" xmlns:r="http://schemas.openxmlformats.org/officeDocument/2006/relationships" xmlns:mc="http://schemas.openxmlformats.org/markup-compatibility/2006" xmlns:mv="urn:schemas-microsoft-com:mac:vml" xmlns:p="http://schemas.openxmlformats.org/presentationml/2006/main" xmlns:c="http://schemas.openxmlformats.org/drawingml/2006/chart" xmlns:dgm="http://schemas.openxmlformats.org/drawingml/2006/diagram" xmlns:o="urn:schemas-microsoft-com:office:office" xmlns:v="urn:schemas-microsoft-com:vml" xmlns:pvml="urn:schemas-microsoft-com:office:powerpoint" xmlns:com="http://schemas.openxmlformats.org/drawingml/2006/compatibility" xmlns:p14="http://schemas.microsoft.com/office/powerpoint/2010/main" xmlns:p15="http://schemas.microsoft.com/office/powerpoint/2012/main" xmlns:ahyp="http://schemas.microsoft.com/office/drawing/2018/hyperlinkcolor" autoCompressPictures="0" embedTrueTypeFonts="1" strictFirstAndLastChars="0" saveSubsetFonts="1">
   <p:sldMasterIdLst>
-    <p:sldMasterId id="2147483659" r:id="rId4"/>
+    <p:sldMasterId id="2147483659" r:id="rId5"/>
   </p:sldMasterIdLst>
   <p:notesMasterIdLst>
-    <p:notesMasterId r:id="rId5"/>
+    <p:notesMasterId r:id="rId6"/>
   </p:notesMasterIdLst>
   <p:sldIdLst>
-    <p:sldId id="256" r:id="rId6"/>
-    <p:sldId id="257" r:id="rId7"/>
-    <p:sldId id="258" r:id="rId8"/>
-    <p:sldId id="259" r:id="rId9"/>
-    <p:sldId id="260" r:id="rId10"/>
-    <p:sldId id="261" r:id="rId11"/>
-    <p:sldId id="262" r:id="rId12"/>
-    <p:sldId id="263" r:id="rId13"/>
-    <p:sldId id="264" r:id="rId14"/>
-    <p:sldId id="265" r:id="rId15"/>
-    <p:sldId id="266" r:id="rId16"/>
-    <p:sldId id="267" r:id="rId17"/>
-    <p:sldId id="268" r:id="rId18"/>
-    <p:sldId id="269" r:id="rId19"/>
-    <p:sldId id="270" r:id="rId20"/>
-    <p:sldId id="271" r:id="rId21"/>
-    <p:sldId id="272" r:id="rId22"/>
-    <p:sldId id="273" r:id="rId23"/>
-    <p:sldId id="274" r:id="rId24"/>
-    <p:sldId id="275" r:id="rId25"/>
-    <p:sldId id="276" r:id="rId26"/>
-    <p:sldId id="277" r:id="rId27"/>
-    <p:sldId id="278" r:id="rId28"/>
-    <p:sldId id="279" r:id="rId29"/>
-    <p:sldId id="280" r:id="rId30"/>
-    <p:sldId id="281" r:id="rId31"/>
-    <p:sldId id="282" r:id="rId32"/>
+    <p:sldId id="256" r:id="rId7"/>
+    <p:sldId id="257" r:id="rId8"/>
+    <p:sldId id="258" r:id="rId9"/>
+    <p:sldId id="259" r:id="rId10"/>
+    <p:sldId id="260" r:id="rId11"/>
+    <p:sldId id="261" r:id="rId12"/>
+    <p:sldId id="262" r:id="rId13"/>
+    <p:sldId id="263" r:id="rId14"/>
+    <p:sldId id="264" r:id="rId15"/>
+    <p:sldId id="265" r:id="rId16"/>
+    <p:sldId id="266" r:id="rId17"/>
+    <p:sldId id="267" r:id="rId18"/>
+    <p:sldId id="268" r:id="rId19"/>
+    <p:sldId id="269" r:id="rId20"/>
+    <p:sldId id="270" r:id="rId21"/>
+    <p:sldId id="271" r:id="rId22"/>
+    <p:sldId id="272" r:id="rId23"/>
+    <p:sldId id="273" r:id="rId24"/>
+    <p:sldId id="274" r:id="rId25"/>
+    <p:sldId id="275" r:id="rId26"/>
+    <p:sldId id="276" r:id="rId27"/>
+    <p:sldId id="277" r:id="rId28"/>
+    <p:sldId id="278" r:id="rId29"/>
+    <p:sldId id="279" r:id="rId30"/>
+    <p:sldId id="280" r:id="rId31"/>
+    <p:sldId id="281" r:id="rId32"/>
+    <p:sldId id="282" r:id="rId33"/>
+    <p:sldId id="283" r:id="rId34"/>
+    <p:sldId id="284" r:id="rId35"/>
+    <p:sldId id="285" r:id="rId36"/>
+    <p:sldId id="286" r:id="rId37"/>
+    <p:sldId id="287" r:id="rId38"/>
   </p:sldIdLst>
   <p:sldSz cy="5143500" cx="9144000"/>
   <p:notesSz cx="6858000" cy="9144000"/>
   <p:embeddedFontLst>
     <p:embeddedFont>
       <p:font typeface="Raleway"/>
-      <p:regular r:id="rId33"/>
-      <p:bold r:id="rId34"/>
-      <p:italic r:id="rId35"/>
-      <p:boldItalic r:id="rId36"/>
+      <p:regular r:id="rId39"/>
+      <p:bold r:id="rId40"/>
+      <p:italic r:id="rId41"/>
+      <p:boldItalic r:id="rId42"/>
     </p:embeddedFont>
     <p:embeddedFont>
       <p:font typeface="Lato"/>
-      <p:regular r:id="rId37"/>
-      <p:bold r:id="rId38"/>
-      <p:italic r:id="rId39"/>
-      <p:boldItalic r:id="rId40"/>
+      <p:regular r:id="rId43"/>
+      <p:bold r:id="rId44"/>
+      <p:italic r:id="rId45"/>
+      <p:boldItalic r:id="rId46"/>
     </p:embeddedFont>
     <p:embeddedFont>
       <p:font typeface="Tahoma"/>
-      <p:regular r:id="rId41"/>
-      <p:bold r:id="rId42"/>
+      <p:regular r:id="rId47"/>
+      <p:bold r:id="rId48"/>
+    </p:embeddedFont>
+    <p:embeddedFont>
+      <p:font typeface="Roboto Mono"/>
+      <p:regular r:id="rId49"/>
+      <p:bold r:id="rId50"/>
+      <p:italic r:id="rId51"/>
+      <p:boldItalic r:id="rId52"/>
     </p:embeddedFont>
   </p:embeddedFontLst>
   <p:defaultTextStyle>
@@ -2713,6 +2725,204 @@
 </p:notes>
 </file>
 
+<file path=ppt/notesSlides/notesSlide28.xml><?xml version="1.0" encoding="utf-8"?>
+<p:notes xmlns:a="http://schemas.openxmlformats.org/drawingml/2006/main" xmlns:r="http://schemas.openxmlformats.org/officeDocument/2006/relationships" xmlns:mc="http://schemas.openxmlformats.org/markup-compatibility/2006" xmlns:mv="urn:schemas-microsoft-com:mac:vml" xmlns:p="http://schemas.openxmlformats.org/presentationml/2006/main" xmlns:c="http://schemas.openxmlformats.org/drawingml/2006/chart" xmlns:dgm="http://schemas.openxmlformats.org/drawingml/2006/diagram" xmlns:o="urn:schemas-microsoft-com:office:office" xmlns:v="urn:schemas-microsoft-com:vml" xmlns:pvml="urn:schemas-microsoft-com:office:powerpoint" xmlns:com="http://schemas.openxmlformats.org/drawingml/2006/compatibility" xmlns:p14="http://schemas.microsoft.com/office/powerpoint/2010/main" xmlns:p15="http://schemas.microsoft.com/office/powerpoint/2012/main" xmlns:ahyp="http://schemas.microsoft.com/office/drawing/2018/hyperlinkcolor" showMasterPhAnim="0" showMasterSp="0">
+  <p:cSld>
+    <p:spTree>
+      <p:nvGrpSpPr>
+        <p:cNvPr id="244" name="Shape 244"/>
+        <p:cNvGrpSpPr/>
+        <p:nvPr/>
+      </p:nvGrpSpPr>
+      <p:grpSpPr>
+        <a:xfrm>
+          <a:off x="0" y="0"/>
+          <a:ext cx="0" cy="0"/>
+          <a:chOff x="0" y="0"/>
+          <a:chExt cx="0" cy="0"/>
+        </a:xfrm>
+      </p:grpSpPr>
+      <p:sp>
+        <p:nvSpPr>
+          <p:cNvPr id="245" name="Google Shape;245;g3a13cfc4c8f_0_5:notes"/>
+          <p:cNvSpPr/>
+          <p:nvPr>
+            <p:ph idx="2" type="sldImg"/>
+          </p:nvPr>
+        </p:nvSpPr>
+        <p:spPr>
+          <a:xfrm>
+            <a:off x="381300" y="685800"/>
+            <a:ext cx="6096000" cy="3429000"/>
+          </a:xfrm>
+          <a:custGeom>
+            <a:rect b="b" l="l" r="r" t="t"/>
+            <a:pathLst>
+              <a:path extrusionOk="0" h="120000" w="120000">
+                <a:moveTo>
+                  <a:pt x="0" y="0"/>
+                </a:moveTo>
+                <a:lnTo>
+                  <a:pt x="120000" y="0"/>
+                </a:lnTo>
+                <a:lnTo>
+                  <a:pt x="120000" y="120000"/>
+                </a:lnTo>
+                <a:lnTo>
+                  <a:pt x="0" y="120000"/>
+                </a:lnTo>
+                <a:close/>
+              </a:path>
+            </a:pathLst>
+          </a:custGeom>
+        </p:spPr>
+      </p:sp>
+      <p:sp>
+        <p:nvSpPr>
+          <p:cNvPr id="246" name="Google Shape;246;g3a13cfc4c8f_0_5:notes"/>
+          <p:cNvSpPr txBox="1"/>
+          <p:nvPr>
+            <p:ph idx="1" type="body"/>
+          </p:nvPr>
+        </p:nvSpPr>
+        <p:spPr>
+          <a:xfrm>
+            <a:off x="685800" y="4343400"/>
+            <a:ext cx="5486400" cy="4114800"/>
+          </a:xfrm>
+          <a:prstGeom prst="rect">
+            <a:avLst/>
+          </a:prstGeom>
+        </p:spPr>
+        <p:txBody>
+          <a:bodyPr anchorCtr="0" anchor="t" bIns="91425" lIns="91425" spcFirstLastPara="1" rIns="91425" wrap="square" tIns="91425">
+            <a:noAutofit/>
+          </a:bodyPr>
+          <a:lstStyle/>
+          <a:p>
+            <a:pPr indent="0" lvl="0" marL="0" rtl="0" algn="l">
+              <a:spcBef>
+                <a:spcPts val="0"/>
+              </a:spcBef>
+              <a:spcAft>
+                <a:spcPts val="0"/>
+              </a:spcAft>
+              <a:buNone/>
+            </a:pPr>
+            <a:r>
+              <a:t/>
+            </a:r>
+            <a:endParaRPr/>
+          </a:p>
+        </p:txBody>
+      </p:sp>
+    </p:spTree>
+  </p:cSld>
+  <p:clrMapOvr>
+    <a:masterClrMapping/>
+  </p:clrMapOvr>
+</p:notes>
+</file>
+
+<file path=ppt/notesSlides/notesSlide29.xml><?xml version="1.0" encoding="utf-8"?>
+<p:notes xmlns:a="http://schemas.openxmlformats.org/drawingml/2006/main" xmlns:r="http://schemas.openxmlformats.org/officeDocument/2006/relationships" xmlns:mc="http://schemas.openxmlformats.org/markup-compatibility/2006" xmlns:mv="urn:schemas-microsoft-com:mac:vml" xmlns:p="http://schemas.openxmlformats.org/presentationml/2006/main" xmlns:c="http://schemas.openxmlformats.org/drawingml/2006/chart" xmlns:dgm="http://schemas.openxmlformats.org/drawingml/2006/diagram" xmlns:o="urn:schemas-microsoft-com:office:office" xmlns:v="urn:schemas-microsoft-com:vml" xmlns:pvml="urn:schemas-microsoft-com:office:powerpoint" xmlns:com="http://schemas.openxmlformats.org/drawingml/2006/compatibility" xmlns:p14="http://schemas.microsoft.com/office/powerpoint/2010/main" xmlns:p15="http://schemas.microsoft.com/office/powerpoint/2012/main" xmlns:ahyp="http://schemas.microsoft.com/office/drawing/2018/hyperlinkcolor" showMasterPhAnim="0" showMasterSp="0">
+  <p:cSld>
+    <p:spTree>
+      <p:nvGrpSpPr>
+        <p:cNvPr id="250" name="Shape 250"/>
+        <p:cNvGrpSpPr/>
+        <p:nvPr/>
+      </p:nvGrpSpPr>
+      <p:grpSpPr>
+        <a:xfrm>
+          <a:off x="0" y="0"/>
+          <a:ext cx="0" cy="0"/>
+          <a:chOff x="0" y="0"/>
+          <a:chExt cx="0" cy="0"/>
+        </a:xfrm>
+      </p:grpSpPr>
+      <p:sp>
+        <p:nvSpPr>
+          <p:cNvPr id="251" name="Google Shape;251;g3a35a0ca6c5_0_1:notes"/>
+          <p:cNvSpPr/>
+          <p:nvPr>
+            <p:ph idx="2" type="sldImg"/>
+          </p:nvPr>
+        </p:nvSpPr>
+        <p:spPr>
+          <a:xfrm>
+            <a:off x="381300" y="685800"/>
+            <a:ext cx="6096000" cy="3429000"/>
+          </a:xfrm>
+          <a:custGeom>
+            <a:rect b="b" l="l" r="r" t="t"/>
+            <a:pathLst>
+              <a:path extrusionOk="0" h="120000" w="120000">
+                <a:moveTo>
+                  <a:pt x="0" y="0"/>
+                </a:moveTo>
+                <a:lnTo>
+                  <a:pt x="120000" y="0"/>
+                </a:lnTo>
+                <a:lnTo>
+                  <a:pt x="120000" y="120000"/>
+                </a:lnTo>
+                <a:lnTo>
+                  <a:pt x="0" y="120000"/>
+                </a:lnTo>
+                <a:close/>
+              </a:path>
+            </a:pathLst>
+          </a:custGeom>
+        </p:spPr>
+      </p:sp>
+      <p:sp>
+        <p:nvSpPr>
+          <p:cNvPr id="252" name="Google Shape;252;g3a35a0ca6c5_0_1:notes"/>
+          <p:cNvSpPr txBox="1"/>
+          <p:nvPr>
+            <p:ph idx="1" type="body"/>
+          </p:nvPr>
+        </p:nvSpPr>
+        <p:spPr>
+          <a:xfrm>
+            <a:off x="685800" y="4343400"/>
+            <a:ext cx="5486400" cy="4114800"/>
+          </a:xfrm>
+          <a:prstGeom prst="rect">
+            <a:avLst/>
+          </a:prstGeom>
+        </p:spPr>
+        <p:txBody>
+          <a:bodyPr anchorCtr="0" anchor="t" bIns="91425" lIns="91425" spcFirstLastPara="1" rIns="91425" wrap="square" tIns="91425">
+            <a:noAutofit/>
+          </a:bodyPr>
+          <a:lstStyle/>
+          <a:p>
+            <a:pPr indent="0" lvl="0" marL="0" rtl="0" algn="l">
+              <a:spcBef>
+                <a:spcPts val="0"/>
+              </a:spcBef>
+              <a:spcAft>
+                <a:spcPts val="0"/>
+              </a:spcAft>
+              <a:buNone/>
+            </a:pPr>
+            <a:r>
+              <a:t/>
+            </a:r>
+            <a:endParaRPr/>
+          </a:p>
+        </p:txBody>
+      </p:sp>
+    </p:spTree>
+  </p:cSld>
+  <p:clrMapOvr>
+    <a:masterClrMapping/>
+  </p:clrMapOvr>
+</p:notes>
+</file>
+
 <file path=ppt/notesSlides/notesSlide3.xml><?xml version="1.0" encoding="utf-8"?>
 <p:notes xmlns:a="http://schemas.openxmlformats.org/drawingml/2006/main" xmlns:r="http://schemas.openxmlformats.org/officeDocument/2006/relationships" xmlns:mc="http://schemas.openxmlformats.org/markup-compatibility/2006" xmlns:mv="urn:schemas-microsoft-com:mac:vml" xmlns:p="http://schemas.openxmlformats.org/presentationml/2006/main" xmlns:c="http://schemas.openxmlformats.org/drawingml/2006/chart" xmlns:dgm="http://schemas.openxmlformats.org/drawingml/2006/diagram" xmlns:o="urn:schemas-microsoft-com:office:office" xmlns:v="urn:schemas-microsoft-com:vml" xmlns:pvml="urn:schemas-microsoft-com:office:powerpoint" xmlns:com="http://schemas.openxmlformats.org/drawingml/2006/compatibility" xmlns:p14="http://schemas.microsoft.com/office/powerpoint/2010/main" xmlns:p15="http://schemas.microsoft.com/office/powerpoint/2012/main" xmlns:ahyp="http://schemas.microsoft.com/office/drawing/2018/hyperlinkcolor" showMasterPhAnim="0" showMasterSp="0">
   <p:cSld>
@@ -2768,6 +2978,303 @@
       <p:sp>
         <p:nvSpPr>
           <p:cNvPr id="96" name="Google Shape;96;g39edc685857_0_85:notes"/>
+          <p:cNvSpPr txBox="1"/>
+          <p:nvPr>
+            <p:ph idx="1" type="body"/>
+          </p:nvPr>
+        </p:nvSpPr>
+        <p:spPr>
+          <a:xfrm>
+            <a:off x="685800" y="4343400"/>
+            <a:ext cx="5486400" cy="4114800"/>
+          </a:xfrm>
+          <a:prstGeom prst="rect">
+            <a:avLst/>
+          </a:prstGeom>
+        </p:spPr>
+        <p:txBody>
+          <a:bodyPr anchorCtr="0" anchor="t" bIns="91425" lIns="91425" spcFirstLastPara="1" rIns="91425" wrap="square" tIns="91425">
+            <a:noAutofit/>
+          </a:bodyPr>
+          <a:lstStyle/>
+          <a:p>
+            <a:pPr indent="0" lvl="0" marL="0" rtl="0" algn="l">
+              <a:spcBef>
+                <a:spcPts val="0"/>
+              </a:spcBef>
+              <a:spcAft>
+                <a:spcPts val="0"/>
+              </a:spcAft>
+              <a:buNone/>
+            </a:pPr>
+            <a:r>
+              <a:t/>
+            </a:r>
+            <a:endParaRPr/>
+          </a:p>
+        </p:txBody>
+      </p:sp>
+    </p:spTree>
+  </p:cSld>
+  <p:clrMapOvr>
+    <a:masterClrMapping/>
+  </p:clrMapOvr>
+</p:notes>
+</file>
+
+<file path=ppt/notesSlides/notesSlide30.xml><?xml version="1.0" encoding="utf-8"?>
+<p:notes xmlns:a="http://schemas.openxmlformats.org/drawingml/2006/main" xmlns:r="http://schemas.openxmlformats.org/officeDocument/2006/relationships" xmlns:mc="http://schemas.openxmlformats.org/markup-compatibility/2006" xmlns:mv="urn:schemas-microsoft-com:mac:vml" xmlns:p="http://schemas.openxmlformats.org/presentationml/2006/main" xmlns:c="http://schemas.openxmlformats.org/drawingml/2006/chart" xmlns:dgm="http://schemas.openxmlformats.org/drawingml/2006/diagram" xmlns:o="urn:schemas-microsoft-com:office:office" xmlns:v="urn:schemas-microsoft-com:vml" xmlns:pvml="urn:schemas-microsoft-com:office:powerpoint" xmlns:com="http://schemas.openxmlformats.org/drawingml/2006/compatibility" xmlns:p14="http://schemas.microsoft.com/office/powerpoint/2010/main" xmlns:p15="http://schemas.microsoft.com/office/powerpoint/2012/main" xmlns:ahyp="http://schemas.microsoft.com/office/drawing/2018/hyperlinkcolor" showMasterPhAnim="0" showMasterSp="0">
+  <p:cSld>
+    <p:spTree>
+      <p:nvGrpSpPr>
+        <p:cNvPr id="256" name="Shape 256"/>
+        <p:cNvGrpSpPr/>
+        <p:nvPr/>
+      </p:nvGrpSpPr>
+      <p:grpSpPr>
+        <a:xfrm>
+          <a:off x="0" y="0"/>
+          <a:ext cx="0" cy="0"/>
+          <a:chOff x="0" y="0"/>
+          <a:chExt cx="0" cy="0"/>
+        </a:xfrm>
+      </p:grpSpPr>
+      <p:sp>
+        <p:nvSpPr>
+          <p:cNvPr id="257" name="Google Shape;257;g3a35a0ca6c5_0_7:notes"/>
+          <p:cNvSpPr/>
+          <p:nvPr>
+            <p:ph idx="2" type="sldImg"/>
+          </p:nvPr>
+        </p:nvSpPr>
+        <p:spPr>
+          <a:xfrm>
+            <a:off x="381300" y="685800"/>
+            <a:ext cx="6096000" cy="3429000"/>
+          </a:xfrm>
+          <a:custGeom>
+            <a:rect b="b" l="l" r="r" t="t"/>
+            <a:pathLst>
+              <a:path extrusionOk="0" h="120000" w="120000">
+                <a:moveTo>
+                  <a:pt x="0" y="0"/>
+                </a:moveTo>
+                <a:lnTo>
+                  <a:pt x="120000" y="0"/>
+                </a:lnTo>
+                <a:lnTo>
+                  <a:pt x="120000" y="120000"/>
+                </a:lnTo>
+                <a:lnTo>
+                  <a:pt x="0" y="120000"/>
+                </a:lnTo>
+                <a:close/>
+              </a:path>
+            </a:pathLst>
+          </a:custGeom>
+        </p:spPr>
+      </p:sp>
+      <p:sp>
+        <p:nvSpPr>
+          <p:cNvPr id="258" name="Google Shape;258;g3a35a0ca6c5_0_7:notes"/>
+          <p:cNvSpPr txBox="1"/>
+          <p:nvPr>
+            <p:ph idx="1" type="body"/>
+          </p:nvPr>
+        </p:nvSpPr>
+        <p:spPr>
+          <a:xfrm>
+            <a:off x="685800" y="4343400"/>
+            <a:ext cx="5486400" cy="4114800"/>
+          </a:xfrm>
+          <a:prstGeom prst="rect">
+            <a:avLst/>
+          </a:prstGeom>
+        </p:spPr>
+        <p:txBody>
+          <a:bodyPr anchorCtr="0" anchor="t" bIns="91425" lIns="91425" spcFirstLastPara="1" rIns="91425" wrap="square" tIns="91425">
+            <a:noAutofit/>
+          </a:bodyPr>
+          <a:lstStyle/>
+          <a:p>
+            <a:pPr indent="0" lvl="0" marL="0" rtl="0" algn="l">
+              <a:spcBef>
+                <a:spcPts val="0"/>
+              </a:spcBef>
+              <a:spcAft>
+                <a:spcPts val="0"/>
+              </a:spcAft>
+              <a:buNone/>
+            </a:pPr>
+            <a:r>
+              <a:t/>
+            </a:r>
+            <a:endParaRPr/>
+          </a:p>
+        </p:txBody>
+      </p:sp>
+    </p:spTree>
+  </p:cSld>
+  <p:clrMapOvr>
+    <a:masterClrMapping/>
+  </p:clrMapOvr>
+</p:notes>
+</file>
+
+<file path=ppt/notesSlides/notesSlide31.xml><?xml version="1.0" encoding="utf-8"?>
+<p:notes xmlns:a="http://schemas.openxmlformats.org/drawingml/2006/main" xmlns:r="http://schemas.openxmlformats.org/officeDocument/2006/relationships" xmlns:mc="http://schemas.openxmlformats.org/markup-compatibility/2006" xmlns:mv="urn:schemas-microsoft-com:mac:vml" xmlns:p="http://schemas.openxmlformats.org/presentationml/2006/main" xmlns:c="http://schemas.openxmlformats.org/drawingml/2006/chart" xmlns:dgm="http://schemas.openxmlformats.org/drawingml/2006/diagram" xmlns:o="urn:schemas-microsoft-com:office:office" xmlns:v="urn:schemas-microsoft-com:vml" xmlns:pvml="urn:schemas-microsoft-com:office:powerpoint" xmlns:com="http://schemas.openxmlformats.org/drawingml/2006/compatibility" xmlns:p14="http://schemas.microsoft.com/office/powerpoint/2010/main" xmlns:p15="http://schemas.microsoft.com/office/powerpoint/2012/main" xmlns:ahyp="http://schemas.microsoft.com/office/drawing/2018/hyperlinkcolor" showMasterPhAnim="0" showMasterSp="0">
+  <p:cSld>
+    <p:spTree>
+      <p:nvGrpSpPr>
+        <p:cNvPr id="262" name="Shape 262"/>
+        <p:cNvGrpSpPr/>
+        <p:nvPr/>
+      </p:nvGrpSpPr>
+      <p:grpSpPr>
+        <a:xfrm>
+          <a:off x="0" y="0"/>
+          <a:ext cx="0" cy="0"/>
+          <a:chOff x="0" y="0"/>
+          <a:chExt cx="0" cy="0"/>
+        </a:xfrm>
+      </p:grpSpPr>
+      <p:sp>
+        <p:nvSpPr>
+          <p:cNvPr id="263" name="Google Shape;263;g3a35a0ca6c5_0_15:notes"/>
+          <p:cNvSpPr/>
+          <p:nvPr>
+            <p:ph idx="2" type="sldImg"/>
+          </p:nvPr>
+        </p:nvSpPr>
+        <p:spPr>
+          <a:xfrm>
+            <a:off x="381300" y="685800"/>
+            <a:ext cx="6096000" cy="3429000"/>
+          </a:xfrm>
+          <a:custGeom>
+            <a:rect b="b" l="l" r="r" t="t"/>
+            <a:pathLst>
+              <a:path extrusionOk="0" h="120000" w="120000">
+                <a:moveTo>
+                  <a:pt x="0" y="0"/>
+                </a:moveTo>
+                <a:lnTo>
+                  <a:pt x="120000" y="0"/>
+                </a:lnTo>
+                <a:lnTo>
+                  <a:pt x="120000" y="120000"/>
+                </a:lnTo>
+                <a:lnTo>
+                  <a:pt x="0" y="120000"/>
+                </a:lnTo>
+                <a:close/>
+              </a:path>
+            </a:pathLst>
+          </a:custGeom>
+        </p:spPr>
+      </p:sp>
+      <p:sp>
+        <p:nvSpPr>
+          <p:cNvPr id="264" name="Google Shape;264;g3a35a0ca6c5_0_15:notes"/>
+          <p:cNvSpPr txBox="1"/>
+          <p:nvPr>
+            <p:ph idx="1" type="body"/>
+          </p:nvPr>
+        </p:nvSpPr>
+        <p:spPr>
+          <a:xfrm>
+            <a:off x="685800" y="4343400"/>
+            <a:ext cx="5486400" cy="4114800"/>
+          </a:xfrm>
+          <a:prstGeom prst="rect">
+            <a:avLst/>
+          </a:prstGeom>
+        </p:spPr>
+        <p:txBody>
+          <a:bodyPr anchorCtr="0" anchor="t" bIns="91425" lIns="91425" spcFirstLastPara="1" rIns="91425" wrap="square" tIns="91425">
+            <a:noAutofit/>
+          </a:bodyPr>
+          <a:lstStyle/>
+          <a:p>
+            <a:pPr indent="0" lvl="0" marL="0" rtl="0" algn="l">
+              <a:spcBef>
+                <a:spcPts val="0"/>
+              </a:spcBef>
+              <a:spcAft>
+                <a:spcPts val="0"/>
+              </a:spcAft>
+              <a:buNone/>
+            </a:pPr>
+            <a:r>
+              <a:t/>
+            </a:r>
+            <a:endParaRPr/>
+          </a:p>
+        </p:txBody>
+      </p:sp>
+    </p:spTree>
+  </p:cSld>
+  <p:clrMapOvr>
+    <a:masterClrMapping/>
+  </p:clrMapOvr>
+</p:notes>
+</file>
+
+<file path=ppt/notesSlides/notesSlide32.xml><?xml version="1.0" encoding="utf-8"?>
+<p:notes xmlns:a="http://schemas.openxmlformats.org/drawingml/2006/main" xmlns:r="http://schemas.openxmlformats.org/officeDocument/2006/relationships" xmlns:mc="http://schemas.openxmlformats.org/markup-compatibility/2006" xmlns:mv="urn:schemas-microsoft-com:mac:vml" xmlns:p="http://schemas.openxmlformats.org/presentationml/2006/main" xmlns:c="http://schemas.openxmlformats.org/drawingml/2006/chart" xmlns:dgm="http://schemas.openxmlformats.org/drawingml/2006/diagram" xmlns:o="urn:schemas-microsoft-com:office:office" xmlns:v="urn:schemas-microsoft-com:vml" xmlns:pvml="urn:schemas-microsoft-com:office:powerpoint" xmlns:com="http://schemas.openxmlformats.org/drawingml/2006/compatibility" xmlns:p14="http://schemas.microsoft.com/office/powerpoint/2010/main" xmlns:p15="http://schemas.microsoft.com/office/powerpoint/2012/main" xmlns:ahyp="http://schemas.microsoft.com/office/drawing/2018/hyperlinkcolor" showMasterPhAnim="0" showMasterSp="0">
+  <p:cSld>
+    <p:spTree>
+      <p:nvGrpSpPr>
+        <p:cNvPr id="268" name="Shape 268"/>
+        <p:cNvGrpSpPr/>
+        <p:nvPr/>
+      </p:nvGrpSpPr>
+      <p:grpSpPr>
+        <a:xfrm>
+          <a:off x="0" y="0"/>
+          <a:ext cx="0" cy="0"/>
+          <a:chOff x="0" y="0"/>
+          <a:chExt cx="0" cy="0"/>
+        </a:xfrm>
+      </p:grpSpPr>
+      <p:sp>
+        <p:nvSpPr>
+          <p:cNvPr id="269" name="Google Shape;269;g3a35a0ca6c5_0_31:notes"/>
+          <p:cNvSpPr/>
+          <p:nvPr>
+            <p:ph idx="2" type="sldImg"/>
+          </p:nvPr>
+        </p:nvSpPr>
+        <p:spPr>
+          <a:xfrm>
+            <a:off x="381300" y="685800"/>
+            <a:ext cx="6096000" cy="3429000"/>
+          </a:xfrm>
+          <a:custGeom>
+            <a:rect b="b" l="l" r="r" t="t"/>
+            <a:pathLst>
+              <a:path extrusionOk="0" h="120000" w="120000">
+                <a:moveTo>
+                  <a:pt x="0" y="0"/>
+                </a:moveTo>
+                <a:lnTo>
+                  <a:pt x="120000" y="0"/>
+                </a:lnTo>
+                <a:lnTo>
+                  <a:pt x="120000" y="120000"/>
+                </a:lnTo>
+                <a:lnTo>
+                  <a:pt x="0" y="120000"/>
+                </a:lnTo>
+                <a:close/>
+              </a:path>
+            </a:pathLst>
+          </a:custGeom>
+        </p:spPr>
+      </p:sp>
+      <p:sp>
+        <p:nvSpPr>
+          <p:cNvPr id="270" name="Google Shape;270;g3a35a0ca6c5_0_31:notes"/>
           <p:cNvSpPr txBox="1"/>
           <p:nvPr>
             <p:ph idx="1" type="body"/>
@@ -18045,6 +18552,814 @@
 </p:sld>
 </file>
 
+<file path=ppt/slides/slide28.xml><?xml version="1.0" encoding="utf-8"?>
+<p:sld xmlns:a="http://schemas.openxmlformats.org/drawingml/2006/main" xmlns:r="http://schemas.openxmlformats.org/officeDocument/2006/relationships" xmlns:mc="http://schemas.openxmlformats.org/markup-compatibility/2006" xmlns:mv="urn:schemas-microsoft-com:mac:vml" xmlns:p="http://schemas.openxmlformats.org/presentationml/2006/main" xmlns:c="http://schemas.openxmlformats.org/drawingml/2006/chart" xmlns:dgm="http://schemas.openxmlformats.org/drawingml/2006/diagram" xmlns:o="urn:schemas-microsoft-com:office:office" xmlns:v="urn:schemas-microsoft-com:vml" xmlns:pvml="urn:schemas-microsoft-com:office:powerpoint" xmlns:com="http://schemas.openxmlformats.org/drawingml/2006/compatibility" xmlns:p14="http://schemas.microsoft.com/office/powerpoint/2010/main" xmlns:p15="http://schemas.microsoft.com/office/powerpoint/2012/main" xmlns:ahyp="http://schemas.microsoft.com/office/drawing/2018/hyperlinkcolor">
+  <p:cSld>
+    <p:spTree>
+      <p:nvGrpSpPr>
+        <p:cNvPr id="247" name="Shape 247"/>
+        <p:cNvGrpSpPr/>
+        <p:nvPr/>
+      </p:nvGrpSpPr>
+      <p:grpSpPr>
+        <a:xfrm>
+          <a:off x="0" y="0"/>
+          <a:ext cx="0" cy="0"/>
+          <a:chOff x="0" y="0"/>
+          <a:chExt cx="0" cy="0"/>
+        </a:xfrm>
+      </p:grpSpPr>
+      <p:sp>
+        <p:nvSpPr>
+          <p:cNvPr id="248" name="Google Shape;248;p40"/>
+          <p:cNvSpPr txBox="1"/>
+          <p:nvPr>
+            <p:ph type="title"/>
+          </p:nvPr>
+        </p:nvSpPr>
+        <p:spPr>
+          <a:xfrm>
+            <a:off x="729450" y="1318650"/>
+            <a:ext cx="7688700" cy="535200"/>
+          </a:xfrm>
+          <a:prstGeom prst="rect">
+            <a:avLst/>
+          </a:prstGeom>
+        </p:spPr>
+        <p:txBody>
+          <a:bodyPr anchorCtr="0" anchor="t" bIns="91425" lIns="91425" spcFirstLastPara="1" rIns="91425" wrap="square" tIns="91425">
+            <a:noAutofit/>
+          </a:bodyPr>
+          <a:lstStyle/>
+          <a:p>
+            <a:pPr indent="0" lvl="0" marL="0" rtl="0" algn="l">
+              <a:spcBef>
+                <a:spcPts val="0"/>
+              </a:spcBef>
+              <a:spcAft>
+                <a:spcPts val="0"/>
+              </a:spcAft>
+              <a:buSzPts val="990"/>
+              <a:buNone/>
+            </a:pPr>
+            <a:r>
+              <a:rPr lang="pl" sz="2440">
+                <a:latin typeface="Tahoma"/>
+                <a:ea typeface="Tahoma"/>
+                <a:cs typeface="Tahoma"/>
+                <a:sym typeface="Tahoma"/>
+              </a:rPr>
+              <a:t>GIT</a:t>
+            </a:r>
+            <a:endParaRPr sz="2440">
+              <a:latin typeface="Tahoma"/>
+              <a:ea typeface="Tahoma"/>
+              <a:cs typeface="Tahoma"/>
+              <a:sym typeface="Tahoma"/>
+            </a:endParaRPr>
+          </a:p>
+        </p:txBody>
+      </p:sp>
+      <p:sp>
+        <p:nvSpPr>
+          <p:cNvPr id="249" name="Google Shape;249;p40"/>
+          <p:cNvSpPr txBox="1"/>
+          <p:nvPr>
+            <p:ph idx="1" type="body"/>
+          </p:nvPr>
+        </p:nvSpPr>
+        <p:spPr>
+          <a:xfrm>
+            <a:off x="729450" y="2078875"/>
+            <a:ext cx="7688700" cy="2261100"/>
+          </a:xfrm>
+          <a:prstGeom prst="rect">
+            <a:avLst/>
+          </a:prstGeom>
+        </p:spPr>
+        <p:txBody>
+          <a:bodyPr anchorCtr="0" anchor="t" bIns="91425" lIns="91425" spcFirstLastPara="1" rIns="91425" wrap="square" tIns="91425">
+            <a:normAutofit/>
+          </a:bodyPr>
+          <a:lstStyle/>
+          <a:p>
+            <a:pPr indent="0" lvl="0" marL="0" rtl="0" algn="l">
+              <a:spcBef>
+                <a:spcPts val="0"/>
+              </a:spcBef>
+              <a:spcAft>
+                <a:spcPts val="1200"/>
+              </a:spcAft>
+              <a:buNone/>
+            </a:pPr>
+            <a:r>
+              <a:rPr lang="pl" sz="1400">
+                <a:solidFill>
+                  <a:srgbClr val="000000"/>
+                </a:solidFill>
+                <a:latin typeface="Tahoma"/>
+                <a:ea typeface="Tahoma"/>
+                <a:cs typeface="Tahoma"/>
+                <a:sym typeface="Tahoma"/>
+              </a:rPr>
+              <a:t>Git to </a:t>
+            </a:r>
+            <a:r>
+              <a:rPr b="1" lang="pl" sz="1400">
+                <a:solidFill>
+                  <a:srgbClr val="7F6000"/>
+                </a:solidFill>
+                <a:latin typeface="Tahoma"/>
+                <a:ea typeface="Tahoma"/>
+                <a:cs typeface="Tahoma"/>
+                <a:sym typeface="Tahoma"/>
+              </a:rPr>
+              <a:t>system kontroli wersji</a:t>
+            </a:r>
+            <a:r>
+              <a:rPr lang="pl" sz="1400">
+                <a:solidFill>
+                  <a:srgbClr val="7F6000"/>
+                </a:solidFill>
+                <a:latin typeface="Tahoma"/>
+                <a:ea typeface="Tahoma"/>
+                <a:cs typeface="Tahoma"/>
+                <a:sym typeface="Tahoma"/>
+              </a:rPr>
+              <a:t> </a:t>
+            </a:r>
+            <a:r>
+              <a:rPr lang="pl" sz="1400">
+                <a:solidFill>
+                  <a:srgbClr val="000000"/>
+                </a:solidFill>
+                <a:latin typeface="Tahoma"/>
+                <a:ea typeface="Tahoma"/>
+                <a:cs typeface="Tahoma"/>
+                <a:sym typeface="Tahoma"/>
+              </a:rPr>
+              <a:t>(ang. </a:t>
+            </a:r>
+            <a:r>
+              <a:rPr i="1" lang="pl" sz="1400">
+                <a:solidFill>
+                  <a:srgbClr val="000000"/>
+                </a:solidFill>
+                <a:latin typeface="Tahoma"/>
+                <a:ea typeface="Tahoma"/>
+                <a:cs typeface="Tahoma"/>
+                <a:sym typeface="Tahoma"/>
+              </a:rPr>
+              <a:t>Version Control System</a:t>
+            </a:r>
+            <a:r>
+              <a:rPr lang="pl" sz="1400">
+                <a:solidFill>
+                  <a:srgbClr val="000000"/>
+                </a:solidFill>
+                <a:latin typeface="Tahoma"/>
+                <a:ea typeface="Tahoma"/>
+                <a:cs typeface="Tahoma"/>
+                <a:sym typeface="Tahoma"/>
+              </a:rPr>
+              <a:t>), używany do </a:t>
+            </a:r>
+            <a:r>
+              <a:rPr b="1" lang="pl" sz="1400">
+                <a:solidFill>
+                  <a:srgbClr val="7F6000"/>
+                </a:solidFill>
+                <a:latin typeface="Tahoma"/>
+                <a:ea typeface="Tahoma"/>
+                <a:cs typeface="Tahoma"/>
+                <a:sym typeface="Tahoma"/>
+              </a:rPr>
+              <a:t>śledzenia zmian w plikach</a:t>
+            </a:r>
+            <a:r>
+              <a:rPr lang="pl" sz="1400">
+                <a:solidFill>
+                  <a:srgbClr val="7F6000"/>
+                </a:solidFill>
+                <a:latin typeface="Tahoma"/>
+                <a:ea typeface="Tahoma"/>
+                <a:cs typeface="Tahoma"/>
+                <a:sym typeface="Tahoma"/>
+              </a:rPr>
+              <a:t>,</a:t>
+            </a:r>
+            <a:r>
+              <a:rPr lang="pl" sz="1400">
+                <a:solidFill>
+                  <a:srgbClr val="000000"/>
+                </a:solidFill>
+                <a:latin typeface="Tahoma"/>
+                <a:ea typeface="Tahoma"/>
+                <a:cs typeface="Tahoma"/>
+                <a:sym typeface="Tahoma"/>
+              </a:rPr>
+              <a:t> głównie w projektach programistycznych. Dzięki niemu możesz współpracować z innymi, wracać do wcześniejszych wersji plików i zarządzać historią projektu.</a:t>
+            </a:r>
+            <a:endParaRPr sz="1600">
+              <a:latin typeface="Tahoma"/>
+              <a:ea typeface="Tahoma"/>
+              <a:cs typeface="Tahoma"/>
+              <a:sym typeface="Tahoma"/>
+            </a:endParaRPr>
+          </a:p>
+        </p:txBody>
+      </p:sp>
+    </p:spTree>
+  </p:cSld>
+  <p:clrMapOvr>
+    <a:masterClrMapping/>
+  </p:clrMapOvr>
+</p:sld>
+</file>
+
+<file path=ppt/slides/slide29.xml><?xml version="1.0" encoding="utf-8"?>
+<p:sld xmlns:a="http://schemas.openxmlformats.org/drawingml/2006/main" xmlns:r="http://schemas.openxmlformats.org/officeDocument/2006/relationships" xmlns:mc="http://schemas.openxmlformats.org/markup-compatibility/2006" xmlns:mv="urn:schemas-microsoft-com:mac:vml" xmlns:p="http://schemas.openxmlformats.org/presentationml/2006/main" xmlns:c="http://schemas.openxmlformats.org/drawingml/2006/chart" xmlns:dgm="http://schemas.openxmlformats.org/drawingml/2006/diagram" xmlns:o="urn:schemas-microsoft-com:office:office" xmlns:v="urn:schemas-microsoft-com:vml" xmlns:pvml="urn:schemas-microsoft-com:office:powerpoint" xmlns:com="http://schemas.openxmlformats.org/drawingml/2006/compatibility" xmlns:p14="http://schemas.microsoft.com/office/powerpoint/2010/main" xmlns:p15="http://schemas.microsoft.com/office/powerpoint/2012/main" xmlns:ahyp="http://schemas.microsoft.com/office/drawing/2018/hyperlinkcolor">
+  <p:cSld>
+    <p:spTree>
+      <p:nvGrpSpPr>
+        <p:cNvPr id="253" name="Shape 253"/>
+        <p:cNvGrpSpPr/>
+        <p:nvPr/>
+      </p:nvGrpSpPr>
+      <p:grpSpPr>
+        <a:xfrm>
+          <a:off x="0" y="0"/>
+          <a:ext cx="0" cy="0"/>
+          <a:chOff x="0" y="0"/>
+          <a:chExt cx="0" cy="0"/>
+        </a:xfrm>
+      </p:grpSpPr>
+      <p:sp>
+        <p:nvSpPr>
+          <p:cNvPr id="254" name="Google Shape;254;p41"/>
+          <p:cNvSpPr txBox="1"/>
+          <p:nvPr>
+            <p:ph type="title"/>
+          </p:nvPr>
+        </p:nvSpPr>
+        <p:spPr>
+          <a:xfrm>
+            <a:off x="729450" y="1318650"/>
+            <a:ext cx="7688700" cy="535200"/>
+          </a:xfrm>
+          <a:prstGeom prst="rect">
+            <a:avLst/>
+          </a:prstGeom>
+        </p:spPr>
+        <p:txBody>
+          <a:bodyPr anchorCtr="0" anchor="t" bIns="91425" lIns="91425" spcFirstLastPara="1" rIns="91425" wrap="square" tIns="91425">
+            <a:noAutofit/>
+          </a:bodyPr>
+          <a:lstStyle/>
+          <a:p>
+            <a:pPr indent="0" lvl="0" marL="0" rtl="0" algn="l">
+              <a:lnSpc>
+                <a:spcPct val="115000"/>
+              </a:lnSpc>
+              <a:spcBef>
+                <a:spcPts val="1400"/>
+              </a:spcBef>
+              <a:spcAft>
+                <a:spcPts val="400"/>
+              </a:spcAft>
+              <a:buNone/>
+            </a:pPr>
+            <a:r>
+              <a:rPr lang="pl" sz="2400">
+                <a:solidFill>
+                  <a:srgbClr val="000000"/>
+                </a:solidFill>
+                <a:latin typeface="Tahoma"/>
+                <a:ea typeface="Tahoma"/>
+                <a:cs typeface="Tahoma"/>
+                <a:sym typeface="Tahoma"/>
+              </a:rPr>
+              <a:t>Najważniejsze cechy Gita</a:t>
+            </a:r>
+            <a:endParaRPr sz="2400">
+              <a:latin typeface="Tahoma"/>
+              <a:ea typeface="Tahoma"/>
+              <a:cs typeface="Tahoma"/>
+              <a:sym typeface="Tahoma"/>
+            </a:endParaRPr>
+          </a:p>
+        </p:txBody>
+      </p:sp>
+      <p:sp>
+        <p:nvSpPr>
+          <p:cNvPr id="255" name="Google Shape;255;p41"/>
+          <p:cNvSpPr txBox="1"/>
+          <p:nvPr>
+            <p:ph idx="1" type="body"/>
+          </p:nvPr>
+        </p:nvSpPr>
+        <p:spPr>
+          <a:xfrm>
+            <a:off x="729450" y="2078875"/>
+            <a:ext cx="7688700" cy="2261100"/>
+          </a:xfrm>
+          <a:prstGeom prst="rect">
+            <a:avLst/>
+          </a:prstGeom>
+        </p:spPr>
+        <p:txBody>
+          <a:bodyPr anchorCtr="0" anchor="t" bIns="91425" lIns="91425" spcFirstLastPara="1" rIns="91425" wrap="square" tIns="91425">
+            <a:noAutofit/>
+          </a:bodyPr>
+          <a:lstStyle/>
+          <a:p>
+            <a:pPr indent="0" lvl="0" marL="0" rtl="0" algn="l">
+              <a:lnSpc>
+                <a:spcPct val="100000"/>
+              </a:lnSpc>
+              <a:spcBef>
+                <a:spcPts val="0"/>
+              </a:spcBef>
+              <a:spcAft>
+                <a:spcPts val="0"/>
+              </a:spcAft>
+              <a:buNone/>
+            </a:pPr>
+            <a:r>
+              <a:rPr b="1" lang="pl" sz="1400">
+                <a:solidFill>
+                  <a:srgbClr val="1C4587"/>
+                </a:solidFill>
+                <a:latin typeface="Tahoma"/>
+                <a:ea typeface="Tahoma"/>
+                <a:cs typeface="Tahoma"/>
+                <a:sym typeface="Tahoma"/>
+              </a:rPr>
+              <a:t>Śledzenie zmian</a:t>
+            </a:r>
+            <a:endParaRPr b="1" sz="1400">
+              <a:solidFill>
+                <a:srgbClr val="1C4587"/>
+              </a:solidFill>
+              <a:latin typeface="Tahoma"/>
+              <a:ea typeface="Tahoma"/>
+              <a:cs typeface="Tahoma"/>
+              <a:sym typeface="Tahoma"/>
+            </a:endParaRPr>
+          </a:p>
+          <a:p>
+            <a:pPr indent="-317500" lvl="1" marL="914400" rtl="0" algn="l">
+              <a:lnSpc>
+                <a:spcPct val="100000"/>
+              </a:lnSpc>
+              <a:spcBef>
+                <a:spcPts val="0"/>
+              </a:spcBef>
+              <a:spcAft>
+                <a:spcPts val="0"/>
+              </a:spcAft>
+              <a:buClr>
+                <a:srgbClr val="000000"/>
+              </a:buClr>
+              <a:buSzPts val="1400"/>
+              <a:buFont typeface="Tahoma"/>
+              <a:buChar char="○"/>
+            </a:pPr>
+            <a:r>
+              <a:rPr lang="pl" sz="1400">
+                <a:solidFill>
+                  <a:srgbClr val="000000"/>
+                </a:solidFill>
+                <a:latin typeface="Tahoma"/>
+                <a:ea typeface="Tahoma"/>
+                <a:cs typeface="Tahoma"/>
+                <a:sym typeface="Tahoma"/>
+              </a:rPr>
+              <a:t>Git zapisuje historię zmian plików.</a:t>
+            </a:r>
+            <a:endParaRPr sz="1400">
+              <a:solidFill>
+                <a:srgbClr val="000000"/>
+              </a:solidFill>
+              <a:latin typeface="Tahoma"/>
+              <a:ea typeface="Tahoma"/>
+              <a:cs typeface="Tahoma"/>
+              <a:sym typeface="Tahoma"/>
+            </a:endParaRPr>
+          </a:p>
+          <a:p>
+            <a:pPr indent="-317500" lvl="1" marL="914400" rtl="0" algn="l">
+              <a:lnSpc>
+                <a:spcPct val="100000"/>
+              </a:lnSpc>
+              <a:spcBef>
+                <a:spcPts val="0"/>
+              </a:spcBef>
+              <a:spcAft>
+                <a:spcPts val="0"/>
+              </a:spcAft>
+              <a:buClr>
+                <a:srgbClr val="000000"/>
+              </a:buClr>
+              <a:buSzPts val="1400"/>
+              <a:buFont typeface="Tahoma"/>
+              <a:buChar char="○"/>
+            </a:pPr>
+            <a:r>
+              <a:rPr lang="pl" sz="1400">
+                <a:solidFill>
+                  <a:srgbClr val="000000"/>
+                </a:solidFill>
+                <a:latin typeface="Tahoma"/>
+                <a:ea typeface="Tahoma"/>
+                <a:cs typeface="Tahoma"/>
+                <a:sym typeface="Tahoma"/>
+              </a:rPr>
+              <a:t>Możesz zobaczyć, kto i kiedy zmienił dany fragment kodu.</a:t>
+            </a:r>
+            <a:endParaRPr sz="1400">
+              <a:solidFill>
+                <a:srgbClr val="000000"/>
+              </a:solidFill>
+              <a:latin typeface="Tahoma"/>
+              <a:ea typeface="Tahoma"/>
+              <a:cs typeface="Tahoma"/>
+              <a:sym typeface="Tahoma"/>
+            </a:endParaRPr>
+          </a:p>
+          <a:p>
+            <a:pPr indent="0" lvl="0" marL="0" rtl="0" algn="l">
+              <a:lnSpc>
+                <a:spcPct val="100000"/>
+              </a:lnSpc>
+              <a:spcBef>
+                <a:spcPts val="0"/>
+              </a:spcBef>
+              <a:spcAft>
+                <a:spcPts val="0"/>
+              </a:spcAft>
+              <a:buNone/>
+            </a:pPr>
+            <a:r>
+              <a:t/>
+            </a:r>
+            <a:endParaRPr sz="1400">
+              <a:solidFill>
+                <a:srgbClr val="000000"/>
+              </a:solidFill>
+              <a:latin typeface="Tahoma"/>
+              <a:ea typeface="Tahoma"/>
+              <a:cs typeface="Tahoma"/>
+              <a:sym typeface="Tahoma"/>
+            </a:endParaRPr>
+          </a:p>
+          <a:p>
+            <a:pPr indent="0" lvl="0" marL="0" rtl="0" algn="l">
+              <a:lnSpc>
+                <a:spcPct val="100000"/>
+              </a:lnSpc>
+              <a:spcBef>
+                <a:spcPts val="0"/>
+              </a:spcBef>
+              <a:spcAft>
+                <a:spcPts val="0"/>
+              </a:spcAft>
+              <a:buNone/>
+            </a:pPr>
+            <a:r>
+              <a:rPr b="1" lang="pl" sz="1400">
+                <a:solidFill>
+                  <a:srgbClr val="1C4587"/>
+                </a:solidFill>
+                <a:latin typeface="Tahoma"/>
+                <a:ea typeface="Tahoma"/>
+                <a:cs typeface="Tahoma"/>
+                <a:sym typeface="Tahoma"/>
+              </a:rPr>
+              <a:t>Gałęzie (</a:t>
+            </a:r>
+            <a:r>
+              <a:rPr b="1" i="1" lang="pl" sz="1400">
+                <a:solidFill>
+                  <a:srgbClr val="1C4587"/>
+                </a:solidFill>
+                <a:latin typeface="Tahoma"/>
+                <a:ea typeface="Tahoma"/>
+                <a:cs typeface="Tahoma"/>
+                <a:sym typeface="Tahoma"/>
+              </a:rPr>
+              <a:t>branches</a:t>
+            </a:r>
+            <a:r>
+              <a:rPr b="1" lang="pl" sz="1400">
+                <a:solidFill>
+                  <a:srgbClr val="1C4587"/>
+                </a:solidFill>
+                <a:latin typeface="Tahoma"/>
+                <a:ea typeface="Tahoma"/>
+                <a:cs typeface="Tahoma"/>
+                <a:sym typeface="Tahoma"/>
+              </a:rPr>
+              <a:t>)</a:t>
+            </a:r>
+            <a:endParaRPr b="1" sz="1400">
+              <a:solidFill>
+                <a:srgbClr val="1C4587"/>
+              </a:solidFill>
+              <a:latin typeface="Tahoma"/>
+              <a:ea typeface="Tahoma"/>
+              <a:cs typeface="Tahoma"/>
+              <a:sym typeface="Tahoma"/>
+            </a:endParaRPr>
+          </a:p>
+          <a:p>
+            <a:pPr indent="-317500" lvl="1" marL="914400" rtl="0" algn="l">
+              <a:lnSpc>
+                <a:spcPct val="100000"/>
+              </a:lnSpc>
+              <a:spcBef>
+                <a:spcPts val="0"/>
+              </a:spcBef>
+              <a:spcAft>
+                <a:spcPts val="0"/>
+              </a:spcAft>
+              <a:buClr>
+                <a:srgbClr val="000000"/>
+              </a:buClr>
+              <a:buSzPts val="1400"/>
+              <a:buFont typeface="Tahoma"/>
+              <a:buChar char="○"/>
+            </a:pPr>
+            <a:r>
+              <a:rPr lang="pl" sz="1400">
+                <a:solidFill>
+                  <a:srgbClr val="000000"/>
+                </a:solidFill>
+                <a:latin typeface="Tahoma"/>
+                <a:ea typeface="Tahoma"/>
+                <a:cs typeface="Tahoma"/>
+                <a:sym typeface="Tahoma"/>
+              </a:rPr>
+              <a:t>Pozwalają na tworzenie równoległych wersji projektu.</a:t>
+            </a:r>
+            <a:endParaRPr sz="1400">
+              <a:solidFill>
+                <a:srgbClr val="000000"/>
+              </a:solidFill>
+              <a:latin typeface="Tahoma"/>
+              <a:ea typeface="Tahoma"/>
+              <a:cs typeface="Tahoma"/>
+              <a:sym typeface="Tahoma"/>
+            </a:endParaRPr>
+          </a:p>
+          <a:p>
+            <a:pPr indent="-317500" lvl="1" marL="914400" rtl="0" algn="l">
+              <a:lnSpc>
+                <a:spcPct val="100000"/>
+              </a:lnSpc>
+              <a:spcBef>
+                <a:spcPts val="0"/>
+              </a:spcBef>
+              <a:spcAft>
+                <a:spcPts val="0"/>
+              </a:spcAft>
+              <a:buClr>
+                <a:srgbClr val="000000"/>
+              </a:buClr>
+              <a:buSzPts val="1400"/>
+              <a:buFont typeface="Tahoma"/>
+              <a:buChar char="○"/>
+            </a:pPr>
+            <a:r>
+              <a:rPr lang="pl" sz="1400">
+                <a:solidFill>
+                  <a:srgbClr val="000000"/>
+                </a:solidFill>
+                <a:latin typeface="Tahoma"/>
+                <a:ea typeface="Tahoma"/>
+                <a:cs typeface="Tahoma"/>
+                <a:sym typeface="Tahoma"/>
+              </a:rPr>
+              <a:t>Możesz testować nowe funkcje bez psucia głównej wersji (</a:t>
+            </a:r>
+            <a:r>
+              <a:rPr i="1" lang="pl" sz="1400">
+                <a:solidFill>
+                  <a:srgbClr val="000000"/>
+                </a:solidFill>
+                <a:latin typeface="Tahoma"/>
+                <a:ea typeface="Tahoma"/>
+                <a:cs typeface="Tahoma"/>
+                <a:sym typeface="Tahoma"/>
+              </a:rPr>
+              <a:t>main</a:t>
+            </a:r>
+            <a:r>
+              <a:rPr lang="pl" sz="1400">
+                <a:solidFill>
+                  <a:srgbClr val="000000"/>
+                </a:solidFill>
+                <a:latin typeface="Tahoma"/>
+                <a:ea typeface="Tahoma"/>
+                <a:cs typeface="Tahoma"/>
+                <a:sym typeface="Tahoma"/>
+              </a:rPr>
+              <a:t> lub </a:t>
+            </a:r>
+            <a:r>
+              <a:rPr i="1" lang="pl" sz="1400">
+                <a:solidFill>
+                  <a:srgbClr val="000000"/>
+                </a:solidFill>
+                <a:latin typeface="Tahoma"/>
+                <a:ea typeface="Tahoma"/>
+                <a:cs typeface="Tahoma"/>
+                <a:sym typeface="Tahoma"/>
+              </a:rPr>
+              <a:t>master</a:t>
+            </a:r>
+            <a:r>
+              <a:rPr lang="pl" sz="1400">
+                <a:solidFill>
+                  <a:srgbClr val="000000"/>
+                </a:solidFill>
+                <a:latin typeface="Tahoma"/>
+                <a:ea typeface="Tahoma"/>
+                <a:cs typeface="Tahoma"/>
+                <a:sym typeface="Tahoma"/>
+              </a:rPr>
+              <a:t>).</a:t>
+            </a:r>
+            <a:br>
+              <a:rPr lang="pl" sz="1400">
+                <a:solidFill>
+                  <a:srgbClr val="000000"/>
+                </a:solidFill>
+                <a:latin typeface="Tahoma"/>
+                <a:ea typeface="Tahoma"/>
+                <a:cs typeface="Tahoma"/>
+                <a:sym typeface="Tahoma"/>
+              </a:rPr>
+            </a:br>
+            <a:endParaRPr sz="1400">
+              <a:solidFill>
+                <a:srgbClr val="000000"/>
+              </a:solidFill>
+              <a:latin typeface="Tahoma"/>
+              <a:ea typeface="Tahoma"/>
+              <a:cs typeface="Tahoma"/>
+              <a:sym typeface="Tahoma"/>
+            </a:endParaRPr>
+          </a:p>
+          <a:p>
+            <a:pPr indent="0" lvl="0" marL="0" rtl="0" algn="l">
+              <a:lnSpc>
+                <a:spcPct val="100000"/>
+              </a:lnSpc>
+              <a:spcBef>
+                <a:spcPts val="0"/>
+              </a:spcBef>
+              <a:spcAft>
+                <a:spcPts val="0"/>
+              </a:spcAft>
+              <a:buNone/>
+            </a:pPr>
+            <a:r>
+              <a:rPr b="1" lang="pl" sz="1400">
+                <a:solidFill>
+                  <a:srgbClr val="0B5394"/>
+                </a:solidFill>
+                <a:latin typeface="Tahoma"/>
+                <a:ea typeface="Tahoma"/>
+                <a:cs typeface="Tahoma"/>
+                <a:sym typeface="Tahoma"/>
+              </a:rPr>
+              <a:t>Scalanie zmian (</a:t>
+            </a:r>
+            <a:r>
+              <a:rPr b="1" i="1" lang="pl" sz="1400">
+                <a:solidFill>
+                  <a:srgbClr val="0B5394"/>
+                </a:solidFill>
+                <a:latin typeface="Tahoma"/>
+                <a:ea typeface="Tahoma"/>
+                <a:cs typeface="Tahoma"/>
+                <a:sym typeface="Tahoma"/>
+              </a:rPr>
+              <a:t>merge</a:t>
+            </a:r>
+            <a:r>
+              <a:rPr b="1" lang="pl" sz="1400">
+                <a:solidFill>
+                  <a:srgbClr val="0B5394"/>
+                </a:solidFill>
+                <a:latin typeface="Tahoma"/>
+                <a:ea typeface="Tahoma"/>
+                <a:cs typeface="Tahoma"/>
+                <a:sym typeface="Tahoma"/>
+              </a:rPr>
+              <a:t>)</a:t>
+            </a:r>
+            <a:endParaRPr b="1" sz="1400">
+              <a:solidFill>
+                <a:srgbClr val="0B5394"/>
+              </a:solidFill>
+              <a:latin typeface="Tahoma"/>
+              <a:ea typeface="Tahoma"/>
+              <a:cs typeface="Tahoma"/>
+              <a:sym typeface="Tahoma"/>
+            </a:endParaRPr>
+          </a:p>
+          <a:p>
+            <a:pPr indent="-317500" lvl="1" marL="914400" rtl="0" algn="l">
+              <a:lnSpc>
+                <a:spcPct val="100000"/>
+              </a:lnSpc>
+              <a:spcBef>
+                <a:spcPts val="0"/>
+              </a:spcBef>
+              <a:spcAft>
+                <a:spcPts val="0"/>
+              </a:spcAft>
+              <a:buClr>
+                <a:srgbClr val="000000"/>
+              </a:buClr>
+              <a:buSzPts val="1400"/>
+              <a:buFont typeface="Tahoma"/>
+              <a:buChar char="○"/>
+            </a:pPr>
+            <a:r>
+              <a:rPr lang="pl" sz="1400">
+                <a:solidFill>
+                  <a:srgbClr val="000000"/>
+                </a:solidFill>
+                <a:latin typeface="Tahoma"/>
+                <a:ea typeface="Tahoma"/>
+                <a:cs typeface="Tahoma"/>
+                <a:sym typeface="Tahoma"/>
+              </a:rPr>
+              <a:t>Gałęzie można łączyć.</a:t>
+            </a:r>
+            <a:endParaRPr sz="1400">
+              <a:solidFill>
+                <a:srgbClr val="000000"/>
+              </a:solidFill>
+              <a:latin typeface="Tahoma"/>
+              <a:ea typeface="Tahoma"/>
+              <a:cs typeface="Tahoma"/>
+              <a:sym typeface="Tahoma"/>
+            </a:endParaRPr>
+          </a:p>
+          <a:p>
+            <a:pPr indent="-317500" lvl="1" marL="914400" rtl="0" algn="l">
+              <a:lnSpc>
+                <a:spcPct val="100000"/>
+              </a:lnSpc>
+              <a:spcBef>
+                <a:spcPts val="0"/>
+              </a:spcBef>
+              <a:spcAft>
+                <a:spcPts val="0"/>
+              </a:spcAft>
+              <a:buClr>
+                <a:srgbClr val="000000"/>
+              </a:buClr>
+              <a:buSzPts val="1400"/>
+              <a:buFont typeface="Tahoma"/>
+              <a:buChar char="○"/>
+            </a:pPr>
+            <a:r>
+              <a:rPr lang="pl" sz="1400">
+                <a:solidFill>
+                  <a:srgbClr val="000000"/>
+                </a:solidFill>
+                <a:latin typeface="Tahoma"/>
+                <a:ea typeface="Tahoma"/>
+                <a:cs typeface="Tahoma"/>
+                <a:sym typeface="Tahoma"/>
+              </a:rPr>
+              <a:t>Git automatycznie łączy zmiany w jednym projekcie.</a:t>
+            </a:r>
+            <a:endParaRPr b="1" sz="1400">
+              <a:solidFill>
+                <a:srgbClr val="000000"/>
+              </a:solidFill>
+              <a:latin typeface="Tahoma"/>
+              <a:ea typeface="Tahoma"/>
+              <a:cs typeface="Tahoma"/>
+              <a:sym typeface="Tahoma"/>
+            </a:endParaRPr>
+          </a:p>
+        </p:txBody>
+      </p:sp>
+    </p:spTree>
+  </p:cSld>
+  <p:clrMapOvr>
+    <a:masterClrMapping/>
+  </p:clrMapOvr>
+</p:sld>
+</file>
+
 <file path=ppt/slides/slide3.xml><?xml version="1.0" encoding="utf-8"?>
 <p:sld xmlns:a="http://schemas.openxmlformats.org/drawingml/2006/main" xmlns:r="http://schemas.openxmlformats.org/officeDocument/2006/relationships" xmlns:mc="http://schemas.openxmlformats.org/markup-compatibility/2006" xmlns:mv="urn:schemas-microsoft-com:mac:vml" xmlns:p="http://schemas.openxmlformats.org/presentationml/2006/main" xmlns:c="http://schemas.openxmlformats.org/drawingml/2006/chart" xmlns:dgm="http://schemas.openxmlformats.org/drawingml/2006/diagram" xmlns:o="urn:schemas-microsoft-com:office:office" xmlns:v="urn:schemas-microsoft-com:vml" xmlns:pvml="urn:schemas-microsoft-com:office:powerpoint" xmlns:com="http://schemas.openxmlformats.org/drawingml/2006/compatibility" xmlns:p14="http://schemas.microsoft.com/office/powerpoint/2010/main" xmlns:p15="http://schemas.microsoft.com/office/powerpoint/2012/main" xmlns:ahyp="http://schemas.microsoft.com/office/drawing/2018/hyperlinkcolor">
   <p:cSld>
@@ -18542,6 +19857,1251 @@
           </a:p>
         </p:txBody>
       </p:sp>
+    </p:spTree>
+  </p:cSld>
+  <p:clrMapOvr>
+    <a:masterClrMapping/>
+  </p:clrMapOvr>
+</p:sld>
+</file>
+
+<file path=ppt/slides/slide30.xml><?xml version="1.0" encoding="utf-8"?>
+<p:sld xmlns:a="http://schemas.openxmlformats.org/drawingml/2006/main" xmlns:r="http://schemas.openxmlformats.org/officeDocument/2006/relationships" xmlns:mc="http://schemas.openxmlformats.org/markup-compatibility/2006" xmlns:mv="urn:schemas-microsoft-com:mac:vml" xmlns:p="http://schemas.openxmlformats.org/presentationml/2006/main" xmlns:c="http://schemas.openxmlformats.org/drawingml/2006/chart" xmlns:dgm="http://schemas.openxmlformats.org/drawingml/2006/diagram" xmlns:o="urn:schemas-microsoft-com:office:office" xmlns:v="urn:schemas-microsoft-com:vml" xmlns:pvml="urn:schemas-microsoft-com:office:powerpoint" xmlns:com="http://schemas.openxmlformats.org/drawingml/2006/compatibility" xmlns:p14="http://schemas.microsoft.com/office/powerpoint/2010/main" xmlns:p15="http://schemas.microsoft.com/office/powerpoint/2012/main" xmlns:ahyp="http://schemas.microsoft.com/office/drawing/2018/hyperlinkcolor">
+  <p:cSld>
+    <p:spTree>
+      <p:nvGrpSpPr>
+        <p:cNvPr id="259" name="Shape 259"/>
+        <p:cNvGrpSpPr/>
+        <p:nvPr/>
+      </p:nvGrpSpPr>
+      <p:grpSpPr>
+        <a:xfrm>
+          <a:off x="0" y="0"/>
+          <a:ext cx="0" cy="0"/>
+          <a:chOff x="0" y="0"/>
+          <a:chExt cx="0" cy="0"/>
+        </a:xfrm>
+      </p:grpSpPr>
+      <p:sp>
+        <p:nvSpPr>
+          <p:cNvPr id="260" name="Google Shape;260;p42"/>
+          <p:cNvSpPr txBox="1"/>
+          <p:nvPr>
+            <p:ph type="title"/>
+          </p:nvPr>
+        </p:nvSpPr>
+        <p:spPr>
+          <a:xfrm>
+            <a:off x="729450" y="1318650"/>
+            <a:ext cx="7688700" cy="535200"/>
+          </a:xfrm>
+          <a:prstGeom prst="rect">
+            <a:avLst/>
+          </a:prstGeom>
+        </p:spPr>
+        <p:txBody>
+          <a:bodyPr anchorCtr="0" anchor="t" bIns="91425" lIns="91425" spcFirstLastPara="1" rIns="91425" wrap="square" tIns="91425">
+            <a:normAutofit fontScale="90000"/>
+          </a:bodyPr>
+          <a:lstStyle/>
+          <a:p>
+            <a:pPr indent="0" lvl="0" marL="0" rtl="0" algn="l">
+              <a:lnSpc>
+                <a:spcPct val="115000"/>
+              </a:lnSpc>
+              <a:spcBef>
+                <a:spcPts val="1400"/>
+              </a:spcBef>
+              <a:spcAft>
+                <a:spcPts val="0"/>
+              </a:spcAft>
+              <a:buNone/>
+            </a:pPr>
+            <a:r>
+              <a:rPr lang="pl" sz="2400">
+                <a:solidFill>
+                  <a:srgbClr val="000000"/>
+                </a:solidFill>
+                <a:latin typeface="Tahoma"/>
+                <a:ea typeface="Tahoma"/>
+                <a:cs typeface="Tahoma"/>
+                <a:sym typeface="Tahoma"/>
+              </a:rPr>
+              <a:t>Najważniejsze cechy Gita</a:t>
+            </a:r>
+            <a:endParaRPr sz="2400">
+              <a:latin typeface="Tahoma"/>
+              <a:ea typeface="Tahoma"/>
+              <a:cs typeface="Tahoma"/>
+              <a:sym typeface="Tahoma"/>
+            </a:endParaRPr>
+          </a:p>
+          <a:p>
+            <a:pPr indent="0" lvl="0" marL="0" rtl="0" algn="l">
+              <a:spcBef>
+                <a:spcPts val="400"/>
+              </a:spcBef>
+              <a:spcAft>
+                <a:spcPts val="0"/>
+              </a:spcAft>
+              <a:buNone/>
+            </a:pPr>
+            <a:r>
+              <a:t/>
+            </a:r>
+            <a:endParaRPr/>
+          </a:p>
+        </p:txBody>
+      </p:sp>
+      <p:sp>
+        <p:nvSpPr>
+          <p:cNvPr id="261" name="Google Shape;261;p42"/>
+          <p:cNvSpPr txBox="1"/>
+          <p:nvPr>
+            <p:ph idx="1" type="body"/>
+          </p:nvPr>
+        </p:nvSpPr>
+        <p:spPr>
+          <a:xfrm>
+            <a:off x="729450" y="2078875"/>
+            <a:ext cx="7688700" cy="2261100"/>
+          </a:xfrm>
+          <a:prstGeom prst="rect">
+            <a:avLst/>
+          </a:prstGeom>
+        </p:spPr>
+        <p:txBody>
+          <a:bodyPr anchorCtr="0" anchor="t" bIns="91425" lIns="91425" spcFirstLastPara="1" rIns="91425" wrap="square" tIns="91425">
+            <a:normAutofit/>
+          </a:bodyPr>
+          <a:lstStyle/>
+          <a:p>
+            <a:pPr indent="0" lvl="0" marL="0" rtl="0" algn="l">
+              <a:spcBef>
+                <a:spcPts val="0"/>
+              </a:spcBef>
+              <a:spcAft>
+                <a:spcPts val="0"/>
+              </a:spcAft>
+              <a:buNone/>
+            </a:pPr>
+            <a:r>
+              <a:rPr b="1" lang="pl" sz="1400">
+                <a:solidFill>
+                  <a:srgbClr val="1C4587"/>
+                </a:solidFill>
+                <a:latin typeface="Tahoma"/>
+                <a:ea typeface="Tahoma"/>
+                <a:cs typeface="Tahoma"/>
+                <a:sym typeface="Tahoma"/>
+              </a:rPr>
+              <a:t>Rozproszony system</a:t>
+            </a:r>
+            <a:endParaRPr b="1" sz="1400">
+              <a:solidFill>
+                <a:srgbClr val="1C4587"/>
+              </a:solidFill>
+              <a:latin typeface="Tahoma"/>
+              <a:ea typeface="Tahoma"/>
+              <a:cs typeface="Tahoma"/>
+              <a:sym typeface="Tahoma"/>
+            </a:endParaRPr>
+          </a:p>
+          <a:p>
+            <a:pPr indent="-317500" lvl="1" marL="914400" rtl="0" algn="l">
+              <a:spcBef>
+                <a:spcPts val="0"/>
+              </a:spcBef>
+              <a:spcAft>
+                <a:spcPts val="0"/>
+              </a:spcAft>
+              <a:buClr>
+                <a:srgbClr val="000000"/>
+              </a:buClr>
+              <a:buSzPts val="1400"/>
+              <a:buFont typeface="Tahoma"/>
+              <a:buChar char="○"/>
+            </a:pPr>
+            <a:r>
+              <a:rPr lang="pl" sz="1400">
+                <a:solidFill>
+                  <a:srgbClr val="000000"/>
+                </a:solidFill>
+                <a:latin typeface="Tahoma"/>
+                <a:ea typeface="Tahoma"/>
+                <a:cs typeface="Tahoma"/>
+                <a:sym typeface="Tahoma"/>
+              </a:rPr>
+              <a:t>Każdy użytkownik ma pełną kopię repozytorium.</a:t>
+            </a:r>
+            <a:endParaRPr sz="1400">
+              <a:solidFill>
+                <a:srgbClr val="000000"/>
+              </a:solidFill>
+              <a:latin typeface="Tahoma"/>
+              <a:ea typeface="Tahoma"/>
+              <a:cs typeface="Tahoma"/>
+              <a:sym typeface="Tahoma"/>
+            </a:endParaRPr>
+          </a:p>
+          <a:p>
+            <a:pPr indent="-317500" lvl="1" marL="914400" rtl="0" algn="l">
+              <a:spcBef>
+                <a:spcPts val="0"/>
+              </a:spcBef>
+              <a:spcAft>
+                <a:spcPts val="0"/>
+              </a:spcAft>
+              <a:buClr>
+                <a:srgbClr val="000000"/>
+              </a:buClr>
+              <a:buSzPts val="1400"/>
+              <a:buFont typeface="Tahoma"/>
+              <a:buChar char="○"/>
+            </a:pPr>
+            <a:r>
+              <a:rPr lang="pl" sz="1400">
+                <a:solidFill>
+                  <a:srgbClr val="000000"/>
+                </a:solidFill>
+                <a:latin typeface="Tahoma"/>
+                <a:ea typeface="Tahoma"/>
+                <a:cs typeface="Tahoma"/>
+                <a:sym typeface="Tahoma"/>
+              </a:rPr>
+              <a:t>Możesz pracować lokalnie bez połączenia z internetem.</a:t>
+            </a:r>
+            <a:endParaRPr sz="1400">
+              <a:solidFill>
+                <a:srgbClr val="000000"/>
+              </a:solidFill>
+              <a:latin typeface="Tahoma"/>
+              <a:ea typeface="Tahoma"/>
+              <a:cs typeface="Tahoma"/>
+              <a:sym typeface="Tahoma"/>
+            </a:endParaRPr>
+          </a:p>
+          <a:p>
+            <a:pPr indent="0" lvl="0" marL="914400" rtl="0" algn="l">
+              <a:spcBef>
+                <a:spcPts val="0"/>
+              </a:spcBef>
+              <a:spcAft>
+                <a:spcPts val="0"/>
+              </a:spcAft>
+              <a:buNone/>
+            </a:pPr>
+            <a:r>
+              <a:t/>
+            </a:r>
+            <a:endParaRPr sz="1400">
+              <a:solidFill>
+                <a:srgbClr val="000000"/>
+              </a:solidFill>
+              <a:latin typeface="Tahoma"/>
+              <a:ea typeface="Tahoma"/>
+              <a:cs typeface="Tahoma"/>
+              <a:sym typeface="Tahoma"/>
+            </a:endParaRPr>
+          </a:p>
+          <a:p>
+            <a:pPr indent="0" lvl="0" marL="0" rtl="0" algn="l">
+              <a:spcBef>
+                <a:spcPts val="0"/>
+              </a:spcBef>
+              <a:spcAft>
+                <a:spcPts val="0"/>
+              </a:spcAft>
+              <a:buNone/>
+            </a:pPr>
+            <a:r>
+              <a:rPr b="1" lang="pl" sz="1400">
+                <a:solidFill>
+                  <a:srgbClr val="1C4587"/>
+                </a:solidFill>
+                <a:latin typeface="Tahoma"/>
+                <a:ea typeface="Tahoma"/>
+                <a:cs typeface="Tahoma"/>
+                <a:sym typeface="Tahoma"/>
+              </a:rPr>
+              <a:t>Współpraca</a:t>
+            </a:r>
+            <a:endParaRPr b="1" sz="1400">
+              <a:solidFill>
+                <a:srgbClr val="1C4587"/>
+              </a:solidFill>
+              <a:latin typeface="Tahoma"/>
+              <a:ea typeface="Tahoma"/>
+              <a:cs typeface="Tahoma"/>
+              <a:sym typeface="Tahoma"/>
+            </a:endParaRPr>
+          </a:p>
+          <a:p>
+            <a:pPr indent="-317500" lvl="1" marL="914400" rtl="0" algn="l">
+              <a:spcBef>
+                <a:spcPts val="0"/>
+              </a:spcBef>
+              <a:spcAft>
+                <a:spcPts val="0"/>
+              </a:spcAft>
+              <a:buClr>
+                <a:srgbClr val="000000"/>
+              </a:buClr>
+              <a:buSzPts val="1400"/>
+              <a:buFont typeface="Tahoma"/>
+              <a:buChar char="○"/>
+            </a:pPr>
+            <a:r>
+              <a:rPr lang="pl" sz="1400">
+                <a:solidFill>
+                  <a:srgbClr val="000000"/>
+                </a:solidFill>
+                <a:latin typeface="Tahoma"/>
+                <a:ea typeface="Tahoma"/>
+                <a:cs typeface="Tahoma"/>
+                <a:sym typeface="Tahoma"/>
+              </a:rPr>
+              <a:t>Git ułatwia pracę zespołową.</a:t>
+            </a:r>
+            <a:endParaRPr sz="1400">
+              <a:solidFill>
+                <a:srgbClr val="000000"/>
+              </a:solidFill>
+              <a:latin typeface="Tahoma"/>
+              <a:ea typeface="Tahoma"/>
+              <a:cs typeface="Tahoma"/>
+              <a:sym typeface="Tahoma"/>
+            </a:endParaRPr>
+          </a:p>
+          <a:p>
+            <a:pPr indent="-317500" lvl="1" marL="914400" rtl="0" algn="l">
+              <a:spcBef>
+                <a:spcPts val="0"/>
+              </a:spcBef>
+              <a:spcAft>
+                <a:spcPts val="0"/>
+              </a:spcAft>
+              <a:buClr>
+                <a:srgbClr val="000000"/>
+              </a:buClr>
+              <a:buSzPts val="1400"/>
+              <a:buFont typeface="Arial"/>
+              <a:buChar char="○"/>
+            </a:pPr>
+            <a:r>
+              <a:rPr lang="pl" sz="1400">
+                <a:solidFill>
+                  <a:srgbClr val="000000"/>
+                </a:solidFill>
+                <a:latin typeface="Tahoma"/>
+                <a:ea typeface="Tahoma"/>
+                <a:cs typeface="Tahoma"/>
+                <a:sym typeface="Tahoma"/>
+              </a:rPr>
+              <a:t>Popularne platformy: </a:t>
+            </a:r>
+            <a:r>
+              <a:rPr b="1" lang="pl" sz="1400">
+                <a:solidFill>
+                  <a:srgbClr val="000000"/>
+                </a:solidFill>
+                <a:latin typeface="Tahoma"/>
+                <a:ea typeface="Tahoma"/>
+                <a:cs typeface="Tahoma"/>
+                <a:sym typeface="Tahoma"/>
+              </a:rPr>
+              <a:t>GitHub</a:t>
+            </a:r>
+            <a:r>
+              <a:rPr lang="pl" sz="1400">
+                <a:solidFill>
+                  <a:srgbClr val="000000"/>
+                </a:solidFill>
+                <a:latin typeface="Tahoma"/>
+                <a:ea typeface="Tahoma"/>
+                <a:cs typeface="Tahoma"/>
+                <a:sym typeface="Tahoma"/>
+              </a:rPr>
+              <a:t>, </a:t>
+            </a:r>
+            <a:r>
+              <a:rPr b="1" lang="pl" sz="1400">
+                <a:solidFill>
+                  <a:srgbClr val="000000"/>
+                </a:solidFill>
+                <a:latin typeface="Tahoma"/>
+                <a:ea typeface="Tahoma"/>
+                <a:cs typeface="Tahoma"/>
+                <a:sym typeface="Tahoma"/>
+              </a:rPr>
+              <a:t>GitLab</a:t>
+            </a:r>
+            <a:r>
+              <a:rPr lang="pl" sz="1400">
+                <a:solidFill>
+                  <a:srgbClr val="000000"/>
+                </a:solidFill>
+                <a:latin typeface="Tahoma"/>
+                <a:ea typeface="Tahoma"/>
+                <a:cs typeface="Tahoma"/>
+                <a:sym typeface="Tahoma"/>
+              </a:rPr>
+              <a:t>, </a:t>
+            </a:r>
+            <a:r>
+              <a:rPr b="1" lang="pl" sz="1400">
+                <a:solidFill>
+                  <a:srgbClr val="000000"/>
+                </a:solidFill>
+                <a:latin typeface="Tahoma"/>
+                <a:ea typeface="Tahoma"/>
+                <a:cs typeface="Tahoma"/>
+                <a:sym typeface="Tahoma"/>
+              </a:rPr>
+              <a:t>Bitbucket</a:t>
+            </a:r>
+            <a:r>
+              <a:rPr lang="pl" sz="1400">
+                <a:solidFill>
+                  <a:srgbClr val="000000"/>
+                </a:solidFill>
+                <a:latin typeface="Tahoma"/>
+                <a:ea typeface="Tahoma"/>
+                <a:cs typeface="Tahoma"/>
+                <a:sym typeface="Tahoma"/>
+              </a:rPr>
+              <a:t>.</a:t>
+            </a:r>
+            <a:endParaRPr b="1" sz="1400">
+              <a:solidFill>
+                <a:srgbClr val="000000"/>
+              </a:solidFill>
+              <a:latin typeface="Tahoma"/>
+              <a:ea typeface="Tahoma"/>
+              <a:cs typeface="Tahoma"/>
+              <a:sym typeface="Tahoma"/>
+            </a:endParaRPr>
+          </a:p>
+        </p:txBody>
+      </p:sp>
+    </p:spTree>
+  </p:cSld>
+  <p:clrMapOvr>
+    <a:masterClrMapping/>
+  </p:clrMapOvr>
+</p:sld>
+</file>
+
+<file path=ppt/slides/slide31.xml><?xml version="1.0" encoding="utf-8"?>
+<p:sld xmlns:a="http://schemas.openxmlformats.org/drawingml/2006/main" xmlns:r="http://schemas.openxmlformats.org/officeDocument/2006/relationships" xmlns:mc="http://schemas.openxmlformats.org/markup-compatibility/2006" xmlns:mv="urn:schemas-microsoft-com:mac:vml" xmlns:p="http://schemas.openxmlformats.org/presentationml/2006/main" xmlns:c="http://schemas.openxmlformats.org/drawingml/2006/chart" xmlns:dgm="http://schemas.openxmlformats.org/drawingml/2006/diagram" xmlns:o="urn:schemas-microsoft-com:office:office" xmlns:v="urn:schemas-microsoft-com:vml" xmlns:pvml="urn:schemas-microsoft-com:office:powerpoint" xmlns:com="http://schemas.openxmlformats.org/drawingml/2006/compatibility" xmlns:p14="http://schemas.microsoft.com/office/powerpoint/2010/main" xmlns:p15="http://schemas.microsoft.com/office/powerpoint/2012/main" xmlns:ahyp="http://schemas.microsoft.com/office/drawing/2018/hyperlinkcolor">
+  <p:cSld>
+    <p:spTree>
+      <p:nvGrpSpPr>
+        <p:cNvPr id="265" name="Shape 265"/>
+        <p:cNvGrpSpPr/>
+        <p:nvPr/>
+      </p:nvGrpSpPr>
+      <p:grpSpPr>
+        <a:xfrm>
+          <a:off x="0" y="0"/>
+          <a:ext cx="0" cy="0"/>
+          <a:chOff x="0" y="0"/>
+          <a:chExt cx="0" cy="0"/>
+        </a:xfrm>
+      </p:grpSpPr>
+      <p:sp>
+        <p:nvSpPr>
+          <p:cNvPr id="266" name="Google Shape;266;p43"/>
+          <p:cNvSpPr txBox="1"/>
+          <p:nvPr>
+            <p:ph type="title"/>
+          </p:nvPr>
+        </p:nvSpPr>
+        <p:spPr>
+          <a:xfrm>
+            <a:off x="729450" y="1318650"/>
+            <a:ext cx="7688700" cy="535200"/>
+          </a:xfrm>
+          <a:prstGeom prst="rect">
+            <a:avLst/>
+          </a:prstGeom>
+        </p:spPr>
+        <p:txBody>
+          <a:bodyPr anchorCtr="0" anchor="t" bIns="91425" lIns="91425" spcFirstLastPara="1" rIns="91425" wrap="square" tIns="91425">
+            <a:noAutofit/>
+          </a:bodyPr>
+          <a:lstStyle/>
+          <a:p>
+            <a:pPr indent="0" lvl="0" marL="0" rtl="0" algn="l">
+              <a:lnSpc>
+                <a:spcPct val="115000"/>
+              </a:lnSpc>
+              <a:spcBef>
+                <a:spcPts val="1400"/>
+              </a:spcBef>
+              <a:spcAft>
+                <a:spcPts val="400"/>
+              </a:spcAft>
+              <a:buNone/>
+            </a:pPr>
+            <a:r>
+              <a:rPr lang="pl" sz="2400">
+                <a:solidFill>
+                  <a:srgbClr val="000000"/>
+                </a:solidFill>
+                <a:latin typeface="Tahoma"/>
+                <a:ea typeface="Tahoma"/>
+                <a:cs typeface="Tahoma"/>
+                <a:sym typeface="Tahoma"/>
+              </a:rPr>
+              <a:t>Podstawowe komendy Git</a:t>
+            </a:r>
+            <a:endParaRPr sz="2400">
+              <a:latin typeface="Tahoma"/>
+              <a:ea typeface="Tahoma"/>
+              <a:cs typeface="Tahoma"/>
+              <a:sym typeface="Tahoma"/>
+            </a:endParaRPr>
+          </a:p>
+        </p:txBody>
+      </p:sp>
+      <p:sp>
+        <p:nvSpPr>
+          <p:cNvPr id="267" name="Google Shape;267;p43"/>
+          <p:cNvSpPr txBox="1"/>
+          <p:nvPr>
+            <p:ph idx="1" type="body"/>
+          </p:nvPr>
+        </p:nvSpPr>
+        <p:spPr>
+          <a:xfrm>
+            <a:off x="729450" y="2078875"/>
+            <a:ext cx="7688700" cy="2261100"/>
+          </a:xfrm>
+          <a:prstGeom prst="rect">
+            <a:avLst/>
+          </a:prstGeom>
+        </p:spPr>
+        <p:txBody>
+          <a:bodyPr anchorCtr="0" anchor="t" bIns="91425" lIns="91425" spcFirstLastPara="1" rIns="91425" wrap="square" tIns="91425">
+            <a:normAutofit lnSpcReduction="10000"/>
+          </a:bodyPr>
+          <a:lstStyle/>
+          <a:p>
+            <a:pPr indent="0" lvl="0" marL="0" rtl="0" algn="l">
+              <a:spcBef>
+                <a:spcPts val="0"/>
+              </a:spcBef>
+              <a:spcAft>
+                <a:spcPts val="0"/>
+              </a:spcAft>
+              <a:buNone/>
+            </a:pPr>
+            <a:r>
+              <a:rPr b="1" lang="pl">
+                <a:solidFill>
+                  <a:srgbClr val="274E13"/>
+                </a:solidFill>
+              </a:rPr>
+              <a:t>git init </a:t>
+            </a:r>
+            <a:r>
+              <a:rPr lang="pl">
+                <a:solidFill>
+                  <a:srgbClr val="000000"/>
+                </a:solidFill>
+              </a:rPr>
+              <a:t>				- Tworzy nowe repozytorium w folderze</a:t>
+            </a:r>
+            <a:endParaRPr>
+              <a:solidFill>
+                <a:srgbClr val="000000"/>
+              </a:solidFill>
+            </a:endParaRPr>
+          </a:p>
+          <a:p>
+            <a:pPr indent="0" lvl="0" marL="0" rtl="0" algn="l">
+              <a:spcBef>
+                <a:spcPts val="1200"/>
+              </a:spcBef>
+              <a:spcAft>
+                <a:spcPts val="0"/>
+              </a:spcAft>
+              <a:buNone/>
+            </a:pPr>
+            <a:r>
+              <a:rPr b="1" lang="pl">
+                <a:solidFill>
+                  <a:srgbClr val="274E13"/>
+                </a:solidFill>
+              </a:rPr>
+              <a:t>git clone &lt;url&gt;</a:t>
+            </a:r>
+            <a:r>
+              <a:rPr lang="pl">
+                <a:solidFill>
+                  <a:srgbClr val="000000"/>
+                </a:solidFill>
+              </a:rPr>
+              <a:t> 			- Pobiera repozytorium z internetu</a:t>
+            </a:r>
+            <a:endParaRPr>
+              <a:solidFill>
+                <a:srgbClr val="000000"/>
+              </a:solidFill>
+            </a:endParaRPr>
+          </a:p>
+          <a:p>
+            <a:pPr indent="0" lvl="0" marL="0" rtl="0" algn="l">
+              <a:spcBef>
+                <a:spcPts val="1200"/>
+              </a:spcBef>
+              <a:spcAft>
+                <a:spcPts val="0"/>
+              </a:spcAft>
+              <a:buNone/>
+            </a:pPr>
+            <a:r>
+              <a:rPr b="1" lang="pl">
+                <a:solidFill>
+                  <a:srgbClr val="274E13"/>
+                </a:solidFill>
+              </a:rPr>
+              <a:t>git add &lt;plik&gt; </a:t>
+            </a:r>
+            <a:r>
+              <a:rPr lang="pl">
+                <a:solidFill>
+                  <a:srgbClr val="000000"/>
+                </a:solidFill>
+              </a:rPr>
+              <a:t>			</a:t>
+            </a:r>
+            <a:r>
+              <a:rPr lang="pl">
+                <a:solidFill>
+                  <a:srgbClr val="000000"/>
+                </a:solidFill>
+              </a:rPr>
+              <a:t>-</a:t>
+            </a:r>
+            <a:r>
+              <a:rPr lang="pl">
+                <a:solidFill>
+                  <a:srgbClr val="000000"/>
+                </a:solidFill>
+              </a:rPr>
+              <a:t> Dodaje plik do "staging area" (przygotowanie do commit)</a:t>
+            </a:r>
+            <a:endParaRPr>
+              <a:solidFill>
+                <a:srgbClr val="000000"/>
+              </a:solidFill>
+            </a:endParaRPr>
+          </a:p>
+          <a:p>
+            <a:pPr indent="0" lvl="0" marL="0" rtl="0" algn="l">
+              <a:spcBef>
+                <a:spcPts val="1200"/>
+              </a:spcBef>
+              <a:spcAft>
+                <a:spcPts val="0"/>
+              </a:spcAft>
+              <a:buNone/>
+            </a:pPr>
+            <a:r>
+              <a:rPr b="1" lang="pl">
+                <a:solidFill>
+                  <a:srgbClr val="274E13"/>
+                </a:solidFill>
+              </a:rPr>
+              <a:t>git commit -m "komentarz" </a:t>
+            </a:r>
+            <a:r>
+              <a:rPr lang="pl">
+                <a:solidFill>
+                  <a:srgbClr val="000000"/>
+                </a:solidFill>
+              </a:rPr>
+              <a:t>	- Zapisuje zmiany z opisem</a:t>
+            </a:r>
+            <a:endParaRPr>
+              <a:solidFill>
+                <a:srgbClr val="000000"/>
+              </a:solidFill>
+            </a:endParaRPr>
+          </a:p>
+          <a:p>
+            <a:pPr indent="0" lvl="0" marL="0" rtl="0" algn="l">
+              <a:spcBef>
+                <a:spcPts val="1200"/>
+              </a:spcBef>
+              <a:spcAft>
+                <a:spcPts val="0"/>
+              </a:spcAft>
+              <a:buNone/>
+            </a:pPr>
+            <a:r>
+              <a:rPr b="1" lang="pl">
+                <a:solidFill>
+                  <a:srgbClr val="274E13"/>
+                </a:solidFill>
+              </a:rPr>
+              <a:t>git status </a:t>
+            </a:r>
+            <a:r>
+              <a:rPr lang="pl">
+                <a:solidFill>
+                  <a:srgbClr val="000000"/>
+                </a:solidFill>
+              </a:rPr>
+              <a:t>				- Pokazuje stan repozytorium i zmienione pliki</a:t>
+            </a:r>
+            <a:endParaRPr>
+              <a:solidFill>
+                <a:srgbClr val="000000"/>
+              </a:solidFill>
+            </a:endParaRPr>
+          </a:p>
+          <a:p>
+            <a:pPr indent="0" lvl="0" marL="0" rtl="0" algn="l">
+              <a:spcBef>
+                <a:spcPts val="1200"/>
+              </a:spcBef>
+              <a:spcAft>
+                <a:spcPts val="1200"/>
+              </a:spcAft>
+              <a:buNone/>
+            </a:pPr>
+            <a:r>
+              <a:t/>
+            </a:r>
+            <a:endParaRPr/>
+          </a:p>
+        </p:txBody>
+      </p:sp>
+    </p:spTree>
+  </p:cSld>
+  <p:clrMapOvr>
+    <a:masterClrMapping/>
+  </p:clrMapOvr>
+</p:sld>
+</file>
+
+<file path=ppt/slides/slide32.xml><?xml version="1.0" encoding="utf-8"?>
+<p:sld xmlns:a="http://schemas.openxmlformats.org/drawingml/2006/main" xmlns:r="http://schemas.openxmlformats.org/officeDocument/2006/relationships" xmlns:mc="http://schemas.openxmlformats.org/markup-compatibility/2006" xmlns:mv="urn:schemas-microsoft-com:mac:vml" xmlns:p="http://schemas.openxmlformats.org/presentationml/2006/main" xmlns:c="http://schemas.openxmlformats.org/drawingml/2006/chart" xmlns:dgm="http://schemas.openxmlformats.org/drawingml/2006/diagram" xmlns:o="urn:schemas-microsoft-com:office:office" xmlns:v="urn:schemas-microsoft-com:vml" xmlns:pvml="urn:schemas-microsoft-com:office:powerpoint" xmlns:com="http://schemas.openxmlformats.org/drawingml/2006/compatibility" xmlns:p14="http://schemas.microsoft.com/office/powerpoint/2010/main" xmlns:p15="http://schemas.microsoft.com/office/powerpoint/2012/main" xmlns:ahyp="http://schemas.microsoft.com/office/drawing/2018/hyperlinkcolor">
+  <p:cSld>
+    <p:spTree>
+      <p:nvGrpSpPr>
+        <p:cNvPr id="271" name="Shape 271"/>
+        <p:cNvGrpSpPr/>
+        <p:nvPr/>
+      </p:nvGrpSpPr>
+      <p:grpSpPr>
+        <a:xfrm>
+          <a:off x="0" y="0"/>
+          <a:ext cx="0" cy="0"/>
+          <a:chOff x="0" y="0"/>
+          <a:chExt cx="0" cy="0"/>
+        </a:xfrm>
+      </p:grpSpPr>
+      <p:sp>
+        <p:nvSpPr>
+          <p:cNvPr id="272" name="Google Shape;272;p44"/>
+          <p:cNvSpPr txBox="1"/>
+          <p:nvPr>
+            <p:ph type="title"/>
+          </p:nvPr>
+        </p:nvSpPr>
+        <p:spPr>
+          <a:xfrm>
+            <a:off x="729450" y="1318650"/>
+            <a:ext cx="7688700" cy="535200"/>
+          </a:xfrm>
+          <a:prstGeom prst="rect">
+            <a:avLst/>
+          </a:prstGeom>
+        </p:spPr>
+        <p:txBody>
+          <a:bodyPr anchorCtr="0" anchor="t" bIns="91425" lIns="91425" spcFirstLastPara="1" rIns="91425" wrap="square" tIns="91425">
+            <a:normAutofit fontScale="90000"/>
+          </a:bodyPr>
+          <a:lstStyle/>
+          <a:p>
+            <a:pPr indent="0" lvl="0" marL="0" rtl="0" algn="l">
+              <a:lnSpc>
+                <a:spcPct val="115000"/>
+              </a:lnSpc>
+              <a:spcBef>
+                <a:spcPts val="1400"/>
+              </a:spcBef>
+              <a:spcAft>
+                <a:spcPts val="0"/>
+              </a:spcAft>
+              <a:buNone/>
+            </a:pPr>
+            <a:r>
+              <a:rPr lang="pl" sz="2400">
+                <a:solidFill>
+                  <a:srgbClr val="000000"/>
+                </a:solidFill>
+                <a:latin typeface="Tahoma"/>
+                <a:ea typeface="Tahoma"/>
+                <a:cs typeface="Tahoma"/>
+                <a:sym typeface="Tahoma"/>
+              </a:rPr>
+              <a:t>Podstawowe komendy Git</a:t>
+            </a:r>
+            <a:endParaRPr sz="2400">
+              <a:latin typeface="Tahoma"/>
+              <a:ea typeface="Tahoma"/>
+              <a:cs typeface="Tahoma"/>
+              <a:sym typeface="Tahoma"/>
+            </a:endParaRPr>
+          </a:p>
+          <a:p>
+            <a:pPr indent="0" lvl="0" marL="0" rtl="0" algn="l">
+              <a:spcBef>
+                <a:spcPts val="400"/>
+              </a:spcBef>
+              <a:spcAft>
+                <a:spcPts val="0"/>
+              </a:spcAft>
+              <a:buNone/>
+            </a:pPr>
+            <a:r>
+              <a:t/>
+            </a:r>
+            <a:endParaRPr/>
+          </a:p>
+        </p:txBody>
+      </p:sp>
+      <p:sp>
+        <p:nvSpPr>
+          <p:cNvPr id="273" name="Google Shape;273;p44"/>
+          <p:cNvSpPr txBox="1"/>
+          <p:nvPr>
+            <p:ph idx="1" type="body"/>
+          </p:nvPr>
+        </p:nvSpPr>
+        <p:spPr>
+          <a:xfrm>
+            <a:off x="729450" y="2078875"/>
+            <a:ext cx="7688700" cy="2261100"/>
+          </a:xfrm>
+          <a:prstGeom prst="rect">
+            <a:avLst/>
+          </a:prstGeom>
+        </p:spPr>
+        <p:txBody>
+          <a:bodyPr anchorCtr="0" anchor="t" bIns="91425" lIns="91425" spcFirstLastPara="1" rIns="91425" wrap="square" tIns="91425">
+            <a:normAutofit/>
+          </a:bodyPr>
+          <a:lstStyle/>
+          <a:p>
+            <a:pPr indent="0" lvl="0" marL="0" rtl="0" algn="l">
+              <a:spcBef>
+                <a:spcPts val="0"/>
+              </a:spcBef>
+              <a:spcAft>
+                <a:spcPts val="0"/>
+              </a:spcAft>
+              <a:buNone/>
+            </a:pPr>
+            <a:r>
+              <a:rPr b="1" lang="pl">
+                <a:solidFill>
+                  <a:srgbClr val="274E13"/>
+                </a:solidFill>
+                <a:latin typeface="Tahoma"/>
+                <a:ea typeface="Tahoma"/>
+                <a:cs typeface="Tahoma"/>
+                <a:sym typeface="Tahoma"/>
+              </a:rPr>
+              <a:t>git push </a:t>
+            </a:r>
+            <a:r>
+              <a:rPr lang="pl">
+                <a:solidFill>
+                  <a:srgbClr val="000000"/>
+                </a:solidFill>
+                <a:latin typeface="Tahoma"/>
+                <a:ea typeface="Tahoma"/>
+                <a:cs typeface="Tahoma"/>
+                <a:sym typeface="Tahoma"/>
+              </a:rPr>
+              <a:t>			- Wysyła zmiany do zdalnego repozytorium</a:t>
+            </a:r>
+            <a:endParaRPr>
+              <a:solidFill>
+                <a:srgbClr val="000000"/>
+              </a:solidFill>
+              <a:latin typeface="Tahoma"/>
+              <a:ea typeface="Tahoma"/>
+              <a:cs typeface="Tahoma"/>
+              <a:sym typeface="Tahoma"/>
+            </a:endParaRPr>
+          </a:p>
+          <a:p>
+            <a:pPr indent="0" lvl="0" marL="0" rtl="0" algn="l">
+              <a:spcBef>
+                <a:spcPts val="1200"/>
+              </a:spcBef>
+              <a:spcAft>
+                <a:spcPts val="0"/>
+              </a:spcAft>
+              <a:buNone/>
+            </a:pPr>
+            <a:r>
+              <a:rPr b="1" lang="pl">
+                <a:solidFill>
+                  <a:srgbClr val="274E13"/>
+                </a:solidFill>
+                <a:latin typeface="Tahoma"/>
+                <a:ea typeface="Tahoma"/>
+                <a:cs typeface="Tahoma"/>
+                <a:sym typeface="Tahoma"/>
+              </a:rPr>
+              <a:t>git pull </a:t>
+            </a:r>
+            <a:r>
+              <a:rPr lang="pl">
+                <a:solidFill>
+                  <a:srgbClr val="000000"/>
+                </a:solidFill>
+                <a:latin typeface="Tahoma"/>
+                <a:ea typeface="Tahoma"/>
+                <a:cs typeface="Tahoma"/>
+                <a:sym typeface="Tahoma"/>
+              </a:rPr>
+              <a:t>			- Pobiera zmiany z repozytorium zdalnego</a:t>
+            </a:r>
+            <a:endParaRPr>
+              <a:solidFill>
+                <a:srgbClr val="000000"/>
+              </a:solidFill>
+              <a:latin typeface="Tahoma"/>
+              <a:ea typeface="Tahoma"/>
+              <a:cs typeface="Tahoma"/>
+              <a:sym typeface="Tahoma"/>
+            </a:endParaRPr>
+          </a:p>
+          <a:p>
+            <a:pPr indent="0" lvl="0" marL="0" rtl="0" algn="l">
+              <a:spcBef>
+                <a:spcPts val="1200"/>
+              </a:spcBef>
+              <a:spcAft>
+                <a:spcPts val="0"/>
+              </a:spcAft>
+              <a:buNone/>
+            </a:pPr>
+            <a:r>
+              <a:rPr b="1" lang="pl">
+                <a:solidFill>
+                  <a:srgbClr val="274E13"/>
+                </a:solidFill>
+                <a:latin typeface="Tahoma"/>
+                <a:ea typeface="Tahoma"/>
+                <a:cs typeface="Tahoma"/>
+                <a:sym typeface="Tahoma"/>
+              </a:rPr>
+              <a:t>git branch</a:t>
+            </a:r>
+            <a:r>
+              <a:rPr lang="pl">
+                <a:solidFill>
+                  <a:srgbClr val="000000"/>
+                </a:solidFill>
+                <a:latin typeface="Tahoma"/>
+                <a:ea typeface="Tahoma"/>
+                <a:cs typeface="Tahoma"/>
+                <a:sym typeface="Tahoma"/>
+              </a:rPr>
+              <a:t> 			- Wyświetla dostępne gałęzie</a:t>
+            </a:r>
+            <a:endParaRPr>
+              <a:solidFill>
+                <a:srgbClr val="000000"/>
+              </a:solidFill>
+              <a:latin typeface="Tahoma"/>
+              <a:ea typeface="Tahoma"/>
+              <a:cs typeface="Tahoma"/>
+              <a:sym typeface="Tahoma"/>
+            </a:endParaRPr>
+          </a:p>
+          <a:p>
+            <a:pPr indent="0" lvl="0" marL="0" rtl="0" algn="l">
+              <a:spcBef>
+                <a:spcPts val="1200"/>
+              </a:spcBef>
+              <a:spcAft>
+                <a:spcPts val="1200"/>
+              </a:spcAft>
+              <a:buNone/>
+            </a:pPr>
+            <a:r>
+              <a:rPr b="1" lang="pl">
+                <a:solidFill>
+                  <a:srgbClr val="274E13"/>
+                </a:solidFill>
+                <a:latin typeface="Tahoma"/>
+                <a:ea typeface="Tahoma"/>
+                <a:cs typeface="Tahoma"/>
+                <a:sym typeface="Tahoma"/>
+              </a:rPr>
+              <a:t>git checkout &lt;branch&gt; </a:t>
+            </a:r>
+            <a:r>
+              <a:rPr lang="pl">
+                <a:solidFill>
+                  <a:srgbClr val="000000"/>
+                </a:solidFill>
+                <a:latin typeface="Tahoma"/>
+                <a:ea typeface="Tahoma"/>
+                <a:cs typeface="Tahoma"/>
+                <a:sym typeface="Tahoma"/>
+              </a:rPr>
+              <a:t>	- Przełącza się na inną gałąź</a:t>
+            </a:r>
+            <a:endParaRPr>
+              <a:solidFill>
+                <a:srgbClr val="000000"/>
+              </a:solidFill>
+              <a:latin typeface="Tahoma"/>
+              <a:ea typeface="Tahoma"/>
+              <a:cs typeface="Tahoma"/>
+              <a:sym typeface="Tahoma"/>
+            </a:endParaRPr>
+          </a:p>
+        </p:txBody>
+      </p:sp>
+      <p:graphicFrame>
+        <p:nvGraphicFramePr>
+          <p:cNvPr id="274" name="Google Shape;274;p44"/>
+          <p:cNvGraphicFramePr/>
+          <p:nvPr/>
+        </p:nvGraphicFramePr>
+        <p:xfrm>
+          <a:off x="152400" y="152400"/>
+          <a:ext cx="3000000" cy="3000000"/>
+        </p:xfrm>
+        <a:graphic>
+          <a:graphicData uri="http://schemas.openxmlformats.org/drawingml/2006/table">
+            <a:tbl>
+              <a:tblPr>
+                <a:noFill/>
+                <a:tableStyleId>{959B2832-59FD-4D21-8942-453E2F580EFB}</a:tableStyleId>
+              </a:tblPr>
+              <a:tblGrid>
+                <a:gridCol w="561975"/>
+              </a:tblGrid>
+              <a:tr h="171450">
+                <a:tc>
+                  <a:txBody>
+                    <a:bodyPr/>
+                    <a:lstStyle/>
+                    <a:p>
+                      <a:pPr indent="0" lvl="0" marL="0" rtl="0" algn="l">
+                        <a:spcBef>
+                          <a:spcPts val="0"/>
+                        </a:spcBef>
+                        <a:spcAft>
+                          <a:spcPts val="0"/>
+                        </a:spcAft>
+                        <a:buNone/>
+                      </a:pPr>
+                      <a:r>
+                        <a:rPr lang="pl" sz="1100">
+                          <a:solidFill>
+                            <a:srgbClr val="188038"/>
+                          </a:solidFill>
+                          <a:latin typeface="Roboto Mono"/>
+                          <a:ea typeface="Roboto Mono"/>
+                          <a:cs typeface="Roboto Mono"/>
+                          <a:sym typeface="Roboto Mono"/>
+                        </a:rPr>
+                        <a:t>git push</a:t>
+                      </a:r>
+                      <a:endParaRPr sz="1100">
+                        <a:solidFill>
+                          <a:srgbClr val="188038"/>
+                        </a:solidFill>
+                        <a:latin typeface="Roboto Mono"/>
+                        <a:ea typeface="Roboto Mono"/>
+                        <a:cs typeface="Roboto Mono"/>
+                        <a:sym typeface="Roboto Mono"/>
+                      </a:endParaRPr>
+                    </a:p>
+                  </a:txBody>
+                  <a:tcPr marT="91425" marB="91425" marR="91425" marL="91425"/>
+                </a:tc>
+              </a:tr>
+            </a:tbl>
+          </a:graphicData>
+        </a:graphic>
+      </p:graphicFrame>
+      <p:graphicFrame>
+        <p:nvGraphicFramePr>
+          <p:cNvPr id="275" name="Google Shape;275;p44"/>
+          <p:cNvGraphicFramePr/>
+          <p:nvPr/>
+        </p:nvGraphicFramePr>
+        <p:xfrm>
+          <a:off x="304800" y="304800"/>
+          <a:ext cx="3000000" cy="3000000"/>
+        </p:xfrm>
+        <a:graphic>
+          <a:graphicData uri="http://schemas.openxmlformats.org/drawingml/2006/table">
+            <a:tbl>
+              <a:tblPr>
+                <a:noFill/>
+                <a:tableStyleId>{959B2832-59FD-4D21-8942-453E2F580EFB}</a:tableStyleId>
+              </a:tblPr>
+              <a:tblGrid>
+                <a:gridCol w="19050"/>
+              </a:tblGrid>
+              <a:tr h="19050">
+                <a:tc>
+                  <a:txBody>
+                    <a:bodyPr/>
+                    <a:lstStyle/>
+                    <a:p>
+                      <a:pPr indent="0" lvl="0" marL="0" rtl="0" algn="l">
+                        <a:spcBef>
+                          <a:spcPts val="0"/>
+                        </a:spcBef>
+                        <a:spcAft>
+                          <a:spcPts val="0"/>
+                        </a:spcAft>
+                        <a:buNone/>
+                      </a:pPr>
+                      <a:r>
+                        <a:t/>
+                      </a:r>
+                      <a:endParaRPr/>
+                    </a:p>
+                  </a:txBody>
+                  <a:tcPr marT="91425" marB="91425" marR="91425" marL="91425"/>
+                </a:tc>
+              </a:tr>
+            </a:tbl>
+          </a:graphicData>
+        </a:graphic>
+      </p:graphicFrame>
+      <p:graphicFrame>
+        <p:nvGraphicFramePr>
+          <p:cNvPr id="276" name="Google Shape;276;p44"/>
+          <p:cNvGraphicFramePr/>
+          <p:nvPr/>
+        </p:nvGraphicFramePr>
+        <p:xfrm>
+          <a:off x="304800" y="304800"/>
+          <a:ext cx="3000000" cy="3000000"/>
+        </p:xfrm>
+        <a:graphic>
+          <a:graphicData uri="http://schemas.openxmlformats.org/drawingml/2006/table">
+            <a:tbl>
+              <a:tblPr>
+                <a:noFill/>
+                <a:tableStyleId>{959B2832-59FD-4D21-8942-453E2F580EFB}</a:tableStyleId>
+              </a:tblPr>
+              <a:tblGrid>
+                <a:gridCol w="561975"/>
+              </a:tblGrid>
+              <a:tr h="171450">
+                <a:tc>
+                  <a:txBody>
+                    <a:bodyPr/>
+                    <a:lstStyle/>
+                    <a:p>
+                      <a:pPr indent="0" lvl="0" marL="0" rtl="0" algn="l">
+                        <a:spcBef>
+                          <a:spcPts val="0"/>
+                        </a:spcBef>
+                        <a:spcAft>
+                          <a:spcPts val="0"/>
+                        </a:spcAft>
+                        <a:buNone/>
+                      </a:pPr>
+                      <a:r>
+                        <a:rPr lang="pl" sz="1100">
+                          <a:solidFill>
+                            <a:srgbClr val="188038"/>
+                          </a:solidFill>
+                          <a:latin typeface="Roboto Mono"/>
+                          <a:ea typeface="Roboto Mono"/>
+                          <a:cs typeface="Roboto Mono"/>
+                          <a:sym typeface="Roboto Mono"/>
+                        </a:rPr>
+                        <a:t>git push</a:t>
+                      </a:r>
+                      <a:endParaRPr sz="1100">
+                        <a:solidFill>
+                          <a:srgbClr val="188038"/>
+                        </a:solidFill>
+                        <a:latin typeface="Roboto Mono"/>
+                        <a:ea typeface="Roboto Mono"/>
+                        <a:cs typeface="Roboto Mono"/>
+                        <a:sym typeface="Roboto Mono"/>
+                      </a:endParaRPr>
+                    </a:p>
+                  </a:txBody>
+                  <a:tcPr marT="91425" marB="91425" marR="91425" marL="91425"/>
+                </a:tc>
+              </a:tr>
+            </a:tbl>
+          </a:graphicData>
+        </a:graphic>
+      </p:graphicFrame>
+      <p:graphicFrame>
+        <p:nvGraphicFramePr>
+          <p:cNvPr id="277" name="Google Shape;277;p44"/>
+          <p:cNvGraphicFramePr/>
+          <p:nvPr/>
+        </p:nvGraphicFramePr>
+        <p:xfrm>
+          <a:off x="457200" y="457200"/>
+          <a:ext cx="3000000" cy="3000000"/>
+        </p:xfrm>
+        <a:graphic>
+          <a:graphicData uri="http://schemas.openxmlformats.org/drawingml/2006/table">
+            <a:tbl>
+              <a:tblPr>
+                <a:noFill/>
+                <a:tableStyleId>{959B2832-59FD-4D21-8942-453E2F580EFB}</a:tableStyleId>
+              </a:tblPr>
+              <a:tblGrid>
+                <a:gridCol w="19050"/>
+              </a:tblGrid>
+              <a:tr h="19050">
+                <a:tc>
+                  <a:txBody>
+                    <a:bodyPr/>
+                    <a:lstStyle/>
+                    <a:p>
+                      <a:pPr indent="0" lvl="0" marL="0" rtl="0" algn="l">
+                        <a:spcBef>
+                          <a:spcPts val="0"/>
+                        </a:spcBef>
+                        <a:spcAft>
+                          <a:spcPts val="0"/>
+                        </a:spcAft>
+                        <a:buNone/>
+                      </a:pPr>
+                      <a:r>
+                        <a:t/>
+                      </a:r>
+                      <a:endParaRPr/>
+                    </a:p>
+                  </a:txBody>
+                  <a:tcPr marT="91425" marB="91425" marR="91425" marL="91425"/>
+                </a:tc>
+              </a:tr>
+            </a:tbl>
+          </a:graphicData>
+        </a:graphic>
+      </p:graphicFrame>
     </p:spTree>
   </p:cSld>
   <p:clrMapOvr>
@@ -20861,6 +23421,285 @@
 </file>
 
 <file path=ppt/theme/theme1.xml><?xml version="1.0" encoding="utf-8"?>
+<a:theme xmlns:a="http://schemas.openxmlformats.org/drawingml/2006/main" xmlns:r="http://schemas.openxmlformats.org/officeDocument/2006/relationships" name="Streamline">
+  <a:themeElements>
+    <a:clrScheme name="Streamline">
+      <a:dk1>
+        <a:srgbClr val="1A9988"/>
+      </a:dk1>
+      <a:lt1>
+        <a:srgbClr val="FFFFFF"/>
+      </a:lt1>
+      <a:dk2>
+        <a:srgbClr val="1A1A1A"/>
+      </a:dk2>
+      <a:lt2>
+        <a:srgbClr val="E9EDEE"/>
+      </a:lt2>
+      <a:accent1>
+        <a:srgbClr val="595959"/>
+      </a:accent1>
+      <a:accent2>
+        <a:srgbClr val="6AA4C8"/>
+      </a:accent2>
+      <a:accent3>
+        <a:srgbClr val="EB5600"/>
+      </a:accent3>
+      <a:accent4>
+        <a:srgbClr val="A2FFE8"/>
+      </a:accent4>
+      <a:accent5>
+        <a:srgbClr val="1C3678"/>
+      </a:accent5>
+      <a:accent6>
+        <a:srgbClr val="FFB8A2"/>
+      </a:accent6>
+      <a:hlink>
+        <a:srgbClr val="1C3678"/>
+      </a:hlink>
+      <a:folHlink>
+        <a:srgbClr val="1C3678"/>
+      </a:folHlink>
+    </a:clrScheme>
+    <a:fontScheme name="Office">
+      <a:majorFont>
+        <a:latin typeface="Arial"/>
+        <a:ea typeface=""/>
+        <a:cs typeface=""/>
+        <a:font script="Jpan" typeface="ＭＳ Ｐゴシック"/>
+        <a:font script="Hang" typeface="맑은 고딕"/>
+        <a:font script="Hans" typeface="宋体"/>
+        <a:font script="Hant" typeface="新細明體"/>
+        <a:font script="Arab" typeface="Times New Roman"/>
+        <a:font script="Hebr" typeface="Times New Roman"/>
+        <a:font script="Thai" typeface="Angsana New"/>
+        <a:font script="Ethi" typeface="Nyala"/>
+        <a:font script="Beng" typeface="Vrinda"/>
+        <a:font script="Gujr" typeface="Shruti"/>
+        <a:font script="Khmr" typeface="MoolBoran"/>
+        <a:font script="Knda" typeface="Tunga"/>
+        <a:font script="Guru" typeface="Raavi"/>
+        <a:font script="Cans" typeface="Euphemia"/>
+        <a:font script="Cher" typeface="Plantagenet Cherokee"/>
+        <a:font script="Yiii" typeface="Microsoft Yi Baiti"/>
+        <a:font script="Tibt" typeface="Microsoft Himalaya"/>
+        <a:font script="Thaa" typeface="MV Boli"/>
+        <a:font script="Deva" typeface="Mangal"/>
+        <a:font script="Telu" typeface="Gautami"/>
+        <a:font script="Taml" typeface="Latha"/>
+        <a:font script="Syrc" typeface="Estrangelo Edessa"/>
+        <a:font script="Orya" typeface="Kalinga"/>
+        <a:font script="Mlym" typeface="Kartika"/>
+        <a:font script="Laoo" typeface="DokChampa"/>
+        <a:font script="Sinh" typeface="Iskoola Pota"/>
+        <a:font script="Mong" typeface="Mongolian Baiti"/>
+        <a:font script="Viet" typeface="Times New Roman"/>
+        <a:font script="Uigh" typeface="Microsoft Uighur"/>
+        <a:font script="Geor" typeface="Sylfaen"/>
+      </a:majorFont>
+      <a:minorFont>
+        <a:latin typeface="Arial"/>
+        <a:ea typeface=""/>
+        <a:cs typeface=""/>
+        <a:font script="Jpan" typeface="ＭＳ Ｐゴシック"/>
+        <a:font script="Hang" typeface="맑은 고딕"/>
+        <a:font script="Hans" typeface="宋体"/>
+        <a:font script="Hant" typeface="新細明體"/>
+        <a:font script="Arab" typeface="Arial"/>
+        <a:font script="Hebr" typeface="Arial"/>
+        <a:font script="Thai" typeface="Cordia New"/>
+        <a:font script="Ethi" typeface="Nyala"/>
+        <a:font script="Beng" typeface="Vrinda"/>
+        <a:font script="Gujr" typeface="Shruti"/>
+        <a:font script="Khmr" typeface="DaunPenh"/>
+        <a:font script="Knda" typeface="Tunga"/>
+        <a:font script="Guru" typeface="Raavi"/>
+        <a:font script="Cans" typeface="Euphemia"/>
+        <a:font script="Cher" typeface="Plantagenet Cherokee"/>
+        <a:font script="Yiii" typeface="Microsoft Yi Baiti"/>
+        <a:font script="Tibt" typeface="Microsoft Himalaya"/>
+        <a:font script="Thaa" typeface="MV Boli"/>
+        <a:font script="Deva" typeface="Mangal"/>
+        <a:font script="Telu" typeface="Gautami"/>
+        <a:font script="Taml" typeface="Latha"/>
+        <a:font script="Syrc" typeface="Estrangelo Edessa"/>
+        <a:font script="Orya" typeface="Kalinga"/>
+        <a:font script="Mlym" typeface="Kartika"/>
+        <a:font script="Laoo" typeface="DokChampa"/>
+        <a:font script="Sinh" typeface="Iskoola Pota"/>
+        <a:font script="Mong" typeface="Mongolian Baiti"/>
+        <a:font script="Viet" typeface="Arial"/>
+        <a:font script="Uigh" typeface="Microsoft Uighur"/>
+        <a:font script="Geor" typeface="Sylfaen"/>
+      </a:minorFont>
+    </a:fontScheme>
+    <a:fmtScheme name="Office">
+      <a:fillStyleLst>
+        <a:solidFill>
+          <a:schemeClr val="phClr"/>
+        </a:solidFill>
+        <a:gradFill rotWithShape="1">
+          <a:gsLst>
+            <a:gs pos="0">
+              <a:schemeClr val="phClr">
+                <a:tint val="50000"/>
+                <a:satMod val="300000"/>
+              </a:schemeClr>
+            </a:gs>
+            <a:gs pos="35000">
+              <a:schemeClr val="phClr">
+                <a:tint val="37000"/>
+                <a:satMod val="300000"/>
+              </a:schemeClr>
+            </a:gs>
+            <a:gs pos="100000">
+              <a:schemeClr val="phClr">
+                <a:tint val="15000"/>
+                <a:satMod val="350000"/>
+              </a:schemeClr>
+            </a:gs>
+          </a:gsLst>
+          <a:lin ang="16200000" scaled="1"/>
+        </a:gradFill>
+        <a:gradFill rotWithShape="1">
+          <a:gsLst>
+            <a:gs pos="0">
+              <a:schemeClr val="phClr">
+                <a:tint val="100000"/>
+                <a:shade val="100000"/>
+                <a:satMod val="130000"/>
+              </a:schemeClr>
+            </a:gs>
+            <a:gs pos="100000">
+              <a:schemeClr val="phClr">
+                <a:tint val="50000"/>
+                <a:shade val="100000"/>
+                <a:satMod val="350000"/>
+              </a:schemeClr>
+            </a:gs>
+          </a:gsLst>
+          <a:lin ang="16200000" scaled="0"/>
+        </a:gradFill>
+      </a:fillStyleLst>
+      <a:lnStyleLst>
+        <a:ln w="9525" cap="flat" cmpd="sng" algn="ctr">
+          <a:solidFill>
+            <a:schemeClr val="phClr">
+              <a:shade val="95000"/>
+              <a:satMod val="105000"/>
+            </a:schemeClr>
+          </a:solidFill>
+          <a:prstDash val="solid"/>
+        </a:ln>
+        <a:ln w="25400" cap="flat" cmpd="sng" algn="ctr">
+          <a:solidFill>
+            <a:schemeClr val="phClr"/>
+          </a:solidFill>
+          <a:prstDash val="solid"/>
+        </a:ln>
+        <a:ln w="38100" cap="flat" cmpd="sng" algn="ctr">
+          <a:solidFill>
+            <a:schemeClr val="phClr"/>
+          </a:solidFill>
+          <a:prstDash val="solid"/>
+        </a:ln>
+      </a:lnStyleLst>
+      <a:effectStyleLst>
+        <a:effectStyle>
+          <a:effectLst>
+            <a:outerShdw blurRad="40000" dist="20000" dir="5400000" rotWithShape="0">
+              <a:srgbClr val="000000">
+                <a:alpha val="38000"/>
+              </a:srgbClr>
+            </a:outerShdw>
+          </a:effectLst>
+        </a:effectStyle>
+        <a:effectStyle>
+          <a:effectLst>
+            <a:outerShdw blurRad="40000" dist="23000" dir="5400000" rotWithShape="0">
+              <a:srgbClr val="000000">
+                <a:alpha val="35000"/>
+              </a:srgbClr>
+            </a:outerShdw>
+          </a:effectLst>
+        </a:effectStyle>
+        <a:effectStyle>
+          <a:effectLst>
+            <a:outerShdw blurRad="40000" dist="23000" dir="5400000" rotWithShape="0">
+              <a:srgbClr val="000000">
+                <a:alpha val="35000"/>
+              </a:srgbClr>
+            </a:outerShdw>
+          </a:effectLst>
+          <a:scene3d>
+            <a:camera prst="orthographicFront">
+              <a:rot lat="0" lon="0" rev="0"/>
+            </a:camera>
+            <a:lightRig rig="threePt" dir="t">
+              <a:rot lat="0" lon="0" rev="1200000"/>
+            </a:lightRig>
+          </a:scene3d>
+          <a:sp3d>
+            <a:bevelT w="63500" h="25400"/>
+          </a:sp3d>
+        </a:effectStyle>
+      </a:effectStyleLst>
+      <a:bgFillStyleLst>
+        <a:solidFill>
+          <a:schemeClr val="phClr"/>
+        </a:solidFill>
+        <a:gradFill rotWithShape="1">
+          <a:gsLst>
+            <a:gs pos="0">
+              <a:schemeClr val="phClr">
+                <a:tint val="40000"/>
+                <a:satMod val="350000"/>
+              </a:schemeClr>
+            </a:gs>
+            <a:gs pos="40000">
+              <a:schemeClr val="phClr">
+                <a:tint val="45000"/>
+                <a:shade val="99000"/>
+                <a:satMod val="350000"/>
+              </a:schemeClr>
+            </a:gs>
+            <a:gs pos="100000">
+              <a:schemeClr val="phClr">
+                <a:shade val="20000"/>
+                <a:satMod val="255000"/>
+              </a:schemeClr>
+            </a:gs>
+          </a:gsLst>
+          <a:path path="circle">
+            <a:fillToRect l="50000" t="-80000" r="50000" b="180000"/>
+          </a:path>
+        </a:gradFill>
+        <a:gradFill rotWithShape="1">
+          <a:gsLst>
+            <a:gs pos="0">
+              <a:schemeClr val="phClr">
+                <a:tint val="80000"/>
+                <a:satMod val="300000"/>
+              </a:schemeClr>
+            </a:gs>
+            <a:gs pos="100000">
+              <a:schemeClr val="phClr">
+                <a:shade val="30000"/>
+                <a:satMod val="200000"/>
+              </a:schemeClr>
+            </a:gs>
+          </a:gsLst>
+          <a:path path="circle">
+            <a:fillToRect l="50000" t="50000" r="50000" b="50000"/>
+          </a:path>
+        </a:gradFill>
+      </a:bgFillStyleLst>
+    </a:fmtScheme>
+  </a:themeElements>
+</a:theme>
+</file>
+
+<file path=ppt/theme/theme2.xml><?xml version="1.0" encoding="utf-8"?>
 <a:theme xmlns:a="http://schemas.openxmlformats.org/drawingml/2006/main" xmlns:r="http://schemas.openxmlformats.org/officeDocument/2006/relationships">
   <a:themeElements>
     <a:clrScheme name="Default">
@@ -21137,283 +23976,4 @@
     </a:fmtScheme>
   </a:themeElements>
 </a:theme>
-</file>
-
-<file path=ppt/theme/theme2.xml><?xml version="1.0" encoding="utf-8"?>
-<a:theme xmlns:a="http://schemas.openxmlformats.org/drawingml/2006/main" xmlns:r="http://schemas.openxmlformats.org/officeDocument/2006/relationships" name="Streamline">
-  <a:themeElements>
-    <a:clrScheme name="Streamline">
-      <a:dk1>
-        <a:srgbClr val="1A9988"/>
-      </a:dk1>
-      <a:lt1>
-        <a:srgbClr val="FFFFFF"/>
-      </a:lt1>
-      <a:dk2>
-        <a:srgbClr val="1A1A1A"/>
-      </a:dk2>
-      <a:lt2>
-        <a:srgbClr val="E9EDEE"/>
-      </a:lt2>
-      <a:accent1>
-        <a:srgbClr val="595959"/>
-      </a:accent1>
-      <a:accent2>
-        <a:srgbClr val="6AA4C8"/>
-      </a:accent2>
-      <a:accent3>
-        <a:srgbClr val="EB5600"/>
-      </a:accent3>
-      <a:accent4>
-        <a:srgbClr val="A2FFE8"/>
-      </a:accent4>
-      <a:accent5>
-        <a:srgbClr val="1C3678"/>
-      </a:accent5>
-      <a:accent6>
-        <a:srgbClr val="FFB8A2"/>
-      </a:accent6>
-      <a:hlink>
-        <a:srgbClr val="1C3678"/>
-      </a:hlink>
-      <a:folHlink>
-        <a:srgbClr val="1C3678"/>
-      </a:folHlink>
-    </a:clrScheme>
-    <a:fontScheme name="Office">
-      <a:majorFont>
-        <a:latin typeface="Arial"/>
-        <a:ea typeface=""/>
-        <a:cs typeface=""/>
-        <a:font script="Jpan" typeface="ＭＳ Ｐゴシック"/>
-        <a:font script="Hang" typeface="맑은 고딕"/>
-        <a:font script="Hans" typeface="宋体"/>
-        <a:font script="Hant" typeface="新細明體"/>
-        <a:font script="Arab" typeface="Times New Roman"/>
-        <a:font script="Hebr" typeface="Times New Roman"/>
-        <a:font script="Thai" typeface="Angsana New"/>
-        <a:font script="Ethi" typeface="Nyala"/>
-        <a:font script="Beng" typeface="Vrinda"/>
-        <a:font script="Gujr" typeface="Shruti"/>
-        <a:font script="Khmr" typeface="MoolBoran"/>
-        <a:font script="Knda" typeface="Tunga"/>
-        <a:font script="Guru" typeface="Raavi"/>
-        <a:font script="Cans" typeface="Euphemia"/>
-        <a:font script="Cher" typeface="Plantagenet Cherokee"/>
-        <a:font script="Yiii" typeface="Microsoft Yi Baiti"/>
-        <a:font script="Tibt" typeface="Microsoft Himalaya"/>
-        <a:font script="Thaa" typeface="MV Boli"/>
-        <a:font script="Deva" typeface="Mangal"/>
-        <a:font script="Telu" typeface="Gautami"/>
-        <a:font script="Taml" typeface="Latha"/>
-        <a:font script="Syrc" typeface="Estrangelo Edessa"/>
-        <a:font script="Orya" typeface="Kalinga"/>
-        <a:font script="Mlym" typeface="Kartika"/>
-        <a:font script="Laoo" typeface="DokChampa"/>
-        <a:font script="Sinh" typeface="Iskoola Pota"/>
-        <a:font script="Mong" typeface="Mongolian Baiti"/>
-        <a:font script="Viet" typeface="Times New Roman"/>
-        <a:font script="Uigh" typeface="Microsoft Uighur"/>
-        <a:font script="Geor" typeface="Sylfaen"/>
-      </a:majorFont>
-      <a:minorFont>
-        <a:latin typeface="Arial"/>
-        <a:ea typeface=""/>
-        <a:cs typeface=""/>
-        <a:font script="Jpan" typeface="ＭＳ Ｐゴシック"/>
-        <a:font script="Hang" typeface="맑은 고딕"/>
-        <a:font script="Hans" typeface="宋体"/>
-        <a:font script="Hant" typeface="新細明體"/>
-        <a:font script="Arab" typeface="Arial"/>
-        <a:font script="Hebr" typeface="Arial"/>
-        <a:font script="Thai" typeface="Cordia New"/>
-        <a:font script="Ethi" typeface="Nyala"/>
-        <a:font script="Beng" typeface="Vrinda"/>
-        <a:font script="Gujr" typeface="Shruti"/>
-        <a:font script="Khmr" typeface="DaunPenh"/>
-        <a:font script="Knda" typeface="Tunga"/>
-        <a:font script="Guru" typeface="Raavi"/>
-        <a:font script="Cans" typeface="Euphemia"/>
-        <a:font script="Cher" typeface="Plantagenet Cherokee"/>
-        <a:font script="Yiii" typeface="Microsoft Yi Baiti"/>
-        <a:font script="Tibt" typeface="Microsoft Himalaya"/>
-        <a:font script="Thaa" typeface="MV Boli"/>
-        <a:font script="Deva" typeface="Mangal"/>
-        <a:font script="Telu" typeface="Gautami"/>
-        <a:font script="Taml" typeface="Latha"/>
-        <a:font script="Syrc" typeface="Estrangelo Edessa"/>
-        <a:font script="Orya" typeface="Kalinga"/>
-        <a:font script="Mlym" typeface="Kartika"/>
-        <a:font script="Laoo" typeface="DokChampa"/>
-        <a:font script="Sinh" typeface="Iskoola Pota"/>
-        <a:font script="Mong" typeface="Mongolian Baiti"/>
-        <a:font script="Viet" typeface="Arial"/>
-        <a:font script="Uigh" typeface="Microsoft Uighur"/>
-        <a:font script="Geor" typeface="Sylfaen"/>
-      </a:minorFont>
-    </a:fontScheme>
-    <a:fmtScheme name="Office">
-      <a:fillStyleLst>
-        <a:solidFill>
-          <a:schemeClr val="phClr"/>
-        </a:solidFill>
-        <a:gradFill rotWithShape="1">
-          <a:gsLst>
-            <a:gs pos="0">
-              <a:schemeClr val="phClr">
-                <a:tint val="50000"/>
-                <a:satMod val="300000"/>
-              </a:schemeClr>
-            </a:gs>
-            <a:gs pos="35000">
-              <a:schemeClr val="phClr">
-                <a:tint val="37000"/>
-                <a:satMod val="300000"/>
-              </a:schemeClr>
-            </a:gs>
-            <a:gs pos="100000">
-              <a:schemeClr val="phClr">
-                <a:tint val="15000"/>
-                <a:satMod val="350000"/>
-              </a:schemeClr>
-            </a:gs>
-          </a:gsLst>
-          <a:lin ang="16200000" scaled="1"/>
-        </a:gradFill>
-        <a:gradFill rotWithShape="1">
-          <a:gsLst>
-            <a:gs pos="0">
-              <a:schemeClr val="phClr">
-                <a:tint val="100000"/>
-                <a:shade val="100000"/>
-                <a:satMod val="130000"/>
-              </a:schemeClr>
-            </a:gs>
-            <a:gs pos="100000">
-              <a:schemeClr val="phClr">
-                <a:tint val="50000"/>
-                <a:shade val="100000"/>
-                <a:satMod val="350000"/>
-              </a:schemeClr>
-            </a:gs>
-          </a:gsLst>
-          <a:lin ang="16200000" scaled="0"/>
-        </a:gradFill>
-      </a:fillStyleLst>
-      <a:lnStyleLst>
-        <a:ln w="9525" cap="flat" cmpd="sng" algn="ctr">
-          <a:solidFill>
-            <a:schemeClr val="phClr">
-              <a:shade val="95000"/>
-              <a:satMod val="105000"/>
-            </a:schemeClr>
-          </a:solidFill>
-          <a:prstDash val="solid"/>
-        </a:ln>
-        <a:ln w="25400" cap="flat" cmpd="sng" algn="ctr">
-          <a:solidFill>
-            <a:schemeClr val="phClr"/>
-          </a:solidFill>
-          <a:prstDash val="solid"/>
-        </a:ln>
-        <a:ln w="38100" cap="flat" cmpd="sng" algn="ctr">
-          <a:solidFill>
-            <a:schemeClr val="phClr"/>
-          </a:solidFill>
-          <a:prstDash val="solid"/>
-        </a:ln>
-      </a:lnStyleLst>
-      <a:effectStyleLst>
-        <a:effectStyle>
-          <a:effectLst>
-            <a:outerShdw blurRad="40000" dist="20000" dir="5400000" rotWithShape="0">
-              <a:srgbClr val="000000">
-                <a:alpha val="38000"/>
-              </a:srgbClr>
-            </a:outerShdw>
-          </a:effectLst>
-        </a:effectStyle>
-        <a:effectStyle>
-          <a:effectLst>
-            <a:outerShdw blurRad="40000" dist="23000" dir="5400000" rotWithShape="0">
-              <a:srgbClr val="000000">
-                <a:alpha val="35000"/>
-              </a:srgbClr>
-            </a:outerShdw>
-          </a:effectLst>
-        </a:effectStyle>
-        <a:effectStyle>
-          <a:effectLst>
-            <a:outerShdw blurRad="40000" dist="23000" dir="5400000" rotWithShape="0">
-              <a:srgbClr val="000000">
-                <a:alpha val="35000"/>
-              </a:srgbClr>
-            </a:outerShdw>
-          </a:effectLst>
-          <a:scene3d>
-            <a:camera prst="orthographicFront">
-              <a:rot lat="0" lon="0" rev="0"/>
-            </a:camera>
-            <a:lightRig rig="threePt" dir="t">
-              <a:rot lat="0" lon="0" rev="1200000"/>
-            </a:lightRig>
-          </a:scene3d>
-          <a:sp3d>
-            <a:bevelT w="63500" h="25400"/>
-          </a:sp3d>
-        </a:effectStyle>
-      </a:effectStyleLst>
-      <a:bgFillStyleLst>
-        <a:solidFill>
-          <a:schemeClr val="phClr"/>
-        </a:solidFill>
-        <a:gradFill rotWithShape="1">
-          <a:gsLst>
-            <a:gs pos="0">
-              <a:schemeClr val="phClr">
-                <a:tint val="40000"/>
-                <a:satMod val="350000"/>
-              </a:schemeClr>
-            </a:gs>
-            <a:gs pos="40000">
-              <a:schemeClr val="phClr">
-                <a:tint val="45000"/>
-                <a:shade val="99000"/>
-                <a:satMod val="350000"/>
-              </a:schemeClr>
-            </a:gs>
-            <a:gs pos="100000">
-              <a:schemeClr val="phClr">
-                <a:shade val="20000"/>
-                <a:satMod val="255000"/>
-              </a:schemeClr>
-            </a:gs>
-          </a:gsLst>
-          <a:path path="circle">
-            <a:fillToRect l="50000" t="-80000" r="50000" b="180000"/>
-          </a:path>
-        </a:gradFill>
-        <a:gradFill rotWithShape="1">
-          <a:gsLst>
-            <a:gs pos="0">
-              <a:schemeClr val="phClr">
-                <a:tint val="80000"/>
-                <a:satMod val="300000"/>
-              </a:schemeClr>
-            </a:gs>
-            <a:gs pos="100000">
-              <a:schemeClr val="phClr">
-                <a:shade val="30000"/>
-                <a:satMod val="200000"/>
-              </a:schemeClr>
-            </a:gs>
-          </a:gsLst>
-          <a:path path="circle">
-            <a:fillToRect l="50000" t="50000" r="50000" b="50000"/>
-          </a:path>
-        </a:gradFill>
-      </a:bgFillStyleLst>
-    </a:fmtScheme>
-  </a:themeElements>
-</a:theme>
 </file>
--- a/ZASTOSOWANIE_INFORMATYKI/1A-gr_2/Zastosowanie informatyki - 1A gr. 2-plik2.pptx
+++ b/ZASTOSOWANIE_INFORMATYKI/1A-gr_2/Zastosowanie informatyki - 1A gr. 2-plik2.pptx
@@ -40,35 +40,51 @@
     <p:sldId id="285" r:id="rId36"/>
     <p:sldId id="286" r:id="rId37"/>
     <p:sldId id="287" r:id="rId38"/>
+    <p:sldId id="288" r:id="rId39"/>
+    <p:sldId id="289" r:id="rId40"/>
+    <p:sldId id="290" r:id="rId41"/>
+    <p:sldId id="291" r:id="rId42"/>
+    <p:sldId id="292" r:id="rId43"/>
+    <p:sldId id="293" r:id="rId44"/>
+    <p:sldId id="294" r:id="rId45"/>
+    <p:sldId id="295" r:id="rId46"/>
+    <p:sldId id="296" r:id="rId47"/>
+    <p:sldId id="297" r:id="rId48"/>
+    <p:sldId id="298" r:id="rId49"/>
+    <p:sldId id="299" r:id="rId50"/>
+    <p:sldId id="300" r:id="rId51"/>
+    <p:sldId id="301" r:id="rId52"/>
+    <p:sldId id="302" r:id="rId53"/>
+    <p:sldId id="303" r:id="rId54"/>
   </p:sldIdLst>
   <p:sldSz cy="5143500" cx="9144000"/>
   <p:notesSz cx="6858000" cy="9144000"/>
   <p:embeddedFontLst>
     <p:embeddedFont>
       <p:font typeface="Raleway"/>
-      <p:regular r:id="rId39"/>
-      <p:bold r:id="rId40"/>
-      <p:italic r:id="rId41"/>
-      <p:boldItalic r:id="rId42"/>
+      <p:regular r:id="rId55"/>
+      <p:bold r:id="rId56"/>
+      <p:italic r:id="rId57"/>
+      <p:boldItalic r:id="rId58"/>
     </p:embeddedFont>
     <p:embeddedFont>
       <p:font typeface="Lato"/>
-      <p:regular r:id="rId43"/>
-      <p:bold r:id="rId44"/>
-      <p:italic r:id="rId45"/>
-      <p:boldItalic r:id="rId46"/>
+      <p:regular r:id="rId59"/>
+      <p:bold r:id="rId60"/>
+      <p:italic r:id="rId61"/>
+      <p:boldItalic r:id="rId62"/>
     </p:embeddedFont>
     <p:embeddedFont>
       <p:font typeface="Tahoma"/>
-      <p:regular r:id="rId47"/>
-      <p:bold r:id="rId48"/>
+      <p:regular r:id="rId63"/>
+      <p:bold r:id="rId64"/>
     </p:embeddedFont>
     <p:embeddedFont>
       <p:font typeface="Roboto Mono"/>
-      <p:regular r:id="rId49"/>
-      <p:bold r:id="rId50"/>
-      <p:italic r:id="rId51"/>
-      <p:boldItalic r:id="rId52"/>
+      <p:regular r:id="rId65"/>
+      <p:bold r:id="rId66"/>
+      <p:italic r:id="rId67"/>
+      <p:boldItalic r:id="rId68"/>
     </p:embeddedFont>
   </p:embeddedFontLst>
   <p:defaultTextStyle>
@@ -3319,6 +3335,699 @@
 </p:notes>
 </file>
 
+<file path=ppt/notesSlides/notesSlide33.xml><?xml version="1.0" encoding="utf-8"?>
+<p:notes xmlns:a="http://schemas.openxmlformats.org/drawingml/2006/main" xmlns:r="http://schemas.openxmlformats.org/officeDocument/2006/relationships" xmlns:mc="http://schemas.openxmlformats.org/markup-compatibility/2006" xmlns:mv="urn:schemas-microsoft-com:mac:vml" xmlns:p="http://schemas.openxmlformats.org/presentationml/2006/main" xmlns:c="http://schemas.openxmlformats.org/drawingml/2006/chart" xmlns:dgm="http://schemas.openxmlformats.org/drawingml/2006/diagram" xmlns:o="urn:schemas-microsoft-com:office:office" xmlns:v="urn:schemas-microsoft-com:vml" xmlns:pvml="urn:schemas-microsoft-com:office:powerpoint" xmlns:com="http://schemas.openxmlformats.org/drawingml/2006/compatibility" xmlns:p14="http://schemas.microsoft.com/office/powerpoint/2010/main" xmlns:p15="http://schemas.microsoft.com/office/powerpoint/2012/main" xmlns:ahyp="http://schemas.microsoft.com/office/drawing/2018/hyperlinkcolor" showMasterPhAnim="0" showMasterSp="0">
+  <p:cSld>
+    <p:spTree>
+      <p:nvGrpSpPr>
+        <p:cNvPr id="278" name="Shape 278"/>
+        <p:cNvGrpSpPr/>
+        <p:nvPr/>
+      </p:nvGrpSpPr>
+      <p:grpSpPr>
+        <a:xfrm>
+          <a:off x="0" y="0"/>
+          <a:ext cx="0" cy="0"/>
+          <a:chOff x="0" y="0"/>
+          <a:chExt cx="0" cy="0"/>
+        </a:xfrm>
+      </p:grpSpPr>
+      <p:sp>
+        <p:nvSpPr>
+          <p:cNvPr id="279" name="Google Shape;279;g390db029de9_0_0:notes"/>
+          <p:cNvSpPr/>
+          <p:nvPr>
+            <p:ph idx="2" type="sldImg"/>
+          </p:nvPr>
+        </p:nvSpPr>
+        <p:spPr>
+          <a:xfrm>
+            <a:off x="381300" y="685800"/>
+            <a:ext cx="6096000" cy="3429000"/>
+          </a:xfrm>
+          <a:custGeom>
+            <a:rect b="b" l="l" r="r" t="t"/>
+            <a:pathLst>
+              <a:path extrusionOk="0" h="120000" w="120000">
+                <a:moveTo>
+                  <a:pt x="0" y="0"/>
+                </a:moveTo>
+                <a:lnTo>
+                  <a:pt x="120000" y="0"/>
+                </a:lnTo>
+                <a:lnTo>
+                  <a:pt x="120000" y="120000"/>
+                </a:lnTo>
+                <a:lnTo>
+                  <a:pt x="0" y="120000"/>
+                </a:lnTo>
+                <a:close/>
+              </a:path>
+            </a:pathLst>
+          </a:custGeom>
+        </p:spPr>
+      </p:sp>
+      <p:sp>
+        <p:nvSpPr>
+          <p:cNvPr id="280" name="Google Shape;280;g390db029de9_0_0:notes"/>
+          <p:cNvSpPr txBox="1"/>
+          <p:nvPr>
+            <p:ph idx="1" type="body"/>
+          </p:nvPr>
+        </p:nvSpPr>
+        <p:spPr>
+          <a:xfrm>
+            <a:off x="685800" y="4343400"/>
+            <a:ext cx="5486400" cy="4114800"/>
+          </a:xfrm>
+          <a:prstGeom prst="rect">
+            <a:avLst/>
+          </a:prstGeom>
+        </p:spPr>
+        <p:txBody>
+          <a:bodyPr anchorCtr="0" anchor="t" bIns="91425" lIns="91425" spcFirstLastPara="1" rIns="91425" wrap="square" tIns="91425">
+            <a:noAutofit/>
+          </a:bodyPr>
+          <a:lstStyle/>
+          <a:p>
+            <a:pPr indent="0" lvl="0" marL="0" rtl="0" algn="l">
+              <a:spcBef>
+                <a:spcPts val="0"/>
+              </a:spcBef>
+              <a:spcAft>
+                <a:spcPts val="0"/>
+              </a:spcAft>
+              <a:buNone/>
+            </a:pPr>
+            <a:r>
+              <a:t/>
+            </a:r>
+            <a:endParaRPr/>
+          </a:p>
+        </p:txBody>
+      </p:sp>
+    </p:spTree>
+  </p:cSld>
+  <p:clrMapOvr>
+    <a:masterClrMapping/>
+  </p:clrMapOvr>
+</p:notes>
+</file>
+
+<file path=ppt/notesSlides/notesSlide34.xml><?xml version="1.0" encoding="utf-8"?>
+<p:notes xmlns:a="http://schemas.openxmlformats.org/drawingml/2006/main" xmlns:r="http://schemas.openxmlformats.org/officeDocument/2006/relationships" xmlns:mc="http://schemas.openxmlformats.org/markup-compatibility/2006" xmlns:mv="urn:schemas-microsoft-com:mac:vml" xmlns:p="http://schemas.openxmlformats.org/presentationml/2006/main" xmlns:c="http://schemas.openxmlformats.org/drawingml/2006/chart" xmlns:dgm="http://schemas.openxmlformats.org/drawingml/2006/diagram" xmlns:o="urn:schemas-microsoft-com:office:office" xmlns:v="urn:schemas-microsoft-com:vml" xmlns:pvml="urn:schemas-microsoft-com:office:powerpoint" xmlns:com="http://schemas.openxmlformats.org/drawingml/2006/compatibility" xmlns:p14="http://schemas.microsoft.com/office/powerpoint/2010/main" xmlns:p15="http://schemas.microsoft.com/office/powerpoint/2012/main" xmlns:ahyp="http://schemas.microsoft.com/office/drawing/2018/hyperlinkcolor" showMasterPhAnim="0" showMasterSp="0">
+  <p:cSld>
+    <p:spTree>
+      <p:nvGrpSpPr>
+        <p:cNvPr id="284" name="Shape 284"/>
+        <p:cNvGrpSpPr/>
+        <p:nvPr/>
+      </p:nvGrpSpPr>
+      <p:grpSpPr>
+        <a:xfrm>
+          <a:off x="0" y="0"/>
+          <a:ext cx="0" cy="0"/>
+          <a:chOff x="0" y="0"/>
+          <a:chExt cx="0" cy="0"/>
+        </a:xfrm>
+      </p:grpSpPr>
+      <p:sp>
+        <p:nvSpPr>
+          <p:cNvPr id="285" name="Google Shape;285;g390db029de9_0_10:notes"/>
+          <p:cNvSpPr/>
+          <p:nvPr>
+            <p:ph idx="2" type="sldImg"/>
+          </p:nvPr>
+        </p:nvSpPr>
+        <p:spPr>
+          <a:xfrm>
+            <a:off x="381300" y="685800"/>
+            <a:ext cx="6096000" cy="3429000"/>
+          </a:xfrm>
+          <a:custGeom>
+            <a:rect b="b" l="l" r="r" t="t"/>
+            <a:pathLst>
+              <a:path extrusionOk="0" h="120000" w="120000">
+                <a:moveTo>
+                  <a:pt x="0" y="0"/>
+                </a:moveTo>
+                <a:lnTo>
+                  <a:pt x="120000" y="0"/>
+                </a:lnTo>
+                <a:lnTo>
+                  <a:pt x="120000" y="120000"/>
+                </a:lnTo>
+                <a:lnTo>
+                  <a:pt x="0" y="120000"/>
+                </a:lnTo>
+                <a:close/>
+              </a:path>
+            </a:pathLst>
+          </a:custGeom>
+        </p:spPr>
+      </p:sp>
+      <p:sp>
+        <p:nvSpPr>
+          <p:cNvPr id="286" name="Google Shape;286;g390db029de9_0_10:notes"/>
+          <p:cNvSpPr txBox="1"/>
+          <p:nvPr>
+            <p:ph idx="1" type="body"/>
+          </p:nvPr>
+        </p:nvSpPr>
+        <p:spPr>
+          <a:xfrm>
+            <a:off x="685800" y="4343400"/>
+            <a:ext cx="5486400" cy="4114800"/>
+          </a:xfrm>
+          <a:prstGeom prst="rect">
+            <a:avLst/>
+          </a:prstGeom>
+        </p:spPr>
+        <p:txBody>
+          <a:bodyPr anchorCtr="0" anchor="t" bIns="91425" lIns="91425" spcFirstLastPara="1" rIns="91425" wrap="square" tIns="91425">
+            <a:noAutofit/>
+          </a:bodyPr>
+          <a:lstStyle/>
+          <a:p>
+            <a:pPr indent="0" lvl="0" marL="0" rtl="0" algn="l">
+              <a:spcBef>
+                <a:spcPts val="0"/>
+              </a:spcBef>
+              <a:spcAft>
+                <a:spcPts val="0"/>
+              </a:spcAft>
+              <a:buNone/>
+            </a:pPr>
+            <a:r>
+              <a:t/>
+            </a:r>
+            <a:endParaRPr/>
+          </a:p>
+        </p:txBody>
+      </p:sp>
+    </p:spTree>
+  </p:cSld>
+  <p:clrMapOvr>
+    <a:masterClrMapping/>
+  </p:clrMapOvr>
+</p:notes>
+</file>
+
+<file path=ppt/notesSlides/notesSlide35.xml><?xml version="1.0" encoding="utf-8"?>
+<p:notes xmlns:a="http://schemas.openxmlformats.org/drawingml/2006/main" xmlns:r="http://schemas.openxmlformats.org/officeDocument/2006/relationships" xmlns:mc="http://schemas.openxmlformats.org/markup-compatibility/2006" xmlns:mv="urn:schemas-microsoft-com:mac:vml" xmlns:p="http://schemas.openxmlformats.org/presentationml/2006/main" xmlns:c="http://schemas.openxmlformats.org/drawingml/2006/chart" xmlns:dgm="http://schemas.openxmlformats.org/drawingml/2006/diagram" xmlns:o="urn:schemas-microsoft-com:office:office" xmlns:v="urn:schemas-microsoft-com:vml" xmlns:pvml="urn:schemas-microsoft-com:office:powerpoint" xmlns:com="http://schemas.openxmlformats.org/drawingml/2006/compatibility" xmlns:p14="http://schemas.microsoft.com/office/powerpoint/2010/main" xmlns:p15="http://schemas.microsoft.com/office/powerpoint/2012/main" xmlns:ahyp="http://schemas.microsoft.com/office/drawing/2018/hyperlinkcolor" showMasterPhAnim="0" showMasterSp="0">
+  <p:cSld>
+    <p:spTree>
+      <p:nvGrpSpPr>
+        <p:cNvPr id="290" name="Shape 290"/>
+        <p:cNvGrpSpPr/>
+        <p:nvPr/>
+      </p:nvGrpSpPr>
+      <p:grpSpPr>
+        <a:xfrm>
+          <a:off x="0" y="0"/>
+          <a:ext cx="0" cy="0"/>
+          <a:chOff x="0" y="0"/>
+          <a:chExt cx="0" cy="0"/>
+        </a:xfrm>
+      </p:grpSpPr>
+      <p:sp>
+        <p:nvSpPr>
+          <p:cNvPr id="291" name="Google Shape;291;g390db029de9_0_18:notes"/>
+          <p:cNvSpPr/>
+          <p:nvPr>
+            <p:ph idx="2" type="sldImg"/>
+          </p:nvPr>
+        </p:nvSpPr>
+        <p:spPr>
+          <a:xfrm>
+            <a:off x="381300" y="685800"/>
+            <a:ext cx="6096000" cy="3429000"/>
+          </a:xfrm>
+          <a:custGeom>
+            <a:rect b="b" l="l" r="r" t="t"/>
+            <a:pathLst>
+              <a:path extrusionOk="0" h="120000" w="120000">
+                <a:moveTo>
+                  <a:pt x="0" y="0"/>
+                </a:moveTo>
+                <a:lnTo>
+                  <a:pt x="120000" y="0"/>
+                </a:lnTo>
+                <a:lnTo>
+                  <a:pt x="120000" y="120000"/>
+                </a:lnTo>
+                <a:lnTo>
+                  <a:pt x="0" y="120000"/>
+                </a:lnTo>
+                <a:close/>
+              </a:path>
+            </a:pathLst>
+          </a:custGeom>
+        </p:spPr>
+      </p:sp>
+      <p:sp>
+        <p:nvSpPr>
+          <p:cNvPr id="292" name="Google Shape;292;g390db029de9_0_18:notes"/>
+          <p:cNvSpPr txBox="1"/>
+          <p:nvPr>
+            <p:ph idx="1" type="body"/>
+          </p:nvPr>
+        </p:nvSpPr>
+        <p:spPr>
+          <a:xfrm>
+            <a:off x="685800" y="4343400"/>
+            <a:ext cx="5486400" cy="4114800"/>
+          </a:xfrm>
+          <a:prstGeom prst="rect">
+            <a:avLst/>
+          </a:prstGeom>
+        </p:spPr>
+        <p:txBody>
+          <a:bodyPr anchorCtr="0" anchor="t" bIns="91425" lIns="91425" spcFirstLastPara="1" rIns="91425" wrap="square" tIns="91425">
+            <a:noAutofit/>
+          </a:bodyPr>
+          <a:lstStyle/>
+          <a:p>
+            <a:pPr indent="0" lvl="0" marL="0" rtl="0" algn="l">
+              <a:spcBef>
+                <a:spcPts val="0"/>
+              </a:spcBef>
+              <a:spcAft>
+                <a:spcPts val="0"/>
+              </a:spcAft>
+              <a:buNone/>
+            </a:pPr>
+            <a:r>
+              <a:t/>
+            </a:r>
+            <a:endParaRPr/>
+          </a:p>
+        </p:txBody>
+      </p:sp>
+    </p:spTree>
+  </p:cSld>
+  <p:clrMapOvr>
+    <a:masterClrMapping/>
+  </p:clrMapOvr>
+</p:notes>
+</file>
+
+<file path=ppt/notesSlides/notesSlide36.xml><?xml version="1.0" encoding="utf-8"?>
+<p:notes xmlns:a="http://schemas.openxmlformats.org/drawingml/2006/main" xmlns:r="http://schemas.openxmlformats.org/officeDocument/2006/relationships" xmlns:mc="http://schemas.openxmlformats.org/markup-compatibility/2006" xmlns:mv="urn:schemas-microsoft-com:mac:vml" xmlns:p="http://schemas.openxmlformats.org/presentationml/2006/main" xmlns:c="http://schemas.openxmlformats.org/drawingml/2006/chart" xmlns:dgm="http://schemas.openxmlformats.org/drawingml/2006/diagram" xmlns:o="urn:schemas-microsoft-com:office:office" xmlns:v="urn:schemas-microsoft-com:vml" xmlns:pvml="urn:schemas-microsoft-com:office:powerpoint" xmlns:com="http://schemas.openxmlformats.org/drawingml/2006/compatibility" xmlns:p14="http://schemas.microsoft.com/office/powerpoint/2010/main" xmlns:p15="http://schemas.microsoft.com/office/powerpoint/2012/main" xmlns:ahyp="http://schemas.microsoft.com/office/drawing/2018/hyperlinkcolor" showMasterPhAnim="0" showMasterSp="0">
+  <p:cSld>
+    <p:spTree>
+      <p:nvGrpSpPr>
+        <p:cNvPr id="296" name="Shape 296"/>
+        <p:cNvGrpSpPr/>
+        <p:nvPr/>
+      </p:nvGrpSpPr>
+      <p:grpSpPr>
+        <a:xfrm>
+          <a:off x="0" y="0"/>
+          <a:ext cx="0" cy="0"/>
+          <a:chOff x="0" y="0"/>
+          <a:chExt cx="0" cy="0"/>
+        </a:xfrm>
+      </p:grpSpPr>
+      <p:sp>
+        <p:nvSpPr>
+          <p:cNvPr id="297" name="Google Shape;297;g390db029de9_0_26:notes"/>
+          <p:cNvSpPr/>
+          <p:nvPr>
+            <p:ph idx="2" type="sldImg"/>
+          </p:nvPr>
+        </p:nvSpPr>
+        <p:spPr>
+          <a:xfrm>
+            <a:off x="381300" y="685800"/>
+            <a:ext cx="6096000" cy="3429000"/>
+          </a:xfrm>
+          <a:custGeom>
+            <a:rect b="b" l="l" r="r" t="t"/>
+            <a:pathLst>
+              <a:path extrusionOk="0" h="120000" w="120000">
+                <a:moveTo>
+                  <a:pt x="0" y="0"/>
+                </a:moveTo>
+                <a:lnTo>
+                  <a:pt x="120000" y="0"/>
+                </a:lnTo>
+                <a:lnTo>
+                  <a:pt x="120000" y="120000"/>
+                </a:lnTo>
+                <a:lnTo>
+                  <a:pt x="0" y="120000"/>
+                </a:lnTo>
+                <a:close/>
+              </a:path>
+            </a:pathLst>
+          </a:custGeom>
+        </p:spPr>
+      </p:sp>
+      <p:sp>
+        <p:nvSpPr>
+          <p:cNvPr id="298" name="Google Shape;298;g390db029de9_0_26:notes"/>
+          <p:cNvSpPr txBox="1"/>
+          <p:nvPr>
+            <p:ph idx="1" type="body"/>
+          </p:nvPr>
+        </p:nvSpPr>
+        <p:spPr>
+          <a:xfrm>
+            <a:off x="685800" y="4343400"/>
+            <a:ext cx="5486400" cy="4114800"/>
+          </a:xfrm>
+          <a:prstGeom prst="rect">
+            <a:avLst/>
+          </a:prstGeom>
+        </p:spPr>
+        <p:txBody>
+          <a:bodyPr anchorCtr="0" anchor="t" bIns="91425" lIns="91425" spcFirstLastPara="1" rIns="91425" wrap="square" tIns="91425">
+            <a:noAutofit/>
+          </a:bodyPr>
+          <a:lstStyle/>
+          <a:p>
+            <a:pPr indent="0" lvl="0" marL="0" rtl="0" algn="l">
+              <a:spcBef>
+                <a:spcPts val="0"/>
+              </a:spcBef>
+              <a:spcAft>
+                <a:spcPts val="0"/>
+              </a:spcAft>
+              <a:buNone/>
+            </a:pPr>
+            <a:r>
+              <a:t/>
+            </a:r>
+            <a:endParaRPr/>
+          </a:p>
+        </p:txBody>
+      </p:sp>
+    </p:spTree>
+  </p:cSld>
+  <p:clrMapOvr>
+    <a:masterClrMapping/>
+  </p:clrMapOvr>
+</p:notes>
+</file>
+
+<file path=ppt/notesSlides/notesSlide37.xml><?xml version="1.0" encoding="utf-8"?>
+<p:notes xmlns:a="http://schemas.openxmlformats.org/drawingml/2006/main" xmlns:r="http://schemas.openxmlformats.org/officeDocument/2006/relationships" xmlns:mc="http://schemas.openxmlformats.org/markup-compatibility/2006" xmlns:mv="urn:schemas-microsoft-com:mac:vml" xmlns:p="http://schemas.openxmlformats.org/presentationml/2006/main" xmlns:c="http://schemas.openxmlformats.org/drawingml/2006/chart" xmlns:dgm="http://schemas.openxmlformats.org/drawingml/2006/diagram" xmlns:o="urn:schemas-microsoft-com:office:office" xmlns:v="urn:schemas-microsoft-com:vml" xmlns:pvml="urn:schemas-microsoft-com:office:powerpoint" xmlns:com="http://schemas.openxmlformats.org/drawingml/2006/compatibility" xmlns:p14="http://schemas.microsoft.com/office/powerpoint/2010/main" xmlns:p15="http://schemas.microsoft.com/office/powerpoint/2012/main" xmlns:ahyp="http://schemas.microsoft.com/office/drawing/2018/hyperlinkcolor" showMasterPhAnim="0" showMasterSp="0">
+  <p:cSld>
+    <p:spTree>
+      <p:nvGrpSpPr>
+        <p:cNvPr id="302" name="Shape 302"/>
+        <p:cNvGrpSpPr/>
+        <p:nvPr/>
+      </p:nvGrpSpPr>
+      <p:grpSpPr>
+        <a:xfrm>
+          <a:off x="0" y="0"/>
+          <a:ext cx="0" cy="0"/>
+          <a:chOff x="0" y="0"/>
+          <a:chExt cx="0" cy="0"/>
+        </a:xfrm>
+      </p:grpSpPr>
+      <p:sp>
+        <p:nvSpPr>
+          <p:cNvPr id="303" name="Google Shape;303;g390db029de9_0_33:notes"/>
+          <p:cNvSpPr/>
+          <p:nvPr>
+            <p:ph idx="2" type="sldImg"/>
+          </p:nvPr>
+        </p:nvSpPr>
+        <p:spPr>
+          <a:xfrm>
+            <a:off x="381300" y="685800"/>
+            <a:ext cx="6096000" cy="3429000"/>
+          </a:xfrm>
+          <a:custGeom>
+            <a:rect b="b" l="l" r="r" t="t"/>
+            <a:pathLst>
+              <a:path extrusionOk="0" h="120000" w="120000">
+                <a:moveTo>
+                  <a:pt x="0" y="0"/>
+                </a:moveTo>
+                <a:lnTo>
+                  <a:pt x="120000" y="0"/>
+                </a:lnTo>
+                <a:lnTo>
+                  <a:pt x="120000" y="120000"/>
+                </a:lnTo>
+                <a:lnTo>
+                  <a:pt x="0" y="120000"/>
+                </a:lnTo>
+                <a:close/>
+              </a:path>
+            </a:pathLst>
+          </a:custGeom>
+        </p:spPr>
+      </p:sp>
+      <p:sp>
+        <p:nvSpPr>
+          <p:cNvPr id="304" name="Google Shape;304;g390db029de9_0_33:notes"/>
+          <p:cNvSpPr txBox="1"/>
+          <p:nvPr>
+            <p:ph idx="1" type="body"/>
+          </p:nvPr>
+        </p:nvSpPr>
+        <p:spPr>
+          <a:xfrm>
+            <a:off x="685800" y="4343400"/>
+            <a:ext cx="5486400" cy="4114800"/>
+          </a:xfrm>
+          <a:prstGeom prst="rect">
+            <a:avLst/>
+          </a:prstGeom>
+        </p:spPr>
+        <p:txBody>
+          <a:bodyPr anchorCtr="0" anchor="t" bIns="91425" lIns="91425" spcFirstLastPara="1" rIns="91425" wrap="square" tIns="91425">
+            <a:noAutofit/>
+          </a:bodyPr>
+          <a:lstStyle/>
+          <a:p>
+            <a:pPr indent="0" lvl="0" marL="0" rtl="0" algn="l">
+              <a:spcBef>
+                <a:spcPts val="0"/>
+              </a:spcBef>
+              <a:spcAft>
+                <a:spcPts val="0"/>
+              </a:spcAft>
+              <a:buNone/>
+            </a:pPr>
+            <a:r>
+              <a:t/>
+            </a:r>
+            <a:endParaRPr/>
+          </a:p>
+        </p:txBody>
+      </p:sp>
+    </p:spTree>
+  </p:cSld>
+  <p:clrMapOvr>
+    <a:masterClrMapping/>
+  </p:clrMapOvr>
+</p:notes>
+</file>
+
+<file path=ppt/notesSlides/notesSlide38.xml><?xml version="1.0" encoding="utf-8"?>
+<p:notes xmlns:a="http://schemas.openxmlformats.org/drawingml/2006/main" xmlns:r="http://schemas.openxmlformats.org/officeDocument/2006/relationships" xmlns:mc="http://schemas.openxmlformats.org/markup-compatibility/2006" xmlns:mv="urn:schemas-microsoft-com:mac:vml" xmlns:p="http://schemas.openxmlformats.org/presentationml/2006/main" xmlns:c="http://schemas.openxmlformats.org/drawingml/2006/chart" xmlns:dgm="http://schemas.openxmlformats.org/drawingml/2006/diagram" xmlns:o="urn:schemas-microsoft-com:office:office" xmlns:v="urn:schemas-microsoft-com:vml" xmlns:pvml="urn:schemas-microsoft-com:office:powerpoint" xmlns:com="http://schemas.openxmlformats.org/drawingml/2006/compatibility" xmlns:p14="http://schemas.microsoft.com/office/powerpoint/2010/main" xmlns:p15="http://schemas.microsoft.com/office/powerpoint/2012/main" xmlns:ahyp="http://schemas.microsoft.com/office/drawing/2018/hyperlinkcolor" showMasterPhAnim="0" showMasterSp="0">
+  <p:cSld>
+    <p:spTree>
+      <p:nvGrpSpPr>
+        <p:cNvPr id="308" name="Shape 308"/>
+        <p:cNvGrpSpPr/>
+        <p:nvPr/>
+      </p:nvGrpSpPr>
+      <p:grpSpPr>
+        <a:xfrm>
+          <a:off x="0" y="0"/>
+          <a:ext cx="0" cy="0"/>
+          <a:chOff x="0" y="0"/>
+          <a:chExt cx="0" cy="0"/>
+        </a:xfrm>
+      </p:grpSpPr>
+      <p:sp>
+        <p:nvSpPr>
+          <p:cNvPr id="309" name="Google Shape;309;g390db029de9_0_39:notes"/>
+          <p:cNvSpPr/>
+          <p:nvPr>
+            <p:ph idx="2" type="sldImg"/>
+          </p:nvPr>
+        </p:nvSpPr>
+        <p:spPr>
+          <a:xfrm>
+            <a:off x="381300" y="685800"/>
+            <a:ext cx="6096000" cy="3429000"/>
+          </a:xfrm>
+          <a:custGeom>
+            <a:rect b="b" l="l" r="r" t="t"/>
+            <a:pathLst>
+              <a:path extrusionOk="0" h="120000" w="120000">
+                <a:moveTo>
+                  <a:pt x="0" y="0"/>
+                </a:moveTo>
+                <a:lnTo>
+                  <a:pt x="120000" y="0"/>
+                </a:lnTo>
+                <a:lnTo>
+                  <a:pt x="120000" y="120000"/>
+                </a:lnTo>
+                <a:lnTo>
+                  <a:pt x="0" y="120000"/>
+                </a:lnTo>
+                <a:close/>
+              </a:path>
+            </a:pathLst>
+          </a:custGeom>
+        </p:spPr>
+      </p:sp>
+      <p:sp>
+        <p:nvSpPr>
+          <p:cNvPr id="310" name="Google Shape;310;g390db029de9_0_39:notes"/>
+          <p:cNvSpPr txBox="1"/>
+          <p:nvPr>
+            <p:ph idx="1" type="body"/>
+          </p:nvPr>
+        </p:nvSpPr>
+        <p:spPr>
+          <a:xfrm>
+            <a:off x="685800" y="4343400"/>
+            <a:ext cx="5486400" cy="4114800"/>
+          </a:xfrm>
+          <a:prstGeom prst="rect">
+            <a:avLst/>
+          </a:prstGeom>
+        </p:spPr>
+        <p:txBody>
+          <a:bodyPr anchorCtr="0" anchor="t" bIns="91425" lIns="91425" spcFirstLastPara="1" rIns="91425" wrap="square" tIns="91425">
+            <a:noAutofit/>
+          </a:bodyPr>
+          <a:lstStyle/>
+          <a:p>
+            <a:pPr indent="0" lvl="0" marL="0" rtl="0" algn="l">
+              <a:spcBef>
+                <a:spcPts val="0"/>
+              </a:spcBef>
+              <a:spcAft>
+                <a:spcPts val="0"/>
+              </a:spcAft>
+              <a:buNone/>
+            </a:pPr>
+            <a:r>
+              <a:t/>
+            </a:r>
+            <a:endParaRPr/>
+          </a:p>
+        </p:txBody>
+      </p:sp>
+    </p:spTree>
+  </p:cSld>
+  <p:clrMapOvr>
+    <a:masterClrMapping/>
+  </p:clrMapOvr>
+</p:notes>
+</file>
+
+<file path=ppt/notesSlides/notesSlide39.xml><?xml version="1.0" encoding="utf-8"?>
+<p:notes xmlns:a="http://schemas.openxmlformats.org/drawingml/2006/main" xmlns:r="http://schemas.openxmlformats.org/officeDocument/2006/relationships" xmlns:mc="http://schemas.openxmlformats.org/markup-compatibility/2006" xmlns:mv="urn:schemas-microsoft-com:mac:vml" xmlns:p="http://schemas.openxmlformats.org/presentationml/2006/main" xmlns:c="http://schemas.openxmlformats.org/drawingml/2006/chart" xmlns:dgm="http://schemas.openxmlformats.org/drawingml/2006/diagram" xmlns:o="urn:schemas-microsoft-com:office:office" xmlns:v="urn:schemas-microsoft-com:vml" xmlns:pvml="urn:schemas-microsoft-com:office:powerpoint" xmlns:com="http://schemas.openxmlformats.org/drawingml/2006/compatibility" xmlns:p14="http://schemas.microsoft.com/office/powerpoint/2010/main" xmlns:p15="http://schemas.microsoft.com/office/powerpoint/2012/main" xmlns:ahyp="http://schemas.microsoft.com/office/drawing/2018/hyperlinkcolor" showMasterPhAnim="0" showMasterSp="0">
+  <p:cSld>
+    <p:spTree>
+      <p:nvGrpSpPr>
+        <p:cNvPr id="314" name="Shape 314"/>
+        <p:cNvGrpSpPr/>
+        <p:nvPr/>
+      </p:nvGrpSpPr>
+      <p:grpSpPr>
+        <a:xfrm>
+          <a:off x="0" y="0"/>
+          <a:ext cx="0" cy="0"/>
+          <a:chOff x="0" y="0"/>
+          <a:chExt cx="0" cy="0"/>
+        </a:xfrm>
+      </p:grpSpPr>
+      <p:sp>
+        <p:nvSpPr>
+          <p:cNvPr id="315" name="Google Shape;315;g390db029de9_0_44:notes"/>
+          <p:cNvSpPr/>
+          <p:nvPr>
+            <p:ph idx="2" type="sldImg"/>
+          </p:nvPr>
+        </p:nvSpPr>
+        <p:spPr>
+          <a:xfrm>
+            <a:off x="381300" y="685800"/>
+            <a:ext cx="6096000" cy="3429000"/>
+          </a:xfrm>
+          <a:custGeom>
+            <a:rect b="b" l="l" r="r" t="t"/>
+            <a:pathLst>
+              <a:path extrusionOk="0" h="120000" w="120000">
+                <a:moveTo>
+                  <a:pt x="0" y="0"/>
+                </a:moveTo>
+                <a:lnTo>
+                  <a:pt x="120000" y="0"/>
+                </a:lnTo>
+                <a:lnTo>
+                  <a:pt x="120000" y="120000"/>
+                </a:lnTo>
+                <a:lnTo>
+                  <a:pt x="0" y="120000"/>
+                </a:lnTo>
+                <a:close/>
+              </a:path>
+            </a:pathLst>
+          </a:custGeom>
+        </p:spPr>
+      </p:sp>
+      <p:sp>
+        <p:nvSpPr>
+          <p:cNvPr id="316" name="Google Shape;316;g390db029de9_0_44:notes"/>
+          <p:cNvSpPr txBox="1"/>
+          <p:nvPr>
+            <p:ph idx="1" type="body"/>
+          </p:nvPr>
+        </p:nvSpPr>
+        <p:spPr>
+          <a:xfrm>
+            <a:off x="685800" y="4343400"/>
+            <a:ext cx="5486400" cy="4114800"/>
+          </a:xfrm>
+          <a:prstGeom prst="rect">
+            <a:avLst/>
+          </a:prstGeom>
+        </p:spPr>
+        <p:txBody>
+          <a:bodyPr anchorCtr="0" anchor="t" bIns="91425" lIns="91425" spcFirstLastPara="1" rIns="91425" wrap="square" tIns="91425">
+            <a:noAutofit/>
+          </a:bodyPr>
+          <a:lstStyle/>
+          <a:p>
+            <a:pPr indent="0" lvl="0" marL="0" rtl="0" algn="l">
+              <a:spcBef>
+                <a:spcPts val="0"/>
+              </a:spcBef>
+              <a:spcAft>
+                <a:spcPts val="0"/>
+              </a:spcAft>
+              <a:buNone/>
+            </a:pPr>
+            <a:r>
+              <a:t/>
+            </a:r>
+            <a:endParaRPr/>
+          </a:p>
+        </p:txBody>
+      </p:sp>
+    </p:spTree>
+  </p:cSld>
+  <p:clrMapOvr>
+    <a:masterClrMapping/>
+  </p:clrMapOvr>
+</p:notes>
+</file>
+
 <file path=ppt/notesSlides/notesSlide4.xml><?xml version="1.0" encoding="utf-8"?>
 <p:notes xmlns:a="http://schemas.openxmlformats.org/drawingml/2006/main" xmlns:r="http://schemas.openxmlformats.org/officeDocument/2006/relationships" xmlns:mc="http://schemas.openxmlformats.org/markup-compatibility/2006" xmlns:mv="urn:schemas-microsoft-com:mac:vml" xmlns:p="http://schemas.openxmlformats.org/presentationml/2006/main" xmlns:c="http://schemas.openxmlformats.org/drawingml/2006/chart" xmlns:dgm="http://schemas.openxmlformats.org/drawingml/2006/diagram" xmlns:o="urn:schemas-microsoft-com:office:office" xmlns:v="urn:schemas-microsoft-com:vml" xmlns:pvml="urn:schemas-microsoft-com:office:powerpoint" xmlns:com="http://schemas.openxmlformats.org/drawingml/2006/compatibility" xmlns:p14="http://schemas.microsoft.com/office/powerpoint/2010/main" xmlns:p15="http://schemas.microsoft.com/office/powerpoint/2012/main" xmlns:ahyp="http://schemas.microsoft.com/office/drawing/2018/hyperlinkcolor" showMasterPhAnim="0" showMasterSp="0">
   <p:cSld>
@@ -3374,6 +4083,897 @@
       <p:sp>
         <p:nvSpPr>
           <p:cNvPr id="102" name="Google Shape;102;g39edc685857_0_92:notes"/>
+          <p:cNvSpPr txBox="1"/>
+          <p:nvPr>
+            <p:ph idx="1" type="body"/>
+          </p:nvPr>
+        </p:nvSpPr>
+        <p:spPr>
+          <a:xfrm>
+            <a:off x="685800" y="4343400"/>
+            <a:ext cx="5486400" cy="4114800"/>
+          </a:xfrm>
+          <a:prstGeom prst="rect">
+            <a:avLst/>
+          </a:prstGeom>
+        </p:spPr>
+        <p:txBody>
+          <a:bodyPr anchorCtr="0" anchor="t" bIns="91425" lIns="91425" spcFirstLastPara="1" rIns="91425" wrap="square" tIns="91425">
+            <a:noAutofit/>
+          </a:bodyPr>
+          <a:lstStyle/>
+          <a:p>
+            <a:pPr indent="0" lvl="0" marL="0" rtl="0" algn="l">
+              <a:spcBef>
+                <a:spcPts val="0"/>
+              </a:spcBef>
+              <a:spcAft>
+                <a:spcPts val="0"/>
+              </a:spcAft>
+              <a:buNone/>
+            </a:pPr>
+            <a:r>
+              <a:t/>
+            </a:r>
+            <a:endParaRPr/>
+          </a:p>
+        </p:txBody>
+      </p:sp>
+    </p:spTree>
+  </p:cSld>
+  <p:clrMapOvr>
+    <a:masterClrMapping/>
+  </p:clrMapOvr>
+</p:notes>
+</file>
+
+<file path=ppt/notesSlides/notesSlide40.xml><?xml version="1.0" encoding="utf-8"?>
+<p:notes xmlns:a="http://schemas.openxmlformats.org/drawingml/2006/main" xmlns:r="http://schemas.openxmlformats.org/officeDocument/2006/relationships" xmlns:mc="http://schemas.openxmlformats.org/markup-compatibility/2006" xmlns:mv="urn:schemas-microsoft-com:mac:vml" xmlns:p="http://schemas.openxmlformats.org/presentationml/2006/main" xmlns:c="http://schemas.openxmlformats.org/drawingml/2006/chart" xmlns:dgm="http://schemas.openxmlformats.org/drawingml/2006/diagram" xmlns:o="urn:schemas-microsoft-com:office:office" xmlns:v="urn:schemas-microsoft-com:vml" xmlns:pvml="urn:schemas-microsoft-com:office:powerpoint" xmlns:com="http://schemas.openxmlformats.org/drawingml/2006/compatibility" xmlns:p14="http://schemas.microsoft.com/office/powerpoint/2010/main" xmlns:p15="http://schemas.microsoft.com/office/powerpoint/2012/main" xmlns:ahyp="http://schemas.microsoft.com/office/drawing/2018/hyperlinkcolor" showMasterPhAnim="0" showMasterSp="0">
+  <p:cSld>
+    <p:spTree>
+      <p:nvGrpSpPr>
+        <p:cNvPr id="320" name="Shape 320"/>
+        <p:cNvGrpSpPr/>
+        <p:nvPr/>
+      </p:nvGrpSpPr>
+      <p:grpSpPr>
+        <a:xfrm>
+          <a:off x="0" y="0"/>
+          <a:ext cx="0" cy="0"/>
+          <a:chOff x="0" y="0"/>
+          <a:chExt cx="0" cy="0"/>
+        </a:xfrm>
+      </p:grpSpPr>
+      <p:sp>
+        <p:nvSpPr>
+          <p:cNvPr id="321" name="Google Shape;321;g390db029de9_0_51:notes"/>
+          <p:cNvSpPr/>
+          <p:nvPr>
+            <p:ph idx="2" type="sldImg"/>
+          </p:nvPr>
+        </p:nvSpPr>
+        <p:spPr>
+          <a:xfrm>
+            <a:off x="381300" y="685800"/>
+            <a:ext cx="6096000" cy="3429000"/>
+          </a:xfrm>
+          <a:custGeom>
+            <a:rect b="b" l="l" r="r" t="t"/>
+            <a:pathLst>
+              <a:path extrusionOk="0" h="120000" w="120000">
+                <a:moveTo>
+                  <a:pt x="0" y="0"/>
+                </a:moveTo>
+                <a:lnTo>
+                  <a:pt x="120000" y="0"/>
+                </a:lnTo>
+                <a:lnTo>
+                  <a:pt x="120000" y="120000"/>
+                </a:lnTo>
+                <a:lnTo>
+                  <a:pt x="0" y="120000"/>
+                </a:lnTo>
+                <a:close/>
+              </a:path>
+            </a:pathLst>
+          </a:custGeom>
+        </p:spPr>
+      </p:sp>
+      <p:sp>
+        <p:nvSpPr>
+          <p:cNvPr id="322" name="Google Shape;322;g390db029de9_0_51:notes"/>
+          <p:cNvSpPr txBox="1"/>
+          <p:nvPr>
+            <p:ph idx="1" type="body"/>
+          </p:nvPr>
+        </p:nvSpPr>
+        <p:spPr>
+          <a:xfrm>
+            <a:off x="685800" y="4343400"/>
+            <a:ext cx="5486400" cy="4114800"/>
+          </a:xfrm>
+          <a:prstGeom prst="rect">
+            <a:avLst/>
+          </a:prstGeom>
+        </p:spPr>
+        <p:txBody>
+          <a:bodyPr anchorCtr="0" anchor="t" bIns="91425" lIns="91425" spcFirstLastPara="1" rIns="91425" wrap="square" tIns="91425">
+            <a:noAutofit/>
+          </a:bodyPr>
+          <a:lstStyle/>
+          <a:p>
+            <a:pPr indent="0" lvl="0" marL="0" rtl="0" algn="l">
+              <a:spcBef>
+                <a:spcPts val="0"/>
+              </a:spcBef>
+              <a:spcAft>
+                <a:spcPts val="0"/>
+              </a:spcAft>
+              <a:buNone/>
+            </a:pPr>
+            <a:r>
+              <a:t/>
+            </a:r>
+            <a:endParaRPr/>
+          </a:p>
+        </p:txBody>
+      </p:sp>
+    </p:spTree>
+  </p:cSld>
+  <p:clrMapOvr>
+    <a:masterClrMapping/>
+  </p:clrMapOvr>
+</p:notes>
+</file>
+
+<file path=ppt/notesSlides/notesSlide41.xml><?xml version="1.0" encoding="utf-8"?>
+<p:notes xmlns:a="http://schemas.openxmlformats.org/drawingml/2006/main" xmlns:r="http://schemas.openxmlformats.org/officeDocument/2006/relationships" xmlns:mc="http://schemas.openxmlformats.org/markup-compatibility/2006" xmlns:mv="urn:schemas-microsoft-com:mac:vml" xmlns:p="http://schemas.openxmlformats.org/presentationml/2006/main" xmlns:c="http://schemas.openxmlformats.org/drawingml/2006/chart" xmlns:dgm="http://schemas.openxmlformats.org/drawingml/2006/diagram" xmlns:o="urn:schemas-microsoft-com:office:office" xmlns:v="urn:schemas-microsoft-com:vml" xmlns:pvml="urn:schemas-microsoft-com:office:powerpoint" xmlns:com="http://schemas.openxmlformats.org/drawingml/2006/compatibility" xmlns:p14="http://schemas.microsoft.com/office/powerpoint/2010/main" xmlns:p15="http://schemas.microsoft.com/office/powerpoint/2012/main" xmlns:ahyp="http://schemas.microsoft.com/office/drawing/2018/hyperlinkcolor" showMasterPhAnim="0" showMasterSp="0">
+  <p:cSld>
+    <p:spTree>
+      <p:nvGrpSpPr>
+        <p:cNvPr id="326" name="Shape 326"/>
+        <p:cNvGrpSpPr/>
+        <p:nvPr/>
+      </p:nvGrpSpPr>
+      <p:grpSpPr>
+        <a:xfrm>
+          <a:off x="0" y="0"/>
+          <a:ext cx="0" cy="0"/>
+          <a:chOff x="0" y="0"/>
+          <a:chExt cx="0" cy="0"/>
+        </a:xfrm>
+      </p:grpSpPr>
+      <p:sp>
+        <p:nvSpPr>
+          <p:cNvPr id="327" name="Google Shape;327;g390db029de9_0_57:notes"/>
+          <p:cNvSpPr/>
+          <p:nvPr>
+            <p:ph idx="2" type="sldImg"/>
+          </p:nvPr>
+        </p:nvSpPr>
+        <p:spPr>
+          <a:xfrm>
+            <a:off x="381300" y="685800"/>
+            <a:ext cx="6096000" cy="3429000"/>
+          </a:xfrm>
+          <a:custGeom>
+            <a:rect b="b" l="l" r="r" t="t"/>
+            <a:pathLst>
+              <a:path extrusionOk="0" h="120000" w="120000">
+                <a:moveTo>
+                  <a:pt x="0" y="0"/>
+                </a:moveTo>
+                <a:lnTo>
+                  <a:pt x="120000" y="0"/>
+                </a:lnTo>
+                <a:lnTo>
+                  <a:pt x="120000" y="120000"/>
+                </a:lnTo>
+                <a:lnTo>
+                  <a:pt x="0" y="120000"/>
+                </a:lnTo>
+                <a:close/>
+              </a:path>
+            </a:pathLst>
+          </a:custGeom>
+        </p:spPr>
+      </p:sp>
+      <p:sp>
+        <p:nvSpPr>
+          <p:cNvPr id="328" name="Google Shape;328;g390db029de9_0_57:notes"/>
+          <p:cNvSpPr txBox="1"/>
+          <p:nvPr>
+            <p:ph idx="1" type="body"/>
+          </p:nvPr>
+        </p:nvSpPr>
+        <p:spPr>
+          <a:xfrm>
+            <a:off x="685800" y="4343400"/>
+            <a:ext cx="5486400" cy="4114800"/>
+          </a:xfrm>
+          <a:prstGeom prst="rect">
+            <a:avLst/>
+          </a:prstGeom>
+        </p:spPr>
+        <p:txBody>
+          <a:bodyPr anchorCtr="0" anchor="t" bIns="91425" lIns="91425" spcFirstLastPara="1" rIns="91425" wrap="square" tIns="91425">
+            <a:noAutofit/>
+          </a:bodyPr>
+          <a:lstStyle/>
+          <a:p>
+            <a:pPr indent="0" lvl="0" marL="0" rtl="0" algn="l">
+              <a:spcBef>
+                <a:spcPts val="0"/>
+              </a:spcBef>
+              <a:spcAft>
+                <a:spcPts val="0"/>
+              </a:spcAft>
+              <a:buNone/>
+            </a:pPr>
+            <a:r>
+              <a:t/>
+            </a:r>
+            <a:endParaRPr/>
+          </a:p>
+        </p:txBody>
+      </p:sp>
+    </p:spTree>
+  </p:cSld>
+  <p:clrMapOvr>
+    <a:masterClrMapping/>
+  </p:clrMapOvr>
+</p:notes>
+</file>
+
+<file path=ppt/notesSlides/notesSlide42.xml><?xml version="1.0" encoding="utf-8"?>
+<p:notes xmlns:a="http://schemas.openxmlformats.org/drawingml/2006/main" xmlns:r="http://schemas.openxmlformats.org/officeDocument/2006/relationships" xmlns:mc="http://schemas.openxmlformats.org/markup-compatibility/2006" xmlns:mv="urn:schemas-microsoft-com:mac:vml" xmlns:p="http://schemas.openxmlformats.org/presentationml/2006/main" xmlns:c="http://schemas.openxmlformats.org/drawingml/2006/chart" xmlns:dgm="http://schemas.openxmlformats.org/drawingml/2006/diagram" xmlns:o="urn:schemas-microsoft-com:office:office" xmlns:v="urn:schemas-microsoft-com:vml" xmlns:pvml="urn:schemas-microsoft-com:office:powerpoint" xmlns:com="http://schemas.openxmlformats.org/drawingml/2006/compatibility" xmlns:p14="http://schemas.microsoft.com/office/powerpoint/2010/main" xmlns:p15="http://schemas.microsoft.com/office/powerpoint/2012/main" xmlns:ahyp="http://schemas.microsoft.com/office/drawing/2018/hyperlinkcolor" showMasterPhAnim="0" showMasterSp="0">
+  <p:cSld>
+    <p:spTree>
+      <p:nvGrpSpPr>
+        <p:cNvPr id="332" name="Shape 332"/>
+        <p:cNvGrpSpPr/>
+        <p:nvPr/>
+      </p:nvGrpSpPr>
+      <p:grpSpPr>
+        <a:xfrm>
+          <a:off x="0" y="0"/>
+          <a:ext cx="0" cy="0"/>
+          <a:chOff x="0" y="0"/>
+          <a:chExt cx="0" cy="0"/>
+        </a:xfrm>
+      </p:grpSpPr>
+      <p:sp>
+        <p:nvSpPr>
+          <p:cNvPr id="333" name="Google Shape;333;g390db029de9_0_62:notes"/>
+          <p:cNvSpPr/>
+          <p:nvPr>
+            <p:ph idx="2" type="sldImg"/>
+          </p:nvPr>
+        </p:nvSpPr>
+        <p:spPr>
+          <a:xfrm>
+            <a:off x="381300" y="685800"/>
+            <a:ext cx="6096000" cy="3429000"/>
+          </a:xfrm>
+          <a:custGeom>
+            <a:rect b="b" l="l" r="r" t="t"/>
+            <a:pathLst>
+              <a:path extrusionOk="0" h="120000" w="120000">
+                <a:moveTo>
+                  <a:pt x="0" y="0"/>
+                </a:moveTo>
+                <a:lnTo>
+                  <a:pt x="120000" y="0"/>
+                </a:lnTo>
+                <a:lnTo>
+                  <a:pt x="120000" y="120000"/>
+                </a:lnTo>
+                <a:lnTo>
+                  <a:pt x="0" y="120000"/>
+                </a:lnTo>
+                <a:close/>
+              </a:path>
+            </a:pathLst>
+          </a:custGeom>
+        </p:spPr>
+      </p:sp>
+      <p:sp>
+        <p:nvSpPr>
+          <p:cNvPr id="334" name="Google Shape;334;g390db029de9_0_62:notes"/>
+          <p:cNvSpPr txBox="1"/>
+          <p:nvPr>
+            <p:ph idx="1" type="body"/>
+          </p:nvPr>
+        </p:nvSpPr>
+        <p:spPr>
+          <a:xfrm>
+            <a:off x="685800" y="4343400"/>
+            <a:ext cx="5486400" cy="4114800"/>
+          </a:xfrm>
+          <a:prstGeom prst="rect">
+            <a:avLst/>
+          </a:prstGeom>
+        </p:spPr>
+        <p:txBody>
+          <a:bodyPr anchorCtr="0" anchor="t" bIns="91425" lIns="91425" spcFirstLastPara="1" rIns="91425" wrap="square" tIns="91425">
+            <a:noAutofit/>
+          </a:bodyPr>
+          <a:lstStyle/>
+          <a:p>
+            <a:pPr indent="0" lvl="0" marL="0" rtl="0" algn="l">
+              <a:spcBef>
+                <a:spcPts val="0"/>
+              </a:spcBef>
+              <a:spcAft>
+                <a:spcPts val="0"/>
+              </a:spcAft>
+              <a:buNone/>
+            </a:pPr>
+            <a:r>
+              <a:t/>
+            </a:r>
+            <a:endParaRPr/>
+          </a:p>
+        </p:txBody>
+      </p:sp>
+    </p:spTree>
+  </p:cSld>
+  <p:clrMapOvr>
+    <a:masterClrMapping/>
+  </p:clrMapOvr>
+</p:notes>
+</file>
+
+<file path=ppt/notesSlides/notesSlide43.xml><?xml version="1.0" encoding="utf-8"?>
+<p:notes xmlns:a="http://schemas.openxmlformats.org/drawingml/2006/main" xmlns:r="http://schemas.openxmlformats.org/officeDocument/2006/relationships" xmlns:mc="http://schemas.openxmlformats.org/markup-compatibility/2006" xmlns:mv="urn:schemas-microsoft-com:mac:vml" xmlns:p="http://schemas.openxmlformats.org/presentationml/2006/main" xmlns:c="http://schemas.openxmlformats.org/drawingml/2006/chart" xmlns:dgm="http://schemas.openxmlformats.org/drawingml/2006/diagram" xmlns:o="urn:schemas-microsoft-com:office:office" xmlns:v="urn:schemas-microsoft-com:vml" xmlns:pvml="urn:schemas-microsoft-com:office:powerpoint" xmlns:com="http://schemas.openxmlformats.org/drawingml/2006/compatibility" xmlns:p14="http://schemas.microsoft.com/office/powerpoint/2010/main" xmlns:p15="http://schemas.microsoft.com/office/powerpoint/2012/main" xmlns:ahyp="http://schemas.microsoft.com/office/drawing/2018/hyperlinkcolor" showMasterPhAnim="0" showMasterSp="0">
+  <p:cSld>
+    <p:spTree>
+      <p:nvGrpSpPr>
+        <p:cNvPr id="338" name="Shape 338"/>
+        <p:cNvGrpSpPr/>
+        <p:nvPr/>
+      </p:nvGrpSpPr>
+      <p:grpSpPr>
+        <a:xfrm>
+          <a:off x="0" y="0"/>
+          <a:ext cx="0" cy="0"/>
+          <a:chOff x="0" y="0"/>
+          <a:chExt cx="0" cy="0"/>
+        </a:xfrm>
+      </p:grpSpPr>
+      <p:sp>
+        <p:nvSpPr>
+          <p:cNvPr id="339" name="Google Shape;339;g390db029de9_0_68:notes"/>
+          <p:cNvSpPr/>
+          <p:nvPr>
+            <p:ph idx="2" type="sldImg"/>
+          </p:nvPr>
+        </p:nvSpPr>
+        <p:spPr>
+          <a:xfrm>
+            <a:off x="381300" y="685800"/>
+            <a:ext cx="6096000" cy="3429000"/>
+          </a:xfrm>
+          <a:custGeom>
+            <a:rect b="b" l="l" r="r" t="t"/>
+            <a:pathLst>
+              <a:path extrusionOk="0" h="120000" w="120000">
+                <a:moveTo>
+                  <a:pt x="0" y="0"/>
+                </a:moveTo>
+                <a:lnTo>
+                  <a:pt x="120000" y="0"/>
+                </a:lnTo>
+                <a:lnTo>
+                  <a:pt x="120000" y="120000"/>
+                </a:lnTo>
+                <a:lnTo>
+                  <a:pt x="0" y="120000"/>
+                </a:lnTo>
+                <a:close/>
+              </a:path>
+            </a:pathLst>
+          </a:custGeom>
+        </p:spPr>
+      </p:sp>
+      <p:sp>
+        <p:nvSpPr>
+          <p:cNvPr id="340" name="Google Shape;340;g390db029de9_0_68:notes"/>
+          <p:cNvSpPr txBox="1"/>
+          <p:nvPr>
+            <p:ph idx="1" type="body"/>
+          </p:nvPr>
+        </p:nvSpPr>
+        <p:spPr>
+          <a:xfrm>
+            <a:off x="685800" y="4343400"/>
+            <a:ext cx="5486400" cy="4114800"/>
+          </a:xfrm>
+          <a:prstGeom prst="rect">
+            <a:avLst/>
+          </a:prstGeom>
+        </p:spPr>
+        <p:txBody>
+          <a:bodyPr anchorCtr="0" anchor="t" bIns="91425" lIns="91425" spcFirstLastPara="1" rIns="91425" wrap="square" tIns="91425">
+            <a:noAutofit/>
+          </a:bodyPr>
+          <a:lstStyle/>
+          <a:p>
+            <a:pPr indent="0" lvl="0" marL="0" rtl="0" algn="l">
+              <a:spcBef>
+                <a:spcPts val="0"/>
+              </a:spcBef>
+              <a:spcAft>
+                <a:spcPts val="0"/>
+              </a:spcAft>
+              <a:buNone/>
+            </a:pPr>
+            <a:r>
+              <a:t/>
+            </a:r>
+            <a:endParaRPr/>
+          </a:p>
+        </p:txBody>
+      </p:sp>
+    </p:spTree>
+  </p:cSld>
+  <p:clrMapOvr>
+    <a:masterClrMapping/>
+  </p:clrMapOvr>
+</p:notes>
+</file>
+
+<file path=ppt/notesSlides/notesSlide44.xml><?xml version="1.0" encoding="utf-8"?>
+<p:notes xmlns:a="http://schemas.openxmlformats.org/drawingml/2006/main" xmlns:r="http://schemas.openxmlformats.org/officeDocument/2006/relationships" xmlns:mc="http://schemas.openxmlformats.org/markup-compatibility/2006" xmlns:mv="urn:schemas-microsoft-com:mac:vml" xmlns:p="http://schemas.openxmlformats.org/presentationml/2006/main" xmlns:c="http://schemas.openxmlformats.org/drawingml/2006/chart" xmlns:dgm="http://schemas.openxmlformats.org/drawingml/2006/diagram" xmlns:o="urn:schemas-microsoft-com:office:office" xmlns:v="urn:schemas-microsoft-com:vml" xmlns:pvml="urn:schemas-microsoft-com:office:powerpoint" xmlns:com="http://schemas.openxmlformats.org/drawingml/2006/compatibility" xmlns:p14="http://schemas.microsoft.com/office/powerpoint/2010/main" xmlns:p15="http://schemas.microsoft.com/office/powerpoint/2012/main" xmlns:ahyp="http://schemas.microsoft.com/office/drawing/2018/hyperlinkcolor" showMasterPhAnim="0" showMasterSp="0">
+  <p:cSld>
+    <p:spTree>
+      <p:nvGrpSpPr>
+        <p:cNvPr id="344" name="Shape 344"/>
+        <p:cNvGrpSpPr/>
+        <p:nvPr/>
+      </p:nvGrpSpPr>
+      <p:grpSpPr>
+        <a:xfrm>
+          <a:off x="0" y="0"/>
+          <a:ext cx="0" cy="0"/>
+          <a:chOff x="0" y="0"/>
+          <a:chExt cx="0" cy="0"/>
+        </a:xfrm>
+      </p:grpSpPr>
+      <p:sp>
+        <p:nvSpPr>
+          <p:cNvPr id="345" name="Google Shape;345;g390db029de9_0_76:notes"/>
+          <p:cNvSpPr/>
+          <p:nvPr>
+            <p:ph idx="2" type="sldImg"/>
+          </p:nvPr>
+        </p:nvSpPr>
+        <p:spPr>
+          <a:xfrm>
+            <a:off x="381300" y="685800"/>
+            <a:ext cx="6096000" cy="3429000"/>
+          </a:xfrm>
+          <a:custGeom>
+            <a:rect b="b" l="l" r="r" t="t"/>
+            <a:pathLst>
+              <a:path extrusionOk="0" h="120000" w="120000">
+                <a:moveTo>
+                  <a:pt x="0" y="0"/>
+                </a:moveTo>
+                <a:lnTo>
+                  <a:pt x="120000" y="0"/>
+                </a:lnTo>
+                <a:lnTo>
+                  <a:pt x="120000" y="120000"/>
+                </a:lnTo>
+                <a:lnTo>
+                  <a:pt x="0" y="120000"/>
+                </a:lnTo>
+                <a:close/>
+              </a:path>
+            </a:pathLst>
+          </a:custGeom>
+        </p:spPr>
+      </p:sp>
+      <p:sp>
+        <p:nvSpPr>
+          <p:cNvPr id="346" name="Google Shape;346;g390db029de9_0_76:notes"/>
+          <p:cNvSpPr txBox="1"/>
+          <p:nvPr>
+            <p:ph idx="1" type="body"/>
+          </p:nvPr>
+        </p:nvSpPr>
+        <p:spPr>
+          <a:xfrm>
+            <a:off x="685800" y="4343400"/>
+            <a:ext cx="5486400" cy="4114800"/>
+          </a:xfrm>
+          <a:prstGeom prst="rect">
+            <a:avLst/>
+          </a:prstGeom>
+        </p:spPr>
+        <p:txBody>
+          <a:bodyPr anchorCtr="0" anchor="t" bIns="91425" lIns="91425" spcFirstLastPara="1" rIns="91425" wrap="square" tIns="91425">
+            <a:noAutofit/>
+          </a:bodyPr>
+          <a:lstStyle/>
+          <a:p>
+            <a:pPr indent="0" lvl="0" marL="0" rtl="0" algn="l">
+              <a:spcBef>
+                <a:spcPts val="0"/>
+              </a:spcBef>
+              <a:spcAft>
+                <a:spcPts val="0"/>
+              </a:spcAft>
+              <a:buNone/>
+            </a:pPr>
+            <a:r>
+              <a:t/>
+            </a:r>
+            <a:endParaRPr/>
+          </a:p>
+        </p:txBody>
+      </p:sp>
+    </p:spTree>
+  </p:cSld>
+  <p:clrMapOvr>
+    <a:masterClrMapping/>
+  </p:clrMapOvr>
+</p:notes>
+</file>
+
+<file path=ppt/notesSlides/notesSlide45.xml><?xml version="1.0" encoding="utf-8"?>
+<p:notes xmlns:a="http://schemas.openxmlformats.org/drawingml/2006/main" xmlns:r="http://schemas.openxmlformats.org/officeDocument/2006/relationships" xmlns:mc="http://schemas.openxmlformats.org/markup-compatibility/2006" xmlns:mv="urn:schemas-microsoft-com:mac:vml" xmlns:p="http://schemas.openxmlformats.org/presentationml/2006/main" xmlns:c="http://schemas.openxmlformats.org/drawingml/2006/chart" xmlns:dgm="http://schemas.openxmlformats.org/drawingml/2006/diagram" xmlns:o="urn:schemas-microsoft-com:office:office" xmlns:v="urn:schemas-microsoft-com:vml" xmlns:pvml="urn:schemas-microsoft-com:office:powerpoint" xmlns:com="http://schemas.openxmlformats.org/drawingml/2006/compatibility" xmlns:p14="http://schemas.microsoft.com/office/powerpoint/2010/main" xmlns:p15="http://schemas.microsoft.com/office/powerpoint/2012/main" xmlns:ahyp="http://schemas.microsoft.com/office/drawing/2018/hyperlinkcolor" showMasterPhAnim="0" showMasterSp="0">
+  <p:cSld>
+    <p:spTree>
+      <p:nvGrpSpPr>
+        <p:cNvPr id="350" name="Shape 350"/>
+        <p:cNvGrpSpPr/>
+        <p:nvPr/>
+      </p:nvGrpSpPr>
+      <p:grpSpPr>
+        <a:xfrm>
+          <a:off x="0" y="0"/>
+          <a:ext cx="0" cy="0"/>
+          <a:chOff x="0" y="0"/>
+          <a:chExt cx="0" cy="0"/>
+        </a:xfrm>
+      </p:grpSpPr>
+      <p:sp>
+        <p:nvSpPr>
+          <p:cNvPr id="351" name="Google Shape;351;g390db029de9_0_84:notes"/>
+          <p:cNvSpPr/>
+          <p:nvPr>
+            <p:ph idx="2" type="sldImg"/>
+          </p:nvPr>
+        </p:nvSpPr>
+        <p:spPr>
+          <a:xfrm>
+            <a:off x="381300" y="685800"/>
+            <a:ext cx="6096000" cy="3429000"/>
+          </a:xfrm>
+          <a:custGeom>
+            <a:rect b="b" l="l" r="r" t="t"/>
+            <a:pathLst>
+              <a:path extrusionOk="0" h="120000" w="120000">
+                <a:moveTo>
+                  <a:pt x="0" y="0"/>
+                </a:moveTo>
+                <a:lnTo>
+                  <a:pt x="120000" y="0"/>
+                </a:lnTo>
+                <a:lnTo>
+                  <a:pt x="120000" y="120000"/>
+                </a:lnTo>
+                <a:lnTo>
+                  <a:pt x="0" y="120000"/>
+                </a:lnTo>
+                <a:close/>
+              </a:path>
+            </a:pathLst>
+          </a:custGeom>
+        </p:spPr>
+      </p:sp>
+      <p:sp>
+        <p:nvSpPr>
+          <p:cNvPr id="352" name="Google Shape;352;g390db029de9_0_84:notes"/>
+          <p:cNvSpPr txBox="1"/>
+          <p:nvPr>
+            <p:ph idx="1" type="body"/>
+          </p:nvPr>
+        </p:nvSpPr>
+        <p:spPr>
+          <a:xfrm>
+            <a:off x="685800" y="4343400"/>
+            <a:ext cx="5486400" cy="4114800"/>
+          </a:xfrm>
+          <a:prstGeom prst="rect">
+            <a:avLst/>
+          </a:prstGeom>
+        </p:spPr>
+        <p:txBody>
+          <a:bodyPr anchorCtr="0" anchor="t" bIns="91425" lIns="91425" spcFirstLastPara="1" rIns="91425" wrap="square" tIns="91425">
+            <a:noAutofit/>
+          </a:bodyPr>
+          <a:lstStyle/>
+          <a:p>
+            <a:pPr indent="0" lvl="0" marL="0" rtl="0" algn="l">
+              <a:spcBef>
+                <a:spcPts val="0"/>
+              </a:spcBef>
+              <a:spcAft>
+                <a:spcPts val="0"/>
+              </a:spcAft>
+              <a:buNone/>
+            </a:pPr>
+            <a:r>
+              <a:t/>
+            </a:r>
+            <a:endParaRPr/>
+          </a:p>
+        </p:txBody>
+      </p:sp>
+    </p:spTree>
+  </p:cSld>
+  <p:clrMapOvr>
+    <a:masterClrMapping/>
+  </p:clrMapOvr>
+</p:notes>
+</file>
+
+<file path=ppt/notesSlides/notesSlide46.xml><?xml version="1.0" encoding="utf-8"?>
+<p:notes xmlns:a="http://schemas.openxmlformats.org/drawingml/2006/main" xmlns:r="http://schemas.openxmlformats.org/officeDocument/2006/relationships" xmlns:mc="http://schemas.openxmlformats.org/markup-compatibility/2006" xmlns:mv="urn:schemas-microsoft-com:mac:vml" xmlns:p="http://schemas.openxmlformats.org/presentationml/2006/main" xmlns:c="http://schemas.openxmlformats.org/drawingml/2006/chart" xmlns:dgm="http://schemas.openxmlformats.org/drawingml/2006/diagram" xmlns:o="urn:schemas-microsoft-com:office:office" xmlns:v="urn:schemas-microsoft-com:vml" xmlns:pvml="urn:schemas-microsoft-com:office:powerpoint" xmlns:com="http://schemas.openxmlformats.org/drawingml/2006/compatibility" xmlns:p14="http://schemas.microsoft.com/office/powerpoint/2010/main" xmlns:p15="http://schemas.microsoft.com/office/powerpoint/2012/main" xmlns:ahyp="http://schemas.microsoft.com/office/drawing/2018/hyperlinkcolor" showMasterPhAnim="0" showMasterSp="0">
+  <p:cSld>
+    <p:spTree>
+      <p:nvGrpSpPr>
+        <p:cNvPr id="356" name="Shape 356"/>
+        <p:cNvGrpSpPr/>
+        <p:nvPr/>
+      </p:nvGrpSpPr>
+      <p:grpSpPr>
+        <a:xfrm>
+          <a:off x="0" y="0"/>
+          <a:ext cx="0" cy="0"/>
+          <a:chOff x="0" y="0"/>
+          <a:chExt cx="0" cy="0"/>
+        </a:xfrm>
+      </p:grpSpPr>
+      <p:sp>
+        <p:nvSpPr>
+          <p:cNvPr id="357" name="Google Shape;357;g390db029de9_0_91:notes"/>
+          <p:cNvSpPr/>
+          <p:nvPr>
+            <p:ph idx="2" type="sldImg"/>
+          </p:nvPr>
+        </p:nvSpPr>
+        <p:spPr>
+          <a:xfrm>
+            <a:off x="381300" y="685800"/>
+            <a:ext cx="6096000" cy="3429000"/>
+          </a:xfrm>
+          <a:custGeom>
+            <a:rect b="b" l="l" r="r" t="t"/>
+            <a:pathLst>
+              <a:path extrusionOk="0" h="120000" w="120000">
+                <a:moveTo>
+                  <a:pt x="0" y="0"/>
+                </a:moveTo>
+                <a:lnTo>
+                  <a:pt x="120000" y="0"/>
+                </a:lnTo>
+                <a:lnTo>
+                  <a:pt x="120000" y="120000"/>
+                </a:lnTo>
+                <a:lnTo>
+                  <a:pt x="0" y="120000"/>
+                </a:lnTo>
+                <a:close/>
+              </a:path>
+            </a:pathLst>
+          </a:custGeom>
+        </p:spPr>
+      </p:sp>
+      <p:sp>
+        <p:nvSpPr>
+          <p:cNvPr id="358" name="Google Shape;358;g390db029de9_0_91:notes"/>
+          <p:cNvSpPr txBox="1"/>
+          <p:nvPr>
+            <p:ph idx="1" type="body"/>
+          </p:nvPr>
+        </p:nvSpPr>
+        <p:spPr>
+          <a:xfrm>
+            <a:off x="685800" y="4343400"/>
+            <a:ext cx="5486400" cy="4114800"/>
+          </a:xfrm>
+          <a:prstGeom prst="rect">
+            <a:avLst/>
+          </a:prstGeom>
+        </p:spPr>
+        <p:txBody>
+          <a:bodyPr anchorCtr="0" anchor="t" bIns="91425" lIns="91425" spcFirstLastPara="1" rIns="91425" wrap="square" tIns="91425">
+            <a:noAutofit/>
+          </a:bodyPr>
+          <a:lstStyle/>
+          <a:p>
+            <a:pPr indent="0" lvl="0" marL="0" rtl="0" algn="l">
+              <a:spcBef>
+                <a:spcPts val="0"/>
+              </a:spcBef>
+              <a:spcAft>
+                <a:spcPts val="0"/>
+              </a:spcAft>
+              <a:buNone/>
+            </a:pPr>
+            <a:r>
+              <a:t/>
+            </a:r>
+            <a:endParaRPr/>
+          </a:p>
+        </p:txBody>
+      </p:sp>
+    </p:spTree>
+  </p:cSld>
+  <p:clrMapOvr>
+    <a:masterClrMapping/>
+  </p:clrMapOvr>
+</p:notes>
+</file>
+
+<file path=ppt/notesSlides/notesSlide47.xml><?xml version="1.0" encoding="utf-8"?>
+<p:notes xmlns:a="http://schemas.openxmlformats.org/drawingml/2006/main" xmlns:r="http://schemas.openxmlformats.org/officeDocument/2006/relationships" xmlns:mc="http://schemas.openxmlformats.org/markup-compatibility/2006" xmlns:mv="urn:schemas-microsoft-com:mac:vml" xmlns:p="http://schemas.openxmlformats.org/presentationml/2006/main" xmlns:c="http://schemas.openxmlformats.org/drawingml/2006/chart" xmlns:dgm="http://schemas.openxmlformats.org/drawingml/2006/diagram" xmlns:o="urn:schemas-microsoft-com:office:office" xmlns:v="urn:schemas-microsoft-com:vml" xmlns:pvml="urn:schemas-microsoft-com:office:powerpoint" xmlns:com="http://schemas.openxmlformats.org/drawingml/2006/compatibility" xmlns:p14="http://schemas.microsoft.com/office/powerpoint/2010/main" xmlns:p15="http://schemas.microsoft.com/office/powerpoint/2012/main" xmlns:ahyp="http://schemas.microsoft.com/office/drawing/2018/hyperlinkcolor" showMasterPhAnim="0" showMasterSp="0">
+  <p:cSld>
+    <p:spTree>
+      <p:nvGrpSpPr>
+        <p:cNvPr id="362" name="Shape 362"/>
+        <p:cNvGrpSpPr/>
+        <p:nvPr/>
+      </p:nvGrpSpPr>
+      <p:grpSpPr>
+        <a:xfrm>
+          <a:off x="0" y="0"/>
+          <a:ext cx="0" cy="0"/>
+          <a:chOff x="0" y="0"/>
+          <a:chExt cx="0" cy="0"/>
+        </a:xfrm>
+      </p:grpSpPr>
+      <p:sp>
+        <p:nvSpPr>
+          <p:cNvPr id="363" name="Google Shape;363;g390db029de9_0_98:notes"/>
+          <p:cNvSpPr/>
+          <p:nvPr>
+            <p:ph idx="2" type="sldImg"/>
+          </p:nvPr>
+        </p:nvSpPr>
+        <p:spPr>
+          <a:xfrm>
+            <a:off x="381300" y="685800"/>
+            <a:ext cx="6096000" cy="3429000"/>
+          </a:xfrm>
+          <a:custGeom>
+            <a:rect b="b" l="l" r="r" t="t"/>
+            <a:pathLst>
+              <a:path extrusionOk="0" h="120000" w="120000">
+                <a:moveTo>
+                  <a:pt x="0" y="0"/>
+                </a:moveTo>
+                <a:lnTo>
+                  <a:pt x="120000" y="0"/>
+                </a:lnTo>
+                <a:lnTo>
+                  <a:pt x="120000" y="120000"/>
+                </a:lnTo>
+                <a:lnTo>
+                  <a:pt x="0" y="120000"/>
+                </a:lnTo>
+                <a:close/>
+              </a:path>
+            </a:pathLst>
+          </a:custGeom>
+        </p:spPr>
+      </p:sp>
+      <p:sp>
+        <p:nvSpPr>
+          <p:cNvPr id="364" name="Google Shape;364;g390db029de9_0_98:notes"/>
+          <p:cNvSpPr txBox="1"/>
+          <p:nvPr>
+            <p:ph idx="1" type="body"/>
+          </p:nvPr>
+        </p:nvSpPr>
+        <p:spPr>
+          <a:xfrm>
+            <a:off x="685800" y="4343400"/>
+            <a:ext cx="5486400" cy="4114800"/>
+          </a:xfrm>
+          <a:prstGeom prst="rect">
+            <a:avLst/>
+          </a:prstGeom>
+        </p:spPr>
+        <p:txBody>
+          <a:bodyPr anchorCtr="0" anchor="t" bIns="91425" lIns="91425" spcFirstLastPara="1" rIns="91425" wrap="square" tIns="91425">
+            <a:noAutofit/>
+          </a:bodyPr>
+          <a:lstStyle/>
+          <a:p>
+            <a:pPr indent="0" lvl="0" marL="0" rtl="0" algn="l">
+              <a:spcBef>
+                <a:spcPts val="0"/>
+              </a:spcBef>
+              <a:spcAft>
+                <a:spcPts val="0"/>
+              </a:spcAft>
+              <a:buNone/>
+            </a:pPr>
+            <a:r>
+              <a:t/>
+            </a:r>
+            <a:endParaRPr/>
+          </a:p>
+        </p:txBody>
+      </p:sp>
+    </p:spTree>
+  </p:cSld>
+  <p:clrMapOvr>
+    <a:masterClrMapping/>
+  </p:clrMapOvr>
+</p:notes>
+</file>
+
+<file path=ppt/notesSlides/notesSlide48.xml><?xml version="1.0" encoding="utf-8"?>
+<p:notes xmlns:a="http://schemas.openxmlformats.org/drawingml/2006/main" xmlns:r="http://schemas.openxmlformats.org/officeDocument/2006/relationships" xmlns:mc="http://schemas.openxmlformats.org/markup-compatibility/2006" xmlns:mv="urn:schemas-microsoft-com:mac:vml" xmlns:p="http://schemas.openxmlformats.org/presentationml/2006/main" xmlns:c="http://schemas.openxmlformats.org/drawingml/2006/chart" xmlns:dgm="http://schemas.openxmlformats.org/drawingml/2006/diagram" xmlns:o="urn:schemas-microsoft-com:office:office" xmlns:v="urn:schemas-microsoft-com:vml" xmlns:pvml="urn:schemas-microsoft-com:office:powerpoint" xmlns:com="http://schemas.openxmlformats.org/drawingml/2006/compatibility" xmlns:p14="http://schemas.microsoft.com/office/powerpoint/2010/main" xmlns:p15="http://schemas.microsoft.com/office/powerpoint/2012/main" xmlns:ahyp="http://schemas.microsoft.com/office/drawing/2018/hyperlinkcolor" showMasterPhAnim="0" showMasterSp="0">
+  <p:cSld>
+    <p:spTree>
+      <p:nvGrpSpPr>
+        <p:cNvPr id="368" name="Shape 368"/>
+        <p:cNvGrpSpPr/>
+        <p:nvPr/>
+      </p:nvGrpSpPr>
+      <p:grpSpPr>
+        <a:xfrm>
+          <a:off x="0" y="0"/>
+          <a:ext cx="0" cy="0"/>
+          <a:chOff x="0" y="0"/>
+          <a:chExt cx="0" cy="0"/>
+        </a:xfrm>
+      </p:grpSpPr>
+      <p:sp>
+        <p:nvSpPr>
+          <p:cNvPr id="369" name="Google Shape;369;g390db029de9_0_104:notes"/>
+          <p:cNvSpPr/>
+          <p:nvPr>
+            <p:ph idx="2" type="sldImg"/>
+          </p:nvPr>
+        </p:nvSpPr>
+        <p:spPr>
+          <a:xfrm>
+            <a:off x="381300" y="685800"/>
+            <a:ext cx="6096000" cy="3429000"/>
+          </a:xfrm>
+          <a:custGeom>
+            <a:rect b="b" l="l" r="r" t="t"/>
+            <a:pathLst>
+              <a:path extrusionOk="0" h="120000" w="120000">
+                <a:moveTo>
+                  <a:pt x="0" y="0"/>
+                </a:moveTo>
+                <a:lnTo>
+                  <a:pt x="120000" y="0"/>
+                </a:lnTo>
+                <a:lnTo>
+                  <a:pt x="120000" y="120000"/>
+                </a:lnTo>
+                <a:lnTo>
+                  <a:pt x="0" y="120000"/>
+                </a:lnTo>
+                <a:close/>
+              </a:path>
+            </a:pathLst>
+          </a:custGeom>
+        </p:spPr>
+      </p:sp>
+      <p:sp>
+        <p:nvSpPr>
+          <p:cNvPr id="370" name="Google Shape;370;g390db029de9_0_104:notes"/>
           <p:cNvSpPr txBox="1"/>
           <p:nvPr>
             <p:ph idx="1" type="body"/>
@@ -20891,7 +22491,7 @@
             <a:tbl>
               <a:tblPr>
                 <a:noFill/>
-                <a:tableStyleId>{959B2832-59FD-4D21-8942-453E2F580EFB}</a:tableStyleId>
+                <a:tableStyleId>{E66AC64D-05A7-4FAB-AA68-0326A2C7EB59}</a:tableStyleId>
               </a:tblPr>
               <a:tblGrid>
                 <a:gridCol w="561975"/>
@@ -20956,7 +22556,7 @@
             <a:tbl>
               <a:tblPr>
                 <a:noFill/>
-                <a:tableStyleId>{959B2832-59FD-4D21-8942-453E2F580EFB}</a:tableStyleId>
+                <a:tableStyleId>{E66AC64D-05A7-4FAB-AA68-0326A2C7EB59}</a:tableStyleId>
               </a:tblPr>
               <a:tblGrid>
                 <a:gridCol w="19050"/>
@@ -21004,7 +22604,7 @@
             <a:tbl>
               <a:tblPr>
                 <a:noFill/>
-                <a:tableStyleId>{959B2832-59FD-4D21-8942-453E2F580EFB}</a:tableStyleId>
+                <a:tableStyleId>{E66AC64D-05A7-4FAB-AA68-0326A2C7EB59}</a:tableStyleId>
               </a:tblPr>
               <a:tblGrid>
                 <a:gridCol w="561975"/>
@@ -21069,7 +22669,7 @@
             <a:tbl>
               <a:tblPr>
                 <a:noFill/>
-                <a:tableStyleId>{959B2832-59FD-4D21-8942-453E2F580EFB}</a:tableStyleId>
+                <a:tableStyleId>{E66AC64D-05A7-4FAB-AA68-0326A2C7EB59}</a:tableStyleId>
               </a:tblPr>
               <a:tblGrid>
                 <a:gridCol w="19050"/>
@@ -21102,6 +22702,4259 @@
           </a:graphicData>
         </a:graphic>
       </p:graphicFrame>
+    </p:spTree>
+  </p:cSld>
+  <p:clrMapOvr>
+    <a:masterClrMapping/>
+  </p:clrMapOvr>
+</p:sld>
+</file>
+
+<file path=ppt/slides/slide33.xml><?xml version="1.0" encoding="utf-8"?>
+<p:sld xmlns:a="http://schemas.openxmlformats.org/drawingml/2006/main" xmlns:r="http://schemas.openxmlformats.org/officeDocument/2006/relationships" xmlns:mc="http://schemas.openxmlformats.org/markup-compatibility/2006" xmlns:mv="urn:schemas-microsoft-com:mac:vml" xmlns:p="http://schemas.openxmlformats.org/presentationml/2006/main" xmlns:c="http://schemas.openxmlformats.org/drawingml/2006/chart" xmlns:dgm="http://schemas.openxmlformats.org/drawingml/2006/diagram" xmlns:o="urn:schemas-microsoft-com:office:office" xmlns:v="urn:schemas-microsoft-com:vml" xmlns:pvml="urn:schemas-microsoft-com:office:powerpoint" xmlns:com="http://schemas.openxmlformats.org/drawingml/2006/compatibility" xmlns:p14="http://schemas.microsoft.com/office/powerpoint/2010/main" xmlns:p15="http://schemas.microsoft.com/office/powerpoint/2012/main" xmlns:ahyp="http://schemas.microsoft.com/office/drawing/2018/hyperlinkcolor">
+  <p:cSld>
+    <p:spTree>
+      <p:nvGrpSpPr>
+        <p:cNvPr id="281" name="Shape 281"/>
+        <p:cNvGrpSpPr/>
+        <p:nvPr/>
+      </p:nvGrpSpPr>
+      <p:grpSpPr>
+        <a:xfrm>
+          <a:off x="0" y="0"/>
+          <a:ext cx="0" cy="0"/>
+          <a:chOff x="0" y="0"/>
+          <a:chExt cx="0" cy="0"/>
+        </a:xfrm>
+      </p:grpSpPr>
+      <p:sp>
+        <p:nvSpPr>
+          <p:cNvPr id="282" name="Google Shape;282;p45"/>
+          <p:cNvSpPr txBox="1"/>
+          <p:nvPr>
+            <p:ph type="title"/>
+          </p:nvPr>
+        </p:nvSpPr>
+        <p:spPr>
+          <a:xfrm>
+            <a:off x="729450" y="1318650"/>
+            <a:ext cx="7688700" cy="535200"/>
+          </a:xfrm>
+          <a:prstGeom prst="rect">
+            <a:avLst/>
+          </a:prstGeom>
+        </p:spPr>
+        <p:txBody>
+          <a:bodyPr anchorCtr="0" anchor="t" bIns="91425" lIns="91425" spcFirstLastPara="1" rIns="91425" wrap="square" tIns="91425">
+            <a:noAutofit/>
+          </a:bodyPr>
+          <a:lstStyle/>
+          <a:p>
+            <a:pPr indent="0" lvl="0" marL="0" rtl="0" algn="l">
+              <a:spcBef>
+                <a:spcPts val="0"/>
+              </a:spcBef>
+              <a:spcAft>
+                <a:spcPts val="0"/>
+              </a:spcAft>
+              <a:buSzPts val="990"/>
+              <a:buNone/>
+            </a:pPr>
+            <a:r>
+              <a:rPr lang="pl" sz="2440">
+                <a:latin typeface="Tahoma"/>
+                <a:ea typeface="Tahoma"/>
+                <a:cs typeface="Tahoma"/>
+                <a:sym typeface="Tahoma"/>
+              </a:rPr>
+              <a:t>git commit</a:t>
+            </a:r>
+            <a:endParaRPr sz="2440">
+              <a:latin typeface="Tahoma"/>
+              <a:ea typeface="Tahoma"/>
+              <a:cs typeface="Tahoma"/>
+              <a:sym typeface="Tahoma"/>
+            </a:endParaRPr>
+          </a:p>
+        </p:txBody>
+      </p:sp>
+      <p:sp>
+        <p:nvSpPr>
+          <p:cNvPr id="283" name="Google Shape;283;p45"/>
+          <p:cNvSpPr txBox="1"/>
+          <p:nvPr>
+            <p:ph idx="1" type="body"/>
+          </p:nvPr>
+        </p:nvSpPr>
+        <p:spPr>
+          <a:xfrm>
+            <a:off x="729450" y="2078875"/>
+            <a:ext cx="7688700" cy="3014100"/>
+          </a:xfrm>
+          <a:prstGeom prst="rect">
+            <a:avLst/>
+          </a:prstGeom>
+        </p:spPr>
+        <p:txBody>
+          <a:bodyPr anchorCtr="0" anchor="t" bIns="91425" lIns="91425" spcFirstLastPara="1" rIns="91425" wrap="square" tIns="91425">
+            <a:normAutofit fontScale="47500" lnSpcReduction="20000"/>
+          </a:bodyPr>
+          <a:lstStyle/>
+          <a:p>
+            <a:pPr indent="0" lvl="0" marL="0" rtl="0" algn="l">
+              <a:spcBef>
+                <a:spcPts val="0"/>
+              </a:spcBef>
+              <a:spcAft>
+                <a:spcPts val="0"/>
+              </a:spcAft>
+              <a:buNone/>
+            </a:pPr>
+            <a:r>
+              <a:rPr b="1" lang="pl" sz="2900">
+                <a:solidFill>
+                  <a:srgbClr val="783F04"/>
+                </a:solidFill>
+                <a:latin typeface="Tahoma"/>
+                <a:ea typeface="Tahoma"/>
+                <a:cs typeface="Tahoma"/>
+                <a:sym typeface="Tahoma"/>
+              </a:rPr>
+              <a:t>git commit </a:t>
+            </a:r>
+            <a:r>
+              <a:rPr b="1" lang="pl" sz="2900">
+                <a:solidFill>
+                  <a:srgbClr val="0C343D"/>
+                </a:solidFill>
+                <a:latin typeface="Tahoma"/>
+                <a:ea typeface="Tahoma"/>
+                <a:cs typeface="Tahoma"/>
+                <a:sym typeface="Tahoma"/>
+              </a:rPr>
+              <a:t>- </a:t>
+            </a:r>
+            <a:r>
+              <a:rPr b="1" lang="pl" sz="2900">
+                <a:solidFill>
+                  <a:srgbClr val="0C343D"/>
+                </a:solidFill>
+                <a:latin typeface="Tahoma"/>
+                <a:ea typeface="Tahoma"/>
+                <a:cs typeface="Tahoma"/>
+                <a:sym typeface="Tahoma"/>
+              </a:rPr>
+              <a:t>służy do zapisania zmian, które zostały </a:t>
+            </a:r>
+            <a:r>
+              <a:rPr b="1" lang="pl" sz="2900">
+                <a:solidFill>
+                  <a:srgbClr val="0C343D"/>
+                </a:solidFill>
+                <a:latin typeface="Tahoma"/>
+                <a:ea typeface="Tahoma"/>
+                <a:cs typeface="Tahoma"/>
+                <a:sym typeface="Tahoma"/>
+              </a:rPr>
+              <a:t>wcześniej</a:t>
+            </a:r>
+            <a:r>
+              <a:rPr b="1" lang="pl" sz="2900">
+                <a:solidFill>
+                  <a:srgbClr val="0C343D"/>
+                </a:solidFill>
+                <a:latin typeface="Tahoma"/>
+                <a:ea typeface="Tahoma"/>
+                <a:cs typeface="Tahoma"/>
+                <a:sym typeface="Tahoma"/>
+              </a:rPr>
+              <a:t> dodane do obszaru index</a:t>
+            </a:r>
+            <a:r>
+              <a:rPr lang="pl" sz="2900">
+                <a:solidFill>
+                  <a:srgbClr val="0C343D"/>
+                </a:solidFill>
+                <a:latin typeface="Tahoma"/>
+                <a:ea typeface="Tahoma"/>
+                <a:cs typeface="Tahoma"/>
+                <a:sym typeface="Tahoma"/>
+              </a:rPr>
+              <a:t> </a:t>
+            </a:r>
+            <a:r>
+              <a:rPr lang="pl" sz="2900">
+                <a:solidFill>
+                  <a:srgbClr val="000000"/>
+                </a:solidFill>
+                <a:latin typeface="Tahoma"/>
+                <a:ea typeface="Tahoma"/>
+                <a:cs typeface="Tahoma"/>
+                <a:sym typeface="Tahoma"/>
+              </a:rPr>
+              <a:t>(za pomocą </a:t>
+            </a:r>
+            <a:r>
+              <a:rPr b="1" lang="pl" sz="2900">
+                <a:solidFill>
+                  <a:srgbClr val="073763"/>
+                </a:solidFill>
+                <a:latin typeface="Tahoma"/>
+                <a:ea typeface="Tahoma"/>
+                <a:cs typeface="Tahoma"/>
+                <a:sym typeface="Tahoma"/>
+              </a:rPr>
+              <a:t>git add</a:t>
+            </a:r>
+            <a:r>
+              <a:rPr lang="pl" sz="2900">
+                <a:solidFill>
+                  <a:srgbClr val="000000"/>
+                </a:solidFill>
+                <a:latin typeface="Tahoma"/>
+                <a:ea typeface="Tahoma"/>
+                <a:cs typeface="Tahoma"/>
+                <a:sym typeface="Tahoma"/>
+              </a:rPr>
+              <a:t>)</a:t>
+            </a:r>
+            <a:endParaRPr sz="2900">
+              <a:solidFill>
+                <a:srgbClr val="000000"/>
+              </a:solidFill>
+              <a:latin typeface="Tahoma"/>
+              <a:ea typeface="Tahoma"/>
+              <a:cs typeface="Tahoma"/>
+              <a:sym typeface="Tahoma"/>
+            </a:endParaRPr>
+          </a:p>
+          <a:p>
+            <a:pPr indent="0" lvl="0" marL="0" rtl="0" algn="l">
+              <a:spcBef>
+                <a:spcPts val="0"/>
+              </a:spcBef>
+              <a:spcAft>
+                <a:spcPts val="0"/>
+              </a:spcAft>
+              <a:buNone/>
+            </a:pPr>
+            <a:r>
+              <a:rPr lang="pl" sz="2900">
+                <a:solidFill>
+                  <a:srgbClr val="000000"/>
+                </a:solidFill>
+                <a:latin typeface="Tahoma"/>
+                <a:ea typeface="Tahoma"/>
+                <a:cs typeface="Tahoma"/>
+                <a:sym typeface="Tahoma"/>
+              </a:rPr>
+              <a:t>Pomocne polecenia do wykonania commit</a:t>
+            </a:r>
+            <a:endParaRPr sz="2900">
+              <a:solidFill>
+                <a:srgbClr val="000000"/>
+              </a:solidFill>
+              <a:latin typeface="Tahoma"/>
+              <a:ea typeface="Tahoma"/>
+              <a:cs typeface="Tahoma"/>
+              <a:sym typeface="Tahoma"/>
+            </a:endParaRPr>
+          </a:p>
+          <a:p>
+            <a:pPr indent="-316071" lvl="0" marL="457200" rtl="0" algn="l">
+              <a:spcBef>
+                <a:spcPts val="0"/>
+              </a:spcBef>
+              <a:spcAft>
+                <a:spcPts val="0"/>
+              </a:spcAft>
+              <a:buClr>
+                <a:srgbClr val="000000"/>
+              </a:buClr>
+              <a:buSzPct val="100000"/>
+              <a:buFont typeface="Tahoma"/>
+              <a:buChar char="-"/>
+            </a:pPr>
+            <a:r>
+              <a:rPr b="1" lang="pl" sz="2900">
+                <a:solidFill>
+                  <a:srgbClr val="741B47"/>
+                </a:solidFill>
+                <a:latin typeface="Tahoma"/>
+                <a:ea typeface="Tahoma"/>
+                <a:cs typeface="Tahoma"/>
+                <a:sym typeface="Tahoma"/>
+              </a:rPr>
+              <a:t>a</a:t>
+            </a:r>
+            <a:r>
+              <a:rPr lang="pl" sz="2900">
+                <a:solidFill>
+                  <a:srgbClr val="000000"/>
+                </a:solidFill>
+                <a:latin typeface="Tahoma"/>
+                <a:ea typeface="Tahoma"/>
+                <a:cs typeface="Tahoma"/>
+                <a:sym typeface="Tahoma"/>
+              </a:rPr>
+              <a:t> - przejście w tryb –INSERT , modyfikowania </a:t>
+            </a:r>
+            <a:endParaRPr sz="2900">
+              <a:solidFill>
+                <a:srgbClr val="000000"/>
+              </a:solidFill>
+              <a:latin typeface="Tahoma"/>
+              <a:ea typeface="Tahoma"/>
+              <a:cs typeface="Tahoma"/>
+              <a:sym typeface="Tahoma"/>
+            </a:endParaRPr>
+          </a:p>
+          <a:p>
+            <a:pPr indent="-316071" lvl="0" marL="457200" rtl="0" algn="l">
+              <a:spcBef>
+                <a:spcPts val="0"/>
+              </a:spcBef>
+              <a:spcAft>
+                <a:spcPts val="0"/>
+              </a:spcAft>
+              <a:buClr>
+                <a:srgbClr val="000000"/>
+              </a:buClr>
+              <a:buSzPct val="100000"/>
+              <a:buFont typeface="Tahoma"/>
+              <a:buChar char="-"/>
+            </a:pPr>
+            <a:r>
+              <a:rPr b="1" lang="pl" sz="2900">
+                <a:solidFill>
+                  <a:srgbClr val="741B47"/>
+                </a:solidFill>
+                <a:latin typeface="Tahoma"/>
+                <a:ea typeface="Tahoma"/>
+                <a:cs typeface="Tahoma"/>
+                <a:sym typeface="Tahoma"/>
+              </a:rPr>
+              <a:t>ESCAPE :wq</a:t>
+            </a:r>
+            <a:r>
+              <a:rPr lang="pl" sz="2900">
+                <a:solidFill>
+                  <a:srgbClr val="000000"/>
+                </a:solidFill>
+                <a:latin typeface="Tahoma"/>
+                <a:ea typeface="Tahoma"/>
+                <a:cs typeface="Tahoma"/>
+                <a:sym typeface="Tahoma"/>
+              </a:rPr>
+              <a:t> - ESC (przełącza w tryb poleceń), w -zapisz, q-quit, wyjście </a:t>
+            </a:r>
+            <a:endParaRPr sz="2900">
+              <a:solidFill>
+                <a:srgbClr val="000000"/>
+              </a:solidFill>
+              <a:latin typeface="Tahoma"/>
+              <a:ea typeface="Tahoma"/>
+              <a:cs typeface="Tahoma"/>
+              <a:sym typeface="Tahoma"/>
+            </a:endParaRPr>
+          </a:p>
+          <a:p>
+            <a:pPr indent="0" lvl="0" marL="0" rtl="0" algn="l">
+              <a:spcBef>
+                <a:spcPts val="0"/>
+              </a:spcBef>
+              <a:spcAft>
+                <a:spcPts val="0"/>
+              </a:spcAft>
+              <a:buNone/>
+            </a:pPr>
+            <a:r>
+              <a:t/>
+            </a:r>
+            <a:endParaRPr sz="2900">
+              <a:solidFill>
+                <a:srgbClr val="000000"/>
+              </a:solidFill>
+              <a:latin typeface="Tahoma"/>
+              <a:ea typeface="Tahoma"/>
+              <a:cs typeface="Tahoma"/>
+              <a:sym typeface="Tahoma"/>
+            </a:endParaRPr>
+          </a:p>
+          <a:p>
+            <a:pPr indent="0" lvl="0" marL="0" rtl="0" algn="l">
+              <a:lnSpc>
+                <a:spcPct val="100000"/>
+              </a:lnSpc>
+              <a:spcBef>
+                <a:spcPts val="0"/>
+              </a:spcBef>
+              <a:spcAft>
+                <a:spcPts val="0"/>
+              </a:spcAft>
+              <a:buNone/>
+            </a:pPr>
+            <a:r>
+              <a:rPr b="1" lang="pl" sz="2900">
+                <a:solidFill>
+                  <a:srgbClr val="0B5394"/>
+                </a:solidFill>
+                <a:latin typeface="Tahoma"/>
+                <a:ea typeface="Tahoma"/>
+                <a:cs typeface="Tahoma"/>
+                <a:sym typeface="Tahoma"/>
+              </a:rPr>
+              <a:t>Ważne opcje:</a:t>
+            </a:r>
+            <a:endParaRPr b="1" sz="2900">
+              <a:solidFill>
+                <a:srgbClr val="0B5394"/>
+              </a:solidFill>
+              <a:latin typeface="Tahoma"/>
+              <a:ea typeface="Tahoma"/>
+              <a:cs typeface="Tahoma"/>
+              <a:sym typeface="Tahoma"/>
+            </a:endParaRPr>
+          </a:p>
+          <a:p>
+            <a:pPr indent="0" lvl="0" marL="0" rtl="0" algn="l">
+              <a:lnSpc>
+                <a:spcPct val="100000"/>
+              </a:lnSpc>
+              <a:spcBef>
+                <a:spcPts val="0"/>
+              </a:spcBef>
+              <a:spcAft>
+                <a:spcPts val="0"/>
+              </a:spcAft>
+              <a:buNone/>
+            </a:pPr>
+            <a:r>
+              <a:rPr b="1" lang="pl" sz="2900">
+                <a:solidFill>
+                  <a:srgbClr val="741B47"/>
+                </a:solidFill>
+                <a:latin typeface="Tahoma"/>
+                <a:ea typeface="Tahoma"/>
+                <a:cs typeface="Tahoma"/>
+                <a:sym typeface="Tahoma"/>
+              </a:rPr>
+              <a:t>-m "tytuł commit"</a:t>
+            </a:r>
+            <a:r>
+              <a:rPr lang="pl" sz="2900">
+                <a:solidFill>
+                  <a:srgbClr val="073763"/>
+                </a:solidFill>
+                <a:latin typeface="Tahoma"/>
+                <a:ea typeface="Tahoma"/>
+                <a:cs typeface="Tahoma"/>
+                <a:sym typeface="Tahoma"/>
+              </a:rPr>
+              <a:t>:</a:t>
+            </a:r>
+            <a:r>
+              <a:rPr lang="pl" sz="2900">
+                <a:solidFill>
+                  <a:srgbClr val="000000"/>
+                </a:solidFill>
+                <a:latin typeface="Tahoma"/>
+                <a:ea typeface="Tahoma"/>
+                <a:cs typeface="Tahoma"/>
+                <a:sym typeface="Tahoma"/>
+              </a:rPr>
+              <a:t> </a:t>
+            </a:r>
+            <a:r>
+              <a:rPr lang="pl" sz="2900">
+                <a:solidFill>
+                  <a:srgbClr val="073763"/>
+                </a:solidFill>
+                <a:latin typeface="Tahoma"/>
+                <a:ea typeface="Tahoma"/>
+                <a:cs typeface="Tahoma"/>
+                <a:sym typeface="Tahoma"/>
+              </a:rPr>
+              <a:t>Dodaje komunikat bezpośrednio w poleceniu.</a:t>
+            </a:r>
+            <a:endParaRPr sz="2900">
+              <a:solidFill>
+                <a:srgbClr val="073763"/>
+              </a:solidFill>
+              <a:latin typeface="Tahoma"/>
+              <a:ea typeface="Tahoma"/>
+              <a:cs typeface="Tahoma"/>
+              <a:sym typeface="Tahoma"/>
+            </a:endParaRPr>
+          </a:p>
+          <a:p>
+            <a:pPr indent="0" lvl="0" marL="0" rtl="0" algn="l">
+              <a:lnSpc>
+                <a:spcPct val="100000"/>
+              </a:lnSpc>
+              <a:spcBef>
+                <a:spcPts val="0"/>
+              </a:spcBef>
+              <a:spcAft>
+                <a:spcPts val="0"/>
+              </a:spcAft>
+              <a:buNone/>
+            </a:pPr>
+            <a:r>
+              <a:rPr b="1" lang="pl" sz="2900">
+                <a:solidFill>
+                  <a:srgbClr val="741B47"/>
+                </a:solidFill>
+                <a:latin typeface="Tahoma"/>
+                <a:ea typeface="Tahoma"/>
+                <a:cs typeface="Tahoma"/>
+                <a:sym typeface="Tahoma"/>
+              </a:rPr>
+              <a:t>--amend</a:t>
+            </a:r>
+            <a:r>
+              <a:rPr lang="pl" sz="2900">
+                <a:solidFill>
+                  <a:srgbClr val="073763"/>
+                </a:solidFill>
+                <a:latin typeface="Tahoma"/>
+                <a:ea typeface="Tahoma"/>
+                <a:cs typeface="Tahoma"/>
+                <a:sym typeface="Tahoma"/>
+              </a:rPr>
+              <a:t>:</a:t>
+            </a:r>
+            <a:r>
+              <a:rPr b="1" lang="pl" sz="2900">
+                <a:solidFill>
+                  <a:srgbClr val="073763"/>
+                </a:solidFill>
+                <a:latin typeface="Tahoma"/>
+                <a:ea typeface="Tahoma"/>
+                <a:cs typeface="Tahoma"/>
+                <a:sym typeface="Tahoma"/>
+              </a:rPr>
+              <a:t> </a:t>
+            </a:r>
+            <a:r>
+              <a:rPr lang="pl" sz="2900">
+                <a:solidFill>
+                  <a:srgbClr val="073763"/>
+                </a:solidFill>
+                <a:latin typeface="Tahoma"/>
+                <a:ea typeface="Tahoma"/>
+                <a:cs typeface="Tahoma"/>
+                <a:sym typeface="Tahoma"/>
+              </a:rPr>
+              <a:t>Pozwala edytować ostatni commit (np. poprawić wiadomość lub dodać zapomniane pliki).</a:t>
+            </a:r>
+            <a:endParaRPr sz="2900">
+              <a:solidFill>
+                <a:srgbClr val="073763"/>
+              </a:solidFill>
+              <a:latin typeface="Tahoma"/>
+              <a:ea typeface="Tahoma"/>
+              <a:cs typeface="Tahoma"/>
+              <a:sym typeface="Tahoma"/>
+            </a:endParaRPr>
+          </a:p>
+          <a:p>
+            <a:pPr indent="0" lvl="0" marL="0" rtl="0" algn="l">
+              <a:lnSpc>
+                <a:spcPct val="100000"/>
+              </a:lnSpc>
+              <a:spcBef>
+                <a:spcPts val="0"/>
+              </a:spcBef>
+              <a:spcAft>
+                <a:spcPts val="0"/>
+              </a:spcAft>
+              <a:buNone/>
+            </a:pPr>
+            <a:r>
+              <a:rPr b="1" lang="pl" sz="2900">
+                <a:solidFill>
+                  <a:srgbClr val="741B47"/>
+                </a:solidFill>
+                <a:latin typeface="Tahoma"/>
+                <a:ea typeface="Tahoma"/>
+                <a:cs typeface="Tahoma"/>
+                <a:sym typeface="Tahoma"/>
+              </a:rPr>
+              <a:t>-a</a:t>
+            </a:r>
+            <a:r>
+              <a:rPr lang="pl" sz="2900">
+                <a:solidFill>
+                  <a:srgbClr val="073763"/>
+                </a:solidFill>
+                <a:latin typeface="Tahoma"/>
+                <a:ea typeface="Tahoma"/>
+                <a:cs typeface="Tahoma"/>
+                <a:sym typeface="Tahoma"/>
+              </a:rPr>
+              <a:t>: Automatycznie dodaje wszystkie śledzone pliki do staging przed commitem (skrót od git add dla zmodyfikowanych plików).</a:t>
+            </a:r>
+            <a:endParaRPr sz="2900">
+              <a:solidFill>
+                <a:srgbClr val="073763"/>
+              </a:solidFill>
+              <a:latin typeface="Tahoma"/>
+              <a:ea typeface="Tahoma"/>
+              <a:cs typeface="Tahoma"/>
+              <a:sym typeface="Tahoma"/>
+            </a:endParaRPr>
+          </a:p>
+          <a:p>
+            <a:pPr indent="0" lvl="0" marL="0" rtl="0" algn="l">
+              <a:spcBef>
+                <a:spcPts val="0"/>
+              </a:spcBef>
+              <a:spcAft>
+                <a:spcPts val="0"/>
+              </a:spcAft>
+              <a:buNone/>
+            </a:pPr>
+            <a:r>
+              <a:t/>
+            </a:r>
+            <a:endParaRPr>
+              <a:solidFill>
+                <a:srgbClr val="000000"/>
+              </a:solidFill>
+              <a:latin typeface="Tahoma"/>
+              <a:ea typeface="Tahoma"/>
+              <a:cs typeface="Tahoma"/>
+              <a:sym typeface="Tahoma"/>
+            </a:endParaRPr>
+          </a:p>
+          <a:p>
+            <a:pPr indent="0" lvl="0" marL="0" rtl="0" algn="l">
+              <a:spcBef>
+                <a:spcPts val="0"/>
+              </a:spcBef>
+              <a:spcAft>
+                <a:spcPts val="0"/>
+              </a:spcAft>
+              <a:buNone/>
+            </a:pPr>
+            <a:r>
+              <a:t/>
+            </a:r>
+            <a:endParaRPr/>
+          </a:p>
+          <a:p>
+            <a:pPr indent="0" lvl="0" marL="0" rtl="0" algn="l">
+              <a:spcBef>
+                <a:spcPts val="1200"/>
+              </a:spcBef>
+              <a:spcAft>
+                <a:spcPts val="1200"/>
+              </a:spcAft>
+              <a:buNone/>
+            </a:pPr>
+            <a:r>
+              <a:t/>
+            </a:r>
+            <a:endParaRPr/>
+          </a:p>
+        </p:txBody>
+      </p:sp>
+    </p:spTree>
+  </p:cSld>
+  <p:clrMapOvr>
+    <a:masterClrMapping/>
+  </p:clrMapOvr>
+</p:sld>
+</file>
+
+<file path=ppt/slides/slide34.xml><?xml version="1.0" encoding="utf-8"?>
+<p:sld xmlns:a="http://schemas.openxmlformats.org/drawingml/2006/main" xmlns:r="http://schemas.openxmlformats.org/officeDocument/2006/relationships" xmlns:mc="http://schemas.openxmlformats.org/markup-compatibility/2006" xmlns:mv="urn:schemas-microsoft-com:mac:vml" xmlns:p="http://schemas.openxmlformats.org/presentationml/2006/main" xmlns:c="http://schemas.openxmlformats.org/drawingml/2006/chart" xmlns:dgm="http://schemas.openxmlformats.org/drawingml/2006/diagram" xmlns:o="urn:schemas-microsoft-com:office:office" xmlns:v="urn:schemas-microsoft-com:vml" xmlns:pvml="urn:schemas-microsoft-com:office:powerpoint" xmlns:com="http://schemas.openxmlformats.org/drawingml/2006/compatibility" xmlns:p14="http://schemas.microsoft.com/office/powerpoint/2010/main" xmlns:p15="http://schemas.microsoft.com/office/powerpoint/2012/main" xmlns:ahyp="http://schemas.microsoft.com/office/drawing/2018/hyperlinkcolor">
+  <p:cSld>
+    <p:spTree>
+      <p:nvGrpSpPr>
+        <p:cNvPr id="287" name="Shape 287"/>
+        <p:cNvGrpSpPr/>
+        <p:nvPr/>
+      </p:nvGrpSpPr>
+      <p:grpSpPr>
+        <a:xfrm>
+          <a:off x="0" y="0"/>
+          <a:ext cx="0" cy="0"/>
+          <a:chOff x="0" y="0"/>
+          <a:chExt cx="0" cy="0"/>
+        </a:xfrm>
+      </p:grpSpPr>
+      <p:sp>
+        <p:nvSpPr>
+          <p:cNvPr id="288" name="Google Shape;288;p46"/>
+          <p:cNvSpPr txBox="1"/>
+          <p:nvPr>
+            <p:ph type="title"/>
+          </p:nvPr>
+        </p:nvSpPr>
+        <p:spPr>
+          <a:xfrm>
+            <a:off x="729450" y="1318650"/>
+            <a:ext cx="7688700" cy="535200"/>
+          </a:xfrm>
+          <a:prstGeom prst="rect">
+            <a:avLst/>
+          </a:prstGeom>
+        </p:spPr>
+        <p:txBody>
+          <a:bodyPr anchorCtr="0" anchor="t" bIns="91425" lIns="91425" spcFirstLastPara="1" rIns="91425" wrap="square" tIns="91425">
+            <a:noAutofit/>
+          </a:bodyPr>
+          <a:lstStyle/>
+          <a:p>
+            <a:pPr indent="0" lvl="0" marL="0" rtl="0" algn="l">
+              <a:spcBef>
+                <a:spcPts val="0"/>
+              </a:spcBef>
+              <a:spcAft>
+                <a:spcPts val="0"/>
+              </a:spcAft>
+              <a:buSzPts val="990"/>
+              <a:buNone/>
+            </a:pPr>
+            <a:r>
+              <a:rPr lang="pl" sz="2440">
+                <a:latin typeface="Tahoma"/>
+                <a:ea typeface="Tahoma"/>
+                <a:cs typeface="Tahoma"/>
+                <a:sym typeface="Tahoma"/>
+              </a:rPr>
+              <a:t>git log </a:t>
+            </a:r>
+            <a:endParaRPr sz="2440">
+              <a:latin typeface="Tahoma"/>
+              <a:ea typeface="Tahoma"/>
+              <a:cs typeface="Tahoma"/>
+              <a:sym typeface="Tahoma"/>
+            </a:endParaRPr>
+          </a:p>
+        </p:txBody>
+      </p:sp>
+      <p:sp>
+        <p:nvSpPr>
+          <p:cNvPr id="289" name="Google Shape;289;p46"/>
+          <p:cNvSpPr txBox="1"/>
+          <p:nvPr>
+            <p:ph idx="1" type="body"/>
+          </p:nvPr>
+        </p:nvSpPr>
+        <p:spPr>
+          <a:xfrm>
+            <a:off x="729450" y="2078875"/>
+            <a:ext cx="7688700" cy="3007500"/>
+          </a:xfrm>
+          <a:prstGeom prst="rect">
+            <a:avLst/>
+          </a:prstGeom>
+        </p:spPr>
+        <p:txBody>
+          <a:bodyPr anchorCtr="0" anchor="t" bIns="91425" lIns="91425" spcFirstLastPara="1" rIns="91425" wrap="square" tIns="91425">
+            <a:normAutofit fontScale="55000" lnSpcReduction="20000"/>
+          </a:bodyPr>
+          <a:lstStyle/>
+          <a:p>
+            <a:pPr indent="0" lvl="0" marL="0" rtl="0" algn="l">
+              <a:lnSpc>
+                <a:spcPct val="100000"/>
+              </a:lnSpc>
+              <a:spcBef>
+                <a:spcPts val="0"/>
+              </a:spcBef>
+              <a:spcAft>
+                <a:spcPts val="0"/>
+              </a:spcAft>
+              <a:buNone/>
+            </a:pPr>
+            <a:r>
+              <a:rPr b="1" lang="pl" sz="2500">
+                <a:solidFill>
+                  <a:srgbClr val="783F04"/>
+                </a:solidFill>
+                <a:latin typeface="Tahoma"/>
+                <a:ea typeface="Tahoma"/>
+                <a:cs typeface="Tahoma"/>
+                <a:sym typeface="Tahoma"/>
+              </a:rPr>
+              <a:t>git log</a:t>
+            </a:r>
+            <a:r>
+              <a:rPr b="1" lang="pl" sz="2500">
+                <a:solidFill>
+                  <a:srgbClr val="000000"/>
+                </a:solidFill>
+                <a:latin typeface="Tahoma"/>
+                <a:ea typeface="Tahoma"/>
+                <a:cs typeface="Tahoma"/>
+                <a:sym typeface="Tahoma"/>
+              </a:rPr>
+              <a:t> - </a:t>
+            </a:r>
+            <a:r>
+              <a:rPr b="1" lang="pl" sz="2500">
+                <a:solidFill>
+                  <a:srgbClr val="0C343D"/>
+                </a:solidFill>
+                <a:latin typeface="Tahoma"/>
+                <a:ea typeface="Tahoma"/>
+                <a:cs typeface="Tahoma"/>
+                <a:sym typeface="Tahoma"/>
+              </a:rPr>
+              <a:t>służy do wyświetlania historii commitów w repozytorium</a:t>
+            </a:r>
+            <a:r>
+              <a:rPr b="1" lang="pl" sz="2500">
+                <a:solidFill>
+                  <a:srgbClr val="000000"/>
+                </a:solidFill>
+                <a:latin typeface="Tahoma"/>
+                <a:ea typeface="Tahoma"/>
+                <a:cs typeface="Tahoma"/>
+                <a:sym typeface="Tahoma"/>
+              </a:rPr>
+              <a:t>.</a:t>
+            </a:r>
+            <a:r>
+              <a:rPr lang="pl" sz="2500">
+                <a:solidFill>
+                  <a:srgbClr val="000000"/>
+                </a:solidFill>
+                <a:latin typeface="Tahoma"/>
+                <a:ea typeface="Tahoma"/>
+                <a:cs typeface="Tahoma"/>
+                <a:sym typeface="Tahoma"/>
+              </a:rPr>
+              <a:t> W kolejności chronologicznej – od najnowszego do najstarszego</a:t>
+            </a:r>
+            <a:r>
+              <a:rPr lang="pl" sz="2500">
+                <a:latin typeface="Tahoma"/>
+                <a:ea typeface="Tahoma"/>
+                <a:cs typeface="Tahoma"/>
+                <a:sym typeface="Tahoma"/>
+              </a:rPr>
+              <a:t>.</a:t>
+            </a:r>
+            <a:endParaRPr sz="2500">
+              <a:latin typeface="Tahoma"/>
+              <a:ea typeface="Tahoma"/>
+              <a:cs typeface="Tahoma"/>
+              <a:sym typeface="Tahoma"/>
+            </a:endParaRPr>
+          </a:p>
+          <a:p>
+            <a:pPr indent="0" lvl="0" marL="0" rtl="0" algn="l">
+              <a:lnSpc>
+                <a:spcPct val="100000"/>
+              </a:lnSpc>
+              <a:spcBef>
+                <a:spcPts val="0"/>
+              </a:spcBef>
+              <a:spcAft>
+                <a:spcPts val="0"/>
+              </a:spcAft>
+              <a:buNone/>
+            </a:pPr>
+            <a:r>
+              <a:rPr b="1" lang="pl" sz="2500">
+                <a:solidFill>
+                  <a:srgbClr val="073763"/>
+                </a:solidFill>
+                <a:latin typeface="Tahoma"/>
+                <a:ea typeface="Tahoma"/>
+                <a:cs typeface="Tahoma"/>
+                <a:sym typeface="Tahoma"/>
+              </a:rPr>
+              <a:t>Wyświetlane informacje</a:t>
+            </a:r>
+            <a:r>
+              <a:rPr lang="pl" sz="2500">
+                <a:solidFill>
+                  <a:srgbClr val="073763"/>
+                </a:solidFill>
+                <a:latin typeface="Tahoma"/>
+                <a:ea typeface="Tahoma"/>
+                <a:cs typeface="Tahoma"/>
+                <a:sym typeface="Tahoma"/>
+              </a:rPr>
+              <a:t>:</a:t>
+            </a:r>
+            <a:r>
+              <a:rPr lang="pl" sz="2500">
+                <a:solidFill>
+                  <a:srgbClr val="000000"/>
+                </a:solidFill>
+                <a:latin typeface="Tahoma"/>
+                <a:ea typeface="Tahoma"/>
+                <a:cs typeface="Tahoma"/>
+                <a:sym typeface="Tahoma"/>
+              </a:rPr>
+              <a:t> Dla każdego commita pokazuje:</a:t>
+            </a:r>
+            <a:endParaRPr sz="2500">
+              <a:solidFill>
+                <a:srgbClr val="000000"/>
+              </a:solidFill>
+              <a:latin typeface="Tahoma"/>
+              <a:ea typeface="Tahoma"/>
+              <a:cs typeface="Tahoma"/>
+              <a:sym typeface="Tahoma"/>
+            </a:endParaRPr>
+          </a:p>
+          <a:p>
+            <a:pPr indent="-315912" lvl="0" marL="457200" rtl="0" algn="l">
+              <a:lnSpc>
+                <a:spcPct val="100000"/>
+              </a:lnSpc>
+              <a:spcBef>
+                <a:spcPts val="0"/>
+              </a:spcBef>
+              <a:spcAft>
+                <a:spcPts val="0"/>
+              </a:spcAft>
+              <a:buClr>
+                <a:srgbClr val="000000"/>
+              </a:buClr>
+              <a:buSzPct val="100000"/>
+              <a:buFont typeface="Tahoma"/>
+              <a:buChar char="❏"/>
+            </a:pPr>
+            <a:r>
+              <a:rPr lang="pl" sz="2500">
+                <a:solidFill>
+                  <a:srgbClr val="000000"/>
+                </a:solidFill>
+                <a:latin typeface="Tahoma"/>
+                <a:ea typeface="Tahoma"/>
+                <a:cs typeface="Tahoma"/>
+                <a:sym typeface="Tahoma"/>
+              </a:rPr>
+              <a:t>Hash commita (unikalny identyfikator).</a:t>
+            </a:r>
+            <a:endParaRPr sz="2500">
+              <a:solidFill>
+                <a:srgbClr val="000000"/>
+              </a:solidFill>
+              <a:latin typeface="Tahoma"/>
+              <a:ea typeface="Tahoma"/>
+              <a:cs typeface="Tahoma"/>
+              <a:sym typeface="Tahoma"/>
+            </a:endParaRPr>
+          </a:p>
+          <a:p>
+            <a:pPr indent="-315912" lvl="0" marL="457200" rtl="0" algn="l">
+              <a:lnSpc>
+                <a:spcPct val="100000"/>
+              </a:lnSpc>
+              <a:spcBef>
+                <a:spcPts val="0"/>
+              </a:spcBef>
+              <a:spcAft>
+                <a:spcPts val="0"/>
+              </a:spcAft>
+              <a:buClr>
+                <a:srgbClr val="000000"/>
+              </a:buClr>
+              <a:buSzPct val="100000"/>
+              <a:buFont typeface="Tahoma"/>
+              <a:buChar char="❏"/>
+            </a:pPr>
+            <a:r>
+              <a:rPr lang="pl" sz="2500">
+                <a:solidFill>
+                  <a:srgbClr val="000000"/>
+                </a:solidFill>
+                <a:latin typeface="Tahoma"/>
+                <a:ea typeface="Tahoma"/>
+                <a:cs typeface="Tahoma"/>
+                <a:sym typeface="Tahoma"/>
+              </a:rPr>
+              <a:t>Autora i datę.</a:t>
+            </a:r>
+            <a:endParaRPr sz="2500">
+              <a:solidFill>
+                <a:srgbClr val="000000"/>
+              </a:solidFill>
+              <a:latin typeface="Tahoma"/>
+              <a:ea typeface="Tahoma"/>
+              <a:cs typeface="Tahoma"/>
+              <a:sym typeface="Tahoma"/>
+            </a:endParaRPr>
+          </a:p>
+          <a:p>
+            <a:pPr indent="-315912" lvl="0" marL="457200" rtl="0" algn="l">
+              <a:lnSpc>
+                <a:spcPct val="100000"/>
+              </a:lnSpc>
+              <a:spcBef>
+                <a:spcPts val="0"/>
+              </a:spcBef>
+              <a:spcAft>
+                <a:spcPts val="0"/>
+              </a:spcAft>
+              <a:buClr>
+                <a:srgbClr val="000000"/>
+              </a:buClr>
+              <a:buSzPct val="100000"/>
+              <a:buFont typeface="Tahoma"/>
+              <a:buChar char="❏"/>
+            </a:pPr>
+            <a:r>
+              <a:rPr lang="pl" sz="2500">
+                <a:solidFill>
+                  <a:srgbClr val="000000"/>
+                </a:solidFill>
+                <a:latin typeface="Tahoma"/>
+                <a:ea typeface="Tahoma"/>
+                <a:cs typeface="Tahoma"/>
+                <a:sym typeface="Tahoma"/>
+              </a:rPr>
+              <a:t>Wiadomość commita. </a:t>
+            </a:r>
+            <a:endParaRPr sz="2500">
+              <a:solidFill>
+                <a:srgbClr val="000000"/>
+              </a:solidFill>
+              <a:latin typeface="Tahoma"/>
+              <a:ea typeface="Tahoma"/>
+              <a:cs typeface="Tahoma"/>
+              <a:sym typeface="Tahoma"/>
+            </a:endParaRPr>
+          </a:p>
+          <a:p>
+            <a:pPr indent="0" lvl="0" marL="0" rtl="0" algn="l">
+              <a:lnSpc>
+                <a:spcPct val="100000"/>
+              </a:lnSpc>
+              <a:spcBef>
+                <a:spcPts val="0"/>
+              </a:spcBef>
+              <a:spcAft>
+                <a:spcPts val="0"/>
+              </a:spcAft>
+              <a:buNone/>
+            </a:pPr>
+            <a:r>
+              <a:t/>
+            </a:r>
+            <a:endParaRPr sz="2500">
+              <a:latin typeface="Tahoma"/>
+              <a:ea typeface="Tahoma"/>
+              <a:cs typeface="Tahoma"/>
+              <a:sym typeface="Tahoma"/>
+            </a:endParaRPr>
+          </a:p>
+          <a:p>
+            <a:pPr indent="0" lvl="0" marL="0" rtl="0" algn="l">
+              <a:lnSpc>
+                <a:spcPct val="100000"/>
+              </a:lnSpc>
+              <a:spcBef>
+                <a:spcPts val="0"/>
+              </a:spcBef>
+              <a:spcAft>
+                <a:spcPts val="0"/>
+              </a:spcAft>
+              <a:buNone/>
+            </a:pPr>
+            <a:r>
+              <a:rPr b="1" lang="pl" sz="2500">
+                <a:solidFill>
+                  <a:srgbClr val="0B5394"/>
+                </a:solidFill>
+                <a:latin typeface="Tahoma"/>
+                <a:ea typeface="Tahoma"/>
+                <a:cs typeface="Tahoma"/>
+                <a:sym typeface="Tahoma"/>
+              </a:rPr>
+              <a:t>Ważne opcje:</a:t>
+            </a:r>
+            <a:endParaRPr b="1" sz="2500">
+              <a:solidFill>
+                <a:srgbClr val="000000"/>
+              </a:solidFill>
+              <a:latin typeface="Tahoma"/>
+              <a:ea typeface="Tahoma"/>
+              <a:cs typeface="Tahoma"/>
+              <a:sym typeface="Tahoma"/>
+            </a:endParaRPr>
+          </a:p>
+          <a:p>
+            <a:pPr indent="0" lvl="0" marL="0" rtl="0" algn="l">
+              <a:lnSpc>
+                <a:spcPct val="100000"/>
+              </a:lnSpc>
+              <a:spcBef>
+                <a:spcPts val="0"/>
+              </a:spcBef>
+              <a:spcAft>
+                <a:spcPts val="0"/>
+              </a:spcAft>
+              <a:buNone/>
+            </a:pPr>
+            <a:r>
+              <a:rPr b="1" lang="pl" sz="2500">
+                <a:solidFill>
+                  <a:srgbClr val="741B47"/>
+                </a:solidFill>
+                <a:latin typeface="Tahoma"/>
+                <a:ea typeface="Tahoma"/>
+                <a:cs typeface="Tahoma"/>
+                <a:sym typeface="Tahoma"/>
+              </a:rPr>
+              <a:t>--oneline</a:t>
+            </a:r>
+            <a:r>
+              <a:rPr lang="pl" sz="2500">
+                <a:solidFill>
+                  <a:srgbClr val="0B5394"/>
+                </a:solidFill>
+                <a:latin typeface="Tahoma"/>
+                <a:ea typeface="Tahoma"/>
+                <a:cs typeface="Tahoma"/>
+                <a:sym typeface="Tahoma"/>
+              </a:rPr>
+              <a:t>: </a:t>
+            </a:r>
+            <a:r>
+              <a:rPr lang="pl" sz="2500">
+                <a:solidFill>
+                  <a:srgbClr val="073763"/>
+                </a:solidFill>
+                <a:latin typeface="Tahoma"/>
+                <a:ea typeface="Tahoma"/>
+                <a:cs typeface="Tahoma"/>
+                <a:sym typeface="Tahoma"/>
+              </a:rPr>
+              <a:t>Wyświetla każdy commit w jednej linii (skrótowo: hash + wiadomość).</a:t>
+            </a:r>
+            <a:endParaRPr sz="2500">
+              <a:solidFill>
+                <a:srgbClr val="073763"/>
+              </a:solidFill>
+              <a:latin typeface="Tahoma"/>
+              <a:ea typeface="Tahoma"/>
+              <a:cs typeface="Tahoma"/>
+              <a:sym typeface="Tahoma"/>
+            </a:endParaRPr>
+          </a:p>
+          <a:p>
+            <a:pPr indent="0" lvl="0" marL="0" rtl="0" algn="l">
+              <a:lnSpc>
+                <a:spcPct val="100000"/>
+              </a:lnSpc>
+              <a:spcBef>
+                <a:spcPts val="0"/>
+              </a:spcBef>
+              <a:spcAft>
+                <a:spcPts val="0"/>
+              </a:spcAft>
+              <a:buNone/>
+            </a:pPr>
+            <a:r>
+              <a:rPr b="1" lang="pl" sz="2500">
+                <a:solidFill>
+                  <a:srgbClr val="741B47"/>
+                </a:solidFill>
+                <a:latin typeface="Tahoma"/>
+                <a:ea typeface="Tahoma"/>
+                <a:cs typeface="Tahoma"/>
+                <a:sym typeface="Tahoma"/>
+              </a:rPr>
+              <a:t>--graph</a:t>
+            </a:r>
+            <a:r>
+              <a:rPr lang="pl" sz="2500">
+                <a:solidFill>
+                  <a:srgbClr val="073763"/>
+                </a:solidFill>
+                <a:latin typeface="Tahoma"/>
+                <a:ea typeface="Tahoma"/>
+                <a:cs typeface="Tahoma"/>
+                <a:sym typeface="Tahoma"/>
+              </a:rPr>
+              <a:t>: Pokazuje historię w formie grafu (drzewa branchy).</a:t>
+            </a:r>
+            <a:endParaRPr sz="2500">
+              <a:solidFill>
+                <a:srgbClr val="073763"/>
+              </a:solidFill>
+              <a:latin typeface="Tahoma"/>
+              <a:ea typeface="Tahoma"/>
+              <a:cs typeface="Tahoma"/>
+              <a:sym typeface="Tahoma"/>
+            </a:endParaRPr>
+          </a:p>
+          <a:p>
+            <a:pPr indent="0" lvl="0" marL="0" rtl="0" algn="l">
+              <a:lnSpc>
+                <a:spcPct val="100000"/>
+              </a:lnSpc>
+              <a:spcBef>
+                <a:spcPts val="0"/>
+              </a:spcBef>
+              <a:spcAft>
+                <a:spcPts val="0"/>
+              </a:spcAft>
+              <a:buNone/>
+            </a:pPr>
+            <a:r>
+              <a:rPr b="1" lang="pl" sz="2500">
+                <a:solidFill>
+                  <a:srgbClr val="741B47"/>
+                </a:solidFill>
+                <a:latin typeface="Tahoma"/>
+                <a:ea typeface="Tahoma"/>
+                <a:cs typeface="Tahoma"/>
+                <a:sym typeface="Tahoma"/>
+              </a:rPr>
+              <a:t>-n 5</a:t>
+            </a:r>
+            <a:r>
+              <a:rPr lang="pl" sz="2500">
+                <a:solidFill>
+                  <a:srgbClr val="000000"/>
+                </a:solidFill>
+                <a:latin typeface="Tahoma"/>
+                <a:ea typeface="Tahoma"/>
+                <a:cs typeface="Tahoma"/>
+                <a:sym typeface="Tahoma"/>
+              </a:rPr>
+              <a:t>: </a:t>
+            </a:r>
+            <a:r>
+              <a:rPr lang="pl" sz="2500">
+                <a:solidFill>
+                  <a:srgbClr val="073763"/>
+                </a:solidFill>
+                <a:latin typeface="Tahoma"/>
+                <a:ea typeface="Tahoma"/>
+                <a:cs typeface="Tahoma"/>
+                <a:sym typeface="Tahoma"/>
+              </a:rPr>
+              <a:t>Ogranicza do ostatnich n commitów (np. 5).</a:t>
+            </a:r>
+            <a:endParaRPr sz="2500">
+              <a:solidFill>
+                <a:srgbClr val="073763"/>
+              </a:solidFill>
+              <a:latin typeface="Tahoma"/>
+              <a:ea typeface="Tahoma"/>
+              <a:cs typeface="Tahoma"/>
+              <a:sym typeface="Tahoma"/>
+            </a:endParaRPr>
+          </a:p>
+          <a:p>
+            <a:pPr indent="0" lvl="0" marL="0" rtl="0" algn="l">
+              <a:lnSpc>
+                <a:spcPct val="100000"/>
+              </a:lnSpc>
+              <a:spcBef>
+                <a:spcPts val="0"/>
+              </a:spcBef>
+              <a:spcAft>
+                <a:spcPts val="0"/>
+              </a:spcAft>
+              <a:buNone/>
+            </a:pPr>
+            <a:r>
+              <a:rPr b="1" lang="pl" sz="2500">
+                <a:solidFill>
+                  <a:srgbClr val="741B47"/>
+                </a:solidFill>
+                <a:latin typeface="Tahoma"/>
+                <a:ea typeface="Tahoma"/>
+                <a:cs typeface="Tahoma"/>
+                <a:sym typeface="Tahoma"/>
+              </a:rPr>
+              <a:t>--author="Imię"</a:t>
+            </a:r>
+            <a:r>
+              <a:rPr lang="pl" sz="2500">
+                <a:solidFill>
+                  <a:srgbClr val="073763"/>
+                </a:solidFill>
+                <a:latin typeface="Tahoma"/>
+                <a:ea typeface="Tahoma"/>
+                <a:cs typeface="Tahoma"/>
+                <a:sym typeface="Tahoma"/>
+              </a:rPr>
+              <a:t>: Filtruje po autorze.</a:t>
+            </a:r>
+            <a:endParaRPr sz="2500">
+              <a:solidFill>
+                <a:srgbClr val="073763"/>
+              </a:solidFill>
+              <a:latin typeface="Tahoma"/>
+              <a:ea typeface="Tahoma"/>
+              <a:cs typeface="Tahoma"/>
+              <a:sym typeface="Tahoma"/>
+            </a:endParaRPr>
+          </a:p>
+          <a:p>
+            <a:pPr indent="0" lvl="0" marL="0" rtl="0" algn="l">
+              <a:lnSpc>
+                <a:spcPct val="100000"/>
+              </a:lnSpc>
+              <a:spcBef>
+                <a:spcPts val="0"/>
+              </a:spcBef>
+              <a:spcAft>
+                <a:spcPts val="0"/>
+              </a:spcAft>
+              <a:buNone/>
+            </a:pPr>
+            <a:r>
+              <a:rPr b="1" lang="pl" sz="2500">
+                <a:solidFill>
+                  <a:srgbClr val="741B47"/>
+                </a:solidFill>
+                <a:latin typeface="Tahoma"/>
+                <a:ea typeface="Tahoma"/>
+                <a:cs typeface="Tahoma"/>
+                <a:sym typeface="Tahoma"/>
+              </a:rPr>
+              <a:t>--since="2023-01-01"</a:t>
+            </a:r>
+            <a:r>
+              <a:rPr lang="pl" sz="2500">
+                <a:solidFill>
+                  <a:srgbClr val="073763"/>
+                </a:solidFill>
+                <a:latin typeface="Tahoma"/>
+                <a:ea typeface="Tahoma"/>
+                <a:cs typeface="Tahoma"/>
+                <a:sym typeface="Tahoma"/>
+              </a:rPr>
+              <a:t>: Commit'y od danej daty.</a:t>
+            </a:r>
+            <a:endParaRPr sz="2500">
+              <a:solidFill>
+                <a:srgbClr val="073763"/>
+              </a:solidFill>
+              <a:latin typeface="Tahoma"/>
+              <a:ea typeface="Tahoma"/>
+              <a:cs typeface="Tahoma"/>
+              <a:sym typeface="Tahoma"/>
+            </a:endParaRPr>
+          </a:p>
+          <a:p>
+            <a:pPr indent="0" lvl="0" marL="0" rtl="0" algn="l">
+              <a:lnSpc>
+                <a:spcPct val="100000"/>
+              </a:lnSpc>
+              <a:spcBef>
+                <a:spcPts val="0"/>
+              </a:spcBef>
+              <a:spcAft>
+                <a:spcPts val="0"/>
+              </a:spcAft>
+              <a:buNone/>
+            </a:pPr>
+            <a:r>
+              <a:rPr b="1" lang="pl" sz="2500">
+                <a:solidFill>
+                  <a:srgbClr val="741B47"/>
+                </a:solidFill>
+                <a:latin typeface="Tahoma"/>
+                <a:ea typeface="Tahoma"/>
+                <a:cs typeface="Tahoma"/>
+                <a:sym typeface="Tahoma"/>
+              </a:rPr>
+              <a:t>-p lub --patch</a:t>
+            </a:r>
+            <a:r>
+              <a:rPr lang="pl" sz="2500">
+                <a:solidFill>
+                  <a:srgbClr val="073763"/>
+                </a:solidFill>
+                <a:latin typeface="Tahoma"/>
+                <a:ea typeface="Tahoma"/>
+                <a:cs typeface="Tahoma"/>
+                <a:sym typeface="Tahoma"/>
+              </a:rPr>
+              <a:t>: Pokazuje pełne zmiany (diff) w każdym commicie.</a:t>
+            </a:r>
+            <a:endParaRPr sz="2500">
+              <a:solidFill>
+                <a:srgbClr val="073763"/>
+              </a:solidFill>
+              <a:latin typeface="Tahoma"/>
+              <a:ea typeface="Tahoma"/>
+              <a:cs typeface="Tahoma"/>
+              <a:sym typeface="Tahoma"/>
+            </a:endParaRPr>
+          </a:p>
+          <a:p>
+            <a:pPr indent="0" lvl="0" marL="0" rtl="0" algn="l">
+              <a:spcBef>
+                <a:spcPts val="0"/>
+              </a:spcBef>
+              <a:spcAft>
+                <a:spcPts val="0"/>
+              </a:spcAft>
+              <a:buNone/>
+            </a:pPr>
+            <a:r>
+              <a:t/>
+            </a:r>
+            <a:endParaRPr>
+              <a:latin typeface="Tahoma"/>
+              <a:ea typeface="Tahoma"/>
+              <a:cs typeface="Tahoma"/>
+              <a:sym typeface="Tahoma"/>
+            </a:endParaRPr>
+          </a:p>
+          <a:p>
+            <a:pPr indent="0" lvl="0" marL="0" rtl="0" algn="l">
+              <a:spcBef>
+                <a:spcPts val="1200"/>
+              </a:spcBef>
+              <a:spcAft>
+                <a:spcPts val="1200"/>
+              </a:spcAft>
+              <a:buNone/>
+            </a:pPr>
+            <a:r>
+              <a:t/>
+            </a:r>
+            <a:endParaRPr/>
+          </a:p>
+        </p:txBody>
+      </p:sp>
+    </p:spTree>
+  </p:cSld>
+  <p:clrMapOvr>
+    <a:masterClrMapping/>
+  </p:clrMapOvr>
+</p:sld>
+</file>
+
+<file path=ppt/slides/slide35.xml><?xml version="1.0" encoding="utf-8"?>
+<p:sld xmlns:a="http://schemas.openxmlformats.org/drawingml/2006/main" xmlns:r="http://schemas.openxmlformats.org/officeDocument/2006/relationships" xmlns:mc="http://schemas.openxmlformats.org/markup-compatibility/2006" xmlns:mv="urn:schemas-microsoft-com:mac:vml" xmlns:p="http://schemas.openxmlformats.org/presentationml/2006/main" xmlns:c="http://schemas.openxmlformats.org/drawingml/2006/chart" xmlns:dgm="http://schemas.openxmlformats.org/drawingml/2006/diagram" xmlns:o="urn:schemas-microsoft-com:office:office" xmlns:v="urn:schemas-microsoft-com:vml" xmlns:pvml="urn:schemas-microsoft-com:office:powerpoint" xmlns:com="http://schemas.openxmlformats.org/drawingml/2006/compatibility" xmlns:p14="http://schemas.microsoft.com/office/powerpoint/2010/main" xmlns:p15="http://schemas.microsoft.com/office/powerpoint/2012/main" xmlns:ahyp="http://schemas.microsoft.com/office/drawing/2018/hyperlinkcolor">
+  <p:cSld>
+    <p:spTree>
+      <p:nvGrpSpPr>
+        <p:cNvPr id="293" name="Shape 293"/>
+        <p:cNvGrpSpPr/>
+        <p:nvPr/>
+      </p:nvGrpSpPr>
+      <p:grpSpPr>
+        <a:xfrm>
+          <a:off x="0" y="0"/>
+          <a:ext cx="0" cy="0"/>
+          <a:chOff x="0" y="0"/>
+          <a:chExt cx="0" cy="0"/>
+        </a:xfrm>
+      </p:grpSpPr>
+      <p:sp>
+        <p:nvSpPr>
+          <p:cNvPr id="294" name="Google Shape;294;p47"/>
+          <p:cNvSpPr txBox="1"/>
+          <p:nvPr>
+            <p:ph type="title"/>
+          </p:nvPr>
+        </p:nvSpPr>
+        <p:spPr>
+          <a:xfrm>
+            <a:off x="729450" y="1318650"/>
+            <a:ext cx="7688700" cy="535200"/>
+          </a:xfrm>
+          <a:prstGeom prst="rect">
+            <a:avLst/>
+          </a:prstGeom>
+        </p:spPr>
+        <p:txBody>
+          <a:bodyPr anchorCtr="0" anchor="t" bIns="91425" lIns="91425" spcFirstLastPara="1" rIns="91425" wrap="square" tIns="91425">
+            <a:noAutofit/>
+          </a:bodyPr>
+          <a:lstStyle/>
+          <a:p>
+            <a:pPr indent="0" lvl="0" marL="0" rtl="0" algn="l">
+              <a:spcBef>
+                <a:spcPts val="0"/>
+              </a:spcBef>
+              <a:spcAft>
+                <a:spcPts val="0"/>
+              </a:spcAft>
+              <a:buSzPts val="990"/>
+              <a:buNone/>
+            </a:pPr>
+            <a:r>
+              <a:rPr lang="pl" sz="2440">
+                <a:latin typeface="Tahoma"/>
+                <a:ea typeface="Tahoma"/>
+                <a:cs typeface="Tahoma"/>
+                <a:sym typeface="Tahoma"/>
+              </a:rPr>
+              <a:t>index i git checkout </a:t>
+            </a:r>
+            <a:endParaRPr sz="2440">
+              <a:latin typeface="Tahoma"/>
+              <a:ea typeface="Tahoma"/>
+              <a:cs typeface="Tahoma"/>
+              <a:sym typeface="Tahoma"/>
+            </a:endParaRPr>
+          </a:p>
+        </p:txBody>
+      </p:sp>
+      <p:sp>
+        <p:nvSpPr>
+          <p:cNvPr id="295" name="Google Shape;295;p47"/>
+          <p:cNvSpPr txBox="1"/>
+          <p:nvPr>
+            <p:ph idx="1" type="body"/>
+          </p:nvPr>
+        </p:nvSpPr>
+        <p:spPr>
+          <a:xfrm>
+            <a:off x="729450" y="2078875"/>
+            <a:ext cx="7688700" cy="2969400"/>
+          </a:xfrm>
+          <a:prstGeom prst="rect">
+            <a:avLst/>
+          </a:prstGeom>
+        </p:spPr>
+        <p:txBody>
+          <a:bodyPr anchorCtr="0" anchor="t" bIns="91425" lIns="91425" spcFirstLastPara="1" rIns="91425" wrap="square" tIns="91425">
+            <a:normAutofit/>
+          </a:bodyPr>
+          <a:lstStyle/>
+          <a:p>
+            <a:pPr indent="0" lvl="0" marL="0" rtl="0" algn="l">
+              <a:lnSpc>
+                <a:spcPct val="100000"/>
+              </a:lnSpc>
+              <a:spcBef>
+                <a:spcPts val="0"/>
+              </a:spcBef>
+              <a:spcAft>
+                <a:spcPts val="0"/>
+              </a:spcAft>
+              <a:buNone/>
+            </a:pPr>
+            <a:r>
+              <a:rPr b="1" lang="pl" sz="1400">
+                <a:solidFill>
+                  <a:srgbClr val="783F04"/>
+                </a:solidFill>
+                <a:latin typeface="Tahoma"/>
+                <a:ea typeface="Tahoma"/>
+                <a:cs typeface="Tahoma"/>
+                <a:sym typeface="Tahoma"/>
+              </a:rPr>
+              <a:t>Index w Git</a:t>
+            </a:r>
+            <a:r>
+              <a:rPr lang="pl" sz="1400">
+                <a:solidFill>
+                  <a:srgbClr val="000000"/>
+                </a:solidFill>
+                <a:latin typeface="Tahoma"/>
+                <a:ea typeface="Tahoma"/>
+                <a:cs typeface="Tahoma"/>
+                <a:sym typeface="Tahoma"/>
+              </a:rPr>
+              <a:t> (nazywany też </a:t>
+            </a:r>
+            <a:r>
+              <a:rPr b="1" lang="pl" sz="1400">
+                <a:solidFill>
+                  <a:srgbClr val="000000"/>
+                </a:solidFill>
+                <a:latin typeface="Tahoma"/>
+                <a:ea typeface="Tahoma"/>
+                <a:cs typeface="Tahoma"/>
+                <a:sym typeface="Tahoma"/>
+              </a:rPr>
+              <a:t>staging area</a:t>
+            </a:r>
+            <a:r>
+              <a:rPr lang="pl" sz="1400">
+                <a:solidFill>
+                  <a:srgbClr val="000000"/>
+                </a:solidFill>
+                <a:latin typeface="Tahoma"/>
+                <a:ea typeface="Tahoma"/>
+                <a:cs typeface="Tahoma"/>
+                <a:sym typeface="Tahoma"/>
+              </a:rPr>
+              <a:t> albo </a:t>
+            </a:r>
+            <a:r>
+              <a:rPr b="1" lang="pl" sz="1400">
+                <a:solidFill>
+                  <a:srgbClr val="000000"/>
+                </a:solidFill>
+                <a:latin typeface="Tahoma"/>
+                <a:ea typeface="Tahoma"/>
+                <a:cs typeface="Tahoma"/>
+                <a:sym typeface="Tahoma"/>
+              </a:rPr>
+              <a:t>strefą przejściową</a:t>
+            </a:r>
+            <a:r>
+              <a:rPr lang="pl" sz="1400">
+                <a:solidFill>
+                  <a:srgbClr val="000000"/>
+                </a:solidFill>
+                <a:latin typeface="Tahoma"/>
+                <a:ea typeface="Tahoma"/>
+                <a:cs typeface="Tahoma"/>
+                <a:sym typeface="Tahoma"/>
+              </a:rPr>
+              <a:t>) to </a:t>
+            </a:r>
+            <a:r>
+              <a:rPr b="1" lang="pl" sz="1400">
+                <a:solidFill>
+                  <a:srgbClr val="0C343D"/>
+                </a:solidFill>
+                <a:latin typeface="Tahoma"/>
+                <a:ea typeface="Tahoma"/>
+                <a:cs typeface="Tahoma"/>
+                <a:sym typeface="Tahoma"/>
+              </a:rPr>
+              <a:t>miejsce, w którym Git przechowuje informacje o zmianach przygotowanych do zatwierdzenia</a:t>
+            </a:r>
+            <a:r>
+              <a:rPr lang="pl" sz="1400">
+                <a:solidFill>
+                  <a:srgbClr val="0C343D"/>
+                </a:solidFill>
+                <a:latin typeface="Tahoma"/>
+                <a:ea typeface="Tahoma"/>
+                <a:cs typeface="Tahoma"/>
+                <a:sym typeface="Tahoma"/>
+              </a:rPr>
+              <a:t> (</a:t>
+            </a:r>
+            <a:r>
+              <a:rPr b="1" lang="pl" sz="1400">
+                <a:solidFill>
+                  <a:srgbClr val="0C343D"/>
+                </a:solidFill>
+                <a:latin typeface="Tahoma"/>
+                <a:ea typeface="Tahoma"/>
+                <a:cs typeface="Tahoma"/>
+                <a:sym typeface="Tahoma"/>
+              </a:rPr>
+              <a:t>commit</a:t>
+            </a:r>
+            <a:r>
+              <a:rPr lang="pl" sz="1400">
+                <a:solidFill>
+                  <a:srgbClr val="0C343D"/>
+                </a:solidFill>
+                <a:latin typeface="Tahoma"/>
+                <a:ea typeface="Tahoma"/>
+                <a:cs typeface="Tahoma"/>
+                <a:sym typeface="Tahoma"/>
+              </a:rPr>
+              <a:t>).</a:t>
+            </a:r>
+            <a:endParaRPr sz="1400">
+              <a:solidFill>
+                <a:srgbClr val="0C343D"/>
+              </a:solidFill>
+              <a:latin typeface="Tahoma"/>
+              <a:ea typeface="Tahoma"/>
+              <a:cs typeface="Tahoma"/>
+              <a:sym typeface="Tahoma"/>
+            </a:endParaRPr>
+          </a:p>
+          <a:p>
+            <a:pPr indent="0" lvl="0" marL="0" rtl="0" algn="l">
+              <a:lnSpc>
+                <a:spcPct val="100000"/>
+              </a:lnSpc>
+              <a:spcBef>
+                <a:spcPts val="0"/>
+              </a:spcBef>
+              <a:spcAft>
+                <a:spcPts val="0"/>
+              </a:spcAft>
+              <a:buNone/>
+            </a:pPr>
+            <a:r>
+              <a:t/>
+            </a:r>
+            <a:endParaRPr sz="1400">
+              <a:solidFill>
+                <a:srgbClr val="0C343D"/>
+              </a:solidFill>
+              <a:latin typeface="Tahoma"/>
+              <a:ea typeface="Tahoma"/>
+              <a:cs typeface="Tahoma"/>
+              <a:sym typeface="Tahoma"/>
+            </a:endParaRPr>
+          </a:p>
+          <a:p>
+            <a:pPr indent="0" lvl="0" marL="0" rtl="0" algn="l">
+              <a:lnSpc>
+                <a:spcPct val="100000"/>
+              </a:lnSpc>
+              <a:spcBef>
+                <a:spcPts val="0"/>
+              </a:spcBef>
+              <a:spcAft>
+                <a:spcPts val="0"/>
+              </a:spcAft>
+              <a:buNone/>
+            </a:pPr>
+            <a:r>
+              <a:rPr b="1" lang="pl" sz="1400">
+                <a:solidFill>
+                  <a:srgbClr val="073763"/>
+                </a:solidFill>
+                <a:latin typeface="Tahoma"/>
+                <a:ea typeface="Tahoma"/>
+                <a:cs typeface="Tahoma"/>
+                <a:sym typeface="Tahoma"/>
+              </a:rPr>
+              <a:t>Przykład 1:</a:t>
+            </a:r>
+            <a:endParaRPr b="1" sz="1400">
+              <a:solidFill>
+                <a:srgbClr val="073763"/>
+              </a:solidFill>
+              <a:latin typeface="Tahoma"/>
+              <a:ea typeface="Tahoma"/>
+              <a:cs typeface="Tahoma"/>
+              <a:sym typeface="Tahoma"/>
+            </a:endParaRPr>
+          </a:p>
+          <a:p>
+            <a:pPr indent="0" lvl="0" marL="0" rtl="0" algn="l">
+              <a:lnSpc>
+                <a:spcPct val="100000"/>
+              </a:lnSpc>
+              <a:spcBef>
+                <a:spcPts val="0"/>
+              </a:spcBef>
+              <a:spcAft>
+                <a:spcPts val="0"/>
+              </a:spcAft>
+              <a:buNone/>
+            </a:pPr>
+            <a:r>
+              <a:rPr lang="pl" sz="1400">
+                <a:solidFill>
+                  <a:srgbClr val="0C343D"/>
+                </a:solidFill>
+                <a:latin typeface="Tahoma"/>
+                <a:ea typeface="Tahoma"/>
+                <a:cs typeface="Tahoma"/>
+                <a:sym typeface="Tahoma"/>
+              </a:rPr>
+              <a:t>Tworzymy katalog w nim są plik </a:t>
+            </a:r>
+            <a:r>
+              <a:rPr b="1" lang="pl" sz="1400">
+                <a:solidFill>
+                  <a:srgbClr val="274E13"/>
+                </a:solidFill>
+                <a:latin typeface="Tahoma"/>
+                <a:ea typeface="Tahoma"/>
+                <a:cs typeface="Tahoma"/>
+                <a:sym typeface="Tahoma"/>
+              </a:rPr>
+              <a:t>$ mkdir folder-test</a:t>
+            </a:r>
+            <a:r>
+              <a:rPr lang="pl" sz="1400">
+                <a:solidFill>
+                  <a:srgbClr val="0C343D"/>
+                </a:solidFill>
+                <a:latin typeface="Tahoma"/>
+                <a:ea typeface="Tahoma"/>
+                <a:cs typeface="Tahoma"/>
+                <a:sym typeface="Tahoma"/>
+              </a:rPr>
+              <a:t> i </a:t>
+            </a:r>
+            <a:r>
+              <a:rPr b="1" lang="pl" sz="1400">
+                <a:solidFill>
+                  <a:srgbClr val="274E13"/>
+                </a:solidFill>
+                <a:latin typeface="Tahoma"/>
+                <a:ea typeface="Tahoma"/>
+                <a:cs typeface="Tahoma"/>
+                <a:sym typeface="Tahoma"/>
+              </a:rPr>
+              <a:t>$ touch </a:t>
+            </a:r>
+            <a:r>
+              <a:rPr b="1" lang="pl" sz="1400">
+                <a:solidFill>
+                  <a:srgbClr val="274E13"/>
+                </a:solidFill>
+                <a:latin typeface="Tahoma"/>
+                <a:ea typeface="Tahoma"/>
+                <a:cs typeface="Tahoma"/>
+                <a:sym typeface="Tahoma"/>
+              </a:rPr>
+              <a:t>folder-test/</a:t>
+            </a:r>
+            <a:r>
+              <a:rPr b="1" lang="pl" sz="1400">
+                <a:solidFill>
+                  <a:srgbClr val="274E13"/>
+                </a:solidFill>
+                <a:latin typeface="Tahoma"/>
+                <a:ea typeface="Tahoma"/>
+                <a:cs typeface="Tahoma"/>
+                <a:sym typeface="Tahoma"/>
+              </a:rPr>
+              <a:t>plik2.txt</a:t>
+            </a:r>
+            <a:r>
+              <a:rPr lang="pl" sz="1400">
+                <a:solidFill>
+                  <a:srgbClr val="0C343D"/>
+                </a:solidFill>
+                <a:latin typeface="Tahoma"/>
+                <a:ea typeface="Tahoma"/>
+                <a:cs typeface="Tahoma"/>
+                <a:sym typeface="Tahoma"/>
+              </a:rPr>
+              <a:t>. </a:t>
+            </a:r>
+            <a:r>
+              <a:rPr b="1" lang="pl" sz="1400">
+                <a:solidFill>
+                  <a:srgbClr val="274E13"/>
+                </a:solidFill>
+                <a:latin typeface="Tahoma"/>
+                <a:ea typeface="Tahoma"/>
+                <a:cs typeface="Tahoma"/>
+                <a:sym typeface="Tahoma"/>
+              </a:rPr>
+              <a:t>Dodajemy je do index</a:t>
+            </a:r>
+            <a:r>
+              <a:rPr b="1" lang="pl" sz="1400">
+                <a:solidFill>
+                  <a:srgbClr val="0C343D"/>
+                </a:solidFill>
+                <a:latin typeface="Tahoma"/>
+                <a:ea typeface="Tahoma"/>
+                <a:cs typeface="Tahoma"/>
+                <a:sym typeface="Tahoma"/>
+              </a:rPr>
+              <a:t> </a:t>
+            </a:r>
+            <a:r>
+              <a:rPr lang="pl" sz="1400">
+                <a:solidFill>
+                  <a:srgbClr val="0C343D"/>
+                </a:solidFill>
+                <a:latin typeface="Tahoma"/>
+                <a:ea typeface="Tahoma"/>
+                <a:cs typeface="Tahoma"/>
+                <a:sym typeface="Tahoma"/>
+              </a:rPr>
+              <a:t>za pomocą polecenie</a:t>
+            </a:r>
+            <a:r>
+              <a:rPr b="1" lang="pl" sz="1400">
+                <a:solidFill>
+                  <a:srgbClr val="0C343D"/>
+                </a:solidFill>
+                <a:latin typeface="Tahoma"/>
+                <a:ea typeface="Tahoma"/>
+                <a:cs typeface="Tahoma"/>
+                <a:sym typeface="Tahoma"/>
+              </a:rPr>
+              <a:t> </a:t>
+            </a:r>
+            <a:r>
+              <a:rPr b="1" lang="pl" sz="1400">
+                <a:solidFill>
+                  <a:srgbClr val="274E13"/>
+                </a:solidFill>
+                <a:latin typeface="Tahoma"/>
+                <a:ea typeface="Tahoma"/>
+                <a:cs typeface="Tahoma"/>
+                <a:sym typeface="Tahoma"/>
+              </a:rPr>
+              <a:t>$</a:t>
+            </a:r>
+            <a:r>
+              <a:rPr b="1" lang="pl" sz="1400">
+                <a:solidFill>
+                  <a:srgbClr val="0C343D"/>
+                </a:solidFill>
+                <a:latin typeface="Tahoma"/>
+                <a:ea typeface="Tahoma"/>
+                <a:cs typeface="Tahoma"/>
+                <a:sym typeface="Tahoma"/>
+              </a:rPr>
+              <a:t> </a:t>
+            </a:r>
+            <a:r>
+              <a:rPr b="1" lang="pl" sz="1400">
+                <a:solidFill>
+                  <a:srgbClr val="274E13"/>
+                </a:solidFill>
+                <a:latin typeface="Tahoma"/>
+                <a:ea typeface="Tahoma"/>
+                <a:cs typeface="Tahoma"/>
+                <a:sym typeface="Tahoma"/>
+              </a:rPr>
+              <a:t>git add folder-test</a:t>
+            </a:r>
+            <a:r>
+              <a:rPr lang="pl" sz="1400">
+                <a:solidFill>
+                  <a:srgbClr val="0C343D"/>
+                </a:solidFill>
+                <a:latin typeface="Tahoma"/>
+                <a:ea typeface="Tahoma"/>
+                <a:cs typeface="Tahoma"/>
+                <a:sym typeface="Tahoma"/>
+              </a:rPr>
+              <a:t>. Następnie </a:t>
+            </a:r>
+            <a:r>
+              <a:rPr lang="pl" sz="1400">
+                <a:solidFill>
+                  <a:srgbClr val="0C343D"/>
+                </a:solidFill>
+                <a:latin typeface="Tahoma"/>
+                <a:ea typeface="Tahoma"/>
+                <a:cs typeface="Tahoma"/>
+                <a:sym typeface="Tahoma"/>
+              </a:rPr>
+              <a:t>usuwamy</a:t>
+            </a:r>
+            <a:r>
+              <a:rPr lang="pl" sz="1400">
+                <a:solidFill>
+                  <a:srgbClr val="0C343D"/>
+                </a:solidFill>
+                <a:latin typeface="Tahoma"/>
+                <a:ea typeface="Tahoma"/>
+                <a:cs typeface="Tahoma"/>
+                <a:sym typeface="Tahoma"/>
+              </a:rPr>
+              <a:t> jeden z plików w katalogu folder-test </a:t>
+            </a:r>
+            <a:r>
+              <a:rPr b="1" lang="pl" sz="1400">
+                <a:solidFill>
+                  <a:srgbClr val="274E13"/>
+                </a:solidFill>
+                <a:latin typeface="Tahoma"/>
+                <a:ea typeface="Tahoma"/>
+                <a:cs typeface="Tahoma"/>
+                <a:sym typeface="Tahoma"/>
+              </a:rPr>
+              <a:t>$ rm  folder-test/plik2.txt</a:t>
+            </a:r>
+            <a:r>
+              <a:rPr b="1" lang="pl" sz="1400">
+                <a:solidFill>
+                  <a:srgbClr val="0C343D"/>
+                </a:solidFill>
+                <a:latin typeface="Tahoma"/>
+                <a:ea typeface="Tahoma"/>
+                <a:cs typeface="Tahoma"/>
+                <a:sym typeface="Tahoma"/>
+              </a:rPr>
+              <a:t>. </a:t>
+            </a:r>
+            <a:r>
+              <a:rPr lang="pl" sz="1400">
+                <a:solidFill>
+                  <a:srgbClr val="0C343D"/>
+                </a:solidFill>
+                <a:latin typeface="Tahoma"/>
+                <a:ea typeface="Tahoma"/>
+                <a:cs typeface="Tahoma"/>
+                <a:sym typeface="Tahoma"/>
+              </a:rPr>
+              <a:t>Aby go </a:t>
+            </a:r>
+            <a:r>
+              <a:rPr lang="pl" sz="1400">
+                <a:solidFill>
+                  <a:srgbClr val="0C343D"/>
+                </a:solidFill>
+                <a:latin typeface="Tahoma"/>
+                <a:ea typeface="Tahoma"/>
+                <a:cs typeface="Tahoma"/>
+                <a:sym typeface="Tahoma"/>
+              </a:rPr>
+              <a:t>odzyskać</a:t>
+            </a:r>
+            <a:r>
+              <a:rPr lang="pl" sz="1400">
+                <a:solidFill>
+                  <a:srgbClr val="0C343D"/>
+                </a:solidFill>
+                <a:latin typeface="Tahoma"/>
+                <a:ea typeface="Tahoma"/>
+                <a:cs typeface="Tahoma"/>
+                <a:sym typeface="Tahoma"/>
+              </a:rPr>
+              <a:t> mimo tego, że nie ma go w katalogu roboczym należy wykonać polecenie </a:t>
+            </a:r>
+            <a:r>
+              <a:rPr b="1" lang="pl" sz="1400">
+                <a:solidFill>
+                  <a:srgbClr val="274E13"/>
+                </a:solidFill>
+                <a:latin typeface="Tahoma"/>
+                <a:ea typeface="Tahoma"/>
+                <a:cs typeface="Tahoma"/>
+                <a:sym typeface="Tahoma"/>
+              </a:rPr>
+              <a:t>$</a:t>
+            </a:r>
+            <a:r>
+              <a:rPr lang="pl" sz="1400">
+                <a:solidFill>
+                  <a:srgbClr val="0C343D"/>
+                </a:solidFill>
+                <a:latin typeface="Tahoma"/>
+                <a:ea typeface="Tahoma"/>
+                <a:cs typeface="Tahoma"/>
+                <a:sym typeface="Tahoma"/>
+              </a:rPr>
+              <a:t> </a:t>
+            </a:r>
+            <a:r>
+              <a:rPr b="1" lang="pl" sz="1400">
+                <a:solidFill>
+                  <a:srgbClr val="274E13"/>
+                </a:solidFill>
+                <a:latin typeface="Tahoma"/>
+                <a:ea typeface="Tahoma"/>
+                <a:cs typeface="Tahoma"/>
+                <a:sym typeface="Tahoma"/>
+              </a:rPr>
+              <a:t>git checkout folder-test/plik2.txt</a:t>
+            </a:r>
+            <a:endParaRPr b="1" sz="1400">
+              <a:solidFill>
+                <a:srgbClr val="274E13"/>
+              </a:solidFill>
+              <a:latin typeface="Tahoma"/>
+              <a:ea typeface="Tahoma"/>
+              <a:cs typeface="Tahoma"/>
+              <a:sym typeface="Tahoma"/>
+            </a:endParaRPr>
+          </a:p>
+          <a:p>
+            <a:pPr indent="0" lvl="0" marL="0" rtl="0" algn="l">
+              <a:lnSpc>
+                <a:spcPct val="100000"/>
+              </a:lnSpc>
+              <a:spcBef>
+                <a:spcPts val="0"/>
+              </a:spcBef>
+              <a:spcAft>
+                <a:spcPts val="0"/>
+              </a:spcAft>
+              <a:buNone/>
+            </a:pPr>
+            <a:r>
+              <a:rPr b="1" lang="pl" sz="1400">
+                <a:solidFill>
+                  <a:srgbClr val="073763"/>
+                </a:solidFill>
+                <a:latin typeface="Tahoma"/>
+                <a:ea typeface="Tahoma"/>
+                <a:cs typeface="Tahoma"/>
+                <a:sym typeface="Tahoma"/>
+              </a:rPr>
+              <a:t>Przykład 2:</a:t>
+            </a:r>
+            <a:endParaRPr b="1" sz="1400">
+              <a:solidFill>
+                <a:srgbClr val="073763"/>
+              </a:solidFill>
+              <a:latin typeface="Tahoma"/>
+              <a:ea typeface="Tahoma"/>
+              <a:cs typeface="Tahoma"/>
+              <a:sym typeface="Tahoma"/>
+            </a:endParaRPr>
+          </a:p>
+          <a:p>
+            <a:pPr indent="0" lvl="0" marL="0" rtl="0" algn="l">
+              <a:lnSpc>
+                <a:spcPct val="100000"/>
+              </a:lnSpc>
+              <a:spcBef>
+                <a:spcPts val="0"/>
+              </a:spcBef>
+              <a:spcAft>
+                <a:spcPts val="0"/>
+              </a:spcAft>
+              <a:buNone/>
+            </a:pPr>
+            <a:r>
+              <a:rPr lang="pl" sz="1400">
+                <a:solidFill>
+                  <a:srgbClr val="000000"/>
+                </a:solidFill>
+                <a:latin typeface="Tahoma"/>
+                <a:ea typeface="Tahoma"/>
+                <a:cs typeface="Tahoma"/>
+                <a:sym typeface="Tahoma"/>
+              </a:rPr>
+              <a:t>Teraz jak dodamy tekst do pliku </a:t>
+            </a:r>
+            <a:r>
+              <a:rPr b="1" lang="pl" sz="1400">
+                <a:solidFill>
+                  <a:srgbClr val="274E13"/>
+                </a:solidFill>
+                <a:latin typeface="Tahoma"/>
+                <a:ea typeface="Tahoma"/>
+                <a:cs typeface="Tahoma"/>
+                <a:sym typeface="Tahoma"/>
+              </a:rPr>
+              <a:t>folder-test/plik2.txt </a:t>
+            </a:r>
+            <a:r>
+              <a:rPr lang="pl" sz="1400">
+                <a:solidFill>
+                  <a:srgbClr val="000000"/>
+                </a:solidFill>
+                <a:latin typeface="Tahoma"/>
+                <a:ea typeface="Tahoma"/>
+                <a:cs typeface="Tahoma"/>
+                <a:sym typeface="Tahoma"/>
+              </a:rPr>
+              <a:t>to plik będzie wyświetlany 2 razy w index (gdzie będzie pusty) i w katalogu roboczym z nową zawartością tekstu.</a:t>
+            </a:r>
+            <a:endParaRPr sz="1400">
+              <a:solidFill>
+                <a:srgbClr val="000000"/>
+              </a:solidFill>
+              <a:latin typeface="Tahoma"/>
+              <a:ea typeface="Tahoma"/>
+              <a:cs typeface="Tahoma"/>
+              <a:sym typeface="Tahoma"/>
+            </a:endParaRPr>
+          </a:p>
+        </p:txBody>
+      </p:sp>
+    </p:spTree>
+  </p:cSld>
+  <p:clrMapOvr>
+    <a:masterClrMapping/>
+  </p:clrMapOvr>
+</p:sld>
+</file>
+
+<file path=ppt/slides/slide36.xml><?xml version="1.0" encoding="utf-8"?>
+<p:sld xmlns:a="http://schemas.openxmlformats.org/drawingml/2006/main" xmlns:r="http://schemas.openxmlformats.org/officeDocument/2006/relationships" xmlns:mc="http://schemas.openxmlformats.org/markup-compatibility/2006" xmlns:mv="urn:schemas-microsoft-com:mac:vml" xmlns:p="http://schemas.openxmlformats.org/presentationml/2006/main" xmlns:c="http://schemas.openxmlformats.org/drawingml/2006/chart" xmlns:dgm="http://schemas.openxmlformats.org/drawingml/2006/diagram" xmlns:o="urn:schemas-microsoft-com:office:office" xmlns:v="urn:schemas-microsoft-com:vml" xmlns:pvml="urn:schemas-microsoft-com:office:powerpoint" xmlns:com="http://schemas.openxmlformats.org/drawingml/2006/compatibility" xmlns:p14="http://schemas.microsoft.com/office/powerpoint/2010/main" xmlns:p15="http://schemas.microsoft.com/office/powerpoint/2012/main" xmlns:ahyp="http://schemas.microsoft.com/office/drawing/2018/hyperlinkcolor">
+  <p:cSld>
+    <p:spTree>
+      <p:nvGrpSpPr>
+        <p:cNvPr id="299" name="Shape 299"/>
+        <p:cNvGrpSpPr/>
+        <p:nvPr/>
+      </p:nvGrpSpPr>
+      <p:grpSpPr>
+        <a:xfrm>
+          <a:off x="0" y="0"/>
+          <a:ext cx="0" cy="0"/>
+          <a:chOff x="0" y="0"/>
+          <a:chExt cx="0" cy="0"/>
+        </a:xfrm>
+      </p:grpSpPr>
+      <p:sp>
+        <p:nvSpPr>
+          <p:cNvPr id="300" name="Google Shape;300;p48"/>
+          <p:cNvSpPr txBox="1"/>
+          <p:nvPr>
+            <p:ph type="title"/>
+          </p:nvPr>
+        </p:nvSpPr>
+        <p:spPr>
+          <a:xfrm>
+            <a:off x="729450" y="1385325"/>
+            <a:ext cx="7688700" cy="535200"/>
+          </a:xfrm>
+          <a:prstGeom prst="rect">
+            <a:avLst/>
+          </a:prstGeom>
+        </p:spPr>
+        <p:txBody>
+          <a:bodyPr anchorCtr="0" anchor="t" bIns="91425" lIns="91425" spcFirstLastPara="1" rIns="91425" wrap="square" tIns="91425">
+            <a:noAutofit/>
+          </a:bodyPr>
+          <a:lstStyle/>
+          <a:p>
+            <a:pPr indent="0" lvl="0" marL="0" rtl="0" algn="l">
+              <a:spcBef>
+                <a:spcPts val="0"/>
+              </a:spcBef>
+              <a:spcAft>
+                <a:spcPts val="0"/>
+              </a:spcAft>
+              <a:buSzPts val="990"/>
+              <a:buNone/>
+            </a:pPr>
+            <a:r>
+              <a:rPr lang="pl" sz="2440">
+                <a:latin typeface="Tahoma"/>
+                <a:ea typeface="Tahoma"/>
+                <a:cs typeface="Tahoma"/>
+                <a:sym typeface="Tahoma"/>
+              </a:rPr>
+              <a:t>index i git reset HEAD , touch .gitignore</a:t>
+            </a:r>
+            <a:endParaRPr sz="2440">
+              <a:latin typeface="Tahoma"/>
+              <a:ea typeface="Tahoma"/>
+              <a:cs typeface="Tahoma"/>
+              <a:sym typeface="Tahoma"/>
+            </a:endParaRPr>
+          </a:p>
+        </p:txBody>
+      </p:sp>
+      <p:sp>
+        <p:nvSpPr>
+          <p:cNvPr id="301" name="Google Shape;301;p48"/>
+          <p:cNvSpPr txBox="1"/>
+          <p:nvPr>
+            <p:ph idx="1" type="body"/>
+          </p:nvPr>
+        </p:nvSpPr>
+        <p:spPr>
+          <a:xfrm>
+            <a:off x="729450" y="2078875"/>
+            <a:ext cx="7688700" cy="2261100"/>
+          </a:xfrm>
+          <a:prstGeom prst="rect">
+            <a:avLst/>
+          </a:prstGeom>
+        </p:spPr>
+        <p:txBody>
+          <a:bodyPr anchorCtr="0" anchor="t" bIns="91425" lIns="91425" spcFirstLastPara="1" rIns="91425" wrap="square" tIns="91425">
+            <a:normAutofit/>
+          </a:bodyPr>
+          <a:lstStyle/>
+          <a:p>
+            <a:pPr indent="0" lvl="0" marL="0" rtl="0" algn="l">
+              <a:lnSpc>
+                <a:spcPct val="100000"/>
+              </a:lnSpc>
+              <a:spcBef>
+                <a:spcPts val="0"/>
+              </a:spcBef>
+              <a:spcAft>
+                <a:spcPts val="0"/>
+              </a:spcAft>
+              <a:buNone/>
+            </a:pPr>
+            <a:r>
+              <a:rPr b="1" lang="pl" sz="1400">
+                <a:solidFill>
+                  <a:srgbClr val="783F04"/>
+                </a:solidFill>
+                <a:latin typeface="Tahoma"/>
+                <a:ea typeface="Tahoma"/>
+                <a:cs typeface="Tahoma"/>
+                <a:sym typeface="Tahoma"/>
+              </a:rPr>
+              <a:t>git reset HEAD &lt;plik&gt;</a:t>
+            </a:r>
+            <a:r>
+              <a:rPr lang="pl" sz="1400">
+                <a:solidFill>
+                  <a:srgbClr val="000000"/>
+                </a:solidFill>
+                <a:latin typeface="Tahoma"/>
+                <a:ea typeface="Tahoma"/>
+                <a:cs typeface="Tahoma"/>
+                <a:sym typeface="Tahoma"/>
+              </a:rPr>
+              <a:t> usuwa wskazany plik z</a:t>
+            </a:r>
+            <a:r>
+              <a:rPr b="1" lang="pl" sz="1400">
+                <a:solidFill>
+                  <a:srgbClr val="000000"/>
+                </a:solidFill>
+                <a:latin typeface="Tahoma"/>
+                <a:ea typeface="Tahoma"/>
+                <a:cs typeface="Tahoma"/>
+                <a:sym typeface="Tahoma"/>
+              </a:rPr>
+              <a:t> </a:t>
+            </a:r>
+            <a:r>
+              <a:rPr b="1" lang="pl" sz="1400">
+                <a:solidFill>
+                  <a:srgbClr val="0C343D"/>
+                </a:solidFill>
+                <a:latin typeface="Tahoma"/>
+                <a:ea typeface="Tahoma"/>
+                <a:cs typeface="Tahoma"/>
+                <a:sym typeface="Tahoma"/>
+              </a:rPr>
+              <a:t>indexu</a:t>
+            </a:r>
+            <a:r>
+              <a:rPr lang="pl" sz="1400">
+                <a:solidFill>
+                  <a:srgbClr val="000000"/>
+                </a:solidFill>
+                <a:latin typeface="Tahoma"/>
+                <a:ea typeface="Tahoma"/>
+                <a:cs typeface="Tahoma"/>
+                <a:sym typeface="Tahoma"/>
+              </a:rPr>
+              <a:t>, ale </a:t>
+            </a:r>
+            <a:r>
+              <a:rPr b="1" lang="pl" sz="1400">
+                <a:solidFill>
+                  <a:srgbClr val="0C343D"/>
+                </a:solidFill>
+                <a:latin typeface="Tahoma"/>
+                <a:ea typeface="Tahoma"/>
+                <a:cs typeface="Tahoma"/>
+                <a:sym typeface="Tahoma"/>
+              </a:rPr>
+              <a:t>nie usuwa go z katalogu roboczego</a:t>
+            </a:r>
+            <a:r>
+              <a:rPr lang="pl" sz="1400">
+                <a:solidFill>
+                  <a:srgbClr val="0C343D"/>
+                </a:solidFill>
+                <a:latin typeface="Tahoma"/>
+                <a:ea typeface="Tahoma"/>
+                <a:cs typeface="Tahoma"/>
+                <a:sym typeface="Tahoma"/>
+              </a:rPr>
+              <a:t>.</a:t>
+            </a:r>
+            <a:endParaRPr sz="1400">
+              <a:solidFill>
+                <a:srgbClr val="0C343D"/>
+              </a:solidFill>
+              <a:latin typeface="Tahoma"/>
+              <a:ea typeface="Tahoma"/>
+              <a:cs typeface="Tahoma"/>
+              <a:sym typeface="Tahoma"/>
+            </a:endParaRPr>
+          </a:p>
+          <a:p>
+            <a:pPr indent="0" lvl="0" marL="0" rtl="0" algn="l">
+              <a:lnSpc>
+                <a:spcPct val="100000"/>
+              </a:lnSpc>
+              <a:spcBef>
+                <a:spcPts val="0"/>
+              </a:spcBef>
+              <a:spcAft>
+                <a:spcPts val="0"/>
+              </a:spcAft>
+              <a:buNone/>
+            </a:pPr>
+            <a:r>
+              <a:t/>
+            </a:r>
+            <a:endParaRPr sz="1400">
+              <a:solidFill>
+                <a:srgbClr val="0C343D"/>
+              </a:solidFill>
+              <a:latin typeface="Tahoma"/>
+              <a:ea typeface="Tahoma"/>
+              <a:cs typeface="Tahoma"/>
+              <a:sym typeface="Tahoma"/>
+            </a:endParaRPr>
+          </a:p>
+          <a:p>
+            <a:pPr indent="0" lvl="0" marL="0" rtl="0" algn="l">
+              <a:lnSpc>
+                <a:spcPct val="100000"/>
+              </a:lnSpc>
+              <a:spcBef>
+                <a:spcPts val="0"/>
+              </a:spcBef>
+              <a:spcAft>
+                <a:spcPts val="0"/>
+              </a:spcAft>
+              <a:buNone/>
+            </a:pPr>
+            <a:r>
+              <a:rPr lang="pl">
+                <a:solidFill>
+                  <a:srgbClr val="783F04"/>
+                </a:solidFill>
+                <a:latin typeface="Tahoma"/>
+                <a:ea typeface="Tahoma"/>
+                <a:cs typeface="Tahoma"/>
+                <a:sym typeface="Tahoma"/>
+              </a:rPr>
+              <a:t>Plik </a:t>
+            </a:r>
+            <a:r>
+              <a:rPr b="1" lang="pl">
+                <a:solidFill>
+                  <a:srgbClr val="783F04"/>
+                </a:solidFill>
+                <a:latin typeface="Tahoma"/>
+                <a:ea typeface="Tahoma"/>
+                <a:cs typeface="Tahoma"/>
+                <a:sym typeface="Tahoma"/>
+              </a:rPr>
+              <a:t>.gitignore</a:t>
+            </a:r>
+            <a:r>
+              <a:rPr lang="pl">
+                <a:solidFill>
+                  <a:srgbClr val="000000"/>
+                </a:solidFill>
+                <a:latin typeface="Tahoma"/>
+                <a:ea typeface="Tahoma"/>
+                <a:cs typeface="Tahoma"/>
+                <a:sym typeface="Tahoma"/>
+              </a:rPr>
+              <a:t> służy do tego, aby powiedzieć Gitowi, </a:t>
+            </a:r>
+            <a:r>
+              <a:rPr b="1" lang="pl">
+                <a:solidFill>
+                  <a:srgbClr val="0C343D"/>
+                </a:solidFill>
+                <a:latin typeface="Tahoma"/>
+                <a:ea typeface="Tahoma"/>
+                <a:cs typeface="Tahoma"/>
+                <a:sym typeface="Tahoma"/>
+              </a:rPr>
+              <a:t>których plików i katalogów NIE ma śledzić</a:t>
+            </a:r>
+            <a:r>
+              <a:rPr lang="pl">
+                <a:solidFill>
+                  <a:srgbClr val="1C4587"/>
+                </a:solidFill>
+                <a:latin typeface="Tahoma"/>
+                <a:ea typeface="Tahoma"/>
+                <a:cs typeface="Tahoma"/>
+                <a:sym typeface="Tahoma"/>
+              </a:rPr>
+              <a:t> </a:t>
+            </a:r>
+            <a:r>
+              <a:rPr lang="pl">
+                <a:solidFill>
+                  <a:srgbClr val="000000"/>
+                </a:solidFill>
+                <a:latin typeface="Tahoma"/>
+                <a:ea typeface="Tahoma"/>
+                <a:cs typeface="Tahoma"/>
+                <a:sym typeface="Tahoma"/>
+              </a:rPr>
+              <a:t>(czyli nie dodawać ich do indexu, commitów i repozytorium).</a:t>
+            </a:r>
+            <a:endParaRPr>
+              <a:solidFill>
+                <a:srgbClr val="000000"/>
+              </a:solidFill>
+              <a:latin typeface="Tahoma"/>
+              <a:ea typeface="Tahoma"/>
+              <a:cs typeface="Tahoma"/>
+              <a:sym typeface="Tahoma"/>
+            </a:endParaRPr>
+          </a:p>
+          <a:p>
+            <a:pPr indent="0" lvl="0" marL="0" rtl="0" algn="l">
+              <a:lnSpc>
+                <a:spcPct val="100000"/>
+              </a:lnSpc>
+              <a:spcBef>
+                <a:spcPts val="0"/>
+              </a:spcBef>
+              <a:spcAft>
+                <a:spcPts val="0"/>
+              </a:spcAft>
+              <a:buNone/>
+            </a:pPr>
+            <a:r>
+              <a:rPr lang="pl">
+                <a:solidFill>
+                  <a:srgbClr val="000000"/>
+                </a:solidFill>
+                <a:latin typeface="Tahoma"/>
+                <a:ea typeface="Tahoma"/>
+                <a:cs typeface="Tahoma"/>
+                <a:sym typeface="Tahoma"/>
+              </a:rPr>
+              <a:t>Git ignoruje pliki wymienione w </a:t>
+            </a:r>
+            <a:r>
+              <a:rPr b="1" lang="pl">
+                <a:solidFill>
+                  <a:srgbClr val="0C343D"/>
+                </a:solidFill>
+                <a:latin typeface="Tahoma"/>
+                <a:ea typeface="Tahoma"/>
+                <a:cs typeface="Tahoma"/>
+                <a:sym typeface="Tahoma"/>
+              </a:rPr>
+              <a:t>.gitignore, o ile nie były wcześniej dodane do repozytorium.</a:t>
+            </a:r>
+            <a:endParaRPr b="1">
+              <a:solidFill>
+                <a:srgbClr val="0C343D"/>
+              </a:solidFill>
+              <a:latin typeface="Tahoma"/>
+              <a:ea typeface="Tahoma"/>
+              <a:cs typeface="Tahoma"/>
+              <a:sym typeface="Tahoma"/>
+            </a:endParaRPr>
+          </a:p>
+          <a:p>
+            <a:pPr indent="0" lvl="0" marL="0" rtl="0" algn="l">
+              <a:lnSpc>
+                <a:spcPct val="100000"/>
+              </a:lnSpc>
+              <a:spcBef>
+                <a:spcPts val="0"/>
+              </a:spcBef>
+              <a:spcAft>
+                <a:spcPts val="0"/>
+              </a:spcAft>
+              <a:buNone/>
+            </a:pPr>
+            <a:r>
+              <a:rPr lang="pl">
+                <a:solidFill>
+                  <a:srgbClr val="0C343D"/>
+                </a:solidFill>
+                <a:latin typeface="Tahoma"/>
+                <a:ea typeface="Tahoma"/>
+                <a:cs typeface="Tahoma"/>
+                <a:sym typeface="Tahoma"/>
+              </a:rPr>
+              <a:t>Zwykle </a:t>
+            </a:r>
+            <a:r>
+              <a:rPr lang="pl">
+                <a:solidFill>
+                  <a:srgbClr val="0C343D"/>
+                </a:solidFill>
+                <a:latin typeface="Tahoma"/>
+                <a:ea typeface="Tahoma"/>
+                <a:cs typeface="Tahoma"/>
+                <a:sym typeface="Tahoma"/>
+              </a:rPr>
+              <a:t>ignorujemy</a:t>
+            </a:r>
+            <a:r>
+              <a:rPr lang="pl">
+                <a:solidFill>
+                  <a:srgbClr val="0C343D"/>
+                </a:solidFill>
+                <a:latin typeface="Tahoma"/>
+                <a:ea typeface="Tahoma"/>
+                <a:cs typeface="Tahoma"/>
+                <a:sym typeface="Tahoma"/>
+              </a:rPr>
+              <a:t> katalogi node_module, dist, .env oraz pliki *.log, *.temp, DS_Store</a:t>
+            </a:r>
+            <a:endParaRPr>
+              <a:solidFill>
+                <a:srgbClr val="0C343D"/>
+              </a:solidFill>
+              <a:latin typeface="Tahoma"/>
+              <a:ea typeface="Tahoma"/>
+              <a:cs typeface="Tahoma"/>
+              <a:sym typeface="Tahoma"/>
+            </a:endParaRPr>
+          </a:p>
+          <a:p>
+            <a:pPr indent="0" lvl="0" marL="0" rtl="0" algn="l">
+              <a:lnSpc>
+                <a:spcPct val="100000"/>
+              </a:lnSpc>
+              <a:spcBef>
+                <a:spcPts val="0"/>
+              </a:spcBef>
+              <a:spcAft>
+                <a:spcPts val="0"/>
+              </a:spcAft>
+              <a:buNone/>
+            </a:pPr>
+            <a:r>
+              <a:t/>
+            </a:r>
+            <a:endParaRPr sz="1400">
+              <a:solidFill>
+                <a:srgbClr val="000000"/>
+              </a:solidFill>
+              <a:latin typeface="Tahoma"/>
+              <a:ea typeface="Tahoma"/>
+              <a:cs typeface="Tahoma"/>
+              <a:sym typeface="Tahoma"/>
+            </a:endParaRPr>
+          </a:p>
+          <a:p>
+            <a:pPr indent="0" lvl="0" marL="0" rtl="0" algn="l">
+              <a:lnSpc>
+                <a:spcPct val="100000"/>
+              </a:lnSpc>
+              <a:spcBef>
+                <a:spcPts val="0"/>
+              </a:spcBef>
+              <a:spcAft>
+                <a:spcPts val="0"/>
+              </a:spcAft>
+              <a:buNone/>
+            </a:pPr>
+            <a:r>
+              <a:rPr lang="pl" sz="1400">
+                <a:solidFill>
+                  <a:srgbClr val="000000"/>
+                </a:solidFill>
+                <a:latin typeface="Tahoma"/>
+                <a:ea typeface="Tahoma"/>
+                <a:cs typeface="Tahoma"/>
+                <a:sym typeface="Tahoma"/>
+              </a:rPr>
+              <a:t>Plik </a:t>
+            </a:r>
+            <a:r>
+              <a:rPr b="1" lang="pl">
+                <a:solidFill>
+                  <a:srgbClr val="0C343D"/>
+                </a:solidFill>
+                <a:latin typeface="Tahoma"/>
+                <a:ea typeface="Tahoma"/>
+                <a:cs typeface="Tahoma"/>
+                <a:sym typeface="Tahoma"/>
+              </a:rPr>
+              <a:t>.gitignore </a:t>
+            </a:r>
+            <a:r>
+              <a:rPr lang="pl" sz="1400">
+                <a:solidFill>
+                  <a:srgbClr val="000000"/>
+                </a:solidFill>
+                <a:latin typeface="Tahoma"/>
+                <a:ea typeface="Tahoma"/>
+                <a:cs typeface="Tahoma"/>
+                <a:sym typeface="Tahoma"/>
+              </a:rPr>
+              <a:t>jest niewidoczny dopiero polecenie </a:t>
+            </a:r>
+            <a:r>
+              <a:rPr b="1" lang="pl" sz="1400">
+                <a:solidFill>
+                  <a:srgbClr val="0C343D"/>
+                </a:solidFill>
+                <a:latin typeface="Tahoma"/>
+                <a:ea typeface="Tahoma"/>
+                <a:cs typeface="Tahoma"/>
+                <a:sym typeface="Tahoma"/>
+              </a:rPr>
+              <a:t>$ ls –all</a:t>
+            </a:r>
+            <a:r>
+              <a:rPr lang="pl" sz="1400">
+                <a:solidFill>
+                  <a:srgbClr val="000000"/>
+                </a:solidFill>
+                <a:latin typeface="Tahoma"/>
+                <a:ea typeface="Tahoma"/>
+                <a:cs typeface="Tahoma"/>
+                <a:sym typeface="Tahoma"/>
+              </a:rPr>
+              <a:t> go wyświetli</a:t>
+            </a:r>
+            <a:endParaRPr sz="1400">
+              <a:solidFill>
+                <a:srgbClr val="000000"/>
+              </a:solidFill>
+              <a:latin typeface="Tahoma"/>
+              <a:ea typeface="Tahoma"/>
+              <a:cs typeface="Tahoma"/>
+              <a:sym typeface="Tahoma"/>
+            </a:endParaRPr>
+          </a:p>
+        </p:txBody>
+      </p:sp>
+    </p:spTree>
+  </p:cSld>
+  <p:clrMapOvr>
+    <a:masterClrMapping/>
+  </p:clrMapOvr>
+</p:sld>
+</file>
+
+<file path=ppt/slides/slide37.xml><?xml version="1.0" encoding="utf-8"?>
+<p:sld xmlns:a="http://schemas.openxmlformats.org/drawingml/2006/main" xmlns:r="http://schemas.openxmlformats.org/officeDocument/2006/relationships" xmlns:mc="http://schemas.openxmlformats.org/markup-compatibility/2006" xmlns:mv="urn:schemas-microsoft-com:mac:vml" xmlns:p="http://schemas.openxmlformats.org/presentationml/2006/main" xmlns:c="http://schemas.openxmlformats.org/drawingml/2006/chart" xmlns:dgm="http://schemas.openxmlformats.org/drawingml/2006/diagram" xmlns:o="urn:schemas-microsoft-com:office:office" xmlns:v="urn:schemas-microsoft-com:vml" xmlns:pvml="urn:schemas-microsoft-com:office:powerpoint" xmlns:com="http://schemas.openxmlformats.org/drawingml/2006/compatibility" xmlns:p14="http://schemas.microsoft.com/office/powerpoint/2010/main" xmlns:p15="http://schemas.microsoft.com/office/powerpoint/2012/main" xmlns:ahyp="http://schemas.microsoft.com/office/drawing/2018/hyperlinkcolor">
+  <p:cSld>
+    <p:spTree>
+      <p:nvGrpSpPr>
+        <p:cNvPr id="305" name="Shape 305"/>
+        <p:cNvGrpSpPr/>
+        <p:nvPr/>
+      </p:nvGrpSpPr>
+      <p:grpSpPr>
+        <a:xfrm>
+          <a:off x="0" y="0"/>
+          <a:ext cx="0" cy="0"/>
+          <a:chOff x="0" y="0"/>
+          <a:chExt cx="0" cy="0"/>
+        </a:xfrm>
+      </p:grpSpPr>
+      <p:sp>
+        <p:nvSpPr>
+          <p:cNvPr id="306" name="Google Shape;306;p49"/>
+          <p:cNvSpPr txBox="1"/>
+          <p:nvPr>
+            <p:ph type="title"/>
+          </p:nvPr>
+        </p:nvSpPr>
+        <p:spPr>
+          <a:xfrm>
+            <a:off x="729450" y="1318650"/>
+            <a:ext cx="7688700" cy="535200"/>
+          </a:xfrm>
+          <a:prstGeom prst="rect">
+            <a:avLst/>
+          </a:prstGeom>
+        </p:spPr>
+        <p:txBody>
+          <a:bodyPr anchorCtr="0" anchor="t" bIns="91425" lIns="91425" spcFirstLastPara="1" rIns="91425" wrap="square" tIns="91425">
+            <a:noAutofit/>
+          </a:bodyPr>
+          <a:lstStyle/>
+          <a:p>
+            <a:pPr indent="0" lvl="0" marL="0" rtl="0" algn="l">
+              <a:spcBef>
+                <a:spcPts val="0"/>
+              </a:spcBef>
+              <a:spcAft>
+                <a:spcPts val="0"/>
+              </a:spcAft>
+              <a:buSzPts val="990"/>
+              <a:buNone/>
+            </a:pPr>
+            <a:r>
+              <a:rPr lang="pl" sz="2440">
+                <a:latin typeface="Tahoma"/>
+                <a:ea typeface="Tahoma"/>
+                <a:cs typeface="Tahoma"/>
+                <a:sym typeface="Tahoma"/>
+              </a:rPr>
+              <a:t>git revert SHA-1</a:t>
+            </a:r>
+            <a:endParaRPr sz="2440">
+              <a:latin typeface="Tahoma"/>
+              <a:ea typeface="Tahoma"/>
+              <a:cs typeface="Tahoma"/>
+              <a:sym typeface="Tahoma"/>
+            </a:endParaRPr>
+          </a:p>
+        </p:txBody>
+      </p:sp>
+      <p:sp>
+        <p:nvSpPr>
+          <p:cNvPr id="307" name="Google Shape;307;p49"/>
+          <p:cNvSpPr txBox="1"/>
+          <p:nvPr>
+            <p:ph idx="1" type="body"/>
+          </p:nvPr>
+        </p:nvSpPr>
+        <p:spPr>
+          <a:xfrm>
+            <a:off x="729450" y="2078875"/>
+            <a:ext cx="7688700" cy="2261100"/>
+          </a:xfrm>
+          <a:prstGeom prst="rect">
+            <a:avLst/>
+          </a:prstGeom>
+        </p:spPr>
+        <p:txBody>
+          <a:bodyPr anchorCtr="0" anchor="t" bIns="91425" lIns="91425" spcFirstLastPara="1" rIns="91425" wrap="square" tIns="91425">
+            <a:normAutofit/>
+          </a:bodyPr>
+          <a:lstStyle/>
+          <a:p>
+            <a:pPr indent="0" lvl="0" marL="0" rtl="0" algn="l">
+              <a:lnSpc>
+                <a:spcPct val="100000"/>
+              </a:lnSpc>
+              <a:spcBef>
+                <a:spcPts val="0"/>
+              </a:spcBef>
+              <a:spcAft>
+                <a:spcPts val="0"/>
+              </a:spcAft>
+              <a:buNone/>
+            </a:pPr>
+            <a:r>
+              <a:rPr b="1" lang="pl" sz="1400">
+                <a:solidFill>
+                  <a:srgbClr val="783F04"/>
+                </a:solidFill>
+                <a:latin typeface="Tahoma"/>
+                <a:ea typeface="Tahoma"/>
+                <a:cs typeface="Tahoma"/>
+                <a:sym typeface="Tahoma"/>
+              </a:rPr>
+              <a:t>git revert SHA-1</a:t>
+            </a:r>
+            <a:r>
+              <a:rPr lang="pl" sz="1400">
+                <a:solidFill>
+                  <a:srgbClr val="000000"/>
+                </a:solidFill>
+                <a:latin typeface="Tahoma"/>
+                <a:ea typeface="Tahoma"/>
+                <a:cs typeface="Tahoma"/>
+                <a:sym typeface="Tahoma"/>
+              </a:rPr>
+              <a:t> </a:t>
+            </a:r>
+            <a:r>
+              <a:rPr b="1" lang="pl" sz="1400">
+                <a:solidFill>
+                  <a:srgbClr val="0C343D"/>
+                </a:solidFill>
+                <a:latin typeface="Tahoma"/>
+                <a:ea typeface="Tahoma"/>
+                <a:cs typeface="Tahoma"/>
+                <a:sym typeface="Tahoma"/>
+              </a:rPr>
+              <a:t>tworzy NOWY commit</a:t>
+            </a:r>
+            <a:r>
+              <a:rPr lang="pl" sz="1400">
+                <a:solidFill>
+                  <a:srgbClr val="000000"/>
+                </a:solidFill>
+                <a:latin typeface="Tahoma"/>
+                <a:ea typeface="Tahoma"/>
+                <a:cs typeface="Tahoma"/>
+                <a:sym typeface="Tahoma"/>
+              </a:rPr>
+              <a:t>, który wykonuje </a:t>
+            </a:r>
+            <a:r>
+              <a:rPr b="1" lang="pl" sz="1400">
+                <a:solidFill>
+                  <a:srgbClr val="0C343D"/>
+                </a:solidFill>
+                <a:latin typeface="Tahoma"/>
+                <a:ea typeface="Tahoma"/>
+                <a:cs typeface="Tahoma"/>
+                <a:sym typeface="Tahoma"/>
+              </a:rPr>
+              <a:t>odwrotność zmian z tamtego commita.</a:t>
+            </a:r>
+            <a:endParaRPr b="1" sz="1400">
+              <a:solidFill>
+                <a:srgbClr val="0C343D"/>
+              </a:solidFill>
+              <a:latin typeface="Tahoma"/>
+              <a:ea typeface="Tahoma"/>
+              <a:cs typeface="Tahoma"/>
+              <a:sym typeface="Tahoma"/>
+            </a:endParaRPr>
+          </a:p>
+          <a:p>
+            <a:pPr indent="0" lvl="0" marL="0" rtl="0" algn="l">
+              <a:lnSpc>
+                <a:spcPct val="100000"/>
+              </a:lnSpc>
+              <a:spcBef>
+                <a:spcPts val="0"/>
+              </a:spcBef>
+              <a:spcAft>
+                <a:spcPts val="0"/>
+              </a:spcAft>
+              <a:buNone/>
+            </a:pPr>
+            <a:r>
+              <a:t/>
+            </a:r>
+            <a:endParaRPr b="1" sz="1400">
+              <a:solidFill>
+                <a:srgbClr val="0C343D"/>
+              </a:solidFill>
+              <a:latin typeface="Tahoma"/>
+              <a:ea typeface="Tahoma"/>
+              <a:cs typeface="Tahoma"/>
+              <a:sym typeface="Tahoma"/>
+            </a:endParaRPr>
+          </a:p>
+          <a:p>
+            <a:pPr indent="0" lvl="0" marL="0" rtl="0" algn="l">
+              <a:lnSpc>
+                <a:spcPct val="100000"/>
+              </a:lnSpc>
+              <a:spcBef>
+                <a:spcPts val="0"/>
+              </a:spcBef>
+              <a:spcAft>
+                <a:spcPts val="0"/>
+              </a:spcAft>
+              <a:buNone/>
+            </a:pPr>
+            <a:r>
+              <a:rPr b="1" lang="pl" sz="1400">
+                <a:solidFill>
+                  <a:srgbClr val="0C343D"/>
+                </a:solidFill>
+                <a:latin typeface="Tahoma"/>
+                <a:ea typeface="Tahoma"/>
+                <a:cs typeface="Tahoma"/>
+                <a:sym typeface="Tahoma"/>
+              </a:rPr>
+              <a:t>Przykład 1:</a:t>
+            </a:r>
+            <a:endParaRPr b="1" sz="1400">
+              <a:solidFill>
+                <a:srgbClr val="0C343D"/>
+              </a:solidFill>
+              <a:latin typeface="Tahoma"/>
+              <a:ea typeface="Tahoma"/>
+              <a:cs typeface="Tahoma"/>
+              <a:sym typeface="Tahoma"/>
+            </a:endParaRPr>
+          </a:p>
+          <a:p>
+            <a:pPr indent="0" lvl="0" marL="0" rtl="0" algn="l">
+              <a:spcBef>
+                <a:spcPts val="0"/>
+              </a:spcBef>
+              <a:spcAft>
+                <a:spcPts val="1200"/>
+              </a:spcAft>
+              <a:buNone/>
+            </a:pPr>
+            <a:r>
+              <a:rPr lang="pl" sz="1400">
+                <a:solidFill>
+                  <a:srgbClr val="0C343D"/>
+                </a:solidFill>
+                <a:latin typeface="Tahoma"/>
+                <a:ea typeface="Tahoma"/>
+                <a:cs typeface="Tahoma"/>
+                <a:sym typeface="Tahoma"/>
+              </a:rPr>
+              <a:t>W commit</a:t>
+            </a:r>
+            <a:r>
+              <a:rPr b="1" lang="pl" sz="1400">
+                <a:solidFill>
+                  <a:srgbClr val="0C343D"/>
+                </a:solidFill>
+                <a:latin typeface="Tahoma"/>
+                <a:ea typeface="Tahoma"/>
+                <a:cs typeface="Tahoma"/>
+                <a:sym typeface="Tahoma"/>
+              </a:rPr>
+              <a:t> git show SHA-1 dodaliśmy w 2 linii tekst, a </a:t>
+            </a:r>
+            <a:r>
+              <a:rPr b="1" lang="pl" sz="1400">
+                <a:solidFill>
+                  <a:srgbClr val="0C343D"/>
+                </a:solidFill>
+                <a:latin typeface="Tahoma"/>
+                <a:ea typeface="Tahoma"/>
+                <a:cs typeface="Tahoma"/>
+                <a:sym typeface="Tahoma"/>
+              </a:rPr>
+              <a:t>usunęliśmy</a:t>
+            </a:r>
+            <a:r>
+              <a:rPr b="1" lang="pl" sz="1400">
+                <a:solidFill>
+                  <a:srgbClr val="0C343D"/>
+                </a:solidFill>
+                <a:latin typeface="Tahoma"/>
+                <a:ea typeface="Tahoma"/>
+                <a:cs typeface="Tahoma"/>
+                <a:sym typeface="Tahoma"/>
+              </a:rPr>
+              <a:t> pierwszą linie tekstu, to możemy to odwrócić. </a:t>
+            </a:r>
+            <a:r>
+              <a:rPr lang="pl" sz="1400">
+                <a:solidFill>
+                  <a:srgbClr val="0C343D"/>
+                </a:solidFill>
+                <a:latin typeface="Tahoma"/>
+                <a:ea typeface="Tahoma"/>
+                <a:cs typeface="Tahoma"/>
+                <a:sym typeface="Tahoma"/>
+              </a:rPr>
+              <a:t> Czyli po wykonaniu polecenia </a:t>
+            </a:r>
+            <a:r>
+              <a:rPr b="1" lang="pl" sz="1400">
+                <a:solidFill>
+                  <a:srgbClr val="0C343D"/>
+                </a:solidFill>
+                <a:latin typeface="Tahoma"/>
+                <a:ea typeface="Tahoma"/>
+                <a:cs typeface="Tahoma"/>
+                <a:sym typeface="Tahoma"/>
+              </a:rPr>
+              <a:t>git revert SHA-1 </a:t>
+            </a:r>
+            <a:r>
+              <a:rPr lang="pl" sz="1400">
+                <a:solidFill>
+                  <a:srgbClr val="0C343D"/>
+                </a:solidFill>
+                <a:latin typeface="Tahoma"/>
+                <a:ea typeface="Tahoma"/>
+                <a:cs typeface="Tahoma"/>
+                <a:sym typeface="Tahoma"/>
+              </a:rPr>
+              <a:t>odwrócimy to co było w pliku. </a:t>
+            </a:r>
+            <a:r>
+              <a:rPr b="1" lang="pl" sz="1400">
+                <a:solidFill>
+                  <a:srgbClr val="0C343D"/>
+                </a:solidFill>
+                <a:latin typeface="Tahoma"/>
+                <a:ea typeface="Tahoma"/>
+                <a:cs typeface="Tahoma"/>
+                <a:sym typeface="Tahoma"/>
+              </a:rPr>
+              <a:t>Druga linia zostanie </a:t>
+            </a:r>
+            <a:r>
+              <a:rPr b="1" lang="pl" sz="1400">
+                <a:solidFill>
+                  <a:srgbClr val="0C343D"/>
+                </a:solidFill>
+                <a:latin typeface="Tahoma"/>
+                <a:ea typeface="Tahoma"/>
+                <a:cs typeface="Tahoma"/>
+                <a:sym typeface="Tahoma"/>
+              </a:rPr>
+              <a:t>usunięta</a:t>
+            </a:r>
+            <a:r>
+              <a:rPr b="1" lang="pl" sz="1400">
+                <a:solidFill>
+                  <a:srgbClr val="0C343D"/>
+                </a:solidFill>
+                <a:latin typeface="Tahoma"/>
+                <a:ea typeface="Tahoma"/>
+                <a:cs typeface="Tahoma"/>
+                <a:sym typeface="Tahoma"/>
+              </a:rPr>
+              <a:t>, a pierwsza linia zostanie dodana z zawartością tekstu przed </a:t>
+            </a:r>
+            <a:r>
+              <a:rPr b="1" lang="pl" sz="1400">
+                <a:solidFill>
+                  <a:srgbClr val="0C343D"/>
+                </a:solidFill>
+                <a:latin typeface="Tahoma"/>
+                <a:ea typeface="Tahoma"/>
+                <a:cs typeface="Tahoma"/>
+                <a:sym typeface="Tahoma"/>
+              </a:rPr>
+              <a:t>usunięciem</a:t>
+            </a:r>
+            <a:r>
+              <a:rPr b="1" lang="pl" sz="1400">
+                <a:solidFill>
+                  <a:srgbClr val="0C343D"/>
+                </a:solidFill>
+                <a:latin typeface="Tahoma"/>
+                <a:ea typeface="Tahoma"/>
+                <a:cs typeface="Tahoma"/>
+                <a:sym typeface="Tahoma"/>
+              </a:rPr>
+              <a:t> jej</a:t>
+            </a:r>
+            <a:r>
+              <a:rPr lang="pl" sz="1400">
+                <a:solidFill>
+                  <a:srgbClr val="0C343D"/>
+                </a:solidFill>
+                <a:latin typeface="Tahoma"/>
+                <a:ea typeface="Tahoma"/>
+                <a:cs typeface="Tahoma"/>
+                <a:sym typeface="Tahoma"/>
+              </a:rPr>
+              <a:t>. </a:t>
+            </a:r>
+            <a:r>
+              <a:rPr lang="pl" sz="1400">
+                <a:solidFill>
+                  <a:srgbClr val="0C343D"/>
+                </a:solidFill>
+                <a:latin typeface="Tahoma"/>
+                <a:ea typeface="Tahoma"/>
+                <a:cs typeface="Tahoma"/>
+                <a:sym typeface="Tahoma"/>
+              </a:rPr>
+              <a:t>Pamiętajmy,</a:t>
+            </a:r>
+            <a:r>
+              <a:rPr lang="pl" sz="1400">
+                <a:solidFill>
+                  <a:srgbClr val="0C343D"/>
+                </a:solidFill>
+                <a:latin typeface="Tahoma"/>
+                <a:ea typeface="Tahoma"/>
+                <a:cs typeface="Tahoma"/>
+                <a:sym typeface="Tahoma"/>
+              </a:rPr>
+              <a:t> że ta</a:t>
+            </a:r>
+            <a:r>
+              <a:rPr b="1" lang="pl" sz="1400">
+                <a:solidFill>
+                  <a:srgbClr val="0C343D"/>
+                </a:solidFill>
+                <a:latin typeface="Tahoma"/>
+                <a:ea typeface="Tahoma"/>
+                <a:cs typeface="Tahoma"/>
+                <a:sym typeface="Tahoma"/>
+              </a:rPr>
+              <a:t> zmiana dodaje nowy commit</a:t>
+            </a:r>
+            <a:endParaRPr b="1" sz="1400">
+              <a:solidFill>
+                <a:srgbClr val="0C343D"/>
+              </a:solidFill>
+              <a:latin typeface="Tahoma"/>
+              <a:ea typeface="Tahoma"/>
+              <a:cs typeface="Tahoma"/>
+              <a:sym typeface="Tahoma"/>
+            </a:endParaRPr>
+          </a:p>
+        </p:txBody>
+      </p:sp>
+    </p:spTree>
+  </p:cSld>
+  <p:clrMapOvr>
+    <a:masterClrMapping/>
+  </p:clrMapOvr>
+</p:sld>
+</file>
+
+<file path=ppt/slides/slide38.xml><?xml version="1.0" encoding="utf-8"?>
+<p:sld xmlns:a="http://schemas.openxmlformats.org/drawingml/2006/main" xmlns:r="http://schemas.openxmlformats.org/officeDocument/2006/relationships" xmlns:mc="http://schemas.openxmlformats.org/markup-compatibility/2006" xmlns:mv="urn:schemas-microsoft-com:mac:vml" xmlns:p="http://schemas.openxmlformats.org/presentationml/2006/main" xmlns:c="http://schemas.openxmlformats.org/drawingml/2006/chart" xmlns:dgm="http://schemas.openxmlformats.org/drawingml/2006/diagram" xmlns:o="urn:schemas-microsoft-com:office:office" xmlns:v="urn:schemas-microsoft-com:vml" xmlns:pvml="urn:schemas-microsoft-com:office:powerpoint" xmlns:com="http://schemas.openxmlformats.org/drawingml/2006/compatibility" xmlns:p14="http://schemas.microsoft.com/office/powerpoint/2010/main" xmlns:p15="http://schemas.microsoft.com/office/powerpoint/2012/main" xmlns:ahyp="http://schemas.microsoft.com/office/drawing/2018/hyperlinkcolor">
+  <p:cSld>
+    <p:spTree>
+      <p:nvGrpSpPr>
+        <p:cNvPr id="311" name="Shape 311"/>
+        <p:cNvGrpSpPr/>
+        <p:nvPr/>
+      </p:nvGrpSpPr>
+      <p:grpSpPr>
+        <a:xfrm>
+          <a:off x="0" y="0"/>
+          <a:ext cx="0" cy="0"/>
+          <a:chOff x="0" y="0"/>
+          <a:chExt cx="0" cy="0"/>
+        </a:xfrm>
+      </p:grpSpPr>
+      <p:sp>
+        <p:nvSpPr>
+          <p:cNvPr id="312" name="Google Shape;312;p50"/>
+          <p:cNvSpPr txBox="1"/>
+          <p:nvPr>
+            <p:ph type="title"/>
+          </p:nvPr>
+        </p:nvSpPr>
+        <p:spPr>
+          <a:xfrm>
+            <a:off x="729450" y="1318650"/>
+            <a:ext cx="7688700" cy="535200"/>
+          </a:xfrm>
+          <a:prstGeom prst="rect">
+            <a:avLst/>
+          </a:prstGeom>
+        </p:spPr>
+        <p:txBody>
+          <a:bodyPr anchorCtr="0" anchor="t" bIns="91425" lIns="91425" spcFirstLastPara="1" rIns="91425" wrap="square" tIns="91425">
+            <a:noAutofit/>
+          </a:bodyPr>
+          <a:lstStyle/>
+          <a:p>
+            <a:pPr indent="0" lvl="0" marL="0" rtl="0" algn="l">
+              <a:spcBef>
+                <a:spcPts val="0"/>
+              </a:spcBef>
+              <a:spcAft>
+                <a:spcPts val="0"/>
+              </a:spcAft>
+              <a:buSzPts val="990"/>
+              <a:buNone/>
+            </a:pPr>
+            <a:r>
+              <a:rPr lang="pl" sz="2440">
+                <a:latin typeface="Tahoma"/>
+                <a:ea typeface="Tahoma"/>
+                <a:cs typeface="Tahoma"/>
+                <a:sym typeface="Tahoma"/>
+              </a:rPr>
+              <a:t>Działanie git reset z historią commit</a:t>
+            </a:r>
+            <a:endParaRPr sz="2440">
+              <a:latin typeface="Tahoma"/>
+              <a:ea typeface="Tahoma"/>
+              <a:cs typeface="Tahoma"/>
+              <a:sym typeface="Tahoma"/>
+            </a:endParaRPr>
+          </a:p>
+        </p:txBody>
+      </p:sp>
+      <p:sp>
+        <p:nvSpPr>
+          <p:cNvPr id="313" name="Google Shape;313;p50"/>
+          <p:cNvSpPr txBox="1"/>
+          <p:nvPr>
+            <p:ph idx="1" type="body"/>
+          </p:nvPr>
+        </p:nvSpPr>
+        <p:spPr>
+          <a:xfrm>
+            <a:off x="729450" y="2078875"/>
+            <a:ext cx="7688700" cy="2261100"/>
+          </a:xfrm>
+          <a:prstGeom prst="rect">
+            <a:avLst/>
+          </a:prstGeom>
+        </p:spPr>
+        <p:txBody>
+          <a:bodyPr anchorCtr="0" anchor="t" bIns="91425" lIns="91425" spcFirstLastPara="1" rIns="91425" wrap="square" tIns="91425">
+            <a:normAutofit/>
+          </a:bodyPr>
+          <a:lstStyle/>
+          <a:p>
+            <a:pPr indent="0" lvl="0" marL="0" rtl="0" algn="l">
+              <a:spcBef>
+                <a:spcPts val="0"/>
+              </a:spcBef>
+              <a:spcAft>
+                <a:spcPts val="0"/>
+              </a:spcAft>
+              <a:buNone/>
+            </a:pPr>
+            <a:r>
+              <a:rPr b="1" lang="pl" sz="1400">
+                <a:solidFill>
+                  <a:srgbClr val="783F04"/>
+                </a:solidFill>
+                <a:latin typeface="Tahoma"/>
+                <a:ea typeface="Tahoma"/>
+                <a:cs typeface="Tahoma"/>
+                <a:sym typeface="Tahoma"/>
+              </a:rPr>
+              <a:t>git reset</a:t>
+            </a:r>
+            <a:r>
+              <a:rPr b="1" lang="pl" sz="1400">
+                <a:solidFill>
+                  <a:srgbClr val="000000"/>
+                </a:solidFill>
+                <a:latin typeface="Tahoma"/>
+                <a:ea typeface="Tahoma"/>
+                <a:cs typeface="Tahoma"/>
+                <a:sym typeface="Tahoma"/>
+              </a:rPr>
+              <a:t> </a:t>
+            </a:r>
+            <a:r>
+              <a:rPr lang="pl" sz="1400">
+                <a:solidFill>
+                  <a:srgbClr val="000000"/>
+                </a:solidFill>
+                <a:latin typeface="Tahoma"/>
+                <a:ea typeface="Tahoma"/>
+                <a:cs typeface="Tahoma"/>
+                <a:sym typeface="Tahoma"/>
+              </a:rPr>
+              <a:t>- </a:t>
+            </a:r>
+            <a:r>
+              <a:rPr b="1" lang="pl" sz="1400">
+                <a:solidFill>
+                  <a:srgbClr val="0C343D"/>
+                </a:solidFill>
+                <a:latin typeface="Tahoma"/>
+                <a:ea typeface="Tahoma"/>
+                <a:cs typeface="Tahoma"/>
+                <a:sym typeface="Tahoma"/>
+              </a:rPr>
+              <a:t>resetuje index do danego commit </a:t>
+            </a:r>
+            <a:r>
+              <a:rPr lang="pl" sz="1400">
+                <a:solidFill>
+                  <a:srgbClr val="000000"/>
+                </a:solidFill>
+                <a:latin typeface="Tahoma"/>
+                <a:ea typeface="Tahoma"/>
+                <a:cs typeface="Tahoma"/>
+                <a:sym typeface="Tahoma"/>
+              </a:rPr>
+              <a:t>lub </a:t>
+            </a:r>
+            <a:r>
+              <a:rPr b="1" lang="pl" sz="1400">
+                <a:solidFill>
+                  <a:srgbClr val="0C343D"/>
+                </a:solidFill>
+                <a:latin typeface="Tahoma"/>
+                <a:ea typeface="Tahoma"/>
+                <a:cs typeface="Tahoma"/>
+                <a:sym typeface="Tahoma"/>
+              </a:rPr>
+              <a:t>zresetowanie indexu do wybranych plików danego commit</a:t>
+            </a:r>
+            <a:r>
+              <a:rPr lang="pl" sz="1400">
+                <a:solidFill>
+                  <a:srgbClr val="000000"/>
+                </a:solidFill>
+                <a:latin typeface="Tahoma"/>
+                <a:ea typeface="Tahoma"/>
+                <a:cs typeface="Tahoma"/>
+                <a:sym typeface="Tahoma"/>
+              </a:rPr>
+              <a:t>. Czyli </a:t>
+            </a:r>
+            <a:r>
+              <a:rPr b="1" lang="pl" sz="1400">
+                <a:solidFill>
+                  <a:srgbClr val="0C343D"/>
+                </a:solidFill>
+                <a:latin typeface="Tahoma"/>
+                <a:ea typeface="Tahoma"/>
+                <a:cs typeface="Tahoma"/>
+                <a:sym typeface="Tahoma"/>
+              </a:rPr>
+              <a:t>git reset HEAD nazwa.txt</a:t>
+            </a:r>
+            <a:r>
+              <a:rPr lang="pl" sz="1400">
+                <a:solidFill>
+                  <a:srgbClr val="000000"/>
+                </a:solidFill>
+                <a:latin typeface="Tahoma"/>
+                <a:ea typeface="Tahoma"/>
+                <a:cs typeface="Tahoma"/>
+                <a:sym typeface="Tahoma"/>
+              </a:rPr>
+              <a:t>, </a:t>
+            </a:r>
+            <a:r>
+              <a:rPr b="1" lang="pl" sz="1400">
+                <a:solidFill>
+                  <a:srgbClr val="000000"/>
+                </a:solidFill>
+                <a:latin typeface="Tahoma"/>
+                <a:ea typeface="Tahoma"/>
+                <a:cs typeface="Tahoma"/>
+                <a:sym typeface="Tahoma"/>
+              </a:rPr>
+              <a:t>pobierze z ostatniego commit plik nazwa.txt przywróci do index</a:t>
+            </a:r>
+            <a:r>
+              <a:rPr lang="pl" sz="1400">
+                <a:solidFill>
+                  <a:srgbClr val="000000"/>
+                </a:solidFill>
+                <a:latin typeface="Tahoma"/>
+                <a:ea typeface="Tahoma"/>
+                <a:cs typeface="Tahoma"/>
+                <a:sym typeface="Tahoma"/>
+              </a:rPr>
+              <a:t>. Natomiast </a:t>
+            </a:r>
+            <a:r>
+              <a:rPr b="1" lang="pl" sz="1400">
+                <a:solidFill>
+                  <a:srgbClr val="0C343D"/>
+                </a:solidFill>
+                <a:latin typeface="Tahoma"/>
+                <a:ea typeface="Tahoma"/>
+                <a:cs typeface="Tahoma"/>
+                <a:sym typeface="Tahoma"/>
+              </a:rPr>
+              <a:t>to co jest obecnie w index umieści w katalogu roboczym</a:t>
+            </a:r>
+            <a:endParaRPr b="1" sz="1400">
+              <a:solidFill>
+                <a:srgbClr val="0C343D"/>
+              </a:solidFill>
+              <a:latin typeface="Tahoma"/>
+              <a:ea typeface="Tahoma"/>
+              <a:cs typeface="Tahoma"/>
+              <a:sym typeface="Tahoma"/>
+            </a:endParaRPr>
+          </a:p>
+          <a:p>
+            <a:pPr indent="0" lvl="0" marL="0" rtl="0" algn="l">
+              <a:spcBef>
+                <a:spcPts val="1200"/>
+              </a:spcBef>
+              <a:spcAft>
+                <a:spcPts val="1200"/>
+              </a:spcAft>
+              <a:buNone/>
+            </a:pPr>
+            <a:r>
+              <a:rPr b="1" lang="pl" sz="1400">
+                <a:solidFill>
+                  <a:srgbClr val="0C343D"/>
+                </a:solidFill>
+                <a:latin typeface="Tahoma"/>
+                <a:ea typeface="Tahoma"/>
+                <a:cs typeface="Tahoma"/>
+                <a:sym typeface="Tahoma"/>
+              </a:rPr>
+              <a:t>Sprawdzenie </a:t>
+            </a:r>
+            <a:r>
+              <a:rPr lang="pl" sz="1400">
+                <a:solidFill>
+                  <a:srgbClr val="0C343D"/>
+                </a:solidFill>
+                <a:latin typeface="Tahoma"/>
+                <a:ea typeface="Tahoma"/>
+                <a:cs typeface="Tahoma"/>
+                <a:sym typeface="Tahoma"/>
+              </a:rPr>
+              <a:t>wykonuje się poleceniem</a:t>
+            </a:r>
+            <a:r>
+              <a:rPr b="1" lang="pl" sz="1400">
+                <a:solidFill>
+                  <a:srgbClr val="0C343D"/>
+                </a:solidFill>
+                <a:latin typeface="Tahoma"/>
+                <a:ea typeface="Tahoma"/>
+                <a:cs typeface="Tahoma"/>
+                <a:sym typeface="Tahoma"/>
+              </a:rPr>
+              <a:t> git restore nazwa-pliku</a:t>
+            </a:r>
+            <a:endParaRPr b="1" sz="1400">
+              <a:solidFill>
+                <a:srgbClr val="0C343D"/>
+              </a:solidFill>
+              <a:latin typeface="Tahoma"/>
+              <a:ea typeface="Tahoma"/>
+              <a:cs typeface="Tahoma"/>
+              <a:sym typeface="Tahoma"/>
+            </a:endParaRPr>
+          </a:p>
+        </p:txBody>
+      </p:sp>
+    </p:spTree>
+  </p:cSld>
+  <p:clrMapOvr>
+    <a:masterClrMapping/>
+  </p:clrMapOvr>
+</p:sld>
+</file>
+
+<file path=ppt/slides/slide39.xml><?xml version="1.0" encoding="utf-8"?>
+<p:sld xmlns:a="http://schemas.openxmlformats.org/drawingml/2006/main" xmlns:r="http://schemas.openxmlformats.org/officeDocument/2006/relationships" xmlns:mc="http://schemas.openxmlformats.org/markup-compatibility/2006" xmlns:mv="urn:schemas-microsoft-com:mac:vml" xmlns:p="http://schemas.openxmlformats.org/presentationml/2006/main" xmlns:c="http://schemas.openxmlformats.org/drawingml/2006/chart" xmlns:dgm="http://schemas.openxmlformats.org/drawingml/2006/diagram" xmlns:o="urn:schemas-microsoft-com:office:office" xmlns:v="urn:schemas-microsoft-com:vml" xmlns:pvml="urn:schemas-microsoft-com:office:powerpoint" xmlns:com="http://schemas.openxmlformats.org/drawingml/2006/compatibility" xmlns:p14="http://schemas.microsoft.com/office/powerpoint/2010/main" xmlns:p15="http://schemas.microsoft.com/office/powerpoint/2012/main" xmlns:ahyp="http://schemas.microsoft.com/office/drawing/2018/hyperlinkcolor">
+  <p:cSld>
+    <p:spTree>
+      <p:nvGrpSpPr>
+        <p:cNvPr id="317" name="Shape 317"/>
+        <p:cNvGrpSpPr/>
+        <p:nvPr/>
+      </p:nvGrpSpPr>
+      <p:grpSpPr>
+        <a:xfrm>
+          <a:off x="0" y="0"/>
+          <a:ext cx="0" cy="0"/>
+          <a:chOff x="0" y="0"/>
+          <a:chExt cx="0" cy="0"/>
+        </a:xfrm>
+      </p:grpSpPr>
+      <p:sp>
+        <p:nvSpPr>
+          <p:cNvPr id="318" name="Google Shape;318;p51"/>
+          <p:cNvSpPr txBox="1"/>
+          <p:nvPr>
+            <p:ph type="title"/>
+          </p:nvPr>
+        </p:nvSpPr>
+        <p:spPr>
+          <a:xfrm>
+            <a:off x="729450" y="1318650"/>
+            <a:ext cx="7688700" cy="535200"/>
+          </a:xfrm>
+          <a:prstGeom prst="rect">
+            <a:avLst/>
+          </a:prstGeom>
+        </p:spPr>
+        <p:txBody>
+          <a:bodyPr anchorCtr="0" anchor="t" bIns="91425" lIns="91425" spcFirstLastPara="1" rIns="91425" wrap="square" tIns="91425">
+            <a:noAutofit/>
+          </a:bodyPr>
+          <a:lstStyle/>
+          <a:p>
+            <a:pPr indent="0" lvl="0" marL="0" rtl="0" algn="l">
+              <a:spcBef>
+                <a:spcPts val="0"/>
+              </a:spcBef>
+              <a:spcAft>
+                <a:spcPts val="0"/>
+              </a:spcAft>
+              <a:buSzPts val="990"/>
+              <a:buNone/>
+            </a:pPr>
+            <a:r>
+              <a:rPr lang="pl" sz="2440">
+                <a:latin typeface="Tahoma"/>
+                <a:ea typeface="Tahoma"/>
+                <a:cs typeface="Tahoma"/>
+                <a:sym typeface="Tahoma"/>
+              </a:rPr>
+              <a:t>git rebase -</a:t>
+            </a:r>
+            <a:r>
+              <a:rPr lang="pl" sz="2440">
+                <a:latin typeface="Tahoma"/>
+                <a:ea typeface="Tahoma"/>
+                <a:cs typeface="Tahoma"/>
+                <a:sym typeface="Tahoma"/>
+              </a:rPr>
+              <a:t>interactive</a:t>
+            </a:r>
+            <a:r>
+              <a:rPr lang="pl" sz="2440">
+                <a:latin typeface="Tahoma"/>
+                <a:ea typeface="Tahoma"/>
+                <a:cs typeface="Tahoma"/>
+                <a:sym typeface="Tahoma"/>
+              </a:rPr>
+              <a:t> HEAD~</a:t>
+            </a:r>
+            <a:endParaRPr sz="2440">
+              <a:latin typeface="Tahoma"/>
+              <a:ea typeface="Tahoma"/>
+              <a:cs typeface="Tahoma"/>
+              <a:sym typeface="Tahoma"/>
+            </a:endParaRPr>
+          </a:p>
+        </p:txBody>
+      </p:sp>
+      <p:sp>
+        <p:nvSpPr>
+          <p:cNvPr id="319" name="Google Shape;319;p51"/>
+          <p:cNvSpPr txBox="1"/>
+          <p:nvPr>
+            <p:ph idx="1" type="body"/>
+          </p:nvPr>
+        </p:nvSpPr>
+        <p:spPr>
+          <a:xfrm>
+            <a:off x="729450" y="2078875"/>
+            <a:ext cx="7688700" cy="3064500"/>
+          </a:xfrm>
+          <a:prstGeom prst="rect">
+            <a:avLst/>
+          </a:prstGeom>
+        </p:spPr>
+        <p:txBody>
+          <a:bodyPr anchorCtr="0" anchor="t" bIns="91425" lIns="91425" spcFirstLastPara="1" rIns="91425" wrap="square" tIns="91425">
+            <a:normAutofit fontScale="92500" lnSpcReduction="20000"/>
+          </a:bodyPr>
+          <a:lstStyle/>
+          <a:p>
+            <a:pPr indent="0" lvl="0" marL="0" rtl="0" algn="l">
+              <a:lnSpc>
+                <a:spcPct val="100000"/>
+              </a:lnSpc>
+              <a:spcBef>
+                <a:spcPts val="0"/>
+              </a:spcBef>
+              <a:spcAft>
+                <a:spcPts val="0"/>
+              </a:spcAft>
+              <a:buNone/>
+            </a:pPr>
+            <a:r>
+              <a:rPr b="1" lang="pl" sz="1400">
+                <a:solidFill>
+                  <a:srgbClr val="783F04"/>
+                </a:solidFill>
+                <a:latin typeface="Tahoma"/>
+                <a:ea typeface="Tahoma"/>
+                <a:cs typeface="Tahoma"/>
+                <a:sym typeface="Tahoma"/>
+              </a:rPr>
+              <a:t>git rebase</a:t>
+            </a:r>
+            <a:r>
+              <a:rPr lang="pl" sz="1400">
+                <a:solidFill>
+                  <a:srgbClr val="000000"/>
+                </a:solidFill>
+                <a:latin typeface="Tahoma"/>
+                <a:ea typeface="Tahoma"/>
+                <a:cs typeface="Tahoma"/>
+                <a:sym typeface="Tahoma"/>
+              </a:rPr>
+              <a:t> - </a:t>
+            </a:r>
+            <a:r>
+              <a:rPr b="1" lang="pl" sz="1400">
+                <a:solidFill>
+                  <a:srgbClr val="0C343D"/>
+                </a:solidFill>
+                <a:latin typeface="Tahoma"/>
+                <a:ea typeface="Tahoma"/>
+                <a:cs typeface="Tahoma"/>
+                <a:sym typeface="Tahoma"/>
+              </a:rPr>
+              <a:t>służy do przeniesienia commit z jednego miejsca do drugiego. </a:t>
+            </a:r>
+            <a:r>
+              <a:rPr lang="pl" sz="1400">
+                <a:solidFill>
+                  <a:srgbClr val="0C343D"/>
+                </a:solidFill>
+                <a:latin typeface="Tahoma"/>
+                <a:ea typeface="Tahoma"/>
+                <a:cs typeface="Tahoma"/>
+                <a:sym typeface="Tahoma"/>
+              </a:rPr>
+              <a:t>W </a:t>
+            </a:r>
+            <a:r>
+              <a:rPr lang="pl" sz="1400">
+                <a:solidFill>
+                  <a:srgbClr val="0C343D"/>
+                </a:solidFill>
+                <a:latin typeface="Tahoma"/>
+                <a:ea typeface="Tahoma"/>
+                <a:cs typeface="Tahoma"/>
+                <a:sym typeface="Tahoma"/>
+              </a:rPr>
+              <a:t>szczególności</a:t>
+            </a:r>
+            <a:r>
+              <a:rPr lang="pl" sz="1400">
+                <a:solidFill>
+                  <a:srgbClr val="0C343D"/>
+                </a:solidFill>
+                <a:latin typeface="Tahoma"/>
+                <a:ea typeface="Tahoma"/>
+                <a:cs typeface="Tahoma"/>
+                <a:sym typeface="Tahoma"/>
+              </a:rPr>
+              <a:t> do poprawy commit, </a:t>
+            </a:r>
+            <a:r>
+              <a:rPr lang="pl" sz="1400">
+                <a:solidFill>
+                  <a:srgbClr val="0C343D"/>
+                </a:solidFill>
+                <a:latin typeface="Tahoma"/>
+                <a:ea typeface="Tahoma"/>
+                <a:cs typeface="Tahoma"/>
+                <a:sym typeface="Tahoma"/>
+              </a:rPr>
+              <a:t>łączenia</a:t>
+            </a:r>
+            <a:r>
+              <a:rPr lang="pl" sz="1400">
+                <a:solidFill>
+                  <a:srgbClr val="0C343D"/>
+                </a:solidFill>
+                <a:latin typeface="Tahoma"/>
+                <a:ea typeface="Tahoma"/>
+                <a:cs typeface="Tahoma"/>
+                <a:sym typeface="Tahoma"/>
+              </a:rPr>
+              <a:t> ich, układania w odpowiedniej kolejności, usuniecia zbędnych commit</a:t>
+            </a:r>
+            <a:endParaRPr sz="1400">
+              <a:solidFill>
+                <a:srgbClr val="0C343D"/>
+              </a:solidFill>
+              <a:latin typeface="Tahoma"/>
+              <a:ea typeface="Tahoma"/>
+              <a:cs typeface="Tahoma"/>
+              <a:sym typeface="Tahoma"/>
+            </a:endParaRPr>
+          </a:p>
+          <a:p>
+            <a:pPr indent="0" lvl="0" marL="0" rtl="0" algn="l">
+              <a:lnSpc>
+                <a:spcPct val="100000"/>
+              </a:lnSpc>
+              <a:spcBef>
+                <a:spcPts val="0"/>
+              </a:spcBef>
+              <a:spcAft>
+                <a:spcPts val="0"/>
+              </a:spcAft>
+              <a:buNone/>
+            </a:pPr>
+            <a:r>
+              <a:t/>
+            </a:r>
+            <a:endParaRPr sz="1400">
+              <a:solidFill>
+                <a:srgbClr val="000000"/>
+              </a:solidFill>
+              <a:latin typeface="Tahoma"/>
+              <a:ea typeface="Tahoma"/>
+              <a:cs typeface="Tahoma"/>
+              <a:sym typeface="Tahoma"/>
+            </a:endParaRPr>
+          </a:p>
+          <a:p>
+            <a:pPr indent="0" lvl="0" marL="0" rtl="0" algn="l">
+              <a:lnSpc>
+                <a:spcPct val="100000"/>
+              </a:lnSpc>
+              <a:spcBef>
+                <a:spcPts val="0"/>
+              </a:spcBef>
+              <a:spcAft>
+                <a:spcPts val="0"/>
+              </a:spcAft>
+              <a:buNone/>
+            </a:pPr>
+            <a:r>
+              <a:rPr lang="pl" sz="1400">
+                <a:solidFill>
+                  <a:srgbClr val="274E13"/>
+                </a:solidFill>
+                <a:latin typeface="Tahoma"/>
+                <a:ea typeface="Tahoma"/>
+                <a:cs typeface="Tahoma"/>
+                <a:sym typeface="Tahoma"/>
+              </a:rPr>
+              <a:t>Commands:</a:t>
+            </a:r>
+            <a:endParaRPr sz="1400">
+              <a:solidFill>
+                <a:srgbClr val="274E13"/>
+              </a:solidFill>
+              <a:latin typeface="Tahoma"/>
+              <a:ea typeface="Tahoma"/>
+              <a:cs typeface="Tahoma"/>
+              <a:sym typeface="Tahoma"/>
+            </a:endParaRPr>
+          </a:p>
+          <a:p>
+            <a:pPr indent="0" lvl="0" marL="0" rtl="0" algn="l">
+              <a:lnSpc>
+                <a:spcPct val="100000"/>
+              </a:lnSpc>
+              <a:spcBef>
+                <a:spcPts val="0"/>
+              </a:spcBef>
+              <a:spcAft>
+                <a:spcPts val="0"/>
+              </a:spcAft>
+              <a:buNone/>
+            </a:pPr>
+            <a:r>
+              <a:rPr lang="pl" sz="1400">
+                <a:solidFill>
+                  <a:srgbClr val="274E13"/>
+                </a:solidFill>
+                <a:latin typeface="Tahoma"/>
+                <a:ea typeface="Tahoma"/>
+                <a:cs typeface="Tahoma"/>
+                <a:sym typeface="Tahoma"/>
+              </a:rPr>
+              <a:t># p, pick &lt;commit&gt; = use commit</a:t>
+            </a:r>
+            <a:endParaRPr sz="1400">
+              <a:solidFill>
+                <a:srgbClr val="274E13"/>
+              </a:solidFill>
+              <a:latin typeface="Tahoma"/>
+              <a:ea typeface="Tahoma"/>
+              <a:cs typeface="Tahoma"/>
+              <a:sym typeface="Tahoma"/>
+            </a:endParaRPr>
+          </a:p>
+          <a:p>
+            <a:pPr indent="0" lvl="0" marL="0" rtl="0" algn="l">
+              <a:lnSpc>
+                <a:spcPct val="100000"/>
+              </a:lnSpc>
+              <a:spcBef>
+                <a:spcPts val="0"/>
+              </a:spcBef>
+              <a:spcAft>
+                <a:spcPts val="0"/>
+              </a:spcAft>
+              <a:buNone/>
+            </a:pPr>
+            <a:r>
+              <a:rPr lang="pl" sz="1400">
+                <a:solidFill>
+                  <a:srgbClr val="274E13"/>
+                </a:solidFill>
+                <a:latin typeface="Tahoma"/>
+                <a:ea typeface="Tahoma"/>
+                <a:cs typeface="Tahoma"/>
+                <a:sym typeface="Tahoma"/>
+              </a:rPr>
+              <a:t># r, reword &lt;commit&gt; = use commit, but edit the commit message</a:t>
+            </a:r>
+            <a:endParaRPr sz="1400">
+              <a:solidFill>
+                <a:srgbClr val="274E13"/>
+              </a:solidFill>
+              <a:latin typeface="Tahoma"/>
+              <a:ea typeface="Tahoma"/>
+              <a:cs typeface="Tahoma"/>
+              <a:sym typeface="Tahoma"/>
+            </a:endParaRPr>
+          </a:p>
+          <a:p>
+            <a:pPr indent="0" lvl="0" marL="0" rtl="0" algn="l">
+              <a:lnSpc>
+                <a:spcPct val="100000"/>
+              </a:lnSpc>
+              <a:spcBef>
+                <a:spcPts val="0"/>
+              </a:spcBef>
+              <a:spcAft>
+                <a:spcPts val="0"/>
+              </a:spcAft>
+              <a:buNone/>
+            </a:pPr>
+            <a:r>
+              <a:rPr lang="pl" sz="1400">
+                <a:solidFill>
+                  <a:srgbClr val="274E13"/>
+                </a:solidFill>
+                <a:latin typeface="Tahoma"/>
+                <a:ea typeface="Tahoma"/>
+                <a:cs typeface="Tahoma"/>
+                <a:sym typeface="Tahoma"/>
+              </a:rPr>
+              <a:t># e, edit &lt;commit&gt; = use commit, but stop for amending</a:t>
+            </a:r>
+            <a:endParaRPr sz="1400">
+              <a:solidFill>
+                <a:srgbClr val="274E13"/>
+              </a:solidFill>
+              <a:latin typeface="Tahoma"/>
+              <a:ea typeface="Tahoma"/>
+              <a:cs typeface="Tahoma"/>
+              <a:sym typeface="Tahoma"/>
+            </a:endParaRPr>
+          </a:p>
+          <a:p>
+            <a:pPr indent="0" lvl="0" marL="0" rtl="0" algn="l">
+              <a:lnSpc>
+                <a:spcPct val="100000"/>
+              </a:lnSpc>
+              <a:spcBef>
+                <a:spcPts val="0"/>
+              </a:spcBef>
+              <a:spcAft>
+                <a:spcPts val="0"/>
+              </a:spcAft>
+              <a:buNone/>
+            </a:pPr>
+            <a:r>
+              <a:rPr lang="pl" sz="1400">
+                <a:solidFill>
+                  <a:srgbClr val="274E13"/>
+                </a:solidFill>
+                <a:latin typeface="Tahoma"/>
+                <a:ea typeface="Tahoma"/>
+                <a:cs typeface="Tahoma"/>
+                <a:sym typeface="Tahoma"/>
+              </a:rPr>
+              <a:t># s, squash &lt;commit&gt; = use commit, but meld into previous commit</a:t>
+            </a:r>
+            <a:endParaRPr sz="1400">
+              <a:solidFill>
+                <a:srgbClr val="274E13"/>
+              </a:solidFill>
+              <a:latin typeface="Tahoma"/>
+              <a:ea typeface="Tahoma"/>
+              <a:cs typeface="Tahoma"/>
+              <a:sym typeface="Tahoma"/>
+            </a:endParaRPr>
+          </a:p>
+          <a:p>
+            <a:pPr indent="0" lvl="0" marL="0" rtl="0" algn="l">
+              <a:lnSpc>
+                <a:spcPct val="100000"/>
+              </a:lnSpc>
+              <a:spcBef>
+                <a:spcPts val="0"/>
+              </a:spcBef>
+              <a:spcAft>
+                <a:spcPts val="0"/>
+              </a:spcAft>
+              <a:buNone/>
+            </a:pPr>
+            <a:r>
+              <a:rPr lang="pl" sz="1400">
+                <a:solidFill>
+                  <a:srgbClr val="274E13"/>
+                </a:solidFill>
+                <a:latin typeface="Tahoma"/>
+                <a:ea typeface="Tahoma"/>
+                <a:cs typeface="Tahoma"/>
+                <a:sym typeface="Tahoma"/>
+              </a:rPr>
+              <a:t># f, fixup &lt;commit&gt; = like "squash", but discard this commit's log message</a:t>
+            </a:r>
+            <a:endParaRPr sz="1400">
+              <a:solidFill>
+                <a:srgbClr val="274E13"/>
+              </a:solidFill>
+              <a:latin typeface="Tahoma"/>
+              <a:ea typeface="Tahoma"/>
+              <a:cs typeface="Tahoma"/>
+              <a:sym typeface="Tahoma"/>
+            </a:endParaRPr>
+          </a:p>
+          <a:p>
+            <a:pPr indent="0" lvl="0" marL="0" rtl="0" algn="l">
+              <a:lnSpc>
+                <a:spcPct val="100000"/>
+              </a:lnSpc>
+              <a:spcBef>
+                <a:spcPts val="0"/>
+              </a:spcBef>
+              <a:spcAft>
+                <a:spcPts val="0"/>
+              </a:spcAft>
+              <a:buNone/>
+            </a:pPr>
+            <a:r>
+              <a:rPr lang="pl" sz="1400">
+                <a:solidFill>
+                  <a:srgbClr val="274E13"/>
+                </a:solidFill>
+                <a:latin typeface="Tahoma"/>
+                <a:ea typeface="Tahoma"/>
+                <a:cs typeface="Tahoma"/>
+                <a:sym typeface="Tahoma"/>
+              </a:rPr>
+              <a:t># x, exec &lt;command&gt; = run command (the rest of the line) using shell</a:t>
+            </a:r>
+            <a:endParaRPr sz="1400">
+              <a:solidFill>
+                <a:srgbClr val="274E13"/>
+              </a:solidFill>
+              <a:latin typeface="Tahoma"/>
+              <a:ea typeface="Tahoma"/>
+              <a:cs typeface="Tahoma"/>
+              <a:sym typeface="Tahoma"/>
+            </a:endParaRPr>
+          </a:p>
+          <a:p>
+            <a:pPr indent="0" lvl="0" marL="0" rtl="0" algn="l">
+              <a:lnSpc>
+                <a:spcPct val="100000"/>
+              </a:lnSpc>
+              <a:spcBef>
+                <a:spcPts val="0"/>
+              </a:spcBef>
+              <a:spcAft>
+                <a:spcPts val="0"/>
+              </a:spcAft>
+              <a:buNone/>
+            </a:pPr>
+            <a:r>
+              <a:rPr lang="pl" sz="1400">
+                <a:solidFill>
+                  <a:srgbClr val="274E13"/>
+                </a:solidFill>
+                <a:latin typeface="Tahoma"/>
+                <a:ea typeface="Tahoma"/>
+                <a:cs typeface="Tahoma"/>
+                <a:sym typeface="Tahoma"/>
+              </a:rPr>
+              <a:t># b, break = stop here (continue rebase later with 'git rebase --continue')</a:t>
+            </a:r>
+            <a:endParaRPr sz="1400">
+              <a:solidFill>
+                <a:srgbClr val="274E13"/>
+              </a:solidFill>
+              <a:latin typeface="Tahoma"/>
+              <a:ea typeface="Tahoma"/>
+              <a:cs typeface="Tahoma"/>
+              <a:sym typeface="Tahoma"/>
+            </a:endParaRPr>
+          </a:p>
+          <a:p>
+            <a:pPr indent="0" lvl="0" marL="0" rtl="0" algn="l">
+              <a:lnSpc>
+                <a:spcPct val="100000"/>
+              </a:lnSpc>
+              <a:spcBef>
+                <a:spcPts val="0"/>
+              </a:spcBef>
+              <a:spcAft>
+                <a:spcPts val="0"/>
+              </a:spcAft>
+              <a:buNone/>
+            </a:pPr>
+            <a:r>
+              <a:rPr lang="pl" sz="1400">
+                <a:solidFill>
+                  <a:srgbClr val="274E13"/>
+                </a:solidFill>
+                <a:latin typeface="Tahoma"/>
+                <a:ea typeface="Tahoma"/>
+                <a:cs typeface="Tahoma"/>
+                <a:sym typeface="Tahoma"/>
+              </a:rPr>
+              <a:t># d, drop &lt;commit&gt; = remove commit</a:t>
+            </a:r>
+            <a:endParaRPr sz="1400">
+              <a:solidFill>
+                <a:srgbClr val="274E13"/>
+              </a:solidFill>
+              <a:latin typeface="Tahoma"/>
+              <a:ea typeface="Tahoma"/>
+              <a:cs typeface="Tahoma"/>
+              <a:sym typeface="Tahoma"/>
+            </a:endParaRPr>
+          </a:p>
+          <a:p>
+            <a:pPr indent="0" lvl="0" marL="0" rtl="0" algn="l">
+              <a:lnSpc>
+                <a:spcPct val="100000"/>
+              </a:lnSpc>
+              <a:spcBef>
+                <a:spcPts val="0"/>
+              </a:spcBef>
+              <a:spcAft>
+                <a:spcPts val="0"/>
+              </a:spcAft>
+              <a:buNone/>
+            </a:pPr>
+            <a:r>
+              <a:rPr lang="pl" sz="1400">
+                <a:solidFill>
+                  <a:srgbClr val="274E13"/>
+                </a:solidFill>
+                <a:latin typeface="Tahoma"/>
+                <a:ea typeface="Tahoma"/>
+                <a:cs typeface="Tahoma"/>
+                <a:sym typeface="Tahoma"/>
+              </a:rPr>
+              <a:t># l, label &lt;label&gt; = label current HEAD with a name</a:t>
+            </a:r>
+            <a:endParaRPr sz="1400">
+              <a:solidFill>
+                <a:srgbClr val="274E13"/>
+              </a:solidFill>
+              <a:latin typeface="Tahoma"/>
+              <a:ea typeface="Tahoma"/>
+              <a:cs typeface="Tahoma"/>
+              <a:sym typeface="Tahoma"/>
+            </a:endParaRPr>
+          </a:p>
+          <a:p>
+            <a:pPr indent="0" lvl="0" marL="0" rtl="0" algn="l">
+              <a:lnSpc>
+                <a:spcPct val="100000"/>
+              </a:lnSpc>
+              <a:spcBef>
+                <a:spcPts val="0"/>
+              </a:spcBef>
+              <a:spcAft>
+                <a:spcPts val="0"/>
+              </a:spcAft>
+              <a:buNone/>
+            </a:pPr>
+            <a:r>
+              <a:rPr lang="pl" sz="1400">
+                <a:solidFill>
+                  <a:srgbClr val="274E13"/>
+                </a:solidFill>
+                <a:latin typeface="Tahoma"/>
+                <a:ea typeface="Tahoma"/>
+                <a:cs typeface="Tahoma"/>
+                <a:sym typeface="Tahoma"/>
+              </a:rPr>
+              <a:t># t, reset &lt;label&gt; = reset HEAD to a label</a:t>
+            </a:r>
+            <a:endParaRPr sz="1400">
+              <a:solidFill>
+                <a:srgbClr val="274E13"/>
+              </a:solidFill>
+              <a:latin typeface="Tahoma"/>
+              <a:ea typeface="Tahoma"/>
+              <a:cs typeface="Tahoma"/>
+              <a:sym typeface="Tahoma"/>
+            </a:endParaRPr>
+          </a:p>
+          <a:p>
+            <a:pPr indent="0" lvl="0" marL="0" rtl="0" algn="l">
+              <a:lnSpc>
+                <a:spcPct val="100000"/>
+              </a:lnSpc>
+              <a:spcBef>
+                <a:spcPts val="0"/>
+              </a:spcBef>
+              <a:spcAft>
+                <a:spcPts val="0"/>
+              </a:spcAft>
+              <a:buNone/>
+            </a:pPr>
+            <a:r>
+              <a:rPr lang="pl" sz="1400">
+                <a:solidFill>
+                  <a:srgbClr val="274E13"/>
+                </a:solidFill>
+                <a:latin typeface="Tahoma"/>
+                <a:ea typeface="Tahoma"/>
+                <a:cs typeface="Tahoma"/>
+                <a:sym typeface="Tahoma"/>
+              </a:rPr>
+              <a:t># m, merge [-C &lt;commit&gt; | -c &lt;commit&gt;] &lt;label&gt; [# &lt;oneline&gt;]</a:t>
+            </a:r>
+            <a:endParaRPr sz="1400">
+              <a:solidFill>
+                <a:srgbClr val="274E13"/>
+              </a:solidFill>
+              <a:latin typeface="Tahoma"/>
+              <a:ea typeface="Tahoma"/>
+              <a:cs typeface="Tahoma"/>
+              <a:sym typeface="Tahoma"/>
+            </a:endParaRPr>
+          </a:p>
+          <a:p>
+            <a:pPr indent="0" lvl="0" marL="0" rtl="0" algn="l">
+              <a:lnSpc>
+                <a:spcPct val="100000"/>
+              </a:lnSpc>
+              <a:spcBef>
+                <a:spcPts val="0"/>
+              </a:spcBef>
+              <a:spcAft>
+                <a:spcPts val="0"/>
+              </a:spcAft>
+              <a:buNone/>
+            </a:pPr>
+            <a:r>
+              <a:rPr lang="pl" sz="1400">
+                <a:solidFill>
+                  <a:srgbClr val="274E13"/>
+                </a:solidFill>
+                <a:latin typeface="Tahoma"/>
+                <a:ea typeface="Tahoma"/>
+                <a:cs typeface="Tahoma"/>
+                <a:sym typeface="Tahoma"/>
+              </a:rPr>
+              <a:t># .       create a merge commit using the original merge commit's</a:t>
+            </a:r>
+            <a:endParaRPr sz="1400">
+              <a:solidFill>
+                <a:srgbClr val="274E13"/>
+              </a:solidFill>
+              <a:latin typeface="Tahoma"/>
+              <a:ea typeface="Tahoma"/>
+              <a:cs typeface="Tahoma"/>
+              <a:sym typeface="Tahoma"/>
+            </a:endParaRPr>
+          </a:p>
+          <a:p>
+            <a:pPr indent="0" lvl="0" marL="0" rtl="0" algn="l">
+              <a:lnSpc>
+                <a:spcPct val="100000"/>
+              </a:lnSpc>
+              <a:spcBef>
+                <a:spcPts val="0"/>
+              </a:spcBef>
+              <a:spcAft>
+                <a:spcPts val="0"/>
+              </a:spcAft>
+              <a:buNone/>
+            </a:pPr>
+            <a:r>
+              <a:rPr lang="pl" sz="1400">
+                <a:solidFill>
+                  <a:srgbClr val="274E13"/>
+                </a:solidFill>
+                <a:latin typeface="Tahoma"/>
+                <a:ea typeface="Tahoma"/>
+                <a:cs typeface="Tahoma"/>
+                <a:sym typeface="Tahoma"/>
+              </a:rPr>
+              <a:t># .       message (or the oneline, if no original merge commit was</a:t>
+            </a:r>
+            <a:endParaRPr sz="1400">
+              <a:solidFill>
+                <a:srgbClr val="274E13"/>
+              </a:solidFill>
+              <a:latin typeface="Tahoma"/>
+              <a:ea typeface="Tahoma"/>
+              <a:cs typeface="Tahoma"/>
+              <a:sym typeface="Tahoma"/>
+            </a:endParaRPr>
+          </a:p>
+          <a:p>
+            <a:pPr indent="0" lvl="0" marL="0" rtl="0" algn="l">
+              <a:lnSpc>
+                <a:spcPct val="100000"/>
+              </a:lnSpc>
+              <a:spcBef>
+                <a:spcPts val="0"/>
+              </a:spcBef>
+              <a:spcAft>
+                <a:spcPts val="0"/>
+              </a:spcAft>
+              <a:buNone/>
+            </a:pPr>
+            <a:r>
+              <a:rPr lang="pl" sz="1400">
+                <a:solidFill>
+                  <a:srgbClr val="274E13"/>
+                </a:solidFill>
+                <a:latin typeface="Tahoma"/>
+                <a:ea typeface="Tahoma"/>
+                <a:cs typeface="Tahoma"/>
+                <a:sym typeface="Tahoma"/>
+              </a:rPr>
+              <a:t># .       specified). Use -c &lt;commit&gt; to reword the commit message.</a:t>
+            </a:r>
+            <a:endParaRPr sz="1400">
+              <a:solidFill>
+                <a:srgbClr val="000000"/>
+              </a:solidFill>
+              <a:latin typeface="Tahoma"/>
+              <a:ea typeface="Tahoma"/>
+              <a:cs typeface="Tahoma"/>
+              <a:sym typeface="Tahoma"/>
+            </a:endParaRPr>
+          </a:p>
+        </p:txBody>
+      </p:sp>
     </p:spTree>
   </p:cSld>
   <p:clrMapOvr>
@@ -21506,6 +27359,3467 @@
               <a:t> (np. TCP/IP, Ethernet).</a:t>
             </a:r>
             <a:endParaRPr/>
+          </a:p>
+        </p:txBody>
+      </p:sp>
+    </p:spTree>
+  </p:cSld>
+  <p:clrMapOvr>
+    <a:masterClrMapping/>
+  </p:clrMapOvr>
+</p:sld>
+</file>
+
+<file path=ppt/slides/slide40.xml><?xml version="1.0" encoding="utf-8"?>
+<p:sld xmlns:a="http://schemas.openxmlformats.org/drawingml/2006/main" xmlns:r="http://schemas.openxmlformats.org/officeDocument/2006/relationships" xmlns:mc="http://schemas.openxmlformats.org/markup-compatibility/2006" xmlns:mv="urn:schemas-microsoft-com:mac:vml" xmlns:p="http://schemas.openxmlformats.org/presentationml/2006/main" xmlns:c="http://schemas.openxmlformats.org/drawingml/2006/chart" xmlns:dgm="http://schemas.openxmlformats.org/drawingml/2006/diagram" xmlns:o="urn:schemas-microsoft-com:office:office" xmlns:v="urn:schemas-microsoft-com:vml" xmlns:pvml="urn:schemas-microsoft-com:office:powerpoint" xmlns:com="http://schemas.openxmlformats.org/drawingml/2006/compatibility" xmlns:p14="http://schemas.microsoft.com/office/powerpoint/2010/main" xmlns:p15="http://schemas.microsoft.com/office/powerpoint/2012/main" xmlns:ahyp="http://schemas.microsoft.com/office/drawing/2018/hyperlinkcolor">
+  <p:cSld>
+    <p:spTree>
+      <p:nvGrpSpPr>
+        <p:cNvPr id="323" name="Shape 323"/>
+        <p:cNvGrpSpPr/>
+        <p:nvPr/>
+      </p:nvGrpSpPr>
+      <p:grpSpPr>
+        <a:xfrm>
+          <a:off x="0" y="0"/>
+          <a:ext cx="0" cy="0"/>
+          <a:chOff x="0" y="0"/>
+          <a:chExt cx="0" cy="0"/>
+        </a:xfrm>
+      </p:grpSpPr>
+      <p:sp>
+        <p:nvSpPr>
+          <p:cNvPr id="324" name="Google Shape;324;p52"/>
+          <p:cNvSpPr txBox="1"/>
+          <p:nvPr>
+            <p:ph type="title"/>
+          </p:nvPr>
+        </p:nvSpPr>
+        <p:spPr>
+          <a:xfrm>
+            <a:off x="729450" y="1318650"/>
+            <a:ext cx="7688700" cy="535200"/>
+          </a:xfrm>
+          <a:prstGeom prst="rect">
+            <a:avLst/>
+          </a:prstGeom>
+        </p:spPr>
+        <p:txBody>
+          <a:bodyPr anchorCtr="0" anchor="t" bIns="91425" lIns="91425" spcFirstLastPara="1" rIns="91425" wrap="square" tIns="91425">
+            <a:noAutofit/>
+          </a:bodyPr>
+          <a:lstStyle/>
+          <a:p>
+            <a:pPr indent="0" lvl="0" marL="0" rtl="0" algn="l">
+              <a:spcBef>
+                <a:spcPts val="0"/>
+              </a:spcBef>
+              <a:spcAft>
+                <a:spcPts val="0"/>
+              </a:spcAft>
+              <a:buSzPts val="990"/>
+              <a:buNone/>
+            </a:pPr>
+            <a:r>
+              <a:rPr lang="pl" sz="2440">
+                <a:latin typeface="Tahoma"/>
+                <a:ea typeface="Tahoma"/>
+                <a:cs typeface="Tahoma"/>
+                <a:sym typeface="Tahoma"/>
+              </a:rPr>
+              <a:t>git  branch -verbose, git branch nowy-brache</a:t>
+            </a:r>
+            <a:endParaRPr sz="2440">
+              <a:latin typeface="Tahoma"/>
+              <a:ea typeface="Tahoma"/>
+              <a:cs typeface="Tahoma"/>
+              <a:sym typeface="Tahoma"/>
+            </a:endParaRPr>
+          </a:p>
+        </p:txBody>
+      </p:sp>
+      <p:sp>
+        <p:nvSpPr>
+          <p:cNvPr id="325" name="Google Shape;325;p52"/>
+          <p:cNvSpPr txBox="1"/>
+          <p:nvPr>
+            <p:ph idx="1" type="body"/>
+          </p:nvPr>
+        </p:nvSpPr>
+        <p:spPr>
+          <a:xfrm>
+            <a:off x="729450" y="2078875"/>
+            <a:ext cx="7688700" cy="2261100"/>
+          </a:xfrm>
+          <a:prstGeom prst="rect">
+            <a:avLst/>
+          </a:prstGeom>
+        </p:spPr>
+        <p:txBody>
+          <a:bodyPr anchorCtr="0" anchor="t" bIns="91425" lIns="91425" spcFirstLastPara="1" rIns="91425" wrap="square" tIns="91425">
+            <a:normAutofit/>
+          </a:bodyPr>
+          <a:lstStyle/>
+          <a:p>
+            <a:pPr indent="0" lvl="0" marL="0" rtl="0" algn="l">
+              <a:lnSpc>
+                <a:spcPct val="100000"/>
+              </a:lnSpc>
+              <a:spcBef>
+                <a:spcPts val="0"/>
+              </a:spcBef>
+              <a:spcAft>
+                <a:spcPts val="0"/>
+              </a:spcAft>
+              <a:buNone/>
+            </a:pPr>
+            <a:r>
+              <a:rPr b="1" lang="pl" sz="1400">
+                <a:solidFill>
+                  <a:srgbClr val="783F04"/>
+                </a:solidFill>
+                <a:latin typeface="Tahoma"/>
+                <a:ea typeface="Tahoma"/>
+                <a:cs typeface="Tahoma"/>
+                <a:sym typeface="Tahoma"/>
+              </a:rPr>
+              <a:t>git  branch -v</a:t>
+            </a:r>
+            <a:r>
+              <a:rPr b="1" lang="pl" sz="1400">
+                <a:solidFill>
+                  <a:schemeClr val="dk2"/>
+                </a:solidFill>
+                <a:latin typeface="Tahoma"/>
+                <a:ea typeface="Tahoma"/>
+                <a:cs typeface="Tahoma"/>
+                <a:sym typeface="Tahoma"/>
+              </a:rPr>
+              <a:t> - </a:t>
+            </a:r>
+            <a:r>
+              <a:rPr b="1" lang="pl" sz="1400">
+                <a:solidFill>
+                  <a:srgbClr val="1C4587"/>
+                </a:solidFill>
+                <a:latin typeface="Tahoma"/>
+                <a:ea typeface="Tahoma"/>
+                <a:cs typeface="Tahoma"/>
+                <a:sym typeface="Tahoma"/>
+              </a:rPr>
+              <a:t>wyświetla listę wszystkich gałęz</a:t>
+            </a:r>
+            <a:r>
+              <a:rPr b="1" lang="pl" sz="1400">
+                <a:solidFill>
+                  <a:srgbClr val="0C343D"/>
+                </a:solidFill>
+                <a:latin typeface="Tahoma"/>
+                <a:ea typeface="Tahoma"/>
+                <a:cs typeface="Tahoma"/>
+                <a:sym typeface="Tahoma"/>
+              </a:rPr>
+              <a:t>i r</a:t>
+            </a:r>
+            <a:r>
+              <a:rPr b="1" lang="pl" sz="1400">
+                <a:solidFill>
+                  <a:srgbClr val="1C4587"/>
+                </a:solidFill>
+                <a:latin typeface="Tahoma"/>
+                <a:ea typeface="Tahoma"/>
+                <a:cs typeface="Tahoma"/>
+                <a:sym typeface="Tahoma"/>
+              </a:rPr>
+              <a:t>azem z ostatnim commitem</a:t>
+            </a:r>
+            <a:r>
+              <a:rPr lang="pl" sz="1400">
+                <a:solidFill>
+                  <a:srgbClr val="000000"/>
+                </a:solidFill>
+                <a:latin typeface="Tahoma"/>
+                <a:ea typeface="Tahoma"/>
+                <a:cs typeface="Tahoma"/>
+                <a:sym typeface="Tahoma"/>
+              </a:rPr>
+              <a:t> na każdej z nich (skrót commit hash + pierwsza linia wiadomości, gdzie * oznacza branche na którym jesteśmy)</a:t>
+            </a:r>
+            <a:endParaRPr sz="1400">
+              <a:solidFill>
+                <a:srgbClr val="000000"/>
+              </a:solidFill>
+              <a:latin typeface="Tahoma"/>
+              <a:ea typeface="Tahoma"/>
+              <a:cs typeface="Tahoma"/>
+              <a:sym typeface="Tahoma"/>
+            </a:endParaRPr>
+          </a:p>
+          <a:p>
+            <a:pPr indent="0" lvl="0" marL="0" rtl="0" algn="l">
+              <a:lnSpc>
+                <a:spcPct val="100000"/>
+              </a:lnSpc>
+              <a:spcBef>
+                <a:spcPts val="0"/>
+              </a:spcBef>
+              <a:spcAft>
+                <a:spcPts val="0"/>
+              </a:spcAft>
+              <a:buNone/>
+            </a:pPr>
+            <a:r>
+              <a:t/>
+            </a:r>
+            <a:endParaRPr sz="1400">
+              <a:solidFill>
+                <a:srgbClr val="000000"/>
+              </a:solidFill>
+              <a:latin typeface="Tahoma"/>
+              <a:ea typeface="Tahoma"/>
+              <a:cs typeface="Tahoma"/>
+              <a:sym typeface="Tahoma"/>
+            </a:endParaRPr>
+          </a:p>
+          <a:p>
+            <a:pPr indent="0" lvl="0" marL="0" rtl="0" algn="l">
+              <a:lnSpc>
+                <a:spcPct val="100000"/>
+              </a:lnSpc>
+              <a:spcBef>
+                <a:spcPts val="0"/>
+              </a:spcBef>
+              <a:spcAft>
+                <a:spcPts val="0"/>
+              </a:spcAft>
+              <a:buNone/>
+            </a:pPr>
+            <a:r>
+              <a:rPr b="1" lang="pl" sz="1400">
+                <a:solidFill>
+                  <a:srgbClr val="783F04"/>
+                </a:solidFill>
+                <a:latin typeface="Tahoma"/>
+                <a:ea typeface="Tahoma"/>
+                <a:cs typeface="Tahoma"/>
+                <a:sym typeface="Tahoma"/>
+              </a:rPr>
+              <a:t>git  branch –list</a:t>
+            </a:r>
+            <a:r>
+              <a:rPr b="1" lang="pl" sz="1400">
+                <a:solidFill>
+                  <a:srgbClr val="000000"/>
+                </a:solidFill>
+                <a:latin typeface="Tahoma"/>
+                <a:ea typeface="Tahoma"/>
+                <a:cs typeface="Tahoma"/>
+                <a:sym typeface="Tahoma"/>
+              </a:rPr>
+              <a:t> -</a:t>
+            </a:r>
+            <a:r>
+              <a:rPr b="1" lang="pl" sz="1400">
+                <a:solidFill>
+                  <a:srgbClr val="783F04"/>
+                </a:solidFill>
+                <a:latin typeface="Tahoma"/>
+                <a:ea typeface="Tahoma"/>
+                <a:cs typeface="Tahoma"/>
+                <a:sym typeface="Tahoma"/>
+              </a:rPr>
+              <a:t> </a:t>
+            </a:r>
+            <a:r>
+              <a:rPr b="1" lang="pl" sz="1400">
+                <a:solidFill>
+                  <a:srgbClr val="1C4587"/>
+                </a:solidFill>
+                <a:latin typeface="Tahoma"/>
+                <a:ea typeface="Tahoma"/>
+                <a:cs typeface="Tahoma"/>
+                <a:sym typeface="Tahoma"/>
+              </a:rPr>
+              <a:t>zwraca listę branch (tylko nazwę)</a:t>
+            </a:r>
+            <a:endParaRPr b="1" sz="1400">
+              <a:solidFill>
+                <a:srgbClr val="1C4587"/>
+              </a:solidFill>
+              <a:latin typeface="Tahoma"/>
+              <a:ea typeface="Tahoma"/>
+              <a:cs typeface="Tahoma"/>
+              <a:sym typeface="Tahoma"/>
+            </a:endParaRPr>
+          </a:p>
+          <a:p>
+            <a:pPr indent="0" lvl="0" marL="0" rtl="0" algn="l">
+              <a:lnSpc>
+                <a:spcPct val="100000"/>
+              </a:lnSpc>
+              <a:spcBef>
+                <a:spcPts val="0"/>
+              </a:spcBef>
+              <a:spcAft>
+                <a:spcPts val="0"/>
+              </a:spcAft>
+              <a:buNone/>
+            </a:pPr>
+            <a:r>
+              <a:t/>
+            </a:r>
+            <a:endParaRPr b="1" sz="1400">
+              <a:solidFill>
+                <a:srgbClr val="1C4587"/>
+              </a:solidFill>
+              <a:latin typeface="Tahoma"/>
+              <a:ea typeface="Tahoma"/>
+              <a:cs typeface="Tahoma"/>
+              <a:sym typeface="Tahoma"/>
+            </a:endParaRPr>
+          </a:p>
+          <a:p>
+            <a:pPr indent="0" lvl="0" marL="0" rtl="0" algn="l">
+              <a:lnSpc>
+                <a:spcPct val="100000"/>
+              </a:lnSpc>
+              <a:spcBef>
+                <a:spcPts val="0"/>
+              </a:spcBef>
+              <a:spcAft>
+                <a:spcPts val="0"/>
+              </a:spcAft>
+              <a:buNone/>
+            </a:pPr>
+            <a:r>
+              <a:rPr b="1" lang="pl" sz="1400">
+                <a:solidFill>
+                  <a:srgbClr val="783F04"/>
+                </a:solidFill>
+                <a:latin typeface="Tahoma"/>
+                <a:ea typeface="Tahoma"/>
+                <a:cs typeface="Tahoma"/>
+                <a:sym typeface="Tahoma"/>
+              </a:rPr>
+              <a:t>git branch -m nowy-branch nowa-nazwa-branch</a:t>
+            </a:r>
+            <a:r>
+              <a:rPr b="1" lang="pl" sz="1400">
+                <a:solidFill>
+                  <a:srgbClr val="1C4587"/>
+                </a:solidFill>
+                <a:latin typeface="Tahoma"/>
+                <a:ea typeface="Tahoma"/>
+                <a:cs typeface="Tahoma"/>
+                <a:sym typeface="Tahoma"/>
+              </a:rPr>
+              <a:t> </a:t>
+            </a:r>
+            <a:r>
+              <a:rPr b="1" lang="pl" sz="1400">
+                <a:solidFill>
+                  <a:srgbClr val="000000"/>
+                </a:solidFill>
+                <a:latin typeface="Tahoma"/>
+                <a:ea typeface="Tahoma"/>
+                <a:cs typeface="Tahoma"/>
+                <a:sym typeface="Tahoma"/>
+              </a:rPr>
+              <a:t>-</a:t>
+            </a:r>
+            <a:r>
+              <a:rPr b="1" lang="pl" sz="1400">
+                <a:solidFill>
+                  <a:srgbClr val="1C4587"/>
+                </a:solidFill>
+                <a:latin typeface="Tahoma"/>
+                <a:ea typeface="Tahoma"/>
+                <a:cs typeface="Tahoma"/>
+                <a:sym typeface="Tahoma"/>
+              </a:rPr>
+              <a:t> zmienia nazwę branch</a:t>
+            </a:r>
+            <a:endParaRPr b="1" sz="1400">
+              <a:solidFill>
+                <a:srgbClr val="1C4587"/>
+              </a:solidFill>
+              <a:latin typeface="Tahoma"/>
+              <a:ea typeface="Tahoma"/>
+              <a:cs typeface="Tahoma"/>
+              <a:sym typeface="Tahoma"/>
+            </a:endParaRPr>
+          </a:p>
+          <a:p>
+            <a:pPr indent="0" lvl="0" marL="0" rtl="0" algn="l">
+              <a:lnSpc>
+                <a:spcPct val="100000"/>
+              </a:lnSpc>
+              <a:spcBef>
+                <a:spcPts val="0"/>
+              </a:spcBef>
+              <a:spcAft>
+                <a:spcPts val="0"/>
+              </a:spcAft>
+              <a:buNone/>
+            </a:pPr>
+            <a:r>
+              <a:t/>
+            </a:r>
+            <a:endParaRPr b="1" sz="1400">
+              <a:solidFill>
+                <a:srgbClr val="1C4587"/>
+              </a:solidFill>
+              <a:latin typeface="Tahoma"/>
+              <a:ea typeface="Tahoma"/>
+              <a:cs typeface="Tahoma"/>
+              <a:sym typeface="Tahoma"/>
+            </a:endParaRPr>
+          </a:p>
+          <a:p>
+            <a:pPr indent="0" lvl="0" marL="0" rtl="0" algn="l">
+              <a:lnSpc>
+                <a:spcPct val="100000"/>
+              </a:lnSpc>
+              <a:spcBef>
+                <a:spcPts val="0"/>
+              </a:spcBef>
+              <a:spcAft>
+                <a:spcPts val="0"/>
+              </a:spcAft>
+              <a:buNone/>
+            </a:pPr>
+            <a:r>
+              <a:rPr b="1" lang="pl" sz="1400">
+                <a:solidFill>
+                  <a:srgbClr val="783F04"/>
+                </a:solidFill>
+                <a:latin typeface="Tahoma"/>
+                <a:ea typeface="Tahoma"/>
+                <a:cs typeface="Tahoma"/>
+                <a:sym typeface="Tahoma"/>
+              </a:rPr>
+              <a:t>git branch -d nazwa-branch </a:t>
+            </a:r>
+            <a:r>
+              <a:rPr b="1" lang="pl" sz="1400">
+                <a:solidFill>
+                  <a:srgbClr val="1C4587"/>
+                </a:solidFill>
+                <a:latin typeface="Tahoma"/>
+                <a:ea typeface="Tahoma"/>
+                <a:cs typeface="Tahoma"/>
+                <a:sym typeface="Tahoma"/>
+              </a:rPr>
+              <a:t>- usuwa branch</a:t>
+            </a:r>
+            <a:endParaRPr b="1" sz="1400">
+              <a:solidFill>
+                <a:srgbClr val="1C4587"/>
+              </a:solidFill>
+              <a:latin typeface="Tahoma"/>
+              <a:ea typeface="Tahoma"/>
+              <a:cs typeface="Tahoma"/>
+              <a:sym typeface="Tahoma"/>
+            </a:endParaRPr>
+          </a:p>
+        </p:txBody>
+      </p:sp>
+    </p:spTree>
+  </p:cSld>
+  <p:clrMapOvr>
+    <a:masterClrMapping/>
+  </p:clrMapOvr>
+</p:sld>
+</file>
+
+<file path=ppt/slides/slide41.xml><?xml version="1.0" encoding="utf-8"?>
+<p:sld xmlns:a="http://schemas.openxmlformats.org/drawingml/2006/main" xmlns:r="http://schemas.openxmlformats.org/officeDocument/2006/relationships" xmlns:mc="http://schemas.openxmlformats.org/markup-compatibility/2006" xmlns:mv="urn:schemas-microsoft-com:mac:vml" xmlns:p="http://schemas.openxmlformats.org/presentationml/2006/main" xmlns:c="http://schemas.openxmlformats.org/drawingml/2006/chart" xmlns:dgm="http://schemas.openxmlformats.org/drawingml/2006/diagram" xmlns:o="urn:schemas-microsoft-com:office:office" xmlns:v="urn:schemas-microsoft-com:vml" xmlns:pvml="urn:schemas-microsoft-com:office:powerpoint" xmlns:com="http://schemas.openxmlformats.org/drawingml/2006/compatibility" xmlns:p14="http://schemas.microsoft.com/office/powerpoint/2010/main" xmlns:p15="http://schemas.microsoft.com/office/powerpoint/2012/main" xmlns:ahyp="http://schemas.microsoft.com/office/drawing/2018/hyperlinkcolor">
+  <p:cSld>
+    <p:spTree>
+      <p:nvGrpSpPr>
+        <p:cNvPr id="329" name="Shape 329"/>
+        <p:cNvGrpSpPr/>
+        <p:nvPr/>
+      </p:nvGrpSpPr>
+      <p:grpSpPr>
+        <a:xfrm>
+          <a:off x="0" y="0"/>
+          <a:ext cx="0" cy="0"/>
+          <a:chOff x="0" y="0"/>
+          <a:chExt cx="0" cy="0"/>
+        </a:xfrm>
+      </p:grpSpPr>
+      <p:sp>
+        <p:nvSpPr>
+          <p:cNvPr id="330" name="Google Shape;330;p53"/>
+          <p:cNvSpPr txBox="1"/>
+          <p:nvPr>
+            <p:ph type="title"/>
+          </p:nvPr>
+        </p:nvSpPr>
+        <p:spPr>
+          <a:xfrm>
+            <a:off x="729450" y="1318650"/>
+            <a:ext cx="7688700" cy="535200"/>
+          </a:xfrm>
+          <a:prstGeom prst="rect">
+            <a:avLst/>
+          </a:prstGeom>
+        </p:spPr>
+        <p:txBody>
+          <a:bodyPr anchorCtr="0" anchor="t" bIns="91425" lIns="91425" spcFirstLastPara="1" rIns="91425" wrap="square" tIns="91425">
+            <a:noAutofit/>
+          </a:bodyPr>
+          <a:lstStyle/>
+          <a:p>
+            <a:pPr indent="0" lvl="0" marL="0" rtl="0" algn="l">
+              <a:spcBef>
+                <a:spcPts val="0"/>
+              </a:spcBef>
+              <a:spcAft>
+                <a:spcPts val="0"/>
+              </a:spcAft>
+              <a:buSzPts val="990"/>
+              <a:buNone/>
+            </a:pPr>
+            <a:r>
+              <a:rPr lang="pl" sz="2440">
+                <a:latin typeface="Tahoma"/>
+                <a:ea typeface="Tahoma"/>
+                <a:cs typeface="Tahoma"/>
+                <a:sym typeface="Tahoma"/>
+              </a:rPr>
+              <a:t>git checkout nazwa-branch</a:t>
+            </a:r>
+            <a:endParaRPr sz="2440">
+              <a:latin typeface="Tahoma"/>
+              <a:ea typeface="Tahoma"/>
+              <a:cs typeface="Tahoma"/>
+              <a:sym typeface="Tahoma"/>
+            </a:endParaRPr>
+          </a:p>
+        </p:txBody>
+      </p:sp>
+      <p:sp>
+        <p:nvSpPr>
+          <p:cNvPr id="331" name="Google Shape;331;p53"/>
+          <p:cNvSpPr txBox="1"/>
+          <p:nvPr>
+            <p:ph idx="1" type="body"/>
+          </p:nvPr>
+        </p:nvSpPr>
+        <p:spPr>
+          <a:xfrm>
+            <a:off x="729450" y="2078875"/>
+            <a:ext cx="7688700" cy="2261100"/>
+          </a:xfrm>
+          <a:prstGeom prst="rect">
+            <a:avLst/>
+          </a:prstGeom>
+        </p:spPr>
+        <p:txBody>
+          <a:bodyPr anchorCtr="0" anchor="t" bIns="91425" lIns="91425" spcFirstLastPara="1" rIns="91425" wrap="square" tIns="91425">
+            <a:normAutofit/>
+          </a:bodyPr>
+          <a:lstStyle/>
+          <a:p>
+            <a:pPr indent="0" lvl="0" marL="0" rtl="0" algn="l">
+              <a:lnSpc>
+                <a:spcPct val="100000"/>
+              </a:lnSpc>
+              <a:spcBef>
+                <a:spcPts val="0"/>
+              </a:spcBef>
+              <a:spcAft>
+                <a:spcPts val="0"/>
+              </a:spcAft>
+              <a:buNone/>
+            </a:pPr>
+            <a:r>
+              <a:rPr b="1" lang="pl" sz="1400">
+                <a:solidFill>
+                  <a:srgbClr val="783F04"/>
+                </a:solidFill>
+                <a:latin typeface="Tahoma"/>
+                <a:ea typeface="Tahoma"/>
+                <a:cs typeface="Tahoma"/>
+                <a:sym typeface="Tahoma"/>
+              </a:rPr>
+              <a:t>git checkout nazwa-branch - </a:t>
+            </a:r>
+            <a:r>
+              <a:rPr b="1" lang="pl" sz="1400">
+                <a:solidFill>
+                  <a:srgbClr val="1C4587"/>
+                </a:solidFill>
+                <a:latin typeface="Tahoma"/>
+                <a:ea typeface="Tahoma"/>
+                <a:cs typeface="Tahoma"/>
+                <a:sym typeface="Tahoma"/>
+              </a:rPr>
+              <a:t>przełączenie się na brancha (gałąź) o podanej nazwie</a:t>
+            </a:r>
+            <a:endParaRPr b="1" sz="1400">
+              <a:solidFill>
+                <a:srgbClr val="1C4587"/>
+              </a:solidFill>
+              <a:latin typeface="Tahoma"/>
+              <a:ea typeface="Tahoma"/>
+              <a:cs typeface="Tahoma"/>
+              <a:sym typeface="Tahoma"/>
+            </a:endParaRPr>
+          </a:p>
+          <a:p>
+            <a:pPr indent="0" lvl="0" marL="0" rtl="0" algn="l">
+              <a:lnSpc>
+                <a:spcPct val="100000"/>
+              </a:lnSpc>
+              <a:spcBef>
+                <a:spcPts val="0"/>
+              </a:spcBef>
+              <a:spcAft>
+                <a:spcPts val="0"/>
+              </a:spcAft>
+              <a:buNone/>
+            </a:pPr>
+            <a:r>
+              <a:t/>
+            </a:r>
+            <a:endParaRPr b="1" sz="1400">
+              <a:solidFill>
+                <a:srgbClr val="1C4587"/>
+              </a:solidFill>
+              <a:latin typeface="Tahoma"/>
+              <a:ea typeface="Tahoma"/>
+              <a:cs typeface="Tahoma"/>
+              <a:sym typeface="Tahoma"/>
+            </a:endParaRPr>
+          </a:p>
+          <a:p>
+            <a:pPr indent="0" lvl="0" marL="0" rtl="0" algn="l">
+              <a:lnSpc>
+                <a:spcPct val="100000"/>
+              </a:lnSpc>
+              <a:spcBef>
+                <a:spcPts val="0"/>
+              </a:spcBef>
+              <a:spcAft>
+                <a:spcPts val="0"/>
+              </a:spcAft>
+              <a:buNone/>
+            </a:pPr>
+            <a:r>
+              <a:rPr b="1" lang="pl" sz="1400">
+                <a:solidFill>
+                  <a:srgbClr val="783F04"/>
+                </a:solidFill>
+                <a:latin typeface="Tahoma"/>
+                <a:ea typeface="Tahoma"/>
+                <a:cs typeface="Tahoma"/>
+                <a:sym typeface="Tahoma"/>
+              </a:rPr>
+              <a:t>git checkout -b nazwa-branch </a:t>
+            </a:r>
+            <a:r>
+              <a:rPr b="1" lang="pl" sz="1400">
+                <a:solidFill>
+                  <a:srgbClr val="1C4587"/>
+                </a:solidFill>
+                <a:latin typeface="Tahoma"/>
+                <a:ea typeface="Tahoma"/>
+                <a:cs typeface="Tahoma"/>
+                <a:sym typeface="Tahoma"/>
+              </a:rPr>
+              <a:t>- tworzy nowy branch i od razu przełącza się na niego</a:t>
+            </a:r>
+            <a:endParaRPr b="1" sz="1400">
+              <a:solidFill>
+                <a:srgbClr val="1C4587"/>
+              </a:solidFill>
+              <a:latin typeface="Tahoma"/>
+              <a:ea typeface="Tahoma"/>
+              <a:cs typeface="Tahoma"/>
+              <a:sym typeface="Tahoma"/>
+            </a:endParaRPr>
+          </a:p>
+          <a:p>
+            <a:pPr indent="0" lvl="0" marL="0" rtl="0" algn="l">
+              <a:spcBef>
+                <a:spcPts val="0"/>
+              </a:spcBef>
+              <a:spcAft>
+                <a:spcPts val="0"/>
+              </a:spcAft>
+              <a:buNone/>
+            </a:pPr>
+            <a:r>
+              <a:t/>
+            </a:r>
+            <a:endParaRPr>
+              <a:solidFill>
+                <a:srgbClr val="1C4587"/>
+              </a:solidFill>
+            </a:endParaRPr>
+          </a:p>
+          <a:p>
+            <a:pPr indent="0" lvl="0" marL="0" rtl="0" algn="l">
+              <a:spcBef>
+                <a:spcPts val="1200"/>
+              </a:spcBef>
+              <a:spcAft>
+                <a:spcPts val="1200"/>
+              </a:spcAft>
+              <a:buNone/>
+            </a:pPr>
+            <a:r>
+              <a:t/>
+            </a:r>
+            <a:endParaRPr>
+              <a:solidFill>
+                <a:srgbClr val="1C4587"/>
+              </a:solidFill>
+            </a:endParaRPr>
+          </a:p>
+        </p:txBody>
+      </p:sp>
+    </p:spTree>
+  </p:cSld>
+  <p:clrMapOvr>
+    <a:masterClrMapping/>
+  </p:clrMapOvr>
+</p:sld>
+</file>
+
+<file path=ppt/slides/slide42.xml><?xml version="1.0" encoding="utf-8"?>
+<p:sld xmlns:a="http://schemas.openxmlformats.org/drawingml/2006/main" xmlns:r="http://schemas.openxmlformats.org/officeDocument/2006/relationships" xmlns:mc="http://schemas.openxmlformats.org/markup-compatibility/2006" xmlns:mv="urn:schemas-microsoft-com:mac:vml" xmlns:p="http://schemas.openxmlformats.org/presentationml/2006/main" xmlns:c="http://schemas.openxmlformats.org/drawingml/2006/chart" xmlns:dgm="http://schemas.openxmlformats.org/drawingml/2006/diagram" xmlns:o="urn:schemas-microsoft-com:office:office" xmlns:v="urn:schemas-microsoft-com:vml" xmlns:pvml="urn:schemas-microsoft-com:office:powerpoint" xmlns:com="http://schemas.openxmlformats.org/drawingml/2006/compatibility" xmlns:p14="http://schemas.microsoft.com/office/powerpoint/2010/main" xmlns:p15="http://schemas.microsoft.com/office/powerpoint/2012/main" xmlns:ahyp="http://schemas.microsoft.com/office/drawing/2018/hyperlinkcolor">
+  <p:cSld>
+    <p:spTree>
+      <p:nvGrpSpPr>
+        <p:cNvPr id="335" name="Shape 335"/>
+        <p:cNvGrpSpPr/>
+        <p:nvPr/>
+      </p:nvGrpSpPr>
+      <p:grpSpPr>
+        <a:xfrm>
+          <a:off x="0" y="0"/>
+          <a:ext cx="0" cy="0"/>
+          <a:chOff x="0" y="0"/>
+          <a:chExt cx="0" cy="0"/>
+        </a:xfrm>
+      </p:grpSpPr>
+      <p:sp>
+        <p:nvSpPr>
+          <p:cNvPr id="336" name="Google Shape;336;p54"/>
+          <p:cNvSpPr txBox="1"/>
+          <p:nvPr>
+            <p:ph type="title"/>
+          </p:nvPr>
+        </p:nvSpPr>
+        <p:spPr>
+          <a:xfrm>
+            <a:off x="729450" y="1318650"/>
+            <a:ext cx="7688700" cy="535200"/>
+          </a:xfrm>
+          <a:prstGeom prst="rect">
+            <a:avLst/>
+          </a:prstGeom>
+        </p:spPr>
+        <p:txBody>
+          <a:bodyPr anchorCtr="0" anchor="t" bIns="91425" lIns="91425" spcFirstLastPara="1" rIns="91425" wrap="square" tIns="91425">
+            <a:noAutofit/>
+          </a:bodyPr>
+          <a:lstStyle/>
+          <a:p>
+            <a:pPr indent="0" lvl="0" marL="0" rtl="0" algn="l">
+              <a:spcBef>
+                <a:spcPts val="0"/>
+              </a:spcBef>
+              <a:spcAft>
+                <a:spcPts val="0"/>
+              </a:spcAft>
+              <a:buSzPts val="990"/>
+              <a:buNone/>
+            </a:pPr>
+            <a:r>
+              <a:rPr lang="pl" sz="2440">
+                <a:latin typeface="Tahoma"/>
+                <a:ea typeface="Tahoma"/>
+                <a:cs typeface="Tahoma"/>
+                <a:sym typeface="Tahoma"/>
+              </a:rPr>
+              <a:t>git stash</a:t>
+            </a:r>
+            <a:endParaRPr sz="2440">
+              <a:latin typeface="Tahoma"/>
+              <a:ea typeface="Tahoma"/>
+              <a:cs typeface="Tahoma"/>
+              <a:sym typeface="Tahoma"/>
+            </a:endParaRPr>
+          </a:p>
+        </p:txBody>
+      </p:sp>
+      <p:sp>
+        <p:nvSpPr>
+          <p:cNvPr id="337" name="Google Shape;337;p54"/>
+          <p:cNvSpPr txBox="1"/>
+          <p:nvPr>
+            <p:ph idx="1" type="body"/>
+          </p:nvPr>
+        </p:nvSpPr>
+        <p:spPr>
+          <a:xfrm>
+            <a:off x="729450" y="2078875"/>
+            <a:ext cx="7688700" cy="2261100"/>
+          </a:xfrm>
+          <a:prstGeom prst="rect">
+            <a:avLst/>
+          </a:prstGeom>
+        </p:spPr>
+        <p:txBody>
+          <a:bodyPr anchorCtr="0" anchor="t" bIns="91425" lIns="91425" spcFirstLastPara="1" rIns="91425" wrap="square" tIns="91425">
+            <a:normAutofit/>
+          </a:bodyPr>
+          <a:lstStyle/>
+          <a:p>
+            <a:pPr indent="0" lvl="0" marL="0" rtl="0" algn="l">
+              <a:spcBef>
+                <a:spcPts val="0"/>
+              </a:spcBef>
+              <a:spcAft>
+                <a:spcPts val="0"/>
+              </a:spcAft>
+              <a:buNone/>
+            </a:pPr>
+            <a:r>
+              <a:rPr b="1" lang="pl" sz="1400">
+                <a:solidFill>
+                  <a:srgbClr val="783F04"/>
+                </a:solidFill>
+                <a:latin typeface="Tahoma"/>
+                <a:ea typeface="Tahoma"/>
+                <a:cs typeface="Tahoma"/>
+                <a:sym typeface="Tahoma"/>
+              </a:rPr>
+              <a:t>git stash</a:t>
+            </a:r>
+            <a:r>
+              <a:rPr lang="pl" sz="1400">
+                <a:latin typeface="Tahoma"/>
+                <a:ea typeface="Tahoma"/>
+                <a:cs typeface="Tahoma"/>
+                <a:sym typeface="Tahoma"/>
+              </a:rPr>
+              <a:t> - </a:t>
+            </a:r>
+            <a:r>
+              <a:rPr b="1" lang="pl" sz="1400">
+                <a:solidFill>
+                  <a:srgbClr val="1C4587"/>
+                </a:solidFill>
+                <a:latin typeface="Tahoma"/>
+                <a:ea typeface="Tahoma"/>
+                <a:cs typeface="Tahoma"/>
+                <a:sym typeface="Tahoma"/>
+              </a:rPr>
+              <a:t>tymczasowo odkłada Twoje zmiany na bok</a:t>
+            </a:r>
+            <a:r>
+              <a:rPr lang="pl" sz="1400">
+                <a:solidFill>
+                  <a:srgbClr val="000000"/>
+                </a:solidFill>
+                <a:latin typeface="Tahoma"/>
+                <a:ea typeface="Tahoma"/>
+                <a:cs typeface="Tahoma"/>
+                <a:sym typeface="Tahoma"/>
+              </a:rPr>
+              <a:t>, tak żeby repo wyglądało, jakby nie było żadnych zmian. Zmiany muszą znajdować się w index aby można było je odłożyć na bok za pomocą polecenia git stash</a:t>
+            </a:r>
+            <a:endParaRPr sz="1400">
+              <a:solidFill>
+                <a:srgbClr val="000000"/>
+              </a:solidFill>
+              <a:latin typeface="Tahoma"/>
+              <a:ea typeface="Tahoma"/>
+              <a:cs typeface="Tahoma"/>
+              <a:sym typeface="Tahoma"/>
+            </a:endParaRPr>
+          </a:p>
+          <a:p>
+            <a:pPr indent="0" lvl="0" marL="0" rtl="0" algn="l">
+              <a:spcBef>
+                <a:spcPts val="1200"/>
+              </a:spcBef>
+              <a:spcAft>
+                <a:spcPts val="0"/>
+              </a:spcAft>
+              <a:buNone/>
+            </a:pPr>
+            <a:r>
+              <a:rPr b="1" lang="pl" sz="1400">
+                <a:solidFill>
+                  <a:srgbClr val="783F04"/>
+                </a:solidFill>
+                <a:latin typeface="Tahoma"/>
+                <a:ea typeface="Tahoma"/>
+                <a:cs typeface="Tahoma"/>
+                <a:sym typeface="Tahoma"/>
+              </a:rPr>
+              <a:t>git stash list </a:t>
+            </a:r>
+            <a:r>
+              <a:rPr b="1" lang="pl" sz="1400">
+                <a:solidFill>
+                  <a:srgbClr val="000000"/>
+                </a:solidFill>
+                <a:latin typeface="Tahoma"/>
+                <a:ea typeface="Tahoma"/>
+                <a:cs typeface="Tahoma"/>
+                <a:sym typeface="Tahoma"/>
+              </a:rPr>
+              <a:t>- </a:t>
+            </a:r>
+            <a:r>
+              <a:rPr b="1" lang="pl" sz="1400">
+                <a:solidFill>
+                  <a:srgbClr val="1C4587"/>
+                </a:solidFill>
+                <a:latin typeface="Tahoma"/>
+                <a:ea typeface="Tahoma"/>
+                <a:cs typeface="Tahoma"/>
+                <a:sym typeface="Tahoma"/>
+              </a:rPr>
+              <a:t>wyświetla</a:t>
+            </a:r>
+            <a:r>
+              <a:rPr b="1" lang="pl" sz="1400">
+                <a:solidFill>
+                  <a:srgbClr val="1C4587"/>
+                </a:solidFill>
+                <a:latin typeface="Tahoma"/>
+                <a:ea typeface="Tahoma"/>
+                <a:cs typeface="Tahoma"/>
+                <a:sym typeface="Tahoma"/>
+              </a:rPr>
+              <a:t> </a:t>
+            </a:r>
+            <a:r>
+              <a:rPr b="1" lang="pl" sz="1400">
+                <a:solidFill>
+                  <a:srgbClr val="1C4587"/>
+                </a:solidFill>
+                <a:latin typeface="Tahoma"/>
+                <a:ea typeface="Tahoma"/>
+                <a:cs typeface="Tahoma"/>
+                <a:sym typeface="Tahoma"/>
+              </a:rPr>
+              <a:t>listę</a:t>
+            </a:r>
+            <a:r>
+              <a:rPr b="1" lang="pl" sz="1400">
+                <a:solidFill>
+                  <a:srgbClr val="1C4587"/>
+                </a:solidFill>
+                <a:latin typeface="Tahoma"/>
+                <a:ea typeface="Tahoma"/>
+                <a:cs typeface="Tahoma"/>
+                <a:sym typeface="Tahoma"/>
+              </a:rPr>
+              <a:t> stash</a:t>
+            </a:r>
+            <a:endParaRPr b="1" sz="1400">
+              <a:solidFill>
+                <a:srgbClr val="1C4587"/>
+              </a:solidFill>
+              <a:latin typeface="Tahoma"/>
+              <a:ea typeface="Tahoma"/>
+              <a:cs typeface="Tahoma"/>
+              <a:sym typeface="Tahoma"/>
+            </a:endParaRPr>
+          </a:p>
+          <a:p>
+            <a:pPr indent="0" lvl="0" marL="0" rtl="0" algn="l">
+              <a:spcBef>
+                <a:spcPts val="1200"/>
+              </a:spcBef>
+              <a:spcAft>
+                <a:spcPts val="1200"/>
+              </a:spcAft>
+              <a:buNone/>
+            </a:pPr>
+            <a:r>
+              <a:rPr b="1" lang="pl" sz="1400">
+                <a:solidFill>
+                  <a:srgbClr val="783F04"/>
+                </a:solidFill>
+                <a:latin typeface="Tahoma"/>
+                <a:ea typeface="Tahoma"/>
+                <a:cs typeface="Tahoma"/>
+                <a:sym typeface="Tahoma"/>
+              </a:rPr>
+              <a:t>git stash pop</a:t>
+            </a:r>
+            <a:r>
+              <a:rPr b="1" lang="pl" sz="1400">
+                <a:solidFill>
+                  <a:srgbClr val="1C4587"/>
+                </a:solidFill>
+                <a:latin typeface="Tahoma"/>
+                <a:ea typeface="Tahoma"/>
+                <a:cs typeface="Tahoma"/>
+                <a:sym typeface="Tahoma"/>
+              </a:rPr>
+              <a:t> - zdejmuje z listy stash ostatnią zmianę oraz wyświetla szczegółowe informacje o statusie</a:t>
+            </a:r>
+            <a:endParaRPr b="1" sz="1400">
+              <a:solidFill>
+                <a:srgbClr val="1C4587"/>
+              </a:solidFill>
+              <a:latin typeface="Tahoma"/>
+              <a:ea typeface="Tahoma"/>
+              <a:cs typeface="Tahoma"/>
+              <a:sym typeface="Tahoma"/>
+            </a:endParaRPr>
+          </a:p>
+        </p:txBody>
+      </p:sp>
+    </p:spTree>
+  </p:cSld>
+  <p:clrMapOvr>
+    <a:masterClrMapping/>
+  </p:clrMapOvr>
+</p:sld>
+</file>
+
+<file path=ppt/slides/slide43.xml><?xml version="1.0" encoding="utf-8"?>
+<p:sld xmlns:a="http://schemas.openxmlformats.org/drawingml/2006/main" xmlns:r="http://schemas.openxmlformats.org/officeDocument/2006/relationships" xmlns:mc="http://schemas.openxmlformats.org/markup-compatibility/2006" xmlns:mv="urn:schemas-microsoft-com:mac:vml" xmlns:p="http://schemas.openxmlformats.org/presentationml/2006/main" xmlns:c="http://schemas.openxmlformats.org/drawingml/2006/chart" xmlns:dgm="http://schemas.openxmlformats.org/drawingml/2006/diagram" xmlns:o="urn:schemas-microsoft-com:office:office" xmlns:v="urn:schemas-microsoft-com:vml" xmlns:pvml="urn:schemas-microsoft-com:office:powerpoint" xmlns:com="http://schemas.openxmlformats.org/drawingml/2006/compatibility" xmlns:p14="http://schemas.microsoft.com/office/powerpoint/2010/main" xmlns:p15="http://schemas.microsoft.com/office/powerpoint/2012/main" xmlns:ahyp="http://schemas.microsoft.com/office/drawing/2018/hyperlinkcolor">
+  <p:cSld>
+    <p:spTree>
+      <p:nvGrpSpPr>
+        <p:cNvPr id="341" name="Shape 341"/>
+        <p:cNvGrpSpPr/>
+        <p:nvPr/>
+      </p:nvGrpSpPr>
+      <p:grpSpPr>
+        <a:xfrm>
+          <a:off x="0" y="0"/>
+          <a:ext cx="0" cy="0"/>
+          <a:chOff x="0" y="0"/>
+          <a:chExt cx="0" cy="0"/>
+        </a:xfrm>
+      </p:grpSpPr>
+      <p:sp>
+        <p:nvSpPr>
+          <p:cNvPr id="342" name="Google Shape;342;p55"/>
+          <p:cNvSpPr txBox="1"/>
+          <p:nvPr>
+            <p:ph type="title"/>
+          </p:nvPr>
+        </p:nvSpPr>
+        <p:spPr>
+          <a:xfrm>
+            <a:off x="716312" y="1318650"/>
+            <a:ext cx="7688700" cy="535200"/>
+          </a:xfrm>
+          <a:prstGeom prst="rect">
+            <a:avLst/>
+          </a:prstGeom>
+        </p:spPr>
+        <p:txBody>
+          <a:bodyPr anchorCtr="0" anchor="t" bIns="91425" lIns="91425" spcFirstLastPara="1" rIns="91425" wrap="square" tIns="91425">
+            <a:noAutofit/>
+          </a:bodyPr>
+          <a:lstStyle/>
+          <a:p>
+            <a:pPr indent="0" lvl="0" marL="0" rtl="0" algn="l">
+              <a:spcBef>
+                <a:spcPts val="0"/>
+              </a:spcBef>
+              <a:spcAft>
+                <a:spcPts val="0"/>
+              </a:spcAft>
+              <a:buSzPts val="990"/>
+              <a:buNone/>
+            </a:pPr>
+            <a:r>
+              <a:rPr lang="pl" sz="2440">
+                <a:latin typeface="Tahoma"/>
+                <a:ea typeface="Tahoma"/>
+                <a:cs typeface="Tahoma"/>
+                <a:sym typeface="Tahoma"/>
+              </a:rPr>
+              <a:t>git merge nazwa_branch</a:t>
+            </a:r>
+            <a:endParaRPr sz="2440">
+              <a:latin typeface="Tahoma"/>
+              <a:ea typeface="Tahoma"/>
+              <a:cs typeface="Tahoma"/>
+              <a:sym typeface="Tahoma"/>
+            </a:endParaRPr>
+          </a:p>
+        </p:txBody>
+      </p:sp>
+      <p:sp>
+        <p:nvSpPr>
+          <p:cNvPr id="343" name="Google Shape;343;p55"/>
+          <p:cNvSpPr txBox="1"/>
+          <p:nvPr>
+            <p:ph idx="1" type="body"/>
+          </p:nvPr>
+        </p:nvSpPr>
+        <p:spPr>
+          <a:xfrm>
+            <a:off x="729450" y="2078875"/>
+            <a:ext cx="7688700" cy="2261100"/>
+          </a:xfrm>
+          <a:prstGeom prst="rect">
+            <a:avLst/>
+          </a:prstGeom>
+        </p:spPr>
+        <p:txBody>
+          <a:bodyPr anchorCtr="0" anchor="t" bIns="91425" lIns="91425" spcFirstLastPara="1" rIns="91425" wrap="square" tIns="91425">
+            <a:normAutofit/>
+          </a:bodyPr>
+          <a:lstStyle/>
+          <a:p>
+            <a:pPr indent="0" lvl="0" marL="0" rtl="0" algn="l">
+              <a:lnSpc>
+                <a:spcPct val="100000"/>
+              </a:lnSpc>
+              <a:spcBef>
+                <a:spcPts val="0"/>
+              </a:spcBef>
+              <a:spcAft>
+                <a:spcPts val="0"/>
+              </a:spcAft>
+              <a:buNone/>
+            </a:pPr>
+            <a:r>
+              <a:rPr b="1" lang="pl" sz="1400">
+                <a:solidFill>
+                  <a:srgbClr val="783F04"/>
+                </a:solidFill>
+                <a:latin typeface="Tahoma"/>
+                <a:ea typeface="Tahoma"/>
+                <a:cs typeface="Tahoma"/>
+                <a:sym typeface="Tahoma"/>
+              </a:rPr>
+              <a:t>git merge nazwa_branch (lub nazwe commit, SHA-1) </a:t>
+            </a:r>
+            <a:r>
+              <a:rPr b="1" lang="pl" sz="1400">
+                <a:solidFill>
+                  <a:srgbClr val="000000"/>
+                </a:solidFill>
+                <a:latin typeface="Tahoma"/>
+                <a:ea typeface="Tahoma"/>
+                <a:cs typeface="Tahoma"/>
+                <a:sym typeface="Tahoma"/>
+              </a:rPr>
+              <a:t>- </a:t>
+            </a:r>
+            <a:r>
+              <a:rPr b="1" lang="pl" sz="1400">
+                <a:solidFill>
+                  <a:srgbClr val="1C4587"/>
+                </a:solidFill>
+                <a:latin typeface="Tahoma"/>
+                <a:ea typeface="Tahoma"/>
+                <a:cs typeface="Tahoma"/>
+                <a:sym typeface="Tahoma"/>
+              </a:rPr>
+              <a:t>łączy</a:t>
+            </a:r>
+            <a:r>
+              <a:rPr lang="pl" sz="1400">
+                <a:solidFill>
+                  <a:srgbClr val="1C4587"/>
+                </a:solidFill>
+                <a:latin typeface="Tahoma"/>
+                <a:ea typeface="Tahoma"/>
+                <a:cs typeface="Tahoma"/>
+                <a:sym typeface="Tahoma"/>
+              </a:rPr>
+              <a:t> </a:t>
+            </a:r>
+            <a:r>
+              <a:rPr lang="pl" sz="1400">
+                <a:solidFill>
+                  <a:srgbClr val="000000"/>
+                </a:solidFill>
+                <a:latin typeface="Tahoma"/>
+                <a:ea typeface="Tahoma"/>
+                <a:cs typeface="Tahoma"/>
+                <a:sym typeface="Tahoma"/>
+              </a:rPr>
+              <a:t>(scalą)</a:t>
+            </a:r>
+            <a:r>
+              <a:rPr lang="pl" sz="1400">
+                <a:solidFill>
+                  <a:srgbClr val="1C4587"/>
+                </a:solidFill>
+                <a:latin typeface="Tahoma"/>
+                <a:ea typeface="Tahoma"/>
+                <a:cs typeface="Tahoma"/>
+                <a:sym typeface="Tahoma"/>
+              </a:rPr>
+              <a:t> </a:t>
+            </a:r>
+            <a:r>
+              <a:rPr b="1" lang="pl" sz="1400">
+                <a:solidFill>
+                  <a:srgbClr val="1C4587"/>
+                </a:solidFill>
+                <a:latin typeface="Tahoma"/>
+                <a:ea typeface="Tahoma"/>
+                <a:cs typeface="Tahoma"/>
+                <a:sym typeface="Tahoma"/>
+              </a:rPr>
+              <a:t>historię wskazanej gałęzi z aktualną gałęzią na której jesteś.</a:t>
+            </a:r>
+            <a:r>
+              <a:rPr lang="pl" sz="1400">
+                <a:solidFill>
+                  <a:srgbClr val="1C4587"/>
+                </a:solidFill>
+                <a:latin typeface="Tahoma"/>
+                <a:ea typeface="Tahoma"/>
+                <a:cs typeface="Tahoma"/>
+                <a:sym typeface="Tahoma"/>
+              </a:rPr>
+              <a:t> </a:t>
+            </a:r>
+            <a:endParaRPr sz="1400">
+              <a:solidFill>
+                <a:srgbClr val="1C4587"/>
+              </a:solidFill>
+              <a:latin typeface="Tahoma"/>
+              <a:ea typeface="Tahoma"/>
+              <a:cs typeface="Tahoma"/>
+              <a:sym typeface="Tahoma"/>
+            </a:endParaRPr>
+          </a:p>
+          <a:p>
+            <a:pPr indent="0" lvl="0" marL="0" rtl="0" algn="l">
+              <a:lnSpc>
+                <a:spcPct val="100000"/>
+              </a:lnSpc>
+              <a:spcBef>
+                <a:spcPts val="0"/>
+              </a:spcBef>
+              <a:spcAft>
+                <a:spcPts val="0"/>
+              </a:spcAft>
+              <a:buNone/>
+            </a:pPr>
+            <a:r>
+              <a:t/>
+            </a:r>
+            <a:endParaRPr sz="1400">
+              <a:solidFill>
+                <a:srgbClr val="1C4587"/>
+              </a:solidFill>
+              <a:latin typeface="Tahoma"/>
+              <a:ea typeface="Tahoma"/>
+              <a:cs typeface="Tahoma"/>
+              <a:sym typeface="Tahoma"/>
+            </a:endParaRPr>
+          </a:p>
+          <a:p>
+            <a:pPr indent="0" lvl="0" marL="0" rtl="0" algn="l">
+              <a:lnSpc>
+                <a:spcPct val="100000"/>
+              </a:lnSpc>
+              <a:spcBef>
+                <a:spcPts val="0"/>
+              </a:spcBef>
+              <a:spcAft>
+                <a:spcPts val="0"/>
+              </a:spcAft>
+              <a:buNone/>
+            </a:pPr>
+            <a:r>
+              <a:rPr b="1" lang="pl" sz="1400">
+                <a:solidFill>
+                  <a:srgbClr val="1C4587"/>
+                </a:solidFill>
+                <a:latin typeface="Tahoma"/>
+                <a:ea typeface="Tahoma"/>
+                <a:cs typeface="Tahoma"/>
+                <a:sym typeface="Tahoma"/>
+              </a:rPr>
+              <a:t>Mogą się pojawić konflikty. </a:t>
+            </a:r>
+            <a:r>
+              <a:rPr b="1" lang="pl" sz="1400">
+                <a:solidFill>
+                  <a:srgbClr val="073763"/>
+                </a:solidFill>
+                <a:latin typeface="Tahoma"/>
+                <a:ea typeface="Tahoma"/>
+                <a:cs typeface="Tahoma"/>
+                <a:sym typeface="Tahoma"/>
+              </a:rPr>
+              <a:t>Czyli jeśli te same linie w tych samych plikach zostały zmienione inaczej w obu branchach – powstaje konflikt</a:t>
+            </a:r>
+            <a:r>
+              <a:rPr lang="pl" sz="1400">
+                <a:solidFill>
+                  <a:srgbClr val="000000"/>
+                </a:solidFill>
+                <a:latin typeface="Tahoma"/>
+                <a:ea typeface="Tahoma"/>
+                <a:cs typeface="Tahoma"/>
+                <a:sym typeface="Tahoma"/>
+              </a:rPr>
+              <a:t>. </a:t>
+            </a:r>
+            <a:endParaRPr sz="1400">
+              <a:solidFill>
+                <a:srgbClr val="000000"/>
+              </a:solidFill>
+              <a:latin typeface="Tahoma"/>
+              <a:ea typeface="Tahoma"/>
+              <a:cs typeface="Tahoma"/>
+              <a:sym typeface="Tahoma"/>
+            </a:endParaRPr>
+          </a:p>
+          <a:p>
+            <a:pPr indent="0" lvl="0" marL="0" rtl="0" algn="l">
+              <a:lnSpc>
+                <a:spcPct val="100000"/>
+              </a:lnSpc>
+              <a:spcBef>
+                <a:spcPts val="0"/>
+              </a:spcBef>
+              <a:spcAft>
+                <a:spcPts val="0"/>
+              </a:spcAft>
+              <a:buNone/>
+            </a:pPr>
+            <a:r>
+              <a:rPr lang="pl" sz="1400">
+                <a:solidFill>
+                  <a:srgbClr val="000000"/>
+                </a:solidFill>
+                <a:latin typeface="Tahoma"/>
+                <a:ea typeface="Tahoma"/>
+                <a:cs typeface="Tahoma"/>
+                <a:sym typeface="Tahoma"/>
+              </a:rPr>
+              <a:t>Rozwiązanie konfliktów wykonuje się przez otworzenie pliku w którym są konflikty. Usunięciu linii </a:t>
+            </a:r>
+            <a:r>
+              <a:rPr b="1" lang="pl" sz="1400">
+                <a:solidFill>
+                  <a:srgbClr val="1C4587"/>
+                </a:solidFill>
+                <a:latin typeface="Tahoma"/>
+                <a:ea typeface="Tahoma"/>
+                <a:cs typeface="Tahoma"/>
+                <a:sym typeface="Tahoma"/>
+              </a:rPr>
+              <a:t>&lt;&lt;&lt;&lt;&lt;&lt;&lt;, =======, &gt;&gt;&gt;&gt;&gt;&gt;&gt;</a:t>
+            </a:r>
+            <a:r>
+              <a:rPr lang="pl" sz="1400">
+                <a:solidFill>
+                  <a:srgbClr val="188038"/>
+                </a:solidFill>
+                <a:latin typeface="Tahoma"/>
+                <a:ea typeface="Tahoma"/>
+                <a:cs typeface="Tahoma"/>
+                <a:sym typeface="Tahoma"/>
+              </a:rPr>
+              <a:t> </a:t>
+            </a:r>
+            <a:r>
+              <a:rPr lang="pl" sz="1400">
+                <a:solidFill>
+                  <a:srgbClr val="000000"/>
+                </a:solidFill>
+                <a:latin typeface="Tahoma"/>
+                <a:ea typeface="Tahoma"/>
+                <a:cs typeface="Tahoma"/>
+                <a:sym typeface="Tahoma"/>
+              </a:rPr>
+              <a:t>oraz </a:t>
+            </a:r>
+            <a:r>
+              <a:rPr b="1" lang="pl" sz="1400">
+                <a:solidFill>
+                  <a:srgbClr val="1C4587"/>
+                </a:solidFill>
+                <a:latin typeface="Tahoma"/>
+                <a:ea typeface="Tahoma"/>
+                <a:cs typeface="Tahoma"/>
+                <a:sym typeface="Tahoma"/>
+              </a:rPr>
+              <a:t>wybraniem poprawnej wersji.</a:t>
+            </a:r>
+            <a:r>
+              <a:rPr lang="pl" sz="1400">
+                <a:solidFill>
+                  <a:srgbClr val="000000"/>
+                </a:solidFill>
+                <a:latin typeface="Tahoma"/>
+                <a:ea typeface="Tahoma"/>
+                <a:cs typeface="Tahoma"/>
+                <a:sym typeface="Tahoma"/>
+              </a:rPr>
+              <a:t> Po czym należy dodać pliki</a:t>
+            </a:r>
+            <a:r>
+              <a:rPr b="1" lang="pl" sz="1400">
+                <a:solidFill>
+                  <a:srgbClr val="1C4587"/>
+                </a:solidFill>
+                <a:latin typeface="Tahoma"/>
+                <a:ea typeface="Tahoma"/>
+                <a:cs typeface="Tahoma"/>
+                <a:sym typeface="Tahoma"/>
+              </a:rPr>
+              <a:t> $ git add nazwa_pliku_z_konfliktem </a:t>
+            </a:r>
+            <a:r>
+              <a:rPr lang="pl" sz="1400">
+                <a:solidFill>
+                  <a:srgbClr val="1C4587"/>
+                </a:solidFill>
+                <a:latin typeface="Tahoma"/>
+                <a:ea typeface="Tahoma"/>
+                <a:cs typeface="Tahoma"/>
+                <a:sym typeface="Tahoma"/>
+              </a:rPr>
+              <a:t>i </a:t>
+            </a:r>
+            <a:r>
+              <a:rPr b="1" lang="pl" sz="1400">
+                <a:solidFill>
+                  <a:srgbClr val="1C4587"/>
+                </a:solidFill>
+                <a:latin typeface="Tahoma"/>
+                <a:ea typeface="Tahoma"/>
+                <a:cs typeface="Tahoma"/>
+                <a:sym typeface="Tahoma"/>
+              </a:rPr>
+              <a:t>wykonać commit</a:t>
+            </a:r>
+            <a:endParaRPr b="1" sz="1400">
+              <a:solidFill>
+                <a:srgbClr val="1C4587"/>
+              </a:solidFill>
+              <a:latin typeface="Tahoma"/>
+              <a:ea typeface="Tahoma"/>
+              <a:cs typeface="Tahoma"/>
+              <a:sym typeface="Tahoma"/>
+            </a:endParaRPr>
+          </a:p>
+          <a:p>
+            <a:pPr indent="0" lvl="0" marL="0" rtl="0" algn="l">
+              <a:lnSpc>
+                <a:spcPct val="100000"/>
+              </a:lnSpc>
+              <a:spcBef>
+                <a:spcPts val="0"/>
+              </a:spcBef>
+              <a:spcAft>
+                <a:spcPts val="0"/>
+              </a:spcAft>
+              <a:buNone/>
+            </a:pPr>
+            <a:r>
+              <a:t/>
+            </a:r>
+            <a:endParaRPr sz="1400">
+              <a:solidFill>
+                <a:srgbClr val="000000"/>
+              </a:solidFill>
+              <a:latin typeface="Tahoma"/>
+              <a:ea typeface="Tahoma"/>
+              <a:cs typeface="Tahoma"/>
+              <a:sym typeface="Tahoma"/>
+            </a:endParaRPr>
+          </a:p>
+        </p:txBody>
+      </p:sp>
+    </p:spTree>
+  </p:cSld>
+  <p:clrMapOvr>
+    <a:masterClrMapping/>
+  </p:clrMapOvr>
+</p:sld>
+</file>
+
+<file path=ppt/slides/slide44.xml><?xml version="1.0" encoding="utf-8"?>
+<p:sld xmlns:a="http://schemas.openxmlformats.org/drawingml/2006/main" xmlns:r="http://schemas.openxmlformats.org/officeDocument/2006/relationships" xmlns:mc="http://schemas.openxmlformats.org/markup-compatibility/2006" xmlns:mv="urn:schemas-microsoft-com:mac:vml" xmlns:p="http://schemas.openxmlformats.org/presentationml/2006/main" xmlns:c="http://schemas.openxmlformats.org/drawingml/2006/chart" xmlns:dgm="http://schemas.openxmlformats.org/drawingml/2006/diagram" xmlns:o="urn:schemas-microsoft-com:office:office" xmlns:v="urn:schemas-microsoft-com:vml" xmlns:pvml="urn:schemas-microsoft-com:office:powerpoint" xmlns:com="http://schemas.openxmlformats.org/drawingml/2006/compatibility" xmlns:p14="http://schemas.microsoft.com/office/powerpoint/2010/main" xmlns:p15="http://schemas.microsoft.com/office/powerpoint/2012/main" xmlns:ahyp="http://schemas.microsoft.com/office/drawing/2018/hyperlinkcolor">
+  <p:cSld>
+    <p:spTree>
+      <p:nvGrpSpPr>
+        <p:cNvPr id="347" name="Shape 347"/>
+        <p:cNvGrpSpPr/>
+        <p:nvPr/>
+      </p:nvGrpSpPr>
+      <p:grpSpPr>
+        <a:xfrm>
+          <a:off x="0" y="0"/>
+          <a:ext cx="0" cy="0"/>
+          <a:chOff x="0" y="0"/>
+          <a:chExt cx="0" cy="0"/>
+        </a:xfrm>
+      </p:grpSpPr>
+      <p:sp>
+        <p:nvSpPr>
+          <p:cNvPr id="348" name="Google Shape;348;p56"/>
+          <p:cNvSpPr txBox="1"/>
+          <p:nvPr>
+            <p:ph type="title"/>
+          </p:nvPr>
+        </p:nvSpPr>
+        <p:spPr>
+          <a:xfrm>
+            <a:off x="729450" y="1318650"/>
+            <a:ext cx="7688700" cy="535200"/>
+          </a:xfrm>
+          <a:prstGeom prst="rect">
+            <a:avLst/>
+          </a:prstGeom>
+        </p:spPr>
+        <p:txBody>
+          <a:bodyPr anchorCtr="0" anchor="t" bIns="91425" lIns="91425" spcFirstLastPara="1" rIns="91425" wrap="square" tIns="91425">
+            <a:noAutofit/>
+          </a:bodyPr>
+          <a:lstStyle/>
+          <a:p>
+            <a:pPr indent="0" lvl="0" marL="0" rtl="0" algn="l">
+              <a:spcBef>
+                <a:spcPts val="0"/>
+              </a:spcBef>
+              <a:spcAft>
+                <a:spcPts val="0"/>
+              </a:spcAft>
+              <a:buSzPts val="990"/>
+              <a:buNone/>
+            </a:pPr>
+            <a:r>
+              <a:rPr lang="pl" sz="2440">
+                <a:latin typeface="Tahoma"/>
+                <a:ea typeface="Tahoma"/>
+                <a:cs typeface="Tahoma"/>
+                <a:sym typeface="Tahoma"/>
+              </a:rPr>
+              <a:t>git clone</a:t>
+            </a:r>
+            <a:endParaRPr sz="2440">
+              <a:latin typeface="Tahoma"/>
+              <a:ea typeface="Tahoma"/>
+              <a:cs typeface="Tahoma"/>
+              <a:sym typeface="Tahoma"/>
+            </a:endParaRPr>
+          </a:p>
+        </p:txBody>
+      </p:sp>
+      <p:sp>
+        <p:nvSpPr>
+          <p:cNvPr id="349" name="Google Shape;349;p56"/>
+          <p:cNvSpPr txBox="1"/>
+          <p:nvPr>
+            <p:ph idx="1" type="body"/>
+          </p:nvPr>
+        </p:nvSpPr>
+        <p:spPr>
+          <a:xfrm>
+            <a:off x="729450" y="2078875"/>
+            <a:ext cx="7688700" cy="2988900"/>
+          </a:xfrm>
+          <a:prstGeom prst="rect">
+            <a:avLst/>
+          </a:prstGeom>
+        </p:spPr>
+        <p:txBody>
+          <a:bodyPr anchorCtr="0" anchor="t" bIns="91425" lIns="91425" spcFirstLastPara="1" rIns="91425" wrap="square" tIns="91425">
+            <a:normAutofit lnSpcReduction="10000"/>
+          </a:bodyPr>
+          <a:lstStyle/>
+          <a:p>
+            <a:pPr indent="0" lvl="0" marL="0" rtl="0" algn="l">
+              <a:lnSpc>
+                <a:spcPct val="100000"/>
+              </a:lnSpc>
+              <a:spcBef>
+                <a:spcPts val="0"/>
+              </a:spcBef>
+              <a:spcAft>
+                <a:spcPts val="0"/>
+              </a:spcAft>
+              <a:buNone/>
+            </a:pPr>
+            <a:r>
+              <a:rPr b="1" lang="pl" sz="1600">
+                <a:solidFill>
+                  <a:srgbClr val="783F04"/>
+                </a:solidFill>
+                <a:latin typeface="Tahoma"/>
+                <a:ea typeface="Tahoma"/>
+                <a:cs typeface="Tahoma"/>
+                <a:sym typeface="Tahoma"/>
+              </a:rPr>
+              <a:t>git clone</a:t>
+            </a:r>
+            <a:r>
+              <a:rPr lang="pl" sz="1600">
+                <a:solidFill>
+                  <a:srgbClr val="000000"/>
+                </a:solidFill>
+                <a:latin typeface="Tahoma"/>
+                <a:ea typeface="Tahoma"/>
+                <a:cs typeface="Tahoma"/>
+                <a:sym typeface="Tahoma"/>
+              </a:rPr>
+              <a:t> - </a:t>
+            </a:r>
+            <a:r>
+              <a:rPr b="1" lang="pl" sz="1600">
+                <a:solidFill>
+                  <a:srgbClr val="073763"/>
+                </a:solidFill>
+                <a:latin typeface="Tahoma"/>
+                <a:ea typeface="Tahoma"/>
+                <a:cs typeface="Tahoma"/>
+                <a:sym typeface="Tahoma"/>
+              </a:rPr>
+              <a:t>kopiuje całe zdalne repozytorium</a:t>
+            </a:r>
+            <a:r>
+              <a:rPr lang="pl" sz="1600">
+                <a:solidFill>
+                  <a:srgbClr val="000000"/>
+                </a:solidFill>
+                <a:latin typeface="Tahoma"/>
+                <a:ea typeface="Tahoma"/>
+                <a:cs typeface="Tahoma"/>
+                <a:sym typeface="Tahoma"/>
+              </a:rPr>
+              <a:t> (np. z GitHuba) na Twój komputer. </a:t>
+            </a:r>
+            <a:endParaRPr sz="1600">
+              <a:solidFill>
+                <a:srgbClr val="000000"/>
+              </a:solidFill>
+              <a:latin typeface="Tahoma"/>
+              <a:ea typeface="Tahoma"/>
+              <a:cs typeface="Tahoma"/>
+              <a:sym typeface="Tahoma"/>
+            </a:endParaRPr>
+          </a:p>
+          <a:p>
+            <a:pPr indent="0" lvl="0" marL="0" rtl="0" algn="l">
+              <a:lnSpc>
+                <a:spcPct val="100000"/>
+              </a:lnSpc>
+              <a:spcBef>
+                <a:spcPts val="0"/>
+              </a:spcBef>
+              <a:spcAft>
+                <a:spcPts val="0"/>
+              </a:spcAft>
+              <a:buNone/>
+            </a:pPr>
+            <a:r>
+              <a:t/>
+            </a:r>
+            <a:endParaRPr sz="1600">
+              <a:solidFill>
+                <a:srgbClr val="000000"/>
+              </a:solidFill>
+              <a:latin typeface="Tahoma"/>
+              <a:ea typeface="Tahoma"/>
+              <a:cs typeface="Tahoma"/>
+              <a:sym typeface="Tahoma"/>
+            </a:endParaRPr>
+          </a:p>
+          <a:p>
+            <a:pPr indent="0" lvl="0" marL="0" rtl="0" algn="l">
+              <a:lnSpc>
+                <a:spcPct val="100000"/>
+              </a:lnSpc>
+              <a:spcBef>
+                <a:spcPts val="0"/>
+              </a:spcBef>
+              <a:spcAft>
+                <a:spcPts val="0"/>
+              </a:spcAft>
+              <a:buNone/>
+            </a:pPr>
+            <a:r>
+              <a:rPr lang="pl" sz="1600">
+                <a:solidFill>
+                  <a:srgbClr val="000000"/>
+                </a:solidFill>
+                <a:latin typeface="Tahoma"/>
+                <a:ea typeface="Tahoma"/>
+                <a:cs typeface="Tahoma"/>
+                <a:sym typeface="Tahoma"/>
+              </a:rPr>
+              <a:t>Oznacza to:</a:t>
+            </a:r>
+            <a:endParaRPr sz="1600">
+              <a:solidFill>
+                <a:srgbClr val="000000"/>
+              </a:solidFill>
+              <a:latin typeface="Tahoma"/>
+              <a:ea typeface="Tahoma"/>
+              <a:cs typeface="Tahoma"/>
+              <a:sym typeface="Tahoma"/>
+            </a:endParaRPr>
+          </a:p>
+          <a:p>
+            <a:pPr indent="-330200" lvl="0" marL="457200" rtl="0" algn="l">
+              <a:lnSpc>
+                <a:spcPct val="100000"/>
+              </a:lnSpc>
+              <a:spcBef>
+                <a:spcPts val="0"/>
+              </a:spcBef>
+              <a:spcAft>
+                <a:spcPts val="0"/>
+              </a:spcAft>
+              <a:buClr>
+                <a:srgbClr val="0C343D"/>
+              </a:buClr>
+              <a:buSzPts val="1600"/>
+              <a:buFont typeface="Tahoma"/>
+              <a:buChar char="❏"/>
+            </a:pPr>
+            <a:r>
+              <a:rPr b="1" lang="pl" sz="1600">
+                <a:solidFill>
+                  <a:srgbClr val="0C343D"/>
+                </a:solidFill>
+                <a:latin typeface="Tahoma"/>
+                <a:ea typeface="Tahoma"/>
+                <a:cs typeface="Tahoma"/>
+                <a:sym typeface="Tahoma"/>
+              </a:rPr>
+              <a:t>pobiera wszystkie pliki</a:t>
+            </a:r>
+            <a:endParaRPr b="1" sz="1600">
+              <a:solidFill>
+                <a:srgbClr val="0C343D"/>
+              </a:solidFill>
+              <a:latin typeface="Tahoma"/>
+              <a:ea typeface="Tahoma"/>
+              <a:cs typeface="Tahoma"/>
+              <a:sym typeface="Tahoma"/>
+            </a:endParaRPr>
+          </a:p>
+          <a:p>
+            <a:pPr indent="-330200" lvl="0" marL="457200" rtl="0" algn="l">
+              <a:lnSpc>
+                <a:spcPct val="100000"/>
+              </a:lnSpc>
+              <a:spcBef>
+                <a:spcPts val="0"/>
+              </a:spcBef>
+              <a:spcAft>
+                <a:spcPts val="0"/>
+              </a:spcAft>
+              <a:buClr>
+                <a:srgbClr val="0C343D"/>
+              </a:buClr>
+              <a:buSzPts val="1600"/>
+              <a:buFont typeface="Tahoma"/>
+              <a:buChar char="❏"/>
+            </a:pPr>
+            <a:r>
+              <a:rPr b="1" lang="pl" sz="1600">
+                <a:solidFill>
+                  <a:srgbClr val="0C343D"/>
+                </a:solidFill>
+                <a:latin typeface="Tahoma"/>
+                <a:ea typeface="Tahoma"/>
+                <a:cs typeface="Tahoma"/>
+                <a:sym typeface="Tahoma"/>
+              </a:rPr>
+              <a:t>pobiera całą historię commitów</a:t>
+            </a:r>
+            <a:endParaRPr b="1" sz="1600">
+              <a:solidFill>
+                <a:srgbClr val="0C343D"/>
+              </a:solidFill>
+              <a:latin typeface="Tahoma"/>
+              <a:ea typeface="Tahoma"/>
+              <a:cs typeface="Tahoma"/>
+              <a:sym typeface="Tahoma"/>
+            </a:endParaRPr>
+          </a:p>
+          <a:p>
+            <a:pPr indent="-330200" lvl="0" marL="457200" rtl="0" algn="l">
+              <a:lnSpc>
+                <a:spcPct val="100000"/>
+              </a:lnSpc>
+              <a:spcBef>
+                <a:spcPts val="0"/>
+              </a:spcBef>
+              <a:spcAft>
+                <a:spcPts val="0"/>
+              </a:spcAft>
+              <a:buClr>
+                <a:srgbClr val="0C343D"/>
+              </a:buClr>
+              <a:buSzPts val="1600"/>
+              <a:buFont typeface="Tahoma"/>
+              <a:buChar char="❏"/>
+            </a:pPr>
+            <a:r>
+              <a:rPr b="1" lang="pl" sz="1600">
+                <a:solidFill>
+                  <a:srgbClr val="0C343D"/>
+                </a:solidFill>
+                <a:latin typeface="Tahoma"/>
+                <a:ea typeface="Tahoma"/>
+                <a:cs typeface="Tahoma"/>
+                <a:sym typeface="Tahoma"/>
+              </a:rPr>
+              <a:t>ustawia domyślne połączenie z repozytorium (origin)</a:t>
+            </a:r>
+            <a:endParaRPr b="1" sz="1600">
+              <a:solidFill>
+                <a:srgbClr val="0C343D"/>
+              </a:solidFill>
+              <a:latin typeface="Tahoma"/>
+              <a:ea typeface="Tahoma"/>
+              <a:cs typeface="Tahoma"/>
+              <a:sym typeface="Tahoma"/>
+            </a:endParaRPr>
+          </a:p>
+          <a:p>
+            <a:pPr indent="-330200" lvl="0" marL="457200" rtl="0" algn="l">
+              <a:lnSpc>
+                <a:spcPct val="100000"/>
+              </a:lnSpc>
+              <a:spcBef>
+                <a:spcPts val="0"/>
+              </a:spcBef>
+              <a:spcAft>
+                <a:spcPts val="0"/>
+              </a:spcAft>
+              <a:buClr>
+                <a:srgbClr val="0C343D"/>
+              </a:buClr>
+              <a:buSzPts val="1600"/>
+              <a:buFont typeface="Tahoma"/>
+              <a:buChar char="❏"/>
+            </a:pPr>
+            <a:r>
+              <a:rPr b="1" lang="pl" sz="1600">
+                <a:solidFill>
+                  <a:srgbClr val="0C343D"/>
+                </a:solidFill>
+                <a:latin typeface="Tahoma"/>
+                <a:ea typeface="Tahoma"/>
+                <a:cs typeface="Tahoma"/>
+                <a:sym typeface="Tahoma"/>
+              </a:rPr>
+              <a:t>tworzy katalog z projektem</a:t>
+            </a:r>
+            <a:endParaRPr b="1" sz="1600">
+              <a:solidFill>
+                <a:srgbClr val="0C343D"/>
+              </a:solidFill>
+              <a:latin typeface="Tahoma"/>
+              <a:ea typeface="Tahoma"/>
+              <a:cs typeface="Tahoma"/>
+              <a:sym typeface="Tahoma"/>
+            </a:endParaRPr>
+          </a:p>
+          <a:p>
+            <a:pPr indent="0" lvl="0" marL="0" rtl="0" algn="l">
+              <a:lnSpc>
+                <a:spcPct val="100000"/>
+              </a:lnSpc>
+              <a:spcBef>
+                <a:spcPts val="0"/>
+              </a:spcBef>
+              <a:spcAft>
+                <a:spcPts val="0"/>
+              </a:spcAft>
+              <a:buNone/>
+            </a:pPr>
+            <a:r>
+              <a:t/>
+            </a:r>
+            <a:endParaRPr sz="1600">
+              <a:solidFill>
+                <a:srgbClr val="000000"/>
+              </a:solidFill>
+              <a:latin typeface="Tahoma"/>
+              <a:ea typeface="Tahoma"/>
+              <a:cs typeface="Tahoma"/>
+              <a:sym typeface="Tahoma"/>
+            </a:endParaRPr>
+          </a:p>
+          <a:p>
+            <a:pPr indent="0" lvl="0" marL="0" rtl="0" algn="l">
+              <a:lnSpc>
+                <a:spcPct val="100000"/>
+              </a:lnSpc>
+              <a:spcBef>
+                <a:spcPts val="0"/>
+              </a:spcBef>
+              <a:spcAft>
+                <a:spcPts val="0"/>
+              </a:spcAft>
+              <a:buNone/>
+            </a:pPr>
+            <a:r>
+              <a:rPr lang="pl" sz="1600">
+                <a:solidFill>
+                  <a:srgbClr val="000000"/>
+                </a:solidFill>
+                <a:latin typeface="Tahoma"/>
+                <a:ea typeface="Tahoma"/>
+                <a:cs typeface="Tahoma"/>
+                <a:sym typeface="Tahoma"/>
+              </a:rPr>
+              <a:t>Przykład:</a:t>
+            </a:r>
+            <a:endParaRPr sz="1600">
+              <a:solidFill>
+                <a:srgbClr val="000000"/>
+              </a:solidFill>
+              <a:latin typeface="Tahoma"/>
+              <a:ea typeface="Tahoma"/>
+              <a:cs typeface="Tahoma"/>
+              <a:sym typeface="Tahoma"/>
+            </a:endParaRPr>
+          </a:p>
+          <a:p>
+            <a:pPr indent="0" lvl="0" marL="0" rtl="0" algn="l">
+              <a:lnSpc>
+                <a:spcPct val="100000"/>
+              </a:lnSpc>
+              <a:spcBef>
+                <a:spcPts val="0"/>
+              </a:spcBef>
+              <a:spcAft>
+                <a:spcPts val="0"/>
+              </a:spcAft>
+              <a:buNone/>
+            </a:pPr>
+            <a:r>
+              <a:rPr lang="pl" sz="1600">
+                <a:solidFill>
+                  <a:srgbClr val="000000"/>
+                </a:solidFill>
+                <a:latin typeface="Tahoma"/>
+                <a:ea typeface="Tahoma"/>
+                <a:cs typeface="Tahoma"/>
+                <a:sym typeface="Tahoma"/>
+              </a:rPr>
+              <a:t>git clone https://github.com/user/projekt.git</a:t>
+            </a:r>
+            <a:endParaRPr sz="1600">
+              <a:solidFill>
+                <a:srgbClr val="000000"/>
+              </a:solidFill>
+              <a:latin typeface="Tahoma"/>
+              <a:ea typeface="Tahoma"/>
+              <a:cs typeface="Tahoma"/>
+              <a:sym typeface="Tahoma"/>
+            </a:endParaRPr>
+          </a:p>
+          <a:p>
+            <a:pPr indent="0" lvl="0" marL="0" rtl="0" algn="l">
+              <a:spcBef>
+                <a:spcPts val="0"/>
+              </a:spcBef>
+              <a:spcAft>
+                <a:spcPts val="1200"/>
+              </a:spcAft>
+              <a:buNone/>
+            </a:pPr>
+            <a:r>
+              <a:t/>
+            </a:r>
+            <a:endParaRPr sz="1100">
+              <a:solidFill>
+                <a:srgbClr val="000000"/>
+              </a:solidFill>
+              <a:latin typeface="Arial"/>
+              <a:ea typeface="Arial"/>
+              <a:cs typeface="Arial"/>
+              <a:sym typeface="Arial"/>
+            </a:endParaRPr>
+          </a:p>
+        </p:txBody>
+      </p:sp>
+    </p:spTree>
+  </p:cSld>
+  <p:clrMapOvr>
+    <a:masterClrMapping/>
+  </p:clrMapOvr>
+</p:sld>
+</file>
+
+<file path=ppt/slides/slide45.xml><?xml version="1.0" encoding="utf-8"?>
+<p:sld xmlns:a="http://schemas.openxmlformats.org/drawingml/2006/main" xmlns:r="http://schemas.openxmlformats.org/officeDocument/2006/relationships" xmlns:mc="http://schemas.openxmlformats.org/markup-compatibility/2006" xmlns:mv="urn:schemas-microsoft-com:mac:vml" xmlns:p="http://schemas.openxmlformats.org/presentationml/2006/main" xmlns:c="http://schemas.openxmlformats.org/drawingml/2006/chart" xmlns:dgm="http://schemas.openxmlformats.org/drawingml/2006/diagram" xmlns:o="urn:schemas-microsoft-com:office:office" xmlns:v="urn:schemas-microsoft-com:vml" xmlns:pvml="urn:schemas-microsoft-com:office:powerpoint" xmlns:com="http://schemas.openxmlformats.org/drawingml/2006/compatibility" xmlns:p14="http://schemas.microsoft.com/office/powerpoint/2010/main" xmlns:p15="http://schemas.microsoft.com/office/powerpoint/2012/main" xmlns:ahyp="http://schemas.microsoft.com/office/drawing/2018/hyperlinkcolor">
+  <p:cSld>
+    <p:spTree>
+      <p:nvGrpSpPr>
+        <p:cNvPr id="353" name="Shape 353"/>
+        <p:cNvGrpSpPr/>
+        <p:nvPr/>
+      </p:nvGrpSpPr>
+      <p:grpSpPr>
+        <a:xfrm>
+          <a:off x="0" y="0"/>
+          <a:ext cx="0" cy="0"/>
+          <a:chOff x="0" y="0"/>
+          <a:chExt cx="0" cy="0"/>
+        </a:xfrm>
+      </p:grpSpPr>
+      <p:sp>
+        <p:nvSpPr>
+          <p:cNvPr id="354" name="Google Shape;354;p57"/>
+          <p:cNvSpPr txBox="1"/>
+          <p:nvPr>
+            <p:ph type="title"/>
+          </p:nvPr>
+        </p:nvSpPr>
+        <p:spPr>
+          <a:xfrm>
+            <a:off x="729450" y="1318650"/>
+            <a:ext cx="7688700" cy="535200"/>
+          </a:xfrm>
+          <a:prstGeom prst="rect">
+            <a:avLst/>
+          </a:prstGeom>
+        </p:spPr>
+        <p:txBody>
+          <a:bodyPr anchorCtr="0" anchor="t" bIns="91425" lIns="91425" spcFirstLastPara="1" rIns="91425" wrap="square" tIns="91425">
+            <a:noAutofit/>
+          </a:bodyPr>
+          <a:lstStyle/>
+          <a:p>
+            <a:pPr indent="0" lvl="0" marL="0" rtl="0" algn="l">
+              <a:spcBef>
+                <a:spcPts val="0"/>
+              </a:spcBef>
+              <a:spcAft>
+                <a:spcPts val="0"/>
+              </a:spcAft>
+              <a:buSzPts val="990"/>
+              <a:buNone/>
+            </a:pPr>
+            <a:r>
+              <a:rPr lang="pl" sz="2440">
+                <a:latin typeface="Tahoma"/>
+                <a:ea typeface="Tahoma"/>
+                <a:cs typeface="Tahoma"/>
+                <a:sym typeface="Tahoma"/>
+              </a:rPr>
+              <a:t>git push</a:t>
+            </a:r>
+            <a:endParaRPr sz="2440">
+              <a:latin typeface="Tahoma"/>
+              <a:ea typeface="Tahoma"/>
+              <a:cs typeface="Tahoma"/>
+              <a:sym typeface="Tahoma"/>
+            </a:endParaRPr>
+          </a:p>
+        </p:txBody>
+      </p:sp>
+      <p:sp>
+        <p:nvSpPr>
+          <p:cNvPr id="355" name="Google Shape;355;p57"/>
+          <p:cNvSpPr txBox="1"/>
+          <p:nvPr>
+            <p:ph idx="1" type="body"/>
+          </p:nvPr>
+        </p:nvSpPr>
+        <p:spPr>
+          <a:xfrm>
+            <a:off x="729450" y="2078875"/>
+            <a:ext cx="7688700" cy="2261100"/>
+          </a:xfrm>
+          <a:prstGeom prst="rect">
+            <a:avLst/>
+          </a:prstGeom>
+        </p:spPr>
+        <p:txBody>
+          <a:bodyPr anchorCtr="0" anchor="t" bIns="91425" lIns="91425" spcFirstLastPara="1" rIns="91425" wrap="square" tIns="91425">
+            <a:normAutofit lnSpcReduction="10000"/>
+          </a:bodyPr>
+          <a:lstStyle/>
+          <a:p>
+            <a:pPr indent="0" lvl="0" marL="0" rtl="0" algn="l">
+              <a:lnSpc>
+                <a:spcPct val="100000"/>
+              </a:lnSpc>
+              <a:spcBef>
+                <a:spcPts val="0"/>
+              </a:spcBef>
+              <a:spcAft>
+                <a:spcPts val="0"/>
+              </a:spcAft>
+              <a:buNone/>
+            </a:pPr>
+            <a:r>
+              <a:rPr b="1" lang="pl" sz="1400">
+                <a:solidFill>
+                  <a:srgbClr val="783F04"/>
+                </a:solidFill>
+                <a:latin typeface="Tahoma"/>
+                <a:ea typeface="Tahoma"/>
+                <a:cs typeface="Tahoma"/>
+                <a:sym typeface="Tahoma"/>
+              </a:rPr>
+              <a:t>git push </a:t>
+            </a:r>
+            <a:r>
+              <a:rPr lang="pl" sz="1400">
+                <a:latin typeface="Tahoma"/>
+                <a:ea typeface="Tahoma"/>
+                <a:cs typeface="Tahoma"/>
+                <a:sym typeface="Tahoma"/>
+              </a:rPr>
+              <a:t>- </a:t>
+            </a:r>
+            <a:r>
+              <a:rPr lang="pl" sz="1400">
+                <a:solidFill>
+                  <a:srgbClr val="000000"/>
+                </a:solidFill>
+                <a:latin typeface="Tahoma"/>
+                <a:ea typeface="Tahoma"/>
+                <a:cs typeface="Tahoma"/>
+                <a:sym typeface="Tahoma"/>
+              </a:rPr>
+              <a:t>wysyła Twoje</a:t>
+            </a:r>
+            <a:r>
+              <a:rPr lang="pl" sz="1400">
+                <a:solidFill>
+                  <a:srgbClr val="073763"/>
+                </a:solidFill>
+                <a:latin typeface="Tahoma"/>
+                <a:ea typeface="Tahoma"/>
+                <a:cs typeface="Tahoma"/>
+                <a:sym typeface="Tahoma"/>
+              </a:rPr>
+              <a:t> </a:t>
+            </a:r>
+            <a:r>
+              <a:rPr b="1" lang="pl" sz="1400">
+                <a:solidFill>
+                  <a:srgbClr val="073763"/>
+                </a:solidFill>
+                <a:latin typeface="Tahoma"/>
+                <a:ea typeface="Tahoma"/>
+                <a:cs typeface="Tahoma"/>
+                <a:sym typeface="Tahoma"/>
+              </a:rPr>
+              <a:t>lokalne commity</a:t>
+            </a:r>
+            <a:r>
+              <a:rPr lang="pl" sz="1400">
+                <a:solidFill>
+                  <a:srgbClr val="000000"/>
+                </a:solidFill>
+                <a:latin typeface="Tahoma"/>
+                <a:ea typeface="Tahoma"/>
+                <a:cs typeface="Tahoma"/>
+                <a:sym typeface="Tahoma"/>
+              </a:rPr>
+              <a:t> do </a:t>
+            </a:r>
+            <a:r>
+              <a:rPr b="1" lang="pl" sz="1400">
+                <a:solidFill>
+                  <a:srgbClr val="073763"/>
+                </a:solidFill>
+                <a:latin typeface="Tahoma"/>
+                <a:ea typeface="Tahoma"/>
+                <a:cs typeface="Tahoma"/>
+                <a:sym typeface="Tahoma"/>
+              </a:rPr>
+              <a:t>zdalnego repozytorium</a:t>
+            </a:r>
+            <a:r>
+              <a:rPr lang="pl" sz="1400">
+                <a:solidFill>
+                  <a:srgbClr val="073763"/>
+                </a:solidFill>
+                <a:latin typeface="Tahoma"/>
+                <a:ea typeface="Tahoma"/>
+                <a:cs typeface="Tahoma"/>
+                <a:sym typeface="Tahoma"/>
+              </a:rPr>
+              <a:t> </a:t>
+            </a:r>
+            <a:r>
+              <a:rPr lang="pl" sz="1400">
+                <a:solidFill>
+                  <a:srgbClr val="000000"/>
+                </a:solidFill>
+                <a:latin typeface="Tahoma"/>
+                <a:ea typeface="Tahoma"/>
+                <a:cs typeface="Tahoma"/>
+                <a:sym typeface="Tahoma"/>
+              </a:rPr>
+              <a:t>(np. GitHub, GitLab, Bitbucket).</a:t>
+            </a:r>
+            <a:endParaRPr sz="1400">
+              <a:solidFill>
+                <a:srgbClr val="000000"/>
+              </a:solidFill>
+              <a:latin typeface="Tahoma"/>
+              <a:ea typeface="Tahoma"/>
+              <a:cs typeface="Tahoma"/>
+              <a:sym typeface="Tahoma"/>
+            </a:endParaRPr>
+          </a:p>
+          <a:p>
+            <a:pPr indent="0" lvl="0" marL="0" rtl="0" algn="l">
+              <a:lnSpc>
+                <a:spcPct val="100000"/>
+              </a:lnSpc>
+              <a:spcBef>
+                <a:spcPts val="0"/>
+              </a:spcBef>
+              <a:spcAft>
+                <a:spcPts val="0"/>
+              </a:spcAft>
+              <a:buNone/>
+            </a:pPr>
+            <a:r>
+              <a:t/>
+            </a:r>
+            <a:endParaRPr sz="1400">
+              <a:solidFill>
+                <a:srgbClr val="000000"/>
+              </a:solidFill>
+              <a:latin typeface="Tahoma"/>
+              <a:ea typeface="Tahoma"/>
+              <a:cs typeface="Tahoma"/>
+              <a:sym typeface="Tahoma"/>
+            </a:endParaRPr>
+          </a:p>
+          <a:p>
+            <a:pPr indent="0" lvl="0" marL="0" rtl="0" algn="l">
+              <a:lnSpc>
+                <a:spcPct val="100000"/>
+              </a:lnSpc>
+              <a:spcBef>
+                <a:spcPts val="0"/>
+              </a:spcBef>
+              <a:spcAft>
+                <a:spcPts val="0"/>
+              </a:spcAft>
+              <a:buNone/>
+            </a:pPr>
+            <a:r>
+              <a:rPr b="1" lang="pl" sz="1400">
+                <a:solidFill>
+                  <a:srgbClr val="783F04"/>
+                </a:solidFill>
+                <a:latin typeface="Tahoma"/>
+                <a:ea typeface="Tahoma"/>
+                <a:cs typeface="Tahoma"/>
+                <a:sym typeface="Tahoma"/>
+              </a:rPr>
+              <a:t>git push origin nazwa_brancha</a:t>
+            </a:r>
+            <a:endParaRPr b="1" sz="1400">
+              <a:solidFill>
+                <a:srgbClr val="783F04"/>
+              </a:solidFill>
+              <a:latin typeface="Tahoma"/>
+              <a:ea typeface="Tahoma"/>
+              <a:cs typeface="Tahoma"/>
+              <a:sym typeface="Tahoma"/>
+            </a:endParaRPr>
+          </a:p>
+          <a:p>
+            <a:pPr indent="0" lvl="0" marL="0" rtl="0" algn="l">
+              <a:lnSpc>
+                <a:spcPct val="100000"/>
+              </a:lnSpc>
+              <a:spcBef>
+                <a:spcPts val="0"/>
+              </a:spcBef>
+              <a:spcAft>
+                <a:spcPts val="0"/>
+              </a:spcAft>
+              <a:buNone/>
+            </a:pPr>
+            <a:r>
+              <a:rPr lang="pl" sz="1400">
+                <a:solidFill>
+                  <a:srgbClr val="000000"/>
+                </a:solidFill>
+                <a:latin typeface="Tahoma"/>
+                <a:ea typeface="Tahoma"/>
+                <a:cs typeface="Tahoma"/>
+                <a:sym typeface="Tahoma"/>
+              </a:rPr>
+              <a:t>gdzie:</a:t>
+            </a:r>
+            <a:endParaRPr sz="1400">
+              <a:solidFill>
+                <a:srgbClr val="000000"/>
+              </a:solidFill>
+              <a:latin typeface="Tahoma"/>
+              <a:ea typeface="Tahoma"/>
+              <a:cs typeface="Tahoma"/>
+              <a:sym typeface="Tahoma"/>
+            </a:endParaRPr>
+          </a:p>
+          <a:p>
+            <a:pPr indent="0" lvl="0" marL="0" rtl="0" algn="l">
+              <a:lnSpc>
+                <a:spcPct val="100000"/>
+              </a:lnSpc>
+              <a:spcBef>
+                <a:spcPts val="0"/>
+              </a:spcBef>
+              <a:spcAft>
+                <a:spcPts val="0"/>
+              </a:spcAft>
+              <a:buNone/>
+            </a:pPr>
+            <a:r>
+              <a:rPr b="1" lang="pl" sz="1400">
+                <a:solidFill>
+                  <a:srgbClr val="073763"/>
+                </a:solidFill>
+                <a:latin typeface="Tahoma"/>
+                <a:ea typeface="Tahoma"/>
+                <a:cs typeface="Tahoma"/>
+                <a:sym typeface="Tahoma"/>
+              </a:rPr>
+              <a:t>origin –</a:t>
+            </a:r>
+            <a:r>
+              <a:rPr lang="pl" sz="1400">
+                <a:solidFill>
+                  <a:srgbClr val="000000"/>
+                </a:solidFill>
+                <a:latin typeface="Tahoma"/>
+                <a:ea typeface="Tahoma"/>
+                <a:cs typeface="Tahoma"/>
+                <a:sym typeface="Tahoma"/>
+              </a:rPr>
+              <a:t> nazwa zdalnego repozytorium</a:t>
+            </a:r>
+            <a:endParaRPr sz="1400">
+              <a:solidFill>
+                <a:srgbClr val="000000"/>
+              </a:solidFill>
+              <a:latin typeface="Tahoma"/>
+              <a:ea typeface="Tahoma"/>
+              <a:cs typeface="Tahoma"/>
+              <a:sym typeface="Tahoma"/>
+            </a:endParaRPr>
+          </a:p>
+          <a:p>
+            <a:pPr indent="0" lvl="0" marL="0" rtl="0" algn="l">
+              <a:lnSpc>
+                <a:spcPct val="100000"/>
+              </a:lnSpc>
+              <a:spcBef>
+                <a:spcPts val="0"/>
+              </a:spcBef>
+              <a:spcAft>
+                <a:spcPts val="0"/>
+              </a:spcAft>
+              <a:buNone/>
+            </a:pPr>
+            <a:r>
+              <a:rPr b="1" lang="pl" sz="1400">
+                <a:solidFill>
+                  <a:srgbClr val="073763"/>
+                </a:solidFill>
+                <a:latin typeface="Tahoma"/>
+                <a:ea typeface="Tahoma"/>
+                <a:cs typeface="Tahoma"/>
+                <a:sym typeface="Tahoma"/>
+              </a:rPr>
+              <a:t>nazwa_brancha</a:t>
+            </a:r>
+            <a:r>
+              <a:rPr lang="pl" sz="1400">
+                <a:solidFill>
+                  <a:srgbClr val="073763"/>
+                </a:solidFill>
+                <a:latin typeface="Tahoma"/>
+                <a:ea typeface="Tahoma"/>
+                <a:cs typeface="Tahoma"/>
+                <a:sym typeface="Tahoma"/>
+              </a:rPr>
+              <a:t> </a:t>
+            </a:r>
+            <a:r>
+              <a:rPr lang="pl" sz="1400">
+                <a:solidFill>
+                  <a:srgbClr val="000000"/>
+                </a:solidFill>
+                <a:latin typeface="Tahoma"/>
+                <a:ea typeface="Tahoma"/>
+                <a:cs typeface="Tahoma"/>
+                <a:sym typeface="Tahoma"/>
+              </a:rPr>
+              <a:t>– gałąź, którą chcesz wysłać (np. main, feature/login)</a:t>
+            </a:r>
+            <a:endParaRPr sz="1400">
+              <a:solidFill>
+                <a:srgbClr val="000000"/>
+              </a:solidFill>
+              <a:latin typeface="Tahoma"/>
+              <a:ea typeface="Tahoma"/>
+              <a:cs typeface="Tahoma"/>
+              <a:sym typeface="Tahoma"/>
+            </a:endParaRPr>
+          </a:p>
+          <a:p>
+            <a:pPr indent="0" lvl="0" marL="0" rtl="0" algn="l">
+              <a:lnSpc>
+                <a:spcPct val="100000"/>
+              </a:lnSpc>
+              <a:spcBef>
+                <a:spcPts val="0"/>
+              </a:spcBef>
+              <a:spcAft>
+                <a:spcPts val="0"/>
+              </a:spcAft>
+              <a:buNone/>
+            </a:pPr>
+            <a:r>
+              <a:t/>
+            </a:r>
+            <a:endParaRPr sz="1400">
+              <a:solidFill>
+                <a:srgbClr val="000000"/>
+              </a:solidFill>
+              <a:latin typeface="Tahoma"/>
+              <a:ea typeface="Tahoma"/>
+              <a:cs typeface="Tahoma"/>
+              <a:sym typeface="Tahoma"/>
+            </a:endParaRPr>
+          </a:p>
+          <a:p>
+            <a:pPr indent="0" lvl="0" marL="0" rtl="0" algn="l">
+              <a:lnSpc>
+                <a:spcPct val="100000"/>
+              </a:lnSpc>
+              <a:spcBef>
+                <a:spcPts val="0"/>
+              </a:spcBef>
+              <a:spcAft>
+                <a:spcPts val="0"/>
+              </a:spcAft>
+              <a:buNone/>
+            </a:pPr>
+            <a:r>
+              <a:rPr b="1" lang="pl" sz="1400">
+                <a:solidFill>
+                  <a:srgbClr val="0C343D"/>
+                </a:solidFill>
+                <a:latin typeface="Tahoma"/>
+                <a:ea typeface="Tahoma"/>
+                <a:cs typeface="Tahoma"/>
+                <a:sym typeface="Tahoma"/>
+              </a:rPr>
+              <a:t>Nie wysyła</a:t>
+            </a:r>
+            <a:r>
+              <a:rPr lang="pl" sz="1400">
+                <a:solidFill>
+                  <a:srgbClr val="000000"/>
+                </a:solidFill>
+                <a:latin typeface="Tahoma"/>
+                <a:ea typeface="Tahoma"/>
+                <a:cs typeface="Tahoma"/>
+                <a:sym typeface="Tahoma"/>
+              </a:rPr>
+              <a:t> stash, plików roboczych, nic co jest nie commit</a:t>
+            </a:r>
+            <a:endParaRPr sz="1400">
+              <a:solidFill>
+                <a:srgbClr val="000000"/>
+              </a:solidFill>
+              <a:latin typeface="Tahoma"/>
+              <a:ea typeface="Tahoma"/>
+              <a:cs typeface="Tahoma"/>
+              <a:sym typeface="Tahoma"/>
+            </a:endParaRPr>
+          </a:p>
+          <a:p>
+            <a:pPr indent="0" lvl="0" marL="0" rtl="0" algn="l">
+              <a:spcBef>
+                <a:spcPts val="0"/>
+              </a:spcBef>
+              <a:spcAft>
+                <a:spcPts val="1200"/>
+              </a:spcAft>
+              <a:buNone/>
+            </a:pPr>
+            <a:r>
+              <a:t/>
+            </a:r>
+            <a:endParaRPr sz="1400">
+              <a:solidFill>
+                <a:srgbClr val="000000"/>
+              </a:solidFill>
+              <a:latin typeface="Tahoma"/>
+              <a:ea typeface="Tahoma"/>
+              <a:cs typeface="Tahoma"/>
+              <a:sym typeface="Tahoma"/>
+            </a:endParaRPr>
+          </a:p>
+        </p:txBody>
+      </p:sp>
+    </p:spTree>
+  </p:cSld>
+  <p:clrMapOvr>
+    <a:masterClrMapping/>
+  </p:clrMapOvr>
+</p:sld>
+</file>
+
+<file path=ppt/slides/slide46.xml><?xml version="1.0" encoding="utf-8"?>
+<p:sld xmlns:a="http://schemas.openxmlformats.org/drawingml/2006/main" xmlns:r="http://schemas.openxmlformats.org/officeDocument/2006/relationships" xmlns:mc="http://schemas.openxmlformats.org/markup-compatibility/2006" xmlns:mv="urn:schemas-microsoft-com:mac:vml" xmlns:p="http://schemas.openxmlformats.org/presentationml/2006/main" xmlns:c="http://schemas.openxmlformats.org/drawingml/2006/chart" xmlns:dgm="http://schemas.openxmlformats.org/drawingml/2006/diagram" xmlns:o="urn:schemas-microsoft-com:office:office" xmlns:v="urn:schemas-microsoft-com:vml" xmlns:pvml="urn:schemas-microsoft-com:office:powerpoint" xmlns:com="http://schemas.openxmlformats.org/drawingml/2006/compatibility" xmlns:p14="http://schemas.microsoft.com/office/powerpoint/2010/main" xmlns:p15="http://schemas.microsoft.com/office/powerpoint/2012/main" xmlns:ahyp="http://schemas.microsoft.com/office/drawing/2018/hyperlinkcolor">
+  <p:cSld>
+    <p:spTree>
+      <p:nvGrpSpPr>
+        <p:cNvPr id="359" name="Shape 359"/>
+        <p:cNvGrpSpPr/>
+        <p:nvPr/>
+      </p:nvGrpSpPr>
+      <p:grpSpPr>
+        <a:xfrm>
+          <a:off x="0" y="0"/>
+          <a:ext cx="0" cy="0"/>
+          <a:chOff x="0" y="0"/>
+          <a:chExt cx="0" cy="0"/>
+        </a:xfrm>
+      </p:grpSpPr>
+      <p:sp>
+        <p:nvSpPr>
+          <p:cNvPr id="360" name="Google Shape;360;p58"/>
+          <p:cNvSpPr txBox="1"/>
+          <p:nvPr>
+            <p:ph type="title"/>
+          </p:nvPr>
+        </p:nvSpPr>
+        <p:spPr>
+          <a:xfrm>
+            <a:off x="729450" y="1318650"/>
+            <a:ext cx="7688700" cy="535200"/>
+          </a:xfrm>
+          <a:prstGeom prst="rect">
+            <a:avLst/>
+          </a:prstGeom>
+        </p:spPr>
+        <p:txBody>
+          <a:bodyPr anchorCtr="0" anchor="t" bIns="91425" lIns="91425" spcFirstLastPara="1" rIns="91425" wrap="square" tIns="91425">
+            <a:noAutofit/>
+          </a:bodyPr>
+          <a:lstStyle/>
+          <a:p>
+            <a:pPr indent="0" lvl="0" marL="0" rtl="0" algn="l">
+              <a:spcBef>
+                <a:spcPts val="0"/>
+              </a:spcBef>
+              <a:spcAft>
+                <a:spcPts val="0"/>
+              </a:spcAft>
+              <a:buSzPts val="990"/>
+              <a:buNone/>
+            </a:pPr>
+            <a:r>
+              <a:rPr lang="pl" sz="2440">
+                <a:latin typeface="Tahoma"/>
+                <a:ea typeface="Tahoma"/>
+                <a:cs typeface="Tahoma"/>
+                <a:sym typeface="Tahoma"/>
+              </a:rPr>
+              <a:t>git pull </a:t>
+            </a:r>
+            <a:endParaRPr sz="2440">
+              <a:latin typeface="Tahoma"/>
+              <a:ea typeface="Tahoma"/>
+              <a:cs typeface="Tahoma"/>
+              <a:sym typeface="Tahoma"/>
+            </a:endParaRPr>
+          </a:p>
+        </p:txBody>
+      </p:sp>
+      <p:sp>
+        <p:nvSpPr>
+          <p:cNvPr id="361" name="Google Shape;361;p58"/>
+          <p:cNvSpPr txBox="1"/>
+          <p:nvPr>
+            <p:ph idx="1" type="body"/>
+          </p:nvPr>
+        </p:nvSpPr>
+        <p:spPr>
+          <a:xfrm>
+            <a:off x="729450" y="2078875"/>
+            <a:ext cx="7688700" cy="2760300"/>
+          </a:xfrm>
+          <a:prstGeom prst="rect">
+            <a:avLst/>
+          </a:prstGeom>
+        </p:spPr>
+        <p:txBody>
+          <a:bodyPr anchorCtr="0" anchor="t" bIns="91425" lIns="91425" spcFirstLastPara="1" rIns="91425" wrap="square" tIns="91425">
+            <a:normAutofit lnSpcReduction="10000"/>
+          </a:bodyPr>
+          <a:lstStyle/>
+          <a:p>
+            <a:pPr indent="0" lvl="0" marL="0" rtl="0" algn="l">
+              <a:spcBef>
+                <a:spcPts val="1200"/>
+              </a:spcBef>
+              <a:spcAft>
+                <a:spcPts val="0"/>
+              </a:spcAft>
+              <a:buNone/>
+            </a:pPr>
+            <a:r>
+              <a:rPr b="1" lang="pl" sz="1400">
+                <a:solidFill>
+                  <a:srgbClr val="783F04"/>
+                </a:solidFill>
+                <a:latin typeface="Tahoma"/>
+                <a:ea typeface="Tahoma"/>
+                <a:cs typeface="Tahoma"/>
+                <a:sym typeface="Tahoma"/>
+              </a:rPr>
+              <a:t>git pull</a:t>
+            </a:r>
+            <a:r>
+              <a:rPr lang="pl" sz="1400">
+                <a:solidFill>
+                  <a:srgbClr val="000000"/>
+                </a:solidFill>
+                <a:latin typeface="Tahoma"/>
+                <a:ea typeface="Tahoma"/>
+                <a:cs typeface="Tahoma"/>
+                <a:sym typeface="Tahoma"/>
+              </a:rPr>
+              <a:t> -</a:t>
+            </a:r>
+            <a:r>
+              <a:rPr b="1" lang="pl" sz="1400">
+                <a:solidFill>
+                  <a:srgbClr val="073763"/>
+                </a:solidFill>
+                <a:latin typeface="Tahoma"/>
+                <a:ea typeface="Tahoma"/>
+                <a:cs typeface="Tahoma"/>
+                <a:sym typeface="Tahoma"/>
+              </a:rPr>
+              <a:t> pobierania i integracji zmian z zdalnego repozytorium do lokalnej kopii projektu.</a:t>
+            </a:r>
+            <a:r>
+              <a:rPr lang="pl" sz="1400">
+                <a:solidFill>
+                  <a:srgbClr val="000000"/>
+                </a:solidFill>
+                <a:latin typeface="Tahoma"/>
+                <a:ea typeface="Tahoma"/>
+                <a:cs typeface="Tahoma"/>
+                <a:sym typeface="Tahoma"/>
+              </a:rPr>
+              <a:t> </a:t>
+            </a:r>
+            <a:r>
+              <a:rPr b="1" lang="pl" sz="1400">
+                <a:solidFill>
+                  <a:srgbClr val="000000"/>
+                </a:solidFill>
+                <a:latin typeface="Tahoma"/>
+                <a:ea typeface="Tahoma"/>
+                <a:cs typeface="Tahoma"/>
+                <a:sym typeface="Tahoma"/>
+              </a:rPr>
+              <a:t>Łączy </a:t>
+            </a:r>
+            <a:r>
+              <a:rPr lang="pl" sz="1400">
+                <a:solidFill>
+                  <a:srgbClr val="000000"/>
+                </a:solidFill>
+                <a:latin typeface="Tahoma"/>
+                <a:ea typeface="Tahoma"/>
+                <a:cs typeface="Tahoma"/>
+                <a:sym typeface="Tahoma"/>
+              </a:rPr>
+              <a:t>ono </a:t>
+            </a:r>
+            <a:r>
+              <a:rPr b="1" lang="pl" sz="1400">
+                <a:solidFill>
+                  <a:srgbClr val="073763"/>
+                </a:solidFill>
+                <a:latin typeface="Tahoma"/>
+                <a:ea typeface="Tahoma"/>
+                <a:cs typeface="Tahoma"/>
+                <a:sym typeface="Tahoma"/>
+              </a:rPr>
+              <a:t>operacje git fetch</a:t>
+            </a:r>
+            <a:r>
+              <a:rPr lang="pl" sz="1400">
+                <a:solidFill>
+                  <a:srgbClr val="000000"/>
+                </a:solidFill>
+                <a:latin typeface="Tahoma"/>
+                <a:ea typeface="Tahoma"/>
+                <a:cs typeface="Tahoma"/>
+                <a:sym typeface="Tahoma"/>
+              </a:rPr>
+              <a:t> (pobieranie zmian) </a:t>
+            </a:r>
+            <a:r>
+              <a:rPr b="1" lang="pl" sz="1400">
+                <a:solidFill>
+                  <a:srgbClr val="073763"/>
+                </a:solidFill>
+                <a:latin typeface="Tahoma"/>
+                <a:ea typeface="Tahoma"/>
+                <a:cs typeface="Tahoma"/>
+                <a:sym typeface="Tahoma"/>
+              </a:rPr>
+              <a:t>i git merge</a:t>
+            </a:r>
+            <a:r>
+              <a:rPr lang="pl" sz="1400">
+                <a:solidFill>
+                  <a:srgbClr val="000000"/>
+                </a:solidFill>
+                <a:latin typeface="Tahoma"/>
+                <a:ea typeface="Tahoma"/>
+                <a:cs typeface="Tahoma"/>
+                <a:sym typeface="Tahoma"/>
+              </a:rPr>
+              <a:t> (scalanie ich z bieżącą gałęzią), co </a:t>
+            </a:r>
+            <a:r>
+              <a:rPr b="1" lang="pl" sz="1400">
+                <a:solidFill>
+                  <a:srgbClr val="073763"/>
+                </a:solidFill>
+                <a:latin typeface="Tahoma"/>
+                <a:ea typeface="Tahoma"/>
+                <a:cs typeface="Tahoma"/>
+                <a:sym typeface="Tahoma"/>
+              </a:rPr>
+              <a:t>pozwala na aktualizację lokalnego kodu</a:t>
+            </a:r>
+            <a:r>
+              <a:rPr lang="pl" sz="1400">
+                <a:solidFill>
+                  <a:srgbClr val="000000"/>
+                </a:solidFill>
+                <a:latin typeface="Tahoma"/>
+                <a:ea typeface="Tahoma"/>
+                <a:cs typeface="Tahoma"/>
+                <a:sym typeface="Tahoma"/>
+              </a:rPr>
+              <a:t> o najnowsze wersje od współpracowników.</a:t>
+            </a:r>
+            <a:endParaRPr sz="1400">
+              <a:solidFill>
+                <a:srgbClr val="000000"/>
+              </a:solidFill>
+              <a:latin typeface="Tahoma"/>
+              <a:ea typeface="Tahoma"/>
+              <a:cs typeface="Tahoma"/>
+              <a:sym typeface="Tahoma"/>
+            </a:endParaRPr>
+          </a:p>
+          <a:p>
+            <a:pPr indent="0" lvl="0" marL="0" rtl="0" algn="l">
+              <a:lnSpc>
+                <a:spcPct val="100000"/>
+              </a:lnSpc>
+              <a:spcBef>
+                <a:spcPts val="1200"/>
+              </a:spcBef>
+              <a:spcAft>
+                <a:spcPts val="0"/>
+              </a:spcAft>
+              <a:buNone/>
+            </a:pPr>
+            <a:r>
+              <a:rPr b="1" lang="pl" sz="1400">
+                <a:solidFill>
+                  <a:srgbClr val="000000"/>
+                </a:solidFill>
+                <a:latin typeface="Tahoma"/>
+                <a:ea typeface="Tahoma"/>
+                <a:cs typeface="Tahoma"/>
+                <a:sym typeface="Tahoma"/>
+              </a:rPr>
+              <a:t> git pull wykonuje </a:t>
+            </a:r>
+            <a:r>
+              <a:rPr b="1" lang="pl" sz="1400">
+                <a:solidFill>
+                  <a:srgbClr val="000000"/>
+                </a:solidFill>
+                <a:latin typeface="Tahoma"/>
+                <a:ea typeface="Tahoma"/>
+                <a:cs typeface="Tahoma"/>
+                <a:sym typeface="Tahoma"/>
+              </a:rPr>
+              <a:t>wewnętrznie</a:t>
+            </a:r>
+            <a:r>
+              <a:rPr lang="pl" sz="1400">
+                <a:solidFill>
+                  <a:srgbClr val="000000"/>
+                </a:solidFill>
+                <a:latin typeface="Tahoma"/>
+                <a:ea typeface="Tahoma"/>
+                <a:cs typeface="Tahoma"/>
+                <a:sym typeface="Tahoma"/>
+              </a:rPr>
+              <a:t>:</a:t>
+            </a:r>
+            <a:endParaRPr sz="1400">
+              <a:solidFill>
+                <a:srgbClr val="000000"/>
+              </a:solidFill>
+              <a:latin typeface="Tahoma"/>
+              <a:ea typeface="Tahoma"/>
+              <a:cs typeface="Tahoma"/>
+              <a:sym typeface="Tahoma"/>
+            </a:endParaRPr>
+          </a:p>
+          <a:p>
+            <a:pPr indent="-317500" lvl="0" marL="457200" rtl="0" algn="l">
+              <a:lnSpc>
+                <a:spcPct val="100000"/>
+              </a:lnSpc>
+              <a:spcBef>
+                <a:spcPts val="0"/>
+              </a:spcBef>
+              <a:spcAft>
+                <a:spcPts val="0"/>
+              </a:spcAft>
+              <a:buClr>
+                <a:srgbClr val="000000"/>
+              </a:buClr>
+              <a:buSzPts val="1400"/>
+              <a:buFont typeface="Tahoma"/>
+              <a:buChar char="❏"/>
+            </a:pPr>
+            <a:r>
+              <a:rPr b="1" lang="pl" sz="1400">
+                <a:solidFill>
+                  <a:srgbClr val="000000"/>
+                </a:solidFill>
+                <a:latin typeface="Tahoma"/>
+                <a:ea typeface="Tahoma"/>
+                <a:cs typeface="Tahoma"/>
+                <a:sym typeface="Tahoma"/>
+              </a:rPr>
+              <a:t>Fetch</a:t>
+            </a:r>
+            <a:r>
+              <a:rPr lang="pl" sz="1400">
+                <a:solidFill>
+                  <a:srgbClr val="000000"/>
+                </a:solidFill>
+                <a:latin typeface="Tahoma"/>
+                <a:ea typeface="Tahoma"/>
+                <a:cs typeface="Tahoma"/>
+                <a:sym typeface="Tahoma"/>
+              </a:rPr>
+              <a:t>: Git pobiera wszystkie nowe commity i branchy z zdalnego repozytorium, ale nie zmienia lokalnych plików.</a:t>
+            </a:r>
+            <a:endParaRPr sz="1400">
+              <a:solidFill>
+                <a:srgbClr val="000000"/>
+              </a:solidFill>
+              <a:latin typeface="Tahoma"/>
+              <a:ea typeface="Tahoma"/>
+              <a:cs typeface="Tahoma"/>
+              <a:sym typeface="Tahoma"/>
+            </a:endParaRPr>
+          </a:p>
+          <a:p>
+            <a:pPr indent="-317500" lvl="0" marL="457200" rtl="0" algn="l">
+              <a:lnSpc>
+                <a:spcPct val="100000"/>
+              </a:lnSpc>
+              <a:spcBef>
+                <a:spcPts val="0"/>
+              </a:spcBef>
+              <a:spcAft>
+                <a:spcPts val="0"/>
+              </a:spcAft>
+              <a:buClr>
+                <a:srgbClr val="000000"/>
+              </a:buClr>
+              <a:buSzPts val="1400"/>
+              <a:buFont typeface="Tahoma"/>
+              <a:buChar char="❏"/>
+            </a:pPr>
+            <a:r>
+              <a:rPr b="1" lang="pl" sz="1400">
+                <a:solidFill>
+                  <a:srgbClr val="000000"/>
+                </a:solidFill>
+                <a:latin typeface="Tahoma"/>
+                <a:ea typeface="Tahoma"/>
+                <a:cs typeface="Tahoma"/>
+                <a:sym typeface="Tahoma"/>
+              </a:rPr>
+              <a:t>Merge</a:t>
+            </a:r>
+            <a:r>
+              <a:rPr lang="pl" sz="1400">
+                <a:solidFill>
+                  <a:srgbClr val="000000"/>
+                </a:solidFill>
+                <a:latin typeface="Tahoma"/>
+                <a:ea typeface="Tahoma"/>
+                <a:cs typeface="Tahoma"/>
+                <a:sym typeface="Tahoma"/>
+              </a:rPr>
+              <a:t>: Scalane są zmiany z pobranej gałęzi do Twojej lokalnej. Jeśli są konflikty (np. edytowałeś te same linie), Git poprosi o ich ręczne rozwiązanie.</a:t>
+            </a:r>
+            <a:endParaRPr sz="1400">
+              <a:solidFill>
+                <a:srgbClr val="000000"/>
+              </a:solidFill>
+              <a:latin typeface="Tahoma"/>
+              <a:ea typeface="Tahoma"/>
+              <a:cs typeface="Tahoma"/>
+              <a:sym typeface="Tahoma"/>
+            </a:endParaRPr>
+          </a:p>
+          <a:p>
+            <a:pPr indent="0" lvl="0" marL="0" rtl="0" algn="l">
+              <a:spcBef>
+                <a:spcPts val="0"/>
+              </a:spcBef>
+              <a:spcAft>
+                <a:spcPts val="0"/>
+              </a:spcAft>
+              <a:buNone/>
+            </a:pPr>
+            <a:r>
+              <a:t/>
+            </a:r>
+            <a:endParaRPr/>
+          </a:p>
+          <a:p>
+            <a:pPr indent="0" lvl="0" marL="0" rtl="0" algn="l">
+              <a:spcBef>
+                <a:spcPts val="1200"/>
+              </a:spcBef>
+              <a:spcAft>
+                <a:spcPts val="1200"/>
+              </a:spcAft>
+              <a:buNone/>
+            </a:pPr>
+            <a:r>
+              <a:t/>
+            </a:r>
+            <a:endParaRPr/>
+          </a:p>
+        </p:txBody>
+      </p:sp>
+    </p:spTree>
+  </p:cSld>
+  <p:clrMapOvr>
+    <a:masterClrMapping/>
+  </p:clrMapOvr>
+</p:sld>
+</file>
+
+<file path=ppt/slides/slide47.xml><?xml version="1.0" encoding="utf-8"?>
+<p:sld xmlns:a="http://schemas.openxmlformats.org/drawingml/2006/main" xmlns:r="http://schemas.openxmlformats.org/officeDocument/2006/relationships" xmlns:mc="http://schemas.openxmlformats.org/markup-compatibility/2006" xmlns:mv="urn:schemas-microsoft-com:mac:vml" xmlns:p="http://schemas.openxmlformats.org/presentationml/2006/main" xmlns:c="http://schemas.openxmlformats.org/drawingml/2006/chart" xmlns:dgm="http://schemas.openxmlformats.org/drawingml/2006/diagram" xmlns:o="urn:schemas-microsoft-com:office:office" xmlns:v="urn:schemas-microsoft-com:vml" xmlns:pvml="urn:schemas-microsoft-com:office:powerpoint" xmlns:com="http://schemas.openxmlformats.org/drawingml/2006/compatibility" xmlns:p14="http://schemas.microsoft.com/office/powerpoint/2010/main" xmlns:p15="http://schemas.microsoft.com/office/powerpoint/2012/main" xmlns:ahyp="http://schemas.microsoft.com/office/drawing/2018/hyperlinkcolor">
+  <p:cSld>
+    <p:spTree>
+      <p:nvGrpSpPr>
+        <p:cNvPr id="365" name="Shape 365"/>
+        <p:cNvGrpSpPr/>
+        <p:nvPr/>
+      </p:nvGrpSpPr>
+      <p:grpSpPr>
+        <a:xfrm>
+          <a:off x="0" y="0"/>
+          <a:ext cx="0" cy="0"/>
+          <a:chOff x="0" y="0"/>
+          <a:chExt cx="0" cy="0"/>
+        </a:xfrm>
+      </p:grpSpPr>
+      <p:sp>
+        <p:nvSpPr>
+          <p:cNvPr id="366" name="Google Shape;366;p59"/>
+          <p:cNvSpPr txBox="1"/>
+          <p:nvPr>
+            <p:ph type="title"/>
+          </p:nvPr>
+        </p:nvSpPr>
+        <p:spPr>
+          <a:xfrm>
+            <a:off x="729450" y="1318650"/>
+            <a:ext cx="7688700" cy="535200"/>
+          </a:xfrm>
+          <a:prstGeom prst="rect">
+            <a:avLst/>
+          </a:prstGeom>
+        </p:spPr>
+        <p:txBody>
+          <a:bodyPr anchorCtr="0" anchor="t" bIns="91425" lIns="91425" spcFirstLastPara="1" rIns="91425" wrap="square" tIns="91425">
+            <a:noAutofit/>
+          </a:bodyPr>
+          <a:lstStyle/>
+          <a:p>
+            <a:pPr indent="0" lvl="0" marL="0" rtl="0" algn="l">
+              <a:spcBef>
+                <a:spcPts val="0"/>
+              </a:spcBef>
+              <a:spcAft>
+                <a:spcPts val="0"/>
+              </a:spcAft>
+              <a:buSzPts val="990"/>
+              <a:buNone/>
+            </a:pPr>
+            <a:r>
+              <a:rPr lang="pl" sz="2440">
+                <a:latin typeface="Tahoma"/>
+                <a:ea typeface="Tahoma"/>
+                <a:cs typeface="Tahoma"/>
+                <a:sym typeface="Tahoma"/>
+              </a:rPr>
+              <a:t>git fetch</a:t>
+            </a:r>
+            <a:endParaRPr sz="2440">
+              <a:latin typeface="Tahoma"/>
+              <a:ea typeface="Tahoma"/>
+              <a:cs typeface="Tahoma"/>
+              <a:sym typeface="Tahoma"/>
+            </a:endParaRPr>
+          </a:p>
+        </p:txBody>
+      </p:sp>
+      <p:sp>
+        <p:nvSpPr>
+          <p:cNvPr id="367" name="Google Shape;367;p59"/>
+          <p:cNvSpPr txBox="1"/>
+          <p:nvPr>
+            <p:ph idx="1" type="body"/>
+          </p:nvPr>
+        </p:nvSpPr>
+        <p:spPr>
+          <a:xfrm>
+            <a:off x="729450" y="2078875"/>
+            <a:ext cx="7688700" cy="2261100"/>
+          </a:xfrm>
+          <a:prstGeom prst="rect">
+            <a:avLst/>
+          </a:prstGeom>
+        </p:spPr>
+        <p:txBody>
+          <a:bodyPr anchorCtr="0" anchor="t" bIns="91425" lIns="91425" spcFirstLastPara="1" rIns="91425" wrap="square" tIns="91425">
+            <a:normAutofit/>
+          </a:bodyPr>
+          <a:lstStyle/>
+          <a:p>
+            <a:pPr indent="0" lvl="0" marL="0" rtl="0" algn="l">
+              <a:spcBef>
+                <a:spcPts val="1200"/>
+              </a:spcBef>
+              <a:spcAft>
+                <a:spcPts val="0"/>
+              </a:spcAft>
+              <a:buNone/>
+            </a:pPr>
+            <a:r>
+              <a:rPr b="1" lang="pl" sz="1400">
+                <a:solidFill>
+                  <a:srgbClr val="783F04"/>
+                </a:solidFill>
+                <a:latin typeface="Tahoma"/>
+                <a:ea typeface="Tahoma"/>
+                <a:cs typeface="Tahoma"/>
+                <a:sym typeface="Tahoma"/>
+              </a:rPr>
+              <a:t>g</a:t>
+            </a:r>
+            <a:r>
+              <a:rPr b="1" lang="pl" sz="1400">
+                <a:solidFill>
+                  <a:srgbClr val="783F04"/>
+                </a:solidFill>
+                <a:latin typeface="Tahoma"/>
+                <a:ea typeface="Tahoma"/>
+                <a:cs typeface="Tahoma"/>
+                <a:sym typeface="Tahoma"/>
+              </a:rPr>
+              <a:t>it fetch -</a:t>
+            </a:r>
+            <a:r>
+              <a:rPr lang="pl" sz="1400">
+                <a:solidFill>
+                  <a:srgbClr val="000000"/>
+                </a:solidFill>
+                <a:latin typeface="Tahoma"/>
+                <a:ea typeface="Tahoma"/>
+                <a:cs typeface="Tahoma"/>
+                <a:sym typeface="Tahoma"/>
+              </a:rPr>
+              <a:t> służy do </a:t>
+            </a:r>
+            <a:r>
+              <a:rPr b="1" lang="pl" sz="1400">
+                <a:solidFill>
+                  <a:srgbClr val="073763"/>
+                </a:solidFill>
+                <a:latin typeface="Tahoma"/>
+                <a:ea typeface="Tahoma"/>
+                <a:cs typeface="Tahoma"/>
+                <a:sym typeface="Tahoma"/>
+              </a:rPr>
+              <a:t>pobierania zmian z zdalnego repozytorium </a:t>
+            </a:r>
+            <a:r>
+              <a:rPr lang="pl" sz="1400">
+                <a:solidFill>
+                  <a:srgbClr val="000000"/>
+                </a:solidFill>
+                <a:latin typeface="Tahoma"/>
+                <a:ea typeface="Tahoma"/>
+                <a:cs typeface="Tahoma"/>
+                <a:sym typeface="Tahoma"/>
+              </a:rPr>
+              <a:t>(np. z GitHuba) </a:t>
+            </a:r>
+            <a:r>
+              <a:rPr b="1" lang="pl" sz="1400">
+                <a:solidFill>
+                  <a:srgbClr val="073763"/>
+                </a:solidFill>
+                <a:latin typeface="Tahoma"/>
+                <a:ea typeface="Tahoma"/>
+                <a:cs typeface="Tahoma"/>
+                <a:sym typeface="Tahoma"/>
+              </a:rPr>
+              <a:t>do lokalnego repozytorium, bez automatycznego scalania ich z Twoimi lokalnymi gałęziam</a:t>
+            </a:r>
+            <a:r>
+              <a:rPr lang="pl" sz="1400">
+                <a:solidFill>
+                  <a:srgbClr val="000000"/>
+                </a:solidFill>
+                <a:latin typeface="Tahoma"/>
+                <a:ea typeface="Tahoma"/>
+                <a:cs typeface="Tahoma"/>
+                <a:sym typeface="Tahoma"/>
+              </a:rPr>
+              <a:t>i. Aktualizuje ono informacje o zdalnych branchach (np. "origin/main"), co pozwala sprawdzić, co się zmieniło, zanim zdecydujesz się na integrację (np. via merge lub rebase)</a:t>
+            </a:r>
+            <a:endParaRPr sz="1400">
+              <a:solidFill>
+                <a:srgbClr val="000000"/>
+              </a:solidFill>
+              <a:latin typeface="Tahoma"/>
+              <a:ea typeface="Tahoma"/>
+              <a:cs typeface="Tahoma"/>
+              <a:sym typeface="Tahoma"/>
+            </a:endParaRPr>
+          </a:p>
+          <a:p>
+            <a:pPr indent="0" lvl="0" marL="0" rtl="0" algn="l">
+              <a:spcBef>
+                <a:spcPts val="1200"/>
+              </a:spcBef>
+              <a:spcAft>
+                <a:spcPts val="1200"/>
+              </a:spcAft>
+              <a:buNone/>
+            </a:pPr>
+            <a:r>
+              <a:t/>
+            </a:r>
+            <a:endParaRPr/>
+          </a:p>
+        </p:txBody>
+      </p:sp>
+    </p:spTree>
+  </p:cSld>
+  <p:clrMapOvr>
+    <a:masterClrMapping/>
+  </p:clrMapOvr>
+</p:sld>
+</file>
+
+<file path=ppt/slides/slide48.xml><?xml version="1.0" encoding="utf-8"?>
+<p:sld xmlns:a="http://schemas.openxmlformats.org/drawingml/2006/main" xmlns:r="http://schemas.openxmlformats.org/officeDocument/2006/relationships" xmlns:mc="http://schemas.openxmlformats.org/markup-compatibility/2006" xmlns:mv="urn:schemas-microsoft-com:mac:vml" xmlns:p="http://schemas.openxmlformats.org/presentationml/2006/main" xmlns:c="http://schemas.openxmlformats.org/drawingml/2006/chart" xmlns:dgm="http://schemas.openxmlformats.org/drawingml/2006/diagram" xmlns:o="urn:schemas-microsoft-com:office:office" xmlns:v="urn:schemas-microsoft-com:vml" xmlns:pvml="urn:schemas-microsoft-com:office:powerpoint" xmlns:com="http://schemas.openxmlformats.org/drawingml/2006/compatibility" xmlns:p14="http://schemas.microsoft.com/office/powerpoint/2010/main" xmlns:p15="http://schemas.microsoft.com/office/powerpoint/2012/main" xmlns:ahyp="http://schemas.microsoft.com/office/drawing/2018/hyperlinkcolor">
+  <p:cSld>
+    <p:spTree>
+      <p:nvGrpSpPr>
+        <p:cNvPr id="371" name="Shape 371"/>
+        <p:cNvGrpSpPr/>
+        <p:nvPr/>
+      </p:nvGrpSpPr>
+      <p:grpSpPr>
+        <a:xfrm>
+          <a:off x="0" y="0"/>
+          <a:ext cx="0" cy="0"/>
+          <a:chOff x="0" y="0"/>
+          <a:chExt cx="0" cy="0"/>
+        </a:xfrm>
+      </p:grpSpPr>
+      <p:sp>
+        <p:nvSpPr>
+          <p:cNvPr id="372" name="Google Shape;372;p60"/>
+          <p:cNvSpPr txBox="1"/>
+          <p:nvPr>
+            <p:ph type="title"/>
+          </p:nvPr>
+        </p:nvSpPr>
+        <p:spPr>
+          <a:xfrm>
+            <a:off x="729450" y="1318650"/>
+            <a:ext cx="7688700" cy="535200"/>
+          </a:xfrm>
+          <a:prstGeom prst="rect">
+            <a:avLst/>
+          </a:prstGeom>
+        </p:spPr>
+        <p:txBody>
+          <a:bodyPr anchorCtr="0" anchor="t" bIns="91425" lIns="91425" spcFirstLastPara="1" rIns="91425" wrap="square" tIns="91425">
+            <a:normAutofit fontScale="90000"/>
+          </a:bodyPr>
+          <a:lstStyle/>
+          <a:p>
+            <a:pPr indent="0" lvl="0" marL="0" rtl="0" algn="l">
+              <a:spcBef>
+                <a:spcPts val="0"/>
+              </a:spcBef>
+              <a:spcAft>
+                <a:spcPts val="0"/>
+              </a:spcAft>
+              <a:buNone/>
+            </a:pPr>
+            <a:r>
+              <a:rPr lang="pl"/>
+              <a:t>git fetch vs git pull</a:t>
+            </a:r>
+            <a:endParaRPr/>
+          </a:p>
+        </p:txBody>
+      </p:sp>
+      <p:sp>
+        <p:nvSpPr>
+          <p:cNvPr id="373" name="Google Shape;373;p60"/>
+          <p:cNvSpPr txBox="1"/>
+          <p:nvPr>
+            <p:ph idx="1" type="body"/>
+          </p:nvPr>
+        </p:nvSpPr>
+        <p:spPr>
+          <a:xfrm>
+            <a:off x="215900" y="2078875"/>
+            <a:ext cx="8724900" cy="2261100"/>
+          </a:xfrm>
+          <a:prstGeom prst="rect">
+            <a:avLst/>
+          </a:prstGeom>
+        </p:spPr>
+        <p:txBody>
+          <a:bodyPr anchorCtr="0" anchor="t" bIns="91425" lIns="91425" spcFirstLastPara="1" rIns="91425" wrap="square" tIns="91425">
+            <a:normAutofit/>
+          </a:bodyPr>
+          <a:lstStyle/>
+          <a:p>
+            <a:pPr indent="0" lvl="0" marL="0" rtl="0" algn="l">
+              <a:spcBef>
+                <a:spcPts val="0"/>
+              </a:spcBef>
+              <a:spcAft>
+                <a:spcPts val="0"/>
+              </a:spcAft>
+              <a:buNone/>
+            </a:pPr>
+            <a:r>
+              <a:rPr lang="pl" sz="1400">
+                <a:latin typeface="Tahoma"/>
+                <a:ea typeface="Tahoma"/>
+                <a:cs typeface="Tahoma"/>
+                <a:sym typeface="Tahoma"/>
+              </a:rPr>
+              <a:t>	</a:t>
+            </a:r>
+            <a:r>
+              <a:rPr lang="pl" sz="1400">
+                <a:solidFill>
+                  <a:srgbClr val="000000"/>
+                </a:solidFill>
+                <a:latin typeface="Tahoma"/>
+                <a:ea typeface="Tahoma"/>
+                <a:cs typeface="Tahoma"/>
+                <a:sym typeface="Tahoma"/>
+              </a:rPr>
+              <a:t>	</a:t>
+            </a:r>
+            <a:r>
+              <a:rPr b="1" lang="pl" sz="1400">
+                <a:solidFill>
+                  <a:srgbClr val="274E13"/>
+                </a:solidFill>
+                <a:latin typeface="Tahoma"/>
+                <a:ea typeface="Tahoma"/>
+                <a:cs typeface="Tahoma"/>
+                <a:sym typeface="Tahoma"/>
+              </a:rPr>
+              <a:t>Co robi? 					Czy zmienia pliki lokalne?	Czy łączy zmiany?</a:t>
+            </a:r>
+            <a:endParaRPr b="1" sz="1400">
+              <a:solidFill>
+                <a:srgbClr val="274E13"/>
+              </a:solidFill>
+              <a:latin typeface="Tahoma"/>
+              <a:ea typeface="Tahoma"/>
+              <a:cs typeface="Tahoma"/>
+              <a:sym typeface="Tahoma"/>
+            </a:endParaRPr>
+          </a:p>
+          <a:p>
+            <a:pPr indent="0" lvl="0" marL="0" rtl="0" algn="l">
+              <a:spcBef>
+                <a:spcPts val="1200"/>
+              </a:spcBef>
+              <a:spcAft>
+                <a:spcPts val="0"/>
+              </a:spcAft>
+              <a:buNone/>
+            </a:pPr>
+            <a:r>
+              <a:rPr b="1" lang="pl" sz="1400">
+                <a:solidFill>
+                  <a:srgbClr val="783F04"/>
+                </a:solidFill>
+                <a:latin typeface="Tahoma"/>
+                <a:ea typeface="Tahoma"/>
+                <a:cs typeface="Tahoma"/>
+                <a:sym typeface="Tahoma"/>
+              </a:rPr>
+              <a:t>git fetch </a:t>
+            </a:r>
+            <a:r>
+              <a:rPr lang="pl" sz="1400">
+                <a:solidFill>
+                  <a:srgbClr val="000000"/>
+                </a:solidFill>
+                <a:latin typeface="Tahoma"/>
+                <a:ea typeface="Tahoma"/>
+                <a:cs typeface="Tahoma"/>
+                <a:sym typeface="Tahoma"/>
+              </a:rPr>
+              <a:t>	pobiera zmiany z serwera 		</a:t>
+            </a:r>
+            <a:r>
+              <a:rPr lang="pl" sz="1400">
+                <a:solidFill>
+                  <a:srgbClr val="000000"/>
+                </a:solidFill>
+                <a:latin typeface="Tahoma"/>
+                <a:ea typeface="Tahoma"/>
+                <a:cs typeface="Tahoma"/>
+                <a:sym typeface="Tahoma"/>
+              </a:rPr>
+              <a:t>❌ NIE</a:t>
+            </a:r>
+            <a:r>
+              <a:rPr lang="pl" sz="1400">
+                <a:solidFill>
+                  <a:srgbClr val="000000"/>
+                </a:solidFill>
+                <a:latin typeface="Tahoma"/>
+                <a:ea typeface="Tahoma"/>
+                <a:cs typeface="Tahoma"/>
+                <a:sym typeface="Tahoma"/>
+              </a:rPr>
+              <a:t>					</a:t>
+            </a:r>
+            <a:r>
+              <a:rPr lang="pl" sz="1400">
+                <a:solidFill>
+                  <a:srgbClr val="000000"/>
+                </a:solidFill>
+                <a:latin typeface="Tahoma"/>
+                <a:ea typeface="Tahoma"/>
+                <a:cs typeface="Tahoma"/>
+                <a:sym typeface="Tahoma"/>
+              </a:rPr>
+              <a:t>❌ NIE</a:t>
+            </a:r>
+            <a:endParaRPr sz="1400">
+              <a:solidFill>
+                <a:srgbClr val="000000"/>
+              </a:solidFill>
+              <a:latin typeface="Tahoma"/>
+              <a:ea typeface="Tahoma"/>
+              <a:cs typeface="Tahoma"/>
+              <a:sym typeface="Tahoma"/>
+            </a:endParaRPr>
+          </a:p>
+          <a:p>
+            <a:pPr indent="0" lvl="0" marL="0" rtl="0" algn="l">
+              <a:spcBef>
+                <a:spcPts val="1200"/>
+              </a:spcBef>
+              <a:spcAft>
+                <a:spcPts val="1200"/>
+              </a:spcAft>
+              <a:buNone/>
+            </a:pPr>
+            <a:r>
+              <a:rPr b="1" lang="pl" sz="1400">
+                <a:solidFill>
+                  <a:srgbClr val="783F04"/>
+                </a:solidFill>
+                <a:latin typeface="Tahoma"/>
+                <a:ea typeface="Tahoma"/>
+                <a:cs typeface="Tahoma"/>
+                <a:sym typeface="Tahoma"/>
+              </a:rPr>
+              <a:t>git pull </a:t>
+            </a:r>
+            <a:r>
+              <a:rPr lang="pl" sz="1400">
+                <a:solidFill>
+                  <a:srgbClr val="000000"/>
+                </a:solidFill>
+                <a:latin typeface="Tahoma"/>
+                <a:ea typeface="Tahoma"/>
+                <a:cs typeface="Tahoma"/>
+                <a:sym typeface="Tahoma"/>
+              </a:rPr>
+              <a:t>	pobiera i łączy zmiany			✅ TAK					✅ TAK</a:t>
+            </a:r>
+            <a:endParaRPr sz="1400">
+              <a:solidFill>
+                <a:srgbClr val="000000"/>
+              </a:solidFill>
+              <a:latin typeface="Tahoma"/>
+              <a:ea typeface="Tahoma"/>
+              <a:cs typeface="Tahoma"/>
+              <a:sym typeface="Tahoma"/>
+            </a:endParaRPr>
           </a:p>
         </p:txBody>
       </p:sp>
@@ -23421,6 +32735,285 @@
 </file>
 
 <file path=ppt/theme/theme1.xml><?xml version="1.0" encoding="utf-8"?>
+<a:theme xmlns:a="http://schemas.openxmlformats.org/drawingml/2006/main" xmlns:r="http://schemas.openxmlformats.org/officeDocument/2006/relationships">
+  <a:themeElements>
+    <a:clrScheme name="Default">
+      <a:dk1>
+        <a:srgbClr val="000000"/>
+      </a:dk1>
+      <a:lt1>
+        <a:srgbClr val="FFFFFF"/>
+      </a:lt1>
+      <a:dk2>
+        <a:srgbClr val="158158"/>
+      </a:dk2>
+      <a:lt2>
+        <a:srgbClr val="F3F3F3"/>
+      </a:lt2>
+      <a:accent1>
+        <a:srgbClr val="058DC7"/>
+      </a:accent1>
+      <a:accent2>
+        <a:srgbClr val="50B432"/>
+      </a:accent2>
+      <a:accent3>
+        <a:srgbClr val="ED561B"/>
+      </a:accent3>
+      <a:accent4>
+        <a:srgbClr val="EDEF00"/>
+      </a:accent4>
+      <a:accent5>
+        <a:srgbClr val="24CBE5"/>
+      </a:accent5>
+      <a:accent6>
+        <a:srgbClr val="64E572"/>
+      </a:accent6>
+      <a:hlink>
+        <a:srgbClr val="2200CC"/>
+      </a:hlink>
+      <a:folHlink>
+        <a:srgbClr val="551A8B"/>
+      </a:folHlink>
+    </a:clrScheme>
+    <a:fontScheme name="Office">
+      <a:majorFont>
+        <a:latin typeface="Arial"/>
+        <a:ea typeface=""/>
+        <a:cs typeface=""/>
+        <a:font script="Jpan" typeface="ＭＳ Ｐゴシック"/>
+        <a:font script="Hang" typeface="맑은 고딕"/>
+        <a:font script="Hans" typeface="宋体"/>
+        <a:font script="Hant" typeface="新細明體"/>
+        <a:font script="Arab" typeface="Times New Roman"/>
+        <a:font script="Hebr" typeface="Times New Roman"/>
+        <a:font script="Thai" typeface="Angsana New"/>
+        <a:font script="Ethi" typeface="Nyala"/>
+        <a:font script="Beng" typeface="Vrinda"/>
+        <a:font script="Gujr" typeface="Shruti"/>
+        <a:font script="Khmr" typeface="MoolBoran"/>
+        <a:font script="Knda" typeface="Tunga"/>
+        <a:font script="Guru" typeface="Raavi"/>
+        <a:font script="Cans" typeface="Euphemia"/>
+        <a:font script="Cher" typeface="Plantagenet Cherokee"/>
+        <a:font script="Yiii" typeface="Microsoft Yi Baiti"/>
+        <a:font script="Tibt" typeface="Microsoft Himalaya"/>
+        <a:font script="Thaa" typeface="MV Boli"/>
+        <a:font script="Deva" typeface="Mangal"/>
+        <a:font script="Telu" typeface="Gautami"/>
+        <a:font script="Taml" typeface="Latha"/>
+        <a:font script="Syrc" typeface="Estrangelo Edessa"/>
+        <a:font script="Orya" typeface="Kalinga"/>
+        <a:font script="Mlym" typeface="Kartika"/>
+        <a:font script="Laoo" typeface="DokChampa"/>
+        <a:font script="Sinh" typeface="Iskoola Pota"/>
+        <a:font script="Mong" typeface="Mongolian Baiti"/>
+        <a:font script="Viet" typeface="Times New Roman"/>
+        <a:font script="Uigh" typeface="Microsoft Uighur"/>
+        <a:font script="Geor" typeface="Sylfaen"/>
+      </a:majorFont>
+      <a:minorFont>
+        <a:latin typeface="Arial"/>
+        <a:ea typeface=""/>
+        <a:cs typeface=""/>
+        <a:font script="Jpan" typeface="ＭＳ Ｐゴシック"/>
+        <a:font script="Hang" typeface="맑은 고딕"/>
+        <a:font script="Hans" typeface="宋体"/>
+        <a:font script="Hant" typeface="新細明體"/>
+        <a:font script="Arab" typeface="Arial"/>
+        <a:font script="Hebr" typeface="Arial"/>
+        <a:font script="Thai" typeface="Cordia New"/>
+        <a:font script="Ethi" typeface="Nyala"/>
+        <a:font script="Beng" typeface="Vrinda"/>
+        <a:font script="Gujr" typeface="Shruti"/>
+        <a:font script="Khmr" typeface="DaunPenh"/>
+        <a:font script="Knda" typeface="Tunga"/>
+        <a:font script="Guru" typeface="Raavi"/>
+        <a:font script="Cans" typeface="Euphemia"/>
+        <a:font script="Cher" typeface="Plantagenet Cherokee"/>
+        <a:font script="Yiii" typeface="Microsoft Yi Baiti"/>
+        <a:font script="Tibt" typeface="Microsoft Himalaya"/>
+        <a:font script="Thaa" typeface="MV Boli"/>
+        <a:font script="Deva" typeface="Mangal"/>
+        <a:font script="Telu" typeface="Gautami"/>
+        <a:font script="Taml" typeface="Latha"/>
+        <a:font script="Syrc" typeface="Estrangelo Edessa"/>
+        <a:font script="Orya" typeface="Kalinga"/>
+        <a:font script="Mlym" typeface="Kartika"/>
+        <a:font script="Laoo" typeface="DokChampa"/>
+        <a:font script="Sinh" typeface="Iskoola Pota"/>
+        <a:font script="Mong" typeface="Mongolian Baiti"/>
+        <a:font script="Viet" typeface="Arial"/>
+        <a:font script="Uigh" typeface="Microsoft Uighur"/>
+        <a:font script="Geor" typeface="Sylfaen"/>
+      </a:minorFont>
+    </a:fontScheme>
+    <a:fmtScheme name="Office">
+      <a:fillStyleLst>
+        <a:solidFill>
+          <a:schemeClr val="phClr"/>
+        </a:solidFill>
+        <a:gradFill rotWithShape="1">
+          <a:gsLst>
+            <a:gs pos="0">
+              <a:schemeClr val="phClr">
+                <a:tint val="50000"/>
+                <a:satMod val="300000"/>
+              </a:schemeClr>
+            </a:gs>
+            <a:gs pos="35000">
+              <a:schemeClr val="phClr">
+                <a:tint val="37000"/>
+                <a:satMod val="300000"/>
+              </a:schemeClr>
+            </a:gs>
+            <a:gs pos="100000">
+              <a:schemeClr val="phClr">
+                <a:tint val="15000"/>
+                <a:satMod val="350000"/>
+              </a:schemeClr>
+            </a:gs>
+          </a:gsLst>
+          <a:lin ang="16200000" scaled="1"/>
+        </a:gradFill>
+        <a:gradFill rotWithShape="1">
+          <a:gsLst>
+            <a:gs pos="0">
+              <a:schemeClr val="phClr">
+                <a:tint val="100000"/>
+                <a:shade val="100000"/>
+                <a:satMod val="130000"/>
+              </a:schemeClr>
+            </a:gs>
+            <a:gs pos="100000">
+              <a:schemeClr val="phClr">
+                <a:tint val="50000"/>
+                <a:shade val="100000"/>
+                <a:satMod val="350000"/>
+              </a:schemeClr>
+            </a:gs>
+          </a:gsLst>
+          <a:lin ang="16200000" scaled="0"/>
+        </a:gradFill>
+      </a:fillStyleLst>
+      <a:lnStyleLst>
+        <a:ln w="9525" cap="flat" cmpd="sng" algn="ctr">
+          <a:solidFill>
+            <a:schemeClr val="phClr">
+              <a:shade val="95000"/>
+              <a:satMod val="105000"/>
+            </a:schemeClr>
+          </a:solidFill>
+          <a:prstDash val="solid"/>
+        </a:ln>
+        <a:ln w="25400" cap="flat" cmpd="sng" algn="ctr">
+          <a:solidFill>
+            <a:schemeClr val="phClr"/>
+          </a:solidFill>
+          <a:prstDash val="solid"/>
+        </a:ln>
+        <a:ln w="38100" cap="flat" cmpd="sng" algn="ctr">
+          <a:solidFill>
+            <a:schemeClr val="phClr"/>
+          </a:solidFill>
+          <a:prstDash val="solid"/>
+        </a:ln>
+      </a:lnStyleLst>
+      <a:effectStyleLst>
+        <a:effectStyle>
+          <a:effectLst>
+            <a:outerShdw blurRad="40000" dist="20000" dir="5400000" rotWithShape="0">
+              <a:srgbClr val="000000">
+                <a:alpha val="38000"/>
+              </a:srgbClr>
+            </a:outerShdw>
+          </a:effectLst>
+        </a:effectStyle>
+        <a:effectStyle>
+          <a:effectLst>
+            <a:outerShdw blurRad="40000" dist="23000" dir="5400000" rotWithShape="0">
+              <a:srgbClr val="000000">
+                <a:alpha val="35000"/>
+              </a:srgbClr>
+            </a:outerShdw>
+          </a:effectLst>
+        </a:effectStyle>
+        <a:effectStyle>
+          <a:effectLst>
+            <a:outerShdw blurRad="40000" dist="23000" dir="5400000" rotWithShape="0">
+              <a:srgbClr val="000000">
+                <a:alpha val="35000"/>
+              </a:srgbClr>
+            </a:outerShdw>
+          </a:effectLst>
+          <a:scene3d>
+            <a:camera prst="orthographicFront">
+              <a:rot lat="0" lon="0" rev="0"/>
+            </a:camera>
+            <a:lightRig rig="threePt" dir="t">
+              <a:rot lat="0" lon="0" rev="1200000"/>
+            </a:lightRig>
+          </a:scene3d>
+          <a:sp3d>
+            <a:bevelT w="63500" h="25400"/>
+          </a:sp3d>
+        </a:effectStyle>
+      </a:effectStyleLst>
+      <a:bgFillStyleLst>
+        <a:solidFill>
+          <a:schemeClr val="phClr"/>
+        </a:solidFill>
+        <a:gradFill rotWithShape="1">
+          <a:gsLst>
+            <a:gs pos="0">
+              <a:schemeClr val="phClr">
+                <a:tint val="40000"/>
+                <a:satMod val="350000"/>
+              </a:schemeClr>
+            </a:gs>
+            <a:gs pos="40000">
+              <a:schemeClr val="phClr">
+                <a:tint val="45000"/>
+                <a:shade val="99000"/>
+                <a:satMod val="350000"/>
+              </a:schemeClr>
+            </a:gs>
+            <a:gs pos="100000">
+              <a:schemeClr val="phClr">
+                <a:shade val="20000"/>
+                <a:satMod val="255000"/>
+              </a:schemeClr>
+            </a:gs>
+          </a:gsLst>
+          <a:path path="circle">
+            <a:fillToRect l="50000" t="-80000" r="50000" b="180000"/>
+          </a:path>
+        </a:gradFill>
+        <a:gradFill rotWithShape="1">
+          <a:gsLst>
+            <a:gs pos="0">
+              <a:schemeClr val="phClr">
+                <a:tint val="80000"/>
+                <a:satMod val="300000"/>
+              </a:schemeClr>
+            </a:gs>
+            <a:gs pos="100000">
+              <a:schemeClr val="phClr">
+                <a:shade val="30000"/>
+                <a:satMod val="200000"/>
+              </a:schemeClr>
+            </a:gs>
+          </a:gsLst>
+          <a:path path="circle">
+            <a:fillToRect l="50000" t="50000" r="50000" b="50000"/>
+          </a:path>
+        </a:gradFill>
+      </a:bgFillStyleLst>
+    </a:fmtScheme>
+  </a:themeElements>
+</a:theme>
+</file>
+
+<file path=ppt/theme/theme2.xml><?xml version="1.0" encoding="utf-8"?>
 <a:theme xmlns:a="http://schemas.openxmlformats.org/drawingml/2006/main" xmlns:r="http://schemas.openxmlformats.org/officeDocument/2006/relationships" name="Streamline">
   <a:themeElements>
     <a:clrScheme name="Streamline">
@@ -23697,283 +33290,4 @@
     </a:fmtScheme>
   </a:themeElements>
 </a:theme>
-</file>
-
-<file path=ppt/theme/theme2.xml><?xml version="1.0" encoding="utf-8"?>
-<a:theme xmlns:a="http://schemas.openxmlformats.org/drawingml/2006/main" xmlns:r="http://schemas.openxmlformats.org/officeDocument/2006/relationships">
-  <a:themeElements>
-    <a:clrScheme name="Default">
-      <a:dk1>
-        <a:srgbClr val="000000"/>
-      </a:dk1>
-      <a:lt1>
-        <a:srgbClr val="FFFFFF"/>
-      </a:lt1>
-      <a:dk2>
-        <a:srgbClr val="158158"/>
-      </a:dk2>
-      <a:lt2>
-        <a:srgbClr val="F3F3F3"/>
-      </a:lt2>
-      <a:accent1>
-        <a:srgbClr val="058DC7"/>
-      </a:accent1>
-      <a:accent2>
-        <a:srgbClr val="50B432"/>
-      </a:accent2>
-      <a:accent3>
-        <a:srgbClr val="ED561B"/>
-      </a:accent3>
-      <a:accent4>
-        <a:srgbClr val="EDEF00"/>
-      </a:accent4>
-      <a:accent5>
-        <a:srgbClr val="24CBE5"/>
-      </a:accent5>
-      <a:accent6>
-        <a:srgbClr val="64E572"/>
-      </a:accent6>
-      <a:hlink>
-        <a:srgbClr val="2200CC"/>
-      </a:hlink>
-      <a:folHlink>
-        <a:srgbClr val="551A8B"/>
-      </a:folHlink>
-    </a:clrScheme>
-    <a:fontScheme name="Office">
-      <a:majorFont>
-        <a:latin typeface="Arial"/>
-        <a:ea typeface=""/>
-        <a:cs typeface=""/>
-        <a:font script="Jpan" typeface="ＭＳ Ｐゴシック"/>
-        <a:font script="Hang" typeface="맑은 고딕"/>
-        <a:font script="Hans" typeface="宋体"/>
-        <a:font script="Hant" typeface="新細明體"/>
-        <a:font script="Arab" typeface="Times New Roman"/>
-        <a:font script="Hebr" typeface="Times New Roman"/>
-        <a:font script="Thai" typeface="Angsana New"/>
-        <a:font script="Ethi" typeface="Nyala"/>
-        <a:font script="Beng" typeface="Vrinda"/>
-        <a:font script="Gujr" typeface="Shruti"/>
-        <a:font script="Khmr" typeface="MoolBoran"/>
-        <a:font script="Knda" typeface="Tunga"/>
-        <a:font script="Guru" typeface="Raavi"/>
-        <a:font script="Cans" typeface="Euphemia"/>
-        <a:font script="Cher" typeface="Plantagenet Cherokee"/>
-        <a:font script="Yiii" typeface="Microsoft Yi Baiti"/>
-        <a:font script="Tibt" typeface="Microsoft Himalaya"/>
-        <a:font script="Thaa" typeface="MV Boli"/>
-        <a:font script="Deva" typeface="Mangal"/>
-        <a:font script="Telu" typeface="Gautami"/>
-        <a:font script="Taml" typeface="Latha"/>
-        <a:font script="Syrc" typeface="Estrangelo Edessa"/>
-        <a:font script="Orya" typeface="Kalinga"/>
-        <a:font script="Mlym" typeface="Kartika"/>
-        <a:font script="Laoo" typeface="DokChampa"/>
-        <a:font script="Sinh" typeface="Iskoola Pota"/>
-        <a:font script="Mong" typeface="Mongolian Baiti"/>
-        <a:font script="Viet" typeface="Times New Roman"/>
-        <a:font script="Uigh" typeface="Microsoft Uighur"/>
-        <a:font script="Geor" typeface="Sylfaen"/>
-      </a:majorFont>
-      <a:minorFont>
-        <a:latin typeface="Arial"/>
-        <a:ea typeface=""/>
-        <a:cs typeface=""/>
-        <a:font script="Jpan" typeface="ＭＳ Ｐゴシック"/>
-        <a:font script="Hang" typeface="맑은 고딕"/>
-        <a:font script="Hans" typeface="宋体"/>
-        <a:font script="Hant" typeface="新細明體"/>
-        <a:font script="Arab" typeface="Arial"/>
-        <a:font script="Hebr" typeface="Arial"/>
-        <a:font script="Thai" typeface="Cordia New"/>
-        <a:font script="Ethi" typeface="Nyala"/>
-        <a:font script="Beng" typeface="Vrinda"/>
-        <a:font script="Gujr" typeface="Shruti"/>
-        <a:font script="Khmr" typeface="DaunPenh"/>
-        <a:font script="Knda" typeface="Tunga"/>
-        <a:font script="Guru" typeface="Raavi"/>
-        <a:font script="Cans" typeface="Euphemia"/>
-        <a:font script="Cher" typeface="Plantagenet Cherokee"/>
-        <a:font script="Yiii" typeface="Microsoft Yi Baiti"/>
-        <a:font script="Tibt" typeface="Microsoft Himalaya"/>
-        <a:font script="Thaa" typeface="MV Boli"/>
-        <a:font script="Deva" typeface="Mangal"/>
-        <a:font script="Telu" typeface="Gautami"/>
-        <a:font script="Taml" typeface="Latha"/>
-        <a:font script="Syrc" typeface="Estrangelo Edessa"/>
-        <a:font script="Orya" typeface="Kalinga"/>
-        <a:font script="Mlym" typeface="Kartika"/>
-        <a:font script="Laoo" typeface="DokChampa"/>
-        <a:font script="Sinh" typeface="Iskoola Pota"/>
-        <a:font script="Mong" typeface="Mongolian Baiti"/>
-        <a:font script="Viet" typeface="Arial"/>
-        <a:font script="Uigh" typeface="Microsoft Uighur"/>
-        <a:font script="Geor" typeface="Sylfaen"/>
-      </a:minorFont>
-    </a:fontScheme>
-    <a:fmtScheme name="Office">
-      <a:fillStyleLst>
-        <a:solidFill>
-          <a:schemeClr val="phClr"/>
-        </a:solidFill>
-        <a:gradFill rotWithShape="1">
-          <a:gsLst>
-            <a:gs pos="0">
-              <a:schemeClr val="phClr">
-                <a:tint val="50000"/>
-                <a:satMod val="300000"/>
-              </a:schemeClr>
-            </a:gs>
-            <a:gs pos="35000">
-              <a:schemeClr val="phClr">
-                <a:tint val="37000"/>
-                <a:satMod val="300000"/>
-              </a:schemeClr>
-            </a:gs>
-            <a:gs pos="100000">
-              <a:schemeClr val="phClr">
-                <a:tint val="15000"/>
-                <a:satMod val="350000"/>
-              </a:schemeClr>
-            </a:gs>
-          </a:gsLst>
-          <a:lin ang="16200000" scaled="1"/>
-        </a:gradFill>
-        <a:gradFill rotWithShape="1">
-          <a:gsLst>
-            <a:gs pos="0">
-              <a:schemeClr val="phClr">
-                <a:tint val="100000"/>
-                <a:shade val="100000"/>
-                <a:satMod val="130000"/>
-              </a:schemeClr>
-            </a:gs>
-            <a:gs pos="100000">
-              <a:schemeClr val="phClr">
-                <a:tint val="50000"/>
-                <a:shade val="100000"/>
-                <a:satMod val="350000"/>
-              </a:schemeClr>
-            </a:gs>
-          </a:gsLst>
-          <a:lin ang="16200000" scaled="0"/>
-        </a:gradFill>
-      </a:fillStyleLst>
-      <a:lnStyleLst>
-        <a:ln w="9525" cap="flat" cmpd="sng" algn="ctr">
-          <a:solidFill>
-            <a:schemeClr val="phClr">
-              <a:shade val="95000"/>
-              <a:satMod val="105000"/>
-            </a:schemeClr>
-          </a:solidFill>
-          <a:prstDash val="solid"/>
-        </a:ln>
-        <a:ln w="25400" cap="flat" cmpd="sng" algn="ctr">
-          <a:solidFill>
-            <a:schemeClr val="phClr"/>
-          </a:solidFill>
-          <a:prstDash val="solid"/>
-        </a:ln>
-        <a:ln w="38100" cap="flat" cmpd="sng" algn="ctr">
-          <a:solidFill>
-            <a:schemeClr val="phClr"/>
-          </a:solidFill>
-          <a:prstDash val="solid"/>
-        </a:ln>
-      </a:lnStyleLst>
-      <a:effectStyleLst>
-        <a:effectStyle>
-          <a:effectLst>
-            <a:outerShdw blurRad="40000" dist="20000" dir="5400000" rotWithShape="0">
-              <a:srgbClr val="000000">
-                <a:alpha val="38000"/>
-              </a:srgbClr>
-            </a:outerShdw>
-          </a:effectLst>
-        </a:effectStyle>
-        <a:effectStyle>
-          <a:effectLst>
-            <a:outerShdw blurRad="40000" dist="23000" dir="5400000" rotWithShape="0">
-              <a:srgbClr val="000000">
-                <a:alpha val="35000"/>
-              </a:srgbClr>
-            </a:outerShdw>
-          </a:effectLst>
-        </a:effectStyle>
-        <a:effectStyle>
-          <a:effectLst>
-            <a:outerShdw blurRad="40000" dist="23000" dir="5400000" rotWithShape="0">
-              <a:srgbClr val="000000">
-                <a:alpha val="35000"/>
-              </a:srgbClr>
-            </a:outerShdw>
-          </a:effectLst>
-          <a:scene3d>
-            <a:camera prst="orthographicFront">
-              <a:rot lat="0" lon="0" rev="0"/>
-            </a:camera>
-            <a:lightRig rig="threePt" dir="t">
-              <a:rot lat="0" lon="0" rev="1200000"/>
-            </a:lightRig>
-          </a:scene3d>
-          <a:sp3d>
-            <a:bevelT w="63500" h="25400"/>
-          </a:sp3d>
-        </a:effectStyle>
-      </a:effectStyleLst>
-      <a:bgFillStyleLst>
-        <a:solidFill>
-          <a:schemeClr val="phClr"/>
-        </a:solidFill>
-        <a:gradFill rotWithShape="1">
-          <a:gsLst>
-            <a:gs pos="0">
-              <a:schemeClr val="phClr">
-                <a:tint val="40000"/>
-                <a:satMod val="350000"/>
-              </a:schemeClr>
-            </a:gs>
-            <a:gs pos="40000">
-              <a:schemeClr val="phClr">
-                <a:tint val="45000"/>
-                <a:shade val="99000"/>
-                <a:satMod val="350000"/>
-              </a:schemeClr>
-            </a:gs>
-            <a:gs pos="100000">
-              <a:schemeClr val="phClr">
-                <a:shade val="20000"/>
-                <a:satMod val="255000"/>
-              </a:schemeClr>
-            </a:gs>
-          </a:gsLst>
-          <a:path path="circle">
-            <a:fillToRect l="50000" t="-80000" r="50000" b="180000"/>
-          </a:path>
-        </a:gradFill>
-        <a:gradFill rotWithShape="1">
-          <a:gsLst>
-            <a:gs pos="0">
-              <a:schemeClr val="phClr">
-                <a:tint val="80000"/>
-                <a:satMod val="300000"/>
-              </a:schemeClr>
-            </a:gs>
-            <a:gs pos="100000">
-              <a:schemeClr val="phClr">
-                <a:shade val="30000"/>
-                <a:satMod val="200000"/>
-              </a:schemeClr>
-            </a:gs>
-          </a:gsLst>
-          <a:path path="circle">
-            <a:fillToRect l="50000" t="50000" r="50000" b="50000"/>
-          </a:path>
-        </a:gradFill>
-      </a:bgFillStyleLst>
-    </a:fmtScheme>
-  </a:themeElements>
-</a:theme>
 </file>
--- a/ZASTOSOWANIE_INFORMATYKI/1A-gr_2/Zastosowanie informatyki - 1A gr. 2-plik2.pptx
+++ b/ZASTOSOWANIE_INFORMATYKI/1A-gr_2/Zastosowanie informatyki - 1A gr. 2-plik2.pptx
@@ -56,35 +56,50 @@
     <p:sldId id="301" r:id="rId52"/>
     <p:sldId id="302" r:id="rId53"/>
     <p:sldId id="303" r:id="rId54"/>
+    <p:sldId id="304" r:id="rId55"/>
+    <p:sldId id="305" r:id="rId56"/>
+    <p:sldId id="306" r:id="rId57"/>
+    <p:sldId id="307" r:id="rId58"/>
+    <p:sldId id="308" r:id="rId59"/>
+    <p:sldId id="309" r:id="rId60"/>
+    <p:sldId id="310" r:id="rId61"/>
+    <p:sldId id="311" r:id="rId62"/>
+    <p:sldId id="312" r:id="rId63"/>
+    <p:sldId id="313" r:id="rId64"/>
+    <p:sldId id="314" r:id="rId65"/>
+    <p:sldId id="315" r:id="rId66"/>
+    <p:sldId id="316" r:id="rId67"/>
+    <p:sldId id="317" r:id="rId68"/>
+    <p:sldId id="318" r:id="rId69"/>
   </p:sldIdLst>
   <p:sldSz cy="5143500" cx="9144000"/>
   <p:notesSz cx="6858000" cy="9144000"/>
   <p:embeddedFontLst>
     <p:embeddedFont>
       <p:font typeface="Raleway"/>
-      <p:regular r:id="rId55"/>
-      <p:bold r:id="rId56"/>
-      <p:italic r:id="rId57"/>
-      <p:boldItalic r:id="rId58"/>
+      <p:regular r:id="rId70"/>
+      <p:bold r:id="rId71"/>
+      <p:italic r:id="rId72"/>
+      <p:boldItalic r:id="rId73"/>
     </p:embeddedFont>
     <p:embeddedFont>
       <p:font typeface="Lato"/>
-      <p:regular r:id="rId59"/>
-      <p:bold r:id="rId60"/>
-      <p:italic r:id="rId61"/>
-      <p:boldItalic r:id="rId62"/>
+      <p:regular r:id="rId74"/>
+      <p:bold r:id="rId75"/>
+      <p:italic r:id="rId76"/>
+      <p:boldItalic r:id="rId77"/>
     </p:embeddedFont>
     <p:embeddedFont>
       <p:font typeface="Tahoma"/>
-      <p:regular r:id="rId63"/>
-      <p:bold r:id="rId64"/>
+      <p:regular r:id="rId78"/>
+      <p:bold r:id="rId79"/>
     </p:embeddedFont>
     <p:embeddedFont>
       <p:font typeface="Roboto Mono"/>
-      <p:regular r:id="rId65"/>
-      <p:bold r:id="rId66"/>
-      <p:italic r:id="rId67"/>
-      <p:boldItalic r:id="rId68"/>
+      <p:regular r:id="rId80"/>
+      <p:bold r:id="rId81"/>
+      <p:italic r:id="rId82"/>
+      <p:boldItalic r:id="rId83"/>
     </p:embeddedFont>
   </p:embeddedFontLst>
   <p:defaultTextStyle>
@@ -5018,6 +5033,105 @@
 </p:notes>
 </file>
 
+<file path=ppt/notesSlides/notesSlide49.xml><?xml version="1.0" encoding="utf-8"?>
+<p:notes xmlns:a="http://schemas.openxmlformats.org/drawingml/2006/main" xmlns:r="http://schemas.openxmlformats.org/officeDocument/2006/relationships" xmlns:mc="http://schemas.openxmlformats.org/markup-compatibility/2006" xmlns:mv="urn:schemas-microsoft-com:mac:vml" xmlns:p="http://schemas.openxmlformats.org/presentationml/2006/main" xmlns:c="http://schemas.openxmlformats.org/drawingml/2006/chart" xmlns:dgm="http://schemas.openxmlformats.org/drawingml/2006/diagram" xmlns:o="urn:schemas-microsoft-com:office:office" xmlns:v="urn:schemas-microsoft-com:vml" xmlns:pvml="urn:schemas-microsoft-com:office:powerpoint" xmlns:com="http://schemas.openxmlformats.org/drawingml/2006/compatibility" xmlns:p14="http://schemas.microsoft.com/office/powerpoint/2010/main" xmlns:p15="http://schemas.microsoft.com/office/powerpoint/2012/main" xmlns:ahyp="http://schemas.microsoft.com/office/drawing/2018/hyperlinkcolor" showMasterPhAnim="0" showMasterSp="0">
+  <p:cSld>
+    <p:spTree>
+      <p:nvGrpSpPr>
+        <p:cNvPr id="374" name="Shape 374"/>
+        <p:cNvGrpSpPr/>
+        <p:nvPr/>
+      </p:nvGrpSpPr>
+      <p:grpSpPr>
+        <a:xfrm>
+          <a:off x="0" y="0"/>
+          <a:ext cx="0" cy="0"/>
+          <a:chOff x="0" y="0"/>
+          <a:chExt cx="0" cy="0"/>
+        </a:xfrm>
+      </p:grpSpPr>
+      <p:sp>
+        <p:nvSpPr>
+          <p:cNvPr id="375" name="Google Shape;375;g3aa99e5f2c3_0_0:notes"/>
+          <p:cNvSpPr/>
+          <p:nvPr>
+            <p:ph idx="2" type="sldImg"/>
+          </p:nvPr>
+        </p:nvSpPr>
+        <p:spPr>
+          <a:xfrm>
+            <a:off x="381300" y="685800"/>
+            <a:ext cx="6096000" cy="3429000"/>
+          </a:xfrm>
+          <a:custGeom>
+            <a:rect b="b" l="l" r="r" t="t"/>
+            <a:pathLst>
+              <a:path extrusionOk="0" h="120000" w="120000">
+                <a:moveTo>
+                  <a:pt x="0" y="0"/>
+                </a:moveTo>
+                <a:lnTo>
+                  <a:pt x="120000" y="0"/>
+                </a:lnTo>
+                <a:lnTo>
+                  <a:pt x="120000" y="120000"/>
+                </a:lnTo>
+                <a:lnTo>
+                  <a:pt x="0" y="120000"/>
+                </a:lnTo>
+                <a:close/>
+              </a:path>
+            </a:pathLst>
+          </a:custGeom>
+        </p:spPr>
+      </p:sp>
+      <p:sp>
+        <p:nvSpPr>
+          <p:cNvPr id="376" name="Google Shape;376;g3aa99e5f2c3_0_0:notes"/>
+          <p:cNvSpPr txBox="1"/>
+          <p:nvPr>
+            <p:ph idx="1" type="body"/>
+          </p:nvPr>
+        </p:nvSpPr>
+        <p:spPr>
+          <a:xfrm>
+            <a:off x="685800" y="4343400"/>
+            <a:ext cx="5486400" cy="4114800"/>
+          </a:xfrm>
+          <a:prstGeom prst="rect">
+            <a:avLst/>
+          </a:prstGeom>
+        </p:spPr>
+        <p:txBody>
+          <a:bodyPr anchorCtr="0" anchor="t" bIns="91425" lIns="91425" spcFirstLastPara="1" rIns="91425" wrap="square" tIns="91425">
+            <a:noAutofit/>
+          </a:bodyPr>
+          <a:lstStyle/>
+          <a:p>
+            <a:pPr indent="0" lvl="0" marL="0" rtl="0" algn="l">
+              <a:spcBef>
+                <a:spcPts val="0"/>
+              </a:spcBef>
+              <a:spcAft>
+                <a:spcPts val="0"/>
+              </a:spcAft>
+              <a:buNone/>
+            </a:pPr>
+            <a:r>
+              <a:t/>
+            </a:r>
+            <a:endParaRPr/>
+          </a:p>
+        </p:txBody>
+      </p:sp>
+    </p:spTree>
+  </p:cSld>
+  <p:clrMapOvr>
+    <a:masterClrMapping/>
+  </p:clrMapOvr>
+</p:notes>
+</file>
+
 <file path=ppt/notesSlides/notesSlide5.xml><?xml version="1.0" encoding="utf-8"?>
 <p:notes xmlns:a="http://schemas.openxmlformats.org/drawingml/2006/main" xmlns:r="http://schemas.openxmlformats.org/officeDocument/2006/relationships" xmlns:mc="http://schemas.openxmlformats.org/markup-compatibility/2006" xmlns:mv="urn:schemas-microsoft-com:mac:vml" xmlns:p="http://schemas.openxmlformats.org/presentationml/2006/main" xmlns:c="http://schemas.openxmlformats.org/drawingml/2006/chart" xmlns:dgm="http://schemas.openxmlformats.org/drawingml/2006/diagram" xmlns:o="urn:schemas-microsoft-com:office:office" xmlns:v="urn:schemas-microsoft-com:vml" xmlns:pvml="urn:schemas-microsoft-com:office:powerpoint" xmlns:com="http://schemas.openxmlformats.org/drawingml/2006/compatibility" xmlns:p14="http://schemas.microsoft.com/office/powerpoint/2010/main" xmlns:p15="http://schemas.microsoft.com/office/powerpoint/2012/main" xmlns:ahyp="http://schemas.microsoft.com/office/drawing/2018/hyperlinkcolor" showMasterPhAnim="0" showMasterSp="0">
   <p:cSld>
@@ -5117,6 +5231,996 @@
 </p:notes>
 </file>
 
+<file path=ppt/notesSlides/notesSlide50.xml><?xml version="1.0" encoding="utf-8"?>
+<p:notes xmlns:a="http://schemas.openxmlformats.org/drawingml/2006/main" xmlns:r="http://schemas.openxmlformats.org/officeDocument/2006/relationships" xmlns:mc="http://schemas.openxmlformats.org/markup-compatibility/2006" xmlns:mv="urn:schemas-microsoft-com:mac:vml" xmlns:p="http://schemas.openxmlformats.org/presentationml/2006/main" xmlns:c="http://schemas.openxmlformats.org/drawingml/2006/chart" xmlns:dgm="http://schemas.openxmlformats.org/drawingml/2006/diagram" xmlns:o="urn:schemas-microsoft-com:office:office" xmlns:v="urn:schemas-microsoft-com:vml" xmlns:pvml="urn:schemas-microsoft-com:office:powerpoint" xmlns:com="http://schemas.openxmlformats.org/drawingml/2006/compatibility" xmlns:p14="http://schemas.microsoft.com/office/powerpoint/2010/main" xmlns:p15="http://schemas.microsoft.com/office/powerpoint/2012/main" xmlns:ahyp="http://schemas.microsoft.com/office/drawing/2018/hyperlinkcolor" showMasterPhAnim="0" showMasterSp="0">
+  <p:cSld>
+    <p:spTree>
+      <p:nvGrpSpPr>
+        <p:cNvPr id="380" name="Shape 380"/>
+        <p:cNvGrpSpPr/>
+        <p:nvPr/>
+      </p:nvGrpSpPr>
+      <p:grpSpPr>
+        <a:xfrm>
+          <a:off x="0" y="0"/>
+          <a:ext cx="0" cy="0"/>
+          <a:chOff x="0" y="0"/>
+          <a:chExt cx="0" cy="0"/>
+        </a:xfrm>
+      </p:grpSpPr>
+      <p:sp>
+        <p:nvSpPr>
+          <p:cNvPr id="381" name="Google Shape;381;g3aa99e5f2c3_0_7:notes"/>
+          <p:cNvSpPr/>
+          <p:nvPr>
+            <p:ph idx="2" type="sldImg"/>
+          </p:nvPr>
+        </p:nvSpPr>
+        <p:spPr>
+          <a:xfrm>
+            <a:off x="381300" y="685800"/>
+            <a:ext cx="6096000" cy="3429000"/>
+          </a:xfrm>
+          <a:custGeom>
+            <a:rect b="b" l="l" r="r" t="t"/>
+            <a:pathLst>
+              <a:path extrusionOk="0" h="120000" w="120000">
+                <a:moveTo>
+                  <a:pt x="0" y="0"/>
+                </a:moveTo>
+                <a:lnTo>
+                  <a:pt x="120000" y="0"/>
+                </a:lnTo>
+                <a:lnTo>
+                  <a:pt x="120000" y="120000"/>
+                </a:lnTo>
+                <a:lnTo>
+                  <a:pt x="0" y="120000"/>
+                </a:lnTo>
+                <a:close/>
+              </a:path>
+            </a:pathLst>
+          </a:custGeom>
+        </p:spPr>
+      </p:sp>
+      <p:sp>
+        <p:nvSpPr>
+          <p:cNvPr id="382" name="Google Shape;382;g3aa99e5f2c3_0_7:notes"/>
+          <p:cNvSpPr txBox="1"/>
+          <p:nvPr>
+            <p:ph idx="1" type="body"/>
+          </p:nvPr>
+        </p:nvSpPr>
+        <p:spPr>
+          <a:xfrm>
+            <a:off x="685800" y="4343400"/>
+            <a:ext cx="5486400" cy="4114800"/>
+          </a:xfrm>
+          <a:prstGeom prst="rect">
+            <a:avLst/>
+          </a:prstGeom>
+        </p:spPr>
+        <p:txBody>
+          <a:bodyPr anchorCtr="0" anchor="t" bIns="91425" lIns="91425" spcFirstLastPara="1" rIns="91425" wrap="square" tIns="91425">
+            <a:noAutofit/>
+          </a:bodyPr>
+          <a:lstStyle/>
+          <a:p>
+            <a:pPr indent="0" lvl="0" marL="0" rtl="0" algn="l">
+              <a:spcBef>
+                <a:spcPts val="0"/>
+              </a:spcBef>
+              <a:spcAft>
+                <a:spcPts val="0"/>
+              </a:spcAft>
+              <a:buNone/>
+            </a:pPr>
+            <a:r>
+              <a:t/>
+            </a:r>
+            <a:endParaRPr/>
+          </a:p>
+        </p:txBody>
+      </p:sp>
+    </p:spTree>
+  </p:cSld>
+  <p:clrMapOvr>
+    <a:masterClrMapping/>
+  </p:clrMapOvr>
+</p:notes>
+</file>
+
+<file path=ppt/notesSlides/notesSlide51.xml><?xml version="1.0" encoding="utf-8"?>
+<p:notes xmlns:a="http://schemas.openxmlformats.org/drawingml/2006/main" xmlns:r="http://schemas.openxmlformats.org/officeDocument/2006/relationships" xmlns:mc="http://schemas.openxmlformats.org/markup-compatibility/2006" xmlns:mv="urn:schemas-microsoft-com:mac:vml" xmlns:p="http://schemas.openxmlformats.org/presentationml/2006/main" xmlns:c="http://schemas.openxmlformats.org/drawingml/2006/chart" xmlns:dgm="http://schemas.openxmlformats.org/drawingml/2006/diagram" xmlns:o="urn:schemas-microsoft-com:office:office" xmlns:v="urn:schemas-microsoft-com:vml" xmlns:pvml="urn:schemas-microsoft-com:office:powerpoint" xmlns:com="http://schemas.openxmlformats.org/drawingml/2006/compatibility" xmlns:p14="http://schemas.microsoft.com/office/powerpoint/2010/main" xmlns:p15="http://schemas.microsoft.com/office/powerpoint/2012/main" xmlns:ahyp="http://schemas.microsoft.com/office/drawing/2018/hyperlinkcolor" showMasterPhAnim="0" showMasterSp="0">
+  <p:cSld>
+    <p:spTree>
+      <p:nvGrpSpPr>
+        <p:cNvPr id="386" name="Shape 386"/>
+        <p:cNvGrpSpPr/>
+        <p:nvPr/>
+      </p:nvGrpSpPr>
+      <p:grpSpPr>
+        <a:xfrm>
+          <a:off x="0" y="0"/>
+          <a:ext cx="0" cy="0"/>
+          <a:chOff x="0" y="0"/>
+          <a:chExt cx="0" cy="0"/>
+        </a:xfrm>
+      </p:grpSpPr>
+      <p:sp>
+        <p:nvSpPr>
+          <p:cNvPr id="387" name="Google Shape;387;g3aa99e5f2c3_0_15:notes"/>
+          <p:cNvSpPr/>
+          <p:nvPr>
+            <p:ph idx="2" type="sldImg"/>
+          </p:nvPr>
+        </p:nvSpPr>
+        <p:spPr>
+          <a:xfrm>
+            <a:off x="381300" y="685800"/>
+            <a:ext cx="6096000" cy="3429000"/>
+          </a:xfrm>
+          <a:custGeom>
+            <a:rect b="b" l="l" r="r" t="t"/>
+            <a:pathLst>
+              <a:path extrusionOk="0" h="120000" w="120000">
+                <a:moveTo>
+                  <a:pt x="0" y="0"/>
+                </a:moveTo>
+                <a:lnTo>
+                  <a:pt x="120000" y="0"/>
+                </a:lnTo>
+                <a:lnTo>
+                  <a:pt x="120000" y="120000"/>
+                </a:lnTo>
+                <a:lnTo>
+                  <a:pt x="0" y="120000"/>
+                </a:lnTo>
+                <a:close/>
+              </a:path>
+            </a:pathLst>
+          </a:custGeom>
+        </p:spPr>
+      </p:sp>
+      <p:sp>
+        <p:nvSpPr>
+          <p:cNvPr id="388" name="Google Shape;388;g3aa99e5f2c3_0_15:notes"/>
+          <p:cNvSpPr txBox="1"/>
+          <p:nvPr>
+            <p:ph idx="1" type="body"/>
+          </p:nvPr>
+        </p:nvSpPr>
+        <p:spPr>
+          <a:xfrm>
+            <a:off x="685800" y="4343400"/>
+            <a:ext cx="5486400" cy="4114800"/>
+          </a:xfrm>
+          <a:prstGeom prst="rect">
+            <a:avLst/>
+          </a:prstGeom>
+        </p:spPr>
+        <p:txBody>
+          <a:bodyPr anchorCtr="0" anchor="t" bIns="91425" lIns="91425" spcFirstLastPara="1" rIns="91425" wrap="square" tIns="91425">
+            <a:noAutofit/>
+          </a:bodyPr>
+          <a:lstStyle/>
+          <a:p>
+            <a:pPr indent="0" lvl="0" marL="0" rtl="0" algn="l">
+              <a:spcBef>
+                <a:spcPts val="0"/>
+              </a:spcBef>
+              <a:spcAft>
+                <a:spcPts val="0"/>
+              </a:spcAft>
+              <a:buNone/>
+            </a:pPr>
+            <a:r>
+              <a:t/>
+            </a:r>
+            <a:endParaRPr/>
+          </a:p>
+        </p:txBody>
+      </p:sp>
+    </p:spTree>
+  </p:cSld>
+  <p:clrMapOvr>
+    <a:masterClrMapping/>
+  </p:clrMapOvr>
+</p:notes>
+</file>
+
+<file path=ppt/notesSlides/notesSlide52.xml><?xml version="1.0" encoding="utf-8"?>
+<p:notes xmlns:a="http://schemas.openxmlformats.org/drawingml/2006/main" xmlns:r="http://schemas.openxmlformats.org/officeDocument/2006/relationships" xmlns:mc="http://schemas.openxmlformats.org/markup-compatibility/2006" xmlns:mv="urn:schemas-microsoft-com:mac:vml" xmlns:p="http://schemas.openxmlformats.org/presentationml/2006/main" xmlns:c="http://schemas.openxmlformats.org/drawingml/2006/chart" xmlns:dgm="http://schemas.openxmlformats.org/drawingml/2006/diagram" xmlns:o="urn:schemas-microsoft-com:office:office" xmlns:v="urn:schemas-microsoft-com:vml" xmlns:pvml="urn:schemas-microsoft-com:office:powerpoint" xmlns:com="http://schemas.openxmlformats.org/drawingml/2006/compatibility" xmlns:p14="http://schemas.microsoft.com/office/powerpoint/2010/main" xmlns:p15="http://schemas.microsoft.com/office/powerpoint/2012/main" xmlns:ahyp="http://schemas.microsoft.com/office/drawing/2018/hyperlinkcolor" showMasterPhAnim="0" showMasterSp="0">
+  <p:cSld>
+    <p:spTree>
+      <p:nvGrpSpPr>
+        <p:cNvPr id="392" name="Shape 392"/>
+        <p:cNvGrpSpPr/>
+        <p:nvPr/>
+      </p:nvGrpSpPr>
+      <p:grpSpPr>
+        <a:xfrm>
+          <a:off x="0" y="0"/>
+          <a:ext cx="0" cy="0"/>
+          <a:chOff x="0" y="0"/>
+          <a:chExt cx="0" cy="0"/>
+        </a:xfrm>
+      </p:grpSpPr>
+      <p:sp>
+        <p:nvSpPr>
+          <p:cNvPr id="393" name="Google Shape;393;g3aa99e5f2c3_0_21:notes"/>
+          <p:cNvSpPr/>
+          <p:nvPr>
+            <p:ph idx="2" type="sldImg"/>
+          </p:nvPr>
+        </p:nvSpPr>
+        <p:spPr>
+          <a:xfrm>
+            <a:off x="381300" y="685800"/>
+            <a:ext cx="6096000" cy="3429000"/>
+          </a:xfrm>
+          <a:custGeom>
+            <a:rect b="b" l="l" r="r" t="t"/>
+            <a:pathLst>
+              <a:path extrusionOk="0" h="120000" w="120000">
+                <a:moveTo>
+                  <a:pt x="0" y="0"/>
+                </a:moveTo>
+                <a:lnTo>
+                  <a:pt x="120000" y="0"/>
+                </a:lnTo>
+                <a:lnTo>
+                  <a:pt x="120000" y="120000"/>
+                </a:lnTo>
+                <a:lnTo>
+                  <a:pt x="0" y="120000"/>
+                </a:lnTo>
+                <a:close/>
+              </a:path>
+            </a:pathLst>
+          </a:custGeom>
+        </p:spPr>
+      </p:sp>
+      <p:sp>
+        <p:nvSpPr>
+          <p:cNvPr id="394" name="Google Shape;394;g3aa99e5f2c3_0_21:notes"/>
+          <p:cNvSpPr txBox="1"/>
+          <p:nvPr>
+            <p:ph idx="1" type="body"/>
+          </p:nvPr>
+        </p:nvSpPr>
+        <p:spPr>
+          <a:xfrm>
+            <a:off x="685800" y="4343400"/>
+            <a:ext cx="5486400" cy="4114800"/>
+          </a:xfrm>
+          <a:prstGeom prst="rect">
+            <a:avLst/>
+          </a:prstGeom>
+        </p:spPr>
+        <p:txBody>
+          <a:bodyPr anchorCtr="0" anchor="t" bIns="91425" lIns="91425" spcFirstLastPara="1" rIns="91425" wrap="square" tIns="91425">
+            <a:noAutofit/>
+          </a:bodyPr>
+          <a:lstStyle/>
+          <a:p>
+            <a:pPr indent="0" lvl="0" marL="0" rtl="0" algn="l">
+              <a:spcBef>
+                <a:spcPts val="0"/>
+              </a:spcBef>
+              <a:spcAft>
+                <a:spcPts val="0"/>
+              </a:spcAft>
+              <a:buNone/>
+            </a:pPr>
+            <a:r>
+              <a:t/>
+            </a:r>
+            <a:endParaRPr/>
+          </a:p>
+        </p:txBody>
+      </p:sp>
+    </p:spTree>
+  </p:cSld>
+  <p:clrMapOvr>
+    <a:masterClrMapping/>
+  </p:clrMapOvr>
+</p:notes>
+</file>
+
+<file path=ppt/notesSlides/notesSlide53.xml><?xml version="1.0" encoding="utf-8"?>
+<p:notes xmlns:a="http://schemas.openxmlformats.org/drawingml/2006/main" xmlns:r="http://schemas.openxmlformats.org/officeDocument/2006/relationships" xmlns:mc="http://schemas.openxmlformats.org/markup-compatibility/2006" xmlns:mv="urn:schemas-microsoft-com:mac:vml" xmlns:p="http://schemas.openxmlformats.org/presentationml/2006/main" xmlns:c="http://schemas.openxmlformats.org/drawingml/2006/chart" xmlns:dgm="http://schemas.openxmlformats.org/drawingml/2006/diagram" xmlns:o="urn:schemas-microsoft-com:office:office" xmlns:v="urn:schemas-microsoft-com:vml" xmlns:pvml="urn:schemas-microsoft-com:office:powerpoint" xmlns:com="http://schemas.openxmlformats.org/drawingml/2006/compatibility" xmlns:p14="http://schemas.microsoft.com/office/powerpoint/2010/main" xmlns:p15="http://schemas.microsoft.com/office/powerpoint/2012/main" xmlns:ahyp="http://schemas.microsoft.com/office/drawing/2018/hyperlinkcolor" showMasterPhAnim="0" showMasterSp="0">
+  <p:cSld>
+    <p:spTree>
+      <p:nvGrpSpPr>
+        <p:cNvPr id="398" name="Shape 398"/>
+        <p:cNvGrpSpPr/>
+        <p:nvPr/>
+      </p:nvGrpSpPr>
+      <p:grpSpPr>
+        <a:xfrm>
+          <a:off x="0" y="0"/>
+          <a:ext cx="0" cy="0"/>
+          <a:chOff x="0" y="0"/>
+          <a:chExt cx="0" cy="0"/>
+        </a:xfrm>
+      </p:grpSpPr>
+      <p:sp>
+        <p:nvSpPr>
+          <p:cNvPr id="399" name="Google Shape;399;g3aa99e5f2c3_0_29:notes"/>
+          <p:cNvSpPr/>
+          <p:nvPr>
+            <p:ph idx="2" type="sldImg"/>
+          </p:nvPr>
+        </p:nvSpPr>
+        <p:spPr>
+          <a:xfrm>
+            <a:off x="381300" y="685800"/>
+            <a:ext cx="6096000" cy="3429000"/>
+          </a:xfrm>
+          <a:custGeom>
+            <a:rect b="b" l="l" r="r" t="t"/>
+            <a:pathLst>
+              <a:path extrusionOk="0" h="120000" w="120000">
+                <a:moveTo>
+                  <a:pt x="0" y="0"/>
+                </a:moveTo>
+                <a:lnTo>
+                  <a:pt x="120000" y="0"/>
+                </a:lnTo>
+                <a:lnTo>
+                  <a:pt x="120000" y="120000"/>
+                </a:lnTo>
+                <a:lnTo>
+                  <a:pt x="0" y="120000"/>
+                </a:lnTo>
+                <a:close/>
+              </a:path>
+            </a:pathLst>
+          </a:custGeom>
+        </p:spPr>
+      </p:sp>
+      <p:sp>
+        <p:nvSpPr>
+          <p:cNvPr id="400" name="Google Shape;400;g3aa99e5f2c3_0_29:notes"/>
+          <p:cNvSpPr txBox="1"/>
+          <p:nvPr>
+            <p:ph idx="1" type="body"/>
+          </p:nvPr>
+        </p:nvSpPr>
+        <p:spPr>
+          <a:xfrm>
+            <a:off x="685800" y="4343400"/>
+            <a:ext cx="5486400" cy="4114800"/>
+          </a:xfrm>
+          <a:prstGeom prst="rect">
+            <a:avLst/>
+          </a:prstGeom>
+        </p:spPr>
+        <p:txBody>
+          <a:bodyPr anchorCtr="0" anchor="t" bIns="91425" lIns="91425" spcFirstLastPara="1" rIns="91425" wrap="square" tIns="91425">
+            <a:noAutofit/>
+          </a:bodyPr>
+          <a:lstStyle/>
+          <a:p>
+            <a:pPr indent="0" lvl="0" marL="0" rtl="0" algn="l">
+              <a:spcBef>
+                <a:spcPts val="0"/>
+              </a:spcBef>
+              <a:spcAft>
+                <a:spcPts val="0"/>
+              </a:spcAft>
+              <a:buNone/>
+            </a:pPr>
+            <a:r>
+              <a:t/>
+            </a:r>
+            <a:endParaRPr/>
+          </a:p>
+        </p:txBody>
+      </p:sp>
+    </p:spTree>
+  </p:cSld>
+  <p:clrMapOvr>
+    <a:masterClrMapping/>
+  </p:clrMapOvr>
+</p:notes>
+</file>
+
+<file path=ppt/notesSlides/notesSlide54.xml><?xml version="1.0" encoding="utf-8"?>
+<p:notes xmlns:a="http://schemas.openxmlformats.org/drawingml/2006/main" xmlns:r="http://schemas.openxmlformats.org/officeDocument/2006/relationships" xmlns:mc="http://schemas.openxmlformats.org/markup-compatibility/2006" xmlns:mv="urn:schemas-microsoft-com:mac:vml" xmlns:p="http://schemas.openxmlformats.org/presentationml/2006/main" xmlns:c="http://schemas.openxmlformats.org/drawingml/2006/chart" xmlns:dgm="http://schemas.openxmlformats.org/drawingml/2006/diagram" xmlns:o="urn:schemas-microsoft-com:office:office" xmlns:v="urn:schemas-microsoft-com:vml" xmlns:pvml="urn:schemas-microsoft-com:office:powerpoint" xmlns:com="http://schemas.openxmlformats.org/drawingml/2006/compatibility" xmlns:p14="http://schemas.microsoft.com/office/powerpoint/2010/main" xmlns:p15="http://schemas.microsoft.com/office/powerpoint/2012/main" xmlns:ahyp="http://schemas.microsoft.com/office/drawing/2018/hyperlinkcolor" showMasterPhAnim="0" showMasterSp="0">
+  <p:cSld>
+    <p:spTree>
+      <p:nvGrpSpPr>
+        <p:cNvPr id="404" name="Shape 404"/>
+        <p:cNvGrpSpPr/>
+        <p:nvPr/>
+      </p:nvGrpSpPr>
+      <p:grpSpPr>
+        <a:xfrm>
+          <a:off x="0" y="0"/>
+          <a:ext cx="0" cy="0"/>
+          <a:chOff x="0" y="0"/>
+          <a:chExt cx="0" cy="0"/>
+        </a:xfrm>
+      </p:grpSpPr>
+      <p:sp>
+        <p:nvSpPr>
+          <p:cNvPr id="405" name="Google Shape;405;g3aa99e5f2c3_0_35:notes"/>
+          <p:cNvSpPr/>
+          <p:nvPr>
+            <p:ph idx="2" type="sldImg"/>
+          </p:nvPr>
+        </p:nvSpPr>
+        <p:spPr>
+          <a:xfrm>
+            <a:off x="381300" y="685800"/>
+            <a:ext cx="6096000" cy="3429000"/>
+          </a:xfrm>
+          <a:custGeom>
+            <a:rect b="b" l="l" r="r" t="t"/>
+            <a:pathLst>
+              <a:path extrusionOk="0" h="120000" w="120000">
+                <a:moveTo>
+                  <a:pt x="0" y="0"/>
+                </a:moveTo>
+                <a:lnTo>
+                  <a:pt x="120000" y="0"/>
+                </a:lnTo>
+                <a:lnTo>
+                  <a:pt x="120000" y="120000"/>
+                </a:lnTo>
+                <a:lnTo>
+                  <a:pt x="0" y="120000"/>
+                </a:lnTo>
+                <a:close/>
+              </a:path>
+            </a:pathLst>
+          </a:custGeom>
+        </p:spPr>
+      </p:sp>
+      <p:sp>
+        <p:nvSpPr>
+          <p:cNvPr id="406" name="Google Shape;406;g3aa99e5f2c3_0_35:notes"/>
+          <p:cNvSpPr txBox="1"/>
+          <p:nvPr>
+            <p:ph idx="1" type="body"/>
+          </p:nvPr>
+        </p:nvSpPr>
+        <p:spPr>
+          <a:xfrm>
+            <a:off x="685800" y="4343400"/>
+            <a:ext cx="5486400" cy="4114800"/>
+          </a:xfrm>
+          <a:prstGeom prst="rect">
+            <a:avLst/>
+          </a:prstGeom>
+        </p:spPr>
+        <p:txBody>
+          <a:bodyPr anchorCtr="0" anchor="t" bIns="91425" lIns="91425" spcFirstLastPara="1" rIns="91425" wrap="square" tIns="91425">
+            <a:noAutofit/>
+          </a:bodyPr>
+          <a:lstStyle/>
+          <a:p>
+            <a:pPr indent="0" lvl="0" marL="0" rtl="0" algn="l">
+              <a:spcBef>
+                <a:spcPts val="0"/>
+              </a:spcBef>
+              <a:spcAft>
+                <a:spcPts val="0"/>
+              </a:spcAft>
+              <a:buNone/>
+            </a:pPr>
+            <a:r>
+              <a:t/>
+            </a:r>
+            <a:endParaRPr/>
+          </a:p>
+        </p:txBody>
+      </p:sp>
+    </p:spTree>
+  </p:cSld>
+  <p:clrMapOvr>
+    <a:masterClrMapping/>
+  </p:clrMapOvr>
+</p:notes>
+</file>
+
+<file path=ppt/notesSlides/notesSlide55.xml><?xml version="1.0" encoding="utf-8"?>
+<p:notes xmlns:a="http://schemas.openxmlformats.org/drawingml/2006/main" xmlns:r="http://schemas.openxmlformats.org/officeDocument/2006/relationships" xmlns:mc="http://schemas.openxmlformats.org/markup-compatibility/2006" xmlns:mv="urn:schemas-microsoft-com:mac:vml" xmlns:p="http://schemas.openxmlformats.org/presentationml/2006/main" xmlns:c="http://schemas.openxmlformats.org/drawingml/2006/chart" xmlns:dgm="http://schemas.openxmlformats.org/drawingml/2006/diagram" xmlns:o="urn:schemas-microsoft-com:office:office" xmlns:v="urn:schemas-microsoft-com:vml" xmlns:pvml="urn:schemas-microsoft-com:office:powerpoint" xmlns:com="http://schemas.openxmlformats.org/drawingml/2006/compatibility" xmlns:p14="http://schemas.microsoft.com/office/powerpoint/2010/main" xmlns:p15="http://schemas.microsoft.com/office/powerpoint/2012/main" xmlns:ahyp="http://schemas.microsoft.com/office/drawing/2018/hyperlinkcolor" showMasterPhAnim="0" showMasterSp="0">
+  <p:cSld>
+    <p:spTree>
+      <p:nvGrpSpPr>
+        <p:cNvPr id="410" name="Shape 410"/>
+        <p:cNvGrpSpPr/>
+        <p:nvPr/>
+      </p:nvGrpSpPr>
+      <p:grpSpPr>
+        <a:xfrm>
+          <a:off x="0" y="0"/>
+          <a:ext cx="0" cy="0"/>
+          <a:chOff x="0" y="0"/>
+          <a:chExt cx="0" cy="0"/>
+        </a:xfrm>
+      </p:grpSpPr>
+      <p:sp>
+        <p:nvSpPr>
+          <p:cNvPr id="411" name="Google Shape;411;g3aa99e5f2c3_0_44:notes"/>
+          <p:cNvSpPr/>
+          <p:nvPr>
+            <p:ph idx="2" type="sldImg"/>
+          </p:nvPr>
+        </p:nvSpPr>
+        <p:spPr>
+          <a:xfrm>
+            <a:off x="381300" y="685800"/>
+            <a:ext cx="6096000" cy="3429000"/>
+          </a:xfrm>
+          <a:custGeom>
+            <a:rect b="b" l="l" r="r" t="t"/>
+            <a:pathLst>
+              <a:path extrusionOk="0" h="120000" w="120000">
+                <a:moveTo>
+                  <a:pt x="0" y="0"/>
+                </a:moveTo>
+                <a:lnTo>
+                  <a:pt x="120000" y="0"/>
+                </a:lnTo>
+                <a:lnTo>
+                  <a:pt x="120000" y="120000"/>
+                </a:lnTo>
+                <a:lnTo>
+                  <a:pt x="0" y="120000"/>
+                </a:lnTo>
+                <a:close/>
+              </a:path>
+            </a:pathLst>
+          </a:custGeom>
+        </p:spPr>
+      </p:sp>
+      <p:sp>
+        <p:nvSpPr>
+          <p:cNvPr id="412" name="Google Shape;412;g3aa99e5f2c3_0_44:notes"/>
+          <p:cNvSpPr txBox="1"/>
+          <p:nvPr>
+            <p:ph idx="1" type="body"/>
+          </p:nvPr>
+        </p:nvSpPr>
+        <p:spPr>
+          <a:xfrm>
+            <a:off x="685800" y="4343400"/>
+            <a:ext cx="5486400" cy="4114800"/>
+          </a:xfrm>
+          <a:prstGeom prst="rect">
+            <a:avLst/>
+          </a:prstGeom>
+        </p:spPr>
+        <p:txBody>
+          <a:bodyPr anchorCtr="0" anchor="t" bIns="91425" lIns="91425" spcFirstLastPara="1" rIns="91425" wrap="square" tIns="91425">
+            <a:noAutofit/>
+          </a:bodyPr>
+          <a:lstStyle/>
+          <a:p>
+            <a:pPr indent="0" lvl="0" marL="0" rtl="0" algn="l">
+              <a:spcBef>
+                <a:spcPts val="0"/>
+              </a:spcBef>
+              <a:spcAft>
+                <a:spcPts val="0"/>
+              </a:spcAft>
+              <a:buNone/>
+            </a:pPr>
+            <a:r>
+              <a:t/>
+            </a:r>
+            <a:endParaRPr/>
+          </a:p>
+        </p:txBody>
+      </p:sp>
+    </p:spTree>
+  </p:cSld>
+  <p:clrMapOvr>
+    <a:masterClrMapping/>
+  </p:clrMapOvr>
+</p:notes>
+</file>
+
+<file path=ppt/notesSlides/notesSlide56.xml><?xml version="1.0" encoding="utf-8"?>
+<p:notes xmlns:a="http://schemas.openxmlformats.org/drawingml/2006/main" xmlns:r="http://schemas.openxmlformats.org/officeDocument/2006/relationships" xmlns:mc="http://schemas.openxmlformats.org/markup-compatibility/2006" xmlns:mv="urn:schemas-microsoft-com:mac:vml" xmlns:p="http://schemas.openxmlformats.org/presentationml/2006/main" xmlns:c="http://schemas.openxmlformats.org/drawingml/2006/chart" xmlns:dgm="http://schemas.openxmlformats.org/drawingml/2006/diagram" xmlns:o="urn:schemas-microsoft-com:office:office" xmlns:v="urn:schemas-microsoft-com:vml" xmlns:pvml="urn:schemas-microsoft-com:office:powerpoint" xmlns:com="http://schemas.openxmlformats.org/drawingml/2006/compatibility" xmlns:p14="http://schemas.microsoft.com/office/powerpoint/2010/main" xmlns:p15="http://schemas.microsoft.com/office/powerpoint/2012/main" xmlns:ahyp="http://schemas.microsoft.com/office/drawing/2018/hyperlinkcolor" showMasterPhAnim="0" showMasterSp="0">
+  <p:cSld>
+    <p:spTree>
+      <p:nvGrpSpPr>
+        <p:cNvPr id="416" name="Shape 416"/>
+        <p:cNvGrpSpPr/>
+        <p:nvPr/>
+      </p:nvGrpSpPr>
+      <p:grpSpPr>
+        <a:xfrm>
+          <a:off x="0" y="0"/>
+          <a:ext cx="0" cy="0"/>
+          <a:chOff x="0" y="0"/>
+          <a:chExt cx="0" cy="0"/>
+        </a:xfrm>
+      </p:grpSpPr>
+      <p:sp>
+        <p:nvSpPr>
+          <p:cNvPr id="417" name="Google Shape;417;g3aa99e5f2c3_0_51:notes"/>
+          <p:cNvSpPr/>
+          <p:nvPr>
+            <p:ph idx="2" type="sldImg"/>
+          </p:nvPr>
+        </p:nvSpPr>
+        <p:spPr>
+          <a:xfrm>
+            <a:off x="381300" y="685800"/>
+            <a:ext cx="6096000" cy="3429000"/>
+          </a:xfrm>
+          <a:custGeom>
+            <a:rect b="b" l="l" r="r" t="t"/>
+            <a:pathLst>
+              <a:path extrusionOk="0" h="120000" w="120000">
+                <a:moveTo>
+                  <a:pt x="0" y="0"/>
+                </a:moveTo>
+                <a:lnTo>
+                  <a:pt x="120000" y="0"/>
+                </a:lnTo>
+                <a:lnTo>
+                  <a:pt x="120000" y="120000"/>
+                </a:lnTo>
+                <a:lnTo>
+                  <a:pt x="0" y="120000"/>
+                </a:lnTo>
+                <a:close/>
+              </a:path>
+            </a:pathLst>
+          </a:custGeom>
+        </p:spPr>
+      </p:sp>
+      <p:sp>
+        <p:nvSpPr>
+          <p:cNvPr id="418" name="Google Shape;418;g3aa99e5f2c3_0_51:notes"/>
+          <p:cNvSpPr txBox="1"/>
+          <p:nvPr>
+            <p:ph idx="1" type="body"/>
+          </p:nvPr>
+        </p:nvSpPr>
+        <p:spPr>
+          <a:xfrm>
+            <a:off x="685800" y="4343400"/>
+            <a:ext cx="5486400" cy="4114800"/>
+          </a:xfrm>
+          <a:prstGeom prst="rect">
+            <a:avLst/>
+          </a:prstGeom>
+        </p:spPr>
+        <p:txBody>
+          <a:bodyPr anchorCtr="0" anchor="t" bIns="91425" lIns="91425" spcFirstLastPara="1" rIns="91425" wrap="square" tIns="91425">
+            <a:noAutofit/>
+          </a:bodyPr>
+          <a:lstStyle/>
+          <a:p>
+            <a:pPr indent="0" lvl="0" marL="0" rtl="0" algn="l">
+              <a:spcBef>
+                <a:spcPts val="0"/>
+              </a:spcBef>
+              <a:spcAft>
+                <a:spcPts val="0"/>
+              </a:spcAft>
+              <a:buNone/>
+            </a:pPr>
+            <a:r>
+              <a:t/>
+            </a:r>
+            <a:endParaRPr/>
+          </a:p>
+        </p:txBody>
+      </p:sp>
+    </p:spTree>
+  </p:cSld>
+  <p:clrMapOvr>
+    <a:masterClrMapping/>
+  </p:clrMapOvr>
+</p:notes>
+</file>
+
+<file path=ppt/notesSlides/notesSlide57.xml><?xml version="1.0" encoding="utf-8"?>
+<p:notes xmlns:a="http://schemas.openxmlformats.org/drawingml/2006/main" xmlns:r="http://schemas.openxmlformats.org/officeDocument/2006/relationships" xmlns:mc="http://schemas.openxmlformats.org/markup-compatibility/2006" xmlns:mv="urn:schemas-microsoft-com:mac:vml" xmlns:p="http://schemas.openxmlformats.org/presentationml/2006/main" xmlns:c="http://schemas.openxmlformats.org/drawingml/2006/chart" xmlns:dgm="http://schemas.openxmlformats.org/drawingml/2006/diagram" xmlns:o="urn:schemas-microsoft-com:office:office" xmlns:v="urn:schemas-microsoft-com:vml" xmlns:pvml="urn:schemas-microsoft-com:office:powerpoint" xmlns:com="http://schemas.openxmlformats.org/drawingml/2006/compatibility" xmlns:p14="http://schemas.microsoft.com/office/powerpoint/2010/main" xmlns:p15="http://schemas.microsoft.com/office/powerpoint/2012/main" xmlns:ahyp="http://schemas.microsoft.com/office/drawing/2018/hyperlinkcolor" showMasterPhAnim="0" showMasterSp="0">
+  <p:cSld>
+    <p:spTree>
+      <p:nvGrpSpPr>
+        <p:cNvPr id="422" name="Shape 422"/>
+        <p:cNvGrpSpPr/>
+        <p:nvPr/>
+      </p:nvGrpSpPr>
+      <p:grpSpPr>
+        <a:xfrm>
+          <a:off x="0" y="0"/>
+          <a:ext cx="0" cy="0"/>
+          <a:chOff x="0" y="0"/>
+          <a:chExt cx="0" cy="0"/>
+        </a:xfrm>
+      </p:grpSpPr>
+      <p:sp>
+        <p:nvSpPr>
+          <p:cNvPr id="423" name="Google Shape;423;g3ac905aeb36_0_0:notes"/>
+          <p:cNvSpPr/>
+          <p:nvPr>
+            <p:ph idx="2" type="sldImg"/>
+          </p:nvPr>
+        </p:nvSpPr>
+        <p:spPr>
+          <a:xfrm>
+            <a:off x="381300" y="685800"/>
+            <a:ext cx="6096000" cy="3429000"/>
+          </a:xfrm>
+          <a:custGeom>
+            <a:rect b="b" l="l" r="r" t="t"/>
+            <a:pathLst>
+              <a:path extrusionOk="0" h="120000" w="120000">
+                <a:moveTo>
+                  <a:pt x="0" y="0"/>
+                </a:moveTo>
+                <a:lnTo>
+                  <a:pt x="120000" y="0"/>
+                </a:lnTo>
+                <a:lnTo>
+                  <a:pt x="120000" y="120000"/>
+                </a:lnTo>
+                <a:lnTo>
+                  <a:pt x="0" y="120000"/>
+                </a:lnTo>
+                <a:close/>
+              </a:path>
+            </a:pathLst>
+          </a:custGeom>
+        </p:spPr>
+      </p:sp>
+      <p:sp>
+        <p:nvSpPr>
+          <p:cNvPr id="424" name="Google Shape;424;g3ac905aeb36_0_0:notes"/>
+          <p:cNvSpPr txBox="1"/>
+          <p:nvPr>
+            <p:ph idx="1" type="body"/>
+          </p:nvPr>
+        </p:nvSpPr>
+        <p:spPr>
+          <a:xfrm>
+            <a:off x="685800" y="4343400"/>
+            <a:ext cx="5486400" cy="4114800"/>
+          </a:xfrm>
+          <a:prstGeom prst="rect">
+            <a:avLst/>
+          </a:prstGeom>
+        </p:spPr>
+        <p:txBody>
+          <a:bodyPr anchorCtr="0" anchor="t" bIns="91425" lIns="91425" spcFirstLastPara="1" rIns="91425" wrap="square" tIns="91425">
+            <a:noAutofit/>
+          </a:bodyPr>
+          <a:lstStyle/>
+          <a:p>
+            <a:pPr indent="0" lvl="0" marL="0" rtl="0" algn="l">
+              <a:spcBef>
+                <a:spcPts val="0"/>
+              </a:spcBef>
+              <a:spcAft>
+                <a:spcPts val="0"/>
+              </a:spcAft>
+              <a:buNone/>
+            </a:pPr>
+            <a:r>
+              <a:t/>
+            </a:r>
+            <a:endParaRPr/>
+          </a:p>
+        </p:txBody>
+      </p:sp>
+    </p:spTree>
+  </p:cSld>
+  <p:clrMapOvr>
+    <a:masterClrMapping/>
+  </p:clrMapOvr>
+</p:notes>
+</file>
+
+<file path=ppt/notesSlides/notesSlide58.xml><?xml version="1.0" encoding="utf-8"?>
+<p:notes xmlns:a="http://schemas.openxmlformats.org/drawingml/2006/main" xmlns:r="http://schemas.openxmlformats.org/officeDocument/2006/relationships" xmlns:mc="http://schemas.openxmlformats.org/markup-compatibility/2006" xmlns:mv="urn:schemas-microsoft-com:mac:vml" xmlns:p="http://schemas.openxmlformats.org/presentationml/2006/main" xmlns:c="http://schemas.openxmlformats.org/drawingml/2006/chart" xmlns:dgm="http://schemas.openxmlformats.org/drawingml/2006/diagram" xmlns:o="urn:schemas-microsoft-com:office:office" xmlns:v="urn:schemas-microsoft-com:vml" xmlns:pvml="urn:schemas-microsoft-com:office:powerpoint" xmlns:com="http://schemas.openxmlformats.org/drawingml/2006/compatibility" xmlns:p14="http://schemas.microsoft.com/office/powerpoint/2010/main" xmlns:p15="http://schemas.microsoft.com/office/powerpoint/2012/main" xmlns:ahyp="http://schemas.microsoft.com/office/drawing/2018/hyperlinkcolor" showMasterPhAnim="0" showMasterSp="0">
+  <p:cSld>
+    <p:spTree>
+      <p:nvGrpSpPr>
+        <p:cNvPr id="428" name="Shape 428"/>
+        <p:cNvGrpSpPr/>
+        <p:nvPr/>
+      </p:nvGrpSpPr>
+      <p:grpSpPr>
+        <a:xfrm>
+          <a:off x="0" y="0"/>
+          <a:ext cx="0" cy="0"/>
+          <a:chOff x="0" y="0"/>
+          <a:chExt cx="0" cy="0"/>
+        </a:xfrm>
+      </p:grpSpPr>
+      <p:sp>
+        <p:nvSpPr>
+          <p:cNvPr id="429" name="Google Shape;429;g3ac905aeb36_0_8:notes"/>
+          <p:cNvSpPr/>
+          <p:nvPr>
+            <p:ph idx="2" type="sldImg"/>
+          </p:nvPr>
+        </p:nvSpPr>
+        <p:spPr>
+          <a:xfrm>
+            <a:off x="381300" y="685800"/>
+            <a:ext cx="6096000" cy="3429000"/>
+          </a:xfrm>
+          <a:custGeom>
+            <a:rect b="b" l="l" r="r" t="t"/>
+            <a:pathLst>
+              <a:path extrusionOk="0" h="120000" w="120000">
+                <a:moveTo>
+                  <a:pt x="0" y="0"/>
+                </a:moveTo>
+                <a:lnTo>
+                  <a:pt x="120000" y="0"/>
+                </a:lnTo>
+                <a:lnTo>
+                  <a:pt x="120000" y="120000"/>
+                </a:lnTo>
+                <a:lnTo>
+                  <a:pt x="0" y="120000"/>
+                </a:lnTo>
+                <a:close/>
+              </a:path>
+            </a:pathLst>
+          </a:custGeom>
+        </p:spPr>
+      </p:sp>
+      <p:sp>
+        <p:nvSpPr>
+          <p:cNvPr id="430" name="Google Shape;430;g3ac905aeb36_0_8:notes"/>
+          <p:cNvSpPr txBox="1"/>
+          <p:nvPr>
+            <p:ph idx="1" type="body"/>
+          </p:nvPr>
+        </p:nvSpPr>
+        <p:spPr>
+          <a:xfrm>
+            <a:off x="685800" y="4343400"/>
+            <a:ext cx="5486400" cy="4114800"/>
+          </a:xfrm>
+          <a:prstGeom prst="rect">
+            <a:avLst/>
+          </a:prstGeom>
+        </p:spPr>
+        <p:txBody>
+          <a:bodyPr anchorCtr="0" anchor="t" bIns="91425" lIns="91425" spcFirstLastPara="1" rIns="91425" wrap="square" tIns="91425">
+            <a:noAutofit/>
+          </a:bodyPr>
+          <a:lstStyle/>
+          <a:p>
+            <a:pPr indent="0" lvl="0" marL="0" rtl="0" algn="l">
+              <a:spcBef>
+                <a:spcPts val="0"/>
+              </a:spcBef>
+              <a:spcAft>
+                <a:spcPts val="0"/>
+              </a:spcAft>
+              <a:buNone/>
+            </a:pPr>
+            <a:r>
+              <a:t/>
+            </a:r>
+            <a:endParaRPr/>
+          </a:p>
+        </p:txBody>
+      </p:sp>
+    </p:spTree>
+  </p:cSld>
+  <p:clrMapOvr>
+    <a:masterClrMapping/>
+  </p:clrMapOvr>
+</p:notes>
+</file>
+
+<file path=ppt/notesSlides/notesSlide59.xml><?xml version="1.0" encoding="utf-8"?>
+<p:notes xmlns:a="http://schemas.openxmlformats.org/drawingml/2006/main" xmlns:r="http://schemas.openxmlformats.org/officeDocument/2006/relationships" xmlns:mc="http://schemas.openxmlformats.org/markup-compatibility/2006" xmlns:mv="urn:schemas-microsoft-com:mac:vml" xmlns:p="http://schemas.openxmlformats.org/presentationml/2006/main" xmlns:c="http://schemas.openxmlformats.org/drawingml/2006/chart" xmlns:dgm="http://schemas.openxmlformats.org/drawingml/2006/diagram" xmlns:o="urn:schemas-microsoft-com:office:office" xmlns:v="urn:schemas-microsoft-com:vml" xmlns:pvml="urn:schemas-microsoft-com:office:powerpoint" xmlns:com="http://schemas.openxmlformats.org/drawingml/2006/compatibility" xmlns:p14="http://schemas.microsoft.com/office/powerpoint/2010/main" xmlns:p15="http://schemas.microsoft.com/office/powerpoint/2012/main" xmlns:ahyp="http://schemas.microsoft.com/office/drawing/2018/hyperlinkcolor" showMasterPhAnim="0" showMasterSp="0">
+  <p:cSld>
+    <p:spTree>
+      <p:nvGrpSpPr>
+        <p:cNvPr id="434" name="Shape 434"/>
+        <p:cNvGrpSpPr/>
+        <p:nvPr/>
+      </p:nvGrpSpPr>
+      <p:grpSpPr>
+        <a:xfrm>
+          <a:off x="0" y="0"/>
+          <a:ext cx="0" cy="0"/>
+          <a:chOff x="0" y="0"/>
+          <a:chExt cx="0" cy="0"/>
+        </a:xfrm>
+      </p:grpSpPr>
+      <p:sp>
+        <p:nvSpPr>
+          <p:cNvPr id="435" name="Google Shape;435;g3ac905aeb36_0_14:notes"/>
+          <p:cNvSpPr/>
+          <p:nvPr>
+            <p:ph idx="2" type="sldImg"/>
+          </p:nvPr>
+        </p:nvSpPr>
+        <p:spPr>
+          <a:xfrm>
+            <a:off x="381300" y="685800"/>
+            <a:ext cx="6096000" cy="3429000"/>
+          </a:xfrm>
+          <a:custGeom>
+            <a:rect b="b" l="l" r="r" t="t"/>
+            <a:pathLst>
+              <a:path extrusionOk="0" h="120000" w="120000">
+                <a:moveTo>
+                  <a:pt x="0" y="0"/>
+                </a:moveTo>
+                <a:lnTo>
+                  <a:pt x="120000" y="0"/>
+                </a:lnTo>
+                <a:lnTo>
+                  <a:pt x="120000" y="120000"/>
+                </a:lnTo>
+                <a:lnTo>
+                  <a:pt x="0" y="120000"/>
+                </a:lnTo>
+                <a:close/>
+              </a:path>
+            </a:pathLst>
+          </a:custGeom>
+        </p:spPr>
+      </p:sp>
+      <p:sp>
+        <p:nvSpPr>
+          <p:cNvPr id="436" name="Google Shape;436;g3ac905aeb36_0_14:notes"/>
+          <p:cNvSpPr txBox="1"/>
+          <p:nvPr>
+            <p:ph idx="1" type="body"/>
+          </p:nvPr>
+        </p:nvSpPr>
+        <p:spPr>
+          <a:xfrm>
+            <a:off x="685800" y="4343400"/>
+            <a:ext cx="5486400" cy="4114800"/>
+          </a:xfrm>
+          <a:prstGeom prst="rect">
+            <a:avLst/>
+          </a:prstGeom>
+        </p:spPr>
+        <p:txBody>
+          <a:bodyPr anchorCtr="0" anchor="t" bIns="91425" lIns="91425" spcFirstLastPara="1" rIns="91425" wrap="square" tIns="91425">
+            <a:noAutofit/>
+          </a:bodyPr>
+          <a:lstStyle/>
+          <a:p>
+            <a:pPr indent="0" lvl="0" marL="0" rtl="0" algn="l">
+              <a:spcBef>
+                <a:spcPts val="0"/>
+              </a:spcBef>
+              <a:spcAft>
+                <a:spcPts val="0"/>
+              </a:spcAft>
+              <a:buNone/>
+            </a:pPr>
+            <a:r>
+              <a:t/>
+            </a:r>
+            <a:endParaRPr/>
+          </a:p>
+        </p:txBody>
+      </p:sp>
+    </p:spTree>
+  </p:cSld>
+  <p:clrMapOvr>
+    <a:masterClrMapping/>
+  </p:clrMapOvr>
+</p:notes>
+</file>
+
 <file path=ppt/notesSlides/notesSlide6.xml><?xml version="1.0" encoding="utf-8"?>
 <p:notes xmlns:a="http://schemas.openxmlformats.org/drawingml/2006/main" xmlns:r="http://schemas.openxmlformats.org/officeDocument/2006/relationships" xmlns:mc="http://schemas.openxmlformats.org/markup-compatibility/2006" xmlns:mv="urn:schemas-microsoft-com:mac:vml" xmlns:p="http://schemas.openxmlformats.org/presentationml/2006/main" xmlns:c="http://schemas.openxmlformats.org/drawingml/2006/chart" xmlns:dgm="http://schemas.openxmlformats.org/drawingml/2006/diagram" xmlns:o="urn:schemas-microsoft-com:office:office" xmlns:v="urn:schemas-microsoft-com:vml" xmlns:pvml="urn:schemas-microsoft-com:office:powerpoint" xmlns:com="http://schemas.openxmlformats.org/drawingml/2006/compatibility" xmlns:p14="http://schemas.microsoft.com/office/powerpoint/2010/main" xmlns:p15="http://schemas.microsoft.com/office/powerpoint/2012/main" xmlns:ahyp="http://schemas.microsoft.com/office/drawing/2018/hyperlinkcolor" showMasterPhAnim="0" showMasterSp="0">
   <p:cSld>
@@ -5172,6 +6276,402 @@
       <p:sp>
         <p:nvSpPr>
           <p:cNvPr id="114" name="Google Shape;114;g39edc685857_0_106:notes"/>
+          <p:cNvSpPr txBox="1"/>
+          <p:nvPr>
+            <p:ph idx="1" type="body"/>
+          </p:nvPr>
+        </p:nvSpPr>
+        <p:spPr>
+          <a:xfrm>
+            <a:off x="685800" y="4343400"/>
+            <a:ext cx="5486400" cy="4114800"/>
+          </a:xfrm>
+          <a:prstGeom prst="rect">
+            <a:avLst/>
+          </a:prstGeom>
+        </p:spPr>
+        <p:txBody>
+          <a:bodyPr anchorCtr="0" anchor="t" bIns="91425" lIns="91425" spcFirstLastPara="1" rIns="91425" wrap="square" tIns="91425">
+            <a:noAutofit/>
+          </a:bodyPr>
+          <a:lstStyle/>
+          <a:p>
+            <a:pPr indent="0" lvl="0" marL="0" rtl="0" algn="l">
+              <a:spcBef>
+                <a:spcPts val="0"/>
+              </a:spcBef>
+              <a:spcAft>
+                <a:spcPts val="0"/>
+              </a:spcAft>
+              <a:buNone/>
+            </a:pPr>
+            <a:r>
+              <a:t/>
+            </a:r>
+            <a:endParaRPr/>
+          </a:p>
+        </p:txBody>
+      </p:sp>
+    </p:spTree>
+  </p:cSld>
+  <p:clrMapOvr>
+    <a:masterClrMapping/>
+  </p:clrMapOvr>
+</p:notes>
+</file>
+
+<file path=ppt/notesSlides/notesSlide60.xml><?xml version="1.0" encoding="utf-8"?>
+<p:notes xmlns:a="http://schemas.openxmlformats.org/drawingml/2006/main" xmlns:r="http://schemas.openxmlformats.org/officeDocument/2006/relationships" xmlns:mc="http://schemas.openxmlformats.org/markup-compatibility/2006" xmlns:mv="urn:schemas-microsoft-com:mac:vml" xmlns:p="http://schemas.openxmlformats.org/presentationml/2006/main" xmlns:c="http://schemas.openxmlformats.org/drawingml/2006/chart" xmlns:dgm="http://schemas.openxmlformats.org/drawingml/2006/diagram" xmlns:o="urn:schemas-microsoft-com:office:office" xmlns:v="urn:schemas-microsoft-com:vml" xmlns:pvml="urn:schemas-microsoft-com:office:powerpoint" xmlns:com="http://schemas.openxmlformats.org/drawingml/2006/compatibility" xmlns:p14="http://schemas.microsoft.com/office/powerpoint/2010/main" xmlns:p15="http://schemas.microsoft.com/office/powerpoint/2012/main" xmlns:ahyp="http://schemas.microsoft.com/office/drawing/2018/hyperlinkcolor" showMasterPhAnim="0" showMasterSp="0">
+  <p:cSld>
+    <p:spTree>
+      <p:nvGrpSpPr>
+        <p:cNvPr id="440" name="Shape 440"/>
+        <p:cNvGrpSpPr/>
+        <p:nvPr/>
+      </p:nvGrpSpPr>
+      <p:grpSpPr>
+        <a:xfrm>
+          <a:off x="0" y="0"/>
+          <a:ext cx="0" cy="0"/>
+          <a:chOff x="0" y="0"/>
+          <a:chExt cx="0" cy="0"/>
+        </a:xfrm>
+      </p:grpSpPr>
+      <p:sp>
+        <p:nvSpPr>
+          <p:cNvPr id="441" name="Google Shape;441;g3ac905aeb36_0_24:notes"/>
+          <p:cNvSpPr/>
+          <p:nvPr>
+            <p:ph idx="2" type="sldImg"/>
+          </p:nvPr>
+        </p:nvSpPr>
+        <p:spPr>
+          <a:xfrm>
+            <a:off x="381300" y="685800"/>
+            <a:ext cx="6096000" cy="3429000"/>
+          </a:xfrm>
+          <a:custGeom>
+            <a:rect b="b" l="l" r="r" t="t"/>
+            <a:pathLst>
+              <a:path extrusionOk="0" h="120000" w="120000">
+                <a:moveTo>
+                  <a:pt x="0" y="0"/>
+                </a:moveTo>
+                <a:lnTo>
+                  <a:pt x="120000" y="0"/>
+                </a:lnTo>
+                <a:lnTo>
+                  <a:pt x="120000" y="120000"/>
+                </a:lnTo>
+                <a:lnTo>
+                  <a:pt x="0" y="120000"/>
+                </a:lnTo>
+                <a:close/>
+              </a:path>
+            </a:pathLst>
+          </a:custGeom>
+        </p:spPr>
+      </p:sp>
+      <p:sp>
+        <p:nvSpPr>
+          <p:cNvPr id="442" name="Google Shape;442;g3ac905aeb36_0_24:notes"/>
+          <p:cNvSpPr txBox="1"/>
+          <p:nvPr>
+            <p:ph idx="1" type="body"/>
+          </p:nvPr>
+        </p:nvSpPr>
+        <p:spPr>
+          <a:xfrm>
+            <a:off x="685800" y="4343400"/>
+            <a:ext cx="5486400" cy="4114800"/>
+          </a:xfrm>
+          <a:prstGeom prst="rect">
+            <a:avLst/>
+          </a:prstGeom>
+        </p:spPr>
+        <p:txBody>
+          <a:bodyPr anchorCtr="0" anchor="t" bIns="91425" lIns="91425" spcFirstLastPara="1" rIns="91425" wrap="square" tIns="91425">
+            <a:noAutofit/>
+          </a:bodyPr>
+          <a:lstStyle/>
+          <a:p>
+            <a:pPr indent="0" lvl="0" marL="0" rtl="0" algn="l">
+              <a:spcBef>
+                <a:spcPts val="0"/>
+              </a:spcBef>
+              <a:spcAft>
+                <a:spcPts val="0"/>
+              </a:spcAft>
+              <a:buNone/>
+            </a:pPr>
+            <a:r>
+              <a:t/>
+            </a:r>
+            <a:endParaRPr/>
+          </a:p>
+        </p:txBody>
+      </p:sp>
+    </p:spTree>
+  </p:cSld>
+  <p:clrMapOvr>
+    <a:masterClrMapping/>
+  </p:clrMapOvr>
+</p:notes>
+</file>
+
+<file path=ppt/notesSlides/notesSlide61.xml><?xml version="1.0" encoding="utf-8"?>
+<p:notes xmlns:a="http://schemas.openxmlformats.org/drawingml/2006/main" xmlns:r="http://schemas.openxmlformats.org/officeDocument/2006/relationships" xmlns:mc="http://schemas.openxmlformats.org/markup-compatibility/2006" xmlns:mv="urn:schemas-microsoft-com:mac:vml" xmlns:p="http://schemas.openxmlformats.org/presentationml/2006/main" xmlns:c="http://schemas.openxmlformats.org/drawingml/2006/chart" xmlns:dgm="http://schemas.openxmlformats.org/drawingml/2006/diagram" xmlns:o="urn:schemas-microsoft-com:office:office" xmlns:v="urn:schemas-microsoft-com:vml" xmlns:pvml="urn:schemas-microsoft-com:office:powerpoint" xmlns:com="http://schemas.openxmlformats.org/drawingml/2006/compatibility" xmlns:p14="http://schemas.microsoft.com/office/powerpoint/2010/main" xmlns:p15="http://schemas.microsoft.com/office/powerpoint/2012/main" xmlns:ahyp="http://schemas.microsoft.com/office/drawing/2018/hyperlinkcolor" showMasterPhAnim="0" showMasterSp="0">
+  <p:cSld>
+    <p:spTree>
+      <p:nvGrpSpPr>
+        <p:cNvPr id="446" name="Shape 446"/>
+        <p:cNvGrpSpPr/>
+        <p:nvPr/>
+      </p:nvGrpSpPr>
+      <p:grpSpPr>
+        <a:xfrm>
+          <a:off x="0" y="0"/>
+          <a:ext cx="0" cy="0"/>
+          <a:chOff x="0" y="0"/>
+          <a:chExt cx="0" cy="0"/>
+        </a:xfrm>
+      </p:grpSpPr>
+      <p:sp>
+        <p:nvSpPr>
+          <p:cNvPr id="447" name="Google Shape;447;g3ac905aeb36_0_34:notes"/>
+          <p:cNvSpPr/>
+          <p:nvPr>
+            <p:ph idx="2" type="sldImg"/>
+          </p:nvPr>
+        </p:nvSpPr>
+        <p:spPr>
+          <a:xfrm>
+            <a:off x="381300" y="685800"/>
+            <a:ext cx="6096000" cy="3429000"/>
+          </a:xfrm>
+          <a:custGeom>
+            <a:rect b="b" l="l" r="r" t="t"/>
+            <a:pathLst>
+              <a:path extrusionOk="0" h="120000" w="120000">
+                <a:moveTo>
+                  <a:pt x="0" y="0"/>
+                </a:moveTo>
+                <a:lnTo>
+                  <a:pt x="120000" y="0"/>
+                </a:lnTo>
+                <a:lnTo>
+                  <a:pt x="120000" y="120000"/>
+                </a:lnTo>
+                <a:lnTo>
+                  <a:pt x="0" y="120000"/>
+                </a:lnTo>
+                <a:close/>
+              </a:path>
+            </a:pathLst>
+          </a:custGeom>
+        </p:spPr>
+      </p:sp>
+      <p:sp>
+        <p:nvSpPr>
+          <p:cNvPr id="448" name="Google Shape;448;g3ac905aeb36_0_34:notes"/>
+          <p:cNvSpPr txBox="1"/>
+          <p:nvPr>
+            <p:ph idx="1" type="body"/>
+          </p:nvPr>
+        </p:nvSpPr>
+        <p:spPr>
+          <a:xfrm>
+            <a:off x="685800" y="4343400"/>
+            <a:ext cx="5486400" cy="4114800"/>
+          </a:xfrm>
+          <a:prstGeom prst="rect">
+            <a:avLst/>
+          </a:prstGeom>
+        </p:spPr>
+        <p:txBody>
+          <a:bodyPr anchorCtr="0" anchor="t" bIns="91425" lIns="91425" spcFirstLastPara="1" rIns="91425" wrap="square" tIns="91425">
+            <a:noAutofit/>
+          </a:bodyPr>
+          <a:lstStyle/>
+          <a:p>
+            <a:pPr indent="0" lvl="0" marL="0" rtl="0" algn="l">
+              <a:spcBef>
+                <a:spcPts val="0"/>
+              </a:spcBef>
+              <a:spcAft>
+                <a:spcPts val="0"/>
+              </a:spcAft>
+              <a:buNone/>
+            </a:pPr>
+            <a:r>
+              <a:t/>
+            </a:r>
+            <a:endParaRPr/>
+          </a:p>
+        </p:txBody>
+      </p:sp>
+    </p:spTree>
+  </p:cSld>
+  <p:clrMapOvr>
+    <a:masterClrMapping/>
+  </p:clrMapOvr>
+</p:notes>
+</file>
+
+<file path=ppt/notesSlides/notesSlide62.xml><?xml version="1.0" encoding="utf-8"?>
+<p:notes xmlns:a="http://schemas.openxmlformats.org/drawingml/2006/main" xmlns:r="http://schemas.openxmlformats.org/officeDocument/2006/relationships" xmlns:mc="http://schemas.openxmlformats.org/markup-compatibility/2006" xmlns:mv="urn:schemas-microsoft-com:mac:vml" xmlns:p="http://schemas.openxmlformats.org/presentationml/2006/main" xmlns:c="http://schemas.openxmlformats.org/drawingml/2006/chart" xmlns:dgm="http://schemas.openxmlformats.org/drawingml/2006/diagram" xmlns:o="urn:schemas-microsoft-com:office:office" xmlns:v="urn:schemas-microsoft-com:vml" xmlns:pvml="urn:schemas-microsoft-com:office:powerpoint" xmlns:com="http://schemas.openxmlformats.org/drawingml/2006/compatibility" xmlns:p14="http://schemas.microsoft.com/office/powerpoint/2010/main" xmlns:p15="http://schemas.microsoft.com/office/powerpoint/2012/main" xmlns:ahyp="http://schemas.microsoft.com/office/drawing/2018/hyperlinkcolor" showMasterPhAnim="0" showMasterSp="0">
+  <p:cSld>
+    <p:spTree>
+      <p:nvGrpSpPr>
+        <p:cNvPr id="452" name="Shape 452"/>
+        <p:cNvGrpSpPr/>
+        <p:nvPr/>
+      </p:nvGrpSpPr>
+      <p:grpSpPr>
+        <a:xfrm>
+          <a:off x="0" y="0"/>
+          <a:ext cx="0" cy="0"/>
+          <a:chOff x="0" y="0"/>
+          <a:chExt cx="0" cy="0"/>
+        </a:xfrm>
+      </p:grpSpPr>
+      <p:sp>
+        <p:nvSpPr>
+          <p:cNvPr id="453" name="Google Shape;453;g3ac905aeb36_0_41:notes"/>
+          <p:cNvSpPr/>
+          <p:nvPr>
+            <p:ph idx="2" type="sldImg"/>
+          </p:nvPr>
+        </p:nvSpPr>
+        <p:spPr>
+          <a:xfrm>
+            <a:off x="381300" y="685800"/>
+            <a:ext cx="6096000" cy="3429000"/>
+          </a:xfrm>
+          <a:custGeom>
+            <a:rect b="b" l="l" r="r" t="t"/>
+            <a:pathLst>
+              <a:path extrusionOk="0" h="120000" w="120000">
+                <a:moveTo>
+                  <a:pt x="0" y="0"/>
+                </a:moveTo>
+                <a:lnTo>
+                  <a:pt x="120000" y="0"/>
+                </a:lnTo>
+                <a:lnTo>
+                  <a:pt x="120000" y="120000"/>
+                </a:lnTo>
+                <a:lnTo>
+                  <a:pt x="0" y="120000"/>
+                </a:lnTo>
+                <a:close/>
+              </a:path>
+            </a:pathLst>
+          </a:custGeom>
+        </p:spPr>
+      </p:sp>
+      <p:sp>
+        <p:nvSpPr>
+          <p:cNvPr id="454" name="Google Shape;454;g3ac905aeb36_0_41:notes"/>
+          <p:cNvSpPr txBox="1"/>
+          <p:nvPr>
+            <p:ph idx="1" type="body"/>
+          </p:nvPr>
+        </p:nvSpPr>
+        <p:spPr>
+          <a:xfrm>
+            <a:off x="685800" y="4343400"/>
+            <a:ext cx="5486400" cy="4114800"/>
+          </a:xfrm>
+          <a:prstGeom prst="rect">
+            <a:avLst/>
+          </a:prstGeom>
+        </p:spPr>
+        <p:txBody>
+          <a:bodyPr anchorCtr="0" anchor="t" bIns="91425" lIns="91425" spcFirstLastPara="1" rIns="91425" wrap="square" tIns="91425">
+            <a:noAutofit/>
+          </a:bodyPr>
+          <a:lstStyle/>
+          <a:p>
+            <a:pPr indent="0" lvl="0" marL="0" rtl="0" algn="l">
+              <a:spcBef>
+                <a:spcPts val="0"/>
+              </a:spcBef>
+              <a:spcAft>
+                <a:spcPts val="0"/>
+              </a:spcAft>
+              <a:buNone/>
+            </a:pPr>
+            <a:r>
+              <a:t/>
+            </a:r>
+            <a:endParaRPr/>
+          </a:p>
+        </p:txBody>
+      </p:sp>
+    </p:spTree>
+  </p:cSld>
+  <p:clrMapOvr>
+    <a:masterClrMapping/>
+  </p:clrMapOvr>
+</p:notes>
+</file>
+
+<file path=ppt/notesSlides/notesSlide63.xml><?xml version="1.0" encoding="utf-8"?>
+<p:notes xmlns:a="http://schemas.openxmlformats.org/drawingml/2006/main" xmlns:r="http://schemas.openxmlformats.org/officeDocument/2006/relationships" xmlns:mc="http://schemas.openxmlformats.org/markup-compatibility/2006" xmlns:mv="urn:schemas-microsoft-com:mac:vml" xmlns:p="http://schemas.openxmlformats.org/presentationml/2006/main" xmlns:c="http://schemas.openxmlformats.org/drawingml/2006/chart" xmlns:dgm="http://schemas.openxmlformats.org/drawingml/2006/diagram" xmlns:o="urn:schemas-microsoft-com:office:office" xmlns:v="urn:schemas-microsoft-com:vml" xmlns:pvml="urn:schemas-microsoft-com:office:powerpoint" xmlns:com="http://schemas.openxmlformats.org/drawingml/2006/compatibility" xmlns:p14="http://schemas.microsoft.com/office/powerpoint/2010/main" xmlns:p15="http://schemas.microsoft.com/office/powerpoint/2012/main" xmlns:ahyp="http://schemas.microsoft.com/office/drawing/2018/hyperlinkcolor" showMasterPhAnim="0" showMasterSp="0">
+  <p:cSld>
+    <p:spTree>
+      <p:nvGrpSpPr>
+        <p:cNvPr id="458" name="Shape 458"/>
+        <p:cNvGrpSpPr/>
+        <p:nvPr/>
+      </p:nvGrpSpPr>
+      <p:grpSpPr>
+        <a:xfrm>
+          <a:off x="0" y="0"/>
+          <a:ext cx="0" cy="0"/>
+          <a:chOff x="0" y="0"/>
+          <a:chExt cx="0" cy="0"/>
+        </a:xfrm>
+      </p:grpSpPr>
+      <p:sp>
+        <p:nvSpPr>
+          <p:cNvPr id="459" name="Google Shape;459;g3ac905aeb36_0_48:notes"/>
+          <p:cNvSpPr/>
+          <p:nvPr>
+            <p:ph idx="2" type="sldImg"/>
+          </p:nvPr>
+        </p:nvSpPr>
+        <p:spPr>
+          <a:xfrm>
+            <a:off x="381300" y="685800"/>
+            <a:ext cx="6096000" cy="3429000"/>
+          </a:xfrm>
+          <a:custGeom>
+            <a:rect b="b" l="l" r="r" t="t"/>
+            <a:pathLst>
+              <a:path extrusionOk="0" h="120000" w="120000">
+                <a:moveTo>
+                  <a:pt x="0" y="0"/>
+                </a:moveTo>
+                <a:lnTo>
+                  <a:pt x="120000" y="0"/>
+                </a:lnTo>
+                <a:lnTo>
+                  <a:pt x="120000" y="120000"/>
+                </a:lnTo>
+                <a:lnTo>
+                  <a:pt x="0" y="120000"/>
+                </a:lnTo>
+                <a:close/>
+              </a:path>
+            </a:pathLst>
+          </a:custGeom>
+        </p:spPr>
+      </p:sp>
+      <p:sp>
+        <p:nvSpPr>
+          <p:cNvPr id="460" name="Google Shape;460;g3ac905aeb36_0_48:notes"/>
           <p:cNvSpPr txBox="1"/>
           <p:nvPr>
             <p:ph idx="1" type="body"/>
@@ -22491,7 +23991,7 @@
             <a:tbl>
               <a:tblPr>
                 <a:noFill/>
-                <a:tableStyleId>{E66AC64D-05A7-4FAB-AA68-0326A2C7EB59}</a:tableStyleId>
+                <a:tableStyleId>{801967CD-82AF-4A59-A195-959321205211}</a:tableStyleId>
               </a:tblPr>
               <a:tblGrid>
                 <a:gridCol w="561975"/>
@@ -22556,7 +24056,7 @@
             <a:tbl>
               <a:tblPr>
                 <a:noFill/>
-                <a:tableStyleId>{E66AC64D-05A7-4FAB-AA68-0326A2C7EB59}</a:tableStyleId>
+                <a:tableStyleId>{801967CD-82AF-4A59-A195-959321205211}</a:tableStyleId>
               </a:tblPr>
               <a:tblGrid>
                 <a:gridCol w="19050"/>
@@ -22604,7 +24104,7 @@
             <a:tbl>
               <a:tblPr>
                 <a:noFill/>
-                <a:tableStyleId>{E66AC64D-05A7-4FAB-AA68-0326A2C7EB59}</a:tableStyleId>
+                <a:tableStyleId>{801967CD-82AF-4A59-A195-959321205211}</a:tableStyleId>
               </a:tblPr>
               <a:tblGrid>
                 <a:gridCol w="561975"/>
@@ -22669,7 +24169,7 @@
             <a:tbl>
               <a:tblPr>
                 <a:noFill/>
-                <a:tableStyleId>{E66AC64D-05A7-4FAB-AA68-0326A2C7EB59}</a:tableStyleId>
+                <a:tableStyleId>{801967CD-82AF-4A59-A195-959321205211}</a:tableStyleId>
               </a:tblPr>
               <a:tblGrid>
                 <a:gridCol w="19050"/>
@@ -30831,6 +32331,362 @@
 </p:sld>
 </file>
 
+<file path=ppt/slides/slide49.xml><?xml version="1.0" encoding="utf-8"?>
+<p:sld xmlns:a="http://schemas.openxmlformats.org/drawingml/2006/main" xmlns:r="http://schemas.openxmlformats.org/officeDocument/2006/relationships" xmlns:mc="http://schemas.openxmlformats.org/markup-compatibility/2006" xmlns:mv="urn:schemas-microsoft-com:mac:vml" xmlns:p="http://schemas.openxmlformats.org/presentationml/2006/main" xmlns:c="http://schemas.openxmlformats.org/drawingml/2006/chart" xmlns:dgm="http://schemas.openxmlformats.org/drawingml/2006/diagram" xmlns:o="urn:schemas-microsoft-com:office:office" xmlns:v="urn:schemas-microsoft-com:vml" xmlns:pvml="urn:schemas-microsoft-com:office:powerpoint" xmlns:com="http://schemas.openxmlformats.org/drawingml/2006/compatibility" xmlns:p14="http://schemas.microsoft.com/office/powerpoint/2010/main" xmlns:p15="http://schemas.microsoft.com/office/powerpoint/2012/main" xmlns:ahyp="http://schemas.microsoft.com/office/drawing/2018/hyperlinkcolor">
+  <p:cSld>
+    <p:spTree>
+      <p:nvGrpSpPr>
+        <p:cNvPr id="377" name="Shape 377"/>
+        <p:cNvGrpSpPr/>
+        <p:nvPr/>
+      </p:nvGrpSpPr>
+      <p:grpSpPr>
+        <a:xfrm>
+          <a:off x="0" y="0"/>
+          <a:ext cx="0" cy="0"/>
+          <a:chOff x="0" y="0"/>
+          <a:chExt cx="0" cy="0"/>
+        </a:xfrm>
+      </p:grpSpPr>
+      <p:sp>
+        <p:nvSpPr>
+          <p:cNvPr id="378" name="Google Shape;378;p61"/>
+          <p:cNvSpPr txBox="1"/>
+          <p:nvPr>
+            <p:ph type="title"/>
+          </p:nvPr>
+        </p:nvSpPr>
+        <p:spPr>
+          <a:xfrm>
+            <a:off x="729450" y="1318650"/>
+            <a:ext cx="7688700" cy="535200"/>
+          </a:xfrm>
+          <a:prstGeom prst="rect">
+            <a:avLst/>
+          </a:prstGeom>
+        </p:spPr>
+        <p:txBody>
+          <a:bodyPr anchorCtr="0" anchor="t" bIns="91425" lIns="91425" spcFirstLastPara="1" rIns="91425" wrap="square" tIns="91425">
+            <a:noAutofit/>
+          </a:bodyPr>
+          <a:lstStyle/>
+          <a:p>
+            <a:pPr indent="0" lvl="0" marL="0" rtl="0" algn="l">
+              <a:spcBef>
+                <a:spcPts val="600"/>
+              </a:spcBef>
+              <a:spcAft>
+                <a:spcPts val="0"/>
+              </a:spcAft>
+              <a:buNone/>
+            </a:pPr>
+            <a:r>
+              <a:rPr lang="pl" sz="2400">
+                <a:solidFill>
+                  <a:srgbClr val="000000"/>
+                </a:solidFill>
+                <a:latin typeface="Tahoma"/>
+                <a:ea typeface="Tahoma"/>
+                <a:cs typeface="Tahoma"/>
+                <a:sym typeface="Tahoma"/>
+              </a:rPr>
+              <a:t>Szyfrowanie sieci internetowych HTTPS</a:t>
+            </a:r>
+            <a:endParaRPr sz="2400">
+              <a:latin typeface="Tahoma"/>
+              <a:ea typeface="Tahoma"/>
+              <a:cs typeface="Tahoma"/>
+              <a:sym typeface="Tahoma"/>
+            </a:endParaRPr>
+          </a:p>
+        </p:txBody>
+      </p:sp>
+      <p:sp>
+        <p:nvSpPr>
+          <p:cNvPr id="379" name="Google Shape;379;p61"/>
+          <p:cNvSpPr txBox="1"/>
+          <p:nvPr>
+            <p:ph idx="1" type="body"/>
+          </p:nvPr>
+        </p:nvSpPr>
+        <p:spPr>
+          <a:xfrm>
+            <a:off x="729450" y="2078875"/>
+            <a:ext cx="7688700" cy="2809200"/>
+          </a:xfrm>
+          <a:prstGeom prst="rect">
+            <a:avLst/>
+          </a:prstGeom>
+        </p:spPr>
+        <p:txBody>
+          <a:bodyPr anchorCtr="0" anchor="t" bIns="91425" lIns="91425" spcFirstLastPara="1" rIns="91425" wrap="square" tIns="91425">
+            <a:noAutofit/>
+          </a:bodyPr>
+          <a:lstStyle/>
+          <a:p>
+            <a:pPr indent="0" lvl="0" marL="0" rtl="0" algn="l">
+              <a:spcBef>
+                <a:spcPts val="0"/>
+              </a:spcBef>
+              <a:spcAft>
+                <a:spcPts val="0"/>
+              </a:spcAft>
+              <a:buNone/>
+            </a:pPr>
+            <a:r>
+              <a:rPr b="1" lang="pl" sz="1400">
+                <a:solidFill>
+                  <a:srgbClr val="0B5394"/>
+                </a:solidFill>
+                <a:latin typeface="Tahoma"/>
+                <a:ea typeface="Tahoma"/>
+                <a:cs typeface="Tahoma"/>
+                <a:sym typeface="Tahoma"/>
+              </a:rPr>
+              <a:t>HTTPS (Hypertext Transfer Protocol Secure)</a:t>
+            </a:r>
+            <a:r>
+              <a:rPr lang="pl" sz="1400">
+                <a:solidFill>
+                  <a:srgbClr val="0B5394"/>
+                </a:solidFill>
+                <a:latin typeface="Tahoma"/>
+                <a:ea typeface="Tahoma"/>
+                <a:cs typeface="Tahoma"/>
+                <a:sym typeface="Tahoma"/>
+              </a:rPr>
+              <a:t> </a:t>
+            </a:r>
+            <a:r>
+              <a:rPr lang="pl" sz="1400">
+                <a:solidFill>
+                  <a:srgbClr val="000000"/>
+                </a:solidFill>
+                <a:latin typeface="Tahoma"/>
+                <a:ea typeface="Tahoma"/>
+                <a:cs typeface="Tahoma"/>
+                <a:sym typeface="Tahoma"/>
+              </a:rPr>
+              <a:t>to bezpieczna wersja protokołu HTTP używana w internecie do przesyłania danych między przeglądarką a serwerem. Dzięki HTTPS komunikacja jest </a:t>
+            </a:r>
+            <a:endParaRPr sz="1400">
+              <a:solidFill>
+                <a:srgbClr val="000000"/>
+              </a:solidFill>
+              <a:latin typeface="Tahoma"/>
+              <a:ea typeface="Tahoma"/>
+              <a:cs typeface="Tahoma"/>
+              <a:sym typeface="Tahoma"/>
+            </a:endParaRPr>
+          </a:p>
+          <a:p>
+            <a:pPr indent="0" lvl="0" marL="457200" rtl="0" algn="l">
+              <a:spcBef>
+                <a:spcPts val="1200"/>
+              </a:spcBef>
+              <a:spcAft>
+                <a:spcPts val="0"/>
+              </a:spcAft>
+              <a:buNone/>
+            </a:pPr>
+            <a:r>
+              <a:rPr b="1" lang="pl" sz="1400">
+                <a:solidFill>
+                  <a:srgbClr val="000000"/>
+                </a:solidFill>
+                <a:latin typeface="Tahoma"/>
+                <a:ea typeface="Tahoma"/>
+                <a:cs typeface="Tahoma"/>
+                <a:sym typeface="Tahoma"/>
+              </a:rPr>
+              <a:t>szyfrowana</a:t>
+            </a:r>
+            <a:r>
+              <a:rPr lang="pl" sz="1400">
+                <a:solidFill>
+                  <a:srgbClr val="000000"/>
+                </a:solidFill>
+                <a:latin typeface="Tahoma"/>
+                <a:ea typeface="Tahoma"/>
+                <a:cs typeface="Tahoma"/>
+                <a:sym typeface="Tahoma"/>
+              </a:rPr>
+              <a:t>, </a:t>
+            </a:r>
+            <a:endParaRPr sz="1400">
+              <a:solidFill>
+                <a:srgbClr val="000000"/>
+              </a:solidFill>
+              <a:latin typeface="Tahoma"/>
+              <a:ea typeface="Tahoma"/>
+              <a:cs typeface="Tahoma"/>
+              <a:sym typeface="Tahoma"/>
+            </a:endParaRPr>
+          </a:p>
+          <a:p>
+            <a:pPr indent="0" lvl="0" marL="457200" rtl="0" algn="l">
+              <a:spcBef>
+                <a:spcPts val="1200"/>
+              </a:spcBef>
+              <a:spcAft>
+                <a:spcPts val="0"/>
+              </a:spcAft>
+              <a:buNone/>
+            </a:pPr>
+            <a:r>
+              <a:rPr b="1" lang="pl" sz="1400">
+                <a:solidFill>
+                  <a:srgbClr val="000000"/>
+                </a:solidFill>
+                <a:latin typeface="Tahoma"/>
+                <a:ea typeface="Tahoma"/>
+                <a:cs typeface="Tahoma"/>
+                <a:sym typeface="Tahoma"/>
+              </a:rPr>
+              <a:t>uwierzytelniana </a:t>
+            </a:r>
+            <a:endParaRPr sz="1400">
+              <a:solidFill>
+                <a:srgbClr val="000000"/>
+              </a:solidFill>
+              <a:latin typeface="Tahoma"/>
+              <a:ea typeface="Tahoma"/>
+              <a:cs typeface="Tahoma"/>
+              <a:sym typeface="Tahoma"/>
+            </a:endParaRPr>
+          </a:p>
+          <a:p>
+            <a:pPr indent="0" lvl="0" marL="457200" rtl="0" algn="l">
+              <a:spcBef>
+                <a:spcPts val="1200"/>
+              </a:spcBef>
+              <a:spcAft>
+                <a:spcPts val="0"/>
+              </a:spcAft>
+              <a:buNone/>
+            </a:pPr>
+            <a:r>
+              <a:rPr b="1" lang="pl" sz="1400">
+                <a:solidFill>
+                  <a:srgbClr val="000000"/>
+                </a:solidFill>
+                <a:latin typeface="Tahoma"/>
+                <a:ea typeface="Tahoma"/>
+                <a:cs typeface="Tahoma"/>
+                <a:sym typeface="Tahoma"/>
+              </a:rPr>
+              <a:t>integralna</a:t>
+            </a:r>
+            <a:r>
+              <a:rPr lang="pl" sz="1400">
+                <a:solidFill>
+                  <a:srgbClr val="000000"/>
+                </a:solidFill>
+                <a:latin typeface="Tahoma"/>
+                <a:ea typeface="Tahoma"/>
+                <a:cs typeface="Tahoma"/>
+                <a:sym typeface="Tahoma"/>
+              </a:rPr>
+              <a:t>, </a:t>
+            </a:r>
+            <a:endParaRPr sz="1400">
+              <a:solidFill>
+                <a:srgbClr val="000000"/>
+              </a:solidFill>
+              <a:latin typeface="Tahoma"/>
+              <a:ea typeface="Tahoma"/>
+              <a:cs typeface="Tahoma"/>
+              <a:sym typeface="Tahoma"/>
+            </a:endParaRPr>
+          </a:p>
+          <a:p>
+            <a:pPr indent="0" lvl="0" marL="0" rtl="0" algn="l">
+              <a:spcBef>
+                <a:spcPts val="1200"/>
+              </a:spcBef>
+              <a:spcAft>
+                <a:spcPts val="0"/>
+              </a:spcAft>
+              <a:buNone/>
+            </a:pPr>
+            <a:r>
+              <a:rPr lang="pl" sz="1400">
+                <a:solidFill>
+                  <a:srgbClr val="000000"/>
+                </a:solidFill>
+                <a:latin typeface="Tahoma"/>
+                <a:ea typeface="Tahoma"/>
+                <a:cs typeface="Tahoma"/>
+                <a:sym typeface="Tahoma"/>
+              </a:rPr>
+              <a:t>co zapewnia ochronę danych użytkownika.</a:t>
+            </a:r>
+            <a:endParaRPr sz="1400">
+              <a:solidFill>
+                <a:srgbClr val="000000"/>
+              </a:solidFill>
+              <a:latin typeface="Tahoma"/>
+              <a:ea typeface="Tahoma"/>
+              <a:cs typeface="Tahoma"/>
+              <a:sym typeface="Tahoma"/>
+            </a:endParaRPr>
+          </a:p>
+          <a:p>
+            <a:pPr indent="0" lvl="0" marL="0" rtl="0" algn="l">
+              <a:spcBef>
+                <a:spcPts val="1200"/>
+              </a:spcBef>
+              <a:spcAft>
+                <a:spcPts val="0"/>
+              </a:spcAft>
+              <a:buNone/>
+            </a:pPr>
+            <a:r>
+              <a:t/>
+            </a:r>
+            <a:endParaRPr sz="1400">
+              <a:solidFill>
+                <a:srgbClr val="000000"/>
+              </a:solidFill>
+              <a:latin typeface="Tahoma"/>
+              <a:ea typeface="Tahoma"/>
+              <a:cs typeface="Tahoma"/>
+              <a:sym typeface="Tahoma"/>
+            </a:endParaRPr>
+          </a:p>
+          <a:p>
+            <a:pPr indent="0" lvl="0" marL="0" rtl="0" algn="l">
+              <a:spcBef>
+                <a:spcPts val="1200"/>
+              </a:spcBef>
+              <a:spcAft>
+                <a:spcPts val="1200"/>
+              </a:spcAft>
+              <a:buNone/>
+            </a:pPr>
+            <a:r>
+              <a:t/>
+            </a:r>
+            <a:endParaRPr sz="1400">
+              <a:solidFill>
+                <a:srgbClr val="000000"/>
+              </a:solidFill>
+              <a:latin typeface="Tahoma"/>
+              <a:ea typeface="Tahoma"/>
+              <a:cs typeface="Tahoma"/>
+              <a:sym typeface="Tahoma"/>
+            </a:endParaRPr>
+          </a:p>
+        </p:txBody>
+      </p:sp>
+    </p:spTree>
+  </p:cSld>
+  <p:clrMapOvr>
+    <a:masterClrMapping/>
+  </p:clrMapOvr>
+</p:sld>
+</file>
+
 <file path=ppt/slides/slide5.xml><?xml version="1.0" encoding="utf-8"?>
 <p:sld xmlns:a="http://schemas.openxmlformats.org/drawingml/2006/main" xmlns:r="http://schemas.openxmlformats.org/officeDocument/2006/relationships" xmlns:mc="http://schemas.openxmlformats.org/markup-compatibility/2006" xmlns:mv="urn:schemas-microsoft-com:mac:vml" xmlns:p="http://schemas.openxmlformats.org/presentationml/2006/main" xmlns:c="http://schemas.openxmlformats.org/drawingml/2006/chart" xmlns:dgm="http://schemas.openxmlformats.org/drawingml/2006/diagram" xmlns:o="urn:schemas-microsoft-com:office:office" xmlns:v="urn:schemas-microsoft-com:vml" xmlns:pvml="urn:schemas-microsoft-com:office:powerpoint" xmlns:com="http://schemas.openxmlformats.org/drawingml/2006/compatibility" xmlns:p14="http://schemas.microsoft.com/office/powerpoint/2010/main" xmlns:p15="http://schemas.microsoft.com/office/powerpoint/2012/main" xmlns:ahyp="http://schemas.microsoft.com/office/drawing/2018/hyperlinkcolor">
   <p:cSld>
@@ -31166,6 +33022,4324 @@
               <a:cs typeface="Tahoma"/>
               <a:sym typeface="Tahoma"/>
             </a:endParaRPr>
+          </a:p>
+        </p:txBody>
+      </p:sp>
+    </p:spTree>
+  </p:cSld>
+  <p:clrMapOvr>
+    <a:masterClrMapping/>
+  </p:clrMapOvr>
+</p:sld>
+</file>
+
+<file path=ppt/slides/slide50.xml><?xml version="1.0" encoding="utf-8"?>
+<p:sld xmlns:a="http://schemas.openxmlformats.org/drawingml/2006/main" xmlns:r="http://schemas.openxmlformats.org/officeDocument/2006/relationships" xmlns:mc="http://schemas.openxmlformats.org/markup-compatibility/2006" xmlns:mv="urn:schemas-microsoft-com:mac:vml" xmlns:p="http://schemas.openxmlformats.org/presentationml/2006/main" xmlns:c="http://schemas.openxmlformats.org/drawingml/2006/chart" xmlns:dgm="http://schemas.openxmlformats.org/drawingml/2006/diagram" xmlns:o="urn:schemas-microsoft-com:office:office" xmlns:v="urn:schemas-microsoft-com:vml" xmlns:pvml="urn:schemas-microsoft-com:office:powerpoint" xmlns:com="http://schemas.openxmlformats.org/drawingml/2006/compatibility" xmlns:p14="http://schemas.microsoft.com/office/powerpoint/2010/main" xmlns:p15="http://schemas.microsoft.com/office/powerpoint/2012/main" xmlns:ahyp="http://schemas.microsoft.com/office/drawing/2018/hyperlinkcolor">
+  <p:cSld>
+    <p:spTree>
+      <p:nvGrpSpPr>
+        <p:cNvPr id="383" name="Shape 383"/>
+        <p:cNvGrpSpPr/>
+        <p:nvPr/>
+      </p:nvGrpSpPr>
+      <p:grpSpPr>
+        <a:xfrm>
+          <a:off x="0" y="0"/>
+          <a:ext cx="0" cy="0"/>
+          <a:chOff x="0" y="0"/>
+          <a:chExt cx="0" cy="0"/>
+        </a:xfrm>
+      </p:grpSpPr>
+      <p:sp>
+        <p:nvSpPr>
+          <p:cNvPr id="384" name="Google Shape;384;p62"/>
+          <p:cNvSpPr txBox="1"/>
+          <p:nvPr>
+            <p:ph type="title"/>
+          </p:nvPr>
+        </p:nvSpPr>
+        <p:spPr>
+          <a:xfrm>
+            <a:off x="729450" y="1318650"/>
+            <a:ext cx="7688700" cy="535200"/>
+          </a:xfrm>
+          <a:prstGeom prst="rect">
+            <a:avLst/>
+          </a:prstGeom>
+        </p:spPr>
+        <p:txBody>
+          <a:bodyPr anchorCtr="0" anchor="t" bIns="91425" lIns="91425" spcFirstLastPara="1" rIns="91425" wrap="square" tIns="91425">
+            <a:normAutofit fontScale="90000"/>
+          </a:bodyPr>
+          <a:lstStyle/>
+          <a:p>
+            <a:pPr indent="0" lvl="0" marL="0" rtl="0" algn="l">
+              <a:spcBef>
+                <a:spcPts val="0"/>
+              </a:spcBef>
+              <a:spcAft>
+                <a:spcPts val="0"/>
+              </a:spcAft>
+              <a:buNone/>
+            </a:pPr>
+            <a:r>
+              <a:rPr lang="pl"/>
+              <a:t>Co daje HTTPS?</a:t>
+            </a:r>
+            <a:endParaRPr/>
+          </a:p>
+        </p:txBody>
+      </p:sp>
+      <p:sp>
+        <p:nvSpPr>
+          <p:cNvPr id="385" name="Google Shape;385;p62"/>
+          <p:cNvSpPr txBox="1"/>
+          <p:nvPr>
+            <p:ph idx="1" type="body"/>
+          </p:nvPr>
+        </p:nvSpPr>
+        <p:spPr>
+          <a:xfrm>
+            <a:off x="729450" y="2078875"/>
+            <a:ext cx="8263800" cy="2844900"/>
+          </a:xfrm>
+          <a:prstGeom prst="rect">
+            <a:avLst/>
+          </a:prstGeom>
+        </p:spPr>
+        <p:txBody>
+          <a:bodyPr anchorCtr="0" anchor="t" bIns="91425" lIns="91425" spcFirstLastPara="1" rIns="91425" wrap="square" tIns="91425">
+            <a:noAutofit/>
+          </a:bodyPr>
+          <a:lstStyle/>
+          <a:p>
+            <a:pPr indent="0" lvl="0" marL="0" rtl="0" algn="l">
+              <a:lnSpc>
+                <a:spcPct val="100000"/>
+              </a:lnSpc>
+              <a:spcBef>
+                <a:spcPts val="0"/>
+              </a:spcBef>
+              <a:spcAft>
+                <a:spcPts val="0"/>
+              </a:spcAft>
+              <a:buNone/>
+            </a:pPr>
+            <a:r>
+              <a:rPr b="1" lang="pl" sz="1400">
+                <a:solidFill>
+                  <a:srgbClr val="0B5394"/>
+                </a:solidFill>
+                <a:latin typeface="Tahoma"/>
+                <a:ea typeface="Tahoma"/>
+                <a:cs typeface="Tahoma"/>
+                <a:sym typeface="Tahoma"/>
+              </a:rPr>
+              <a:t>Szyfrowanie (encryption)</a:t>
+            </a:r>
+            <a:endParaRPr b="1" sz="1400">
+              <a:solidFill>
+                <a:srgbClr val="0B5394"/>
+              </a:solidFill>
+              <a:latin typeface="Tahoma"/>
+              <a:ea typeface="Tahoma"/>
+              <a:cs typeface="Tahoma"/>
+              <a:sym typeface="Tahoma"/>
+            </a:endParaRPr>
+          </a:p>
+          <a:p>
+            <a:pPr indent="0" lvl="0" marL="0" rtl="0" algn="l">
+              <a:lnSpc>
+                <a:spcPct val="100000"/>
+              </a:lnSpc>
+              <a:spcBef>
+                <a:spcPts val="0"/>
+              </a:spcBef>
+              <a:spcAft>
+                <a:spcPts val="0"/>
+              </a:spcAft>
+              <a:buNone/>
+            </a:pPr>
+            <a:r>
+              <a:rPr lang="pl" sz="1400">
+                <a:solidFill>
+                  <a:srgbClr val="000000"/>
+                </a:solidFill>
+                <a:latin typeface="Tahoma"/>
+                <a:ea typeface="Tahoma"/>
+                <a:cs typeface="Tahoma"/>
+                <a:sym typeface="Tahoma"/>
+              </a:rPr>
+              <a:t>Dane przesyłane między przeglądarką a serwerem są zaszyfrowane przy pomocy protokołu </a:t>
+            </a:r>
+            <a:r>
+              <a:rPr b="1" lang="pl" sz="1400">
+                <a:solidFill>
+                  <a:srgbClr val="741B47"/>
+                </a:solidFill>
+                <a:latin typeface="Tahoma"/>
+                <a:ea typeface="Tahoma"/>
+                <a:cs typeface="Tahoma"/>
+                <a:sym typeface="Tahoma"/>
+              </a:rPr>
+              <a:t>TLS (Transport Layer Security)</a:t>
+            </a:r>
+            <a:r>
+              <a:rPr lang="pl" sz="1400">
+                <a:solidFill>
+                  <a:srgbClr val="741B47"/>
+                </a:solidFill>
+                <a:latin typeface="Tahoma"/>
+                <a:ea typeface="Tahoma"/>
+                <a:cs typeface="Tahoma"/>
+                <a:sym typeface="Tahoma"/>
+              </a:rPr>
+              <a:t>. </a:t>
+            </a:r>
+            <a:r>
+              <a:rPr lang="pl" sz="1400">
+                <a:solidFill>
+                  <a:srgbClr val="000000"/>
+                </a:solidFill>
+                <a:latin typeface="Tahoma"/>
+                <a:ea typeface="Tahoma"/>
+                <a:cs typeface="Tahoma"/>
+                <a:sym typeface="Tahoma"/>
+              </a:rPr>
+              <a:t>Nawet jeśli ktoś przechwyci ruch sieciowy – zobaczy tylko zaszyfrowane, bezużyteczne dane.</a:t>
+            </a:r>
+            <a:endParaRPr sz="1400">
+              <a:solidFill>
+                <a:srgbClr val="000000"/>
+              </a:solidFill>
+              <a:latin typeface="Tahoma"/>
+              <a:ea typeface="Tahoma"/>
+              <a:cs typeface="Tahoma"/>
+              <a:sym typeface="Tahoma"/>
+            </a:endParaRPr>
+          </a:p>
+          <a:p>
+            <a:pPr indent="0" lvl="0" marL="0" rtl="0" algn="l">
+              <a:lnSpc>
+                <a:spcPct val="100000"/>
+              </a:lnSpc>
+              <a:spcBef>
+                <a:spcPts val="0"/>
+              </a:spcBef>
+              <a:spcAft>
+                <a:spcPts val="0"/>
+              </a:spcAft>
+              <a:buNone/>
+            </a:pPr>
+            <a:r>
+              <a:t/>
+            </a:r>
+            <a:endParaRPr sz="1400">
+              <a:solidFill>
+                <a:srgbClr val="000000"/>
+              </a:solidFill>
+              <a:latin typeface="Tahoma"/>
+              <a:ea typeface="Tahoma"/>
+              <a:cs typeface="Tahoma"/>
+              <a:sym typeface="Tahoma"/>
+            </a:endParaRPr>
+          </a:p>
+          <a:p>
+            <a:pPr indent="0" lvl="0" marL="0" rtl="0" algn="l">
+              <a:lnSpc>
+                <a:spcPct val="100000"/>
+              </a:lnSpc>
+              <a:spcBef>
+                <a:spcPts val="0"/>
+              </a:spcBef>
+              <a:spcAft>
+                <a:spcPts val="0"/>
+              </a:spcAft>
+              <a:buNone/>
+            </a:pPr>
+            <a:r>
+              <a:rPr b="1" lang="pl" sz="1400">
+                <a:solidFill>
+                  <a:srgbClr val="0B5394"/>
+                </a:solidFill>
+                <a:latin typeface="Tahoma"/>
+                <a:ea typeface="Tahoma"/>
+                <a:cs typeface="Tahoma"/>
+                <a:sym typeface="Tahoma"/>
+              </a:rPr>
+              <a:t>Uwierzytelnienie (authentication)</a:t>
+            </a:r>
+            <a:endParaRPr b="1" sz="1400">
+              <a:solidFill>
+                <a:srgbClr val="0B5394"/>
+              </a:solidFill>
+              <a:latin typeface="Tahoma"/>
+              <a:ea typeface="Tahoma"/>
+              <a:cs typeface="Tahoma"/>
+              <a:sym typeface="Tahoma"/>
+            </a:endParaRPr>
+          </a:p>
+          <a:p>
+            <a:pPr indent="0" lvl="0" marL="0" rtl="0" algn="l">
+              <a:lnSpc>
+                <a:spcPct val="100000"/>
+              </a:lnSpc>
+              <a:spcBef>
+                <a:spcPts val="0"/>
+              </a:spcBef>
+              <a:spcAft>
+                <a:spcPts val="0"/>
+              </a:spcAft>
+              <a:buNone/>
+            </a:pPr>
+            <a:r>
+              <a:rPr b="1" lang="pl" sz="1400">
+                <a:solidFill>
+                  <a:srgbClr val="741B47"/>
+                </a:solidFill>
+                <a:latin typeface="Tahoma"/>
+                <a:ea typeface="Tahoma"/>
+                <a:cs typeface="Tahoma"/>
+                <a:sym typeface="Tahoma"/>
+              </a:rPr>
+              <a:t>Certyfikat SSL/TLS </a:t>
+            </a:r>
+            <a:r>
+              <a:rPr lang="pl" sz="1400">
+                <a:solidFill>
+                  <a:srgbClr val="000000"/>
+                </a:solidFill>
+                <a:latin typeface="Tahoma"/>
+                <a:ea typeface="Tahoma"/>
+                <a:cs typeface="Tahoma"/>
+                <a:sym typeface="Tahoma"/>
+              </a:rPr>
+              <a:t>potwierdza, że strona, z którą się łączysz, jest prawdziwa i należy do właściwej firmy lub osoby</a:t>
+            </a:r>
+            <a:endParaRPr sz="1400">
+              <a:solidFill>
+                <a:srgbClr val="000000"/>
+              </a:solidFill>
+              <a:latin typeface="Tahoma"/>
+              <a:ea typeface="Tahoma"/>
+              <a:cs typeface="Tahoma"/>
+              <a:sym typeface="Tahoma"/>
+            </a:endParaRPr>
+          </a:p>
+          <a:p>
+            <a:pPr indent="0" lvl="0" marL="0" rtl="0" algn="l">
+              <a:lnSpc>
+                <a:spcPct val="100000"/>
+              </a:lnSpc>
+              <a:spcBef>
+                <a:spcPts val="0"/>
+              </a:spcBef>
+              <a:spcAft>
+                <a:spcPts val="0"/>
+              </a:spcAft>
+              <a:buNone/>
+            </a:pPr>
+            <a:r>
+              <a:t/>
+            </a:r>
+            <a:endParaRPr sz="1400">
+              <a:solidFill>
+                <a:srgbClr val="000000"/>
+              </a:solidFill>
+              <a:latin typeface="Tahoma"/>
+              <a:ea typeface="Tahoma"/>
+              <a:cs typeface="Tahoma"/>
+              <a:sym typeface="Tahoma"/>
+            </a:endParaRPr>
+          </a:p>
+          <a:p>
+            <a:pPr indent="0" lvl="0" marL="0" rtl="0" algn="l">
+              <a:lnSpc>
+                <a:spcPct val="100000"/>
+              </a:lnSpc>
+              <a:spcBef>
+                <a:spcPts val="0"/>
+              </a:spcBef>
+              <a:spcAft>
+                <a:spcPts val="0"/>
+              </a:spcAft>
+              <a:buNone/>
+            </a:pPr>
+            <a:r>
+              <a:rPr b="1" lang="pl" sz="1400">
+                <a:solidFill>
+                  <a:srgbClr val="0B5394"/>
+                </a:solidFill>
+                <a:latin typeface="Tahoma"/>
+                <a:ea typeface="Tahoma"/>
+                <a:cs typeface="Tahoma"/>
+                <a:sym typeface="Tahoma"/>
+              </a:rPr>
+              <a:t>Integralność danych</a:t>
+            </a:r>
+            <a:endParaRPr b="1" sz="1400">
+              <a:solidFill>
+                <a:srgbClr val="0B5394"/>
+              </a:solidFill>
+              <a:latin typeface="Tahoma"/>
+              <a:ea typeface="Tahoma"/>
+              <a:cs typeface="Tahoma"/>
+              <a:sym typeface="Tahoma"/>
+            </a:endParaRPr>
+          </a:p>
+          <a:p>
+            <a:pPr indent="0" lvl="0" marL="0" rtl="0" algn="l">
+              <a:lnSpc>
+                <a:spcPct val="100000"/>
+              </a:lnSpc>
+              <a:spcBef>
+                <a:spcPts val="0"/>
+              </a:spcBef>
+              <a:spcAft>
+                <a:spcPts val="0"/>
+              </a:spcAft>
+              <a:buNone/>
+            </a:pPr>
+            <a:r>
+              <a:rPr b="1" lang="pl" sz="1400">
+                <a:solidFill>
+                  <a:srgbClr val="741B47"/>
+                </a:solidFill>
+                <a:latin typeface="Tahoma"/>
+                <a:ea typeface="Tahoma"/>
+                <a:cs typeface="Tahoma"/>
+                <a:sym typeface="Tahoma"/>
+              </a:rPr>
+              <a:t>Zapewnia, że dane nie zostały zmienione po drodze</a:t>
+            </a:r>
+            <a:r>
+              <a:rPr lang="pl" sz="1400">
+                <a:solidFill>
+                  <a:srgbClr val="000000"/>
+                </a:solidFill>
+                <a:latin typeface="Tahoma"/>
+                <a:ea typeface="Tahoma"/>
+                <a:cs typeface="Tahoma"/>
+                <a:sym typeface="Tahoma"/>
+              </a:rPr>
+              <a:t> – nikt nie może ich potajemnie edytować, podmienić ani wstrzyknąć złośliwy kod.</a:t>
+            </a:r>
+            <a:endParaRPr sz="1400">
+              <a:solidFill>
+                <a:srgbClr val="000000"/>
+              </a:solidFill>
+              <a:latin typeface="Tahoma"/>
+              <a:ea typeface="Tahoma"/>
+              <a:cs typeface="Tahoma"/>
+              <a:sym typeface="Tahoma"/>
+            </a:endParaRPr>
+          </a:p>
+          <a:p>
+            <a:pPr indent="0" lvl="0" marL="0" rtl="0" algn="l">
+              <a:lnSpc>
+                <a:spcPct val="100000"/>
+              </a:lnSpc>
+              <a:spcBef>
+                <a:spcPts val="0"/>
+              </a:spcBef>
+              <a:spcAft>
+                <a:spcPts val="0"/>
+              </a:spcAft>
+              <a:buNone/>
+            </a:pPr>
+            <a:r>
+              <a:t/>
+            </a:r>
+            <a:endParaRPr sz="1400">
+              <a:solidFill>
+                <a:srgbClr val="000000"/>
+              </a:solidFill>
+              <a:latin typeface="Tahoma"/>
+              <a:ea typeface="Tahoma"/>
+              <a:cs typeface="Tahoma"/>
+              <a:sym typeface="Tahoma"/>
+            </a:endParaRPr>
+          </a:p>
+        </p:txBody>
+      </p:sp>
+    </p:spTree>
+  </p:cSld>
+  <p:clrMapOvr>
+    <a:masterClrMapping/>
+  </p:clrMapOvr>
+</p:sld>
+</file>
+
+<file path=ppt/slides/slide51.xml><?xml version="1.0" encoding="utf-8"?>
+<p:sld xmlns:a="http://schemas.openxmlformats.org/drawingml/2006/main" xmlns:r="http://schemas.openxmlformats.org/officeDocument/2006/relationships" xmlns:mc="http://schemas.openxmlformats.org/markup-compatibility/2006" xmlns:mv="urn:schemas-microsoft-com:mac:vml" xmlns:p="http://schemas.openxmlformats.org/presentationml/2006/main" xmlns:c="http://schemas.openxmlformats.org/drawingml/2006/chart" xmlns:dgm="http://schemas.openxmlformats.org/drawingml/2006/diagram" xmlns:o="urn:schemas-microsoft-com:office:office" xmlns:v="urn:schemas-microsoft-com:vml" xmlns:pvml="urn:schemas-microsoft-com:office:powerpoint" xmlns:com="http://schemas.openxmlformats.org/drawingml/2006/compatibility" xmlns:p14="http://schemas.microsoft.com/office/powerpoint/2010/main" xmlns:p15="http://schemas.microsoft.com/office/powerpoint/2012/main" xmlns:ahyp="http://schemas.microsoft.com/office/drawing/2018/hyperlinkcolor">
+  <p:cSld>
+    <p:spTree>
+      <p:nvGrpSpPr>
+        <p:cNvPr id="389" name="Shape 389"/>
+        <p:cNvGrpSpPr/>
+        <p:nvPr/>
+      </p:nvGrpSpPr>
+      <p:grpSpPr>
+        <a:xfrm>
+          <a:off x="0" y="0"/>
+          <a:ext cx="0" cy="0"/>
+          <a:chOff x="0" y="0"/>
+          <a:chExt cx="0" cy="0"/>
+        </a:xfrm>
+      </p:grpSpPr>
+      <p:sp>
+        <p:nvSpPr>
+          <p:cNvPr id="390" name="Google Shape;390;p63"/>
+          <p:cNvSpPr txBox="1"/>
+          <p:nvPr>
+            <p:ph type="title"/>
+          </p:nvPr>
+        </p:nvSpPr>
+        <p:spPr>
+          <a:xfrm>
+            <a:off x="729450" y="1318650"/>
+            <a:ext cx="7688700" cy="535200"/>
+          </a:xfrm>
+          <a:prstGeom prst="rect">
+            <a:avLst/>
+          </a:prstGeom>
+        </p:spPr>
+        <p:txBody>
+          <a:bodyPr anchorCtr="0" anchor="t" bIns="91425" lIns="91425" spcFirstLastPara="1" rIns="91425" wrap="square" tIns="91425">
+            <a:noAutofit/>
+          </a:bodyPr>
+          <a:lstStyle/>
+          <a:p>
+            <a:pPr indent="0" lvl="0" marL="0" rtl="0" algn="l">
+              <a:spcBef>
+                <a:spcPts val="600"/>
+              </a:spcBef>
+              <a:spcAft>
+                <a:spcPts val="0"/>
+              </a:spcAft>
+              <a:buNone/>
+            </a:pPr>
+            <a:r>
+              <a:rPr lang="pl" sz="2400">
+                <a:solidFill>
+                  <a:srgbClr val="000000"/>
+                </a:solidFill>
+                <a:latin typeface="Tahoma"/>
+                <a:ea typeface="Tahoma"/>
+                <a:cs typeface="Tahoma"/>
+                <a:sym typeface="Tahoma"/>
+              </a:rPr>
+              <a:t>Certyfikaty internetowe</a:t>
+            </a:r>
+            <a:endParaRPr sz="2400">
+              <a:latin typeface="Tahoma"/>
+              <a:ea typeface="Tahoma"/>
+              <a:cs typeface="Tahoma"/>
+              <a:sym typeface="Tahoma"/>
+            </a:endParaRPr>
+          </a:p>
+        </p:txBody>
+      </p:sp>
+      <p:sp>
+        <p:nvSpPr>
+          <p:cNvPr id="391" name="Google Shape;391;p63"/>
+          <p:cNvSpPr txBox="1"/>
+          <p:nvPr>
+            <p:ph idx="1" type="body"/>
+          </p:nvPr>
+        </p:nvSpPr>
+        <p:spPr>
+          <a:xfrm>
+            <a:off x="729450" y="2078875"/>
+            <a:ext cx="7688700" cy="2261100"/>
+          </a:xfrm>
+          <a:prstGeom prst="rect">
+            <a:avLst/>
+          </a:prstGeom>
+        </p:spPr>
+        <p:txBody>
+          <a:bodyPr anchorCtr="0" anchor="t" bIns="91425" lIns="91425" spcFirstLastPara="1" rIns="91425" wrap="square" tIns="91425">
+            <a:normAutofit/>
+          </a:bodyPr>
+          <a:lstStyle/>
+          <a:p>
+            <a:pPr indent="0" lvl="0" marL="0" rtl="0" algn="l">
+              <a:spcBef>
+                <a:spcPts val="0"/>
+              </a:spcBef>
+              <a:spcAft>
+                <a:spcPts val="0"/>
+              </a:spcAft>
+              <a:buNone/>
+            </a:pPr>
+            <a:r>
+              <a:rPr b="1" lang="pl" sz="1400">
+                <a:solidFill>
+                  <a:srgbClr val="274E13"/>
+                </a:solidFill>
+                <a:latin typeface="Tahoma"/>
+                <a:ea typeface="Tahoma"/>
+                <a:cs typeface="Tahoma"/>
+                <a:sym typeface="Tahoma"/>
+              </a:rPr>
+              <a:t>Certyfikaty internetowe</a:t>
+            </a:r>
+            <a:r>
+              <a:rPr lang="pl" sz="1400">
+                <a:solidFill>
+                  <a:srgbClr val="000000"/>
+                </a:solidFill>
+                <a:latin typeface="Tahoma"/>
+                <a:ea typeface="Tahoma"/>
+                <a:cs typeface="Tahoma"/>
+                <a:sym typeface="Tahoma"/>
+              </a:rPr>
+              <a:t> (zwane także </a:t>
+            </a:r>
+            <a:r>
+              <a:rPr b="1" lang="pl" sz="1400">
+                <a:solidFill>
+                  <a:srgbClr val="000000"/>
+                </a:solidFill>
+                <a:latin typeface="Tahoma"/>
+                <a:ea typeface="Tahoma"/>
+                <a:cs typeface="Tahoma"/>
+                <a:sym typeface="Tahoma"/>
+              </a:rPr>
+              <a:t>certyfikatami cyfrowymi</a:t>
+            </a:r>
+            <a:r>
+              <a:rPr lang="pl" sz="1400">
+                <a:solidFill>
+                  <a:srgbClr val="000000"/>
+                </a:solidFill>
+                <a:latin typeface="Tahoma"/>
+                <a:ea typeface="Tahoma"/>
+                <a:cs typeface="Tahoma"/>
+                <a:sym typeface="Tahoma"/>
+              </a:rPr>
+              <a:t>, </a:t>
+            </a:r>
+            <a:r>
+              <a:rPr b="1" lang="pl" sz="1400">
+                <a:solidFill>
+                  <a:srgbClr val="000000"/>
+                </a:solidFill>
+                <a:latin typeface="Tahoma"/>
+                <a:ea typeface="Tahoma"/>
+                <a:cs typeface="Tahoma"/>
+                <a:sym typeface="Tahoma"/>
+              </a:rPr>
+              <a:t>SSL/TLS certyfikatami</a:t>
+            </a:r>
+            <a:r>
+              <a:rPr lang="pl" sz="1400">
+                <a:solidFill>
+                  <a:srgbClr val="000000"/>
+                </a:solidFill>
+                <a:latin typeface="Tahoma"/>
+                <a:ea typeface="Tahoma"/>
+                <a:cs typeface="Tahoma"/>
+                <a:sym typeface="Tahoma"/>
+              </a:rPr>
+              <a:t>) to specjalne elektroniczne dokumenty, które służą do </a:t>
+            </a:r>
+            <a:r>
+              <a:rPr b="1" lang="pl" sz="1400">
+                <a:solidFill>
+                  <a:srgbClr val="274E13"/>
+                </a:solidFill>
+                <a:latin typeface="Tahoma"/>
+                <a:ea typeface="Tahoma"/>
+                <a:cs typeface="Tahoma"/>
+                <a:sym typeface="Tahoma"/>
+              </a:rPr>
+              <a:t>potwierdzania tożsamości stron w internecie</a:t>
+            </a:r>
+            <a:r>
+              <a:rPr lang="pl" sz="1400">
+                <a:solidFill>
+                  <a:srgbClr val="274E13"/>
+                </a:solidFill>
+                <a:latin typeface="Tahoma"/>
+                <a:ea typeface="Tahoma"/>
+                <a:cs typeface="Tahoma"/>
+                <a:sym typeface="Tahoma"/>
+              </a:rPr>
+              <a:t> oraz </a:t>
+            </a:r>
+            <a:r>
+              <a:rPr b="1" lang="pl" sz="1400">
+                <a:solidFill>
+                  <a:srgbClr val="274E13"/>
+                </a:solidFill>
+                <a:latin typeface="Tahoma"/>
+                <a:ea typeface="Tahoma"/>
+                <a:cs typeface="Tahoma"/>
+                <a:sym typeface="Tahoma"/>
+              </a:rPr>
+              <a:t>umożliwiają bezpieczne, szyfrowane połączenia</a:t>
+            </a:r>
+            <a:r>
+              <a:rPr lang="pl" sz="1400">
+                <a:solidFill>
+                  <a:srgbClr val="274E13"/>
+                </a:solidFill>
+                <a:latin typeface="Tahoma"/>
+                <a:ea typeface="Tahoma"/>
+                <a:cs typeface="Tahoma"/>
+                <a:sym typeface="Tahoma"/>
+              </a:rPr>
+              <a:t> między użytkownikiem a serwerem.</a:t>
+            </a:r>
+            <a:endParaRPr sz="1400">
+              <a:solidFill>
+                <a:srgbClr val="274E13"/>
+              </a:solidFill>
+              <a:latin typeface="Tahoma"/>
+              <a:ea typeface="Tahoma"/>
+              <a:cs typeface="Tahoma"/>
+              <a:sym typeface="Tahoma"/>
+            </a:endParaRPr>
+          </a:p>
+          <a:p>
+            <a:pPr indent="0" lvl="0" marL="0" rtl="0" algn="l">
+              <a:spcBef>
+                <a:spcPts val="1200"/>
+              </a:spcBef>
+              <a:spcAft>
+                <a:spcPts val="0"/>
+              </a:spcAft>
+              <a:buNone/>
+            </a:pPr>
+            <a:r>
+              <a:rPr lang="pl" sz="1400">
+                <a:solidFill>
+                  <a:srgbClr val="274E13"/>
+                </a:solidFill>
+                <a:latin typeface="Tahoma"/>
+                <a:ea typeface="Tahoma"/>
+                <a:cs typeface="Tahoma"/>
+                <a:sym typeface="Tahoma"/>
+              </a:rPr>
+              <a:t>Jest oparty na standardzie X.509 i zawiera zestaw kluczowych informacji, które służą do weryfikacji tożsamości serwera oraz umożliwienia szyfrowania danych.</a:t>
+            </a:r>
+            <a:endParaRPr sz="1400">
+              <a:solidFill>
+                <a:srgbClr val="274E13"/>
+              </a:solidFill>
+              <a:latin typeface="Tahoma"/>
+              <a:ea typeface="Tahoma"/>
+              <a:cs typeface="Tahoma"/>
+              <a:sym typeface="Tahoma"/>
+            </a:endParaRPr>
+          </a:p>
+          <a:p>
+            <a:pPr indent="0" lvl="0" marL="0" rtl="0" algn="l">
+              <a:spcBef>
+                <a:spcPts val="1200"/>
+              </a:spcBef>
+              <a:spcAft>
+                <a:spcPts val="1200"/>
+              </a:spcAft>
+              <a:buNone/>
+            </a:pPr>
+            <a:r>
+              <a:t/>
+            </a:r>
+            <a:endParaRPr sz="1400">
+              <a:solidFill>
+                <a:srgbClr val="274E13"/>
+              </a:solidFill>
+              <a:latin typeface="Tahoma"/>
+              <a:ea typeface="Tahoma"/>
+              <a:cs typeface="Tahoma"/>
+              <a:sym typeface="Tahoma"/>
+            </a:endParaRPr>
+          </a:p>
+        </p:txBody>
+      </p:sp>
+    </p:spTree>
+  </p:cSld>
+  <p:clrMapOvr>
+    <a:masterClrMapping/>
+  </p:clrMapOvr>
+</p:sld>
+</file>
+
+<file path=ppt/slides/slide52.xml><?xml version="1.0" encoding="utf-8"?>
+<p:sld xmlns:a="http://schemas.openxmlformats.org/drawingml/2006/main" xmlns:r="http://schemas.openxmlformats.org/officeDocument/2006/relationships" xmlns:mc="http://schemas.openxmlformats.org/markup-compatibility/2006" xmlns:mv="urn:schemas-microsoft-com:mac:vml" xmlns:p="http://schemas.openxmlformats.org/presentationml/2006/main" xmlns:c="http://schemas.openxmlformats.org/drawingml/2006/chart" xmlns:dgm="http://schemas.openxmlformats.org/drawingml/2006/diagram" xmlns:o="urn:schemas-microsoft-com:office:office" xmlns:v="urn:schemas-microsoft-com:vml" xmlns:pvml="urn:schemas-microsoft-com:office:powerpoint" xmlns:com="http://schemas.openxmlformats.org/drawingml/2006/compatibility" xmlns:p14="http://schemas.microsoft.com/office/powerpoint/2010/main" xmlns:p15="http://schemas.microsoft.com/office/powerpoint/2012/main" xmlns:ahyp="http://schemas.microsoft.com/office/drawing/2018/hyperlinkcolor">
+  <p:cSld>
+    <p:spTree>
+      <p:nvGrpSpPr>
+        <p:cNvPr id="395" name="Shape 395"/>
+        <p:cNvGrpSpPr/>
+        <p:nvPr/>
+      </p:nvGrpSpPr>
+      <p:grpSpPr>
+        <a:xfrm>
+          <a:off x="0" y="0"/>
+          <a:ext cx="0" cy="0"/>
+          <a:chOff x="0" y="0"/>
+          <a:chExt cx="0" cy="0"/>
+        </a:xfrm>
+      </p:grpSpPr>
+      <p:sp>
+        <p:nvSpPr>
+          <p:cNvPr id="396" name="Google Shape;396;p64"/>
+          <p:cNvSpPr txBox="1"/>
+          <p:nvPr>
+            <p:ph type="title"/>
+          </p:nvPr>
+        </p:nvSpPr>
+        <p:spPr>
+          <a:xfrm>
+            <a:off x="729450" y="1318650"/>
+            <a:ext cx="7688700" cy="535200"/>
+          </a:xfrm>
+          <a:prstGeom prst="rect">
+            <a:avLst/>
+          </a:prstGeom>
+        </p:spPr>
+        <p:txBody>
+          <a:bodyPr anchorCtr="0" anchor="t" bIns="91425" lIns="91425" spcFirstLastPara="1" rIns="91425" wrap="square" tIns="91425">
+            <a:normAutofit fontScale="90000"/>
+          </a:bodyPr>
+          <a:lstStyle/>
+          <a:p>
+            <a:pPr indent="0" lvl="0" marL="0" rtl="0" algn="l">
+              <a:spcBef>
+                <a:spcPts val="0"/>
+              </a:spcBef>
+              <a:spcAft>
+                <a:spcPts val="0"/>
+              </a:spcAft>
+              <a:buNone/>
+            </a:pPr>
+            <a:r>
+              <a:rPr lang="pl"/>
+              <a:t>certyfikaty internetowe</a:t>
+            </a:r>
+            <a:endParaRPr/>
+          </a:p>
+        </p:txBody>
+      </p:sp>
+      <p:sp>
+        <p:nvSpPr>
+          <p:cNvPr id="397" name="Google Shape;397;p64"/>
+          <p:cNvSpPr txBox="1"/>
+          <p:nvPr>
+            <p:ph idx="1" type="body"/>
+          </p:nvPr>
+        </p:nvSpPr>
+        <p:spPr>
+          <a:xfrm>
+            <a:off x="729450" y="2078875"/>
+            <a:ext cx="7688700" cy="2930100"/>
+          </a:xfrm>
+          <a:prstGeom prst="rect">
+            <a:avLst/>
+          </a:prstGeom>
+        </p:spPr>
+        <p:txBody>
+          <a:bodyPr anchorCtr="0" anchor="t" bIns="91425" lIns="91425" spcFirstLastPara="1" rIns="91425" wrap="square" tIns="91425">
+            <a:normAutofit fontScale="70000" lnSpcReduction="20000"/>
+          </a:bodyPr>
+          <a:lstStyle/>
+          <a:p>
+            <a:pPr indent="0" lvl="0" marL="0" rtl="0" algn="l">
+              <a:lnSpc>
+                <a:spcPct val="95000"/>
+              </a:lnSpc>
+              <a:spcBef>
+                <a:spcPts val="0"/>
+              </a:spcBef>
+              <a:spcAft>
+                <a:spcPts val="0"/>
+              </a:spcAft>
+              <a:buNone/>
+            </a:pPr>
+            <a:r>
+              <a:rPr lang="pl">
+                <a:latin typeface="Tahoma"/>
+                <a:ea typeface="Tahoma"/>
+                <a:cs typeface="Tahoma"/>
+                <a:sym typeface="Tahoma"/>
+              </a:rPr>
+              <a:t> </a:t>
+            </a:r>
+            <a:r>
+              <a:rPr b="1" lang="pl" sz="1700">
+                <a:solidFill>
+                  <a:srgbClr val="000000"/>
+                </a:solidFill>
+                <a:latin typeface="Tahoma"/>
+                <a:ea typeface="Tahoma"/>
+                <a:cs typeface="Tahoma"/>
+                <a:sym typeface="Tahoma"/>
+              </a:rPr>
+              <a:t>1️⃣ </a:t>
+            </a:r>
+            <a:r>
+              <a:rPr b="1" lang="pl" sz="1700">
+                <a:solidFill>
+                  <a:srgbClr val="783F04"/>
+                </a:solidFill>
+                <a:latin typeface="Tahoma"/>
+                <a:ea typeface="Tahoma"/>
+                <a:cs typeface="Tahoma"/>
+                <a:sym typeface="Tahoma"/>
+              </a:rPr>
+              <a:t>Potwierdzają tożsamość strony</a:t>
+            </a:r>
+            <a:endParaRPr b="1" sz="1700">
+              <a:solidFill>
+                <a:srgbClr val="783F04"/>
+              </a:solidFill>
+              <a:latin typeface="Tahoma"/>
+              <a:ea typeface="Tahoma"/>
+              <a:cs typeface="Tahoma"/>
+              <a:sym typeface="Tahoma"/>
+            </a:endParaRPr>
+          </a:p>
+          <a:p>
+            <a:pPr indent="457200" lvl="0" marL="0" rtl="0" algn="l">
+              <a:lnSpc>
+                <a:spcPct val="95000"/>
+              </a:lnSpc>
+              <a:spcBef>
+                <a:spcPts val="0"/>
+              </a:spcBef>
+              <a:spcAft>
+                <a:spcPts val="0"/>
+              </a:spcAft>
+              <a:buNone/>
+            </a:pPr>
+            <a:r>
+              <a:rPr lang="pl" sz="1100">
+                <a:solidFill>
+                  <a:srgbClr val="000000"/>
+                </a:solidFill>
+                <a:latin typeface="Tahoma"/>
+                <a:ea typeface="Tahoma"/>
+                <a:cs typeface="Tahoma"/>
+                <a:sym typeface="Tahoma"/>
+              </a:rPr>
+              <a:t>Certyfikat zapewnia, że strona, którą odwiedzasz, jest rzeczywiście tym, za co się podaje.</a:t>
+            </a:r>
+            <a:br>
+              <a:rPr lang="pl" sz="1100">
+                <a:solidFill>
+                  <a:srgbClr val="000000"/>
+                </a:solidFill>
+                <a:latin typeface="Tahoma"/>
+                <a:ea typeface="Tahoma"/>
+                <a:cs typeface="Tahoma"/>
+                <a:sym typeface="Tahoma"/>
+              </a:rPr>
+            </a:br>
+            <a:r>
+              <a:rPr lang="pl" sz="1100">
+                <a:solidFill>
+                  <a:srgbClr val="000000"/>
+                </a:solidFill>
+                <a:latin typeface="Tahoma"/>
+                <a:ea typeface="Tahoma"/>
+                <a:cs typeface="Tahoma"/>
+                <a:sym typeface="Tahoma"/>
+              </a:rPr>
+              <a:t> Przykład:</a:t>
+            </a:r>
+            <a:br>
+              <a:rPr lang="pl" sz="1100">
+                <a:solidFill>
+                  <a:srgbClr val="000000"/>
+                </a:solidFill>
+                <a:latin typeface="Tahoma"/>
+                <a:ea typeface="Tahoma"/>
+                <a:cs typeface="Tahoma"/>
+                <a:sym typeface="Tahoma"/>
+              </a:rPr>
+            </a:br>
+            <a:r>
+              <a:rPr lang="pl" sz="1100">
+                <a:solidFill>
+                  <a:srgbClr val="000000"/>
+                </a:solidFill>
+                <a:latin typeface="Tahoma"/>
+                <a:ea typeface="Tahoma"/>
+                <a:cs typeface="Tahoma"/>
+                <a:sym typeface="Tahoma"/>
+              </a:rPr>
+              <a:t> Jeśli wpisujesz</a:t>
+            </a:r>
+            <a:r>
+              <a:rPr lang="pl" sz="1100">
+                <a:solidFill>
+                  <a:srgbClr val="000000"/>
+                </a:solidFill>
+                <a:uFill>
+                  <a:noFill/>
+                </a:uFill>
+                <a:latin typeface="Tahoma"/>
+                <a:ea typeface="Tahoma"/>
+                <a:cs typeface="Tahoma"/>
+                <a:sym typeface="Tahoma"/>
+                <a:hlinkClick r:id="rId3">
+                  <a:extLst>
+                    <a:ext uri="{A12FA001-AC4F-418D-AE19-62706E023703}">
+                      <ahyp:hlinkClr val="tx"/>
+                    </a:ext>
+                  </a:extLst>
+                </a:hlinkClick>
+              </a:rPr>
+              <a:t> </a:t>
+            </a:r>
+            <a:r>
+              <a:rPr i="1" lang="pl" sz="1100" u="sng">
+                <a:solidFill>
+                  <a:schemeClr val="hlink"/>
+                </a:solidFill>
+                <a:latin typeface="Tahoma"/>
+                <a:ea typeface="Tahoma"/>
+                <a:cs typeface="Tahoma"/>
+                <a:sym typeface="Tahoma"/>
+                <a:hlinkClick r:id="rId4"/>
+              </a:rPr>
+              <a:t>https://bank.pl</a:t>
+            </a:r>
+            <a:r>
+              <a:rPr lang="pl" sz="1100">
+                <a:solidFill>
+                  <a:srgbClr val="000000"/>
+                </a:solidFill>
+                <a:latin typeface="Tahoma"/>
+                <a:ea typeface="Tahoma"/>
+                <a:cs typeface="Tahoma"/>
+                <a:sym typeface="Tahoma"/>
+              </a:rPr>
+              <a:t>, certyfikat gwarantuje, że łączysz się z prawdziwym bankiem, a nie z fałszywą stroną.</a:t>
+            </a:r>
+            <a:endParaRPr sz="1100">
+              <a:solidFill>
+                <a:srgbClr val="000000"/>
+              </a:solidFill>
+              <a:latin typeface="Tahoma"/>
+              <a:ea typeface="Tahoma"/>
+              <a:cs typeface="Tahoma"/>
+              <a:sym typeface="Tahoma"/>
+            </a:endParaRPr>
+          </a:p>
+          <a:p>
+            <a:pPr indent="457200" lvl="0" marL="0" rtl="0" algn="l">
+              <a:lnSpc>
+                <a:spcPct val="95000"/>
+              </a:lnSpc>
+              <a:spcBef>
+                <a:spcPts val="0"/>
+              </a:spcBef>
+              <a:spcAft>
+                <a:spcPts val="0"/>
+              </a:spcAft>
+              <a:buNone/>
+            </a:pPr>
+            <a:r>
+              <a:t/>
+            </a:r>
+            <a:endParaRPr sz="1100">
+              <a:solidFill>
+                <a:srgbClr val="000000"/>
+              </a:solidFill>
+              <a:latin typeface="Tahoma"/>
+              <a:ea typeface="Tahoma"/>
+              <a:cs typeface="Tahoma"/>
+              <a:sym typeface="Tahoma"/>
+            </a:endParaRPr>
+          </a:p>
+          <a:p>
+            <a:pPr indent="0" lvl="0" marL="0" rtl="0" algn="l">
+              <a:lnSpc>
+                <a:spcPct val="95000"/>
+              </a:lnSpc>
+              <a:spcBef>
+                <a:spcPts val="0"/>
+              </a:spcBef>
+              <a:spcAft>
+                <a:spcPts val="0"/>
+              </a:spcAft>
+              <a:buNone/>
+            </a:pPr>
+            <a:r>
+              <a:t/>
+            </a:r>
+            <a:endParaRPr sz="1100">
+              <a:solidFill>
+                <a:srgbClr val="000000"/>
+              </a:solidFill>
+              <a:latin typeface="Tahoma"/>
+              <a:ea typeface="Tahoma"/>
+              <a:cs typeface="Tahoma"/>
+              <a:sym typeface="Tahoma"/>
+            </a:endParaRPr>
+          </a:p>
+          <a:p>
+            <a:pPr indent="0" lvl="0" marL="0" rtl="0" algn="l">
+              <a:lnSpc>
+                <a:spcPct val="95000"/>
+              </a:lnSpc>
+              <a:spcBef>
+                <a:spcPts val="0"/>
+              </a:spcBef>
+              <a:spcAft>
+                <a:spcPts val="0"/>
+              </a:spcAft>
+              <a:buNone/>
+            </a:pPr>
+            <a:r>
+              <a:t/>
+            </a:r>
+            <a:endParaRPr sz="1100">
+              <a:solidFill>
+                <a:srgbClr val="000000"/>
+              </a:solidFill>
+              <a:latin typeface="Tahoma"/>
+              <a:ea typeface="Tahoma"/>
+              <a:cs typeface="Tahoma"/>
+              <a:sym typeface="Tahoma"/>
+            </a:endParaRPr>
+          </a:p>
+          <a:p>
+            <a:pPr indent="0" lvl="0" marL="0" rtl="0" algn="l">
+              <a:lnSpc>
+                <a:spcPct val="95000"/>
+              </a:lnSpc>
+              <a:spcBef>
+                <a:spcPts val="0"/>
+              </a:spcBef>
+              <a:spcAft>
+                <a:spcPts val="0"/>
+              </a:spcAft>
+              <a:buNone/>
+            </a:pPr>
+            <a:r>
+              <a:rPr b="1" lang="pl" sz="1700">
+                <a:solidFill>
+                  <a:srgbClr val="000000"/>
+                </a:solidFill>
+                <a:latin typeface="Tahoma"/>
+                <a:ea typeface="Tahoma"/>
+                <a:cs typeface="Tahoma"/>
+                <a:sym typeface="Tahoma"/>
+              </a:rPr>
+              <a:t>2️⃣</a:t>
+            </a:r>
+            <a:r>
+              <a:rPr b="1" lang="pl" sz="1700">
+                <a:solidFill>
+                  <a:srgbClr val="783F04"/>
+                </a:solidFill>
+                <a:latin typeface="Tahoma"/>
+                <a:ea typeface="Tahoma"/>
+                <a:cs typeface="Tahoma"/>
+                <a:sym typeface="Tahoma"/>
+              </a:rPr>
+              <a:t> Umożliwiają szyfrowanie danych</a:t>
+            </a:r>
+            <a:endParaRPr b="1" sz="1700">
+              <a:solidFill>
+                <a:srgbClr val="783F04"/>
+              </a:solidFill>
+              <a:latin typeface="Tahoma"/>
+              <a:ea typeface="Tahoma"/>
+              <a:cs typeface="Tahoma"/>
+              <a:sym typeface="Tahoma"/>
+            </a:endParaRPr>
+          </a:p>
+          <a:p>
+            <a:pPr indent="457200" lvl="0" marL="0" rtl="0" algn="l">
+              <a:lnSpc>
+                <a:spcPct val="95000"/>
+              </a:lnSpc>
+              <a:spcBef>
+                <a:spcPts val="0"/>
+              </a:spcBef>
+              <a:spcAft>
+                <a:spcPts val="0"/>
+              </a:spcAft>
+              <a:buNone/>
+            </a:pPr>
+            <a:r>
+              <a:rPr lang="pl" sz="1100">
+                <a:solidFill>
+                  <a:srgbClr val="000000"/>
+                </a:solidFill>
+                <a:latin typeface="Tahoma"/>
+                <a:ea typeface="Tahoma"/>
+                <a:cs typeface="Tahoma"/>
+                <a:sym typeface="Tahoma"/>
+              </a:rPr>
+              <a:t>Certyfikat zawiera </a:t>
+            </a:r>
+            <a:r>
+              <a:rPr b="1" lang="pl" sz="1100">
+                <a:solidFill>
+                  <a:srgbClr val="000000"/>
+                </a:solidFill>
+                <a:latin typeface="Tahoma"/>
+                <a:ea typeface="Tahoma"/>
+                <a:cs typeface="Tahoma"/>
+                <a:sym typeface="Tahoma"/>
+              </a:rPr>
+              <a:t>klucz publiczny</a:t>
+            </a:r>
+            <a:r>
+              <a:rPr lang="pl" sz="1100">
+                <a:solidFill>
+                  <a:srgbClr val="000000"/>
+                </a:solidFill>
+                <a:latin typeface="Tahoma"/>
+                <a:ea typeface="Tahoma"/>
+                <a:cs typeface="Tahoma"/>
+                <a:sym typeface="Tahoma"/>
+              </a:rPr>
+              <a:t>, używany do bezpiecznego przesyłania danych.</a:t>
+            </a:r>
+            <a:endParaRPr sz="1100">
+              <a:solidFill>
+                <a:srgbClr val="000000"/>
+              </a:solidFill>
+              <a:latin typeface="Tahoma"/>
+              <a:ea typeface="Tahoma"/>
+              <a:cs typeface="Tahoma"/>
+              <a:sym typeface="Tahoma"/>
+            </a:endParaRPr>
+          </a:p>
+          <a:p>
+            <a:pPr indent="0" lvl="0" marL="0" rtl="0" algn="l">
+              <a:lnSpc>
+                <a:spcPct val="95000"/>
+              </a:lnSpc>
+              <a:spcBef>
+                <a:spcPts val="0"/>
+              </a:spcBef>
+              <a:spcAft>
+                <a:spcPts val="0"/>
+              </a:spcAft>
+              <a:buNone/>
+            </a:pPr>
+            <a:r>
+              <a:rPr lang="pl" sz="1100">
+                <a:solidFill>
+                  <a:srgbClr val="000000"/>
+                </a:solidFill>
+                <a:latin typeface="Tahoma"/>
+                <a:ea typeface="Tahoma"/>
+                <a:cs typeface="Tahoma"/>
+                <a:sym typeface="Tahoma"/>
+              </a:rPr>
+              <a:t>Dzięki temu:</a:t>
+            </a:r>
+            <a:endParaRPr sz="1100">
+              <a:solidFill>
+                <a:srgbClr val="000000"/>
+              </a:solidFill>
+              <a:latin typeface="Tahoma"/>
+              <a:ea typeface="Tahoma"/>
+              <a:cs typeface="Tahoma"/>
+              <a:sym typeface="Tahoma"/>
+            </a:endParaRPr>
+          </a:p>
+          <a:p>
+            <a:pPr indent="-277495" lvl="0" marL="457200" rtl="0" algn="l">
+              <a:lnSpc>
+                <a:spcPct val="95000"/>
+              </a:lnSpc>
+              <a:spcBef>
+                <a:spcPts val="0"/>
+              </a:spcBef>
+              <a:spcAft>
+                <a:spcPts val="0"/>
+              </a:spcAft>
+              <a:buClr>
+                <a:srgbClr val="000000"/>
+              </a:buClr>
+              <a:buSzPct val="100000"/>
+              <a:buFont typeface="Tahoma"/>
+              <a:buChar char="●"/>
+            </a:pPr>
+            <a:r>
+              <a:rPr lang="pl" sz="1100">
+                <a:solidFill>
+                  <a:srgbClr val="000000"/>
+                </a:solidFill>
+                <a:latin typeface="Tahoma"/>
+                <a:ea typeface="Tahoma"/>
+                <a:cs typeface="Tahoma"/>
+                <a:sym typeface="Tahoma"/>
+              </a:rPr>
+              <a:t>hasła</a:t>
+            </a:r>
+            <a:endParaRPr sz="1100">
+              <a:solidFill>
+                <a:srgbClr val="000000"/>
+              </a:solidFill>
+              <a:latin typeface="Tahoma"/>
+              <a:ea typeface="Tahoma"/>
+              <a:cs typeface="Tahoma"/>
+              <a:sym typeface="Tahoma"/>
+            </a:endParaRPr>
+          </a:p>
+          <a:p>
+            <a:pPr indent="-277495" lvl="0" marL="457200" rtl="0" algn="l">
+              <a:lnSpc>
+                <a:spcPct val="95000"/>
+              </a:lnSpc>
+              <a:spcBef>
+                <a:spcPts val="0"/>
+              </a:spcBef>
+              <a:spcAft>
+                <a:spcPts val="0"/>
+              </a:spcAft>
+              <a:buClr>
+                <a:srgbClr val="000000"/>
+              </a:buClr>
+              <a:buSzPct val="100000"/>
+              <a:buFont typeface="Tahoma"/>
+              <a:buChar char="●"/>
+            </a:pPr>
+            <a:r>
+              <a:rPr lang="pl" sz="1100">
+                <a:solidFill>
+                  <a:srgbClr val="000000"/>
+                </a:solidFill>
+                <a:latin typeface="Tahoma"/>
+                <a:ea typeface="Tahoma"/>
+                <a:cs typeface="Tahoma"/>
+                <a:sym typeface="Tahoma"/>
+              </a:rPr>
+              <a:t>numery kart płatniczych</a:t>
+            </a:r>
+            <a:endParaRPr sz="1100">
+              <a:solidFill>
+                <a:srgbClr val="000000"/>
+              </a:solidFill>
+              <a:latin typeface="Tahoma"/>
+              <a:ea typeface="Tahoma"/>
+              <a:cs typeface="Tahoma"/>
+              <a:sym typeface="Tahoma"/>
+            </a:endParaRPr>
+          </a:p>
+          <a:p>
+            <a:pPr indent="-277495" lvl="0" marL="457200" rtl="0" algn="l">
+              <a:lnSpc>
+                <a:spcPct val="95000"/>
+              </a:lnSpc>
+              <a:spcBef>
+                <a:spcPts val="0"/>
+              </a:spcBef>
+              <a:spcAft>
+                <a:spcPts val="0"/>
+              </a:spcAft>
+              <a:buClr>
+                <a:srgbClr val="000000"/>
+              </a:buClr>
+              <a:buSzPct val="100000"/>
+              <a:buFont typeface="Tahoma"/>
+              <a:buChar char="●"/>
+            </a:pPr>
+            <a:r>
+              <a:rPr lang="pl" sz="1100">
+                <a:solidFill>
+                  <a:srgbClr val="000000"/>
+                </a:solidFill>
+                <a:latin typeface="Tahoma"/>
+                <a:ea typeface="Tahoma"/>
+                <a:cs typeface="Tahoma"/>
+                <a:sym typeface="Tahoma"/>
+              </a:rPr>
+              <a:t>dane osobowe</a:t>
+            </a:r>
+            <a:br>
+              <a:rPr lang="pl" sz="1100">
+                <a:solidFill>
+                  <a:srgbClr val="000000"/>
+                </a:solidFill>
+                <a:latin typeface="Tahoma"/>
+                <a:ea typeface="Tahoma"/>
+                <a:cs typeface="Tahoma"/>
+                <a:sym typeface="Tahoma"/>
+              </a:rPr>
+            </a:br>
+            <a:endParaRPr sz="1100">
+              <a:solidFill>
+                <a:srgbClr val="000000"/>
+              </a:solidFill>
+              <a:latin typeface="Tahoma"/>
+              <a:ea typeface="Tahoma"/>
+              <a:cs typeface="Tahoma"/>
+              <a:sym typeface="Tahoma"/>
+            </a:endParaRPr>
+          </a:p>
+          <a:p>
+            <a:pPr indent="0" lvl="0" marL="0" rtl="0" algn="l">
+              <a:lnSpc>
+                <a:spcPct val="95000"/>
+              </a:lnSpc>
+              <a:spcBef>
+                <a:spcPts val="0"/>
+              </a:spcBef>
+              <a:spcAft>
+                <a:spcPts val="0"/>
+              </a:spcAft>
+              <a:buNone/>
+            </a:pPr>
+            <a:r>
+              <a:rPr lang="pl" sz="1100">
+                <a:solidFill>
+                  <a:srgbClr val="000000"/>
+                </a:solidFill>
+                <a:latin typeface="Tahoma"/>
+                <a:ea typeface="Tahoma"/>
+                <a:cs typeface="Tahoma"/>
+                <a:sym typeface="Tahoma"/>
+              </a:rPr>
+              <a:t>są zaszyfrowane i niemożliwe do odczytania przez osoby trzecie.</a:t>
+            </a:r>
+            <a:endParaRPr sz="1100">
+              <a:solidFill>
+                <a:srgbClr val="000000"/>
+              </a:solidFill>
+              <a:latin typeface="Tahoma"/>
+              <a:ea typeface="Tahoma"/>
+              <a:cs typeface="Tahoma"/>
+              <a:sym typeface="Tahoma"/>
+            </a:endParaRPr>
+          </a:p>
+          <a:p>
+            <a:pPr indent="0" lvl="0" marL="0" rtl="0" algn="l">
+              <a:lnSpc>
+                <a:spcPct val="95000"/>
+              </a:lnSpc>
+              <a:spcBef>
+                <a:spcPts val="0"/>
+              </a:spcBef>
+              <a:spcAft>
+                <a:spcPts val="0"/>
+              </a:spcAft>
+              <a:buNone/>
+            </a:pPr>
+            <a:r>
+              <a:t/>
+            </a:r>
+            <a:endParaRPr sz="1100">
+              <a:solidFill>
+                <a:srgbClr val="000000"/>
+              </a:solidFill>
+              <a:latin typeface="Tahoma"/>
+              <a:ea typeface="Tahoma"/>
+              <a:cs typeface="Tahoma"/>
+              <a:sym typeface="Tahoma"/>
+            </a:endParaRPr>
+          </a:p>
+          <a:p>
+            <a:pPr indent="0" lvl="0" marL="0" rtl="0" algn="l">
+              <a:lnSpc>
+                <a:spcPct val="95000"/>
+              </a:lnSpc>
+              <a:spcBef>
+                <a:spcPts val="0"/>
+              </a:spcBef>
+              <a:spcAft>
+                <a:spcPts val="0"/>
+              </a:spcAft>
+              <a:buNone/>
+            </a:pPr>
+            <a:r>
+              <a:t/>
+            </a:r>
+            <a:endParaRPr sz="1100">
+              <a:solidFill>
+                <a:srgbClr val="000000"/>
+              </a:solidFill>
+              <a:latin typeface="Tahoma"/>
+              <a:ea typeface="Tahoma"/>
+              <a:cs typeface="Tahoma"/>
+              <a:sym typeface="Tahoma"/>
+            </a:endParaRPr>
+          </a:p>
+          <a:p>
+            <a:pPr indent="0" lvl="0" marL="0" rtl="0" algn="l">
+              <a:lnSpc>
+                <a:spcPct val="95000"/>
+              </a:lnSpc>
+              <a:spcBef>
+                <a:spcPts val="0"/>
+              </a:spcBef>
+              <a:spcAft>
+                <a:spcPts val="0"/>
+              </a:spcAft>
+              <a:buNone/>
+            </a:pPr>
+            <a:r>
+              <a:t/>
+            </a:r>
+            <a:endParaRPr sz="1100">
+              <a:solidFill>
+                <a:srgbClr val="000000"/>
+              </a:solidFill>
+              <a:latin typeface="Tahoma"/>
+              <a:ea typeface="Tahoma"/>
+              <a:cs typeface="Tahoma"/>
+              <a:sym typeface="Tahoma"/>
+            </a:endParaRPr>
+          </a:p>
+          <a:p>
+            <a:pPr indent="0" lvl="0" marL="0" rtl="0" algn="l">
+              <a:lnSpc>
+                <a:spcPct val="95000"/>
+              </a:lnSpc>
+              <a:spcBef>
+                <a:spcPts val="0"/>
+              </a:spcBef>
+              <a:spcAft>
+                <a:spcPts val="0"/>
+              </a:spcAft>
+              <a:buNone/>
+            </a:pPr>
+            <a:r>
+              <a:rPr b="1" lang="pl" sz="1700">
+                <a:solidFill>
+                  <a:srgbClr val="000000"/>
+                </a:solidFill>
+                <a:latin typeface="Tahoma"/>
+                <a:ea typeface="Tahoma"/>
+                <a:cs typeface="Tahoma"/>
+                <a:sym typeface="Tahoma"/>
+              </a:rPr>
+              <a:t>3️⃣ </a:t>
+            </a:r>
+            <a:r>
+              <a:rPr b="1" lang="pl" sz="1700">
+                <a:solidFill>
+                  <a:srgbClr val="783F04"/>
+                </a:solidFill>
+                <a:latin typeface="Tahoma"/>
+                <a:ea typeface="Tahoma"/>
+                <a:cs typeface="Tahoma"/>
+                <a:sym typeface="Tahoma"/>
+              </a:rPr>
+              <a:t>Są wystawiane przez zaufane instytucje</a:t>
+            </a:r>
+            <a:endParaRPr b="1" sz="1700">
+              <a:solidFill>
+                <a:srgbClr val="783F04"/>
+              </a:solidFill>
+              <a:latin typeface="Tahoma"/>
+              <a:ea typeface="Tahoma"/>
+              <a:cs typeface="Tahoma"/>
+              <a:sym typeface="Tahoma"/>
+            </a:endParaRPr>
+          </a:p>
+          <a:p>
+            <a:pPr indent="457200" lvl="0" marL="0" rtl="0" algn="l">
+              <a:lnSpc>
+                <a:spcPct val="95000"/>
+              </a:lnSpc>
+              <a:spcBef>
+                <a:spcPts val="0"/>
+              </a:spcBef>
+              <a:spcAft>
+                <a:spcPts val="0"/>
+              </a:spcAft>
+              <a:buNone/>
+            </a:pPr>
+            <a:r>
+              <a:rPr lang="pl" sz="1100">
+                <a:solidFill>
+                  <a:srgbClr val="000000"/>
+                </a:solidFill>
+                <a:latin typeface="Tahoma"/>
+                <a:ea typeface="Tahoma"/>
+                <a:cs typeface="Tahoma"/>
+                <a:sym typeface="Tahoma"/>
+              </a:rPr>
+              <a:t>Nazywa się je </a:t>
+            </a:r>
+            <a:r>
+              <a:rPr b="1" lang="pl" sz="1100">
+                <a:solidFill>
+                  <a:srgbClr val="000000"/>
+                </a:solidFill>
+                <a:latin typeface="Tahoma"/>
+                <a:ea typeface="Tahoma"/>
+                <a:cs typeface="Tahoma"/>
+                <a:sym typeface="Tahoma"/>
+              </a:rPr>
+              <a:t>CA – Certificate Authority</a:t>
+            </a:r>
+            <a:r>
+              <a:rPr lang="pl" sz="1100">
+                <a:solidFill>
+                  <a:srgbClr val="000000"/>
+                </a:solidFill>
+                <a:latin typeface="Tahoma"/>
+                <a:ea typeface="Tahoma"/>
+                <a:cs typeface="Tahoma"/>
+                <a:sym typeface="Tahoma"/>
+              </a:rPr>
+              <a:t>, np.:</a:t>
+            </a:r>
+            <a:endParaRPr sz="1100">
+              <a:solidFill>
+                <a:srgbClr val="000000"/>
+              </a:solidFill>
+              <a:latin typeface="Tahoma"/>
+              <a:ea typeface="Tahoma"/>
+              <a:cs typeface="Tahoma"/>
+              <a:sym typeface="Tahoma"/>
+            </a:endParaRPr>
+          </a:p>
+          <a:p>
+            <a:pPr indent="-277495" lvl="0" marL="457200" rtl="0" algn="l">
+              <a:lnSpc>
+                <a:spcPct val="95000"/>
+              </a:lnSpc>
+              <a:spcBef>
+                <a:spcPts val="0"/>
+              </a:spcBef>
+              <a:spcAft>
+                <a:spcPts val="0"/>
+              </a:spcAft>
+              <a:buClr>
+                <a:srgbClr val="000000"/>
+              </a:buClr>
+              <a:buSzPct val="100000"/>
+              <a:buFont typeface="Tahoma"/>
+              <a:buChar char="●"/>
+            </a:pPr>
+            <a:r>
+              <a:rPr lang="pl" sz="1100">
+                <a:solidFill>
+                  <a:srgbClr val="000000"/>
+                </a:solidFill>
+                <a:latin typeface="Tahoma"/>
+                <a:ea typeface="Tahoma"/>
+                <a:cs typeface="Tahoma"/>
+                <a:sym typeface="Tahoma"/>
+              </a:rPr>
+              <a:t>Let's Encrypt</a:t>
+            </a:r>
+            <a:endParaRPr sz="1100">
+              <a:solidFill>
+                <a:srgbClr val="000000"/>
+              </a:solidFill>
+              <a:latin typeface="Tahoma"/>
+              <a:ea typeface="Tahoma"/>
+              <a:cs typeface="Tahoma"/>
+              <a:sym typeface="Tahoma"/>
+            </a:endParaRPr>
+          </a:p>
+          <a:p>
+            <a:pPr indent="-277495" lvl="0" marL="457200" rtl="0" algn="l">
+              <a:lnSpc>
+                <a:spcPct val="95000"/>
+              </a:lnSpc>
+              <a:spcBef>
+                <a:spcPts val="0"/>
+              </a:spcBef>
+              <a:spcAft>
+                <a:spcPts val="0"/>
+              </a:spcAft>
+              <a:buClr>
+                <a:srgbClr val="000000"/>
+              </a:buClr>
+              <a:buSzPct val="100000"/>
+              <a:buFont typeface="Tahoma"/>
+              <a:buChar char="●"/>
+            </a:pPr>
+            <a:r>
+              <a:rPr lang="pl" sz="1100">
+                <a:solidFill>
+                  <a:srgbClr val="000000"/>
+                </a:solidFill>
+                <a:latin typeface="Tahoma"/>
+                <a:ea typeface="Tahoma"/>
+                <a:cs typeface="Tahoma"/>
+                <a:sym typeface="Tahoma"/>
+              </a:rPr>
+              <a:t>DigiCert</a:t>
+            </a:r>
+            <a:endParaRPr sz="1100">
+              <a:solidFill>
+                <a:srgbClr val="000000"/>
+              </a:solidFill>
+              <a:latin typeface="Tahoma"/>
+              <a:ea typeface="Tahoma"/>
+              <a:cs typeface="Tahoma"/>
+              <a:sym typeface="Tahoma"/>
+            </a:endParaRPr>
+          </a:p>
+          <a:p>
+            <a:pPr indent="-277495" lvl="0" marL="457200" rtl="0" algn="l">
+              <a:lnSpc>
+                <a:spcPct val="95000"/>
+              </a:lnSpc>
+              <a:spcBef>
+                <a:spcPts val="0"/>
+              </a:spcBef>
+              <a:spcAft>
+                <a:spcPts val="0"/>
+              </a:spcAft>
+              <a:buClr>
+                <a:srgbClr val="000000"/>
+              </a:buClr>
+              <a:buSzPct val="100000"/>
+              <a:buFont typeface="Tahoma"/>
+              <a:buChar char="●"/>
+            </a:pPr>
+            <a:r>
+              <a:rPr lang="pl" sz="1100">
+                <a:solidFill>
+                  <a:srgbClr val="000000"/>
+                </a:solidFill>
+                <a:latin typeface="Tahoma"/>
+                <a:ea typeface="Tahoma"/>
+                <a:cs typeface="Tahoma"/>
+                <a:sym typeface="Tahoma"/>
+              </a:rPr>
+              <a:t>GlobalSign</a:t>
+            </a:r>
+            <a:endParaRPr sz="1100">
+              <a:solidFill>
+                <a:srgbClr val="000000"/>
+              </a:solidFill>
+              <a:latin typeface="Tahoma"/>
+              <a:ea typeface="Tahoma"/>
+              <a:cs typeface="Tahoma"/>
+              <a:sym typeface="Tahoma"/>
+            </a:endParaRPr>
+          </a:p>
+          <a:p>
+            <a:pPr indent="-277495" lvl="0" marL="457200" rtl="0" algn="l">
+              <a:lnSpc>
+                <a:spcPct val="95000"/>
+              </a:lnSpc>
+              <a:spcBef>
+                <a:spcPts val="0"/>
+              </a:spcBef>
+              <a:spcAft>
+                <a:spcPts val="0"/>
+              </a:spcAft>
+              <a:buClr>
+                <a:srgbClr val="000000"/>
+              </a:buClr>
+              <a:buSzPct val="100000"/>
+              <a:buFont typeface="Tahoma"/>
+              <a:buChar char="●"/>
+            </a:pPr>
+            <a:r>
+              <a:rPr lang="pl" sz="1100">
+                <a:solidFill>
+                  <a:srgbClr val="000000"/>
+                </a:solidFill>
+                <a:latin typeface="Tahoma"/>
+                <a:ea typeface="Tahoma"/>
+                <a:cs typeface="Tahoma"/>
+                <a:sym typeface="Tahoma"/>
+              </a:rPr>
+              <a:t>Sectigo</a:t>
+            </a:r>
+            <a:br>
+              <a:rPr lang="pl" sz="1100">
+                <a:solidFill>
+                  <a:srgbClr val="000000"/>
+                </a:solidFill>
+                <a:latin typeface="Tahoma"/>
+                <a:ea typeface="Tahoma"/>
+                <a:cs typeface="Tahoma"/>
+                <a:sym typeface="Tahoma"/>
+              </a:rPr>
+            </a:br>
+            <a:endParaRPr sz="1100">
+              <a:solidFill>
+                <a:srgbClr val="000000"/>
+              </a:solidFill>
+              <a:latin typeface="Tahoma"/>
+              <a:ea typeface="Tahoma"/>
+              <a:cs typeface="Tahoma"/>
+              <a:sym typeface="Tahoma"/>
+            </a:endParaRPr>
+          </a:p>
+          <a:p>
+            <a:pPr indent="0" lvl="0" marL="0" rtl="0" algn="l">
+              <a:lnSpc>
+                <a:spcPct val="95000"/>
+              </a:lnSpc>
+              <a:spcBef>
+                <a:spcPts val="0"/>
+              </a:spcBef>
+              <a:spcAft>
+                <a:spcPts val="0"/>
+              </a:spcAft>
+              <a:buNone/>
+            </a:pPr>
+            <a:r>
+              <a:rPr lang="pl" sz="1100">
+                <a:solidFill>
+                  <a:srgbClr val="000000"/>
+                </a:solidFill>
+                <a:latin typeface="Tahoma"/>
+                <a:ea typeface="Tahoma"/>
+                <a:cs typeface="Tahoma"/>
+                <a:sym typeface="Tahoma"/>
+              </a:rPr>
+              <a:t>Przeglądarki ufają tym instytucjom.</a:t>
+            </a:r>
+            <a:endParaRPr sz="1100">
+              <a:solidFill>
+                <a:srgbClr val="000000"/>
+              </a:solidFill>
+              <a:latin typeface="Tahoma"/>
+              <a:ea typeface="Tahoma"/>
+              <a:cs typeface="Tahoma"/>
+              <a:sym typeface="Tahoma"/>
+            </a:endParaRPr>
+          </a:p>
+          <a:p>
+            <a:pPr indent="0" lvl="0" marL="0" rtl="0" algn="l">
+              <a:lnSpc>
+                <a:spcPct val="95000"/>
+              </a:lnSpc>
+              <a:spcBef>
+                <a:spcPts val="0"/>
+              </a:spcBef>
+              <a:spcAft>
+                <a:spcPts val="0"/>
+              </a:spcAft>
+              <a:buNone/>
+            </a:pPr>
+            <a:r>
+              <a:t/>
+            </a:r>
+            <a:endParaRPr>
+              <a:latin typeface="Tahoma"/>
+              <a:ea typeface="Tahoma"/>
+              <a:cs typeface="Tahoma"/>
+              <a:sym typeface="Tahoma"/>
+            </a:endParaRPr>
+          </a:p>
+        </p:txBody>
+      </p:sp>
+    </p:spTree>
+  </p:cSld>
+  <p:clrMapOvr>
+    <a:masterClrMapping/>
+  </p:clrMapOvr>
+</p:sld>
+</file>
+
+<file path=ppt/slides/slide53.xml><?xml version="1.0" encoding="utf-8"?>
+<p:sld xmlns:a="http://schemas.openxmlformats.org/drawingml/2006/main" xmlns:r="http://schemas.openxmlformats.org/officeDocument/2006/relationships" xmlns:mc="http://schemas.openxmlformats.org/markup-compatibility/2006" xmlns:mv="urn:schemas-microsoft-com:mac:vml" xmlns:p="http://schemas.openxmlformats.org/presentationml/2006/main" xmlns:c="http://schemas.openxmlformats.org/drawingml/2006/chart" xmlns:dgm="http://schemas.openxmlformats.org/drawingml/2006/diagram" xmlns:o="urn:schemas-microsoft-com:office:office" xmlns:v="urn:schemas-microsoft-com:vml" xmlns:pvml="urn:schemas-microsoft-com:office:powerpoint" xmlns:com="http://schemas.openxmlformats.org/drawingml/2006/compatibility" xmlns:p14="http://schemas.microsoft.com/office/powerpoint/2010/main" xmlns:p15="http://schemas.microsoft.com/office/powerpoint/2012/main" xmlns:ahyp="http://schemas.microsoft.com/office/drawing/2018/hyperlinkcolor">
+  <p:cSld>
+    <p:spTree>
+      <p:nvGrpSpPr>
+        <p:cNvPr id="401" name="Shape 401"/>
+        <p:cNvGrpSpPr/>
+        <p:nvPr/>
+      </p:nvGrpSpPr>
+      <p:grpSpPr>
+        <a:xfrm>
+          <a:off x="0" y="0"/>
+          <a:ext cx="0" cy="0"/>
+          <a:chOff x="0" y="0"/>
+          <a:chExt cx="0" cy="0"/>
+        </a:xfrm>
+      </p:grpSpPr>
+      <p:sp>
+        <p:nvSpPr>
+          <p:cNvPr id="402" name="Google Shape;402;p65"/>
+          <p:cNvSpPr txBox="1"/>
+          <p:nvPr>
+            <p:ph type="title"/>
+          </p:nvPr>
+        </p:nvSpPr>
+        <p:spPr>
+          <a:xfrm>
+            <a:off x="729450" y="1318650"/>
+            <a:ext cx="7688700" cy="535200"/>
+          </a:xfrm>
+          <a:prstGeom prst="rect">
+            <a:avLst/>
+          </a:prstGeom>
+        </p:spPr>
+        <p:txBody>
+          <a:bodyPr anchorCtr="0" anchor="t" bIns="91425" lIns="91425" spcFirstLastPara="1" rIns="91425" wrap="square" tIns="91425">
+            <a:noAutofit/>
+          </a:bodyPr>
+          <a:lstStyle/>
+          <a:p>
+            <a:pPr indent="0" lvl="0" marL="0" rtl="0" algn="l">
+              <a:lnSpc>
+                <a:spcPct val="105000"/>
+              </a:lnSpc>
+              <a:spcBef>
+                <a:spcPts val="0"/>
+              </a:spcBef>
+              <a:spcAft>
+                <a:spcPts val="0"/>
+              </a:spcAft>
+              <a:buNone/>
+            </a:pPr>
+            <a:r>
+              <a:rPr lang="pl" sz="2400">
+                <a:solidFill>
+                  <a:srgbClr val="000000"/>
+                </a:solidFill>
+                <a:latin typeface="Tahoma"/>
+                <a:ea typeface="Tahoma"/>
+                <a:cs typeface="Tahoma"/>
+                <a:sym typeface="Tahoma"/>
+              </a:rPr>
+              <a:t>Certyfikat internetowy zawiera m.in.:</a:t>
+            </a:r>
+            <a:endParaRPr sz="2400">
+              <a:latin typeface="Tahoma"/>
+              <a:ea typeface="Tahoma"/>
+              <a:cs typeface="Tahoma"/>
+              <a:sym typeface="Tahoma"/>
+            </a:endParaRPr>
+          </a:p>
+        </p:txBody>
+      </p:sp>
+      <p:sp>
+        <p:nvSpPr>
+          <p:cNvPr id="403" name="Google Shape;403;p65"/>
+          <p:cNvSpPr txBox="1"/>
+          <p:nvPr>
+            <p:ph idx="1" type="body"/>
+          </p:nvPr>
+        </p:nvSpPr>
+        <p:spPr>
+          <a:xfrm>
+            <a:off x="729450" y="2078875"/>
+            <a:ext cx="7688700" cy="2261100"/>
+          </a:xfrm>
+          <a:prstGeom prst="rect">
+            <a:avLst/>
+          </a:prstGeom>
+        </p:spPr>
+        <p:txBody>
+          <a:bodyPr anchorCtr="0" anchor="t" bIns="91425" lIns="91425" spcFirstLastPara="1" rIns="91425" wrap="square" tIns="91425">
+            <a:noAutofit/>
+          </a:bodyPr>
+          <a:lstStyle/>
+          <a:p>
+            <a:pPr indent="-317500" lvl="0" marL="457200" rtl="0" algn="l">
+              <a:spcBef>
+                <a:spcPts val="1200"/>
+              </a:spcBef>
+              <a:spcAft>
+                <a:spcPts val="0"/>
+              </a:spcAft>
+              <a:buClr>
+                <a:srgbClr val="000000"/>
+              </a:buClr>
+              <a:buSzPts val="1400"/>
+              <a:buFont typeface="Arial"/>
+              <a:buChar char="●"/>
+            </a:pPr>
+            <a:r>
+              <a:rPr b="1" lang="pl" sz="1400">
+                <a:solidFill>
+                  <a:srgbClr val="741B47"/>
+                </a:solidFill>
+                <a:latin typeface="Tahoma"/>
+                <a:ea typeface="Tahoma"/>
+                <a:cs typeface="Tahoma"/>
+                <a:sym typeface="Tahoma"/>
+              </a:rPr>
+              <a:t>Wersja </a:t>
+            </a:r>
+            <a:r>
+              <a:rPr b="1" lang="pl" sz="1400">
+                <a:solidFill>
+                  <a:srgbClr val="000000"/>
+                </a:solidFill>
+                <a:latin typeface="Tahoma"/>
+                <a:ea typeface="Tahoma"/>
+                <a:cs typeface="Tahoma"/>
+                <a:sym typeface="Tahoma"/>
+              </a:rPr>
+              <a:t>(Version)</a:t>
+            </a:r>
+            <a:r>
+              <a:rPr lang="pl" sz="1400">
+                <a:solidFill>
+                  <a:srgbClr val="000000"/>
+                </a:solidFill>
+                <a:latin typeface="Tahoma"/>
+                <a:ea typeface="Tahoma"/>
+                <a:cs typeface="Tahoma"/>
+                <a:sym typeface="Tahoma"/>
+              </a:rPr>
+              <a:t>: Określa wersję standardu certyfikatu (np. wersja 3 dla X.509 v3).</a:t>
+            </a:r>
+            <a:endParaRPr sz="1400">
+              <a:solidFill>
+                <a:srgbClr val="000000"/>
+              </a:solidFill>
+              <a:latin typeface="Tahoma"/>
+              <a:ea typeface="Tahoma"/>
+              <a:cs typeface="Tahoma"/>
+              <a:sym typeface="Tahoma"/>
+            </a:endParaRPr>
+          </a:p>
+          <a:p>
+            <a:pPr indent="-317500" lvl="0" marL="457200" rtl="0" algn="l">
+              <a:spcBef>
+                <a:spcPts val="0"/>
+              </a:spcBef>
+              <a:spcAft>
+                <a:spcPts val="0"/>
+              </a:spcAft>
+              <a:buClr>
+                <a:srgbClr val="000000"/>
+              </a:buClr>
+              <a:buSzPts val="1400"/>
+              <a:buFont typeface="Arial"/>
+              <a:buChar char="●"/>
+            </a:pPr>
+            <a:r>
+              <a:rPr b="1" lang="pl" sz="1400">
+                <a:solidFill>
+                  <a:srgbClr val="741B47"/>
+                </a:solidFill>
+                <a:latin typeface="Tahoma"/>
+                <a:ea typeface="Tahoma"/>
+                <a:cs typeface="Tahoma"/>
+                <a:sym typeface="Tahoma"/>
+              </a:rPr>
+              <a:t>Numer seryjny</a:t>
+            </a:r>
+            <a:r>
+              <a:rPr b="1" lang="pl" sz="1400">
+                <a:solidFill>
+                  <a:srgbClr val="000000"/>
+                </a:solidFill>
+                <a:latin typeface="Tahoma"/>
+                <a:ea typeface="Tahoma"/>
+                <a:cs typeface="Tahoma"/>
+                <a:sym typeface="Tahoma"/>
+              </a:rPr>
+              <a:t> (Serial Number)</a:t>
+            </a:r>
+            <a:r>
+              <a:rPr lang="pl" sz="1400">
+                <a:solidFill>
+                  <a:srgbClr val="000000"/>
+                </a:solidFill>
+                <a:latin typeface="Tahoma"/>
+                <a:ea typeface="Tahoma"/>
+                <a:cs typeface="Tahoma"/>
+                <a:sym typeface="Tahoma"/>
+              </a:rPr>
+              <a:t>: Unikalny identyfikator nadany przez urząd certyfikacji (CA).</a:t>
+            </a:r>
+            <a:endParaRPr sz="1400">
+              <a:solidFill>
+                <a:srgbClr val="000000"/>
+              </a:solidFill>
+              <a:latin typeface="Tahoma"/>
+              <a:ea typeface="Tahoma"/>
+              <a:cs typeface="Tahoma"/>
+              <a:sym typeface="Tahoma"/>
+            </a:endParaRPr>
+          </a:p>
+          <a:p>
+            <a:pPr indent="-317500" lvl="0" marL="457200" rtl="0" algn="l">
+              <a:spcBef>
+                <a:spcPts val="0"/>
+              </a:spcBef>
+              <a:spcAft>
+                <a:spcPts val="0"/>
+              </a:spcAft>
+              <a:buClr>
+                <a:srgbClr val="000000"/>
+              </a:buClr>
+              <a:buSzPts val="1400"/>
+              <a:buFont typeface="Arial"/>
+              <a:buChar char="●"/>
+            </a:pPr>
+            <a:r>
+              <a:rPr b="1" lang="pl" sz="1400">
+                <a:solidFill>
+                  <a:srgbClr val="741B47"/>
+                </a:solidFill>
+                <a:latin typeface="Tahoma"/>
+                <a:ea typeface="Tahoma"/>
+                <a:cs typeface="Tahoma"/>
+                <a:sym typeface="Tahoma"/>
+              </a:rPr>
+              <a:t>Algorytm podpisu</a:t>
+            </a:r>
+            <a:r>
+              <a:rPr b="1" lang="pl" sz="1400">
+                <a:solidFill>
+                  <a:srgbClr val="000000"/>
+                </a:solidFill>
+                <a:latin typeface="Tahoma"/>
+                <a:ea typeface="Tahoma"/>
+                <a:cs typeface="Tahoma"/>
+                <a:sym typeface="Tahoma"/>
+              </a:rPr>
+              <a:t> (Signature Algorithm)</a:t>
+            </a:r>
+            <a:r>
+              <a:rPr lang="pl" sz="1400">
+                <a:solidFill>
+                  <a:srgbClr val="000000"/>
+                </a:solidFill>
+                <a:latin typeface="Tahoma"/>
+                <a:ea typeface="Tahoma"/>
+                <a:cs typeface="Tahoma"/>
+                <a:sym typeface="Tahoma"/>
+              </a:rPr>
+              <a:t>: Określa algorytm użyty do podpisania certyfikatu (np. SHA-256 with RSA).</a:t>
+            </a:r>
+            <a:endParaRPr sz="1400">
+              <a:solidFill>
+                <a:srgbClr val="000000"/>
+              </a:solidFill>
+              <a:latin typeface="Tahoma"/>
+              <a:ea typeface="Tahoma"/>
+              <a:cs typeface="Tahoma"/>
+              <a:sym typeface="Tahoma"/>
+            </a:endParaRPr>
+          </a:p>
+          <a:p>
+            <a:pPr indent="-317500" lvl="0" marL="457200" rtl="0" algn="l">
+              <a:spcBef>
+                <a:spcPts val="0"/>
+              </a:spcBef>
+              <a:spcAft>
+                <a:spcPts val="0"/>
+              </a:spcAft>
+              <a:buClr>
+                <a:srgbClr val="000000"/>
+              </a:buClr>
+              <a:buSzPts val="1400"/>
+              <a:buFont typeface="Arial"/>
+              <a:buChar char="●"/>
+            </a:pPr>
+            <a:r>
+              <a:rPr b="1" lang="pl" sz="1400">
+                <a:solidFill>
+                  <a:srgbClr val="741B47"/>
+                </a:solidFill>
+                <a:latin typeface="Tahoma"/>
+                <a:ea typeface="Tahoma"/>
+                <a:cs typeface="Tahoma"/>
+                <a:sym typeface="Tahoma"/>
+              </a:rPr>
+              <a:t>Wydawca </a:t>
+            </a:r>
+            <a:r>
+              <a:rPr b="1" lang="pl" sz="1400">
+                <a:solidFill>
+                  <a:srgbClr val="000000"/>
+                </a:solidFill>
+                <a:latin typeface="Tahoma"/>
+                <a:ea typeface="Tahoma"/>
+                <a:cs typeface="Tahoma"/>
+                <a:sym typeface="Tahoma"/>
+              </a:rPr>
+              <a:t>(Issuer)</a:t>
+            </a:r>
+            <a:r>
+              <a:rPr lang="pl" sz="1400">
+                <a:solidFill>
+                  <a:srgbClr val="000000"/>
+                </a:solidFill>
+                <a:latin typeface="Tahoma"/>
+                <a:ea typeface="Tahoma"/>
+                <a:cs typeface="Tahoma"/>
+                <a:sym typeface="Tahoma"/>
+              </a:rPr>
+              <a:t>: Dane urzędu certyfikacji, który wystawił certyfikat, w tym nazwa, kraj, organizacja itp.</a:t>
+            </a:r>
+            <a:endParaRPr sz="1400">
+              <a:solidFill>
+                <a:srgbClr val="000000"/>
+              </a:solidFill>
+              <a:latin typeface="Tahoma"/>
+              <a:ea typeface="Tahoma"/>
+              <a:cs typeface="Tahoma"/>
+              <a:sym typeface="Tahoma"/>
+            </a:endParaRPr>
+          </a:p>
+          <a:p>
+            <a:pPr indent="-317500" lvl="0" marL="457200" rtl="0" algn="l">
+              <a:spcBef>
+                <a:spcPts val="0"/>
+              </a:spcBef>
+              <a:spcAft>
+                <a:spcPts val="0"/>
+              </a:spcAft>
+              <a:buClr>
+                <a:srgbClr val="000000"/>
+              </a:buClr>
+              <a:buSzPts val="1400"/>
+              <a:buFont typeface="Arial"/>
+              <a:buChar char="●"/>
+            </a:pPr>
+            <a:r>
+              <a:rPr b="1" lang="pl" sz="1400">
+                <a:solidFill>
+                  <a:srgbClr val="741B47"/>
+                </a:solidFill>
+                <a:latin typeface="Tahoma"/>
+                <a:ea typeface="Tahoma"/>
+                <a:cs typeface="Tahoma"/>
+                <a:sym typeface="Tahoma"/>
+              </a:rPr>
+              <a:t>Okres ważności</a:t>
+            </a:r>
+            <a:r>
+              <a:rPr b="1" lang="pl" sz="1400">
+                <a:solidFill>
+                  <a:srgbClr val="000000"/>
+                </a:solidFill>
+                <a:latin typeface="Tahoma"/>
+                <a:ea typeface="Tahoma"/>
+                <a:cs typeface="Tahoma"/>
+                <a:sym typeface="Tahoma"/>
+              </a:rPr>
+              <a:t> (Validity)</a:t>
+            </a:r>
+            <a:r>
+              <a:rPr lang="pl" sz="1400">
+                <a:solidFill>
+                  <a:srgbClr val="000000"/>
+                </a:solidFill>
+                <a:latin typeface="Tahoma"/>
+                <a:ea typeface="Tahoma"/>
+                <a:cs typeface="Tahoma"/>
+                <a:sym typeface="Tahoma"/>
+              </a:rPr>
+              <a:t>: Daty "od" (Not Before) i "do" (Not After), definiujące, kiedy certyfikat jest aktywny.</a:t>
+            </a:r>
+            <a:endParaRPr sz="1400">
+              <a:solidFill>
+                <a:srgbClr val="000000"/>
+              </a:solidFill>
+              <a:latin typeface="Tahoma"/>
+              <a:ea typeface="Tahoma"/>
+              <a:cs typeface="Tahoma"/>
+              <a:sym typeface="Tahoma"/>
+            </a:endParaRPr>
+          </a:p>
+          <a:p>
+            <a:pPr indent="0" lvl="0" marL="0" rtl="0" algn="l">
+              <a:spcBef>
+                <a:spcPts val="1200"/>
+              </a:spcBef>
+              <a:spcAft>
+                <a:spcPts val="1200"/>
+              </a:spcAft>
+              <a:buNone/>
+            </a:pPr>
+            <a:r>
+              <a:t/>
+            </a:r>
+            <a:endParaRPr sz="1400">
+              <a:latin typeface="Tahoma"/>
+              <a:ea typeface="Tahoma"/>
+              <a:cs typeface="Tahoma"/>
+              <a:sym typeface="Tahoma"/>
+            </a:endParaRPr>
+          </a:p>
+        </p:txBody>
+      </p:sp>
+    </p:spTree>
+  </p:cSld>
+  <p:clrMapOvr>
+    <a:masterClrMapping/>
+  </p:clrMapOvr>
+</p:sld>
+</file>
+
+<file path=ppt/slides/slide54.xml><?xml version="1.0" encoding="utf-8"?>
+<p:sld xmlns:a="http://schemas.openxmlformats.org/drawingml/2006/main" xmlns:r="http://schemas.openxmlformats.org/officeDocument/2006/relationships" xmlns:mc="http://schemas.openxmlformats.org/markup-compatibility/2006" xmlns:mv="urn:schemas-microsoft-com:mac:vml" xmlns:p="http://schemas.openxmlformats.org/presentationml/2006/main" xmlns:c="http://schemas.openxmlformats.org/drawingml/2006/chart" xmlns:dgm="http://schemas.openxmlformats.org/drawingml/2006/diagram" xmlns:o="urn:schemas-microsoft-com:office:office" xmlns:v="urn:schemas-microsoft-com:vml" xmlns:pvml="urn:schemas-microsoft-com:office:powerpoint" xmlns:com="http://schemas.openxmlformats.org/drawingml/2006/compatibility" xmlns:p14="http://schemas.microsoft.com/office/powerpoint/2010/main" xmlns:p15="http://schemas.microsoft.com/office/powerpoint/2012/main" xmlns:ahyp="http://schemas.microsoft.com/office/drawing/2018/hyperlinkcolor">
+  <p:cSld>
+    <p:spTree>
+      <p:nvGrpSpPr>
+        <p:cNvPr id="407" name="Shape 407"/>
+        <p:cNvGrpSpPr/>
+        <p:nvPr/>
+      </p:nvGrpSpPr>
+      <p:grpSpPr>
+        <a:xfrm>
+          <a:off x="0" y="0"/>
+          <a:ext cx="0" cy="0"/>
+          <a:chOff x="0" y="0"/>
+          <a:chExt cx="0" cy="0"/>
+        </a:xfrm>
+      </p:grpSpPr>
+      <p:sp>
+        <p:nvSpPr>
+          <p:cNvPr id="408" name="Google Shape;408;p66"/>
+          <p:cNvSpPr txBox="1"/>
+          <p:nvPr>
+            <p:ph type="title"/>
+          </p:nvPr>
+        </p:nvSpPr>
+        <p:spPr>
+          <a:xfrm>
+            <a:off x="729450" y="1318650"/>
+            <a:ext cx="7688700" cy="535200"/>
+          </a:xfrm>
+          <a:prstGeom prst="rect">
+            <a:avLst/>
+          </a:prstGeom>
+        </p:spPr>
+        <p:txBody>
+          <a:bodyPr anchorCtr="0" anchor="t" bIns="91425" lIns="91425" spcFirstLastPara="1" rIns="91425" wrap="square" tIns="91425">
+            <a:noAutofit/>
+          </a:bodyPr>
+          <a:lstStyle/>
+          <a:p>
+            <a:pPr indent="0" lvl="0" marL="0" rtl="0" algn="l">
+              <a:lnSpc>
+                <a:spcPct val="105000"/>
+              </a:lnSpc>
+              <a:spcBef>
+                <a:spcPts val="0"/>
+              </a:spcBef>
+              <a:spcAft>
+                <a:spcPts val="0"/>
+              </a:spcAft>
+              <a:buNone/>
+            </a:pPr>
+            <a:r>
+              <a:rPr lang="pl" sz="2400">
+                <a:solidFill>
+                  <a:srgbClr val="000000"/>
+                </a:solidFill>
+                <a:latin typeface="Tahoma"/>
+                <a:ea typeface="Tahoma"/>
+                <a:cs typeface="Tahoma"/>
+                <a:sym typeface="Tahoma"/>
+              </a:rPr>
+              <a:t>Certyfikat internetowy zawiera m.in.:</a:t>
+            </a:r>
+            <a:endParaRPr sz="2400">
+              <a:latin typeface="Tahoma"/>
+              <a:ea typeface="Tahoma"/>
+              <a:cs typeface="Tahoma"/>
+              <a:sym typeface="Tahoma"/>
+            </a:endParaRPr>
+          </a:p>
+          <a:p>
+            <a:pPr indent="0" lvl="0" marL="0" rtl="0" algn="l">
+              <a:spcBef>
+                <a:spcPts val="0"/>
+              </a:spcBef>
+              <a:spcAft>
+                <a:spcPts val="0"/>
+              </a:spcAft>
+              <a:buNone/>
+            </a:pPr>
+            <a:r>
+              <a:t/>
+            </a:r>
+            <a:endParaRPr/>
+          </a:p>
+        </p:txBody>
+      </p:sp>
+      <p:sp>
+        <p:nvSpPr>
+          <p:cNvPr id="409" name="Google Shape;409;p66"/>
+          <p:cNvSpPr txBox="1"/>
+          <p:nvPr>
+            <p:ph idx="1" type="body"/>
+          </p:nvPr>
+        </p:nvSpPr>
+        <p:spPr>
+          <a:xfrm>
+            <a:off x="729450" y="2078875"/>
+            <a:ext cx="7688700" cy="2261100"/>
+          </a:xfrm>
+          <a:prstGeom prst="rect">
+            <a:avLst/>
+          </a:prstGeom>
+        </p:spPr>
+        <p:txBody>
+          <a:bodyPr anchorCtr="0" anchor="t" bIns="91425" lIns="91425" spcFirstLastPara="1" rIns="91425" wrap="square" tIns="91425">
+            <a:noAutofit/>
+          </a:bodyPr>
+          <a:lstStyle/>
+          <a:p>
+            <a:pPr indent="-317500" lvl="0" marL="457200" rtl="0" algn="l">
+              <a:spcBef>
+                <a:spcPts val="1200"/>
+              </a:spcBef>
+              <a:spcAft>
+                <a:spcPts val="0"/>
+              </a:spcAft>
+              <a:buClr>
+                <a:srgbClr val="000000"/>
+              </a:buClr>
+              <a:buSzPts val="1400"/>
+              <a:buFont typeface="Arial"/>
+              <a:buChar char="●"/>
+            </a:pPr>
+            <a:r>
+              <a:rPr b="1" lang="pl" sz="1400">
+                <a:solidFill>
+                  <a:srgbClr val="741B47"/>
+                </a:solidFill>
+                <a:latin typeface="Tahoma"/>
+                <a:ea typeface="Tahoma"/>
+                <a:cs typeface="Tahoma"/>
+                <a:sym typeface="Tahoma"/>
+              </a:rPr>
+              <a:t>Podmiot </a:t>
+            </a:r>
+            <a:r>
+              <a:rPr b="1" lang="pl" sz="1400">
+                <a:solidFill>
+                  <a:srgbClr val="000000"/>
+                </a:solidFill>
+                <a:latin typeface="Tahoma"/>
+                <a:ea typeface="Tahoma"/>
+                <a:cs typeface="Tahoma"/>
+                <a:sym typeface="Tahoma"/>
+              </a:rPr>
+              <a:t>(Subject)</a:t>
+            </a:r>
+            <a:r>
+              <a:rPr lang="pl" sz="1400">
+                <a:solidFill>
+                  <a:srgbClr val="000000"/>
+                </a:solidFill>
+                <a:latin typeface="Tahoma"/>
+                <a:ea typeface="Tahoma"/>
+                <a:cs typeface="Tahoma"/>
+                <a:sym typeface="Tahoma"/>
+              </a:rPr>
+              <a:t>: Dane właściciela certyfikatu, np. nazwa domeny (Common Name), organizacja, kraj, miasto.</a:t>
+            </a:r>
+            <a:endParaRPr sz="1400">
+              <a:solidFill>
+                <a:srgbClr val="000000"/>
+              </a:solidFill>
+              <a:latin typeface="Tahoma"/>
+              <a:ea typeface="Tahoma"/>
+              <a:cs typeface="Tahoma"/>
+              <a:sym typeface="Tahoma"/>
+            </a:endParaRPr>
+          </a:p>
+          <a:p>
+            <a:pPr indent="-317500" lvl="0" marL="457200" rtl="0" algn="l">
+              <a:spcBef>
+                <a:spcPts val="0"/>
+              </a:spcBef>
+              <a:spcAft>
+                <a:spcPts val="0"/>
+              </a:spcAft>
+              <a:buClr>
+                <a:srgbClr val="000000"/>
+              </a:buClr>
+              <a:buSzPts val="1400"/>
+              <a:buFont typeface="Arial"/>
+              <a:buChar char="●"/>
+            </a:pPr>
+            <a:r>
+              <a:rPr b="1" lang="pl" sz="1400">
+                <a:solidFill>
+                  <a:srgbClr val="741B47"/>
+                </a:solidFill>
+                <a:latin typeface="Tahoma"/>
+                <a:ea typeface="Tahoma"/>
+                <a:cs typeface="Tahoma"/>
+                <a:sym typeface="Tahoma"/>
+              </a:rPr>
+              <a:t>Informacje o kluczu publicznym podmiotu</a:t>
+            </a:r>
+            <a:r>
+              <a:rPr b="1" lang="pl" sz="1400">
+                <a:solidFill>
+                  <a:srgbClr val="000000"/>
+                </a:solidFill>
+                <a:latin typeface="Tahoma"/>
+                <a:ea typeface="Tahoma"/>
+                <a:cs typeface="Tahoma"/>
+                <a:sym typeface="Tahoma"/>
+              </a:rPr>
+              <a:t> (Subject Public Key Info)</a:t>
+            </a:r>
+            <a:r>
+              <a:rPr lang="pl" sz="1400">
+                <a:solidFill>
+                  <a:srgbClr val="000000"/>
+                </a:solidFill>
+                <a:latin typeface="Tahoma"/>
+                <a:ea typeface="Tahoma"/>
+                <a:cs typeface="Tahoma"/>
+                <a:sym typeface="Tahoma"/>
+              </a:rPr>
+              <a:t>: Klucz publiczny serwera oraz algorytm klucza (np. RSA lub ECDSA).</a:t>
+            </a:r>
+            <a:endParaRPr sz="1400">
+              <a:solidFill>
+                <a:srgbClr val="000000"/>
+              </a:solidFill>
+              <a:latin typeface="Tahoma"/>
+              <a:ea typeface="Tahoma"/>
+              <a:cs typeface="Tahoma"/>
+              <a:sym typeface="Tahoma"/>
+            </a:endParaRPr>
+          </a:p>
+          <a:p>
+            <a:pPr indent="-317500" lvl="0" marL="457200" rtl="0" algn="l">
+              <a:spcBef>
+                <a:spcPts val="0"/>
+              </a:spcBef>
+              <a:spcAft>
+                <a:spcPts val="0"/>
+              </a:spcAft>
+              <a:buClr>
+                <a:srgbClr val="000000"/>
+              </a:buClr>
+              <a:buSzPts val="1400"/>
+              <a:buFont typeface="Arial"/>
+              <a:buChar char="●"/>
+            </a:pPr>
+            <a:r>
+              <a:rPr b="1" lang="pl" sz="1400">
+                <a:solidFill>
+                  <a:srgbClr val="741B47"/>
+                </a:solidFill>
+                <a:latin typeface="Tahoma"/>
+                <a:ea typeface="Tahoma"/>
+                <a:cs typeface="Tahoma"/>
+                <a:sym typeface="Tahoma"/>
+              </a:rPr>
+              <a:t>Rozszerzenia </a:t>
+            </a:r>
+            <a:r>
+              <a:rPr b="1" lang="pl" sz="1400">
+                <a:solidFill>
+                  <a:srgbClr val="000000"/>
+                </a:solidFill>
+                <a:latin typeface="Tahoma"/>
+                <a:ea typeface="Tahoma"/>
+                <a:cs typeface="Tahoma"/>
+                <a:sym typeface="Tahoma"/>
+              </a:rPr>
+              <a:t>(Extensions)</a:t>
+            </a:r>
+            <a:r>
+              <a:rPr lang="pl" sz="1400">
+                <a:solidFill>
+                  <a:srgbClr val="000000"/>
+                </a:solidFill>
+                <a:latin typeface="Tahoma"/>
+                <a:ea typeface="Tahoma"/>
+                <a:cs typeface="Tahoma"/>
+                <a:sym typeface="Tahoma"/>
+              </a:rPr>
+              <a:t>: Dodatkowe pola, takie jak Subject Alternative Names (SAN) dla alternatywnych domen, użycie klucza (Key Usage), autorytet certyfikacji itp.</a:t>
+            </a:r>
+            <a:endParaRPr sz="1400">
+              <a:solidFill>
+                <a:srgbClr val="000000"/>
+              </a:solidFill>
+              <a:latin typeface="Tahoma"/>
+              <a:ea typeface="Tahoma"/>
+              <a:cs typeface="Tahoma"/>
+              <a:sym typeface="Tahoma"/>
+            </a:endParaRPr>
+          </a:p>
+          <a:p>
+            <a:pPr indent="-317500" lvl="0" marL="457200" rtl="0" algn="l">
+              <a:spcBef>
+                <a:spcPts val="0"/>
+              </a:spcBef>
+              <a:spcAft>
+                <a:spcPts val="0"/>
+              </a:spcAft>
+              <a:buClr>
+                <a:srgbClr val="000000"/>
+              </a:buClr>
+              <a:buSzPts val="1400"/>
+              <a:buFont typeface="Arial"/>
+              <a:buChar char="●"/>
+            </a:pPr>
+            <a:r>
+              <a:rPr b="1" lang="pl" sz="1400">
+                <a:solidFill>
+                  <a:srgbClr val="741B47"/>
+                </a:solidFill>
+                <a:latin typeface="Tahoma"/>
+                <a:ea typeface="Tahoma"/>
+                <a:cs typeface="Tahoma"/>
+                <a:sym typeface="Tahoma"/>
+              </a:rPr>
+              <a:t>Podpis cyfrowy</a:t>
+            </a:r>
+            <a:r>
+              <a:rPr b="1" lang="pl" sz="1400">
+                <a:solidFill>
+                  <a:srgbClr val="000000"/>
+                </a:solidFill>
+                <a:latin typeface="Tahoma"/>
+                <a:ea typeface="Tahoma"/>
+                <a:cs typeface="Tahoma"/>
+                <a:sym typeface="Tahoma"/>
+              </a:rPr>
+              <a:t> (Signature)</a:t>
+            </a:r>
+            <a:r>
+              <a:rPr lang="pl" sz="1400">
+                <a:solidFill>
+                  <a:srgbClr val="000000"/>
+                </a:solidFill>
+                <a:latin typeface="Tahoma"/>
+                <a:ea typeface="Tahoma"/>
+                <a:cs typeface="Tahoma"/>
+                <a:sym typeface="Tahoma"/>
+              </a:rPr>
+              <a:t>: Podpis urzędu CA, weryfikujący autentyczność certyfikatu.</a:t>
+            </a:r>
+            <a:endParaRPr sz="1400">
+              <a:solidFill>
+                <a:srgbClr val="000000"/>
+              </a:solidFill>
+              <a:latin typeface="Tahoma"/>
+              <a:ea typeface="Tahoma"/>
+              <a:cs typeface="Tahoma"/>
+              <a:sym typeface="Tahoma"/>
+            </a:endParaRPr>
+          </a:p>
+          <a:p>
+            <a:pPr indent="0" lvl="0" marL="0" rtl="0" algn="l">
+              <a:spcBef>
+                <a:spcPts val="1200"/>
+              </a:spcBef>
+              <a:spcAft>
+                <a:spcPts val="0"/>
+              </a:spcAft>
+              <a:buNone/>
+            </a:pPr>
+            <a:r>
+              <a:t/>
+            </a:r>
+            <a:endParaRPr sz="1400">
+              <a:latin typeface="Tahoma"/>
+              <a:ea typeface="Tahoma"/>
+              <a:cs typeface="Tahoma"/>
+              <a:sym typeface="Tahoma"/>
+            </a:endParaRPr>
+          </a:p>
+          <a:p>
+            <a:pPr indent="0" lvl="0" marL="0" rtl="0" algn="l">
+              <a:spcBef>
+                <a:spcPts val="1200"/>
+              </a:spcBef>
+              <a:spcAft>
+                <a:spcPts val="1200"/>
+              </a:spcAft>
+              <a:buNone/>
+            </a:pPr>
+            <a:r>
+              <a:t/>
+            </a:r>
+            <a:endParaRPr sz="1400">
+              <a:latin typeface="Tahoma"/>
+              <a:ea typeface="Tahoma"/>
+              <a:cs typeface="Tahoma"/>
+              <a:sym typeface="Tahoma"/>
+            </a:endParaRPr>
+          </a:p>
+        </p:txBody>
+      </p:sp>
+    </p:spTree>
+  </p:cSld>
+  <p:clrMapOvr>
+    <a:masterClrMapping/>
+  </p:clrMapOvr>
+</p:sld>
+</file>
+
+<file path=ppt/slides/slide55.xml><?xml version="1.0" encoding="utf-8"?>
+<p:sld xmlns:a="http://schemas.openxmlformats.org/drawingml/2006/main" xmlns:r="http://schemas.openxmlformats.org/officeDocument/2006/relationships" xmlns:mc="http://schemas.openxmlformats.org/markup-compatibility/2006" xmlns:mv="urn:schemas-microsoft-com:mac:vml" xmlns:p="http://schemas.openxmlformats.org/presentationml/2006/main" xmlns:c="http://schemas.openxmlformats.org/drawingml/2006/chart" xmlns:dgm="http://schemas.openxmlformats.org/drawingml/2006/diagram" xmlns:o="urn:schemas-microsoft-com:office:office" xmlns:v="urn:schemas-microsoft-com:vml" xmlns:pvml="urn:schemas-microsoft-com:office:powerpoint" xmlns:com="http://schemas.openxmlformats.org/drawingml/2006/compatibility" xmlns:p14="http://schemas.microsoft.com/office/powerpoint/2010/main" xmlns:p15="http://schemas.microsoft.com/office/powerpoint/2012/main" xmlns:ahyp="http://schemas.microsoft.com/office/drawing/2018/hyperlinkcolor">
+  <p:cSld>
+    <p:spTree>
+      <p:nvGrpSpPr>
+        <p:cNvPr id="413" name="Shape 413"/>
+        <p:cNvGrpSpPr/>
+        <p:nvPr/>
+      </p:nvGrpSpPr>
+      <p:grpSpPr>
+        <a:xfrm>
+          <a:off x="0" y="0"/>
+          <a:ext cx="0" cy="0"/>
+          <a:chOff x="0" y="0"/>
+          <a:chExt cx="0" cy="0"/>
+        </a:xfrm>
+      </p:grpSpPr>
+      <p:sp>
+        <p:nvSpPr>
+          <p:cNvPr id="414" name="Google Shape;414;p67"/>
+          <p:cNvSpPr txBox="1"/>
+          <p:nvPr>
+            <p:ph type="title"/>
+          </p:nvPr>
+        </p:nvSpPr>
+        <p:spPr>
+          <a:xfrm>
+            <a:off x="729450" y="1318650"/>
+            <a:ext cx="7688700" cy="535200"/>
+          </a:xfrm>
+          <a:prstGeom prst="rect">
+            <a:avLst/>
+          </a:prstGeom>
+        </p:spPr>
+        <p:txBody>
+          <a:bodyPr anchorCtr="0" anchor="t" bIns="91425" lIns="91425" spcFirstLastPara="1" rIns="91425" wrap="square" tIns="91425">
+            <a:noAutofit/>
+          </a:bodyPr>
+          <a:lstStyle/>
+          <a:p>
+            <a:pPr indent="0" lvl="0" marL="0" rtl="0" algn="l">
+              <a:spcBef>
+                <a:spcPts val="0"/>
+              </a:spcBef>
+              <a:spcAft>
+                <a:spcPts val="0"/>
+              </a:spcAft>
+              <a:buSzPts val="990"/>
+              <a:buNone/>
+            </a:pPr>
+            <a:r>
+              <a:rPr lang="pl" sz="2440">
+                <a:latin typeface="Tahoma"/>
+                <a:ea typeface="Tahoma"/>
+                <a:cs typeface="Tahoma"/>
+                <a:sym typeface="Tahoma"/>
+              </a:rPr>
+              <a:t>Rodzaje certyfikatów</a:t>
+            </a:r>
+            <a:endParaRPr sz="2440">
+              <a:latin typeface="Tahoma"/>
+              <a:ea typeface="Tahoma"/>
+              <a:cs typeface="Tahoma"/>
+              <a:sym typeface="Tahoma"/>
+            </a:endParaRPr>
+          </a:p>
+        </p:txBody>
+      </p:sp>
+      <p:sp>
+        <p:nvSpPr>
+          <p:cNvPr id="415" name="Google Shape;415;p67"/>
+          <p:cNvSpPr txBox="1"/>
+          <p:nvPr>
+            <p:ph idx="1" type="body"/>
+          </p:nvPr>
+        </p:nvSpPr>
+        <p:spPr>
+          <a:xfrm>
+            <a:off x="729450" y="2078875"/>
+            <a:ext cx="7688700" cy="2261100"/>
+          </a:xfrm>
+          <a:prstGeom prst="rect">
+            <a:avLst/>
+          </a:prstGeom>
+        </p:spPr>
+        <p:txBody>
+          <a:bodyPr anchorCtr="0" anchor="t" bIns="91425" lIns="91425" spcFirstLastPara="1" rIns="91425" wrap="square" tIns="91425">
+            <a:noAutofit/>
+          </a:bodyPr>
+          <a:lstStyle/>
+          <a:p>
+            <a:pPr indent="0" lvl="0" marL="0" rtl="0" algn="l">
+              <a:lnSpc>
+                <a:spcPct val="95000"/>
+              </a:lnSpc>
+              <a:spcBef>
+                <a:spcPts val="1400"/>
+              </a:spcBef>
+              <a:spcAft>
+                <a:spcPts val="0"/>
+              </a:spcAft>
+              <a:buSzPts val="1018"/>
+              <a:buNone/>
+            </a:pPr>
+            <a:r>
+              <a:rPr b="1" lang="pl" sz="1400">
+                <a:solidFill>
+                  <a:srgbClr val="000000"/>
+                </a:solidFill>
+                <a:latin typeface="Tahoma"/>
+                <a:ea typeface="Tahoma"/>
+                <a:cs typeface="Tahoma"/>
+                <a:sym typeface="Tahoma"/>
+              </a:rPr>
+              <a:t>➡️ </a:t>
+            </a:r>
+            <a:r>
+              <a:rPr b="1" lang="pl" sz="1400">
+                <a:solidFill>
+                  <a:srgbClr val="274E13"/>
+                </a:solidFill>
+                <a:latin typeface="Tahoma"/>
+                <a:ea typeface="Tahoma"/>
+                <a:cs typeface="Tahoma"/>
+                <a:sym typeface="Tahoma"/>
+              </a:rPr>
+              <a:t>DV – Domain Validation</a:t>
+            </a:r>
+            <a:endParaRPr b="1" sz="1400">
+              <a:solidFill>
+                <a:srgbClr val="274E13"/>
+              </a:solidFill>
+              <a:latin typeface="Tahoma"/>
+              <a:ea typeface="Tahoma"/>
+              <a:cs typeface="Tahoma"/>
+              <a:sym typeface="Tahoma"/>
+            </a:endParaRPr>
+          </a:p>
+          <a:p>
+            <a:pPr indent="0" lvl="0" marL="0" rtl="0" algn="l">
+              <a:lnSpc>
+                <a:spcPct val="95000"/>
+              </a:lnSpc>
+              <a:spcBef>
+                <a:spcPts val="1200"/>
+              </a:spcBef>
+              <a:spcAft>
+                <a:spcPts val="0"/>
+              </a:spcAft>
+              <a:buSzPts val="1018"/>
+              <a:buNone/>
+            </a:pPr>
+            <a:r>
+              <a:rPr lang="pl" sz="1400">
+                <a:solidFill>
+                  <a:srgbClr val="000000"/>
+                </a:solidFill>
+                <a:latin typeface="Tahoma"/>
+                <a:ea typeface="Tahoma"/>
+                <a:cs typeface="Tahoma"/>
+                <a:sym typeface="Tahoma"/>
+              </a:rPr>
+              <a:t>Najprostsze i najtańsze (np. Let's Encrypt).</a:t>
+            </a:r>
+            <a:br>
+              <a:rPr lang="pl" sz="1400">
+                <a:solidFill>
+                  <a:srgbClr val="000000"/>
+                </a:solidFill>
+                <a:latin typeface="Tahoma"/>
+                <a:ea typeface="Tahoma"/>
+                <a:cs typeface="Tahoma"/>
+                <a:sym typeface="Tahoma"/>
+              </a:rPr>
+            </a:br>
+            <a:r>
+              <a:rPr lang="pl" sz="1400">
+                <a:solidFill>
+                  <a:srgbClr val="000000"/>
+                </a:solidFill>
+                <a:latin typeface="Tahoma"/>
+                <a:ea typeface="Tahoma"/>
+                <a:cs typeface="Tahoma"/>
+                <a:sym typeface="Tahoma"/>
+              </a:rPr>
+              <a:t> Sprawdzana jest tylko domena.</a:t>
+            </a:r>
+            <a:endParaRPr sz="1400">
+              <a:solidFill>
+                <a:srgbClr val="000000"/>
+              </a:solidFill>
+              <a:latin typeface="Tahoma"/>
+              <a:ea typeface="Tahoma"/>
+              <a:cs typeface="Tahoma"/>
+              <a:sym typeface="Tahoma"/>
+            </a:endParaRPr>
+          </a:p>
+          <a:p>
+            <a:pPr indent="0" lvl="0" marL="0" rtl="0" algn="l">
+              <a:lnSpc>
+                <a:spcPct val="95000"/>
+              </a:lnSpc>
+              <a:spcBef>
+                <a:spcPts val="1400"/>
+              </a:spcBef>
+              <a:spcAft>
+                <a:spcPts val="0"/>
+              </a:spcAft>
+              <a:buSzPts val="1018"/>
+              <a:buNone/>
+            </a:pPr>
+            <a:r>
+              <a:rPr b="1" lang="pl" sz="1400">
+                <a:solidFill>
+                  <a:srgbClr val="000000"/>
+                </a:solidFill>
+                <a:latin typeface="Tahoma"/>
+                <a:ea typeface="Tahoma"/>
+                <a:cs typeface="Tahoma"/>
+                <a:sym typeface="Tahoma"/>
+              </a:rPr>
+              <a:t>➡️ </a:t>
+            </a:r>
+            <a:r>
+              <a:rPr b="1" lang="pl" sz="1400">
+                <a:solidFill>
+                  <a:srgbClr val="274E13"/>
+                </a:solidFill>
+                <a:latin typeface="Tahoma"/>
+                <a:ea typeface="Tahoma"/>
+                <a:cs typeface="Tahoma"/>
+                <a:sym typeface="Tahoma"/>
+              </a:rPr>
+              <a:t>OV – Organization Validation</a:t>
+            </a:r>
+            <a:endParaRPr b="1" sz="1400">
+              <a:solidFill>
+                <a:srgbClr val="274E13"/>
+              </a:solidFill>
+              <a:latin typeface="Tahoma"/>
+              <a:ea typeface="Tahoma"/>
+              <a:cs typeface="Tahoma"/>
+              <a:sym typeface="Tahoma"/>
+            </a:endParaRPr>
+          </a:p>
+          <a:p>
+            <a:pPr indent="0" lvl="0" marL="0" rtl="0" algn="l">
+              <a:lnSpc>
+                <a:spcPct val="95000"/>
+              </a:lnSpc>
+              <a:spcBef>
+                <a:spcPts val="1200"/>
+              </a:spcBef>
+              <a:spcAft>
+                <a:spcPts val="0"/>
+              </a:spcAft>
+              <a:buSzPts val="1018"/>
+              <a:buNone/>
+            </a:pPr>
+            <a:r>
+              <a:rPr lang="pl" sz="1400">
+                <a:solidFill>
+                  <a:srgbClr val="000000"/>
+                </a:solidFill>
+                <a:latin typeface="Tahoma"/>
+                <a:ea typeface="Tahoma"/>
+                <a:cs typeface="Tahoma"/>
+                <a:sym typeface="Tahoma"/>
+              </a:rPr>
+              <a:t>Weryfikowana jest firma, która posiada domenę.</a:t>
+            </a:r>
+            <a:endParaRPr sz="1400">
+              <a:solidFill>
+                <a:srgbClr val="000000"/>
+              </a:solidFill>
+              <a:latin typeface="Tahoma"/>
+              <a:ea typeface="Tahoma"/>
+              <a:cs typeface="Tahoma"/>
+              <a:sym typeface="Tahoma"/>
+            </a:endParaRPr>
+          </a:p>
+          <a:p>
+            <a:pPr indent="0" lvl="0" marL="0" rtl="0" algn="l">
+              <a:lnSpc>
+                <a:spcPct val="95000"/>
+              </a:lnSpc>
+              <a:spcBef>
+                <a:spcPts val="1400"/>
+              </a:spcBef>
+              <a:spcAft>
+                <a:spcPts val="0"/>
+              </a:spcAft>
+              <a:buSzPts val="1018"/>
+              <a:buNone/>
+            </a:pPr>
+            <a:r>
+              <a:rPr b="1" lang="pl" sz="1400">
+                <a:solidFill>
+                  <a:srgbClr val="000000"/>
+                </a:solidFill>
+                <a:latin typeface="Tahoma"/>
+                <a:ea typeface="Tahoma"/>
+                <a:cs typeface="Tahoma"/>
+                <a:sym typeface="Tahoma"/>
+              </a:rPr>
+              <a:t>➡️ </a:t>
+            </a:r>
+            <a:r>
+              <a:rPr b="1" lang="pl" sz="1400">
+                <a:solidFill>
+                  <a:srgbClr val="274E13"/>
+                </a:solidFill>
+                <a:latin typeface="Tahoma"/>
+                <a:ea typeface="Tahoma"/>
+                <a:cs typeface="Tahoma"/>
+                <a:sym typeface="Tahoma"/>
+              </a:rPr>
+              <a:t>EV – Extended Validation</a:t>
+            </a:r>
+            <a:endParaRPr b="1" sz="1400">
+              <a:solidFill>
+                <a:srgbClr val="274E13"/>
+              </a:solidFill>
+              <a:latin typeface="Tahoma"/>
+              <a:ea typeface="Tahoma"/>
+              <a:cs typeface="Tahoma"/>
+              <a:sym typeface="Tahoma"/>
+            </a:endParaRPr>
+          </a:p>
+          <a:p>
+            <a:pPr indent="0" lvl="0" marL="0" rtl="0" algn="l">
+              <a:lnSpc>
+                <a:spcPct val="95000"/>
+              </a:lnSpc>
+              <a:spcBef>
+                <a:spcPts val="1200"/>
+              </a:spcBef>
+              <a:spcAft>
+                <a:spcPts val="1200"/>
+              </a:spcAft>
+              <a:buSzPts val="1018"/>
+              <a:buNone/>
+            </a:pPr>
+            <a:r>
+              <a:rPr lang="pl" sz="1400">
+                <a:solidFill>
+                  <a:srgbClr val="000000"/>
+                </a:solidFill>
+                <a:latin typeface="Tahoma"/>
+                <a:ea typeface="Tahoma"/>
+                <a:cs typeface="Tahoma"/>
+                <a:sym typeface="Tahoma"/>
+              </a:rPr>
+              <a:t>Najwyższy poziom weryfikacji – pełna weryfikacja organizacji.</a:t>
+            </a:r>
+            <a:br>
+              <a:rPr lang="pl" sz="1400">
+                <a:solidFill>
+                  <a:srgbClr val="000000"/>
+                </a:solidFill>
+                <a:latin typeface="Tahoma"/>
+                <a:ea typeface="Tahoma"/>
+                <a:cs typeface="Tahoma"/>
+                <a:sym typeface="Tahoma"/>
+              </a:rPr>
+            </a:br>
+            <a:r>
+              <a:rPr lang="pl" sz="1400">
+                <a:solidFill>
+                  <a:srgbClr val="000000"/>
+                </a:solidFill>
+                <a:latin typeface="Tahoma"/>
+                <a:ea typeface="Tahoma"/>
+                <a:cs typeface="Tahoma"/>
+                <a:sym typeface="Tahoma"/>
+              </a:rPr>
+              <a:t> Kiedyś prezentowane jako zielony pasek w przeglądarce.</a:t>
+            </a:r>
+            <a:endParaRPr sz="1400">
+              <a:latin typeface="Tahoma"/>
+              <a:ea typeface="Tahoma"/>
+              <a:cs typeface="Tahoma"/>
+              <a:sym typeface="Tahoma"/>
+            </a:endParaRPr>
+          </a:p>
+        </p:txBody>
+      </p:sp>
+    </p:spTree>
+  </p:cSld>
+  <p:clrMapOvr>
+    <a:masterClrMapping/>
+  </p:clrMapOvr>
+</p:sld>
+</file>
+
+<file path=ppt/slides/slide56.xml><?xml version="1.0" encoding="utf-8"?>
+<p:sld xmlns:a="http://schemas.openxmlformats.org/drawingml/2006/main" xmlns:r="http://schemas.openxmlformats.org/officeDocument/2006/relationships" xmlns:mc="http://schemas.openxmlformats.org/markup-compatibility/2006" xmlns:mv="urn:schemas-microsoft-com:mac:vml" xmlns:p="http://schemas.openxmlformats.org/presentationml/2006/main" xmlns:c="http://schemas.openxmlformats.org/drawingml/2006/chart" xmlns:dgm="http://schemas.openxmlformats.org/drawingml/2006/diagram" xmlns:o="urn:schemas-microsoft-com:office:office" xmlns:v="urn:schemas-microsoft-com:vml" xmlns:pvml="urn:schemas-microsoft-com:office:powerpoint" xmlns:com="http://schemas.openxmlformats.org/drawingml/2006/compatibility" xmlns:p14="http://schemas.microsoft.com/office/powerpoint/2010/main" xmlns:p15="http://schemas.microsoft.com/office/powerpoint/2012/main" xmlns:ahyp="http://schemas.microsoft.com/office/drawing/2018/hyperlinkcolor">
+  <p:cSld>
+    <p:spTree>
+      <p:nvGrpSpPr>
+        <p:cNvPr id="419" name="Shape 419"/>
+        <p:cNvGrpSpPr/>
+        <p:nvPr/>
+      </p:nvGrpSpPr>
+      <p:grpSpPr>
+        <a:xfrm>
+          <a:off x="0" y="0"/>
+          <a:ext cx="0" cy="0"/>
+          <a:chOff x="0" y="0"/>
+          <a:chExt cx="0" cy="0"/>
+        </a:xfrm>
+      </p:grpSpPr>
+      <p:sp>
+        <p:nvSpPr>
+          <p:cNvPr id="420" name="Google Shape;420;p68"/>
+          <p:cNvSpPr txBox="1"/>
+          <p:nvPr>
+            <p:ph type="title"/>
+          </p:nvPr>
+        </p:nvSpPr>
+        <p:spPr>
+          <a:xfrm>
+            <a:off x="729450" y="1318650"/>
+            <a:ext cx="7688700" cy="535200"/>
+          </a:xfrm>
+          <a:prstGeom prst="rect">
+            <a:avLst/>
+          </a:prstGeom>
+        </p:spPr>
+        <p:txBody>
+          <a:bodyPr anchorCtr="0" anchor="t" bIns="91425" lIns="91425" spcFirstLastPara="1" rIns="91425" wrap="square" tIns="91425">
+            <a:normAutofit fontScale="90000"/>
+          </a:bodyPr>
+          <a:lstStyle/>
+          <a:p>
+            <a:pPr indent="0" lvl="0" marL="0" rtl="0" algn="l">
+              <a:spcBef>
+                <a:spcPts val="0"/>
+              </a:spcBef>
+              <a:spcAft>
+                <a:spcPts val="0"/>
+              </a:spcAft>
+              <a:buNone/>
+            </a:pPr>
+            <a:r>
+              <a:rPr lang="pl"/>
+              <a:t>SSL czy TLS</a:t>
+            </a:r>
+            <a:endParaRPr/>
+          </a:p>
+        </p:txBody>
+      </p:sp>
+      <p:sp>
+        <p:nvSpPr>
+          <p:cNvPr id="421" name="Google Shape;421;p68"/>
+          <p:cNvSpPr txBox="1"/>
+          <p:nvPr>
+            <p:ph idx="1" type="body"/>
+          </p:nvPr>
+        </p:nvSpPr>
+        <p:spPr>
+          <a:xfrm>
+            <a:off x="729450" y="2078875"/>
+            <a:ext cx="7688700" cy="2261100"/>
+          </a:xfrm>
+          <a:prstGeom prst="rect">
+            <a:avLst/>
+          </a:prstGeom>
+        </p:spPr>
+        <p:txBody>
+          <a:bodyPr anchorCtr="0" anchor="t" bIns="91425" lIns="91425" spcFirstLastPara="1" rIns="91425" wrap="square" tIns="91425">
+            <a:normAutofit/>
+          </a:bodyPr>
+          <a:lstStyle/>
+          <a:p>
+            <a:pPr indent="0" lvl="0" marL="0" rtl="0" algn="l">
+              <a:spcBef>
+                <a:spcPts val="0"/>
+              </a:spcBef>
+              <a:spcAft>
+                <a:spcPts val="0"/>
+              </a:spcAft>
+              <a:buNone/>
+            </a:pPr>
+            <a:r>
+              <a:rPr b="1" lang="pl" sz="1400">
+                <a:solidFill>
+                  <a:srgbClr val="274E13"/>
+                </a:solidFill>
+                <a:latin typeface="Tahoma"/>
+                <a:ea typeface="Tahoma"/>
+                <a:cs typeface="Tahoma"/>
+                <a:sym typeface="Tahoma"/>
+              </a:rPr>
+              <a:t>SSL (Secure Sockets Layer)</a:t>
+            </a:r>
+            <a:r>
+              <a:rPr lang="pl" sz="1400">
+                <a:solidFill>
+                  <a:srgbClr val="000000"/>
+                </a:solidFill>
+                <a:latin typeface="Tahoma"/>
+                <a:ea typeface="Tahoma"/>
+                <a:cs typeface="Tahoma"/>
+                <a:sym typeface="Tahoma"/>
+              </a:rPr>
+              <a:t>: To starszy protokół szyfrowania, opracowany w latach 90. przez Netscape. Jego ostatnie wersje (SSL 2.0 i 3.0) miały poważne luki bezpieczeństwa, dlatego od dawna nie są zalecane i nie są używane w praktyce.</a:t>
+            </a:r>
+            <a:endParaRPr sz="1400">
+              <a:solidFill>
+                <a:srgbClr val="000000"/>
+              </a:solidFill>
+              <a:latin typeface="Tahoma"/>
+              <a:ea typeface="Tahoma"/>
+              <a:cs typeface="Tahoma"/>
+              <a:sym typeface="Tahoma"/>
+            </a:endParaRPr>
+          </a:p>
+          <a:p>
+            <a:pPr indent="0" lvl="0" marL="0" rtl="0" algn="l">
+              <a:spcBef>
+                <a:spcPts val="1200"/>
+              </a:spcBef>
+              <a:spcAft>
+                <a:spcPts val="0"/>
+              </a:spcAft>
+              <a:buNone/>
+            </a:pPr>
+            <a:r>
+              <a:rPr b="1" lang="pl" sz="1400">
+                <a:solidFill>
+                  <a:srgbClr val="274E13"/>
+                </a:solidFill>
+                <a:latin typeface="Tahoma"/>
+                <a:ea typeface="Tahoma"/>
+                <a:cs typeface="Tahoma"/>
+                <a:sym typeface="Tahoma"/>
+              </a:rPr>
+              <a:t>TLS (Transport Layer Security)</a:t>
+            </a:r>
+            <a:r>
+              <a:rPr lang="pl" sz="1400">
+                <a:solidFill>
+                  <a:srgbClr val="000000"/>
+                </a:solidFill>
+                <a:latin typeface="Tahoma"/>
+                <a:ea typeface="Tahoma"/>
+                <a:cs typeface="Tahoma"/>
+                <a:sym typeface="Tahoma"/>
+              </a:rPr>
+              <a:t>: To ulepszona i bezpieczniejsza wersja SSL, rozwijana od 1999 roku. Aktualne wersje to TLS 1.2 i TLS 1.3 (TLS 1.0 i 1.1 też są przestarzałe i wycofywane). TLS jest standardem de facto w dzisiejszym internecie.</a:t>
+            </a:r>
+            <a:endParaRPr sz="1400">
+              <a:solidFill>
+                <a:srgbClr val="000000"/>
+              </a:solidFill>
+              <a:latin typeface="Tahoma"/>
+              <a:ea typeface="Tahoma"/>
+              <a:cs typeface="Tahoma"/>
+              <a:sym typeface="Tahoma"/>
+            </a:endParaRPr>
+          </a:p>
+          <a:p>
+            <a:pPr indent="0" lvl="0" marL="0" rtl="0" algn="l">
+              <a:spcBef>
+                <a:spcPts val="1200"/>
+              </a:spcBef>
+              <a:spcAft>
+                <a:spcPts val="1200"/>
+              </a:spcAft>
+              <a:buNone/>
+            </a:pPr>
+            <a:r>
+              <a:t/>
+            </a:r>
+            <a:endParaRPr/>
+          </a:p>
+        </p:txBody>
+      </p:sp>
+    </p:spTree>
+  </p:cSld>
+  <p:clrMapOvr>
+    <a:masterClrMapping/>
+  </p:clrMapOvr>
+</p:sld>
+</file>
+
+<file path=ppt/slides/slide57.xml><?xml version="1.0" encoding="utf-8"?>
+<p:sld xmlns:a="http://schemas.openxmlformats.org/drawingml/2006/main" xmlns:r="http://schemas.openxmlformats.org/officeDocument/2006/relationships" xmlns:mc="http://schemas.openxmlformats.org/markup-compatibility/2006" xmlns:mv="urn:schemas-microsoft-com:mac:vml" xmlns:p="http://schemas.openxmlformats.org/presentationml/2006/main" xmlns:c="http://schemas.openxmlformats.org/drawingml/2006/chart" xmlns:dgm="http://schemas.openxmlformats.org/drawingml/2006/diagram" xmlns:o="urn:schemas-microsoft-com:office:office" xmlns:v="urn:schemas-microsoft-com:vml" xmlns:pvml="urn:schemas-microsoft-com:office:powerpoint" xmlns:com="http://schemas.openxmlformats.org/drawingml/2006/compatibility" xmlns:p14="http://schemas.microsoft.com/office/powerpoint/2010/main" xmlns:p15="http://schemas.microsoft.com/office/powerpoint/2012/main" xmlns:ahyp="http://schemas.microsoft.com/office/drawing/2018/hyperlinkcolor">
+  <p:cSld>
+    <p:spTree>
+      <p:nvGrpSpPr>
+        <p:cNvPr id="425" name="Shape 425"/>
+        <p:cNvGrpSpPr/>
+        <p:nvPr/>
+      </p:nvGrpSpPr>
+      <p:grpSpPr>
+        <a:xfrm>
+          <a:off x="0" y="0"/>
+          <a:ext cx="0" cy="0"/>
+          <a:chOff x="0" y="0"/>
+          <a:chExt cx="0" cy="0"/>
+        </a:xfrm>
+      </p:grpSpPr>
+      <p:sp>
+        <p:nvSpPr>
+          <p:cNvPr id="426" name="Google Shape;426;p69"/>
+          <p:cNvSpPr txBox="1"/>
+          <p:nvPr>
+            <p:ph type="title"/>
+          </p:nvPr>
+        </p:nvSpPr>
+        <p:spPr>
+          <a:xfrm>
+            <a:off x="729450" y="1318650"/>
+            <a:ext cx="7688700" cy="535200"/>
+          </a:xfrm>
+          <a:prstGeom prst="rect">
+            <a:avLst/>
+          </a:prstGeom>
+        </p:spPr>
+        <p:txBody>
+          <a:bodyPr anchorCtr="0" anchor="t" bIns="91425" lIns="91425" spcFirstLastPara="1" rIns="91425" wrap="square" tIns="91425">
+            <a:noAutofit/>
+          </a:bodyPr>
+          <a:lstStyle/>
+          <a:p>
+            <a:pPr indent="0" lvl="0" marL="0" rtl="0" algn="l">
+              <a:spcBef>
+                <a:spcPts val="0"/>
+              </a:spcBef>
+              <a:spcAft>
+                <a:spcPts val="0"/>
+              </a:spcAft>
+              <a:buNone/>
+            </a:pPr>
+            <a:r>
+              <a:rPr lang="pl" sz="2400">
+                <a:solidFill>
+                  <a:srgbClr val="0A0A0A"/>
+                </a:solidFill>
+                <a:highlight>
+                  <a:srgbClr val="FFFFFF"/>
+                </a:highlight>
+                <a:latin typeface="Tahoma"/>
+                <a:ea typeface="Tahoma"/>
+                <a:cs typeface="Tahoma"/>
+                <a:sym typeface="Tahoma"/>
+              </a:rPr>
+              <a:t>Szyfrowanie end-to-end (E2EE)</a:t>
+            </a:r>
+            <a:endParaRPr sz="2400">
+              <a:latin typeface="Tahoma"/>
+              <a:ea typeface="Tahoma"/>
+              <a:cs typeface="Tahoma"/>
+              <a:sym typeface="Tahoma"/>
+            </a:endParaRPr>
+          </a:p>
+        </p:txBody>
+      </p:sp>
+      <p:sp>
+        <p:nvSpPr>
+          <p:cNvPr id="427" name="Google Shape;427;p69"/>
+          <p:cNvSpPr txBox="1"/>
+          <p:nvPr>
+            <p:ph idx="1" type="body"/>
+          </p:nvPr>
+        </p:nvSpPr>
+        <p:spPr>
+          <a:xfrm>
+            <a:off x="729450" y="2078875"/>
+            <a:ext cx="7688700" cy="2261100"/>
+          </a:xfrm>
+          <a:prstGeom prst="rect">
+            <a:avLst/>
+          </a:prstGeom>
+        </p:spPr>
+        <p:txBody>
+          <a:bodyPr anchorCtr="0" anchor="t" bIns="91425" lIns="91425" spcFirstLastPara="1" rIns="91425" wrap="square" tIns="91425">
+            <a:noAutofit/>
+          </a:bodyPr>
+          <a:lstStyle/>
+          <a:p>
+            <a:pPr indent="0" lvl="0" marL="0" rtl="0" algn="l">
+              <a:spcBef>
+                <a:spcPts val="0"/>
+              </a:spcBef>
+              <a:spcAft>
+                <a:spcPts val="0"/>
+              </a:spcAft>
+              <a:buNone/>
+            </a:pPr>
+            <a:r>
+              <a:rPr lang="pl" sz="1400">
+                <a:solidFill>
+                  <a:srgbClr val="000000"/>
+                </a:solidFill>
+                <a:latin typeface="Tahoma"/>
+                <a:ea typeface="Tahoma"/>
+                <a:cs typeface="Tahoma"/>
+                <a:sym typeface="Tahoma"/>
+              </a:rPr>
+              <a:t>to</a:t>
+            </a:r>
+            <a:r>
+              <a:rPr b="1" lang="pl" sz="1400">
+                <a:solidFill>
+                  <a:srgbClr val="000000"/>
+                </a:solidFill>
+                <a:latin typeface="Tahoma"/>
+                <a:ea typeface="Tahoma"/>
+                <a:cs typeface="Tahoma"/>
+                <a:sym typeface="Tahoma"/>
+              </a:rPr>
+              <a:t> </a:t>
+            </a:r>
+            <a:r>
+              <a:rPr b="1" lang="pl" sz="1400">
+                <a:solidFill>
+                  <a:srgbClr val="1C4587"/>
+                </a:solidFill>
+                <a:latin typeface="Tahoma"/>
+                <a:ea typeface="Tahoma"/>
+                <a:cs typeface="Tahoma"/>
+                <a:sym typeface="Tahoma"/>
+              </a:rPr>
+              <a:t>metoda zabezpieczania komunikacji</a:t>
+            </a:r>
+            <a:r>
+              <a:rPr lang="pl" sz="1400">
+                <a:solidFill>
+                  <a:srgbClr val="001D35"/>
+                </a:solidFill>
+                <a:latin typeface="Tahoma"/>
+                <a:ea typeface="Tahoma"/>
+                <a:cs typeface="Tahoma"/>
+                <a:sym typeface="Tahoma"/>
+              </a:rPr>
+              <a:t>, dzięki której wiadomość jest </a:t>
+            </a:r>
+            <a:r>
+              <a:rPr b="1" lang="pl" sz="1400">
+                <a:solidFill>
+                  <a:srgbClr val="1C4587"/>
+                </a:solidFill>
+                <a:latin typeface="Tahoma"/>
+                <a:ea typeface="Tahoma"/>
+                <a:cs typeface="Tahoma"/>
+                <a:sym typeface="Tahoma"/>
+              </a:rPr>
+              <a:t>dostępna tylko dla nadawcy i odbiorcy</a:t>
+            </a:r>
+            <a:r>
+              <a:rPr lang="pl" sz="1400">
+                <a:solidFill>
+                  <a:srgbClr val="1C4587"/>
+                </a:solidFill>
+                <a:highlight>
+                  <a:srgbClr val="FFFFFF"/>
+                </a:highlight>
+                <a:latin typeface="Tahoma"/>
+                <a:ea typeface="Tahoma"/>
+                <a:cs typeface="Tahoma"/>
+                <a:sym typeface="Tahoma"/>
+              </a:rPr>
+              <a:t>. </a:t>
+            </a:r>
+            <a:r>
+              <a:rPr b="1" lang="pl" sz="1400">
+                <a:solidFill>
+                  <a:srgbClr val="1C4587"/>
+                </a:solidFill>
+                <a:highlight>
+                  <a:srgbClr val="FFFFFF"/>
+                </a:highlight>
+                <a:latin typeface="Tahoma"/>
+                <a:ea typeface="Tahoma"/>
+                <a:cs typeface="Tahoma"/>
+                <a:sym typeface="Tahoma"/>
+              </a:rPr>
+              <a:t>Dane są szyfrowane na urządzeniu nadawcy i odszyfrowywane dopiero na urządzeniu odbiorcy</a:t>
+            </a:r>
+            <a:r>
+              <a:rPr lang="pl" sz="1400">
+                <a:solidFill>
+                  <a:srgbClr val="0A0A0A"/>
+                </a:solidFill>
+                <a:highlight>
+                  <a:srgbClr val="FFFFFF"/>
+                </a:highlight>
+                <a:latin typeface="Tahoma"/>
+                <a:ea typeface="Tahoma"/>
+                <a:cs typeface="Tahoma"/>
+                <a:sym typeface="Tahoma"/>
+              </a:rPr>
+              <a:t>, co oznacza, że żaden pośrednik, w tym dostawca usługi, nie ma dostępu do ich treści. </a:t>
+            </a:r>
+            <a:endParaRPr sz="1400">
+              <a:solidFill>
+                <a:srgbClr val="0A0A0A"/>
+              </a:solidFill>
+              <a:highlight>
+                <a:srgbClr val="FFFFFF"/>
+              </a:highlight>
+              <a:latin typeface="Tahoma"/>
+              <a:ea typeface="Tahoma"/>
+              <a:cs typeface="Tahoma"/>
+              <a:sym typeface="Tahoma"/>
+            </a:endParaRPr>
+          </a:p>
+          <a:p>
+            <a:pPr indent="0" lvl="0" marL="0" rtl="0" algn="l">
+              <a:spcBef>
+                <a:spcPts val="0"/>
+              </a:spcBef>
+              <a:spcAft>
+                <a:spcPts val="0"/>
+              </a:spcAft>
+              <a:buNone/>
+            </a:pPr>
+            <a:r>
+              <a:t/>
+            </a:r>
+            <a:endParaRPr sz="1400">
+              <a:solidFill>
+                <a:srgbClr val="0A0A0A"/>
+              </a:solidFill>
+              <a:highlight>
+                <a:srgbClr val="FFFFFF"/>
+              </a:highlight>
+              <a:latin typeface="Tahoma"/>
+              <a:ea typeface="Tahoma"/>
+              <a:cs typeface="Tahoma"/>
+              <a:sym typeface="Tahoma"/>
+            </a:endParaRPr>
+          </a:p>
+          <a:p>
+            <a:pPr indent="0" lvl="0" marL="0" rtl="0" algn="l">
+              <a:spcBef>
+                <a:spcPts val="0"/>
+              </a:spcBef>
+              <a:spcAft>
+                <a:spcPts val="0"/>
+              </a:spcAft>
+              <a:buNone/>
+            </a:pPr>
+            <a:r>
+              <a:rPr lang="pl" sz="1400">
+                <a:solidFill>
+                  <a:srgbClr val="0A0A0A"/>
+                </a:solidFill>
+                <a:highlight>
+                  <a:srgbClr val="FFFFFF"/>
+                </a:highlight>
+                <a:latin typeface="Tahoma"/>
+                <a:ea typeface="Tahoma"/>
+                <a:cs typeface="Tahoma"/>
+                <a:sym typeface="Tahoma"/>
+              </a:rPr>
+              <a:t>✔️ Przykład:</a:t>
+            </a:r>
+            <a:endParaRPr sz="1400">
+              <a:solidFill>
+                <a:srgbClr val="0A0A0A"/>
+              </a:solidFill>
+              <a:highlight>
+                <a:srgbClr val="FFFFFF"/>
+              </a:highlight>
+              <a:latin typeface="Tahoma"/>
+              <a:ea typeface="Tahoma"/>
+              <a:cs typeface="Tahoma"/>
+              <a:sym typeface="Tahoma"/>
+            </a:endParaRPr>
+          </a:p>
+          <a:p>
+            <a:pPr indent="-317500" lvl="0" marL="457200" rtl="0" algn="l">
+              <a:spcBef>
+                <a:spcPts val="0"/>
+              </a:spcBef>
+              <a:spcAft>
+                <a:spcPts val="0"/>
+              </a:spcAft>
+              <a:buClr>
+                <a:srgbClr val="0A0A0A"/>
+              </a:buClr>
+              <a:buSzPts val="1400"/>
+              <a:buFont typeface="Tahoma"/>
+              <a:buChar char="●"/>
+            </a:pPr>
+            <a:r>
+              <a:rPr lang="pl" sz="1400">
+                <a:solidFill>
+                  <a:srgbClr val="0A0A0A"/>
+                </a:solidFill>
+                <a:highlight>
+                  <a:srgbClr val="FFFFFF"/>
+                </a:highlight>
+                <a:latin typeface="Tahoma"/>
+                <a:ea typeface="Tahoma"/>
+                <a:cs typeface="Tahoma"/>
+                <a:sym typeface="Tahoma"/>
+              </a:rPr>
+              <a:t>WhatsApp, </a:t>
+            </a:r>
+            <a:endParaRPr sz="1400">
+              <a:solidFill>
+                <a:srgbClr val="0A0A0A"/>
+              </a:solidFill>
+              <a:highlight>
+                <a:srgbClr val="FFFFFF"/>
+              </a:highlight>
+              <a:latin typeface="Tahoma"/>
+              <a:ea typeface="Tahoma"/>
+              <a:cs typeface="Tahoma"/>
+              <a:sym typeface="Tahoma"/>
+            </a:endParaRPr>
+          </a:p>
+          <a:p>
+            <a:pPr indent="-317500" lvl="0" marL="457200" rtl="0" algn="l">
+              <a:spcBef>
+                <a:spcPts val="0"/>
+              </a:spcBef>
+              <a:spcAft>
+                <a:spcPts val="0"/>
+              </a:spcAft>
+              <a:buClr>
+                <a:srgbClr val="0A0A0A"/>
+              </a:buClr>
+              <a:buSzPts val="1400"/>
+              <a:buFont typeface="Tahoma"/>
+              <a:buChar char="●"/>
+            </a:pPr>
+            <a:r>
+              <a:rPr lang="pl" sz="1400">
+                <a:solidFill>
+                  <a:srgbClr val="0A0A0A"/>
+                </a:solidFill>
+                <a:highlight>
+                  <a:srgbClr val="FFFFFF"/>
+                </a:highlight>
+                <a:latin typeface="Tahoma"/>
+                <a:ea typeface="Tahoma"/>
+                <a:cs typeface="Tahoma"/>
+                <a:sym typeface="Tahoma"/>
+              </a:rPr>
+              <a:t>Signal </a:t>
+            </a:r>
+            <a:endParaRPr sz="1400">
+              <a:latin typeface="Tahoma"/>
+              <a:ea typeface="Tahoma"/>
+              <a:cs typeface="Tahoma"/>
+              <a:sym typeface="Tahoma"/>
+            </a:endParaRPr>
+          </a:p>
+        </p:txBody>
+      </p:sp>
+    </p:spTree>
+  </p:cSld>
+  <p:clrMapOvr>
+    <a:masterClrMapping/>
+  </p:clrMapOvr>
+</p:sld>
+</file>
+
+<file path=ppt/slides/slide58.xml><?xml version="1.0" encoding="utf-8"?>
+<p:sld xmlns:a="http://schemas.openxmlformats.org/drawingml/2006/main" xmlns:r="http://schemas.openxmlformats.org/officeDocument/2006/relationships" xmlns:mc="http://schemas.openxmlformats.org/markup-compatibility/2006" xmlns:mv="urn:schemas-microsoft-com:mac:vml" xmlns:p="http://schemas.openxmlformats.org/presentationml/2006/main" xmlns:c="http://schemas.openxmlformats.org/drawingml/2006/chart" xmlns:dgm="http://schemas.openxmlformats.org/drawingml/2006/diagram" xmlns:o="urn:schemas-microsoft-com:office:office" xmlns:v="urn:schemas-microsoft-com:vml" xmlns:pvml="urn:schemas-microsoft-com:office:powerpoint" xmlns:com="http://schemas.openxmlformats.org/drawingml/2006/compatibility" xmlns:p14="http://schemas.microsoft.com/office/powerpoint/2010/main" xmlns:p15="http://schemas.microsoft.com/office/powerpoint/2012/main" xmlns:ahyp="http://schemas.microsoft.com/office/drawing/2018/hyperlinkcolor">
+  <p:cSld>
+    <p:spTree>
+      <p:nvGrpSpPr>
+        <p:cNvPr id="431" name="Shape 431"/>
+        <p:cNvGrpSpPr/>
+        <p:nvPr/>
+      </p:nvGrpSpPr>
+      <p:grpSpPr>
+        <a:xfrm>
+          <a:off x="0" y="0"/>
+          <a:ext cx="0" cy="0"/>
+          <a:chOff x="0" y="0"/>
+          <a:chExt cx="0" cy="0"/>
+        </a:xfrm>
+      </p:grpSpPr>
+      <p:sp>
+        <p:nvSpPr>
+          <p:cNvPr id="432" name="Google Shape;432;p70"/>
+          <p:cNvSpPr txBox="1"/>
+          <p:nvPr>
+            <p:ph type="title"/>
+          </p:nvPr>
+        </p:nvSpPr>
+        <p:spPr>
+          <a:xfrm>
+            <a:off x="729450" y="1318650"/>
+            <a:ext cx="7688700" cy="535200"/>
+          </a:xfrm>
+          <a:prstGeom prst="rect">
+            <a:avLst/>
+          </a:prstGeom>
+        </p:spPr>
+        <p:txBody>
+          <a:bodyPr anchorCtr="0" anchor="t" bIns="91425" lIns="91425" spcFirstLastPara="1" rIns="91425" wrap="square" tIns="91425">
+            <a:noAutofit/>
+          </a:bodyPr>
+          <a:lstStyle/>
+          <a:p>
+            <a:pPr indent="0" lvl="0" marL="0" rtl="0" algn="l">
+              <a:lnSpc>
+                <a:spcPct val="140000"/>
+              </a:lnSpc>
+              <a:spcBef>
+                <a:spcPts val="1500"/>
+              </a:spcBef>
+              <a:spcAft>
+                <a:spcPts val="800"/>
+              </a:spcAft>
+              <a:buNone/>
+            </a:pPr>
+            <a:r>
+              <a:rPr lang="pl" sz="2400">
+                <a:solidFill>
+                  <a:srgbClr val="0A0A0A"/>
+                </a:solidFill>
+                <a:highlight>
+                  <a:srgbClr val="FFFFFF"/>
+                </a:highlight>
+                <a:latin typeface="Tahoma"/>
+                <a:ea typeface="Tahoma"/>
+                <a:cs typeface="Tahoma"/>
+                <a:sym typeface="Tahoma"/>
+              </a:rPr>
+              <a:t>Jak działa?</a:t>
+            </a:r>
+            <a:endParaRPr sz="2400">
+              <a:latin typeface="Tahoma"/>
+              <a:ea typeface="Tahoma"/>
+              <a:cs typeface="Tahoma"/>
+              <a:sym typeface="Tahoma"/>
+            </a:endParaRPr>
+          </a:p>
+        </p:txBody>
+      </p:sp>
+      <p:sp>
+        <p:nvSpPr>
+          <p:cNvPr id="433" name="Google Shape;433;p70"/>
+          <p:cNvSpPr txBox="1"/>
+          <p:nvPr>
+            <p:ph idx="1" type="body"/>
+          </p:nvPr>
+        </p:nvSpPr>
+        <p:spPr>
+          <a:xfrm>
+            <a:off x="729450" y="2078875"/>
+            <a:ext cx="7688700" cy="2261100"/>
+          </a:xfrm>
+          <a:prstGeom prst="rect">
+            <a:avLst/>
+          </a:prstGeom>
+        </p:spPr>
+        <p:txBody>
+          <a:bodyPr anchorCtr="0" anchor="t" bIns="91425" lIns="91425" spcFirstLastPara="1" rIns="91425" wrap="square" tIns="91425">
+            <a:normAutofit/>
+          </a:bodyPr>
+          <a:lstStyle/>
+          <a:p>
+            <a:pPr indent="-317500" lvl="0" marL="457200" rtl="0" algn="l">
+              <a:lnSpc>
+                <a:spcPct val="100000"/>
+              </a:lnSpc>
+              <a:spcBef>
+                <a:spcPts val="0"/>
+              </a:spcBef>
+              <a:spcAft>
+                <a:spcPts val="0"/>
+              </a:spcAft>
+              <a:buClr>
+                <a:srgbClr val="0A0A0A"/>
+              </a:buClr>
+              <a:buSzPts val="1400"/>
+              <a:buFont typeface="Roboto"/>
+              <a:buChar char="●"/>
+            </a:pPr>
+            <a:r>
+              <a:rPr b="1" lang="pl" sz="1400">
+                <a:solidFill>
+                  <a:srgbClr val="38761D"/>
+                </a:solidFill>
+                <a:highlight>
+                  <a:srgbClr val="FFFFFF"/>
+                </a:highlight>
+                <a:latin typeface="Tahoma"/>
+                <a:ea typeface="Tahoma"/>
+                <a:cs typeface="Tahoma"/>
+                <a:sym typeface="Tahoma"/>
+              </a:rPr>
+              <a:t>Klucze szyfrujące</a:t>
+            </a:r>
+            <a:r>
+              <a:rPr b="1" lang="pl" sz="1400">
+                <a:solidFill>
+                  <a:srgbClr val="0A0A0A"/>
+                </a:solidFill>
+                <a:highlight>
+                  <a:srgbClr val="FFFFFF"/>
+                </a:highlight>
+                <a:latin typeface="Tahoma"/>
+                <a:ea typeface="Tahoma"/>
+                <a:cs typeface="Tahoma"/>
+                <a:sym typeface="Tahoma"/>
+              </a:rPr>
+              <a:t>: </a:t>
+            </a:r>
+            <a:r>
+              <a:rPr lang="pl" sz="1400">
+                <a:solidFill>
+                  <a:srgbClr val="0A0A0A"/>
+                </a:solidFill>
+                <a:highlight>
+                  <a:srgbClr val="FFFFFF"/>
+                </a:highlight>
+                <a:latin typeface="Tahoma"/>
+                <a:ea typeface="Tahoma"/>
+                <a:cs typeface="Tahoma"/>
+                <a:sym typeface="Tahoma"/>
+              </a:rPr>
+              <a:t>Szyfrowanie end-to-end opiera się na parze kluczy: publicznego (do szyfrowania) i prywatnego (do deszyfrowania).</a:t>
+            </a:r>
+            <a:endParaRPr sz="1400">
+              <a:solidFill>
+                <a:srgbClr val="0A0A0A"/>
+              </a:solidFill>
+              <a:highlight>
+                <a:srgbClr val="FFFFFF"/>
+              </a:highlight>
+              <a:latin typeface="Tahoma"/>
+              <a:ea typeface="Tahoma"/>
+              <a:cs typeface="Tahoma"/>
+              <a:sym typeface="Tahoma"/>
+            </a:endParaRPr>
+          </a:p>
+          <a:p>
+            <a:pPr indent="-317500" lvl="0" marL="457200" rtl="0" algn="l">
+              <a:lnSpc>
+                <a:spcPct val="100000"/>
+              </a:lnSpc>
+              <a:spcBef>
+                <a:spcPts val="0"/>
+              </a:spcBef>
+              <a:spcAft>
+                <a:spcPts val="0"/>
+              </a:spcAft>
+              <a:buClr>
+                <a:srgbClr val="0A0A0A"/>
+              </a:buClr>
+              <a:buSzPts val="1400"/>
+              <a:buFont typeface="Roboto"/>
+              <a:buChar char="●"/>
+            </a:pPr>
+            <a:r>
+              <a:rPr b="1" lang="pl" sz="1400">
+                <a:solidFill>
+                  <a:srgbClr val="38761D"/>
+                </a:solidFill>
+                <a:highlight>
+                  <a:srgbClr val="FFFFFF"/>
+                </a:highlight>
+                <a:latin typeface="Tahoma"/>
+                <a:ea typeface="Tahoma"/>
+                <a:cs typeface="Tahoma"/>
+                <a:sym typeface="Tahoma"/>
+              </a:rPr>
+              <a:t>Szyfrowanie u nadawcy</a:t>
+            </a:r>
+            <a:r>
+              <a:rPr lang="pl" sz="1400">
+                <a:solidFill>
+                  <a:srgbClr val="0A0A0A"/>
+                </a:solidFill>
+                <a:highlight>
+                  <a:srgbClr val="FFFFFF"/>
+                </a:highlight>
+                <a:latin typeface="Tahoma"/>
+                <a:ea typeface="Tahoma"/>
+                <a:cs typeface="Tahoma"/>
+                <a:sym typeface="Tahoma"/>
+              </a:rPr>
+              <a:t>: Wiadomość jest szyfrowana kluczem publicznym nadawcy i wysyłana.</a:t>
+            </a:r>
+            <a:endParaRPr sz="1400">
+              <a:solidFill>
+                <a:srgbClr val="0A0A0A"/>
+              </a:solidFill>
+              <a:highlight>
+                <a:srgbClr val="FFFFFF"/>
+              </a:highlight>
+              <a:latin typeface="Tahoma"/>
+              <a:ea typeface="Tahoma"/>
+              <a:cs typeface="Tahoma"/>
+              <a:sym typeface="Tahoma"/>
+            </a:endParaRPr>
+          </a:p>
+          <a:p>
+            <a:pPr indent="-317500" lvl="0" marL="457200" rtl="0" algn="l">
+              <a:lnSpc>
+                <a:spcPct val="100000"/>
+              </a:lnSpc>
+              <a:spcBef>
+                <a:spcPts val="0"/>
+              </a:spcBef>
+              <a:spcAft>
+                <a:spcPts val="0"/>
+              </a:spcAft>
+              <a:buClr>
+                <a:srgbClr val="0A0A0A"/>
+              </a:buClr>
+              <a:buSzPts val="1400"/>
+              <a:buFont typeface="Roboto"/>
+              <a:buChar char="●"/>
+            </a:pPr>
+            <a:r>
+              <a:rPr b="1" lang="pl" sz="1400">
+                <a:solidFill>
+                  <a:srgbClr val="38761D"/>
+                </a:solidFill>
+                <a:highlight>
+                  <a:srgbClr val="FFFFFF"/>
+                </a:highlight>
+                <a:latin typeface="Tahoma"/>
+                <a:ea typeface="Tahoma"/>
+                <a:cs typeface="Tahoma"/>
+                <a:sym typeface="Tahoma"/>
+              </a:rPr>
+              <a:t>Odszyfrowanie u odbiorcy</a:t>
+            </a:r>
+            <a:r>
+              <a:rPr lang="pl" sz="1400">
+                <a:solidFill>
+                  <a:srgbClr val="0A0A0A"/>
+                </a:solidFill>
+                <a:highlight>
+                  <a:srgbClr val="FFFFFF"/>
+                </a:highlight>
+                <a:latin typeface="Tahoma"/>
+                <a:ea typeface="Tahoma"/>
+                <a:cs typeface="Tahoma"/>
+                <a:sym typeface="Tahoma"/>
+              </a:rPr>
+              <a:t>: Tylko klucz prywatny odbiorcy jest w stanie odszyfrować wiadomość, która dociera do niego w nieczytelnej formie.</a:t>
+            </a:r>
+            <a:endParaRPr sz="1400">
+              <a:solidFill>
+                <a:srgbClr val="0A0A0A"/>
+              </a:solidFill>
+              <a:highlight>
+                <a:srgbClr val="FFFFFF"/>
+              </a:highlight>
+              <a:latin typeface="Tahoma"/>
+              <a:ea typeface="Tahoma"/>
+              <a:cs typeface="Tahoma"/>
+              <a:sym typeface="Tahoma"/>
+            </a:endParaRPr>
+          </a:p>
+          <a:p>
+            <a:pPr indent="-317500" lvl="0" marL="457200" rtl="0" algn="l">
+              <a:lnSpc>
+                <a:spcPct val="100000"/>
+              </a:lnSpc>
+              <a:spcBef>
+                <a:spcPts val="0"/>
+              </a:spcBef>
+              <a:spcAft>
+                <a:spcPts val="0"/>
+              </a:spcAft>
+              <a:buClr>
+                <a:srgbClr val="0A0A0A"/>
+              </a:buClr>
+              <a:buSzPts val="1400"/>
+              <a:buFont typeface="Roboto"/>
+              <a:buChar char="●"/>
+            </a:pPr>
+            <a:r>
+              <a:rPr b="1" lang="pl" sz="1400">
+                <a:solidFill>
+                  <a:srgbClr val="38761D"/>
+                </a:solidFill>
+                <a:highlight>
+                  <a:srgbClr val="FFFFFF"/>
+                </a:highlight>
+                <a:latin typeface="Tahoma"/>
+                <a:ea typeface="Tahoma"/>
+                <a:cs typeface="Tahoma"/>
+                <a:sym typeface="Tahoma"/>
+              </a:rPr>
+              <a:t>Brak dostępu dla pośredników</a:t>
+            </a:r>
+            <a:r>
+              <a:rPr b="1" lang="pl" sz="1400">
+                <a:solidFill>
+                  <a:srgbClr val="0A0A0A"/>
+                </a:solidFill>
+                <a:highlight>
+                  <a:srgbClr val="FFFFFF"/>
+                </a:highlight>
+                <a:latin typeface="Tahoma"/>
+                <a:ea typeface="Tahoma"/>
+                <a:cs typeface="Tahoma"/>
+                <a:sym typeface="Tahoma"/>
+              </a:rPr>
+              <a:t>:</a:t>
+            </a:r>
+            <a:r>
+              <a:rPr lang="pl" sz="1400">
+                <a:solidFill>
+                  <a:srgbClr val="0A0A0A"/>
+                </a:solidFill>
+                <a:highlight>
+                  <a:srgbClr val="FFFFFF"/>
+                </a:highlight>
+                <a:latin typeface="Tahoma"/>
+                <a:ea typeface="Tahoma"/>
+                <a:cs typeface="Tahoma"/>
+                <a:sym typeface="Tahoma"/>
+              </a:rPr>
+              <a:t> Żaden serwer pośredniczący ani dostawca usługi nie ma możliwości odszyfrowania wiadomości, ponieważ nie posiada klucza prywatnego. </a:t>
+            </a:r>
+            <a:endParaRPr sz="1400">
+              <a:solidFill>
+                <a:srgbClr val="0A0A0A"/>
+              </a:solidFill>
+              <a:highlight>
+                <a:srgbClr val="FFFFFF"/>
+              </a:highlight>
+              <a:latin typeface="Tahoma"/>
+              <a:ea typeface="Tahoma"/>
+              <a:cs typeface="Tahoma"/>
+              <a:sym typeface="Tahoma"/>
+            </a:endParaRPr>
+          </a:p>
+          <a:p>
+            <a:pPr indent="0" lvl="0" marL="0" rtl="0" algn="l">
+              <a:spcBef>
+                <a:spcPts val="0"/>
+              </a:spcBef>
+              <a:spcAft>
+                <a:spcPts val="1200"/>
+              </a:spcAft>
+              <a:buNone/>
+            </a:pPr>
+            <a:r>
+              <a:t/>
+            </a:r>
+            <a:endParaRPr/>
+          </a:p>
+        </p:txBody>
+      </p:sp>
+    </p:spTree>
+  </p:cSld>
+  <p:clrMapOvr>
+    <a:masterClrMapping/>
+  </p:clrMapOvr>
+</p:sld>
+</file>
+
+<file path=ppt/slides/slide59.xml><?xml version="1.0" encoding="utf-8"?>
+<p:sld xmlns:a="http://schemas.openxmlformats.org/drawingml/2006/main" xmlns:r="http://schemas.openxmlformats.org/officeDocument/2006/relationships" xmlns:mc="http://schemas.openxmlformats.org/markup-compatibility/2006" xmlns:mv="urn:schemas-microsoft-com:mac:vml" xmlns:p="http://schemas.openxmlformats.org/presentationml/2006/main" xmlns:c="http://schemas.openxmlformats.org/drawingml/2006/chart" xmlns:dgm="http://schemas.openxmlformats.org/drawingml/2006/diagram" xmlns:o="urn:schemas-microsoft-com:office:office" xmlns:v="urn:schemas-microsoft-com:vml" xmlns:pvml="urn:schemas-microsoft-com:office:powerpoint" xmlns:com="http://schemas.openxmlformats.org/drawingml/2006/compatibility" xmlns:p14="http://schemas.microsoft.com/office/powerpoint/2010/main" xmlns:p15="http://schemas.microsoft.com/office/powerpoint/2012/main" xmlns:ahyp="http://schemas.microsoft.com/office/drawing/2018/hyperlinkcolor">
+  <p:cSld>
+    <p:spTree>
+      <p:nvGrpSpPr>
+        <p:cNvPr id="437" name="Shape 437"/>
+        <p:cNvGrpSpPr/>
+        <p:nvPr/>
+      </p:nvGrpSpPr>
+      <p:grpSpPr>
+        <a:xfrm>
+          <a:off x="0" y="0"/>
+          <a:ext cx="0" cy="0"/>
+          <a:chOff x="0" y="0"/>
+          <a:chExt cx="0" cy="0"/>
+        </a:xfrm>
+      </p:grpSpPr>
+      <p:sp>
+        <p:nvSpPr>
+          <p:cNvPr id="438" name="Google Shape;438;p71"/>
+          <p:cNvSpPr txBox="1"/>
+          <p:nvPr>
+            <p:ph type="title"/>
+          </p:nvPr>
+        </p:nvSpPr>
+        <p:spPr>
+          <a:xfrm>
+            <a:off x="729450" y="1318650"/>
+            <a:ext cx="7688700" cy="535200"/>
+          </a:xfrm>
+          <a:prstGeom prst="rect">
+            <a:avLst/>
+          </a:prstGeom>
+        </p:spPr>
+        <p:txBody>
+          <a:bodyPr anchorCtr="0" anchor="t" bIns="91425" lIns="91425" spcFirstLastPara="1" rIns="91425" wrap="square" tIns="91425">
+            <a:noAutofit/>
+          </a:bodyPr>
+          <a:lstStyle/>
+          <a:p>
+            <a:pPr indent="0" lvl="0" marL="0" rtl="0" algn="l">
+              <a:spcBef>
+                <a:spcPts val="0"/>
+              </a:spcBef>
+              <a:spcAft>
+                <a:spcPts val="0"/>
+              </a:spcAft>
+              <a:buSzPts val="990"/>
+              <a:buNone/>
+            </a:pPr>
+            <a:r>
+              <a:rPr lang="pl" sz="2440">
+                <a:latin typeface="Tahoma"/>
+                <a:ea typeface="Tahoma"/>
+                <a:cs typeface="Tahoma"/>
+                <a:sym typeface="Tahoma"/>
+              </a:rPr>
+              <a:t>Zalety</a:t>
+            </a:r>
+            <a:endParaRPr sz="2440">
+              <a:latin typeface="Tahoma"/>
+              <a:ea typeface="Tahoma"/>
+              <a:cs typeface="Tahoma"/>
+              <a:sym typeface="Tahoma"/>
+            </a:endParaRPr>
+          </a:p>
+        </p:txBody>
+      </p:sp>
+      <p:sp>
+        <p:nvSpPr>
+          <p:cNvPr id="439" name="Google Shape;439;p71"/>
+          <p:cNvSpPr txBox="1"/>
+          <p:nvPr>
+            <p:ph idx="1" type="body"/>
+          </p:nvPr>
+        </p:nvSpPr>
+        <p:spPr>
+          <a:xfrm>
+            <a:off x="729450" y="2078875"/>
+            <a:ext cx="7688700" cy="2809200"/>
+          </a:xfrm>
+          <a:prstGeom prst="rect">
+            <a:avLst/>
+          </a:prstGeom>
+        </p:spPr>
+        <p:txBody>
+          <a:bodyPr anchorCtr="0" anchor="t" bIns="91425" lIns="91425" spcFirstLastPara="1" rIns="91425" wrap="square" tIns="91425">
+            <a:noAutofit/>
+          </a:bodyPr>
+          <a:lstStyle/>
+          <a:p>
+            <a:pPr indent="-317500" lvl="0" marL="457200" rtl="0" algn="l">
+              <a:lnSpc>
+                <a:spcPct val="105000"/>
+              </a:lnSpc>
+              <a:spcBef>
+                <a:spcPts val="0"/>
+              </a:spcBef>
+              <a:spcAft>
+                <a:spcPts val="0"/>
+              </a:spcAft>
+              <a:buClr>
+                <a:srgbClr val="000000"/>
+              </a:buClr>
+              <a:buSzPts val="1400"/>
+              <a:buFont typeface="Tahoma"/>
+              <a:buChar char="-"/>
+            </a:pPr>
+            <a:r>
+              <a:rPr lang="pl" sz="1400">
+                <a:solidFill>
+                  <a:srgbClr val="000000"/>
+                </a:solidFill>
+                <a:latin typeface="Tahoma"/>
+                <a:ea typeface="Tahoma"/>
+                <a:cs typeface="Tahoma"/>
+                <a:sym typeface="Tahoma"/>
+              </a:rPr>
+              <a:t>Zapewnia wysoki poziom prywatności – tylko nadawca i odbiorca mogą odczytać dane, chroniąc przed podsłuchem, hakerami czy szpiegostwem rządowym.</a:t>
+            </a:r>
+            <a:endParaRPr sz="1400">
+              <a:solidFill>
+                <a:srgbClr val="000000"/>
+              </a:solidFill>
+              <a:latin typeface="Tahoma"/>
+              <a:ea typeface="Tahoma"/>
+              <a:cs typeface="Tahoma"/>
+              <a:sym typeface="Tahoma"/>
+            </a:endParaRPr>
+          </a:p>
+          <a:p>
+            <a:pPr indent="-317500" lvl="0" marL="457200" rtl="0" algn="l">
+              <a:lnSpc>
+                <a:spcPct val="105000"/>
+              </a:lnSpc>
+              <a:spcBef>
+                <a:spcPts val="0"/>
+              </a:spcBef>
+              <a:spcAft>
+                <a:spcPts val="0"/>
+              </a:spcAft>
+              <a:buClr>
+                <a:srgbClr val="000000"/>
+              </a:buClr>
+              <a:buSzPts val="1400"/>
+              <a:buFont typeface="Tahoma"/>
+              <a:buChar char="-"/>
+            </a:pPr>
+            <a:r>
+              <a:rPr lang="pl" sz="1400">
+                <a:solidFill>
+                  <a:srgbClr val="000000"/>
+                </a:solidFill>
+                <a:latin typeface="Tahoma"/>
+                <a:ea typeface="Tahoma"/>
+                <a:cs typeface="Tahoma"/>
+                <a:sym typeface="Tahoma"/>
+              </a:rPr>
+              <a:t>Dane są bezpieczne nawet w przypadku naruszenia serwera dostawcy, ponieważ są zaszyfrowane.</a:t>
+            </a:r>
+            <a:endParaRPr sz="1400">
+              <a:solidFill>
+                <a:srgbClr val="000000"/>
+              </a:solidFill>
+              <a:latin typeface="Tahoma"/>
+              <a:ea typeface="Tahoma"/>
+              <a:cs typeface="Tahoma"/>
+              <a:sym typeface="Tahoma"/>
+            </a:endParaRPr>
+          </a:p>
+          <a:p>
+            <a:pPr indent="-317500" lvl="0" marL="457200" rtl="0" algn="l">
+              <a:lnSpc>
+                <a:spcPct val="105000"/>
+              </a:lnSpc>
+              <a:spcBef>
+                <a:spcPts val="0"/>
+              </a:spcBef>
+              <a:spcAft>
+                <a:spcPts val="0"/>
+              </a:spcAft>
+              <a:buClr>
+                <a:srgbClr val="000000"/>
+              </a:buClr>
+              <a:buSzPts val="1400"/>
+              <a:buFont typeface="Tahoma"/>
+              <a:buChar char="-"/>
+            </a:pPr>
+            <a:r>
+              <a:rPr lang="pl" sz="1400">
+                <a:solidFill>
+                  <a:srgbClr val="000000"/>
+                </a:solidFill>
+                <a:latin typeface="Tahoma"/>
+                <a:ea typeface="Tahoma"/>
+                <a:cs typeface="Tahoma"/>
+                <a:sym typeface="Tahoma"/>
+              </a:rPr>
+              <a:t>Utrudnia masową inwigilację, co jest korzystne dla wolności słowa i ochrony danych osobowych.</a:t>
+            </a:r>
+            <a:endParaRPr sz="1400">
+              <a:solidFill>
+                <a:srgbClr val="000000"/>
+              </a:solidFill>
+              <a:latin typeface="Tahoma"/>
+              <a:ea typeface="Tahoma"/>
+              <a:cs typeface="Tahoma"/>
+              <a:sym typeface="Tahoma"/>
+            </a:endParaRPr>
+          </a:p>
+          <a:p>
+            <a:pPr indent="-317500" lvl="0" marL="457200" rtl="0" algn="l">
+              <a:lnSpc>
+                <a:spcPct val="105000"/>
+              </a:lnSpc>
+              <a:spcBef>
+                <a:spcPts val="0"/>
+              </a:spcBef>
+              <a:spcAft>
+                <a:spcPts val="0"/>
+              </a:spcAft>
+              <a:buClr>
+                <a:srgbClr val="000000"/>
+              </a:buClr>
+              <a:buSzPts val="1400"/>
+              <a:buFont typeface="Tahoma"/>
+              <a:buChar char="-"/>
+            </a:pPr>
+            <a:r>
+              <a:rPr lang="pl" sz="1400">
+                <a:solidFill>
+                  <a:srgbClr val="000000"/>
+                </a:solidFill>
+                <a:latin typeface="Tahoma"/>
+                <a:ea typeface="Tahoma"/>
+                <a:cs typeface="Tahoma"/>
+                <a:sym typeface="Tahoma"/>
+              </a:rPr>
+              <a:t>Chroni przed nadużyciami ze strony firm lub rządów, promując zaufanie do usług komunikacyjnych.</a:t>
+            </a:r>
+            <a:endParaRPr sz="1400">
+              <a:solidFill>
+                <a:srgbClr val="000000"/>
+              </a:solidFill>
+              <a:latin typeface="Tahoma"/>
+              <a:ea typeface="Tahoma"/>
+              <a:cs typeface="Tahoma"/>
+              <a:sym typeface="Tahoma"/>
+            </a:endParaRPr>
+          </a:p>
+          <a:p>
+            <a:pPr indent="-317500" lvl="0" marL="457200" rtl="0" algn="l">
+              <a:lnSpc>
+                <a:spcPct val="105000"/>
+              </a:lnSpc>
+              <a:spcBef>
+                <a:spcPts val="0"/>
+              </a:spcBef>
+              <a:spcAft>
+                <a:spcPts val="0"/>
+              </a:spcAft>
+              <a:buClr>
+                <a:srgbClr val="000000"/>
+              </a:buClr>
+              <a:buSzPts val="1400"/>
+              <a:buFont typeface="Tahoma"/>
+              <a:buChar char="-"/>
+            </a:pPr>
+            <a:r>
+              <a:rPr lang="pl" sz="1400">
+                <a:solidFill>
+                  <a:srgbClr val="000000"/>
+                </a:solidFill>
+                <a:latin typeface="Tahoma"/>
+                <a:ea typeface="Tahoma"/>
+                <a:cs typeface="Tahoma"/>
+                <a:sym typeface="Tahoma"/>
+              </a:rPr>
+              <a:t>Minimalizuje ryzyko wycieków danych w tranzycie, co jest kluczowe w aplikacjach jak komunikatory (np. Signal, WhatsApp).</a:t>
+            </a:r>
+            <a:endParaRPr sz="1400">
+              <a:solidFill>
+                <a:srgbClr val="000000"/>
+              </a:solidFill>
+              <a:latin typeface="Tahoma"/>
+              <a:ea typeface="Tahoma"/>
+              <a:cs typeface="Tahoma"/>
+              <a:sym typeface="Tahoma"/>
+            </a:endParaRPr>
+          </a:p>
+          <a:p>
+            <a:pPr indent="0" lvl="0" marL="0" rtl="0" algn="l">
+              <a:lnSpc>
+                <a:spcPct val="105000"/>
+              </a:lnSpc>
+              <a:spcBef>
+                <a:spcPts val="0"/>
+              </a:spcBef>
+              <a:spcAft>
+                <a:spcPts val="1200"/>
+              </a:spcAft>
+              <a:buNone/>
+            </a:pPr>
+            <a:r>
+              <a:t/>
+            </a:r>
+            <a:endParaRPr/>
           </a:p>
         </p:txBody>
       </p:sp>
@@ -31454,6 +37628,1230 @@
               <a:cs typeface="Tahoma"/>
               <a:sym typeface="Tahoma"/>
             </a:endParaRPr>
+          </a:p>
+        </p:txBody>
+      </p:sp>
+    </p:spTree>
+  </p:cSld>
+  <p:clrMapOvr>
+    <a:masterClrMapping/>
+  </p:clrMapOvr>
+</p:sld>
+</file>
+
+<file path=ppt/slides/slide60.xml><?xml version="1.0" encoding="utf-8"?>
+<p:sld xmlns:a="http://schemas.openxmlformats.org/drawingml/2006/main" xmlns:r="http://schemas.openxmlformats.org/officeDocument/2006/relationships" xmlns:mc="http://schemas.openxmlformats.org/markup-compatibility/2006" xmlns:mv="urn:schemas-microsoft-com:mac:vml" xmlns:p="http://schemas.openxmlformats.org/presentationml/2006/main" xmlns:c="http://schemas.openxmlformats.org/drawingml/2006/chart" xmlns:dgm="http://schemas.openxmlformats.org/drawingml/2006/diagram" xmlns:o="urn:schemas-microsoft-com:office:office" xmlns:v="urn:schemas-microsoft-com:vml" xmlns:pvml="urn:schemas-microsoft-com:office:powerpoint" xmlns:com="http://schemas.openxmlformats.org/drawingml/2006/compatibility" xmlns:p14="http://schemas.microsoft.com/office/powerpoint/2010/main" xmlns:p15="http://schemas.microsoft.com/office/powerpoint/2012/main" xmlns:ahyp="http://schemas.microsoft.com/office/drawing/2018/hyperlinkcolor">
+  <p:cSld>
+    <p:spTree>
+      <p:nvGrpSpPr>
+        <p:cNvPr id="443" name="Shape 443"/>
+        <p:cNvGrpSpPr/>
+        <p:nvPr/>
+      </p:nvGrpSpPr>
+      <p:grpSpPr>
+        <a:xfrm>
+          <a:off x="0" y="0"/>
+          <a:ext cx="0" cy="0"/>
+          <a:chOff x="0" y="0"/>
+          <a:chExt cx="0" cy="0"/>
+        </a:xfrm>
+      </p:grpSpPr>
+      <p:sp>
+        <p:nvSpPr>
+          <p:cNvPr id="444" name="Google Shape;444;p72"/>
+          <p:cNvSpPr txBox="1"/>
+          <p:nvPr>
+            <p:ph type="title"/>
+          </p:nvPr>
+        </p:nvSpPr>
+        <p:spPr>
+          <a:xfrm>
+            <a:off x="729450" y="1318650"/>
+            <a:ext cx="7688700" cy="535200"/>
+          </a:xfrm>
+          <a:prstGeom prst="rect">
+            <a:avLst/>
+          </a:prstGeom>
+        </p:spPr>
+        <p:txBody>
+          <a:bodyPr anchorCtr="0" anchor="t" bIns="91425" lIns="91425" spcFirstLastPara="1" rIns="91425" wrap="square" tIns="91425">
+            <a:noAutofit/>
+          </a:bodyPr>
+          <a:lstStyle/>
+          <a:p>
+            <a:pPr indent="0" lvl="0" marL="0" rtl="0" algn="l">
+              <a:spcBef>
+                <a:spcPts val="0"/>
+              </a:spcBef>
+              <a:spcAft>
+                <a:spcPts val="0"/>
+              </a:spcAft>
+              <a:buSzPts val="990"/>
+              <a:buNone/>
+            </a:pPr>
+            <a:r>
+              <a:rPr lang="pl" sz="2440">
+                <a:latin typeface="Tahoma"/>
+                <a:ea typeface="Tahoma"/>
+                <a:cs typeface="Tahoma"/>
+                <a:sym typeface="Tahoma"/>
+              </a:rPr>
+              <a:t>Wady</a:t>
+            </a:r>
+            <a:endParaRPr sz="2440">
+              <a:latin typeface="Tahoma"/>
+              <a:ea typeface="Tahoma"/>
+              <a:cs typeface="Tahoma"/>
+              <a:sym typeface="Tahoma"/>
+            </a:endParaRPr>
+          </a:p>
+        </p:txBody>
+      </p:sp>
+      <p:sp>
+        <p:nvSpPr>
+          <p:cNvPr id="445" name="Google Shape;445;p72"/>
+          <p:cNvSpPr txBox="1"/>
+          <p:nvPr>
+            <p:ph idx="1" type="body"/>
+          </p:nvPr>
+        </p:nvSpPr>
+        <p:spPr>
+          <a:xfrm>
+            <a:off x="729450" y="2078875"/>
+            <a:ext cx="7688700" cy="2818200"/>
+          </a:xfrm>
+          <a:prstGeom prst="rect">
+            <a:avLst/>
+          </a:prstGeom>
+        </p:spPr>
+        <p:txBody>
+          <a:bodyPr anchorCtr="0" anchor="t" bIns="91425" lIns="91425" spcFirstLastPara="1" rIns="91425" wrap="square" tIns="91425">
+            <a:normAutofit lnSpcReduction="10000"/>
+          </a:bodyPr>
+          <a:lstStyle/>
+          <a:p>
+            <a:pPr indent="-317500" lvl="0" marL="457200" rtl="0" algn="l">
+              <a:spcBef>
+                <a:spcPts val="0"/>
+              </a:spcBef>
+              <a:spcAft>
+                <a:spcPts val="0"/>
+              </a:spcAft>
+              <a:buClr>
+                <a:schemeClr val="dk2"/>
+              </a:buClr>
+              <a:buSzPts val="1400"/>
+              <a:buFont typeface="Tahoma"/>
+              <a:buChar char="-"/>
+            </a:pPr>
+            <a:r>
+              <a:rPr lang="pl" sz="1400">
+                <a:solidFill>
+                  <a:schemeClr val="dk2"/>
+                </a:solidFill>
+                <a:latin typeface="Tahoma"/>
+                <a:ea typeface="Tahoma"/>
+                <a:cs typeface="Tahoma"/>
+                <a:sym typeface="Tahoma"/>
+              </a:rPr>
+              <a:t>Jeśli użytkownik zgubi klucz prywatny lub hasło, dane stają się nieodwracalnie niedostępne (brak możliwości odzyskania przez dostawcę).</a:t>
+            </a:r>
+            <a:endParaRPr sz="1400">
+              <a:solidFill>
+                <a:schemeClr val="dk2"/>
+              </a:solidFill>
+              <a:latin typeface="Tahoma"/>
+              <a:ea typeface="Tahoma"/>
+              <a:cs typeface="Tahoma"/>
+              <a:sym typeface="Tahoma"/>
+            </a:endParaRPr>
+          </a:p>
+          <a:p>
+            <a:pPr indent="-317500" lvl="0" marL="457200" rtl="0" algn="l">
+              <a:spcBef>
+                <a:spcPts val="0"/>
+              </a:spcBef>
+              <a:spcAft>
+                <a:spcPts val="0"/>
+              </a:spcAft>
+              <a:buClr>
+                <a:schemeClr val="dk2"/>
+              </a:buClr>
+              <a:buSzPts val="1400"/>
+              <a:buFont typeface="Tahoma"/>
+              <a:buChar char="-"/>
+            </a:pPr>
+            <a:r>
+              <a:rPr lang="pl" sz="1400">
+                <a:solidFill>
+                  <a:schemeClr val="dk2"/>
+                </a:solidFill>
+                <a:latin typeface="Tahoma"/>
+                <a:ea typeface="Tahoma"/>
+                <a:cs typeface="Tahoma"/>
+                <a:sym typeface="Tahoma"/>
+              </a:rPr>
+              <a:t>Zwiększa złożoność systemu – wymaga prawidłowego zarządzania kluczami, co może być trudne dla mniej technicznych użytkowników.</a:t>
+            </a:r>
+            <a:endParaRPr sz="1400">
+              <a:solidFill>
+                <a:schemeClr val="dk2"/>
+              </a:solidFill>
+              <a:latin typeface="Tahoma"/>
+              <a:ea typeface="Tahoma"/>
+              <a:cs typeface="Tahoma"/>
+              <a:sym typeface="Tahoma"/>
+            </a:endParaRPr>
+          </a:p>
+          <a:p>
+            <a:pPr indent="-317500" lvl="0" marL="457200" rtl="0" algn="l">
+              <a:spcBef>
+                <a:spcPts val="0"/>
+              </a:spcBef>
+              <a:spcAft>
+                <a:spcPts val="0"/>
+              </a:spcAft>
+              <a:buClr>
+                <a:schemeClr val="dk2"/>
+              </a:buClr>
+              <a:buSzPts val="1400"/>
+              <a:buFont typeface="Tahoma"/>
+              <a:buChar char="-"/>
+            </a:pPr>
+            <a:r>
+              <a:rPr lang="pl" sz="1400">
+                <a:solidFill>
+                  <a:schemeClr val="dk2"/>
+                </a:solidFill>
+                <a:latin typeface="Tahoma"/>
+                <a:ea typeface="Tahoma"/>
+                <a:cs typeface="Tahoma"/>
+                <a:sym typeface="Tahoma"/>
+              </a:rPr>
+              <a:t>Platformy nie mogą monitorować treści, co utrudnia walkę z nielegalnymi materiałami (np. dezinformacją, mową nienawiści czy treściami pedofilskimi).</a:t>
+            </a:r>
+            <a:endParaRPr sz="1400">
+              <a:solidFill>
+                <a:schemeClr val="dk2"/>
+              </a:solidFill>
+              <a:latin typeface="Tahoma"/>
+              <a:ea typeface="Tahoma"/>
+              <a:cs typeface="Tahoma"/>
+              <a:sym typeface="Tahoma"/>
+            </a:endParaRPr>
+          </a:p>
+          <a:p>
+            <a:pPr indent="-317500" lvl="0" marL="457200" rtl="0" algn="l">
+              <a:spcBef>
+                <a:spcPts val="0"/>
+              </a:spcBef>
+              <a:spcAft>
+                <a:spcPts val="0"/>
+              </a:spcAft>
+              <a:buClr>
+                <a:schemeClr val="dk2"/>
+              </a:buClr>
+              <a:buSzPts val="1400"/>
+              <a:buFont typeface="Tahoma"/>
+              <a:buChar char="-"/>
+            </a:pPr>
+            <a:r>
+              <a:rPr lang="pl" sz="1400">
+                <a:solidFill>
+                  <a:schemeClr val="dk2"/>
+                </a:solidFill>
+                <a:latin typeface="Tahoma"/>
+                <a:ea typeface="Tahoma"/>
+                <a:cs typeface="Tahoma"/>
+                <a:sym typeface="Tahoma"/>
+              </a:rPr>
+              <a:t>Może komplikować egzekwowanie prawa – organy ścigania nie mają dostępu do danych, co budzi kontrowersje w sprawach bezpieczeństwa narodowego.</a:t>
+            </a:r>
+            <a:endParaRPr sz="1400">
+              <a:solidFill>
+                <a:schemeClr val="dk2"/>
+              </a:solidFill>
+              <a:latin typeface="Tahoma"/>
+              <a:ea typeface="Tahoma"/>
+              <a:cs typeface="Tahoma"/>
+              <a:sym typeface="Tahoma"/>
+            </a:endParaRPr>
+          </a:p>
+          <a:p>
+            <a:pPr indent="-317500" lvl="0" marL="457200" rtl="0" algn="l">
+              <a:spcBef>
+                <a:spcPts val="0"/>
+              </a:spcBef>
+              <a:spcAft>
+                <a:spcPts val="0"/>
+              </a:spcAft>
+              <a:buClr>
+                <a:schemeClr val="dk2"/>
+              </a:buClr>
+              <a:buSzPts val="1400"/>
+              <a:buFont typeface="Tahoma"/>
+              <a:buChar char="-"/>
+            </a:pPr>
+            <a:r>
+              <a:rPr lang="pl" sz="1400">
+                <a:solidFill>
+                  <a:schemeClr val="dk2"/>
+                </a:solidFill>
+                <a:latin typeface="Tahoma"/>
+                <a:ea typeface="Tahoma"/>
+                <a:cs typeface="Tahoma"/>
+                <a:sym typeface="Tahoma"/>
+              </a:rPr>
+              <a:t>Wpływa na wydajność – szyfrowanie i deszyfrowanie wymaga więcej zasobów obliczeniowych, co może spowalniać urządzenia.</a:t>
+            </a:r>
+            <a:endParaRPr sz="1400">
+              <a:solidFill>
+                <a:schemeClr val="dk2"/>
+              </a:solidFill>
+              <a:latin typeface="Tahoma"/>
+              <a:ea typeface="Tahoma"/>
+              <a:cs typeface="Tahoma"/>
+              <a:sym typeface="Tahoma"/>
+            </a:endParaRPr>
+          </a:p>
+          <a:p>
+            <a:pPr indent="0" lvl="0" marL="0" rtl="0" algn="l">
+              <a:spcBef>
+                <a:spcPts val="0"/>
+              </a:spcBef>
+              <a:spcAft>
+                <a:spcPts val="1200"/>
+              </a:spcAft>
+              <a:buNone/>
+            </a:pPr>
+            <a:r>
+              <a:t/>
+            </a:r>
+            <a:endParaRPr>
+              <a:latin typeface="Tahoma"/>
+              <a:ea typeface="Tahoma"/>
+              <a:cs typeface="Tahoma"/>
+              <a:sym typeface="Tahoma"/>
+            </a:endParaRPr>
+          </a:p>
+        </p:txBody>
+      </p:sp>
+    </p:spTree>
+  </p:cSld>
+  <p:clrMapOvr>
+    <a:masterClrMapping/>
+  </p:clrMapOvr>
+</p:sld>
+</file>
+
+<file path=ppt/slides/slide61.xml><?xml version="1.0" encoding="utf-8"?>
+<p:sld xmlns:a="http://schemas.openxmlformats.org/drawingml/2006/main" xmlns:r="http://schemas.openxmlformats.org/officeDocument/2006/relationships" xmlns:mc="http://schemas.openxmlformats.org/markup-compatibility/2006" xmlns:mv="urn:schemas-microsoft-com:mac:vml" xmlns:p="http://schemas.openxmlformats.org/presentationml/2006/main" xmlns:c="http://schemas.openxmlformats.org/drawingml/2006/chart" xmlns:dgm="http://schemas.openxmlformats.org/drawingml/2006/diagram" xmlns:o="urn:schemas-microsoft-com:office:office" xmlns:v="urn:schemas-microsoft-com:vml" xmlns:pvml="urn:schemas-microsoft-com:office:powerpoint" xmlns:com="http://schemas.openxmlformats.org/drawingml/2006/compatibility" xmlns:p14="http://schemas.microsoft.com/office/powerpoint/2010/main" xmlns:p15="http://schemas.microsoft.com/office/powerpoint/2012/main" xmlns:ahyp="http://schemas.microsoft.com/office/drawing/2018/hyperlinkcolor">
+  <p:cSld>
+    <p:spTree>
+      <p:nvGrpSpPr>
+        <p:cNvPr id="449" name="Shape 449"/>
+        <p:cNvGrpSpPr/>
+        <p:nvPr/>
+      </p:nvGrpSpPr>
+      <p:grpSpPr>
+        <a:xfrm>
+          <a:off x="0" y="0"/>
+          <a:ext cx="0" cy="0"/>
+          <a:chOff x="0" y="0"/>
+          <a:chExt cx="0" cy="0"/>
+        </a:xfrm>
+      </p:grpSpPr>
+      <p:sp>
+        <p:nvSpPr>
+          <p:cNvPr id="450" name="Google Shape;450;p73"/>
+          <p:cNvSpPr txBox="1"/>
+          <p:nvPr>
+            <p:ph type="title"/>
+          </p:nvPr>
+        </p:nvSpPr>
+        <p:spPr>
+          <a:xfrm>
+            <a:off x="729450" y="1318650"/>
+            <a:ext cx="7688700" cy="535200"/>
+          </a:xfrm>
+          <a:prstGeom prst="rect">
+            <a:avLst/>
+          </a:prstGeom>
+        </p:spPr>
+        <p:txBody>
+          <a:bodyPr anchorCtr="0" anchor="t" bIns="91425" lIns="91425" spcFirstLastPara="1" rIns="91425" wrap="square" tIns="91425">
+            <a:noAutofit/>
+          </a:bodyPr>
+          <a:lstStyle/>
+          <a:p>
+            <a:pPr indent="0" lvl="0" marL="0" rtl="0" algn="l">
+              <a:spcBef>
+                <a:spcPts val="0"/>
+              </a:spcBef>
+              <a:spcAft>
+                <a:spcPts val="0"/>
+              </a:spcAft>
+              <a:buSzPts val="990"/>
+              <a:buNone/>
+            </a:pPr>
+            <a:r>
+              <a:rPr lang="pl" sz="2440">
+                <a:latin typeface="Tahoma"/>
+                <a:ea typeface="Tahoma"/>
+                <a:cs typeface="Tahoma"/>
+                <a:sym typeface="Tahoma"/>
+              </a:rPr>
+              <a:t>Kryptografia</a:t>
+            </a:r>
+            <a:endParaRPr sz="2440">
+              <a:latin typeface="Tahoma"/>
+              <a:ea typeface="Tahoma"/>
+              <a:cs typeface="Tahoma"/>
+              <a:sym typeface="Tahoma"/>
+            </a:endParaRPr>
+          </a:p>
+        </p:txBody>
+      </p:sp>
+      <p:sp>
+        <p:nvSpPr>
+          <p:cNvPr id="451" name="Google Shape;451;p73"/>
+          <p:cNvSpPr txBox="1"/>
+          <p:nvPr>
+            <p:ph idx="1" type="body"/>
+          </p:nvPr>
+        </p:nvSpPr>
+        <p:spPr>
+          <a:xfrm>
+            <a:off x="729450" y="2078875"/>
+            <a:ext cx="7688700" cy="2261100"/>
+          </a:xfrm>
+          <a:prstGeom prst="rect">
+            <a:avLst/>
+          </a:prstGeom>
+        </p:spPr>
+        <p:txBody>
+          <a:bodyPr anchorCtr="0" anchor="t" bIns="91425" lIns="91425" spcFirstLastPara="1" rIns="91425" wrap="square" tIns="91425">
+            <a:noAutofit/>
+          </a:bodyPr>
+          <a:lstStyle/>
+          <a:p>
+            <a:pPr indent="0" lvl="0" marL="0" rtl="0" algn="l">
+              <a:lnSpc>
+                <a:spcPct val="105000"/>
+              </a:lnSpc>
+              <a:spcBef>
+                <a:spcPts val="0"/>
+              </a:spcBef>
+              <a:spcAft>
+                <a:spcPts val="0"/>
+              </a:spcAft>
+              <a:buNone/>
+            </a:pPr>
+            <a:r>
+              <a:rPr lang="pl" sz="1400">
+                <a:solidFill>
+                  <a:srgbClr val="0A0A0A"/>
+                </a:solidFill>
+                <a:latin typeface="Tahoma"/>
+                <a:ea typeface="Tahoma"/>
+                <a:cs typeface="Tahoma"/>
+                <a:sym typeface="Tahoma"/>
+              </a:rPr>
+              <a:t>Kryptografia to dziedzina nauki i techniki </a:t>
+            </a:r>
+            <a:r>
+              <a:rPr b="1" lang="pl" sz="1400">
+                <a:solidFill>
+                  <a:srgbClr val="274E13"/>
+                </a:solidFill>
+                <a:latin typeface="Tahoma"/>
+                <a:ea typeface="Tahoma"/>
+                <a:cs typeface="Tahoma"/>
+                <a:sym typeface="Tahoma"/>
+              </a:rPr>
+              <a:t>zajmująca się ochroną informacji poprzez ich szyfrowanie</a:t>
+            </a:r>
+            <a:r>
+              <a:rPr lang="pl" sz="1400">
+                <a:solidFill>
+                  <a:srgbClr val="274E13"/>
+                </a:solidFill>
+                <a:latin typeface="Tahoma"/>
+                <a:ea typeface="Tahoma"/>
+                <a:cs typeface="Tahoma"/>
+                <a:sym typeface="Tahoma"/>
+              </a:rPr>
+              <a:t>, </a:t>
+            </a:r>
+            <a:r>
+              <a:rPr b="1" lang="pl" sz="1400">
+                <a:solidFill>
+                  <a:srgbClr val="274E13"/>
+                </a:solidFill>
+                <a:latin typeface="Tahoma"/>
+                <a:ea typeface="Tahoma"/>
+                <a:cs typeface="Tahoma"/>
+                <a:sym typeface="Tahoma"/>
+              </a:rPr>
+              <a:t>deszyfrowanie oraz zapewnianie bezpieczeństwa komunikacji i danych</a:t>
+            </a:r>
+            <a:r>
+              <a:rPr lang="pl" sz="1400">
+                <a:solidFill>
+                  <a:srgbClr val="0A0A0A"/>
+                </a:solidFill>
+                <a:latin typeface="Tahoma"/>
+                <a:ea typeface="Tahoma"/>
+                <a:cs typeface="Tahoma"/>
+                <a:sym typeface="Tahoma"/>
+              </a:rPr>
+              <a:t>. Pochodzi od greckich słów "kryptos" (ukryty) i "graphein" (pisać), co dosłownie oznacza "tajne pisanie". </a:t>
+            </a:r>
+            <a:endParaRPr sz="1400">
+              <a:solidFill>
+                <a:srgbClr val="0A0A0A"/>
+              </a:solidFill>
+              <a:latin typeface="Tahoma"/>
+              <a:ea typeface="Tahoma"/>
+              <a:cs typeface="Tahoma"/>
+              <a:sym typeface="Tahoma"/>
+            </a:endParaRPr>
+          </a:p>
+          <a:p>
+            <a:pPr indent="0" lvl="0" marL="0" rtl="0" algn="l">
+              <a:lnSpc>
+                <a:spcPct val="105000"/>
+              </a:lnSpc>
+              <a:spcBef>
+                <a:spcPts val="1200"/>
+              </a:spcBef>
+              <a:spcAft>
+                <a:spcPts val="0"/>
+              </a:spcAft>
+              <a:buNone/>
+            </a:pPr>
+            <a:r>
+              <a:rPr lang="pl" sz="1400">
+                <a:solidFill>
+                  <a:srgbClr val="0A0A0A"/>
+                </a:solidFill>
+                <a:latin typeface="Tahoma"/>
+                <a:ea typeface="Tahoma"/>
+                <a:cs typeface="Tahoma"/>
+                <a:sym typeface="Tahoma"/>
+              </a:rPr>
+              <a:t>W praktyce kryptografia pozwala na przekształcanie czytelnych danych (zwanych tekstem jawnym) w formę nieczytelną (tekst zaszyfrowany) za </a:t>
+            </a:r>
+            <a:r>
+              <a:rPr b="1" lang="pl" sz="1400">
+                <a:solidFill>
+                  <a:srgbClr val="274E13"/>
+                </a:solidFill>
+                <a:latin typeface="Tahoma"/>
+                <a:ea typeface="Tahoma"/>
+                <a:cs typeface="Tahoma"/>
+                <a:sym typeface="Tahoma"/>
+              </a:rPr>
+              <a:t>pomocą algorytmów i kluczy</a:t>
+            </a:r>
+            <a:r>
+              <a:rPr b="1" lang="pl" sz="1400">
+                <a:solidFill>
+                  <a:srgbClr val="0A0A0A"/>
+                </a:solidFill>
+                <a:latin typeface="Tahoma"/>
+                <a:ea typeface="Tahoma"/>
+                <a:cs typeface="Tahoma"/>
+                <a:sym typeface="Tahoma"/>
+              </a:rPr>
+              <a:t>,</a:t>
+            </a:r>
+            <a:r>
+              <a:rPr lang="pl" sz="1400">
+                <a:solidFill>
+                  <a:srgbClr val="0A0A0A"/>
+                </a:solidFill>
+                <a:latin typeface="Tahoma"/>
+                <a:ea typeface="Tahoma"/>
+                <a:cs typeface="Tahoma"/>
+                <a:sym typeface="Tahoma"/>
+              </a:rPr>
+              <a:t> a następnie na ich odzyskiwanie tylko przez upoważnione osoby.</a:t>
+            </a:r>
+            <a:endParaRPr sz="1400">
+              <a:solidFill>
+                <a:srgbClr val="0A0A0A"/>
+              </a:solidFill>
+              <a:latin typeface="Tahoma"/>
+              <a:ea typeface="Tahoma"/>
+              <a:cs typeface="Tahoma"/>
+              <a:sym typeface="Tahoma"/>
+            </a:endParaRPr>
+          </a:p>
+          <a:p>
+            <a:pPr indent="0" lvl="0" marL="0" rtl="0" algn="l">
+              <a:lnSpc>
+                <a:spcPct val="105000"/>
+              </a:lnSpc>
+              <a:spcBef>
+                <a:spcPts val="1200"/>
+              </a:spcBef>
+              <a:spcAft>
+                <a:spcPts val="1200"/>
+              </a:spcAft>
+              <a:buNone/>
+            </a:pPr>
+            <a:r>
+              <a:t/>
+            </a:r>
+            <a:endParaRPr sz="1400">
+              <a:solidFill>
+                <a:srgbClr val="0A0A0A"/>
+              </a:solidFill>
+              <a:latin typeface="Tahoma"/>
+              <a:ea typeface="Tahoma"/>
+              <a:cs typeface="Tahoma"/>
+              <a:sym typeface="Tahoma"/>
+            </a:endParaRPr>
+          </a:p>
+        </p:txBody>
+      </p:sp>
+    </p:spTree>
+  </p:cSld>
+  <p:clrMapOvr>
+    <a:masterClrMapping/>
+  </p:clrMapOvr>
+</p:sld>
+</file>
+
+<file path=ppt/slides/slide62.xml><?xml version="1.0" encoding="utf-8"?>
+<p:sld xmlns:a="http://schemas.openxmlformats.org/drawingml/2006/main" xmlns:r="http://schemas.openxmlformats.org/officeDocument/2006/relationships" xmlns:mc="http://schemas.openxmlformats.org/markup-compatibility/2006" xmlns:mv="urn:schemas-microsoft-com:mac:vml" xmlns:p="http://schemas.openxmlformats.org/presentationml/2006/main" xmlns:c="http://schemas.openxmlformats.org/drawingml/2006/chart" xmlns:dgm="http://schemas.openxmlformats.org/drawingml/2006/diagram" xmlns:o="urn:schemas-microsoft-com:office:office" xmlns:v="urn:schemas-microsoft-com:vml" xmlns:pvml="urn:schemas-microsoft-com:office:powerpoint" xmlns:com="http://schemas.openxmlformats.org/drawingml/2006/compatibility" xmlns:p14="http://schemas.microsoft.com/office/powerpoint/2010/main" xmlns:p15="http://schemas.microsoft.com/office/powerpoint/2012/main" xmlns:ahyp="http://schemas.microsoft.com/office/drawing/2018/hyperlinkcolor">
+  <p:cSld>
+    <p:spTree>
+      <p:nvGrpSpPr>
+        <p:cNvPr id="455" name="Shape 455"/>
+        <p:cNvGrpSpPr/>
+        <p:nvPr/>
+      </p:nvGrpSpPr>
+      <p:grpSpPr>
+        <a:xfrm>
+          <a:off x="0" y="0"/>
+          <a:ext cx="0" cy="0"/>
+          <a:chOff x="0" y="0"/>
+          <a:chExt cx="0" cy="0"/>
+        </a:xfrm>
+      </p:grpSpPr>
+      <p:sp>
+        <p:nvSpPr>
+          <p:cNvPr id="456" name="Google Shape;456;p74"/>
+          <p:cNvSpPr txBox="1"/>
+          <p:nvPr>
+            <p:ph type="title"/>
+          </p:nvPr>
+        </p:nvSpPr>
+        <p:spPr>
+          <a:xfrm>
+            <a:off x="729450" y="1318650"/>
+            <a:ext cx="7688700" cy="535200"/>
+          </a:xfrm>
+          <a:prstGeom prst="rect">
+            <a:avLst/>
+          </a:prstGeom>
+        </p:spPr>
+        <p:txBody>
+          <a:bodyPr anchorCtr="0" anchor="t" bIns="91425" lIns="91425" spcFirstLastPara="1" rIns="91425" wrap="square" tIns="91425">
+            <a:noAutofit/>
+          </a:bodyPr>
+          <a:lstStyle/>
+          <a:p>
+            <a:pPr indent="0" lvl="0" marL="0" rtl="0" algn="l">
+              <a:lnSpc>
+                <a:spcPct val="115000"/>
+              </a:lnSpc>
+              <a:spcBef>
+                <a:spcPts val="1700"/>
+              </a:spcBef>
+              <a:spcAft>
+                <a:spcPts val="600"/>
+              </a:spcAft>
+              <a:buNone/>
+            </a:pPr>
+            <a:r>
+              <a:rPr lang="pl" sz="2400">
+                <a:solidFill>
+                  <a:srgbClr val="000000"/>
+                </a:solidFill>
+                <a:latin typeface="Tahoma"/>
+                <a:ea typeface="Tahoma"/>
+                <a:cs typeface="Tahoma"/>
+                <a:sym typeface="Tahoma"/>
+              </a:rPr>
+              <a:t>Główne elementy kryptografii:</a:t>
+            </a:r>
+            <a:endParaRPr sz="2400"/>
+          </a:p>
+        </p:txBody>
+      </p:sp>
+      <p:sp>
+        <p:nvSpPr>
+          <p:cNvPr id="457" name="Google Shape;457;p74"/>
+          <p:cNvSpPr txBox="1"/>
+          <p:nvPr>
+            <p:ph idx="1" type="body"/>
+          </p:nvPr>
+        </p:nvSpPr>
+        <p:spPr>
+          <a:xfrm>
+            <a:off x="729450" y="2078875"/>
+            <a:ext cx="7688700" cy="2261100"/>
+          </a:xfrm>
+          <a:prstGeom prst="rect">
+            <a:avLst/>
+          </a:prstGeom>
+        </p:spPr>
+        <p:txBody>
+          <a:bodyPr anchorCtr="0" anchor="t" bIns="91425" lIns="91425" spcFirstLastPara="1" rIns="91425" wrap="square" tIns="91425">
+            <a:normAutofit/>
+          </a:bodyPr>
+          <a:lstStyle/>
+          <a:p>
+            <a:pPr indent="-298450" lvl="0" marL="457200" rtl="0" algn="l">
+              <a:spcBef>
+                <a:spcPts val="0"/>
+              </a:spcBef>
+              <a:spcAft>
+                <a:spcPts val="0"/>
+              </a:spcAft>
+              <a:buClr>
+                <a:srgbClr val="000000"/>
+              </a:buClr>
+              <a:buSzPts val="1100"/>
+              <a:buFont typeface="Tahoma"/>
+              <a:buChar char="●"/>
+            </a:pPr>
+            <a:r>
+              <a:rPr b="1" lang="pl" sz="1100">
+                <a:solidFill>
+                  <a:srgbClr val="0B5394"/>
+                </a:solidFill>
+                <a:latin typeface="Tahoma"/>
+                <a:ea typeface="Tahoma"/>
+                <a:cs typeface="Tahoma"/>
+                <a:sym typeface="Tahoma"/>
+              </a:rPr>
+              <a:t>Szyfrowanie (encryption)</a:t>
+            </a:r>
+            <a:r>
+              <a:rPr lang="pl" sz="1100">
+                <a:solidFill>
+                  <a:srgbClr val="000000"/>
+                </a:solidFill>
+                <a:latin typeface="Tahoma"/>
+                <a:ea typeface="Tahoma"/>
+                <a:cs typeface="Tahoma"/>
+                <a:sym typeface="Tahoma"/>
+              </a:rPr>
+              <a:t>: Proces konwersji danych na formę zaszyfrowaną, aby uniemożliwić nieautoryzowany dostęp.</a:t>
+            </a:r>
+            <a:endParaRPr sz="1100">
+              <a:solidFill>
+                <a:srgbClr val="000000"/>
+              </a:solidFill>
+              <a:latin typeface="Tahoma"/>
+              <a:ea typeface="Tahoma"/>
+              <a:cs typeface="Tahoma"/>
+              <a:sym typeface="Tahoma"/>
+            </a:endParaRPr>
+          </a:p>
+          <a:p>
+            <a:pPr indent="-298450" lvl="0" marL="457200" rtl="0" algn="l">
+              <a:spcBef>
+                <a:spcPts val="0"/>
+              </a:spcBef>
+              <a:spcAft>
+                <a:spcPts val="0"/>
+              </a:spcAft>
+              <a:buClr>
+                <a:srgbClr val="000000"/>
+              </a:buClr>
+              <a:buSzPts val="1100"/>
+              <a:buFont typeface="Tahoma"/>
+              <a:buChar char="●"/>
+            </a:pPr>
+            <a:r>
+              <a:rPr b="1" lang="pl" sz="1100">
+                <a:solidFill>
+                  <a:srgbClr val="0B5394"/>
+                </a:solidFill>
+                <a:latin typeface="Tahoma"/>
+                <a:ea typeface="Tahoma"/>
+                <a:cs typeface="Tahoma"/>
+                <a:sym typeface="Tahoma"/>
+              </a:rPr>
+              <a:t>Deszyfrowanie (decryption)</a:t>
+            </a:r>
+            <a:r>
+              <a:rPr lang="pl" sz="1100">
+                <a:solidFill>
+                  <a:srgbClr val="000000"/>
+                </a:solidFill>
+                <a:latin typeface="Tahoma"/>
+                <a:ea typeface="Tahoma"/>
+                <a:cs typeface="Tahoma"/>
+                <a:sym typeface="Tahoma"/>
+              </a:rPr>
+              <a:t>: Odwrotny proces, wymagający klucza do przywrócenia oryginalnej formy danych.</a:t>
+            </a:r>
+            <a:endParaRPr sz="1100">
+              <a:solidFill>
+                <a:srgbClr val="000000"/>
+              </a:solidFill>
+              <a:latin typeface="Tahoma"/>
+              <a:ea typeface="Tahoma"/>
+              <a:cs typeface="Tahoma"/>
+              <a:sym typeface="Tahoma"/>
+            </a:endParaRPr>
+          </a:p>
+          <a:p>
+            <a:pPr indent="-298450" lvl="0" marL="457200" rtl="0" algn="l">
+              <a:spcBef>
+                <a:spcPts val="0"/>
+              </a:spcBef>
+              <a:spcAft>
+                <a:spcPts val="0"/>
+              </a:spcAft>
+              <a:buClr>
+                <a:srgbClr val="000000"/>
+              </a:buClr>
+              <a:buSzPts val="1100"/>
+              <a:buFont typeface="Tahoma"/>
+              <a:buChar char="●"/>
+            </a:pPr>
+            <a:r>
+              <a:rPr b="1" lang="pl" sz="1100">
+                <a:solidFill>
+                  <a:srgbClr val="0B5394"/>
+                </a:solidFill>
+                <a:latin typeface="Tahoma"/>
+                <a:ea typeface="Tahoma"/>
+                <a:cs typeface="Tahoma"/>
+                <a:sym typeface="Tahoma"/>
+              </a:rPr>
+              <a:t>Klucze kryptograficzne</a:t>
+            </a:r>
+            <a:r>
+              <a:rPr lang="pl" sz="1100">
+                <a:solidFill>
+                  <a:srgbClr val="000000"/>
+                </a:solidFill>
+                <a:latin typeface="Tahoma"/>
+                <a:ea typeface="Tahoma"/>
+                <a:cs typeface="Tahoma"/>
+                <a:sym typeface="Tahoma"/>
+              </a:rPr>
+              <a:t>: Sekretne wartości używane w algorytmach do szyfrowania i deszyfrowania. Mogą być symetryczne (ten sam klucz do obu procesów) lub asymetryczne (para kluczy: publiczny i prywatny).</a:t>
+            </a:r>
+            <a:endParaRPr sz="1100">
+              <a:solidFill>
+                <a:srgbClr val="000000"/>
+              </a:solidFill>
+              <a:latin typeface="Tahoma"/>
+              <a:ea typeface="Tahoma"/>
+              <a:cs typeface="Tahoma"/>
+              <a:sym typeface="Tahoma"/>
+            </a:endParaRPr>
+          </a:p>
+          <a:p>
+            <a:pPr indent="-298450" lvl="0" marL="457200" rtl="0" algn="l">
+              <a:spcBef>
+                <a:spcPts val="0"/>
+              </a:spcBef>
+              <a:spcAft>
+                <a:spcPts val="0"/>
+              </a:spcAft>
+              <a:buClr>
+                <a:srgbClr val="000000"/>
+              </a:buClr>
+              <a:buSzPts val="1100"/>
+              <a:buFont typeface="Tahoma"/>
+              <a:buChar char="●"/>
+            </a:pPr>
+            <a:r>
+              <a:rPr b="1" lang="pl" sz="1100">
+                <a:solidFill>
+                  <a:srgbClr val="0B5394"/>
+                </a:solidFill>
+                <a:latin typeface="Tahoma"/>
+                <a:ea typeface="Tahoma"/>
+                <a:cs typeface="Tahoma"/>
+                <a:sym typeface="Tahoma"/>
+              </a:rPr>
+              <a:t>Algorytmy kryptograficzne</a:t>
+            </a:r>
+            <a:r>
+              <a:rPr lang="pl" sz="1100">
+                <a:solidFill>
+                  <a:srgbClr val="000000"/>
+                </a:solidFill>
+                <a:latin typeface="Tahoma"/>
+                <a:ea typeface="Tahoma"/>
+                <a:cs typeface="Tahoma"/>
+                <a:sym typeface="Tahoma"/>
+              </a:rPr>
+              <a:t>: Matematyczne procedury, np. AES (symetryczny), RSA (asymetryczny) czy SHA (do haszowania).</a:t>
+            </a:r>
+            <a:endParaRPr sz="1100">
+              <a:solidFill>
+                <a:srgbClr val="000000"/>
+              </a:solidFill>
+              <a:latin typeface="Tahoma"/>
+              <a:ea typeface="Tahoma"/>
+              <a:cs typeface="Tahoma"/>
+              <a:sym typeface="Tahoma"/>
+            </a:endParaRPr>
+          </a:p>
+          <a:p>
+            <a:pPr indent="0" lvl="0" marL="0" rtl="0" algn="l">
+              <a:spcBef>
+                <a:spcPts val="0"/>
+              </a:spcBef>
+              <a:spcAft>
+                <a:spcPts val="1200"/>
+              </a:spcAft>
+              <a:buNone/>
+            </a:pPr>
+            <a:r>
+              <a:t/>
+            </a:r>
+            <a:endParaRPr/>
+          </a:p>
+        </p:txBody>
+      </p:sp>
+    </p:spTree>
+  </p:cSld>
+  <p:clrMapOvr>
+    <a:masterClrMapping/>
+  </p:clrMapOvr>
+</p:sld>
+</file>
+
+<file path=ppt/slides/slide63.xml><?xml version="1.0" encoding="utf-8"?>
+<p:sld xmlns:a="http://schemas.openxmlformats.org/drawingml/2006/main" xmlns:r="http://schemas.openxmlformats.org/officeDocument/2006/relationships" xmlns:mc="http://schemas.openxmlformats.org/markup-compatibility/2006" xmlns:mv="urn:schemas-microsoft-com:mac:vml" xmlns:p="http://schemas.openxmlformats.org/presentationml/2006/main" xmlns:c="http://schemas.openxmlformats.org/drawingml/2006/chart" xmlns:dgm="http://schemas.openxmlformats.org/drawingml/2006/diagram" xmlns:o="urn:schemas-microsoft-com:office:office" xmlns:v="urn:schemas-microsoft-com:vml" xmlns:pvml="urn:schemas-microsoft-com:office:powerpoint" xmlns:com="http://schemas.openxmlformats.org/drawingml/2006/compatibility" xmlns:p14="http://schemas.microsoft.com/office/powerpoint/2010/main" xmlns:p15="http://schemas.microsoft.com/office/powerpoint/2012/main" xmlns:ahyp="http://schemas.microsoft.com/office/drawing/2018/hyperlinkcolor">
+  <p:cSld>
+    <p:spTree>
+      <p:nvGrpSpPr>
+        <p:cNvPr id="461" name="Shape 461"/>
+        <p:cNvGrpSpPr/>
+        <p:nvPr/>
+      </p:nvGrpSpPr>
+      <p:grpSpPr>
+        <a:xfrm>
+          <a:off x="0" y="0"/>
+          <a:ext cx="0" cy="0"/>
+          <a:chOff x="0" y="0"/>
+          <a:chExt cx="0" cy="0"/>
+        </a:xfrm>
+      </p:grpSpPr>
+      <p:sp>
+        <p:nvSpPr>
+          <p:cNvPr id="462" name="Google Shape;462;p75"/>
+          <p:cNvSpPr txBox="1"/>
+          <p:nvPr>
+            <p:ph type="title"/>
+          </p:nvPr>
+        </p:nvSpPr>
+        <p:spPr>
+          <a:xfrm>
+            <a:off x="729450" y="1318650"/>
+            <a:ext cx="7688700" cy="535200"/>
+          </a:xfrm>
+          <a:prstGeom prst="rect">
+            <a:avLst/>
+          </a:prstGeom>
+        </p:spPr>
+        <p:txBody>
+          <a:bodyPr anchorCtr="0" anchor="t" bIns="91425" lIns="91425" spcFirstLastPara="1" rIns="91425" wrap="square" tIns="91425">
+            <a:noAutofit/>
+          </a:bodyPr>
+          <a:lstStyle/>
+          <a:p>
+            <a:pPr indent="0" lvl="0" marL="0" rtl="0" algn="l">
+              <a:lnSpc>
+                <a:spcPct val="115000"/>
+              </a:lnSpc>
+              <a:spcBef>
+                <a:spcPts val="1700"/>
+              </a:spcBef>
+              <a:spcAft>
+                <a:spcPts val="600"/>
+              </a:spcAft>
+              <a:buNone/>
+            </a:pPr>
+            <a:r>
+              <a:rPr lang="pl" sz="2400">
+                <a:solidFill>
+                  <a:srgbClr val="000000"/>
+                </a:solidFill>
+                <a:latin typeface="Tahoma"/>
+                <a:ea typeface="Tahoma"/>
+                <a:cs typeface="Tahoma"/>
+                <a:sym typeface="Tahoma"/>
+              </a:rPr>
+              <a:t>Zastosowania kryptografii:</a:t>
+            </a:r>
+            <a:endParaRPr sz="2400">
+              <a:latin typeface="Tahoma"/>
+              <a:ea typeface="Tahoma"/>
+              <a:cs typeface="Tahoma"/>
+              <a:sym typeface="Tahoma"/>
+            </a:endParaRPr>
+          </a:p>
+        </p:txBody>
+      </p:sp>
+      <p:sp>
+        <p:nvSpPr>
+          <p:cNvPr id="463" name="Google Shape;463;p75"/>
+          <p:cNvSpPr txBox="1"/>
+          <p:nvPr>
+            <p:ph idx="1" type="body"/>
+          </p:nvPr>
+        </p:nvSpPr>
+        <p:spPr>
+          <a:xfrm>
+            <a:off x="729450" y="2078875"/>
+            <a:ext cx="7688700" cy="2261100"/>
+          </a:xfrm>
+          <a:prstGeom prst="rect">
+            <a:avLst/>
+          </a:prstGeom>
+        </p:spPr>
+        <p:txBody>
+          <a:bodyPr anchorCtr="0" anchor="t" bIns="91425" lIns="91425" spcFirstLastPara="1" rIns="91425" wrap="square" tIns="91425">
+            <a:normAutofit/>
+          </a:bodyPr>
+          <a:lstStyle/>
+          <a:p>
+            <a:pPr indent="-317500" lvl="0" marL="457200" rtl="0" algn="l">
+              <a:spcBef>
+                <a:spcPts val="0"/>
+              </a:spcBef>
+              <a:spcAft>
+                <a:spcPts val="0"/>
+              </a:spcAft>
+              <a:buClr>
+                <a:srgbClr val="000000"/>
+              </a:buClr>
+              <a:buSzPts val="1400"/>
+              <a:buFont typeface="Arial"/>
+              <a:buChar char="●"/>
+            </a:pPr>
+            <a:r>
+              <a:rPr b="1" lang="pl" sz="1400">
+                <a:solidFill>
+                  <a:srgbClr val="1C4587"/>
+                </a:solidFill>
+                <a:latin typeface="Tahoma"/>
+                <a:ea typeface="Tahoma"/>
+                <a:cs typeface="Tahoma"/>
+                <a:sym typeface="Tahoma"/>
+              </a:rPr>
+              <a:t>Bezpieczeństwo online</a:t>
+            </a:r>
+            <a:r>
+              <a:rPr lang="pl" sz="1400">
+                <a:solidFill>
+                  <a:srgbClr val="000000"/>
+                </a:solidFill>
+                <a:latin typeface="Tahoma"/>
+                <a:ea typeface="Tahoma"/>
+                <a:cs typeface="Tahoma"/>
+                <a:sym typeface="Tahoma"/>
+              </a:rPr>
+              <a:t>: W protokołach jak HTTPS (szyfrowanie stron internetowych), VPN czy end-to-end encryption (E2EE) w komunikatorach (np. Signal, WhatsApp).</a:t>
+            </a:r>
+            <a:endParaRPr sz="1400">
+              <a:solidFill>
+                <a:srgbClr val="000000"/>
+              </a:solidFill>
+              <a:latin typeface="Tahoma"/>
+              <a:ea typeface="Tahoma"/>
+              <a:cs typeface="Tahoma"/>
+              <a:sym typeface="Tahoma"/>
+            </a:endParaRPr>
+          </a:p>
+          <a:p>
+            <a:pPr indent="-317500" lvl="0" marL="457200" rtl="0" algn="l">
+              <a:spcBef>
+                <a:spcPts val="0"/>
+              </a:spcBef>
+              <a:spcAft>
+                <a:spcPts val="0"/>
+              </a:spcAft>
+              <a:buClr>
+                <a:srgbClr val="000000"/>
+              </a:buClr>
+              <a:buSzPts val="1400"/>
+              <a:buFont typeface="Arial"/>
+              <a:buChar char="●"/>
+            </a:pPr>
+            <a:r>
+              <a:rPr b="1" lang="pl" sz="1400">
+                <a:solidFill>
+                  <a:srgbClr val="0B5394"/>
+                </a:solidFill>
+                <a:latin typeface="Tahoma"/>
+                <a:ea typeface="Tahoma"/>
+                <a:cs typeface="Tahoma"/>
+                <a:sym typeface="Tahoma"/>
+              </a:rPr>
+              <a:t>Ochrona danych</a:t>
+            </a:r>
+            <a:r>
+              <a:rPr lang="pl" sz="1400">
+                <a:solidFill>
+                  <a:srgbClr val="000000"/>
+                </a:solidFill>
+                <a:latin typeface="Tahoma"/>
+                <a:ea typeface="Tahoma"/>
+                <a:cs typeface="Tahoma"/>
+                <a:sym typeface="Tahoma"/>
+              </a:rPr>
+              <a:t>: W bankowości (karty płatnicze, transakcje), medycynie (rekordy pacjentów) czy wojskowości (tajne komunikaty).</a:t>
+            </a:r>
+            <a:endParaRPr sz="1400">
+              <a:solidFill>
+                <a:srgbClr val="000000"/>
+              </a:solidFill>
+              <a:latin typeface="Tahoma"/>
+              <a:ea typeface="Tahoma"/>
+              <a:cs typeface="Tahoma"/>
+              <a:sym typeface="Tahoma"/>
+            </a:endParaRPr>
+          </a:p>
+          <a:p>
+            <a:pPr indent="-317500" lvl="0" marL="457200" rtl="0" algn="l">
+              <a:spcBef>
+                <a:spcPts val="0"/>
+              </a:spcBef>
+              <a:spcAft>
+                <a:spcPts val="0"/>
+              </a:spcAft>
+              <a:buClr>
+                <a:srgbClr val="000000"/>
+              </a:buClr>
+              <a:buSzPts val="1400"/>
+              <a:buFont typeface="Arial"/>
+              <a:buChar char="●"/>
+            </a:pPr>
+            <a:r>
+              <a:rPr b="1" lang="pl" sz="1400">
+                <a:solidFill>
+                  <a:srgbClr val="0B5394"/>
+                </a:solidFill>
+                <a:latin typeface="Tahoma"/>
+                <a:ea typeface="Tahoma"/>
+                <a:cs typeface="Tahoma"/>
+                <a:sym typeface="Tahoma"/>
+              </a:rPr>
+              <a:t>Blockchain i kryptowaluty</a:t>
+            </a:r>
+            <a:r>
+              <a:rPr lang="pl" sz="1400">
+                <a:solidFill>
+                  <a:srgbClr val="000000"/>
+                </a:solidFill>
+                <a:latin typeface="Tahoma"/>
+                <a:ea typeface="Tahoma"/>
+                <a:cs typeface="Tahoma"/>
+                <a:sym typeface="Tahoma"/>
+              </a:rPr>
+              <a:t>: Podstawa Bitcoin i innych, zapewniająca integralność transakcji.</a:t>
+            </a:r>
+            <a:endParaRPr sz="1400">
+              <a:solidFill>
+                <a:srgbClr val="000000"/>
+              </a:solidFill>
+              <a:latin typeface="Tahoma"/>
+              <a:ea typeface="Tahoma"/>
+              <a:cs typeface="Tahoma"/>
+              <a:sym typeface="Tahoma"/>
+            </a:endParaRPr>
+          </a:p>
+          <a:p>
+            <a:pPr indent="-317500" lvl="0" marL="457200" rtl="0" algn="l">
+              <a:spcBef>
+                <a:spcPts val="0"/>
+              </a:spcBef>
+              <a:spcAft>
+                <a:spcPts val="0"/>
+              </a:spcAft>
+              <a:buClr>
+                <a:srgbClr val="000000"/>
+              </a:buClr>
+              <a:buSzPts val="1400"/>
+              <a:buFont typeface="Arial"/>
+              <a:buChar char="●"/>
+            </a:pPr>
+            <a:r>
+              <a:rPr b="1" lang="pl" sz="1400">
+                <a:solidFill>
+                  <a:srgbClr val="0B5394"/>
+                </a:solidFill>
+                <a:latin typeface="Tahoma"/>
+                <a:ea typeface="Tahoma"/>
+                <a:cs typeface="Tahoma"/>
+                <a:sym typeface="Tahoma"/>
+              </a:rPr>
+              <a:t>Podpisy cyfrowe</a:t>
+            </a:r>
+            <a:r>
+              <a:rPr lang="pl" sz="1400">
+                <a:solidFill>
+                  <a:srgbClr val="0B5394"/>
+                </a:solidFill>
+                <a:latin typeface="Tahoma"/>
+                <a:ea typeface="Tahoma"/>
+                <a:cs typeface="Tahoma"/>
+                <a:sym typeface="Tahoma"/>
+              </a:rPr>
+              <a:t>:</a:t>
+            </a:r>
+            <a:r>
+              <a:rPr lang="pl" sz="1400">
+                <a:solidFill>
+                  <a:srgbClr val="000000"/>
+                </a:solidFill>
+                <a:latin typeface="Tahoma"/>
+                <a:ea typeface="Tahoma"/>
+                <a:cs typeface="Tahoma"/>
+                <a:sym typeface="Tahoma"/>
+              </a:rPr>
+              <a:t> Weryfikacja autentyczności dokumentów lub oprogramowania.</a:t>
+            </a:r>
+            <a:endParaRPr sz="1400">
+              <a:solidFill>
+                <a:srgbClr val="000000"/>
+              </a:solidFill>
+              <a:latin typeface="Tahoma"/>
+              <a:ea typeface="Tahoma"/>
+              <a:cs typeface="Tahoma"/>
+              <a:sym typeface="Tahoma"/>
+            </a:endParaRPr>
+          </a:p>
+          <a:p>
+            <a:pPr indent="0" lvl="0" marL="0" rtl="0" algn="l">
+              <a:spcBef>
+                <a:spcPts val="0"/>
+              </a:spcBef>
+              <a:spcAft>
+                <a:spcPts val="1200"/>
+              </a:spcAft>
+              <a:buNone/>
+            </a:pPr>
+            <a:r>
+              <a:t/>
+            </a:r>
+            <a:endParaRPr/>
           </a:p>
         </p:txBody>
       </p:sp>

--- a/ZASTOSOWANIE_INFORMATYKI/1A-gr_2/Zastosowanie informatyki - 1A gr. 2-plik2.pptx
+++ b/ZASTOSOWANIE_INFORMATYKI/1A-gr_2/Zastosowanie informatyki - 1A gr. 2-plik2.pptx
@@ -71,35 +71,43 @@
     <p:sldId id="316" r:id="rId67"/>
     <p:sldId id="317" r:id="rId68"/>
     <p:sldId id="318" r:id="rId69"/>
+    <p:sldId id="319" r:id="rId70"/>
+    <p:sldId id="320" r:id="rId71"/>
+    <p:sldId id="321" r:id="rId72"/>
+    <p:sldId id="322" r:id="rId73"/>
+    <p:sldId id="323" r:id="rId74"/>
+    <p:sldId id="324" r:id="rId75"/>
+    <p:sldId id="325" r:id="rId76"/>
+    <p:sldId id="326" r:id="rId77"/>
   </p:sldIdLst>
   <p:sldSz cy="5143500" cx="9144000"/>
   <p:notesSz cx="6858000" cy="9144000"/>
   <p:embeddedFontLst>
     <p:embeddedFont>
       <p:font typeface="Raleway"/>
-      <p:regular r:id="rId70"/>
-      <p:bold r:id="rId71"/>
-      <p:italic r:id="rId72"/>
-      <p:boldItalic r:id="rId73"/>
+      <p:regular r:id="rId78"/>
+      <p:bold r:id="rId79"/>
+      <p:italic r:id="rId80"/>
+      <p:boldItalic r:id="rId81"/>
     </p:embeddedFont>
     <p:embeddedFont>
       <p:font typeface="Lato"/>
-      <p:regular r:id="rId74"/>
-      <p:bold r:id="rId75"/>
-      <p:italic r:id="rId76"/>
-      <p:boldItalic r:id="rId77"/>
+      <p:regular r:id="rId82"/>
+      <p:bold r:id="rId83"/>
+      <p:italic r:id="rId84"/>
+      <p:boldItalic r:id="rId85"/>
     </p:embeddedFont>
     <p:embeddedFont>
       <p:font typeface="Tahoma"/>
-      <p:regular r:id="rId78"/>
-      <p:bold r:id="rId79"/>
+      <p:regular r:id="rId86"/>
+      <p:bold r:id="rId87"/>
     </p:embeddedFont>
     <p:embeddedFont>
       <p:font typeface="Roboto Mono"/>
-      <p:regular r:id="rId80"/>
-      <p:bold r:id="rId81"/>
-      <p:italic r:id="rId82"/>
-      <p:boldItalic r:id="rId83"/>
+      <p:regular r:id="rId88"/>
+      <p:bold r:id="rId89"/>
+      <p:italic r:id="rId90"/>
+      <p:boldItalic r:id="rId91"/>
     </p:embeddedFont>
   </p:embeddedFontLst>
   <p:defaultTextStyle>
@@ -6716,6 +6724,600 @@
 </p:notes>
 </file>
 
+<file path=ppt/notesSlides/notesSlide64.xml><?xml version="1.0" encoding="utf-8"?>
+<p:notes xmlns:a="http://schemas.openxmlformats.org/drawingml/2006/main" xmlns:r="http://schemas.openxmlformats.org/officeDocument/2006/relationships" xmlns:mc="http://schemas.openxmlformats.org/markup-compatibility/2006" xmlns:mv="urn:schemas-microsoft-com:mac:vml" xmlns:p="http://schemas.openxmlformats.org/presentationml/2006/main" xmlns:c="http://schemas.openxmlformats.org/drawingml/2006/chart" xmlns:dgm="http://schemas.openxmlformats.org/drawingml/2006/diagram" xmlns:o="urn:schemas-microsoft-com:office:office" xmlns:v="urn:schemas-microsoft-com:vml" xmlns:pvml="urn:schemas-microsoft-com:office:powerpoint" xmlns:com="http://schemas.openxmlformats.org/drawingml/2006/compatibility" xmlns:p14="http://schemas.microsoft.com/office/powerpoint/2010/main" xmlns:p15="http://schemas.microsoft.com/office/powerpoint/2012/main" xmlns:ahyp="http://schemas.microsoft.com/office/drawing/2018/hyperlinkcolor" showMasterPhAnim="0" showMasterSp="0">
+  <p:cSld>
+    <p:spTree>
+      <p:nvGrpSpPr>
+        <p:cNvPr id="464" name="Shape 464"/>
+        <p:cNvGrpSpPr/>
+        <p:nvPr/>
+      </p:nvGrpSpPr>
+      <p:grpSpPr>
+        <a:xfrm>
+          <a:off x="0" y="0"/>
+          <a:ext cx="0" cy="0"/>
+          <a:chOff x="0" y="0"/>
+          <a:chExt cx="0" cy="0"/>
+        </a:xfrm>
+      </p:grpSpPr>
+      <p:sp>
+        <p:nvSpPr>
+          <p:cNvPr id="465" name="Google Shape;465;g3915c974913_0_0:notes"/>
+          <p:cNvSpPr/>
+          <p:nvPr>
+            <p:ph idx="2" type="sldImg"/>
+          </p:nvPr>
+        </p:nvSpPr>
+        <p:spPr>
+          <a:xfrm>
+            <a:off x="381300" y="685800"/>
+            <a:ext cx="6096000" cy="3429000"/>
+          </a:xfrm>
+          <a:custGeom>
+            <a:rect b="b" l="l" r="r" t="t"/>
+            <a:pathLst>
+              <a:path extrusionOk="0" h="120000" w="120000">
+                <a:moveTo>
+                  <a:pt x="0" y="0"/>
+                </a:moveTo>
+                <a:lnTo>
+                  <a:pt x="120000" y="0"/>
+                </a:lnTo>
+                <a:lnTo>
+                  <a:pt x="120000" y="120000"/>
+                </a:lnTo>
+                <a:lnTo>
+                  <a:pt x="0" y="120000"/>
+                </a:lnTo>
+                <a:close/>
+              </a:path>
+            </a:pathLst>
+          </a:custGeom>
+        </p:spPr>
+      </p:sp>
+      <p:sp>
+        <p:nvSpPr>
+          <p:cNvPr id="466" name="Google Shape;466;g3915c974913_0_0:notes"/>
+          <p:cNvSpPr txBox="1"/>
+          <p:nvPr>
+            <p:ph idx="1" type="body"/>
+          </p:nvPr>
+        </p:nvSpPr>
+        <p:spPr>
+          <a:xfrm>
+            <a:off x="685800" y="4343400"/>
+            <a:ext cx="5486400" cy="4114800"/>
+          </a:xfrm>
+          <a:prstGeom prst="rect">
+            <a:avLst/>
+          </a:prstGeom>
+        </p:spPr>
+        <p:txBody>
+          <a:bodyPr anchorCtr="0" anchor="t" bIns="91425" lIns="91425" spcFirstLastPara="1" rIns="91425" wrap="square" tIns="91425">
+            <a:noAutofit/>
+          </a:bodyPr>
+          <a:lstStyle/>
+          <a:p>
+            <a:pPr indent="0" lvl="0" marL="0" rtl="0" algn="l">
+              <a:spcBef>
+                <a:spcPts val="0"/>
+              </a:spcBef>
+              <a:spcAft>
+                <a:spcPts val="0"/>
+              </a:spcAft>
+              <a:buNone/>
+            </a:pPr>
+            <a:r>
+              <a:t/>
+            </a:r>
+            <a:endParaRPr/>
+          </a:p>
+        </p:txBody>
+      </p:sp>
+    </p:spTree>
+  </p:cSld>
+  <p:clrMapOvr>
+    <a:masterClrMapping/>
+  </p:clrMapOvr>
+</p:notes>
+</file>
+
+<file path=ppt/notesSlides/notesSlide65.xml><?xml version="1.0" encoding="utf-8"?>
+<p:notes xmlns:a="http://schemas.openxmlformats.org/drawingml/2006/main" xmlns:r="http://schemas.openxmlformats.org/officeDocument/2006/relationships" xmlns:mc="http://schemas.openxmlformats.org/markup-compatibility/2006" xmlns:mv="urn:schemas-microsoft-com:mac:vml" xmlns:p="http://schemas.openxmlformats.org/presentationml/2006/main" xmlns:c="http://schemas.openxmlformats.org/drawingml/2006/chart" xmlns:dgm="http://schemas.openxmlformats.org/drawingml/2006/diagram" xmlns:o="urn:schemas-microsoft-com:office:office" xmlns:v="urn:schemas-microsoft-com:vml" xmlns:pvml="urn:schemas-microsoft-com:office:powerpoint" xmlns:com="http://schemas.openxmlformats.org/drawingml/2006/compatibility" xmlns:p14="http://schemas.microsoft.com/office/powerpoint/2010/main" xmlns:p15="http://schemas.microsoft.com/office/powerpoint/2012/main" xmlns:ahyp="http://schemas.microsoft.com/office/drawing/2018/hyperlinkcolor" showMasterPhAnim="0" showMasterSp="0">
+  <p:cSld>
+    <p:spTree>
+      <p:nvGrpSpPr>
+        <p:cNvPr id="470" name="Shape 470"/>
+        <p:cNvGrpSpPr/>
+        <p:nvPr/>
+      </p:nvGrpSpPr>
+      <p:grpSpPr>
+        <a:xfrm>
+          <a:off x="0" y="0"/>
+          <a:ext cx="0" cy="0"/>
+          <a:chOff x="0" y="0"/>
+          <a:chExt cx="0" cy="0"/>
+        </a:xfrm>
+      </p:grpSpPr>
+      <p:sp>
+        <p:nvSpPr>
+          <p:cNvPr id="471" name="Google Shape;471;g3915c974913_0_6:notes"/>
+          <p:cNvSpPr/>
+          <p:nvPr>
+            <p:ph idx="2" type="sldImg"/>
+          </p:nvPr>
+        </p:nvSpPr>
+        <p:spPr>
+          <a:xfrm>
+            <a:off x="381300" y="685800"/>
+            <a:ext cx="6096000" cy="3429000"/>
+          </a:xfrm>
+          <a:custGeom>
+            <a:rect b="b" l="l" r="r" t="t"/>
+            <a:pathLst>
+              <a:path extrusionOk="0" h="120000" w="120000">
+                <a:moveTo>
+                  <a:pt x="0" y="0"/>
+                </a:moveTo>
+                <a:lnTo>
+                  <a:pt x="120000" y="0"/>
+                </a:lnTo>
+                <a:lnTo>
+                  <a:pt x="120000" y="120000"/>
+                </a:lnTo>
+                <a:lnTo>
+                  <a:pt x="0" y="120000"/>
+                </a:lnTo>
+                <a:close/>
+              </a:path>
+            </a:pathLst>
+          </a:custGeom>
+        </p:spPr>
+      </p:sp>
+      <p:sp>
+        <p:nvSpPr>
+          <p:cNvPr id="472" name="Google Shape;472;g3915c974913_0_6:notes"/>
+          <p:cNvSpPr txBox="1"/>
+          <p:nvPr>
+            <p:ph idx="1" type="body"/>
+          </p:nvPr>
+        </p:nvSpPr>
+        <p:spPr>
+          <a:xfrm>
+            <a:off x="685800" y="4343400"/>
+            <a:ext cx="5486400" cy="4114800"/>
+          </a:xfrm>
+          <a:prstGeom prst="rect">
+            <a:avLst/>
+          </a:prstGeom>
+        </p:spPr>
+        <p:txBody>
+          <a:bodyPr anchorCtr="0" anchor="t" bIns="91425" lIns="91425" spcFirstLastPara="1" rIns="91425" wrap="square" tIns="91425">
+            <a:noAutofit/>
+          </a:bodyPr>
+          <a:lstStyle/>
+          <a:p>
+            <a:pPr indent="0" lvl="0" marL="0" rtl="0" algn="l">
+              <a:spcBef>
+                <a:spcPts val="0"/>
+              </a:spcBef>
+              <a:spcAft>
+                <a:spcPts val="0"/>
+              </a:spcAft>
+              <a:buNone/>
+            </a:pPr>
+            <a:r>
+              <a:t/>
+            </a:r>
+            <a:endParaRPr/>
+          </a:p>
+        </p:txBody>
+      </p:sp>
+    </p:spTree>
+  </p:cSld>
+  <p:clrMapOvr>
+    <a:masterClrMapping/>
+  </p:clrMapOvr>
+</p:notes>
+</file>
+
+<file path=ppt/notesSlides/notesSlide66.xml><?xml version="1.0" encoding="utf-8"?>
+<p:notes xmlns:a="http://schemas.openxmlformats.org/drawingml/2006/main" xmlns:r="http://schemas.openxmlformats.org/officeDocument/2006/relationships" xmlns:mc="http://schemas.openxmlformats.org/markup-compatibility/2006" xmlns:mv="urn:schemas-microsoft-com:mac:vml" xmlns:p="http://schemas.openxmlformats.org/presentationml/2006/main" xmlns:c="http://schemas.openxmlformats.org/drawingml/2006/chart" xmlns:dgm="http://schemas.openxmlformats.org/drawingml/2006/diagram" xmlns:o="urn:schemas-microsoft-com:office:office" xmlns:v="urn:schemas-microsoft-com:vml" xmlns:pvml="urn:schemas-microsoft-com:office:powerpoint" xmlns:com="http://schemas.openxmlformats.org/drawingml/2006/compatibility" xmlns:p14="http://schemas.microsoft.com/office/powerpoint/2010/main" xmlns:p15="http://schemas.microsoft.com/office/powerpoint/2012/main" xmlns:ahyp="http://schemas.microsoft.com/office/drawing/2018/hyperlinkcolor" showMasterPhAnim="0" showMasterSp="0">
+  <p:cSld>
+    <p:spTree>
+      <p:nvGrpSpPr>
+        <p:cNvPr id="476" name="Shape 476"/>
+        <p:cNvGrpSpPr/>
+        <p:nvPr/>
+      </p:nvGrpSpPr>
+      <p:grpSpPr>
+        <a:xfrm>
+          <a:off x="0" y="0"/>
+          <a:ext cx="0" cy="0"/>
+          <a:chOff x="0" y="0"/>
+          <a:chExt cx="0" cy="0"/>
+        </a:xfrm>
+      </p:grpSpPr>
+      <p:sp>
+        <p:nvSpPr>
+          <p:cNvPr id="477" name="Google Shape;477;g3915c974913_0_13:notes"/>
+          <p:cNvSpPr/>
+          <p:nvPr>
+            <p:ph idx="2" type="sldImg"/>
+          </p:nvPr>
+        </p:nvSpPr>
+        <p:spPr>
+          <a:xfrm>
+            <a:off x="381300" y="685800"/>
+            <a:ext cx="6096000" cy="3429000"/>
+          </a:xfrm>
+          <a:custGeom>
+            <a:rect b="b" l="l" r="r" t="t"/>
+            <a:pathLst>
+              <a:path extrusionOk="0" h="120000" w="120000">
+                <a:moveTo>
+                  <a:pt x="0" y="0"/>
+                </a:moveTo>
+                <a:lnTo>
+                  <a:pt x="120000" y="0"/>
+                </a:lnTo>
+                <a:lnTo>
+                  <a:pt x="120000" y="120000"/>
+                </a:lnTo>
+                <a:lnTo>
+                  <a:pt x="0" y="120000"/>
+                </a:lnTo>
+                <a:close/>
+              </a:path>
+            </a:pathLst>
+          </a:custGeom>
+        </p:spPr>
+      </p:sp>
+      <p:sp>
+        <p:nvSpPr>
+          <p:cNvPr id="478" name="Google Shape;478;g3915c974913_0_13:notes"/>
+          <p:cNvSpPr txBox="1"/>
+          <p:nvPr>
+            <p:ph idx="1" type="body"/>
+          </p:nvPr>
+        </p:nvSpPr>
+        <p:spPr>
+          <a:xfrm>
+            <a:off x="685800" y="4343400"/>
+            <a:ext cx="5486400" cy="4114800"/>
+          </a:xfrm>
+          <a:prstGeom prst="rect">
+            <a:avLst/>
+          </a:prstGeom>
+        </p:spPr>
+        <p:txBody>
+          <a:bodyPr anchorCtr="0" anchor="t" bIns="91425" lIns="91425" spcFirstLastPara="1" rIns="91425" wrap="square" tIns="91425">
+            <a:noAutofit/>
+          </a:bodyPr>
+          <a:lstStyle/>
+          <a:p>
+            <a:pPr indent="0" lvl="0" marL="0" rtl="0" algn="l">
+              <a:spcBef>
+                <a:spcPts val="0"/>
+              </a:spcBef>
+              <a:spcAft>
+                <a:spcPts val="0"/>
+              </a:spcAft>
+              <a:buNone/>
+            </a:pPr>
+            <a:r>
+              <a:t/>
+            </a:r>
+            <a:endParaRPr/>
+          </a:p>
+        </p:txBody>
+      </p:sp>
+    </p:spTree>
+  </p:cSld>
+  <p:clrMapOvr>
+    <a:masterClrMapping/>
+  </p:clrMapOvr>
+</p:notes>
+</file>
+
+<file path=ppt/notesSlides/notesSlide67.xml><?xml version="1.0" encoding="utf-8"?>
+<p:notes xmlns:a="http://schemas.openxmlformats.org/drawingml/2006/main" xmlns:r="http://schemas.openxmlformats.org/officeDocument/2006/relationships" xmlns:mc="http://schemas.openxmlformats.org/markup-compatibility/2006" xmlns:mv="urn:schemas-microsoft-com:mac:vml" xmlns:p="http://schemas.openxmlformats.org/presentationml/2006/main" xmlns:c="http://schemas.openxmlformats.org/drawingml/2006/chart" xmlns:dgm="http://schemas.openxmlformats.org/drawingml/2006/diagram" xmlns:o="urn:schemas-microsoft-com:office:office" xmlns:v="urn:schemas-microsoft-com:vml" xmlns:pvml="urn:schemas-microsoft-com:office:powerpoint" xmlns:com="http://schemas.openxmlformats.org/drawingml/2006/compatibility" xmlns:p14="http://schemas.microsoft.com/office/powerpoint/2010/main" xmlns:p15="http://schemas.microsoft.com/office/powerpoint/2012/main" xmlns:ahyp="http://schemas.microsoft.com/office/drawing/2018/hyperlinkcolor" showMasterPhAnim="0" showMasterSp="0">
+  <p:cSld>
+    <p:spTree>
+      <p:nvGrpSpPr>
+        <p:cNvPr id="482" name="Shape 482"/>
+        <p:cNvGrpSpPr/>
+        <p:nvPr/>
+      </p:nvGrpSpPr>
+      <p:grpSpPr>
+        <a:xfrm>
+          <a:off x="0" y="0"/>
+          <a:ext cx="0" cy="0"/>
+          <a:chOff x="0" y="0"/>
+          <a:chExt cx="0" cy="0"/>
+        </a:xfrm>
+      </p:grpSpPr>
+      <p:sp>
+        <p:nvSpPr>
+          <p:cNvPr id="483" name="Google Shape;483;g3915c974913_0_40:notes"/>
+          <p:cNvSpPr/>
+          <p:nvPr>
+            <p:ph idx="2" type="sldImg"/>
+          </p:nvPr>
+        </p:nvSpPr>
+        <p:spPr>
+          <a:xfrm>
+            <a:off x="381300" y="685800"/>
+            <a:ext cx="6096000" cy="3429000"/>
+          </a:xfrm>
+          <a:custGeom>
+            <a:rect b="b" l="l" r="r" t="t"/>
+            <a:pathLst>
+              <a:path extrusionOk="0" h="120000" w="120000">
+                <a:moveTo>
+                  <a:pt x="0" y="0"/>
+                </a:moveTo>
+                <a:lnTo>
+                  <a:pt x="120000" y="0"/>
+                </a:lnTo>
+                <a:lnTo>
+                  <a:pt x="120000" y="120000"/>
+                </a:lnTo>
+                <a:lnTo>
+                  <a:pt x="0" y="120000"/>
+                </a:lnTo>
+                <a:close/>
+              </a:path>
+            </a:pathLst>
+          </a:custGeom>
+        </p:spPr>
+      </p:sp>
+      <p:sp>
+        <p:nvSpPr>
+          <p:cNvPr id="484" name="Google Shape;484;g3915c974913_0_40:notes"/>
+          <p:cNvSpPr txBox="1"/>
+          <p:nvPr>
+            <p:ph idx="1" type="body"/>
+          </p:nvPr>
+        </p:nvSpPr>
+        <p:spPr>
+          <a:xfrm>
+            <a:off x="685800" y="4343400"/>
+            <a:ext cx="5486400" cy="4114800"/>
+          </a:xfrm>
+          <a:prstGeom prst="rect">
+            <a:avLst/>
+          </a:prstGeom>
+        </p:spPr>
+        <p:txBody>
+          <a:bodyPr anchorCtr="0" anchor="t" bIns="91425" lIns="91425" spcFirstLastPara="1" rIns="91425" wrap="square" tIns="91425">
+            <a:noAutofit/>
+          </a:bodyPr>
+          <a:lstStyle/>
+          <a:p>
+            <a:pPr indent="0" lvl="0" marL="0" rtl="0" algn="l">
+              <a:spcBef>
+                <a:spcPts val="0"/>
+              </a:spcBef>
+              <a:spcAft>
+                <a:spcPts val="0"/>
+              </a:spcAft>
+              <a:buNone/>
+            </a:pPr>
+            <a:r>
+              <a:t/>
+            </a:r>
+            <a:endParaRPr/>
+          </a:p>
+        </p:txBody>
+      </p:sp>
+    </p:spTree>
+  </p:cSld>
+  <p:clrMapOvr>
+    <a:masterClrMapping/>
+  </p:clrMapOvr>
+</p:notes>
+</file>
+
+<file path=ppt/notesSlides/notesSlide68.xml><?xml version="1.0" encoding="utf-8"?>
+<p:notes xmlns:a="http://schemas.openxmlformats.org/drawingml/2006/main" xmlns:r="http://schemas.openxmlformats.org/officeDocument/2006/relationships" xmlns:mc="http://schemas.openxmlformats.org/markup-compatibility/2006" xmlns:mv="urn:schemas-microsoft-com:mac:vml" xmlns:p="http://schemas.openxmlformats.org/presentationml/2006/main" xmlns:c="http://schemas.openxmlformats.org/drawingml/2006/chart" xmlns:dgm="http://schemas.openxmlformats.org/drawingml/2006/diagram" xmlns:o="urn:schemas-microsoft-com:office:office" xmlns:v="urn:schemas-microsoft-com:vml" xmlns:pvml="urn:schemas-microsoft-com:office:powerpoint" xmlns:com="http://schemas.openxmlformats.org/drawingml/2006/compatibility" xmlns:p14="http://schemas.microsoft.com/office/powerpoint/2010/main" xmlns:p15="http://schemas.microsoft.com/office/powerpoint/2012/main" xmlns:ahyp="http://schemas.microsoft.com/office/drawing/2018/hyperlinkcolor" showMasterPhAnim="0" showMasterSp="0">
+  <p:cSld>
+    <p:spTree>
+      <p:nvGrpSpPr>
+        <p:cNvPr id="488" name="Shape 488"/>
+        <p:cNvGrpSpPr/>
+        <p:nvPr/>
+      </p:nvGrpSpPr>
+      <p:grpSpPr>
+        <a:xfrm>
+          <a:off x="0" y="0"/>
+          <a:ext cx="0" cy="0"/>
+          <a:chOff x="0" y="0"/>
+          <a:chExt cx="0" cy="0"/>
+        </a:xfrm>
+      </p:grpSpPr>
+      <p:sp>
+        <p:nvSpPr>
+          <p:cNvPr id="489" name="Google Shape;489;g3915c974913_0_19:notes"/>
+          <p:cNvSpPr/>
+          <p:nvPr>
+            <p:ph idx="2" type="sldImg"/>
+          </p:nvPr>
+        </p:nvSpPr>
+        <p:spPr>
+          <a:xfrm>
+            <a:off x="381300" y="685800"/>
+            <a:ext cx="6096000" cy="3429000"/>
+          </a:xfrm>
+          <a:custGeom>
+            <a:rect b="b" l="l" r="r" t="t"/>
+            <a:pathLst>
+              <a:path extrusionOk="0" h="120000" w="120000">
+                <a:moveTo>
+                  <a:pt x="0" y="0"/>
+                </a:moveTo>
+                <a:lnTo>
+                  <a:pt x="120000" y="0"/>
+                </a:lnTo>
+                <a:lnTo>
+                  <a:pt x="120000" y="120000"/>
+                </a:lnTo>
+                <a:lnTo>
+                  <a:pt x="0" y="120000"/>
+                </a:lnTo>
+                <a:close/>
+              </a:path>
+            </a:pathLst>
+          </a:custGeom>
+        </p:spPr>
+      </p:sp>
+      <p:sp>
+        <p:nvSpPr>
+          <p:cNvPr id="490" name="Google Shape;490;g3915c974913_0_19:notes"/>
+          <p:cNvSpPr txBox="1"/>
+          <p:nvPr>
+            <p:ph idx="1" type="body"/>
+          </p:nvPr>
+        </p:nvSpPr>
+        <p:spPr>
+          <a:xfrm>
+            <a:off x="685800" y="4343400"/>
+            <a:ext cx="5486400" cy="4114800"/>
+          </a:xfrm>
+          <a:prstGeom prst="rect">
+            <a:avLst/>
+          </a:prstGeom>
+        </p:spPr>
+        <p:txBody>
+          <a:bodyPr anchorCtr="0" anchor="t" bIns="91425" lIns="91425" spcFirstLastPara="1" rIns="91425" wrap="square" tIns="91425">
+            <a:noAutofit/>
+          </a:bodyPr>
+          <a:lstStyle/>
+          <a:p>
+            <a:pPr indent="0" lvl="0" marL="0" rtl="0" algn="l">
+              <a:spcBef>
+                <a:spcPts val="0"/>
+              </a:spcBef>
+              <a:spcAft>
+                <a:spcPts val="0"/>
+              </a:spcAft>
+              <a:buNone/>
+            </a:pPr>
+            <a:r>
+              <a:t/>
+            </a:r>
+            <a:endParaRPr/>
+          </a:p>
+        </p:txBody>
+      </p:sp>
+    </p:spTree>
+  </p:cSld>
+  <p:clrMapOvr>
+    <a:masterClrMapping/>
+  </p:clrMapOvr>
+</p:notes>
+</file>
+
+<file path=ppt/notesSlides/notesSlide69.xml><?xml version="1.0" encoding="utf-8"?>
+<p:notes xmlns:a="http://schemas.openxmlformats.org/drawingml/2006/main" xmlns:r="http://schemas.openxmlformats.org/officeDocument/2006/relationships" xmlns:mc="http://schemas.openxmlformats.org/markup-compatibility/2006" xmlns:mv="urn:schemas-microsoft-com:mac:vml" xmlns:p="http://schemas.openxmlformats.org/presentationml/2006/main" xmlns:c="http://schemas.openxmlformats.org/drawingml/2006/chart" xmlns:dgm="http://schemas.openxmlformats.org/drawingml/2006/diagram" xmlns:o="urn:schemas-microsoft-com:office:office" xmlns:v="urn:schemas-microsoft-com:vml" xmlns:pvml="urn:schemas-microsoft-com:office:powerpoint" xmlns:com="http://schemas.openxmlformats.org/drawingml/2006/compatibility" xmlns:p14="http://schemas.microsoft.com/office/powerpoint/2010/main" xmlns:p15="http://schemas.microsoft.com/office/powerpoint/2012/main" xmlns:ahyp="http://schemas.microsoft.com/office/drawing/2018/hyperlinkcolor" showMasterPhAnim="0" showMasterSp="0">
+  <p:cSld>
+    <p:spTree>
+      <p:nvGrpSpPr>
+        <p:cNvPr id="494" name="Shape 494"/>
+        <p:cNvGrpSpPr/>
+        <p:nvPr/>
+      </p:nvGrpSpPr>
+      <p:grpSpPr>
+        <a:xfrm>
+          <a:off x="0" y="0"/>
+          <a:ext cx="0" cy="0"/>
+          <a:chOff x="0" y="0"/>
+          <a:chExt cx="0" cy="0"/>
+        </a:xfrm>
+      </p:grpSpPr>
+      <p:sp>
+        <p:nvSpPr>
+          <p:cNvPr id="495" name="Google Shape;495;g3915c974913_0_26:notes"/>
+          <p:cNvSpPr/>
+          <p:nvPr>
+            <p:ph idx="2" type="sldImg"/>
+          </p:nvPr>
+        </p:nvSpPr>
+        <p:spPr>
+          <a:xfrm>
+            <a:off x="381300" y="685800"/>
+            <a:ext cx="6096000" cy="3429000"/>
+          </a:xfrm>
+          <a:custGeom>
+            <a:rect b="b" l="l" r="r" t="t"/>
+            <a:pathLst>
+              <a:path extrusionOk="0" h="120000" w="120000">
+                <a:moveTo>
+                  <a:pt x="0" y="0"/>
+                </a:moveTo>
+                <a:lnTo>
+                  <a:pt x="120000" y="0"/>
+                </a:lnTo>
+                <a:lnTo>
+                  <a:pt x="120000" y="120000"/>
+                </a:lnTo>
+                <a:lnTo>
+                  <a:pt x="0" y="120000"/>
+                </a:lnTo>
+                <a:close/>
+              </a:path>
+            </a:pathLst>
+          </a:custGeom>
+        </p:spPr>
+      </p:sp>
+      <p:sp>
+        <p:nvSpPr>
+          <p:cNvPr id="496" name="Google Shape;496;g3915c974913_0_26:notes"/>
+          <p:cNvSpPr txBox="1"/>
+          <p:nvPr>
+            <p:ph idx="1" type="body"/>
+          </p:nvPr>
+        </p:nvSpPr>
+        <p:spPr>
+          <a:xfrm>
+            <a:off x="685800" y="4343400"/>
+            <a:ext cx="5486400" cy="4114800"/>
+          </a:xfrm>
+          <a:prstGeom prst="rect">
+            <a:avLst/>
+          </a:prstGeom>
+        </p:spPr>
+        <p:txBody>
+          <a:bodyPr anchorCtr="0" anchor="t" bIns="91425" lIns="91425" spcFirstLastPara="1" rIns="91425" wrap="square" tIns="91425">
+            <a:noAutofit/>
+          </a:bodyPr>
+          <a:lstStyle/>
+          <a:p>
+            <a:pPr indent="0" lvl="0" marL="0" rtl="0" algn="l">
+              <a:spcBef>
+                <a:spcPts val="0"/>
+              </a:spcBef>
+              <a:spcAft>
+                <a:spcPts val="0"/>
+              </a:spcAft>
+              <a:buNone/>
+            </a:pPr>
+            <a:r>
+              <a:t/>
+            </a:r>
+            <a:endParaRPr/>
+          </a:p>
+        </p:txBody>
+      </p:sp>
+    </p:spTree>
+  </p:cSld>
+  <p:clrMapOvr>
+    <a:masterClrMapping/>
+  </p:clrMapOvr>
+</p:notes>
+</file>
+
 <file path=ppt/notesSlides/notesSlide7.xml><?xml version="1.0" encoding="utf-8"?>
 <p:notes xmlns:a="http://schemas.openxmlformats.org/drawingml/2006/main" xmlns:r="http://schemas.openxmlformats.org/officeDocument/2006/relationships" xmlns:mc="http://schemas.openxmlformats.org/markup-compatibility/2006" xmlns:mv="urn:schemas-microsoft-com:mac:vml" xmlns:p="http://schemas.openxmlformats.org/presentationml/2006/main" xmlns:c="http://schemas.openxmlformats.org/drawingml/2006/chart" xmlns:dgm="http://schemas.openxmlformats.org/drawingml/2006/diagram" xmlns:o="urn:schemas-microsoft-com:office:office" xmlns:v="urn:schemas-microsoft-com:vml" xmlns:pvml="urn:schemas-microsoft-com:office:powerpoint" xmlns:com="http://schemas.openxmlformats.org/drawingml/2006/compatibility" xmlns:p14="http://schemas.microsoft.com/office/powerpoint/2010/main" xmlns:p15="http://schemas.microsoft.com/office/powerpoint/2012/main" xmlns:ahyp="http://schemas.microsoft.com/office/drawing/2018/hyperlinkcolor" showMasterPhAnim="0" showMasterSp="0">
   <p:cSld>
@@ -6771,6 +7373,204 @@
       <p:sp>
         <p:nvSpPr>
           <p:cNvPr id="120" name="Google Shape;120;g39edc685857_0_113:notes"/>
+          <p:cNvSpPr txBox="1"/>
+          <p:nvPr>
+            <p:ph idx="1" type="body"/>
+          </p:nvPr>
+        </p:nvSpPr>
+        <p:spPr>
+          <a:xfrm>
+            <a:off x="685800" y="4343400"/>
+            <a:ext cx="5486400" cy="4114800"/>
+          </a:xfrm>
+          <a:prstGeom prst="rect">
+            <a:avLst/>
+          </a:prstGeom>
+        </p:spPr>
+        <p:txBody>
+          <a:bodyPr anchorCtr="0" anchor="t" bIns="91425" lIns="91425" spcFirstLastPara="1" rIns="91425" wrap="square" tIns="91425">
+            <a:noAutofit/>
+          </a:bodyPr>
+          <a:lstStyle/>
+          <a:p>
+            <a:pPr indent="0" lvl="0" marL="0" rtl="0" algn="l">
+              <a:spcBef>
+                <a:spcPts val="0"/>
+              </a:spcBef>
+              <a:spcAft>
+                <a:spcPts val="0"/>
+              </a:spcAft>
+              <a:buNone/>
+            </a:pPr>
+            <a:r>
+              <a:t/>
+            </a:r>
+            <a:endParaRPr/>
+          </a:p>
+        </p:txBody>
+      </p:sp>
+    </p:spTree>
+  </p:cSld>
+  <p:clrMapOvr>
+    <a:masterClrMapping/>
+  </p:clrMapOvr>
+</p:notes>
+</file>
+
+<file path=ppt/notesSlides/notesSlide70.xml><?xml version="1.0" encoding="utf-8"?>
+<p:notes xmlns:a="http://schemas.openxmlformats.org/drawingml/2006/main" xmlns:r="http://schemas.openxmlformats.org/officeDocument/2006/relationships" xmlns:mc="http://schemas.openxmlformats.org/markup-compatibility/2006" xmlns:mv="urn:schemas-microsoft-com:mac:vml" xmlns:p="http://schemas.openxmlformats.org/presentationml/2006/main" xmlns:c="http://schemas.openxmlformats.org/drawingml/2006/chart" xmlns:dgm="http://schemas.openxmlformats.org/drawingml/2006/diagram" xmlns:o="urn:schemas-microsoft-com:office:office" xmlns:v="urn:schemas-microsoft-com:vml" xmlns:pvml="urn:schemas-microsoft-com:office:powerpoint" xmlns:com="http://schemas.openxmlformats.org/drawingml/2006/compatibility" xmlns:p14="http://schemas.microsoft.com/office/powerpoint/2010/main" xmlns:p15="http://schemas.microsoft.com/office/powerpoint/2012/main" xmlns:ahyp="http://schemas.microsoft.com/office/drawing/2018/hyperlinkcolor" showMasterPhAnim="0" showMasterSp="0">
+  <p:cSld>
+    <p:spTree>
+      <p:nvGrpSpPr>
+        <p:cNvPr id="500" name="Shape 500"/>
+        <p:cNvGrpSpPr/>
+        <p:nvPr/>
+      </p:nvGrpSpPr>
+      <p:grpSpPr>
+        <a:xfrm>
+          <a:off x="0" y="0"/>
+          <a:ext cx="0" cy="0"/>
+          <a:chOff x="0" y="0"/>
+          <a:chExt cx="0" cy="0"/>
+        </a:xfrm>
+      </p:grpSpPr>
+      <p:sp>
+        <p:nvSpPr>
+          <p:cNvPr id="501" name="Google Shape;501;g3915c974913_0_46:notes"/>
+          <p:cNvSpPr/>
+          <p:nvPr>
+            <p:ph idx="2" type="sldImg"/>
+          </p:nvPr>
+        </p:nvSpPr>
+        <p:spPr>
+          <a:xfrm>
+            <a:off x="381300" y="685800"/>
+            <a:ext cx="6096000" cy="3429000"/>
+          </a:xfrm>
+          <a:custGeom>
+            <a:rect b="b" l="l" r="r" t="t"/>
+            <a:pathLst>
+              <a:path extrusionOk="0" h="120000" w="120000">
+                <a:moveTo>
+                  <a:pt x="0" y="0"/>
+                </a:moveTo>
+                <a:lnTo>
+                  <a:pt x="120000" y="0"/>
+                </a:lnTo>
+                <a:lnTo>
+                  <a:pt x="120000" y="120000"/>
+                </a:lnTo>
+                <a:lnTo>
+                  <a:pt x="0" y="120000"/>
+                </a:lnTo>
+                <a:close/>
+              </a:path>
+            </a:pathLst>
+          </a:custGeom>
+        </p:spPr>
+      </p:sp>
+      <p:sp>
+        <p:nvSpPr>
+          <p:cNvPr id="502" name="Google Shape;502;g3915c974913_0_46:notes"/>
+          <p:cNvSpPr txBox="1"/>
+          <p:nvPr>
+            <p:ph idx="1" type="body"/>
+          </p:nvPr>
+        </p:nvSpPr>
+        <p:spPr>
+          <a:xfrm>
+            <a:off x="685800" y="4343400"/>
+            <a:ext cx="5486400" cy="4114800"/>
+          </a:xfrm>
+          <a:prstGeom prst="rect">
+            <a:avLst/>
+          </a:prstGeom>
+        </p:spPr>
+        <p:txBody>
+          <a:bodyPr anchorCtr="0" anchor="t" bIns="91425" lIns="91425" spcFirstLastPara="1" rIns="91425" wrap="square" tIns="91425">
+            <a:noAutofit/>
+          </a:bodyPr>
+          <a:lstStyle/>
+          <a:p>
+            <a:pPr indent="0" lvl="0" marL="0" rtl="0" algn="l">
+              <a:spcBef>
+                <a:spcPts val="0"/>
+              </a:spcBef>
+              <a:spcAft>
+                <a:spcPts val="0"/>
+              </a:spcAft>
+              <a:buNone/>
+            </a:pPr>
+            <a:r>
+              <a:t/>
+            </a:r>
+            <a:endParaRPr/>
+          </a:p>
+        </p:txBody>
+      </p:sp>
+    </p:spTree>
+  </p:cSld>
+  <p:clrMapOvr>
+    <a:masterClrMapping/>
+  </p:clrMapOvr>
+</p:notes>
+</file>
+
+<file path=ppt/notesSlides/notesSlide71.xml><?xml version="1.0" encoding="utf-8"?>
+<p:notes xmlns:a="http://schemas.openxmlformats.org/drawingml/2006/main" xmlns:r="http://schemas.openxmlformats.org/officeDocument/2006/relationships" xmlns:mc="http://schemas.openxmlformats.org/markup-compatibility/2006" xmlns:mv="urn:schemas-microsoft-com:mac:vml" xmlns:p="http://schemas.openxmlformats.org/presentationml/2006/main" xmlns:c="http://schemas.openxmlformats.org/drawingml/2006/chart" xmlns:dgm="http://schemas.openxmlformats.org/drawingml/2006/diagram" xmlns:o="urn:schemas-microsoft-com:office:office" xmlns:v="urn:schemas-microsoft-com:vml" xmlns:pvml="urn:schemas-microsoft-com:office:powerpoint" xmlns:com="http://schemas.openxmlformats.org/drawingml/2006/compatibility" xmlns:p14="http://schemas.microsoft.com/office/powerpoint/2010/main" xmlns:p15="http://schemas.microsoft.com/office/powerpoint/2012/main" xmlns:ahyp="http://schemas.microsoft.com/office/drawing/2018/hyperlinkcolor" showMasterPhAnim="0" showMasterSp="0">
+  <p:cSld>
+    <p:spTree>
+      <p:nvGrpSpPr>
+        <p:cNvPr id="506" name="Shape 506"/>
+        <p:cNvGrpSpPr/>
+        <p:nvPr/>
+      </p:nvGrpSpPr>
+      <p:grpSpPr>
+        <a:xfrm>
+          <a:off x="0" y="0"/>
+          <a:ext cx="0" cy="0"/>
+          <a:chOff x="0" y="0"/>
+          <a:chExt cx="0" cy="0"/>
+        </a:xfrm>
+      </p:grpSpPr>
+      <p:sp>
+        <p:nvSpPr>
+          <p:cNvPr id="507" name="Google Shape;507;g3915c974913_0_34:notes"/>
+          <p:cNvSpPr/>
+          <p:nvPr>
+            <p:ph idx="2" type="sldImg"/>
+          </p:nvPr>
+        </p:nvSpPr>
+        <p:spPr>
+          <a:xfrm>
+            <a:off x="381300" y="685800"/>
+            <a:ext cx="6096000" cy="3429000"/>
+          </a:xfrm>
+          <a:custGeom>
+            <a:rect b="b" l="l" r="r" t="t"/>
+            <a:pathLst>
+              <a:path extrusionOk="0" h="120000" w="120000">
+                <a:moveTo>
+                  <a:pt x="0" y="0"/>
+                </a:moveTo>
+                <a:lnTo>
+                  <a:pt x="120000" y="0"/>
+                </a:lnTo>
+                <a:lnTo>
+                  <a:pt x="120000" y="120000"/>
+                </a:lnTo>
+                <a:lnTo>
+                  <a:pt x="0" y="120000"/>
+                </a:lnTo>
+                <a:close/>
+              </a:path>
+            </a:pathLst>
+          </a:custGeom>
+        </p:spPr>
+      </p:sp>
+      <p:sp>
+        <p:nvSpPr>
+          <p:cNvPr id="508" name="Google Shape;508;g3915c974913_0_34:notes"/>
           <p:cNvSpPr txBox="1"/>
           <p:nvPr>
             <p:ph idx="1" type="body"/>
@@ -23991,7 +24791,7 @@
             <a:tbl>
               <a:tblPr>
                 <a:noFill/>
-                <a:tableStyleId>{801967CD-82AF-4A59-A195-959321205211}</a:tableStyleId>
+                <a:tableStyleId>{8D45308A-5DEC-4249-91B1-1B624FA821CF}</a:tableStyleId>
               </a:tblPr>
               <a:tblGrid>
                 <a:gridCol w="561975"/>
@@ -24056,7 +24856,7 @@
             <a:tbl>
               <a:tblPr>
                 <a:noFill/>
-                <a:tableStyleId>{801967CD-82AF-4A59-A195-959321205211}</a:tableStyleId>
+                <a:tableStyleId>{8D45308A-5DEC-4249-91B1-1B624FA821CF}</a:tableStyleId>
               </a:tblPr>
               <a:tblGrid>
                 <a:gridCol w="19050"/>
@@ -24104,7 +24904,7 @@
             <a:tbl>
               <a:tblPr>
                 <a:noFill/>
-                <a:tableStyleId>{801967CD-82AF-4A59-A195-959321205211}</a:tableStyleId>
+                <a:tableStyleId>{8D45308A-5DEC-4249-91B1-1B624FA821CF}</a:tableStyleId>
               </a:tblPr>
               <a:tblGrid>
                 <a:gridCol w="561975"/>
@@ -24169,7 +24969,7 @@
             <a:tbl>
               <a:tblPr>
                 <a:noFill/>
-                <a:tableStyleId>{801967CD-82AF-4A59-A195-959321205211}</a:tableStyleId>
+                <a:tableStyleId>{8D45308A-5DEC-4249-91B1-1B624FA821CF}</a:tableStyleId>
               </a:tblPr>
               <a:tblGrid>
                 <a:gridCol w="19050"/>
@@ -38863,6 +39663,2418 @@
 </p:sld>
 </file>
 
+<file path=ppt/slides/slide64.xml><?xml version="1.0" encoding="utf-8"?>
+<p:sld xmlns:a="http://schemas.openxmlformats.org/drawingml/2006/main" xmlns:r="http://schemas.openxmlformats.org/officeDocument/2006/relationships" xmlns:mc="http://schemas.openxmlformats.org/markup-compatibility/2006" xmlns:mv="urn:schemas-microsoft-com:mac:vml" xmlns:p="http://schemas.openxmlformats.org/presentationml/2006/main" xmlns:c="http://schemas.openxmlformats.org/drawingml/2006/chart" xmlns:dgm="http://schemas.openxmlformats.org/drawingml/2006/diagram" xmlns:o="urn:schemas-microsoft-com:office:office" xmlns:v="urn:schemas-microsoft-com:vml" xmlns:pvml="urn:schemas-microsoft-com:office:powerpoint" xmlns:com="http://schemas.openxmlformats.org/drawingml/2006/compatibility" xmlns:p14="http://schemas.microsoft.com/office/powerpoint/2010/main" xmlns:p15="http://schemas.microsoft.com/office/powerpoint/2012/main" xmlns:ahyp="http://schemas.microsoft.com/office/drawing/2018/hyperlinkcolor">
+  <p:cSld>
+    <p:spTree>
+      <p:nvGrpSpPr>
+        <p:cNvPr id="467" name="Shape 467"/>
+        <p:cNvGrpSpPr/>
+        <p:nvPr/>
+      </p:nvGrpSpPr>
+      <p:grpSpPr>
+        <a:xfrm>
+          <a:off x="0" y="0"/>
+          <a:ext cx="0" cy="0"/>
+          <a:chOff x="0" y="0"/>
+          <a:chExt cx="0" cy="0"/>
+        </a:xfrm>
+      </p:grpSpPr>
+      <p:sp>
+        <p:nvSpPr>
+          <p:cNvPr id="468" name="Google Shape;468;p76"/>
+          <p:cNvSpPr txBox="1"/>
+          <p:nvPr>
+            <p:ph type="title"/>
+          </p:nvPr>
+        </p:nvSpPr>
+        <p:spPr>
+          <a:xfrm>
+            <a:off x="729450" y="1318650"/>
+            <a:ext cx="7688700" cy="535200"/>
+          </a:xfrm>
+          <a:prstGeom prst="rect">
+            <a:avLst/>
+          </a:prstGeom>
+        </p:spPr>
+        <p:txBody>
+          <a:bodyPr anchorCtr="0" anchor="t" bIns="91425" lIns="91425" spcFirstLastPara="1" rIns="91425" wrap="square" tIns="91425">
+            <a:noAutofit/>
+          </a:bodyPr>
+          <a:lstStyle/>
+          <a:p>
+            <a:pPr indent="0" lvl="0" marL="0" rtl="0" algn="l">
+              <a:lnSpc>
+                <a:spcPct val="115000"/>
+              </a:lnSpc>
+              <a:spcBef>
+                <a:spcPts val="1400"/>
+              </a:spcBef>
+              <a:spcAft>
+                <a:spcPts val="400"/>
+              </a:spcAft>
+              <a:buNone/>
+            </a:pPr>
+            <a:r>
+              <a:rPr lang="pl" sz="2400">
+                <a:solidFill>
+                  <a:srgbClr val="000000"/>
+                </a:solidFill>
+                <a:latin typeface="Tahoma"/>
+                <a:ea typeface="Tahoma"/>
+                <a:cs typeface="Tahoma"/>
+                <a:sym typeface="Tahoma"/>
+              </a:rPr>
+              <a:t>Klucz publiczny</a:t>
+            </a:r>
+            <a:endParaRPr sz="2400">
+              <a:latin typeface="Tahoma"/>
+              <a:ea typeface="Tahoma"/>
+              <a:cs typeface="Tahoma"/>
+              <a:sym typeface="Tahoma"/>
+            </a:endParaRPr>
+          </a:p>
+        </p:txBody>
+      </p:sp>
+      <p:sp>
+        <p:nvSpPr>
+          <p:cNvPr id="469" name="Google Shape;469;p76"/>
+          <p:cNvSpPr txBox="1"/>
+          <p:nvPr>
+            <p:ph idx="1" type="body"/>
+          </p:nvPr>
+        </p:nvSpPr>
+        <p:spPr>
+          <a:xfrm>
+            <a:off x="729450" y="2078875"/>
+            <a:ext cx="7688700" cy="2916900"/>
+          </a:xfrm>
+          <a:prstGeom prst="rect">
+            <a:avLst/>
+          </a:prstGeom>
+        </p:spPr>
+        <p:txBody>
+          <a:bodyPr anchorCtr="0" anchor="t" bIns="91425" lIns="91425" spcFirstLastPara="1" rIns="91425" wrap="square" tIns="91425">
+            <a:normAutofit/>
+          </a:bodyPr>
+          <a:lstStyle/>
+          <a:p>
+            <a:pPr indent="-317500" lvl="0" marL="457200" rtl="0" algn="l">
+              <a:spcBef>
+                <a:spcPts val="0"/>
+              </a:spcBef>
+              <a:spcAft>
+                <a:spcPts val="0"/>
+              </a:spcAft>
+              <a:buClr>
+                <a:srgbClr val="000000"/>
+              </a:buClr>
+              <a:buSzPts val="1400"/>
+              <a:buFont typeface="Arial"/>
+              <a:buChar char="●"/>
+            </a:pPr>
+            <a:r>
+              <a:rPr lang="pl" sz="1400">
+                <a:solidFill>
+                  <a:srgbClr val="000000"/>
+                </a:solidFill>
+                <a:latin typeface="Tahoma"/>
+                <a:ea typeface="Tahoma"/>
+                <a:cs typeface="Tahoma"/>
+                <a:sym typeface="Tahoma"/>
+              </a:rPr>
+              <a:t>To klucz, który </a:t>
+            </a:r>
+            <a:r>
+              <a:rPr b="1" lang="pl" sz="1400">
+                <a:solidFill>
+                  <a:srgbClr val="000000"/>
+                </a:solidFill>
+                <a:latin typeface="Tahoma"/>
+                <a:ea typeface="Tahoma"/>
+                <a:cs typeface="Tahoma"/>
+                <a:sym typeface="Tahoma"/>
+              </a:rPr>
+              <a:t>możesz udostępniać każdemu</a:t>
+            </a:r>
+            <a:r>
+              <a:rPr lang="pl" sz="1400">
+                <a:solidFill>
+                  <a:srgbClr val="000000"/>
+                </a:solidFill>
+                <a:latin typeface="Tahoma"/>
+                <a:ea typeface="Tahoma"/>
+                <a:cs typeface="Tahoma"/>
+                <a:sym typeface="Tahoma"/>
+              </a:rPr>
+              <a:t>.</a:t>
+            </a:r>
+            <a:endParaRPr sz="1400">
+              <a:solidFill>
+                <a:srgbClr val="000000"/>
+              </a:solidFill>
+              <a:latin typeface="Tahoma"/>
+              <a:ea typeface="Tahoma"/>
+              <a:cs typeface="Tahoma"/>
+              <a:sym typeface="Tahoma"/>
+            </a:endParaRPr>
+          </a:p>
+          <a:p>
+            <a:pPr indent="-317500" lvl="0" marL="457200" rtl="0" algn="l">
+              <a:spcBef>
+                <a:spcPts val="0"/>
+              </a:spcBef>
+              <a:spcAft>
+                <a:spcPts val="0"/>
+              </a:spcAft>
+              <a:buClr>
+                <a:srgbClr val="000000"/>
+              </a:buClr>
+              <a:buSzPts val="1400"/>
+              <a:buFont typeface="Arial"/>
+              <a:buChar char="●"/>
+            </a:pPr>
+            <a:r>
+              <a:rPr lang="pl" sz="1400">
+                <a:solidFill>
+                  <a:srgbClr val="000000"/>
+                </a:solidFill>
+                <a:latin typeface="Tahoma"/>
+                <a:ea typeface="Tahoma"/>
+                <a:cs typeface="Tahoma"/>
+                <a:sym typeface="Tahoma"/>
+              </a:rPr>
+              <a:t>Służy do </a:t>
+            </a:r>
+            <a:r>
+              <a:rPr b="1" lang="pl" sz="1400">
+                <a:solidFill>
+                  <a:srgbClr val="000000"/>
+                </a:solidFill>
+                <a:latin typeface="Tahoma"/>
+                <a:ea typeface="Tahoma"/>
+                <a:cs typeface="Tahoma"/>
+                <a:sym typeface="Tahoma"/>
+              </a:rPr>
+              <a:t>szyfrowania wiadomości</a:t>
+            </a:r>
+            <a:r>
+              <a:rPr lang="pl" sz="1400">
+                <a:solidFill>
+                  <a:srgbClr val="000000"/>
+                </a:solidFill>
+                <a:latin typeface="Tahoma"/>
+                <a:ea typeface="Tahoma"/>
+                <a:cs typeface="Tahoma"/>
+                <a:sym typeface="Tahoma"/>
+              </a:rPr>
+              <a:t>, które mają trafić do Ciebie.</a:t>
+            </a:r>
+            <a:endParaRPr sz="1400">
+              <a:solidFill>
+                <a:srgbClr val="000000"/>
+              </a:solidFill>
+              <a:latin typeface="Tahoma"/>
+              <a:ea typeface="Tahoma"/>
+              <a:cs typeface="Tahoma"/>
+              <a:sym typeface="Tahoma"/>
+            </a:endParaRPr>
+          </a:p>
+          <a:p>
+            <a:pPr indent="-317500" lvl="0" marL="457200" rtl="0" algn="l">
+              <a:spcBef>
+                <a:spcPts val="0"/>
+              </a:spcBef>
+              <a:spcAft>
+                <a:spcPts val="0"/>
+              </a:spcAft>
+              <a:buClr>
+                <a:srgbClr val="000000"/>
+              </a:buClr>
+              <a:buSzPts val="1400"/>
+              <a:buFont typeface="Arial"/>
+              <a:buChar char="●"/>
+            </a:pPr>
+            <a:r>
+              <a:rPr lang="pl" sz="1400">
+                <a:solidFill>
+                  <a:srgbClr val="000000"/>
+                </a:solidFill>
+                <a:latin typeface="Tahoma"/>
+                <a:ea typeface="Tahoma"/>
+                <a:cs typeface="Tahoma"/>
+                <a:sym typeface="Tahoma"/>
+              </a:rPr>
+              <a:t>Każdy, kto zna Twój klucz publiczny, może wysłać Ci zaszyfrowaną wiadomość, ale </a:t>
+            </a:r>
+            <a:r>
+              <a:rPr b="1" lang="pl" sz="1400">
+                <a:solidFill>
+                  <a:srgbClr val="000000"/>
+                </a:solidFill>
+                <a:latin typeface="Tahoma"/>
+                <a:ea typeface="Tahoma"/>
+                <a:cs typeface="Tahoma"/>
+                <a:sym typeface="Tahoma"/>
+              </a:rPr>
+              <a:t>tylko Ty możesz ją odczytać</a:t>
+            </a:r>
+            <a:r>
+              <a:rPr lang="pl" sz="1400">
+                <a:solidFill>
+                  <a:srgbClr val="000000"/>
+                </a:solidFill>
+                <a:latin typeface="Tahoma"/>
+                <a:ea typeface="Tahoma"/>
+                <a:cs typeface="Tahoma"/>
+                <a:sym typeface="Tahoma"/>
+              </a:rPr>
+              <a:t>.</a:t>
+            </a:r>
+            <a:br>
+              <a:rPr lang="pl" sz="1400">
+                <a:solidFill>
+                  <a:srgbClr val="000000"/>
+                </a:solidFill>
+                <a:latin typeface="Tahoma"/>
+                <a:ea typeface="Tahoma"/>
+                <a:cs typeface="Tahoma"/>
+                <a:sym typeface="Tahoma"/>
+              </a:rPr>
+            </a:br>
+            <a:endParaRPr sz="1400">
+              <a:solidFill>
+                <a:srgbClr val="000000"/>
+              </a:solidFill>
+              <a:latin typeface="Tahoma"/>
+              <a:ea typeface="Tahoma"/>
+              <a:cs typeface="Tahoma"/>
+              <a:sym typeface="Tahoma"/>
+            </a:endParaRPr>
+          </a:p>
+          <a:p>
+            <a:pPr indent="0" lvl="0" marL="0" rtl="0" algn="l">
+              <a:spcBef>
+                <a:spcPts val="0"/>
+              </a:spcBef>
+              <a:spcAft>
+                <a:spcPts val="0"/>
+              </a:spcAft>
+              <a:buNone/>
+            </a:pPr>
+            <a:r>
+              <a:rPr b="1" lang="pl" sz="1400">
+                <a:solidFill>
+                  <a:srgbClr val="000000"/>
+                </a:solidFill>
+                <a:latin typeface="Tahoma"/>
+                <a:ea typeface="Tahoma"/>
+                <a:cs typeface="Tahoma"/>
+                <a:sym typeface="Tahoma"/>
+              </a:rPr>
+              <a:t>Przykład:</a:t>
+            </a:r>
+            <a:endParaRPr b="1" sz="1400">
+              <a:solidFill>
+                <a:srgbClr val="000000"/>
+              </a:solidFill>
+              <a:latin typeface="Tahoma"/>
+              <a:ea typeface="Tahoma"/>
+              <a:cs typeface="Tahoma"/>
+              <a:sym typeface="Tahoma"/>
+            </a:endParaRPr>
+          </a:p>
+          <a:p>
+            <a:pPr indent="-317500" lvl="0" marL="457200" rtl="0" algn="l">
+              <a:spcBef>
+                <a:spcPts val="0"/>
+              </a:spcBef>
+              <a:spcAft>
+                <a:spcPts val="0"/>
+              </a:spcAft>
+              <a:buClr>
+                <a:srgbClr val="000000"/>
+              </a:buClr>
+              <a:buSzPts val="1400"/>
+              <a:buFont typeface="Tahoma"/>
+              <a:buChar char="●"/>
+            </a:pPr>
+            <a:r>
+              <a:rPr lang="pl" sz="1400">
+                <a:solidFill>
+                  <a:srgbClr val="000000"/>
+                </a:solidFill>
+                <a:latin typeface="Tahoma"/>
+                <a:ea typeface="Tahoma"/>
+                <a:cs typeface="Tahoma"/>
+                <a:sym typeface="Tahoma"/>
+              </a:rPr>
+              <a:t>Chcesz, żeby ktoś wysłał Ci bezpieczną wiadomość. Podajesz mu swój klucz publiczny, on szyfruje wiadomość, a następnie wysyła do Ciebie.</a:t>
+            </a:r>
+            <a:endParaRPr sz="1400">
+              <a:latin typeface="Tahoma"/>
+              <a:ea typeface="Tahoma"/>
+              <a:cs typeface="Tahoma"/>
+              <a:sym typeface="Tahoma"/>
+            </a:endParaRPr>
+          </a:p>
+        </p:txBody>
+      </p:sp>
+    </p:spTree>
+  </p:cSld>
+  <p:clrMapOvr>
+    <a:masterClrMapping/>
+  </p:clrMapOvr>
+</p:sld>
+</file>
+
+<file path=ppt/slides/slide65.xml><?xml version="1.0" encoding="utf-8"?>
+<p:sld xmlns:a="http://schemas.openxmlformats.org/drawingml/2006/main" xmlns:r="http://schemas.openxmlformats.org/officeDocument/2006/relationships" xmlns:mc="http://schemas.openxmlformats.org/markup-compatibility/2006" xmlns:mv="urn:schemas-microsoft-com:mac:vml" xmlns:p="http://schemas.openxmlformats.org/presentationml/2006/main" xmlns:c="http://schemas.openxmlformats.org/drawingml/2006/chart" xmlns:dgm="http://schemas.openxmlformats.org/drawingml/2006/diagram" xmlns:o="urn:schemas-microsoft-com:office:office" xmlns:v="urn:schemas-microsoft-com:vml" xmlns:pvml="urn:schemas-microsoft-com:office:powerpoint" xmlns:com="http://schemas.openxmlformats.org/drawingml/2006/compatibility" xmlns:p14="http://schemas.microsoft.com/office/powerpoint/2010/main" xmlns:p15="http://schemas.microsoft.com/office/powerpoint/2012/main" xmlns:ahyp="http://schemas.microsoft.com/office/drawing/2018/hyperlinkcolor">
+  <p:cSld>
+    <p:spTree>
+      <p:nvGrpSpPr>
+        <p:cNvPr id="473" name="Shape 473"/>
+        <p:cNvGrpSpPr/>
+        <p:nvPr/>
+      </p:nvGrpSpPr>
+      <p:grpSpPr>
+        <a:xfrm>
+          <a:off x="0" y="0"/>
+          <a:ext cx="0" cy="0"/>
+          <a:chOff x="0" y="0"/>
+          <a:chExt cx="0" cy="0"/>
+        </a:xfrm>
+      </p:grpSpPr>
+      <p:sp>
+        <p:nvSpPr>
+          <p:cNvPr id="474" name="Google Shape;474;p77"/>
+          <p:cNvSpPr txBox="1"/>
+          <p:nvPr>
+            <p:ph type="title"/>
+          </p:nvPr>
+        </p:nvSpPr>
+        <p:spPr>
+          <a:xfrm>
+            <a:off x="729450" y="1318650"/>
+            <a:ext cx="7688700" cy="535200"/>
+          </a:xfrm>
+          <a:prstGeom prst="rect">
+            <a:avLst/>
+          </a:prstGeom>
+        </p:spPr>
+        <p:txBody>
+          <a:bodyPr anchorCtr="0" anchor="t" bIns="91425" lIns="91425" spcFirstLastPara="1" rIns="91425" wrap="square" tIns="91425">
+            <a:noAutofit/>
+          </a:bodyPr>
+          <a:lstStyle/>
+          <a:p>
+            <a:pPr indent="0" lvl="0" marL="0" rtl="0" algn="l">
+              <a:lnSpc>
+                <a:spcPct val="115000"/>
+              </a:lnSpc>
+              <a:spcBef>
+                <a:spcPts val="1400"/>
+              </a:spcBef>
+              <a:spcAft>
+                <a:spcPts val="400"/>
+              </a:spcAft>
+              <a:buNone/>
+            </a:pPr>
+            <a:r>
+              <a:rPr lang="pl" sz="2400">
+                <a:solidFill>
+                  <a:srgbClr val="000000"/>
+                </a:solidFill>
+                <a:latin typeface="Tahoma"/>
+                <a:ea typeface="Tahoma"/>
+                <a:cs typeface="Tahoma"/>
+                <a:sym typeface="Tahoma"/>
+              </a:rPr>
+              <a:t>Klucz prywatny</a:t>
+            </a:r>
+            <a:endParaRPr sz="2400">
+              <a:latin typeface="Tahoma"/>
+              <a:ea typeface="Tahoma"/>
+              <a:cs typeface="Tahoma"/>
+              <a:sym typeface="Tahoma"/>
+            </a:endParaRPr>
+          </a:p>
+        </p:txBody>
+      </p:sp>
+      <p:sp>
+        <p:nvSpPr>
+          <p:cNvPr id="475" name="Google Shape;475;p77"/>
+          <p:cNvSpPr txBox="1"/>
+          <p:nvPr>
+            <p:ph idx="1" type="body"/>
+          </p:nvPr>
+        </p:nvSpPr>
+        <p:spPr>
+          <a:xfrm>
+            <a:off x="729450" y="2078875"/>
+            <a:ext cx="7688700" cy="2261100"/>
+          </a:xfrm>
+          <a:prstGeom prst="rect">
+            <a:avLst/>
+          </a:prstGeom>
+        </p:spPr>
+        <p:txBody>
+          <a:bodyPr anchorCtr="0" anchor="t" bIns="91425" lIns="91425" spcFirstLastPara="1" rIns="91425" wrap="square" tIns="91425">
+            <a:noAutofit/>
+          </a:bodyPr>
+          <a:lstStyle/>
+          <a:p>
+            <a:pPr indent="-317500" lvl="0" marL="457200" rtl="0" algn="l">
+              <a:spcBef>
+                <a:spcPts val="1200"/>
+              </a:spcBef>
+              <a:spcAft>
+                <a:spcPts val="0"/>
+              </a:spcAft>
+              <a:buClr>
+                <a:srgbClr val="000000"/>
+              </a:buClr>
+              <a:buSzPts val="1400"/>
+              <a:buFont typeface="Arial"/>
+              <a:buChar char="●"/>
+            </a:pPr>
+            <a:r>
+              <a:rPr lang="pl" sz="1400">
+                <a:solidFill>
+                  <a:srgbClr val="000000"/>
+                </a:solidFill>
+                <a:latin typeface="Tahoma"/>
+                <a:ea typeface="Tahoma"/>
+                <a:cs typeface="Tahoma"/>
+                <a:sym typeface="Tahoma"/>
+              </a:rPr>
+              <a:t>To klucz, który </a:t>
+            </a:r>
+            <a:r>
+              <a:rPr b="1" lang="pl" sz="1400">
+                <a:solidFill>
+                  <a:srgbClr val="000000"/>
+                </a:solidFill>
+                <a:latin typeface="Tahoma"/>
+                <a:ea typeface="Tahoma"/>
+                <a:cs typeface="Tahoma"/>
+                <a:sym typeface="Tahoma"/>
+              </a:rPr>
+              <a:t>zawsze musisz trzymać w tajemnicy</a:t>
+            </a:r>
+            <a:r>
+              <a:rPr lang="pl" sz="1400">
+                <a:solidFill>
+                  <a:srgbClr val="000000"/>
+                </a:solidFill>
+                <a:latin typeface="Tahoma"/>
+                <a:ea typeface="Tahoma"/>
+                <a:cs typeface="Tahoma"/>
+                <a:sym typeface="Tahoma"/>
+              </a:rPr>
+              <a:t>.</a:t>
+            </a:r>
+            <a:endParaRPr sz="1400">
+              <a:solidFill>
+                <a:srgbClr val="000000"/>
+              </a:solidFill>
+              <a:latin typeface="Tahoma"/>
+              <a:ea typeface="Tahoma"/>
+              <a:cs typeface="Tahoma"/>
+              <a:sym typeface="Tahoma"/>
+            </a:endParaRPr>
+          </a:p>
+          <a:p>
+            <a:pPr indent="-317500" lvl="0" marL="457200" rtl="0" algn="l">
+              <a:spcBef>
+                <a:spcPts val="0"/>
+              </a:spcBef>
+              <a:spcAft>
+                <a:spcPts val="0"/>
+              </a:spcAft>
+              <a:buClr>
+                <a:srgbClr val="000000"/>
+              </a:buClr>
+              <a:buSzPts val="1400"/>
+              <a:buFont typeface="Arial"/>
+              <a:buChar char="●"/>
+            </a:pPr>
+            <a:r>
+              <a:rPr lang="pl" sz="1400">
+                <a:solidFill>
+                  <a:srgbClr val="000000"/>
+                </a:solidFill>
+                <a:latin typeface="Tahoma"/>
+                <a:ea typeface="Tahoma"/>
+                <a:cs typeface="Tahoma"/>
+                <a:sym typeface="Tahoma"/>
+              </a:rPr>
+              <a:t>Służy do </a:t>
+            </a:r>
+            <a:r>
+              <a:rPr b="1" lang="pl" sz="1400">
+                <a:solidFill>
+                  <a:srgbClr val="000000"/>
+                </a:solidFill>
+                <a:latin typeface="Tahoma"/>
+                <a:ea typeface="Tahoma"/>
+                <a:cs typeface="Tahoma"/>
+                <a:sym typeface="Tahoma"/>
+              </a:rPr>
+              <a:t>odszyfrowania wiadomości</a:t>
+            </a:r>
+            <a:r>
+              <a:rPr lang="pl" sz="1400">
+                <a:solidFill>
+                  <a:srgbClr val="000000"/>
+                </a:solidFill>
+                <a:latin typeface="Tahoma"/>
+                <a:ea typeface="Tahoma"/>
+                <a:cs typeface="Tahoma"/>
+                <a:sym typeface="Tahoma"/>
+              </a:rPr>
+              <a:t> zaszyfrowanych Twoim kluczem publicznym.</a:t>
+            </a:r>
+            <a:endParaRPr sz="1400">
+              <a:solidFill>
+                <a:srgbClr val="000000"/>
+              </a:solidFill>
+              <a:latin typeface="Tahoma"/>
+              <a:ea typeface="Tahoma"/>
+              <a:cs typeface="Tahoma"/>
+              <a:sym typeface="Tahoma"/>
+            </a:endParaRPr>
+          </a:p>
+          <a:p>
+            <a:pPr indent="-317500" lvl="0" marL="457200" rtl="0" algn="l">
+              <a:spcBef>
+                <a:spcPts val="0"/>
+              </a:spcBef>
+              <a:spcAft>
+                <a:spcPts val="0"/>
+              </a:spcAft>
+              <a:buClr>
+                <a:srgbClr val="000000"/>
+              </a:buClr>
+              <a:buSzPts val="1400"/>
+              <a:buFont typeface="Tahoma"/>
+              <a:buChar char="●"/>
+            </a:pPr>
+            <a:r>
+              <a:rPr lang="pl" sz="1400">
+                <a:solidFill>
+                  <a:srgbClr val="000000"/>
+                </a:solidFill>
+                <a:latin typeface="Tahoma"/>
+                <a:ea typeface="Tahoma"/>
+                <a:cs typeface="Tahoma"/>
+                <a:sym typeface="Tahoma"/>
+              </a:rPr>
+              <a:t>Tylko osoba posiadająca klucz prywatny może odczytać wiadomość.</a:t>
+            </a:r>
+            <a:br>
+              <a:rPr lang="pl" sz="1400">
+                <a:solidFill>
+                  <a:srgbClr val="000000"/>
+                </a:solidFill>
+                <a:latin typeface="Tahoma"/>
+                <a:ea typeface="Tahoma"/>
+                <a:cs typeface="Tahoma"/>
+                <a:sym typeface="Tahoma"/>
+              </a:rPr>
+            </a:br>
+            <a:endParaRPr sz="1400">
+              <a:solidFill>
+                <a:srgbClr val="000000"/>
+              </a:solidFill>
+              <a:latin typeface="Tahoma"/>
+              <a:ea typeface="Tahoma"/>
+              <a:cs typeface="Tahoma"/>
+              <a:sym typeface="Tahoma"/>
+            </a:endParaRPr>
+          </a:p>
+          <a:p>
+            <a:pPr indent="0" lvl="0" marL="0" rtl="0" algn="l">
+              <a:spcBef>
+                <a:spcPts val="1200"/>
+              </a:spcBef>
+              <a:spcAft>
+                <a:spcPts val="0"/>
+              </a:spcAft>
+              <a:buNone/>
+            </a:pPr>
+            <a:r>
+              <a:rPr b="1" lang="pl" sz="1400">
+                <a:solidFill>
+                  <a:srgbClr val="000000"/>
+                </a:solidFill>
+                <a:latin typeface="Tahoma"/>
+                <a:ea typeface="Tahoma"/>
+                <a:cs typeface="Tahoma"/>
+                <a:sym typeface="Tahoma"/>
+              </a:rPr>
+              <a:t>Przykład:</a:t>
+            </a:r>
+            <a:endParaRPr b="1" sz="1400">
+              <a:solidFill>
+                <a:srgbClr val="000000"/>
+              </a:solidFill>
+              <a:latin typeface="Tahoma"/>
+              <a:ea typeface="Tahoma"/>
+              <a:cs typeface="Tahoma"/>
+              <a:sym typeface="Tahoma"/>
+            </a:endParaRPr>
+          </a:p>
+          <a:p>
+            <a:pPr indent="-317500" lvl="0" marL="457200" rtl="0" algn="l">
+              <a:spcBef>
+                <a:spcPts val="1200"/>
+              </a:spcBef>
+              <a:spcAft>
+                <a:spcPts val="0"/>
+              </a:spcAft>
+              <a:buClr>
+                <a:srgbClr val="000000"/>
+              </a:buClr>
+              <a:buSzPts val="1400"/>
+              <a:buFont typeface="Tahoma"/>
+              <a:buChar char="●"/>
+            </a:pPr>
+            <a:r>
+              <a:rPr lang="pl" sz="1400">
+                <a:solidFill>
+                  <a:srgbClr val="000000"/>
+                </a:solidFill>
+                <a:latin typeface="Tahoma"/>
+                <a:ea typeface="Tahoma"/>
+                <a:cs typeface="Tahoma"/>
+                <a:sym typeface="Tahoma"/>
+              </a:rPr>
+              <a:t>Kiedy otrzymujesz zaszyfrowaną wiadomość, używasz swojego klucza prywatnego, aby odszyfrować jej treść i ją przeczytać.</a:t>
+            </a:r>
+            <a:endParaRPr sz="1400">
+              <a:solidFill>
+                <a:srgbClr val="000000"/>
+              </a:solidFill>
+              <a:latin typeface="Tahoma"/>
+              <a:ea typeface="Tahoma"/>
+              <a:cs typeface="Tahoma"/>
+              <a:sym typeface="Tahoma"/>
+            </a:endParaRPr>
+          </a:p>
+          <a:p>
+            <a:pPr indent="0" lvl="0" marL="0" rtl="0" algn="l">
+              <a:spcBef>
+                <a:spcPts val="1200"/>
+              </a:spcBef>
+              <a:spcAft>
+                <a:spcPts val="1200"/>
+              </a:spcAft>
+              <a:buNone/>
+            </a:pPr>
+            <a:r>
+              <a:t/>
+            </a:r>
+            <a:endParaRPr sz="1400">
+              <a:latin typeface="Tahoma"/>
+              <a:ea typeface="Tahoma"/>
+              <a:cs typeface="Tahoma"/>
+              <a:sym typeface="Tahoma"/>
+            </a:endParaRPr>
+          </a:p>
+        </p:txBody>
+      </p:sp>
+    </p:spTree>
+  </p:cSld>
+  <p:clrMapOvr>
+    <a:masterClrMapping/>
+  </p:clrMapOvr>
+</p:sld>
+</file>
+
+<file path=ppt/slides/slide66.xml><?xml version="1.0" encoding="utf-8"?>
+<p:sld xmlns:a="http://schemas.openxmlformats.org/drawingml/2006/main" xmlns:r="http://schemas.openxmlformats.org/officeDocument/2006/relationships" xmlns:mc="http://schemas.openxmlformats.org/markup-compatibility/2006" xmlns:mv="urn:schemas-microsoft-com:mac:vml" xmlns:p="http://schemas.openxmlformats.org/presentationml/2006/main" xmlns:c="http://schemas.openxmlformats.org/drawingml/2006/chart" xmlns:dgm="http://schemas.openxmlformats.org/drawingml/2006/diagram" xmlns:o="urn:schemas-microsoft-com:office:office" xmlns:v="urn:schemas-microsoft-com:vml" xmlns:pvml="urn:schemas-microsoft-com:office:powerpoint" xmlns:com="http://schemas.openxmlformats.org/drawingml/2006/compatibility" xmlns:p14="http://schemas.microsoft.com/office/powerpoint/2010/main" xmlns:p15="http://schemas.microsoft.com/office/powerpoint/2012/main" xmlns:ahyp="http://schemas.microsoft.com/office/drawing/2018/hyperlinkcolor">
+  <p:cSld>
+    <p:spTree>
+      <p:nvGrpSpPr>
+        <p:cNvPr id="479" name="Shape 479"/>
+        <p:cNvGrpSpPr/>
+        <p:nvPr/>
+      </p:nvGrpSpPr>
+      <p:grpSpPr>
+        <a:xfrm>
+          <a:off x="0" y="0"/>
+          <a:ext cx="0" cy="0"/>
+          <a:chOff x="0" y="0"/>
+          <a:chExt cx="0" cy="0"/>
+        </a:xfrm>
+      </p:grpSpPr>
+      <p:sp>
+        <p:nvSpPr>
+          <p:cNvPr id="480" name="Google Shape;480;p78"/>
+          <p:cNvSpPr txBox="1"/>
+          <p:nvPr>
+            <p:ph type="title"/>
+          </p:nvPr>
+        </p:nvSpPr>
+        <p:spPr>
+          <a:xfrm>
+            <a:off x="729450" y="1318650"/>
+            <a:ext cx="7688700" cy="535200"/>
+          </a:xfrm>
+          <a:prstGeom prst="rect">
+            <a:avLst/>
+          </a:prstGeom>
+        </p:spPr>
+        <p:txBody>
+          <a:bodyPr anchorCtr="0" anchor="t" bIns="91425" lIns="91425" spcFirstLastPara="1" rIns="91425" wrap="square" tIns="91425">
+            <a:noAutofit/>
+          </a:bodyPr>
+          <a:lstStyle/>
+          <a:p>
+            <a:pPr indent="0" lvl="0" marL="0" rtl="0" algn="l">
+              <a:lnSpc>
+                <a:spcPct val="115000"/>
+              </a:lnSpc>
+              <a:spcBef>
+                <a:spcPts val="1400"/>
+              </a:spcBef>
+              <a:spcAft>
+                <a:spcPts val="400"/>
+              </a:spcAft>
+              <a:buNone/>
+            </a:pPr>
+            <a:r>
+              <a:rPr lang="pl" sz="2400">
+                <a:solidFill>
+                  <a:srgbClr val="000000"/>
+                </a:solidFill>
+                <a:latin typeface="Tahoma"/>
+                <a:ea typeface="Tahoma"/>
+                <a:cs typeface="Tahoma"/>
+                <a:sym typeface="Tahoma"/>
+              </a:rPr>
+              <a:t>Klucz symetryczny (Symmetric Key)</a:t>
+            </a:r>
+            <a:endParaRPr sz="2400">
+              <a:latin typeface="Tahoma"/>
+              <a:ea typeface="Tahoma"/>
+              <a:cs typeface="Tahoma"/>
+              <a:sym typeface="Tahoma"/>
+            </a:endParaRPr>
+          </a:p>
+        </p:txBody>
+      </p:sp>
+      <p:sp>
+        <p:nvSpPr>
+          <p:cNvPr id="481" name="Google Shape;481;p78"/>
+          <p:cNvSpPr txBox="1"/>
+          <p:nvPr>
+            <p:ph idx="1" type="body"/>
+          </p:nvPr>
+        </p:nvSpPr>
+        <p:spPr>
+          <a:xfrm>
+            <a:off x="729450" y="2078875"/>
+            <a:ext cx="7688700" cy="2261100"/>
+          </a:xfrm>
+          <a:prstGeom prst="rect">
+            <a:avLst/>
+          </a:prstGeom>
+        </p:spPr>
+        <p:txBody>
+          <a:bodyPr anchorCtr="0" anchor="t" bIns="91425" lIns="91425" spcFirstLastPara="1" rIns="91425" wrap="square" tIns="91425">
+            <a:noAutofit/>
+          </a:bodyPr>
+          <a:lstStyle/>
+          <a:p>
+            <a:pPr indent="0" lvl="0" marL="0" rtl="0" algn="l">
+              <a:spcBef>
+                <a:spcPts val="1200"/>
+              </a:spcBef>
+              <a:spcAft>
+                <a:spcPts val="0"/>
+              </a:spcAft>
+              <a:buNone/>
+            </a:pPr>
+            <a:r>
+              <a:t/>
+            </a:r>
+            <a:endParaRPr b="1" sz="1400">
+              <a:solidFill>
+                <a:srgbClr val="000000"/>
+              </a:solidFill>
+              <a:latin typeface="Tahoma"/>
+              <a:ea typeface="Tahoma"/>
+              <a:cs typeface="Tahoma"/>
+              <a:sym typeface="Tahoma"/>
+            </a:endParaRPr>
+          </a:p>
+          <a:p>
+            <a:pPr indent="-317500" lvl="0" marL="457200" rtl="0" algn="l">
+              <a:spcBef>
+                <a:spcPts val="1200"/>
+              </a:spcBef>
+              <a:spcAft>
+                <a:spcPts val="0"/>
+              </a:spcAft>
+              <a:buClr>
+                <a:srgbClr val="000000"/>
+              </a:buClr>
+              <a:buSzPts val="1400"/>
+              <a:buFont typeface="Arial"/>
+              <a:buChar char="●"/>
+            </a:pPr>
+            <a:r>
+              <a:rPr lang="pl" sz="1400">
+                <a:solidFill>
+                  <a:srgbClr val="000000"/>
+                </a:solidFill>
+                <a:latin typeface="Tahoma"/>
+                <a:ea typeface="Tahoma"/>
+                <a:cs typeface="Tahoma"/>
+                <a:sym typeface="Tahoma"/>
+              </a:rPr>
+              <a:t>W kryptografii symetrycznej do </a:t>
+            </a:r>
+            <a:r>
+              <a:rPr b="1" lang="pl" sz="1400">
+                <a:solidFill>
+                  <a:srgbClr val="000000"/>
+                </a:solidFill>
+                <a:latin typeface="Tahoma"/>
+                <a:ea typeface="Tahoma"/>
+                <a:cs typeface="Tahoma"/>
+                <a:sym typeface="Tahoma"/>
+              </a:rPr>
+              <a:t>szyfrowania i odszyfrowywania</a:t>
+            </a:r>
+            <a:r>
+              <a:rPr lang="pl" sz="1400">
+                <a:solidFill>
+                  <a:srgbClr val="000000"/>
+                </a:solidFill>
+                <a:latin typeface="Tahoma"/>
+                <a:ea typeface="Tahoma"/>
+                <a:cs typeface="Tahoma"/>
+                <a:sym typeface="Tahoma"/>
+              </a:rPr>
+              <a:t> danych używa się </a:t>
+            </a:r>
+            <a:r>
+              <a:rPr b="1" lang="pl" sz="1400">
+                <a:solidFill>
+                  <a:srgbClr val="000000"/>
+                </a:solidFill>
+                <a:latin typeface="Tahoma"/>
+                <a:ea typeface="Tahoma"/>
+                <a:cs typeface="Tahoma"/>
+                <a:sym typeface="Tahoma"/>
+              </a:rPr>
+              <a:t>tego samego klucza</a:t>
+            </a:r>
+            <a:r>
+              <a:rPr lang="pl" sz="1400">
+                <a:solidFill>
+                  <a:srgbClr val="000000"/>
+                </a:solidFill>
+                <a:latin typeface="Tahoma"/>
+                <a:ea typeface="Tahoma"/>
+                <a:cs typeface="Tahoma"/>
+                <a:sym typeface="Tahoma"/>
+              </a:rPr>
+              <a:t>.</a:t>
+            </a:r>
+            <a:br>
+              <a:rPr lang="pl" sz="1400">
+                <a:solidFill>
+                  <a:srgbClr val="000000"/>
+                </a:solidFill>
+                <a:latin typeface="Tahoma"/>
+                <a:ea typeface="Tahoma"/>
+                <a:cs typeface="Tahoma"/>
+                <a:sym typeface="Tahoma"/>
+              </a:rPr>
+            </a:br>
+            <a:endParaRPr sz="1400">
+              <a:solidFill>
+                <a:srgbClr val="000000"/>
+              </a:solidFill>
+              <a:latin typeface="Tahoma"/>
+              <a:ea typeface="Tahoma"/>
+              <a:cs typeface="Tahoma"/>
+              <a:sym typeface="Tahoma"/>
+            </a:endParaRPr>
+          </a:p>
+          <a:p>
+            <a:pPr indent="-317500" lvl="0" marL="457200" rtl="0" algn="l">
+              <a:spcBef>
+                <a:spcPts val="0"/>
+              </a:spcBef>
+              <a:spcAft>
+                <a:spcPts val="0"/>
+              </a:spcAft>
+              <a:buClr>
+                <a:srgbClr val="000000"/>
+              </a:buClr>
+              <a:buSzPts val="1400"/>
+              <a:buFont typeface="Arial"/>
+              <a:buChar char="●"/>
+            </a:pPr>
+            <a:r>
+              <a:rPr lang="pl" sz="1400">
+                <a:solidFill>
+                  <a:srgbClr val="000000"/>
+                </a:solidFill>
+                <a:latin typeface="Tahoma"/>
+                <a:ea typeface="Tahoma"/>
+                <a:cs typeface="Tahoma"/>
+                <a:sym typeface="Tahoma"/>
+              </a:rPr>
+              <a:t>Klucz musi być </a:t>
+            </a:r>
+            <a:r>
+              <a:rPr b="1" lang="pl" sz="1400">
+                <a:solidFill>
+                  <a:srgbClr val="000000"/>
+                </a:solidFill>
+                <a:latin typeface="Tahoma"/>
+                <a:ea typeface="Tahoma"/>
+                <a:cs typeface="Tahoma"/>
+                <a:sym typeface="Tahoma"/>
+              </a:rPr>
+              <a:t>tajny</a:t>
+            </a:r>
+            <a:r>
+              <a:rPr lang="pl" sz="1400">
+                <a:solidFill>
+                  <a:srgbClr val="000000"/>
+                </a:solidFill>
+                <a:latin typeface="Tahoma"/>
+                <a:ea typeface="Tahoma"/>
+                <a:cs typeface="Tahoma"/>
+                <a:sym typeface="Tahoma"/>
+              </a:rPr>
+              <a:t> i znany tylko nadawcy i odbiorcy.</a:t>
+            </a:r>
+            <a:endParaRPr sz="1400">
+              <a:solidFill>
+                <a:srgbClr val="000000"/>
+              </a:solidFill>
+              <a:latin typeface="Tahoma"/>
+              <a:ea typeface="Tahoma"/>
+              <a:cs typeface="Tahoma"/>
+              <a:sym typeface="Tahoma"/>
+            </a:endParaRPr>
+          </a:p>
+          <a:p>
+            <a:pPr indent="0" lvl="0" marL="0" rtl="0" algn="l">
+              <a:spcBef>
+                <a:spcPts val="1200"/>
+              </a:spcBef>
+              <a:spcAft>
+                <a:spcPts val="0"/>
+              </a:spcAft>
+              <a:buNone/>
+            </a:pPr>
+            <a:r>
+              <a:rPr b="1" lang="pl" sz="1400">
+                <a:solidFill>
+                  <a:srgbClr val="000000"/>
+                </a:solidFill>
+                <a:latin typeface="Tahoma"/>
+                <a:ea typeface="Tahoma"/>
+                <a:cs typeface="Tahoma"/>
+                <a:sym typeface="Tahoma"/>
+              </a:rPr>
+              <a:t>Przykłady algorytmów:</a:t>
+            </a:r>
+            <a:r>
+              <a:rPr lang="pl" sz="1400">
+                <a:solidFill>
+                  <a:srgbClr val="000000"/>
+                </a:solidFill>
+                <a:latin typeface="Tahoma"/>
+                <a:ea typeface="Tahoma"/>
+                <a:cs typeface="Tahoma"/>
+                <a:sym typeface="Tahoma"/>
+              </a:rPr>
+              <a:t> AES, DES.</a:t>
+            </a:r>
+            <a:endParaRPr sz="1400">
+              <a:solidFill>
+                <a:srgbClr val="000000"/>
+              </a:solidFill>
+              <a:latin typeface="Tahoma"/>
+              <a:ea typeface="Tahoma"/>
+              <a:cs typeface="Tahoma"/>
+              <a:sym typeface="Tahoma"/>
+            </a:endParaRPr>
+          </a:p>
+          <a:p>
+            <a:pPr indent="0" lvl="0" marL="0" rtl="0" algn="l">
+              <a:spcBef>
+                <a:spcPts val="1200"/>
+              </a:spcBef>
+              <a:spcAft>
+                <a:spcPts val="1200"/>
+              </a:spcAft>
+              <a:buNone/>
+            </a:pPr>
+            <a:r>
+              <a:t/>
+            </a:r>
+            <a:endParaRPr sz="1400">
+              <a:latin typeface="Tahoma"/>
+              <a:ea typeface="Tahoma"/>
+              <a:cs typeface="Tahoma"/>
+              <a:sym typeface="Tahoma"/>
+            </a:endParaRPr>
+          </a:p>
+        </p:txBody>
+      </p:sp>
+    </p:spTree>
+  </p:cSld>
+  <p:clrMapOvr>
+    <a:masterClrMapping/>
+  </p:clrMapOvr>
+</p:sld>
+</file>
+
+<file path=ppt/slides/slide67.xml><?xml version="1.0" encoding="utf-8"?>
+<p:sld xmlns:a="http://schemas.openxmlformats.org/drawingml/2006/main" xmlns:r="http://schemas.openxmlformats.org/officeDocument/2006/relationships" xmlns:mc="http://schemas.openxmlformats.org/markup-compatibility/2006" xmlns:mv="urn:schemas-microsoft-com:mac:vml" xmlns:p="http://schemas.openxmlformats.org/presentationml/2006/main" xmlns:c="http://schemas.openxmlformats.org/drawingml/2006/chart" xmlns:dgm="http://schemas.openxmlformats.org/drawingml/2006/diagram" xmlns:o="urn:schemas-microsoft-com:office:office" xmlns:v="urn:schemas-microsoft-com:vml" xmlns:pvml="urn:schemas-microsoft-com:office:powerpoint" xmlns:com="http://schemas.openxmlformats.org/drawingml/2006/compatibility" xmlns:p14="http://schemas.microsoft.com/office/powerpoint/2010/main" xmlns:p15="http://schemas.microsoft.com/office/powerpoint/2012/main" xmlns:ahyp="http://schemas.microsoft.com/office/drawing/2018/hyperlinkcolor">
+  <p:cSld>
+    <p:spTree>
+      <p:nvGrpSpPr>
+        <p:cNvPr id="485" name="Shape 485"/>
+        <p:cNvGrpSpPr/>
+        <p:nvPr/>
+      </p:nvGrpSpPr>
+      <p:grpSpPr>
+        <a:xfrm>
+          <a:off x="0" y="0"/>
+          <a:ext cx="0" cy="0"/>
+          <a:chOff x="0" y="0"/>
+          <a:chExt cx="0" cy="0"/>
+        </a:xfrm>
+      </p:grpSpPr>
+      <p:sp>
+        <p:nvSpPr>
+          <p:cNvPr id="486" name="Google Shape;486;p79"/>
+          <p:cNvSpPr txBox="1"/>
+          <p:nvPr>
+            <p:ph type="title"/>
+          </p:nvPr>
+        </p:nvSpPr>
+        <p:spPr>
+          <a:xfrm>
+            <a:off x="729450" y="1318650"/>
+            <a:ext cx="7688700" cy="535200"/>
+          </a:xfrm>
+          <a:prstGeom prst="rect">
+            <a:avLst/>
+          </a:prstGeom>
+        </p:spPr>
+        <p:txBody>
+          <a:bodyPr anchorCtr="0" anchor="t" bIns="91425" lIns="91425" spcFirstLastPara="1" rIns="91425" wrap="square" tIns="91425">
+            <a:noAutofit/>
+          </a:bodyPr>
+          <a:lstStyle/>
+          <a:p>
+            <a:pPr indent="0" lvl="0" marL="0" rtl="0" algn="l">
+              <a:lnSpc>
+                <a:spcPct val="115000"/>
+              </a:lnSpc>
+              <a:spcBef>
+                <a:spcPts val="1400"/>
+              </a:spcBef>
+              <a:spcAft>
+                <a:spcPts val="400"/>
+              </a:spcAft>
+              <a:buNone/>
+            </a:pPr>
+            <a:r>
+              <a:rPr lang="pl" sz="2400">
+                <a:solidFill>
+                  <a:srgbClr val="000000"/>
+                </a:solidFill>
+                <a:latin typeface="Tahoma"/>
+                <a:ea typeface="Tahoma"/>
+                <a:cs typeface="Tahoma"/>
+                <a:sym typeface="Tahoma"/>
+              </a:rPr>
+              <a:t>AES (Advanced Encryption Standard)</a:t>
+            </a:r>
+            <a:endParaRPr sz="2400">
+              <a:latin typeface="Tahoma"/>
+              <a:ea typeface="Tahoma"/>
+              <a:cs typeface="Tahoma"/>
+              <a:sym typeface="Tahoma"/>
+            </a:endParaRPr>
+          </a:p>
+        </p:txBody>
+      </p:sp>
+      <p:sp>
+        <p:nvSpPr>
+          <p:cNvPr id="487" name="Google Shape;487;p79"/>
+          <p:cNvSpPr txBox="1"/>
+          <p:nvPr>
+            <p:ph idx="1" type="body"/>
+          </p:nvPr>
+        </p:nvSpPr>
+        <p:spPr>
+          <a:xfrm>
+            <a:off x="729450" y="2078875"/>
+            <a:ext cx="7688700" cy="2261100"/>
+          </a:xfrm>
+          <a:prstGeom prst="rect">
+            <a:avLst/>
+          </a:prstGeom>
+        </p:spPr>
+        <p:txBody>
+          <a:bodyPr anchorCtr="0" anchor="t" bIns="91425" lIns="91425" spcFirstLastPara="1" rIns="91425" wrap="square" tIns="91425">
+            <a:noAutofit/>
+          </a:bodyPr>
+          <a:lstStyle/>
+          <a:p>
+            <a:pPr indent="0" lvl="0" marL="0" rtl="0" algn="l">
+              <a:lnSpc>
+                <a:spcPct val="100000"/>
+              </a:lnSpc>
+              <a:spcBef>
+                <a:spcPts val="0"/>
+              </a:spcBef>
+              <a:spcAft>
+                <a:spcPts val="0"/>
+              </a:spcAft>
+              <a:buNone/>
+            </a:pPr>
+            <a:r>
+              <a:rPr lang="pl" sz="1400">
+                <a:solidFill>
+                  <a:srgbClr val="000000"/>
+                </a:solidFill>
+                <a:latin typeface="Tahoma"/>
+                <a:ea typeface="Tahoma"/>
+                <a:cs typeface="Tahoma"/>
+                <a:sym typeface="Tahoma"/>
+              </a:rPr>
+              <a:t>AES to </a:t>
+            </a:r>
+            <a:r>
+              <a:rPr b="1" lang="pl" sz="1400">
+                <a:solidFill>
+                  <a:srgbClr val="000000"/>
+                </a:solidFill>
+                <a:latin typeface="Tahoma"/>
+                <a:ea typeface="Tahoma"/>
+                <a:cs typeface="Tahoma"/>
+                <a:sym typeface="Tahoma"/>
+              </a:rPr>
+              <a:t>symetryczny algorytm szyfrowania</a:t>
+            </a:r>
+            <a:r>
+              <a:rPr lang="pl" sz="1400">
+                <a:solidFill>
+                  <a:srgbClr val="000000"/>
+                </a:solidFill>
+                <a:latin typeface="Tahoma"/>
+                <a:ea typeface="Tahoma"/>
+                <a:cs typeface="Tahoma"/>
+                <a:sym typeface="Tahoma"/>
+              </a:rPr>
+              <a:t>, co oznacza, że </a:t>
+            </a:r>
+            <a:r>
+              <a:rPr b="1" lang="pl" sz="1400">
+                <a:solidFill>
+                  <a:srgbClr val="000000"/>
+                </a:solidFill>
+                <a:latin typeface="Tahoma"/>
+                <a:ea typeface="Tahoma"/>
+                <a:cs typeface="Tahoma"/>
+                <a:sym typeface="Tahoma"/>
+              </a:rPr>
+              <a:t>ten sam klucz</a:t>
+            </a:r>
+            <a:r>
+              <a:rPr lang="pl" sz="1400">
+                <a:solidFill>
+                  <a:srgbClr val="000000"/>
+                </a:solidFill>
+                <a:latin typeface="Tahoma"/>
+                <a:ea typeface="Tahoma"/>
+                <a:cs typeface="Tahoma"/>
+                <a:sym typeface="Tahoma"/>
+              </a:rPr>
+              <a:t> służy do szyfrowania i odszyfrowywania danych. Jest bardzo szybki i wydajny, dlatego stosuje się go do szyfrowania dużych ilości danych.</a:t>
+            </a:r>
+            <a:br>
+              <a:rPr lang="pl" sz="1400">
+                <a:solidFill>
+                  <a:srgbClr val="000000"/>
+                </a:solidFill>
+                <a:latin typeface="Tahoma"/>
+                <a:ea typeface="Tahoma"/>
+                <a:cs typeface="Tahoma"/>
+                <a:sym typeface="Tahoma"/>
+              </a:rPr>
+            </a:br>
+            <a:endParaRPr sz="1400">
+              <a:solidFill>
+                <a:srgbClr val="000000"/>
+              </a:solidFill>
+              <a:latin typeface="Tahoma"/>
+              <a:ea typeface="Tahoma"/>
+              <a:cs typeface="Tahoma"/>
+              <a:sym typeface="Tahoma"/>
+            </a:endParaRPr>
+          </a:p>
+          <a:p>
+            <a:pPr indent="0" lvl="0" marL="0" rtl="0" algn="l">
+              <a:lnSpc>
+                <a:spcPct val="100000"/>
+              </a:lnSpc>
+              <a:spcBef>
+                <a:spcPts val="0"/>
+              </a:spcBef>
+              <a:spcAft>
+                <a:spcPts val="0"/>
+              </a:spcAft>
+              <a:buNone/>
+            </a:pPr>
+            <a:r>
+              <a:t/>
+            </a:r>
+            <a:endParaRPr sz="1400">
+              <a:solidFill>
+                <a:srgbClr val="000000"/>
+              </a:solidFill>
+              <a:latin typeface="Tahoma"/>
+              <a:ea typeface="Tahoma"/>
+              <a:cs typeface="Tahoma"/>
+              <a:sym typeface="Tahoma"/>
+            </a:endParaRPr>
+          </a:p>
+          <a:p>
+            <a:pPr indent="0" lvl="0" marL="0" rtl="0" algn="l">
+              <a:lnSpc>
+                <a:spcPct val="100000"/>
+              </a:lnSpc>
+              <a:spcBef>
+                <a:spcPts val="0"/>
+              </a:spcBef>
+              <a:spcAft>
+                <a:spcPts val="0"/>
+              </a:spcAft>
+              <a:buNone/>
+            </a:pPr>
+            <a:r>
+              <a:rPr b="1" lang="pl" sz="1400">
+                <a:solidFill>
+                  <a:srgbClr val="000000"/>
+                </a:solidFill>
+                <a:latin typeface="Tahoma"/>
+                <a:ea typeface="Tahoma"/>
+                <a:cs typeface="Tahoma"/>
+                <a:sym typeface="Tahoma"/>
+              </a:rPr>
+              <a:t>Jak działa w praktyce:</a:t>
+            </a:r>
+            <a:endParaRPr b="1" sz="1400">
+              <a:solidFill>
+                <a:srgbClr val="000000"/>
+              </a:solidFill>
+              <a:latin typeface="Tahoma"/>
+              <a:ea typeface="Tahoma"/>
+              <a:cs typeface="Tahoma"/>
+              <a:sym typeface="Tahoma"/>
+            </a:endParaRPr>
+          </a:p>
+          <a:p>
+            <a:pPr indent="-317500" lvl="0" marL="457200" rtl="0" algn="l">
+              <a:lnSpc>
+                <a:spcPct val="100000"/>
+              </a:lnSpc>
+              <a:spcBef>
+                <a:spcPts val="0"/>
+              </a:spcBef>
+              <a:spcAft>
+                <a:spcPts val="0"/>
+              </a:spcAft>
+              <a:buClr>
+                <a:srgbClr val="000000"/>
+              </a:buClr>
+              <a:buSzPts val="1400"/>
+              <a:buFont typeface="Tahoma"/>
+              <a:buAutoNum type="arabicPeriod"/>
+            </a:pPr>
+            <a:r>
+              <a:rPr lang="pl" sz="1400">
+                <a:solidFill>
+                  <a:srgbClr val="000000"/>
+                </a:solidFill>
+                <a:latin typeface="Tahoma"/>
+                <a:ea typeface="Tahoma"/>
+                <a:cs typeface="Tahoma"/>
+                <a:sym typeface="Tahoma"/>
+              </a:rPr>
+              <a:t>Nadawca szyfruje wiadomość przy użyciu klucza AES.</a:t>
+            </a:r>
+            <a:endParaRPr sz="1400">
+              <a:solidFill>
+                <a:srgbClr val="000000"/>
+              </a:solidFill>
+              <a:latin typeface="Tahoma"/>
+              <a:ea typeface="Tahoma"/>
+              <a:cs typeface="Tahoma"/>
+              <a:sym typeface="Tahoma"/>
+            </a:endParaRPr>
+          </a:p>
+          <a:p>
+            <a:pPr indent="-317500" lvl="0" marL="457200" rtl="0" algn="l">
+              <a:lnSpc>
+                <a:spcPct val="100000"/>
+              </a:lnSpc>
+              <a:spcBef>
+                <a:spcPts val="0"/>
+              </a:spcBef>
+              <a:spcAft>
+                <a:spcPts val="0"/>
+              </a:spcAft>
+              <a:buClr>
+                <a:srgbClr val="000000"/>
+              </a:buClr>
+              <a:buSzPts val="1400"/>
+              <a:buFont typeface="Arial"/>
+              <a:buAutoNum type="arabicPeriod"/>
+            </a:pPr>
+            <a:r>
+              <a:rPr lang="pl" sz="1400">
+                <a:solidFill>
+                  <a:srgbClr val="000000"/>
+                </a:solidFill>
+                <a:latin typeface="Tahoma"/>
+                <a:ea typeface="Tahoma"/>
+                <a:cs typeface="Tahoma"/>
+                <a:sym typeface="Tahoma"/>
+              </a:rPr>
+              <a:t>Odbiorca używa </a:t>
+            </a:r>
+            <a:r>
+              <a:rPr b="1" lang="pl" sz="1400">
+                <a:solidFill>
+                  <a:srgbClr val="000000"/>
+                </a:solidFill>
+                <a:latin typeface="Tahoma"/>
+                <a:ea typeface="Tahoma"/>
+                <a:cs typeface="Tahoma"/>
+                <a:sym typeface="Tahoma"/>
+              </a:rPr>
+              <a:t>tego samego klucza</a:t>
+            </a:r>
+            <a:r>
+              <a:rPr lang="pl" sz="1400">
+                <a:solidFill>
+                  <a:srgbClr val="000000"/>
+                </a:solidFill>
+                <a:latin typeface="Tahoma"/>
+                <a:ea typeface="Tahoma"/>
+                <a:cs typeface="Tahoma"/>
+                <a:sym typeface="Tahoma"/>
+              </a:rPr>
+              <a:t>, aby odszyfrować wiadomość.</a:t>
+            </a:r>
+            <a:endParaRPr sz="1400">
+              <a:solidFill>
+                <a:srgbClr val="000000"/>
+              </a:solidFill>
+              <a:latin typeface="Tahoma"/>
+              <a:ea typeface="Tahoma"/>
+              <a:cs typeface="Tahoma"/>
+              <a:sym typeface="Tahoma"/>
+            </a:endParaRPr>
+          </a:p>
+          <a:p>
+            <a:pPr indent="0" lvl="0" marL="0" rtl="0" algn="l">
+              <a:lnSpc>
+                <a:spcPct val="100000"/>
+              </a:lnSpc>
+              <a:spcBef>
+                <a:spcPts val="0"/>
+              </a:spcBef>
+              <a:spcAft>
+                <a:spcPts val="0"/>
+              </a:spcAft>
+              <a:buNone/>
+            </a:pPr>
+            <a:r>
+              <a:t/>
+            </a:r>
+            <a:endParaRPr sz="1400">
+              <a:latin typeface="Tahoma"/>
+              <a:ea typeface="Tahoma"/>
+              <a:cs typeface="Tahoma"/>
+              <a:sym typeface="Tahoma"/>
+            </a:endParaRPr>
+          </a:p>
+        </p:txBody>
+      </p:sp>
+    </p:spTree>
+  </p:cSld>
+  <p:clrMapOvr>
+    <a:masterClrMapping/>
+  </p:clrMapOvr>
+</p:sld>
+</file>
+
+<file path=ppt/slides/slide68.xml><?xml version="1.0" encoding="utf-8"?>
+<p:sld xmlns:a="http://schemas.openxmlformats.org/drawingml/2006/main" xmlns:r="http://schemas.openxmlformats.org/officeDocument/2006/relationships" xmlns:mc="http://schemas.openxmlformats.org/markup-compatibility/2006" xmlns:mv="urn:schemas-microsoft-com:mac:vml" xmlns:p="http://schemas.openxmlformats.org/presentationml/2006/main" xmlns:c="http://schemas.openxmlformats.org/drawingml/2006/chart" xmlns:dgm="http://schemas.openxmlformats.org/drawingml/2006/diagram" xmlns:o="urn:schemas-microsoft-com:office:office" xmlns:v="urn:schemas-microsoft-com:vml" xmlns:pvml="urn:schemas-microsoft-com:office:powerpoint" xmlns:com="http://schemas.openxmlformats.org/drawingml/2006/compatibility" xmlns:p14="http://schemas.microsoft.com/office/powerpoint/2010/main" xmlns:p15="http://schemas.microsoft.com/office/powerpoint/2012/main" xmlns:ahyp="http://schemas.microsoft.com/office/drawing/2018/hyperlinkcolor">
+  <p:cSld>
+    <p:spTree>
+      <p:nvGrpSpPr>
+        <p:cNvPr id="491" name="Shape 491"/>
+        <p:cNvGrpSpPr/>
+        <p:nvPr/>
+      </p:nvGrpSpPr>
+      <p:grpSpPr>
+        <a:xfrm>
+          <a:off x="0" y="0"/>
+          <a:ext cx="0" cy="0"/>
+          <a:chOff x="0" y="0"/>
+          <a:chExt cx="0" cy="0"/>
+        </a:xfrm>
+      </p:grpSpPr>
+      <p:sp>
+        <p:nvSpPr>
+          <p:cNvPr id="492" name="Google Shape;492;p80"/>
+          <p:cNvSpPr txBox="1"/>
+          <p:nvPr>
+            <p:ph type="title"/>
+          </p:nvPr>
+        </p:nvSpPr>
+        <p:spPr>
+          <a:xfrm>
+            <a:off x="729450" y="1318650"/>
+            <a:ext cx="7688700" cy="535200"/>
+          </a:xfrm>
+          <a:prstGeom prst="rect">
+            <a:avLst/>
+          </a:prstGeom>
+        </p:spPr>
+        <p:txBody>
+          <a:bodyPr anchorCtr="0" anchor="t" bIns="91425" lIns="91425" spcFirstLastPara="1" rIns="91425" wrap="square" tIns="91425">
+            <a:noAutofit/>
+          </a:bodyPr>
+          <a:lstStyle/>
+          <a:p>
+            <a:pPr indent="0" lvl="0" marL="0" rtl="0" algn="l">
+              <a:lnSpc>
+                <a:spcPct val="115000"/>
+              </a:lnSpc>
+              <a:spcBef>
+                <a:spcPts val="1200"/>
+              </a:spcBef>
+              <a:spcAft>
+                <a:spcPts val="1200"/>
+              </a:spcAft>
+              <a:buNone/>
+            </a:pPr>
+            <a:r>
+              <a:rPr lang="pl" sz="2400">
+                <a:solidFill>
+                  <a:srgbClr val="000000"/>
+                </a:solidFill>
+                <a:latin typeface="Tahoma"/>
+                <a:ea typeface="Tahoma"/>
+                <a:cs typeface="Tahoma"/>
+                <a:sym typeface="Tahoma"/>
+              </a:rPr>
+              <a:t>Jak działa w praktyce:</a:t>
+            </a:r>
+            <a:endParaRPr sz="2400">
+              <a:latin typeface="Tahoma"/>
+              <a:ea typeface="Tahoma"/>
+              <a:cs typeface="Tahoma"/>
+              <a:sym typeface="Tahoma"/>
+            </a:endParaRPr>
+          </a:p>
+        </p:txBody>
+      </p:sp>
+      <p:sp>
+        <p:nvSpPr>
+          <p:cNvPr id="493" name="Google Shape;493;p80"/>
+          <p:cNvSpPr txBox="1"/>
+          <p:nvPr>
+            <p:ph idx="1" type="body"/>
+          </p:nvPr>
+        </p:nvSpPr>
+        <p:spPr>
+          <a:xfrm>
+            <a:off x="729450" y="2078875"/>
+            <a:ext cx="7688700" cy="2261100"/>
+          </a:xfrm>
+          <a:prstGeom prst="rect">
+            <a:avLst/>
+          </a:prstGeom>
+        </p:spPr>
+        <p:txBody>
+          <a:bodyPr anchorCtr="0" anchor="t" bIns="91425" lIns="91425" spcFirstLastPara="1" rIns="91425" wrap="square" tIns="91425">
+            <a:noAutofit/>
+          </a:bodyPr>
+          <a:lstStyle/>
+          <a:p>
+            <a:pPr indent="0" lvl="0" marL="0" rtl="0" algn="l">
+              <a:lnSpc>
+                <a:spcPct val="100000"/>
+              </a:lnSpc>
+              <a:spcBef>
+                <a:spcPts val="0"/>
+              </a:spcBef>
+              <a:spcAft>
+                <a:spcPts val="0"/>
+              </a:spcAft>
+              <a:buNone/>
+            </a:pPr>
+            <a:r>
+              <a:t/>
+            </a:r>
+            <a:endParaRPr b="1" sz="1400">
+              <a:solidFill>
+                <a:srgbClr val="000000"/>
+              </a:solidFill>
+              <a:latin typeface="Tahoma"/>
+              <a:ea typeface="Tahoma"/>
+              <a:cs typeface="Tahoma"/>
+              <a:sym typeface="Tahoma"/>
+            </a:endParaRPr>
+          </a:p>
+          <a:p>
+            <a:pPr indent="-317500" lvl="0" marL="457200" rtl="0" algn="l">
+              <a:lnSpc>
+                <a:spcPct val="100000"/>
+              </a:lnSpc>
+              <a:spcBef>
+                <a:spcPts val="0"/>
+              </a:spcBef>
+              <a:spcAft>
+                <a:spcPts val="0"/>
+              </a:spcAft>
+              <a:buClr>
+                <a:srgbClr val="000000"/>
+              </a:buClr>
+              <a:buSzPts val="1400"/>
+              <a:buFont typeface="Tahoma"/>
+              <a:buAutoNum type="arabicPeriod"/>
+            </a:pPr>
+            <a:r>
+              <a:rPr lang="pl" sz="1400">
+                <a:solidFill>
+                  <a:srgbClr val="000000"/>
+                </a:solidFill>
+                <a:latin typeface="Tahoma"/>
+                <a:ea typeface="Tahoma"/>
+                <a:cs typeface="Tahoma"/>
+                <a:sym typeface="Tahoma"/>
+              </a:rPr>
+              <a:t>Nadawca szyfruje wiadomość za pomocą klucza symetrycznego.</a:t>
+            </a:r>
+            <a:endParaRPr sz="1400">
+              <a:solidFill>
+                <a:srgbClr val="000000"/>
+              </a:solidFill>
+              <a:latin typeface="Tahoma"/>
+              <a:ea typeface="Tahoma"/>
+              <a:cs typeface="Tahoma"/>
+              <a:sym typeface="Tahoma"/>
+            </a:endParaRPr>
+          </a:p>
+          <a:p>
+            <a:pPr indent="-317500" lvl="0" marL="457200" rtl="0" algn="l">
+              <a:lnSpc>
+                <a:spcPct val="100000"/>
+              </a:lnSpc>
+              <a:spcBef>
+                <a:spcPts val="0"/>
+              </a:spcBef>
+              <a:spcAft>
+                <a:spcPts val="0"/>
+              </a:spcAft>
+              <a:buClr>
+                <a:srgbClr val="000000"/>
+              </a:buClr>
+              <a:buSzPts val="1400"/>
+              <a:buFont typeface="Tahoma"/>
+              <a:buAutoNum type="arabicPeriod"/>
+            </a:pPr>
+            <a:r>
+              <a:rPr lang="pl" sz="1400">
+                <a:solidFill>
+                  <a:srgbClr val="000000"/>
+                </a:solidFill>
+                <a:latin typeface="Tahoma"/>
+                <a:ea typeface="Tahoma"/>
+                <a:cs typeface="Tahoma"/>
+                <a:sym typeface="Tahoma"/>
+              </a:rPr>
+              <a:t>Wiadomość trafia do odbiorcy.</a:t>
+            </a:r>
+            <a:endParaRPr sz="1400">
+              <a:solidFill>
+                <a:srgbClr val="000000"/>
+              </a:solidFill>
+              <a:latin typeface="Tahoma"/>
+              <a:ea typeface="Tahoma"/>
+              <a:cs typeface="Tahoma"/>
+              <a:sym typeface="Tahoma"/>
+            </a:endParaRPr>
+          </a:p>
+          <a:p>
+            <a:pPr indent="-317500" lvl="0" marL="457200" rtl="0" algn="l">
+              <a:lnSpc>
+                <a:spcPct val="100000"/>
+              </a:lnSpc>
+              <a:spcBef>
+                <a:spcPts val="0"/>
+              </a:spcBef>
+              <a:spcAft>
+                <a:spcPts val="0"/>
+              </a:spcAft>
+              <a:buClr>
+                <a:srgbClr val="000000"/>
+              </a:buClr>
+              <a:buSzPts val="1400"/>
+              <a:buFont typeface="Tahoma"/>
+              <a:buAutoNum type="arabicPeriod"/>
+            </a:pPr>
+            <a:r>
+              <a:rPr lang="pl" sz="1400">
+                <a:solidFill>
+                  <a:srgbClr val="000000"/>
+                </a:solidFill>
+                <a:latin typeface="Tahoma"/>
+                <a:ea typeface="Tahoma"/>
+                <a:cs typeface="Tahoma"/>
+                <a:sym typeface="Tahoma"/>
+              </a:rPr>
+              <a:t>Odbiorca używa tego samego klucza, aby odszyfrować wiadomość.</a:t>
+            </a:r>
+            <a:br>
+              <a:rPr lang="pl" sz="1400">
+                <a:solidFill>
+                  <a:srgbClr val="000000"/>
+                </a:solidFill>
+                <a:latin typeface="Tahoma"/>
+                <a:ea typeface="Tahoma"/>
+                <a:cs typeface="Tahoma"/>
+                <a:sym typeface="Tahoma"/>
+              </a:rPr>
+            </a:br>
+            <a:endParaRPr sz="1400">
+              <a:solidFill>
+                <a:srgbClr val="000000"/>
+              </a:solidFill>
+              <a:latin typeface="Tahoma"/>
+              <a:ea typeface="Tahoma"/>
+              <a:cs typeface="Tahoma"/>
+              <a:sym typeface="Tahoma"/>
+            </a:endParaRPr>
+          </a:p>
+          <a:p>
+            <a:pPr indent="0" lvl="0" marL="457200" rtl="0" algn="l">
+              <a:lnSpc>
+                <a:spcPct val="100000"/>
+              </a:lnSpc>
+              <a:spcBef>
+                <a:spcPts val="0"/>
+              </a:spcBef>
+              <a:spcAft>
+                <a:spcPts val="0"/>
+              </a:spcAft>
+              <a:buNone/>
+            </a:pPr>
+            <a:r>
+              <a:t/>
+            </a:r>
+            <a:endParaRPr sz="1400">
+              <a:solidFill>
+                <a:srgbClr val="000000"/>
+              </a:solidFill>
+              <a:latin typeface="Tahoma"/>
+              <a:ea typeface="Tahoma"/>
+              <a:cs typeface="Tahoma"/>
+              <a:sym typeface="Tahoma"/>
+            </a:endParaRPr>
+          </a:p>
+          <a:p>
+            <a:pPr indent="0" lvl="0" marL="0" rtl="0" algn="l">
+              <a:lnSpc>
+                <a:spcPct val="100000"/>
+              </a:lnSpc>
+              <a:spcBef>
+                <a:spcPts val="0"/>
+              </a:spcBef>
+              <a:spcAft>
+                <a:spcPts val="0"/>
+              </a:spcAft>
+              <a:buNone/>
+            </a:pPr>
+            <a:r>
+              <a:rPr b="1" lang="pl" sz="1400">
+                <a:solidFill>
+                  <a:srgbClr val="000000"/>
+                </a:solidFill>
+                <a:latin typeface="Tahoma"/>
+                <a:ea typeface="Tahoma"/>
+                <a:cs typeface="Tahoma"/>
+                <a:sym typeface="Tahoma"/>
+              </a:rPr>
+              <a:t>Zalety:</a:t>
+            </a:r>
+            <a:endParaRPr b="1" sz="1400">
+              <a:solidFill>
+                <a:srgbClr val="000000"/>
+              </a:solidFill>
+              <a:latin typeface="Tahoma"/>
+              <a:ea typeface="Tahoma"/>
+              <a:cs typeface="Tahoma"/>
+              <a:sym typeface="Tahoma"/>
+            </a:endParaRPr>
+          </a:p>
+          <a:p>
+            <a:pPr indent="-317500" lvl="0" marL="457200" rtl="0" algn="l">
+              <a:lnSpc>
+                <a:spcPct val="100000"/>
+              </a:lnSpc>
+              <a:spcBef>
+                <a:spcPts val="0"/>
+              </a:spcBef>
+              <a:spcAft>
+                <a:spcPts val="0"/>
+              </a:spcAft>
+              <a:buClr>
+                <a:srgbClr val="000000"/>
+              </a:buClr>
+              <a:buSzPts val="1400"/>
+              <a:buFont typeface="Tahoma"/>
+              <a:buChar char="●"/>
+            </a:pPr>
+            <a:r>
+              <a:rPr lang="pl" sz="1400">
+                <a:solidFill>
+                  <a:srgbClr val="000000"/>
+                </a:solidFill>
+                <a:latin typeface="Tahoma"/>
+                <a:ea typeface="Tahoma"/>
+                <a:cs typeface="Tahoma"/>
+                <a:sym typeface="Tahoma"/>
+              </a:rPr>
+              <a:t>Szybkie szyfrowanie i odszyfrowywanie (wydajne dla dużych danych).</a:t>
+            </a:r>
+            <a:br>
+              <a:rPr lang="pl" sz="1400">
+                <a:solidFill>
+                  <a:srgbClr val="000000"/>
+                </a:solidFill>
+                <a:latin typeface="Tahoma"/>
+                <a:ea typeface="Tahoma"/>
+                <a:cs typeface="Tahoma"/>
+                <a:sym typeface="Tahoma"/>
+              </a:rPr>
+            </a:br>
+            <a:endParaRPr sz="1400">
+              <a:solidFill>
+                <a:srgbClr val="000000"/>
+              </a:solidFill>
+              <a:latin typeface="Tahoma"/>
+              <a:ea typeface="Tahoma"/>
+              <a:cs typeface="Tahoma"/>
+              <a:sym typeface="Tahoma"/>
+            </a:endParaRPr>
+          </a:p>
+          <a:p>
+            <a:pPr indent="0" lvl="0" marL="0" rtl="0" algn="l">
+              <a:lnSpc>
+                <a:spcPct val="100000"/>
+              </a:lnSpc>
+              <a:spcBef>
+                <a:spcPts val="0"/>
+              </a:spcBef>
+              <a:spcAft>
+                <a:spcPts val="0"/>
+              </a:spcAft>
+              <a:buNone/>
+            </a:pPr>
+            <a:r>
+              <a:rPr b="1" lang="pl" sz="1400">
+                <a:solidFill>
+                  <a:srgbClr val="000000"/>
+                </a:solidFill>
+                <a:latin typeface="Tahoma"/>
+                <a:ea typeface="Tahoma"/>
+                <a:cs typeface="Tahoma"/>
+                <a:sym typeface="Tahoma"/>
+              </a:rPr>
+              <a:t>Wady:</a:t>
+            </a:r>
+            <a:endParaRPr b="1" sz="1400">
+              <a:solidFill>
+                <a:srgbClr val="000000"/>
+              </a:solidFill>
+              <a:latin typeface="Tahoma"/>
+              <a:ea typeface="Tahoma"/>
+              <a:cs typeface="Tahoma"/>
+              <a:sym typeface="Tahoma"/>
+            </a:endParaRPr>
+          </a:p>
+          <a:p>
+            <a:pPr indent="-317500" lvl="0" marL="457200" rtl="0" algn="l">
+              <a:lnSpc>
+                <a:spcPct val="100000"/>
+              </a:lnSpc>
+              <a:spcBef>
+                <a:spcPts val="0"/>
+              </a:spcBef>
+              <a:spcAft>
+                <a:spcPts val="0"/>
+              </a:spcAft>
+              <a:buClr>
+                <a:srgbClr val="000000"/>
+              </a:buClr>
+              <a:buSzPts val="1400"/>
+              <a:buFont typeface="Tahoma"/>
+              <a:buChar char="●"/>
+            </a:pPr>
+            <a:r>
+              <a:rPr lang="pl" sz="1400">
+                <a:solidFill>
+                  <a:srgbClr val="000000"/>
+                </a:solidFill>
+                <a:latin typeface="Tahoma"/>
+                <a:ea typeface="Tahoma"/>
+                <a:cs typeface="Tahoma"/>
+                <a:sym typeface="Tahoma"/>
+              </a:rPr>
+              <a:t>Problem z bezpiecznym przesłaniem klucza – jeśli ktoś przechwyci klucz, może odczytać wszystkie wiadomości.</a:t>
+            </a:r>
+            <a:endParaRPr sz="1400">
+              <a:solidFill>
+                <a:srgbClr val="000000"/>
+              </a:solidFill>
+              <a:latin typeface="Tahoma"/>
+              <a:ea typeface="Tahoma"/>
+              <a:cs typeface="Tahoma"/>
+              <a:sym typeface="Tahoma"/>
+            </a:endParaRPr>
+          </a:p>
+          <a:p>
+            <a:pPr indent="0" lvl="0" marL="0" rtl="0" algn="l">
+              <a:lnSpc>
+                <a:spcPct val="100000"/>
+              </a:lnSpc>
+              <a:spcBef>
+                <a:spcPts val="0"/>
+              </a:spcBef>
+              <a:spcAft>
+                <a:spcPts val="0"/>
+              </a:spcAft>
+              <a:buNone/>
+            </a:pPr>
+            <a:r>
+              <a:t/>
+            </a:r>
+            <a:endParaRPr sz="1400">
+              <a:latin typeface="Tahoma"/>
+              <a:ea typeface="Tahoma"/>
+              <a:cs typeface="Tahoma"/>
+              <a:sym typeface="Tahoma"/>
+            </a:endParaRPr>
+          </a:p>
+        </p:txBody>
+      </p:sp>
+    </p:spTree>
+  </p:cSld>
+  <p:clrMapOvr>
+    <a:masterClrMapping/>
+  </p:clrMapOvr>
+</p:sld>
+</file>
+
+<file path=ppt/slides/slide69.xml><?xml version="1.0" encoding="utf-8"?>
+<p:sld xmlns:a="http://schemas.openxmlformats.org/drawingml/2006/main" xmlns:r="http://schemas.openxmlformats.org/officeDocument/2006/relationships" xmlns:mc="http://schemas.openxmlformats.org/markup-compatibility/2006" xmlns:mv="urn:schemas-microsoft-com:mac:vml" xmlns:p="http://schemas.openxmlformats.org/presentationml/2006/main" xmlns:c="http://schemas.openxmlformats.org/drawingml/2006/chart" xmlns:dgm="http://schemas.openxmlformats.org/drawingml/2006/diagram" xmlns:o="urn:schemas-microsoft-com:office:office" xmlns:v="urn:schemas-microsoft-com:vml" xmlns:pvml="urn:schemas-microsoft-com:office:powerpoint" xmlns:com="http://schemas.openxmlformats.org/drawingml/2006/compatibility" xmlns:p14="http://schemas.microsoft.com/office/powerpoint/2010/main" xmlns:p15="http://schemas.microsoft.com/office/powerpoint/2012/main" xmlns:ahyp="http://schemas.microsoft.com/office/drawing/2018/hyperlinkcolor">
+  <p:cSld>
+    <p:spTree>
+      <p:nvGrpSpPr>
+        <p:cNvPr id="497" name="Shape 497"/>
+        <p:cNvGrpSpPr/>
+        <p:nvPr/>
+      </p:nvGrpSpPr>
+      <p:grpSpPr>
+        <a:xfrm>
+          <a:off x="0" y="0"/>
+          <a:ext cx="0" cy="0"/>
+          <a:chOff x="0" y="0"/>
+          <a:chExt cx="0" cy="0"/>
+        </a:xfrm>
+      </p:grpSpPr>
+      <p:sp>
+        <p:nvSpPr>
+          <p:cNvPr id="498" name="Google Shape;498;p81"/>
+          <p:cNvSpPr txBox="1"/>
+          <p:nvPr>
+            <p:ph type="title"/>
+          </p:nvPr>
+        </p:nvSpPr>
+        <p:spPr>
+          <a:xfrm>
+            <a:off x="729450" y="1318650"/>
+            <a:ext cx="7688700" cy="535200"/>
+          </a:xfrm>
+          <a:prstGeom prst="rect">
+            <a:avLst/>
+          </a:prstGeom>
+        </p:spPr>
+        <p:txBody>
+          <a:bodyPr anchorCtr="0" anchor="t" bIns="91425" lIns="91425" spcFirstLastPara="1" rIns="91425" wrap="square" tIns="91425">
+            <a:noAutofit/>
+          </a:bodyPr>
+          <a:lstStyle/>
+          <a:p>
+            <a:pPr indent="0" lvl="0" marL="0" rtl="0" algn="l">
+              <a:spcBef>
+                <a:spcPts val="0"/>
+              </a:spcBef>
+              <a:spcAft>
+                <a:spcPts val="0"/>
+              </a:spcAft>
+              <a:buSzPts val="990"/>
+              <a:buNone/>
+            </a:pPr>
+            <a:r>
+              <a:rPr lang="pl" sz="2440">
+                <a:latin typeface="Tahoma"/>
+                <a:ea typeface="Tahoma"/>
+                <a:cs typeface="Tahoma"/>
+                <a:sym typeface="Tahoma"/>
+              </a:rPr>
+              <a:t>Klucz asymetryczny (Asymmetric Key)</a:t>
+            </a:r>
+            <a:endParaRPr sz="2440">
+              <a:latin typeface="Tahoma"/>
+              <a:ea typeface="Tahoma"/>
+              <a:cs typeface="Tahoma"/>
+              <a:sym typeface="Tahoma"/>
+            </a:endParaRPr>
+          </a:p>
+        </p:txBody>
+      </p:sp>
+      <p:sp>
+        <p:nvSpPr>
+          <p:cNvPr id="499" name="Google Shape;499;p81"/>
+          <p:cNvSpPr txBox="1"/>
+          <p:nvPr>
+            <p:ph idx="1" type="body"/>
+          </p:nvPr>
+        </p:nvSpPr>
+        <p:spPr>
+          <a:xfrm>
+            <a:off x="729450" y="2078875"/>
+            <a:ext cx="7688700" cy="2261100"/>
+          </a:xfrm>
+          <a:prstGeom prst="rect">
+            <a:avLst/>
+          </a:prstGeom>
+        </p:spPr>
+        <p:txBody>
+          <a:bodyPr anchorCtr="0" anchor="t" bIns="91425" lIns="91425" spcFirstLastPara="1" rIns="91425" wrap="square" tIns="91425">
+            <a:noAutofit/>
+          </a:bodyPr>
+          <a:lstStyle/>
+          <a:p>
+            <a:pPr indent="0" lvl="0" marL="0" rtl="0" algn="l">
+              <a:lnSpc>
+                <a:spcPct val="100000"/>
+              </a:lnSpc>
+              <a:spcBef>
+                <a:spcPts val="0"/>
+              </a:spcBef>
+              <a:spcAft>
+                <a:spcPts val="0"/>
+              </a:spcAft>
+              <a:buNone/>
+            </a:pPr>
+            <a:r>
+              <a:rPr lang="pl" sz="1400">
+                <a:solidFill>
+                  <a:srgbClr val="000000"/>
+                </a:solidFill>
+                <a:latin typeface="Tahoma"/>
+                <a:ea typeface="Tahoma"/>
+                <a:cs typeface="Tahoma"/>
+                <a:sym typeface="Tahoma"/>
+              </a:rPr>
+              <a:t>W kryptografii asymetrycznej używa się </a:t>
+            </a:r>
+            <a:r>
+              <a:rPr b="1" lang="pl" sz="1400">
+                <a:solidFill>
+                  <a:srgbClr val="000000"/>
+                </a:solidFill>
+                <a:latin typeface="Tahoma"/>
+                <a:ea typeface="Tahoma"/>
+                <a:cs typeface="Tahoma"/>
+                <a:sym typeface="Tahoma"/>
+              </a:rPr>
+              <a:t>pary kluczy</a:t>
+            </a:r>
+            <a:r>
+              <a:rPr lang="pl" sz="1400">
+                <a:solidFill>
+                  <a:srgbClr val="000000"/>
+                </a:solidFill>
+                <a:latin typeface="Tahoma"/>
+                <a:ea typeface="Tahoma"/>
+                <a:cs typeface="Tahoma"/>
+                <a:sym typeface="Tahoma"/>
+              </a:rPr>
+              <a:t>:</a:t>
+            </a:r>
+            <a:br>
+              <a:rPr lang="pl" sz="1400">
+                <a:solidFill>
+                  <a:srgbClr val="000000"/>
+                </a:solidFill>
+                <a:latin typeface="Tahoma"/>
+                <a:ea typeface="Tahoma"/>
+                <a:cs typeface="Tahoma"/>
+                <a:sym typeface="Tahoma"/>
+              </a:rPr>
+            </a:br>
+            <a:endParaRPr sz="1400">
+              <a:solidFill>
+                <a:srgbClr val="000000"/>
+              </a:solidFill>
+              <a:latin typeface="Tahoma"/>
+              <a:ea typeface="Tahoma"/>
+              <a:cs typeface="Tahoma"/>
+              <a:sym typeface="Tahoma"/>
+            </a:endParaRPr>
+          </a:p>
+          <a:p>
+            <a:pPr indent="-317500" lvl="0" marL="457200" rtl="0" algn="l">
+              <a:lnSpc>
+                <a:spcPct val="100000"/>
+              </a:lnSpc>
+              <a:spcBef>
+                <a:spcPts val="0"/>
+              </a:spcBef>
+              <a:spcAft>
+                <a:spcPts val="0"/>
+              </a:spcAft>
+              <a:buClr>
+                <a:srgbClr val="000000"/>
+              </a:buClr>
+              <a:buSzPts val="1400"/>
+              <a:buFont typeface="Arial"/>
+              <a:buAutoNum type="arabicPeriod"/>
+            </a:pPr>
+            <a:r>
+              <a:rPr b="1" lang="pl" sz="1400">
+                <a:solidFill>
+                  <a:srgbClr val="000000"/>
+                </a:solidFill>
+                <a:latin typeface="Tahoma"/>
+                <a:ea typeface="Tahoma"/>
+                <a:cs typeface="Tahoma"/>
+                <a:sym typeface="Tahoma"/>
+              </a:rPr>
+              <a:t>Klucz publiczny</a:t>
+            </a:r>
+            <a:r>
+              <a:rPr lang="pl" sz="1400">
+                <a:solidFill>
+                  <a:srgbClr val="000000"/>
+                </a:solidFill>
+                <a:latin typeface="Tahoma"/>
+                <a:ea typeface="Tahoma"/>
+                <a:cs typeface="Tahoma"/>
+                <a:sym typeface="Tahoma"/>
+              </a:rPr>
+              <a:t> – do szyfrowania wiadomości.</a:t>
+            </a:r>
+            <a:br>
+              <a:rPr lang="pl" sz="1400">
+                <a:solidFill>
+                  <a:srgbClr val="000000"/>
+                </a:solidFill>
+                <a:latin typeface="Tahoma"/>
+                <a:ea typeface="Tahoma"/>
+                <a:cs typeface="Tahoma"/>
+                <a:sym typeface="Tahoma"/>
+              </a:rPr>
+            </a:br>
+            <a:endParaRPr sz="1400">
+              <a:solidFill>
+                <a:srgbClr val="000000"/>
+              </a:solidFill>
+              <a:latin typeface="Tahoma"/>
+              <a:ea typeface="Tahoma"/>
+              <a:cs typeface="Tahoma"/>
+              <a:sym typeface="Tahoma"/>
+            </a:endParaRPr>
+          </a:p>
+          <a:p>
+            <a:pPr indent="-317500" lvl="0" marL="457200" rtl="0" algn="l">
+              <a:lnSpc>
+                <a:spcPct val="100000"/>
+              </a:lnSpc>
+              <a:spcBef>
+                <a:spcPts val="0"/>
+              </a:spcBef>
+              <a:spcAft>
+                <a:spcPts val="0"/>
+              </a:spcAft>
+              <a:buClr>
+                <a:srgbClr val="000000"/>
+              </a:buClr>
+              <a:buSzPts val="1400"/>
+              <a:buFont typeface="Arial"/>
+              <a:buAutoNum type="arabicPeriod"/>
+            </a:pPr>
+            <a:r>
+              <a:rPr b="1" lang="pl" sz="1400">
+                <a:solidFill>
+                  <a:srgbClr val="000000"/>
+                </a:solidFill>
+                <a:latin typeface="Tahoma"/>
+                <a:ea typeface="Tahoma"/>
+                <a:cs typeface="Tahoma"/>
+                <a:sym typeface="Tahoma"/>
+              </a:rPr>
+              <a:t>Klucz prywatny</a:t>
+            </a:r>
+            <a:r>
+              <a:rPr lang="pl" sz="1400">
+                <a:solidFill>
+                  <a:srgbClr val="000000"/>
+                </a:solidFill>
+                <a:latin typeface="Tahoma"/>
+                <a:ea typeface="Tahoma"/>
+                <a:cs typeface="Tahoma"/>
+                <a:sym typeface="Tahoma"/>
+              </a:rPr>
+              <a:t> – do odszyfrowania wiadomości.</a:t>
+            </a:r>
+            <a:br>
+              <a:rPr lang="pl" sz="1400">
+                <a:solidFill>
+                  <a:srgbClr val="000000"/>
+                </a:solidFill>
+                <a:latin typeface="Tahoma"/>
+                <a:ea typeface="Tahoma"/>
+                <a:cs typeface="Tahoma"/>
+                <a:sym typeface="Tahoma"/>
+              </a:rPr>
+            </a:br>
+            <a:endParaRPr sz="1400">
+              <a:solidFill>
+                <a:srgbClr val="000000"/>
+              </a:solidFill>
+              <a:latin typeface="Tahoma"/>
+              <a:ea typeface="Tahoma"/>
+              <a:cs typeface="Tahoma"/>
+              <a:sym typeface="Tahoma"/>
+            </a:endParaRPr>
+          </a:p>
+          <a:p>
+            <a:pPr indent="0" lvl="0" marL="0" rtl="0" algn="l">
+              <a:lnSpc>
+                <a:spcPct val="100000"/>
+              </a:lnSpc>
+              <a:spcBef>
+                <a:spcPts val="0"/>
+              </a:spcBef>
+              <a:spcAft>
+                <a:spcPts val="0"/>
+              </a:spcAft>
+              <a:buNone/>
+            </a:pPr>
+            <a:r>
+              <a:rPr lang="pl" sz="1400">
+                <a:solidFill>
+                  <a:srgbClr val="000000"/>
+                </a:solidFill>
+                <a:latin typeface="Tahoma"/>
+                <a:ea typeface="Tahoma"/>
+                <a:cs typeface="Tahoma"/>
+                <a:sym typeface="Tahoma"/>
+              </a:rPr>
+              <a:t>Klucz publiczny może być </a:t>
+            </a:r>
+            <a:r>
+              <a:rPr b="1" lang="pl" sz="1400">
+                <a:solidFill>
+                  <a:srgbClr val="000000"/>
+                </a:solidFill>
+                <a:latin typeface="Tahoma"/>
+                <a:ea typeface="Tahoma"/>
+                <a:cs typeface="Tahoma"/>
+                <a:sym typeface="Tahoma"/>
+              </a:rPr>
+              <a:t>udostępniany każdemu</a:t>
+            </a:r>
+            <a:r>
+              <a:rPr lang="pl" sz="1400">
+                <a:solidFill>
+                  <a:srgbClr val="000000"/>
+                </a:solidFill>
+                <a:latin typeface="Tahoma"/>
+                <a:ea typeface="Tahoma"/>
+                <a:cs typeface="Tahoma"/>
+                <a:sym typeface="Tahoma"/>
+              </a:rPr>
+              <a:t>, a klucz prywatny </a:t>
+            </a:r>
+            <a:r>
+              <a:rPr b="1" lang="pl" sz="1400">
+                <a:solidFill>
+                  <a:srgbClr val="000000"/>
+                </a:solidFill>
+                <a:latin typeface="Tahoma"/>
+                <a:ea typeface="Tahoma"/>
+                <a:cs typeface="Tahoma"/>
+                <a:sym typeface="Tahoma"/>
+              </a:rPr>
+              <a:t>pozostaje tajny</a:t>
+            </a:r>
+            <a:r>
+              <a:rPr lang="pl" sz="1400">
+                <a:solidFill>
+                  <a:srgbClr val="000000"/>
+                </a:solidFill>
+                <a:latin typeface="Tahoma"/>
+                <a:ea typeface="Tahoma"/>
+                <a:cs typeface="Tahoma"/>
+                <a:sym typeface="Tahoma"/>
+              </a:rPr>
+              <a:t>.</a:t>
+            </a:r>
+            <a:endParaRPr sz="1400">
+              <a:solidFill>
+                <a:srgbClr val="000000"/>
+              </a:solidFill>
+              <a:latin typeface="Tahoma"/>
+              <a:ea typeface="Tahoma"/>
+              <a:cs typeface="Tahoma"/>
+              <a:sym typeface="Tahoma"/>
+            </a:endParaRPr>
+          </a:p>
+          <a:p>
+            <a:pPr indent="0" lvl="0" marL="0" rtl="0" algn="l">
+              <a:lnSpc>
+                <a:spcPct val="100000"/>
+              </a:lnSpc>
+              <a:spcBef>
+                <a:spcPts val="0"/>
+              </a:spcBef>
+              <a:spcAft>
+                <a:spcPts val="0"/>
+              </a:spcAft>
+              <a:buNone/>
+            </a:pPr>
+            <a:r>
+              <a:t/>
+            </a:r>
+            <a:endParaRPr sz="1400">
+              <a:solidFill>
+                <a:srgbClr val="000000"/>
+              </a:solidFill>
+              <a:latin typeface="Tahoma"/>
+              <a:ea typeface="Tahoma"/>
+              <a:cs typeface="Tahoma"/>
+              <a:sym typeface="Tahoma"/>
+            </a:endParaRPr>
+          </a:p>
+          <a:p>
+            <a:pPr indent="0" lvl="0" marL="0" rtl="0" algn="l">
+              <a:lnSpc>
+                <a:spcPct val="100000"/>
+              </a:lnSpc>
+              <a:spcBef>
+                <a:spcPts val="0"/>
+              </a:spcBef>
+              <a:spcAft>
+                <a:spcPts val="0"/>
+              </a:spcAft>
+              <a:buNone/>
+            </a:pPr>
+            <a:r>
+              <a:rPr b="1" lang="pl" sz="1400">
+                <a:solidFill>
+                  <a:srgbClr val="000000"/>
+                </a:solidFill>
+                <a:latin typeface="Tahoma"/>
+                <a:ea typeface="Tahoma"/>
+                <a:cs typeface="Tahoma"/>
+                <a:sym typeface="Tahoma"/>
+              </a:rPr>
+              <a:t>Przykłady algorytmów:</a:t>
+            </a:r>
+            <a:r>
+              <a:rPr lang="pl" sz="1400">
+                <a:solidFill>
+                  <a:srgbClr val="000000"/>
+                </a:solidFill>
+                <a:latin typeface="Tahoma"/>
+                <a:ea typeface="Tahoma"/>
+                <a:cs typeface="Tahoma"/>
+                <a:sym typeface="Tahoma"/>
+              </a:rPr>
+              <a:t> RSA, ECC.</a:t>
+            </a:r>
+            <a:endParaRPr sz="1400">
+              <a:solidFill>
+                <a:srgbClr val="000000"/>
+              </a:solidFill>
+              <a:latin typeface="Tahoma"/>
+              <a:ea typeface="Tahoma"/>
+              <a:cs typeface="Tahoma"/>
+              <a:sym typeface="Tahoma"/>
+            </a:endParaRPr>
+          </a:p>
+          <a:p>
+            <a:pPr indent="0" lvl="0" marL="0" rtl="0" algn="l">
+              <a:lnSpc>
+                <a:spcPct val="100000"/>
+              </a:lnSpc>
+              <a:spcBef>
+                <a:spcPts val="0"/>
+              </a:spcBef>
+              <a:spcAft>
+                <a:spcPts val="0"/>
+              </a:spcAft>
+              <a:buNone/>
+            </a:pPr>
+            <a:r>
+              <a:t/>
+            </a:r>
+            <a:endParaRPr sz="1400">
+              <a:latin typeface="Tahoma"/>
+              <a:ea typeface="Tahoma"/>
+              <a:cs typeface="Tahoma"/>
+              <a:sym typeface="Tahoma"/>
+            </a:endParaRPr>
+          </a:p>
+        </p:txBody>
+      </p:sp>
+    </p:spTree>
+  </p:cSld>
+  <p:clrMapOvr>
+    <a:masterClrMapping/>
+  </p:clrMapOvr>
+</p:sld>
+</file>
+
 <file path=ppt/slides/slide7.xml><?xml version="1.0" encoding="utf-8"?>
 <p:sld xmlns:a="http://schemas.openxmlformats.org/drawingml/2006/main" xmlns:r="http://schemas.openxmlformats.org/officeDocument/2006/relationships" xmlns:mc="http://schemas.openxmlformats.org/markup-compatibility/2006" xmlns:mv="urn:schemas-microsoft-com:mac:vml" xmlns:p="http://schemas.openxmlformats.org/presentationml/2006/main" xmlns:c="http://schemas.openxmlformats.org/drawingml/2006/chart" xmlns:dgm="http://schemas.openxmlformats.org/drawingml/2006/diagram" xmlns:o="urn:schemas-microsoft-com:office:office" xmlns:v="urn:schemas-microsoft-com:vml" xmlns:pvml="urn:schemas-microsoft-com:office:powerpoint" xmlns:com="http://schemas.openxmlformats.org/drawingml/2006/compatibility" xmlns:p14="http://schemas.microsoft.com/office/powerpoint/2010/main" xmlns:p15="http://schemas.microsoft.com/office/powerpoint/2012/main" xmlns:ahyp="http://schemas.microsoft.com/office/drawing/2018/hyperlinkcolor">
   <p:cSld>
@@ -39240,6 +42452,1075 @@
               <a:ea typeface="Arial"/>
               <a:cs typeface="Arial"/>
               <a:sym typeface="Arial"/>
+            </a:endParaRPr>
+          </a:p>
+        </p:txBody>
+      </p:sp>
+    </p:spTree>
+  </p:cSld>
+  <p:clrMapOvr>
+    <a:masterClrMapping/>
+  </p:clrMapOvr>
+</p:sld>
+</file>
+
+<file path=ppt/slides/slide70.xml><?xml version="1.0" encoding="utf-8"?>
+<p:sld xmlns:a="http://schemas.openxmlformats.org/drawingml/2006/main" xmlns:r="http://schemas.openxmlformats.org/officeDocument/2006/relationships" xmlns:mc="http://schemas.openxmlformats.org/markup-compatibility/2006" xmlns:mv="urn:schemas-microsoft-com:mac:vml" xmlns:p="http://schemas.openxmlformats.org/presentationml/2006/main" xmlns:c="http://schemas.openxmlformats.org/drawingml/2006/chart" xmlns:dgm="http://schemas.openxmlformats.org/drawingml/2006/diagram" xmlns:o="urn:schemas-microsoft-com:office:office" xmlns:v="urn:schemas-microsoft-com:vml" xmlns:pvml="urn:schemas-microsoft-com:office:powerpoint" xmlns:com="http://schemas.openxmlformats.org/drawingml/2006/compatibility" xmlns:p14="http://schemas.microsoft.com/office/powerpoint/2010/main" xmlns:p15="http://schemas.microsoft.com/office/powerpoint/2012/main" xmlns:ahyp="http://schemas.microsoft.com/office/drawing/2018/hyperlinkcolor">
+  <p:cSld>
+    <p:spTree>
+      <p:nvGrpSpPr>
+        <p:cNvPr id="503" name="Shape 503"/>
+        <p:cNvGrpSpPr/>
+        <p:nvPr/>
+      </p:nvGrpSpPr>
+      <p:grpSpPr>
+        <a:xfrm>
+          <a:off x="0" y="0"/>
+          <a:ext cx="0" cy="0"/>
+          <a:chOff x="0" y="0"/>
+          <a:chExt cx="0" cy="0"/>
+        </a:xfrm>
+      </p:grpSpPr>
+      <p:sp>
+        <p:nvSpPr>
+          <p:cNvPr id="504" name="Google Shape;504;p82"/>
+          <p:cNvSpPr txBox="1"/>
+          <p:nvPr>
+            <p:ph type="title"/>
+          </p:nvPr>
+        </p:nvSpPr>
+        <p:spPr>
+          <a:xfrm>
+            <a:off x="729450" y="1318650"/>
+            <a:ext cx="7688700" cy="535200"/>
+          </a:xfrm>
+          <a:prstGeom prst="rect">
+            <a:avLst/>
+          </a:prstGeom>
+        </p:spPr>
+        <p:txBody>
+          <a:bodyPr anchorCtr="0" anchor="t" bIns="91425" lIns="91425" spcFirstLastPara="1" rIns="91425" wrap="square" tIns="91425">
+            <a:noAutofit/>
+          </a:bodyPr>
+          <a:lstStyle/>
+          <a:p>
+            <a:pPr indent="0" lvl="0" marL="0" rtl="0" algn="l">
+              <a:lnSpc>
+                <a:spcPct val="115000"/>
+              </a:lnSpc>
+              <a:spcBef>
+                <a:spcPts val="1400"/>
+              </a:spcBef>
+              <a:spcAft>
+                <a:spcPts val="400"/>
+              </a:spcAft>
+              <a:buNone/>
+            </a:pPr>
+            <a:r>
+              <a:rPr lang="pl" sz="2400">
+                <a:solidFill>
+                  <a:srgbClr val="000000"/>
+                </a:solidFill>
+                <a:latin typeface="Tahoma"/>
+                <a:ea typeface="Tahoma"/>
+                <a:cs typeface="Tahoma"/>
+                <a:sym typeface="Tahoma"/>
+              </a:rPr>
+              <a:t> RSA (Rivest–Shamir–Adleman)</a:t>
+            </a:r>
+            <a:endParaRPr sz="2400">
+              <a:latin typeface="Tahoma"/>
+              <a:ea typeface="Tahoma"/>
+              <a:cs typeface="Tahoma"/>
+              <a:sym typeface="Tahoma"/>
+            </a:endParaRPr>
+          </a:p>
+        </p:txBody>
+      </p:sp>
+      <p:sp>
+        <p:nvSpPr>
+          <p:cNvPr id="505" name="Google Shape;505;p82"/>
+          <p:cNvSpPr txBox="1"/>
+          <p:nvPr>
+            <p:ph idx="1" type="body"/>
+          </p:nvPr>
+        </p:nvSpPr>
+        <p:spPr>
+          <a:xfrm>
+            <a:off x="729450" y="2078875"/>
+            <a:ext cx="7688700" cy="2261100"/>
+          </a:xfrm>
+          <a:prstGeom prst="rect">
+            <a:avLst/>
+          </a:prstGeom>
+        </p:spPr>
+        <p:txBody>
+          <a:bodyPr anchorCtr="0" anchor="t" bIns="91425" lIns="91425" spcFirstLastPara="1" rIns="91425" wrap="square" tIns="91425">
+            <a:noAutofit/>
+          </a:bodyPr>
+          <a:lstStyle/>
+          <a:p>
+            <a:pPr indent="0" lvl="0" marL="0" rtl="0" algn="l">
+              <a:lnSpc>
+                <a:spcPct val="100000"/>
+              </a:lnSpc>
+              <a:spcBef>
+                <a:spcPts val="0"/>
+              </a:spcBef>
+              <a:spcAft>
+                <a:spcPts val="0"/>
+              </a:spcAft>
+              <a:buNone/>
+            </a:pPr>
+            <a:r>
+              <a:rPr lang="pl" sz="1400">
+                <a:solidFill>
+                  <a:srgbClr val="000000"/>
+                </a:solidFill>
+                <a:latin typeface="Tahoma"/>
+                <a:ea typeface="Tahoma"/>
+                <a:cs typeface="Tahoma"/>
+                <a:sym typeface="Tahoma"/>
+              </a:rPr>
+              <a:t>RSA to </a:t>
+            </a:r>
+            <a:r>
+              <a:rPr b="1" lang="pl" sz="1400">
+                <a:solidFill>
+                  <a:srgbClr val="000000"/>
+                </a:solidFill>
+                <a:latin typeface="Tahoma"/>
+                <a:ea typeface="Tahoma"/>
+                <a:cs typeface="Tahoma"/>
+                <a:sym typeface="Tahoma"/>
+              </a:rPr>
+              <a:t>asymetryczny algorytm szyfrowania</a:t>
+            </a:r>
+            <a:r>
+              <a:rPr lang="pl" sz="1400">
+                <a:solidFill>
+                  <a:srgbClr val="000000"/>
+                </a:solidFill>
+                <a:latin typeface="Tahoma"/>
+                <a:ea typeface="Tahoma"/>
+                <a:cs typeface="Tahoma"/>
+                <a:sym typeface="Tahoma"/>
+              </a:rPr>
+              <a:t>, który używa </a:t>
+            </a:r>
+            <a:r>
+              <a:rPr b="1" lang="pl" sz="1400">
+                <a:solidFill>
+                  <a:srgbClr val="000000"/>
+                </a:solidFill>
+                <a:latin typeface="Tahoma"/>
+                <a:ea typeface="Tahoma"/>
+                <a:cs typeface="Tahoma"/>
+                <a:sym typeface="Tahoma"/>
+              </a:rPr>
+              <a:t>pary kluczy</a:t>
+            </a:r>
+            <a:r>
+              <a:rPr lang="pl" sz="1400">
+                <a:solidFill>
+                  <a:srgbClr val="000000"/>
+                </a:solidFill>
+                <a:latin typeface="Tahoma"/>
+                <a:ea typeface="Tahoma"/>
+                <a:cs typeface="Tahoma"/>
+                <a:sym typeface="Tahoma"/>
+              </a:rPr>
+              <a:t>:</a:t>
+            </a:r>
+            <a:endParaRPr sz="1400">
+              <a:solidFill>
+                <a:srgbClr val="000000"/>
+              </a:solidFill>
+              <a:latin typeface="Tahoma"/>
+              <a:ea typeface="Tahoma"/>
+              <a:cs typeface="Tahoma"/>
+              <a:sym typeface="Tahoma"/>
+            </a:endParaRPr>
+          </a:p>
+          <a:p>
+            <a:pPr indent="-317500" lvl="1" marL="914400" rtl="0" algn="l">
+              <a:lnSpc>
+                <a:spcPct val="100000"/>
+              </a:lnSpc>
+              <a:spcBef>
+                <a:spcPts val="0"/>
+              </a:spcBef>
+              <a:spcAft>
+                <a:spcPts val="0"/>
+              </a:spcAft>
+              <a:buClr>
+                <a:srgbClr val="000000"/>
+              </a:buClr>
+              <a:buSzPts val="1400"/>
+              <a:buFont typeface="Arial"/>
+              <a:buChar char="○"/>
+            </a:pPr>
+            <a:r>
+              <a:rPr b="1" lang="pl" sz="1400">
+                <a:solidFill>
+                  <a:srgbClr val="000000"/>
+                </a:solidFill>
+                <a:latin typeface="Tahoma"/>
+                <a:ea typeface="Tahoma"/>
+                <a:cs typeface="Tahoma"/>
+                <a:sym typeface="Tahoma"/>
+              </a:rPr>
+              <a:t>Klucz publiczny</a:t>
+            </a:r>
+            <a:r>
+              <a:rPr lang="pl" sz="1400">
+                <a:solidFill>
+                  <a:srgbClr val="000000"/>
+                </a:solidFill>
+                <a:latin typeface="Tahoma"/>
+                <a:ea typeface="Tahoma"/>
+                <a:cs typeface="Tahoma"/>
+                <a:sym typeface="Tahoma"/>
+              </a:rPr>
+              <a:t> → do szyfrowania wiadomości.</a:t>
+            </a:r>
+            <a:br>
+              <a:rPr lang="pl" sz="1400">
+                <a:solidFill>
+                  <a:srgbClr val="000000"/>
+                </a:solidFill>
+                <a:latin typeface="Tahoma"/>
+                <a:ea typeface="Tahoma"/>
+                <a:cs typeface="Tahoma"/>
+                <a:sym typeface="Tahoma"/>
+              </a:rPr>
+            </a:br>
+            <a:endParaRPr sz="1400">
+              <a:solidFill>
+                <a:srgbClr val="000000"/>
+              </a:solidFill>
+              <a:latin typeface="Tahoma"/>
+              <a:ea typeface="Tahoma"/>
+              <a:cs typeface="Tahoma"/>
+              <a:sym typeface="Tahoma"/>
+            </a:endParaRPr>
+          </a:p>
+          <a:p>
+            <a:pPr indent="-317500" lvl="1" marL="914400" rtl="0" algn="l">
+              <a:lnSpc>
+                <a:spcPct val="100000"/>
+              </a:lnSpc>
+              <a:spcBef>
+                <a:spcPts val="0"/>
+              </a:spcBef>
+              <a:spcAft>
+                <a:spcPts val="0"/>
+              </a:spcAft>
+              <a:buClr>
+                <a:srgbClr val="000000"/>
+              </a:buClr>
+              <a:buSzPts val="1400"/>
+              <a:buFont typeface="Arial"/>
+              <a:buChar char="○"/>
+            </a:pPr>
+            <a:r>
+              <a:rPr b="1" lang="pl" sz="1400">
+                <a:solidFill>
+                  <a:srgbClr val="000000"/>
+                </a:solidFill>
+                <a:latin typeface="Tahoma"/>
+                <a:ea typeface="Tahoma"/>
+                <a:cs typeface="Tahoma"/>
+                <a:sym typeface="Tahoma"/>
+              </a:rPr>
+              <a:t>Klucz prywatny</a:t>
+            </a:r>
+            <a:r>
+              <a:rPr lang="pl" sz="1400">
+                <a:solidFill>
+                  <a:srgbClr val="000000"/>
+                </a:solidFill>
+                <a:latin typeface="Tahoma"/>
+                <a:ea typeface="Tahoma"/>
+                <a:cs typeface="Tahoma"/>
+                <a:sym typeface="Tahoma"/>
+              </a:rPr>
+              <a:t> → do odszyfrowania wiadomości.</a:t>
+            </a:r>
+            <a:endParaRPr sz="1400">
+              <a:solidFill>
+                <a:srgbClr val="000000"/>
+              </a:solidFill>
+              <a:latin typeface="Tahoma"/>
+              <a:ea typeface="Tahoma"/>
+              <a:cs typeface="Tahoma"/>
+              <a:sym typeface="Tahoma"/>
+            </a:endParaRPr>
+          </a:p>
+          <a:p>
+            <a:pPr indent="0" lvl="0" marL="0" rtl="0" algn="l">
+              <a:lnSpc>
+                <a:spcPct val="100000"/>
+              </a:lnSpc>
+              <a:spcBef>
+                <a:spcPts val="0"/>
+              </a:spcBef>
+              <a:spcAft>
+                <a:spcPts val="0"/>
+              </a:spcAft>
+              <a:buNone/>
+            </a:pPr>
+            <a:r>
+              <a:rPr lang="pl" sz="1400">
+                <a:solidFill>
+                  <a:srgbClr val="000000"/>
+                </a:solidFill>
+                <a:latin typeface="Tahoma"/>
+                <a:ea typeface="Tahoma"/>
+                <a:cs typeface="Tahoma"/>
+                <a:sym typeface="Tahoma"/>
+              </a:rPr>
+              <a:t>Umożliwia bezpieczne przesyłanie danych nawet przez niezabezpieczone kanały.</a:t>
+            </a:r>
+            <a:br>
+              <a:rPr lang="pl" sz="1400">
+                <a:solidFill>
+                  <a:srgbClr val="000000"/>
+                </a:solidFill>
+                <a:latin typeface="Tahoma"/>
+                <a:ea typeface="Tahoma"/>
+                <a:cs typeface="Tahoma"/>
+                <a:sym typeface="Tahoma"/>
+              </a:rPr>
+            </a:br>
+            <a:endParaRPr sz="1400">
+              <a:solidFill>
+                <a:srgbClr val="000000"/>
+              </a:solidFill>
+              <a:latin typeface="Tahoma"/>
+              <a:ea typeface="Tahoma"/>
+              <a:cs typeface="Tahoma"/>
+              <a:sym typeface="Tahoma"/>
+            </a:endParaRPr>
+          </a:p>
+          <a:p>
+            <a:pPr indent="0" lvl="0" marL="0" rtl="0" algn="l">
+              <a:lnSpc>
+                <a:spcPct val="100000"/>
+              </a:lnSpc>
+              <a:spcBef>
+                <a:spcPts val="0"/>
+              </a:spcBef>
+              <a:spcAft>
+                <a:spcPts val="0"/>
+              </a:spcAft>
+              <a:buNone/>
+            </a:pPr>
+            <a:r>
+              <a:t/>
+            </a:r>
+            <a:endParaRPr sz="1400">
+              <a:solidFill>
+                <a:srgbClr val="000000"/>
+              </a:solidFill>
+              <a:latin typeface="Tahoma"/>
+              <a:ea typeface="Tahoma"/>
+              <a:cs typeface="Tahoma"/>
+              <a:sym typeface="Tahoma"/>
+            </a:endParaRPr>
+          </a:p>
+          <a:p>
+            <a:pPr indent="0" lvl="0" marL="0" rtl="0" algn="l">
+              <a:lnSpc>
+                <a:spcPct val="100000"/>
+              </a:lnSpc>
+              <a:spcBef>
+                <a:spcPts val="0"/>
+              </a:spcBef>
+              <a:spcAft>
+                <a:spcPts val="0"/>
+              </a:spcAft>
+              <a:buNone/>
+            </a:pPr>
+            <a:r>
+              <a:rPr b="1" lang="pl" sz="1400">
+                <a:solidFill>
+                  <a:srgbClr val="000000"/>
+                </a:solidFill>
+                <a:latin typeface="Tahoma"/>
+                <a:ea typeface="Tahoma"/>
+                <a:cs typeface="Tahoma"/>
+                <a:sym typeface="Tahoma"/>
+              </a:rPr>
+              <a:t>Jak działa w praktyce:</a:t>
+            </a:r>
+            <a:endParaRPr b="1" sz="1400">
+              <a:solidFill>
+                <a:srgbClr val="000000"/>
+              </a:solidFill>
+              <a:latin typeface="Tahoma"/>
+              <a:ea typeface="Tahoma"/>
+              <a:cs typeface="Tahoma"/>
+              <a:sym typeface="Tahoma"/>
+            </a:endParaRPr>
+          </a:p>
+          <a:p>
+            <a:pPr indent="-317500" lvl="0" marL="457200" rtl="0" algn="l">
+              <a:lnSpc>
+                <a:spcPct val="100000"/>
+              </a:lnSpc>
+              <a:spcBef>
+                <a:spcPts val="0"/>
+              </a:spcBef>
+              <a:spcAft>
+                <a:spcPts val="0"/>
+              </a:spcAft>
+              <a:buClr>
+                <a:srgbClr val="000000"/>
+              </a:buClr>
+              <a:buSzPts val="1400"/>
+              <a:buFont typeface="Tahoma"/>
+              <a:buAutoNum type="arabicPeriod"/>
+            </a:pPr>
+            <a:r>
+              <a:rPr lang="pl" sz="1400">
+                <a:solidFill>
+                  <a:srgbClr val="000000"/>
+                </a:solidFill>
+                <a:latin typeface="Tahoma"/>
+                <a:ea typeface="Tahoma"/>
+                <a:cs typeface="Tahoma"/>
+                <a:sym typeface="Tahoma"/>
+              </a:rPr>
+              <a:t>Nadawca szyfruje wiadomość kluczem publicznym odbiorcy.</a:t>
+            </a:r>
+            <a:br>
+              <a:rPr lang="pl" sz="1400">
+                <a:solidFill>
+                  <a:srgbClr val="000000"/>
+                </a:solidFill>
+                <a:latin typeface="Tahoma"/>
+                <a:ea typeface="Tahoma"/>
+                <a:cs typeface="Tahoma"/>
+                <a:sym typeface="Tahoma"/>
+              </a:rPr>
+            </a:br>
+            <a:endParaRPr sz="1400">
+              <a:solidFill>
+                <a:srgbClr val="000000"/>
+              </a:solidFill>
+              <a:latin typeface="Tahoma"/>
+              <a:ea typeface="Tahoma"/>
+              <a:cs typeface="Tahoma"/>
+              <a:sym typeface="Tahoma"/>
+            </a:endParaRPr>
+          </a:p>
+          <a:p>
+            <a:pPr indent="-317500" lvl="0" marL="457200" rtl="0" algn="l">
+              <a:lnSpc>
+                <a:spcPct val="100000"/>
+              </a:lnSpc>
+              <a:spcBef>
+                <a:spcPts val="0"/>
+              </a:spcBef>
+              <a:spcAft>
+                <a:spcPts val="0"/>
+              </a:spcAft>
+              <a:buClr>
+                <a:srgbClr val="000000"/>
+              </a:buClr>
+              <a:buSzPts val="1400"/>
+              <a:buFont typeface="Tahoma"/>
+              <a:buAutoNum type="arabicPeriod"/>
+            </a:pPr>
+            <a:r>
+              <a:rPr lang="pl" sz="1400">
+                <a:solidFill>
+                  <a:srgbClr val="000000"/>
+                </a:solidFill>
+                <a:latin typeface="Tahoma"/>
+                <a:ea typeface="Tahoma"/>
+                <a:cs typeface="Tahoma"/>
+                <a:sym typeface="Tahoma"/>
+              </a:rPr>
+              <a:t>Odbiorca używa swojego klucza prywatnego, aby odszyfrować wiadomość.</a:t>
+            </a:r>
+            <a:endParaRPr sz="1400">
+              <a:solidFill>
+                <a:srgbClr val="000000"/>
+              </a:solidFill>
+              <a:latin typeface="Tahoma"/>
+              <a:ea typeface="Tahoma"/>
+              <a:cs typeface="Tahoma"/>
+              <a:sym typeface="Tahoma"/>
+            </a:endParaRPr>
+          </a:p>
+          <a:p>
+            <a:pPr indent="0" lvl="0" marL="0" rtl="0" algn="l">
+              <a:lnSpc>
+                <a:spcPct val="100000"/>
+              </a:lnSpc>
+              <a:spcBef>
+                <a:spcPts val="0"/>
+              </a:spcBef>
+              <a:spcAft>
+                <a:spcPts val="0"/>
+              </a:spcAft>
+              <a:buNone/>
+            </a:pPr>
+            <a:r>
+              <a:t/>
+            </a:r>
+            <a:endParaRPr sz="1400">
+              <a:latin typeface="Tahoma"/>
+              <a:ea typeface="Tahoma"/>
+              <a:cs typeface="Tahoma"/>
+              <a:sym typeface="Tahoma"/>
+            </a:endParaRPr>
+          </a:p>
+        </p:txBody>
+      </p:sp>
+    </p:spTree>
+  </p:cSld>
+  <p:clrMapOvr>
+    <a:masterClrMapping/>
+  </p:clrMapOvr>
+</p:sld>
+</file>
+
+<file path=ppt/slides/slide71.xml><?xml version="1.0" encoding="utf-8"?>
+<p:sld xmlns:a="http://schemas.openxmlformats.org/drawingml/2006/main" xmlns:r="http://schemas.openxmlformats.org/officeDocument/2006/relationships" xmlns:mc="http://schemas.openxmlformats.org/markup-compatibility/2006" xmlns:mv="urn:schemas-microsoft-com:mac:vml" xmlns:p="http://schemas.openxmlformats.org/presentationml/2006/main" xmlns:c="http://schemas.openxmlformats.org/drawingml/2006/chart" xmlns:dgm="http://schemas.openxmlformats.org/drawingml/2006/diagram" xmlns:o="urn:schemas-microsoft-com:office:office" xmlns:v="urn:schemas-microsoft-com:vml" xmlns:pvml="urn:schemas-microsoft-com:office:powerpoint" xmlns:com="http://schemas.openxmlformats.org/drawingml/2006/compatibility" xmlns:p14="http://schemas.microsoft.com/office/powerpoint/2010/main" xmlns:p15="http://schemas.microsoft.com/office/powerpoint/2012/main" xmlns:ahyp="http://schemas.microsoft.com/office/drawing/2018/hyperlinkcolor">
+  <p:cSld>
+    <p:spTree>
+      <p:nvGrpSpPr>
+        <p:cNvPr id="509" name="Shape 509"/>
+        <p:cNvGrpSpPr/>
+        <p:nvPr/>
+      </p:nvGrpSpPr>
+      <p:grpSpPr>
+        <a:xfrm>
+          <a:off x="0" y="0"/>
+          <a:ext cx="0" cy="0"/>
+          <a:chOff x="0" y="0"/>
+          <a:chExt cx="0" cy="0"/>
+        </a:xfrm>
+      </p:grpSpPr>
+      <p:sp>
+        <p:nvSpPr>
+          <p:cNvPr id="510" name="Google Shape;510;p83"/>
+          <p:cNvSpPr txBox="1"/>
+          <p:nvPr>
+            <p:ph type="title"/>
+          </p:nvPr>
+        </p:nvSpPr>
+        <p:spPr>
+          <a:xfrm>
+            <a:off x="729450" y="1318650"/>
+            <a:ext cx="7688700" cy="535200"/>
+          </a:xfrm>
+          <a:prstGeom prst="rect">
+            <a:avLst/>
+          </a:prstGeom>
+        </p:spPr>
+        <p:txBody>
+          <a:bodyPr anchorCtr="0" anchor="t" bIns="91425" lIns="91425" spcFirstLastPara="1" rIns="91425" wrap="square" tIns="91425">
+            <a:noAutofit/>
+          </a:bodyPr>
+          <a:lstStyle/>
+          <a:p>
+            <a:pPr indent="0" lvl="0" marL="0" rtl="0" algn="l">
+              <a:lnSpc>
+                <a:spcPct val="115000"/>
+              </a:lnSpc>
+              <a:spcBef>
+                <a:spcPts val="1200"/>
+              </a:spcBef>
+              <a:spcAft>
+                <a:spcPts val="1200"/>
+              </a:spcAft>
+              <a:buNone/>
+            </a:pPr>
+            <a:r>
+              <a:rPr lang="pl" sz="2400">
+                <a:solidFill>
+                  <a:srgbClr val="000000"/>
+                </a:solidFill>
+                <a:latin typeface="Tahoma"/>
+                <a:ea typeface="Tahoma"/>
+                <a:cs typeface="Tahoma"/>
+                <a:sym typeface="Tahoma"/>
+              </a:rPr>
+              <a:t>Jak działa w praktyce:</a:t>
+            </a:r>
+            <a:endParaRPr sz="2400">
+              <a:latin typeface="Tahoma"/>
+              <a:ea typeface="Tahoma"/>
+              <a:cs typeface="Tahoma"/>
+              <a:sym typeface="Tahoma"/>
+            </a:endParaRPr>
+          </a:p>
+        </p:txBody>
+      </p:sp>
+      <p:sp>
+        <p:nvSpPr>
+          <p:cNvPr id="511" name="Google Shape;511;p83"/>
+          <p:cNvSpPr txBox="1"/>
+          <p:nvPr>
+            <p:ph idx="1" type="body"/>
+          </p:nvPr>
+        </p:nvSpPr>
+        <p:spPr>
+          <a:xfrm>
+            <a:off x="729450" y="2078875"/>
+            <a:ext cx="7688700" cy="2261100"/>
+          </a:xfrm>
+          <a:prstGeom prst="rect">
+            <a:avLst/>
+          </a:prstGeom>
+        </p:spPr>
+        <p:txBody>
+          <a:bodyPr anchorCtr="0" anchor="t" bIns="91425" lIns="91425" spcFirstLastPara="1" rIns="91425" wrap="square" tIns="91425">
+            <a:noAutofit/>
+          </a:bodyPr>
+          <a:lstStyle/>
+          <a:p>
+            <a:pPr indent="0" lvl="0" marL="0" rtl="0" algn="l">
+              <a:lnSpc>
+                <a:spcPct val="100000"/>
+              </a:lnSpc>
+              <a:spcBef>
+                <a:spcPts val="0"/>
+              </a:spcBef>
+              <a:spcAft>
+                <a:spcPts val="0"/>
+              </a:spcAft>
+              <a:buNone/>
+            </a:pPr>
+            <a:r>
+              <a:t/>
+            </a:r>
+            <a:endParaRPr b="1" sz="1400">
+              <a:solidFill>
+                <a:srgbClr val="000000"/>
+              </a:solidFill>
+              <a:latin typeface="Tahoma"/>
+              <a:ea typeface="Tahoma"/>
+              <a:cs typeface="Tahoma"/>
+              <a:sym typeface="Tahoma"/>
+            </a:endParaRPr>
+          </a:p>
+          <a:p>
+            <a:pPr indent="-317500" lvl="0" marL="457200" rtl="0" algn="l">
+              <a:lnSpc>
+                <a:spcPct val="100000"/>
+              </a:lnSpc>
+              <a:spcBef>
+                <a:spcPts val="0"/>
+              </a:spcBef>
+              <a:spcAft>
+                <a:spcPts val="0"/>
+              </a:spcAft>
+              <a:buClr>
+                <a:srgbClr val="000000"/>
+              </a:buClr>
+              <a:buSzPts val="1400"/>
+              <a:buFont typeface="Arial"/>
+              <a:buAutoNum type="arabicPeriod"/>
+            </a:pPr>
+            <a:r>
+              <a:rPr lang="pl" sz="1400">
+                <a:solidFill>
+                  <a:srgbClr val="000000"/>
+                </a:solidFill>
+                <a:latin typeface="Tahoma"/>
+                <a:ea typeface="Tahoma"/>
+                <a:cs typeface="Tahoma"/>
+                <a:sym typeface="Tahoma"/>
+              </a:rPr>
+              <a:t>Nadawca szyfruje wiadomość kluczem </a:t>
+            </a:r>
+            <a:r>
+              <a:rPr b="1" lang="pl" sz="1400">
+                <a:solidFill>
+                  <a:srgbClr val="000000"/>
+                </a:solidFill>
+                <a:latin typeface="Tahoma"/>
+                <a:ea typeface="Tahoma"/>
+                <a:cs typeface="Tahoma"/>
+                <a:sym typeface="Tahoma"/>
+              </a:rPr>
+              <a:t>publicznym odbiorcy</a:t>
+            </a:r>
+            <a:r>
+              <a:rPr lang="pl" sz="1400">
+                <a:solidFill>
+                  <a:srgbClr val="000000"/>
+                </a:solidFill>
+                <a:latin typeface="Tahoma"/>
+                <a:ea typeface="Tahoma"/>
+                <a:cs typeface="Tahoma"/>
+                <a:sym typeface="Tahoma"/>
+              </a:rPr>
+              <a:t>.</a:t>
+            </a:r>
+            <a:endParaRPr sz="1400">
+              <a:solidFill>
+                <a:srgbClr val="000000"/>
+              </a:solidFill>
+              <a:latin typeface="Tahoma"/>
+              <a:ea typeface="Tahoma"/>
+              <a:cs typeface="Tahoma"/>
+              <a:sym typeface="Tahoma"/>
+            </a:endParaRPr>
+          </a:p>
+          <a:p>
+            <a:pPr indent="-317500" lvl="0" marL="457200" rtl="0" algn="l">
+              <a:lnSpc>
+                <a:spcPct val="100000"/>
+              </a:lnSpc>
+              <a:spcBef>
+                <a:spcPts val="0"/>
+              </a:spcBef>
+              <a:spcAft>
+                <a:spcPts val="0"/>
+              </a:spcAft>
+              <a:buClr>
+                <a:srgbClr val="000000"/>
+              </a:buClr>
+              <a:buSzPts val="1400"/>
+              <a:buFont typeface="Tahoma"/>
+              <a:buAutoNum type="arabicPeriod"/>
+            </a:pPr>
+            <a:r>
+              <a:rPr lang="pl" sz="1400">
+                <a:solidFill>
+                  <a:srgbClr val="000000"/>
+                </a:solidFill>
+                <a:latin typeface="Tahoma"/>
+                <a:ea typeface="Tahoma"/>
+                <a:cs typeface="Tahoma"/>
+                <a:sym typeface="Tahoma"/>
+              </a:rPr>
+              <a:t>Wiadomość trafia w formie zaszyfrowanej.</a:t>
+            </a:r>
+            <a:endParaRPr sz="1400">
+              <a:solidFill>
+                <a:srgbClr val="000000"/>
+              </a:solidFill>
+              <a:latin typeface="Tahoma"/>
+              <a:ea typeface="Tahoma"/>
+              <a:cs typeface="Tahoma"/>
+              <a:sym typeface="Tahoma"/>
+            </a:endParaRPr>
+          </a:p>
+          <a:p>
+            <a:pPr indent="-317500" lvl="0" marL="457200" rtl="0" algn="l">
+              <a:lnSpc>
+                <a:spcPct val="100000"/>
+              </a:lnSpc>
+              <a:spcBef>
+                <a:spcPts val="0"/>
+              </a:spcBef>
+              <a:spcAft>
+                <a:spcPts val="0"/>
+              </a:spcAft>
+              <a:buClr>
+                <a:srgbClr val="000000"/>
+              </a:buClr>
+              <a:buSzPts val="1400"/>
+              <a:buFont typeface="Arial"/>
+              <a:buAutoNum type="arabicPeriod"/>
+            </a:pPr>
+            <a:r>
+              <a:rPr lang="pl" sz="1400">
+                <a:solidFill>
+                  <a:srgbClr val="000000"/>
+                </a:solidFill>
+                <a:latin typeface="Tahoma"/>
+                <a:ea typeface="Tahoma"/>
+                <a:cs typeface="Tahoma"/>
+                <a:sym typeface="Tahoma"/>
+              </a:rPr>
+              <a:t>Odbiorca używa swojego </a:t>
+            </a:r>
+            <a:r>
+              <a:rPr b="1" lang="pl" sz="1400">
+                <a:solidFill>
+                  <a:srgbClr val="000000"/>
+                </a:solidFill>
+                <a:latin typeface="Tahoma"/>
+                <a:ea typeface="Tahoma"/>
+                <a:cs typeface="Tahoma"/>
+                <a:sym typeface="Tahoma"/>
+              </a:rPr>
+              <a:t>klucza prywatnego</a:t>
+            </a:r>
+            <a:r>
+              <a:rPr lang="pl" sz="1400">
+                <a:solidFill>
+                  <a:srgbClr val="000000"/>
+                </a:solidFill>
+                <a:latin typeface="Tahoma"/>
+                <a:ea typeface="Tahoma"/>
+                <a:cs typeface="Tahoma"/>
+                <a:sym typeface="Tahoma"/>
+              </a:rPr>
+              <a:t>, aby odszyfrować wiadomość.</a:t>
+            </a:r>
+            <a:br>
+              <a:rPr lang="pl" sz="1400">
+                <a:solidFill>
+                  <a:srgbClr val="000000"/>
+                </a:solidFill>
+                <a:latin typeface="Tahoma"/>
+                <a:ea typeface="Tahoma"/>
+                <a:cs typeface="Tahoma"/>
+                <a:sym typeface="Tahoma"/>
+              </a:rPr>
+            </a:br>
+            <a:endParaRPr sz="1400">
+              <a:solidFill>
+                <a:srgbClr val="000000"/>
+              </a:solidFill>
+              <a:latin typeface="Tahoma"/>
+              <a:ea typeface="Tahoma"/>
+              <a:cs typeface="Tahoma"/>
+              <a:sym typeface="Tahoma"/>
+            </a:endParaRPr>
+          </a:p>
+          <a:p>
+            <a:pPr indent="0" lvl="0" marL="0" rtl="0" algn="l">
+              <a:lnSpc>
+                <a:spcPct val="100000"/>
+              </a:lnSpc>
+              <a:spcBef>
+                <a:spcPts val="0"/>
+              </a:spcBef>
+              <a:spcAft>
+                <a:spcPts val="0"/>
+              </a:spcAft>
+              <a:buNone/>
+            </a:pPr>
+            <a:r>
+              <a:rPr b="1" lang="pl" sz="1400">
+                <a:solidFill>
+                  <a:srgbClr val="000000"/>
+                </a:solidFill>
+                <a:latin typeface="Tahoma"/>
+                <a:ea typeface="Tahoma"/>
+                <a:cs typeface="Tahoma"/>
+                <a:sym typeface="Tahoma"/>
+              </a:rPr>
+              <a:t>Zalety:</a:t>
+            </a:r>
+            <a:endParaRPr b="1" sz="1400">
+              <a:solidFill>
+                <a:srgbClr val="000000"/>
+              </a:solidFill>
+              <a:latin typeface="Tahoma"/>
+              <a:ea typeface="Tahoma"/>
+              <a:cs typeface="Tahoma"/>
+              <a:sym typeface="Tahoma"/>
+            </a:endParaRPr>
+          </a:p>
+          <a:p>
+            <a:pPr indent="-317500" lvl="0" marL="457200" rtl="0" algn="l">
+              <a:lnSpc>
+                <a:spcPct val="100000"/>
+              </a:lnSpc>
+              <a:spcBef>
+                <a:spcPts val="0"/>
+              </a:spcBef>
+              <a:spcAft>
+                <a:spcPts val="0"/>
+              </a:spcAft>
+              <a:buClr>
+                <a:srgbClr val="000000"/>
+              </a:buClr>
+              <a:buSzPts val="1400"/>
+              <a:buFont typeface="Tahoma"/>
+              <a:buChar char="●"/>
+            </a:pPr>
+            <a:r>
+              <a:rPr lang="pl" sz="1400">
+                <a:solidFill>
+                  <a:srgbClr val="000000"/>
+                </a:solidFill>
+                <a:latin typeface="Tahoma"/>
+                <a:ea typeface="Tahoma"/>
+                <a:cs typeface="Tahoma"/>
+                <a:sym typeface="Tahoma"/>
+              </a:rPr>
+              <a:t>Bezpieczne przesyłanie wiadomości, nawet jeśli klucz publiczny jest znany wszystkim.</a:t>
+            </a:r>
+            <a:br>
+              <a:rPr lang="pl" sz="1400">
+                <a:solidFill>
+                  <a:srgbClr val="000000"/>
+                </a:solidFill>
+                <a:latin typeface="Tahoma"/>
+                <a:ea typeface="Tahoma"/>
+                <a:cs typeface="Tahoma"/>
+                <a:sym typeface="Tahoma"/>
+              </a:rPr>
+            </a:br>
+            <a:endParaRPr sz="1400">
+              <a:solidFill>
+                <a:srgbClr val="000000"/>
+              </a:solidFill>
+              <a:latin typeface="Tahoma"/>
+              <a:ea typeface="Tahoma"/>
+              <a:cs typeface="Tahoma"/>
+              <a:sym typeface="Tahoma"/>
+            </a:endParaRPr>
+          </a:p>
+          <a:p>
+            <a:pPr indent="-317500" lvl="0" marL="457200" rtl="0" algn="l">
+              <a:lnSpc>
+                <a:spcPct val="100000"/>
+              </a:lnSpc>
+              <a:spcBef>
+                <a:spcPts val="0"/>
+              </a:spcBef>
+              <a:spcAft>
+                <a:spcPts val="0"/>
+              </a:spcAft>
+              <a:buClr>
+                <a:srgbClr val="000000"/>
+              </a:buClr>
+              <a:buSzPts val="1400"/>
+              <a:buFont typeface="Tahoma"/>
+              <a:buChar char="●"/>
+            </a:pPr>
+            <a:r>
+              <a:rPr lang="pl" sz="1400">
+                <a:solidFill>
+                  <a:srgbClr val="000000"/>
+                </a:solidFill>
+                <a:latin typeface="Tahoma"/>
+                <a:ea typeface="Tahoma"/>
+                <a:cs typeface="Tahoma"/>
+                <a:sym typeface="Tahoma"/>
+              </a:rPr>
+              <a:t>Idealne dla komunikacji w Internecie (np. E2EE).</a:t>
+            </a:r>
+            <a:br>
+              <a:rPr lang="pl" sz="1400">
+                <a:solidFill>
+                  <a:srgbClr val="000000"/>
+                </a:solidFill>
+                <a:latin typeface="Tahoma"/>
+                <a:ea typeface="Tahoma"/>
+                <a:cs typeface="Tahoma"/>
+                <a:sym typeface="Tahoma"/>
+              </a:rPr>
+            </a:br>
+            <a:endParaRPr sz="1400">
+              <a:solidFill>
+                <a:srgbClr val="000000"/>
+              </a:solidFill>
+              <a:latin typeface="Tahoma"/>
+              <a:ea typeface="Tahoma"/>
+              <a:cs typeface="Tahoma"/>
+              <a:sym typeface="Tahoma"/>
+            </a:endParaRPr>
+          </a:p>
+          <a:p>
+            <a:pPr indent="0" lvl="0" marL="0" rtl="0" algn="l">
+              <a:lnSpc>
+                <a:spcPct val="100000"/>
+              </a:lnSpc>
+              <a:spcBef>
+                <a:spcPts val="0"/>
+              </a:spcBef>
+              <a:spcAft>
+                <a:spcPts val="0"/>
+              </a:spcAft>
+              <a:buNone/>
+            </a:pPr>
+            <a:r>
+              <a:rPr b="1" lang="pl" sz="1400">
+                <a:solidFill>
+                  <a:srgbClr val="000000"/>
+                </a:solidFill>
+                <a:latin typeface="Tahoma"/>
+                <a:ea typeface="Tahoma"/>
+                <a:cs typeface="Tahoma"/>
+                <a:sym typeface="Tahoma"/>
+              </a:rPr>
+              <a:t>Wady:</a:t>
+            </a:r>
+            <a:endParaRPr b="1" sz="1400">
+              <a:solidFill>
+                <a:srgbClr val="000000"/>
+              </a:solidFill>
+              <a:latin typeface="Tahoma"/>
+              <a:ea typeface="Tahoma"/>
+              <a:cs typeface="Tahoma"/>
+              <a:sym typeface="Tahoma"/>
+            </a:endParaRPr>
+          </a:p>
+          <a:p>
+            <a:pPr indent="-317500" lvl="0" marL="457200" rtl="0" algn="l">
+              <a:lnSpc>
+                <a:spcPct val="100000"/>
+              </a:lnSpc>
+              <a:spcBef>
+                <a:spcPts val="0"/>
+              </a:spcBef>
+              <a:spcAft>
+                <a:spcPts val="0"/>
+              </a:spcAft>
+              <a:buClr>
+                <a:srgbClr val="000000"/>
+              </a:buClr>
+              <a:buSzPts val="1400"/>
+              <a:buFont typeface="Tahoma"/>
+              <a:buChar char="●"/>
+            </a:pPr>
+            <a:r>
+              <a:rPr lang="pl" sz="1400">
+                <a:solidFill>
+                  <a:srgbClr val="000000"/>
+                </a:solidFill>
+                <a:latin typeface="Tahoma"/>
+                <a:ea typeface="Tahoma"/>
+                <a:cs typeface="Tahoma"/>
+                <a:sym typeface="Tahoma"/>
+              </a:rPr>
+              <a:t>Wolniejsze niż szyfrowanie symetryczne, szczególnie dla dużych plików.</a:t>
+            </a:r>
+            <a:endParaRPr sz="1400">
+              <a:solidFill>
+                <a:srgbClr val="000000"/>
+              </a:solidFill>
+              <a:latin typeface="Tahoma"/>
+              <a:ea typeface="Tahoma"/>
+              <a:cs typeface="Tahoma"/>
+              <a:sym typeface="Tahoma"/>
+            </a:endParaRPr>
+          </a:p>
+          <a:p>
+            <a:pPr indent="0" lvl="0" marL="0" rtl="0" algn="l">
+              <a:lnSpc>
+                <a:spcPct val="100000"/>
+              </a:lnSpc>
+              <a:spcBef>
+                <a:spcPts val="0"/>
+              </a:spcBef>
+              <a:spcAft>
+                <a:spcPts val="0"/>
+              </a:spcAft>
+              <a:buNone/>
+            </a:pPr>
+            <a:r>
+              <a:t/>
+            </a:r>
+            <a:endParaRPr sz="1400">
+              <a:latin typeface="Tahoma"/>
+              <a:ea typeface="Tahoma"/>
+              <a:cs typeface="Tahoma"/>
+              <a:sym typeface="Tahoma"/>
             </a:endParaRPr>
           </a:p>
         </p:txBody>

--- a/ZASTOSOWANIE_INFORMATYKI/1A-gr_2/Zastosowanie informatyki - 1A gr. 2-plik2.pptx
+++ b/ZASTOSOWANIE_INFORMATYKI/1A-gr_2/Zastosowanie informatyki - 1A gr. 2-plik2.pptx
@@ -79,35 +79,43 @@
     <p:sldId id="324" r:id="rId75"/>
     <p:sldId id="325" r:id="rId76"/>
     <p:sldId id="326" r:id="rId77"/>
+    <p:sldId id="327" r:id="rId78"/>
+    <p:sldId id="328" r:id="rId79"/>
+    <p:sldId id="329" r:id="rId80"/>
+    <p:sldId id="330" r:id="rId81"/>
+    <p:sldId id="331" r:id="rId82"/>
+    <p:sldId id="332" r:id="rId83"/>
+    <p:sldId id="333" r:id="rId84"/>
+    <p:sldId id="334" r:id="rId85"/>
   </p:sldIdLst>
   <p:sldSz cy="5143500" cx="9144000"/>
   <p:notesSz cx="6858000" cy="9144000"/>
   <p:embeddedFontLst>
     <p:embeddedFont>
       <p:font typeface="Raleway"/>
-      <p:regular r:id="rId78"/>
-      <p:bold r:id="rId79"/>
-      <p:italic r:id="rId80"/>
-      <p:boldItalic r:id="rId81"/>
+      <p:regular r:id="rId86"/>
+      <p:bold r:id="rId87"/>
+      <p:italic r:id="rId88"/>
+      <p:boldItalic r:id="rId89"/>
     </p:embeddedFont>
     <p:embeddedFont>
       <p:font typeface="Lato"/>
-      <p:regular r:id="rId82"/>
-      <p:bold r:id="rId83"/>
-      <p:italic r:id="rId84"/>
-      <p:boldItalic r:id="rId85"/>
+      <p:regular r:id="rId90"/>
+      <p:bold r:id="rId91"/>
+      <p:italic r:id="rId92"/>
+      <p:boldItalic r:id="rId93"/>
     </p:embeddedFont>
     <p:embeddedFont>
       <p:font typeface="Tahoma"/>
-      <p:regular r:id="rId86"/>
-      <p:bold r:id="rId87"/>
+      <p:regular r:id="rId94"/>
+      <p:bold r:id="rId95"/>
     </p:embeddedFont>
     <p:embeddedFont>
       <p:font typeface="Roboto Mono"/>
-      <p:regular r:id="rId88"/>
-      <p:bold r:id="rId89"/>
-      <p:italic r:id="rId90"/>
-      <p:boldItalic r:id="rId91"/>
+      <p:regular r:id="rId96"/>
+      <p:bold r:id="rId97"/>
+      <p:italic r:id="rId98"/>
+      <p:boldItalic r:id="rId99"/>
     </p:embeddedFont>
   </p:embeddedFontLst>
   <p:defaultTextStyle>
@@ -7571,6 +7579,798 @@
       <p:sp>
         <p:nvSpPr>
           <p:cNvPr id="508" name="Google Shape;508;g3915c974913_0_34:notes"/>
+          <p:cNvSpPr txBox="1"/>
+          <p:nvPr>
+            <p:ph idx="1" type="body"/>
+          </p:nvPr>
+        </p:nvSpPr>
+        <p:spPr>
+          <a:xfrm>
+            <a:off x="685800" y="4343400"/>
+            <a:ext cx="5486400" cy="4114800"/>
+          </a:xfrm>
+          <a:prstGeom prst="rect">
+            <a:avLst/>
+          </a:prstGeom>
+        </p:spPr>
+        <p:txBody>
+          <a:bodyPr anchorCtr="0" anchor="t" bIns="91425" lIns="91425" spcFirstLastPara="1" rIns="91425" wrap="square" tIns="91425">
+            <a:noAutofit/>
+          </a:bodyPr>
+          <a:lstStyle/>
+          <a:p>
+            <a:pPr indent="0" lvl="0" marL="0" rtl="0" algn="l">
+              <a:spcBef>
+                <a:spcPts val="0"/>
+              </a:spcBef>
+              <a:spcAft>
+                <a:spcPts val="0"/>
+              </a:spcAft>
+              <a:buNone/>
+            </a:pPr>
+            <a:r>
+              <a:t/>
+            </a:r>
+            <a:endParaRPr/>
+          </a:p>
+        </p:txBody>
+      </p:sp>
+    </p:spTree>
+  </p:cSld>
+  <p:clrMapOvr>
+    <a:masterClrMapping/>
+  </p:clrMapOvr>
+</p:notes>
+</file>
+
+<file path=ppt/notesSlides/notesSlide72.xml><?xml version="1.0" encoding="utf-8"?>
+<p:notes xmlns:a="http://schemas.openxmlformats.org/drawingml/2006/main" xmlns:r="http://schemas.openxmlformats.org/officeDocument/2006/relationships" xmlns:mc="http://schemas.openxmlformats.org/markup-compatibility/2006" xmlns:mv="urn:schemas-microsoft-com:mac:vml" xmlns:p="http://schemas.openxmlformats.org/presentationml/2006/main" xmlns:c="http://schemas.openxmlformats.org/drawingml/2006/chart" xmlns:dgm="http://schemas.openxmlformats.org/drawingml/2006/diagram" xmlns:o="urn:schemas-microsoft-com:office:office" xmlns:v="urn:schemas-microsoft-com:vml" xmlns:pvml="urn:schemas-microsoft-com:office:powerpoint" xmlns:com="http://schemas.openxmlformats.org/drawingml/2006/compatibility" xmlns:p14="http://schemas.microsoft.com/office/powerpoint/2010/main" xmlns:p15="http://schemas.microsoft.com/office/powerpoint/2012/main" xmlns:ahyp="http://schemas.microsoft.com/office/drawing/2018/hyperlinkcolor" showMasterPhAnim="0" showMasterSp="0">
+  <p:cSld>
+    <p:spTree>
+      <p:nvGrpSpPr>
+        <p:cNvPr id="512" name="Shape 512"/>
+        <p:cNvGrpSpPr/>
+        <p:nvPr/>
+      </p:nvGrpSpPr>
+      <p:grpSpPr>
+        <a:xfrm>
+          <a:off x="0" y="0"/>
+          <a:ext cx="0" cy="0"/>
+          <a:chOff x="0" y="0"/>
+          <a:chExt cx="0" cy="0"/>
+        </a:xfrm>
+      </p:grpSpPr>
+      <p:sp>
+        <p:nvSpPr>
+          <p:cNvPr id="513" name="Google Shape;513;g3afe926a0ac_0_0:notes"/>
+          <p:cNvSpPr/>
+          <p:nvPr>
+            <p:ph idx="2" type="sldImg"/>
+          </p:nvPr>
+        </p:nvSpPr>
+        <p:spPr>
+          <a:xfrm>
+            <a:off x="381300" y="685800"/>
+            <a:ext cx="6096000" cy="3429000"/>
+          </a:xfrm>
+          <a:custGeom>
+            <a:rect b="b" l="l" r="r" t="t"/>
+            <a:pathLst>
+              <a:path extrusionOk="0" h="120000" w="120000">
+                <a:moveTo>
+                  <a:pt x="0" y="0"/>
+                </a:moveTo>
+                <a:lnTo>
+                  <a:pt x="120000" y="0"/>
+                </a:lnTo>
+                <a:lnTo>
+                  <a:pt x="120000" y="120000"/>
+                </a:lnTo>
+                <a:lnTo>
+                  <a:pt x="0" y="120000"/>
+                </a:lnTo>
+                <a:close/>
+              </a:path>
+            </a:pathLst>
+          </a:custGeom>
+        </p:spPr>
+      </p:sp>
+      <p:sp>
+        <p:nvSpPr>
+          <p:cNvPr id="514" name="Google Shape;514;g3afe926a0ac_0_0:notes"/>
+          <p:cNvSpPr txBox="1"/>
+          <p:nvPr>
+            <p:ph idx="1" type="body"/>
+          </p:nvPr>
+        </p:nvSpPr>
+        <p:spPr>
+          <a:xfrm>
+            <a:off x="685800" y="4343400"/>
+            <a:ext cx="5486400" cy="4114800"/>
+          </a:xfrm>
+          <a:prstGeom prst="rect">
+            <a:avLst/>
+          </a:prstGeom>
+        </p:spPr>
+        <p:txBody>
+          <a:bodyPr anchorCtr="0" anchor="t" bIns="91425" lIns="91425" spcFirstLastPara="1" rIns="91425" wrap="square" tIns="91425">
+            <a:noAutofit/>
+          </a:bodyPr>
+          <a:lstStyle/>
+          <a:p>
+            <a:pPr indent="0" lvl="0" marL="0" rtl="0" algn="l">
+              <a:spcBef>
+                <a:spcPts val="0"/>
+              </a:spcBef>
+              <a:spcAft>
+                <a:spcPts val="0"/>
+              </a:spcAft>
+              <a:buNone/>
+            </a:pPr>
+            <a:r>
+              <a:t/>
+            </a:r>
+            <a:endParaRPr/>
+          </a:p>
+        </p:txBody>
+      </p:sp>
+    </p:spTree>
+  </p:cSld>
+  <p:clrMapOvr>
+    <a:masterClrMapping/>
+  </p:clrMapOvr>
+</p:notes>
+</file>
+
+<file path=ppt/notesSlides/notesSlide73.xml><?xml version="1.0" encoding="utf-8"?>
+<p:notes xmlns:a="http://schemas.openxmlformats.org/drawingml/2006/main" xmlns:r="http://schemas.openxmlformats.org/officeDocument/2006/relationships" xmlns:mc="http://schemas.openxmlformats.org/markup-compatibility/2006" xmlns:mv="urn:schemas-microsoft-com:mac:vml" xmlns:p="http://schemas.openxmlformats.org/presentationml/2006/main" xmlns:c="http://schemas.openxmlformats.org/drawingml/2006/chart" xmlns:dgm="http://schemas.openxmlformats.org/drawingml/2006/diagram" xmlns:o="urn:schemas-microsoft-com:office:office" xmlns:v="urn:schemas-microsoft-com:vml" xmlns:pvml="urn:schemas-microsoft-com:office:powerpoint" xmlns:com="http://schemas.openxmlformats.org/drawingml/2006/compatibility" xmlns:p14="http://schemas.microsoft.com/office/powerpoint/2010/main" xmlns:p15="http://schemas.microsoft.com/office/powerpoint/2012/main" xmlns:ahyp="http://schemas.microsoft.com/office/drawing/2018/hyperlinkcolor" showMasterPhAnim="0" showMasterSp="0">
+  <p:cSld>
+    <p:spTree>
+      <p:nvGrpSpPr>
+        <p:cNvPr id="518" name="Shape 518"/>
+        <p:cNvGrpSpPr/>
+        <p:nvPr/>
+      </p:nvGrpSpPr>
+      <p:grpSpPr>
+        <a:xfrm>
+          <a:off x="0" y="0"/>
+          <a:ext cx="0" cy="0"/>
+          <a:chOff x="0" y="0"/>
+          <a:chExt cx="0" cy="0"/>
+        </a:xfrm>
+      </p:grpSpPr>
+      <p:sp>
+        <p:nvSpPr>
+          <p:cNvPr id="519" name="Google Shape;519;g3afe926a0ac_0_7:notes"/>
+          <p:cNvSpPr/>
+          <p:nvPr>
+            <p:ph idx="2" type="sldImg"/>
+          </p:nvPr>
+        </p:nvSpPr>
+        <p:spPr>
+          <a:xfrm>
+            <a:off x="381300" y="685800"/>
+            <a:ext cx="6096000" cy="3429000"/>
+          </a:xfrm>
+          <a:custGeom>
+            <a:rect b="b" l="l" r="r" t="t"/>
+            <a:pathLst>
+              <a:path extrusionOk="0" h="120000" w="120000">
+                <a:moveTo>
+                  <a:pt x="0" y="0"/>
+                </a:moveTo>
+                <a:lnTo>
+                  <a:pt x="120000" y="0"/>
+                </a:lnTo>
+                <a:lnTo>
+                  <a:pt x="120000" y="120000"/>
+                </a:lnTo>
+                <a:lnTo>
+                  <a:pt x="0" y="120000"/>
+                </a:lnTo>
+                <a:close/>
+              </a:path>
+            </a:pathLst>
+          </a:custGeom>
+        </p:spPr>
+      </p:sp>
+      <p:sp>
+        <p:nvSpPr>
+          <p:cNvPr id="520" name="Google Shape;520;g3afe926a0ac_0_7:notes"/>
+          <p:cNvSpPr txBox="1"/>
+          <p:nvPr>
+            <p:ph idx="1" type="body"/>
+          </p:nvPr>
+        </p:nvSpPr>
+        <p:spPr>
+          <a:xfrm>
+            <a:off x="685800" y="4343400"/>
+            <a:ext cx="5486400" cy="4114800"/>
+          </a:xfrm>
+          <a:prstGeom prst="rect">
+            <a:avLst/>
+          </a:prstGeom>
+        </p:spPr>
+        <p:txBody>
+          <a:bodyPr anchorCtr="0" anchor="t" bIns="91425" lIns="91425" spcFirstLastPara="1" rIns="91425" wrap="square" tIns="91425">
+            <a:noAutofit/>
+          </a:bodyPr>
+          <a:lstStyle/>
+          <a:p>
+            <a:pPr indent="0" lvl="0" marL="0" rtl="0" algn="l">
+              <a:spcBef>
+                <a:spcPts val="0"/>
+              </a:spcBef>
+              <a:spcAft>
+                <a:spcPts val="0"/>
+              </a:spcAft>
+              <a:buNone/>
+            </a:pPr>
+            <a:r>
+              <a:t/>
+            </a:r>
+            <a:endParaRPr/>
+          </a:p>
+        </p:txBody>
+      </p:sp>
+    </p:spTree>
+  </p:cSld>
+  <p:clrMapOvr>
+    <a:masterClrMapping/>
+  </p:clrMapOvr>
+</p:notes>
+</file>
+
+<file path=ppt/notesSlides/notesSlide74.xml><?xml version="1.0" encoding="utf-8"?>
+<p:notes xmlns:a="http://schemas.openxmlformats.org/drawingml/2006/main" xmlns:r="http://schemas.openxmlformats.org/officeDocument/2006/relationships" xmlns:mc="http://schemas.openxmlformats.org/markup-compatibility/2006" xmlns:mv="urn:schemas-microsoft-com:mac:vml" xmlns:p="http://schemas.openxmlformats.org/presentationml/2006/main" xmlns:c="http://schemas.openxmlformats.org/drawingml/2006/chart" xmlns:dgm="http://schemas.openxmlformats.org/drawingml/2006/diagram" xmlns:o="urn:schemas-microsoft-com:office:office" xmlns:v="urn:schemas-microsoft-com:vml" xmlns:pvml="urn:schemas-microsoft-com:office:powerpoint" xmlns:com="http://schemas.openxmlformats.org/drawingml/2006/compatibility" xmlns:p14="http://schemas.microsoft.com/office/powerpoint/2010/main" xmlns:p15="http://schemas.microsoft.com/office/powerpoint/2012/main" xmlns:ahyp="http://schemas.microsoft.com/office/drawing/2018/hyperlinkcolor" showMasterPhAnim="0" showMasterSp="0">
+  <p:cSld>
+    <p:spTree>
+      <p:nvGrpSpPr>
+        <p:cNvPr id="524" name="Shape 524"/>
+        <p:cNvGrpSpPr/>
+        <p:nvPr/>
+      </p:nvGrpSpPr>
+      <p:grpSpPr>
+        <a:xfrm>
+          <a:off x="0" y="0"/>
+          <a:ext cx="0" cy="0"/>
+          <a:chOff x="0" y="0"/>
+          <a:chExt cx="0" cy="0"/>
+        </a:xfrm>
+      </p:grpSpPr>
+      <p:sp>
+        <p:nvSpPr>
+          <p:cNvPr id="525" name="Google Shape;525;g3afe926a0ac_0_13:notes"/>
+          <p:cNvSpPr/>
+          <p:nvPr>
+            <p:ph idx="2" type="sldImg"/>
+          </p:nvPr>
+        </p:nvSpPr>
+        <p:spPr>
+          <a:xfrm>
+            <a:off x="381300" y="685800"/>
+            <a:ext cx="6096000" cy="3429000"/>
+          </a:xfrm>
+          <a:custGeom>
+            <a:rect b="b" l="l" r="r" t="t"/>
+            <a:pathLst>
+              <a:path extrusionOk="0" h="120000" w="120000">
+                <a:moveTo>
+                  <a:pt x="0" y="0"/>
+                </a:moveTo>
+                <a:lnTo>
+                  <a:pt x="120000" y="0"/>
+                </a:lnTo>
+                <a:lnTo>
+                  <a:pt x="120000" y="120000"/>
+                </a:lnTo>
+                <a:lnTo>
+                  <a:pt x="0" y="120000"/>
+                </a:lnTo>
+                <a:close/>
+              </a:path>
+            </a:pathLst>
+          </a:custGeom>
+        </p:spPr>
+      </p:sp>
+      <p:sp>
+        <p:nvSpPr>
+          <p:cNvPr id="526" name="Google Shape;526;g3afe926a0ac_0_13:notes"/>
+          <p:cNvSpPr txBox="1"/>
+          <p:nvPr>
+            <p:ph idx="1" type="body"/>
+          </p:nvPr>
+        </p:nvSpPr>
+        <p:spPr>
+          <a:xfrm>
+            <a:off x="685800" y="4343400"/>
+            <a:ext cx="5486400" cy="4114800"/>
+          </a:xfrm>
+          <a:prstGeom prst="rect">
+            <a:avLst/>
+          </a:prstGeom>
+        </p:spPr>
+        <p:txBody>
+          <a:bodyPr anchorCtr="0" anchor="t" bIns="91425" lIns="91425" spcFirstLastPara="1" rIns="91425" wrap="square" tIns="91425">
+            <a:noAutofit/>
+          </a:bodyPr>
+          <a:lstStyle/>
+          <a:p>
+            <a:pPr indent="0" lvl="0" marL="0" rtl="0" algn="l">
+              <a:spcBef>
+                <a:spcPts val="0"/>
+              </a:spcBef>
+              <a:spcAft>
+                <a:spcPts val="0"/>
+              </a:spcAft>
+              <a:buNone/>
+            </a:pPr>
+            <a:r>
+              <a:t/>
+            </a:r>
+            <a:endParaRPr/>
+          </a:p>
+        </p:txBody>
+      </p:sp>
+    </p:spTree>
+  </p:cSld>
+  <p:clrMapOvr>
+    <a:masterClrMapping/>
+  </p:clrMapOvr>
+</p:notes>
+</file>
+
+<file path=ppt/notesSlides/notesSlide75.xml><?xml version="1.0" encoding="utf-8"?>
+<p:notes xmlns:a="http://schemas.openxmlformats.org/drawingml/2006/main" xmlns:r="http://schemas.openxmlformats.org/officeDocument/2006/relationships" xmlns:mc="http://schemas.openxmlformats.org/markup-compatibility/2006" xmlns:mv="urn:schemas-microsoft-com:mac:vml" xmlns:p="http://schemas.openxmlformats.org/presentationml/2006/main" xmlns:c="http://schemas.openxmlformats.org/drawingml/2006/chart" xmlns:dgm="http://schemas.openxmlformats.org/drawingml/2006/diagram" xmlns:o="urn:schemas-microsoft-com:office:office" xmlns:v="urn:schemas-microsoft-com:vml" xmlns:pvml="urn:schemas-microsoft-com:office:powerpoint" xmlns:com="http://schemas.openxmlformats.org/drawingml/2006/compatibility" xmlns:p14="http://schemas.microsoft.com/office/powerpoint/2010/main" xmlns:p15="http://schemas.microsoft.com/office/powerpoint/2012/main" xmlns:ahyp="http://schemas.microsoft.com/office/drawing/2018/hyperlinkcolor" showMasterPhAnim="0" showMasterSp="0">
+  <p:cSld>
+    <p:spTree>
+      <p:nvGrpSpPr>
+        <p:cNvPr id="530" name="Shape 530"/>
+        <p:cNvGrpSpPr/>
+        <p:nvPr/>
+      </p:nvGrpSpPr>
+      <p:grpSpPr>
+        <a:xfrm>
+          <a:off x="0" y="0"/>
+          <a:ext cx="0" cy="0"/>
+          <a:chOff x="0" y="0"/>
+          <a:chExt cx="0" cy="0"/>
+        </a:xfrm>
+      </p:grpSpPr>
+      <p:sp>
+        <p:nvSpPr>
+          <p:cNvPr id="531" name="Google Shape;531;g3afe926a0ac_0_20:notes"/>
+          <p:cNvSpPr/>
+          <p:nvPr>
+            <p:ph idx="2" type="sldImg"/>
+          </p:nvPr>
+        </p:nvSpPr>
+        <p:spPr>
+          <a:xfrm>
+            <a:off x="381300" y="685800"/>
+            <a:ext cx="6096000" cy="3429000"/>
+          </a:xfrm>
+          <a:custGeom>
+            <a:rect b="b" l="l" r="r" t="t"/>
+            <a:pathLst>
+              <a:path extrusionOk="0" h="120000" w="120000">
+                <a:moveTo>
+                  <a:pt x="0" y="0"/>
+                </a:moveTo>
+                <a:lnTo>
+                  <a:pt x="120000" y="0"/>
+                </a:lnTo>
+                <a:lnTo>
+                  <a:pt x="120000" y="120000"/>
+                </a:lnTo>
+                <a:lnTo>
+                  <a:pt x="0" y="120000"/>
+                </a:lnTo>
+                <a:close/>
+              </a:path>
+            </a:pathLst>
+          </a:custGeom>
+        </p:spPr>
+      </p:sp>
+      <p:sp>
+        <p:nvSpPr>
+          <p:cNvPr id="532" name="Google Shape;532;g3afe926a0ac_0_20:notes"/>
+          <p:cNvSpPr txBox="1"/>
+          <p:nvPr>
+            <p:ph idx="1" type="body"/>
+          </p:nvPr>
+        </p:nvSpPr>
+        <p:spPr>
+          <a:xfrm>
+            <a:off x="685800" y="4343400"/>
+            <a:ext cx="5486400" cy="4114800"/>
+          </a:xfrm>
+          <a:prstGeom prst="rect">
+            <a:avLst/>
+          </a:prstGeom>
+        </p:spPr>
+        <p:txBody>
+          <a:bodyPr anchorCtr="0" anchor="t" bIns="91425" lIns="91425" spcFirstLastPara="1" rIns="91425" wrap="square" tIns="91425">
+            <a:noAutofit/>
+          </a:bodyPr>
+          <a:lstStyle/>
+          <a:p>
+            <a:pPr indent="0" lvl="0" marL="0" rtl="0" algn="l">
+              <a:spcBef>
+                <a:spcPts val="0"/>
+              </a:spcBef>
+              <a:spcAft>
+                <a:spcPts val="0"/>
+              </a:spcAft>
+              <a:buNone/>
+            </a:pPr>
+            <a:r>
+              <a:t/>
+            </a:r>
+            <a:endParaRPr/>
+          </a:p>
+        </p:txBody>
+      </p:sp>
+    </p:spTree>
+  </p:cSld>
+  <p:clrMapOvr>
+    <a:masterClrMapping/>
+  </p:clrMapOvr>
+</p:notes>
+</file>
+
+<file path=ppt/notesSlides/notesSlide76.xml><?xml version="1.0" encoding="utf-8"?>
+<p:notes xmlns:a="http://schemas.openxmlformats.org/drawingml/2006/main" xmlns:r="http://schemas.openxmlformats.org/officeDocument/2006/relationships" xmlns:mc="http://schemas.openxmlformats.org/markup-compatibility/2006" xmlns:mv="urn:schemas-microsoft-com:mac:vml" xmlns:p="http://schemas.openxmlformats.org/presentationml/2006/main" xmlns:c="http://schemas.openxmlformats.org/drawingml/2006/chart" xmlns:dgm="http://schemas.openxmlformats.org/drawingml/2006/diagram" xmlns:o="urn:schemas-microsoft-com:office:office" xmlns:v="urn:schemas-microsoft-com:vml" xmlns:pvml="urn:schemas-microsoft-com:office:powerpoint" xmlns:com="http://schemas.openxmlformats.org/drawingml/2006/compatibility" xmlns:p14="http://schemas.microsoft.com/office/powerpoint/2010/main" xmlns:p15="http://schemas.microsoft.com/office/powerpoint/2012/main" xmlns:ahyp="http://schemas.microsoft.com/office/drawing/2018/hyperlinkcolor" showMasterPhAnim="0" showMasterSp="0">
+  <p:cSld>
+    <p:spTree>
+      <p:nvGrpSpPr>
+        <p:cNvPr id="536" name="Shape 536"/>
+        <p:cNvGrpSpPr/>
+        <p:nvPr/>
+      </p:nvGrpSpPr>
+      <p:grpSpPr>
+        <a:xfrm>
+          <a:off x="0" y="0"/>
+          <a:ext cx="0" cy="0"/>
+          <a:chOff x="0" y="0"/>
+          <a:chExt cx="0" cy="0"/>
+        </a:xfrm>
+      </p:grpSpPr>
+      <p:sp>
+        <p:nvSpPr>
+          <p:cNvPr id="537" name="Google Shape;537;g3afe926a0ac_0_26:notes"/>
+          <p:cNvSpPr/>
+          <p:nvPr>
+            <p:ph idx="2" type="sldImg"/>
+          </p:nvPr>
+        </p:nvSpPr>
+        <p:spPr>
+          <a:xfrm>
+            <a:off x="381300" y="685800"/>
+            <a:ext cx="6096000" cy="3429000"/>
+          </a:xfrm>
+          <a:custGeom>
+            <a:rect b="b" l="l" r="r" t="t"/>
+            <a:pathLst>
+              <a:path extrusionOk="0" h="120000" w="120000">
+                <a:moveTo>
+                  <a:pt x="0" y="0"/>
+                </a:moveTo>
+                <a:lnTo>
+                  <a:pt x="120000" y="0"/>
+                </a:lnTo>
+                <a:lnTo>
+                  <a:pt x="120000" y="120000"/>
+                </a:lnTo>
+                <a:lnTo>
+                  <a:pt x="0" y="120000"/>
+                </a:lnTo>
+                <a:close/>
+              </a:path>
+            </a:pathLst>
+          </a:custGeom>
+        </p:spPr>
+      </p:sp>
+      <p:sp>
+        <p:nvSpPr>
+          <p:cNvPr id="538" name="Google Shape;538;g3afe926a0ac_0_26:notes"/>
+          <p:cNvSpPr txBox="1"/>
+          <p:nvPr>
+            <p:ph idx="1" type="body"/>
+          </p:nvPr>
+        </p:nvSpPr>
+        <p:spPr>
+          <a:xfrm>
+            <a:off x="685800" y="4343400"/>
+            <a:ext cx="5486400" cy="4114800"/>
+          </a:xfrm>
+          <a:prstGeom prst="rect">
+            <a:avLst/>
+          </a:prstGeom>
+        </p:spPr>
+        <p:txBody>
+          <a:bodyPr anchorCtr="0" anchor="t" bIns="91425" lIns="91425" spcFirstLastPara="1" rIns="91425" wrap="square" tIns="91425">
+            <a:noAutofit/>
+          </a:bodyPr>
+          <a:lstStyle/>
+          <a:p>
+            <a:pPr indent="0" lvl="0" marL="0" rtl="0" algn="l">
+              <a:spcBef>
+                <a:spcPts val="0"/>
+              </a:spcBef>
+              <a:spcAft>
+                <a:spcPts val="0"/>
+              </a:spcAft>
+              <a:buNone/>
+            </a:pPr>
+            <a:r>
+              <a:t/>
+            </a:r>
+            <a:endParaRPr/>
+          </a:p>
+        </p:txBody>
+      </p:sp>
+    </p:spTree>
+  </p:cSld>
+  <p:clrMapOvr>
+    <a:masterClrMapping/>
+  </p:clrMapOvr>
+</p:notes>
+</file>
+
+<file path=ppt/notesSlides/notesSlide77.xml><?xml version="1.0" encoding="utf-8"?>
+<p:notes xmlns:a="http://schemas.openxmlformats.org/drawingml/2006/main" xmlns:r="http://schemas.openxmlformats.org/officeDocument/2006/relationships" xmlns:mc="http://schemas.openxmlformats.org/markup-compatibility/2006" xmlns:mv="urn:schemas-microsoft-com:mac:vml" xmlns:p="http://schemas.openxmlformats.org/presentationml/2006/main" xmlns:c="http://schemas.openxmlformats.org/drawingml/2006/chart" xmlns:dgm="http://schemas.openxmlformats.org/drawingml/2006/diagram" xmlns:o="urn:schemas-microsoft-com:office:office" xmlns:v="urn:schemas-microsoft-com:vml" xmlns:pvml="urn:schemas-microsoft-com:office:powerpoint" xmlns:com="http://schemas.openxmlformats.org/drawingml/2006/compatibility" xmlns:p14="http://schemas.microsoft.com/office/powerpoint/2010/main" xmlns:p15="http://schemas.microsoft.com/office/powerpoint/2012/main" xmlns:ahyp="http://schemas.microsoft.com/office/drawing/2018/hyperlinkcolor" showMasterPhAnim="0" showMasterSp="0">
+  <p:cSld>
+    <p:spTree>
+      <p:nvGrpSpPr>
+        <p:cNvPr id="542" name="Shape 542"/>
+        <p:cNvGrpSpPr/>
+        <p:nvPr/>
+      </p:nvGrpSpPr>
+      <p:grpSpPr>
+        <a:xfrm>
+          <a:off x="0" y="0"/>
+          <a:ext cx="0" cy="0"/>
+          <a:chOff x="0" y="0"/>
+          <a:chExt cx="0" cy="0"/>
+        </a:xfrm>
+      </p:grpSpPr>
+      <p:sp>
+        <p:nvSpPr>
+          <p:cNvPr id="543" name="Google Shape;543;g3afe926a0ac_0_32:notes"/>
+          <p:cNvSpPr/>
+          <p:nvPr>
+            <p:ph idx="2" type="sldImg"/>
+          </p:nvPr>
+        </p:nvSpPr>
+        <p:spPr>
+          <a:xfrm>
+            <a:off x="381300" y="685800"/>
+            <a:ext cx="6096000" cy="3429000"/>
+          </a:xfrm>
+          <a:custGeom>
+            <a:rect b="b" l="l" r="r" t="t"/>
+            <a:pathLst>
+              <a:path extrusionOk="0" h="120000" w="120000">
+                <a:moveTo>
+                  <a:pt x="0" y="0"/>
+                </a:moveTo>
+                <a:lnTo>
+                  <a:pt x="120000" y="0"/>
+                </a:lnTo>
+                <a:lnTo>
+                  <a:pt x="120000" y="120000"/>
+                </a:lnTo>
+                <a:lnTo>
+                  <a:pt x="0" y="120000"/>
+                </a:lnTo>
+                <a:close/>
+              </a:path>
+            </a:pathLst>
+          </a:custGeom>
+        </p:spPr>
+      </p:sp>
+      <p:sp>
+        <p:nvSpPr>
+          <p:cNvPr id="544" name="Google Shape;544;g3afe926a0ac_0_32:notes"/>
+          <p:cNvSpPr txBox="1"/>
+          <p:nvPr>
+            <p:ph idx="1" type="body"/>
+          </p:nvPr>
+        </p:nvSpPr>
+        <p:spPr>
+          <a:xfrm>
+            <a:off x="685800" y="4343400"/>
+            <a:ext cx="5486400" cy="4114800"/>
+          </a:xfrm>
+          <a:prstGeom prst="rect">
+            <a:avLst/>
+          </a:prstGeom>
+        </p:spPr>
+        <p:txBody>
+          <a:bodyPr anchorCtr="0" anchor="t" bIns="91425" lIns="91425" spcFirstLastPara="1" rIns="91425" wrap="square" tIns="91425">
+            <a:noAutofit/>
+          </a:bodyPr>
+          <a:lstStyle/>
+          <a:p>
+            <a:pPr indent="0" lvl="0" marL="0" rtl="0" algn="l">
+              <a:spcBef>
+                <a:spcPts val="0"/>
+              </a:spcBef>
+              <a:spcAft>
+                <a:spcPts val="0"/>
+              </a:spcAft>
+              <a:buNone/>
+            </a:pPr>
+            <a:r>
+              <a:t/>
+            </a:r>
+            <a:endParaRPr/>
+          </a:p>
+        </p:txBody>
+      </p:sp>
+    </p:spTree>
+  </p:cSld>
+  <p:clrMapOvr>
+    <a:masterClrMapping/>
+  </p:clrMapOvr>
+</p:notes>
+</file>
+
+<file path=ppt/notesSlides/notesSlide78.xml><?xml version="1.0" encoding="utf-8"?>
+<p:notes xmlns:a="http://schemas.openxmlformats.org/drawingml/2006/main" xmlns:r="http://schemas.openxmlformats.org/officeDocument/2006/relationships" xmlns:mc="http://schemas.openxmlformats.org/markup-compatibility/2006" xmlns:mv="urn:schemas-microsoft-com:mac:vml" xmlns:p="http://schemas.openxmlformats.org/presentationml/2006/main" xmlns:c="http://schemas.openxmlformats.org/drawingml/2006/chart" xmlns:dgm="http://schemas.openxmlformats.org/drawingml/2006/diagram" xmlns:o="urn:schemas-microsoft-com:office:office" xmlns:v="urn:schemas-microsoft-com:vml" xmlns:pvml="urn:schemas-microsoft-com:office:powerpoint" xmlns:com="http://schemas.openxmlformats.org/drawingml/2006/compatibility" xmlns:p14="http://schemas.microsoft.com/office/powerpoint/2010/main" xmlns:p15="http://schemas.microsoft.com/office/powerpoint/2012/main" xmlns:ahyp="http://schemas.microsoft.com/office/drawing/2018/hyperlinkcolor" showMasterPhAnim="0" showMasterSp="0">
+  <p:cSld>
+    <p:spTree>
+      <p:nvGrpSpPr>
+        <p:cNvPr id="548" name="Shape 548"/>
+        <p:cNvGrpSpPr/>
+        <p:nvPr/>
+      </p:nvGrpSpPr>
+      <p:grpSpPr>
+        <a:xfrm>
+          <a:off x="0" y="0"/>
+          <a:ext cx="0" cy="0"/>
+          <a:chOff x="0" y="0"/>
+          <a:chExt cx="0" cy="0"/>
+        </a:xfrm>
+      </p:grpSpPr>
+      <p:sp>
+        <p:nvSpPr>
+          <p:cNvPr id="549" name="Google Shape;549;g3afe926a0ac_0_39:notes"/>
+          <p:cNvSpPr/>
+          <p:nvPr>
+            <p:ph idx="2" type="sldImg"/>
+          </p:nvPr>
+        </p:nvSpPr>
+        <p:spPr>
+          <a:xfrm>
+            <a:off x="381300" y="685800"/>
+            <a:ext cx="6096000" cy="3429000"/>
+          </a:xfrm>
+          <a:custGeom>
+            <a:rect b="b" l="l" r="r" t="t"/>
+            <a:pathLst>
+              <a:path extrusionOk="0" h="120000" w="120000">
+                <a:moveTo>
+                  <a:pt x="0" y="0"/>
+                </a:moveTo>
+                <a:lnTo>
+                  <a:pt x="120000" y="0"/>
+                </a:lnTo>
+                <a:lnTo>
+                  <a:pt x="120000" y="120000"/>
+                </a:lnTo>
+                <a:lnTo>
+                  <a:pt x="0" y="120000"/>
+                </a:lnTo>
+                <a:close/>
+              </a:path>
+            </a:pathLst>
+          </a:custGeom>
+        </p:spPr>
+      </p:sp>
+      <p:sp>
+        <p:nvSpPr>
+          <p:cNvPr id="550" name="Google Shape;550;g3afe926a0ac_0_39:notes"/>
+          <p:cNvSpPr txBox="1"/>
+          <p:nvPr>
+            <p:ph idx="1" type="body"/>
+          </p:nvPr>
+        </p:nvSpPr>
+        <p:spPr>
+          <a:xfrm>
+            <a:off x="685800" y="4343400"/>
+            <a:ext cx="5486400" cy="4114800"/>
+          </a:xfrm>
+          <a:prstGeom prst="rect">
+            <a:avLst/>
+          </a:prstGeom>
+        </p:spPr>
+        <p:txBody>
+          <a:bodyPr anchorCtr="0" anchor="t" bIns="91425" lIns="91425" spcFirstLastPara="1" rIns="91425" wrap="square" tIns="91425">
+            <a:noAutofit/>
+          </a:bodyPr>
+          <a:lstStyle/>
+          <a:p>
+            <a:pPr indent="0" lvl="0" marL="0" rtl="0" algn="l">
+              <a:spcBef>
+                <a:spcPts val="0"/>
+              </a:spcBef>
+              <a:spcAft>
+                <a:spcPts val="0"/>
+              </a:spcAft>
+              <a:buNone/>
+            </a:pPr>
+            <a:r>
+              <a:t/>
+            </a:r>
+            <a:endParaRPr/>
+          </a:p>
+        </p:txBody>
+      </p:sp>
+    </p:spTree>
+  </p:cSld>
+  <p:clrMapOvr>
+    <a:masterClrMapping/>
+  </p:clrMapOvr>
+</p:notes>
+</file>
+
+<file path=ppt/notesSlides/notesSlide79.xml><?xml version="1.0" encoding="utf-8"?>
+<p:notes xmlns:a="http://schemas.openxmlformats.org/drawingml/2006/main" xmlns:r="http://schemas.openxmlformats.org/officeDocument/2006/relationships" xmlns:mc="http://schemas.openxmlformats.org/markup-compatibility/2006" xmlns:mv="urn:schemas-microsoft-com:mac:vml" xmlns:p="http://schemas.openxmlformats.org/presentationml/2006/main" xmlns:c="http://schemas.openxmlformats.org/drawingml/2006/chart" xmlns:dgm="http://schemas.openxmlformats.org/drawingml/2006/diagram" xmlns:o="urn:schemas-microsoft-com:office:office" xmlns:v="urn:schemas-microsoft-com:vml" xmlns:pvml="urn:schemas-microsoft-com:office:powerpoint" xmlns:com="http://schemas.openxmlformats.org/drawingml/2006/compatibility" xmlns:p14="http://schemas.microsoft.com/office/powerpoint/2010/main" xmlns:p15="http://schemas.microsoft.com/office/powerpoint/2012/main" xmlns:ahyp="http://schemas.microsoft.com/office/drawing/2018/hyperlinkcolor" showMasterPhAnim="0" showMasterSp="0">
+  <p:cSld>
+    <p:spTree>
+      <p:nvGrpSpPr>
+        <p:cNvPr id="554" name="Shape 554"/>
+        <p:cNvGrpSpPr/>
+        <p:nvPr/>
+      </p:nvGrpSpPr>
+      <p:grpSpPr>
+        <a:xfrm>
+          <a:off x="0" y="0"/>
+          <a:ext cx="0" cy="0"/>
+          <a:chOff x="0" y="0"/>
+          <a:chExt cx="0" cy="0"/>
+        </a:xfrm>
+      </p:grpSpPr>
+      <p:sp>
+        <p:nvSpPr>
+          <p:cNvPr id="555" name="Google Shape;555;g391824cf513_0_0:notes"/>
+          <p:cNvSpPr/>
+          <p:nvPr>
+            <p:ph idx="2" type="sldImg"/>
+          </p:nvPr>
+        </p:nvSpPr>
+        <p:spPr>
+          <a:xfrm>
+            <a:off x="381300" y="685800"/>
+            <a:ext cx="6096000" cy="3429000"/>
+          </a:xfrm>
+          <a:custGeom>
+            <a:rect b="b" l="l" r="r" t="t"/>
+            <a:pathLst>
+              <a:path extrusionOk="0" h="120000" w="120000">
+                <a:moveTo>
+                  <a:pt x="0" y="0"/>
+                </a:moveTo>
+                <a:lnTo>
+                  <a:pt x="120000" y="0"/>
+                </a:lnTo>
+                <a:lnTo>
+                  <a:pt x="120000" y="120000"/>
+                </a:lnTo>
+                <a:lnTo>
+                  <a:pt x="0" y="120000"/>
+                </a:lnTo>
+                <a:close/>
+              </a:path>
+            </a:pathLst>
+          </a:custGeom>
+        </p:spPr>
+      </p:sp>
+      <p:sp>
+        <p:nvSpPr>
+          <p:cNvPr id="556" name="Google Shape;556;g391824cf513_0_0:notes"/>
           <p:cNvSpPr txBox="1"/>
           <p:nvPr>
             <p:ph idx="1" type="body"/>
@@ -24791,7 +25591,7 @@
             <a:tbl>
               <a:tblPr>
                 <a:noFill/>
-                <a:tableStyleId>{8D45308A-5DEC-4249-91B1-1B624FA821CF}</a:tableStyleId>
+                <a:tableStyleId>{109E5D9C-4A4D-4242-A5EE-F06489FDB7C1}</a:tableStyleId>
               </a:tblPr>
               <a:tblGrid>
                 <a:gridCol w="561975"/>
@@ -24856,7 +25656,7 @@
             <a:tbl>
               <a:tblPr>
                 <a:noFill/>
-                <a:tableStyleId>{8D45308A-5DEC-4249-91B1-1B624FA821CF}</a:tableStyleId>
+                <a:tableStyleId>{109E5D9C-4A4D-4242-A5EE-F06489FDB7C1}</a:tableStyleId>
               </a:tblPr>
               <a:tblGrid>
                 <a:gridCol w="19050"/>
@@ -24904,7 +25704,7 @@
             <a:tbl>
               <a:tblPr>
                 <a:noFill/>
-                <a:tableStyleId>{8D45308A-5DEC-4249-91B1-1B624FA821CF}</a:tableStyleId>
+                <a:tableStyleId>{109E5D9C-4A4D-4242-A5EE-F06489FDB7C1}</a:tableStyleId>
               </a:tblPr>
               <a:tblGrid>
                 <a:gridCol w="561975"/>
@@ -24969,7 +25769,7 @@
             <a:tbl>
               <a:tblPr>
                 <a:noFill/>
-                <a:tableStyleId>{8D45308A-5DEC-4249-91B1-1B624FA821CF}</a:tableStyleId>
+                <a:tableStyleId>{109E5D9C-4A4D-4242-A5EE-F06489FDB7C1}</a:tableStyleId>
               </a:tblPr>
               <a:tblGrid>
                 <a:gridCol w="19050"/>
@@ -43521,6 +44321,3511 @@
               <a:ea typeface="Tahoma"/>
               <a:cs typeface="Tahoma"/>
               <a:sym typeface="Tahoma"/>
+            </a:endParaRPr>
+          </a:p>
+        </p:txBody>
+      </p:sp>
+    </p:spTree>
+  </p:cSld>
+  <p:clrMapOvr>
+    <a:masterClrMapping/>
+  </p:clrMapOvr>
+</p:sld>
+</file>
+
+<file path=ppt/slides/slide72.xml><?xml version="1.0" encoding="utf-8"?>
+<p:sld xmlns:a="http://schemas.openxmlformats.org/drawingml/2006/main" xmlns:r="http://schemas.openxmlformats.org/officeDocument/2006/relationships" xmlns:mc="http://schemas.openxmlformats.org/markup-compatibility/2006" xmlns:mv="urn:schemas-microsoft-com:mac:vml" xmlns:p="http://schemas.openxmlformats.org/presentationml/2006/main" xmlns:c="http://schemas.openxmlformats.org/drawingml/2006/chart" xmlns:dgm="http://schemas.openxmlformats.org/drawingml/2006/diagram" xmlns:o="urn:schemas-microsoft-com:office:office" xmlns:v="urn:schemas-microsoft-com:vml" xmlns:pvml="urn:schemas-microsoft-com:office:powerpoint" xmlns:com="http://schemas.openxmlformats.org/drawingml/2006/compatibility" xmlns:p14="http://schemas.microsoft.com/office/powerpoint/2010/main" xmlns:p15="http://schemas.microsoft.com/office/powerpoint/2012/main" xmlns:ahyp="http://schemas.microsoft.com/office/drawing/2018/hyperlinkcolor">
+  <p:cSld>
+    <p:spTree>
+      <p:nvGrpSpPr>
+        <p:cNvPr id="515" name="Shape 515"/>
+        <p:cNvGrpSpPr/>
+        <p:nvPr/>
+      </p:nvGrpSpPr>
+      <p:grpSpPr>
+        <a:xfrm>
+          <a:off x="0" y="0"/>
+          <a:ext cx="0" cy="0"/>
+          <a:chOff x="0" y="0"/>
+          <a:chExt cx="0" cy="0"/>
+        </a:xfrm>
+      </p:grpSpPr>
+      <p:sp>
+        <p:nvSpPr>
+          <p:cNvPr id="516" name="Google Shape;516;p84"/>
+          <p:cNvSpPr txBox="1"/>
+          <p:nvPr>
+            <p:ph type="title"/>
+          </p:nvPr>
+        </p:nvSpPr>
+        <p:spPr>
+          <a:xfrm>
+            <a:off x="729450" y="1318650"/>
+            <a:ext cx="7688700" cy="535200"/>
+          </a:xfrm>
+          <a:prstGeom prst="rect">
+            <a:avLst/>
+          </a:prstGeom>
+        </p:spPr>
+        <p:txBody>
+          <a:bodyPr anchorCtr="0" anchor="t" bIns="91425" lIns="91425" spcFirstLastPara="1" rIns="91425" wrap="square" tIns="91425">
+            <a:noAutofit/>
+          </a:bodyPr>
+          <a:lstStyle/>
+          <a:p>
+            <a:pPr indent="0" lvl="0" marL="0" rtl="0" algn="l">
+              <a:spcBef>
+                <a:spcPts val="0"/>
+              </a:spcBef>
+              <a:spcAft>
+                <a:spcPts val="0"/>
+              </a:spcAft>
+              <a:buSzPts val="990"/>
+              <a:buNone/>
+            </a:pPr>
+            <a:r>
+              <a:rPr lang="pl" sz="2440">
+                <a:latin typeface="Tahoma"/>
+                <a:ea typeface="Tahoma"/>
+                <a:cs typeface="Tahoma"/>
+                <a:sym typeface="Tahoma"/>
+              </a:rPr>
+              <a:t>Polityki bezpieczeństwa w sieci</a:t>
+            </a:r>
+            <a:endParaRPr sz="2440">
+              <a:latin typeface="Tahoma"/>
+              <a:ea typeface="Tahoma"/>
+              <a:cs typeface="Tahoma"/>
+              <a:sym typeface="Tahoma"/>
+            </a:endParaRPr>
+          </a:p>
+        </p:txBody>
+      </p:sp>
+      <p:sp>
+        <p:nvSpPr>
+          <p:cNvPr id="517" name="Google Shape;517;p84"/>
+          <p:cNvSpPr txBox="1"/>
+          <p:nvPr>
+            <p:ph idx="1" type="body"/>
+          </p:nvPr>
+        </p:nvSpPr>
+        <p:spPr>
+          <a:xfrm>
+            <a:off x="729450" y="2078875"/>
+            <a:ext cx="7688700" cy="2261100"/>
+          </a:xfrm>
+          <a:prstGeom prst="rect">
+            <a:avLst/>
+          </a:prstGeom>
+        </p:spPr>
+        <p:txBody>
+          <a:bodyPr anchorCtr="0" anchor="t" bIns="91425" lIns="91425" spcFirstLastPara="1" rIns="91425" wrap="square" tIns="91425">
+            <a:normAutofit/>
+          </a:bodyPr>
+          <a:lstStyle/>
+          <a:p>
+            <a:pPr indent="0" lvl="0" marL="0" rtl="0" algn="l">
+              <a:spcBef>
+                <a:spcPts val="1200"/>
+              </a:spcBef>
+              <a:spcAft>
+                <a:spcPts val="0"/>
+              </a:spcAft>
+              <a:buNone/>
+            </a:pPr>
+            <a:r>
+              <a:rPr lang="pl" sz="1400">
+                <a:solidFill>
+                  <a:srgbClr val="000000"/>
+                </a:solidFill>
+                <a:latin typeface="Tahoma"/>
+                <a:ea typeface="Tahoma"/>
+                <a:cs typeface="Tahoma"/>
+                <a:sym typeface="Tahoma"/>
+              </a:rPr>
+              <a:t>To zestaw zasad, procedur i wytycznych, które mówią, </a:t>
+            </a:r>
+            <a:r>
+              <a:rPr b="1" lang="pl" sz="1400">
+                <a:solidFill>
+                  <a:srgbClr val="188038"/>
+                </a:solidFill>
+                <a:latin typeface="Tahoma"/>
+                <a:ea typeface="Tahoma"/>
+                <a:cs typeface="Tahoma"/>
+                <a:sym typeface="Tahoma"/>
+              </a:rPr>
+              <a:t>jak chronić systemy komputerowe, dane i użytkowników przed zagrożeniami w internecie</a:t>
+            </a:r>
+            <a:r>
+              <a:rPr lang="pl" sz="1400">
+                <a:solidFill>
+                  <a:srgbClr val="188038"/>
+                </a:solidFill>
+                <a:latin typeface="Tahoma"/>
+                <a:ea typeface="Tahoma"/>
+                <a:cs typeface="Tahoma"/>
+                <a:sym typeface="Tahoma"/>
+              </a:rPr>
+              <a:t>.</a:t>
+            </a:r>
+            <a:br>
+              <a:rPr lang="pl" sz="1400">
+                <a:solidFill>
+                  <a:srgbClr val="000000"/>
+                </a:solidFill>
+                <a:latin typeface="Tahoma"/>
+                <a:ea typeface="Tahoma"/>
+                <a:cs typeface="Tahoma"/>
+                <a:sym typeface="Tahoma"/>
+              </a:rPr>
+            </a:br>
+            <a:r>
+              <a:rPr lang="pl" sz="1400">
+                <a:solidFill>
+                  <a:srgbClr val="000000"/>
+                </a:solidFill>
+                <a:latin typeface="Tahoma"/>
+                <a:ea typeface="Tahoma"/>
+                <a:cs typeface="Tahoma"/>
+                <a:sym typeface="Tahoma"/>
+              </a:rPr>
+              <a:t>Są one stosowane w firmach, szkołach, organizacjach, a czasem nawet w domowych sieciach.</a:t>
+            </a:r>
+            <a:endParaRPr sz="1400">
+              <a:solidFill>
+                <a:srgbClr val="000000"/>
+              </a:solidFill>
+              <a:latin typeface="Tahoma"/>
+              <a:ea typeface="Tahoma"/>
+              <a:cs typeface="Tahoma"/>
+              <a:sym typeface="Tahoma"/>
+            </a:endParaRPr>
+          </a:p>
+          <a:p>
+            <a:pPr indent="0" lvl="0" marL="0" rtl="0" algn="l">
+              <a:spcBef>
+                <a:spcPts val="1200"/>
+              </a:spcBef>
+              <a:spcAft>
+                <a:spcPts val="0"/>
+              </a:spcAft>
+              <a:buNone/>
+            </a:pPr>
+            <a:r>
+              <a:rPr lang="pl" sz="1400">
+                <a:solidFill>
+                  <a:srgbClr val="000000"/>
+                </a:solidFill>
+                <a:latin typeface="Tahoma"/>
+                <a:ea typeface="Tahoma"/>
+                <a:cs typeface="Tahoma"/>
+                <a:sym typeface="Tahoma"/>
+              </a:rPr>
+              <a:t>Można powiedzieć, że polityki bezpieczeństwa to </a:t>
+            </a:r>
+            <a:r>
+              <a:rPr b="1" lang="pl" sz="1400">
+                <a:solidFill>
+                  <a:srgbClr val="000000"/>
+                </a:solidFill>
+                <a:latin typeface="Tahoma"/>
+                <a:ea typeface="Tahoma"/>
+                <a:cs typeface="Tahoma"/>
+                <a:sym typeface="Tahoma"/>
+              </a:rPr>
+              <a:t>instrukcja, jak dbać o bezpieczeństwo sieci i danych</a:t>
+            </a:r>
+            <a:r>
+              <a:rPr lang="pl" sz="1400">
+                <a:solidFill>
+                  <a:srgbClr val="000000"/>
+                </a:solidFill>
+                <a:latin typeface="Tahoma"/>
+                <a:ea typeface="Tahoma"/>
+                <a:cs typeface="Tahoma"/>
+                <a:sym typeface="Tahoma"/>
+              </a:rPr>
+              <a:t>.</a:t>
+            </a:r>
+            <a:endParaRPr sz="1400">
+              <a:solidFill>
+                <a:srgbClr val="000000"/>
+              </a:solidFill>
+              <a:latin typeface="Tahoma"/>
+              <a:ea typeface="Tahoma"/>
+              <a:cs typeface="Tahoma"/>
+              <a:sym typeface="Tahoma"/>
+            </a:endParaRPr>
+          </a:p>
+          <a:p>
+            <a:pPr indent="0" lvl="0" marL="0" rtl="0" algn="l">
+              <a:spcBef>
+                <a:spcPts val="1200"/>
+              </a:spcBef>
+              <a:spcAft>
+                <a:spcPts val="1200"/>
+              </a:spcAft>
+              <a:buNone/>
+            </a:pPr>
+            <a:r>
+              <a:t/>
+            </a:r>
+            <a:endParaRPr sz="1400">
+              <a:latin typeface="Tahoma"/>
+              <a:ea typeface="Tahoma"/>
+              <a:cs typeface="Tahoma"/>
+              <a:sym typeface="Tahoma"/>
+            </a:endParaRPr>
+          </a:p>
+        </p:txBody>
+      </p:sp>
+    </p:spTree>
+  </p:cSld>
+  <p:clrMapOvr>
+    <a:masterClrMapping/>
+  </p:clrMapOvr>
+</p:sld>
+</file>
+
+<file path=ppt/slides/slide73.xml><?xml version="1.0" encoding="utf-8"?>
+<p:sld xmlns:a="http://schemas.openxmlformats.org/drawingml/2006/main" xmlns:r="http://schemas.openxmlformats.org/officeDocument/2006/relationships" xmlns:mc="http://schemas.openxmlformats.org/markup-compatibility/2006" xmlns:mv="urn:schemas-microsoft-com:mac:vml" xmlns:p="http://schemas.openxmlformats.org/presentationml/2006/main" xmlns:c="http://schemas.openxmlformats.org/drawingml/2006/chart" xmlns:dgm="http://schemas.openxmlformats.org/drawingml/2006/diagram" xmlns:o="urn:schemas-microsoft-com:office:office" xmlns:v="urn:schemas-microsoft-com:vml" xmlns:pvml="urn:schemas-microsoft-com:office:powerpoint" xmlns:com="http://schemas.openxmlformats.org/drawingml/2006/compatibility" xmlns:p14="http://schemas.microsoft.com/office/powerpoint/2010/main" xmlns:p15="http://schemas.microsoft.com/office/powerpoint/2012/main" xmlns:ahyp="http://schemas.microsoft.com/office/drawing/2018/hyperlinkcolor">
+  <p:cSld>
+    <p:spTree>
+      <p:nvGrpSpPr>
+        <p:cNvPr id="521" name="Shape 521"/>
+        <p:cNvGrpSpPr/>
+        <p:nvPr/>
+      </p:nvGrpSpPr>
+      <p:grpSpPr>
+        <a:xfrm>
+          <a:off x="0" y="0"/>
+          <a:ext cx="0" cy="0"/>
+          <a:chOff x="0" y="0"/>
+          <a:chExt cx="0" cy="0"/>
+        </a:xfrm>
+      </p:grpSpPr>
+      <p:sp>
+        <p:nvSpPr>
+          <p:cNvPr id="522" name="Google Shape;522;p85"/>
+          <p:cNvSpPr txBox="1"/>
+          <p:nvPr>
+            <p:ph type="title"/>
+          </p:nvPr>
+        </p:nvSpPr>
+        <p:spPr>
+          <a:xfrm>
+            <a:off x="729450" y="1318650"/>
+            <a:ext cx="7688700" cy="535200"/>
+          </a:xfrm>
+          <a:prstGeom prst="rect">
+            <a:avLst/>
+          </a:prstGeom>
+        </p:spPr>
+        <p:txBody>
+          <a:bodyPr anchorCtr="0" anchor="t" bIns="91425" lIns="91425" spcFirstLastPara="1" rIns="91425" wrap="square" tIns="91425">
+            <a:noAutofit/>
+          </a:bodyPr>
+          <a:lstStyle/>
+          <a:p>
+            <a:pPr indent="0" lvl="0" marL="0" rtl="0" algn="l">
+              <a:lnSpc>
+                <a:spcPct val="115000"/>
+              </a:lnSpc>
+              <a:spcBef>
+                <a:spcPts val="2400"/>
+              </a:spcBef>
+              <a:spcAft>
+                <a:spcPts val="600"/>
+              </a:spcAft>
+              <a:buNone/>
+            </a:pPr>
+            <a:r>
+              <a:rPr lang="pl" sz="2400">
+                <a:solidFill>
+                  <a:srgbClr val="000000"/>
+                </a:solidFill>
+                <a:latin typeface="Tahoma"/>
+                <a:ea typeface="Tahoma"/>
+                <a:cs typeface="Tahoma"/>
+                <a:sym typeface="Tahoma"/>
+              </a:rPr>
+              <a:t>Po co istnieją polityki bezpieczeństwa?</a:t>
+            </a:r>
+            <a:endParaRPr sz="2400">
+              <a:latin typeface="Tahoma"/>
+              <a:ea typeface="Tahoma"/>
+              <a:cs typeface="Tahoma"/>
+              <a:sym typeface="Tahoma"/>
+            </a:endParaRPr>
+          </a:p>
+        </p:txBody>
+      </p:sp>
+      <p:sp>
+        <p:nvSpPr>
+          <p:cNvPr id="523" name="Google Shape;523;p85"/>
+          <p:cNvSpPr txBox="1"/>
+          <p:nvPr>
+            <p:ph idx="1" type="body"/>
+          </p:nvPr>
+        </p:nvSpPr>
+        <p:spPr>
+          <a:xfrm>
+            <a:off x="729450" y="2078875"/>
+            <a:ext cx="7688700" cy="2261100"/>
+          </a:xfrm>
+          <a:prstGeom prst="rect">
+            <a:avLst/>
+          </a:prstGeom>
+        </p:spPr>
+        <p:txBody>
+          <a:bodyPr anchorCtr="0" anchor="t" bIns="91425" lIns="91425" spcFirstLastPara="1" rIns="91425" wrap="square" tIns="91425">
+            <a:normAutofit/>
+          </a:bodyPr>
+          <a:lstStyle/>
+          <a:p>
+            <a:pPr indent="0" lvl="0" marL="0" rtl="0" algn="l">
+              <a:lnSpc>
+                <a:spcPct val="100000"/>
+              </a:lnSpc>
+              <a:spcBef>
+                <a:spcPts val="0"/>
+              </a:spcBef>
+              <a:spcAft>
+                <a:spcPts val="0"/>
+              </a:spcAft>
+              <a:buNone/>
+            </a:pPr>
+            <a:r>
+              <a:rPr lang="pl" sz="1400">
+                <a:solidFill>
+                  <a:srgbClr val="000000"/>
+                </a:solidFill>
+                <a:latin typeface="Tahoma"/>
+                <a:ea typeface="Tahoma"/>
+                <a:cs typeface="Tahoma"/>
+                <a:sym typeface="Tahoma"/>
+              </a:rPr>
+              <a:t>Aby chronić:</a:t>
+            </a:r>
+            <a:endParaRPr sz="1400">
+              <a:solidFill>
+                <a:srgbClr val="000000"/>
+              </a:solidFill>
+              <a:latin typeface="Tahoma"/>
+              <a:ea typeface="Tahoma"/>
+              <a:cs typeface="Tahoma"/>
+              <a:sym typeface="Tahoma"/>
+            </a:endParaRPr>
+          </a:p>
+          <a:p>
+            <a:pPr indent="-317500" lvl="0" marL="457200" rtl="0" algn="l">
+              <a:lnSpc>
+                <a:spcPct val="100000"/>
+              </a:lnSpc>
+              <a:spcBef>
+                <a:spcPts val="0"/>
+              </a:spcBef>
+              <a:spcAft>
+                <a:spcPts val="0"/>
+              </a:spcAft>
+              <a:buClr>
+                <a:srgbClr val="000000"/>
+              </a:buClr>
+              <a:buSzPts val="1400"/>
+              <a:buFont typeface="Tahoma"/>
+              <a:buChar char="●"/>
+            </a:pPr>
+            <a:r>
+              <a:rPr lang="pl" sz="1400">
+                <a:solidFill>
+                  <a:srgbClr val="000000"/>
+                </a:solidFill>
+                <a:latin typeface="Tahoma"/>
+                <a:ea typeface="Tahoma"/>
+                <a:cs typeface="Tahoma"/>
+                <a:sym typeface="Tahoma"/>
+              </a:rPr>
+              <a:t>dane (przed utratą, wyciekiem, zniszczeniem),</a:t>
+            </a:r>
+            <a:br>
+              <a:rPr lang="pl" sz="1400">
+                <a:solidFill>
+                  <a:srgbClr val="000000"/>
+                </a:solidFill>
+                <a:latin typeface="Tahoma"/>
+                <a:ea typeface="Tahoma"/>
+                <a:cs typeface="Tahoma"/>
+                <a:sym typeface="Tahoma"/>
+              </a:rPr>
+            </a:br>
+            <a:endParaRPr sz="1400">
+              <a:solidFill>
+                <a:srgbClr val="000000"/>
+              </a:solidFill>
+              <a:latin typeface="Tahoma"/>
+              <a:ea typeface="Tahoma"/>
+              <a:cs typeface="Tahoma"/>
+              <a:sym typeface="Tahoma"/>
+            </a:endParaRPr>
+          </a:p>
+          <a:p>
+            <a:pPr indent="-317500" lvl="0" marL="457200" rtl="0" algn="l">
+              <a:lnSpc>
+                <a:spcPct val="100000"/>
+              </a:lnSpc>
+              <a:spcBef>
+                <a:spcPts val="0"/>
+              </a:spcBef>
+              <a:spcAft>
+                <a:spcPts val="0"/>
+              </a:spcAft>
+              <a:buClr>
+                <a:srgbClr val="000000"/>
+              </a:buClr>
+              <a:buSzPts val="1400"/>
+              <a:buFont typeface="Tahoma"/>
+              <a:buChar char="●"/>
+            </a:pPr>
+            <a:r>
+              <a:rPr lang="pl" sz="1400">
+                <a:solidFill>
+                  <a:srgbClr val="000000"/>
+                </a:solidFill>
+                <a:latin typeface="Tahoma"/>
+                <a:ea typeface="Tahoma"/>
+                <a:cs typeface="Tahoma"/>
+                <a:sym typeface="Tahoma"/>
+              </a:rPr>
+              <a:t>systemy (przed atakami i awariami),</a:t>
+            </a:r>
+            <a:br>
+              <a:rPr lang="pl" sz="1400">
+                <a:solidFill>
+                  <a:srgbClr val="000000"/>
+                </a:solidFill>
+                <a:latin typeface="Tahoma"/>
+                <a:ea typeface="Tahoma"/>
+                <a:cs typeface="Tahoma"/>
+                <a:sym typeface="Tahoma"/>
+              </a:rPr>
+            </a:br>
+            <a:endParaRPr sz="1400">
+              <a:solidFill>
+                <a:srgbClr val="000000"/>
+              </a:solidFill>
+              <a:latin typeface="Tahoma"/>
+              <a:ea typeface="Tahoma"/>
+              <a:cs typeface="Tahoma"/>
+              <a:sym typeface="Tahoma"/>
+            </a:endParaRPr>
+          </a:p>
+          <a:p>
+            <a:pPr indent="-317500" lvl="0" marL="457200" rtl="0" algn="l">
+              <a:lnSpc>
+                <a:spcPct val="100000"/>
+              </a:lnSpc>
+              <a:spcBef>
+                <a:spcPts val="0"/>
+              </a:spcBef>
+              <a:spcAft>
+                <a:spcPts val="0"/>
+              </a:spcAft>
+              <a:buClr>
+                <a:srgbClr val="000000"/>
+              </a:buClr>
+              <a:buSzPts val="1400"/>
+              <a:buFont typeface="Tahoma"/>
+              <a:buChar char="●"/>
+            </a:pPr>
+            <a:r>
+              <a:rPr lang="pl" sz="1400">
+                <a:solidFill>
+                  <a:srgbClr val="000000"/>
+                </a:solidFill>
+                <a:latin typeface="Tahoma"/>
+                <a:ea typeface="Tahoma"/>
+                <a:cs typeface="Tahoma"/>
+                <a:sym typeface="Tahoma"/>
+              </a:rPr>
+              <a:t>użytkowników (przed zagrożeniami),</a:t>
+            </a:r>
+            <a:br>
+              <a:rPr lang="pl" sz="1400">
+                <a:solidFill>
+                  <a:srgbClr val="000000"/>
+                </a:solidFill>
+                <a:latin typeface="Tahoma"/>
+                <a:ea typeface="Tahoma"/>
+                <a:cs typeface="Tahoma"/>
+                <a:sym typeface="Tahoma"/>
+              </a:rPr>
+            </a:br>
+            <a:endParaRPr sz="1400">
+              <a:solidFill>
+                <a:srgbClr val="000000"/>
+              </a:solidFill>
+              <a:latin typeface="Tahoma"/>
+              <a:ea typeface="Tahoma"/>
+              <a:cs typeface="Tahoma"/>
+              <a:sym typeface="Tahoma"/>
+            </a:endParaRPr>
+          </a:p>
+          <a:p>
+            <a:pPr indent="-298450" lvl="0" marL="457200" rtl="0" algn="l">
+              <a:lnSpc>
+                <a:spcPct val="100000"/>
+              </a:lnSpc>
+              <a:spcBef>
+                <a:spcPts val="0"/>
+              </a:spcBef>
+              <a:spcAft>
+                <a:spcPts val="0"/>
+              </a:spcAft>
+              <a:buClr>
+                <a:srgbClr val="000000"/>
+              </a:buClr>
+              <a:buSzPts val="1100"/>
+              <a:buFont typeface="Arial"/>
+              <a:buChar char="●"/>
+            </a:pPr>
+            <a:r>
+              <a:rPr lang="pl" sz="1400">
+                <a:solidFill>
+                  <a:srgbClr val="000000"/>
+                </a:solidFill>
+                <a:latin typeface="Tahoma"/>
+                <a:ea typeface="Tahoma"/>
+                <a:cs typeface="Tahoma"/>
+                <a:sym typeface="Tahoma"/>
+              </a:rPr>
+              <a:t>firmę/szkołę (przed stratami i odpowiedzialnością prawną).</a:t>
+            </a:r>
+            <a:br>
+              <a:rPr lang="pl" sz="1100">
+                <a:solidFill>
+                  <a:srgbClr val="000000"/>
+                </a:solidFill>
+                <a:latin typeface="Arial"/>
+                <a:ea typeface="Arial"/>
+                <a:cs typeface="Arial"/>
+                <a:sym typeface="Arial"/>
+              </a:rPr>
+            </a:br>
+            <a:endParaRPr sz="1100">
+              <a:solidFill>
+                <a:srgbClr val="000000"/>
+              </a:solidFill>
+              <a:latin typeface="Arial"/>
+              <a:ea typeface="Arial"/>
+              <a:cs typeface="Arial"/>
+              <a:sym typeface="Arial"/>
+            </a:endParaRPr>
+          </a:p>
+          <a:p>
+            <a:pPr indent="0" lvl="0" marL="0" rtl="0" algn="l">
+              <a:spcBef>
+                <a:spcPts val="0"/>
+              </a:spcBef>
+              <a:spcAft>
+                <a:spcPts val="1200"/>
+              </a:spcAft>
+              <a:buNone/>
+            </a:pPr>
+            <a:r>
+              <a:t/>
+            </a:r>
+            <a:endParaRPr/>
+          </a:p>
+        </p:txBody>
+      </p:sp>
+    </p:spTree>
+  </p:cSld>
+  <p:clrMapOvr>
+    <a:masterClrMapping/>
+  </p:clrMapOvr>
+</p:sld>
+</file>
+
+<file path=ppt/slides/slide74.xml><?xml version="1.0" encoding="utf-8"?>
+<p:sld xmlns:a="http://schemas.openxmlformats.org/drawingml/2006/main" xmlns:r="http://schemas.openxmlformats.org/officeDocument/2006/relationships" xmlns:mc="http://schemas.openxmlformats.org/markup-compatibility/2006" xmlns:mv="urn:schemas-microsoft-com:mac:vml" xmlns:p="http://schemas.openxmlformats.org/presentationml/2006/main" xmlns:c="http://schemas.openxmlformats.org/drawingml/2006/chart" xmlns:dgm="http://schemas.openxmlformats.org/drawingml/2006/diagram" xmlns:o="urn:schemas-microsoft-com:office:office" xmlns:v="urn:schemas-microsoft-com:vml" xmlns:pvml="urn:schemas-microsoft-com:office:powerpoint" xmlns:com="http://schemas.openxmlformats.org/drawingml/2006/compatibility" xmlns:p14="http://schemas.microsoft.com/office/powerpoint/2010/main" xmlns:p15="http://schemas.microsoft.com/office/powerpoint/2012/main" xmlns:ahyp="http://schemas.microsoft.com/office/drawing/2018/hyperlinkcolor">
+  <p:cSld>
+    <p:spTree>
+      <p:nvGrpSpPr>
+        <p:cNvPr id="527" name="Shape 527"/>
+        <p:cNvGrpSpPr/>
+        <p:nvPr/>
+      </p:nvGrpSpPr>
+      <p:grpSpPr>
+        <a:xfrm>
+          <a:off x="0" y="0"/>
+          <a:ext cx="0" cy="0"/>
+          <a:chOff x="0" y="0"/>
+          <a:chExt cx="0" cy="0"/>
+        </a:xfrm>
+      </p:grpSpPr>
+      <p:sp>
+        <p:nvSpPr>
+          <p:cNvPr id="528" name="Google Shape;528;p86"/>
+          <p:cNvSpPr txBox="1"/>
+          <p:nvPr>
+            <p:ph type="title"/>
+          </p:nvPr>
+        </p:nvSpPr>
+        <p:spPr>
+          <a:xfrm>
+            <a:off x="729450" y="1318650"/>
+            <a:ext cx="7688700" cy="535200"/>
+          </a:xfrm>
+          <a:prstGeom prst="rect">
+            <a:avLst/>
+          </a:prstGeom>
+        </p:spPr>
+        <p:txBody>
+          <a:bodyPr anchorCtr="0" anchor="t" bIns="91425" lIns="91425" spcFirstLastPara="1" rIns="91425" wrap="square" tIns="91425">
+            <a:noAutofit/>
+          </a:bodyPr>
+          <a:lstStyle/>
+          <a:p>
+            <a:pPr indent="0" lvl="0" marL="0" rtl="0" algn="l">
+              <a:spcBef>
+                <a:spcPts val="0"/>
+              </a:spcBef>
+              <a:spcAft>
+                <a:spcPts val="0"/>
+              </a:spcAft>
+              <a:buSzPts val="990"/>
+              <a:buNone/>
+            </a:pPr>
+            <a:r>
+              <a:rPr lang="pl" sz="2440">
+                <a:latin typeface="Tahoma"/>
+                <a:ea typeface="Tahoma"/>
+                <a:cs typeface="Tahoma"/>
+                <a:sym typeface="Tahoma"/>
+              </a:rPr>
+              <a:t>Co zawierają polityki bezpieczeństwa w sieci?</a:t>
+            </a:r>
+            <a:endParaRPr sz="2440">
+              <a:latin typeface="Tahoma"/>
+              <a:ea typeface="Tahoma"/>
+              <a:cs typeface="Tahoma"/>
+              <a:sym typeface="Tahoma"/>
+            </a:endParaRPr>
+          </a:p>
+        </p:txBody>
+      </p:sp>
+      <p:sp>
+        <p:nvSpPr>
+          <p:cNvPr id="529" name="Google Shape;529;p86"/>
+          <p:cNvSpPr txBox="1"/>
+          <p:nvPr>
+            <p:ph idx="1" type="body"/>
+          </p:nvPr>
+        </p:nvSpPr>
+        <p:spPr>
+          <a:xfrm>
+            <a:off x="729450" y="2078875"/>
+            <a:ext cx="7688700" cy="2986800"/>
+          </a:xfrm>
+          <a:prstGeom prst="rect">
+            <a:avLst/>
+          </a:prstGeom>
+        </p:spPr>
+        <p:txBody>
+          <a:bodyPr anchorCtr="0" anchor="t" bIns="91425" lIns="91425" spcFirstLastPara="1" rIns="91425" wrap="square" tIns="91425">
+            <a:normAutofit/>
+          </a:bodyPr>
+          <a:lstStyle/>
+          <a:p>
+            <a:pPr indent="0" lvl="0" marL="0" rtl="0" algn="l">
+              <a:lnSpc>
+                <a:spcPct val="100000"/>
+              </a:lnSpc>
+              <a:spcBef>
+                <a:spcPts val="0"/>
+              </a:spcBef>
+              <a:spcAft>
+                <a:spcPts val="0"/>
+              </a:spcAft>
+              <a:buNone/>
+            </a:pPr>
+            <a:r>
+              <a:rPr b="1" lang="pl" sz="1700">
+                <a:solidFill>
+                  <a:srgbClr val="0B5394"/>
+                </a:solidFill>
+                <a:latin typeface="Tahoma"/>
+                <a:ea typeface="Tahoma"/>
+                <a:cs typeface="Tahoma"/>
+                <a:sym typeface="Tahoma"/>
+              </a:rPr>
+              <a:t>✔ 1. Zasady korzystania z sieci i komputerów</a:t>
+            </a:r>
+            <a:endParaRPr b="1" sz="1700">
+              <a:solidFill>
+                <a:srgbClr val="0B5394"/>
+              </a:solidFill>
+              <a:latin typeface="Tahoma"/>
+              <a:ea typeface="Tahoma"/>
+              <a:cs typeface="Tahoma"/>
+              <a:sym typeface="Tahoma"/>
+            </a:endParaRPr>
+          </a:p>
+          <a:p>
+            <a:pPr indent="-298450" lvl="0" marL="457200" rtl="0" algn="l">
+              <a:lnSpc>
+                <a:spcPct val="100000"/>
+              </a:lnSpc>
+              <a:spcBef>
+                <a:spcPts val="0"/>
+              </a:spcBef>
+              <a:spcAft>
+                <a:spcPts val="0"/>
+              </a:spcAft>
+              <a:buClr>
+                <a:srgbClr val="000000"/>
+              </a:buClr>
+              <a:buSzPts val="1100"/>
+              <a:buFont typeface="Tahoma"/>
+              <a:buChar char="●"/>
+            </a:pPr>
+            <a:r>
+              <a:rPr lang="pl" sz="1100">
+                <a:solidFill>
+                  <a:srgbClr val="000000"/>
+                </a:solidFill>
+                <a:latin typeface="Tahoma"/>
+                <a:ea typeface="Tahoma"/>
+                <a:cs typeface="Tahoma"/>
+                <a:sym typeface="Tahoma"/>
+              </a:rPr>
+              <a:t>kto ma dostęp do sieci,</a:t>
+            </a:r>
+            <a:endParaRPr sz="1100">
+              <a:solidFill>
+                <a:srgbClr val="000000"/>
+              </a:solidFill>
+              <a:latin typeface="Tahoma"/>
+              <a:ea typeface="Tahoma"/>
+              <a:cs typeface="Tahoma"/>
+              <a:sym typeface="Tahoma"/>
+            </a:endParaRPr>
+          </a:p>
+          <a:p>
+            <a:pPr indent="-298450" lvl="0" marL="457200" rtl="0" algn="l">
+              <a:lnSpc>
+                <a:spcPct val="100000"/>
+              </a:lnSpc>
+              <a:spcBef>
+                <a:spcPts val="0"/>
+              </a:spcBef>
+              <a:spcAft>
+                <a:spcPts val="0"/>
+              </a:spcAft>
+              <a:buClr>
+                <a:srgbClr val="000000"/>
+              </a:buClr>
+              <a:buSzPts val="1100"/>
+              <a:buFont typeface="Tahoma"/>
+              <a:buChar char="●"/>
+            </a:pPr>
+            <a:r>
+              <a:rPr lang="pl" sz="1100">
+                <a:solidFill>
+                  <a:srgbClr val="000000"/>
+                </a:solidFill>
+                <a:latin typeface="Tahoma"/>
+                <a:ea typeface="Tahoma"/>
+                <a:cs typeface="Tahoma"/>
+                <a:sym typeface="Tahoma"/>
+              </a:rPr>
+              <a:t>jakie urządzenia mogą się łączyć,</a:t>
+            </a:r>
+            <a:endParaRPr sz="1100">
+              <a:solidFill>
+                <a:srgbClr val="000000"/>
+              </a:solidFill>
+              <a:latin typeface="Tahoma"/>
+              <a:ea typeface="Tahoma"/>
+              <a:cs typeface="Tahoma"/>
+              <a:sym typeface="Tahoma"/>
+            </a:endParaRPr>
+          </a:p>
+          <a:p>
+            <a:pPr indent="-298450" lvl="0" marL="457200" rtl="0" algn="l">
+              <a:lnSpc>
+                <a:spcPct val="100000"/>
+              </a:lnSpc>
+              <a:spcBef>
+                <a:spcPts val="0"/>
+              </a:spcBef>
+              <a:spcAft>
+                <a:spcPts val="0"/>
+              </a:spcAft>
+              <a:buClr>
+                <a:srgbClr val="000000"/>
+              </a:buClr>
+              <a:buSzPts val="1100"/>
+              <a:buFont typeface="Tahoma"/>
+              <a:buChar char="●"/>
+            </a:pPr>
+            <a:r>
+              <a:rPr lang="pl" sz="1100">
+                <a:solidFill>
+                  <a:srgbClr val="000000"/>
+                </a:solidFill>
+                <a:latin typeface="Tahoma"/>
+                <a:ea typeface="Tahoma"/>
+                <a:cs typeface="Tahoma"/>
+                <a:sym typeface="Tahoma"/>
+              </a:rPr>
+              <a:t>jakie oprogramowanie jest dozwolone.</a:t>
+            </a:r>
+            <a:br>
+              <a:rPr lang="pl" sz="1100">
+                <a:solidFill>
+                  <a:srgbClr val="000000"/>
+                </a:solidFill>
+                <a:latin typeface="Tahoma"/>
+                <a:ea typeface="Tahoma"/>
+                <a:cs typeface="Tahoma"/>
+                <a:sym typeface="Tahoma"/>
+              </a:rPr>
+            </a:br>
+            <a:endParaRPr sz="1100">
+              <a:solidFill>
+                <a:srgbClr val="000000"/>
+              </a:solidFill>
+              <a:latin typeface="Tahoma"/>
+              <a:ea typeface="Tahoma"/>
+              <a:cs typeface="Tahoma"/>
+              <a:sym typeface="Tahoma"/>
+            </a:endParaRPr>
+          </a:p>
+          <a:p>
+            <a:pPr indent="0" lvl="0" marL="0" rtl="0" algn="l">
+              <a:lnSpc>
+                <a:spcPct val="100000"/>
+              </a:lnSpc>
+              <a:spcBef>
+                <a:spcPts val="0"/>
+              </a:spcBef>
+              <a:spcAft>
+                <a:spcPts val="0"/>
+              </a:spcAft>
+              <a:buNone/>
+            </a:pPr>
+            <a:r>
+              <a:rPr b="1" lang="pl" sz="1700">
+                <a:solidFill>
+                  <a:srgbClr val="0B5394"/>
+                </a:solidFill>
+                <a:latin typeface="Tahoma"/>
+                <a:ea typeface="Tahoma"/>
+                <a:cs typeface="Tahoma"/>
+                <a:sym typeface="Tahoma"/>
+              </a:rPr>
+              <a:t>✔ 2. Zasady tworzenia i zarządzania hasłami</a:t>
+            </a:r>
+            <a:endParaRPr b="1" sz="1700">
+              <a:solidFill>
+                <a:srgbClr val="0B5394"/>
+              </a:solidFill>
+              <a:latin typeface="Tahoma"/>
+              <a:ea typeface="Tahoma"/>
+              <a:cs typeface="Tahoma"/>
+              <a:sym typeface="Tahoma"/>
+            </a:endParaRPr>
+          </a:p>
+          <a:p>
+            <a:pPr indent="-298450" lvl="0" marL="457200" rtl="0" algn="l">
+              <a:lnSpc>
+                <a:spcPct val="100000"/>
+              </a:lnSpc>
+              <a:spcBef>
+                <a:spcPts val="0"/>
+              </a:spcBef>
+              <a:spcAft>
+                <a:spcPts val="0"/>
+              </a:spcAft>
+              <a:buClr>
+                <a:srgbClr val="000000"/>
+              </a:buClr>
+              <a:buSzPts val="1100"/>
+              <a:buFont typeface="Tahoma"/>
+              <a:buChar char="●"/>
+            </a:pPr>
+            <a:r>
+              <a:rPr lang="pl" sz="1100">
+                <a:solidFill>
+                  <a:srgbClr val="000000"/>
+                </a:solidFill>
+                <a:latin typeface="Tahoma"/>
+                <a:ea typeface="Tahoma"/>
+                <a:cs typeface="Tahoma"/>
+                <a:sym typeface="Tahoma"/>
+              </a:rPr>
+              <a:t>minimalna długość hasła,</a:t>
+            </a:r>
+            <a:endParaRPr sz="1100">
+              <a:solidFill>
+                <a:srgbClr val="000000"/>
+              </a:solidFill>
+              <a:latin typeface="Tahoma"/>
+              <a:ea typeface="Tahoma"/>
+              <a:cs typeface="Tahoma"/>
+              <a:sym typeface="Tahoma"/>
+            </a:endParaRPr>
+          </a:p>
+          <a:p>
+            <a:pPr indent="-298450" lvl="0" marL="457200" rtl="0" algn="l">
+              <a:lnSpc>
+                <a:spcPct val="100000"/>
+              </a:lnSpc>
+              <a:spcBef>
+                <a:spcPts val="0"/>
+              </a:spcBef>
+              <a:spcAft>
+                <a:spcPts val="0"/>
+              </a:spcAft>
+              <a:buClr>
+                <a:srgbClr val="000000"/>
+              </a:buClr>
+              <a:buSzPts val="1100"/>
+              <a:buFont typeface="Tahoma"/>
+              <a:buChar char="●"/>
+            </a:pPr>
+            <a:r>
+              <a:rPr lang="pl" sz="1100">
+                <a:solidFill>
+                  <a:srgbClr val="000000"/>
+                </a:solidFill>
+                <a:latin typeface="Tahoma"/>
+                <a:ea typeface="Tahoma"/>
+                <a:cs typeface="Tahoma"/>
+                <a:sym typeface="Tahoma"/>
+              </a:rPr>
+              <a:t>konieczność zmiany co X dni,</a:t>
+            </a:r>
+            <a:endParaRPr sz="1100">
+              <a:solidFill>
+                <a:srgbClr val="000000"/>
+              </a:solidFill>
+              <a:latin typeface="Tahoma"/>
+              <a:ea typeface="Tahoma"/>
+              <a:cs typeface="Tahoma"/>
+              <a:sym typeface="Tahoma"/>
+            </a:endParaRPr>
+          </a:p>
+          <a:p>
+            <a:pPr indent="-298450" lvl="0" marL="457200" rtl="0" algn="l">
+              <a:lnSpc>
+                <a:spcPct val="100000"/>
+              </a:lnSpc>
+              <a:spcBef>
+                <a:spcPts val="0"/>
+              </a:spcBef>
+              <a:spcAft>
+                <a:spcPts val="0"/>
+              </a:spcAft>
+              <a:buClr>
+                <a:srgbClr val="000000"/>
+              </a:buClr>
+              <a:buSzPts val="1100"/>
+              <a:buFont typeface="Tahoma"/>
+              <a:buChar char="●"/>
+            </a:pPr>
+            <a:r>
+              <a:rPr lang="pl" sz="1100">
+                <a:solidFill>
+                  <a:srgbClr val="000000"/>
+                </a:solidFill>
+                <a:latin typeface="Tahoma"/>
+                <a:ea typeface="Tahoma"/>
+                <a:cs typeface="Tahoma"/>
+                <a:sym typeface="Tahoma"/>
+              </a:rPr>
+              <a:t>zakaz używania jednego hasła do wszystkiego.</a:t>
+            </a:r>
+            <a:br>
+              <a:rPr lang="pl" sz="1100">
+                <a:solidFill>
+                  <a:srgbClr val="000000"/>
+                </a:solidFill>
+                <a:latin typeface="Tahoma"/>
+                <a:ea typeface="Tahoma"/>
+                <a:cs typeface="Tahoma"/>
+                <a:sym typeface="Tahoma"/>
+              </a:rPr>
+            </a:br>
+            <a:endParaRPr sz="1100">
+              <a:solidFill>
+                <a:srgbClr val="0B5394"/>
+              </a:solidFill>
+              <a:latin typeface="Tahoma"/>
+              <a:ea typeface="Tahoma"/>
+              <a:cs typeface="Tahoma"/>
+              <a:sym typeface="Tahoma"/>
+            </a:endParaRPr>
+          </a:p>
+          <a:p>
+            <a:pPr indent="0" lvl="0" marL="0" rtl="0" algn="l">
+              <a:lnSpc>
+                <a:spcPct val="100000"/>
+              </a:lnSpc>
+              <a:spcBef>
+                <a:spcPts val="0"/>
+              </a:spcBef>
+              <a:spcAft>
+                <a:spcPts val="0"/>
+              </a:spcAft>
+              <a:buNone/>
+            </a:pPr>
+            <a:r>
+              <a:rPr b="1" lang="pl" sz="1700">
+                <a:solidFill>
+                  <a:srgbClr val="0B5394"/>
+                </a:solidFill>
+                <a:latin typeface="Tahoma"/>
+                <a:ea typeface="Tahoma"/>
+                <a:cs typeface="Tahoma"/>
+                <a:sym typeface="Tahoma"/>
+              </a:rPr>
+              <a:t>✔ 3. Ochrona przed wirusami i malware</a:t>
+            </a:r>
+            <a:endParaRPr b="1" sz="1700">
+              <a:solidFill>
+                <a:srgbClr val="0B5394"/>
+              </a:solidFill>
+              <a:latin typeface="Tahoma"/>
+              <a:ea typeface="Tahoma"/>
+              <a:cs typeface="Tahoma"/>
+              <a:sym typeface="Tahoma"/>
+            </a:endParaRPr>
+          </a:p>
+          <a:p>
+            <a:pPr indent="-298450" lvl="0" marL="457200" rtl="0" algn="l">
+              <a:lnSpc>
+                <a:spcPct val="100000"/>
+              </a:lnSpc>
+              <a:spcBef>
+                <a:spcPts val="0"/>
+              </a:spcBef>
+              <a:spcAft>
+                <a:spcPts val="0"/>
+              </a:spcAft>
+              <a:buClr>
+                <a:srgbClr val="000000"/>
+              </a:buClr>
+              <a:buSzPts val="1100"/>
+              <a:buFont typeface="Tahoma"/>
+              <a:buChar char="●"/>
+            </a:pPr>
+            <a:r>
+              <a:rPr lang="pl" sz="1100">
+                <a:solidFill>
+                  <a:srgbClr val="000000"/>
+                </a:solidFill>
+                <a:latin typeface="Tahoma"/>
+                <a:ea typeface="Tahoma"/>
+                <a:cs typeface="Tahoma"/>
+                <a:sym typeface="Tahoma"/>
+              </a:rPr>
+              <a:t>obowiązkowe aktualizacje,</a:t>
+            </a:r>
+            <a:endParaRPr sz="1100">
+              <a:solidFill>
+                <a:srgbClr val="000000"/>
+              </a:solidFill>
+              <a:latin typeface="Tahoma"/>
+              <a:ea typeface="Tahoma"/>
+              <a:cs typeface="Tahoma"/>
+              <a:sym typeface="Tahoma"/>
+            </a:endParaRPr>
+          </a:p>
+          <a:p>
+            <a:pPr indent="-298450" lvl="0" marL="457200" rtl="0" algn="l">
+              <a:lnSpc>
+                <a:spcPct val="100000"/>
+              </a:lnSpc>
+              <a:spcBef>
+                <a:spcPts val="0"/>
+              </a:spcBef>
+              <a:spcAft>
+                <a:spcPts val="0"/>
+              </a:spcAft>
+              <a:buClr>
+                <a:srgbClr val="000000"/>
+              </a:buClr>
+              <a:buSzPts val="1100"/>
+              <a:buFont typeface="Tahoma"/>
+              <a:buChar char="●"/>
+            </a:pPr>
+            <a:r>
+              <a:rPr lang="pl" sz="1100">
+                <a:solidFill>
+                  <a:srgbClr val="000000"/>
+                </a:solidFill>
+                <a:latin typeface="Tahoma"/>
+                <a:ea typeface="Tahoma"/>
+                <a:cs typeface="Tahoma"/>
+                <a:sym typeface="Tahoma"/>
+              </a:rPr>
+              <a:t>używanie antywirusów,</a:t>
+            </a:r>
+            <a:endParaRPr sz="1100">
+              <a:solidFill>
+                <a:srgbClr val="000000"/>
+              </a:solidFill>
+              <a:latin typeface="Tahoma"/>
+              <a:ea typeface="Tahoma"/>
+              <a:cs typeface="Tahoma"/>
+              <a:sym typeface="Tahoma"/>
+            </a:endParaRPr>
+          </a:p>
+          <a:p>
+            <a:pPr indent="-298450" lvl="0" marL="457200" rtl="0" algn="l">
+              <a:lnSpc>
+                <a:spcPct val="100000"/>
+              </a:lnSpc>
+              <a:spcBef>
+                <a:spcPts val="0"/>
+              </a:spcBef>
+              <a:spcAft>
+                <a:spcPts val="0"/>
+              </a:spcAft>
+              <a:buClr>
+                <a:srgbClr val="000000"/>
+              </a:buClr>
+              <a:buSzPts val="1100"/>
+              <a:buFont typeface="Tahoma"/>
+              <a:buChar char="●"/>
+            </a:pPr>
+            <a:r>
+              <a:rPr lang="pl" sz="1100">
+                <a:solidFill>
+                  <a:srgbClr val="000000"/>
+                </a:solidFill>
+                <a:latin typeface="Tahoma"/>
+                <a:ea typeface="Tahoma"/>
+                <a:cs typeface="Tahoma"/>
+                <a:sym typeface="Tahoma"/>
+              </a:rPr>
+              <a:t>zakaz otwierania podejrzanych załączników.</a:t>
+            </a:r>
+            <a:endParaRPr>
+              <a:latin typeface="Tahoma"/>
+              <a:ea typeface="Tahoma"/>
+              <a:cs typeface="Tahoma"/>
+              <a:sym typeface="Tahoma"/>
+            </a:endParaRPr>
+          </a:p>
+        </p:txBody>
+      </p:sp>
+    </p:spTree>
+  </p:cSld>
+  <p:clrMapOvr>
+    <a:masterClrMapping/>
+  </p:clrMapOvr>
+</p:sld>
+</file>
+
+<file path=ppt/slides/slide75.xml><?xml version="1.0" encoding="utf-8"?>
+<p:sld xmlns:a="http://schemas.openxmlformats.org/drawingml/2006/main" xmlns:r="http://schemas.openxmlformats.org/officeDocument/2006/relationships" xmlns:mc="http://schemas.openxmlformats.org/markup-compatibility/2006" xmlns:mv="urn:schemas-microsoft-com:mac:vml" xmlns:p="http://schemas.openxmlformats.org/presentationml/2006/main" xmlns:c="http://schemas.openxmlformats.org/drawingml/2006/chart" xmlns:dgm="http://schemas.openxmlformats.org/drawingml/2006/diagram" xmlns:o="urn:schemas-microsoft-com:office:office" xmlns:v="urn:schemas-microsoft-com:vml" xmlns:pvml="urn:schemas-microsoft-com:office:powerpoint" xmlns:com="http://schemas.openxmlformats.org/drawingml/2006/compatibility" xmlns:p14="http://schemas.microsoft.com/office/powerpoint/2010/main" xmlns:p15="http://schemas.microsoft.com/office/powerpoint/2012/main" xmlns:ahyp="http://schemas.microsoft.com/office/drawing/2018/hyperlinkcolor">
+  <p:cSld>
+    <p:spTree>
+      <p:nvGrpSpPr>
+        <p:cNvPr id="533" name="Shape 533"/>
+        <p:cNvGrpSpPr/>
+        <p:nvPr/>
+      </p:nvGrpSpPr>
+      <p:grpSpPr>
+        <a:xfrm>
+          <a:off x="0" y="0"/>
+          <a:ext cx="0" cy="0"/>
+          <a:chOff x="0" y="0"/>
+          <a:chExt cx="0" cy="0"/>
+        </a:xfrm>
+      </p:grpSpPr>
+      <p:sp>
+        <p:nvSpPr>
+          <p:cNvPr id="534" name="Google Shape;534;p87"/>
+          <p:cNvSpPr txBox="1"/>
+          <p:nvPr>
+            <p:ph type="title"/>
+          </p:nvPr>
+        </p:nvSpPr>
+        <p:spPr>
+          <a:xfrm>
+            <a:off x="729450" y="1318650"/>
+            <a:ext cx="7688700" cy="535200"/>
+          </a:xfrm>
+          <a:prstGeom prst="rect">
+            <a:avLst/>
+          </a:prstGeom>
+        </p:spPr>
+        <p:txBody>
+          <a:bodyPr anchorCtr="0" anchor="t" bIns="91425" lIns="91425" spcFirstLastPara="1" rIns="91425" wrap="square" tIns="91425">
+            <a:normAutofit fontScale="90000"/>
+          </a:bodyPr>
+          <a:lstStyle/>
+          <a:p>
+            <a:pPr indent="0" lvl="0" marL="0" rtl="0" algn="l">
+              <a:spcBef>
+                <a:spcPts val="0"/>
+              </a:spcBef>
+              <a:spcAft>
+                <a:spcPts val="0"/>
+              </a:spcAft>
+              <a:buClr>
+                <a:srgbClr val="000000"/>
+              </a:buClr>
+              <a:buSzPct val="40573"/>
+              <a:buFont typeface="Arial"/>
+              <a:buNone/>
+            </a:pPr>
+            <a:r>
+              <a:rPr lang="pl" sz="2440">
+                <a:latin typeface="Tahoma"/>
+                <a:ea typeface="Tahoma"/>
+                <a:cs typeface="Tahoma"/>
+                <a:sym typeface="Tahoma"/>
+              </a:rPr>
+              <a:t>Co zawierają polityki bezpieczeństwa w sieci?</a:t>
+            </a:r>
+            <a:endParaRPr sz="2440">
+              <a:latin typeface="Tahoma"/>
+              <a:ea typeface="Tahoma"/>
+              <a:cs typeface="Tahoma"/>
+              <a:sym typeface="Tahoma"/>
+            </a:endParaRPr>
+          </a:p>
+          <a:p>
+            <a:pPr indent="0" lvl="0" marL="0" rtl="0" algn="l">
+              <a:spcBef>
+                <a:spcPts val="0"/>
+              </a:spcBef>
+              <a:spcAft>
+                <a:spcPts val="0"/>
+              </a:spcAft>
+              <a:buNone/>
+            </a:pPr>
+            <a:r>
+              <a:t/>
+            </a:r>
+            <a:endParaRPr/>
+          </a:p>
+        </p:txBody>
+      </p:sp>
+      <p:sp>
+        <p:nvSpPr>
+          <p:cNvPr id="535" name="Google Shape;535;p87"/>
+          <p:cNvSpPr txBox="1"/>
+          <p:nvPr>
+            <p:ph idx="1" type="body"/>
+          </p:nvPr>
+        </p:nvSpPr>
+        <p:spPr>
+          <a:xfrm>
+            <a:off x="729450" y="2078875"/>
+            <a:ext cx="7688700" cy="2261100"/>
+          </a:xfrm>
+          <a:prstGeom prst="rect">
+            <a:avLst/>
+          </a:prstGeom>
+        </p:spPr>
+        <p:txBody>
+          <a:bodyPr anchorCtr="0" anchor="t" bIns="91425" lIns="91425" spcFirstLastPara="1" rIns="91425" wrap="square" tIns="91425">
+            <a:noAutofit/>
+          </a:bodyPr>
+          <a:lstStyle/>
+          <a:p>
+            <a:pPr indent="0" lvl="0" marL="0" rtl="0" algn="l">
+              <a:lnSpc>
+                <a:spcPct val="85000"/>
+              </a:lnSpc>
+              <a:spcBef>
+                <a:spcPts val="0"/>
+              </a:spcBef>
+              <a:spcAft>
+                <a:spcPts val="0"/>
+              </a:spcAft>
+              <a:buSzPts val="770"/>
+              <a:buNone/>
+            </a:pPr>
+            <a:r>
+              <a:rPr b="1" lang="pl" sz="1400">
+                <a:solidFill>
+                  <a:srgbClr val="0B5394"/>
+                </a:solidFill>
+                <a:latin typeface="Tahoma"/>
+                <a:ea typeface="Tahoma"/>
+                <a:cs typeface="Tahoma"/>
+                <a:sym typeface="Tahoma"/>
+              </a:rPr>
+              <a:t>✔ 4. Dostęp do danych</a:t>
+            </a:r>
+            <a:endParaRPr b="1" sz="1400">
+              <a:solidFill>
+                <a:srgbClr val="0B5394"/>
+              </a:solidFill>
+              <a:latin typeface="Tahoma"/>
+              <a:ea typeface="Tahoma"/>
+              <a:cs typeface="Tahoma"/>
+              <a:sym typeface="Tahoma"/>
+            </a:endParaRPr>
+          </a:p>
+          <a:p>
+            <a:pPr indent="-317500" lvl="0" marL="457200" rtl="0" algn="l">
+              <a:lnSpc>
+                <a:spcPct val="85000"/>
+              </a:lnSpc>
+              <a:spcBef>
+                <a:spcPts val="0"/>
+              </a:spcBef>
+              <a:spcAft>
+                <a:spcPts val="0"/>
+              </a:spcAft>
+              <a:buClr>
+                <a:srgbClr val="000000"/>
+              </a:buClr>
+              <a:buSzPts val="1400"/>
+              <a:buFont typeface="Tahoma"/>
+              <a:buChar char="●"/>
+            </a:pPr>
+            <a:r>
+              <a:rPr lang="pl" sz="1400">
+                <a:solidFill>
+                  <a:srgbClr val="000000"/>
+                </a:solidFill>
+                <a:latin typeface="Tahoma"/>
+                <a:ea typeface="Tahoma"/>
+                <a:cs typeface="Tahoma"/>
+                <a:sym typeface="Tahoma"/>
+              </a:rPr>
+              <a:t>kto ma dostęp do jakich plików,</a:t>
+            </a:r>
+            <a:endParaRPr sz="1400">
+              <a:solidFill>
+                <a:srgbClr val="000000"/>
+              </a:solidFill>
+              <a:latin typeface="Tahoma"/>
+              <a:ea typeface="Tahoma"/>
+              <a:cs typeface="Tahoma"/>
+              <a:sym typeface="Tahoma"/>
+            </a:endParaRPr>
+          </a:p>
+          <a:p>
+            <a:pPr indent="-317500" lvl="0" marL="457200" rtl="0" algn="l">
+              <a:lnSpc>
+                <a:spcPct val="85000"/>
+              </a:lnSpc>
+              <a:spcBef>
+                <a:spcPts val="0"/>
+              </a:spcBef>
+              <a:spcAft>
+                <a:spcPts val="0"/>
+              </a:spcAft>
+              <a:buClr>
+                <a:srgbClr val="000000"/>
+              </a:buClr>
+              <a:buSzPts val="1400"/>
+              <a:buFont typeface="Tahoma"/>
+              <a:buChar char="●"/>
+            </a:pPr>
+            <a:r>
+              <a:rPr lang="pl" sz="1400">
+                <a:solidFill>
+                  <a:srgbClr val="000000"/>
+                </a:solidFill>
+                <a:latin typeface="Tahoma"/>
+                <a:ea typeface="Tahoma"/>
+                <a:cs typeface="Tahoma"/>
+                <a:sym typeface="Tahoma"/>
+              </a:rPr>
+              <a:t>jak przechowywać dane wrażliwe (szyfrowanie).</a:t>
+            </a:r>
+            <a:br>
+              <a:rPr lang="pl" sz="1400">
+                <a:solidFill>
+                  <a:srgbClr val="000000"/>
+                </a:solidFill>
+                <a:latin typeface="Tahoma"/>
+                <a:ea typeface="Tahoma"/>
+                <a:cs typeface="Tahoma"/>
+                <a:sym typeface="Tahoma"/>
+              </a:rPr>
+            </a:br>
+            <a:endParaRPr sz="1400">
+              <a:solidFill>
+                <a:srgbClr val="000000"/>
+              </a:solidFill>
+              <a:latin typeface="Tahoma"/>
+              <a:ea typeface="Tahoma"/>
+              <a:cs typeface="Tahoma"/>
+              <a:sym typeface="Tahoma"/>
+            </a:endParaRPr>
+          </a:p>
+          <a:p>
+            <a:pPr indent="0" lvl="0" marL="0" rtl="0" algn="l">
+              <a:lnSpc>
+                <a:spcPct val="85000"/>
+              </a:lnSpc>
+              <a:spcBef>
+                <a:spcPts val="0"/>
+              </a:spcBef>
+              <a:spcAft>
+                <a:spcPts val="0"/>
+              </a:spcAft>
+              <a:buSzPts val="770"/>
+              <a:buNone/>
+            </a:pPr>
+            <a:r>
+              <a:rPr b="1" lang="pl" sz="1400">
+                <a:solidFill>
+                  <a:srgbClr val="0B5394"/>
+                </a:solidFill>
+                <a:latin typeface="Tahoma"/>
+                <a:ea typeface="Tahoma"/>
+                <a:cs typeface="Tahoma"/>
+                <a:sym typeface="Tahoma"/>
+              </a:rPr>
+              <a:t>✔ 5. Zasady pracy zdalnej</a:t>
+            </a:r>
+            <a:endParaRPr b="1" sz="1400">
+              <a:solidFill>
+                <a:srgbClr val="0B5394"/>
+              </a:solidFill>
+              <a:latin typeface="Tahoma"/>
+              <a:ea typeface="Tahoma"/>
+              <a:cs typeface="Tahoma"/>
+              <a:sym typeface="Tahoma"/>
+            </a:endParaRPr>
+          </a:p>
+          <a:p>
+            <a:pPr indent="-317500" lvl="0" marL="457200" rtl="0" algn="l">
+              <a:lnSpc>
+                <a:spcPct val="85000"/>
+              </a:lnSpc>
+              <a:spcBef>
+                <a:spcPts val="0"/>
+              </a:spcBef>
+              <a:spcAft>
+                <a:spcPts val="0"/>
+              </a:spcAft>
+              <a:buClr>
+                <a:srgbClr val="000000"/>
+              </a:buClr>
+              <a:buSzPts val="1400"/>
+              <a:buFont typeface="Tahoma"/>
+              <a:buChar char="●"/>
+            </a:pPr>
+            <a:r>
+              <a:rPr lang="pl" sz="1400">
+                <a:solidFill>
+                  <a:srgbClr val="000000"/>
+                </a:solidFill>
+                <a:latin typeface="Tahoma"/>
+                <a:ea typeface="Tahoma"/>
+                <a:cs typeface="Tahoma"/>
+                <a:sym typeface="Tahoma"/>
+              </a:rPr>
+              <a:t>VPN,</a:t>
+            </a:r>
+            <a:endParaRPr sz="1400">
+              <a:solidFill>
+                <a:srgbClr val="000000"/>
+              </a:solidFill>
+              <a:latin typeface="Tahoma"/>
+              <a:ea typeface="Tahoma"/>
+              <a:cs typeface="Tahoma"/>
+              <a:sym typeface="Tahoma"/>
+            </a:endParaRPr>
+          </a:p>
+          <a:p>
+            <a:pPr indent="-317500" lvl="0" marL="457200" rtl="0" algn="l">
+              <a:lnSpc>
+                <a:spcPct val="85000"/>
+              </a:lnSpc>
+              <a:spcBef>
+                <a:spcPts val="0"/>
+              </a:spcBef>
+              <a:spcAft>
+                <a:spcPts val="0"/>
+              </a:spcAft>
+              <a:buClr>
+                <a:srgbClr val="000000"/>
+              </a:buClr>
+              <a:buSzPts val="1400"/>
+              <a:buFont typeface="Tahoma"/>
+              <a:buChar char="●"/>
+            </a:pPr>
+            <a:r>
+              <a:rPr lang="pl" sz="1400">
+                <a:solidFill>
+                  <a:srgbClr val="000000"/>
+                </a:solidFill>
+                <a:latin typeface="Tahoma"/>
+                <a:ea typeface="Tahoma"/>
+                <a:cs typeface="Tahoma"/>
+                <a:sym typeface="Tahoma"/>
+              </a:rPr>
+              <a:t>zabezpieczone Wi-Fi,</a:t>
+            </a:r>
+            <a:endParaRPr sz="1400">
+              <a:solidFill>
+                <a:srgbClr val="000000"/>
+              </a:solidFill>
+              <a:latin typeface="Tahoma"/>
+              <a:ea typeface="Tahoma"/>
+              <a:cs typeface="Tahoma"/>
+              <a:sym typeface="Tahoma"/>
+            </a:endParaRPr>
+          </a:p>
+          <a:p>
+            <a:pPr indent="-317500" lvl="0" marL="457200" rtl="0" algn="l">
+              <a:lnSpc>
+                <a:spcPct val="85000"/>
+              </a:lnSpc>
+              <a:spcBef>
+                <a:spcPts val="0"/>
+              </a:spcBef>
+              <a:spcAft>
+                <a:spcPts val="0"/>
+              </a:spcAft>
+              <a:buClr>
+                <a:srgbClr val="000000"/>
+              </a:buClr>
+              <a:buSzPts val="1400"/>
+              <a:buFont typeface="Tahoma"/>
+              <a:buChar char="●"/>
+            </a:pPr>
+            <a:r>
+              <a:rPr lang="pl" sz="1400">
+                <a:solidFill>
+                  <a:srgbClr val="000000"/>
+                </a:solidFill>
+                <a:latin typeface="Tahoma"/>
+                <a:ea typeface="Tahoma"/>
+                <a:cs typeface="Tahoma"/>
+                <a:sym typeface="Tahoma"/>
+              </a:rPr>
+              <a:t>sprawdzone urządzenia.</a:t>
+            </a:r>
+            <a:br>
+              <a:rPr lang="pl" sz="1400">
+                <a:solidFill>
+                  <a:srgbClr val="000000"/>
+                </a:solidFill>
+                <a:latin typeface="Tahoma"/>
+                <a:ea typeface="Tahoma"/>
+                <a:cs typeface="Tahoma"/>
+                <a:sym typeface="Tahoma"/>
+              </a:rPr>
+            </a:br>
+            <a:endParaRPr sz="1400">
+              <a:solidFill>
+                <a:srgbClr val="000000"/>
+              </a:solidFill>
+              <a:latin typeface="Tahoma"/>
+              <a:ea typeface="Tahoma"/>
+              <a:cs typeface="Tahoma"/>
+              <a:sym typeface="Tahoma"/>
+            </a:endParaRPr>
+          </a:p>
+          <a:p>
+            <a:pPr indent="0" lvl="0" marL="0" rtl="0" algn="l">
+              <a:lnSpc>
+                <a:spcPct val="85000"/>
+              </a:lnSpc>
+              <a:spcBef>
+                <a:spcPts val="0"/>
+              </a:spcBef>
+              <a:spcAft>
+                <a:spcPts val="0"/>
+              </a:spcAft>
+              <a:buSzPts val="770"/>
+              <a:buNone/>
+            </a:pPr>
+            <a:r>
+              <a:rPr b="1" lang="pl" sz="1400">
+                <a:solidFill>
+                  <a:srgbClr val="0B5394"/>
+                </a:solidFill>
+                <a:latin typeface="Tahoma"/>
+                <a:ea typeface="Tahoma"/>
+                <a:cs typeface="Tahoma"/>
+                <a:sym typeface="Tahoma"/>
+              </a:rPr>
+              <a:t>✔ 6. Kopie zapasowe (backupy)</a:t>
+            </a:r>
+            <a:endParaRPr b="1" sz="1400">
+              <a:solidFill>
+                <a:srgbClr val="0B5394"/>
+              </a:solidFill>
+              <a:latin typeface="Tahoma"/>
+              <a:ea typeface="Tahoma"/>
+              <a:cs typeface="Tahoma"/>
+              <a:sym typeface="Tahoma"/>
+            </a:endParaRPr>
+          </a:p>
+          <a:p>
+            <a:pPr indent="-317500" lvl="0" marL="457200" rtl="0" algn="l">
+              <a:lnSpc>
+                <a:spcPct val="85000"/>
+              </a:lnSpc>
+              <a:spcBef>
+                <a:spcPts val="0"/>
+              </a:spcBef>
+              <a:spcAft>
+                <a:spcPts val="0"/>
+              </a:spcAft>
+              <a:buClr>
+                <a:srgbClr val="000000"/>
+              </a:buClr>
+              <a:buSzPts val="1400"/>
+              <a:buFont typeface="Tahoma"/>
+              <a:buChar char="●"/>
+            </a:pPr>
+            <a:r>
+              <a:rPr lang="pl" sz="1400">
+                <a:solidFill>
+                  <a:srgbClr val="000000"/>
+                </a:solidFill>
+                <a:latin typeface="Tahoma"/>
+                <a:ea typeface="Tahoma"/>
+                <a:cs typeface="Tahoma"/>
+                <a:sym typeface="Tahoma"/>
+              </a:rPr>
+              <a:t>jak często robić,</a:t>
+            </a:r>
+            <a:endParaRPr sz="1400">
+              <a:solidFill>
+                <a:srgbClr val="000000"/>
+              </a:solidFill>
+              <a:latin typeface="Tahoma"/>
+              <a:ea typeface="Tahoma"/>
+              <a:cs typeface="Tahoma"/>
+              <a:sym typeface="Tahoma"/>
+            </a:endParaRPr>
+          </a:p>
+          <a:p>
+            <a:pPr indent="-317500" lvl="0" marL="457200" rtl="0" algn="l">
+              <a:lnSpc>
+                <a:spcPct val="85000"/>
+              </a:lnSpc>
+              <a:spcBef>
+                <a:spcPts val="0"/>
+              </a:spcBef>
+              <a:spcAft>
+                <a:spcPts val="0"/>
+              </a:spcAft>
+              <a:buClr>
+                <a:srgbClr val="000000"/>
+              </a:buClr>
+              <a:buSzPts val="1400"/>
+              <a:buFont typeface="Tahoma"/>
+              <a:buChar char="●"/>
+            </a:pPr>
+            <a:r>
+              <a:rPr lang="pl" sz="1400">
+                <a:solidFill>
+                  <a:srgbClr val="000000"/>
+                </a:solidFill>
+                <a:latin typeface="Tahoma"/>
+                <a:ea typeface="Tahoma"/>
+                <a:cs typeface="Tahoma"/>
+                <a:sym typeface="Tahoma"/>
+              </a:rPr>
+              <a:t>gdzie przechowywać,</a:t>
+            </a:r>
+            <a:endParaRPr sz="1400">
+              <a:solidFill>
+                <a:srgbClr val="000000"/>
+              </a:solidFill>
+              <a:latin typeface="Tahoma"/>
+              <a:ea typeface="Tahoma"/>
+              <a:cs typeface="Tahoma"/>
+              <a:sym typeface="Tahoma"/>
+            </a:endParaRPr>
+          </a:p>
+          <a:p>
+            <a:pPr indent="-317500" lvl="0" marL="457200" rtl="0" algn="l">
+              <a:lnSpc>
+                <a:spcPct val="85000"/>
+              </a:lnSpc>
+              <a:spcBef>
+                <a:spcPts val="0"/>
+              </a:spcBef>
+              <a:spcAft>
+                <a:spcPts val="0"/>
+              </a:spcAft>
+              <a:buClr>
+                <a:srgbClr val="000000"/>
+              </a:buClr>
+              <a:buSzPts val="1400"/>
+              <a:buFont typeface="Tahoma"/>
+              <a:buChar char="●"/>
+            </a:pPr>
+            <a:r>
+              <a:rPr lang="pl" sz="1400">
+                <a:solidFill>
+                  <a:srgbClr val="000000"/>
+                </a:solidFill>
+                <a:latin typeface="Tahoma"/>
+                <a:ea typeface="Tahoma"/>
+                <a:cs typeface="Tahoma"/>
+                <a:sym typeface="Tahoma"/>
+              </a:rPr>
+              <a:t>kto jest odpowiedzialny.</a:t>
+            </a:r>
+            <a:endParaRPr sz="1400">
+              <a:latin typeface="Tahoma"/>
+              <a:ea typeface="Tahoma"/>
+              <a:cs typeface="Tahoma"/>
+              <a:sym typeface="Tahoma"/>
+            </a:endParaRPr>
+          </a:p>
+        </p:txBody>
+      </p:sp>
+    </p:spTree>
+  </p:cSld>
+  <p:clrMapOvr>
+    <a:masterClrMapping/>
+  </p:clrMapOvr>
+</p:sld>
+</file>
+
+<file path=ppt/slides/slide76.xml><?xml version="1.0" encoding="utf-8"?>
+<p:sld xmlns:a="http://schemas.openxmlformats.org/drawingml/2006/main" xmlns:r="http://schemas.openxmlformats.org/officeDocument/2006/relationships" xmlns:mc="http://schemas.openxmlformats.org/markup-compatibility/2006" xmlns:mv="urn:schemas-microsoft-com:mac:vml" xmlns:p="http://schemas.openxmlformats.org/presentationml/2006/main" xmlns:c="http://schemas.openxmlformats.org/drawingml/2006/chart" xmlns:dgm="http://schemas.openxmlformats.org/drawingml/2006/diagram" xmlns:o="urn:schemas-microsoft-com:office:office" xmlns:v="urn:schemas-microsoft-com:vml" xmlns:pvml="urn:schemas-microsoft-com:office:powerpoint" xmlns:com="http://schemas.openxmlformats.org/drawingml/2006/compatibility" xmlns:p14="http://schemas.microsoft.com/office/powerpoint/2010/main" xmlns:p15="http://schemas.microsoft.com/office/powerpoint/2012/main" xmlns:ahyp="http://schemas.microsoft.com/office/drawing/2018/hyperlinkcolor">
+  <p:cSld>
+    <p:spTree>
+      <p:nvGrpSpPr>
+        <p:cNvPr id="539" name="Shape 539"/>
+        <p:cNvGrpSpPr/>
+        <p:nvPr/>
+      </p:nvGrpSpPr>
+      <p:grpSpPr>
+        <a:xfrm>
+          <a:off x="0" y="0"/>
+          <a:ext cx="0" cy="0"/>
+          <a:chOff x="0" y="0"/>
+          <a:chExt cx="0" cy="0"/>
+        </a:xfrm>
+      </p:grpSpPr>
+      <p:sp>
+        <p:nvSpPr>
+          <p:cNvPr id="540" name="Google Shape;540;p88"/>
+          <p:cNvSpPr txBox="1"/>
+          <p:nvPr>
+            <p:ph type="title"/>
+          </p:nvPr>
+        </p:nvSpPr>
+        <p:spPr>
+          <a:xfrm>
+            <a:off x="729450" y="1318650"/>
+            <a:ext cx="7688700" cy="535200"/>
+          </a:xfrm>
+          <a:prstGeom prst="rect">
+            <a:avLst/>
+          </a:prstGeom>
+        </p:spPr>
+        <p:txBody>
+          <a:bodyPr anchorCtr="0" anchor="t" bIns="91425" lIns="91425" spcFirstLastPara="1" rIns="91425" wrap="square" tIns="91425">
+            <a:normAutofit fontScale="90000"/>
+          </a:bodyPr>
+          <a:lstStyle/>
+          <a:p>
+            <a:pPr indent="0" lvl="0" marL="0" rtl="0" algn="l">
+              <a:spcBef>
+                <a:spcPts val="0"/>
+              </a:spcBef>
+              <a:spcAft>
+                <a:spcPts val="0"/>
+              </a:spcAft>
+              <a:buClr>
+                <a:srgbClr val="000000"/>
+              </a:buClr>
+              <a:buSzPct val="40573"/>
+              <a:buFont typeface="Arial"/>
+              <a:buNone/>
+            </a:pPr>
+            <a:r>
+              <a:rPr lang="pl" sz="2440">
+                <a:latin typeface="Tahoma"/>
+                <a:ea typeface="Tahoma"/>
+                <a:cs typeface="Tahoma"/>
+                <a:sym typeface="Tahoma"/>
+              </a:rPr>
+              <a:t>Co zawierają polityki bezpieczeństwa w sieci?</a:t>
+            </a:r>
+            <a:endParaRPr sz="2440">
+              <a:latin typeface="Tahoma"/>
+              <a:ea typeface="Tahoma"/>
+              <a:cs typeface="Tahoma"/>
+              <a:sym typeface="Tahoma"/>
+            </a:endParaRPr>
+          </a:p>
+          <a:p>
+            <a:pPr indent="0" lvl="0" marL="0" rtl="0" algn="l">
+              <a:spcBef>
+                <a:spcPts val="0"/>
+              </a:spcBef>
+              <a:spcAft>
+                <a:spcPts val="0"/>
+              </a:spcAft>
+              <a:buNone/>
+            </a:pPr>
+            <a:r>
+              <a:t/>
+            </a:r>
+            <a:endParaRPr/>
+          </a:p>
+        </p:txBody>
+      </p:sp>
+      <p:sp>
+        <p:nvSpPr>
+          <p:cNvPr id="541" name="Google Shape;541;p88"/>
+          <p:cNvSpPr txBox="1"/>
+          <p:nvPr>
+            <p:ph idx="1" type="body"/>
+          </p:nvPr>
+        </p:nvSpPr>
+        <p:spPr>
+          <a:xfrm>
+            <a:off x="729450" y="2078875"/>
+            <a:ext cx="7688700" cy="2955900"/>
+          </a:xfrm>
+          <a:prstGeom prst="rect">
+            <a:avLst/>
+          </a:prstGeom>
+        </p:spPr>
+        <p:txBody>
+          <a:bodyPr anchorCtr="0" anchor="t" bIns="91425" lIns="91425" spcFirstLastPara="1" rIns="91425" wrap="square" tIns="91425">
+            <a:noAutofit/>
+          </a:bodyPr>
+          <a:lstStyle/>
+          <a:p>
+            <a:pPr indent="0" lvl="0" marL="0" rtl="0" algn="l">
+              <a:lnSpc>
+                <a:spcPct val="100000"/>
+              </a:lnSpc>
+              <a:spcBef>
+                <a:spcPts val="0"/>
+              </a:spcBef>
+              <a:spcAft>
+                <a:spcPts val="0"/>
+              </a:spcAft>
+              <a:buNone/>
+            </a:pPr>
+            <a:r>
+              <a:rPr b="1" lang="pl" sz="1200">
+                <a:solidFill>
+                  <a:srgbClr val="0B5394"/>
+                </a:solidFill>
+                <a:latin typeface="Tahoma"/>
+                <a:ea typeface="Tahoma"/>
+                <a:cs typeface="Tahoma"/>
+                <a:sym typeface="Tahoma"/>
+              </a:rPr>
+              <a:t>✔ 7. Reagowanie na incydenty bezpieczeństwa</a:t>
+            </a:r>
+            <a:endParaRPr b="1" sz="1200">
+              <a:solidFill>
+                <a:srgbClr val="0B5394"/>
+              </a:solidFill>
+              <a:latin typeface="Tahoma"/>
+              <a:ea typeface="Tahoma"/>
+              <a:cs typeface="Tahoma"/>
+              <a:sym typeface="Tahoma"/>
+            </a:endParaRPr>
+          </a:p>
+          <a:p>
+            <a:pPr indent="-304800" lvl="0" marL="457200" rtl="0" algn="l">
+              <a:lnSpc>
+                <a:spcPct val="100000"/>
+              </a:lnSpc>
+              <a:spcBef>
+                <a:spcPts val="0"/>
+              </a:spcBef>
+              <a:spcAft>
+                <a:spcPts val="0"/>
+              </a:spcAft>
+              <a:buClr>
+                <a:srgbClr val="000000"/>
+              </a:buClr>
+              <a:buSzPts val="1200"/>
+              <a:buFont typeface="Tahoma"/>
+              <a:buChar char="●"/>
+            </a:pPr>
+            <a:r>
+              <a:rPr lang="pl" sz="1200">
+                <a:solidFill>
+                  <a:srgbClr val="000000"/>
+                </a:solidFill>
+                <a:latin typeface="Tahoma"/>
+                <a:ea typeface="Tahoma"/>
+                <a:cs typeface="Tahoma"/>
+                <a:sym typeface="Tahoma"/>
+              </a:rPr>
+              <a:t>co zrobić, jeśli nastąpi:</a:t>
+            </a:r>
+            <a:endParaRPr sz="1200">
+              <a:solidFill>
+                <a:srgbClr val="000000"/>
+              </a:solidFill>
+              <a:latin typeface="Tahoma"/>
+              <a:ea typeface="Tahoma"/>
+              <a:cs typeface="Tahoma"/>
+              <a:sym typeface="Tahoma"/>
+            </a:endParaRPr>
+          </a:p>
+          <a:p>
+            <a:pPr indent="-304800" lvl="1" marL="914400" rtl="0" algn="l">
+              <a:lnSpc>
+                <a:spcPct val="100000"/>
+              </a:lnSpc>
+              <a:spcBef>
+                <a:spcPts val="0"/>
+              </a:spcBef>
+              <a:spcAft>
+                <a:spcPts val="0"/>
+              </a:spcAft>
+              <a:buClr>
+                <a:srgbClr val="000000"/>
+              </a:buClr>
+              <a:buSzPts val="1200"/>
+              <a:buFont typeface="Tahoma"/>
+              <a:buChar char="○"/>
+            </a:pPr>
+            <a:r>
+              <a:rPr lang="pl" sz="1200">
+                <a:solidFill>
+                  <a:srgbClr val="000000"/>
+                </a:solidFill>
+                <a:latin typeface="Tahoma"/>
+                <a:ea typeface="Tahoma"/>
+                <a:cs typeface="Tahoma"/>
+                <a:sym typeface="Tahoma"/>
+              </a:rPr>
+              <a:t>włamanie,</a:t>
+            </a:r>
+            <a:endParaRPr sz="1200">
+              <a:solidFill>
+                <a:srgbClr val="000000"/>
+              </a:solidFill>
+              <a:latin typeface="Tahoma"/>
+              <a:ea typeface="Tahoma"/>
+              <a:cs typeface="Tahoma"/>
+              <a:sym typeface="Tahoma"/>
+            </a:endParaRPr>
+          </a:p>
+          <a:p>
+            <a:pPr indent="-304800" lvl="1" marL="914400" rtl="0" algn="l">
+              <a:lnSpc>
+                <a:spcPct val="100000"/>
+              </a:lnSpc>
+              <a:spcBef>
+                <a:spcPts val="0"/>
+              </a:spcBef>
+              <a:spcAft>
+                <a:spcPts val="0"/>
+              </a:spcAft>
+              <a:buClr>
+                <a:srgbClr val="000000"/>
+              </a:buClr>
+              <a:buSzPts val="1200"/>
+              <a:buFont typeface="Tahoma"/>
+              <a:buChar char="○"/>
+            </a:pPr>
+            <a:r>
+              <a:rPr lang="pl" sz="1200">
+                <a:solidFill>
+                  <a:srgbClr val="000000"/>
+                </a:solidFill>
+                <a:latin typeface="Tahoma"/>
+                <a:ea typeface="Tahoma"/>
+                <a:cs typeface="Tahoma"/>
+                <a:sym typeface="Tahoma"/>
+              </a:rPr>
+              <a:t>infekcja systemu,</a:t>
+            </a:r>
+            <a:endParaRPr sz="1200">
+              <a:solidFill>
+                <a:srgbClr val="000000"/>
+              </a:solidFill>
+              <a:latin typeface="Tahoma"/>
+              <a:ea typeface="Tahoma"/>
+              <a:cs typeface="Tahoma"/>
+              <a:sym typeface="Tahoma"/>
+            </a:endParaRPr>
+          </a:p>
+          <a:p>
+            <a:pPr indent="-304800" lvl="1" marL="914400" rtl="0" algn="l">
+              <a:lnSpc>
+                <a:spcPct val="100000"/>
+              </a:lnSpc>
+              <a:spcBef>
+                <a:spcPts val="0"/>
+              </a:spcBef>
+              <a:spcAft>
+                <a:spcPts val="0"/>
+              </a:spcAft>
+              <a:buClr>
+                <a:srgbClr val="000000"/>
+              </a:buClr>
+              <a:buSzPts val="1200"/>
+              <a:buFont typeface="Tahoma"/>
+              <a:buChar char="○"/>
+            </a:pPr>
+            <a:r>
+              <a:rPr lang="pl" sz="1200">
+                <a:solidFill>
+                  <a:srgbClr val="000000"/>
+                </a:solidFill>
+                <a:latin typeface="Tahoma"/>
+                <a:ea typeface="Tahoma"/>
+                <a:cs typeface="Tahoma"/>
+                <a:sym typeface="Tahoma"/>
+              </a:rPr>
+              <a:t>utrata danych,</a:t>
+            </a:r>
+            <a:endParaRPr sz="1200">
+              <a:solidFill>
+                <a:srgbClr val="000000"/>
+              </a:solidFill>
+              <a:latin typeface="Tahoma"/>
+              <a:ea typeface="Tahoma"/>
+              <a:cs typeface="Tahoma"/>
+              <a:sym typeface="Tahoma"/>
+            </a:endParaRPr>
+          </a:p>
+          <a:p>
+            <a:pPr indent="-304800" lvl="1" marL="914400" rtl="0" algn="l">
+              <a:lnSpc>
+                <a:spcPct val="100000"/>
+              </a:lnSpc>
+              <a:spcBef>
+                <a:spcPts val="0"/>
+              </a:spcBef>
+              <a:spcAft>
+                <a:spcPts val="0"/>
+              </a:spcAft>
+              <a:buClr>
+                <a:srgbClr val="000000"/>
+              </a:buClr>
+              <a:buSzPts val="1200"/>
+              <a:buFont typeface="Tahoma"/>
+              <a:buChar char="○"/>
+            </a:pPr>
+            <a:r>
+              <a:rPr lang="pl" sz="1200">
+                <a:solidFill>
+                  <a:srgbClr val="000000"/>
+                </a:solidFill>
+                <a:latin typeface="Tahoma"/>
+                <a:ea typeface="Tahoma"/>
+                <a:cs typeface="Tahoma"/>
+                <a:sym typeface="Tahoma"/>
+              </a:rPr>
+              <a:t>próba phishingu.</a:t>
+            </a:r>
+            <a:endParaRPr sz="1200">
+              <a:solidFill>
+                <a:srgbClr val="000000"/>
+              </a:solidFill>
+              <a:latin typeface="Tahoma"/>
+              <a:ea typeface="Tahoma"/>
+              <a:cs typeface="Tahoma"/>
+              <a:sym typeface="Tahoma"/>
+            </a:endParaRPr>
+          </a:p>
+          <a:p>
+            <a:pPr indent="0" lvl="0" marL="0" rtl="0" algn="l">
+              <a:lnSpc>
+                <a:spcPct val="100000"/>
+              </a:lnSpc>
+              <a:spcBef>
+                <a:spcPts val="0"/>
+              </a:spcBef>
+              <a:spcAft>
+                <a:spcPts val="0"/>
+              </a:spcAft>
+              <a:buNone/>
+            </a:pPr>
+            <a:r>
+              <a:rPr b="1" lang="pl" sz="1200">
+                <a:solidFill>
+                  <a:srgbClr val="0B5394"/>
+                </a:solidFill>
+                <a:latin typeface="Tahoma"/>
+                <a:ea typeface="Tahoma"/>
+                <a:cs typeface="Tahoma"/>
+                <a:sym typeface="Tahoma"/>
+              </a:rPr>
+              <a:t>✔ 8. Ochrona sieci</a:t>
+            </a:r>
+            <a:endParaRPr b="1" sz="1200">
+              <a:solidFill>
+                <a:srgbClr val="0B5394"/>
+              </a:solidFill>
+              <a:latin typeface="Tahoma"/>
+              <a:ea typeface="Tahoma"/>
+              <a:cs typeface="Tahoma"/>
+              <a:sym typeface="Tahoma"/>
+            </a:endParaRPr>
+          </a:p>
+          <a:p>
+            <a:pPr indent="-304800" lvl="0" marL="457200" rtl="0" algn="l">
+              <a:lnSpc>
+                <a:spcPct val="100000"/>
+              </a:lnSpc>
+              <a:spcBef>
+                <a:spcPts val="0"/>
+              </a:spcBef>
+              <a:spcAft>
+                <a:spcPts val="0"/>
+              </a:spcAft>
+              <a:buClr>
+                <a:srgbClr val="000000"/>
+              </a:buClr>
+              <a:buSzPts val="1200"/>
+              <a:buFont typeface="Tahoma"/>
+              <a:buChar char="●"/>
+            </a:pPr>
+            <a:r>
+              <a:rPr lang="pl" sz="1200">
+                <a:solidFill>
+                  <a:srgbClr val="000000"/>
+                </a:solidFill>
+                <a:latin typeface="Tahoma"/>
+                <a:ea typeface="Tahoma"/>
+                <a:cs typeface="Tahoma"/>
+                <a:sym typeface="Tahoma"/>
+              </a:rPr>
+              <a:t>firewalle,</a:t>
+            </a:r>
+            <a:endParaRPr sz="1200">
+              <a:solidFill>
+                <a:srgbClr val="000000"/>
+              </a:solidFill>
+              <a:latin typeface="Tahoma"/>
+              <a:ea typeface="Tahoma"/>
+              <a:cs typeface="Tahoma"/>
+              <a:sym typeface="Tahoma"/>
+            </a:endParaRPr>
+          </a:p>
+          <a:p>
+            <a:pPr indent="-304800" lvl="0" marL="457200" rtl="0" algn="l">
+              <a:lnSpc>
+                <a:spcPct val="100000"/>
+              </a:lnSpc>
+              <a:spcBef>
+                <a:spcPts val="0"/>
+              </a:spcBef>
+              <a:spcAft>
+                <a:spcPts val="0"/>
+              </a:spcAft>
+              <a:buClr>
+                <a:srgbClr val="000000"/>
+              </a:buClr>
+              <a:buSzPts val="1200"/>
+              <a:buFont typeface="Tahoma"/>
+              <a:buChar char="●"/>
+            </a:pPr>
+            <a:r>
+              <a:rPr lang="pl" sz="1200">
+                <a:solidFill>
+                  <a:srgbClr val="000000"/>
+                </a:solidFill>
+                <a:latin typeface="Tahoma"/>
+                <a:ea typeface="Tahoma"/>
+                <a:cs typeface="Tahoma"/>
+                <a:sym typeface="Tahoma"/>
+              </a:rPr>
+              <a:t>filtrowanie stron,</a:t>
+            </a:r>
+            <a:endParaRPr sz="1200">
+              <a:solidFill>
+                <a:srgbClr val="000000"/>
+              </a:solidFill>
+              <a:latin typeface="Tahoma"/>
+              <a:ea typeface="Tahoma"/>
+              <a:cs typeface="Tahoma"/>
+              <a:sym typeface="Tahoma"/>
+            </a:endParaRPr>
+          </a:p>
+          <a:p>
+            <a:pPr indent="-304800" lvl="0" marL="457200" rtl="0" algn="l">
+              <a:lnSpc>
+                <a:spcPct val="100000"/>
+              </a:lnSpc>
+              <a:spcBef>
+                <a:spcPts val="0"/>
+              </a:spcBef>
+              <a:spcAft>
+                <a:spcPts val="0"/>
+              </a:spcAft>
+              <a:buClr>
+                <a:srgbClr val="000000"/>
+              </a:buClr>
+              <a:buSzPts val="1200"/>
+              <a:buFont typeface="Tahoma"/>
+              <a:buChar char="●"/>
+            </a:pPr>
+            <a:r>
+              <a:rPr lang="pl" sz="1200">
+                <a:solidFill>
+                  <a:srgbClr val="000000"/>
+                </a:solidFill>
+                <a:latin typeface="Tahoma"/>
+                <a:ea typeface="Tahoma"/>
+                <a:cs typeface="Tahoma"/>
+                <a:sym typeface="Tahoma"/>
+              </a:rPr>
+              <a:t>kontrola ruchu (monitoring sieci),</a:t>
+            </a:r>
+            <a:endParaRPr sz="1200">
+              <a:solidFill>
+                <a:srgbClr val="000000"/>
+              </a:solidFill>
+              <a:latin typeface="Tahoma"/>
+              <a:ea typeface="Tahoma"/>
+              <a:cs typeface="Tahoma"/>
+              <a:sym typeface="Tahoma"/>
+            </a:endParaRPr>
+          </a:p>
+          <a:p>
+            <a:pPr indent="-304800" lvl="0" marL="457200" rtl="0" algn="l">
+              <a:lnSpc>
+                <a:spcPct val="100000"/>
+              </a:lnSpc>
+              <a:spcBef>
+                <a:spcPts val="0"/>
+              </a:spcBef>
+              <a:spcAft>
+                <a:spcPts val="0"/>
+              </a:spcAft>
+              <a:buClr>
+                <a:srgbClr val="000000"/>
+              </a:buClr>
+              <a:buSzPts val="1200"/>
+              <a:buFont typeface="Tahoma"/>
+              <a:buChar char="●"/>
+            </a:pPr>
+            <a:r>
+              <a:rPr lang="pl" sz="1200">
+                <a:solidFill>
+                  <a:srgbClr val="000000"/>
+                </a:solidFill>
+                <a:latin typeface="Tahoma"/>
+                <a:ea typeface="Tahoma"/>
+                <a:cs typeface="Tahoma"/>
+                <a:sym typeface="Tahoma"/>
+              </a:rPr>
+              <a:t>aktualizacja systemów.</a:t>
+            </a:r>
+            <a:endParaRPr sz="1200">
+              <a:solidFill>
+                <a:srgbClr val="000000"/>
+              </a:solidFill>
+              <a:latin typeface="Tahoma"/>
+              <a:ea typeface="Tahoma"/>
+              <a:cs typeface="Tahoma"/>
+              <a:sym typeface="Tahoma"/>
+            </a:endParaRPr>
+          </a:p>
+          <a:p>
+            <a:pPr indent="0" lvl="0" marL="0" rtl="0" algn="l">
+              <a:lnSpc>
+                <a:spcPct val="100000"/>
+              </a:lnSpc>
+              <a:spcBef>
+                <a:spcPts val="0"/>
+              </a:spcBef>
+              <a:spcAft>
+                <a:spcPts val="0"/>
+              </a:spcAft>
+              <a:buNone/>
+            </a:pPr>
+            <a:r>
+              <a:rPr b="1" lang="pl" sz="1200">
+                <a:solidFill>
+                  <a:srgbClr val="0B5394"/>
+                </a:solidFill>
+                <a:latin typeface="Tahoma"/>
+                <a:ea typeface="Tahoma"/>
+                <a:cs typeface="Tahoma"/>
+                <a:sym typeface="Tahoma"/>
+              </a:rPr>
+              <a:t>✔ 9. Polityka prywatności użytkowników</a:t>
+            </a:r>
+            <a:endParaRPr b="1" sz="1200">
+              <a:solidFill>
+                <a:srgbClr val="0B5394"/>
+              </a:solidFill>
+              <a:latin typeface="Tahoma"/>
+              <a:ea typeface="Tahoma"/>
+              <a:cs typeface="Tahoma"/>
+              <a:sym typeface="Tahoma"/>
+            </a:endParaRPr>
+          </a:p>
+          <a:p>
+            <a:pPr indent="-304800" lvl="0" marL="457200" rtl="0" algn="l">
+              <a:lnSpc>
+                <a:spcPct val="100000"/>
+              </a:lnSpc>
+              <a:spcBef>
+                <a:spcPts val="0"/>
+              </a:spcBef>
+              <a:spcAft>
+                <a:spcPts val="0"/>
+              </a:spcAft>
+              <a:buClr>
+                <a:srgbClr val="000000"/>
+              </a:buClr>
+              <a:buSzPts val="1200"/>
+              <a:buFont typeface="Tahoma"/>
+              <a:buChar char="●"/>
+            </a:pPr>
+            <a:r>
+              <a:rPr lang="pl" sz="1200">
+                <a:solidFill>
+                  <a:srgbClr val="000000"/>
+                </a:solidFill>
+                <a:latin typeface="Tahoma"/>
+                <a:ea typeface="Tahoma"/>
+                <a:cs typeface="Tahoma"/>
+                <a:sym typeface="Tahoma"/>
+              </a:rPr>
+              <a:t>co można logować,</a:t>
+            </a:r>
+            <a:endParaRPr sz="1200">
+              <a:solidFill>
+                <a:srgbClr val="000000"/>
+              </a:solidFill>
+              <a:latin typeface="Tahoma"/>
+              <a:ea typeface="Tahoma"/>
+              <a:cs typeface="Tahoma"/>
+              <a:sym typeface="Tahoma"/>
+            </a:endParaRPr>
+          </a:p>
+          <a:p>
+            <a:pPr indent="-304800" lvl="0" marL="457200" rtl="0" algn="l">
+              <a:lnSpc>
+                <a:spcPct val="100000"/>
+              </a:lnSpc>
+              <a:spcBef>
+                <a:spcPts val="0"/>
+              </a:spcBef>
+              <a:spcAft>
+                <a:spcPts val="0"/>
+              </a:spcAft>
+              <a:buClr>
+                <a:srgbClr val="000000"/>
+              </a:buClr>
+              <a:buSzPts val="1200"/>
+              <a:buFont typeface="Tahoma"/>
+              <a:buChar char="●"/>
+            </a:pPr>
+            <a:r>
+              <a:rPr lang="pl" sz="1200">
+                <a:solidFill>
+                  <a:srgbClr val="000000"/>
+                </a:solidFill>
+                <a:latin typeface="Tahoma"/>
+                <a:ea typeface="Tahoma"/>
+                <a:cs typeface="Tahoma"/>
+                <a:sym typeface="Tahoma"/>
+              </a:rPr>
+              <a:t>jakie dane są zbierane,</a:t>
+            </a:r>
+            <a:endParaRPr sz="1200">
+              <a:solidFill>
+                <a:srgbClr val="000000"/>
+              </a:solidFill>
+              <a:latin typeface="Tahoma"/>
+              <a:ea typeface="Tahoma"/>
+              <a:cs typeface="Tahoma"/>
+              <a:sym typeface="Tahoma"/>
+            </a:endParaRPr>
+          </a:p>
+          <a:p>
+            <a:pPr indent="-304800" lvl="0" marL="457200" rtl="0" algn="l">
+              <a:lnSpc>
+                <a:spcPct val="100000"/>
+              </a:lnSpc>
+              <a:spcBef>
+                <a:spcPts val="0"/>
+              </a:spcBef>
+              <a:spcAft>
+                <a:spcPts val="0"/>
+              </a:spcAft>
+              <a:buClr>
+                <a:srgbClr val="000000"/>
+              </a:buClr>
+              <a:buSzPts val="1200"/>
+              <a:buFont typeface="Tahoma"/>
+              <a:buChar char="●"/>
+            </a:pPr>
+            <a:r>
+              <a:rPr lang="pl" sz="1200">
+                <a:solidFill>
+                  <a:srgbClr val="000000"/>
+                </a:solidFill>
+                <a:latin typeface="Tahoma"/>
+                <a:ea typeface="Tahoma"/>
+                <a:cs typeface="Tahoma"/>
+                <a:sym typeface="Tahoma"/>
+              </a:rPr>
+              <a:t>kto je może przeglądać.</a:t>
+            </a:r>
+            <a:endParaRPr sz="1200">
+              <a:latin typeface="Tahoma"/>
+              <a:ea typeface="Tahoma"/>
+              <a:cs typeface="Tahoma"/>
+              <a:sym typeface="Tahoma"/>
+            </a:endParaRPr>
+          </a:p>
+        </p:txBody>
+      </p:sp>
+    </p:spTree>
+  </p:cSld>
+  <p:clrMapOvr>
+    <a:masterClrMapping/>
+  </p:clrMapOvr>
+</p:sld>
+</file>
+
+<file path=ppt/slides/slide77.xml><?xml version="1.0" encoding="utf-8"?>
+<p:sld xmlns:a="http://schemas.openxmlformats.org/drawingml/2006/main" xmlns:r="http://schemas.openxmlformats.org/officeDocument/2006/relationships" xmlns:mc="http://schemas.openxmlformats.org/markup-compatibility/2006" xmlns:mv="urn:schemas-microsoft-com:mac:vml" xmlns:p="http://schemas.openxmlformats.org/presentationml/2006/main" xmlns:c="http://schemas.openxmlformats.org/drawingml/2006/chart" xmlns:dgm="http://schemas.openxmlformats.org/drawingml/2006/diagram" xmlns:o="urn:schemas-microsoft-com:office:office" xmlns:v="urn:schemas-microsoft-com:vml" xmlns:pvml="urn:schemas-microsoft-com:office:powerpoint" xmlns:com="http://schemas.openxmlformats.org/drawingml/2006/compatibility" xmlns:p14="http://schemas.microsoft.com/office/powerpoint/2010/main" xmlns:p15="http://schemas.microsoft.com/office/powerpoint/2012/main" xmlns:ahyp="http://schemas.microsoft.com/office/drawing/2018/hyperlinkcolor">
+  <p:cSld>
+    <p:spTree>
+      <p:nvGrpSpPr>
+        <p:cNvPr id="545" name="Shape 545"/>
+        <p:cNvGrpSpPr/>
+        <p:nvPr/>
+      </p:nvGrpSpPr>
+      <p:grpSpPr>
+        <a:xfrm>
+          <a:off x="0" y="0"/>
+          <a:ext cx="0" cy="0"/>
+          <a:chOff x="0" y="0"/>
+          <a:chExt cx="0" cy="0"/>
+        </a:xfrm>
+      </p:grpSpPr>
+      <p:sp>
+        <p:nvSpPr>
+          <p:cNvPr id="546" name="Google Shape;546;p89"/>
+          <p:cNvSpPr txBox="1"/>
+          <p:nvPr>
+            <p:ph type="title"/>
+          </p:nvPr>
+        </p:nvSpPr>
+        <p:spPr>
+          <a:xfrm>
+            <a:off x="729450" y="1318650"/>
+            <a:ext cx="7688700" cy="535200"/>
+          </a:xfrm>
+          <a:prstGeom prst="rect">
+            <a:avLst/>
+          </a:prstGeom>
+        </p:spPr>
+        <p:txBody>
+          <a:bodyPr anchorCtr="0" anchor="t" bIns="91425" lIns="91425" spcFirstLastPara="1" rIns="91425" wrap="square" tIns="91425">
+            <a:normAutofit fontScale="90000"/>
+          </a:bodyPr>
+          <a:lstStyle/>
+          <a:p>
+            <a:pPr indent="0" lvl="0" marL="0" rtl="0" algn="l">
+              <a:lnSpc>
+                <a:spcPct val="115000"/>
+              </a:lnSpc>
+              <a:spcBef>
+                <a:spcPts val="2400"/>
+              </a:spcBef>
+              <a:spcAft>
+                <a:spcPts val="0"/>
+              </a:spcAft>
+              <a:buNone/>
+            </a:pPr>
+            <a:r>
+              <a:rPr lang="pl" sz="2300">
+                <a:solidFill>
+                  <a:srgbClr val="000000"/>
+                </a:solidFill>
+                <a:latin typeface="Arial"/>
+                <a:ea typeface="Arial"/>
+                <a:cs typeface="Arial"/>
+                <a:sym typeface="Arial"/>
+              </a:rPr>
+              <a:t>Przykłady polityk bezpieczeństwa</a:t>
+            </a:r>
+            <a:endParaRPr sz="2300">
+              <a:solidFill>
+                <a:srgbClr val="000000"/>
+              </a:solidFill>
+              <a:latin typeface="Arial"/>
+              <a:ea typeface="Arial"/>
+              <a:cs typeface="Arial"/>
+              <a:sym typeface="Arial"/>
+            </a:endParaRPr>
+          </a:p>
+          <a:p>
+            <a:pPr indent="0" lvl="0" marL="0" rtl="0" algn="l">
+              <a:spcBef>
+                <a:spcPts val="600"/>
+              </a:spcBef>
+              <a:spcAft>
+                <a:spcPts val="0"/>
+              </a:spcAft>
+              <a:buNone/>
+            </a:pPr>
+            <a:r>
+              <a:t/>
+            </a:r>
+            <a:endParaRPr/>
+          </a:p>
+        </p:txBody>
+      </p:sp>
+      <p:sp>
+        <p:nvSpPr>
+          <p:cNvPr id="547" name="Google Shape;547;p89"/>
+          <p:cNvSpPr txBox="1"/>
+          <p:nvPr>
+            <p:ph idx="1" type="body"/>
+          </p:nvPr>
+        </p:nvSpPr>
+        <p:spPr>
+          <a:xfrm>
+            <a:off x="729450" y="2078875"/>
+            <a:ext cx="7688700" cy="2261100"/>
+          </a:xfrm>
+          <a:prstGeom prst="rect">
+            <a:avLst/>
+          </a:prstGeom>
+        </p:spPr>
+        <p:txBody>
+          <a:bodyPr anchorCtr="0" anchor="t" bIns="91425" lIns="91425" spcFirstLastPara="1" rIns="91425" wrap="square" tIns="91425">
+            <a:noAutofit/>
+          </a:bodyPr>
+          <a:lstStyle/>
+          <a:p>
+            <a:pPr indent="-318135" lvl="0" marL="457200" rtl="0" algn="l">
+              <a:lnSpc>
+                <a:spcPct val="100000"/>
+              </a:lnSpc>
+              <a:spcBef>
+                <a:spcPts val="0"/>
+              </a:spcBef>
+              <a:spcAft>
+                <a:spcPts val="0"/>
+              </a:spcAft>
+              <a:buClr>
+                <a:srgbClr val="274E13"/>
+              </a:buClr>
+              <a:buSzPts val="1410"/>
+              <a:buFont typeface="Tahoma"/>
+              <a:buChar char="❏"/>
+            </a:pPr>
+            <a:r>
+              <a:rPr lang="pl" sz="1410">
+                <a:solidFill>
+                  <a:srgbClr val="274E13"/>
+                </a:solidFill>
+                <a:latin typeface="Tahoma"/>
+                <a:ea typeface="Tahoma"/>
+                <a:cs typeface="Tahoma"/>
+                <a:sym typeface="Tahoma"/>
+              </a:rPr>
+              <a:t>polityka haseł,</a:t>
+            </a:r>
+            <a:endParaRPr sz="1410">
+              <a:solidFill>
+                <a:srgbClr val="274E13"/>
+              </a:solidFill>
+              <a:latin typeface="Tahoma"/>
+              <a:ea typeface="Tahoma"/>
+              <a:cs typeface="Tahoma"/>
+              <a:sym typeface="Tahoma"/>
+            </a:endParaRPr>
+          </a:p>
+          <a:p>
+            <a:pPr indent="-318135" lvl="0" marL="457200" rtl="0" algn="l">
+              <a:lnSpc>
+                <a:spcPct val="100000"/>
+              </a:lnSpc>
+              <a:spcBef>
+                <a:spcPts val="0"/>
+              </a:spcBef>
+              <a:spcAft>
+                <a:spcPts val="0"/>
+              </a:spcAft>
+              <a:buClr>
+                <a:srgbClr val="274E13"/>
+              </a:buClr>
+              <a:buSzPts val="1410"/>
+              <a:buFont typeface="Tahoma"/>
+              <a:buChar char="❏"/>
+            </a:pPr>
+            <a:r>
+              <a:rPr lang="pl" sz="1410">
+                <a:solidFill>
+                  <a:srgbClr val="274E13"/>
+                </a:solidFill>
+                <a:latin typeface="Tahoma"/>
+                <a:ea typeface="Tahoma"/>
+                <a:cs typeface="Tahoma"/>
+                <a:sym typeface="Tahoma"/>
+              </a:rPr>
+              <a:t>polityka dostępu do sieci Wi-Fi,</a:t>
+            </a:r>
+            <a:endParaRPr sz="1410">
+              <a:solidFill>
+                <a:srgbClr val="274E13"/>
+              </a:solidFill>
+              <a:latin typeface="Tahoma"/>
+              <a:ea typeface="Tahoma"/>
+              <a:cs typeface="Tahoma"/>
+              <a:sym typeface="Tahoma"/>
+            </a:endParaRPr>
+          </a:p>
+          <a:p>
+            <a:pPr indent="-318135" lvl="0" marL="457200" rtl="0" algn="l">
+              <a:lnSpc>
+                <a:spcPct val="100000"/>
+              </a:lnSpc>
+              <a:spcBef>
+                <a:spcPts val="0"/>
+              </a:spcBef>
+              <a:spcAft>
+                <a:spcPts val="0"/>
+              </a:spcAft>
+              <a:buClr>
+                <a:srgbClr val="274E13"/>
+              </a:buClr>
+              <a:buSzPts val="1410"/>
+              <a:buFont typeface="Tahoma"/>
+              <a:buChar char="❏"/>
+            </a:pPr>
+            <a:r>
+              <a:rPr lang="pl" sz="1410">
+                <a:solidFill>
+                  <a:srgbClr val="274E13"/>
+                </a:solidFill>
+                <a:latin typeface="Tahoma"/>
+                <a:ea typeface="Tahoma"/>
+                <a:cs typeface="Tahoma"/>
+                <a:sym typeface="Tahoma"/>
+              </a:rPr>
+              <a:t>polityka aktualizacji systemów,</a:t>
+            </a:r>
+            <a:endParaRPr sz="1410">
+              <a:solidFill>
+                <a:srgbClr val="274E13"/>
+              </a:solidFill>
+              <a:latin typeface="Tahoma"/>
+              <a:ea typeface="Tahoma"/>
+              <a:cs typeface="Tahoma"/>
+              <a:sym typeface="Tahoma"/>
+            </a:endParaRPr>
+          </a:p>
+          <a:p>
+            <a:pPr indent="-318135" lvl="0" marL="457200" rtl="0" algn="l">
+              <a:lnSpc>
+                <a:spcPct val="100000"/>
+              </a:lnSpc>
+              <a:spcBef>
+                <a:spcPts val="0"/>
+              </a:spcBef>
+              <a:spcAft>
+                <a:spcPts val="0"/>
+              </a:spcAft>
+              <a:buClr>
+                <a:srgbClr val="274E13"/>
+              </a:buClr>
+              <a:buSzPts val="1410"/>
+              <a:buFont typeface="Tahoma"/>
+              <a:buChar char="❏"/>
+            </a:pPr>
+            <a:r>
+              <a:rPr lang="pl" sz="1410">
+                <a:solidFill>
+                  <a:srgbClr val="274E13"/>
+                </a:solidFill>
+                <a:latin typeface="Tahoma"/>
+                <a:ea typeface="Tahoma"/>
+                <a:cs typeface="Tahoma"/>
+                <a:sym typeface="Tahoma"/>
+              </a:rPr>
+              <a:t>polityka backupów,</a:t>
+            </a:r>
+            <a:endParaRPr sz="1410">
+              <a:solidFill>
+                <a:srgbClr val="274E13"/>
+              </a:solidFill>
+              <a:latin typeface="Tahoma"/>
+              <a:ea typeface="Tahoma"/>
+              <a:cs typeface="Tahoma"/>
+              <a:sym typeface="Tahoma"/>
+            </a:endParaRPr>
+          </a:p>
+          <a:p>
+            <a:pPr indent="-318135" lvl="0" marL="457200" rtl="0" algn="l">
+              <a:lnSpc>
+                <a:spcPct val="100000"/>
+              </a:lnSpc>
+              <a:spcBef>
+                <a:spcPts val="0"/>
+              </a:spcBef>
+              <a:spcAft>
+                <a:spcPts val="0"/>
+              </a:spcAft>
+              <a:buClr>
+                <a:srgbClr val="274E13"/>
+              </a:buClr>
+              <a:buSzPts val="1410"/>
+              <a:buFont typeface="Tahoma"/>
+              <a:buChar char="❏"/>
+            </a:pPr>
+            <a:r>
+              <a:rPr lang="pl" sz="1410">
+                <a:solidFill>
+                  <a:srgbClr val="274E13"/>
+                </a:solidFill>
+                <a:latin typeface="Tahoma"/>
+                <a:ea typeface="Tahoma"/>
+                <a:cs typeface="Tahoma"/>
+                <a:sym typeface="Tahoma"/>
+              </a:rPr>
+              <a:t>polityka korzystania z urządzeń USB,</a:t>
+            </a:r>
+            <a:endParaRPr sz="1410">
+              <a:solidFill>
+                <a:srgbClr val="274E13"/>
+              </a:solidFill>
+              <a:latin typeface="Tahoma"/>
+              <a:ea typeface="Tahoma"/>
+              <a:cs typeface="Tahoma"/>
+              <a:sym typeface="Tahoma"/>
+            </a:endParaRPr>
+          </a:p>
+          <a:p>
+            <a:pPr indent="-318135" lvl="0" marL="457200" rtl="0" algn="l">
+              <a:lnSpc>
+                <a:spcPct val="100000"/>
+              </a:lnSpc>
+              <a:spcBef>
+                <a:spcPts val="0"/>
+              </a:spcBef>
+              <a:spcAft>
+                <a:spcPts val="0"/>
+              </a:spcAft>
+              <a:buClr>
+                <a:srgbClr val="274E13"/>
+              </a:buClr>
+              <a:buSzPts val="1410"/>
+              <a:buFont typeface="Tahoma"/>
+              <a:buChar char="❏"/>
+            </a:pPr>
+            <a:r>
+              <a:rPr lang="pl" sz="1410">
+                <a:solidFill>
+                  <a:srgbClr val="274E13"/>
+                </a:solidFill>
+                <a:latin typeface="Tahoma"/>
+                <a:ea typeface="Tahoma"/>
+                <a:cs typeface="Tahoma"/>
+                <a:sym typeface="Tahoma"/>
+              </a:rPr>
+              <a:t>polityka pracy zdalnej,</a:t>
+            </a:r>
+            <a:endParaRPr sz="1410">
+              <a:solidFill>
+                <a:srgbClr val="274E13"/>
+              </a:solidFill>
+              <a:latin typeface="Tahoma"/>
+              <a:ea typeface="Tahoma"/>
+              <a:cs typeface="Tahoma"/>
+              <a:sym typeface="Tahoma"/>
+            </a:endParaRPr>
+          </a:p>
+          <a:p>
+            <a:pPr indent="-318135" lvl="0" marL="457200" rtl="0" algn="l">
+              <a:lnSpc>
+                <a:spcPct val="100000"/>
+              </a:lnSpc>
+              <a:spcBef>
+                <a:spcPts val="0"/>
+              </a:spcBef>
+              <a:spcAft>
+                <a:spcPts val="0"/>
+              </a:spcAft>
+              <a:buClr>
+                <a:srgbClr val="274E13"/>
+              </a:buClr>
+              <a:buSzPts val="1410"/>
+              <a:buFont typeface="Tahoma"/>
+              <a:buChar char="❏"/>
+            </a:pPr>
+            <a:r>
+              <a:rPr lang="pl" sz="1410">
+                <a:solidFill>
+                  <a:srgbClr val="274E13"/>
+                </a:solidFill>
+                <a:latin typeface="Tahoma"/>
+                <a:ea typeface="Tahoma"/>
+                <a:cs typeface="Tahoma"/>
+                <a:sym typeface="Tahoma"/>
+              </a:rPr>
+              <a:t>polityka zabezpieczenia serwerowni.</a:t>
+            </a:r>
+            <a:endParaRPr sz="1410">
+              <a:solidFill>
+                <a:srgbClr val="274E13"/>
+              </a:solidFill>
+              <a:latin typeface="Tahoma"/>
+              <a:ea typeface="Tahoma"/>
+              <a:cs typeface="Tahoma"/>
+              <a:sym typeface="Tahoma"/>
+            </a:endParaRPr>
+          </a:p>
+          <a:p>
+            <a:pPr indent="0" lvl="0" marL="457200" rtl="0" algn="l">
+              <a:lnSpc>
+                <a:spcPct val="100000"/>
+              </a:lnSpc>
+              <a:spcBef>
+                <a:spcPts val="0"/>
+              </a:spcBef>
+              <a:spcAft>
+                <a:spcPts val="0"/>
+              </a:spcAft>
+              <a:buSzPts val="770"/>
+              <a:buNone/>
+            </a:pPr>
+            <a:r>
+              <a:t/>
+            </a:r>
+            <a:endParaRPr sz="1110">
+              <a:solidFill>
+                <a:srgbClr val="274E13"/>
+              </a:solidFill>
+              <a:latin typeface="Tahoma"/>
+              <a:ea typeface="Tahoma"/>
+              <a:cs typeface="Tahoma"/>
+              <a:sym typeface="Tahoma"/>
+            </a:endParaRPr>
+          </a:p>
+        </p:txBody>
+      </p:sp>
+    </p:spTree>
+  </p:cSld>
+  <p:clrMapOvr>
+    <a:masterClrMapping/>
+  </p:clrMapOvr>
+</p:sld>
+</file>
+
+<file path=ppt/slides/slide78.xml><?xml version="1.0" encoding="utf-8"?>
+<p:sld xmlns:a="http://schemas.openxmlformats.org/drawingml/2006/main" xmlns:r="http://schemas.openxmlformats.org/officeDocument/2006/relationships" xmlns:mc="http://schemas.openxmlformats.org/markup-compatibility/2006" xmlns:mv="urn:schemas-microsoft-com:mac:vml" xmlns:p="http://schemas.openxmlformats.org/presentationml/2006/main" xmlns:c="http://schemas.openxmlformats.org/drawingml/2006/chart" xmlns:dgm="http://schemas.openxmlformats.org/drawingml/2006/diagram" xmlns:o="urn:schemas-microsoft-com:office:office" xmlns:v="urn:schemas-microsoft-com:vml" xmlns:pvml="urn:schemas-microsoft-com:office:powerpoint" xmlns:com="http://schemas.openxmlformats.org/drawingml/2006/compatibility" xmlns:p14="http://schemas.microsoft.com/office/powerpoint/2010/main" xmlns:p15="http://schemas.microsoft.com/office/powerpoint/2012/main" xmlns:ahyp="http://schemas.microsoft.com/office/drawing/2018/hyperlinkcolor">
+  <p:cSld>
+    <p:spTree>
+      <p:nvGrpSpPr>
+        <p:cNvPr id="551" name="Shape 551"/>
+        <p:cNvGrpSpPr/>
+        <p:nvPr/>
+      </p:nvGrpSpPr>
+      <p:grpSpPr>
+        <a:xfrm>
+          <a:off x="0" y="0"/>
+          <a:ext cx="0" cy="0"/>
+          <a:chOff x="0" y="0"/>
+          <a:chExt cx="0" cy="0"/>
+        </a:xfrm>
+      </p:grpSpPr>
+      <p:sp>
+        <p:nvSpPr>
+          <p:cNvPr id="552" name="Google Shape;552;p90"/>
+          <p:cNvSpPr txBox="1"/>
+          <p:nvPr>
+            <p:ph type="title"/>
+          </p:nvPr>
+        </p:nvSpPr>
+        <p:spPr>
+          <a:xfrm>
+            <a:off x="729450" y="1318650"/>
+            <a:ext cx="7688700" cy="535200"/>
+          </a:xfrm>
+          <a:prstGeom prst="rect">
+            <a:avLst/>
+          </a:prstGeom>
+        </p:spPr>
+        <p:txBody>
+          <a:bodyPr anchorCtr="0" anchor="t" bIns="91425" lIns="91425" spcFirstLastPara="1" rIns="91425" wrap="square" tIns="91425">
+            <a:noAutofit/>
+          </a:bodyPr>
+          <a:lstStyle/>
+          <a:p>
+            <a:pPr indent="0" lvl="0" marL="0" rtl="0" algn="l">
+              <a:spcBef>
+                <a:spcPts val="0"/>
+              </a:spcBef>
+              <a:spcAft>
+                <a:spcPts val="0"/>
+              </a:spcAft>
+              <a:buSzPts val="990"/>
+              <a:buNone/>
+            </a:pPr>
+            <a:r>
+              <a:rPr lang="pl" sz="2440">
+                <a:latin typeface="Tahoma"/>
+                <a:ea typeface="Tahoma"/>
+                <a:cs typeface="Tahoma"/>
+                <a:sym typeface="Tahoma"/>
+              </a:rPr>
+              <a:t>Dlaczego polityki bezpieczeństwa są ważne?</a:t>
+            </a:r>
+            <a:endParaRPr sz="2440">
+              <a:latin typeface="Tahoma"/>
+              <a:ea typeface="Tahoma"/>
+              <a:cs typeface="Tahoma"/>
+              <a:sym typeface="Tahoma"/>
+            </a:endParaRPr>
+          </a:p>
+        </p:txBody>
+      </p:sp>
+      <p:sp>
+        <p:nvSpPr>
+          <p:cNvPr id="553" name="Google Shape;553;p90"/>
+          <p:cNvSpPr txBox="1"/>
+          <p:nvPr>
+            <p:ph idx="1" type="body"/>
+          </p:nvPr>
+        </p:nvSpPr>
+        <p:spPr>
+          <a:xfrm>
+            <a:off x="729450" y="2078875"/>
+            <a:ext cx="7688700" cy="2261100"/>
+          </a:xfrm>
+          <a:prstGeom prst="rect">
+            <a:avLst/>
+          </a:prstGeom>
+        </p:spPr>
+        <p:txBody>
+          <a:bodyPr anchorCtr="0" anchor="t" bIns="91425" lIns="91425" spcFirstLastPara="1" rIns="91425" wrap="square" tIns="91425">
+            <a:noAutofit/>
+          </a:bodyPr>
+          <a:lstStyle/>
+          <a:p>
+            <a:pPr indent="0" lvl="0" marL="0" rtl="0" algn="l">
+              <a:lnSpc>
+                <a:spcPct val="95000"/>
+              </a:lnSpc>
+              <a:spcBef>
+                <a:spcPts val="0"/>
+              </a:spcBef>
+              <a:spcAft>
+                <a:spcPts val="0"/>
+              </a:spcAft>
+              <a:buSzPts val="688"/>
+              <a:buNone/>
+            </a:pPr>
+            <a:r>
+              <a:rPr lang="pl" sz="1412">
+                <a:solidFill>
+                  <a:srgbClr val="134F5C"/>
+                </a:solidFill>
+                <a:latin typeface="Tahoma"/>
+                <a:ea typeface="Tahoma"/>
+                <a:cs typeface="Tahoma"/>
+                <a:sym typeface="Tahoma"/>
+              </a:rPr>
+              <a:t> Zapobiegają:</a:t>
+            </a:r>
+            <a:endParaRPr sz="1412">
+              <a:solidFill>
+                <a:srgbClr val="134F5C"/>
+              </a:solidFill>
+              <a:latin typeface="Tahoma"/>
+              <a:ea typeface="Tahoma"/>
+              <a:cs typeface="Tahoma"/>
+              <a:sym typeface="Tahoma"/>
+            </a:endParaRPr>
+          </a:p>
+          <a:p>
+            <a:pPr indent="-310356" lvl="0" marL="457200" rtl="0" algn="l">
+              <a:lnSpc>
+                <a:spcPct val="95000"/>
+              </a:lnSpc>
+              <a:spcBef>
+                <a:spcPts val="0"/>
+              </a:spcBef>
+              <a:spcAft>
+                <a:spcPts val="0"/>
+              </a:spcAft>
+              <a:buClr>
+                <a:srgbClr val="134F5C"/>
+              </a:buClr>
+              <a:buSzPts val="1288"/>
+              <a:buFont typeface="Tahoma"/>
+              <a:buChar char="●"/>
+            </a:pPr>
+            <a:r>
+              <a:rPr lang="pl" sz="1412">
+                <a:solidFill>
+                  <a:srgbClr val="134F5C"/>
+                </a:solidFill>
+                <a:latin typeface="Tahoma"/>
+                <a:ea typeface="Tahoma"/>
+                <a:cs typeface="Tahoma"/>
+                <a:sym typeface="Tahoma"/>
+              </a:rPr>
+              <a:t>atakom hakerów,</a:t>
+            </a:r>
+            <a:endParaRPr sz="1412">
+              <a:solidFill>
+                <a:srgbClr val="134F5C"/>
+              </a:solidFill>
+              <a:latin typeface="Tahoma"/>
+              <a:ea typeface="Tahoma"/>
+              <a:cs typeface="Tahoma"/>
+              <a:sym typeface="Tahoma"/>
+            </a:endParaRPr>
+          </a:p>
+          <a:p>
+            <a:pPr indent="-310356" lvl="0" marL="457200" rtl="0" algn="l">
+              <a:lnSpc>
+                <a:spcPct val="95000"/>
+              </a:lnSpc>
+              <a:spcBef>
+                <a:spcPts val="0"/>
+              </a:spcBef>
+              <a:spcAft>
+                <a:spcPts val="0"/>
+              </a:spcAft>
+              <a:buClr>
+                <a:srgbClr val="134F5C"/>
+              </a:buClr>
+              <a:buSzPts val="1288"/>
+              <a:buFont typeface="Tahoma"/>
+              <a:buChar char="●"/>
+            </a:pPr>
+            <a:r>
+              <a:rPr lang="pl" sz="1412">
+                <a:solidFill>
+                  <a:srgbClr val="134F5C"/>
+                </a:solidFill>
+                <a:latin typeface="Tahoma"/>
+                <a:ea typeface="Tahoma"/>
+                <a:cs typeface="Tahoma"/>
+                <a:sym typeface="Tahoma"/>
+              </a:rPr>
+              <a:t>kradzieży danych,</a:t>
+            </a:r>
+            <a:endParaRPr sz="1412">
+              <a:solidFill>
+                <a:srgbClr val="134F5C"/>
+              </a:solidFill>
+              <a:latin typeface="Tahoma"/>
+              <a:ea typeface="Tahoma"/>
+              <a:cs typeface="Tahoma"/>
+              <a:sym typeface="Tahoma"/>
+            </a:endParaRPr>
+          </a:p>
+          <a:p>
+            <a:pPr indent="-310356" lvl="0" marL="457200" rtl="0" algn="l">
+              <a:lnSpc>
+                <a:spcPct val="95000"/>
+              </a:lnSpc>
+              <a:spcBef>
+                <a:spcPts val="0"/>
+              </a:spcBef>
+              <a:spcAft>
+                <a:spcPts val="0"/>
+              </a:spcAft>
+              <a:buClr>
+                <a:srgbClr val="134F5C"/>
+              </a:buClr>
+              <a:buSzPts val="1288"/>
+              <a:buFont typeface="Tahoma"/>
+              <a:buChar char="●"/>
+            </a:pPr>
+            <a:r>
+              <a:rPr lang="pl" sz="1412">
+                <a:solidFill>
+                  <a:srgbClr val="134F5C"/>
+                </a:solidFill>
+                <a:latin typeface="Tahoma"/>
+                <a:ea typeface="Tahoma"/>
+                <a:cs typeface="Tahoma"/>
+                <a:sym typeface="Tahoma"/>
+              </a:rPr>
+              <a:t>infekcjom malware,</a:t>
+            </a:r>
+            <a:endParaRPr sz="1412">
+              <a:solidFill>
+                <a:srgbClr val="134F5C"/>
+              </a:solidFill>
+              <a:latin typeface="Tahoma"/>
+              <a:ea typeface="Tahoma"/>
+              <a:cs typeface="Tahoma"/>
+              <a:sym typeface="Tahoma"/>
+            </a:endParaRPr>
+          </a:p>
+          <a:p>
+            <a:pPr indent="-310356" lvl="0" marL="457200" rtl="0" algn="l">
+              <a:lnSpc>
+                <a:spcPct val="95000"/>
+              </a:lnSpc>
+              <a:spcBef>
+                <a:spcPts val="0"/>
+              </a:spcBef>
+              <a:spcAft>
+                <a:spcPts val="0"/>
+              </a:spcAft>
+              <a:buClr>
+                <a:srgbClr val="134F5C"/>
+              </a:buClr>
+              <a:buSzPts val="1288"/>
+              <a:buFont typeface="Tahoma"/>
+              <a:buChar char="●"/>
+            </a:pPr>
+            <a:r>
+              <a:rPr lang="pl" sz="1412">
+                <a:solidFill>
+                  <a:srgbClr val="134F5C"/>
+                </a:solidFill>
+                <a:latin typeface="Tahoma"/>
+                <a:ea typeface="Tahoma"/>
+                <a:cs typeface="Tahoma"/>
+                <a:sym typeface="Tahoma"/>
+              </a:rPr>
+              <a:t>wyciekom danych osobowych (RODO),</a:t>
+            </a:r>
+            <a:endParaRPr sz="1412">
+              <a:solidFill>
+                <a:srgbClr val="134F5C"/>
+              </a:solidFill>
+              <a:latin typeface="Tahoma"/>
+              <a:ea typeface="Tahoma"/>
+              <a:cs typeface="Tahoma"/>
+              <a:sym typeface="Tahoma"/>
+            </a:endParaRPr>
+          </a:p>
+          <a:p>
+            <a:pPr indent="-310356" lvl="0" marL="457200" rtl="0" algn="l">
+              <a:lnSpc>
+                <a:spcPct val="95000"/>
+              </a:lnSpc>
+              <a:spcBef>
+                <a:spcPts val="0"/>
+              </a:spcBef>
+              <a:spcAft>
+                <a:spcPts val="0"/>
+              </a:spcAft>
+              <a:buClr>
+                <a:srgbClr val="134F5C"/>
+              </a:buClr>
+              <a:buSzPts val="1288"/>
+              <a:buFont typeface="Tahoma"/>
+              <a:buChar char="●"/>
+            </a:pPr>
+            <a:r>
+              <a:rPr lang="pl" sz="1412">
+                <a:solidFill>
+                  <a:srgbClr val="134F5C"/>
+                </a:solidFill>
+                <a:latin typeface="Tahoma"/>
+                <a:ea typeface="Tahoma"/>
+                <a:cs typeface="Tahoma"/>
+                <a:sym typeface="Tahoma"/>
+              </a:rPr>
+              <a:t>przestojom firmy/szkoły,</a:t>
+            </a:r>
+            <a:endParaRPr sz="1412">
+              <a:solidFill>
+                <a:srgbClr val="134F5C"/>
+              </a:solidFill>
+              <a:latin typeface="Tahoma"/>
+              <a:ea typeface="Tahoma"/>
+              <a:cs typeface="Tahoma"/>
+              <a:sym typeface="Tahoma"/>
+            </a:endParaRPr>
+          </a:p>
+          <a:p>
+            <a:pPr indent="-310356" lvl="0" marL="457200" rtl="0" algn="l">
+              <a:lnSpc>
+                <a:spcPct val="95000"/>
+              </a:lnSpc>
+              <a:spcBef>
+                <a:spcPts val="0"/>
+              </a:spcBef>
+              <a:spcAft>
+                <a:spcPts val="0"/>
+              </a:spcAft>
+              <a:buClr>
+                <a:srgbClr val="134F5C"/>
+              </a:buClr>
+              <a:buSzPts val="1288"/>
+              <a:buFont typeface="Tahoma"/>
+              <a:buChar char="●"/>
+            </a:pPr>
+            <a:r>
+              <a:rPr lang="pl" sz="1412">
+                <a:solidFill>
+                  <a:srgbClr val="134F5C"/>
+                </a:solidFill>
+                <a:latin typeface="Tahoma"/>
+                <a:ea typeface="Tahoma"/>
+                <a:cs typeface="Tahoma"/>
+                <a:sym typeface="Tahoma"/>
+              </a:rPr>
+              <a:t>awariom systemów.</a:t>
+            </a:r>
+            <a:br>
+              <a:rPr lang="pl" sz="1412">
+                <a:solidFill>
+                  <a:srgbClr val="134F5C"/>
+                </a:solidFill>
+                <a:latin typeface="Tahoma"/>
+                <a:ea typeface="Tahoma"/>
+                <a:cs typeface="Tahoma"/>
+                <a:sym typeface="Tahoma"/>
+              </a:rPr>
+            </a:br>
+            <a:endParaRPr sz="1412">
+              <a:solidFill>
+                <a:srgbClr val="134F5C"/>
+              </a:solidFill>
+              <a:latin typeface="Tahoma"/>
+              <a:ea typeface="Tahoma"/>
+              <a:cs typeface="Tahoma"/>
+              <a:sym typeface="Tahoma"/>
+            </a:endParaRPr>
+          </a:p>
+          <a:p>
+            <a:pPr indent="0" lvl="0" marL="0" rtl="0" algn="l">
+              <a:lnSpc>
+                <a:spcPct val="95000"/>
+              </a:lnSpc>
+              <a:spcBef>
+                <a:spcPts val="0"/>
+              </a:spcBef>
+              <a:spcAft>
+                <a:spcPts val="0"/>
+              </a:spcAft>
+              <a:buSzPts val="688"/>
+              <a:buNone/>
+            </a:pPr>
+            <a:r>
+              <a:rPr lang="pl" sz="1412">
+                <a:solidFill>
+                  <a:srgbClr val="134F5C"/>
+                </a:solidFill>
+                <a:latin typeface="Tahoma"/>
+                <a:ea typeface="Tahoma"/>
+                <a:cs typeface="Tahoma"/>
+                <a:sym typeface="Tahoma"/>
+              </a:rPr>
+              <a:t>To podstawowy element cyberbezpieczeństwa</a:t>
+            </a:r>
+            <a:endParaRPr sz="1412">
+              <a:solidFill>
+                <a:srgbClr val="134F5C"/>
+              </a:solidFill>
+              <a:latin typeface="Tahoma"/>
+              <a:ea typeface="Tahoma"/>
+              <a:cs typeface="Tahoma"/>
+              <a:sym typeface="Tahoma"/>
+            </a:endParaRPr>
+          </a:p>
+        </p:txBody>
+      </p:sp>
+    </p:spTree>
+  </p:cSld>
+  <p:clrMapOvr>
+    <a:masterClrMapping/>
+  </p:clrMapOvr>
+</p:sld>
+</file>
+
+<file path=ppt/slides/slide79.xml><?xml version="1.0" encoding="utf-8"?>
+<p:sld xmlns:a="http://schemas.openxmlformats.org/drawingml/2006/main" xmlns:r="http://schemas.openxmlformats.org/officeDocument/2006/relationships" xmlns:mc="http://schemas.openxmlformats.org/markup-compatibility/2006" xmlns:mv="urn:schemas-microsoft-com:mac:vml" xmlns:p="http://schemas.openxmlformats.org/presentationml/2006/main" xmlns:c="http://schemas.openxmlformats.org/drawingml/2006/chart" xmlns:dgm="http://schemas.openxmlformats.org/drawingml/2006/diagram" xmlns:o="urn:schemas-microsoft-com:office:office" xmlns:v="urn:schemas-microsoft-com:vml" xmlns:pvml="urn:schemas-microsoft-com:office:powerpoint" xmlns:com="http://schemas.openxmlformats.org/drawingml/2006/compatibility" xmlns:p14="http://schemas.microsoft.com/office/powerpoint/2010/main" xmlns:p15="http://schemas.microsoft.com/office/powerpoint/2012/main" xmlns:ahyp="http://schemas.microsoft.com/office/drawing/2018/hyperlinkcolor">
+  <p:cSld>
+    <p:spTree>
+      <p:nvGrpSpPr>
+        <p:cNvPr id="557" name="Shape 557"/>
+        <p:cNvGrpSpPr/>
+        <p:nvPr/>
+      </p:nvGrpSpPr>
+      <p:grpSpPr>
+        <a:xfrm>
+          <a:off x="0" y="0"/>
+          <a:ext cx="0" cy="0"/>
+          <a:chOff x="0" y="0"/>
+          <a:chExt cx="0" cy="0"/>
+        </a:xfrm>
+      </p:grpSpPr>
+      <p:sp>
+        <p:nvSpPr>
+          <p:cNvPr id="558" name="Google Shape;558;p91"/>
+          <p:cNvSpPr txBox="1"/>
+          <p:nvPr>
+            <p:ph type="title"/>
+          </p:nvPr>
+        </p:nvSpPr>
+        <p:spPr>
+          <a:xfrm>
+            <a:off x="729450" y="1318650"/>
+            <a:ext cx="7688700" cy="535200"/>
+          </a:xfrm>
+          <a:prstGeom prst="rect">
+            <a:avLst/>
+          </a:prstGeom>
+        </p:spPr>
+        <p:txBody>
+          <a:bodyPr anchorCtr="0" anchor="t" bIns="91425" lIns="91425" spcFirstLastPara="1" rIns="91425" wrap="square" tIns="91425">
+            <a:normAutofit fontScale="90000"/>
+          </a:bodyPr>
+          <a:lstStyle/>
+          <a:p>
+            <a:pPr indent="0" lvl="0" marL="0" rtl="0" algn="l">
+              <a:spcBef>
+                <a:spcPts val="0"/>
+              </a:spcBef>
+              <a:spcAft>
+                <a:spcPts val="0"/>
+              </a:spcAft>
+              <a:buNone/>
+            </a:pPr>
+            <a:r>
+              <a:t/>
+            </a:r>
+            <a:endParaRPr/>
+          </a:p>
+        </p:txBody>
+      </p:sp>
+      <p:sp>
+        <p:nvSpPr>
+          <p:cNvPr id="559" name="Google Shape;559;p91"/>
+          <p:cNvSpPr txBox="1"/>
+          <p:nvPr>
+            <p:ph idx="1" type="body"/>
+          </p:nvPr>
+        </p:nvSpPr>
+        <p:spPr>
+          <a:xfrm>
+            <a:off x="729450" y="2078875"/>
+            <a:ext cx="7688700" cy="2261100"/>
+          </a:xfrm>
+          <a:prstGeom prst="rect">
+            <a:avLst/>
+          </a:prstGeom>
+        </p:spPr>
+        <p:txBody>
+          <a:bodyPr anchorCtr="0" anchor="t" bIns="91425" lIns="91425" spcFirstLastPara="1" rIns="91425" wrap="square" tIns="91425">
+            <a:normAutofit/>
+          </a:bodyPr>
+          <a:lstStyle/>
+          <a:p>
+            <a:pPr indent="0" lvl="0" marL="0" rtl="0" algn="l">
+              <a:spcBef>
+                <a:spcPts val="0"/>
+              </a:spcBef>
+              <a:spcAft>
+                <a:spcPts val="0"/>
+              </a:spcAft>
+              <a:buNone/>
+            </a:pPr>
+            <a:r>
+              <a:rPr b="1" lang="pl" sz="2300">
+                <a:solidFill>
+                  <a:srgbClr val="FF0000"/>
+                </a:solidFill>
+              </a:rPr>
+              <a:t>kartkówki do poprawy </a:t>
+            </a:r>
+            <a:endParaRPr b="1" sz="2300">
+              <a:solidFill>
+                <a:srgbClr val="FF0000"/>
+              </a:solidFill>
+            </a:endParaRPr>
+          </a:p>
+          <a:p>
+            <a:pPr indent="0" lvl="0" marL="0" rtl="0" algn="l">
+              <a:spcBef>
+                <a:spcPts val="1200"/>
+              </a:spcBef>
+              <a:spcAft>
+                <a:spcPts val="0"/>
+              </a:spcAft>
+              <a:buNone/>
+            </a:pPr>
+            <a:r>
+              <a:rPr b="1" lang="pl" sz="2300">
+                <a:solidFill>
+                  <a:srgbClr val="FF0000"/>
+                </a:solidFill>
+              </a:rPr>
+              <a:t>Serchi po </a:t>
+            </a:r>
+            <a:r>
+              <a:rPr b="1" lang="pl" sz="2300">
+                <a:solidFill>
+                  <a:srgbClr val="FF0000"/>
+                </a:solidFill>
+              </a:rPr>
+              <a:t>świętach</a:t>
+            </a:r>
+            <a:r>
+              <a:rPr b="1" lang="pl" sz="2300">
+                <a:solidFill>
+                  <a:srgbClr val="FF0000"/>
+                </a:solidFill>
+              </a:rPr>
+              <a:t> prowadzi lekcje, a na </a:t>
+            </a:r>
+            <a:r>
+              <a:rPr b="1" lang="pl" sz="2300">
+                <a:solidFill>
+                  <a:srgbClr val="FF0000"/>
+                </a:solidFill>
+              </a:rPr>
+              <a:t>następnej</a:t>
+            </a:r>
+            <a:r>
+              <a:rPr b="1" lang="pl" sz="2300">
+                <a:solidFill>
+                  <a:srgbClr val="FF0000"/>
+                </a:solidFill>
+              </a:rPr>
+              <a:t> poprawia ostatnią kartkówkę</a:t>
+            </a:r>
+            <a:endParaRPr b="1" sz="2300">
+              <a:solidFill>
+                <a:srgbClr val="FF0000"/>
+              </a:solidFill>
+            </a:endParaRPr>
+          </a:p>
+          <a:p>
+            <a:pPr indent="0" lvl="0" marL="0" rtl="0" algn="l">
+              <a:spcBef>
+                <a:spcPts val="1200"/>
+              </a:spcBef>
+              <a:spcAft>
+                <a:spcPts val="1200"/>
+              </a:spcAft>
+              <a:buNone/>
+            </a:pPr>
+            <a:r>
+              <a:t/>
+            </a:r>
+            <a:endParaRPr b="1" sz="2300">
+              <a:solidFill>
+                <a:srgbClr val="FF0000"/>
+              </a:solidFill>
             </a:endParaRPr>
           </a:p>
         </p:txBody>

--- a/ZASTOSOWANIE_INFORMATYKI/1A-gr_2/Zastosowanie informatyki - 1A gr. 2-plik2.pptx
+++ b/ZASTOSOWANIE_INFORMATYKI/1A-gr_2/Zastosowanie informatyki - 1A gr. 2-plik2.pptx
@@ -87,35 +87,41 @@
     <p:sldId id="332" r:id="rId83"/>
     <p:sldId id="333" r:id="rId84"/>
     <p:sldId id="334" r:id="rId85"/>
+    <p:sldId id="335" r:id="rId86"/>
+    <p:sldId id="336" r:id="rId87"/>
+    <p:sldId id="337" r:id="rId88"/>
+    <p:sldId id="338" r:id="rId89"/>
+    <p:sldId id="339" r:id="rId90"/>
+    <p:sldId id="340" r:id="rId91"/>
   </p:sldIdLst>
   <p:sldSz cy="5143500" cx="9144000"/>
   <p:notesSz cx="6858000" cy="9144000"/>
   <p:embeddedFontLst>
     <p:embeddedFont>
       <p:font typeface="Raleway"/>
-      <p:regular r:id="rId86"/>
-      <p:bold r:id="rId87"/>
-      <p:italic r:id="rId88"/>
-      <p:boldItalic r:id="rId89"/>
+      <p:regular r:id="rId92"/>
+      <p:bold r:id="rId93"/>
+      <p:italic r:id="rId94"/>
+      <p:boldItalic r:id="rId95"/>
     </p:embeddedFont>
     <p:embeddedFont>
       <p:font typeface="Lato"/>
-      <p:regular r:id="rId90"/>
-      <p:bold r:id="rId91"/>
-      <p:italic r:id="rId92"/>
-      <p:boldItalic r:id="rId93"/>
-    </p:embeddedFont>
-    <p:embeddedFont>
-      <p:font typeface="Tahoma"/>
-      <p:regular r:id="rId94"/>
-      <p:bold r:id="rId95"/>
-    </p:embeddedFont>
-    <p:embeddedFont>
-      <p:font typeface="Roboto Mono"/>
       <p:regular r:id="rId96"/>
       <p:bold r:id="rId97"/>
       <p:italic r:id="rId98"/>
       <p:boldItalic r:id="rId99"/>
+    </p:embeddedFont>
+    <p:embeddedFont>
+      <p:font typeface="Tahoma"/>
+      <p:regular r:id="rId100"/>
+      <p:bold r:id="rId101"/>
+    </p:embeddedFont>
+    <p:embeddedFont>
+      <p:font typeface="Roboto Mono"/>
+      <p:regular r:id="rId102"/>
+      <p:bold r:id="rId103"/>
+      <p:italic r:id="rId104"/>
+      <p:boldItalic r:id="rId105"/>
     </p:embeddedFont>
   </p:embeddedFontLst>
   <p:defaultTextStyle>
@@ -8470,6 +8476,600 @@
       <p:sp>
         <p:nvSpPr>
           <p:cNvPr id="126" name="Google Shape;126;g39edc685857_0_121:notes"/>
+          <p:cNvSpPr txBox="1"/>
+          <p:nvPr>
+            <p:ph idx="1" type="body"/>
+          </p:nvPr>
+        </p:nvSpPr>
+        <p:spPr>
+          <a:xfrm>
+            <a:off x="685800" y="4343400"/>
+            <a:ext cx="5486400" cy="4114800"/>
+          </a:xfrm>
+          <a:prstGeom prst="rect">
+            <a:avLst/>
+          </a:prstGeom>
+        </p:spPr>
+        <p:txBody>
+          <a:bodyPr anchorCtr="0" anchor="t" bIns="91425" lIns="91425" spcFirstLastPara="1" rIns="91425" wrap="square" tIns="91425">
+            <a:noAutofit/>
+          </a:bodyPr>
+          <a:lstStyle/>
+          <a:p>
+            <a:pPr indent="0" lvl="0" marL="0" rtl="0" algn="l">
+              <a:spcBef>
+                <a:spcPts val="0"/>
+              </a:spcBef>
+              <a:spcAft>
+                <a:spcPts val="0"/>
+              </a:spcAft>
+              <a:buNone/>
+            </a:pPr>
+            <a:r>
+              <a:t/>
+            </a:r>
+            <a:endParaRPr/>
+          </a:p>
+        </p:txBody>
+      </p:sp>
+    </p:spTree>
+  </p:cSld>
+  <p:clrMapOvr>
+    <a:masterClrMapping/>
+  </p:clrMapOvr>
+</p:notes>
+</file>
+
+<file path=ppt/notesSlides/notesSlide80.xml><?xml version="1.0" encoding="utf-8"?>
+<p:notes xmlns:a="http://schemas.openxmlformats.org/drawingml/2006/main" xmlns:r="http://schemas.openxmlformats.org/officeDocument/2006/relationships" xmlns:mc="http://schemas.openxmlformats.org/markup-compatibility/2006" xmlns:mv="urn:schemas-microsoft-com:mac:vml" xmlns:p="http://schemas.openxmlformats.org/presentationml/2006/main" xmlns:c="http://schemas.openxmlformats.org/drawingml/2006/chart" xmlns:dgm="http://schemas.openxmlformats.org/drawingml/2006/diagram" xmlns:o="urn:schemas-microsoft-com:office:office" xmlns:v="urn:schemas-microsoft-com:vml" xmlns:pvml="urn:schemas-microsoft-com:office:powerpoint" xmlns:com="http://schemas.openxmlformats.org/drawingml/2006/compatibility" xmlns:p14="http://schemas.microsoft.com/office/powerpoint/2010/main" xmlns:p15="http://schemas.microsoft.com/office/powerpoint/2012/main" xmlns:ahyp="http://schemas.microsoft.com/office/drawing/2018/hyperlinkcolor" showMasterPhAnim="0" showMasterSp="0">
+  <p:cSld>
+    <p:spTree>
+      <p:nvGrpSpPr>
+        <p:cNvPr id="560" name="Shape 560"/>
+        <p:cNvGrpSpPr/>
+        <p:nvPr/>
+      </p:nvGrpSpPr>
+      <p:grpSpPr>
+        <a:xfrm>
+          <a:off x="0" y="0"/>
+          <a:ext cx="0" cy="0"/>
+          <a:chOff x="0" y="0"/>
+          <a:chExt cx="0" cy="0"/>
+        </a:xfrm>
+      </p:grpSpPr>
+      <p:sp>
+        <p:nvSpPr>
+          <p:cNvPr id="561" name="Google Shape;561;g391c0dedbe2_0_12:notes"/>
+          <p:cNvSpPr/>
+          <p:nvPr>
+            <p:ph idx="2" type="sldImg"/>
+          </p:nvPr>
+        </p:nvSpPr>
+        <p:spPr>
+          <a:xfrm>
+            <a:off x="381300" y="685800"/>
+            <a:ext cx="6096000" cy="3429000"/>
+          </a:xfrm>
+          <a:custGeom>
+            <a:rect b="b" l="l" r="r" t="t"/>
+            <a:pathLst>
+              <a:path extrusionOk="0" h="120000" w="120000">
+                <a:moveTo>
+                  <a:pt x="0" y="0"/>
+                </a:moveTo>
+                <a:lnTo>
+                  <a:pt x="120000" y="0"/>
+                </a:lnTo>
+                <a:lnTo>
+                  <a:pt x="120000" y="120000"/>
+                </a:lnTo>
+                <a:lnTo>
+                  <a:pt x="0" y="120000"/>
+                </a:lnTo>
+                <a:close/>
+              </a:path>
+            </a:pathLst>
+          </a:custGeom>
+        </p:spPr>
+      </p:sp>
+      <p:sp>
+        <p:nvSpPr>
+          <p:cNvPr id="562" name="Google Shape;562;g391c0dedbe2_0_12:notes"/>
+          <p:cNvSpPr txBox="1"/>
+          <p:nvPr>
+            <p:ph idx="1" type="body"/>
+          </p:nvPr>
+        </p:nvSpPr>
+        <p:spPr>
+          <a:xfrm>
+            <a:off x="685800" y="4343400"/>
+            <a:ext cx="5486400" cy="4114800"/>
+          </a:xfrm>
+          <a:prstGeom prst="rect">
+            <a:avLst/>
+          </a:prstGeom>
+        </p:spPr>
+        <p:txBody>
+          <a:bodyPr anchorCtr="0" anchor="t" bIns="91425" lIns="91425" spcFirstLastPara="1" rIns="91425" wrap="square" tIns="91425">
+            <a:noAutofit/>
+          </a:bodyPr>
+          <a:lstStyle/>
+          <a:p>
+            <a:pPr indent="0" lvl="0" marL="0" rtl="0" algn="l">
+              <a:spcBef>
+                <a:spcPts val="0"/>
+              </a:spcBef>
+              <a:spcAft>
+                <a:spcPts val="0"/>
+              </a:spcAft>
+              <a:buNone/>
+            </a:pPr>
+            <a:r>
+              <a:t/>
+            </a:r>
+            <a:endParaRPr/>
+          </a:p>
+        </p:txBody>
+      </p:sp>
+    </p:spTree>
+  </p:cSld>
+  <p:clrMapOvr>
+    <a:masterClrMapping/>
+  </p:clrMapOvr>
+</p:notes>
+</file>
+
+<file path=ppt/notesSlides/notesSlide81.xml><?xml version="1.0" encoding="utf-8"?>
+<p:notes xmlns:a="http://schemas.openxmlformats.org/drawingml/2006/main" xmlns:r="http://schemas.openxmlformats.org/officeDocument/2006/relationships" xmlns:mc="http://schemas.openxmlformats.org/markup-compatibility/2006" xmlns:mv="urn:schemas-microsoft-com:mac:vml" xmlns:p="http://schemas.openxmlformats.org/presentationml/2006/main" xmlns:c="http://schemas.openxmlformats.org/drawingml/2006/chart" xmlns:dgm="http://schemas.openxmlformats.org/drawingml/2006/diagram" xmlns:o="urn:schemas-microsoft-com:office:office" xmlns:v="urn:schemas-microsoft-com:vml" xmlns:pvml="urn:schemas-microsoft-com:office:powerpoint" xmlns:com="http://schemas.openxmlformats.org/drawingml/2006/compatibility" xmlns:p14="http://schemas.microsoft.com/office/powerpoint/2010/main" xmlns:p15="http://schemas.microsoft.com/office/powerpoint/2012/main" xmlns:ahyp="http://schemas.microsoft.com/office/drawing/2018/hyperlinkcolor" showMasterPhAnim="0" showMasterSp="0">
+  <p:cSld>
+    <p:spTree>
+      <p:nvGrpSpPr>
+        <p:cNvPr id="566" name="Shape 566"/>
+        <p:cNvGrpSpPr/>
+        <p:nvPr/>
+      </p:nvGrpSpPr>
+      <p:grpSpPr>
+        <a:xfrm>
+          <a:off x="0" y="0"/>
+          <a:ext cx="0" cy="0"/>
+          <a:chOff x="0" y="0"/>
+          <a:chExt cx="0" cy="0"/>
+        </a:xfrm>
+      </p:grpSpPr>
+      <p:sp>
+        <p:nvSpPr>
+          <p:cNvPr id="567" name="Google Shape;567;g391c0dedbe2_0_19:notes"/>
+          <p:cNvSpPr/>
+          <p:nvPr>
+            <p:ph idx="2" type="sldImg"/>
+          </p:nvPr>
+        </p:nvSpPr>
+        <p:spPr>
+          <a:xfrm>
+            <a:off x="381300" y="685800"/>
+            <a:ext cx="6096000" cy="3429000"/>
+          </a:xfrm>
+          <a:custGeom>
+            <a:rect b="b" l="l" r="r" t="t"/>
+            <a:pathLst>
+              <a:path extrusionOk="0" h="120000" w="120000">
+                <a:moveTo>
+                  <a:pt x="0" y="0"/>
+                </a:moveTo>
+                <a:lnTo>
+                  <a:pt x="120000" y="0"/>
+                </a:lnTo>
+                <a:lnTo>
+                  <a:pt x="120000" y="120000"/>
+                </a:lnTo>
+                <a:lnTo>
+                  <a:pt x="0" y="120000"/>
+                </a:lnTo>
+                <a:close/>
+              </a:path>
+            </a:pathLst>
+          </a:custGeom>
+        </p:spPr>
+      </p:sp>
+      <p:sp>
+        <p:nvSpPr>
+          <p:cNvPr id="568" name="Google Shape;568;g391c0dedbe2_0_19:notes"/>
+          <p:cNvSpPr txBox="1"/>
+          <p:nvPr>
+            <p:ph idx="1" type="body"/>
+          </p:nvPr>
+        </p:nvSpPr>
+        <p:spPr>
+          <a:xfrm>
+            <a:off x="685800" y="4343400"/>
+            <a:ext cx="5486400" cy="4114800"/>
+          </a:xfrm>
+          <a:prstGeom prst="rect">
+            <a:avLst/>
+          </a:prstGeom>
+        </p:spPr>
+        <p:txBody>
+          <a:bodyPr anchorCtr="0" anchor="t" bIns="91425" lIns="91425" spcFirstLastPara="1" rIns="91425" wrap="square" tIns="91425">
+            <a:noAutofit/>
+          </a:bodyPr>
+          <a:lstStyle/>
+          <a:p>
+            <a:pPr indent="0" lvl="0" marL="0" rtl="0" algn="l">
+              <a:spcBef>
+                <a:spcPts val="0"/>
+              </a:spcBef>
+              <a:spcAft>
+                <a:spcPts val="0"/>
+              </a:spcAft>
+              <a:buNone/>
+            </a:pPr>
+            <a:r>
+              <a:t/>
+            </a:r>
+            <a:endParaRPr/>
+          </a:p>
+        </p:txBody>
+      </p:sp>
+    </p:spTree>
+  </p:cSld>
+  <p:clrMapOvr>
+    <a:masterClrMapping/>
+  </p:clrMapOvr>
+</p:notes>
+</file>
+
+<file path=ppt/notesSlides/notesSlide82.xml><?xml version="1.0" encoding="utf-8"?>
+<p:notes xmlns:a="http://schemas.openxmlformats.org/drawingml/2006/main" xmlns:r="http://schemas.openxmlformats.org/officeDocument/2006/relationships" xmlns:mc="http://schemas.openxmlformats.org/markup-compatibility/2006" xmlns:mv="urn:schemas-microsoft-com:mac:vml" xmlns:p="http://schemas.openxmlformats.org/presentationml/2006/main" xmlns:c="http://schemas.openxmlformats.org/drawingml/2006/chart" xmlns:dgm="http://schemas.openxmlformats.org/drawingml/2006/diagram" xmlns:o="urn:schemas-microsoft-com:office:office" xmlns:v="urn:schemas-microsoft-com:vml" xmlns:pvml="urn:schemas-microsoft-com:office:powerpoint" xmlns:com="http://schemas.openxmlformats.org/drawingml/2006/compatibility" xmlns:p14="http://schemas.microsoft.com/office/powerpoint/2010/main" xmlns:p15="http://schemas.microsoft.com/office/powerpoint/2012/main" xmlns:ahyp="http://schemas.microsoft.com/office/drawing/2018/hyperlinkcolor" showMasterPhAnim="0" showMasterSp="0">
+  <p:cSld>
+    <p:spTree>
+      <p:nvGrpSpPr>
+        <p:cNvPr id="572" name="Shape 572"/>
+        <p:cNvGrpSpPr/>
+        <p:nvPr/>
+      </p:nvGrpSpPr>
+      <p:grpSpPr>
+        <a:xfrm>
+          <a:off x="0" y="0"/>
+          <a:ext cx="0" cy="0"/>
+          <a:chOff x="0" y="0"/>
+          <a:chExt cx="0" cy="0"/>
+        </a:xfrm>
+      </p:grpSpPr>
+      <p:sp>
+        <p:nvSpPr>
+          <p:cNvPr id="573" name="Google Shape;573;g391c0dedbe2_0_26:notes"/>
+          <p:cNvSpPr/>
+          <p:nvPr>
+            <p:ph idx="2" type="sldImg"/>
+          </p:nvPr>
+        </p:nvSpPr>
+        <p:spPr>
+          <a:xfrm>
+            <a:off x="381300" y="685800"/>
+            <a:ext cx="6096000" cy="3429000"/>
+          </a:xfrm>
+          <a:custGeom>
+            <a:rect b="b" l="l" r="r" t="t"/>
+            <a:pathLst>
+              <a:path extrusionOk="0" h="120000" w="120000">
+                <a:moveTo>
+                  <a:pt x="0" y="0"/>
+                </a:moveTo>
+                <a:lnTo>
+                  <a:pt x="120000" y="0"/>
+                </a:lnTo>
+                <a:lnTo>
+                  <a:pt x="120000" y="120000"/>
+                </a:lnTo>
+                <a:lnTo>
+                  <a:pt x="0" y="120000"/>
+                </a:lnTo>
+                <a:close/>
+              </a:path>
+            </a:pathLst>
+          </a:custGeom>
+        </p:spPr>
+      </p:sp>
+      <p:sp>
+        <p:nvSpPr>
+          <p:cNvPr id="574" name="Google Shape;574;g391c0dedbe2_0_26:notes"/>
+          <p:cNvSpPr txBox="1"/>
+          <p:nvPr>
+            <p:ph idx="1" type="body"/>
+          </p:nvPr>
+        </p:nvSpPr>
+        <p:spPr>
+          <a:xfrm>
+            <a:off x="685800" y="4343400"/>
+            <a:ext cx="5486400" cy="4114800"/>
+          </a:xfrm>
+          <a:prstGeom prst="rect">
+            <a:avLst/>
+          </a:prstGeom>
+        </p:spPr>
+        <p:txBody>
+          <a:bodyPr anchorCtr="0" anchor="t" bIns="91425" lIns="91425" spcFirstLastPara="1" rIns="91425" wrap="square" tIns="91425">
+            <a:noAutofit/>
+          </a:bodyPr>
+          <a:lstStyle/>
+          <a:p>
+            <a:pPr indent="0" lvl="0" marL="0" rtl="0" algn="l">
+              <a:spcBef>
+                <a:spcPts val="0"/>
+              </a:spcBef>
+              <a:spcAft>
+                <a:spcPts val="0"/>
+              </a:spcAft>
+              <a:buNone/>
+            </a:pPr>
+            <a:r>
+              <a:t/>
+            </a:r>
+            <a:endParaRPr/>
+          </a:p>
+        </p:txBody>
+      </p:sp>
+    </p:spTree>
+  </p:cSld>
+  <p:clrMapOvr>
+    <a:masterClrMapping/>
+  </p:clrMapOvr>
+</p:notes>
+</file>
+
+<file path=ppt/notesSlides/notesSlide83.xml><?xml version="1.0" encoding="utf-8"?>
+<p:notes xmlns:a="http://schemas.openxmlformats.org/drawingml/2006/main" xmlns:r="http://schemas.openxmlformats.org/officeDocument/2006/relationships" xmlns:mc="http://schemas.openxmlformats.org/markup-compatibility/2006" xmlns:mv="urn:schemas-microsoft-com:mac:vml" xmlns:p="http://schemas.openxmlformats.org/presentationml/2006/main" xmlns:c="http://schemas.openxmlformats.org/drawingml/2006/chart" xmlns:dgm="http://schemas.openxmlformats.org/drawingml/2006/diagram" xmlns:o="urn:schemas-microsoft-com:office:office" xmlns:v="urn:schemas-microsoft-com:vml" xmlns:pvml="urn:schemas-microsoft-com:office:powerpoint" xmlns:com="http://schemas.openxmlformats.org/drawingml/2006/compatibility" xmlns:p14="http://schemas.microsoft.com/office/powerpoint/2010/main" xmlns:p15="http://schemas.microsoft.com/office/powerpoint/2012/main" xmlns:ahyp="http://schemas.microsoft.com/office/drawing/2018/hyperlinkcolor" showMasterPhAnim="0" showMasterSp="0">
+  <p:cSld>
+    <p:spTree>
+      <p:nvGrpSpPr>
+        <p:cNvPr id="578" name="Shape 578"/>
+        <p:cNvGrpSpPr/>
+        <p:nvPr/>
+      </p:nvGrpSpPr>
+      <p:grpSpPr>
+        <a:xfrm>
+          <a:off x="0" y="0"/>
+          <a:ext cx="0" cy="0"/>
+          <a:chOff x="0" y="0"/>
+          <a:chExt cx="0" cy="0"/>
+        </a:xfrm>
+      </p:grpSpPr>
+      <p:sp>
+        <p:nvSpPr>
+          <p:cNvPr id="579" name="Google Shape;579;g391c0dedbe2_0_33:notes"/>
+          <p:cNvSpPr/>
+          <p:nvPr>
+            <p:ph idx="2" type="sldImg"/>
+          </p:nvPr>
+        </p:nvSpPr>
+        <p:spPr>
+          <a:xfrm>
+            <a:off x="381300" y="685800"/>
+            <a:ext cx="6096000" cy="3429000"/>
+          </a:xfrm>
+          <a:custGeom>
+            <a:rect b="b" l="l" r="r" t="t"/>
+            <a:pathLst>
+              <a:path extrusionOk="0" h="120000" w="120000">
+                <a:moveTo>
+                  <a:pt x="0" y="0"/>
+                </a:moveTo>
+                <a:lnTo>
+                  <a:pt x="120000" y="0"/>
+                </a:lnTo>
+                <a:lnTo>
+                  <a:pt x="120000" y="120000"/>
+                </a:lnTo>
+                <a:lnTo>
+                  <a:pt x="0" y="120000"/>
+                </a:lnTo>
+                <a:close/>
+              </a:path>
+            </a:pathLst>
+          </a:custGeom>
+        </p:spPr>
+      </p:sp>
+      <p:sp>
+        <p:nvSpPr>
+          <p:cNvPr id="580" name="Google Shape;580;g391c0dedbe2_0_33:notes"/>
+          <p:cNvSpPr txBox="1"/>
+          <p:nvPr>
+            <p:ph idx="1" type="body"/>
+          </p:nvPr>
+        </p:nvSpPr>
+        <p:spPr>
+          <a:xfrm>
+            <a:off x="685800" y="4343400"/>
+            <a:ext cx="5486400" cy="4114800"/>
+          </a:xfrm>
+          <a:prstGeom prst="rect">
+            <a:avLst/>
+          </a:prstGeom>
+        </p:spPr>
+        <p:txBody>
+          <a:bodyPr anchorCtr="0" anchor="t" bIns="91425" lIns="91425" spcFirstLastPara="1" rIns="91425" wrap="square" tIns="91425">
+            <a:noAutofit/>
+          </a:bodyPr>
+          <a:lstStyle/>
+          <a:p>
+            <a:pPr indent="0" lvl="0" marL="0" rtl="0" algn="l">
+              <a:spcBef>
+                <a:spcPts val="0"/>
+              </a:spcBef>
+              <a:spcAft>
+                <a:spcPts val="0"/>
+              </a:spcAft>
+              <a:buNone/>
+            </a:pPr>
+            <a:r>
+              <a:t/>
+            </a:r>
+            <a:endParaRPr/>
+          </a:p>
+        </p:txBody>
+      </p:sp>
+    </p:spTree>
+  </p:cSld>
+  <p:clrMapOvr>
+    <a:masterClrMapping/>
+  </p:clrMapOvr>
+</p:notes>
+</file>
+
+<file path=ppt/notesSlides/notesSlide84.xml><?xml version="1.0" encoding="utf-8"?>
+<p:notes xmlns:a="http://schemas.openxmlformats.org/drawingml/2006/main" xmlns:r="http://schemas.openxmlformats.org/officeDocument/2006/relationships" xmlns:mc="http://schemas.openxmlformats.org/markup-compatibility/2006" xmlns:mv="urn:schemas-microsoft-com:mac:vml" xmlns:p="http://schemas.openxmlformats.org/presentationml/2006/main" xmlns:c="http://schemas.openxmlformats.org/drawingml/2006/chart" xmlns:dgm="http://schemas.openxmlformats.org/drawingml/2006/diagram" xmlns:o="urn:schemas-microsoft-com:office:office" xmlns:v="urn:schemas-microsoft-com:vml" xmlns:pvml="urn:schemas-microsoft-com:office:powerpoint" xmlns:com="http://schemas.openxmlformats.org/drawingml/2006/compatibility" xmlns:p14="http://schemas.microsoft.com/office/powerpoint/2010/main" xmlns:p15="http://schemas.microsoft.com/office/powerpoint/2012/main" xmlns:ahyp="http://schemas.microsoft.com/office/drawing/2018/hyperlinkcolor" showMasterPhAnim="0" showMasterSp="0">
+  <p:cSld>
+    <p:spTree>
+      <p:nvGrpSpPr>
+        <p:cNvPr id="584" name="Shape 584"/>
+        <p:cNvGrpSpPr/>
+        <p:nvPr/>
+      </p:nvGrpSpPr>
+      <p:grpSpPr>
+        <a:xfrm>
+          <a:off x="0" y="0"/>
+          <a:ext cx="0" cy="0"/>
+          <a:chOff x="0" y="0"/>
+          <a:chExt cx="0" cy="0"/>
+        </a:xfrm>
+      </p:grpSpPr>
+      <p:sp>
+        <p:nvSpPr>
+          <p:cNvPr id="585" name="Google Shape;585;g391c0dedbe2_0_58:notes"/>
+          <p:cNvSpPr/>
+          <p:nvPr>
+            <p:ph idx="2" type="sldImg"/>
+          </p:nvPr>
+        </p:nvSpPr>
+        <p:spPr>
+          <a:xfrm>
+            <a:off x="381300" y="685800"/>
+            <a:ext cx="6096000" cy="3429000"/>
+          </a:xfrm>
+          <a:custGeom>
+            <a:rect b="b" l="l" r="r" t="t"/>
+            <a:pathLst>
+              <a:path extrusionOk="0" h="120000" w="120000">
+                <a:moveTo>
+                  <a:pt x="0" y="0"/>
+                </a:moveTo>
+                <a:lnTo>
+                  <a:pt x="120000" y="0"/>
+                </a:lnTo>
+                <a:lnTo>
+                  <a:pt x="120000" y="120000"/>
+                </a:lnTo>
+                <a:lnTo>
+                  <a:pt x="0" y="120000"/>
+                </a:lnTo>
+                <a:close/>
+              </a:path>
+            </a:pathLst>
+          </a:custGeom>
+        </p:spPr>
+      </p:sp>
+      <p:sp>
+        <p:nvSpPr>
+          <p:cNvPr id="586" name="Google Shape;586;g391c0dedbe2_0_58:notes"/>
+          <p:cNvSpPr txBox="1"/>
+          <p:nvPr>
+            <p:ph idx="1" type="body"/>
+          </p:nvPr>
+        </p:nvSpPr>
+        <p:spPr>
+          <a:xfrm>
+            <a:off x="685800" y="4343400"/>
+            <a:ext cx="5486400" cy="4114800"/>
+          </a:xfrm>
+          <a:prstGeom prst="rect">
+            <a:avLst/>
+          </a:prstGeom>
+        </p:spPr>
+        <p:txBody>
+          <a:bodyPr anchorCtr="0" anchor="t" bIns="91425" lIns="91425" spcFirstLastPara="1" rIns="91425" wrap="square" tIns="91425">
+            <a:noAutofit/>
+          </a:bodyPr>
+          <a:lstStyle/>
+          <a:p>
+            <a:pPr indent="0" lvl="0" marL="0" rtl="0" algn="l">
+              <a:spcBef>
+                <a:spcPts val="0"/>
+              </a:spcBef>
+              <a:spcAft>
+                <a:spcPts val="0"/>
+              </a:spcAft>
+              <a:buNone/>
+            </a:pPr>
+            <a:r>
+              <a:t/>
+            </a:r>
+            <a:endParaRPr/>
+          </a:p>
+        </p:txBody>
+      </p:sp>
+    </p:spTree>
+  </p:cSld>
+  <p:clrMapOvr>
+    <a:masterClrMapping/>
+  </p:clrMapOvr>
+</p:notes>
+</file>
+
+<file path=ppt/notesSlides/notesSlide85.xml><?xml version="1.0" encoding="utf-8"?>
+<p:notes xmlns:a="http://schemas.openxmlformats.org/drawingml/2006/main" xmlns:r="http://schemas.openxmlformats.org/officeDocument/2006/relationships" xmlns:mc="http://schemas.openxmlformats.org/markup-compatibility/2006" xmlns:mv="urn:schemas-microsoft-com:mac:vml" xmlns:p="http://schemas.openxmlformats.org/presentationml/2006/main" xmlns:c="http://schemas.openxmlformats.org/drawingml/2006/chart" xmlns:dgm="http://schemas.openxmlformats.org/drawingml/2006/diagram" xmlns:o="urn:schemas-microsoft-com:office:office" xmlns:v="urn:schemas-microsoft-com:vml" xmlns:pvml="urn:schemas-microsoft-com:office:powerpoint" xmlns:com="http://schemas.openxmlformats.org/drawingml/2006/compatibility" xmlns:p14="http://schemas.microsoft.com/office/powerpoint/2010/main" xmlns:p15="http://schemas.microsoft.com/office/powerpoint/2012/main" xmlns:ahyp="http://schemas.microsoft.com/office/drawing/2018/hyperlinkcolor" showMasterPhAnim="0" showMasterSp="0">
+  <p:cSld>
+    <p:spTree>
+      <p:nvGrpSpPr>
+        <p:cNvPr id="590" name="Shape 590"/>
+        <p:cNvGrpSpPr/>
+        <p:nvPr/>
+      </p:nvGrpSpPr>
+      <p:grpSpPr>
+        <a:xfrm>
+          <a:off x="0" y="0"/>
+          <a:ext cx="0" cy="0"/>
+          <a:chOff x="0" y="0"/>
+          <a:chExt cx="0" cy="0"/>
+        </a:xfrm>
+      </p:grpSpPr>
+      <p:sp>
+        <p:nvSpPr>
+          <p:cNvPr id="591" name="Google Shape;591;g391c0dedbe2_0_6:notes"/>
+          <p:cNvSpPr/>
+          <p:nvPr>
+            <p:ph idx="2" type="sldImg"/>
+          </p:nvPr>
+        </p:nvSpPr>
+        <p:spPr>
+          <a:xfrm>
+            <a:off x="381300" y="685800"/>
+            <a:ext cx="6096000" cy="3429000"/>
+          </a:xfrm>
+          <a:custGeom>
+            <a:rect b="b" l="l" r="r" t="t"/>
+            <a:pathLst>
+              <a:path extrusionOk="0" h="120000" w="120000">
+                <a:moveTo>
+                  <a:pt x="0" y="0"/>
+                </a:moveTo>
+                <a:lnTo>
+                  <a:pt x="120000" y="0"/>
+                </a:lnTo>
+                <a:lnTo>
+                  <a:pt x="120000" y="120000"/>
+                </a:lnTo>
+                <a:lnTo>
+                  <a:pt x="0" y="120000"/>
+                </a:lnTo>
+                <a:close/>
+              </a:path>
+            </a:pathLst>
+          </a:custGeom>
+        </p:spPr>
+      </p:sp>
+      <p:sp>
+        <p:nvSpPr>
+          <p:cNvPr id="592" name="Google Shape;592;g391c0dedbe2_0_6:notes"/>
           <p:cNvSpPr txBox="1"/>
           <p:nvPr>
             <p:ph idx="1" type="body"/>
@@ -25591,7 +26191,7 @@
             <a:tbl>
               <a:tblPr>
                 <a:noFill/>
-                <a:tableStyleId>{109E5D9C-4A4D-4242-A5EE-F06489FDB7C1}</a:tableStyleId>
+                <a:tableStyleId>{03A943C4-4666-4E51-B8C8-71BCD7A61477}</a:tableStyleId>
               </a:tblPr>
               <a:tblGrid>
                 <a:gridCol w="561975"/>
@@ -25656,7 +26256,7 @@
             <a:tbl>
               <a:tblPr>
                 <a:noFill/>
-                <a:tableStyleId>{109E5D9C-4A4D-4242-A5EE-F06489FDB7C1}</a:tableStyleId>
+                <a:tableStyleId>{03A943C4-4666-4E51-B8C8-71BCD7A61477}</a:tableStyleId>
               </a:tblPr>
               <a:tblGrid>
                 <a:gridCol w="19050"/>
@@ -25704,7 +26304,7 @@
             <a:tbl>
               <a:tblPr>
                 <a:noFill/>
-                <a:tableStyleId>{109E5D9C-4A4D-4242-A5EE-F06489FDB7C1}</a:tableStyleId>
+                <a:tableStyleId>{03A943C4-4666-4E51-B8C8-71BCD7A61477}</a:tableStyleId>
               </a:tblPr>
               <a:tblGrid>
                 <a:gridCol w="561975"/>
@@ -25769,7 +26369,7 @@
             <a:tbl>
               <a:tblPr>
                 <a:noFill/>
-                <a:tableStyleId>{109E5D9C-4A4D-4242-A5EE-F06489FDB7C1}</a:tableStyleId>
+                <a:tableStyleId>{03A943C4-4666-4E51-B8C8-71BCD7A61477}</a:tableStyleId>
               </a:tblPr>
               <a:tblGrid>
                 <a:gridCol w="19050"/>
@@ -44672,7 +45272,7 @@
         <p:spPr>
           <a:xfrm>
             <a:off x="729450" y="2078875"/>
-            <a:ext cx="7688700" cy="2261100"/>
+            <a:ext cx="7688700" cy="2707200"/>
           </a:xfrm>
           <a:prstGeom prst="rect">
             <a:avLst/>
@@ -44739,14 +45339,62 @@
             <a:r>
               <a:rPr lang="pl" sz="1400">
                 <a:solidFill>
-                  <a:srgbClr val="000000"/>
-                </a:solidFill>
-                <a:latin typeface="Tahoma"/>
-                <a:ea typeface="Tahoma"/>
-                <a:cs typeface="Tahoma"/>
-                <a:sym typeface="Tahoma"/>
-              </a:rPr>
-              <a:t>dane (przed utratą, wyciekiem, zniszczeniem),</a:t>
+                  <a:srgbClr val="0B5394"/>
+                </a:solidFill>
+                <a:latin typeface="Tahoma"/>
+                <a:ea typeface="Tahoma"/>
+                <a:cs typeface="Tahoma"/>
+                <a:sym typeface="Tahoma"/>
+              </a:rPr>
+              <a:t>dane (przed utratą, wyciekiem, zniszczeniem)</a:t>
+            </a:r>
+            <a:r>
+              <a:rPr lang="pl" sz="1400">
+                <a:solidFill>
+                  <a:srgbClr val="000000"/>
+                </a:solidFill>
+                <a:latin typeface="Tahoma"/>
+                <a:ea typeface="Tahoma"/>
+                <a:cs typeface="Tahoma"/>
+                <a:sym typeface="Tahoma"/>
+              </a:rPr>
+              <a:t> np.: </a:t>
+            </a:r>
+            <a:r>
+              <a:rPr lang="pl" sz="1100">
+                <a:solidFill>
+                  <a:srgbClr val="000000"/>
+                </a:solidFill>
+                <a:latin typeface="Arial"/>
+                <a:ea typeface="Arial"/>
+                <a:cs typeface="Arial"/>
+                <a:sym typeface="Arial"/>
+              </a:rPr>
+              <a:t>obowiązek </a:t>
+            </a:r>
+            <a:r>
+              <a:rPr b="1" lang="pl" sz="1100">
+                <a:solidFill>
+                  <a:srgbClr val="000000"/>
+                </a:solidFill>
+                <a:latin typeface="Arial"/>
+                <a:ea typeface="Arial"/>
+                <a:cs typeface="Arial"/>
+                <a:sym typeface="Arial"/>
+              </a:rPr>
+              <a:t>tworzenia kopii zapasowych (backupów)</a:t>
+            </a:r>
+            <a:r>
+              <a:rPr lang="pl" sz="1400">
+                <a:solidFill>
+                  <a:srgbClr val="000000"/>
+                </a:solidFill>
+                <a:latin typeface="Tahoma"/>
+                <a:ea typeface="Tahoma"/>
+                <a:cs typeface="Tahoma"/>
+                <a:sym typeface="Tahoma"/>
+              </a:rPr>
+              <a:t>,</a:t>
             </a:r>
             <a:br>
               <a:rPr lang="pl" sz="1400">
@@ -44790,14 +45438,62 @@
             <a:r>
               <a:rPr lang="pl" sz="1400">
                 <a:solidFill>
-                  <a:srgbClr val="000000"/>
-                </a:solidFill>
-                <a:latin typeface="Tahoma"/>
-                <a:ea typeface="Tahoma"/>
-                <a:cs typeface="Tahoma"/>
-                <a:sym typeface="Tahoma"/>
-              </a:rPr>
-              <a:t>systemy (przed atakami i awariami),</a:t>
+                  <a:srgbClr val="0B5394"/>
+                </a:solidFill>
+                <a:latin typeface="Tahoma"/>
+                <a:ea typeface="Tahoma"/>
+                <a:cs typeface="Tahoma"/>
+                <a:sym typeface="Tahoma"/>
+              </a:rPr>
+              <a:t>systemy (przed atakami i awariami)</a:t>
+            </a:r>
+            <a:r>
+              <a:rPr lang="pl" sz="1400">
+                <a:solidFill>
+                  <a:srgbClr val="000000"/>
+                </a:solidFill>
+                <a:latin typeface="Tahoma"/>
+                <a:ea typeface="Tahoma"/>
+                <a:cs typeface="Tahoma"/>
+                <a:sym typeface="Tahoma"/>
+              </a:rPr>
+              <a:t> np.: </a:t>
+            </a:r>
+            <a:r>
+              <a:rPr lang="pl" sz="1100">
+                <a:solidFill>
+                  <a:srgbClr val="000000"/>
+                </a:solidFill>
+                <a:latin typeface="Arial"/>
+                <a:ea typeface="Arial"/>
+                <a:cs typeface="Arial"/>
+                <a:sym typeface="Arial"/>
+              </a:rPr>
+              <a:t>stosowanie </a:t>
+            </a:r>
+            <a:r>
+              <a:rPr b="1" lang="pl" sz="1100">
+                <a:solidFill>
+                  <a:srgbClr val="000000"/>
+                </a:solidFill>
+                <a:latin typeface="Arial"/>
+                <a:ea typeface="Arial"/>
+                <a:cs typeface="Arial"/>
+                <a:sym typeface="Arial"/>
+              </a:rPr>
+              <a:t>antywirusa i zapory sieciowej (firewall)</a:t>
+            </a:r>
+            <a:r>
+              <a:rPr lang="pl" sz="1400">
+                <a:solidFill>
+                  <a:srgbClr val="000000"/>
+                </a:solidFill>
+                <a:latin typeface="Tahoma"/>
+                <a:ea typeface="Tahoma"/>
+                <a:cs typeface="Tahoma"/>
+                <a:sym typeface="Tahoma"/>
+              </a:rPr>
+              <a:t>,</a:t>
             </a:r>
             <a:br>
               <a:rPr lang="pl" sz="1400">
@@ -44841,14 +45537,98 @@
             <a:r>
               <a:rPr lang="pl" sz="1400">
                 <a:solidFill>
-                  <a:srgbClr val="000000"/>
-                </a:solidFill>
-                <a:latin typeface="Tahoma"/>
-                <a:ea typeface="Tahoma"/>
-                <a:cs typeface="Tahoma"/>
-                <a:sym typeface="Tahoma"/>
-              </a:rPr>
-              <a:t>użytkowników (przed zagrożeniami),</a:t>
+                  <a:srgbClr val="0B5394"/>
+                </a:solidFill>
+                <a:latin typeface="Tahoma"/>
+                <a:ea typeface="Tahoma"/>
+                <a:cs typeface="Tahoma"/>
+                <a:sym typeface="Tahoma"/>
+              </a:rPr>
+              <a:t>użytkowników (przed zagrożeniami)</a:t>
+            </a:r>
+            <a:r>
+              <a:rPr lang="pl" sz="1400">
+                <a:solidFill>
+                  <a:srgbClr val="000000"/>
+                </a:solidFill>
+                <a:latin typeface="Tahoma"/>
+                <a:ea typeface="Tahoma"/>
+                <a:cs typeface="Tahoma"/>
+                <a:sym typeface="Tahoma"/>
+              </a:rPr>
+              <a:t> np.: </a:t>
+            </a:r>
+            <a:r>
+              <a:rPr lang="pl" sz="1100">
+                <a:solidFill>
+                  <a:srgbClr val="000000"/>
+                </a:solidFill>
+                <a:latin typeface="Arial"/>
+                <a:ea typeface="Arial"/>
+                <a:cs typeface="Arial"/>
+                <a:sym typeface="Arial"/>
+              </a:rPr>
+              <a:t>polityka </a:t>
+            </a:r>
+            <a:r>
+              <a:rPr b="1" lang="pl" sz="1100">
+                <a:solidFill>
+                  <a:srgbClr val="000000"/>
+                </a:solidFill>
+                <a:latin typeface="Arial"/>
+                <a:ea typeface="Arial"/>
+                <a:cs typeface="Arial"/>
+                <a:sym typeface="Arial"/>
+              </a:rPr>
+              <a:t>silnych haseł, </a:t>
+            </a:r>
+            <a:r>
+              <a:rPr lang="pl" sz="1100">
+                <a:solidFill>
+                  <a:srgbClr val="000000"/>
+                </a:solidFill>
+                <a:latin typeface="Arial"/>
+                <a:ea typeface="Arial"/>
+                <a:cs typeface="Arial"/>
+                <a:sym typeface="Arial"/>
+              </a:rPr>
+              <a:t>automatyczne </a:t>
+            </a:r>
+            <a:r>
+              <a:rPr b="1" lang="pl" sz="1100">
+                <a:solidFill>
+                  <a:srgbClr val="000000"/>
+                </a:solidFill>
+                <a:latin typeface="Arial"/>
+                <a:ea typeface="Arial"/>
+                <a:cs typeface="Arial"/>
+                <a:sym typeface="Arial"/>
+              </a:rPr>
+              <a:t>wylogowanie po czasie bezczynności</a:t>
+            </a:r>
+            <a:r>
+              <a:rPr lang="pl" sz="1100">
+                <a:solidFill>
+                  <a:srgbClr val="000000"/>
+                </a:solidFill>
+                <a:latin typeface="Arial"/>
+                <a:ea typeface="Arial"/>
+                <a:cs typeface="Arial"/>
+                <a:sym typeface="Arial"/>
+              </a:rPr>
+              <a:t>.</a:t>
+            </a:r>
+            <a:r>
+              <a:rPr lang="pl" sz="1400">
+                <a:solidFill>
+                  <a:srgbClr val="000000"/>
+                </a:solidFill>
+                <a:latin typeface="Tahoma"/>
+                <a:ea typeface="Tahoma"/>
+                <a:cs typeface="Tahoma"/>
+                <a:sym typeface="Tahoma"/>
+              </a:rPr>
+              <a:t>,</a:t>
             </a:r>
             <a:br>
               <a:rPr lang="pl" sz="1400">
@@ -44892,16 +45672,28 @@
             <a:r>
               <a:rPr lang="pl" sz="1400">
                 <a:solidFill>
-                  <a:srgbClr val="000000"/>
-                </a:solidFill>
-                <a:latin typeface="Tahoma"/>
-                <a:ea typeface="Tahoma"/>
-                <a:cs typeface="Tahoma"/>
-                <a:sym typeface="Tahoma"/>
-              </a:rPr>
-              <a:t>firmę/szkołę (przed stratami i odpowiedzialnością prawną).</a:t>
-            </a:r>
-            <a:br>
+                  <a:srgbClr val="0B5394"/>
+                </a:solidFill>
+                <a:latin typeface="Tahoma"/>
+                <a:ea typeface="Tahoma"/>
+                <a:cs typeface="Tahoma"/>
+                <a:sym typeface="Tahoma"/>
+              </a:rPr>
+              <a:t>firmę/szkołę (przed stratami i odpowiedzialnością prawną)</a:t>
+            </a:r>
+            <a:r>
+              <a:rPr lang="pl" sz="1400">
+                <a:solidFill>
+                  <a:srgbClr val="000000"/>
+                </a:solidFill>
+                <a:latin typeface="Tahoma"/>
+                <a:ea typeface="Tahoma"/>
+                <a:cs typeface="Tahoma"/>
+                <a:sym typeface="Tahoma"/>
+              </a:rPr>
+              <a:t> np.: </a:t>
+            </a:r>
+            <a:r>
               <a:rPr lang="pl" sz="1100">
                 <a:solidFill>
                   <a:srgbClr val="000000"/>
@@ -44911,29 +45703,43 @@
                 <a:cs typeface="Arial"/>
                 <a:sym typeface="Arial"/>
               </a:rPr>
-            </a:br>
-            <a:endParaRPr sz="1100">
-              <a:solidFill>
-                <a:srgbClr val="000000"/>
-              </a:solidFill>
-              <a:latin typeface="Arial"/>
-              <a:ea typeface="Arial"/>
-              <a:cs typeface="Arial"/>
-              <a:sym typeface="Arial"/>
-            </a:endParaRPr>
-          </a:p>
-          <a:p>
-            <a:pPr indent="0" lvl="0" marL="0" rtl="0" algn="l">
-              <a:spcBef>
-                <a:spcPts val="0"/>
-              </a:spcBef>
-              <a:spcAft>
-                <a:spcPts val="1200"/>
-              </a:spcAft>
-              <a:buNone/>
-            </a:pPr>
-            <a:r>
-              <a:t/>
+              <a:t>zgodność z </a:t>
+            </a:r>
+            <a:r>
+              <a:rPr b="1" lang="pl" sz="1100">
+                <a:solidFill>
+                  <a:srgbClr val="000000"/>
+                </a:solidFill>
+                <a:latin typeface="Arial"/>
+                <a:ea typeface="Arial"/>
+                <a:cs typeface="Arial"/>
+                <a:sym typeface="Arial"/>
+              </a:rPr>
+              <a:t>RODO</a:t>
+            </a:r>
+            <a:r>
+              <a:rPr lang="pl" sz="1100">
+                <a:solidFill>
+                  <a:srgbClr val="000000"/>
+                </a:solidFill>
+                <a:latin typeface="Arial"/>
+                <a:ea typeface="Arial"/>
+                <a:cs typeface="Arial"/>
+                <a:sym typeface="Arial"/>
+              </a:rPr>
+              <a:t> – ochrona danych osobowych</a:t>
+            </a:r>
+            <a:r>
+              <a:rPr lang="pl" sz="1400">
+                <a:solidFill>
+                  <a:srgbClr val="000000"/>
+                </a:solidFill>
+                <a:latin typeface="Tahoma"/>
+                <a:ea typeface="Tahoma"/>
+                <a:cs typeface="Tahoma"/>
+                <a:sym typeface="Tahoma"/>
+              </a:rPr>
+              <a:t>.</a:t>
             </a:r>
             <a:endParaRPr/>
           </a:p>
@@ -47687,7 +48493,7 @@
         </p:spPr>
         <p:txBody>
           <a:bodyPr anchorCtr="0" anchor="t" bIns="91425" lIns="91425" spcFirstLastPara="1" rIns="91425" wrap="square" tIns="91425">
-            <a:normAutofit fontScale="90000"/>
+            <a:noAutofit/>
           </a:bodyPr>
           <a:lstStyle/>
           <a:p>
@@ -47701,9 +48507,23 @@
               <a:buNone/>
             </a:pPr>
             <a:r>
-              <a:t/>
-            </a:r>
-            <a:endParaRPr/>
+              <a:rPr lang="pl" sz="2400">
+                <a:solidFill>
+                  <a:srgbClr val="000000"/>
+                </a:solidFill>
+                <a:latin typeface="Tahoma"/>
+                <a:ea typeface="Tahoma"/>
+                <a:cs typeface="Tahoma"/>
+                <a:sym typeface="Tahoma"/>
+              </a:rPr>
+              <a:t>Cyberbezpieczeństwo</a:t>
+            </a:r>
+            <a:endParaRPr sz="3900">
+              <a:latin typeface="Tahoma"/>
+              <a:ea typeface="Tahoma"/>
+              <a:cs typeface="Tahoma"/>
+              <a:sym typeface="Tahoma"/>
+            </a:endParaRPr>
           </a:p>
         </p:txBody>
       </p:sp>
@@ -47718,7 +48538,7 @@
         <p:spPr>
           <a:xfrm>
             <a:off x="729450" y="2078875"/>
-            <a:ext cx="7688700" cy="2261100"/>
+            <a:ext cx="7688700" cy="2831400"/>
           </a:xfrm>
           <a:prstGeom prst="rect">
             <a:avLst/>
@@ -47726,106 +48546,468 @@
         </p:spPr>
         <p:txBody>
           <a:bodyPr anchorCtr="0" anchor="t" bIns="91425" lIns="91425" spcFirstLastPara="1" rIns="91425" wrap="square" tIns="91425">
-            <a:normAutofit/>
+            <a:noAutofit/>
           </a:bodyPr>
           <a:lstStyle/>
           <a:p>
             <a:pPr indent="0" lvl="0" marL="0" rtl="0" algn="l">
-              <a:spcBef>
-                <a:spcPts val="0"/>
-              </a:spcBef>
-              <a:spcAft>
-                <a:spcPts val="0"/>
-              </a:spcAft>
-              <a:buNone/>
-            </a:pPr>
-            <a:r>
-              <a:rPr b="1" lang="pl" sz="2300">
-                <a:solidFill>
-                  <a:srgbClr val="FF0000"/>
-                </a:solidFill>
-              </a:rPr>
-              <a:t>kartkówki do poprawy </a:t>
-            </a:r>
-            <a:endParaRPr b="1" sz="2300">
-              <a:solidFill>
-                <a:srgbClr val="FF0000"/>
-              </a:solidFill>
-            </a:endParaRPr>
-          </a:p>
-          <a:p>
-            <a:pPr indent="0" lvl="0" marL="0" rtl="0" algn="l">
-              <a:spcBef>
-                <a:spcPts val="1200"/>
-              </a:spcBef>
-              <a:spcAft>
-                <a:spcPts val="0"/>
-              </a:spcAft>
-              <a:buNone/>
-            </a:pPr>
-            <a:r>
-              <a:rPr b="1" lang="pl" sz="2300">
-                <a:solidFill>
-                  <a:srgbClr val="FF0000"/>
-                </a:solidFill>
-              </a:rPr>
-              <a:t>Serchi po </a:t>
-            </a:r>
-            <a:r>
-              <a:rPr b="1" lang="pl" sz="2300">
-                <a:solidFill>
-                  <a:srgbClr val="FF0000"/>
-                </a:solidFill>
-              </a:rPr>
-              <a:t>świętach</a:t>
-            </a:r>
-            <a:r>
-              <a:rPr b="1" lang="pl" sz="2300">
-                <a:solidFill>
-                  <a:srgbClr val="FF0000"/>
-                </a:solidFill>
-              </a:rPr>
-              <a:t> prowadzi lekcje, a na </a:t>
-            </a:r>
-            <a:r>
-              <a:rPr b="1" lang="pl" sz="2300">
-                <a:solidFill>
-                  <a:srgbClr val="FF0000"/>
-                </a:solidFill>
-              </a:rPr>
-              <a:t>następnej</a:t>
-            </a:r>
-            <a:r>
-              <a:rPr b="1" lang="pl" sz="2300">
-                <a:solidFill>
-                  <a:srgbClr val="FF0000"/>
-                </a:solidFill>
-              </a:rPr>
-              <a:t> poprawia ostatnią kartkówkę</a:t>
-            </a:r>
-            <a:endParaRPr b="1" sz="2300">
-              <a:solidFill>
-                <a:srgbClr val="FF0000"/>
-              </a:solidFill>
-            </a:endParaRPr>
-          </a:p>
-          <a:p>
-            <a:pPr indent="0" lvl="0" marL="0" rtl="0" algn="l">
-              <a:spcBef>
-                <a:spcPts val="1200"/>
-              </a:spcBef>
-              <a:spcAft>
-                <a:spcPts val="1200"/>
+              <a:lnSpc>
+                <a:spcPct val="100000"/>
+              </a:lnSpc>
+              <a:spcBef>
+                <a:spcPts val="0"/>
+              </a:spcBef>
+              <a:spcAft>
+                <a:spcPts val="0"/>
+              </a:spcAft>
+              <a:buNone/>
+            </a:pPr>
+            <a:r>
+              <a:rPr lang="pl" sz="1400">
+                <a:solidFill>
+                  <a:srgbClr val="000000"/>
+                </a:solidFill>
+                <a:latin typeface="Tahoma"/>
+                <a:ea typeface="Tahoma"/>
+                <a:cs typeface="Tahoma"/>
+                <a:sym typeface="Tahoma"/>
+              </a:rPr>
+              <a:t>To zbiór:</a:t>
+            </a:r>
+            <a:endParaRPr sz="1400">
+              <a:solidFill>
+                <a:srgbClr val="000000"/>
+              </a:solidFill>
+              <a:latin typeface="Tahoma"/>
+              <a:ea typeface="Tahoma"/>
+              <a:cs typeface="Tahoma"/>
+              <a:sym typeface="Tahoma"/>
+            </a:endParaRPr>
+          </a:p>
+          <a:p>
+            <a:pPr indent="-317500" lvl="0" marL="457200" rtl="0" algn="l">
+              <a:lnSpc>
+                <a:spcPct val="100000"/>
+              </a:lnSpc>
+              <a:spcBef>
+                <a:spcPts val="0"/>
+              </a:spcBef>
+              <a:spcAft>
+                <a:spcPts val="0"/>
+              </a:spcAft>
+              <a:buClr>
+                <a:srgbClr val="741B47"/>
+              </a:buClr>
+              <a:buSzPts val="1400"/>
+              <a:buFont typeface="Tahoma"/>
+              <a:buChar char="●"/>
+            </a:pPr>
+            <a:r>
+              <a:rPr lang="pl" sz="1400">
+                <a:solidFill>
+                  <a:srgbClr val="741B47"/>
+                </a:solidFill>
+                <a:latin typeface="Tahoma"/>
+                <a:ea typeface="Tahoma"/>
+                <a:cs typeface="Tahoma"/>
+                <a:sym typeface="Tahoma"/>
+              </a:rPr>
+              <a:t>zasad,</a:t>
+            </a:r>
+            <a:endParaRPr sz="1400">
+              <a:solidFill>
+                <a:srgbClr val="741B47"/>
+              </a:solidFill>
+              <a:latin typeface="Tahoma"/>
+              <a:ea typeface="Tahoma"/>
+              <a:cs typeface="Tahoma"/>
+              <a:sym typeface="Tahoma"/>
+            </a:endParaRPr>
+          </a:p>
+          <a:p>
+            <a:pPr indent="-317500" lvl="0" marL="457200" rtl="0" algn="l">
+              <a:lnSpc>
+                <a:spcPct val="100000"/>
+              </a:lnSpc>
+              <a:spcBef>
+                <a:spcPts val="0"/>
+              </a:spcBef>
+              <a:spcAft>
+                <a:spcPts val="0"/>
+              </a:spcAft>
+              <a:buClr>
+                <a:srgbClr val="741B47"/>
+              </a:buClr>
+              <a:buSzPts val="1400"/>
+              <a:buFont typeface="Tahoma"/>
+              <a:buChar char="●"/>
+            </a:pPr>
+            <a:r>
+              <a:rPr lang="pl" sz="1400">
+                <a:solidFill>
+                  <a:srgbClr val="741B47"/>
+                </a:solidFill>
+                <a:latin typeface="Tahoma"/>
+                <a:ea typeface="Tahoma"/>
+                <a:cs typeface="Tahoma"/>
+                <a:sym typeface="Tahoma"/>
+              </a:rPr>
+              <a:t>technologii,</a:t>
+            </a:r>
+            <a:endParaRPr sz="1400">
+              <a:solidFill>
+                <a:srgbClr val="741B47"/>
+              </a:solidFill>
+              <a:latin typeface="Tahoma"/>
+              <a:ea typeface="Tahoma"/>
+              <a:cs typeface="Tahoma"/>
+              <a:sym typeface="Tahoma"/>
+            </a:endParaRPr>
+          </a:p>
+          <a:p>
+            <a:pPr indent="-317500" lvl="0" marL="457200" rtl="0" algn="l">
+              <a:lnSpc>
+                <a:spcPct val="100000"/>
+              </a:lnSpc>
+              <a:spcBef>
+                <a:spcPts val="0"/>
+              </a:spcBef>
+              <a:spcAft>
+                <a:spcPts val="0"/>
+              </a:spcAft>
+              <a:buClr>
+                <a:srgbClr val="741B47"/>
+              </a:buClr>
+              <a:buSzPts val="1400"/>
+              <a:buFont typeface="Tahoma"/>
+              <a:buChar char="●"/>
+            </a:pPr>
+            <a:r>
+              <a:rPr lang="pl" sz="1400">
+                <a:solidFill>
+                  <a:srgbClr val="741B47"/>
+                </a:solidFill>
+                <a:latin typeface="Tahoma"/>
+                <a:ea typeface="Tahoma"/>
+                <a:cs typeface="Tahoma"/>
+                <a:sym typeface="Tahoma"/>
+              </a:rPr>
+              <a:t>procedur i działań,</a:t>
+            </a:r>
+            <a:endParaRPr sz="1400">
+              <a:solidFill>
+                <a:srgbClr val="741B47"/>
+              </a:solidFill>
+              <a:latin typeface="Tahoma"/>
+              <a:ea typeface="Tahoma"/>
+              <a:cs typeface="Tahoma"/>
+              <a:sym typeface="Tahoma"/>
+            </a:endParaRPr>
+          </a:p>
+          <a:p>
+            <a:pPr indent="0" lvl="0" marL="0" rtl="0" algn="l">
+              <a:lnSpc>
+                <a:spcPct val="100000"/>
+              </a:lnSpc>
+              <a:spcBef>
+                <a:spcPts val="0"/>
+              </a:spcBef>
+              <a:spcAft>
+                <a:spcPts val="0"/>
+              </a:spcAft>
+              <a:buNone/>
+            </a:pPr>
+            <a:r>
+              <a:rPr lang="pl" sz="1400">
+                <a:solidFill>
+                  <a:srgbClr val="000000"/>
+                </a:solidFill>
+                <a:latin typeface="Tahoma"/>
+                <a:ea typeface="Tahoma"/>
+                <a:cs typeface="Tahoma"/>
+                <a:sym typeface="Tahoma"/>
+              </a:rPr>
+              <a:t>których celem jest </a:t>
+            </a:r>
+            <a:r>
+              <a:rPr b="1" lang="pl" sz="1400">
+                <a:solidFill>
+                  <a:srgbClr val="0B5394"/>
+                </a:solidFill>
+                <a:latin typeface="Tahoma"/>
+                <a:ea typeface="Tahoma"/>
+                <a:cs typeface="Tahoma"/>
+                <a:sym typeface="Tahoma"/>
+              </a:rPr>
+              <a:t>ochrona systemów komputerowych, sieci, urządzeń i danych</a:t>
+            </a:r>
+            <a:r>
+              <a:rPr lang="pl" sz="1400">
+                <a:solidFill>
+                  <a:srgbClr val="000000"/>
+                </a:solidFill>
+                <a:latin typeface="Tahoma"/>
+                <a:ea typeface="Tahoma"/>
+                <a:cs typeface="Tahoma"/>
+                <a:sym typeface="Tahoma"/>
+              </a:rPr>
+              <a:t> przed:</a:t>
+            </a:r>
+            <a:endParaRPr sz="1400">
+              <a:solidFill>
+                <a:srgbClr val="000000"/>
+              </a:solidFill>
+              <a:latin typeface="Tahoma"/>
+              <a:ea typeface="Tahoma"/>
+              <a:cs typeface="Tahoma"/>
+              <a:sym typeface="Tahoma"/>
+            </a:endParaRPr>
+          </a:p>
+          <a:p>
+            <a:pPr indent="-317500" lvl="0" marL="457200" rtl="0" algn="l">
+              <a:lnSpc>
+                <a:spcPct val="100000"/>
+              </a:lnSpc>
+              <a:spcBef>
+                <a:spcPts val="0"/>
+              </a:spcBef>
+              <a:spcAft>
+                <a:spcPts val="0"/>
+              </a:spcAft>
+              <a:buClr>
+                <a:srgbClr val="7F6000"/>
+              </a:buClr>
+              <a:buSzPts val="1400"/>
+              <a:buFont typeface="Tahoma"/>
+              <a:buChar char="●"/>
+            </a:pPr>
+            <a:r>
+              <a:rPr lang="pl" sz="1400">
+                <a:solidFill>
+                  <a:srgbClr val="7F6000"/>
+                </a:solidFill>
+                <a:latin typeface="Tahoma"/>
+                <a:ea typeface="Tahoma"/>
+                <a:cs typeface="Tahoma"/>
+                <a:sym typeface="Tahoma"/>
+              </a:rPr>
+              <a:t>atakami,</a:t>
+            </a:r>
+            <a:endParaRPr sz="1400">
+              <a:solidFill>
+                <a:srgbClr val="7F6000"/>
+              </a:solidFill>
+              <a:latin typeface="Tahoma"/>
+              <a:ea typeface="Tahoma"/>
+              <a:cs typeface="Tahoma"/>
+              <a:sym typeface="Tahoma"/>
+            </a:endParaRPr>
+          </a:p>
+          <a:p>
+            <a:pPr indent="-317500" lvl="0" marL="457200" rtl="0" algn="l">
+              <a:lnSpc>
+                <a:spcPct val="100000"/>
+              </a:lnSpc>
+              <a:spcBef>
+                <a:spcPts val="0"/>
+              </a:spcBef>
+              <a:spcAft>
+                <a:spcPts val="0"/>
+              </a:spcAft>
+              <a:buClr>
+                <a:srgbClr val="7F6000"/>
+              </a:buClr>
+              <a:buSzPts val="1400"/>
+              <a:buFont typeface="Tahoma"/>
+              <a:buChar char="●"/>
+            </a:pPr>
+            <a:r>
+              <a:rPr lang="pl" sz="1400">
+                <a:solidFill>
+                  <a:srgbClr val="7F6000"/>
+                </a:solidFill>
+                <a:latin typeface="Tahoma"/>
+                <a:ea typeface="Tahoma"/>
+                <a:cs typeface="Tahoma"/>
+                <a:sym typeface="Tahoma"/>
+              </a:rPr>
+              <a:t>kradzieżą,</a:t>
+            </a:r>
+            <a:endParaRPr sz="1400">
+              <a:solidFill>
+                <a:srgbClr val="7F6000"/>
+              </a:solidFill>
+              <a:latin typeface="Tahoma"/>
+              <a:ea typeface="Tahoma"/>
+              <a:cs typeface="Tahoma"/>
+              <a:sym typeface="Tahoma"/>
+            </a:endParaRPr>
+          </a:p>
+          <a:p>
+            <a:pPr indent="-317500" lvl="0" marL="457200" rtl="0" algn="l">
+              <a:lnSpc>
+                <a:spcPct val="100000"/>
+              </a:lnSpc>
+              <a:spcBef>
+                <a:spcPts val="0"/>
+              </a:spcBef>
+              <a:spcAft>
+                <a:spcPts val="0"/>
+              </a:spcAft>
+              <a:buClr>
+                <a:srgbClr val="7F6000"/>
+              </a:buClr>
+              <a:buSzPts val="1400"/>
+              <a:buFont typeface="Tahoma"/>
+              <a:buChar char="●"/>
+            </a:pPr>
+            <a:r>
+              <a:rPr lang="pl" sz="1400">
+                <a:solidFill>
+                  <a:srgbClr val="7F6000"/>
+                </a:solidFill>
+                <a:latin typeface="Tahoma"/>
+                <a:ea typeface="Tahoma"/>
+                <a:cs typeface="Tahoma"/>
+                <a:sym typeface="Tahoma"/>
+              </a:rPr>
+              <a:t>zniszczeniem,</a:t>
+            </a:r>
+            <a:endParaRPr sz="1400">
+              <a:solidFill>
+                <a:srgbClr val="7F6000"/>
+              </a:solidFill>
+              <a:latin typeface="Tahoma"/>
+              <a:ea typeface="Tahoma"/>
+              <a:cs typeface="Tahoma"/>
+              <a:sym typeface="Tahoma"/>
+            </a:endParaRPr>
+          </a:p>
+          <a:p>
+            <a:pPr indent="-317500" lvl="0" marL="457200" rtl="0" algn="l">
+              <a:lnSpc>
+                <a:spcPct val="100000"/>
+              </a:lnSpc>
+              <a:spcBef>
+                <a:spcPts val="0"/>
+              </a:spcBef>
+              <a:spcAft>
+                <a:spcPts val="0"/>
+              </a:spcAft>
+              <a:buClr>
+                <a:srgbClr val="7F6000"/>
+              </a:buClr>
+              <a:buSzPts val="1400"/>
+              <a:buFont typeface="Tahoma"/>
+              <a:buChar char="●"/>
+            </a:pPr>
+            <a:r>
+              <a:rPr lang="pl" sz="1400">
+                <a:solidFill>
+                  <a:srgbClr val="7F6000"/>
+                </a:solidFill>
+                <a:latin typeface="Tahoma"/>
+                <a:ea typeface="Tahoma"/>
+                <a:cs typeface="Tahoma"/>
+                <a:sym typeface="Tahoma"/>
+              </a:rPr>
+              <a:t>nieuprawnionym dostępem.</a:t>
+            </a:r>
+            <a:endParaRPr sz="1400">
+              <a:solidFill>
+                <a:srgbClr val="7F6000"/>
+              </a:solidFill>
+              <a:latin typeface="Tahoma"/>
+              <a:ea typeface="Tahoma"/>
+              <a:cs typeface="Tahoma"/>
+              <a:sym typeface="Tahoma"/>
+            </a:endParaRPr>
+          </a:p>
+          <a:p>
+            <a:pPr indent="0" lvl="0" marL="457200" rtl="0" algn="l">
+              <a:lnSpc>
+                <a:spcPct val="100000"/>
+              </a:lnSpc>
+              <a:spcBef>
+                <a:spcPts val="0"/>
+              </a:spcBef>
+              <a:spcAft>
+                <a:spcPts val="0"/>
               </a:spcAft>
               <a:buNone/>
             </a:pPr>
             <a:r>
               <a:t/>
             </a:r>
-            <a:endParaRPr b="1" sz="2300">
-              <a:solidFill>
-                <a:srgbClr val="FF0000"/>
-              </a:solidFill>
+            <a:endParaRPr sz="1400">
+              <a:solidFill>
+                <a:srgbClr val="000000"/>
+              </a:solidFill>
+              <a:latin typeface="Tahoma"/>
+              <a:ea typeface="Tahoma"/>
+              <a:cs typeface="Tahoma"/>
+              <a:sym typeface="Tahoma"/>
+            </a:endParaRPr>
+          </a:p>
+          <a:p>
+            <a:pPr indent="0" lvl="0" marL="457200" rtl="0" algn="l">
+              <a:lnSpc>
+                <a:spcPct val="100000"/>
+              </a:lnSpc>
+              <a:spcBef>
+                <a:spcPts val="0"/>
+              </a:spcBef>
+              <a:spcAft>
+                <a:spcPts val="0"/>
+              </a:spcAft>
+              <a:buNone/>
+            </a:pPr>
+            <a:r>
+              <a:t/>
+            </a:r>
+            <a:endParaRPr sz="1400">
+              <a:solidFill>
+                <a:srgbClr val="000000"/>
+              </a:solidFill>
+              <a:latin typeface="Tahoma"/>
+              <a:ea typeface="Tahoma"/>
+              <a:cs typeface="Tahoma"/>
+              <a:sym typeface="Tahoma"/>
+            </a:endParaRPr>
+          </a:p>
+          <a:p>
+            <a:pPr indent="0" lvl="0" marL="0" rtl="0" algn="l">
+              <a:lnSpc>
+                <a:spcPct val="100000"/>
+              </a:lnSpc>
+              <a:spcBef>
+                <a:spcPts val="0"/>
+              </a:spcBef>
+              <a:spcAft>
+                <a:spcPts val="0"/>
+              </a:spcAft>
+              <a:buNone/>
+            </a:pPr>
+            <a:r>
+              <a:rPr lang="pl" sz="1400">
+                <a:solidFill>
+                  <a:srgbClr val="274E13"/>
+                </a:solidFill>
+                <a:latin typeface="Tahoma"/>
+                <a:ea typeface="Tahoma"/>
+                <a:cs typeface="Tahoma"/>
+                <a:sym typeface="Tahoma"/>
+              </a:rPr>
+              <a:t>Dotyczy komputerów, smartfonów, Internetu, serwerów, chmur, sieci Wi-Fi.</a:t>
+            </a:r>
+            <a:endParaRPr b="1" sz="1400">
+              <a:solidFill>
+                <a:srgbClr val="274E13"/>
+              </a:solidFill>
+              <a:latin typeface="Tahoma"/>
+              <a:ea typeface="Tahoma"/>
+              <a:cs typeface="Tahoma"/>
+              <a:sym typeface="Tahoma"/>
             </a:endParaRPr>
           </a:p>
         </p:txBody>
@@ -48369,6 +49551,2249 @@
             </a:pPr>
             <a:r>
               <a:t/>
+            </a:r>
+            <a:endParaRPr/>
+          </a:p>
+        </p:txBody>
+      </p:sp>
+    </p:spTree>
+  </p:cSld>
+  <p:clrMapOvr>
+    <a:masterClrMapping/>
+  </p:clrMapOvr>
+</p:sld>
+</file>
+
+<file path=ppt/slides/slide80.xml><?xml version="1.0" encoding="utf-8"?>
+<p:sld xmlns:a="http://schemas.openxmlformats.org/drawingml/2006/main" xmlns:r="http://schemas.openxmlformats.org/officeDocument/2006/relationships" xmlns:mc="http://schemas.openxmlformats.org/markup-compatibility/2006" xmlns:mv="urn:schemas-microsoft-com:mac:vml" xmlns:p="http://schemas.openxmlformats.org/presentationml/2006/main" xmlns:c="http://schemas.openxmlformats.org/drawingml/2006/chart" xmlns:dgm="http://schemas.openxmlformats.org/drawingml/2006/diagram" xmlns:o="urn:schemas-microsoft-com:office:office" xmlns:v="urn:schemas-microsoft-com:vml" xmlns:pvml="urn:schemas-microsoft-com:office:powerpoint" xmlns:com="http://schemas.openxmlformats.org/drawingml/2006/compatibility" xmlns:p14="http://schemas.microsoft.com/office/powerpoint/2010/main" xmlns:p15="http://schemas.microsoft.com/office/powerpoint/2012/main" xmlns:ahyp="http://schemas.microsoft.com/office/drawing/2018/hyperlinkcolor">
+  <p:cSld>
+    <p:spTree>
+      <p:nvGrpSpPr>
+        <p:cNvPr id="563" name="Shape 563"/>
+        <p:cNvGrpSpPr/>
+        <p:nvPr/>
+      </p:nvGrpSpPr>
+      <p:grpSpPr>
+        <a:xfrm>
+          <a:off x="0" y="0"/>
+          <a:ext cx="0" cy="0"/>
+          <a:chOff x="0" y="0"/>
+          <a:chExt cx="0" cy="0"/>
+        </a:xfrm>
+      </p:grpSpPr>
+      <p:sp>
+        <p:nvSpPr>
+          <p:cNvPr id="564" name="Google Shape;564;p92"/>
+          <p:cNvSpPr txBox="1"/>
+          <p:nvPr>
+            <p:ph type="title"/>
+          </p:nvPr>
+        </p:nvSpPr>
+        <p:spPr>
+          <a:xfrm>
+            <a:off x="729450" y="1318650"/>
+            <a:ext cx="7688700" cy="535200"/>
+          </a:xfrm>
+          <a:prstGeom prst="rect">
+            <a:avLst/>
+          </a:prstGeom>
+        </p:spPr>
+        <p:txBody>
+          <a:bodyPr anchorCtr="0" anchor="t" bIns="91425" lIns="91425" spcFirstLastPara="1" rIns="91425" wrap="square" tIns="91425">
+            <a:noAutofit/>
+          </a:bodyPr>
+          <a:lstStyle/>
+          <a:p>
+            <a:pPr indent="0" lvl="0" marL="0" rtl="0" algn="l">
+              <a:spcBef>
+                <a:spcPts val="0"/>
+              </a:spcBef>
+              <a:spcAft>
+                <a:spcPts val="0"/>
+              </a:spcAft>
+              <a:buSzPts val="990"/>
+              <a:buNone/>
+            </a:pPr>
+            <a:r>
+              <a:rPr lang="pl" sz="2440">
+                <a:latin typeface="Tahoma"/>
+                <a:ea typeface="Tahoma"/>
+                <a:cs typeface="Tahoma"/>
+                <a:sym typeface="Tahoma"/>
+              </a:rPr>
+              <a:t>Cyberbezpieczeństwo służy do:</a:t>
+            </a:r>
+            <a:endParaRPr sz="2440">
+              <a:latin typeface="Tahoma"/>
+              <a:ea typeface="Tahoma"/>
+              <a:cs typeface="Tahoma"/>
+              <a:sym typeface="Tahoma"/>
+            </a:endParaRPr>
+          </a:p>
+        </p:txBody>
+      </p:sp>
+      <p:sp>
+        <p:nvSpPr>
+          <p:cNvPr id="565" name="Google Shape;565;p92"/>
+          <p:cNvSpPr txBox="1"/>
+          <p:nvPr>
+            <p:ph idx="1" type="body"/>
+          </p:nvPr>
+        </p:nvSpPr>
+        <p:spPr>
+          <a:xfrm>
+            <a:off x="729450" y="2078875"/>
+            <a:ext cx="7688700" cy="2261100"/>
+          </a:xfrm>
+          <a:prstGeom prst="rect">
+            <a:avLst/>
+          </a:prstGeom>
+        </p:spPr>
+        <p:txBody>
+          <a:bodyPr anchorCtr="0" anchor="t" bIns="91425" lIns="91425" spcFirstLastPara="1" rIns="91425" wrap="square" tIns="91425">
+            <a:noAutofit/>
+          </a:bodyPr>
+          <a:lstStyle/>
+          <a:p>
+            <a:pPr indent="-317500" lvl="0" marL="457200" rtl="0" algn="l">
+              <a:lnSpc>
+                <a:spcPct val="100000"/>
+              </a:lnSpc>
+              <a:spcBef>
+                <a:spcPts val="0"/>
+              </a:spcBef>
+              <a:spcAft>
+                <a:spcPts val="0"/>
+              </a:spcAft>
+              <a:buClr>
+                <a:srgbClr val="000000"/>
+              </a:buClr>
+              <a:buSzPts val="1400"/>
+              <a:buFont typeface="Tahoma"/>
+              <a:buChar char="❏"/>
+            </a:pPr>
+            <a:r>
+              <a:rPr lang="pl" sz="1400">
+                <a:solidFill>
+                  <a:srgbClr val="274E13"/>
+                </a:solidFill>
+                <a:latin typeface="Tahoma"/>
+                <a:ea typeface="Tahoma"/>
+                <a:cs typeface="Tahoma"/>
+                <a:sym typeface="Tahoma"/>
+              </a:rPr>
+              <a:t>ochrony </a:t>
+            </a:r>
+            <a:r>
+              <a:rPr b="1" lang="pl" sz="1400">
+                <a:solidFill>
+                  <a:srgbClr val="274E13"/>
+                </a:solidFill>
+                <a:latin typeface="Tahoma"/>
+                <a:ea typeface="Tahoma"/>
+                <a:cs typeface="Tahoma"/>
+                <a:sym typeface="Tahoma"/>
+              </a:rPr>
+              <a:t>danych osobowych</a:t>
+            </a:r>
+            <a:r>
+              <a:rPr lang="pl" sz="1400">
+                <a:solidFill>
+                  <a:srgbClr val="000000"/>
+                </a:solidFill>
+                <a:latin typeface="Tahoma"/>
+                <a:ea typeface="Tahoma"/>
+                <a:cs typeface="Tahoma"/>
+                <a:sym typeface="Tahoma"/>
+              </a:rPr>
+              <a:t> (np. PESEL, hasła, oceny),</a:t>
+            </a:r>
+            <a:br>
+              <a:rPr lang="pl" sz="1400">
+                <a:solidFill>
+                  <a:srgbClr val="000000"/>
+                </a:solidFill>
+                <a:latin typeface="Tahoma"/>
+                <a:ea typeface="Tahoma"/>
+                <a:cs typeface="Tahoma"/>
+                <a:sym typeface="Tahoma"/>
+              </a:rPr>
+            </a:br>
+            <a:endParaRPr sz="1400">
+              <a:solidFill>
+                <a:srgbClr val="000000"/>
+              </a:solidFill>
+              <a:latin typeface="Tahoma"/>
+              <a:ea typeface="Tahoma"/>
+              <a:cs typeface="Tahoma"/>
+              <a:sym typeface="Tahoma"/>
+            </a:endParaRPr>
+          </a:p>
+          <a:p>
+            <a:pPr indent="-317500" lvl="0" marL="457200" rtl="0" algn="l">
+              <a:lnSpc>
+                <a:spcPct val="100000"/>
+              </a:lnSpc>
+              <a:spcBef>
+                <a:spcPts val="0"/>
+              </a:spcBef>
+              <a:spcAft>
+                <a:spcPts val="0"/>
+              </a:spcAft>
+              <a:buClr>
+                <a:srgbClr val="274E13"/>
+              </a:buClr>
+              <a:buSzPts val="1400"/>
+              <a:buFont typeface="Tahoma"/>
+              <a:buChar char="❏"/>
+            </a:pPr>
+            <a:r>
+              <a:rPr lang="pl" sz="1400">
+                <a:solidFill>
+                  <a:srgbClr val="274E13"/>
+                </a:solidFill>
+                <a:latin typeface="Tahoma"/>
+                <a:ea typeface="Tahoma"/>
+                <a:cs typeface="Tahoma"/>
+                <a:sym typeface="Tahoma"/>
+              </a:rPr>
+              <a:t>zabezpieczenia </a:t>
+            </a:r>
+            <a:r>
+              <a:rPr b="1" lang="pl" sz="1400">
+                <a:solidFill>
+                  <a:srgbClr val="274E13"/>
+                </a:solidFill>
+                <a:latin typeface="Tahoma"/>
+                <a:ea typeface="Tahoma"/>
+                <a:cs typeface="Tahoma"/>
+                <a:sym typeface="Tahoma"/>
+              </a:rPr>
+              <a:t>systemów informatycznych</a:t>
+            </a:r>
+            <a:r>
+              <a:rPr lang="pl" sz="1400">
+                <a:solidFill>
+                  <a:srgbClr val="274E13"/>
+                </a:solidFill>
+                <a:latin typeface="Tahoma"/>
+                <a:ea typeface="Tahoma"/>
+                <a:cs typeface="Tahoma"/>
+                <a:sym typeface="Tahoma"/>
+              </a:rPr>
+              <a:t>,</a:t>
+            </a:r>
+            <a:br>
+              <a:rPr lang="pl" sz="1400">
+                <a:solidFill>
+                  <a:srgbClr val="274E13"/>
+                </a:solidFill>
+                <a:latin typeface="Tahoma"/>
+                <a:ea typeface="Tahoma"/>
+                <a:cs typeface="Tahoma"/>
+                <a:sym typeface="Tahoma"/>
+              </a:rPr>
+            </a:br>
+            <a:endParaRPr sz="1400">
+              <a:solidFill>
+                <a:srgbClr val="274E13"/>
+              </a:solidFill>
+              <a:latin typeface="Tahoma"/>
+              <a:ea typeface="Tahoma"/>
+              <a:cs typeface="Tahoma"/>
+              <a:sym typeface="Tahoma"/>
+            </a:endParaRPr>
+          </a:p>
+          <a:p>
+            <a:pPr indent="-317500" lvl="0" marL="457200" rtl="0" algn="l">
+              <a:lnSpc>
+                <a:spcPct val="100000"/>
+              </a:lnSpc>
+              <a:spcBef>
+                <a:spcPts val="0"/>
+              </a:spcBef>
+              <a:spcAft>
+                <a:spcPts val="0"/>
+              </a:spcAft>
+              <a:buClr>
+                <a:srgbClr val="274E13"/>
+              </a:buClr>
+              <a:buSzPts val="1400"/>
+              <a:buFont typeface="Tahoma"/>
+              <a:buChar char="❏"/>
+            </a:pPr>
+            <a:r>
+              <a:rPr lang="pl" sz="1400">
+                <a:solidFill>
+                  <a:srgbClr val="274E13"/>
+                </a:solidFill>
+                <a:latin typeface="Tahoma"/>
+                <a:ea typeface="Tahoma"/>
+                <a:cs typeface="Tahoma"/>
+                <a:sym typeface="Tahoma"/>
+              </a:rPr>
+              <a:t>zapewnienia </a:t>
+            </a:r>
+            <a:r>
+              <a:rPr b="1" lang="pl" sz="1400">
+                <a:solidFill>
+                  <a:srgbClr val="274E13"/>
+                </a:solidFill>
+                <a:latin typeface="Tahoma"/>
+                <a:ea typeface="Tahoma"/>
+                <a:cs typeface="Tahoma"/>
+                <a:sym typeface="Tahoma"/>
+              </a:rPr>
+              <a:t>ciągłości działania</a:t>
+            </a:r>
+            <a:r>
+              <a:rPr lang="pl" sz="1400">
+                <a:solidFill>
+                  <a:srgbClr val="274E13"/>
+                </a:solidFill>
+                <a:latin typeface="Tahoma"/>
+                <a:ea typeface="Tahoma"/>
+                <a:cs typeface="Tahoma"/>
+                <a:sym typeface="Tahoma"/>
+              </a:rPr>
+              <a:t> firmy, szkoły lub instytucji,</a:t>
+            </a:r>
+            <a:br>
+              <a:rPr lang="pl" sz="1400">
+                <a:solidFill>
+                  <a:srgbClr val="274E13"/>
+                </a:solidFill>
+                <a:latin typeface="Tahoma"/>
+                <a:ea typeface="Tahoma"/>
+                <a:cs typeface="Tahoma"/>
+                <a:sym typeface="Tahoma"/>
+              </a:rPr>
+            </a:br>
+            <a:endParaRPr sz="1400">
+              <a:solidFill>
+                <a:srgbClr val="274E13"/>
+              </a:solidFill>
+              <a:latin typeface="Tahoma"/>
+              <a:ea typeface="Tahoma"/>
+              <a:cs typeface="Tahoma"/>
+              <a:sym typeface="Tahoma"/>
+            </a:endParaRPr>
+          </a:p>
+          <a:p>
+            <a:pPr indent="-317500" lvl="0" marL="457200" rtl="0" algn="l">
+              <a:lnSpc>
+                <a:spcPct val="100000"/>
+              </a:lnSpc>
+              <a:spcBef>
+                <a:spcPts val="0"/>
+              </a:spcBef>
+              <a:spcAft>
+                <a:spcPts val="0"/>
+              </a:spcAft>
+              <a:buClr>
+                <a:srgbClr val="274E13"/>
+              </a:buClr>
+              <a:buSzPts val="1400"/>
+              <a:buFont typeface="Tahoma"/>
+              <a:buChar char="❏"/>
+            </a:pPr>
+            <a:r>
+              <a:rPr lang="pl" sz="1400">
+                <a:solidFill>
+                  <a:srgbClr val="274E13"/>
+                </a:solidFill>
+                <a:latin typeface="Tahoma"/>
+                <a:ea typeface="Tahoma"/>
+                <a:cs typeface="Tahoma"/>
+                <a:sym typeface="Tahoma"/>
+              </a:rPr>
+              <a:t>ochrony </a:t>
+            </a:r>
+            <a:r>
+              <a:rPr b="1" lang="pl" sz="1400">
+                <a:solidFill>
+                  <a:srgbClr val="274E13"/>
+                </a:solidFill>
+                <a:latin typeface="Tahoma"/>
+                <a:ea typeface="Tahoma"/>
+                <a:cs typeface="Tahoma"/>
+                <a:sym typeface="Tahoma"/>
+              </a:rPr>
+              <a:t>użytkowników</a:t>
+            </a:r>
+            <a:r>
+              <a:rPr lang="pl" sz="1400">
+                <a:solidFill>
+                  <a:srgbClr val="274E13"/>
+                </a:solidFill>
+                <a:latin typeface="Tahoma"/>
+                <a:ea typeface="Tahoma"/>
+                <a:cs typeface="Tahoma"/>
+                <a:sym typeface="Tahoma"/>
+              </a:rPr>
+              <a:t> przed oszustwami i zagrożeniami w sieci,</a:t>
+            </a:r>
+            <a:br>
+              <a:rPr lang="pl" sz="1400">
+                <a:solidFill>
+                  <a:srgbClr val="274E13"/>
+                </a:solidFill>
+                <a:latin typeface="Tahoma"/>
+                <a:ea typeface="Tahoma"/>
+                <a:cs typeface="Tahoma"/>
+                <a:sym typeface="Tahoma"/>
+              </a:rPr>
+            </a:br>
+            <a:endParaRPr sz="1400">
+              <a:solidFill>
+                <a:srgbClr val="274E13"/>
+              </a:solidFill>
+              <a:latin typeface="Tahoma"/>
+              <a:ea typeface="Tahoma"/>
+              <a:cs typeface="Tahoma"/>
+              <a:sym typeface="Tahoma"/>
+            </a:endParaRPr>
+          </a:p>
+          <a:p>
+            <a:pPr indent="-317500" lvl="0" marL="457200" rtl="0" algn="l">
+              <a:lnSpc>
+                <a:spcPct val="100000"/>
+              </a:lnSpc>
+              <a:spcBef>
+                <a:spcPts val="0"/>
+              </a:spcBef>
+              <a:spcAft>
+                <a:spcPts val="0"/>
+              </a:spcAft>
+              <a:buClr>
+                <a:srgbClr val="274E13"/>
+              </a:buClr>
+              <a:buSzPts val="1400"/>
+              <a:buFont typeface="Tahoma"/>
+              <a:buChar char="❏"/>
+            </a:pPr>
+            <a:r>
+              <a:rPr lang="pl" sz="1400">
+                <a:solidFill>
+                  <a:srgbClr val="274E13"/>
+                </a:solidFill>
+                <a:latin typeface="Tahoma"/>
+                <a:ea typeface="Tahoma"/>
+                <a:cs typeface="Tahoma"/>
+                <a:sym typeface="Tahoma"/>
+              </a:rPr>
+              <a:t>zapobiegania </a:t>
+            </a:r>
+            <a:r>
+              <a:rPr b="1" lang="pl" sz="1400">
+                <a:solidFill>
+                  <a:srgbClr val="274E13"/>
+                </a:solidFill>
+                <a:latin typeface="Tahoma"/>
+                <a:ea typeface="Tahoma"/>
+                <a:cs typeface="Tahoma"/>
+                <a:sym typeface="Tahoma"/>
+              </a:rPr>
+              <a:t>atakom hakerskim i wirusom</a:t>
+            </a:r>
+            <a:r>
+              <a:rPr lang="pl" sz="1400">
+                <a:solidFill>
+                  <a:srgbClr val="274E13"/>
+                </a:solidFill>
+                <a:latin typeface="Tahoma"/>
+                <a:ea typeface="Tahoma"/>
+                <a:cs typeface="Tahoma"/>
+                <a:sym typeface="Tahoma"/>
+              </a:rPr>
+              <a:t>.</a:t>
+            </a:r>
+            <a:endParaRPr sz="1400">
+              <a:solidFill>
+                <a:srgbClr val="274E13"/>
+              </a:solidFill>
+              <a:latin typeface="Tahoma"/>
+              <a:ea typeface="Tahoma"/>
+              <a:cs typeface="Tahoma"/>
+              <a:sym typeface="Tahoma"/>
+            </a:endParaRPr>
+          </a:p>
+        </p:txBody>
+      </p:sp>
+    </p:spTree>
+  </p:cSld>
+  <p:clrMapOvr>
+    <a:masterClrMapping/>
+  </p:clrMapOvr>
+</p:sld>
+</file>
+
+<file path=ppt/slides/slide81.xml><?xml version="1.0" encoding="utf-8"?>
+<p:sld xmlns:a="http://schemas.openxmlformats.org/drawingml/2006/main" xmlns:r="http://schemas.openxmlformats.org/officeDocument/2006/relationships" xmlns:mc="http://schemas.openxmlformats.org/markup-compatibility/2006" xmlns:mv="urn:schemas-microsoft-com:mac:vml" xmlns:p="http://schemas.openxmlformats.org/presentationml/2006/main" xmlns:c="http://schemas.openxmlformats.org/drawingml/2006/chart" xmlns:dgm="http://schemas.openxmlformats.org/drawingml/2006/diagram" xmlns:o="urn:schemas-microsoft-com:office:office" xmlns:v="urn:schemas-microsoft-com:vml" xmlns:pvml="urn:schemas-microsoft-com:office:powerpoint" xmlns:com="http://schemas.openxmlformats.org/drawingml/2006/compatibility" xmlns:p14="http://schemas.microsoft.com/office/powerpoint/2010/main" xmlns:p15="http://schemas.microsoft.com/office/powerpoint/2012/main" xmlns:ahyp="http://schemas.microsoft.com/office/drawing/2018/hyperlinkcolor">
+  <p:cSld>
+    <p:spTree>
+      <p:nvGrpSpPr>
+        <p:cNvPr id="569" name="Shape 569"/>
+        <p:cNvGrpSpPr/>
+        <p:nvPr/>
+      </p:nvGrpSpPr>
+      <p:grpSpPr>
+        <a:xfrm>
+          <a:off x="0" y="0"/>
+          <a:ext cx="0" cy="0"/>
+          <a:chOff x="0" y="0"/>
+          <a:chExt cx="0" cy="0"/>
+        </a:xfrm>
+      </p:grpSpPr>
+      <p:sp>
+        <p:nvSpPr>
+          <p:cNvPr id="570" name="Google Shape;570;p93"/>
+          <p:cNvSpPr txBox="1"/>
+          <p:nvPr>
+            <p:ph type="title"/>
+          </p:nvPr>
+        </p:nvSpPr>
+        <p:spPr>
+          <a:xfrm>
+            <a:off x="729450" y="1318650"/>
+            <a:ext cx="7688700" cy="535200"/>
+          </a:xfrm>
+          <a:prstGeom prst="rect">
+            <a:avLst/>
+          </a:prstGeom>
+        </p:spPr>
+        <p:txBody>
+          <a:bodyPr anchorCtr="0" anchor="t" bIns="91425" lIns="91425" spcFirstLastPara="1" rIns="91425" wrap="square" tIns="91425">
+            <a:noAutofit/>
+          </a:bodyPr>
+          <a:lstStyle/>
+          <a:p>
+            <a:pPr indent="0" lvl="0" marL="0" rtl="0" algn="l">
+              <a:spcBef>
+                <a:spcPts val="0"/>
+              </a:spcBef>
+              <a:spcAft>
+                <a:spcPts val="0"/>
+              </a:spcAft>
+              <a:buSzPts val="990"/>
+              <a:buNone/>
+            </a:pPr>
+            <a:r>
+              <a:rPr lang="pl" sz="2440">
+                <a:latin typeface="Tahoma"/>
+                <a:ea typeface="Tahoma"/>
+                <a:cs typeface="Tahoma"/>
+                <a:sym typeface="Tahoma"/>
+              </a:rPr>
+              <a:t>Zalety cyberbezpieczeństwa</a:t>
+            </a:r>
+            <a:endParaRPr sz="2440">
+              <a:latin typeface="Tahoma"/>
+              <a:ea typeface="Tahoma"/>
+              <a:cs typeface="Tahoma"/>
+              <a:sym typeface="Tahoma"/>
+            </a:endParaRPr>
+          </a:p>
+        </p:txBody>
+      </p:sp>
+      <p:sp>
+        <p:nvSpPr>
+          <p:cNvPr id="571" name="Google Shape;571;p93"/>
+          <p:cNvSpPr txBox="1"/>
+          <p:nvPr>
+            <p:ph idx="1" type="body"/>
+          </p:nvPr>
+        </p:nvSpPr>
+        <p:spPr>
+          <a:xfrm>
+            <a:off x="729450" y="2078875"/>
+            <a:ext cx="7688700" cy="2261100"/>
+          </a:xfrm>
+          <a:prstGeom prst="rect">
+            <a:avLst/>
+          </a:prstGeom>
+        </p:spPr>
+        <p:txBody>
+          <a:bodyPr anchorCtr="0" anchor="t" bIns="91425" lIns="91425" spcFirstLastPara="1" rIns="91425" wrap="square" tIns="91425">
+            <a:noAutofit/>
+          </a:bodyPr>
+          <a:lstStyle/>
+          <a:p>
+            <a:pPr indent="0" lvl="0" marL="0" rtl="0" algn="l">
+              <a:lnSpc>
+                <a:spcPct val="100000"/>
+              </a:lnSpc>
+              <a:spcBef>
+                <a:spcPts val="0"/>
+              </a:spcBef>
+              <a:spcAft>
+                <a:spcPts val="0"/>
+              </a:spcAft>
+              <a:buNone/>
+            </a:pPr>
+            <a:r>
+              <a:rPr b="1" lang="pl" sz="1400">
+                <a:solidFill>
+                  <a:srgbClr val="351C75"/>
+                </a:solidFill>
+                <a:latin typeface="Tahoma"/>
+                <a:ea typeface="Tahoma"/>
+                <a:cs typeface="Tahoma"/>
+                <a:sym typeface="Tahoma"/>
+              </a:rPr>
+              <a:t>Najważniejsze zalety:</a:t>
+            </a:r>
+            <a:endParaRPr b="1" sz="1400">
+              <a:solidFill>
+                <a:srgbClr val="351C75"/>
+              </a:solidFill>
+              <a:latin typeface="Tahoma"/>
+              <a:ea typeface="Tahoma"/>
+              <a:cs typeface="Tahoma"/>
+              <a:sym typeface="Tahoma"/>
+            </a:endParaRPr>
+          </a:p>
+          <a:p>
+            <a:pPr indent="0" lvl="0" marL="0" rtl="0" algn="l">
+              <a:lnSpc>
+                <a:spcPct val="100000"/>
+              </a:lnSpc>
+              <a:spcBef>
+                <a:spcPts val="0"/>
+              </a:spcBef>
+              <a:spcAft>
+                <a:spcPts val="0"/>
+              </a:spcAft>
+              <a:buNone/>
+            </a:pPr>
+            <a:r>
+              <a:t/>
+            </a:r>
+            <a:endParaRPr b="1" sz="1400">
+              <a:solidFill>
+                <a:srgbClr val="351C75"/>
+              </a:solidFill>
+              <a:latin typeface="Tahoma"/>
+              <a:ea typeface="Tahoma"/>
+              <a:cs typeface="Tahoma"/>
+              <a:sym typeface="Tahoma"/>
+            </a:endParaRPr>
+          </a:p>
+          <a:p>
+            <a:pPr indent="-317500" lvl="0" marL="457200" rtl="0" algn="l">
+              <a:lnSpc>
+                <a:spcPct val="100000"/>
+              </a:lnSpc>
+              <a:spcBef>
+                <a:spcPts val="0"/>
+              </a:spcBef>
+              <a:spcAft>
+                <a:spcPts val="0"/>
+              </a:spcAft>
+              <a:buClr>
+                <a:srgbClr val="0B5394"/>
+              </a:buClr>
+              <a:buSzPts val="1400"/>
+              <a:buFont typeface="Arial"/>
+              <a:buChar char="●"/>
+            </a:pPr>
+            <a:r>
+              <a:rPr b="1" lang="pl" sz="1400">
+                <a:solidFill>
+                  <a:srgbClr val="0B5394"/>
+                </a:solidFill>
+                <a:latin typeface="Tahoma"/>
+                <a:ea typeface="Tahoma"/>
+                <a:cs typeface="Tahoma"/>
+                <a:sym typeface="Tahoma"/>
+              </a:rPr>
+              <a:t>ochrona danych</a:t>
+            </a:r>
+            <a:r>
+              <a:rPr lang="pl" sz="1400">
+                <a:solidFill>
+                  <a:srgbClr val="0B5394"/>
+                </a:solidFill>
+                <a:latin typeface="Tahoma"/>
+                <a:ea typeface="Tahoma"/>
+                <a:cs typeface="Tahoma"/>
+                <a:sym typeface="Tahoma"/>
+              </a:rPr>
+              <a:t> przed wyciekiem i kradzieżą,</a:t>
+            </a:r>
+            <a:endParaRPr sz="1400">
+              <a:solidFill>
+                <a:srgbClr val="0B5394"/>
+              </a:solidFill>
+              <a:latin typeface="Tahoma"/>
+              <a:ea typeface="Tahoma"/>
+              <a:cs typeface="Tahoma"/>
+              <a:sym typeface="Tahoma"/>
+            </a:endParaRPr>
+          </a:p>
+          <a:p>
+            <a:pPr indent="-317500" lvl="0" marL="457200" rtl="0" algn="l">
+              <a:lnSpc>
+                <a:spcPct val="100000"/>
+              </a:lnSpc>
+              <a:spcBef>
+                <a:spcPts val="0"/>
+              </a:spcBef>
+              <a:spcAft>
+                <a:spcPts val="0"/>
+              </a:spcAft>
+              <a:buClr>
+                <a:srgbClr val="0B5394"/>
+              </a:buClr>
+              <a:buSzPts val="1400"/>
+              <a:buFont typeface="Arial"/>
+              <a:buChar char="●"/>
+            </a:pPr>
+            <a:r>
+              <a:rPr b="1" lang="pl" sz="1400">
+                <a:solidFill>
+                  <a:srgbClr val="0B5394"/>
+                </a:solidFill>
+                <a:latin typeface="Tahoma"/>
+                <a:ea typeface="Tahoma"/>
+                <a:cs typeface="Tahoma"/>
+                <a:sym typeface="Tahoma"/>
+              </a:rPr>
+              <a:t>bezpieczne działanie systemów</a:t>
+            </a:r>
+            <a:r>
+              <a:rPr lang="pl" sz="1400">
+                <a:solidFill>
+                  <a:srgbClr val="0B5394"/>
+                </a:solidFill>
+                <a:latin typeface="Tahoma"/>
+                <a:ea typeface="Tahoma"/>
+                <a:cs typeface="Tahoma"/>
+                <a:sym typeface="Tahoma"/>
+              </a:rPr>
+              <a:t> i sieci,</a:t>
+            </a:r>
+            <a:endParaRPr sz="1400">
+              <a:solidFill>
+                <a:srgbClr val="0B5394"/>
+              </a:solidFill>
+              <a:latin typeface="Tahoma"/>
+              <a:ea typeface="Tahoma"/>
+              <a:cs typeface="Tahoma"/>
+              <a:sym typeface="Tahoma"/>
+            </a:endParaRPr>
+          </a:p>
+          <a:p>
+            <a:pPr indent="-317500" lvl="0" marL="457200" rtl="0" algn="l">
+              <a:lnSpc>
+                <a:spcPct val="100000"/>
+              </a:lnSpc>
+              <a:spcBef>
+                <a:spcPts val="0"/>
+              </a:spcBef>
+              <a:spcAft>
+                <a:spcPts val="0"/>
+              </a:spcAft>
+              <a:buClr>
+                <a:srgbClr val="0B5394"/>
+              </a:buClr>
+              <a:buSzPts val="1400"/>
+              <a:buFont typeface="Arial"/>
+              <a:buChar char="●"/>
+            </a:pPr>
+            <a:r>
+              <a:rPr b="1" lang="pl" sz="1400">
+                <a:solidFill>
+                  <a:srgbClr val="0B5394"/>
+                </a:solidFill>
+                <a:latin typeface="Tahoma"/>
+                <a:ea typeface="Tahoma"/>
+                <a:cs typeface="Tahoma"/>
+                <a:sym typeface="Tahoma"/>
+              </a:rPr>
+              <a:t>ochrona użytkowników</a:t>
+            </a:r>
+            <a:r>
+              <a:rPr lang="pl" sz="1400">
+                <a:solidFill>
+                  <a:srgbClr val="0B5394"/>
+                </a:solidFill>
+                <a:latin typeface="Tahoma"/>
+                <a:ea typeface="Tahoma"/>
+                <a:cs typeface="Tahoma"/>
+                <a:sym typeface="Tahoma"/>
+              </a:rPr>
+              <a:t> przed phishingiem i malware,</a:t>
+            </a:r>
+            <a:endParaRPr sz="1400">
+              <a:solidFill>
+                <a:srgbClr val="0B5394"/>
+              </a:solidFill>
+              <a:latin typeface="Tahoma"/>
+              <a:ea typeface="Tahoma"/>
+              <a:cs typeface="Tahoma"/>
+              <a:sym typeface="Tahoma"/>
+            </a:endParaRPr>
+          </a:p>
+          <a:p>
+            <a:pPr indent="-317500" lvl="0" marL="457200" rtl="0" algn="l">
+              <a:lnSpc>
+                <a:spcPct val="100000"/>
+              </a:lnSpc>
+              <a:spcBef>
+                <a:spcPts val="0"/>
+              </a:spcBef>
+              <a:spcAft>
+                <a:spcPts val="0"/>
+              </a:spcAft>
+              <a:buClr>
+                <a:srgbClr val="0B5394"/>
+              </a:buClr>
+              <a:buSzPts val="1400"/>
+              <a:buFont typeface="Arial"/>
+              <a:buChar char="●"/>
+            </a:pPr>
+            <a:r>
+              <a:rPr b="1" lang="pl" sz="1400">
+                <a:solidFill>
+                  <a:srgbClr val="0B5394"/>
+                </a:solidFill>
+                <a:latin typeface="Tahoma"/>
+                <a:ea typeface="Tahoma"/>
+                <a:cs typeface="Tahoma"/>
+                <a:sym typeface="Tahoma"/>
+              </a:rPr>
+              <a:t>mniejsze straty finansowe</a:t>
+            </a:r>
+            <a:r>
+              <a:rPr lang="pl" sz="1400">
+                <a:solidFill>
+                  <a:srgbClr val="0B5394"/>
+                </a:solidFill>
+                <a:latin typeface="Tahoma"/>
+                <a:ea typeface="Tahoma"/>
+                <a:cs typeface="Tahoma"/>
+                <a:sym typeface="Tahoma"/>
+              </a:rPr>
+              <a:t>,</a:t>
+            </a:r>
+            <a:endParaRPr sz="1400">
+              <a:solidFill>
+                <a:srgbClr val="0B5394"/>
+              </a:solidFill>
+              <a:latin typeface="Tahoma"/>
+              <a:ea typeface="Tahoma"/>
+              <a:cs typeface="Tahoma"/>
+              <a:sym typeface="Tahoma"/>
+            </a:endParaRPr>
+          </a:p>
+          <a:p>
+            <a:pPr indent="-317500" lvl="0" marL="457200" rtl="0" algn="l">
+              <a:lnSpc>
+                <a:spcPct val="100000"/>
+              </a:lnSpc>
+              <a:spcBef>
+                <a:spcPts val="0"/>
+              </a:spcBef>
+              <a:spcAft>
+                <a:spcPts val="0"/>
+              </a:spcAft>
+              <a:buClr>
+                <a:srgbClr val="0B5394"/>
+              </a:buClr>
+              <a:buSzPts val="1400"/>
+              <a:buFont typeface="Arial"/>
+              <a:buChar char="●"/>
+            </a:pPr>
+            <a:r>
+              <a:rPr b="1" lang="pl" sz="1400">
+                <a:solidFill>
+                  <a:srgbClr val="0B5394"/>
+                </a:solidFill>
+                <a:latin typeface="Tahoma"/>
+                <a:ea typeface="Tahoma"/>
+                <a:cs typeface="Tahoma"/>
+                <a:sym typeface="Tahoma"/>
+              </a:rPr>
+              <a:t>zgodność z prawem</a:t>
+            </a:r>
+            <a:r>
+              <a:rPr lang="pl" sz="1400">
+                <a:solidFill>
+                  <a:srgbClr val="0B5394"/>
+                </a:solidFill>
+                <a:latin typeface="Tahoma"/>
+                <a:ea typeface="Tahoma"/>
+                <a:cs typeface="Tahoma"/>
+                <a:sym typeface="Tahoma"/>
+              </a:rPr>
+              <a:t> (np. RODO),</a:t>
+            </a:r>
+            <a:endParaRPr sz="1400">
+              <a:solidFill>
+                <a:srgbClr val="0B5394"/>
+              </a:solidFill>
+              <a:latin typeface="Tahoma"/>
+              <a:ea typeface="Tahoma"/>
+              <a:cs typeface="Tahoma"/>
+              <a:sym typeface="Tahoma"/>
+            </a:endParaRPr>
+          </a:p>
+          <a:p>
+            <a:pPr indent="-317500" lvl="0" marL="457200" rtl="0" algn="l">
+              <a:lnSpc>
+                <a:spcPct val="100000"/>
+              </a:lnSpc>
+              <a:spcBef>
+                <a:spcPts val="0"/>
+              </a:spcBef>
+              <a:spcAft>
+                <a:spcPts val="0"/>
+              </a:spcAft>
+              <a:buClr>
+                <a:srgbClr val="0B5394"/>
+              </a:buClr>
+              <a:buSzPts val="1400"/>
+              <a:buFont typeface="Arial"/>
+              <a:buChar char="●"/>
+            </a:pPr>
+            <a:r>
+              <a:rPr b="1" lang="pl" sz="1400">
+                <a:solidFill>
+                  <a:srgbClr val="0B5394"/>
+                </a:solidFill>
+                <a:latin typeface="Tahoma"/>
+                <a:ea typeface="Tahoma"/>
+                <a:cs typeface="Tahoma"/>
+                <a:sym typeface="Tahoma"/>
+              </a:rPr>
+              <a:t>ochrona reputacji</a:t>
+            </a:r>
+            <a:r>
+              <a:rPr lang="pl" sz="1400">
+                <a:solidFill>
+                  <a:srgbClr val="0B5394"/>
+                </a:solidFill>
+                <a:latin typeface="Tahoma"/>
+                <a:ea typeface="Tahoma"/>
+                <a:cs typeface="Tahoma"/>
+                <a:sym typeface="Tahoma"/>
+              </a:rPr>
+              <a:t> szkoły lub firmy.</a:t>
+            </a:r>
+            <a:endParaRPr sz="1400">
+              <a:solidFill>
+                <a:srgbClr val="0B5394"/>
+              </a:solidFill>
+              <a:latin typeface="Tahoma"/>
+              <a:ea typeface="Tahoma"/>
+              <a:cs typeface="Tahoma"/>
+              <a:sym typeface="Tahoma"/>
+            </a:endParaRPr>
+          </a:p>
+        </p:txBody>
+      </p:sp>
+    </p:spTree>
+  </p:cSld>
+  <p:clrMapOvr>
+    <a:masterClrMapping/>
+  </p:clrMapOvr>
+</p:sld>
+</file>
+
+<file path=ppt/slides/slide82.xml><?xml version="1.0" encoding="utf-8"?>
+<p:sld xmlns:a="http://schemas.openxmlformats.org/drawingml/2006/main" xmlns:r="http://schemas.openxmlformats.org/officeDocument/2006/relationships" xmlns:mc="http://schemas.openxmlformats.org/markup-compatibility/2006" xmlns:mv="urn:schemas-microsoft-com:mac:vml" xmlns:p="http://schemas.openxmlformats.org/presentationml/2006/main" xmlns:c="http://schemas.openxmlformats.org/drawingml/2006/chart" xmlns:dgm="http://schemas.openxmlformats.org/drawingml/2006/diagram" xmlns:o="urn:schemas-microsoft-com:office:office" xmlns:v="urn:schemas-microsoft-com:vml" xmlns:pvml="urn:schemas-microsoft-com:office:powerpoint" xmlns:com="http://schemas.openxmlformats.org/drawingml/2006/compatibility" xmlns:p14="http://schemas.microsoft.com/office/powerpoint/2010/main" xmlns:p15="http://schemas.microsoft.com/office/powerpoint/2012/main" xmlns:ahyp="http://schemas.microsoft.com/office/drawing/2018/hyperlinkcolor">
+  <p:cSld>
+    <p:spTree>
+      <p:nvGrpSpPr>
+        <p:cNvPr id="575" name="Shape 575"/>
+        <p:cNvGrpSpPr/>
+        <p:nvPr/>
+      </p:nvGrpSpPr>
+      <p:grpSpPr>
+        <a:xfrm>
+          <a:off x="0" y="0"/>
+          <a:ext cx="0" cy="0"/>
+          <a:chOff x="0" y="0"/>
+          <a:chExt cx="0" cy="0"/>
+        </a:xfrm>
+      </p:grpSpPr>
+      <p:sp>
+        <p:nvSpPr>
+          <p:cNvPr id="576" name="Google Shape;576;p94"/>
+          <p:cNvSpPr txBox="1"/>
+          <p:nvPr>
+            <p:ph type="title"/>
+          </p:nvPr>
+        </p:nvSpPr>
+        <p:spPr>
+          <a:xfrm>
+            <a:off x="729450" y="1318650"/>
+            <a:ext cx="7688700" cy="535200"/>
+          </a:xfrm>
+          <a:prstGeom prst="rect">
+            <a:avLst/>
+          </a:prstGeom>
+        </p:spPr>
+        <p:txBody>
+          <a:bodyPr anchorCtr="0" anchor="t" bIns="91425" lIns="91425" spcFirstLastPara="1" rIns="91425" wrap="square" tIns="91425">
+            <a:noAutofit/>
+          </a:bodyPr>
+          <a:lstStyle/>
+          <a:p>
+            <a:pPr indent="0" lvl="0" marL="0" rtl="0" algn="l">
+              <a:lnSpc>
+                <a:spcPct val="115000"/>
+              </a:lnSpc>
+              <a:spcBef>
+                <a:spcPts val="1400"/>
+              </a:spcBef>
+              <a:spcAft>
+                <a:spcPts val="400"/>
+              </a:spcAft>
+              <a:buSzPts val="990"/>
+              <a:buNone/>
+            </a:pPr>
+            <a:r>
+              <a:rPr lang="pl" sz="2400">
+                <a:solidFill>
+                  <a:srgbClr val="000000"/>
+                </a:solidFill>
+                <a:latin typeface="Tahoma"/>
+                <a:ea typeface="Tahoma"/>
+                <a:cs typeface="Tahoma"/>
+                <a:sym typeface="Tahoma"/>
+              </a:rPr>
+              <a:t>Przykłady zagrożeń, przed którymi chroni </a:t>
+            </a:r>
+            <a:r>
+              <a:rPr lang="pl" sz="2400">
+                <a:solidFill>
+                  <a:srgbClr val="000000"/>
+                </a:solidFill>
+                <a:latin typeface="Tahoma"/>
+                <a:ea typeface="Tahoma"/>
+                <a:cs typeface="Tahoma"/>
+                <a:sym typeface="Tahoma"/>
+              </a:rPr>
+              <a:t>c</a:t>
+            </a:r>
+            <a:r>
+              <a:rPr lang="pl" sz="2400">
+                <a:solidFill>
+                  <a:srgbClr val="000000"/>
+                </a:solidFill>
+                <a:latin typeface="Tahoma"/>
+                <a:ea typeface="Tahoma"/>
+                <a:cs typeface="Tahoma"/>
+                <a:sym typeface="Tahoma"/>
+              </a:rPr>
+              <a:t>yberbezpieczeństwo:</a:t>
+            </a:r>
+            <a:endParaRPr sz="2400"/>
+          </a:p>
+        </p:txBody>
+      </p:sp>
+      <p:sp>
+        <p:nvSpPr>
+          <p:cNvPr id="577" name="Google Shape;577;p94"/>
+          <p:cNvSpPr txBox="1"/>
+          <p:nvPr>
+            <p:ph idx="1" type="body"/>
+          </p:nvPr>
+        </p:nvSpPr>
+        <p:spPr>
+          <a:xfrm>
+            <a:off x="729450" y="2078875"/>
+            <a:ext cx="7688700" cy="2261100"/>
+          </a:xfrm>
+          <a:prstGeom prst="rect">
+            <a:avLst/>
+          </a:prstGeom>
+        </p:spPr>
+        <p:txBody>
+          <a:bodyPr anchorCtr="0" anchor="t" bIns="91425" lIns="91425" spcFirstLastPara="1" rIns="91425" wrap="square" tIns="91425">
+            <a:noAutofit/>
+          </a:bodyPr>
+          <a:lstStyle/>
+          <a:p>
+            <a:pPr indent="0" lvl="0" marL="0" rtl="0" algn="l">
+              <a:lnSpc>
+                <a:spcPct val="100000"/>
+              </a:lnSpc>
+              <a:spcBef>
+                <a:spcPts val="0"/>
+              </a:spcBef>
+              <a:spcAft>
+                <a:spcPts val="0"/>
+              </a:spcAft>
+              <a:buNone/>
+            </a:pPr>
+            <a:r>
+              <a:t/>
+            </a:r>
+            <a:endParaRPr b="1" sz="1405">
+              <a:solidFill>
+                <a:srgbClr val="274E13"/>
+              </a:solidFill>
+              <a:latin typeface="Tahoma"/>
+              <a:ea typeface="Tahoma"/>
+              <a:cs typeface="Tahoma"/>
+              <a:sym typeface="Tahoma"/>
+            </a:endParaRPr>
+          </a:p>
+          <a:p>
+            <a:pPr indent="0" lvl="0" marL="457200" rtl="0" algn="l">
+              <a:lnSpc>
+                <a:spcPct val="100000"/>
+              </a:lnSpc>
+              <a:spcBef>
+                <a:spcPts val="0"/>
+              </a:spcBef>
+              <a:spcAft>
+                <a:spcPts val="0"/>
+              </a:spcAft>
+              <a:buNone/>
+            </a:pPr>
+            <a:r>
+              <a:t/>
+            </a:r>
+            <a:endParaRPr b="1" sz="1405">
+              <a:solidFill>
+                <a:srgbClr val="274E13"/>
+              </a:solidFill>
+              <a:latin typeface="Tahoma"/>
+              <a:ea typeface="Tahoma"/>
+              <a:cs typeface="Tahoma"/>
+              <a:sym typeface="Tahoma"/>
+            </a:endParaRPr>
+          </a:p>
+          <a:p>
+            <a:pPr indent="-317817" lvl="0" marL="457200" rtl="0" algn="l">
+              <a:lnSpc>
+                <a:spcPct val="100000"/>
+              </a:lnSpc>
+              <a:spcBef>
+                <a:spcPts val="0"/>
+              </a:spcBef>
+              <a:spcAft>
+                <a:spcPts val="0"/>
+              </a:spcAft>
+              <a:buClr>
+                <a:srgbClr val="274E13"/>
+              </a:buClr>
+              <a:buSzPts val="1405"/>
+              <a:buFont typeface="Tahoma"/>
+              <a:buChar char="❏"/>
+            </a:pPr>
+            <a:r>
+              <a:rPr b="1" lang="pl" sz="1405">
+                <a:solidFill>
+                  <a:srgbClr val="274E13"/>
+                </a:solidFill>
+                <a:latin typeface="Tahoma"/>
+                <a:ea typeface="Tahoma"/>
+                <a:cs typeface="Tahoma"/>
+                <a:sym typeface="Tahoma"/>
+              </a:rPr>
+              <a:t>phishing (fałszywe maile),</a:t>
+            </a:r>
+            <a:br>
+              <a:rPr b="1" lang="pl" sz="1405">
+                <a:solidFill>
+                  <a:srgbClr val="274E13"/>
+                </a:solidFill>
+                <a:latin typeface="Tahoma"/>
+                <a:ea typeface="Tahoma"/>
+                <a:cs typeface="Tahoma"/>
+                <a:sym typeface="Tahoma"/>
+              </a:rPr>
+            </a:br>
+            <a:endParaRPr b="1" sz="1405">
+              <a:solidFill>
+                <a:srgbClr val="274E13"/>
+              </a:solidFill>
+              <a:latin typeface="Tahoma"/>
+              <a:ea typeface="Tahoma"/>
+              <a:cs typeface="Tahoma"/>
+              <a:sym typeface="Tahoma"/>
+            </a:endParaRPr>
+          </a:p>
+          <a:p>
+            <a:pPr indent="-317817" lvl="0" marL="457200" rtl="0" algn="l">
+              <a:lnSpc>
+                <a:spcPct val="100000"/>
+              </a:lnSpc>
+              <a:spcBef>
+                <a:spcPts val="0"/>
+              </a:spcBef>
+              <a:spcAft>
+                <a:spcPts val="0"/>
+              </a:spcAft>
+              <a:buClr>
+                <a:srgbClr val="274E13"/>
+              </a:buClr>
+              <a:buSzPts val="1405"/>
+              <a:buFont typeface="Tahoma"/>
+              <a:buChar char="❏"/>
+            </a:pPr>
+            <a:r>
+              <a:rPr b="1" lang="pl" sz="1405">
+                <a:solidFill>
+                  <a:srgbClr val="274E13"/>
+                </a:solidFill>
+                <a:latin typeface="Tahoma"/>
+                <a:ea typeface="Tahoma"/>
+                <a:cs typeface="Tahoma"/>
+                <a:sym typeface="Tahoma"/>
+              </a:rPr>
+              <a:t>wirusy i ransomware,</a:t>
+            </a:r>
+            <a:br>
+              <a:rPr b="1" lang="pl" sz="1405">
+                <a:solidFill>
+                  <a:srgbClr val="274E13"/>
+                </a:solidFill>
+                <a:latin typeface="Tahoma"/>
+                <a:ea typeface="Tahoma"/>
+                <a:cs typeface="Tahoma"/>
+                <a:sym typeface="Tahoma"/>
+              </a:rPr>
+            </a:br>
+            <a:endParaRPr b="1" sz="1405">
+              <a:solidFill>
+                <a:srgbClr val="274E13"/>
+              </a:solidFill>
+              <a:latin typeface="Tahoma"/>
+              <a:ea typeface="Tahoma"/>
+              <a:cs typeface="Tahoma"/>
+              <a:sym typeface="Tahoma"/>
+            </a:endParaRPr>
+          </a:p>
+          <a:p>
+            <a:pPr indent="-317817" lvl="0" marL="457200" rtl="0" algn="l">
+              <a:lnSpc>
+                <a:spcPct val="100000"/>
+              </a:lnSpc>
+              <a:spcBef>
+                <a:spcPts val="0"/>
+              </a:spcBef>
+              <a:spcAft>
+                <a:spcPts val="0"/>
+              </a:spcAft>
+              <a:buClr>
+                <a:srgbClr val="274E13"/>
+              </a:buClr>
+              <a:buSzPts val="1405"/>
+              <a:buFont typeface="Tahoma"/>
+              <a:buChar char="❏"/>
+            </a:pPr>
+            <a:r>
+              <a:rPr b="1" lang="pl" sz="1405">
+                <a:solidFill>
+                  <a:srgbClr val="274E13"/>
+                </a:solidFill>
+                <a:latin typeface="Tahoma"/>
+                <a:ea typeface="Tahoma"/>
+                <a:cs typeface="Tahoma"/>
+                <a:sym typeface="Tahoma"/>
+              </a:rPr>
+              <a:t>kradzież danych,</a:t>
+            </a:r>
+            <a:br>
+              <a:rPr b="1" lang="pl" sz="1405">
+                <a:solidFill>
+                  <a:srgbClr val="274E13"/>
+                </a:solidFill>
+                <a:latin typeface="Tahoma"/>
+                <a:ea typeface="Tahoma"/>
+                <a:cs typeface="Tahoma"/>
+                <a:sym typeface="Tahoma"/>
+              </a:rPr>
+            </a:br>
+            <a:endParaRPr b="1" sz="1405">
+              <a:solidFill>
+                <a:srgbClr val="274E13"/>
+              </a:solidFill>
+              <a:latin typeface="Tahoma"/>
+              <a:ea typeface="Tahoma"/>
+              <a:cs typeface="Tahoma"/>
+              <a:sym typeface="Tahoma"/>
+            </a:endParaRPr>
+          </a:p>
+          <a:p>
+            <a:pPr indent="-317817" lvl="0" marL="457200" rtl="0" algn="l">
+              <a:lnSpc>
+                <a:spcPct val="100000"/>
+              </a:lnSpc>
+              <a:spcBef>
+                <a:spcPts val="0"/>
+              </a:spcBef>
+              <a:spcAft>
+                <a:spcPts val="0"/>
+              </a:spcAft>
+              <a:buClr>
+                <a:srgbClr val="274E13"/>
+              </a:buClr>
+              <a:buSzPts val="1405"/>
+              <a:buFont typeface="Tahoma"/>
+              <a:buChar char="❏"/>
+            </a:pPr>
+            <a:r>
+              <a:rPr b="1" lang="pl" sz="1405">
+                <a:solidFill>
+                  <a:srgbClr val="274E13"/>
+                </a:solidFill>
+                <a:latin typeface="Tahoma"/>
+                <a:ea typeface="Tahoma"/>
+                <a:cs typeface="Tahoma"/>
+                <a:sym typeface="Tahoma"/>
+              </a:rPr>
+              <a:t>ataki DDoS,</a:t>
+            </a:r>
+            <a:br>
+              <a:rPr b="1" lang="pl" sz="1405">
+                <a:solidFill>
+                  <a:srgbClr val="274E13"/>
+                </a:solidFill>
+                <a:latin typeface="Tahoma"/>
+                <a:ea typeface="Tahoma"/>
+                <a:cs typeface="Tahoma"/>
+                <a:sym typeface="Tahoma"/>
+              </a:rPr>
+            </a:br>
+            <a:endParaRPr b="1" sz="1405">
+              <a:solidFill>
+                <a:srgbClr val="274E13"/>
+              </a:solidFill>
+              <a:latin typeface="Tahoma"/>
+              <a:ea typeface="Tahoma"/>
+              <a:cs typeface="Tahoma"/>
+              <a:sym typeface="Tahoma"/>
+            </a:endParaRPr>
+          </a:p>
+          <a:p>
+            <a:pPr indent="-317817" lvl="0" marL="457200" rtl="0" algn="l">
+              <a:lnSpc>
+                <a:spcPct val="100000"/>
+              </a:lnSpc>
+              <a:spcBef>
+                <a:spcPts val="0"/>
+              </a:spcBef>
+              <a:spcAft>
+                <a:spcPts val="0"/>
+              </a:spcAft>
+              <a:buClr>
+                <a:srgbClr val="274E13"/>
+              </a:buClr>
+              <a:buSzPts val="1405"/>
+              <a:buFont typeface="Tahoma"/>
+              <a:buChar char="❏"/>
+            </a:pPr>
+            <a:r>
+              <a:rPr b="1" lang="pl" sz="1405">
+                <a:solidFill>
+                  <a:srgbClr val="274E13"/>
+                </a:solidFill>
+                <a:latin typeface="Tahoma"/>
+                <a:ea typeface="Tahoma"/>
+                <a:cs typeface="Tahoma"/>
+                <a:sym typeface="Tahoma"/>
+              </a:rPr>
+              <a:t>podsłuchiwanie sieci Wi-Fi.</a:t>
+            </a:r>
+            <a:endParaRPr b="1" sz="1405">
+              <a:solidFill>
+                <a:srgbClr val="274E13"/>
+              </a:solidFill>
+              <a:latin typeface="Tahoma"/>
+              <a:ea typeface="Tahoma"/>
+              <a:cs typeface="Tahoma"/>
+              <a:sym typeface="Tahoma"/>
+            </a:endParaRPr>
+          </a:p>
+        </p:txBody>
+      </p:sp>
+    </p:spTree>
+  </p:cSld>
+  <p:clrMapOvr>
+    <a:masterClrMapping/>
+  </p:clrMapOvr>
+</p:sld>
+</file>
+
+<file path=ppt/slides/slide83.xml><?xml version="1.0" encoding="utf-8"?>
+<p:sld xmlns:a="http://schemas.openxmlformats.org/drawingml/2006/main" xmlns:r="http://schemas.openxmlformats.org/officeDocument/2006/relationships" xmlns:mc="http://schemas.openxmlformats.org/markup-compatibility/2006" xmlns:mv="urn:schemas-microsoft-com:mac:vml" xmlns:p="http://schemas.openxmlformats.org/presentationml/2006/main" xmlns:c="http://schemas.openxmlformats.org/drawingml/2006/chart" xmlns:dgm="http://schemas.openxmlformats.org/drawingml/2006/diagram" xmlns:o="urn:schemas-microsoft-com:office:office" xmlns:v="urn:schemas-microsoft-com:vml" xmlns:pvml="urn:schemas-microsoft-com:office:powerpoint" xmlns:com="http://schemas.openxmlformats.org/drawingml/2006/compatibility" xmlns:p14="http://schemas.microsoft.com/office/powerpoint/2010/main" xmlns:p15="http://schemas.microsoft.com/office/powerpoint/2012/main" xmlns:ahyp="http://schemas.microsoft.com/office/drawing/2018/hyperlinkcolor">
+  <p:cSld>
+    <p:spTree>
+      <p:nvGrpSpPr>
+        <p:cNvPr id="581" name="Shape 581"/>
+        <p:cNvGrpSpPr/>
+        <p:nvPr/>
+      </p:nvGrpSpPr>
+      <p:grpSpPr>
+        <a:xfrm>
+          <a:off x="0" y="0"/>
+          <a:ext cx="0" cy="0"/>
+          <a:chOff x="0" y="0"/>
+          <a:chExt cx="0" cy="0"/>
+        </a:xfrm>
+      </p:grpSpPr>
+      <p:sp>
+        <p:nvSpPr>
+          <p:cNvPr id="582" name="Google Shape;582;p95"/>
+          <p:cNvSpPr txBox="1"/>
+          <p:nvPr>
+            <p:ph type="title"/>
+          </p:nvPr>
+        </p:nvSpPr>
+        <p:spPr>
+          <a:xfrm>
+            <a:off x="729450" y="1318650"/>
+            <a:ext cx="8283300" cy="535200"/>
+          </a:xfrm>
+          <a:prstGeom prst="rect">
+            <a:avLst/>
+          </a:prstGeom>
+        </p:spPr>
+        <p:txBody>
+          <a:bodyPr anchorCtr="0" anchor="t" bIns="91425" lIns="91425" spcFirstLastPara="1" rIns="91425" wrap="square" tIns="91425">
+            <a:noAutofit/>
+          </a:bodyPr>
+          <a:lstStyle/>
+          <a:p>
+            <a:pPr indent="0" lvl="0" marL="0" rtl="0" algn="l">
+              <a:lnSpc>
+                <a:spcPct val="115000"/>
+              </a:lnSpc>
+              <a:spcBef>
+                <a:spcPts val="1800"/>
+              </a:spcBef>
+              <a:spcAft>
+                <a:spcPts val="0"/>
+              </a:spcAft>
+              <a:buSzPts val="990"/>
+              <a:buNone/>
+            </a:pPr>
+            <a:r>
+              <a:rPr lang="pl" sz="2400">
+                <a:solidFill>
+                  <a:srgbClr val="000000"/>
+                </a:solidFill>
+                <a:latin typeface="Tahoma"/>
+                <a:ea typeface="Tahoma"/>
+                <a:cs typeface="Tahoma"/>
+                <a:sym typeface="Tahoma"/>
+              </a:rPr>
+              <a:t>Cyberbezpieczeństwo zagrożenia i zabezpieczenia</a:t>
+            </a:r>
+            <a:endParaRPr sz="2400">
+              <a:solidFill>
+                <a:srgbClr val="000000"/>
+              </a:solidFill>
+              <a:latin typeface="Tahoma"/>
+              <a:ea typeface="Tahoma"/>
+              <a:cs typeface="Tahoma"/>
+              <a:sym typeface="Tahoma"/>
+            </a:endParaRPr>
+          </a:p>
+          <a:p>
+            <a:pPr indent="0" lvl="0" marL="0" rtl="0" algn="l">
+              <a:spcBef>
+                <a:spcPts val="400"/>
+              </a:spcBef>
+              <a:spcAft>
+                <a:spcPts val="0"/>
+              </a:spcAft>
+              <a:buSzPts val="990"/>
+              <a:buNone/>
+            </a:pPr>
+            <a:r>
+              <a:t/>
+            </a:r>
+            <a:endParaRPr sz="2340"/>
+          </a:p>
+        </p:txBody>
+      </p:sp>
+      <p:sp>
+        <p:nvSpPr>
+          <p:cNvPr id="583" name="Google Shape;583;p95"/>
+          <p:cNvSpPr txBox="1"/>
+          <p:nvPr>
+            <p:ph idx="1" type="body"/>
+          </p:nvPr>
+        </p:nvSpPr>
+        <p:spPr>
+          <a:xfrm>
+            <a:off x="729450" y="2078875"/>
+            <a:ext cx="7688700" cy="2261100"/>
+          </a:xfrm>
+          <a:prstGeom prst="rect">
+            <a:avLst/>
+          </a:prstGeom>
+        </p:spPr>
+        <p:txBody>
+          <a:bodyPr anchorCtr="0" anchor="t" bIns="91425" lIns="91425" spcFirstLastPara="1" rIns="91425" wrap="square" tIns="91425">
+            <a:noAutofit/>
+          </a:bodyPr>
+          <a:lstStyle/>
+          <a:p>
+            <a:pPr indent="0" lvl="0" marL="0" rtl="0" algn="l">
+              <a:lnSpc>
+                <a:spcPct val="105000"/>
+              </a:lnSpc>
+              <a:spcBef>
+                <a:spcPts val="0"/>
+              </a:spcBef>
+              <a:spcAft>
+                <a:spcPts val="0"/>
+              </a:spcAft>
+              <a:buNone/>
+            </a:pPr>
+            <a:r>
+              <a:rPr b="1" lang="pl" sz="1400">
+                <a:solidFill>
+                  <a:schemeClr val="dk2"/>
+                </a:solidFill>
+                <a:latin typeface="Tahoma"/>
+                <a:ea typeface="Tahoma"/>
+                <a:cs typeface="Tahoma"/>
+                <a:sym typeface="Tahoma"/>
+              </a:rPr>
+              <a:t>Zagrożenie</a:t>
+            </a:r>
+            <a:r>
+              <a:rPr lang="pl" sz="1400">
+                <a:solidFill>
+                  <a:schemeClr val="dk2"/>
+                </a:solidFill>
+                <a:latin typeface="Tahoma"/>
+                <a:ea typeface="Tahoma"/>
+                <a:cs typeface="Tahoma"/>
+                <a:sym typeface="Tahoma"/>
+              </a:rPr>
+              <a:t>						</a:t>
+            </a:r>
+            <a:r>
+              <a:rPr b="1" lang="pl" sz="1400">
+                <a:solidFill>
+                  <a:schemeClr val="dk2"/>
+                </a:solidFill>
+                <a:latin typeface="Tahoma"/>
+                <a:ea typeface="Tahoma"/>
+                <a:cs typeface="Tahoma"/>
+                <a:sym typeface="Tahoma"/>
+              </a:rPr>
+              <a:t>Zabezpieczenie</a:t>
+            </a:r>
+            <a:endParaRPr b="1" sz="1400">
+              <a:solidFill>
+                <a:schemeClr val="dk2"/>
+              </a:solidFill>
+              <a:latin typeface="Tahoma"/>
+              <a:ea typeface="Tahoma"/>
+              <a:cs typeface="Tahoma"/>
+              <a:sym typeface="Tahoma"/>
+            </a:endParaRPr>
+          </a:p>
+          <a:p>
+            <a:pPr indent="0" lvl="0" marL="0" rtl="0" algn="l">
+              <a:lnSpc>
+                <a:spcPct val="105000"/>
+              </a:lnSpc>
+              <a:spcBef>
+                <a:spcPts val="1200"/>
+              </a:spcBef>
+              <a:spcAft>
+                <a:spcPts val="0"/>
+              </a:spcAft>
+              <a:buNone/>
+            </a:pPr>
+            <a:r>
+              <a:rPr lang="pl" sz="1400">
+                <a:solidFill>
+                  <a:srgbClr val="660000"/>
+                </a:solidFill>
+                <a:latin typeface="Tahoma"/>
+                <a:ea typeface="Tahoma"/>
+                <a:cs typeface="Tahoma"/>
+                <a:sym typeface="Tahoma"/>
+              </a:rPr>
+              <a:t>Phishing (fałszywe e-maile, SMS-y)	</a:t>
+            </a:r>
+            <a:r>
+              <a:rPr lang="pl" sz="1400">
+                <a:latin typeface="Tahoma"/>
+                <a:ea typeface="Tahoma"/>
+                <a:cs typeface="Tahoma"/>
+                <a:sym typeface="Tahoma"/>
+              </a:rPr>
+              <a:t>		</a:t>
+            </a:r>
+            <a:r>
+              <a:rPr lang="pl" sz="1400">
+                <a:solidFill>
+                  <a:srgbClr val="188038"/>
+                </a:solidFill>
+                <a:latin typeface="Tahoma"/>
+                <a:ea typeface="Tahoma"/>
+                <a:cs typeface="Tahoma"/>
+                <a:sym typeface="Tahoma"/>
+              </a:rPr>
+              <a:t>szkolenia użytkowników, filtry antyspamowe</a:t>
+            </a:r>
+            <a:endParaRPr sz="1400">
+              <a:solidFill>
+                <a:srgbClr val="188038"/>
+              </a:solidFill>
+              <a:latin typeface="Tahoma"/>
+              <a:ea typeface="Tahoma"/>
+              <a:cs typeface="Tahoma"/>
+              <a:sym typeface="Tahoma"/>
+            </a:endParaRPr>
+          </a:p>
+          <a:p>
+            <a:pPr indent="0" lvl="0" marL="0" rtl="0" algn="l">
+              <a:lnSpc>
+                <a:spcPct val="105000"/>
+              </a:lnSpc>
+              <a:spcBef>
+                <a:spcPts val="1200"/>
+              </a:spcBef>
+              <a:spcAft>
+                <a:spcPts val="0"/>
+              </a:spcAft>
+              <a:buNone/>
+            </a:pPr>
+            <a:r>
+              <a:rPr lang="pl" sz="1400">
+                <a:solidFill>
+                  <a:srgbClr val="660000"/>
+                </a:solidFill>
+                <a:latin typeface="Tahoma"/>
+                <a:ea typeface="Tahoma"/>
+                <a:cs typeface="Tahoma"/>
+                <a:sym typeface="Tahoma"/>
+              </a:rPr>
+              <a:t>Wirusy i malware	</a:t>
+            </a:r>
+            <a:r>
+              <a:rPr lang="pl" sz="1400">
+                <a:latin typeface="Tahoma"/>
+                <a:ea typeface="Tahoma"/>
+                <a:cs typeface="Tahoma"/>
+                <a:sym typeface="Tahoma"/>
+              </a:rPr>
+              <a:t>					</a:t>
+            </a:r>
+            <a:r>
+              <a:rPr lang="pl" sz="1400">
+                <a:solidFill>
+                  <a:srgbClr val="188038"/>
+                </a:solidFill>
+                <a:latin typeface="Tahoma"/>
+                <a:ea typeface="Tahoma"/>
+                <a:cs typeface="Tahoma"/>
+                <a:sym typeface="Tahoma"/>
+              </a:rPr>
+              <a:t>program antywirusowy, aktualizacje systemu</a:t>
+            </a:r>
+            <a:endParaRPr sz="1400">
+              <a:solidFill>
+                <a:srgbClr val="188038"/>
+              </a:solidFill>
+              <a:latin typeface="Tahoma"/>
+              <a:ea typeface="Tahoma"/>
+              <a:cs typeface="Tahoma"/>
+              <a:sym typeface="Tahoma"/>
+            </a:endParaRPr>
+          </a:p>
+          <a:p>
+            <a:pPr indent="0" lvl="0" marL="0" rtl="0" algn="l">
+              <a:lnSpc>
+                <a:spcPct val="105000"/>
+              </a:lnSpc>
+              <a:spcBef>
+                <a:spcPts val="1200"/>
+              </a:spcBef>
+              <a:spcAft>
+                <a:spcPts val="0"/>
+              </a:spcAft>
+              <a:buNone/>
+            </a:pPr>
+            <a:r>
+              <a:rPr lang="pl" sz="1400">
+                <a:solidFill>
+                  <a:srgbClr val="660000"/>
+                </a:solidFill>
+                <a:latin typeface="Tahoma"/>
+                <a:ea typeface="Tahoma"/>
+                <a:cs typeface="Tahoma"/>
+                <a:sym typeface="Tahoma"/>
+              </a:rPr>
+              <a:t>Ransomware (blokada plików)</a:t>
+            </a:r>
+            <a:r>
+              <a:rPr lang="pl" sz="1400">
+                <a:latin typeface="Tahoma"/>
+                <a:ea typeface="Tahoma"/>
+                <a:cs typeface="Tahoma"/>
+                <a:sym typeface="Tahoma"/>
+              </a:rPr>
+              <a:t>			</a:t>
+            </a:r>
+            <a:r>
+              <a:rPr lang="pl" sz="1400">
+                <a:solidFill>
+                  <a:srgbClr val="188038"/>
+                </a:solidFill>
+                <a:latin typeface="Tahoma"/>
+                <a:ea typeface="Tahoma"/>
+                <a:cs typeface="Tahoma"/>
+                <a:sym typeface="Tahoma"/>
+              </a:rPr>
+              <a:t>kopie zapasowe (backup), antywirus</a:t>
+            </a:r>
+            <a:endParaRPr sz="1400">
+              <a:solidFill>
+                <a:srgbClr val="188038"/>
+              </a:solidFill>
+              <a:latin typeface="Tahoma"/>
+              <a:ea typeface="Tahoma"/>
+              <a:cs typeface="Tahoma"/>
+              <a:sym typeface="Tahoma"/>
+            </a:endParaRPr>
+          </a:p>
+          <a:p>
+            <a:pPr indent="0" lvl="0" marL="0" rtl="0" algn="l">
+              <a:lnSpc>
+                <a:spcPct val="105000"/>
+              </a:lnSpc>
+              <a:spcBef>
+                <a:spcPts val="1200"/>
+              </a:spcBef>
+              <a:spcAft>
+                <a:spcPts val="0"/>
+              </a:spcAft>
+              <a:buNone/>
+            </a:pPr>
+            <a:r>
+              <a:rPr lang="pl" sz="1400">
+                <a:solidFill>
+                  <a:srgbClr val="660000"/>
+                </a:solidFill>
+                <a:latin typeface="Tahoma"/>
+                <a:ea typeface="Tahoma"/>
+                <a:cs typeface="Tahoma"/>
+                <a:sym typeface="Tahoma"/>
+              </a:rPr>
+              <a:t>Kradzież haseł	</a:t>
+            </a:r>
+            <a:r>
+              <a:rPr lang="pl" sz="1400">
+                <a:latin typeface="Tahoma"/>
+                <a:ea typeface="Tahoma"/>
+                <a:cs typeface="Tahoma"/>
+                <a:sym typeface="Tahoma"/>
+              </a:rPr>
+              <a:t>					</a:t>
+            </a:r>
+            <a:r>
+              <a:rPr lang="pl" sz="1400">
+                <a:solidFill>
+                  <a:srgbClr val="188038"/>
+                </a:solidFill>
+                <a:latin typeface="Tahoma"/>
+                <a:ea typeface="Tahoma"/>
+                <a:cs typeface="Tahoma"/>
+                <a:sym typeface="Tahoma"/>
+              </a:rPr>
+              <a:t>silne hasła, uwierzytelnianie dwuetapowe (2FA)</a:t>
+            </a:r>
+            <a:endParaRPr sz="1400">
+              <a:solidFill>
+                <a:srgbClr val="188038"/>
+              </a:solidFill>
+              <a:latin typeface="Tahoma"/>
+              <a:ea typeface="Tahoma"/>
+              <a:cs typeface="Tahoma"/>
+              <a:sym typeface="Tahoma"/>
+            </a:endParaRPr>
+          </a:p>
+          <a:p>
+            <a:pPr indent="0" lvl="0" marL="0" rtl="0" algn="l">
+              <a:lnSpc>
+                <a:spcPct val="105000"/>
+              </a:lnSpc>
+              <a:spcBef>
+                <a:spcPts val="1200"/>
+              </a:spcBef>
+              <a:spcAft>
+                <a:spcPts val="1200"/>
+              </a:spcAft>
+              <a:buNone/>
+            </a:pPr>
+            <a:r>
+              <a:rPr lang="pl" sz="1400">
+                <a:solidFill>
+                  <a:srgbClr val="660000"/>
+                </a:solidFill>
+                <a:latin typeface="Tahoma"/>
+                <a:ea typeface="Tahoma"/>
+                <a:cs typeface="Tahoma"/>
+                <a:sym typeface="Tahoma"/>
+              </a:rPr>
+              <a:t>Nieautoryzowany dostęp	</a:t>
+            </a:r>
+            <a:r>
+              <a:rPr lang="pl" sz="1400">
+                <a:latin typeface="Tahoma"/>
+                <a:ea typeface="Tahoma"/>
+                <a:cs typeface="Tahoma"/>
+                <a:sym typeface="Tahoma"/>
+              </a:rPr>
+              <a:t>			</a:t>
+            </a:r>
+            <a:r>
+              <a:rPr lang="pl" sz="1400">
+                <a:solidFill>
+                  <a:srgbClr val="188038"/>
+                </a:solidFill>
+                <a:latin typeface="Tahoma"/>
+                <a:ea typeface="Tahoma"/>
+                <a:cs typeface="Tahoma"/>
+                <a:sym typeface="Tahoma"/>
+              </a:rPr>
+              <a:t>kontrola dostępu, loginy i role</a:t>
+            </a:r>
+            <a:endParaRPr sz="1400">
+              <a:solidFill>
+                <a:srgbClr val="188038"/>
+              </a:solidFill>
+              <a:latin typeface="Tahoma"/>
+              <a:ea typeface="Tahoma"/>
+              <a:cs typeface="Tahoma"/>
+              <a:sym typeface="Tahoma"/>
+            </a:endParaRPr>
+          </a:p>
+        </p:txBody>
+      </p:sp>
+    </p:spTree>
+  </p:cSld>
+  <p:clrMapOvr>
+    <a:masterClrMapping/>
+  </p:clrMapOvr>
+</p:sld>
+</file>
+
+<file path=ppt/slides/slide84.xml><?xml version="1.0" encoding="utf-8"?>
+<p:sld xmlns:a="http://schemas.openxmlformats.org/drawingml/2006/main" xmlns:r="http://schemas.openxmlformats.org/officeDocument/2006/relationships" xmlns:mc="http://schemas.openxmlformats.org/markup-compatibility/2006" xmlns:mv="urn:schemas-microsoft-com:mac:vml" xmlns:p="http://schemas.openxmlformats.org/presentationml/2006/main" xmlns:c="http://schemas.openxmlformats.org/drawingml/2006/chart" xmlns:dgm="http://schemas.openxmlformats.org/drawingml/2006/diagram" xmlns:o="urn:schemas-microsoft-com:office:office" xmlns:v="urn:schemas-microsoft-com:vml" xmlns:pvml="urn:schemas-microsoft-com:office:powerpoint" xmlns:com="http://schemas.openxmlformats.org/drawingml/2006/compatibility" xmlns:p14="http://schemas.microsoft.com/office/powerpoint/2010/main" xmlns:p15="http://schemas.microsoft.com/office/powerpoint/2012/main" xmlns:ahyp="http://schemas.microsoft.com/office/drawing/2018/hyperlinkcolor">
+  <p:cSld>
+    <p:spTree>
+      <p:nvGrpSpPr>
+        <p:cNvPr id="587" name="Shape 587"/>
+        <p:cNvGrpSpPr/>
+        <p:nvPr/>
+      </p:nvGrpSpPr>
+      <p:grpSpPr>
+        <a:xfrm>
+          <a:off x="0" y="0"/>
+          <a:ext cx="0" cy="0"/>
+          <a:chOff x="0" y="0"/>
+          <a:chExt cx="0" cy="0"/>
+        </a:xfrm>
+      </p:grpSpPr>
+      <p:sp>
+        <p:nvSpPr>
+          <p:cNvPr id="588" name="Google Shape;588;p96"/>
+          <p:cNvSpPr txBox="1"/>
+          <p:nvPr>
+            <p:ph type="title"/>
+          </p:nvPr>
+        </p:nvSpPr>
+        <p:spPr>
+          <a:xfrm>
+            <a:off x="606025" y="1318650"/>
+            <a:ext cx="7925100" cy="535200"/>
+          </a:xfrm>
+          <a:prstGeom prst="rect">
+            <a:avLst/>
+          </a:prstGeom>
+        </p:spPr>
+        <p:txBody>
+          <a:bodyPr anchorCtr="0" anchor="t" bIns="91425" lIns="91425" spcFirstLastPara="1" rIns="91425" wrap="square" tIns="91425">
+            <a:noAutofit/>
+          </a:bodyPr>
+          <a:lstStyle/>
+          <a:p>
+            <a:pPr indent="0" lvl="0" marL="0" rtl="0" algn="l">
+              <a:lnSpc>
+                <a:spcPct val="115000"/>
+              </a:lnSpc>
+              <a:spcBef>
+                <a:spcPts val="1800"/>
+              </a:spcBef>
+              <a:spcAft>
+                <a:spcPts val="0"/>
+              </a:spcAft>
+              <a:buClr>
+                <a:srgbClr val="000000"/>
+              </a:buClr>
+              <a:buSzPts val="990"/>
+              <a:buFont typeface="Arial"/>
+              <a:buNone/>
+            </a:pPr>
+            <a:r>
+              <a:rPr lang="pl" sz="2400">
+                <a:solidFill>
+                  <a:srgbClr val="000000"/>
+                </a:solidFill>
+                <a:latin typeface="Tahoma"/>
+                <a:ea typeface="Tahoma"/>
+                <a:cs typeface="Tahoma"/>
+                <a:sym typeface="Tahoma"/>
+              </a:rPr>
+              <a:t>Cyberbezpieczeństwo zagrożenia i zabezpieczenia</a:t>
+            </a:r>
+            <a:endParaRPr sz="2400">
+              <a:solidFill>
+                <a:srgbClr val="000000"/>
+              </a:solidFill>
+              <a:latin typeface="Tahoma"/>
+              <a:ea typeface="Tahoma"/>
+              <a:cs typeface="Tahoma"/>
+              <a:sym typeface="Tahoma"/>
+            </a:endParaRPr>
+          </a:p>
+          <a:p>
+            <a:pPr indent="0" lvl="0" marL="0" rtl="0" algn="l">
+              <a:spcBef>
+                <a:spcPts val="400"/>
+              </a:spcBef>
+              <a:spcAft>
+                <a:spcPts val="0"/>
+              </a:spcAft>
+              <a:buSzPts val="990"/>
+              <a:buNone/>
+            </a:pPr>
+            <a:r>
+              <a:t/>
+            </a:r>
+            <a:endParaRPr sz="2340"/>
+          </a:p>
+        </p:txBody>
+      </p:sp>
+      <p:sp>
+        <p:nvSpPr>
+          <p:cNvPr id="589" name="Google Shape;589;p96"/>
+          <p:cNvSpPr txBox="1"/>
+          <p:nvPr>
+            <p:ph idx="1" type="body"/>
+          </p:nvPr>
+        </p:nvSpPr>
+        <p:spPr>
+          <a:xfrm>
+            <a:off x="729450" y="2078875"/>
+            <a:ext cx="7688700" cy="2261100"/>
+          </a:xfrm>
+          <a:prstGeom prst="rect">
+            <a:avLst/>
+          </a:prstGeom>
+        </p:spPr>
+        <p:txBody>
+          <a:bodyPr anchorCtr="0" anchor="t" bIns="91425" lIns="91425" spcFirstLastPara="1" rIns="91425" wrap="square" tIns="91425">
+            <a:normAutofit/>
+          </a:bodyPr>
+          <a:lstStyle/>
+          <a:p>
+            <a:pPr indent="0" lvl="0" marL="0" rtl="0" algn="l">
+              <a:spcBef>
+                <a:spcPts val="0"/>
+              </a:spcBef>
+              <a:spcAft>
+                <a:spcPts val="0"/>
+              </a:spcAft>
+              <a:buNone/>
+            </a:pPr>
+            <a:r>
+              <a:rPr lang="pl">
+                <a:solidFill>
+                  <a:srgbClr val="660000"/>
+                </a:solidFill>
+              </a:rPr>
+              <a:t>Wycieki danych					</a:t>
+            </a:r>
+            <a:r>
+              <a:rPr lang="pl">
+                <a:solidFill>
+                  <a:srgbClr val="274E13"/>
+                </a:solidFill>
+              </a:rPr>
+              <a:t>szyfrowanie danych, ograniczenie uprawnień</a:t>
+            </a:r>
+            <a:endParaRPr>
+              <a:solidFill>
+                <a:srgbClr val="274E13"/>
+              </a:solidFill>
+            </a:endParaRPr>
+          </a:p>
+          <a:p>
+            <a:pPr indent="0" lvl="0" marL="0" rtl="0" algn="l">
+              <a:spcBef>
+                <a:spcPts val="1200"/>
+              </a:spcBef>
+              <a:spcAft>
+                <a:spcPts val="0"/>
+              </a:spcAft>
+              <a:buNone/>
+            </a:pPr>
+            <a:r>
+              <a:rPr lang="pl">
+                <a:solidFill>
+                  <a:srgbClr val="660000"/>
+                </a:solidFill>
+              </a:rPr>
+              <a:t>Ataki hakerskie					</a:t>
+            </a:r>
+            <a:r>
+              <a:rPr lang="pl">
+                <a:solidFill>
+                  <a:srgbClr val="274E13"/>
+                </a:solidFill>
+              </a:rPr>
+              <a:t>firewall, monitoring sieci</a:t>
+            </a:r>
+            <a:endParaRPr>
+              <a:solidFill>
+                <a:srgbClr val="274E13"/>
+              </a:solidFill>
+            </a:endParaRPr>
+          </a:p>
+          <a:p>
+            <a:pPr indent="0" lvl="0" marL="0" rtl="0" algn="l">
+              <a:spcBef>
+                <a:spcPts val="1200"/>
+              </a:spcBef>
+              <a:spcAft>
+                <a:spcPts val="0"/>
+              </a:spcAft>
+              <a:buNone/>
+            </a:pPr>
+            <a:r>
+              <a:rPr lang="pl">
+                <a:solidFill>
+                  <a:srgbClr val="660000"/>
+                </a:solidFill>
+              </a:rPr>
+              <a:t>Podsłuch w sieci Wi-Fi	</a:t>
+            </a:r>
+            <a:r>
+              <a:rPr lang="pl">
+                <a:solidFill>
+                  <a:srgbClr val="274E13"/>
+                </a:solidFill>
+              </a:rPr>
+              <a:t>			szyfrowanie Wi-Fi (WPA2/WPA3)</a:t>
+            </a:r>
+            <a:endParaRPr>
+              <a:solidFill>
+                <a:srgbClr val="274E13"/>
+              </a:solidFill>
+            </a:endParaRPr>
+          </a:p>
+          <a:p>
+            <a:pPr indent="0" lvl="0" marL="0" rtl="0" algn="l">
+              <a:spcBef>
+                <a:spcPts val="1200"/>
+              </a:spcBef>
+              <a:spcAft>
+                <a:spcPts val="0"/>
+              </a:spcAft>
+              <a:buNone/>
+            </a:pPr>
+            <a:r>
+              <a:rPr lang="pl">
+                <a:solidFill>
+                  <a:srgbClr val="660000"/>
+                </a:solidFill>
+              </a:rPr>
+              <a:t>Utrata danych (awaria sprzętu)	</a:t>
+            </a:r>
+            <a:r>
+              <a:rPr lang="pl">
+                <a:solidFill>
+                  <a:srgbClr val="274E13"/>
+                </a:solidFill>
+              </a:rPr>
+              <a:t>		regularne kopie zapasowe</a:t>
+            </a:r>
+            <a:endParaRPr>
+              <a:solidFill>
+                <a:srgbClr val="274E13"/>
+              </a:solidFill>
+            </a:endParaRPr>
+          </a:p>
+          <a:p>
+            <a:pPr indent="0" lvl="0" marL="0" rtl="0" algn="l">
+              <a:spcBef>
+                <a:spcPts val="1200"/>
+              </a:spcBef>
+              <a:spcAft>
+                <a:spcPts val="1200"/>
+              </a:spcAft>
+              <a:buNone/>
+            </a:pPr>
+            <a:r>
+              <a:rPr lang="pl">
+                <a:solidFill>
+                  <a:srgbClr val="660000"/>
+                </a:solidFill>
+              </a:rPr>
+              <a:t>Błędy użytkownika</a:t>
+            </a:r>
+            <a:r>
+              <a:rPr lang="pl">
+                <a:solidFill>
+                  <a:srgbClr val="274E13"/>
+                </a:solidFill>
+              </a:rPr>
+              <a:t>				szkolenia, procedury bezpieczeństwa</a:t>
+            </a:r>
+            <a:endParaRPr>
+              <a:solidFill>
+                <a:srgbClr val="274E13"/>
+              </a:solidFill>
+            </a:endParaRPr>
+          </a:p>
+        </p:txBody>
+      </p:sp>
+    </p:spTree>
+  </p:cSld>
+  <p:clrMapOvr>
+    <a:masterClrMapping/>
+  </p:clrMapOvr>
+</p:sld>
+</file>
+
+<file path=ppt/slides/slide85.xml><?xml version="1.0" encoding="utf-8"?>
+<p:sld xmlns:a="http://schemas.openxmlformats.org/drawingml/2006/main" xmlns:r="http://schemas.openxmlformats.org/officeDocument/2006/relationships" xmlns:mc="http://schemas.openxmlformats.org/markup-compatibility/2006" xmlns:mv="urn:schemas-microsoft-com:mac:vml" xmlns:p="http://schemas.openxmlformats.org/presentationml/2006/main" xmlns:c="http://schemas.openxmlformats.org/drawingml/2006/chart" xmlns:dgm="http://schemas.openxmlformats.org/drawingml/2006/diagram" xmlns:o="urn:schemas-microsoft-com:office:office" xmlns:v="urn:schemas-microsoft-com:vml" xmlns:pvml="urn:schemas-microsoft-com:office:powerpoint" xmlns:com="http://schemas.openxmlformats.org/drawingml/2006/compatibility" xmlns:p14="http://schemas.microsoft.com/office/powerpoint/2010/main" xmlns:p15="http://schemas.microsoft.com/office/powerpoint/2012/main" xmlns:ahyp="http://schemas.microsoft.com/office/drawing/2018/hyperlinkcolor">
+  <p:cSld>
+    <p:spTree>
+      <p:nvGrpSpPr>
+        <p:cNvPr id="593" name="Shape 593"/>
+        <p:cNvGrpSpPr/>
+        <p:nvPr/>
+      </p:nvGrpSpPr>
+      <p:grpSpPr>
+        <a:xfrm>
+          <a:off x="0" y="0"/>
+          <a:ext cx="0" cy="0"/>
+          <a:chOff x="0" y="0"/>
+          <a:chExt cx="0" cy="0"/>
+        </a:xfrm>
+      </p:grpSpPr>
+      <p:sp>
+        <p:nvSpPr>
+          <p:cNvPr id="594" name="Google Shape;594;p97"/>
+          <p:cNvSpPr txBox="1"/>
+          <p:nvPr>
+            <p:ph type="title"/>
+          </p:nvPr>
+        </p:nvSpPr>
+        <p:spPr>
+          <a:xfrm>
+            <a:off x="729450" y="1318650"/>
+            <a:ext cx="7688700" cy="535200"/>
+          </a:xfrm>
+          <a:prstGeom prst="rect">
+            <a:avLst/>
+          </a:prstGeom>
+        </p:spPr>
+        <p:txBody>
+          <a:bodyPr anchorCtr="0" anchor="t" bIns="91425" lIns="91425" spcFirstLastPara="1" rIns="91425" wrap="square" tIns="91425">
+            <a:normAutofit fontScale="90000"/>
+          </a:bodyPr>
+          <a:lstStyle/>
+          <a:p>
+            <a:pPr indent="0" lvl="0" marL="0" rtl="0" algn="l">
+              <a:spcBef>
+                <a:spcPts val="0"/>
+              </a:spcBef>
+              <a:spcAft>
+                <a:spcPts val="0"/>
+              </a:spcAft>
+              <a:buNone/>
+            </a:pPr>
+            <a:r>
+              <a:t/>
+            </a:r>
+            <a:endParaRPr/>
+          </a:p>
+        </p:txBody>
+      </p:sp>
+      <p:sp>
+        <p:nvSpPr>
+          <p:cNvPr id="595" name="Google Shape;595;p97"/>
+          <p:cNvSpPr txBox="1"/>
+          <p:nvPr>
+            <p:ph idx="1" type="body"/>
+          </p:nvPr>
+        </p:nvSpPr>
+        <p:spPr>
+          <a:xfrm>
+            <a:off x="729450" y="2078875"/>
+            <a:ext cx="7688700" cy="2261100"/>
+          </a:xfrm>
+          <a:prstGeom prst="rect">
+            <a:avLst/>
+          </a:prstGeom>
+        </p:spPr>
+        <p:txBody>
+          <a:bodyPr anchorCtr="0" anchor="t" bIns="91425" lIns="91425" spcFirstLastPara="1" rIns="91425" wrap="square" tIns="91425">
+            <a:normAutofit/>
+          </a:bodyPr>
+          <a:lstStyle/>
+          <a:p>
+            <a:pPr indent="0" lvl="0" marL="0" rtl="0" algn="l">
+              <a:spcBef>
+                <a:spcPts val="0"/>
+              </a:spcBef>
+              <a:spcAft>
+                <a:spcPts val="0"/>
+              </a:spcAft>
+              <a:buNone/>
+            </a:pPr>
+            <a:r>
+              <a:rPr b="1" lang="pl" sz="2300">
+                <a:solidFill>
+                  <a:srgbClr val="FF0000"/>
+                </a:solidFill>
+              </a:rPr>
+              <a:t>kartkówki do poprawy </a:t>
+            </a:r>
+            <a:endParaRPr b="1" sz="2300">
+              <a:solidFill>
+                <a:srgbClr val="FF0000"/>
+              </a:solidFill>
+            </a:endParaRPr>
+          </a:p>
+          <a:p>
+            <a:pPr indent="0" lvl="0" marL="0" rtl="0" algn="l">
+              <a:spcBef>
+                <a:spcPts val="1200"/>
+              </a:spcBef>
+              <a:spcAft>
+                <a:spcPts val="1200"/>
+              </a:spcAft>
+              <a:buNone/>
+            </a:pPr>
+            <a:r>
+              <a:rPr b="1" lang="pl" sz="2300">
+                <a:solidFill>
+                  <a:srgbClr val="FF0000"/>
+                </a:solidFill>
+              </a:rPr>
+              <a:t>Serchi po świętach prowadzi lekcje, a na następnej poprawia ostatnią kartkówkę</a:t>
             </a:r>
             <a:endParaRPr/>
           </a:p>

--- a/ZASTOSOWANIE_INFORMATYKI/1A-gr_2/Zastosowanie informatyki - 1A gr. 2-plik2.pptx
+++ b/ZASTOSOWANIE_INFORMATYKI/1A-gr_2/Zastosowanie informatyki - 1A gr. 2-plik2.pptx
@@ -93,35 +93,45 @@
     <p:sldId id="338" r:id="rId89"/>
     <p:sldId id="339" r:id="rId90"/>
     <p:sldId id="340" r:id="rId91"/>
+    <p:sldId id="341" r:id="rId92"/>
+    <p:sldId id="342" r:id="rId93"/>
+    <p:sldId id="343" r:id="rId94"/>
+    <p:sldId id="344" r:id="rId95"/>
+    <p:sldId id="345" r:id="rId96"/>
+    <p:sldId id="346" r:id="rId97"/>
+    <p:sldId id="347" r:id="rId98"/>
+    <p:sldId id="348" r:id="rId99"/>
+    <p:sldId id="349" r:id="rId100"/>
+    <p:sldId id="350" r:id="rId101"/>
   </p:sldIdLst>
   <p:sldSz cy="5143500" cx="9144000"/>
   <p:notesSz cx="6858000" cy="9144000"/>
   <p:embeddedFontLst>
     <p:embeddedFont>
       <p:font typeface="Raleway"/>
-      <p:regular r:id="rId92"/>
-      <p:bold r:id="rId93"/>
-      <p:italic r:id="rId94"/>
-      <p:boldItalic r:id="rId95"/>
-    </p:embeddedFont>
-    <p:embeddedFont>
-      <p:font typeface="Lato"/>
-      <p:regular r:id="rId96"/>
-      <p:bold r:id="rId97"/>
-      <p:italic r:id="rId98"/>
-      <p:boldItalic r:id="rId99"/>
-    </p:embeddedFont>
-    <p:embeddedFont>
-      <p:font typeface="Tahoma"/>
-      <p:regular r:id="rId100"/>
-      <p:bold r:id="rId101"/>
-    </p:embeddedFont>
-    <p:embeddedFont>
-      <p:font typeface="Roboto Mono"/>
       <p:regular r:id="rId102"/>
       <p:bold r:id="rId103"/>
       <p:italic r:id="rId104"/>
       <p:boldItalic r:id="rId105"/>
+    </p:embeddedFont>
+    <p:embeddedFont>
+      <p:font typeface="Lato"/>
+      <p:regular r:id="rId106"/>
+      <p:bold r:id="rId107"/>
+      <p:italic r:id="rId108"/>
+      <p:boldItalic r:id="rId109"/>
+    </p:embeddedFont>
+    <p:embeddedFont>
+      <p:font typeface="Tahoma"/>
+      <p:regular r:id="rId110"/>
+      <p:bold r:id="rId111"/>
+    </p:embeddedFont>
+    <p:embeddedFont>
+      <p:font typeface="Roboto Mono"/>
+      <p:regular r:id="rId112"/>
+      <p:bold r:id="rId113"/>
+      <p:italic r:id="rId114"/>
+      <p:boldItalic r:id="rId115"/>
     </p:embeddedFont>
   </p:embeddedFontLst>
   <p:defaultTextStyle>
@@ -9034,7 +9044,7 @@
       </p:grpSpPr>
       <p:sp>
         <p:nvSpPr>
-          <p:cNvPr id="591" name="Google Shape;591;g391c0dedbe2_0_6:notes"/>
+          <p:cNvPr id="591" name="Google Shape;591;g3b183985fd4_0_0:notes"/>
           <p:cNvSpPr/>
           <p:nvPr>
             <p:ph idx="2" type="sldImg"/>
@@ -9069,7 +9079,403 @@
       </p:sp>
       <p:sp>
         <p:nvSpPr>
-          <p:cNvPr id="592" name="Google Shape;592;g391c0dedbe2_0_6:notes"/>
+          <p:cNvPr id="592" name="Google Shape;592;g3b183985fd4_0_0:notes"/>
+          <p:cNvSpPr txBox="1"/>
+          <p:nvPr>
+            <p:ph idx="1" type="body"/>
+          </p:nvPr>
+        </p:nvSpPr>
+        <p:spPr>
+          <a:xfrm>
+            <a:off x="685800" y="4343400"/>
+            <a:ext cx="5486400" cy="4114800"/>
+          </a:xfrm>
+          <a:prstGeom prst="rect">
+            <a:avLst/>
+          </a:prstGeom>
+        </p:spPr>
+        <p:txBody>
+          <a:bodyPr anchorCtr="0" anchor="t" bIns="91425" lIns="91425" spcFirstLastPara="1" rIns="91425" wrap="square" tIns="91425">
+            <a:noAutofit/>
+          </a:bodyPr>
+          <a:lstStyle/>
+          <a:p>
+            <a:pPr indent="0" lvl="0" marL="0" rtl="0" algn="l">
+              <a:spcBef>
+                <a:spcPts val="0"/>
+              </a:spcBef>
+              <a:spcAft>
+                <a:spcPts val="0"/>
+              </a:spcAft>
+              <a:buNone/>
+            </a:pPr>
+            <a:r>
+              <a:t/>
+            </a:r>
+            <a:endParaRPr/>
+          </a:p>
+        </p:txBody>
+      </p:sp>
+    </p:spTree>
+  </p:cSld>
+  <p:clrMapOvr>
+    <a:masterClrMapping/>
+  </p:clrMapOvr>
+</p:notes>
+</file>
+
+<file path=ppt/notesSlides/notesSlide86.xml><?xml version="1.0" encoding="utf-8"?>
+<p:notes xmlns:a="http://schemas.openxmlformats.org/drawingml/2006/main" xmlns:r="http://schemas.openxmlformats.org/officeDocument/2006/relationships" xmlns:mc="http://schemas.openxmlformats.org/markup-compatibility/2006" xmlns:mv="urn:schemas-microsoft-com:mac:vml" xmlns:p="http://schemas.openxmlformats.org/presentationml/2006/main" xmlns:c="http://schemas.openxmlformats.org/drawingml/2006/chart" xmlns:dgm="http://schemas.openxmlformats.org/drawingml/2006/diagram" xmlns:o="urn:schemas-microsoft-com:office:office" xmlns:v="urn:schemas-microsoft-com:vml" xmlns:pvml="urn:schemas-microsoft-com:office:powerpoint" xmlns:com="http://schemas.openxmlformats.org/drawingml/2006/compatibility" xmlns:p14="http://schemas.microsoft.com/office/powerpoint/2010/main" xmlns:p15="http://schemas.microsoft.com/office/powerpoint/2012/main" xmlns:ahyp="http://schemas.microsoft.com/office/drawing/2018/hyperlinkcolor" showMasterPhAnim="0" showMasterSp="0">
+  <p:cSld>
+    <p:spTree>
+      <p:nvGrpSpPr>
+        <p:cNvPr id="596" name="Shape 596"/>
+        <p:cNvGrpSpPr/>
+        <p:nvPr/>
+      </p:nvGrpSpPr>
+      <p:grpSpPr>
+        <a:xfrm>
+          <a:off x="0" y="0"/>
+          <a:ext cx="0" cy="0"/>
+          <a:chOff x="0" y="0"/>
+          <a:chExt cx="0" cy="0"/>
+        </a:xfrm>
+      </p:grpSpPr>
+      <p:sp>
+        <p:nvSpPr>
+          <p:cNvPr id="597" name="Google Shape;597;g3b183985fd4_0_8:notes"/>
+          <p:cNvSpPr/>
+          <p:nvPr>
+            <p:ph idx="2" type="sldImg"/>
+          </p:nvPr>
+        </p:nvSpPr>
+        <p:spPr>
+          <a:xfrm>
+            <a:off x="381300" y="685800"/>
+            <a:ext cx="6096000" cy="3429000"/>
+          </a:xfrm>
+          <a:custGeom>
+            <a:rect b="b" l="l" r="r" t="t"/>
+            <a:pathLst>
+              <a:path extrusionOk="0" h="120000" w="120000">
+                <a:moveTo>
+                  <a:pt x="0" y="0"/>
+                </a:moveTo>
+                <a:lnTo>
+                  <a:pt x="120000" y="0"/>
+                </a:lnTo>
+                <a:lnTo>
+                  <a:pt x="120000" y="120000"/>
+                </a:lnTo>
+                <a:lnTo>
+                  <a:pt x="0" y="120000"/>
+                </a:lnTo>
+                <a:close/>
+              </a:path>
+            </a:pathLst>
+          </a:custGeom>
+        </p:spPr>
+      </p:sp>
+      <p:sp>
+        <p:nvSpPr>
+          <p:cNvPr id="598" name="Google Shape;598;g3b183985fd4_0_8:notes"/>
+          <p:cNvSpPr txBox="1"/>
+          <p:nvPr>
+            <p:ph idx="1" type="body"/>
+          </p:nvPr>
+        </p:nvSpPr>
+        <p:spPr>
+          <a:xfrm>
+            <a:off x="685800" y="4343400"/>
+            <a:ext cx="5486400" cy="4114800"/>
+          </a:xfrm>
+          <a:prstGeom prst="rect">
+            <a:avLst/>
+          </a:prstGeom>
+        </p:spPr>
+        <p:txBody>
+          <a:bodyPr anchorCtr="0" anchor="t" bIns="91425" lIns="91425" spcFirstLastPara="1" rIns="91425" wrap="square" tIns="91425">
+            <a:noAutofit/>
+          </a:bodyPr>
+          <a:lstStyle/>
+          <a:p>
+            <a:pPr indent="0" lvl="0" marL="0" rtl="0" algn="l">
+              <a:spcBef>
+                <a:spcPts val="0"/>
+              </a:spcBef>
+              <a:spcAft>
+                <a:spcPts val="0"/>
+              </a:spcAft>
+              <a:buNone/>
+            </a:pPr>
+            <a:r>
+              <a:t/>
+            </a:r>
+            <a:endParaRPr/>
+          </a:p>
+        </p:txBody>
+      </p:sp>
+    </p:spTree>
+  </p:cSld>
+  <p:clrMapOvr>
+    <a:masterClrMapping/>
+  </p:clrMapOvr>
+</p:notes>
+</file>
+
+<file path=ppt/notesSlides/notesSlide87.xml><?xml version="1.0" encoding="utf-8"?>
+<p:notes xmlns:a="http://schemas.openxmlformats.org/drawingml/2006/main" xmlns:r="http://schemas.openxmlformats.org/officeDocument/2006/relationships" xmlns:mc="http://schemas.openxmlformats.org/markup-compatibility/2006" xmlns:mv="urn:schemas-microsoft-com:mac:vml" xmlns:p="http://schemas.openxmlformats.org/presentationml/2006/main" xmlns:c="http://schemas.openxmlformats.org/drawingml/2006/chart" xmlns:dgm="http://schemas.openxmlformats.org/drawingml/2006/diagram" xmlns:o="urn:schemas-microsoft-com:office:office" xmlns:v="urn:schemas-microsoft-com:vml" xmlns:pvml="urn:schemas-microsoft-com:office:powerpoint" xmlns:com="http://schemas.openxmlformats.org/drawingml/2006/compatibility" xmlns:p14="http://schemas.microsoft.com/office/powerpoint/2010/main" xmlns:p15="http://schemas.microsoft.com/office/powerpoint/2012/main" xmlns:ahyp="http://schemas.microsoft.com/office/drawing/2018/hyperlinkcolor" showMasterPhAnim="0" showMasterSp="0">
+  <p:cSld>
+    <p:spTree>
+      <p:nvGrpSpPr>
+        <p:cNvPr id="602" name="Shape 602"/>
+        <p:cNvGrpSpPr/>
+        <p:nvPr/>
+      </p:nvGrpSpPr>
+      <p:grpSpPr>
+        <a:xfrm>
+          <a:off x="0" y="0"/>
+          <a:ext cx="0" cy="0"/>
+          <a:chOff x="0" y="0"/>
+          <a:chExt cx="0" cy="0"/>
+        </a:xfrm>
+      </p:grpSpPr>
+      <p:sp>
+        <p:nvSpPr>
+          <p:cNvPr id="603" name="Google Shape;603;g3b183985fd4_0_15:notes"/>
+          <p:cNvSpPr/>
+          <p:nvPr>
+            <p:ph idx="2" type="sldImg"/>
+          </p:nvPr>
+        </p:nvSpPr>
+        <p:spPr>
+          <a:xfrm>
+            <a:off x="381300" y="685800"/>
+            <a:ext cx="6096000" cy="3429000"/>
+          </a:xfrm>
+          <a:custGeom>
+            <a:rect b="b" l="l" r="r" t="t"/>
+            <a:pathLst>
+              <a:path extrusionOk="0" h="120000" w="120000">
+                <a:moveTo>
+                  <a:pt x="0" y="0"/>
+                </a:moveTo>
+                <a:lnTo>
+                  <a:pt x="120000" y="0"/>
+                </a:lnTo>
+                <a:lnTo>
+                  <a:pt x="120000" y="120000"/>
+                </a:lnTo>
+                <a:lnTo>
+                  <a:pt x="0" y="120000"/>
+                </a:lnTo>
+                <a:close/>
+              </a:path>
+            </a:pathLst>
+          </a:custGeom>
+        </p:spPr>
+      </p:sp>
+      <p:sp>
+        <p:nvSpPr>
+          <p:cNvPr id="604" name="Google Shape;604;g3b183985fd4_0_15:notes"/>
+          <p:cNvSpPr txBox="1"/>
+          <p:nvPr>
+            <p:ph idx="1" type="body"/>
+          </p:nvPr>
+        </p:nvSpPr>
+        <p:spPr>
+          <a:xfrm>
+            <a:off x="685800" y="4343400"/>
+            <a:ext cx="5486400" cy="4114800"/>
+          </a:xfrm>
+          <a:prstGeom prst="rect">
+            <a:avLst/>
+          </a:prstGeom>
+        </p:spPr>
+        <p:txBody>
+          <a:bodyPr anchorCtr="0" anchor="t" bIns="91425" lIns="91425" spcFirstLastPara="1" rIns="91425" wrap="square" tIns="91425">
+            <a:noAutofit/>
+          </a:bodyPr>
+          <a:lstStyle/>
+          <a:p>
+            <a:pPr indent="0" lvl="0" marL="0" rtl="0" algn="l">
+              <a:spcBef>
+                <a:spcPts val="0"/>
+              </a:spcBef>
+              <a:spcAft>
+                <a:spcPts val="0"/>
+              </a:spcAft>
+              <a:buNone/>
+            </a:pPr>
+            <a:r>
+              <a:t/>
+            </a:r>
+            <a:endParaRPr/>
+          </a:p>
+        </p:txBody>
+      </p:sp>
+    </p:spTree>
+  </p:cSld>
+  <p:clrMapOvr>
+    <a:masterClrMapping/>
+  </p:clrMapOvr>
+</p:notes>
+</file>
+
+<file path=ppt/notesSlides/notesSlide88.xml><?xml version="1.0" encoding="utf-8"?>
+<p:notes xmlns:a="http://schemas.openxmlformats.org/drawingml/2006/main" xmlns:r="http://schemas.openxmlformats.org/officeDocument/2006/relationships" xmlns:mc="http://schemas.openxmlformats.org/markup-compatibility/2006" xmlns:mv="urn:schemas-microsoft-com:mac:vml" xmlns:p="http://schemas.openxmlformats.org/presentationml/2006/main" xmlns:c="http://schemas.openxmlformats.org/drawingml/2006/chart" xmlns:dgm="http://schemas.openxmlformats.org/drawingml/2006/diagram" xmlns:o="urn:schemas-microsoft-com:office:office" xmlns:v="urn:schemas-microsoft-com:vml" xmlns:pvml="urn:schemas-microsoft-com:office:powerpoint" xmlns:com="http://schemas.openxmlformats.org/drawingml/2006/compatibility" xmlns:p14="http://schemas.microsoft.com/office/powerpoint/2010/main" xmlns:p15="http://schemas.microsoft.com/office/powerpoint/2012/main" xmlns:ahyp="http://schemas.microsoft.com/office/drawing/2018/hyperlinkcolor" showMasterPhAnim="0" showMasterSp="0">
+  <p:cSld>
+    <p:spTree>
+      <p:nvGrpSpPr>
+        <p:cNvPr id="608" name="Shape 608"/>
+        <p:cNvGrpSpPr/>
+        <p:nvPr/>
+      </p:nvGrpSpPr>
+      <p:grpSpPr>
+        <a:xfrm>
+          <a:off x="0" y="0"/>
+          <a:ext cx="0" cy="0"/>
+          <a:chOff x="0" y="0"/>
+          <a:chExt cx="0" cy="0"/>
+        </a:xfrm>
+      </p:grpSpPr>
+      <p:sp>
+        <p:nvSpPr>
+          <p:cNvPr id="609" name="Google Shape;609;g3b183985fd4_0_22:notes"/>
+          <p:cNvSpPr/>
+          <p:nvPr>
+            <p:ph idx="2" type="sldImg"/>
+          </p:nvPr>
+        </p:nvSpPr>
+        <p:spPr>
+          <a:xfrm>
+            <a:off x="381300" y="685800"/>
+            <a:ext cx="6096000" cy="3429000"/>
+          </a:xfrm>
+          <a:custGeom>
+            <a:rect b="b" l="l" r="r" t="t"/>
+            <a:pathLst>
+              <a:path extrusionOk="0" h="120000" w="120000">
+                <a:moveTo>
+                  <a:pt x="0" y="0"/>
+                </a:moveTo>
+                <a:lnTo>
+                  <a:pt x="120000" y="0"/>
+                </a:lnTo>
+                <a:lnTo>
+                  <a:pt x="120000" y="120000"/>
+                </a:lnTo>
+                <a:lnTo>
+                  <a:pt x="0" y="120000"/>
+                </a:lnTo>
+                <a:close/>
+              </a:path>
+            </a:pathLst>
+          </a:custGeom>
+        </p:spPr>
+      </p:sp>
+      <p:sp>
+        <p:nvSpPr>
+          <p:cNvPr id="610" name="Google Shape;610;g3b183985fd4_0_22:notes"/>
+          <p:cNvSpPr txBox="1"/>
+          <p:nvPr>
+            <p:ph idx="1" type="body"/>
+          </p:nvPr>
+        </p:nvSpPr>
+        <p:spPr>
+          <a:xfrm>
+            <a:off x="685800" y="4343400"/>
+            <a:ext cx="5486400" cy="4114800"/>
+          </a:xfrm>
+          <a:prstGeom prst="rect">
+            <a:avLst/>
+          </a:prstGeom>
+        </p:spPr>
+        <p:txBody>
+          <a:bodyPr anchorCtr="0" anchor="t" bIns="91425" lIns="91425" spcFirstLastPara="1" rIns="91425" wrap="square" tIns="91425">
+            <a:noAutofit/>
+          </a:bodyPr>
+          <a:lstStyle/>
+          <a:p>
+            <a:pPr indent="0" lvl="0" marL="0" rtl="0" algn="l">
+              <a:spcBef>
+                <a:spcPts val="0"/>
+              </a:spcBef>
+              <a:spcAft>
+                <a:spcPts val="0"/>
+              </a:spcAft>
+              <a:buNone/>
+            </a:pPr>
+            <a:r>
+              <a:t/>
+            </a:r>
+            <a:endParaRPr/>
+          </a:p>
+        </p:txBody>
+      </p:sp>
+    </p:spTree>
+  </p:cSld>
+  <p:clrMapOvr>
+    <a:masterClrMapping/>
+  </p:clrMapOvr>
+</p:notes>
+</file>
+
+<file path=ppt/notesSlides/notesSlide89.xml><?xml version="1.0" encoding="utf-8"?>
+<p:notes xmlns:a="http://schemas.openxmlformats.org/drawingml/2006/main" xmlns:r="http://schemas.openxmlformats.org/officeDocument/2006/relationships" xmlns:mc="http://schemas.openxmlformats.org/markup-compatibility/2006" xmlns:mv="urn:schemas-microsoft-com:mac:vml" xmlns:p="http://schemas.openxmlformats.org/presentationml/2006/main" xmlns:c="http://schemas.openxmlformats.org/drawingml/2006/chart" xmlns:dgm="http://schemas.openxmlformats.org/drawingml/2006/diagram" xmlns:o="urn:schemas-microsoft-com:office:office" xmlns:v="urn:schemas-microsoft-com:vml" xmlns:pvml="urn:schemas-microsoft-com:office:powerpoint" xmlns:com="http://schemas.openxmlformats.org/drawingml/2006/compatibility" xmlns:p14="http://schemas.microsoft.com/office/powerpoint/2010/main" xmlns:p15="http://schemas.microsoft.com/office/powerpoint/2012/main" xmlns:ahyp="http://schemas.microsoft.com/office/drawing/2018/hyperlinkcolor" showMasterPhAnim="0" showMasterSp="0">
+  <p:cSld>
+    <p:spTree>
+      <p:nvGrpSpPr>
+        <p:cNvPr id="614" name="Shape 614"/>
+        <p:cNvGrpSpPr/>
+        <p:nvPr/>
+      </p:nvGrpSpPr>
+      <p:grpSpPr>
+        <a:xfrm>
+          <a:off x="0" y="0"/>
+          <a:ext cx="0" cy="0"/>
+          <a:chOff x="0" y="0"/>
+          <a:chExt cx="0" cy="0"/>
+        </a:xfrm>
+      </p:grpSpPr>
+      <p:sp>
+        <p:nvSpPr>
+          <p:cNvPr id="615" name="Google Shape;615;g3b183985fd4_0_29:notes"/>
+          <p:cNvSpPr/>
+          <p:nvPr>
+            <p:ph idx="2" type="sldImg"/>
+          </p:nvPr>
+        </p:nvSpPr>
+        <p:spPr>
+          <a:xfrm>
+            <a:off x="381300" y="685800"/>
+            <a:ext cx="6096000" cy="3429000"/>
+          </a:xfrm>
+          <a:custGeom>
+            <a:rect b="b" l="l" r="r" t="t"/>
+            <a:pathLst>
+              <a:path extrusionOk="0" h="120000" w="120000">
+                <a:moveTo>
+                  <a:pt x="0" y="0"/>
+                </a:moveTo>
+                <a:lnTo>
+                  <a:pt x="120000" y="0"/>
+                </a:lnTo>
+                <a:lnTo>
+                  <a:pt x="120000" y="120000"/>
+                </a:lnTo>
+                <a:lnTo>
+                  <a:pt x="0" y="120000"/>
+                </a:lnTo>
+                <a:close/>
+              </a:path>
+            </a:pathLst>
+          </a:custGeom>
+        </p:spPr>
+      </p:sp>
+      <p:sp>
+        <p:nvSpPr>
+          <p:cNvPr id="616" name="Google Shape;616;g3b183985fd4_0_29:notes"/>
           <p:cNvSpPr txBox="1"/>
           <p:nvPr>
             <p:ph idx="1" type="body"/>
@@ -9169,6 +9575,600 @@
       <p:sp>
         <p:nvSpPr>
           <p:cNvPr id="132" name="Google Shape;132;g39edc685857_0_128:notes"/>
+          <p:cNvSpPr txBox="1"/>
+          <p:nvPr>
+            <p:ph idx="1" type="body"/>
+          </p:nvPr>
+        </p:nvSpPr>
+        <p:spPr>
+          <a:xfrm>
+            <a:off x="685800" y="4343400"/>
+            <a:ext cx="5486400" cy="4114800"/>
+          </a:xfrm>
+          <a:prstGeom prst="rect">
+            <a:avLst/>
+          </a:prstGeom>
+        </p:spPr>
+        <p:txBody>
+          <a:bodyPr anchorCtr="0" anchor="t" bIns="91425" lIns="91425" spcFirstLastPara="1" rIns="91425" wrap="square" tIns="91425">
+            <a:noAutofit/>
+          </a:bodyPr>
+          <a:lstStyle/>
+          <a:p>
+            <a:pPr indent="0" lvl="0" marL="0" rtl="0" algn="l">
+              <a:spcBef>
+                <a:spcPts val="0"/>
+              </a:spcBef>
+              <a:spcAft>
+                <a:spcPts val="0"/>
+              </a:spcAft>
+              <a:buNone/>
+            </a:pPr>
+            <a:r>
+              <a:t/>
+            </a:r>
+            <a:endParaRPr/>
+          </a:p>
+        </p:txBody>
+      </p:sp>
+    </p:spTree>
+  </p:cSld>
+  <p:clrMapOvr>
+    <a:masterClrMapping/>
+  </p:clrMapOvr>
+</p:notes>
+</file>
+
+<file path=ppt/notesSlides/notesSlide90.xml><?xml version="1.0" encoding="utf-8"?>
+<p:notes xmlns:a="http://schemas.openxmlformats.org/drawingml/2006/main" xmlns:r="http://schemas.openxmlformats.org/officeDocument/2006/relationships" xmlns:mc="http://schemas.openxmlformats.org/markup-compatibility/2006" xmlns:mv="urn:schemas-microsoft-com:mac:vml" xmlns:p="http://schemas.openxmlformats.org/presentationml/2006/main" xmlns:c="http://schemas.openxmlformats.org/drawingml/2006/chart" xmlns:dgm="http://schemas.openxmlformats.org/drawingml/2006/diagram" xmlns:o="urn:schemas-microsoft-com:office:office" xmlns:v="urn:schemas-microsoft-com:vml" xmlns:pvml="urn:schemas-microsoft-com:office:powerpoint" xmlns:com="http://schemas.openxmlformats.org/drawingml/2006/compatibility" xmlns:p14="http://schemas.microsoft.com/office/powerpoint/2010/main" xmlns:p15="http://schemas.microsoft.com/office/powerpoint/2012/main" xmlns:ahyp="http://schemas.microsoft.com/office/drawing/2018/hyperlinkcolor" showMasterPhAnim="0" showMasterSp="0">
+  <p:cSld>
+    <p:spTree>
+      <p:nvGrpSpPr>
+        <p:cNvPr id="620" name="Shape 620"/>
+        <p:cNvGrpSpPr/>
+        <p:nvPr/>
+      </p:nvGrpSpPr>
+      <p:grpSpPr>
+        <a:xfrm>
+          <a:off x="0" y="0"/>
+          <a:ext cx="0" cy="0"/>
+          <a:chOff x="0" y="0"/>
+          <a:chExt cx="0" cy="0"/>
+        </a:xfrm>
+      </p:grpSpPr>
+      <p:sp>
+        <p:nvSpPr>
+          <p:cNvPr id="621" name="Google Shape;621;g3b183985fd4_0_36:notes"/>
+          <p:cNvSpPr/>
+          <p:nvPr>
+            <p:ph idx="2" type="sldImg"/>
+          </p:nvPr>
+        </p:nvSpPr>
+        <p:spPr>
+          <a:xfrm>
+            <a:off x="381300" y="685800"/>
+            <a:ext cx="6096000" cy="3429000"/>
+          </a:xfrm>
+          <a:custGeom>
+            <a:rect b="b" l="l" r="r" t="t"/>
+            <a:pathLst>
+              <a:path extrusionOk="0" h="120000" w="120000">
+                <a:moveTo>
+                  <a:pt x="0" y="0"/>
+                </a:moveTo>
+                <a:lnTo>
+                  <a:pt x="120000" y="0"/>
+                </a:lnTo>
+                <a:lnTo>
+                  <a:pt x="120000" y="120000"/>
+                </a:lnTo>
+                <a:lnTo>
+                  <a:pt x="0" y="120000"/>
+                </a:lnTo>
+                <a:close/>
+              </a:path>
+            </a:pathLst>
+          </a:custGeom>
+        </p:spPr>
+      </p:sp>
+      <p:sp>
+        <p:nvSpPr>
+          <p:cNvPr id="622" name="Google Shape;622;g3b183985fd4_0_36:notes"/>
+          <p:cNvSpPr txBox="1"/>
+          <p:nvPr>
+            <p:ph idx="1" type="body"/>
+          </p:nvPr>
+        </p:nvSpPr>
+        <p:spPr>
+          <a:xfrm>
+            <a:off x="685800" y="4343400"/>
+            <a:ext cx="5486400" cy="4114800"/>
+          </a:xfrm>
+          <a:prstGeom prst="rect">
+            <a:avLst/>
+          </a:prstGeom>
+        </p:spPr>
+        <p:txBody>
+          <a:bodyPr anchorCtr="0" anchor="t" bIns="91425" lIns="91425" spcFirstLastPara="1" rIns="91425" wrap="square" tIns="91425">
+            <a:noAutofit/>
+          </a:bodyPr>
+          <a:lstStyle/>
+          <a:p>
+            <a:pPr indent="0" lvl="0" marL="0" rtl="0" algn="l">
+              <a:spcBef>
+                <a:spcPts val="0"/>
+              </a:spcBef>
+              <a:spcAft>
+                <a:spcPts val="0"/>
+              </a:spcAft>
+              <a:buNone/>
+            </a:pPr>
+            <a:r>
+              <a:t/>
+            </a:r>
+            <a:endParaRPr/>
+          </a:p>
+        </p:txBody>
+      </p:sp>
+    </p:spTree>
+  </p:cSld>
+  <p:clrMapOvr>
+    <a:masterClrMapping/>
+  </p:clrMapOvr>
+</p:notes>
+</file>
+
+<file path=ppt/notesSlides/notesSlide91.xml><?xml version="1.0" encoding="utf-8"?>
+<p:notes xmlns:a="http://schemas.openxmlformats.org/drawingml/2006/main" xmlns:r="http://schemas.openxmlformats.org/officeDocument/2006/relationships" xmlns:mc="http://schemas.openxmlformats.org/markup-compatibility/2006" xmlns:mv="urn:schemas-microsoft-com:mac:vml" xmlns:p="http://schemas.openxmlformats.org/presentationml/2006/main" xmlns:c="http://schemas.openxmlformats.org/drawingml/2006/chart" xmlns:dgm="http://schemas.openxmlformats.org/drawingml/2006/diagram" xmlns:o="urn:schemas-microsoft-com:office:office" xmlns:v="urn:schemas-microsoft-com:vml" xmlns:pvml="urn:schemas-microsoft-com:office:powerpoint" xmlns:com="http://schemas.openxmlformats.org/drawingml/2006/compatibility" xmlns:p14="http://schemas.microsoft.com/office/powerpoint/2010/main" xmlns:p15="http://schemas.microsoft.com/office/powerpoint/2012/main" xmlns:ahyp="http://schemas.microsoft.com/office/drawing/2018/hyperlinkcolor" showMasterPhAnim="0" showMasterSp="0">
+  <p:cSld>
+    <p:spTree>
+      <p:nvGrpSpPr>
+        <p:cNvPr id="626" name="Shape 626"/>
+        <p:cNvGrpSpPr/>
+        <p:nvPr/>
+      </p:nvGrpSpPr>
+      <p:grpSpPr>
+        <a:xfrm>
+          <a:off x="0" y="0"/>
+          <a:ext cx="0" cy="0"/>
+          <a:chOff x="0" y="0"/>
+          <a:chExt cx="0" cy="0"/>
+        </a:xfrm>
+      </p:grpSpPr>
+      <p:sp>
+        <p:nvSpPr>
+          <p:cNvPr id="627" name="Google Shape;627;g3b183985fd4_0_43:notes"/>
+          <p:cNvSpPr/>
+          <p:nvPr>
+            <p:ph idx="2" type="sldImg"/>
+          </p:nvPr>
+        </p:nvSpPr>
+        <p:spPr>
+          <a:xfrm>
+            <a:off x="381300" y="685800"/>
+            <a:ext cx="6096000" cy="3429000"/>
+          </a:xfrm>
+          <a:custGeom>
+            <a:rect b="b" l="l" r="r" t="t"/>
+            <a:pathLst>
+              <a:path extrusionOk="0" h="120000" w="120000">
+                <a:moveTo>
+                  <a:pt x="0" y="0"/>
+                </a:moveTo>
+                <a:lnTo>
+                  <a:pt x="120000" y="0"/>
+                </a:lnTo>
+                <a:lnTo>
+                  <a:pt x="120000" y="120000"/>
+                </a:lnTo>
+                <a:lnTo>
+                  <a:pt x="0" y="120000"/>
+                </a:lnTo>
+                <a:close/>
+              </a:path>
+            </a:pathLst>
+          </a:custGeom>
+        </p:spPr>
+      </p:sp>
+      <p:sp>
+        <p:nvSpPr>
+          <p:cNvPr id="628" name="Google Shape;628;g3b183985fd4_0_43:notes"/>
+          <p:cNvSpPr txBox="1"/>
+          <p:nvPr>
+            <p:ph idx="1" type="body"/>
+          </p:nvPr>
+        </p:nvSpPr>
+        <p:spPr>
+          <a:xfrm>
+            <a:off x="685800" y="4343400"/>
+            <a:ext cx="5486400" cy="4114800"/>
+          </a:xfrm>
+          <a:prstGeom prst="rect">
+            <a:avLst/>
+          </a:prstGeom>
+        </p:spPr>
+        <p:txBody>
+          <a:bodyPr anchorCtr="0" anchor="t" bIns="91425" lIns="91425" spcFirstLastPara="1" rIns="91425" wrap="square" tIns="91425">
+            <a:noAutofit/>
+          </a:bodyPr>
+          <a:lstStyle/>
+          <a:p>
+            <a:pPr indent="0" lvl="0" marL="0" rtl="0" algn="l">
+              <a:spcBef>
+                <a:spcPts val="0"/>
+              </a:spcBef>
+              <a:spcAft>
+                <a:spcPts val="0"/>
+              </a:spcAft>
+              <a:buNone/>
+            </a:pPr>
+            <a:r>
+              <a:t/>
+            </a:r>
+            <a:endParaRPr/>
+          </a:p>
+        </p:txBody>
+      </p:sp>
+    </p:spTree>
+  </p:cSld>
+  <p:clrMapOvr>
+    <a:masterClrMapping/>
+  </p:clrMapOvr>
+</p:notes>
+</file>
+
+<file path=ppt/notesSlides/notesSlide92.xml><?xml version="1.0" encoding="utf-8"?>
+<p:notes xmlns:a="http://schemas.openxmlformats.org/drawingml/2006/main" xmlns:r="http://schemas.openxmlformats.org/officeDocument/2006/relationships" xmlns:mc="http://schemas.openxmlformats.org/markup-compatibility/2006" xmlns:mv="urn:schemas-microsoft-com:mac:vml" xmlns:p="http://schemas.openxmlformats.org/presentationml/2006/main" xmlns:c="http://schemas.openxmlformats.org/drawingml/2006/chart" xmlns:dgm="http://schemas.openxmlformats.org/drawingml/2006/diagram" xmlns:o="urn:schemas-microsoft-com:office:office" xmlns:v="urn:schemas-microsoft-com:vml" xmlns:pvml="urn:schemas-microsoft-com:office:powerpoint" xmlns:com="http://schemas.openxmlformats.org/drawingml/2006/compatibility" xmlns:p14="http://schemas.microsoft.com/office/powerpoint/2010/main" xmlns:p15="http://schemas.microsoft.com/office/powerpoint/2012/main" xmlns:ahyp="http://schemas.microsoft.com/office/drawing/2018/hyperlinkcolor" showMasterPhAnim="0" showMasterSp="0">
+  <p:cSld>
+    <p:spTree>
+      <p:nvGrpSpPr>
+        <p:cNvPr id="632" name="Shape 632"/>
+        <p:cNvGrpSpPr/>
+        <p:nvPr/>
+      </p:nvGrpSpPr>
+      <p:grpSpPr>
+        <a:xfrm>
+          <a:off x="0" y="0"/>
+          <a:ext cx="0" cy="0"/>
+          <a:chOff x="0" y="0"/>
+          <a:chExt cx="0" cy="0"/>
+        </a:xfrm>
+      </p:grpSpPr>
+      <p:sp>
+        <p:nvSpPr>
+          <p:cNvPr id="633" name="Google Shape;633;g3b183985fd4_0_50:notes"/>
+          <p:cNvSpPr/>
+          <p:nvPr>
+            <p:ph idx="2" type="sldImg"/>
+          </p:nvPr>
+        </p:nvSpPr>
+        <p:spPr>
+          <a:xfrm>
+            <a:off x="381300" y="685800"/>
+            <a:ext cx="6096000" cy="3429000"/>
+          </a:xfrm>
+          <a:custGeom>
+            <a:rect b="b" l="l" r="r" t="t"/>
+            <a:pathLst>
+              <a:path extrusionOk="0" h="120000" w="120000">
+                <a:moveTo>
+                  <a:pt x="0" y="0"/>
+                </a:moveTo>
+                <a:lnTo>
+                  <a:pt x="120000" y="0"/>
+                </a:lnTo>
+                <a:lnTo>
+                  <a:pt x="120000" y="120000"/>
+                </a:lnTo>
+                <a:lnTo>
+                  <a:pt x="0" y="120000"/>
+                </a:lnTo>
+                <a:close/>
+              </a:path>
+            </a:pathLst>
+          </a:custGeom>
+        </p:spPr>
+      </p:sp>
+      <p:sp>
+        <p:nvSpPr>
+          <p:cNvPr id="634" name="Google Shape;634;g3b183985fd4_0_50:notes"/>
+          <p:cNvSpPr txBox="1"/>
+          <p:nvPr>
+            <p:ph idx="1" type="body"/>
+          </p:nvPr>
+        </p:nvSpPr>
+        <p:spPr>
+          <a:xfrm>
+            <a:off x="685800" y="4343400"/>
+            <a:ext cx="5486400" cy="4114800"/>
+          </a:xfrm>
+          <a:prstGeom prst="rect">
+            <a:avLst/>
+          </a:prstGeom>
+        </p:spPr>
+        <p:txBody>
+          <a:bodyPr anchorCtr="0" anchor="t" bIns="91425" lIns="91425" spcFirstLastPara="1" rIns="91425" wrap="square" tIns="91425">
+            <a:noAutofit/>
+          </a:bodyPr>
+          <a:lstStyle/>
+          <a:p>
+            <a:pPr indent="0" lvl="0" marL="0" rtl="0" algn="l">
+              <a:spcBef>
+                <a:spcPts val="0"/>
+              </a:spcBef>
+              <a:spcAft>
+                <a:spcPts val="0"/>
+              </a:spcAft>
+              <a:buNone/>
+            </a:pPr>
+            <a:r>
+              <a:t/>
+            </a:r>
+            <a:endParaRPr/>
+          </a:p>
+        </p:txBody>
+      </p:sp>
+    </p:spTree>
+  </p:cSld>
+  <p:clrMapOvr>
+    <a:masterClrMapping/>
+  </p:clrMapOvr>
+</p:notes>
+</file>
+
+<file path=ppt/notesSlides/notesSlide93.xml><?xml version="1.0" encoding="utf-8"?>
+<p:notes xmlns:a="http://schemas.openxmlformats.org/drawingml/2006/main" xmlns:r="http://schemas.openxmlformats.org/officeDocument/2006/relationships" xmlns:mc="http://schemas.openxmlformats.org/markup-compatibility/2006" xmlns:mv="urn:schemas-microsoft-com:mac:vml" xmlns:p="http://schemas.openxmlformats.org/presentationml/2006/main" xmlns:c="http://schemas.openxmlformats.org/drawingml/2006/chart" xmlns:dgm="http://schemas.openxmlformats.org/drawingml/2006/diagram" xmlns:o="urn:schemas-microsoft-com:office:office" xmlns:v="urn:schemas-microsoft-com:vml" xmlns:pvml="urn:schemas-microsoft-com:office:powerpoint" xmlns:com="http://schemas.openxmlformats.org/drawingml/2006/compatibility" xmlns:p14="http://schemas.microsoft.com/office/powerpoint/2010/main" xmlns:p15="http://schemas.microsoft.com/office/powerpoint/2012/main" xmlns:ahyp="http://schemas.microsoft.com/office/drawing/2018/hyperlinkcolor" showMasterPhAnim="0" showMasterSp="0">
+  <p:cSld>
+    <p:spTree>
+      <p:nvGrpSpPr>
+        <p:cNvPr id="638" name="Shape 638"/>
+        <p:cNvGrpSpPr/>
+        <p:nvPr/>
+      </p:nvGrpSpPr>
+      <p:grpSpPr>
+        <a:xfrm>
+          <a:off x="0" y="0"/>
+          <a:ext cx="0" cy="0"/>
+          <a:chOff x="0" y="0"/>
+          <a:chExt cx="0" cy="0"/>
+        </a:xfrm>
+      </p:grpSpPr>
+      <p:sp>
+        <p:nvSpPr>
+          <p:cNvPr id="639" name="Google Shape;639;g3b183985fd4_0_57:notes"/>
+          <p:cNvSpPr/>
+          <p:nvPr>
+            <p:ph idx="2" type="sldImg"/>
+          </p:nvPr>
+        </p:nvSpPr>
+        <p:spPr>
+          <a:xfrm>
+            <a:off x="381300" y="685800"/>
+            <a:ext cx="6096000" cy="3429000"/>
+          </a:xfrm>
+          <a:custGeom>
+            <a:rect b="b" l="l" r="r" t="t"/>
+            <a:pathLst>
+              <a:path extrusionOk="0" h="120000" w="120000">
+                <a:moveTo>
+                  <a:pt x="0" y="0"/>
+                </a:moveTo>
+                <a:lnTo>
+                  <a:pt x="120000" y="0"/>
+                </a:lnTo>
+                <a:lnTo>
+                  <a:pt x="120000" y="120000"/>
+                </a:lnTo>
+                <a:lnTo>
+                  <a:pt x="0" y="120000"/>
+                </a:lnTo>
+                <a:close/>
+              </a:path>
+            </a:pathLst>
+          </a:custGeom>
+        </p:spPr>
+      </p:sp>
+      <p:sp>
+        <p:nvSpPr>
+          <p:cNvPr id="640" name="Google Shape;640;g3b183985fd4_0_57:notes"/>
+          <p:cNvSpPr txBox="1"/>
+          <p:nvPr>
+            <p:ph idx="1" type="body"/>
+          </p:nvPr>
+        </p:nvSpPr>
+        <p:spPr>
+          <a:xfrm>
+            <a:off x="685800" y="4343400"/>
+            <a:ext cx="5486400" cy="4114800"/>
+          </a:xfrm>
+          <a:prstGeom prst="rect">
+            <a:avLst/>
+          </a:prstGeom>
+        </p:spPr>
+        <p:txBody>
+          <a:bodyPr anchorCtr="0" anchor="t" bIns="91425" lIns="91425" spcFirstLastPara="1" rIns="91425" wrap="square" tIns="91425">
+            <a:noAutofit/>
+          </a:bodyPr>
+          <a:lstStyle/>
+          <a:p>
+            <a:pPr indent="0" lvl="0" marL="0" rtl="0" algn="l">
+              <a:spcBef>
+                <a:spcPts val="0"/>
+              </a:spcBef>
+              <a:spcAft>
+                <a:spcPts val="0"/>
+              </a:spcAft>
+              <a:buNone/>
+            </a:pPr>
+            <a:r>
+              <a:t/>
+            </a:r>
+            <a:endParaRPr/>
+          </a:p>
+        </p:txBody>
+      </p:sp>
+    </p:spTree>
+  </p:cSld>
+  <p:clrMapOvr>
+    <a:masterClrMapping/>
+  </p:clrMapOvr>
+</p:notes>
+</file>
+
+<file path=ppt/notesSlides/notesSlide94.xml><?xml version="1.0" encoding="utf-8"?>
+<p:notes xmlns:a="http://schemas.openxmlformats.org/drawingml/2006/main" xmlns:r="http://schemas.openxmlformats.org/officeDocument/2006/relationships" xmlns:mc="http://schemas.openxmlformats.org/markup-compatibility/2006" xmlns:mv="urn:schemas-microsoft-com:mac:vml" xmlns:p="http://schemas.openxmlformats.org/presentationml/2006/main" xmlns:c="http://schemas.openxmlformats.org/drawingml/2006/chart" xmlns:dgm="http://schemas.openxmlformats.org/drawingml/2006/diagram" xmlns:o="urn:schemas-microsoft-com:office:office" xmlns:v="urn:schemas-microsoft-com:vml" xmlns:pvml="urn:schemas-microsoft-com:office:powerpoint" xmlns:com="http://schemas.openxmlformats.org/drawingml/2006/compatibility" xmlns:p14="http://schemas.microsoft.com/office/powerpoint/2010/main" xmlns:p15="http://schemas.microsoft.com/office/powerpoint/2012/main" xmlns:ahyp="http://schemas.microsoft.com/office/drawing/2018/hyperlinkcolor" showMasterPhAnim="0" showMasterSp="0">
+  <p:cSld>
+    <p:spTree>
+      <p:nvGrpSpPr>
+        <p:cNvPr id="644" name="Shape 644"/>
+        <p:cNvGrpSpPr/>
+        <p:nvPr/>
+      </p:nvGrpSpPr>
+      <p:grpSpPr>
+        <a:xfrm>
+          <a:off x="0" y="0"/>
+          <a:ext cx="0" cy="0"/>
+          <a:chOff x="0" y="0"/>
+          <a:chExt cx="0" cy="0"/>
+        </a:xfrm>
+      </p:grpSpPr>
+      <p:sp>
+        <p:nvSpPr>
+          <p:cNvPr id="645" name="Google Shape;645;g3b183985fd4_0_64:notes"/>
+          <p:cNvSpPr/>
+          <p:nvPr>
+            <p:ph idx="2" type="sldImg"/>
+          </p:nvPr>
+        </p:nvSpPr>
+        <p:spPr>
+          <a:xfrm>
+            <a:off x="381300" y="685800"/>
+            <a:ext cx="6096000" cy="3429000"/>
+          </a:xfrm>
+          <a:custGeom>
+            <a:rect b="b" l="l" r="r" t="t"/>
+            <a:pathLst>
+              <a:path extrusionOk="0" h="120000" w="120000">
+                <a:moveTo>
+                  <a:pt x="0" y="0"/>
+                </a:moveTo>
+                <a:lnTo>
+                  <a:pt x="120000" y="0"/>
+                </a:lnTo>
+                <a:lnTo>
+                  <a:pt x="120000" y="120000"/>
+                </a:lnTo>
+                <a:lnTo>
+                  <a:pt x="0" y="120000"/>
+                </a:lnTo>
+                <a:close/>
+              </a:path>
+            </a:pathLst>
+          </a:custGeom>
+        </p:spPr>
+      </p:sp>
+      <p:sp>
+        <p:nvSpPr>
+          <p:cNvPr id="646" name="Google Shape;646;g3b183985fd4_0_64:notes"/>
+          <p:cNvSpPr txBox="1"/>
+          <p:nvPr>
+            <p:ph idx="1" type="body"/>
+          </p:nvPr>
+        </p:nvSpPr>
+        <p:spPr>
+          <a:xfrm>
+            <a:off x="685800" y="4343400"/>
+            <a:ext cx="5486400" cy="4114800"/>
+          </a:xfrm>
+          <a:prstGeom prst="rect">
+            <a:avLst/>
+          </a:prstGeom>
+        </p:spPr>
+        <p:txBody>
+          <a:bodyPr anchorCtr="0" anchor="t" bIns="91425" lIns="91425" spcFirstLastPara="1" rIns="91425" wrap="square" tIns="91425">
+            <a:noAutofit/>
+          </a:bodyPr>
+          <a:lstStyle/>
+          <a:p>
+            <a:pPr indent="0" lvl="0" marL="0" rtl="0" algn="l">
+              <a:spcBef>
+                <a:spcPts val="0"/>
+              </a:spcBef>
+              <a:spcAft>
+                <a:spcPts val="0"/>
+              </a:spcAft>
+              <a:buNone/>
+            </a:pPr>
+            <a:r>
+              <a:t/>
+            </a:r>
+            <a:endParaRPr/>
+          </a:p>
+        </p:txBody>
+      </p:sp>
+    </p:spTree>
+  </p:cSld>
+  <p:clrMapOvr>
+    <a:masterClrMapping/>
+  </p:clrMapOvr>
+</p:notes>
+</file>
+
+<file path=ppt/notesSlides/notesSlide95.xml><?xml version="1.0" encoding="utf-8"?>
+<p:notes xmlns:a="http://schemas.openxmlformats.org/drawingml/2006/main" xmlns:r="http://schemas.openxmlformats.org/officeDocument/2006/relationships" xmlns:mc="http://schemas.openxmlformats.org/markup-compatibility/2006" xmlns:mv="urn:schemas-microsoft-com:mac:vml" xmlns:p="http://schemas.openxmlformats.org/presentationml/2006/main" xmlns:c="http://schemas.openxmlformats.org/drawingml/2006/chart" xmlns:dgm="http://schemas.openxmlformats.org/drawingml/2006/diagram" xmlns:o="urn:schemas-microsoft-com:office:office" xmlns:v="urn:schemas-microsoft-com:vml" xmlns:pvml="urn:schemas-microsoft-com:office:powerpoint" xmlns:com="http://schemas.openxmlformats.org/drawingml/2006/compatibility" xmlns:p14="http://schemas.microsoft.com/office/powerpoint/2010/main" xmlns:p15="http://schemas.microsoft.com/office/powerpoint/2012/main" xmlns:ahyp="http://schemas.microsoft.com/office/drawing/2018/hyperlinkcolor" showMasterPhAnim="0" showMasterSp="0">
+  <p:cSld>
+    <p:spTree>
+      <p:nvGrpSpPr>
+        <p:cNvPr id="650" name="Shape 650"/>
+        <p:cNvGrpSpPr/>
+        <p:nvPr/>
+      </p:nvGrpSpPr>
+      <p:grpSpPr>
+        <a:xfrm>
+          <a:off x="0" y="0"/>
+          <a:ext cx="0" cy="0"/>
+          <a:chOff x="0" y="0"/>
+          <a:chExt cx="0" cy="0"/>
+        </a:xfrm>
+      </p:grpSpPr>
+      <p:sp>
+        <p:nvSpPr>
+          <p:cNvPr id="651" name="Google Shape;651;g391c0dedbe2_0_6:notes"/>
+          <p:cNvSpPr/>
+          <p:nvPr>
+            <p:ph idx="2" type="sldImg"/>
+          </p:nvPr>
+        </p:nvSpPr>
+        <p:spPr>
+          <a:xfrm>
+            <a:off x="381300" y="685800"/>
+            <a:ext cx="6096000" cy="3429000"/>
+          </a:xfrm>
+          <a:custGeom>
+            <a:rect b="b" l="l" r="r" t="t"/>
+            <a:pathLst>
+              <a:path extrusionOk="0" h="120000" w="120000">
+                <a:moveTo>
+                  <a:pt x="0" y="0"/>
+                </a:moveTo>
+                <a:lnTo>
+                  <a:pt x="120000" y="0"/>
+                </a:lnTo>
+                <a:lnTo>
+                  <a:pt x="120000" y="120000"/>
+                </a:lnTo>
+                <a:lnTo>
+                  <a:pt x="0" y="120000"/>
+                </a:lnTo>
+                <a:close/>
+              </a:path>
+            </a:pathLst>
+          </a:custGeom>
+        </p:spPr>
+      </p:sp>
+      <p:sp>
+        <p:nvSpPr>
+          <p:cNvPr id="652" name="Google Shape;652;g391c0dedbe2_0_6:notes"/>
           <p:cNvSpPr txBox="1"/>
           <p:nvPr>
             <p:ph idx="1" type="body"/>
@@ -26191,7 +27191,7 @@
             <a:tbl>
               <a:tblPr>
                 <a:noFill/>
-                <a:tableStyleId>{03A943C4-4666-4E51-B8C8-71BCD7A61477}</a:tableStyleId>
+                <a:tableStyleId>{CD746AB5-FC32-44DD-B1EB-28E73BE887A1}</a:tableStyleId>
               </a:tblPr>
               <a:tblGrid>
                 <a:gridCol w="561975"/>
@@ -26256,7 +27256,7 @@
             <a:tbl>
               <a:tblPr>
                 <a:noFill/>
-                <a:tableStyleId>{03A943C4-4666-4E51-B8C8-71BCD7A61477}</a:tableStyleId>
+                <a:tableStyleId>{CD746AB5-FC32-44DD-B1EB-28E73BE887A1}</a:tableStyleId>
               </a:tblPr>
               <a:tblGrid>
                 <a:gridCol w="19050"/>
@@ -26304,7 +27304,7 @@
             <a:tbl>
               <a:tblPr>
                 <a:noFill/>
-                <a:tableStyleId>{03A943C4-4666-4E51-B8C8-71BCD7A61477}</a:tableStyleId>
+                <a:tableStyleId>{CD746AB5-FC32-44DD-B1EB-28E73BE887A1}</a:tableStyleId>
               </a:tblPr>
               <a:tblGrid>
                 <a:gridCol w="561975"/>
@@ -26369,7 +27369,7 @@
             <a:tbl>
               <a:tblPr>
                 <a:noFill/>
-                <a:tableStyleId>{03A943C4-4666-4E51-B8C8-71BCD7A61477}</a:tableStyleId>
+                <a:tableStyleId>{CD746AB5-FC32-44DD-B1EB-28E73BE887A1}</a:tableStyleId>
               </a:tblPr>
               <a:tblGrid>
                 <a:gridCol w="19050"/>
@@ -51703,6 +52703,953 @@
         <p:spPr>
           <a:xfrm>
             <a:off x="729450" y="1318650"/>
+            <a:ext cx="8024700" cy="535200"/>
+          </a:xfrm>
+          <a:prstGeom prst="rect">
+            <a:avLst/>
+          </a:prstGeom>
+        </p:spPr>
+        <p:txBody>
+          <a:bodyPr anchorCtr="0" anchor="t" bIns="91425" lIns="91425" spcFirstLastPara="1" rIns="91425" wrap="square" tIns="91425">
+            <a:noAutofit/>
+          </a:bodyPr>
+          <a:lstStyle/>
+          <a:p>
+            <a:pPr indent="0" lvl="0" marL="0" rtl="0" algn="l">
+              <a:spcBef>
+                <a:spcPts val="600"/>
+              </a:spcBef>
+              <a:spcAft>
+                <a:spcPts val="0"/>
+              </a:spcAft>
+              <a:buNone/>
+            </a:pPr>
+            <a:r>
+              <a:rPr lang="pl" sz="2400">
+                <a:solidFill>
+                  <a:srgbClr val="000000"/>
+                </a:solidFill>
+                <a:latin typeface="Tahoma"/>
+                <a:ea typeface="Tahoma"/>
+                <a:cs typeface="Tahoma"/>
+                <a:sym typeface="Tahoma"/>
+              </a:rPr>
+              <a:t>Przykłady systemów infor. opartych na chmurach</a:t>
+            </a:r>
+            <a:endParaRPr sz="2400">
+              <a:latin typeface="Tahoma"/>
+              <a:ea typeface="Tahoma"/>
+              <a:cs typeface="Tahoma"/>
+              <a:sym typeface="Tahoma"/>
+            </a:endParaRPr>
+          </a:p>
+        </p:txBody>
+      </p:sp>
+      <p:sp>
+        <p:nvSpPr>
+          <p:cNvPr id="595" name="Google Shape;595;p97"/>
+          <p:cNvSpPr txBox="1"/>
+          <p:nvPr>
+            <p:ph idx="1" type="body"/>
+          </p:nvPr>
+        </p:nvSpPr>
+        <p:spPr>
+          <a:xfrm>
+            <a:off x="729450" y="2078875"/>
+            <a:ext cx="7688700" cy="2859300"/>
+          </a:xfrm>
+          <a:prstGeom prst="rect">
+            <a:avLst/>
+          </a:prstGeom>
+        </p:spPr>
+        <p:txBody>
+          <a:bodyPr anchorCtr="0" anchor="t" bIns="91425" lIns="91425" spcFirstLastPara="1" rIns="91425" wrap="square" tIns="91425">
+            <a:noAutofit/>
+          </a:bodyPr>
+          <a:lstStyle/>
+          <a:p>
+            <a:pPr indent="0" lvl="0" marL="0" rtl="0" algn="l">
+              <a:lnSpc>
+                <a:spcPct val="100000"/>
+              </a:lnSpc>
+              <a:spcBef>
+                <a:spcPts val="0"/>
+              </a:spcBef>
+              <a:spcAft>
+                <a:spcPts val="0"/>
+              </a:spcAft>
+              <a:buNone/>
+            </a:pPr>
+            <a:r>
+              <a:rPr b="1" lang="pl" sz="1000">
+                <a:solidFill>
+                  <a:srgbClr val="000000"/>
+                </a:solidFill>
+                <a:latin typeface="Tahoma"/>
+                <a:ea typeface="Tahoma"/>
+                <a:cs typeface="Tahoma"/>
+                <a:sym typeface="Tahoma"/>
+              </a:rPr>
+              <a:t>Platformy chmurowe (IaaS / PaaS)</a:t>
+            </a:r>
+            <a:endParaRPr b="1" sz="1000">
+              <a:solidFill>
+                <a:srgbClr val="000000"/>
+              </a:solidFill>
+              <a:latin typeface="Tahoma"/>
+              <a:ea typeface="Tahoma"/>
+              <a:cs typeface="Tahoma"/>
+              <a:sym typeface="Tahoma"/>
+            </a:endParaRPr>
+          </a:p>
+          <a:p>
+            <a:pPr indent="-292100" lvl="0" marL="457200" rtl="0" algn="l">
+              <a:lnSpc>
+                <a:spcPct val="100000"/>
+              </a:lnSpc>
+              <a:spcBef>
+                <a:spcPts val="0"/>
+              </a:spcBef>
+              <a:spcAft>
+                <a:spcPts val="0"/>
+              </a:spcAft>
+              <a:buClr>
+                <a:srgbClr val="000000"/>
+              </a:buClr>
+              <a:buSzPts val="1000"/>
+              <a:buFont typeface="Tahoma"/>
+              <a:buChar char="●"/>
+            </a:pPr>
+            <a:r>
+              <a:rPr b="1" lang="pl" sz="1000">
+                <a:solidFill>
+                  <a:srgbClr val="000000"/>
+                </a:solidFill>
+                <a:latin typeface="Tahoma"/>
+                <a:ea typeface="Tahoma"/>
+                <a:cs typeface="Tahoma"/>
+                <a:sym typeface="Tahoma"/>
+              </a:rPr>
+              <a:t>Amazon Web Services (AWS)</a:t>
+            </a:r>
+            <a:r>
+              <a:rPr lang="pl" sz="1000">
+                <a:solidFill>
+                  <a:srgbClr val="000000"/>
+                </a:solidFill>
+                <a:latin typeface="Tahoma"/>
+                <a:ea typeface="Tahoma"/>
+                <a:cs typeface="Tahoma"/>
+                <a:sym typeface="Tahoma"/>
+              </a:rPr>
+              <a:t> – EC2, S3, Lambda</a:t>
+            </a:r>
+            <a:endParaRPr sz="1000">
+              <a:solidFill>
+                <a:srgbClr val="000000"/>
+              </a:solidFill>
+              <a:latin typeface="Tahoma"/>
+              <a:ea typeface="Tahoma"/>
+              <a:cs typeface="Tahoma"/>
+              <a:sym typeface="Tahoma"/>
+            </a:endParaRPr>
+          </a:p>
+          <a:p>
+            <a:pPr indent="-292100" lvl="0" marL="457200" rtl="0" algn="l">
+              <a:lnSpc>
+                <a:spcPct val="100000"/>
+              </a:lnSpc>
+              <a:spcBef>
+                <a:spcPts val="0"/>
+              </a:spcBef>
+              <a:spcAft>
+                <a:spcPts val="0"/>
+              </a:spcAft>
+              <a:buClr>
+                <a:srgbClr val="000000"/>
+              </a:buClr>
+              <a:buSzPts val="1000"/>
+              <a:buFont typeface="Tahoma"/>
+              <a:buChar char="●"/>
+            </a:pPr>
+            <a:r>
+              <a:rPr b="1" lang="pl" sz="1000">
+                <a:solidFill>
+                  <a:srgbClr val="000000"/>
+                </a:solidFill>
+                <a:latin typeface="Tahoma"/>
+                <a:ea typeface="Tahoma"/>
+                <a:cs typeface="Tahoma"/>
+                <a:sym typeface="Tahoma"/>
+              </a:rPr>
+              <a:t>Microsoft Azure </a:t>
+            </a:r>
+            <a:r>
+              <a:rPr lang="pl" sz="1000">
+                <a:solidFill>
+                  <a:srgbClr val="000000"/>
+                </a:solidFill>
+                <a:latin typeface="Tahoma"/>
+                <a:ea typeface="Tahoma"/>
+                <a:cs typeface="Tahoma"/>
+                <a:sym typeface="Tahoma"/>
+              </a:rPr>
+              <a:t>– App Services, Azure SQL, Functions</a:t>
+            </a:r>
+            <a:endParaRPr sz="1000">
+              <a:solidFill>
+                <a:srgbClr val="000000"/>
+              </a:solidFill>
+              <a:latin typeface="Tahoma"/>
+              <a:ea typeface="Tahoma"/>
+              <a:cs typeface="Tahoma"/>
+              <a:sym typeface="Tahoma"/>
+            </a:endParaRPr>
+          </a:p>
+          <a:p>
+            <a:pPr indent="-292100" lvl="0" marL="457200" rtl="0" algn="l">
+              <a:lnSpc>
+                <a:spcPct val="100000"/>
+              </a:lnSpc>
+              <a:spcBef>
+                <a:spcPts val="0"/>
+              </a:spcBef>
+              <a:spcAft>
+                <a:spcPts val="0"/>
+              </a:spcAft>
+              <a:buClr>
+                <a:srgbClr val="000000"/>
+              </a:buClr>
+              <a:buSzPts val="1000"/>
+              <a:buFont typeface="Tahoma"/>
+              <a:buChar char="●"/>
+            </a:pPr>
+            <a:r>
+              <a:rPr b="1" lang="pl" sz="1000">
+                <a:solidFill>
+                  <a:srgbClr val="000000"/>
+                </a:solidFill>
+                <a:latin typeface="Tahoma"/>
+                <a:ea typeface="Tahoma"/>
+                <a:cs typeface="Tahoma"/>
+                <a:sym typeface="Tahoma"/>
+              </a:rPr>
+              <a:t>Google Cloud Platform (GCP)</a:t>
+            </a:r>
+            <a:r>
+              <a:rPr lang="pl" sz="1000">
+                <a:solidFill>
+                  <a:srgbClr val="000000"/>
+                </a:solidFill>
+                <a:latin typeface="Tahoma"/>
+                <a:ea typeface="Tahoma"/>
+                <a:cs typeface="Tahoma"/>
+                <a:sym typeface="Tahoma"/>
+              </a:rPr>
+              <a:t> – Compute Engine, BigQuery</a:t>
+            </a:r>
+            <a:endParaRPr sz="1000">
+              <a:solidFill>
+                <a:srgbClr val="000000"/>
+              </a:solidFill>
+              <a:latin typeface="Tahoma"/>
+              <a:ea typeface="Tahoma"/>
+              <a:cs typeface="Tahoma"/>
+              <a:sym typeface="Tahoma"/>
+            </a:endParaRPr>
+          </a:p>
+          <a:p>
+            <a:pPr indent="-292100" lvl="0" marL="457200" rtl="0" algn="l">
+              <a:lnSpc>
+                <a:spcPct val="100000"/>
+              </a:lnSpc>
+              <a:spcBef>
+                <a:spcPts val="0"/>
+              </a:spcBef>
+              <a:spcAft>
+                <a:spcPts val="0"/>
+              </a:spcAft>
+              <a:buClr>
+                <a:srgbClr val="000000"/>
+              </a:buClr>
+              <a:buSzPts val="1000"/>
+              <a:buFont typeface="Tahoma"/>
+              <a:buChar char="●"/>
+            </a:pPr>
+            <a:r>
+              <a:rPr b="1" lang="pl" sz="1000">
+                <a:solidFill>
+                  <a:srgbClr val="000000"/>
+                </a:solidFill>
+                <a:latin typeface="Tahoma"/>
+                <a:ea typeface="Tahoma"/>
+                <a:cs typeface="Tahoma"/>
+                <a:sym typeface="Tahoma"/>
+              </a:rPr>
+              <a:t>Oracle Cloud Infrastructure</a:t>
+            </a:r>
+            <a:endParaRPr b="1" sz="1000">
+              <a:solidFill>
+                <a:srgbClr val="000000"/>
+              </a:solidFill>
+              <a:latin typeface="Tahoma"/>
+              <a:ea typeface="Tahoma"/>
+              <a:cs typeface="Tahoma"/>
+              <a:sym typeface="Tahoma"/>
+            </a:endParaRPr>
+          </a:p>
+          <a:p>
+            <a:pPr indent="0" lvl="0" marL="457200" rtl="0" algn="l">
+              <a:lnSpc>
+                <a:spcPct val="100000"/>
+              </a:lnSpc>
+              <a:spcBef>
+                <a:spcPts val="0"/>
+              </a:spcBef>
+              <a:spcAft>
+                <a:spcPts val="0"/>
+              </a:spcAft>
+              <a:buNone/>
+            </a:pPr>
+            <a:r>
+              <a:t/>
+            </a:r>
+            <a:endParaRPr b="1" sz="1000">
+              <a:solidFill>
+                <a:srgbClr val="000000"/>
+              </a:solidFill>
+              <a:latin typeface="Tahoma"/>
+              <a:ea typeface="Tahoma"/>
+              <a:cs typeface="Tahoma"/>
+              <a:sym typeface="Tahoma"/>
+            </a:endParaRPr>
+          </a:p>
+          <a:p>
+            <a:pPr indent="0" lvl="0" marL="0" rtl="0" algn="l">
+              <a:lnSpc>
+                <a:spcPct val="100000"/>
+              </a:lnSpc>
+              <a:spcBef>
+                <a:spcPts val="0"/>
+              </a:spcBef>
+              <a:spcAft>
+                <a:spcPts val="0"/>
+              </a:spcAft>
+              <a:buNone/>
+            </a:pPr>
+            <a:r>
+              <a:rPr b="1" lang="pl" sz="1000">
+                <a:solidFill>
+                  <a:srgbClr val="000000"/>
+                </a:solidFill>
+                <a:latin typeface="Tahoma"/>
+                <a:ea typeface="Tahoma"/>
+                <a:cs typeface="Tahoma"/>
+                <a:sym typeface="Tahoma"/>
+              </a:rPr>
+              <a:t>Systemy biznesowe (SaaS)</a:t>
+            </a:r>
+            <a:endParaRPr b="1" sz="1000">
+              <a:solidFill>
+                <a:srgbClr val="000000"/>
+              </a:solidFill>
+              <a:latin typeface="Tahoma"/>
+              <a:ea typeface="Tahoma"/>
+              <a:cs typeface="Tahoma"/>
+              <a:sym typeface="Tahoma"/>
+            </a:endParaRPr>
+          </a:p>
+          <a:p>
+            <a:pPr indent="-292100" lvl="0" marL="457200" rtl="0" algn="l">
+              <a:lnSpc>
+                <a:spcPct val="100000"/>
+              </a:lnSpc>
+              <a:spcBef>
+                <a:spcPts val="0"/>
+              </a:spcBef>
+              <a:spcAft>
+                <a:spcPts val="0"/>
+              </a:spcAft>
+              <a:buClr>
+                <a:srgbClr val="000000"/>
+              </a:buClr>
+              <a:buSzPts val="1000"/>
+              <a:buFont typeface="Arial"/>
+              <a:buChar char="●"/>
+            </a:pPr>
+            <a:r>
+              <a:rPr b="1" lang="pl" sz="1000">
+                <a:solidFill>
+                  <a:srgbClr val="000000"/>
+                </a:solidFill>
+                <a:latin typeface="Tahoma"/>
+                <a:ea typeface="Tahoma"/>
+                <a:cs typeface="Tahoma"/>
+                <a:sym typeface="Tahoma"/>
+              </a:rPr>
+              <a:t>Salesforce</a:t>
+            </a:r>
+            <a:r>
+              <a:rPr lang="pl" sz="1000">
+                <a:solidFill>
+                  <a:srgbClr val="000000"/>
+                </a:solidFill>
+                <a:latin typeface="Tahoma"/>
+                <a:ea typeface="Tahoma"/>
+                <a:cs typeface="Tahoma"/>
+                <a:sym typeface="Tahoma"/>
+              </a:rPr>
+              <a:t> – CRM</a:t>
+            </a:r>
+            <a:endParaRPr sz="1000">
+              <a:solidFill>
+                <a:srgbClr val="000000"/>
+              </a:solidFill>
+              <a:latin typeface="Tahoma"/>
+              <a:ea typeface="Tahoma"/>
+              <a:cs typeface="Tahoma"/>
+              <a:sym typeface="Tahoma"/>
+            </a:endParaRPr>
+          </a:p>
+          <a:p>
+            <a:pPr indent="-292100" lvl="0" marL="457200" rtl="0" algn="l">
+              <a:lnSpc>
+                <a:spcPct val="100000"/>
+              </a:lnSpc>
+              <a:spcBef>
+                <a:spcPts val="0"/>
+              </a:spcBef>
+              <a:spcAft>
+                <a:spcPts val="0"/>
+              </a:spcAft>
+              <a:buClr>
+                <a:srgbClr val="000000"/>
+              </a:buClr>
+              <a:buSzPts val="1000"/>
+              <a:buFont typeface="Arial"/>
+              <a:buChar char="●"/>
+            </a:pPr>
+            <a:r>
+              <a:rPr b="1" lang="pl" sz="1000">
+                <a:solidFill>
+                  <a:srgbClr val="000000"/>
+                </a:solidFill>
+                <a:latin typeface="Tahoma"/>
+                <a:ea typeface="Tahoma"/>
+                <a:cs typeface="Tahoma"/>
+                <a:sym typeface="Tahoma"/>
+              </a:rPr>
+              <a:t>SAP S/4HANA Cloud</a:t>
+            </a:r>
+            <a:r>
+              <a:rPr lang="pl" sz="1000">
+                <a:solidFill>
+                  <a:srgbClr val="000000"/>
+                </a:solidFill>
+                <a:latin typeface="Tahoma"/>
+                <a:ea typeface="Tahoma"/>
+                <a:cs typeface="Tahoma"/>
+                <a:sym typeface="Tahoma"/>
+              </a:rPr>
+              <a:t> – ERP</a:t>
+            </a:r>
+            <a:endParaRPr sz="1000">
+              <a:solidFill>
+                <a:srgbClr val="000000"/>
+              </a:solidFill>
+              <a:latin typeface="Tahoma"/>
+              <a:ea typeface="Tahoma"/>
+              <a:cs typeface="Tahoma"/>
+              <a:sym typeface="Tahoma"/>
+            </a:endParaRPr>
+          </a:p>
+          <a:p>
+            <a:pPr indent="-292100" lvl="0" marL="457200" rtl="0" algn="l">
+              <a:lnSpc>
+                <a:spcPct val="100000"/>
+              </a:lnSpc>
+              <a:spcBef>
+                <a:spcPts val="0"/>
+              </a:spcBef>
+              <a:spcAft>
+                <a:spcPts val="0"/>
+              </a:spcAft>
+              <a:buClr>
+                <a:srgbClr val="000000"/>
+              </a:buClr>
+              <a:buSzPts val="1000"/>
+              <a:buFont typeface="Tahoma"/>
+              <a:buChar char="●"/>
+            </a:pPr>
+            <a:r>
+              <a:rPr b="1" lang="pl" sz="1000">
+                <a:solidFill>
+                  <a:srgbClr val="000000"/>
+                </a:solidFill>
+                <a:latin typeface="Tahoma"/>
+                <a:ea typeface="Tahoma"/>
+                <a:cs typeface="Tahoma"/>
+                <a:sym typeface="Tahoma"/>
+              </a:rPr>
+              <a:t>Microsoft Dynamics 365</a:t>
+            </a:r>
+            <a:endParaRPr b="1" sz="1000">
+              <a:solidFill>
+                <a:srgbClr val="000000"/>
+              </a:solidFill>
+              <a:latin typeface="Tahoma"/>
+              <a:ea typeface="Tahoma"/>
+              <a:cs typeface="Tahoma"/>
+              <a:sym typeface="Tahoma"/>
+            </a:endParaRPr>
+          </a:p>
+          <a:p>
+            <a:pPr indent="-292100" lvl="0" marL="457200" rtl="0" algn="l">
+              <a:lnSpc>
+                <a:spcPct val="100000"/>
+              </a:lnSpc>
+              <a:spcBef>
+                <a:spcPts val="0"/>
+              </a:spcBef>
+              <a:spcAft>
+                <a:spcPts val="0"/>
+              </a:spcAft>
+              <a:buClr>
+                <a:srgbClr val="000000"/>
+              </a:buClr>
+              <a:buSzPts val="1000"/>
+              <a:buFont typeface="Arial"/>
+              <a:buChar char="●"/>
+            </a:pPr>
+            <a:r>
+              <a:rPr b="1" lang="pl" sz="1000">
+                <a:solidFill>
+                  <a:srgbClr val="000000"/>
+                </a:solidFill>
+                <a:latin typeface="Tahoma"/>
+                <a:ea typeface="Tahoma"/>
+                <a:cs typeface="Tahoma"/>
+                <a:sym typeface="Tahoma"/>
+              </a:rPr>
+              <a:t>Workday</a:t>
+            </a:r>
+            <a:r>
+              <a:rPr lang="pl" sz="1000">
+                <a:solidFill>
+                  <a:srgbClr val="000000"/>
+                </a:solidFill>
+                <a:latin typeface="Tahoma"/>
+                <a:ea typeface="Tahoma"/>
+                <a:cs typeface="Tahoma"/>
+                <a:sym typeface="Tahoma"/>
+              </a:rPr>
+              <a:t> – HR i finanse</a:t>
+            </a:r>
+            <a:endParaRPr sz="1000">
+              <a:solidFill>
+                <a:srgbClr val="000000"/>
+              </a:solidFill>
+              <a:latin typeface="Tahoma"/>
+              <a:ea typeface="Tahoma"/>
+              <a:cs typeface="Tahoma"/>
+              <a:sym typeface="Tahoma"/>
+            </a:endParaRPr>
+          </a:p>
+          <a:p>
+            <a:pPr indent="-292100" lvl="0" marL="457200" rtl="0" algn="l">
+              <a:lnSpc>
+                <a:spcPct val="100000"/>
+              </a:lnSpc>
+              <a:spcBef>
+                <a:spcPts val="0"/>
+              </a:spcBef>
+              <a:spcAft>
+                <a:spcPts val="0"/>
+              </a:spcAft>
+              <a:buClr>
+                <a:srgbClr val="000000"/>
+              </a:buClr>
+              <a:buSzPts val="1000"/>
+              <a:buFont typeface="Arial"/>
+              <a:buChar char="●"/>
+            </a:pPr>
+            <a:r>
+              <a:rPr b="1" lang="pl" sz="1000">
+                <a:solidFill>
+                  <a:srgbClr val="000000"/>
+                </a:solidFill>
+                <a:latin typeface="Tahoma"/>
+                <a:ea typeface="Tahoma"/>
+                <a:cs typeface="Tahoma"/>
+                <a:sym typeface="Tahoma"/>
+              </a:rPr>
+              <a:t>HubSpot</a:t>
+            </a:r>
+            <a:r>
+              <a:rPr lang="pl" sz="1000">
+                <a:solidFill>
+                  <a:srgbClr val="000000"/>
+                </a:solidFill>
+                <a:latin typeface="Tahoma"/>
+                <a:ea typeface="Tahoma"/>
+                <a:cs typeface="Tahoma"/>
+                <a:sym typeface="Tahoma"/>
+              </a:rPr>
+              <a:t> – marketing i CRM</a:t>
+            </a:r>
+            <a:endParaRPr sz="1000">
+              <a:solidFill>
+                <a:srgbClr val="000000"/>
+              </a:solidFill>
+              <a:latin typeface="Tahoma"/>
+              <a:ea typeface="Tahoma"/>
+              <a:cs typeface="Tahoma"/>
+              <a:sym typeface="Tahoma"/>
+            </a:endParaRPr>
+          </a:p>
+          <a:p>
+            <a:pPr indent="0" lvl="0" marL="0" rtl="0" algn="l">
+              <a:lnSpc>
+                <a:spcPct val="100000"/>
+              </a:lnSpc>
+              <a:spcBef>
+                <a:spcPts val="0"/>
+              </a:spcBef>
+              <a:spcAft>
+                <a:spcPts val="0"/>
+              </a:spcAft>
+              <a:buNone/>
+            </a:pPr>
+            <a:r>
+              <a:t/>
+            </a:r>
+            <a:endParaRPr sz="1000">
+              <a:solidFill>
+                <a:srgbClr val="000000"/>
+              </a:solidFill>
+              <a:latin typeface="Tahoma"/>
+              <a:ea typeface="Tahoma"/>
+              <a:cs typeface="Tahoma"/>
+              <a:sym typeface="Tahoma"/>
+            </a:endParaRPr>
+          </a:p>
+          <a:p>
+            <a:pPr indent="0" lvl="0" marL="0" rtl="0" algn="l">
+              <a:lnSpc>
+                <a:spcPct val="100000"/>
+              </a:lnSpc>
+              <a:spcBef>
+                <a:spcPts val="0"/>
+              </a:spcBef>
+              <a:spcAft>
+                <a:spcPts val="0"/>
+              </a:spcAft>
+              <a:buNone/>
+            </a:pPr>
+            <a:r>
+              <a:rPr b="1" lang="pl" sz="1000">
+                <a:solidFill>
+                  <a:srgbClr val="000000"/>
+                </a:solidFill>
+                <a:latin typeface="Tahoma"/>
+                <a:ea typeface="Tahoma"/>
+                <a:cs typeface="Tahoma"/>
+                <a:sym typeface="Tahoma"/>
+              </a:rPr>
+              <a:t>Komunikacja i praca zespołowa</a:t>
+            </a:r>
+            <a:endParaRPr b="1" sz="1000">
+              <a:solidFill>
+                <a:srgbClr val="000000"/>
+              </a:solidFill>
+              <a:latin typeface="Tahoma"/>
+              <a:ea typeface="Tahoma"/>
+              <a:cs typeface="Tahoma"/>
+              <a:sym typeface="Tahoma"/>
+            </a:endParaRPr>
+          </a:p>
+          <a:p>
+            <a:pPr indent="-292100" lvl="0" marL="457200" rtl="0" algn="l">
+              <a:lnSpc>
+                <a:spcPct val="100000"/>
+              </a:lnSpc>
+              <a:spcBef>
+                <a:spcPts val="0"/>
+              </a:spcBef>
+              <a:spcAft>
+                <a:spcPts val="0"/>
+              </a:spcAft>
+              <a:buClr>
+                <a:srgbClr val="000000"/>
+              </a:buClr>
+              <a:buSzPts val="1000"/>
+              <a:buFont typeface="Arial"/>
+              <a:buChar char="●"/>
+            </a:pPr>
+            <a:r>
+              <a:rPr b="1" lang="pl" sz="1000">
+                <a:solidFill>
+                  <a:srgbClr val="000000"/>
+                </a:solidFill>
+                <a:latin typeface="Tahoma"/>
+                <a:ea typeface="Tahoma"/>
+                <a:cs typeface="Tahoma"/>
+                <a:sym typeface="Tahoma"/>
+              </a:rPr>
+              <a:t>Microsoft 365 (Office 365)</a:t>
+            </a:r>
+            <a:r>
+              <a:rPr lang="pl" sz="1000">
+                <a:solidFill>
+                  <a:srgbClr val="000000"/>
+                </a:solidFill>
+                <a:latin typeface="Tahoma"/>
+                <a:ea typeface="Tahoma"/>
+                <a:cs typeface="Tahoma"/>
+                <a:sym typeface="Tahoma"/>
+              </a:rPr>
+              <a:t> – Outlook, Teams, OneDrive</a:t>
+            </a:r>
+            <a:endParaRPr sz="1000">
+              <a:solidFill>
+                <a:srgbClr val="000000"/>
+              </a:solidFill>
+              <a:latin typeface="Tahoma"/>
+              <a:ea typeface="Tahoma"/>
+              <a:cs typeface="Tahoma"/>
+              <a:sym typeface="Tahoma"/>
+            </a:endParaRPr>
+          </a:p>
+          <a:p>
+            <a:pPr indent="-292100" lvl="0" marL="457200" rtl="0" algn="l">
+              <a:lnSpc>
+                <a:spcPct val="100000"/>
+              </a:lnSpc>
+              <a:spcBef>
+                <a:spcPts val="0"/>
+              </a:spcBef>
+              <a:spcAft>
+                <a:spcPts val="0"/>
+              </a:spcAft>
+              <a:buClr>
+                <a:srgbClr val="000000"/>
+              </a:buClr>
+              <a:buSzPts val="1000"/>
+              <a:buFont typeface="Arial"/>
+              <a:buChar char="●"/>
+            </a:pPr>
+            <a:r>
+              <a:rPr b="1" lang="pl" sz="1000">
+                <a:solidFill>
+                  <a:srgbClr val="000000"/>
+                </a:solidFill>
+                <a:latin typeface="Tahoma"/>
+                <a:ea typeface="Tahoma"/>
+                <a:cs typeface="Tahoma"/>
+                <a:sym typeface="Tahoma"/>
+              </a:rPr>
+              <a:t>Google Workspace</a:t>
+            </a:r>
+            <a:r>
+              <a:rPr lang="pl" sz="1000">
+                <a:solidFill>
+                  <a:srgbClr val="000000"/>
+                </a:solidFill>
+                <a:latin typeface="Tahoma"/>
+                <a:ea typeface="Tahoma"/>
+                <a:cs typeface="Tahoma"/>
+                <a:sym typeface="Tahoma"/>
+              </a:rPr>
+              <a:t> – Gmail, Drive, Docs</a:t>
+            </a:r>
+            <a:endParaRPr sz="1000">
+              <a:solidFill>
+                <a:srgbClr val="000000"/>
+              </a:solidFill>
+              <a:latin typeface="Tahoma"/>
+              <a:ea typeface="Tahoma"/>
+              <a:cs typeface="Tahoma"/>
+              <a:sym typeface="Tahoma"/>
+            </a:endParaRPr>
+          </a:p>
+          <a:p>
+            <a:pPr indent="-292100" lvl="0" marL="457200" rtl="0" algn="l">
+              <a:lnSpc>
+                <a:spcPct val="100000"/>
+              </a:lnSpc>
+              <a:spcBef>
+                <a:spcPts val="0"/>
+              </a:spcBef>
+              <a:spcAft>
+                <a:spcPts val="0"/>
+              </a:spcAft>
+              <a:buClr>
+                <a:srgbClr val="000000"/>
+              </a:buClr>
+              <a:buSzPts val="1000"/>
+              <a:buFont typeface="Tahoma"/>
+              <a:buChar char="●"/>
+            </a:pPr>
+            <a:r>
+              <a:rPr b="1" lang="pl" sz="1000">
+                <a:solidFill>
+                  <a:srgbClr val="000000"/>
+                </a:solidFill>
+                <a:latin typeface="Tahoma"/>
+                <a:ea typeface="Tahoma"/>
+                <a:cs typeface="Tahoma"/>
+                <a:sym typeface="Tahoma"/>
+              </a:rPr>
+              <a:t>Slack</a:t>
+            </a:r>
+            <a:endParaRPr b="1" sz="1000">
+              <a:solidFill>
+                <a:srgbClr val="000000"/>
+              </a:solidFill>
+              <a:latin typeface="Tahoma"/>
+              <a:ea typeface="Tahoma"/>
+              <a:cs typeface="Tahoma"/>
+              <a:sym typeface="Tahoma"/>
+            </a:endParaRPr>
+          </a:p>
+          <a:p>
+            <a:pPr indent="-292100" lvl="0" marL="457200" rtl="0" algn="l">
+              <a:lnSpc>
+                <a:spcPct val="100000"/>
+              </a:lnSpc>
+              <a:spcBef>
+                <a:spcPts val="0"/>
+              </a:spcBef>
+              <a:spcAft>
+                <a:spcPts val="0"/>
+              </a:spcAft>
+              <a:buClr>
+                <a:srgbClr val="000000"/>
+              </a:buClr>
+              <a:buSzPts val="1000"/>
+              <a:buFont typeface="Tahoma"/>
+              <a:buChar char="●"/>
+            </a:pPr>
+            <a:r>
+              <a:rPr b="1" lang="pl" sz="1000">
+                <a:solidFill>
+                  <a:srgbClr val="000000"/>
+                </a:solidFill>
+                <a:latin typeface="Tahoma"/>
+                <a:ea typeface="Tahoma"/>
+                <a:cs typeface="Tahoma"/>
+                <a:sym typeface="Tahoma"/>
+              </a:rPr>
+              <a:t>Zoom</a:t>
+            </a:r>
+            <a:br>
+              <a:rPr b="1" lang="pl" sz="1000">
+                <a:solidFill>
+                  <a:srgbClr val="000000"/>
+                </a:solidFill>
+                <a:latin typeface="Tahoma"/>
+                <a:ea typeface="Tahoma"/>
+                <a:cs typeface="Tahoma"/>
+                <a:sym typeface="Tahoma"/>
+              </a:rPr>
+            </a:br>
+            <a:endParaRPr b="1" sz="1000">
+              <a:solidFill>
+                <a:srgbClr val="000000"/>
+              </a:solidFill>
+              <a:latin typeface="Tahoma"/>
+              <a:ea typeface="Tahoma"/>
+              <a:cs typeface="Tahoma"/>
+              <a:sym typeface="Tahoma"/>
+            </a:endParaRPr>
+          </a:p>
+          <a:p>
+            <a:pPr indent="0" lvl="0" marL="0" rtl="0" algn="l">
+              <a:lnSpc>
+                <a:spcPct val="100000"/>
+              </a:lnSpc>
+              <a:spcBef>
+                <a:spcPts val="0"/>
+              </a:spcBef>
+              <a:spcAft>
+                <a:spcPts val="0"/>
+              </a:spcAft>
+              <a:buNone/>
+            </a:pPr>
+            <a:r>
+              <a:t/>
+            </a:r>
+            <a:endParaRPr sz="1000">
+              <a:solidFill>
+                <a:srgbClr val="000000"/>
+              </a:solidFill>
+              <a:latin typeface="Tahoma"/>
+              <a:ea typeface="Tahoma"/>
+              <a:cs typeface="Tahoma"/>
+              <a:sym typeface="Tahoma"/>
+            </a:endParaRPr>
+          </a:p>
+          <a:p>
+            <a:pPr indent="0" lvl="0" marL="0" rtl="0" algn="l">
+              <a:lnSpc>
+                <a:spcPct val="100000"/>
+              </a:lnSpc>
+              <a:spcBef>
+                <a:spcPts val="0"/>
+              </a:spcBef>
+              <a:spcAft>
+                <a:spcPts val="0"/>
+              </a:spcAft>
+              <a:buNone/>
+            </a:pPr>
+            <a:r>
+              <a:t/>
+            </a:r>
+            <a:endParaRPr sz="1000">
+              <a:latin typeface="Tahoma"/>
+              <a:ea typeface="Tahoma"/>
+              <a:cs typeface="Tahoma"/>
+              <a:sym typeface="Tahoma"/>
+            </a:endParaRPr>
+          </a:p>
+        </p:txBody>
+      </p:sp>
+    </p:spTree>
+  </p:cSld>
+  <p:clrMapOvr>
+    <a:masterClrMapping/>
+  </p:clrMapOvr>
+</p:sld>
+</file>
+
+<file path=ppt/slides/slide86.xml><?xml version="1.0" encoding="utf-8"?>
+<p:sld xmlns:a="http://schemas.openxmlformats.org/drawingml/2006/main" xmlns:r="http://schemas.openxmlformats.org/officeDocument/2006/relationships" xmlns:mc="http://schemas.openxmlformats.org/markup-compatibility/2006" xmlns:mv="urn:schemas-microsoft-com:mac:vml" xmlns:p="http://schemas.openxmlformats.org/presentationml/2006/main" xmlns:c="http://schemas.openxmlformats.org/drawingml/2006/chart" xmlns:dgm="http://schemas.openxmlformats.org/drawingml/2006/diagram" xmlns:o="urn:schemas-microsoft-com:office:office" xmlns:v="urn:schemas-microsoft-com:vml" xmlns:pvml="urn:schemas-microsoft-com:office:powerpoint" xmlns:com="http://schemas.openxmlformats.org/drawingml/2006/compatibility" xmlns:p14="http://schemas.microsoft.com/office/powerpoint/2010/main" xmlns:p15="http://schemas.microsoft.com/office/powerpoint/2012/main" xmlns:ahyp="http://schemas.microsoft.com/office/drawing/2018/hyperlinkcolor">
+  <p:cSld>
+    <p:spTree>
+      <p:nvGrpSpPr>
+        <p:cNvPr id="599" name="Shape 599"/>
+        <p:cNvGrpSpPr/>
+        <p:nvPr/>
+      </p:nvGrpSpPr>
+      <p:grpSpPr>
+        <a:xfrm>
+          <a:off x="0" y="0"/>
+          <a:ext cx="0" cy="0"/>
+          <a:chOff x="0" y="0"/>
+          <a:chExt cx="0" cy="0"/>
+        </a:xfrm>
+      </p:grpSpPr>
+      <p:sp>
+        <p:nvSpPr>
+          <p:cNvPr id="600" name="Google Shape;600;p98"/>
+          <p:cNvSpPr txBox="1"/>
+          <p:nvPr>
+            <p:ph type="title"/>
+          </p:nvPr>
+        </p:nvSpPr>
+        <p:spPr>
+          <a:xfrm>
+            <a:off x="729450" y="1318650"/>
             <a:ext cx="7688700" cy="535200"/>
           </a:xfrm>
           <a:prstGeom prst="rect">
@@ -51711,29 +53658,38 @@
         </p:spPr>
         <p:txBody>
           <a:bodyPr anchorCtr="0" anchor="t" bIns="91425" lIns="91425" spcFirstLastPara="1" rIns="91425" wrap="square" tIns="91425">
-            <a:normAutofit fontScale="90000"/>
+            <a:noAutofit/>
           </a:bodyPr>
           <a:lstStyle/>
           <a:p>
             <a:pPr indent="0" lvl="0" marL="0" rtl="0" algn="l">
               <a:spcBef>
-                <a:spcPts val="0"/>
-              </a:spcBef>
-              <a:spcAft>
-                <a:spcPts val="0"/>
-              </a:spcAft>
-              <a:buNone/>
-            </a:pPr>
-            <a:r>
-              <a:t/>
-            </a:r>
-            <a:endParaRPr/>
+                <a:spcPts val="600"/>
+              </a:spcBef>
+              <a:spcAft>
+                <a:spcPts val="0"/>
+              </a:spcAft>
+              <a:buNone/>
+            </a:pPr>
+            <a:r>
+              <a:rPr lang="pl" sz="2400">
+                <a:solidFill>
+                  <a:srgbClr val="000000"/>
+                </a:solidFill>
+                <a:latin typeface="Tahoma"/>
+                <a:ea typeface="Tahoma"/>
+                <a:cs typeface="Tahoma"/>
+                <a:sym typeface="Tahoma"/>
+              </a:rPr>
+              <a:t>Budowa systemów infor. opartych na chmurach</a:t>
+            </a:r>
+            <a:endParaRPr sz="2400"/>
           </a:p>
         </p:txBody>
       </p:sp>
       <p:sp>
         <p:nvSpPr>
-          <p:cNvPr id="595" name="Google Shape;595;p97"/>
+          <p:cNvPr id="601" name="Google Shape;601;p98"/>
           <p:cNvSpPr txBox="1"/>
           <p:nvPr>
             <p:ph idx="1" type="body"/>
@@ -51759,43 +53715,1701 @@
                 <a:spcPts val="0"/>
               </a:spcBef>
               <a:spcAft>
-                <a:spcPts val="0"/>
-              </a:spcAft>
-              <a:buNone/>
-            </a:pPr>
-            <a:r>
-              <a:rPr b="1" lang="pl" sz="2300">
-                <a:solidFill>
-                  <a:srgbClr val="FF0000"/>
-                </a:solidFill>
-              </a:rPr>
-              <a:t>kartkówki do poprawy </a:t>
-            </a:r>
-            <a:endParaRPr b="1" sz="2300">
-              <a:solidFill>
-                <a:srgbClr val="FF0000"/>
-              </a:solidFill>
-            </a:endParaRPr>
-          </a:p>
-          <a:p>
-            <a:pPr indent="0" lvl="0" marL="0" rtl="0" algn="l">
-              <a:spcBef>
                 <a:spcPts val="1200"/>
-              </a:spcBef>
-              <a:spcAft>
-                <a:spcPts val="1200"/>
-              </a:spcAft>
-              <a:buNone/>
-            </a:pPr>
-            <a:r>
-              <a:rPr b="1" lang="pl" sz="2300">
-                <a:solidFill>
-                  <a:srgbClr val="FF0000"/>
-                </a:solidFill>
-              </a:rPr>
-              <a:t>Serchi po świętach prowadzi lekcje, a na następnej poprawia ostatnią kartkówkę</a:t>
+              </a:spcAft>
+              <a:buNone/>
+            </a:pPr>
+            <a:r>
+              <a:rPr lang="pl" sz="1400">
+                <a:solidFill>
+                  <a:srgbClr val="000000"/>
+                </a:solidFill>
+                <a:latin typeface="Tahoma"/>
+                <a:ea typeface="Tahoma"/>
+                <a:cs typeface="Tahoma"/>
+                <a:sym typeface="Tahoma"/>
+              </a:rPr>
+              <a:t>System informatyczny oparty na chmurze to zbiór </a:t>
+            </a:r>
+            <a:r>
+              <a:rPr b="1" lang="pl" sz="1400">
+                <a:solidFill>
+                  <a:srgbClr val="741B47"/>
+                </a:solidFill>
+                <a:latin typeface="Tahoma"/>
+                <a:ea typeface="Tahoma"/>
+                <a:cs typeface="Tahoma"/>
+                <a:sym typeface="Tahoma"/>
+              </a:rPr>
+              <a:t>współpracujących warstw</a:t>
+            </a:r>
+            <a:r>
+              <a:rPr lang="pl" sz="1400">
+                <a:solidFill>
+                  <a:srgbClr val="000000"/>
+                </a:solidFill>
+                <a:latin typeface="Tahoma"/>
+                <a:ea typeface="Tahoma"/>
+                <a:cs typeface="Tahoma"/>
+                <a:sym typeface="Tahoma"/>
+              </a:rPr>
+              <a:t>, które razem umożliwiają przechowywanie danych, przetwarzanie informacji oraz dostęp do aplikacji przez Internet.</a:t>
+            </a:r>
+            <a:endParaRPr sz="1400">
+              <a:latin typeface="Tahoma"/>
+              <a:ea typeface="Tahoma"/>
+              <a:cs typeface="Tahoma"/>
+              <a:sym typeface="Tahoma"/>
+            </a:endParaRPr>
+          </a:p>
+        </p:txBody>
+      </p:sp>
+    </p:spTree>
+  </p:cSld>
+  <p:clrMapOvr>
+    <a:masterClrMapping/>
+  </p:clrMapOvr>
+</p:sld>
+</file>
+
+<file path=ppt/slides/slide87.xml><?xml version="1.0" encoding="utf-8"?>
+<p:sld xmlns:a="http://schemas.openxmlformats.org/drawingml/2006/main" xmlns:r="http://schemas.openxmlformats.org/officeDocument/2006/relationships" xmlns:mc="http://schemas.openxmlformats.org/markup-compatibility/2006" xmlns:mv="urn:schemas-microsoft-com:mac:vml" xmlns:p="http://schemas.openxmlformats.org/presentationml/2006/main" xmlns:c="http://schemas.openxmlformats.org/drawingml/2006/chart" xmlns:dgm="http://schemas.openxmlformats.org/drawingml/2006/diagram" xmlns:o="urn:schemas-microsoft-com:office:office" xmlns:v="urn:schemas-microsoft-com:vml" xmlns:pvml="urn:schemas-microsoft-com:office:powerpoint" xmlns:com="http://schemas.openxmlformats.org/drawingml/2006/compatibility" xmlns:p14="http://schemas.microsoft.com/office/powerpoint/2010/main" xmlns:p15="http://schemas.microsoft.com/office/powerpoint/2012/main" xmlns:ahyp="http://schemas.microsoft.com/office/drawing/2018/hyperlinkcolor">
+  <p:cSld>
+    <p:spTree>
+      <p:nvGrpSpPr>
+        <p:cNvPr id="605" name="Shape 605"/>
+        <p:cNvGrpSpPr/>
+        <p:nvPr/>
+      </p:nvGrpSpPr>
+      <p:grpSpPr>
+        <a:xfrm>
+          <a:off x="0" y="0"/>
+          <a:ext cx="0" cy="0"/>
+          <a:chOff x="0" y="0"/>
+          <a:chExt cx="0" cy="0"/>
+        </a:xfrm>
+      </p:grpSpPr>
+      <p:sp>
+        <p:nvSpPr>
+          <p:cNvPr id="606" name="Google Shape;606;p99"/>
+          <p:cNvSpPr txBox="1"/>
+          <p:nvPr>
+            <p:ph type="title"/>
+          </p:nvPr>
+        </p:nvSpPr>
+        <p:spPr>
+          <a:xfrm>
+            <a:off x="189625" y="1318650"/>
+            <a:ext cx="8888400" cy="535200"/>
+          </a:xfrm>
+          <a:prstGeom prst="rect">
+            <a:avLst/>
+          </a:prstGeom>
+        </p:spPr>
+        <p:txBody>
+          <a:bodyPr anchorCtr="0" anchor="t" bIns="91425" lIns="91425" spcFirstLastPara="1" rIns="91425" wrap="square" tIns="91425">
+            <a:noAutofit/>
+          </a:bodyPr>
+          <a:lstStyle/>
+          <a:p>
+            <a:pPr indent="0" lvl="0" marL="0" rtl="0" algn="l">
+              <a:spcBef>
+                <a:spcPts val="0"/>
+              </a:spcBef>
+              <a:spcAft>
+                <a:spcPts val="0"/>
+              </a:spcAft>
+              <a:buSzPts val="990"/>
+              <a:buNone/>
+            </a:pPr>
+            <a:r>
+              <a:rPr lang="pl" sz="2440">
+                <a:latin typeface="Tahoma"/>
+                <a:ea typeface="Tahoma"/>
+                <a:cs typeface="Tahoma"/>
+                <a:sym typeface="Tahoma"/>
+              </a:rPr>
+              <a:t>Warstwa infrastruktury (IaaS – Infrastructure as a Service)</a:t>
+            </a:r>
+            <a:endParaRPr sz="2440">
+              <a:latin typeface="Tahoma"/>
+              <a:ea typeface="Tahoma"/>
+              <a:cs typeface="Tahoma"/>
+              <a:sym typeface="Tahoma"/>
+            </a:endParaRPr>
+          </a:p>
+        </p:txBody>
+      </p:sp>
+      <p:sp>
+        <p:nvSpPr>
+          <p:cNvPr id="607" name="Google Shape;607;p99"/>
+          <p:cNvSpPr txBox="1"/>
+          <p:nvPr>
+            <p:ph idx="1" type="body"/>
+          </p:nvPr>
+        </p:nvSpPr>
+        <p:spPr>
+          <a:xfrm>
+            <a:off x="729450" y="2078875"/>
+            <a:ext cx="7688700" cy="2740800"/>
+          </a:xfrm>
+          <a:prstGeom prst="rect">
+            <a:avLst/>
+          </a:prstGeom>
+        </p:spPr>
+        <p:txBody>
+          <a:bodyPr anchorCtr="0" anchor="t" bIns="91425" lIns="91425" spcFirstLastPara="1" rIns="91425" wrap="square" tIns="91425">
+            <a:noAutofit/>
+          </a:bodyPr>
+          <a:lstStyle/>
+          <a:p>
+            <a:pPr indent="0" lvl="0" marL="0" rtl="0" algn="l">
+              <a:lnSpc>
+                <a:spcPct val="95000"/>
+              </a:lnSpc>
+              <a:spcBef>
+                <a:spcPts val="0"/>
+              </a:spcBef>
+              <a:spcAft>
+                <a:spcPts val="0"/>
+              </a:spcAft>
+              <a:buSzPts val="770"/>
+              <a:buNone/>
+            </a:pPr>
+            <a:r>
+              <a:t/>
+            </a:r>
+            <a:endParaRPr sz="1400">
+              <a:solidFill>
+                <a:srgbClr val="000000"/>
+              </a:solidFill>
+              <a:latin typeface="Tahoma"/>
+              <a:ea typeface="Tahoma"/>
+              <a:cs typeface="Tahoma"/>
+              <a:sym typeface="Tahoma"/>
+            </a:endParaRPr>
+          </a:p>
+          <a:p>
+            <a:pPr indent="0" lvl="0" marL="0" rtl="0" algn="l">
+              <a:lnSpc>
+                <a:spcPct val="95000"/>
+              </a:lnSpc>
+              <a:spcBef>
+                <a:spcPts val="0"/>
+              </a:spcBef>
+              <a:spcAft>
+                <a:spcPts val="0"/>
+              </a:spcAft>
+              <a:buSzPts val="770"/>
+              <a:buNone/>
+            </a:pPr>
+            <a:r>
+              <a:rPr lang="pl" sz="1400">
+                <a:solidFill>
+                  <a:srgbClr val="000000"/>
+                </a:solidFill>
+                <a:latin typeface="Tahoma"/>
+                <a:ea typeface="Tahoma"/>
+                <a:cs typeface="Tahoma"/>
+                <a:sym typeface="Tahoma"/>
+              </a:rPr>
+              <a:t>To </a:t>
+            </a:r>
+            <a:r>
+              <a:rPr b="1" lang="pl" sz="1400">
+                <a:solidFill>
+                  <a:srgbClr val="0B5394"/>
+                </a:solidFill>
+                <a:latin typeface="Tahoma"/>
+                <a:ea typeface="Tahoma"/>
+                <a:cs typeface="Tahoma"/>
+                <a:sym typeface="Tahoma"/>
+              </a:rPr>
+              <a:t>podstawa całego systemu</a:t>
+            </a:r>
+            <a:r>
+              <a:rPr lang="pl" sz="1400">
+                <a:solidFill>
+                  <a:srgbClr val="000000"/>
+                </a:solidFill>
+                <a:latin typeface="Tahoma"/>
+                <a:ea typeface="Tahoma"/>
+                <a:cs typeface="Tahoma"/>
+                <a:sym typeface="Tahoma"/>
+              </a:rPr>
+              <a:t>. Składa się z:</a:t>
+            </a:r>
+            <a:endParaRPr sz="1400">
+              <a:solidFill>
+                <a:srgbClr val="000000"/>
+              </a:solidFill>
+              <a:latin typeface="Tahoma"/>
+              <a:ea typeface="Tahoma"/>
+              <a:cs typeface="Tahoma"/>
+              <a:sym typeface="Tahoma"/>
+            </a:endParaRPr>
+          </a:p>
+          <a:p>
+            <a:pPr indent="-317500" lvl="0" marL="457200" rtl="0" algn="l">
+              <a:lnSpc>
+                <a:spcPct val="95000"/>
+              </a:lnSpc>
+              <a:spcBef>
+                <a:spcPts val="0"/>
+              </a:spcBef>
+              <a:spcAft>
+                <a:spcPts val="0"/>
+              </a:spcAft>
+              <a:buClr>
+                <a:srgbClr val="000000"/>
+              </a:buClr>
+              <a:buSzPts val="1400"/>
+              <a:buFont typeface="Arial"/>
+              <a:buChar char="●"/>
+            </a:pPr>
+            <a:r>
+              <a:rPr b="1" lang="pl" sz="1400">
+                <a:solidFill>
+                  <a:srgbClr val="351C75"/>
+                </a:solidFill>
+                <a:latin typeface="Tahoma"/>
+                <a:ea typeface="Tahoma"/>
+                <a:cs typeface="Tahoma"/>
+                <a:sym typeface="Tahoma"/>
+              </a:rPr>
+              <a:t>serwerów fizycznych</a:t>
+            </a:r>
+            <a:r>
+              <a:rPr lang="pl" sz="1400">
+                <a:solidFill>
+                  <a:srgbClr val="000000"/>
+                </a:solidFill>
+                <a:latin typeface="Tahoma"/>
+                <a:ea typeface="Tahoma"/>
+                <a:cs typeface="Tahoma"/>
+                <a:sym typeface="Tahoma"/>
+              </a:rPr>
+              <a:t> (data center dostawcy chmury)</a:t>
+            </a:r>
+            <a:endParaRPr sz="1400">
+              <a:solidFill>
+                <a:srgbClr val="000000"/>
+              </a:solidFill>
+              <a:latin typeface="Tahoma"/>
+              <a:ea typeface="Tahoma"/>
+              <a:cs typeface="Tahoma"/>
+              <a:sym typeface="Tahoma"/>
+            </a:endParaRPr>
+          </a:p>
+          <a:p>
+            <a:pPr indent="-317500" lvl="0" marL="457200" rtl="0" algn="l">
+              <a:lnSpc>
+                <a:spcPct val="95000"/>
+              </a:lnSpc>
+              <a:spcBef>
+                <a:spcPts val="0"/>
+              </a:spcBef>
+              <a:spcAft>
+                <a:spcPts val="0"/>
+              </a:spcAft>
+              <a:buClr>
+                <a:srgbClr val="351C75"/>
+              </a:buClr>
+              <a:buSzPts val="1400"/>
+              <a:buFont typeface="Tahoma"/>
+              <a:buChar char="●"/>
+            </a:pPr>
+            <a:r>
+              <a:rPr b="1" lang="pl" sz="1400">
+                <a:solidFill>
+                  <a:srgbClr val="351C75"/>
+                </a:solidFill>
+                <a:latin typeface="Tahoma"/>
+                <a:ea typeface="Tahoma"/>
+                <a:cs typeface="Tahoma"/>
+                <a:sym typeface="Tahoma"/>
+              </a:rPr>
+              <a:t>maszyn wirtualnych</a:t>
+            </a:r>
+            <a:endParaRPr b="1" sz="1400">
+              <a:solidFill>
+                <a:srgbClr val="351C75"/>
+              </a:solidFill>
+              <a:latin typeface="Tahoma"/>
+              <a:ea typeface="Tahoma"/>
+              <a:cs typeface="Tahoma"/>
+              <a:sym typeface="Tahoma"/>
+            </a:endParaRPr>
+          </a:p>
+          <a:p>
+            <a:pPr indent="-317500" lvl="0" marL="457200" rtl="0" algn="l">
+              <a:lnSpc>
+                <a:spcPct val="95000"/>
+              </a:lnSpc>
+              <a:spcBef>
+                <a:spcPts val="0"/>
+              </a:spcBef>
+              <a:spcAft>
+                <a:spcPts val="0"/>
+              </a:spcAft>
+              <a:buClr>
+                <a:srgbClr val="000000"/>
+              </a:buClr>
+              <a:buSzPts val="1400"/>
+              <a:buFont typeface="Arial"/>
+              <a:buChar char="●"/>
+            </a:pPr>
+            <a:r>
+              <a:rPr b="1" lang="pl" sz="1400">
+                <a:solidFill>
+                  <a:srgbClr val="351C75"/>
+                </a:solidFill>
+                <a:latin typeface="Tahoma"/>
+                <a:ea typeface="Tahoma"/>
+                <a:cs typeface="Tahoma"/>
+                <a:sym typeface="Tahoma"/>
+              </a:rPr>
+              <a:t>pamięci masowych</a:t>
+            </a:r>
+            <a:r>
+              <a:rPr lang="pl" sz="1400">
+                <a:solidFill>
+                  <a:srgbClr val="000000"/>
+                </a:solidFill>
+                <a:latin typeface="Tahoma"/>
+                <a:ea typeface="Tahoma"/>
+                <a:cs typeface="Tahoma"/>
+                <a:sym typeface="Tahoma"/>
+              </a:rPr>
+              <a:t> (dyski, obiekty – np. S3)</a:t>
+            </a:r>
+            <a:endParaRPr sz="1400">
+              <a:solidFill>
+                <a:srgbClr val="000000"/>
+              </a:solidFill>
+              <a:latin typeface="Tahoma"/>
+              <a:ea typeface="Tahoma"/>
+              <a:cs typeface="Tahoma"/>
+              <a:sym typeface="Tahoma"/>
+            </a:endParaRPr>
+          </a:p>
+          <a:p>
+            <a:pPr indent="-317500" lvl="0" marL="457200" rtl="0" algn="l">
+              <a:lnSpc>
+                <a:spcPct val="95000"/>
+              </a:lnSpc>
+              <a:spcBef>
+                <a:spcPts val="0"/>
+              </a:spcBef>
+              <a:spcAft>
+                <a:spcPts val="0"/>
+              </a:spcAft>
+              <a:buClr>
+                <a:srgbClr val="000000"/>
+              </a:buClr>
+              <a:buSzPts val="1400"/>
+              <a:buFont typeface="Arial"/>
+              <a:buChar char="●"/>
+            </a:pPr>
+            <a:r>
+              <a:rPr b="1" lang="pl" sz="1400">
+                <a:solidFill>
+                  <a:srgbClr val="351C75"/>
+                </a:solidFill>
+                <a:latin typeface="Tahoma"/>
+                <a:ea typeface="Tahoma"/>
+                <a:cs typeface="Tahoma"/>
+                <a:sym typeface="Tahoma"/>
+              </a:rPr>
+              <a:t>sieci komputerowych</a:t>
+            </a:r>
+            <a:r>
+              <a:rPr lang="pl" sz="1400">
+                <a:solidFill>
+                  <a:srgbClr val="351C75"/>
+                </a:solidFill>
+                <a:latin typeface="Tahoma"/>
+                <a:ea typeface="Tahoma"/>
+                <a:cs typeface="Tahoma"/>
+                <a:sym typeface="Tahoma"/>
+              </a:rPr>
+              <a:t> </a:t>
+            </a:r>
+            <a:r>
+              <a:rPr lang="pl" sz="1400">
+                <a:solidFill>
+                  <a:srgbClr val="000000"/>
+                </a:solidFill>
+                <a:latin typeface="Tahoma"/>
+                <a:ea typeface="Tahoma"/>
+                <a:cs typeface="Tahoma"/>
+                <a:sym typeface="Tahoma"/>
+              </a:rPr>
+              <a:t>(load balancery, firewalle)</a:t>
+            </a:r>
+            <a:endParaRPr sz="1400">
+              <a:solidFill>
+                <a:srgbClr val="000000"/>
+              </a:solidFill>
+              <a:latin typeface="Tahoma"/>
+              <a:ea typeface="Tahoma"/>
+              <a:cs typeface="Tahoma"/>
+              <a:sym typeface="Tahoma"/>
+            </a:endParaRPr>
+          </a:p>
+          <a:p>
+            <a:pPr indent="0" lvl="0" marL="0" rtl="0" algn="l">
+              <a:lnSpc>
+                <a:spcPct val="95000"/>
+              </a:lnSpc>
+              <a:spcBef>
+                <a:spcPts val="0"/>
+              </a:spcBef>
+              <a:spcAft>
+                <a:spcPts val="0"/>
+              </a:spcAft>
+              <a:buSzPts val="770"/>
+              <a:buNone/>
+            </a:pPr>
+            <a:r>
+              <a:rPr b="1" lang="pl" sz="1400">
+                <a:solidFill>
+                  <a:srgbClr val="0B5394"/>
+                </a:solidFill>
+                <a:latin typeface="Tahoma"/>
+                <a:ea typeface="Tahoma"/>
+                <a:cs typeface="Tahoma"/>
+                <a:sym typeface="Tahoma"/>
+              </a:rPr>
+              <a:t>Zapewnia</a:t>
+            </a:r>
+            <a:r>
+              <a:rPr lang="pl" sz="1400">
+                <a:solidFill>
+                  <a:srgbClr val="000000"/>
+                </a:solidFill>
+                <a:latin typeface="Tahoma"/>
+                <a:ea typeface="Tahoma"/>
+                <a:cs typeface="Tahoma"/>
+                <a:sym typeface="Tahoma"/>
+              </a:rPr>
+              <a:t>:</a:t>
+            </a:r>
+            <a:endParaRPr sz="1400">
+              <a:solidFill>
+                <a:srgbClr val="000000"/>
+              </a:solidFill>
+              <a:latin typeface="Tahoma"/>
+              <a:ea typeface="Tahoma"/>
+              <a:cs typeface="Tahoma"/>
+              <a:sym typeface="Tahoma"/>
+            </a:endParaRPr>
+          </a:p>
+          <a:p>
+            <a:pPr indent="-317500" lvl="0" marL="457200" rtl="0" algn="l">
+              <a:lnSpc>
+                <a:spcPct val="95000"/>
+              </a:lnSpc>
+              <a:spcBef>
+                <a:spcPts val="0"/>
+              </a:spcBef>
+              <a:spcAft>
+                <a:spcPts val="0"/>
+              </a:spcAft>
+              <a:buClr>
+                <a:srgbClr val="000000"/>
+              </a:buClr>
+              <a:buSzPts val="1400"/>
+              <a:buFont typeface="Tahoma"/>
+              <a:buChar char="●"/>
+            </a:pPr>
+            <a:r>
+              <a:rPr lang="pl" sz="1400">
+                <a:solidFill>
+                  <a:srgbClr val="000000"/>
+                </a:solidFill>
+                <a:latin typeface="Tahoma"/>
+                <a:ea typeface="Tahoma"/>
+                <a:cs typeface="Tahoma"/>
+                <a:sym typeface="Tahoma"/>
+              </a:rPr>
+              <a:t>moc obliczeniową</a:t>
+            </a:r>
+            <a:endParaRPr sz="1400">
+              <a:solidFill>
+                <a:srgbClr val="000000"/>
+              </a:solidFill>
+              <a:latin typeface="Tahoma"/>
+              <a:ea typeface="Tahoma"/>
+              <a:cs typeface="Tahoma"/>
+              <a:sym typeface="Tahoma"/>
+            </a:endParaRPr>
+          </a:p>
+          <a:p>
+            <a:pPr indent="-317500" lvl="0" marL="457200" rtl="0" algn="l">
+              <a:lnSpc>
+                <a:spcPct val="95000"/>
+              </a:lnSpc>
+              <a:spcBef>
+                <a:spcPts val="0"/>
+              </a:spcBef>
+              <a:spcAft>
+                <a:spcPts val="0"/>
+              </a:spcAft>
+              <a:buClr>
+                <a:srgbClr val="000000"/>
+              </a:buClr>
+              <a:buSzPts val="1400"/>
+              <a:buFont typeface="Tahoma"/>
+              <a:buChar char="●"/>
+            </a:pPr>
+            <a:r>
+              <a:rPr lang="pl" sz="1400">
+                <a:solidFill>
+                  <a:srgbClr val="000000"/>
+                </a:solidFill>
+                <a:latin typeface="Tahoma"/>
+                <a:ea typeface="Tahoma"/>
+                <a:cs typeface="Tahoma"/>
+                <a:sym typeface="Tahoma"/>
+              </a:rPr>
+              <a:t>przestrzeń dyskową</a:t>
+            </a:r>
+            <a:endParaRPr sz="1400">
+              <a:solidFill>
+                <a:srgbClr val="000000"/>
+              </a:solidFill>
+              <a:latin typeface="Tahoma"/>
+              <a:ea typeface="Tahoma"/>
+              <a:cs typeface="Tahoma"/>
+              <a:sym typeface="Tahoma"/>
+            </a:endParaRPr>
+          </a:p>
+          <a:p>
+            <a:pPr indent="-317500" lvl="0" marL="457200" rtl="0" algn="l">
+              <a:lnSpc>
+                <a:spcPct val="95000"/>
+              </a:lnSpc>
+              <a:spcBef>
+                <a:spcPts val="0"/>
+              </a:spcBef>
+              <a:spcAft>
+                <a:spcPts val="0"/>
+              </a:spcAft>
+              <a:buClr>
+                <a:srgbClr val="000000"/>
+              </a:buClr>
+              <a:buSzPts val="1400"/>
+              <a:buFont typeface="Tahoma"/>
+              <a:buChar char="●"/>
+            </a:pPr>
+            <a:r>
+              <a:rPr lang="pl" sz="1400">
+                <a:solidFill>
+                  <a:srgbClr val="000000"/>
+                </a:solidFill>
+                <a:latin typeface="Tahoma"/>
+                <a:ea typeface="Tahoma"/>
+                <a:cs typeface="Tahoma"/>
+                <a:sym typeface="Tahoma"/>
+              </a:rPr>
+              <a:t>połączenia sieciowe</a:t>
+            </a:r>
+            <a:endParaRPr sz="1400">
+              <a:solidFill>
+                <a:srgbClr val="000000"/>
+              </a:solidFill>
+              <a:latin typeface="Tahoma"/>
+              <a:ea typeface="Tahoma"/>
+              <a:cs typeface="Tahoma"/>
+              <a:sym typeface="Tahoma"/>
+            </a:endParaRPr>
+          </a:p>
+          <a:p>
+            <a:pPr indent="0" lvl="0" marL="0" rtl="0" algn="l">
+              <a:lnSpc>
+                <a:spcPct val="95000"/>
+              </a:lnSpc>
+              <a:spcBef>
+                <a:spcPts val="0"/>
+              </a:spcBef>
+              <a:spcAft>
+                <a:spcPts val="0"/>
+              </a:spcAft>
+              <a:buSzPts val="770"/>
+              <a:buNone/>
+            </a:pPr>
+            <a:r>
+              <a:rPr b="1" lang="pl" sz="1400">
+                <a:solidFill>
+                  <a:srgbClr val="000000"/>
+                </a:solidFill>
+                <a:latin typeface="Tahoma"/>
+                <a:ea typeface="Tahoma"/>
+                <a:cs typeface="Tahoma"/>
+                <a:sym typeface="Tahoma"/>
+              </a:rPr>
+              <a:t>Przykład:</a:t>
+            </a:r>
+            <a:r>
+              <a:rPr lang="pl" sz="1400">
+                <a:solidFill>
+                  <a:srgbClr val="000000"/>
+                </a:solidFill>
+                <a:latin typeface="Tahoma"/>
+                <a:ea typeface="Tahoma"/>
+                <a:cs typeface="Tahoma"/>
+                <a:sym typeface="Tahoma"/>
+              </a:rPr>
+              <a:t> AWS EC2, Azure Virtual Machines</a:t>
+            </a:r>
+            <a:endParaRPr sz="1400">
+              <a:latin typeface="Tahoma"/>
+              <a:ea typeface="Tahoma"/>
+              <a:cs typeface="Tahoma"/>
+              <a:sym typeface="Tahoma"/>
+            </a:endParaRPr>
+          </a:p>
+        </p:txBody>
+      </p:sp>
+    </p:spTree>
+  </p:cSld>
+  <p:clrMapOvr>
+    <a:masterClrMapping/>
+  </p:clrMapOvr>
+</p:sld>
+</file>
+
+<file path=ppt/slides/slide88.xml><?xml version="1.0" encoding="utf-8"?>
+<p:sld xmlns:a="http://schemas.openxmlformats.org/drawingml/2006/main" xmlns:r="http://schemas.openxmlformats.org/officeDocument/2006/relationships" xmlns:mc="http://schemas.openxmlformats.org/markup-compatibility/2006" xmlns:mv="urn:schemas-microsoft-com:mac:vml" xmlns:p="http://schemas.openxmlformats.org/presentationml/2006/main" xmlns:c="http://schemas.openxmlformats.org/drawingml/2006/chart" xmlns:dgm="http://schemas.openxmlformats.org/drawingml/2006/diagram" xmlns:o="urn:schemas-microsoft-com:office:office" xmlns:v="urn:schemas-microsoft-com:vml" xmlns:pvml="urn:schemas-microsoft-com:office:powerpoint" xmlns:com="http://schemas.openxmlformats.org/drawingml/2006/compatibility" xmlns:p14="http://schemas.microsoft.com/office/powerpoint/2010/main" xmlns:p15="http://schemas.microsoft.com/office/powerpoint/2012/main" xmlns:ahyp="http://schemas.microsoft.com/office/drawing/2018/hyperlinkcolor">
+  <p:cSld>
+    <p:spTree>
+      <p:nvGrpSpPr>
+        <p:cNvPr id="611" name="Shape 611"/>
+        <p:cNvGrpSpPr/>
+        <p:nvPr/>
+      </p:nvGrpSpPr>
+      <p:grpSpPr>
+        <a:xfrm>
+          <a:off x="0" y="0"/>
+          <a:ext cx="0" cy="0"/>
+          <a:chOff x="0" y="0"/>
+          <a:chExt cx="0" cy="0"/>
+        </a:xfrm>
+      </p:grpSpPr>
+      <p:sp>
+        <p:nvSpPr>
+          <p:cNvPr id="612" name="Google Shape;612;p100"/>
+          <p:cNvSpPr txBox="1"/>
+          <p:nvPr>
+            <p:ph type="title"/>
+          </p:nvPr>
+        </p:nvSpPr>
+        <p:spPr>
+          <a:xfrm>
+            <a:off x="729450" y="1318650"/>
+            <a:ext cx="7688700" cy="535200"/>
+          </a:xfrm>
+          <a:prstGeom prst="rect">
+            <a:avLst/>
+          </a:prstGeom>
+        </p:spPr>
+        <p:txBody>
+          <a:bodyPr anchorCtr="0" anchor="t" bIns="91425" lIns="91425" spcFirstLastPara="1" rIns="91425" wrap="square" tIns="91425">
+            <a:noAutofit/>
+          </a:bodyPr>
+          <a:lstStyle/>
+          <a:p>
+            <a:pPr indent="0" lvl="0" marL="0" rtl="0" algn="l">
+              <a:spcBef>
+                <a:spcPts val="0"/>
+              </a:spcBef>
+              <a:spcAft>
+                <a:spcPts val="0"/>
+              </a:spcAft>
+              <a:buSzPts val="990"/>
+              <a:buNone/>
+            </a:pPr>
+            <a:r>
+              <a:rPr lang="pl" sz="2440">
+                <a:latin typeface="Tahoma"/>
+                <a:ea typeface="Tahoma"/>
+                <a:cs typeface="Tahoma"/>
+                <a:sym typeface="Tahoma"/>
+              </a:rPr>
+              <a:t>Warstwa platformy (PaaS – Platform as a Service)</a:t>
+            </a:r>
+            <a:endParaRPr sz="2440">
+              <a:latin typeface="Tahoma"/>
+              <a:ea typeface="Tahoma"/>
+              <a:cs typeface="Tahoma"/>
+              <a:sym typeface="Tahoma"/>
+            </a:endParaRPr>
+          </a:p>
+        </p:txBody>
+      </p:sp>
+      <p:sp>
+        <p:nvSpPr>
+          <p:cNvPr id="613" name="Google Shape;613;p100"/>
+          <p:cNvSpPr txBox="1"/>
+          <p:nvPr>
+            <p:ph idx="1" type="body"/>
+          </p:nvPr>
+        </p:nvSpPr>
+        <p:spPr>
+          <a:xfrm>
+            <a:off x="729450" y="2078875"/>
+            <a:ext cx="7688700" cy="2261100"/>
+          </a:xfrm>
+          <a:prstGeom prst="rect">
+            <a:avLst/>
+          </a:prstGeom>
+        </p:spPr>
+        <p:txBody>
+          <a:bodyPr anchorCtr="0" anchor="t" bIns="91425" lIns="91425" spcFirstLastPara="1" rIns="91425" wrap="square" tIns="91425">
+            <a:normAutofit/>
+          </a:bodyPr>
+          <a:lstStyle/>
+          <a:p>
+            <a:pPr indent="0" lvl="0" marL="0" rtl="0" algn="l">
+              <a:lnSpc>
+                <a:spcPct val="100000"/>
+              </a:lnSpc>
+              <a:spcBef>
+                <a:spcPts val="0"/>
+              </a:spcBef>
+              <a:spcAft>
+                <a:spcPts val="0"/>
+              </a:spcAft>
+              <a:buNone/>
+            </a:pPr>
+            <a:r>
+              <a:rPr b="1" lang="pl" sz="1100">
+                <a:solidFill>
+                  <a:srgbClr val="351C75"/>
+                </a:solidFill>
+                <a:latin typeface="Arial"/>
+                <a:ea typeface="Arial"/>
+                <a:cs typeface="Arial"/>
+                <a:sym typeface="Arial"/>
+              </a:rPr>
+              <a:t>Ułatwia tworzenie i uruchamianie aplikacji. </a:t>
+            </a:r>
+            <a:endParaRPr b="1" sz="1100">
+              <a:solidFill>
+                <a:srgbClr val="351C75"/>
+              </a:solidFill>
+              <a:latin typeface="Arial"/>
+              <a:ea typeface="Arial"/>
+              <a:cs typeface="Arial"/>
+              <a:sym typeface="Arial"/>
+            </a:endParaRPr>
+          </a:p>
+          <a:p>
+            <a:pPr indent="0" lvl="0" marL="0" rtl="0" algn="l">
+              <a:lnSpc>
+                <a:spcPct val="100000"/>
+              </a:lnSpc>
+              <a:spcBef>
+                <a:spcPts val="0"/>
+              </a:spcBef>
+              <a:spcAft>
+                <a:spcPts val="0"/>
+              </a:spcAft>
+              <a:buNone/>
+            </a:pPr>
+            <a:r>
+              <a:t/>
+            </a:r>
+            <a:endParaRPr sz="1100">
+              <a:solidFill>
+                <a:srgbClr val="000000"/>
+              </a:solidFill>
+              <a:latin typeface="Arial"/>
+              <a:ea typeface="Arial"/>
+              <a:cs typeface="Arial"/>
+              <a:sym typeface="Arial"/>
+            </a:endParaRPr>
+          </a:p>
+          <a:p>
+            <a:pPr indent="0" lvl="0" marL="0" rtl="0" algn="l">
+              <a:lnSpc>
+                <a:spcPct val="100000"/>
+              </a:lnSpc>
+              <a:spcBef>
+                <a:spcPts val="0"/>
+              </a:spcBef>
+              <a:spcAft>
+                <a:spcPts val="0"/>
+              </a:spcAft>
+              <a:buNone/>
+            </a:pPr>
+            <a:r>
+              <a:rPr lang="pl" sz="1100">
+                <a:solidFill>
+                  <a:srgbClr val="000000"/>
+                </a:solidFill>
+                <a:latin typeface="Arial"/>
+                <a:ea typeface="Arial"/>
+                <a:cs typeface="Arial"/>
+                <a:sym typeface="Arial"/>
+              </a:rPr>
+              <a:t>Zawiera:</a:t>
+            </a:r>
+            <a:endParaRPr sz="1100">
+              <a:solidFill>
+                <a:srgbClr val="000000"/>
+              </a:solidFill>
+              <a:latin typeface="Arial"/>
+              <a:ea typeface="Arial"/>
+              <a:cs typeface="Arial"/>
+              <a:sym typeface="Arial"/>
+            </a:endParaRPr>
+          </a:p>
+          <a:p>
+            <a:pPr indent="-298450" lvl="0" marL="457200" rtl="0" algn="l">
+              <a:lnSpc>
+                <a:spcPct val="100000"/>
+              </a:lnSpc>
+              <a:spcBef>
+                <a:spcPts val="0"/>
+              </a:spcBef>
+              <a:spcAft>
+                <a:spcPts val="0"/>
+              </a:spcAft>
+              <a:buClr>
+                <a:srgbClr val="000000"/>
+              </a:buClr>
+              <a:buSzPts val="1100"/>
+              <a:buFont typeface="Arial"/>
+              <a:buChar char="●"/>
+            </a:pPr>
+            <a:r>
+              <a:rPr lang="pl" sz="1100">
+                <a:solidFill>
+                  <a:srgbClr val="000000"/>
+                </a:solidFill>
+                <a:latin typeface="Arial"/>
+                <a:ea typeface="Arial"/>
+                <a:cs typeface="Arial"/>
+                <a:sym typeface="Arial"/>
+              </a:rPr>
+              <a:t>systemy operacyjne</a:t>
+            </a:r>
+            <a:endParaRPr sz="1100">
+              <a:solidFill>
+                <a:srgbClr val="000000"/>
+              </a:solidFill>
+              <a:latin typeface="Arial"/>
+              <a:ea typeface="Arial"/>
+              <a:cs typeface="Arial"/>
+              <a:sym typeface="Arial"/>
+            </a:endParaRPr>
+          </a:p>
+          <a:p>
+            <a:pPr indent="-298450" lvl="0" marL="457200" rtl="0" algn="l">
+              <a:lnSpc>
+                <a:spcPct val="100000"/>
+              </a:lnSpc>
+              <a:spcBef>
+                <a:spcPts val="0"/>
+              </a:spcBef>
+              <a:spcAft>
+                <a:spcPts val="0"/>
+              </a:spcAft>
+              <a:buClr>
+                <a:srgbClr val="000000"/>
+              </a:buClr>
+              <a:buSzPts val="1100"/>
+              <a:buFont typeface="Arial"/>
+              <a:buChar char="●"/>
+            </a:pPr>
+            <a:r>
+              <a:rPr lang="pl" sz="1100">
+                <a:solidFill>
+                  <a:srgbClr val="000000"/>
+                </a:solidFill>
+                <a:latin typeface="Arial"/>
+                <a:ea typeface="Arial"/>
+                <a:cs typeface="Arial"/>
+                <a:sym typeface="Arial"/>
+              </a:rPr>
+              <a:t>środowiska uruchomieniowe (Java, .NET, Node.js)</a:t>
+            </a:r>
+            <a:endParaRPr sz="1100">
+              <a:solidFill>
+                <a:srgbClr val="000000"/>
+              </a:solidFill>
+              <a:latin typeface="Arial"/>
+              <a:ea typeface="Arial"/>
+              <a:cs typeface="Arial"/>
+              <a:sym typeface="Arial"/>
+            </a:endParaRPr>
+          </a:p>
+          <a:p>
+            <a:pPr indent="-298450" lvl="0" marL="457200" rtl="0" algn="l">
+              <a:lnSpc>
+                <a:spcPct val="100000"/>
+              </a:lnSpc>
+              <a:spcBef>
+                <a:spcPts val="0"/>
+              </a:spcBef>
+              <a:spcAft>
+                <a:spcPts val="0"/>
+              </a:spcAft>
+              <a:buClr>
+                <a:srgbClr val="000000"/>
+              </a:buClr>
+              <a:buSzPts val="1100"/>
+              <a:buFont typeface="Arial"/>
+              <a:buChar char="●"/>
+            </a:pPr>
+            <a:r>
+              <a:rPr lang="pl" sz="1100">
+                <a:solidFill>
+                  <a:srgbClr val="000000"/>
+                </a:solidFill>
+                <a:latin typeface="Arial"/>
+                <a:ea typeface="Arial"/>
+                <a:cs typeface="Arial"/>
+                <a:sym typeface="Arial"/>
+              </a:rPr>
+              <a:t>serwery aplikacyjne</a:t>
+            </a:r>
+            <a:endParaRPr sz="1100">
+              <a:solidFill>
+                <a:srgbClr val="000000"/>
+              </a:solidFill>
+              <a:latin typeface="Arial"/>
+              <a:ea typeface="Arial"/>
+              <a:cs typeface="Arial"/>
+              <a:sym typeface="Arial"/>
+            </a:endParaRPr>
+          </a:p>
+          <a:p>
+            <a:pPr indent="-298450" lvl="0" marL="457200" rtl="0" algn="l">
+              <a:lnSpc>
+                <a:spcPct val="100000"/>
+              </a:lnSpc>
+              <a:spcBef>
+                <a:spcPts val="0"/>
+              </a:spcBef>
+              <a:spcAft>
+                <a:spcPts val="0"/>
+              </a:spcAft>
+              <a:buClr>
+                <a:srgbClr val="000000"/>
+              </a:buClr>
+              <a:buSzPts val="1100"/>
+              <a:buFont typeface="Arial"/>
+              <a:buChar char="●"/>
+            </a:pPr>
+            <a:r>
+              <a:rPr lang="pl" sz="1100">
+                <a:solidFill>
+                  <a:srgbClr val="000000"/>
+                </a:solidFill>
+                <a:latin typeface="Arial"/>
+                <a:ea typeface="Arial"/>
+                <a:cs typeface="Arial"/>
+                <a:sym typeface="Arial"/>
+              </a:rPr>
+              <a:t>bazy danych</a:t>
+            </a:r>
+            <a:endParaRPr sz="1100">
+              <a:solidFill>
+                <a:srgbClr val="000000"/>
+              </a:solidFill>
+              <a:latin typeface="Arial"/>
+              <a:ea typeface="Arial"/>
+              <a:cs typeface="Arial"/>
+              <a:sym typeface="Arial"/>
+            </a:endParaRPr>
+          </a:p>
+          <a:p>
+            <a:pPr indent="-298450" lvl="0" marL="457200" rtl="0" algn="l">
+              <a:lnSpc>
+                <a:spcPct val="100000"/>
+              </a:lnSpc>
+              <a:spcBef>
+                <a:spcPts val="0"/>
+              </a:spcBef>
+              <a:spcAft>
+                <a:spcPts val="0"/>
+              </a:spcAft>
+              <a:buClr>
+                <a:srgbClr val="000000"/>
+              </a:buClr>
+              <a:buSzPts val="1100"/>
+              <a:buFont typeface="Arial"/>
+              <a:buChar char="●"/>
+            </a:pPr>
+            <a:r>
+              <a:rPr lang="pl" sz="1100">
+                <a:solidFill>
+                  <a:srgbClr val="000000"/>
+                </a:solidFill>
+                <a:latin typeface="Arial"/>
+                <a:ea typeface="Arial"/>
+                <a:cs typeface="Arial"/>
+                <a:sym typeface="Arial"/>
+              </a:rPr>
+              <a:t>narzędzia developerskie</a:t>
+            </a:r>
+            <a:br>
+              <a:rPr lang="pl" sz="1100">
+                <a:solidFill>
+                  <a:srgbClr val="000000"/>
+                </a:solidFill>
+                <a:latin typeface="Arial"/>
+                <a:ea typeface="Arial"/>
+                <a:cs typeface="Arial"/>
+                <a:sym typeface="Arial"/>
+              </a:rPr>
+            </a:br>
+            <a:endParaRPr sz="1100">
+              <a:solidFill>
+                <a:srgbClr val="000000"/>
+              </a:solidFill>
+              <a:latin typeface="Arial"/>
+              <a:ea typeface="Arial"/>
+              <a:cs typeface="Arial"/>
+              <a:sym typeface="Arial"/>
+            </a:endParaRPr>
+          </a:p>
+          <a:p>
+            <a:pPr indent="0" lvl="0" marL="0" rtl="0" algn="l">
+              <a:lnSpc>
+                <a:spcPct val="100000"/>
+              </a:lnSpc>
+              <a:spcBef>
+                <a:spcPts val="0"/>
+              </a:spcBef>
+              <a:spcAft>
+                <a:spcPts val="0"/>
+              </a:spcAft>
+              <a:buNone/>
+            </a:pPr>
+            <a:r>
+              <a:rPr lang="pl" sz="1100">
+                <a:solidFill>
+                  <a:srgbClr val="000000"/>
+                </a:solidFill>
+                <a:latin typeface="Arial"/>
+                <a:ea typeface="Arial"/>
+                <a:cs typeface="Arial"/>
+                <a:sym typeface="Arial"/>
+              </a:rPr>
+              <a:t>Programista </a:t>
+            </a:r>
+            <a:r>
+              <a:rPr b="1" lang="pl" sz="1100">
+                <a:solidFill>
+                  <a:srgbClr val="351C75"/>
+                </a:solidFill>
+                <a:latin typeface="Arial"/>
+                <a:ea typeface="Arial"/>
+                <a:cs typeface="Arial"/>
+                <a:sym typeface="Arial"/>
+              </a:rPr>
+              <a:t>nie zarządza serwerem</a:t>
+            </a:r>
+            <a:r>
+              <a:rPr lang="pl" sz="1100">
+                <a:solidFill>
+                  <a:srgbClr val="351C75"/>
+                </a:solidFill>
+                <a:latin typeface="Arial"/>
+                <a:ea typeface="Arial"/>
+                <a:cs typeface="Arial"/>
+                <a:sym typeface="Arial"/>
+              </a:rPr>
+              <a:t>,</a:t>
+            </a:r>
+            <a:r>
+              <a:rPr lang="pl" sz="1100">
+                <a:solidFill>
+                  <a:srgbClr val="000000"/>
+                </a:solidFill>
+                <a:latin typeface="Arial"/>
+                <a:ea typeface="Arial"/>
+                <a:cs typeface="Arial"/>
+                <a:sym typeface="Arial"/>
+              </a:rPr>
+              <a:t> tylko kodem.</a:t>
+            </a:r>
+            <a:endParaRPr sz="1100">
+              <a:solidFill>
+                <a:srgbClr val="000000"/>
+              </a:solidFill>
+              <a:latin typeface="Arial"/>
+              <a:ea typeface="Arial"/>
+              <a:cs typeface="Arial"/>
+              <a:sym typeface="Arial"/>
+            </a:endParaRPr>
+          </a:p>
+          <a:p>
+            <a:pPr indent="0" lvl="0" marL="0" rtl="0" algn="l">
+              <a:lnSpc>
+                <a:spcPct val="100000"/>
+              </a:lnSpc>
+              <a:spcBef>
+                <a:spcPts val="0"/>
+              </a:spcBef>
+              <a:spcAft>
+                <a:spcPts val="0"/>
+              </a:spcAft>
+              <a:buNone/>
+            </a:pPr>
+            <a:r>
+              <a:t/>
+            </a:r>
+            <a:endParaRPr sz="1100">
+              <a:solidFill>
+                <a:srgbClr val="000000"/>
+              </a:solidFill>
+              <a:latin typeface="Arial"/>
+              <a:ea typeface="Arial"/>
+              <a:cs typeface="Arial"/>
+              <a:sym typeface="Arial"/>
+            </a:endParaRPr>
+          </a:p>
+          <a:p>
+            <a:pPr indent="0" lvl="0" marL="0" rtl="0" algn="l">
+              <a:lnSpc>
+                <a:spcPct val="100000"/>
+              </a:lnSpc>
+              <a:spcBef>
+                <a:spcPts val="0"/>
+              </a:spcBef>
+              <a:spcAft>
+                <a:spcPts val="0"/>
+              </a:spcAft>
+              <a:buNone/>
+            </a:pPr>
+            <a:r>
+              <a:rPr b="1" lang="pl" sz="1100">
+                <a:solidFill>
+                  <a:srgbClr val="000000"/>
+                </a:solidFill>
+                <a:latin typeface="Arial"/>
+                <a:ea typeface="Arial"/>
+                <a:cs typeface="Arial"/>
+                <a:sym typeface="Arial"/>
+              </a:rPr>
+              <a:t>Przykład:</a:t>
+            </a:r>
+            <a:r>
+              <a:rPr lang="pl" sz="1100">
+                <a:solidFill>
+                  <a:srgbClr val="000000"/>
+                </a:solidFill>
+                <a:latin typeface="Arial"/>
+                <a:ea typeface="Arial"/>
+                <a:cs typeface="Arial"/>
+                <a:sym typeface="Arial"/>
+              </a:rPr>
+              <a:t> Google App Engine, Azure App Service</a:t>
             </a:r>
             <a:endParaRPr/>
+          </a:p>
+        </p:txBody>
+      </p:sp>
+    </p:spTree>
+  </p:cSld>
+  <p:clrMapOvr>
+    <a:masterClrMapping/>
+  </p:clrMapOvr>
+</p:sld>
+</file>
+
+<file path=ppt/slides/slide89.xml><?xml version="1.0" encoding="utf-8"?>
+<p:sld xmlns:a="http://schemas.openxmlformats.org/drawingml/2006/main" xmlns:r="http://schemas.openxmlformats.org/officeDocument/2006/relationships" xmlns:mc="http://schemas.openxmlformats.org/markup-compatibility/2006" xmlns:mv="urn:schemas-microsoft-com:mac:vml" xmlns:p="http://schemas.openxmlformats.org/presentationml/2006/main" xmlns:c="http://schemas.openxmlformats.org/drawingml/2006/chart" xmlns:dgm="http://schemas.openxmlformats.org/drawingml/2006/diagram" xmlns:o="urn:schemas-microsoft-com:office:office" xmlns:v="urn:schemas-microsoft-com:vml" xmlns:pvml="urn:schemas-microsoft-com:office:powerpoint" xmlns:com="http://schemas.openxmlformats.org/drawingml/2006/compatibility" xmlns:p14="http://schemas.microsoft.com/office/powerpoint/2010/main" xmlns:p15="http://schemas.microsoft.com/office/powerpoint/2012/main" xmlns:ahyp="http://schemas.microsoft.com/office/drawing/2018/hyperlinkcolor">
+  <p:cSld>
+    <p:spTree>
+      <p:nvGrpSpPr>
+        <p:cNvPr id="617" name="Shape 617"/>
+        <p:cNvGrpSpPr/>
+        <p:nvPr/>
+      </p:nvGrpSpPr>
+      <p:grpSpPr>
+        <a:xfrm>
+          <a:off x="0" y="0"/>
+          <a:ext cx="0" cy="0"/>
+          <a:chOff x="0" y="0"/>
+          <a:chExt cx="0" cy="0"/>
+        </a:xfrm>
+      </p:grpSpPr>
+      <p:sp>
+        <p:nvSpPr>
+          <p:cNvPr id="618" name="Google Shape;618;p101"/>
+          <p:cNvSpPr txBox="1"/>
+          <p:nvPr>
+            <p:ph type="title"/>
+          </p:nvPr>
+        </p:nvSpPr>
+        <p:spPr>
+          <a:xfrm>
+            <a:off x="729450" y="1318650"/>
+            <a:ext cx="7688700" cy="535200"/>
+          </a:xfrm>
+          <a:prstGeom prst="rect">
+            <a:avLst/>
+          </a:prstGeom>
+        </p:spPr>
+        <p:txBody>
+          <a:bodyPr anchorCtr="0" anchor="t" bIns="91425" lIns="91425" spcFirstLastPara="1" rIns="91425" wrap="square" tIns="91425">
+            <a:normAutofit fontScale="90000"/>
+          </a:bodyPr>
+          <a:lstStyle/>
+          <a:p>
+            <a:pPr indent="0" lvl="0" marL="0" rtl="0" algn="l">
+              <a:spcBef>
+                <a:spcPts val="0"/>
+              </a:spcBef>
+              <a:spcAft>
+                <a:spcPts val="0"/>
+              </a:spcAft>
+              <a:buNone/>
+            </a:pPr>
+            <a:r>
+              <a:rPr lang="pl">
+                <a:latin typeface="Tahoma"/>
+                <a:ea typeface="Tahoma"/>
+                <a:cs typeface="Tahoma"/>
+                <a:sym typeface="Tahoma"/>
+              </a:rPr>
+              <a:t>Warstwa aplikacji (SaaS – Software as a Service)</a:t>
+            </a:r>
+            <a:endParaRPr>
+              <a:latin typeface="Tahoma"/>
+              <a:ea typeface="Tahoma"/>
+              <a:cs typeface="Tahoma"/>
+              <a:sym typeface="Tahoma"/>
+            </a:endParaRPr>
+          </a:p>
+        </p:txBody>
+      </p:sp>
+      <p:sp>
+        <p:nvSpPr>
+          <p:cNvPr id="619" name="Google Shape;619;p101"/>
+          <p:cNvSpPr txBox="1"/>
+          <p:nvPr>
+            <p:ph idx="1" type="body"/>
+          </p:nvPr>
+        </p:nvSpPr>
+        <p:spPr>
+          <a:xfrm>
+            <a:off x="729450" y="2078875"/>
+            <a:ext cx="7688700" cy="2261100"/>
+          </a:xfrm>
+          <a:prstGeom prst="rect">
+            <a:avLst/>
+          </a:prstGeom>
+        </p:spPr>
+        <p:txBody>
+          <a:bodyPr anchorCtr="0" anchor="t" bIns="91425" lIns="91425" spcFirstLastPara="1" rIns="91425" wrap="square" tIns="91425">
+            <a:noAutofit/>
+          </a:bodyPr>
+          <a:lstStyle/>
+          <a:p>
+            <a:pPr indent="0" lvl="0" marL="0" rtl="0" algn="l">
+              <a:spcBef>
+                <a:spcPts val="0"/>
+              </a:spcBef>
+              <a:spcAft>
+                <a:spcPts val="0"/>
+              </a:spcAft>
+              <a:buNone/>
+            </a:pPr>
+            <a:r>
+              <a:rPr lang="pl" sz="1400">
+                <a:solidFill>
+                  <a:srgbClr val="000000"/>
+                </a:solidFill>
+                <a:latin typeface="Tahoma"/>
+                <a:ea typeface="Tahoma"/>
+                <a:cs typeface="Tahoma"/>
+                <a:sym typeface="Tahoma"/>
+              </a:rPr>
+              <a:t>To </a:t>
+            </a:r>
+            <a:r>
+              <a:rPr b="1" lang="pl" sz="1400">
+                <a:solidFill>
+                  <a:srgbClr val="351C75"/>
+                </a:solidFill>
+                <a:latin typeface="Tahoma"/>
+                <a:ea typeface="Tahoma"/>
+                <a:cs typeface="Tahoma"/>
+                <a:sym typeface="Tahoma"/>
+              </a:rPr>
+              <a:t>gotowe aplikacje dostępne przez przeglądarkę</a:t>
+            </a:r>
+            <a:r>
+              <a:rPr lang="pl" sz="1400">
+                <a:solidFill>
+                  <a:srgbClr val="351C75"/>
+                </a:solidFill>
+                <a:latin typeface="Tahoma"/>
+                <a:ea typeface="Tahoma"/>
+                <a:cs typeface="Tahoma"/>
+                <a:sym typeface="Tahoma"/>
+              </a:rPr>
+              <a:t>.</a:t>
+            </a:r>
+            <a:endParaRPr sz="1400">
+              <a:solidFill>
+                <a:srgbClr val="351C75"/>
+              </a:solidFill>
+              <a:latin typeface="Tahoma"/>
+              <a:ea typeface="Tahoma"/>
+              <a:cs typeface="Tahoma"/>
+              <a:sym typeface="Tahoma"/>
+            </a:endParaRPr>
+          </a:p>
+          <a:p>
+            <a:pPr indent="0" lvl="0" marL="0" rtl="0" algn="l">
+              <a:spcBef>
+                <a:spcPts val="0"/>
+              </a:spcBef>
+              <a:spcAft>
+                <a:spcPts val="0"/>
+              </a:spcAft>
+              <a:buNone/>
+            </a:pPr>
+            <a:r>
+              <a:rPr lang="pl" sz="1400">
+                <a:solidFill>
+                  <a:srgbClr val="000000"/>
+                </a:solidFill>
+                <a:latin typeface="Tahoma"/>
+                <a:ea typeface="Tahoma"/>
+                <a:cs typeface="Tahoma"/>
+                <a:sym typeface="Tahoma"/>
+              </a:rPr>
+              <a:t>Charakterystyka:</a:t>
+            </a:r>
+            <a:endParaRPr sz="1400">
+              <a:solidFill>
+                <a:srgbClr val="000000"/>
+              </a:solidFill>
+              <a:latin typeface="Tahoma"/>
+              <a:ea typeface="Tahoma"/>
+              <a:cs typeface="Tahoma"/>
+              <a:sym typeface="Tahoma"/>
+            </a:endParaRPr>
+          </a:p>
+          <a:p>
+            <a:pPr indent="-317500" lvl="0" marL="457200" rtl="0" algn="l">
+              <a:spcBef>
+                <a:spcPts val="0"/>
+              </a:spcBef>
+              <a:spcAft>
+                <a:spcPts val="0"/>
+              </a:spcAft>
+              <a:buClr>
+                <a:srgbClr val="000000"/>
+              </a:buClr>
+              <a:buSzPts val="1400"/>
+              <a:buFont typeface="Tahoma"/>
+              <a:buChar char="●"/>
+            </a:pPr>
+            <a:r>
+              <a:rPr lang="pl" sz="1400">
+                <a:solidFill>
+                  <a:srgbClr val="000000"/>
+                </a:solidFill>
+                <a:latin typeface="Tahoma"/>
+                <a:ea typeface="Tahoma"/>
+                <a:cs typeface="Tahoma"/>
+                <a:sym typeface="Tahoma"/>
+              </a:rPr>
+              <a:t>brak instalacji lokalnej</a:t>
+            </a:r>
+            <a:endParaRPr sz="1400">
+              <a:solidFill>
+                <a:srgbClr val="000000"/>
+              </a:solidFill>
+              <a:latin typeface="Tahoma"/>
+              <a:ea typeface="Tahoma"/>
+              <a:cs typeface="Tahoma"/>
+              <a:sym typeface="Tahoma"/>
+            </a:endParaRPr>
+          </a:p>
+          <a:p>
+            <a:pPr indent="-317500" lvl="0" marL="457200" rtl="0" algn="l">
+              <a:spcBef>
+                <a:spcPts val="0"/>
+              </a:spcBef>
+              <a:spcAft>
+                <a:spcPts val="0"/>
+              </a:spcAft>
+              <a:buClr>
+                <a:srgbClr val="000000"/>
+              </a:buClr>
+              <a:buSzPts val="1400"/>
+              <a:buFont typeface="Tahoma"/>
+              <a:buChar char="●"/>
+            </a:pPr>
+            <a:r>
+              <a:rPr lang="pl" sz="1400">
+                <a:solidFill>
+                  <a:srgbClr val="000000"/>
+                </a:solidFill>
+                <a:latin typeface="Tahoma"/>
+                <a:ea typeface="Tahoma"/>
+                <a:cs typeface="Tahoma"/>
+                <a:sym typeface="Tahoma"/>
+              </a:rPr>
+              <a:t>dostęp z dowolnego miejsca</a:t>
+            </a:r>
+            <a:endParaRPr sz="1400">
+              <a:solidFill>
+                <a:srgbClr val="000000"/>
+              </a:solidFill>
+              <a:latin typeface="Tahoma"/>
+              <a:ea typeface="Tahoma"/>
+              <a:cs typeface="Tahoma"/>
+              <a:sym typeface="Tahoma"/>
+            </a:endParaRPr>
+          </a:p>
+          <a:p>
+            <a:pPr indent="-317500" lvl="0" marL="457200" rtl="0" algn="l">
+              <a:spcBef>
+                <a:spcPts val="0"/>
+              </a:spcBef>
+              <a:spcAft>
+                <a:spcPts val="0"/>
+              </a:spcAft>
+              <a:buClr>
+                <a:srgbClr val="000000"/>
+              </a:buClr>
+              <a:buSzPts val="1400"/>
+              <a:buFont typeface="Tahoma"/>
+              <a:buChar char="●"/>
+            </a:pPr>
+            <a:r>
+              <a:rPr lang="pl" sz="1400">
+                <a:solidFill>
+                  <a:srgbClr val="000000"/>
+                </a:solidFill>
+                <a:latin typeface="Tahoma"/>
+                <a:ea typeface="Tahoma"/>
+                <a:cs typeface="Tahoma"/>
+                <a:sym typeface="Tahoma"/>
+              </a:rPr>
+              <a:t>aktualizacje po stronie dostawcy</a:t>
+            </a:r>
+            <a:endParaRPr sz="1400">
+              <a:solidFill>
+                <a:srgbClr val="000000"/>
+              </a:solidFill>
+              <a:latin typeface="Tahoma"/>
+              <a:ea typeface="Tahoma"/>
+              <a:cs typeface="Tahoma"/>
+              <a:sym typeface="Tahoma"/>
+            </a:endParaRPr>
+          </a:p>
+          <a:p>
+            <a:pPr indent="0" lvl="0" marL="457200" rtl="0" algn="l">
+              <a:spcBef>
+                <a:spcPts val="0"/>
+              </a:spcBef>
+              <a:spcAft>
+                <a:spcPts val="0"/>
+              </a:spcAft>
+              <a:buNone/>
+            </a:pPr>
+            <a:r>
+              <a:t/>
+            </a:r>
+            <a:endParaRPr sz="1400">
+              <a:solidFill>
+                <a:srgbClr val="000000"/>
+              </a:solidFill>
+              <a:latin typeface="Tahoma"/>
+              <a:ea typeface="Tahoma"/>
+              <a:cs typeface="Tahoma"/>
+              <a:sym typeface="Tahoma"/>
+            </a:endParaRPr>
+          </a:p>
+          <a:p>
+            <a:pPr indent="0" lvl="0" marL="0" rtl="0" algn="l">
+              <a:spcBef>
+                <a:spcPts val="0"/>
+              </a:spcBef>
+              <a:spcAft>
+                <a:spcPts val="0"/>
+              </a:spcAft>
+              <a:buNone/>
+            </a:pPr>
+            <a:r>
+              <a:rPr b="1" lang="pl" sz="1400">
+                <a:solidFill>
+                  <a:srgbClr val="000000"/>
+                </a:solidFill>
+                <a:latin typeface="Tahoma"/>
+                <a:ea typeface="Tahoma"/>
+                <a:cs typeface="Tahoma"/>
+                <a:sym typeface="Tahoma"/>
+              </a:rPr>
+              <a:t>Przykłady:</a:t>
+            </a:r>
+            <a:endParaRPr b="1" sz="1400">
+              <a:solidFill>
+                <a:srgbClr val="000000"/>
+              </a:solidFill>
+              <a:latin typeface="Tahoma"/>
+              <a:ea typeface="Tahoma"/>
+              <a:cs typeface="Tahoma"/>
+              <a:sym typeface="Tahoma"/>
+            </a:endParaRPr>
+          </a:p>
+          <a:p>
+            <a:pPr indent="-317500" lvl="0" marL="457200" rtl="0" algn="l">
+              <a:spcBef>
+                <a:spcPts val="0"/>
+              </a:spcBef>
+              <a:spcAft>
+                <a:spcPts val="0"/>
+              </a:spcAft>
+              <a:buClr>
+                <a:srgbClr val="000000"/>
+              </a:buClr>
+              <a:buSzPts val="1400"/>
+              <a:buFont typeface="Tahoma"/>
+              <a:buChar char="●"/>
+            </a:pPr>
+            <a:r>
+              <a:rPr lang="pl" sz="1400">
+                <a:solidFill>
+                  <a:srgbClr val="000000"/>
+                </a:solidFill>
+                <a:latin typeface="Tahoma"/>
+                <a:ea typeface="Tahoma"/>
+                <a:cs typeface="Tahoma"/>
+                <a:sym typeface="Tahoma"/>
+              </a:rPr>
+              <a:t>Gmail</a:t>
+            </a:r>
+            <a:endParaRPr sz="1400">
+              <a:solidFill>
+                <a:srgbClr val="000000"/>
+              </a:solidFill>
+              <a:latin typeface="Tahoma"/>
+              <a:ea typeface="Tahoma"/>
+              <a:cs typeface="Tahoma"/>
+              <a:sym typeface="Tahoma"/>
+            </a:endParaRPr>
+          </a:p>
+          <a:p>
+            <a:pPr indent="-317500" lvl="0" marL="457200" rtl="0" algn="l">
+              <a:spcBef>
+                <a:spcPts val="0"/>
+              </a:spcBef>
+              <a:spcAft>
+                <a:spcPts val="0"/>
+              </a:spcAft>
+              <a:buClr>
+                <a:srgbClr val="000000"/>
+              </a:buClr>
+              <a:buSzPts val="1400"/>
+              <a:buFont typeface="Tahoma"/>
+              <a:buChar char="●"/>
+            </a:pPr>
+            <a:r>
+              <a:rPr lang="pl" sz="1400">
+                <a:solidFill>
+                  <a:srgbClr val="000000"/>
+                </a:solidFill>
+                <a:latin typeface="Tahoma"/>
+                <a:ea typeface="Tahoma"/>
+                <a:cs typeface="Tahoma"/>
+                <a:sym typeface="Tahoma"/>
+              </a:rPr>
+              <a:t>Microsoft 365</a:t>
+            </a:r>
+            <a:endParaRPr sz="1400">
+              <a:solidFill>
+                <a:srgbClr val="000000"/>
+              </a:solidFill>
+              <a:latin typeface="Tahoma"/>
+              <a:ea typeface="Tahoma"/>
+              <a:cs typeface="Tahoma"/>
+              <a:sym typeface="Tahoma"/>
+            </a:endParaRPr>
+          </a:p>
+          <a:p>
+            <a:pPr indent="-317500" lvl="0" marL="457200" rtl="0" algn="l">
+              <a:spcBef>
+                <a:spcPts val="0"/>
+              </a:spcBef>
+              <a:spcAft>
+                <a:spcPts val="0"/>
+              </a:spcAft>
+              <a:buClr>
+                <a:srgbClr val="000000"/>
+              </a:buClr>
+              <a:buSzPts val="1400"/>
+              <a:buFont typeface="Tahoma"/>
+              <a:buChar char="●"/>
+            </a:pPr>
+            <a:r>
+              <a:rPr lang="pl" sz="1400">
+                <a:solidFill>
+                  <a:srgbClr val="000000"/>
+                </a:solidFill>
+                <a:latin typeface="Tahoma"/>
+                <a:ea typeface="Tahoma"/>
+                <a:cs typeface="Tahoma"/>
+                <a:sym typeface="Tahoma"/>
+              </a:rPr>
+              <a:t>Salesforce</a:t>
+            </a:r>
+            <a:endParaRPr sz="1400">
+              <a:solidFill>
+                <a:srgbClr val="000000"/>
+              </a:solidFill>
+              <a:latin typeface="Tahoma"/>
+              <a:ea typeface="Tahoma"/>
+              <a:cs typeface="Tahoma"/>
+              <a:sym typeface="Tahoma"/>
+            </a:endParaRPr>
+          </a:p>
+          <a:p>
+            <a:pPr indent="-317500" lvl="0" marL="457200" rtl="0" algn="l">
+              <a:spcBef>
+                <a:spcPts val="0"/>
+              </a:spcBef>
+              <a:spcAft>
+                <a:spcPts val="0"/>
+              </a:spcAft>
+              <a:buClr>
+                <a:srgbClr val="000000"/>
+              </a:buClr>
+              <a:buSzPts val="1400"/>
+              <a:buFont typeface="Tahoma"/>
+              <a:buChar char="●"/>
+            </a:pPr>
+            <a:r>
+              <a:rPr lang="pl" sz="1400">
+                <a:solidFill>
+                  <a:srgbClr val="000000"/>
+                </a:solidFill>
+                <a:latin typeface="Tahoma"/>
+                <a:ea typeface="Tahoma"/>
+                <a:cs typeface="Tahoma"/>
+                <a:sym typeface="Tahoma"/>
+              </a:rPr>
+              <a:t>Dropbox</a:t>
+            </a:r>
+            <a:endParaRPr sz="1400">
+              <a:latin typeface="Tahoma"/>
+              <a:ea typeface="Tahoma"/>
+              <a:cs typeface="Tahoma"/>
+              <a:sym typeface="Tahoma"/>
+            </a:endParaRPr>
           </a:p>
         </p:txBody>
       </p:sp>
@@ -52130,6 +55744,2165 @@
                 <a:sym typeface="Tahoma"/>
               </a:rPr>
               <a:t> (np. 802.11).</a:t>
+            </a:r>
+            <a:endParaRPr/>
+          </a:p>
+        </p:txBody>
+      </p:sp>
+    </p:spTree>
+  </p:cSld>
+  <p:clrMapOvr>
+    <a:masterClrMapping/>
+  </p:clrMapOvr>
+</p:sld>
+</file>
+
+<file path=ppt/slides/slide90.xml><?xml version="1.0" encoding="utf-8"?>
+<p:sld xmlns:a="http://schemas.openxmlformats.org/drawingml/2006/main" xmlns:r="http://schemas.openxmlformats.org/officeDocument/2006/relationships" xmlns:mc="http://schemas.openxmlformats.org/markup-compatibility/2006" xmlns:mv="urn:schemas-microsoft-com:mac:vml" xmlns:p="http://schemas.openxmlformats.org/presentationml/2006/main" xmlns:c="http://schemas.openxmlformats.org/drawingml/2006/chart" xmlns:dgm="http://schemas.openxmlformats.org/drawingml/2006/diagram" xmlns:o="urn:schemas-microsoft-com:office:office" xmlns:v="urn:schemas-microsoft-com:vml" xmlns:pvml="urn:schemas-microsoft-com:office:powerpoint" xmlns:com="http://schemas.openxmlformats.org/drawingml/2006/compatibility" xmlns:p14="http://schemas.microsoft.com/office/powerpoint/2010/main" xmlns:p15="http://schemas.microsoft.com/office/powerpoint/2012/main" xmlns:ahyp="http://schemas.microsoft.com/office/drawing/2018/hyperlinkcolor">
+  <p:cSld>
+    <p:spTree>
+      <p:nvGrpSpPr>
+        <p:cNvPr id="623" name="Shape 623"/>
+        <p:cNvGrpSpPr/>
+        <p:nvPr/>
+      </p:nvGrpSpPr>
+      <p:grpSpPr>
+        <a:xfrm>
+          <a:off x="0" y="0"/>
+          <a:ext cx="0" cy="0"/>
+          <a:chOff x="0" y="0"/>
+          <a:chExt cx="0" cy="0"/>
+        </a:xfrm>
+      </p:grpSpPr>
+      <p:sp>
+        <p:nvSpPr>
+          <p:cNvPr id="624" name="Google Shape;624;p102"/>
+          <p:cNvSpPr txBox="1"/>
+          <p:nvPr>
+            <p:ph type="title"/>
+          </p:nvPr>
+        </p:nvSpPr>
+        <p:spPr>
+          <a:xfrm>
+            <a:off x="729450" y="1318650"/>
+            <a:ext cx="7688700" cy="535200"/>
+          </a:xfrm>
+          <a:prstGeom prst="rect">
+            <a:avLst/>
+          </a:prstGeom>
+        </p:spPr>
+        <p:txBody>
+          <a:bodyPr anchorCtr="0" anchor="t" bIns="91425" lIns="91425" spcFirstLastPara="1" rIns="91425" wrap="square" tIns="91425">
+            <a:noAutofit/>
+          </a:bodyPr>
+          <a:lstStyle/>
+          <a:p>
+            <a:pPr indent="0" lvl="0" marL="0" rtl="0" algn="l">
+              <a:spcBef>
+                <a:spcPts val="0"/>
+              </a:spcBef>
+              <a:spcAft>
+                <a:spcPts val="0"/>
+              </a:spcAft>
+              <a:buSzPts val="990"/>
+              <a:buNone/>
+            </a:pPr>
+            <a:r>
+              <a:rPr lang="pl" sz="2440">
+                <a:latin typeface="Tahoma"/>
+                <a:ea typeface="Tahoma"/>
+                <a:cs typeface="Tahoma"/>
+                <a:sym typeface="Tahoma"/>
+              </a:rPr>
+              <a:t>Warstwa danych</a:t>
+            </a:r>
+            <a:endParaRPr sz="2440">
+              <a:latin typeface="Tahoma"/>
+              <a:ea typeface="Tahoma"/>
+              <a:cs typeface="Tahoma"/>
+              <a:sym typeface="Tahoma"/>
+            </a:endParaRPr>
+          </a:p>
+        </p:txBody>
+      </p:sp>
+      <p:sp>
+        <p:nvSpPr>
+          <p:cNvPr id="625" name="Google Shape;625;p102"/>
+          <p:cNvSpPr txBox="1"/>
+          <p:nvPr>
+            <p:ph idx="1" type="body"/>
+          </p:nvPr>
+        </p:nvSpPr>
+        <p:spPr>
+          <a:xfrm>
+            <a:off x="729450" y="2078875"/>
+            <a:ext cx="7688700" cy="2261100"/>
+          </a:xfrm>
+          <a:prstGeom prst="rect">
+            <a:avLst/>
+          </a:prstGeom>
+        </p:spPr>
+        <p:txBody>
+          <a:bodyPr anchorCtr="0" anchor="t" bIns="91425" lIns="91425" spcFirstLastPara="1" rIns="91425" wrap="square" tIns="91425">
+            <a:noAutofit/>
+          </a:bodyPr>
+          <a:lstStyle/>
+          <a:p>
+            <a:pPr indent="0" lvl="0" marL="0" rtl="0" algn="l">
+              <a:lnSpc>
+                <a:spcPct val="95000"/>
+              </a:lnSpc>
+              <a:spcBef>
+                <a:spcPts val="1200"/>
+              </a:spcBef>
+              <a:spcAft>
+                <a:spcPts val="0"/>
+              </a:spcAft>
+              <a:buSzPts val="1018"/>
+              <a:buNone/>
+            </a:pPr>
+            <a:r>
+              <a:rPr b="1" lang="pl" sz="1402">
+                <a:solidFill>
+                  <a:srgbClr val="351C75"/>
+                </a:solidFill>
+                <a:latin typeface="Tahoma"/>
+                <a:ea typeface="Tahoma"/>
+                <a:cs typeface="Tahoma"/>
+                <a:sym typeface="Tahoma"/>
+              </a:rPr>
+              <a:t>Odpowiada za:</a:t>
+            </a:r>
+            <a:endParaRPr b="1" sz="1402">
+              <a:solidFill>
+                <a:srgbClr val="351C75"/>
+              </a:solidFill>
+              <a:latin typeface="Tahoma"/>
+              <a:ea typeface="Tahoma"/>
+              <a:cs typeface="Tahoma"/>
+              <a:sym typeface="Tahoma"/>
+            </a:endParaRPr>
+          </a:p>
+          <a:p>
+            <a:pPr indent="-305911" lvl="0" marL="457200" rtl="0" algn="l">
+              <a:lnSpc>
+                <a:spcPct val="95000"/>
+              </a:lnSpc>
+              <a:spcBef>
+                <a:spcPts val="1200"/>
+              </a:spcBef>
+              <a:spcAft>
+                <a:spcPts val="0"/>
+              </a:spcAft>
+              <a:buClr>
+                <a:schemeClr val="dk2"/>
+              </a:buClr>
+              <a:buSzPts val="1218"/>
+              <a:buFont typeface="Tahoma"/>
+              <a:buChar char="●"/>
+            </a:pPr>
+            <a:r>
+              <a:rPr lang="pl" sz="1402">
+                <a:solidFill>
+                  <a:schemeClr val="dk2"/>
+                </a:solidFill>
+                <a:latin typeface="Tahoma"/>
+                <a:ea typeface="Tahoma"/>
+                <a:cs typeface="Tahoma"/>
+                <a:sym typeface="Tahoma"/>
+              </a:rPr>
+              <a:t>przechowywanie danych</a:t>
+            </a:r>
+            <a:endParaRPr sz="1402">
+              <a:solidFill>
+                <a:schemeClr val="dk2"/>
+              </a:solidFill>
+              <a:latin typeface="Tahoma"/>
+              <a:ea typeface="Tahoma"/>
+              <a:cs typeface="Tahoma"/>
+              <a:sym typeface="Tahoma"/>
+            </a:endParaRPr>
+          </a:p>
+          <a:p>
+            <a:pPr indent="-305911" lvl="0" marL="457200" rtl="0" algn="l">
+              <a:lnSpc>
+                <a:spcPct val="95000"/>
+              </a:lnSpc>
+              <a:spcBef>
+                <a:spcPts val="0"/>
+              </a:spcBef>
+              <a:spcAft>
+                <a:spcPts val="0"/>
+              </a:spcAft>
+              <a:buClr>
+                <a:schemeClr val="dk2"/>
+              </a:buClr>
+              <a:buSzPts val="1218"/>
+              <a:buFont typeface="Tahoma"/>
+              <a:buChar char="●"/>
+            </a:pPr>
+            <a:r>
+              <a:rPr lang="pl" sz="1402">
+                <a:solidFill>
+                  <a:schemeClr val="dk2"/>
+                </a:solidFill>
+                <a:latin typeface="Tahoma"/>
+                <a:ea typeface="Tahoma"/>
+                <a:cs typeface="Tahoma"/>
+                <a:sym typeface="Tahoma"/>
+              </a:rPr>
+              <a:t>kopie zapasowe (backup)</a:t>
+            </a:r>
+            <a:endParaRPr sz="1402">
+              <a:solidFill>
+                <a:schemeClr val="dk2"/>
+              </a:solidFill>
+              <a:latin typeface="Tahoma"/>
+              <a:ea typeface="Tahoma"/>
+              <a:cs typeface="Tahoma"/>
+              <a:sym typeface="Tahoma"/>
+            </a:endParaRPr>
+          </a:p>
+          <a:p>
+            <a:pPr indent="-305911" lvl="0" marL="457200" rtl="0" algn="l">
+              <a:lnSpc>
+                <a:spcPct val="95000"/>
+              </a:lnSpc>
+              <a:spcBef>
+                <a:spcPts val="0"/>
+              </a:spcBef>
+              <a:spcAft>
+                <a:spcPts val="0"/>
+              </a:spcAft>
+              <a:buClr>
+                <a:schemeClr val="dk2"/>
+              </a:buClr>
+              <a:buSzPts val="1218"/>
+              <a:buFont typeface="Tahoma"/>
+              <a:buChar char="●"/>
+            </a:pPr>
+            <a:r>
+              <a:rPr lang="pl" sz="1402">
+                <a:solidFill>
+                  <a:schemeClr val="dk2"/>
+                </a:solidFill>
+                <a:latin typeface="Tahoma"/>
+                <a:ea typeface="Tahoma"/>
+                <a:cs typeface="Tahoma"/>
+                <a:sym typeface="Tahoma"/>
+              </a:rPr>
+              <a:t>replikację danych</a:t>
+            </a:r>
+            <a:endParaRPr sz="1402">
+              <a:solidFill>
+                <a:schemeClr val="dk2"/>
+              </a:solidFill>
+              <a:latin typeface="Tahoma"/>
+              <a:ea typeface="Tahoma"/>
+              <a:cs typeface="Tahoma"/>
+              <a:sym typeface="Tahoma"/>
+            </a:endParaRPr>
+          </a:p>
+          <a:p>
+            <a:pPr indent="-305911" lvl="0" marL="457200" rtl="0" algn="l">
+              <a:lnSpc>
+                <a:spcPct val="95000"/>
+              </a:lnSpc>
+              <a:spcBef>
+                <a:spcPts val="0"/>
+              </a:spcBef>
+              <a:spcAft>
+                <a:spcPts val="0"/>
+              </a:spcAft>
+              <a:buClr>
+                <a:schemeClr val="dk2"/>
+              </a:buClr>
+              <a:buSzPts val="1218"/>
+              <a:buFont typeface="Tahoma"/>
+              <a:buChar char="●"/>
+            </a:pPr>
+            <a:r>
+              <a:rPr lang="pl" sz="1402">
+                <a:solidFill>
+                  <a:schemeClr val="dk2"/>
+                </a:solidFill>
+                <a:latin typeface="Tahoma"/>
+                <a:ea typeface="Tahoma"/>
+                <a:cs typeface="Tahoma"/>
+                <a:sym typeface="Tahoma"/>
+              </a:rPr>
+              <a:t>bezpieczeństwo informacji</a:t>
+            </a:r>
+            <a:br>
+              <a:rPr lang="pl" sz="1402">
+                <a:solidFill>
+                  <a:schemeClr val="dk2"/>
+                </a:solidFill>
+                <a:latin typeface="Tahoma"/>
+                <a:ea typeface="Tahoma"/>
+                <a:cs typeface="Tahoma"/>
+                <a:sym typeface="Tahoma"/>
+              </a:rPr>
+            </a:br>
+            <a:endParaRPr sz="1402">
+              <a:solidFill>
+                <a:schemeClr val="dk2"/>
+              </a:solidFill>
+              <a:latin typeface="Tahoma"/>
+              <a:ea typeface="Tahoma"/>
+              <a:cs typeface="Tahoma"/>
+              <a:sym typeface="Tahoma"/>
+            </a:endParaRPr>
+          </a:p>
+          <a:p>
+            <a:pPr indent="0" lvl="0" marL="0" rtl="0" algn="l">
+              <a:lnSpc>
+                <a:spcPct val="95000"/>
+              </a:lnSpc>
+              <a:spcBef>
+                <a:spcPts val="1200"/>
+              </a:spcBef>
+              <a:spcAft>
+                <a:spcPts val="0"/>
+              </a:spcAft>
+              <a:buSzPts val="1018"/>
+              <a:buNone/>
+            </a:pPr>
+            <a:r>
+              <a:rPr lang="pl" sz="1402">
+                <a:solidFill>
+                  <a:schemeClr val="dk2"/>
+                </a:solidFill>
+                <a:latin typeface="Tahoma"/>
+                <a:ea typeface="Tahoma"/>
+                <a:cs typeface="Tahoma"/>
+                <a:sym typeface="Tahoma"/>
+              </a:rPr>
+              <a:t>Rodzaje baz danych:</a:t>
+            </a:r>
+            <a:endParaRPr sz="1402">
+              <a:solidFill>
+                <a:schemeClr val="dk2"/>
+              </a:solidFill>
+              <a:latin typeface="Tahoma"/>
+              <a:ea typeface="Tahoma"/>
+              <a:cs typeface="Tahoma"/>
+              <a:sym typeface="Tahoma"/>
+            </a:endParaRPr>
+          </a:p>
+          <a:p>
+            <a:pPr indent="-305911" lvl="0" marL="457200" rtl="0" algn="l">
+              <a:lnSpc>
+                <a:spcPct val="95000"/>
+              </a:lnSpc>
+              <a:spcBef>
+                <a:spcPts val="1200"/>
+              </a:spcBef>
+              <a:spcAft>
+                <a:spcPts val="0"/>
+              </a:spcAft>
+              <a:buClr>
+                <a:schemeClr val="dk2"/>
+              </a:buClr>
+              <a:buSzPts val="1218"/>
+              <a:buFont typeface="Tahoma"/>
+              <a:buChar char="●"/>
+            </a:pPr>
+            <a:r>
+              <a:rPr lang="pl" sz="1402">
+                <a:solidFill>
+                  <a:schemeClr val="dk2"/>
+                </a:solidFill>
+                <a:latin typeface="Tahoma"/>
+                <a:ea typeface="Tahoma"/>
+                <a:cs typeface="Tahoma"/>
+                <a:sym typeface="Tahoma"/>
+              </a:rPr>
+              <a:t>relacyjne (np. Azure SQL, Amazon RDS)</a:t>
+            </a:r>
+            <a:endParaRPr sz="1402">
+              <a:solidFill>
+                <a:schemeClr val="dk2"/>
+              </a:solidFill>
+              <a:latin typeface="Tahoma"/>
+              <a:ea typeface="Tahoma"/>
+              <a:cs typeface="Tahoma"/>
+              <a:sym typeface="Tahoma"/>
+            </a:endParaRPr>
+          </a:p>
+          <a:p>
+            <a:pPr indent="-305911" lvl="0" marL="457200" rtl="0" algn="l">
+              <a:lnSpc>
+                <a:spcPct val="95000"/>
+              </a:lnSpc>
+              <a:spcBef>
+                <a:spcPts val="0"/>
+              </a:spcBef>
+              <a:spcAft>
+                <a:spcPts val="0"/>
+              </a:spcAft>
+              <a:buClr>
+                <a:schemeClr val="dk2"/>
+              </a:buClr>
+              <a:buSzPts val="1218"/>
+              <a:buFont typeface="Tahoma"/>
+              <a:buChar char="●"/>
+            </a:pPr>
+            <a:r>
+              <a:rPr lang="pl" sz="1402">
+                <a:solidFill>
+                  <a:schemeClr val="dk2"/>
+                </a:solidFill>
+                <a:latin typeface="Tahoma"/>
+                <a:ea typeface="Tahoma"/>
+                <a:cs typeface="Tahoma"/>
+                <a:sym typeface="Tahoma"/>
+              </a:rPr>
+              <a:t>nierelacyjne (NoSQL – MongoDB, DynamoDB)</a:t>
+            </a:r>
+            <a:endParaRPr sz="1402">
+              <a:solidFill>
+                <a:schemeClr val="dk2"/>
+              </a:solidFill>
+              <a:latin typeface="Tahoma"/>
+              <a:ea typeface="Tahoma"/>
+              <a:cs typeface="Tahoma"/>
+              <a:sym typeface="Tahoma"/>
+            </a:endParaRPr>
+          </a:p>
+        </p:txBody>
+      </p:sp>
+    </p:spTree>
+  </p:cSld>
+  <p:clrMapOvr>
+    <a:masterClrMapping/>
+  </p:clrMapOvr>
+</p:sld>
+</file>
+
+<file path=ppt/slides/slide91.xml><?xml version="1.0" encoding="utf-8"?>
+<p:sld xmlns:a="http://schemas.openxmlformats.org/drawingml/2006/main" xmlns:r="http://schemas.openxmlformats.org/officeDocument/2006/relationships" xmlns:mc="http://schemas.openxmlformats.org/markup-compatibility/2006" xmlns:mv="urn:schemas-microsoft-com:mac:vml" xmlns:p="http://schemas.openxmlformats.org/presentationml/2006/main" xmlns:c="http://schemas.openxmlformats.org/drawingml/2006/chart" xmlns:dgm="http://schemas.openxmlformats.org/drawingml/2006/diagram" xmlns:o="urn:schemas-microsoft-com:office:office" xmlns:v="urn:schemas-microsoft-com:vml" xmlns:pvml="urn:schemas-microsoft-com:office:powerpoint" xmlns:com="http://schemas.openxmlformats.org/drawingml/2006/compatibility" xmlns:p14="http://schemas.microsoft.com/office/powerpoint/2010/main" xmlns:p15="http://schemas.microsoft.com/office/powerpoint/2012/main" xmlns:ahyp="http://schemas.microsoft.com/office/drawing/2018/hyperlinkcolor">
+  <p:cSld>
+    <p:spTree>
+      <p:nvGrpSpPr>
+        <p:cNvPr id="629" name="Shape 629"/>
+        <p:cNvGrpSpPr/>
+        <p:nvPr/>
+      </p:nvGrpSpPr>
+      <p:grpSpPr>
+        <a:xfrm>
+          <a:off x="0" y="0"/>
+          <a:ext cx="0" cy="0"/>
+          <a:chOff x="0" y="0"/>
+          <a:chExt cx="0" cy="0"/>
+        </a:xfrm>
+      </p:grpSpPr>
+      <p:sp>
+        <p:nvSpPr>
+          <p:cNvPr id="630" name="Google Shape;630;p103"/>
+          <p:cNvSpPr txBox="1"/>
+          <p:nvPr>
+            <p:ph type="title"/>
+          </p:nvPr>
+        </p:nvSpPr>
+        <p:spPr>
+          <a:xfrm>
+            <a:off x="729450" y="1318650"/>
+            <a:ext cx="7688700" cy="535200"/>
+          </a:xfrm>
+          <a:prstGeom prst="rect">
+            <a:avLst/>
+          </a:prstGeom>
+        </p:spPr>
+        <p:txBody>
+          <a:bodyPr anchorCtr="0" anchor="t" bIns="91425" lIns="91425" spcFirstLastPara="1" rIns="91425" wrap="square" tIns="91425">
+            <a:noAutofit/>
+          </a:bodyPr>
+          <a:lstStyle/>
+          <a:p>
+            <a:pPr indent="0" lvl="0" marL="0" rtl="0" algn="l">
+              <a:spcBef>
+                <a:spcPts val="0"/>
+              </a:spcBef>
+              <a:spcAft>
+                <a:spcPts val="0"/>
+              </a:spcAft>
+              <a:buSzPts val="990"/>
+              <a:buNone/>
+            </a:pPr>
+            <a:r>
+              <a:rPr lang="pl" sz="2440">
+                <a:latin typeface="Tahoma"/>
+                <a:ea typeface="Tahoma"/>
+                <a:cs typeface="Tahoma"/>
+                <a:sym typeface="Tahoma"/>
+              </a:rPr>
+              <a:t>Warstwa bezpieczeństwa</a:t>
+            </a:r>
+            <a:endParaRPr sz="2440">
+              <a:latin typeface="Tahoma"/>
+              <a:ea typeface="Tahoma"/>
+              <a:cs typeface="Tahoma"/>
+              <a:sym typeface="Tahoma"/>
+            </a:endParaRPr>
+          </a:p>
+        </p:txBody>
+      </p:sp>
+      <p:sp>
+        <p:nvSpPr>
+          <p:cNvPr id="631" name="Google Shape;631;p103"/>
+          <p:cNvSpPr txBox="1"/>
+          <p:nvPr>
+            <p:ph idx="1" type="body"/>
+          </p:nvPr>
+        </p:nvSpPr>
+        <p:spPr>
+          <a:xfrm>
+            <a:off x="729450" y="2078875"/>
+            <a:ext cx="7688700" cy="2261100"/>
+          </a:xfrm>
+          <a:prstGeom prst="rect">
+            <a:avLst/>
+          </a:prstGeom>
+        </p:spPr>
+        <p:txBody>
+          <a:bodyPr anchorCtr="0" anchor="t" bIns="91425" lIns="91425" spcFirstLastPara="1" rIns="91425" wrap="square" tIns="91425">
+            <a:normAutofit lnSpcReduction="10000"/>
+          </a:bodyPr>
+          <a:lstStyle/>
+          <a:p>
+            <a:pPr indent="0" lvl="0" marL="0" rtl="0" algn="l">
+              <a:lnSpc>
+                <a:spcPct val="100000"/>
+              </a:lnSpc>
+              <a:spcBef>
+                <a:spcPts val="0"/>
+              </a:spcBef>
+              <a:spcAft>
+                <a:spcPts val="0"/>
+              </a:spcAft>
+              <a:buNone/>
+            </a:pPr>
+            <a:r>
+              <a:rPr b="1" lang="pl" sz="1400">
+                <a:solidFill>
+                  <a:srgbClr val="351C75"/>
+                </a:solidFill>
+                <a:latin typeface="Tahoma"/>
+                <a:ea typeface="Tahoma"/>
+                <a:cs typeface="Tahoma"/>
+                <a:sym typeface="Tahoma"/>
+              </a:rPr>
+              <a:t>Chroni system i dane użytkowników.</a:t>
+            </a:r>
+            <a:endParaRPr b="1" sz="1400">
+              <a:solidFill>
+                <a:srgbClr val="351C75"/>
+              </a:solidFill>
+              <a:latin typeface="Tahoma"/>
+              <a:ea typeface="Tahoma"/>
+              <a:cs typeface="Tahoma"/>
+              <a:sym typeface="Tahoma"/>
+            </a:endParaRPr>
+          </a:p>
+          <a:p>
+            <a:pPr indent="0" lvl="0" marL="0" rtl="0" algn="l">
+              <a:lnSpc>
+                <a:spcPct val="100000"/>
+              </a:lnSpc>
+              <a:spcBef>
+                <a:spcPts val="0"/>
+              </a:spcBef>
+              <a:spcAft>
+                <a:spcPts val="0"/>
+              </a:spcAft>
+              <a:buNone/>
+            </a:pPr>
+            <a:r>
+              <a:t/>
+            </a:r>
+            <a:endParaRPr b="1" sz="1400">
+              <a:solidFill>
+                <a:srgbClr val="351C75"/>
+              </a:solidFill>
+              <a:latin typeface="Tahoma"/>
+              <a:ea typeface="Tahoma"/>
+              <a:cs typeface="Tahoma"/>
+              <a:sym typeface="Tahoma"/>
+            </a:endParaRPr>
+          </a:p>
+          <a:p>
+            <a:pPr indent="0" lvl="0" marL="0" rtl="0" algn="l">
+              <a:lnSpc>
+                <a:spcPct val="100000"/>
+              </a:lnSpc>
+              <a:spcBef>
+                <a:spcPts val="0"/>
+              </a:spcBef>
+              <a:spcAft>
+                <a:spcPts val="0"/>
+              </a:spcAft>
+              <a:buNone/>
+            </a:pPr>
+            <a:r>
+              <a:rPr lang="pl" sz="1400">
+                <a:solidFill>
+                  <a:schemeClr val="dk2"/>
+                </a:solidFill>
+                <a:latin typeface="Tahoma"/>
+                <a:ea typeface="Tahoma"/>
+                <a:cs typeface="Tahoma"/>
+                <a:sym typeface="Tahoma"/>
+              </a:rPr>
+              <a:t>Obejmuje:</a:t>
+            </a:r>
+            <a:endParaRPr sz="1400">
+              <a:solidFill>
+                <a:schemeClr val="dk2"/>
+              </a:solidFill>
+              <a:latin typeface="Tahoma"/>
+              <a:ea typeface="Tahoma"/>
+              <a:cs typeface="Tahoma"/>
+              <a:sym typeface="Tahoma"/>
+            </a:endParaRPr>
+          </a:p>
+          <a:p>
+            <a:pPr indent="-304800" lvl="0" marL="457200" rtl="0" algn="l">
+              <a:lnSpc>
+                <a:spcPct val="100000"/>
+              </a:lnSpc>
+              <a:spcBef>
+                <a:spcPts val="0"/>
+              </a:spcBef>
+              <a:spcAft>
+                <a:spcPts val="0"/>
+              </a:spcAft>
+              <a:buClr>
+                <a:schemeClr val="dk2"/>
+              </a:buClr>
+              <a:buSzPts val="1200"/>
+              <a:buFont typeface="Tahoma"/>
+              <a:buChar char="●"/>
+            </a:pPr>
+            <a:r>
+              <a:rPr lang="pl" sz="1400">
+                <a:solidFill>
+                  <a:schemeClr val="dk2"/>
+                </a:solidFill>
+                <a:latin typeface="Tahoma"/>
+                <a:ea typeface="Tahoma"/>
+                <a:cs typeface="Tahoma"/>
+                <a:sym typeface="Tahoma"/>
+              </a:rPr>
+              <a:t>uwierzytelnianie (logowanie)</a:t>
+            </a:r>
+            <a:endParaRPr sz="1400">
+              <a:solidFill>
+                <a:schemeClr val="dk2"/>
+              </a:solidFill>
+              <a:latin typeface="Tahoma"/>
+              <a:ea typeface="Tahoma"/>
+              <a:cs typeface="Tahoma"/>
+              <a:sym typeface="Tahoma"/>
+            </a:endParaRPr>
+          </a:p>
+          <a:p>
+            <a:pPr indent="-304800" lvl="0" marL="457200" rtl="0" algn="l">
+              <a:lnSpc>
+                <a:spcPct val="100000"/>
+              </a:lnSpc>
+              <a:spcBef>
+                <a:spcPts val="0"/>
+              </a:spcBef>
+              <a:spcAft>
+                <a:spcPts val="0"/>
+              </a:spcAft>
+              <a:buClr>
+                <a:schemeClr val="dk2"/>
+              </a:buClr>
+              <a:buSzPts val="1200"/>
+              <a:buFont typeface="Tahoma"/>
+              <a:buChar char="●"/>
+            </a:pPr>
+            <a:r>
+              <a:rPr lang="pl" sz="1400">
+                <a:solidFill>
+                  <a:schemeClr val="dk2"/>
+                </a:solidFill>
+                <a:latin typeface="Tahoma"/>
+                <a:ea typeface="Tahoma"/>
+                <a:cs typeface="Tahoma"/>
+                <a:sym typeface="Tahoma"/>
+              </a:rPr>
+              <a:t>autoryzację (role, uprawnienia)</a:t>
+            </a:r>
+            <a:endParaRPr sz="1400">
+              <a:solidFill>
+                <a:schemeClr val="dk2"/>
+              </a:solidFill>
+              <a:latin typeface="Tahoma"/>
+              <a:ea typeface="Tahoma"/>
+              <a:cs typeface="Tahoma"/>
+              <a:sym typeface="Tahoma"/>
+            </a:endParaRPr>
+          </a:p>
+          <a:p>
+            <a:pPr indent="-304800" lvl="0" marL="457200" rtl="0" algn="l">
+              <a:lnSpc>
+                <a:spcPct val="100000"/>
+              </a:lnSpc>
+              <a:spcBef>
+                <a:spcPts val="0"/>
+              </a:spcBef>
+              <a:spcAft>
+                <a:spcPts val="0"/>
+              </a:spcAft>
+              <a:buClr>
+                <a:schemeClr val="dk2"/>
+              </a:buClr>
+              <a:buSzPts val="1200"/>
+              <a:buFont typeface="Tahoma"/>
+              <a:buChar char="●"/>
+            </a:pPr>
+            <a:r>
+              <a:rPr lang="pl" sz="1400">
+                <a:solidFill>
+                  <a:schemeClr val="dk2"/>
+                </a:solidFill>
+                <a:latin typeface="Tahoma"/>
+                <a:ea typeface="Tahoma"/>
+                <a:cs typeface="Tahoma"/>
+                <a:sym typeface="Tahoma"/>
+              </a:rPr>
+              <a:t>szyfrowanie danych</a:t>
+            </a:r>
+            <a:endParaRPr sz="1400">
+              <a:solidFill>
+                <a:schemeClr val="dk2"/>
+              </a:solidFill>
+              <a:latin typeface="Tahoma"/>
+              <a:ea typeface="Tahoma"/>
+              <a:cs typeface="Tahoma"/>
+              <a:sym typeface="Tahoma"/>
+            </a:endParaRPr>
+          </a:p>
+          <a:p>
+            <a:pPr indent="-304800" lvl="0" marL="457200" rtl="0" algn="l">
+              <a:lnSpc>
+                <a:spcPct val="100000"/>
+              </a:lnSpc>
+              <a:spcBef>
+                <a:spcPts val="0"/>
+              </a:spcBef>
+              <a:spcAft>
+                <a:spcPts val="0"/>
+              </a:spcAft>
+              <a:buClr>
+                <a:schemeClr val="dk2"/>
+              </a:buClr>
+              <a:buSzPts val="1200"/>
+              <a:buFont typeface="Tahoma"/>
+              <a:buChar char="●"/>
+            </a:pPr>
+            <a:r>
+              <a:rPr lang="pl" sz="1400">
+                <a:solidFill>
+                  <a:schemeClr val="dk2"/>
+                </a:solidFill>
+                <a:latin typeface="Tahoma"/>
+                <a:ea typeface="Tahoma"/>
+                <a:cs typeface="Tahoma"/>
+                <a:sym typeface="Tahoma"/>
+              </a:rPr>
+              <a:t>zapory sieciowe</a:t>
+            </a:r>
+            <a:endParaRPr sz="1400">
+              <a:solidFill>
+                <a:schemeClr val="dk2"/>
+              </a:solidFill>
+              <a:latin typeface="Tahoma"/>
+              <a:ea typeface="Tahoma"/>
+              <a:cs typeface="Tahoma"/>
+              <a:sym typeface="Tahoma"/>
+            </a:endParaRPr>
+          </a:p>
+          <a:p>
+            <a:pPr indent="-304800" lvl="0" marL="457200" rtl="0" algn="l">
+              <a:lnSpc>
+                <a:spcPct val="100000"/>
+              </a:lnSpc>
+              <a:spcBef>
+                <a:spcPts val="0"/>
+              </a:spcBef>
+              <a:spcAft>
+                <a:spcPts val="0"/>
+              </a:spcAft>
+              <a:buClr>
+                <a:schemeClr val="dk2"/>
+              </a:buClr>
+              <a:buSzPts val="1200"/>
+              <a:buFont typeface="Tahoma"/>
+              <a:buChar char="●"/>
+            </a:pPr>
+            <a:r>
+              <a:rPr lang="pl" sz="1400">
+                <a:solidFill>
+                  <a:schemeClr val="dk2"/>
+                </a:solidFill>
+                <a:latin typeface="Tahoma"/>
+                <a:ea typeface="Tahoma"/>
+                <a:cs typeface="Tahoma"/>
+                <a:sym typeface="Tahoma"/>
+              </a:rPr>
+              <a:t>monitorowanie zagrożeń</a:t>
+            </a:r>
+            <a:br>
+              <a:rPr lang="pl" sz="1400">
+                <a:solidFill>
+                  <a:schemeClr val="dk2"/>
+                </a:solidFill>
+                <a:latin typeface="Tahoma"/>
+                <a:ea typeface="Tahoma"/>
+                <a:cs typeface="Tahoma"/>
+                <a:sym typeface="Tahoma"/>
+              </a:rPr>
+            </a:br>
+            <a:endParaRPr sz="1400">
+              <a:solidFill>
+                <a:schemeClr val="dk2"/>
+              </a:solidFill>
+              <a:latin typeface="Tahoma"/>
+              <a:ea typeface="Tahoma"/>
+              <a:cs typeface="Tahoma"/>
+              <a:sym typeface="Tahoma"/>
+            </a:endParaRPr>
+          </a:p>
+          <a:p>
+            <a:pPr indent="0" lvl="0" marL="0" rtl="0" algn="l">
+              <a:lnSpc>
+                <a:spcPct val="100000"/>
+              </a:lnSpc>
+              <a:spcBef>
+                <a:spcPts val="0"/>
+              </a:spcBef>
+              <a:spcAft>
+                <a:spcPts val="0"/>
+              </a:spcAft>
+              <a:buNone/>
+            </a:pPr>
+            <a:r>
+              <a:rPr lang="pl" sz="1400">
+                <a:solidFill>
+                  <a:schemeClr val="dk2"/>
+                </a:solidFill>
+                <a:latin typeface="Tahoma"/>
+                <a:ea typeface="Tahoma"/>
+                <a:cs typeface="Tahoma"/>
+                <a:sym typeface="Tahoma"/>
+              </a:rPr>
+              <a:t>Bardzo ważna w chmurze publicznej.</a:t>
+            </a:r>
+            <a:endParaRPr sz="1400">
+              <a:solidFill>
+                <a:schemeClr val="dk2"/>
+              </a:solidFill>
+              <a:latin typeface="Tahoma"/>
+              <a:ea typeface="Tahoma"/>
+              <a:cs typeface="Tahoma"/>
+              <a:sym typeface="Tahoma"/>
+            </a:endParaRPr>
+          </a:p>
+        </p:txBody>
+      </p:sp>
+    </p:spTree>
+  </p:cSld>
+  <p:clrMapOvr>
+    <a:masterClrMapping/>
+  </p:clrMapOvr>
+</p:sld>
+</file>
+
+<file path=ppt/slides/slide92.xml><?xml version="1.0" encoding="utf-8"?>
+<p:sld xmlns:a="http://schemas.openxmlformats.org/drawingml/2006/main" xmlns:r="http://schemas.openxmlformats.org/officeDocument/2006/relationships" xmlns:mc="http://schemas.openxmlformats.org/markup-compatibility/2006" xmlns:mv="urn:schemas-microsoft-com:mac:vml" xmlns:p="http://schemas.openxmlformats.org/presentationml/2006/main" xmlns:c="http://schemas.openxmlformats.org/drawingml/2006/chart" xmlns:dgm="http://schemas.openxmlformats.org/drawingml/2006/diagram" xmlns:o="urn:schemas-microsoft-com:office:office" xmlns:v="urn:schemas-microsoft-com:vml" xmlns:pvml="urn:schemas-microsoft-com:office:powerpoint" xmlns:com="http://schemas.openxmlformats.org/drawingml/2006/compatibility" xmlns:p14="http://schemas.microsoft.com/office/powerpoint/2010/main" xmlns:p15="http://schemas.microsoft.com/office/powerpoint/2012/main" xmlns:ahyp="http://schemas.microsoft.com/office/drawing/2018/hyperlinkcolor">
+  <p:cSld>
+    <p:spTree>
+      <p:nvGrpSpPr>
+        <p:cNvPr id="635" name="Shape 635"/>
+        <p:cNvGrpSpPr/>
+        <p:nvPr/>
+      </p:nvGrpSpPr>
+      <p:grpSpPr>
+        <a:xfrm>
+          <a:off x="0" y="0"/>
+          <a:ext cx="0" cy="0"/>
+          <a:chOff x="0" y="0"/>
+          <a:chExt cx="0" cy="0"/>
+        </a:xfrm>
+      </p:grpSpPr>
+      <p:sp>
+        <p:nvSpPr>
+          <p:cNvPr id="636" name="Google Shape;636;p104"/>
+          <p:cNvSpPr txBox="1"/>
+          <p:nvPr>
+            <p:ph type="title"/>
+          </p:nvPr>
+        </p:nvSpPr>
+        <p:spPr>
+          <a:xfrm>
+            <a:off x="729450" y="1318650"/>
+            <a:ext cx="7688700" cy="535200"/>
+          </a:xfrm>
+          <a:prstGeom prst="rect">
+            <a:avLst/>
+          </a:prstGeom>
+        </p:spPr>
+        <p:txBody>
+          <a:bodyPr anchorCtr="0" anchor="t" bIns="91425" lIns="91425" spcFirstLastPara="1" rIns="91425" wrap="square" tIns="91425">
+            <a:noAutofit/>
+          </a:bodyPr>
+          <a:lstStyle/>
+          <a:p>
+            <a:pPr indent="0" lvl="0" marL="0" rtl="0" algn="l">
+              <a:spcBef>
+                <a:spcPts val="0"/>
+              </a:spcBef>
+              <a:spcAft>
+                <a:spcPts val="0"/>
+              </a:spcAft>
+              <a:buSzPts val="990"/>
+              <a:buNone/>
+            </a:pPr>
+            <a:r>
+              <a:rPr lang="pl" sz="2440">
+                <a:latin typeface="Tahoma"/>
+                <a:ea typeface="Tahoma"/>
+                <a:cs typeface="Tahoma"/>
+                <a:sym typeface="Tahoma"/>
+              </a:rPr>
+              <a:t>Warstwa zarządzania i monitoringu</a:t>
+            </a:r>
+            <a:endParaRPr sz="2440">
+              <a:latin typeface="Tahoma"/>
+              <a:ea typeface="Tahoma"/>
+              <a:cs typeface="Tahoma"/>
+              <a:sym typeface="Tahoma"/>
+            </a:endParaRPr>
+          </a:p>
+        </p:txBody>
+      </p:sp>
+      <p:sp>
+        <p:nvSpPr>
+          <p:cNvPr id="637" name="Google Shape;637;p104"/>
+          <p:cNvSpPr txBox="1"/>
+          <p:nvPr>
+            <p:ph idx="1" type="body"/>
+          </p:nvPr>
+        </p:nvSpPr>
+        <p:spPr>
+          <a:xfrm>
+            <a:off x="729450" y="2078875"/>
+            <a:ext cx="7688700" cy="2261100"/>
+          </a:xfrm>
+          <a:prstGeom prst="rect">
+            <a:avLst/>
+          </a:prstGeom>
+        </p:spPr>
+        <p:txBody>
+          <a:bodyPr anchorCtr="0" anchor="t" bIns="91425" lIns="91425" spcFirstLastPara="1" rIns="91425" wrap="square" tIns="91425">
+            <a:noAutofit/>
+          </a:bodyPr>
+          <a:lstStyle/>
+          <a:p>
+            <a:pPr indent="0" lvl="0" marL="0" rtl="0" algn="l">
+              <a:lnSpc>
+                <a:spcPct val="100000"/>
+              </a:lnSpc>
+              <a:spcBef>
+                <a:spcPts val="0"/>
+              </a:spcBef>
+              <a:spcAft>
+                <a:spcPts val="0"/>
+              </a:spcAft>
+              <a:buNone/>
+            </a:pPr>
+            <a:r>
+              <a:rPr b="1" lang="pl" sz="1400">
+                <a:solidFill>
+                  <a:srgbClr val="351C75"/>
+                </a:solidFill>
+                <a:latin typeface="Tahoma"/>
+                <a:ea typeface="Tahoma"/>
+                <a:cs typeface="Tahoma"/>
+                <a:sym typeface="Tahoma"/>
+              </a:rPr>
+              <a:t>Umożliwia:</a:t>
+            </a:r>
+            <a:endParaRPr b="1" sz="1400">
+              <a:solidFill>
+                <a:srgbClr val="351C75"/>
+              </a:solidFill>
+              <a:latin typeface="Tahoma"/>
+              <a:ea typeface="Tahoma"/>
+              <a:cs typeface="Tahoma"/>
+              <a:sym typeface="Tahoma"/>
+            </a:endParaRPr>
+          </a:p>
+          <a:p>
+            <a:pPr indent="-317500" lvl="0" marL="457200" rtl="0" algn="l">
+              <a:lnSpc>
+                <a:spcPct val="100000"/>
+              </a:lnSpc>
+              <a:spcBef>
+                <a:spcPts val="0"/>
+              </a:spcBef>
+              <a:spcAft>
+                <a:spcPts val="0"/>
+              </a:spcAft>
+              <a:buClr>
+                <a:srgbClr val="000000"/>
+              </a:buClr>
+              <a:buSzPts val="1400"/>
+              <a:buFont typeface="Tahoma"/>
+              <a:buChar char="●"/>
+            </a:pPr>
+            <a:r>
+              <a:rPr lang="pl" sz="1400">
+                <a:solidFill>
+                  <a:srgbClr val="000000"/>
+                </a:solidFill>
+                <a:latin typeface="Tahoma"/>
+                <a:ea typeface="Tahoma"/>
+                <a:cs typeface="Tahoma"/>
+                <a:sym typeface="Tahoma"/>
+              </a:rPr>
+              <a:t>kontrolę zasobów</a:t>
+            </a:r>
+            <a:endParaRPr sz="1400">
+              <a:solidFill>
+                <a:srgbClr val="000000"/>
+              </a:solidFill>
+              <a:latin typeface="Tahoma"/>
+              <a:ea typeface="Tahoma"/>
+              <a:cs typeface="Tahoma"/>
+              <a:sym typeface="Tahoma"/>
+            </a:endParaRPr>
+          </a:p>
+          <a:p>
+            <a:pPr indent="-317500" lvl="0" marL="457200" rtl="0" algn="l">
+              <a:lnSpc>
+                <a:spcPct val="100000"/>
+              </a:lnSpc>
+              <a:spcBef>
+                <a:spcPts val="0"/>
+              </a:spcBef>
+              <a:spcAft>
+                <a:spcPts val="0"/>
+              </a:spcAft>
+              <a:buClr>
+                <a:srgbClr val="000000"/>
+              </a:buClr>
+              <a:buSzPts val="1400"/>
+              <a:buFont typeface="Tahoma"/>
+              <a:buChar char="●"/>
+            </a:pPr>
+            <a:r>
+              <a:rPr lang="pl" sz="1400">
+                <a:solidFill>
+                  <a:srgbClr val="000000"/>
+                </a:solidFill>
+                <a:latin typeface="Tahoma"/>
+                <a:ea typeface="Tahoma"/>
+                <a:cs typeface="Tahoma"/>
+                <a:sym typeface="Tahoma"/>
+              </a:rPr>
+              <a:t>skalowanie systemu</a:t>
+            </a:r>
+            <a:endParaRPr sz="1400">
+              <a:solidFill>
+                <a:srgbClr val="000000"/>
+              </a:solidFill>
+              <a:latin typeface="Tahoma"/>
+              <a:ea typeface="Tahoma"/>
+              <a:cs typeface="Tahoma"/>
+              <a:sym typeface="Tahoma"/>
+            </a:endParaRPr>
+          </a:p>
+          <a:p>
+            <a:pPr indent="-317500" lvl="0" marL="457200" rtl="0" algn="l">
+              <a:lnSpc>
+                <a:spcPct val="100000"/>
+              </a:lnSpc>
+              <a:spcBef>
+                <a:spcPts val="0"/>
+              </a:spcBef>
+              <a:spcAft>
+                <a:spcPts val="0"/>
+              </a:spcAft>
+              <a:buClr>
+                <a:srgbClr val="000000"/>
+              </a:buClr>
+              <a:buSzPts val="1400"/>
+              <a:buFont typeface="Tahoma"/>
+              <a:buChar char="●"/>
+            </a:pPr>
+            <a:r>
+              <a:rPr lang="pl" sz="1400">
+                <a:solidFill>
+                  <a:srgbClr val="000000"/>
+                </a:solidFill>
+                <a:latin typeface="Tahoma"/>
+                <a:ea typeface="Tahoma"/>
+                <a:cs typeface="Tahoma"/>
+                <a:sym typeface="Tahoma"/>
+              </a:rPr>
+              <a:t>monitorowanie wydajności</a:t>
+            </a:r>
+            <a:endParaRPr sz="1400">
+              <a:solidFill>
+                <a:srgbClr val="000000"/>
+              </a:solidFill>
+              <a:latin typeface="Tahoma"/>
+              <a:ea typeface="Tahoma"/>
+              <a:cs typeface="Tahoma"/>
+              <a:sym typeface="Tahoma"/>
+            </a:endParaRPr>
+          </a:p>
+          <a:p>
+            <a:pPr indent="-317500" lvl="0" marL="457200" rtl="0" algn="l">
+              <a:lnSpc>
+                <a:spcPct val="100000"/>
+              </a:lnSpc>
+              <a:spcBef>
+                <a:spcPts val="0"/>
+              </a:spcBef>
+              <a:spcAft>
+                <a:spcPts val="0"/>
+              </a:spcAft>
+              <a:buClr>
+                <a:srgbClr val="000000"/>
+              </a:buClr>
+              <a:buSzPts val="1400"/>
+              <a:buFont typeface="Tahoma"/>
+              <a:buChar char="●"/>
+            </a:pPr>
+            <a:r>
+              <a:rPr lang="pl" sz="1400">
+                <a:solidFill>
+                  <a:srgbClr val="000000"/>
+                </a:solidFill>
+                <a:latin typeface="Tahoma"/>
+                <a:ea typeface="Tahoma"/>
+                <a:cs typeface="Tahoma"/>
+                <a:sym typeface="Tahoma"/>
+              </a:rPr>
+              <a:t>rozliczanie zużycia (pay-as-you-go)</a:t>
+            </a:r>
+            <a:br>
+              <a:rPr lang="pl" sz="1400">
+                <a:solidFill>
+                  <a:srgbClr val="000000"/>
+                </a:solidFill>
+                <a:latin typeface="Tahoma"/>
+                <a:ea typeface="Tahoma"/>
+                <a:cs typeface="Tahoma"/>
+                <a:sym typeface="Tahoma"/>
+              </a:rPr>
+            </a:br>
+            <a:endParaRPr sz="1400">
+              <a:solidFill>
+                <a:srgbClr val="000000"/>
+              </a:solidFill>
+              <a:latin typeface="Tahoma"/>
+              <a:ea typeface="Tahoma"/>
+              <a:cs typeface="Tahoma"/>
+              <a:sym typeface="Tahoma"/>
+            </a:endParaRPr>
+          </a:p>
+          <a:p>
+            <a:pPr indent="0" lvl="0" marL="0" rtl="0" algn="l">
+              <a:lnSpc>
+                <a:spcPct val="100000"/>
+              </a:lnSpc>
+              <a:spcBef>
+                <a:spcPts val="0"/>
+              </a:spcBef>
+              <a:spcAft>
+                <a:spcPts val="0"/>
+              </a:spcAft>
+              <a:buNone/>
+            </a:pPr>
+            <a:r>
+              <a:rPr b="1" lang="pl" sz="1400">
+                <a:solidFill>
+                  <a:srgbClr val="000000"/>
+                </a:solidFill>
+                <a:latin typeface="Tahoma"/>
+                <a:ea typeface="Tahoma"/>
+                <a:cs typeface="Tahoma"/>
+                <a:sym typeface="Tahoma"/>
+              </a:rPr>
+              <a:t>Przykłady narzędzi:</a:t>
+            </a:r>
+            <a:endParaRPr b="1" sz="1400">
+              <a:solidFill>
+                <a:srgbClr val="000000"/>
+              </a:solidFill>
+              <a:latin typeface="Tahoma"/>
+              <a:ea typeface="Tahoma"/>
+              <a:cs typeface="Tahoma"/>
+              <a:sym typeface="Tahoma"/>
+            </a:endParaRPr>
+          </a:p>
+          <a:p>
+            <a:pPr indent="-317500" lvl="0" marL="457200" rtl="0" algn="l">
+              <a:lnSpc>
+                <a:spcPct val="100000"/>
+              </a:lnSpc>
+              <a:spcBef>
+                <a:spcPts val="0"/>
+              </a:spcBef>
+              <a:spcAft>
+                <a:spcPts val="0"/>
+              </a:spcAft>
+              <a:buClr>
+                <a:srgbClr val="000000"/>
+              </a:buClr>
+              <a:buSzPts val="1400"/>
+              <a:buFont typeface="Tahoma"/>
+              <a:buChar char="●"/>
+            </a:pPr>
+            <a:r>
+              <a:rPr lang="pl" sz="1400">
+                <a:solidFill>
+                  <a:srgbClr val="000000"/>
+                </a:solidFill>
+                <a:latin typeface="Tahoma"/>
+                <a:ea typeface="Tahoma"/>
+                <a:cs typeface="Tahoma"/>
+                <a:sym typeface="Tahoma"/>
+              </a:rPr>
+              <a:t>AWS CloudWatch</a:t>
+            </a:r>
+            <a:endParaRPr sz="1400">
+              <a:solidFill>
+                <a:srgbClr val="000000"/>
+              </a:solidFill>
+              <a:latin typeface="Tahoma"/>
+              <a:ea typeface="Tahoma"/>
+              <a:cs typeface="Tahoma"/>
+              <a:sym typeface="Tahoma"/>
+            </a:endParaRPr>
+          </a:p>
+          <a:p>
+            <a:pPr indent="-317500" lvl="0" marL="457200" rtl="0" algn="l">
+              <a:lnSpc>
+                <a:spcPct val="100000"/>
+              </a:lnSpc>
+              <a:spcBef>
+                <a:spcPts val="0"/>
+              </a:spcBef>
+              <a:spcAft>
+                <a:spcPts val="0"/>
+              </a:spcAft>
+              <a:buClr>
+                <a:srgbClr val="000000"/>
+              </a:buClr>
+              <a:buSzPts val="1400"/>
+              <a:buFont typeface="Tahoma"/>
+              <a:buChar char="●"/>
+            </a:pPr>
+            <a:r>
+              <a:rPr lang="pl" sz="1400">
+                <a:solidFill>
+                  <a:srgbClr val="000000"/>
+                </a:solidFill>
+                <a:latin typeface="Tahoma"/>
+                <a:ea typeface="Tahoma"/>
+                <a:cs typeface="Tahoma"/>
+                <a:sym typeface="Tahoma"/>
+              </a:rPr>
+              <a:t>Azure Monitor</a:t>
+            </a:r>
+            <a:endParaRPr sz="1400">
+              <a:latin typeface="Tahoma"/>
+              <a:ea typeface="Tahoma"/>
+              <a:cs typeface="Tahoma"/>
+              <a:sym typeface="Tahoma"/>
+            </a:endParaRPr>
+          </a:p>
+        </p:txBody>
+      </p:sp>
+    </p:spTree>
+  </p:cSld>
+  <p:clrMapOvr>
+    <a:masterClrMapping/>
+  </p:clrMapOvr>
+</p:sld>
+</file>
+
+<file path=ppt/slides/slide93.xml><?xml version="1.0" encoding="utf-8"?>
+<p:sld xmlns:a="http://schemas.openxmlformats.org/drawingml/2006/main" xmlns:r="http://schemas.openxmlformats.org/officeDocument/2006/relationships" xmlns:mc="http://schemas.openxmlformats.org/markup-compatibility/2006" xmlns:mv="urn:schemas-microsoft-com:mac:vml" xmlns:p="http://schemas.openxmlformats.org/presentationml/2006/main" xmlns:c="http://schemas.openxmlformats.org/drawingml/2006/chart" xmlns:dgm="http://schemas.openxmlformats.org/drawingml/2006/diagram" xmlns:o="urn:schemas-microsoft-com:office:office" xmlns:v="urn:schemas-microsoft-com:vml" xmlns:pvml="urn:schemas-microsoft-com:office:powerpoint" xmlns:com="http://schemas.openxmlformats.org/drawingml/2006/compatibility" xmlns:p14="http://schemas.microsoft.com/office/powerpoint/2010/main" xmlns:p15="http://schemas.microsoft.com/office/powerpoint/2012/main" xmlns:ahyp="http://schemas.microsoft.com/office/drawing/2018/hyperlinkcolor">
+  <p:cSld>
+    <p:spTree>
+      <p:nvGrpSpPr>
+        <p:cNvPr id="641" name="Shape 641"/>
+        <p:cNvGrpSpPr/>
+        <p:nvPr/>
+      </p:nvGrpSpPr>
+      <p:grpSpPr>
+        <a:xfrm>
+          <a:off x="0" y="0"/>
+          <a:ext cx="0" cy="0"/>
+          <a:chOff x="0" y="0"/>
+          <a:chExt cx="0" cy="0"/>
+        </a:xfrm>
+      </p:grpSpPr>
+      <p:sp>
+        <p:nvSpPr>
+          <p:cNvPr id="642" name="Google Shape;642;p105"/>
+          <p:cNvSpPr txBox="1"/>
+          <p:nvPr>
+            <p:ph type="title"/>
+          </p:nvPr>
+        </p:nvSpPr>
+        <p:spPr>
+          <a:xfrm>
+            <a:off x="729450" y="1318650"/>
+            <a:ext cx="7688700" cy="535200"/>
+          </a:xfrm>
+          <a:prstGeom prst="rect">
+            <a:avLst/>
+          </a:prstGeom>
+        </p:spPr>
+        <p:txBody>
+          <a:bodyPr anchorCtr="0" anchor="t" bIns="91425" lIns="91425" spcFirstLastPara="1" rIns="91425" wrap="square" tIns="91425">
+            <a:noAutofit/>
+          </a:bodyPr>
+          <a:lstStyle/>
+          <a:p>
+            <a:pPr indent="0" lvl="0" marL="0" rtl="0" algn="l">
+              <a:spcBef>
+                <a:spcPts val="0"/>
+              </a:spcBef>
+              <a:spcAft>
+                <a:spcPts val="0"/>
+              </a:spcAft>
+              <a:buSzPts val="990"/>
+              <a:buNone/>
+            </a:pPr>
+            <a:r>
+              <a:rPr lang="pl" sz="2440">
+                <a:latin typeface="Tahoma"/>
+                <a:ea typeface="Tahoma"/>
+                <a:cs typeface="Tahoma"/>
+                <a:sym typeface="Tahoma"/>
+              </a:rPr>
+              <a:t>Warstwa dostępu użytkownika</a:t>
+            </a:r>
+            <a:endParaRPr sz="2440">
+              <a:latin typeface="Tahoma"/>
+              <a:ea typeface="Tahoma"/>
+              <a:cs typeface="Tahoma"/>
+              <a:sym typeface="Tahoma"/>
+            </a:endParaRPr>
+          </a:p>
+        </p:txBody>
+      </p:sp>
+      <p:sp>
+        <p:nvSpPr>
+          <p:cNvPr id="643" name="Google Shape;643;p105"/>
+          <p:cNvSpPr txBox="1"/>
+          <p:nvPr>
+            <p:ph idx="1" type="body"/>
+          </p:nvPr>
+        </p:nvSpPr>
+        <p:spPr>
+          <a:xfrm>
+            <a:off x="729450" y="2078875"/>
+            <a:ext cx="7688700" cy="2261100"/>
+          </a:xfrm>
+          <a:prstGeom prst="rect">
+            <a:avLst/>
+          </a:prstGeom>
+        </p:spPr>
+        <p:txBody>
+          <a:bodyPr anchorCtr="0" anchor="t" bIns="91425" lIns="91425" spcFirstLastPara="1" rIns="91425" wrap="square" tIns="91425">
+            <a:normAutofit/>
+          </a:bodyPr>
+          <a:lstStyle/>
+          <a:p>
+            <a:pPr indent="0" lvl="0" marL="0" rtl="0" algn="l">
+              <a:lnSpc>
+                <a:spcPct val="100000"/>
+              </a:lnSpc>
+              <a:spcBef>
+                <a:spcPts val="0"/>
+              </a:spcBef>
+              <a:spcAft>
+                <a:spcPts val="0"/>
+              </a:spcAft>
+              <a:buNone/>
+            </a:pPr>
+            <a:r>
+              <a:rPr b="1" lang="pl" sz="1400">
+                <a:solidFill>
+                  <a:srgbClr val="351C75"/>
+                </a:solidFill>
+                <a:latin typeface="Tahoma"/>
+                <a:ea typeface="Tahoma"/>
+                <a:cs typeface="Tahoma"/>
+                <a:sym typeface="Tahoma"/>
+              </a:rPr>
+              <a:t>To interfejs, przez który użytkownik korzysta z systemu:</a:t>
+            </a:r>
+            <a:endParaRPr b="1" sz="1400">
+              <a:solidFill>
+                <a:srgbClr val="351C75"/>
+              </a:solidFill>
+              <a:latin typeface="Tahoma"/>
+              <a:ea typeface="Tahoma"/>
+              <a:cs typeface="Tahoma"/>
+              <a:sym typeface="Tahoma"/>
+            </a:endParaRPr>
+          </a:p>
+          <a:p>
+            <a:pPr indent="0" lvl="0" marL="0" rtl="0" algn="l">
+              <a:lnSpc>
+                <a:spcPct val="100000"/>
+              </a:lnSpc>
+              <a:spcBef>
+                <a:spcPts val="0"/>
+              </a:spcBef>
+              <a:spcAft>
+                <a:spcPts val="0"/>
+              </a:spcAft>
+              <a:buNone/>
+            </a:pPr>
+            <a:r>
+              <a:t/>
+            </a:r>
+            <a:endParaRPr sz="1400">
+              <a:solidFill>
+                <a:schemeClr val="dk2"/>
+              </a:solidFill>
+              <a:latin typeface="Tahoma"/>
+              <a:ea typeface="Tahoma"/>
+              <a:cs typeface="Tahoma"/>
+              <a:sym typeface="Tahoma"/>
+            </a:endParaRPr>
+          </a:p>
+          <a:p>
+            <a:pPr indent="-304800" lvl="0" marL="457200" rtl="0" algn="l">
+              <a:lnSpc>
+                <a:spcPct val="100000"/>
+              </a:lnSpc>
+              <a:spcBef>
+                <a:spcPts val="0"/>
+              </a:spcBef>
+              <a:spcAft>
+                <a:spcPts val="0"/>
+              </a:spcAft>
+              <a:buClr>
+                <a:schemeClr val="dk2"/>
+              </a:buClr>
+              <a:buSzPts val="1200"/>
+              <a:buFont typeface="Tahoma"/>
+              <a:buChar char="●"/>
+            </a:pPr>
+            <a:r>
+              <a:rPr lang="pl" sz="1400">
+                <a:solidFill>
+                  <a:schemeClr val="dk2"/>
+                </a:solidFill>
+                <a:latin typeface="Tahoma"/>
+                <a:ea typeface="Tahoma"/>
+                <a:cs typeface="Tahoma"/>
+                <a:sym typeface="Tahoma"/>
+              </a:rPr>
+              <a:t>przeglądarka internetowa</a:t>
+            </a:r>
+            <a:br>
+              <a:rPr lang="pl" sz="1400">
+                <a:solidFill>
+                  <a:schemeClr val="dk2"/>
+                </a:solidFill>
+                <a:latin typeface="Tahoma"/>
+                <a:ea typeface="Tahoma"/>
+                <a:cs typeface="Tahoma"/>
+                <a:sym typeface="Tahoma"/>
+              </a:rPr>
+            </a:br>
+            <a:endParaRPr sz="1400">
+              <a:solidFill>
+                <a:schemeClr val="dk2"/>
+              </a:solidFill>
+              <a:latin typeface="Tahoma"/>
+              <a:ea typeface="Tahoma"/>
+              <a:cs typeface="Tahoma"/>
+              <a:sym typeface="Tahoma"/>
+            </a:endParaRPr>
+          </a:p>
+          <a:p>
+            <a:pPr indent="-304800" lvl="0" marL="457200" rtl="0" algn="l">
+              <a:lnSpc>
+                <a:spcPct val="100000"/>
+              </a:lnSpc>
+              <a:spcBef>
+                <a:spcPts val="0"/>
+              </a:spcBef>
+              <a:spcAft>
+                <a:spcPts val="0"/>
+              </a:spcAft>
+              <a:buClr>
+                <a:schemeClr val="dk2"/>
+              </a:buClr>
+              <a:buSzPts val="1200"/>
+              <a:buFont typeface="Tahoma"/>
+              <a:buChar char="●"/>
+            </a:pPr>
+            <a:r>
+              <a:rPr lang="pl" sz="1400">
+                <a:solidFill>
+                  <a:schemeClr val="dk2"/>
+                </a:solidFill>
+                <a:latin typeface="Tahoma"/>
+                <a:ea typeface="Tahoma"/>
+                <a:cs typeface="Tahoma"/>
+                <a:sym typeface="Tahoma"/>
+              </a:rPr>
+              <a:t>aplikacja mobilna</a:t>
+            </a:r>
+            <a:br>
+              <a:rPr lang="pl" sz="1400">
+                <a:solidFill>
+                  <a:schemeClr val="dk2"/>
+                </a:solidFill>
+                <a:latin typeface="Tahoma"/>
+                <a:ea typeface="Tahoma"/>
+                <a:cs typeface="Tahoma"/>
+                <a:sym typeface="Tahoma"/>
+              </a:rPr>
+            </a:br>
+            <a:endParaRPr sz="1400">
+              <a:solidFill>
+                <a:schemeClr val="dk2"/>
+              </a:solidFill>
+              <a:latin typeface="Tahoma"/>
+              <a:ea typeface="Tahoma"/>
+              <a:cs typeface="Tahoma"/>
+              <a:sym typeface="Tahoma"/>
+            </a:endParaRPr>
+          </a:p>
+          <a:p>
+            <a:pPr indent="-304800" lvl="0" marL="457200" rtl="0" algn="l">
+              <a:lnSpc>
+                <a:spcPct val="100000"/>
+              </a:lnSpc>
+              <a:spcBef>
+                <a:spcPts val="0"/>
+              </a:spcBef>
+              <a:spcAft>
+                <a:spcPts val="0"/>
+              </a:spcAft>
+              <a:buClr>
+                <a:schemeClr val="dk2"/>
+              </a:buClr>
+              <a:buSzPts val="1200"/>
+              <a:buFont typeface="Tahoma"/>
+              <a:buChar char="●"/>
+            </a:pPr>
+            <a:r>
+              <a:rPr lang="pl" sz="1400">
+                <a:solidFill>
+                  <a:schemeClr val="dk2"/>
+                </a:solidFill>
+                <a:latin typeface="Tahoma"/>
+                <a:ea typeface="Tahoma"/>
+                <a:cs typeface="Tahoma"/>
+                <a:sym typeface="Tahoma"/>
+              </a:rPr>
+              <a:t>API</a:t>
+            </a:r>
+            <a:endParaRPr sz="1400">
+              <a:solidFill>
+                <a:schemeClr val="dk2"/>
+              </a:solidFill>
+              <a:latin typeface="Tahoma"/>
+              <a:ea typeface="Tahoma"/>
+              <a:cs typeface="Tahoma"/>
+              <a:sym typeface="Tahoma"/>
+            </a:endParaRPr>
+          </a:p>
+        </p:txBody>
+      </p:sp>
+    </p:spTree>
+  </p:cSld>
+  <p:clrMapOvr>
+    <a:masterClrMapping/>
+  </p:clrMapOvr>
+</p:sld>
+</file>
+
+<file path=ppt/slides/slide94.xml><?xml version="1.0" encoding="utf-8"?>
+<p:sld xmlns:a="http://schemas.openxmlformats.org/drawingml/2006/main" xmlns:r="http://schemas.openxmlformats.org/officeDocument/2006/relationships" xmlns:mc="http://schemas.openxmlformats.org/markup-compatibility/2006" xmlns:mv="urn:schemas-microsoft-com:mac:vml" xmlns:p="http://schemas.openxmlformats.org/presentationml/2006/main" xmlns:c="http://schemas.openxmlformats.org/drawingml/2006/chart" xmlns:dgm="http://schemas.openxmlformats.org/drawingml/2006/diagram" xmlns:o="urn:schemas-microsoft-com:office:office" xmlns:v="urn:schemas-microsoft-com:vml" xmlns:pvml="urn:schemas-microsoft-com:office:powerpoint" xmlns:com="http://schemas.openxmlformats.org/drawingml/2006/compatibility" xmlns:p14="http://schemas.microsoft.com/office/powerpoint/2010/main" xmlns:p15="http://schemas.microsoft.com/office/powerpoint/2012/main" xmlns:ahyp="http://schemas.microsoft.com/office/drawing/2018/hyperlinkcolor">
+  <p:cSld>
+    <p:spTree>
+      <p:nvGrpSpPr>
+        <p:cNvPr id="647" name="Shape 647"/>
+        <p:cNvGrpSpPr/>
+        <p:nvPr/>
+      </p:nvGrpSpPr>
+      <p:grpSpPr>
+        <a:xfrm>
+          <a:off x="0" y="0"/>
+          <a:ext cx="0" cy="0"/>
+          <a:chOff x="0" y="0"/>
+          <a:chExt cx="0" cy="0"/>
+        </a:xfrm>
+      </p:grpSpPr>
+      <p:sp>
+        <p:nvSpPr>
+          <p:cNvPr id="648" name="Google Shape;648;p106"/>
+          <p:cNvSpPr txBox="1"/>
+          <p:nvPr>
+            <p:ph type="title"/>
+          </p:nvPr>
+        </p:nvSpPr>
+        <p:spPr>
+          <a:xfrm>
+            <a:off x="729450" y="1318650"/>
+            <a:ext cx="7688700" cy="535200"/>
+          </a:xfrm>
+          <a:prstGeom prst="rect">
+            <a:avLst/>
+          </a:prstGeom>
+        </p:spPr>
+        <p:txBody>
+          <a:bodyPr anchorCtr="0" anchor="t" bIns="91425" lIns="91425" spcFirstLastPara="1" rIns="91425" wrap="square" tIns="91425">
+            <a:noAutofit/>
+          </a:bodyPr>
+          <a:lstStyle/>
+          <a:p>
+            <a:pPr indent="0" lvl="0" marL="0" rtl="0" algn="l">
+              <a:spcBef>
+                <a:spcPts val="0"/>
+              </a:spcBef>
+              <a:spcAft>
+                <a:spcPts val="0"/>
+              </a:spcAft>
+              <a:buSzPts val="990"/>
+              <a:buNone/>
+            </a:pPr>
+            <a:r>
+              <a:rPr lang="pl" sz="2440">
+                <a:latin typeface="Tahoma"/>
+                <a:ea typeface="Tahoma"/>
+                <a:cs typeface="Tahoma"/>
+                <a:sym typeface="Tahoma"/>
+              </a:rPr>
+              <a:t>Schemat uproszczony</a:t>
+            </a:r>
+            <a:endParaRPr sz="2440">
+              <a:latin typeface="Tahoma"/>
+              <a:ea typeface="Tahoma"/>
+              <a:cs typeface="Tahoma"/>
+              <a:sym typeface="Tahoma"/>
+            </a:endParaRPr>
+          </a:p>
+        </p:txBody>
+      </p:sp>
+      <p:sp>
+        <p:nvSpPr>
+          <p:cNvPr id="649" name="Google Shape;649;p106"/>
+          <p:cNvSpPr txBox="1"/>
+          <p:nvPr>
+            <p:ph idx="1" type="body"/>
+          </p:nvPr>
+        </p:nvSpPr>
+        <p:spPr>
+          <a:xfrm>
+            <a:off x="729450" y="2078875"/>
+            <a:ext cx="7688700" cy="2261100"/>
+          </a:xfrm>
+          <a:prstGeom prst="rect">
+            <a:avLst/>
+          </a:prstGeom>
+        </p:spPr>
+        <p:txBody>
+          <a:bodyPr anchorCtr="0" anchor="t" bIns="91425" lIns="91425" spcFirstLastPara="1" rIns="91425" wrap="square" tIns="91425">
+            <a:normAutofit/>
+          </a:bodyPr>
+          <a:lstStyle/>
+          <a:p>
+            <a:pPr indent="0" lvl="0" marL="0" rtl="0" algn="ctr">
+              <a:lnSpc>
+                <a:spcPct val="100000"/>
+              </a:lnSpc>
+              <a:spcBef>
+                <a:spcPts val="0"/>
+              </a:spcBef>
+              <a:spcAft>
+                <a:spcPts val="0"/>
+              </a:spcAft>
+              <a:buNone/>
+            </a:pPr>
+            <a:r>
+              <a:rPr b="1" lang="pl">
+                <a:solidFill>
+                  <a:srgbClr val="7F6000"/>
+                </a:solidFill>
+                <a:latin typeface="Tahoma"/>
+                <a:ea typeface="Tahoma"/>
+                <a:cs typeface="Tahoma"/>
+                <a:sym typeface="Tahoma"/>
+              </a:rPr>
+              <a:t>Użytkownik</a:t>
+            </a:r>
+            <a:endParaRPr b="1">
+              <a:solidFill>
+                <a:srgbClr val="7F6000"/>
+              </a:solidFill>
+              <a:latin typeface="Tahoma"/>
+              <a:ea typeface="Tahoma"/>
+              <a:cs typeface="Tahoma"/>
+              <a:sym typeface="Tahoma"/>
+            </a:endParaRPr>
+          </a:p>
+          <a:p>
+            <a:pPr indent="0" lvl="0" marL="0" rtl="0" algn="ctr">
+              <a:lnSpc>
+                <a:spcPct val="100000"/>
+              </a:lnSpc>
+              <a:spcBef>
+                <a:spcPts val="0"/>
+              </a:spcBef>
+              <a:spcAft>
+                <a:spcPts val="0"/>
+              </a:spcAft>
+              <a:buNone/>
+            </a:pPr>
+            <a:r>
+              <a:rPr b="1" lang="pl">
+                <a:solidFill>
+                  <a:srgbClr val="7F6000"/>
+                </a:solidFill>
+                <a:latin typeface="Tahoma"/>
+                <a:ea typeface="Tahoma"/>
+                <a:cs typeface="Tahoma"/>
+                <a:sym typeface="Tahoma"/>
+              </a:rPr>
+              <a:t>   ↓</a:t>
+            </a:r>
+            <a:endParaRPr b="1">
+              <a:solidFill>
+                <a:srgbClr val="7F6000"/>
+              </a:solidFill>
+              <a:latin typeface="Tahoma"/>
+              <a:ea typeface="Tahoma"/>
+              <a:cs typeface="Tahoma"/>
+              <a:sym typeface="Tahoma"/>
+            </a:endParaRPr>
+          </a:p>
+          <a:p>
+            <a:pPr indent="0" lvl="0" marL="0" rtl="0" algn="ctr">
+              <a:lnSpc>
+                <a:spcPct val="100000"/>
+              </a:lnSpc>
+              <a:spcBef>
+                <a:spcPts val="0"/>
+              </a:spcBef>
+              <a:spcAft>
+                <a:spcPts val="0"/>
+              </a:spcAft>
+              <a:buNone/>
+            </a:pPr>
+            <a:r>
+              <a:rPr b="1" lang="pl">
+                <a:solidFill>
+                  <a:srgbClr val="7F6000"/>
+                </a:solidFill>
+                <a:latin typeface="Tahoma"/>
+                <a:ea typeface="Tahoma"/>
+                <a:cs typeface="Tahoma"/>
+                <a:sym typeface="Tahoma"/>
+              </a:rPr>
+              <a:t>Aplikacja (SaaS)</a:t>
+            </a:r>
+            <a:endParaRPr b="1">
+              <a:solidFill>
+                <a:srgbClr val="7F6000"/>
+              </a:solidFill>
+              <a:latin typeface="Tahoma"/>
+              <a:ea typeface="Tahoma"/>
+              <a:cs typeface="Tahoma"/>
+              <a:sym typeface="Tahoma"/>
+            </a:endParaRPr>
+          </a:p>
+          <a:p>
+            <a:pPr indent="0" lvl="0" marL="0" rtl="0" algn="ctr">
+              <a:lnSpc>
+                <a:spcPct val="100000"/>
+              </a:lnSpc>
+              <a:spcBef>
+                <a:spcPts val="0"/>
+              </a:spcBef>
+              <a:spcAft>
+                <a:spcPts val="0"/>
+              </a:spcAft>
+              <a:buNone/>
+            </a:pPr>
+            <a:r>
+              <a:rPr b="1" lang="pl">
+                <a:solidFill>
+                  <a:srgbClr val="7F6000"/>
+                </a:solidFill>
+                <a:latin typeface="Tahoma"/>
+                <a:ea typeface="Tahoma"/>
+                <a:cs typeface="Tahoma"/>
+                <a:sym typeface="Tahoma"/>
+              </a:rPr>
+              <a:t>   ↓</a:t>
+            </a:r>
+            <a:endParaRPr b="1">
+              <a:solidFill>
+                <a:srgbClr val="7F6000"/>
+              </a:solidFill>
+              <a:latin typeface="Tahoma"/>
+              <a:ea typeface="Tahoma"/>
+              <a:cs typeface="Tahoma"/>
+              <a:sym typeface="Tahoma"/>
+            </a:endParaRPr>
+          </a:p>
+          <a:p>
+            <a:pPr indent="0" lvl="0" marL="0" rtl="0" algn="ctr">
+              <a:lnSpc>
+                <a:spcPct val="100000"/>
+              </a:lnSpc>
+              <a:spcBef>
+                <a:spcPts val="0"/>
+              </a:spcBef>
+              <a:spcAft>
+                <a:spcPts val="0"/>
+              </a:spcAft>
+              <a:buNone/>
+            </a:pPr>
+            <a:r>
+              <a:rPr b="1" lang="pl">
+                <a:solidFill>
+                  <a:srgbClr val="7F6000"/>
+                </a:solidFill>
+                <a:latin typeface="Tahoma"/>
+                <a:ea typeface="Tahoma"/>
+                <a:cs typeface="Tahoma"/>
+                <a:sym typeface="Tahoma"/>
+              </a:rPr>
+              <a:t>Platforma (PaaS)</a:t>
+            </a:r>
+            <a:endParaRPr b="1">
+              <a:solidFill>
+                <a:srgbClr val="7F6000"/>
+              </a:solidFill>
+              <a:latin typeface="Tahoma"/>
+              <a:ea typeface="Tahoma"/>
+              <a:cs typeface="Tahoma"/>
+              <a:sym typeface="Tahoma"/>
+            </a:endParaRPr>
+          </a:p>
+          <a:p>
+            <a:pPr indent="0" lvl="0" marL="0" rtl="0" algn="ctr">
+              <a:lnSpc>
+                <a:spcPct val="100000"/>
+              </a:lnSpc>
+              <a:spcBef>
+                <a:spcPts val="0"/>
+              </a:spcBef>
+              <a:spcAft>
+                <a:spcPts val="0"/>
+              </a:spcAft>
+              <a:buNone/>
+            </a:pPr>
+            <a:r>
+              <a:rPr b="1" lang="pl">
+                <a:solidFill>
+                  <a:srgbClr val="7F6000"/>
+                </a:solidFill>
+                <a:latin typeface="Tahoma"/>
+                <a:ea typeface="Tahoma"/>
+                <a:cs typeface="Tahoma"/>
+                <a:sym typeface="Tahoma"/>
+              </a:rPr>
+              <a:t>   ↓</a:t>
+            </a:r>
+            <a:endParaRPr b="1">
+              <a:solidFill>
+                <a:srgbClr val="7F6000"/>
+              </a:solidFill>
+              <a:latin typeface="Tahoma"/>
+              <a:ea typeface="Tahoma"/>
+              <a:cs typeface="Tahoma"/>
+              <a:sym typeface="Tahoma"/>
+            </a:endParaRPr>
+          </a:p>
+          <a:p>
+            <a:pPr indent="0" lvl="0" marL="0" rtl="0" algn="ctr">
+              <a:lnSpc>
+                <a:spcPct val="100000"/>
+              </a:lnSpc>
+              <a:spcBef>
+                <a:spcPts val="0"/>
+              </a:spcBef>
+              <a:spcAft>
+                <a:spcPts val="0"/>
+              </a:spcAft>
+              <a:buNone/>
+            </a:pPr>
+            <a:r>
+              <a:rPr b="1" lang="pl">
+                <a:solidFill>
+                  <a:srgbClr val="7F6000"/>
+                </a:solidFill>
+                <a:latin typeface="Tahoma"/>
+                <a:ea typeface="Tahoma"/>
+                <a:cs typeface="Tahoma"/>
+                <a:sym typeface="Tahoma"/>
+              </a:rPr>
+              <a:t>Infrastruktura (IaaS)</a:t>
+            </a:r>
+            <a:endParaRPr b="1">
+              <a:solidFill>
+                <a:srgbClr val="7F6000"/>
+              </a:solidFill>
+              <a:latin typeface="Tahoma"/>
+              <a:ea typeface="Tahoma"/>
+              <a:cs typeface="Tahoma"/>
+              <a:sym typeface="Tahoma"/>
+            </a:endParaRPr>
+          </a:p>
+          <a:p>
+            <a:pPr indent="0" lvl="0" marL="0" rtl="0" algn="ctr">
+              <a:lnSpc>
+                <a:spcPct val="100000"/>
+              </a:lnSpc>
+              <a:spcBef>
+                <a:spcPts val="0"/>
+              </a:spcBef>
+              <a:spcAft>
+                <a:spcPts val="0"/>
+              </a:spcAft>
+              <a:buNone/>
+            </a:pPr>
+            <a:r>
+              <a:rPr b="1" lang="pl">
+                <a:solidFill>
+                  <a:srgbClr val="7F6000"/>
+                </a:solidFill>
+                <a:latin typeface="Tahoma"/>
+                <a:ea typeface="Tahoma"/>
+                <a:cs typeface="Tahoma"/>
+                <a:sym typeface="Tahoma"/>
+              </a:rPr>
+              <a:t>   ↓</a:t>
+            </a:r>
+            <a:endParaRPr b="1">
+              <a:solidFill>
+                <a:srgbClr val="7F6000"/>
+              </a:solidFill>
+              <a:latin typeface="Tahoma"/>
+              <a:ea typeface="Tahoma"/>
+              <a:cs typeface="Tahoma"/>
+              <a:sym typeface="Tahoma"/>
+            </a:endParaRPr>
+          </a:p>
+          <a:p>
+            <a:pPr indent="0" lvl="0" marL="0" rtl="0" algn="ctr">
+              <a:lnSpc>
+                <a:spcPct val="100000"/>
+              </a:lnSpc>
+              <a:spcBef>
+                <a:spcPts val="0"/>
+              </a:spcBef>
+              <a:spcAft>
+                <a:spcPts val="0"/>
+              </a:spcAft>
+              <a:buNone/>
+            </a:pPr>
+            <a:r>
+              <a:rPr b="1" lang="pl">
+                <a:solidFill>
+                  <a:srgbClr val="7F6000"/>
+                </a:solidFill>
+                <a:latin typeface="Tahoma"/>
+                <a:ea typeface="Tahoma"/>
+                <a:cs typeface="Tahoma"/>
+                <a:sym typeface="Tahoma"/>
+              </a:rPr>
+              <a:t>Centra danych</a:t>
+            </a:r>
+            <a:endParaRPr b="1">
+              <a:solidFill>
+                <a:srgbClr val="7F6000"/>
+              </a:solidFill>
+              <a:latin typeface="Tahoma"/>
+              <a:ea typeface="Tahoma"/>
+              <a:cs typeface="Tahoma"/>
+              <a:sym typeface="Tahoma"/>
+            </a:endParaRPr>
+          </a:p>
+          <a:p>
+            <a:pPr indent="0" lvl="0" marL="0" rtl="0" algn="l">
+              <a:lnSpc>
+                <a:spcPct val="100000"/>
+              </a:lnSpc>
+              <a:spcBef>
+                <a:spcPts val="0"/>
+              </a:spcBef>
+              <a:spcAft>
+                <a:spcPts val="0"/>
+              </a:spcAft>
+              <a:buNone/>
+            </a:pPr>
+            <a:r>
+              <a:t/>
+            </a:r>
+            <a:endParaRPr b="1">
+              <a:solidFill>
+                <a:srgbClr val="7F6000"/>
+              </a:solidFill>
+              <a:latin typeface="Tahoma"/>
+              <a:ea typeface="Tahoma"/>
+              <a:cs typeface="Tahoma"/>
+              <a:sym typeface="Tahoma"/>
+            </a:endParaRPr>
+          </a:p>
+        </p:txBody>
+      </p:sp>
+    </p:spTree>
+  </p:cSld>
+  <p:clrMapOvr>
+    <a:masterClrMapping/>
+  </p:clrMapOvr>
+</p:sld>
+</file>
+
+<file path=ppt/slides/slide95.xml><?xml version="1.0" encoding="utf-8"?>
+<p:sld xmlns:a="http://schemas.openxmlformats.org/drawingml/2006/main" xmlns:r="http://schemas.openxmlformats.org/officeDocument/2006/relationships" xmlns:mc="http://schemas.openxmlformats.org/markup-compatibility/2006" xmlns:mv="urn:schemas-microsoft-com:mac:vml" xmlns:p="http://schemas.openxmlformats.org/presentationml/2006/main" xmlns:c="http://schemas.openxmlformats.org/drawingml/2006/chart" xmlns:dgm="http://schemas.openxmlformats.org/drawingml/2006/diagram" xmlns:o="urn:schemas-microsoft-com:office:office" xmlns:v="urn:schemas-microsoft-com:vml" xmlns:pvml="urn:schemas-microsoft-com:office:powerpoint" xmlns:com="http://schemas.openxmlformats.org/drawingml/2006/compatibility" xmlns:p14="http://schemas.microsoft.com/office/powerpoint/2010/main" xmlns:p15="http://schemas.microsoft.com/office/powerpoint/2012/main" xmlns:ahyp="http://schemas.microsoft.com/office/drawing/2018/hyperlinkcolor">
+  <p:cSld>
+    <p:spTree>
+      <p:nvGrpSpPr>
+        <p:cNvPr id="653" name="Shape 653"/>
+        <p:cNvGrpSpPr/>
+        <p:nvPr/>
+      </p:nvGrpSpPr>
+      <p:grpSpPr>
+        <a:xfrm>
+          <a:off x="0" y="0"/>
+          <a:ext cx="0" cy="0"/>
+          <a:chOff x="0" y="0"/>
+          <a:chExt cx="0" cy="0"/>
+        </a:xfrm>
+      </p:grpSpPr>
+      <p:sp>
+        <p:nvSpPr>
+          <p:cNvPr id="654" name="Google Shape;654;p107"/>
+          <p:cNvSpPr txBox="1"/>
+          <p:nvPr>
+            <p:ph type="title"/>
+          </p:nvPr>
+        </p:nvSpPr>
+        <p:spPr>
+          <a:xfrm>
+            <a:off x="729450" y="1318650"/>
+            <a:ext cx="7688700" cy="535200"/>
+          </a:xfrm>
+          <a:prstGeom prst="rect">
+            <a:avLst/>
+          </a:prstGeom>
+        </p:spPr>
+        <p:txBody>
+          <a:bodyPr anchorCtr="0" anchor="t" bIns="91425" lIns="91425" spcFirstLastPara="1" rIns="91425" wrap="square" tIns="91425">
+            <a:normAutofit fontScale="90000"/>
+          </a:bodyPr>
+          <a:lstStyle/>
+          <a:p>
+            <a:pPr indent="0" lvl="0" marL="0" rtl="0" algn="l">
+              <a:spcBef>
+                <a:spcPts val="0"/>
+              </a:spcBef>
+              <a:spcAft>
+                <a:spcPts val="0"/>
+              </a:spcAft>
+              <a:buNone/>
+            </a:pPr>
+            <a:r>
+              <a:t/>
+            </a:r>
+            <a:endParaRPr/>
+          </a:p>
+        </p:txBody>
+      </p:sp>
+      <p:sp>
+        <p:nvSpPr>
+          <p:cNvPr id="655" name="Google Shape;655;p107"/>
+          <p:cNvSpPr txBox="1"/>
+          <p:nvPr>
+            <p:ph idx="1" type="body"/>
+          </p:nvPr>
+        </p:nvSpPr>
+        <p:spPr>
+          <a:xfrm>
+            <a:off x="729450" y="2078875"/>
+            <a:ext cx="7688700" cy="2261100"/>
+          </a:xfrm>
+          <a:prstGeom prst="rect">
+            <a:avLst/>
+          </a:prstGeom>
+        </p:spPr>
+        <p:txBody>
+          <a:bodyPr anchorCtr="0" anchor="t" bIns="91425" lIns="91425" spcFirstLastPara="1" rIns="91425" wrap="square" tIns="91425">
+            <a:normAutofit/>
+          </a:bodyPr>
+          <a:lstStyle/>
+          <a:p>
+            <a:pPr indent="0" lvl="0" marL="0" rtl="0" algn="l">
+              <a:spcBef>
+                <a:spcPts val="0"/>
+              </a:spcBef>
+              <a:spcAft>
+                <a:spcPts val="0"/>
+              </a:spcAft>
+              <a:buNone/>
+            </a:pPr>
+            <a:r>
+              <a:rPr b="1" lang="pl" sz="2300">
+                <a:solidFill>
+                  <a:srgbClr val="FF0000"/>
+                </a:solidFill>
+              </a:rPr>
+              <a:t>kartkówki do poprawy </a:t>
+            </a:r>
+            <a:endParaRPr b="1" sz="2300">
+              <a:solidFill>
+                <a:srgbClr val="FF0000"/>
+              </a:solidFill>
+            </a:endParaRPr>
+          </a:p>
+          <a:p>
+            <a:pPr indent="0" lvl="0" marL="0" rtl="0" algn="l">
+              <a:spcBef>
+                <a:spcPts val="1200"/>
+              </a:spcBef>
+              <a:spcAft>
+                <a:spcPts val="1200"/>
+              </a:spcAft>
+              <a:buNone/>
+            </a:pPr>
+            <a:r>
+              <a:rPr b="1" lang="pl" sz="2300">
+                <a:solidFill>
+                  <a:srgbClr val="FF0000"/>
+                </a:solidFill>
+              </a:rPr>
+              <a:t>Serchi po świętach prowadzi lekcje, a na następnej poprawia ostatnią kartkówkę</a:t>
             </a:r>
             <a:endParaRPr/>
           </a:p>
